--- a/presentation/AIスピーカー開発_3_main.pptx
+++ b/presentation/AIスピーカー開発_3_main.pptx
@@ -5,7 +5,7 @@
     <p:sldMasterId id="2147483648" r:id="rId1"/>
   </p:sldMasterIdLst>
   <p:notesMasterIdLst>
-    <p:notesMasterId r:id="rId18"/>
+    <p:notesMasterId r:id="rId21"/>
   </p:notesMasterIdLst>
   <p:sldIdLst>
     <p:sldId id="256" r:id="rId2"/>
@@ -13,17 +13,20 @@
     <p:sldId id="258" r:id="rId4"/>
     <p:sldId id="259" r:id="rId5"/>
     <p:sldId id="260" r:id="rId6"/>
-    <p:sldId id="261" r:id="rId7"/>
-    <p:sldId id="271" r:id="rId8"/>
-    <p:sldId id="262" r:id="rId9"/>
-    <p:sldId id="270" r:id="rId10"/>
-    <p:sldId id="263" r:id="rId11"/>
-    <p:sldId id="264" r:id="rId12"/>
-    <p:sldId id="265" r:id="rId13"/>
-    <p:sldId id="269" r:id="rId14"/>
-    <p:sldId id="266" r:id="rId15"/>
-    <p:sldId id="267" r:id="rId16"/>
-    <p:sldId id="268" r:id="rId17"/>
+    <p:sldId id="272" r:id="rId7"/>
+    <p:sldId id="261" r:id="rId8"/>
+    <p:sldId id="271" r:id="rId9"/>
+    <p:sldId id="262" r:id="rId10"/>
+    <p:sldId id="270" r:id="rId11"/>
+    <p:sldId id="263" r:id="rId12"/>
+    <p:sldId id="264" r:id="rId13"/>
+    <p:sldId id="273" r:id="rId14"/>
+    <p:sldId id="274" r:id="rId15"/>
+    <p:sldId id="265" r:id="rId16"/>
+    <p:sldId id="269" r:id="rId17"/>
+    <p:sldId id="266" r:id="rId18"/>
+    <p:sldId id="267" r:id="rId19"/>
+    <p:sldId id="268" r:id="rId20"/>
   </p:sldIdLst>
   <p:sldSz cx="12192000" cy="6858000"/>
   <p:notesSz cx="6858000" cy="9144000"/>
@@ -212,7 +215,7 @@
           <a:p>
             <a:fld id="{D3FBB20C-20C4-49AD-85A3-C66C862503B5}" type="datetimeFigureOut">
               <a:rPr kumimoji="1" lang="ja-JP" altLang="en-US" smtClean="0"/>
-              <a:t>2021/12/17</a:t>
+              <a:t>2021/12/29</a:t>
             </a:fld>
             <a:endParaRPr kumimoji="1" lang="ja-JP" altLang="en-US"/>
           </a:p>
@@ -747,6 +750,129 @@
           <a:lstStyle/>
           <a:p>
             <a:r>
+              <a:rPr kumimoji="1" lang="en-US" altLang="ja-JP" dirty="0"/>
+              <a:t>Julius</a:t>
+            </a:r>
+            <a:r>
+              <a:rPr kumimoji="1" lang="ja-JP" altLang="en-US" dirty="0"/>
+              <a:t>と</a:t>
+            </a:r>
+            <a:r>
+              <a:rPr kumimoji="1" lang="en-US" altLang="ja-JP" dirty="0"/>
+              <a:t>Python</a:t>
+            </a:r>
+            <a:r>
+              <a:rPr kumimoji="1" lang="ja-JP" altLang="en-US" dirty="0"/>
+              <a:t>の連携については、御覧の図の通りです。</a:t>
+            </a:r>
+            <a:endParaRPr kumimoji="1" lang="en-US" altLang="ja-JP" dirty="0"/>
+          </a:p>
+          <a:p>
+            <a:r>
+              <a:rPr kumimoji="1" lang="ja-JP" altLang="en-US" dirty="0"/>
+              <a:t>まず</a:t>
+            </a:r>
+            <a:r>
+              <a:rPr kumimoji="1" lang="en-US" altLang="ja-JP" dirty="0"/>
+              <a:t>Julius</a:t>
+            </a:r>
+            <a:r>
+              <a:rPr kumimoji="1" lang="ja-JP" altLang="en-US" dirty="0"/>
+              <a:t>サーバを起動させておき、そのあとで</a:t>
+            </a:r>
+            <a:r>
+              <a:rPr kumimoji="1" lang="en-US" altLang="ja-JP" dirty="0"/>
+              <a:t>Python</a:t>
+            </a:r>
+            <a:r>
+              <a:rPr kumimoji="1" lang="ja-JP" altLang="en-US" dirty="0"/>
+              <a:t>プログラムを実行させます。</a:t>
+            </a:r>
+            <a:endParaRPr kumimoji="1" lang="en-US" altLang="ja-JP" dirty="0"/>
+          </a:p>
+        </p:txBody>
+      </p:sp>
+      <p:sp>
+        <p:nvSpPr>
+          <p:cNvPr id="4" name="スライド番号プレースホルダー 3"/>
+          <p:cNvSpPr>
+            <a:spLocks noGrp="1"/>
+          </p:cNvSpPr>
+          <p:nvPr>
+            <p:ph type="sldNum" sz="quarter" idx="5"/>
+          </p:nvPr>
+        </p:nvSpPr>
+        <p:spPr/>
+        <p:txBody>
+          <a:bodyPr/>
+          <a:lstStyle/>
+          <a:p>
+            <a:fld id="{1A2E7C28-4903-4521-8E60-0F80C627678B}" type="slidenum">
+              <a:rPr kumimoji="1" lang="ja-JP" altLang="en-US" smtClean="0"/>
+              <a:t>6</a:t>
+            </a:fld>
+            <a:endParaRPr kumimoji="1" lang="ja-JP" altLang="en-US"/>
+          </a:p>
+        </p:txBody>
+      </p:sp>
+    </p:spTree>
+    <p:extLst>
+      <p:ext uri="{BB962C8B-B14F-4D97-AF65-F5344CB8AC3E}">
+        <p14:creationId xmlns:p14="http://schemas.microsoft.com/office/powerpoint/2010/main" val="3807156665"/>
+      </p:ext>
+    </p:extLst>
+  </p:cSld>
+  <p:clrMapOvr>
+    <a:masterClrMapping/>
+  </p:clrMapOvr>
+</p:notes>
+</file>
+
+<file path=ppt/notesSlides/notesSlide4.xml><?xml version="1.0" encoding="utf-8"?>
+<p:notes xmlns:a="http://schemas.openxmlformats.org/drawingml/2006/main" xmlns:r="http://schemas.openxmlformats.org/officeDocument/2006/relationships" xmlns:p="http://schemas.openxmlformats.org/presentationml/2006/main">
+  <p:cSld>
+    <p:spTree>
+      <p:nvGrpSpPr>
+        <p:cNvPr id="1" name=""/>
+        <p:cNvGrpSpPr/>
+        <p:nvPr/>
+      </p:nvGrpSpPr>
+      <p:grpSpPr>
+        <a:xfrm>
+          <a:off x="0" y="0"/>
+          <a:ext cx="0" cy="0"/>
+          <a:chOff x="0" y="0"/>
+          <a:chExt cx="0" cy="0"/>
+        </a:xfrm>
+      </p:grpSpPr>
+      <p:sp>
+        <p:nvSpPr>
+          <p:cNvPr id="2" name="スライド イメージ プレースホルダー 1"/>
+          <p:cNvSpPr>
+            <a:spLocks noGrp="1" noRot="1" noChangeAspect="1"/>
+          </p:cNvSpPr>
+          <p:nvPr>
+            <p:ph type="sldImg"/>
+          </p:nvPr>
+        </p:nvSpPr>
+        <p:spPr/>
+      </p:sp>
+      <p:sp>
+        <p:nvSpPr>
+          <p:cNvPr id="3" name="ノート プレースホルダー 2"/>
+          <p:cNvSpPr>
+            <a:spLocks noGrp="1"/>
+          </p:cNvSpPr>
+          <p:nvPr>
+            <p:ph type="body" idx="1"/>
+          </p:nvPr>
+        </p:nvSpPr>
+        <p:spPr/>
+        <p:txBody>
+          <a:bodyPr/>
+          <a:lstStyle/>
+          <a:p>
+            <a:r>
               <a:rPr kumimoji="1" lang="ja-JP" altLang="en-US" dirty="0"/>
               <a:t>よしえにいってもーら</a:t>
             </a:r>
@@ -778,7 +904,7 @@
           <a:p>
             <a:fld id="{1A2E7C28-4903-4521-8E60-0F80C627678B}" type="slidenum">
               <a:rPr kumimoji="1" lang="ja-JP" altLang="en-US" smtClean="0"/>
-              <a:t>16</a:t>
+              <a:t>19</a:t>
             </a:fld>
             <a:endParaRPr kumimoji="1" lang="ja-JP" altLang="en-US"/>
           </a:p>
@@ -944,7 +1070,7 @@
           <a:p>
             <a:fld id="{C63D219B-6862-4E6A-9F9E-C4C4759712F9}" type="datetimeFigureOut">
               <a:rPr kumimoji="1" lang="ja-JP" altLang="en-US" smtClean="0"/>
-              <a:t>2021/12/17</a:t>
+              <a:t>2021/12/29</a:t>
             </a:fld>
             <a:endParaRPr kumimoji="1" lang="ja-JP" altLang="en-US"/>
           </a:p>
@@ -1174,7 +1300,7 @@
           <a:p>
             <a:fld id="{C63D219B-6862-4E6A-9F9E-C4C4759712F9}" type="datetimeFigureOut">
               <a:rPr kumimoji="1" lang="ja-JP" altLang="en-US" smtClean="0"/>
-              <a:t>2021/12/17</a:t>
+              <a:t>2021/12/29</a:t>
             </a:fld>
             <a:endParaRPr kumimoji="1" lang="ja-JP" altLang="en-US"/>
           </a:p>
@@ -1414,7 +1540,7 @@
           <a:p>
             <a:fld id="{C63D219B-6862-4E6A-9F9E-C4C4759712F9}" type="datetimeFigureOut">
               <a:rPr kumimoji="1" lang="ja-JP" altLang="en-US" smtClean="0"/>
-              <a:t>2021/12/17</a:t>
+              <a:t>2021/12/29</a:t>
             </a:fld>
             <a:endParaRPr kumimoji="1" lang="ja-JP" altLang="en-US"/>
           </a:p>
@@ -1644,7 +1770,7 @@
           <a:p>
             <a:fld id="{C63D219B-6862-4E6A-9F9E-C4C4759712F9}" type="datetimeFigureOut">
               <a:rPr kumimoji="1" lang="ja-JP" altLang="en-US" smtClean="0"/>
-              <a:t>2021/12/17</a:t>
+              <a:t>2021/12/29</a:t>
             </a:fld>
             <a:endParaRPr kumimoji="1" lang="ja-JP" altLang="en-US"/>
           </a:p>
@@ -1919,7 +2045,7 @@
           <a:p>
             <a:fld id="{C63D219B-6862-4E6A-9F9E-C4C4759712F9}" type="datetimeFigureOut">
               <a:rPr kumimoji="1" lang="ja-JP" altLang="en-US" smtClean="0"/>
-              <a:t>2021/12/17</a:t>
+              <a:t>2021/12/29</a:t>
             </a:fld>
             <a:endParaRPr kumimoji="1" lang="ja-JP" altLang="en-US"/>
           </a:p>
@@ -2248,7 +2374,7 @@
           <a:p>
             <a:fld id="{C63D219B-6862-4E6A-9F9E-C4C4759712F9}" type="datetimeFigureOut">
               <a:rPr kumimoji="1" lang="ja-JP" altLang="en-US" smtClean="0"/>
-              <a:t>2021/12/17</a:t>
+              <a:t>2021/12/29</a:t>
             </a:fld>
             <a:endParaRPr kumimoji="1" lang="ja-JP" altLang="en-US"/>
           </a:p>
@@ -2724,7 +2850,7 @@
           <a:p>
             <a:fld id="{C63D219B-6862-4E6A-9F9E-C4C4759712F9}" type="datetimeFigureOut">
               <a:rPr kumimoji="1" lang="ja-JP" altLang="en-US" smtClean="0"/>
-              <a:t>2021/12/17</a:t>
+              <a:t>2021/12/29</a:t>
             </a:fld>
             <a:endParaRPr kumimoji="1" lang="ja-JP" altLang="en-US"/>
           </a:p>
@@ -2865,7 +2991,7 @@
           <a:p>
             <a:fld id="{C63D219B-6862-4E6A-9F9E-C4C4759712F9}" type="datetimeFigureOut">
               <a:rPr kumimoji="1" lang="ja-JP" altLang="en-US" smtClean="0"/>
-              <a:t>2021/12/17</a:t>
+              <a:t>2021/12/29</a:t>
             </a:fld>
             <a:endParaRPr kumimoji="1" lang="ja-JP" altLang="en-US"/>
           </a:p>
@@ -2978,7 +3104,7 @@
           <a:p>
             <a:fld id="{C63D219B-6862-4E6A-9F9E-C4C4759712F9}" type="datetimeFigureOut">
               <a:rPr kumimoji="1" lang="ja-JP" altLang="en-US" smtClean="0"/>
-              <a:t>2021/12/17</a:t>
+              <a:t>2021/12/29</a:t>
             </a:fld>
             <a:endParaRPr kumimoji="1" lang="ja-JP" altLang="en-US"/>
           </a:p>
@@ -3321,7 +3447,7 @@
           <a:p>
             <a:fld id="{C63D219B-6862-4E6A-9F9E-C4C4759712F9}" type="datetimeFigureOut">
               <a:rPr kumimoji="1" lang="ja-JP" altLang="en-US" smtClean="0"/>
-              <a:t>2021/12/17</a:t>
+              <a:t>2021/12/29</a:t>
             </a:fld>
             <a:endParaRPr kumimoji="1" lang="ja-JP" altLang="en-US"/>
           </a:p>
@@ -3609,7 +3735,7 @@
           <a:p>
             <a:fld id="{C63D219B-6862-4E6A-9F9E-C4C4759712F9}" type="datetimeFigureOut">
               <a:rPr kumimoji="1" lang="ja-JP" altLang="en-US" smtClean="0"/>
-              <a:t>2021/12/17</a:t>
+              <a:t>2021/12/29</a:t>
             </a:fld>
             <a:endParaRPr kumimoji="1" lang="ja-JP" altLang="en-US"/>
           </a:p>
@@ -3909,7 +4035,7 @@
           <a:p>
             <a:fld id="{C63D219B-6862-4E6A-9F9E-C4C4759712F9}" type="datetimeFigureOut">
               <a:rPr kumimoji="1" lang="ja-JP" altLang="en-US" smtClean="0"/>
-              <a:t>2021/12/17</a:t>
+              <a:t>2021/12/29</a:t>
             </a:fld>
             <a:endParaRPr kumimoji="1" lang="ja-JP" altLang="en-US"/>
           </a:p>
@@ -4312,6 +4438,40 @@
 <file path=ppt/slides/slide1.xml><?xml version="1.0" encoding="utf-8"?>
 <p:sld xmlns:a="http://schemas.openxmlformats.org/drawingml/2006/main" xmlns:r="http://schemas.openxmlformats.org/officeDocument/2006/relationships" xmlns:p="http://schemas.openxmlformats.org/presentationml/2006/main">
   <p:cSld>
+    <p:bg>
+      <p:bgPr>
+        <a:gradFill flip="none" rotWithShape="1">
+          <a:gsLst>
+            <a:gs pos="0">
+              <a:srgbClr val="F0B97C">
+                <a:alpha val="97000"/>
+              </a:srgbClr>
+            </a:gs>
+            <a:gs pos="100000">
+              <a:srgbClr val="F1BD83"/>
+            </a:gs>
+            <a:gs pos="81000">
+              <a:srgbClr val="F0B97C"/>
+            </a:gs>
+            <a:gs pos="83000">
+              <a:srgbClr val="FF0000"/>
+            </a:gs>
+            <a:gs pos="83000">
+              <a:srgbClr val="F86446"/>
+            </a:gs>
+            <a:gs pos="83000">
+              <a:srgbClr val="F1BD83"/>
+            </a:gs>
+            <a:gs pos="81000">
+              <a:srgbClr val="FF0000"/>
+            </a:gs>
+          </a:gsLst>
+          <a:lin ang="5400000" scaled="1"/>
+          <a:tileRect/>
+        </a:gradFill>
+        <a:effectLst/>
+      </p:bgPr>
+    </p:bg>
     <p:spTree>
       <p:nvGrpSpPr>
         <p:cNvPr id="1" name=""/>
@@ -4575,7 +4735,7 @@
           <p:cNvPr id="2" name="タイトル 1">
             <a:extLst>
               <a:ext uri="{FF2B5EF4-FFF2-40B4-BE49-F238E27FC236}">
-                <a16:creationId xmlns:a16="http://schemas.microsoft.com/office/drawing/2014/main" id="{3B84D43F-F80B-40CE-BAA6-B9DFBE0CA5B9}"/>
+                <a16:creationId xmlns:a16="http://schemas.microsoft.com/office/drawing/2014/main" id="{549688B5-67DA-428A-92E6-3D3B28BFC143}"/>
               </a:ext>
             </a:extLst>
           </p:cNvPr>
@@ -4592,10 +4752,9 @@
           <a:lstStyle/>
           <a:p>
             <a:r>
-              <a:rPr kumimoji="1" lang="en-US" altLang="ja-JP" dirty="0"/>
-              <a:t>fastText</a:t>
-            </a:r>
-            <a:endParaRPr kumimoji="1" lang="ja-JP" altLang="en-US" dirty="0"/>
+              <a:rPr kumimoji="1" lang="ja-JP" altLang="en-US" dirty="0"/>
+              <a:t>テキスト分類の仕組み</a:t>
+            </a:r>
           </a:p>
         </p:txBody>
       </p:sp>
@@ -4604,7 +4763,7 @@
           <p:cNvPr id="3" name="コンテンツ プレースホルダー 2">
             <a:extLst>
               <a:ext uri="{FF2B5EF4-FFF2-40B4-BE49-F238E27FC236}">
-                <a16:creationId xmlns:a16="http://schemas.microsoft.com/office/drawing/2014/main" id="{A68B4BBE-92D2-4DCF-B6A5-0E40E2D9BFF9}"/>
+                <a16:creationId xmlns:a16="http://schemas.microsoft.com/office/drawing/2014/main" id="{B6B6A2C6-E821-404C-9429-4F30D1E7A255}"/>
               </a:ext>
             </a:extLst>
           </p:cNvPr>
@@ -4620,24 +4779,14 @@
           <a:bodyPr/>
           <a:lstStyle/>
           <a:p>
-            <a:r>
-              <a:rPr kumimoji="1" lang="ja-JP" altLang="en-US" dirty="0"/>
-              <a:t>機械学習周り</a:t>
-            </a:r>
-            <a:endParaRPr kumimoji="1" lang="en-US" altLang="ja-JP" dirty="0"/>
-          </a:p>
-          <a:p>
-            <a:r>
-              <a:rPr kumimoji="1" lang="ja-JP" altLang="en-US" dirty="0"/>
-              <a:t>トレーニングデータ</a:t>
-            </a:r>
+            <a:endParaRPr kumimoji="1" lang="ja-JP" altLang="en-US"/>
           </a:p>
         </p:txBody>
       </p:sp>
     </p:spTree>
     <p:extLst>
       <p:ext uri="{BB962C8B-B14F-4D97-AF65-F5344CB8AC3E}">
-        <p14:creationId xmlns:p14="http://schemas.microsoft.com/office/powerpoint/2010/main" val="2305918178"/>
+        <p14:creationId xmlns:p14="http://schemas.microsoft.com/office/powerpoint/2010/main" val="692832931"/>
       </p:ext>
     </p:extLst>
   </p:cSld>
@@ -4669,7 +4818,7 @@
           <p:cNvPr id="2" name="タイトル 1">
             <a:extLst>
               <a:ext uri="{FF2B5EF4-FFF2-40B4-BE49-F238E27FC236}">
-                <a16:creationId xmlns:a16="http://schemas.microsoft.com/office/drawing/2014/main" id="{0239366D-FD02-4D32-AA25-FA5687E2E9A8}"/>
+                <a16:creationId xmlns:a16="http://schemas.microsoft.com/office/drawing/2014/main" id="{3B84D43F-F80B-40CE-BAA6-B9DFBE0CA5B9}"/>
               </a:ext>
             </a:extLst>
           </p:cNvPr>
@@ -4686,41 +4835,52 @@
           <a:lstStyle/>
           <a:p>
             <a:r>
+              <a:rPr kumimoji="1" lang="en-US" altLang="ja-JP" dirty="0"/>
+              <a:t>fastText</a:t>
+            </a:r>
+            <a:endParaRPr kumimoji="1" lang="ja-JP" altLang="en-US" dirty="0"/>
+          </a:p>
+        </p:txBody>
+      </p:sp>
+      <p:sp>
+        <p:nvSpPr>
+          <p:cNvPr id="3" name="コンテンツ プレースホルダー 2">
+            <a:extLst>
+              <a:ext uri="{FF2B5EF4-FFF2-40B4-BE49-F238E27FC236}">
+                <a16:creationId xmlns:a16="http://schemas.microsoft.com/office/drawing/2014/main" id="{A68B4BBE-92D2-4DCF-B6A5-0E40E2D9BFF9}"/>
+              </a:ext>
+            </a:extLst>
+          </p:cNvPr>
+          <p:cNvSpPr>
+            <a:spLocks noGrp="1"/>
+          </p:cNvSpPr>
+          <p:nvPr>
+            <p:ph idx="1"/>
+          </p:nvPr>
+        </p:nvSpPr>
+        <p:spPr/>
+        <p:txBody>
+          <a:bodyPr/>
+          <a:lstStyle/>
+          <a:p>
+            <a:r>
               <a:rPr kumimoji="1" lang="ja-JP" altLang="en-US" dirty="0"/>
-              <a:t>データ取得</a:t>
-            </a:r>
-          </a:p>
-        </p:txBody>
-      </p:sp>
-      <p:sp>
-        <p:nvSpPr>
-          <p:cNvPr id="3" name="コンテンツ プレースホルダー 2">
-            <a:extLst>
-              <a:ext uri="{FF2B5EF4-FFF2-40B4-BE49-F238E27FC236}">
-                <a16:creationId xmlns:a16="http://schemas.microsoft.com/office/drawing/2014/main" id="{2714D079-74EA-42AF-9886-A31DAA6C24C9}"/>
-              </a:ext>
-            </a:extLst>
-          </p:cNvPr>
-          <p:cNvSpPr>
-            <a:spLocks noGrp="1"/>
-          </p:cNvSpPr>
-          <p:nvPr>
-            <p:ph idx="1"/>
-          </p:nvPr>
-        </p:nvSpPr>
-        <p:spPr/>
-        <p:txBody>
-          <a:bodyPr/>
-          <a:lstStyle/>
-          <a:p>
-            <a:endParaRPr kumimoji="1" lang="ja-JP" altLang="en-US"/>
+              <a:t>機械学習周り</a:t>
+            </a:r>
+            <a:endParaRPr kumimoji="1" lang="en-US" altLang="ja-JP" dirty="0"/>
+          </a:p>
+          <a:p>
+            <a:r>
+              <a:rPr kumimoji="1" lang="ja-JP" altLang="en-US" dirty="0"/>
+              <a:t>トレーニングデータ</a:t>
+            </a:r>
           </a:p>
         </p:txBody>
       </p:sp>
     </p:spTree>
     <p:extLst>
       <p:ext uri="{BB962C8B-B14F-4D97-AF65-F5344CB8AC3E}">
-        <p14:creationId xmlns:p14="http://schemas.microsoft.com/office/powerpoint/2010/main" val="2705134270"/>
+        <p14:creationId xmlns:p14="http://schemas.microsoft.com/office/powerpoint/2010/main" val="2305918178"/>
       </p:ext>
     </p:extLst>
   </p:cSld>
@@ -4752,7 +4912,7 @@
           <p:cNvPr id="2" name="タイトル 1">
             <a:extLst>
               <a:ext uri="{FF2B5EF4-FFF2-40B4-BE49-F238E27FC236}">
-                <a16:creationId xmlns:a16="http://schemas.microsoft.com/office/drawing/2014/main" id="{416FDF28-DE91-4559-964D-FBBF51F99738}"/>
+                <a16:creationId xmlns:a16="http://schemas.microsoft.com/office/drawing/2014/main" id="{0239366D-FD02-4D32-AA25-FA5687E2E9A8}"/>
               </a:ext>
             </a:extLst>
           </p:cNvPr>
@@ -4769,10 +4929,9 @@
           <a:lstStyle/>
           <a:p>
             <a:r>
-              <a:rPr kumimoji="1" lang="en-US" altLang="ja-JP" dirty="0" err="1"/>
-              <a:t>OpenJtalk</a:t>
-            </a:r>
-            <a:endParaRPr kumimoji="1" lang="ja-JP" altLang="en-US" dirty="0"/>
+              <a:rPr kumimoji="1" lang="ja-JP" altLang="en-US" dirty="0"/>
+              <a:t>データ取得</a:t>
+            </a:r>
           </a:p>
         </p:txBody>
       </p:sp>
@@ -4781,7 +4940,7 @@
           <p:cNvPr id="3" name="コンテンツ プレースホルダー 2">
             <a:extLst>
               <a:ext uri="{FF2B5EF4-FFF2-40B4-BE49-F238E27FC236}">
-                <a16:creationId xmlns:a16="http://schemas.microsoft.com/office/drawing/2014/main" id="{7739CC25-5B0B-4F49-AA2A-71E2700494BC}"/>
+                <a16:creationId xmlns:a16="http://schemas.microsoft.com/office/drawing/2014/main" id="{2714D079-74EA-42AF-9886-A31DAA6C24C9}"/>
               </a:ext>
             </a:extLst>
           </p:cNvPr>
@@ -4792,23 +4951,380 @@
             <p:ph idx="1"/>
           </p:nvPr>
         </p:nvSpPr>
-        <p:spPr/>
-        <p:txBody>
-          <a:bodyPr/>
-          <a:lstStyle/>
-          <a:p>
-            <a:r>
-              <a:rPr kumimoji="1" lang="ja-JP" altLang="en-US" dirty="0"/>
-              <a:t>作成・再生の分割</a:t>
-            </a:r>
-            <a:endParaRPr kumimoji="1" lang="en-US" altLang="ja-JP" dirty="0"/>
+        <p:spPr>
+          <a:xfrm>
+            <a:off x="838200" y="1690688"/>
+            <a:ext cx="10515600" cy="4351338"/>
+          </a:xfrm>
+        </p:spPr>
+        <p:txBody>
+          <a:bodyPr>
+            <a:normAutofit/>
+          </a:bodyPr>
+          <a:lstStyle/>
+          <a:p>
+            <a:r>
+              <a:rPr kumimoji="1" lang="ja-JP" altLang="en-US" sz="3200" dirty="0"/>
+              <a:t>スクレイピング</a:t>
+            </a:r>
+            <a:r>
+              <a:rPr kumimoji="1" lang="en-US" altLang="ja-JP" sz="3200" dirty="0"/>
+              <a:t>(BeautifulSoup4)</a:t>
+            </a:r>
+          </a:p>
+          <a:p>
+            <a:pPr lvl="1"/>
+            <a:r>
+              <a:rPr kumimoji="1" lang="en-US" altLang="ja-JP" sz="2800" dirty="0"/>
+              <a:t>Web</a:t>
+            </a:r>
+            <a:r>
+              <a:rPr kumimoji="1" lang="ja-JP" altLang="en-US" sz="2800" dirty="0"/>
+              <a:t>ページからテキストデータを取得</a:t>
+            </a:r>
+            <a:endParaRPr kumimoji="1" lang="en-US" altLang="ja-JP" sz="2800" dirty="0"/>
+          </a:p>
+          <a:p>
+            <a:pPr lvl="1"/>
+            <a:r>
+              <a:rPr lang="ja-JP" altLang="en-US" sz="3200" b="1" dirty="0"/>
+              <a:t>天気予報</a:t>
+            </a:r>
+            <a:endParaRPr lang="en-US" altLang="ja-JP" sz="3200" b="1" dirty="0"/>
+          </a:p>
+          <a:p>
+            <a:pPr lvl="1"/>
+            <a:r>
+              <a:rPr kumimoji="1" lang="ja-JP" altLang="en-US" sz="3200" b="1" dirty="0"/>
+              <a:t>ニュース</a:t>
+            </a:r>
+            <a:endParaRPr kumimoji="1" lang="en-US" altLang="ja-JP" sz="3200" b="1" dirty="0"/>
+          </a:p>
+          <a:p>
+            <a:pPr lvl="1"/>
+            <a:r>
+              <a:rPr kumimoji="1" lang="ja-JP" altLang="en-US" sz="3200" b="1" dirty="0"/>
+              <a:t>星座占い</a:t>
+            </a:r>
+            <a:endParaRPr kumimoji="1" lang="en-US" altLang="ja-JP" sz="2800" b="1" dirty="0"/>
+          </a:p>
+          <a:p>
+            <a:r>
+              <a:rPr kumimoji="1" lang="ja-JP" altLang="en-US" sz="3200" dirty="0"/>
+              <a:t>時刻取得</a:t>
+            </a:r>
+            <a:r>
+              <a:rPr kumimoji="1" lang="en-US" altLang="ja-JP" sz="3200" dirty="0"/>
+              <a:t>(Datetime</a:t>
+            </a:r>
+            <a:r>
+              <a:rPr kumimoji="1" lang="ja-JP" altLang="en-US" sz="3200" dirty="0"/>
+              <a:t>モジュール</a:t>
+            </a:r>
+            <a:r>
+              <a:rPr kumimoji="1" lang="en-US" altLang="ja-JP" sz="3200" dirty="0"/>
+              <a:t>)</a:t>
+            </a:r>
+          </a:p>
+          <a:p>
+            <a:pPr lvl="1"/>
+            <a:r>
+              <a:rPr lang="ja-JP" altLang="en-US" sz="3200" b="1" dirty="0"/>
+              <a:t> 日 時</a:t>
+            </a:r>
+            <a:endParaRPr kumimoji="1" lang="ja-JP" altLang="en-US" sz="3200" b="1" dirty="0"/>
+          </a:p>
+        </p:txBody>
+      </p:sp>
+      <p:sp>
+        <p:nvSpPr>
+          <p:cNvPr id="4" name="矢印: 右 3">
+            <a:extLst>
+              <a:ext uri="{FF2B5EF4-FFF2-40B4-BE49-F238E27FC236}">
+                <a16:creationId xmlns:a16="http://schemas.microsoft.com/office/drawing/2014/main" id="{34769FBF-812B-4857-BA1F-FD2F39C92F5A}"/>
+              </a:ext>
+            </a:extLst>
+          </p:cNvPr>
+          <p:cNvSpPr/>
+          <p:nvPr/>
+        </p:nvSpPr>
+        <p:spPr>
+          <a:xfrm>
+            <a:off x="3564611" y="2801910"/>
+            <a:ext cx="1270860" cy="155225"/>
+          </a:xfrm>
+          <a:prstGeom prst="rightArrow">
+            <a:avLst/>
+          </a:prstGeom>
+          <a:solidFill>
+            <a:srgbClr val="FF0000"/>
+          </a:solidFill>
+          <a:ln>
+            <a:solidFill>
+              <a:schemeClr val="tx1"/>
+            </a:solidFill>
+          </a:ln>
+        </p:spPr>
+        <p:style>
+          <a:lnRef idx="2">
+            <a:schemeClr val="accent1">
+              <a:shade val="50000"/>
+            </a:schemeClr>
+          </a:lnRef>
+          <a:fillRef idx="1">
+            <a:schemeClr val="accent1"/>
+          </a:fillRef>
+          <a:effectRef idx="0">
+            <a:schemeClr val="accent1"/>
+          </a:effectRef>
+          <a:fontRef idx="minor">
+            <a:schemeClr val="lt1"/>
+          </a:fontRef>
+        </p:style>
+        <p:txBody>
+          <a:bodyPr rtlCol="0" anchor="ctr"/>
+          <a:lstStyle/>
+          <a:p>
+            <a:pPr algn="ctr"/>
+            <a:endParaRPr kumimoji="1" lang="ja-JP" altLang="en-US"/>
+          </a:p>
+        </p:txBody>
+      </p:sp>
+      <p:sp>
+        <p:nvSpPr>
+          <p:cNvPr id="5" name="矢印: 右 4">
+            <a:extLst>
+              <a:ext uri="{FF2B5EF4-FFF2-40B4-BE49-F238E27FC236}">
+                <a16:creationId xmlns:a16="http://schemas.microsoft.com/office/drawing/2014/main" id="{8C48FF94-A834-4C8D-9421-16336A8B819A}"/>
+              </a:ext>
+            </a:extLst>
+          </p:cNvPr>
+          <p:cNvSpPr/>
+          <p:nvPr/>
+        </p:nvSpPr>
+        <p:spPr>
+          <a:xfrm>
+            <a:off x="3564611" y="3337209"/>
+            <a:ext cx="1270860" cy="156426"/>
+          </a:xfrm>
+          <a:prstGeom prst="rightArrow">
+            <a:avLst/>
+          </a:prstGeom>
+          <a:solidFill>
+            <a:srgbClr val="FF0000"/>
+          </a:solidFill>
+          <a:ln>
+            <a:solidFill>
+              <a:schemeClr val="tx1"/>
+            </a:solidFill>
+          </a:ln>
+        </p:spPr>
+        <p:style>
+          <a:lnRef idx="2">
+            <a:schemeClr val="accent1">
+              <a:shade val="50000"/>
+            </a:schemeClr>
+          </a:lnRef>
+          <a:fillRef idx="1">
+            <a:schemeClr val="accent1"/>
+          </a:fillRef>
+          <a:effectRef idx="0">
+            <a:schemeClr val="accent1"/>
+          </a:effectRef>
+          <a:fontRef idx="minor">
+            <a:schemeClr val="lt1"/>
+          </a:fontRef>
+        </p:style>
+        <p:txBody>
+          <a:bodyPr rtlCol="0" anchor="ctr"/>
+          <a:lstStyle/>
+          <a:p>
+            <a:pPr algn="ctr"/>
+            <a:endParaRPr kumimoji="1" lang="ja-JP" altLang="en-US"/>
+          </a:p>
+        </p:txBody>
+      </p:sp>
+      <p:sp>
+        <p:nvSpPr>
+          <p:cNvPr id="6" name="矢印: 右 5">
+            <a:extLst>
+              <a:ext uri="{FF2B5EF4-FFF2-40B4-BE49-F238E27FC236}">
+                <a16:creationId xmlns:a16="http://schemas.microsoft.com/office/drawing/2014/main" id="{776E5C8A-27D9-41C7-82C1-FE63AED0AEF4}"/>
+              </a:ext>
+            </a:extLst>
+          </p:cNvPr>
+          <p:cNvSpPr/>
+          <p:nvPr/>
+        </p:nvSpPr>
+        <p:spPr>
+          <a:xfrm>
+            <a:off x="3564611" y="3796842"/>
+            <a:ext cx="1270860" cy="155225"/>
+          </a:xfrm>
+          <a:prstGeom prst="rightArrow">
+            <a:avLst/>
+          </a:prstGeom>
+          <a:solidFill>
+            <a:srgbClr val="FF0000"/>
+          </a:solidFill>
+          <a:ln>
+            <a:solidFill>
+              <a:schemeClr val="tx1"/>
+            </a:solidFill>
+          </a:ln>
+        </p:spPr>
+        <p:style>
+          <a:lnRef idx="2">
+            <a:schemeClr val="accent1">
+              <a:shade val="50000"/>
+            </a:schemeClr>
+          </a:lnRef>
+          <a:fillRef idx="1">
+            <a:schemeClr val="accent1"/>
+          </a:fillRef>
+          <a:effectRef idx="0">
+            <a:schemeClr val="accent1"/>
+          </a:effectRef>
+          <a:fontRef idx="minor">
+            <a:schemeClr val="lt1"/>
+          </a:fontRef>
+        </p:style>
+        <p:txBody>
+          <a:bodyPr rtlCol="0" anchor="ctr"/>
+          <a:lstStyle/>
+          <a:p>
+            <a:pPr algn="ctr"/>
+            <a:endParaRPr kumimoji="1" lang="ja-JP" altLang="en-US"/>
+          </a:p>
+        </p:txBody>
+      </p:sp>
+      <p:sp>
+        <p:nvSpPr>
+          <p:cNvPr id="7" name="矢印: 右 6">
+            <a:extLst>
+              <a:ext uri="{FF2B5EF4-FFF2-40B4-BE49-F238E27FC236}">
+                <a16:creationId xmlns:a16="http://schemas.microsoft.com/office/drawing/2014/main" id="{D3E589E6-C4D5-4230-8D9E-C763BE431DC1}"/>
+              </a:ext>
+            </a:extLst>
+          </p:cNvPr>
+          <p:cNvSpPr/>
+          <p:nvPr/>
+        </p:nvSpPr>
+        <p:spPr>
+          <a:xfrm>
+            <a:off x="3564611" y="4930802"/>
+            <a:ext cx="1270860" cy="155225"/>
+          </a:xfrm>
+          <a:prstGeom prst="rightArrow">
+            <a:avLst/>
+          </a:prstGeom>
+          <a:solidFill>
+            <a:srgbClr val="FF0000"/>
+          </a:solidFill>
+          <a:ln>
+            <a:solidFill>
+              <a:schemeClr val="tx1"/>
+            </a:solidFill>
+          </a:ln>
+        </p:spPr>
+        <p:style>
+          <a:lnRef idx="2">
+            <a:schemeClr val="accent1">
+              <a:shade val="50000"/>
+            </a:schemeClr>
+          </a:lnRef>
+          <a:fillRef idx="1">
+            <a:schemeClr val="accent1"/>
+          </a:fillRef>
+          <a:effectRef idx="0">
+            <a:schemeClr val="accent1"/>
+          </a:effectRef>
+          <a:fontRef idx="minor">
+            <a:schemeClr val="lt1"/>
+          </a:fontRef>
+        </p:style>
+        <p:txBody>
+          <a:bodyPr rtlCol="0" anchor="ctr"/>
+          <a:lstStyle/>
+          <a:p>
+            <a:pPr algn="ctr"/>
+            <a:endParaRPr kumimoji="1" lang="ja-JP" altLang="en-US"/>
+          </a:p>
+        </p:txBody>
+      </p:sp>
+      <p:sp>
+        <p:nvSpPr>
+          <p:cNvPr id="9" name="テキスト ボックス 8">
+            <a:extLst>
+              <a:ext uri="{FF2B5EF4-FFF2-40B4-BE49-F238E27FC236}">
+                <a16:creationId xmlns:a16="http://schemas.microsoft.com/office/drawing/2014/main" id="{DB1C1048-BCB0-4766-9795-230CC3FCB278}"/>
+              </a:ext>
+            </a:extLst>
+          </p:cNvPr>
+          <p:cNvSpPr txBox="1"/>
+          <p:nvPr/>
+        </p:nvSpPr>
+        <p:spPr>
+          <a:xfrm>
+            <a:off x="5190641" y="2520906"/>
+            <a:ext cx="3338591" cy="2862322"/>
+          </a:xfrm>
+          <a:prstGeom prst="rect">
+            <a:avLst/>
+          </a:prstGeom>
+          <a:noFill/>
+        </p:spPr>
+        <p:txBody>
+          <a:bodyPr wrap="square" rtlCol="0">
+            <a:spAutoFit/>
+          </a:bodyPr>
+          <a:lstStyle/>
+          <a:p>
+            <a:r>
+              <a:rPr kumimoji="1" lang="en-US" altLang="ja-JP" sz="3600" b="1" dirty="0"/>
+              <a:t>weather</a:t>
+            </a:r>
+            <a:r>
+              <a:rPr lang="en-US" altLang="ja-JP" sz="3600" b="1" dirty="0"/>
+              <a:t>.txt</a:t>
+            </a:r>
+          </a:p>
+          <a:p>
+            <a:r>
+              <a:rPr lang="en-US" altLang="ja-JP" sz="3600" b="1" dirty="0"/>
+              <a:t>n</a:t>
+            </a:r>
+            <a:r>
+              <a:rPr kumimoji="1" lang="en-US" altLang="ja-JP" sz="3600" b="1" dirty="0"/>
+              <a:t>ews.txt</a:t>
+            </a:r>
+          </a:p>
+          <a:p>
+            <a:r>
+              <a:rPr lang="en-US" altLang="ja-JP" sz="3600" b="1" dirty="0"/>
+              <a:t>fortune.txt</a:t>
+            </a:r>
+          </a:p>
+          <a:p>
+            <a:endParaRPr lang="en-US" altLang="ja-JP" sz="3600" b="1" dirty="0"/>
+          </a:p>
+          <a:p>
+            <a:r>
+              <a:rPr lang="en-US" altLang="ja-JP" sz="3600" b="1" dirty="0"/>
+              <a:t>d</a:t>
+            </a:r>
+            <a:r>
+              <a:rPr kumimoji="1" lang="en-US" altLang="ja-JP" sz="3600" b="1" dirty="0"/>
+              <a:t>ay.txt</a:t>
+            </a:r>
+            <a:endParaRPr kumimoji="1" lang="ja-JP" altLang="en-US" sz="3600" b="1" dirty="0"/>
           </a:p>
         </p:txBody>
       </p:sp>
     </p:spTree>
     <p:extLst>
       <p:ext uri="{BB962C8B-B14F-4D97-AF65-F5344CB8AC3E}">
-        <p14:creationId xmlns:p14="http://schemas.microsoft.com/office/powerpoint/2010/main" val="410217345"/>
+        <p14:creationId xmlns:p14="http://schemas.microsoft.com/office/powerpoint/2010/main" val="2705134270"/>
       </p:ext>
     </p:extLst>
   </p:cSld>
@@ -4840,7 +5356,7 @@
           <p:cNvPr id="2" name="タイトル 1">
             <a:extLst>
               <a:ext uri="{FF2B5EF4-FFF2-40B4-BE49-F238E27FC236}">
-                <a16:creationId xmlns:a16="http://schemas.microsoft.com/office/drawing/2014/main" id="{208E96DD-60EE-481E-BC80-125F1F007D39}"/>
+                <a16:creationId xmlns:a16="http://schemas.microsoft.com/office/drawing/2014/main" id="{0239366D-FD02-4D32-AA25-FA5687E2E9A8}"/>
               </a:ext>
             </a:extLst>
           </p:cNvPr>
@@ -4858,7 +5374,7 @@
           <a:p>
             <a:r>
               <a:rPr kumimoji="1" lang="ja-JP" altLang="en-US" dirty="0"/>
-              <a:t>トラブルの対処</a:t>
+              <a:t>データ取得　定時実行</a:t>
             </a:r>
           </a:p>
         </p:txBody>
@@ -4868,7 +5384,7 @@
           <p:cNvPr id="3" name="コンテンツ プレースホルダー 2">
             <a:extLst>
               <a:ext uri="{FF2B5EF4-FFF2-40B4-BE49-F238E27FC236}">
-                <a16:creationId xmlns:a16="http://schemas.microsoft.com/office/drawing/2014/main" id="{D4342974-17CB-4DEE-BC69-327BEC83B62D}"/>
+                <a16:creationId xmlns:a16="http://schemas.microsoft.com/office/drawing/2014/main" id="{2714D079-74EA-42AF-9886-A31DAA6C24C9}"/>
               </a:ext>
             </a:extLst>
           </p:cNvPr>
@@ -4886,36 +5402,206 @@
           <a:p>
             <a:r>
               <a:rPr kumimoji="1" lang="ja-JP" altLang="en-US" dirty="0"/>
-              <a:t>マイクミュート</a:t>
+              <a:t>ニュース→</a:t>
+            </a:r>
+            <a:r>
+              <a:rPr kumimoji="1" lang="en-US" altLang="ja-JP" dirty="0"/>
+              <a:t>1</a:t>
+            </a:r>
+            <a:r>
+              <a:rPr kumimoji="1" lang="ja-JP" altLang="en-US" dirty="0"/>
+              <a:t>時間毎にスクレイピング実行</a:t>
             </a:r>
             <a:endParaRPr kumimoji="1" lang="en-US" altLang="ja-JP" dirty="0"/>
           </a:p>
           <a:p>
-            <a:pPr lvl="1"/>
-            <a:r>
-              <a:rPr kumimoji="1" lang="ja-JP" altLang="en-US" dirty="0"/>
-              <a:t>シェルスクリプト見せる</a:t>
-            </a:r>
-            <a:endParaRPr kumimoji="1" lang="en-US" altLang="ja-JP" dirty="0"/>
-          </a:p>
-          <a:p>
-            <a:pPr lvl="0"/>
-            <a:r>
-              <a:rPr kumimoji="1" lang="en-US" altLang="ja-JP" dirty="0" err="1"/>
-              <a:t>Etc</a:t>
-            </a:r>
-            <a:r>
-              <a:rPr kumimoji="1" lang="ja-JP" altLang="en-US" dirty="0"/>
-              <a:t>レーン</a:t>
-            </a:r>
-            <a:endParaRPr kumimoji="1" lang="en-US" altLang="ja-JP" dirty="0"/>
+            <a:r>
+              <a:rPr lang="ja-JP" altLang="en-US" dirty="0"/>
+              <a:t>天気予報→</a:t>
+            </a:r>
+            <a:r>
+              <a:rPr lang="en-US" altLang="ja-JP" dirty="0"/>
+              <a:t>2,</a:t>
+            </a:r>
+            <a:r>
+              <a:rPr lang="ja-JP" altLang="en-US" dirty="0"/>
+              <a:t> </a:t>
+            </a:r>
+            <a:r>
+              <a:rPr lang="en-US" altLang="ja-JP" dirty="0"/>
+              <a:t>5, 8, 11, 14, 15, 17, 20</a:t>
+            </a:r>
+            <a:r>
+              <a:rPr lang="ja-JP" altLang="en-US" dirty="0"/>
+              <a:t>時に発表</a:t>
+            </a:r>
+            <a:endParaRPr kumimoji="1" lang="ja-JP" altLang="en-US" dirty="0"/>
+          </a:p>
+        </p:txBody>
+      </p:sp>
+      <p:sp>
+        <p:nvSpPr>
+          <p:cNvPr id="4" name="テキスト ボックス 3">
+            <a:extLst>
+              <a:ext uri="{FF2B5EF4-FFF2-40B4-BE49-F238E27FC236}">
+                <a16:creationId xmlns:a16="http://schemas.microsoft.com/office/drawing/2014/main" id="{E4F411F1-9DF1-4AE9-932A-4D591AF13FC5}"/>
+              </a:ext>
+            </a:extLst>
+          </p:cNvPr>
+          <p:cNvSpPr txBox="1"/>
+          <p:nvPr/>
+        </p:nvSpPr>
+        <p:spPr>
+          <a:xfrm>
+            <a:off x="1863993" y="2789011"/>
+            <a:ext cx="8464013" cy="3847207"/>
+          </a:xfrm>
+          <a:prstGeom prst="rect">
+            <a:avLst/>
+          </a:prstGeom>
+          <a:solidFill>
+            <a:schemeClr val="bg1"/>
+          </a:solidFill>
+          <a:ln>
+            <a:solidFill>
+              <a:schemeClr val="tx1"/>
+            </a:solidFill>
+          </a:ln>
+        </p:spPr>
+        <p:txBody>
+          <a:bodyPr wrap="square" rtlCol="0">
+            <a:spAutoFit/>
+          </a:bodyPr>
+          <a:lstStyle/>
+          <a:p>
+            <a:r>
+              <a:rPr lang="en-US" altLang="ja-JP" sz="3200" b="1" dirty="0"/>
+              <a:t>c</a:t>
+            </a:r>
+            <a:r>
+              <a:rPr kumimoji="1" lang="en-US" altLang="ja-JP" sz="3200" b="1" dirty="0"/>
+              <a:t>ron.py</a:t>
+            </a:r>
+            <a:r>
+              <a:rPr kumimoji="1" lang="ja-JP" altLang="en-US" sz="3200" b="1" dirty="0"/>
+              <a:t>の構造</a:t>
+            </a:r>
+            <a:endParaRPr lang="en-US" altLang="ja-JP" sz="3200" b="1" dirty="0"/>
+          </a:p>
+          <a:p>
+            <a:r>
+              <a:rPr kumimoji="1" lang="ja-JP" altLang="en-US" sz="1600" b="1" dirty="0"/>
+              <a:t>　</a:t>
+            </a:r>
+            <a:endParaRPr kumimoji="1" lang="en-US" altLang="ja-JP" sz="1600" b="1" dirty="0"/>
+          </a:p>
+          <a:p>
+            <a:r>
+              <a:rPr kumimoji="1" lang="ja-JP" altLang="en-US" sz="3200" b="1" dirty="0">
+                <a:solidFill>
+                  <a:srgbClr val="FF0000"/>
+                </a:solidFill>
+              </a:rPr>
+              <a:t>無限ループ</a:t>
+            </a:r>
+            <a:endParaRPr kumimoji="1" lang="en-US" altLang="ja-JP" sz="3200" b="1" dirty="0">
+              <a:solidFill>
+                <a:srgbClr val="FF0000"/>
+              </a:solidFill>
+            </a:endParaRPr>
+          </a:p>
+          <a:p>
+            <a:r>
+              <a:rPr lang="en-US" altLang="ja-JP" sz="3200" b="1" dirty="0"/>
+              <a:t>	</a:t>
+            </a:r>
+            <a:r>
+              <a:rPr lang="ja-JP" altLang="en-US" sz="3200" b="1" dirty="0"/>
+              <a:t>現在時刻を取得</a:t>
+            </a:r>
+            <a:endParaRPr lang="en-US" altLang="ja-JP" sz="3200" b="1" dirty="0"/>
+          </a:p>
+          <a:p>
+            <a:r>
+              <a:rPr lang="en-US" altLang="ja-JP" sz="3200" b="1" dirty="0"/>
+              <a:t>	</a:t>
+            </a:r>
+            <a:r>
+              <a:rPr lang="ja-JP" altLang="en-US" sz="3200" b="1" dirty="0">
+                <a:solidFill>
+                  <a:srgbClr val="FF0000"/>
+                </a:solidFill>
+              </a:rPr>
+              <a:t>時</a:t>
+            </a:r>
+            <a:r>
+              <a:rPr lang="en-US" altLang="ja-JP" sz="3200" b="1" dirty="0">
+                <a:solidFill>
+                  <a:srgbClr val="FF0000"/>
+                </a:solidFill>
+              </a:rPr>
+              <a:t>(hour)</a:t>
+            </a:r>
+            <a:r>
+              <a:rPr lang="ja-JP" altLang="en-US" sz="3200" b="1" dirty="0">
+                <a:solidFill>
+                  <a:srgbClr val="FF0000"/>
+                </a:solidFill>
+              </a:rPr>
+              <a:t>が進んだ時</a:t>
+            </a:r>
+            <a:endParaRPr lang="en-US" altLang="ja-JP" sz="3200" b="1" dirty="0">
+              <a:solidFill>
+                <a:srgbClr val="FF0000"/>
+              </a:solidFill>
+            </a:endParaRPr>
+          </a:p>
+          <a:p>
+            <a:r>
+              <a:rPr kumimoji="1" lang="en-US" altLang="ja-JP" sz="3200" b="1" dirty="0"/>
+              <a:t>		</a:t>
+            </a:r>
+            <a:r>
+              <a:rPr kumimoji="1" lang="ja-JP" altLang="en-US" sz="3200" b="1" dirty="0"/>
+              <a:t>ニュースをスクレイピング</a:t>
+            </a:r>
+            <a:endParaRPr kumimoji="1" lang="en-US" altLang="ja-JP" sz="3200" b="1" dirty="0"/>
+          </a:p>
+          <a:p>
+            <a:r>
+              <a:rPr lang="en-US" altLang="ja-JP" sz="3200" b="1" dirty="0"/>
+              <a:t>		</a:t>
+            </a:r>
+            <a:r>
+              <a:rPr lang="ja-JP" altLang="en-US" sz="3200" b="1" dirty="0">
+                <a:solidFill>
+                  <a:srgbClr val="FF0000"/>
+                </a:solidFill>
+              </a:rPr>
+              <a:t>天気予報の更新時間だった場合</a:t>
+            </a:r>
+            <a:endParaRPr lang="en-US" altLang="ja-JP" sz="3200" b="1" dirty="0">
+              <a:solidFill>
+                <a:srgbClr val="FF0000"/>
+              </a:solidFill>
+            </a:endParaRPr>
+          </a:p>
+          <a:p>
+            <a:r>
+              <a:rPr kumimoji="1" lang="en-US" altLang="ja-JP" sz="3200" b="1" dirty="0"/>
+              <a:t>			</a:t>
+            </a:r>
+            <a:r>
+              <a:rPr kumimoji="1" lang="ja-JP" altLang="en-US" sz="3200" b="1" dirty="0"/>
+              <a:t>天気予報をスクレイピング</a:t>
+            </a:r>
           </a:p>
         </p:txBody>
       </p:sp>
     </p:spTree>
     <p:extLst>
       <p:ext uri="{BB962C8B-B14F-4D97-AF65-F5344CB8AC3E}">
-        <p14:creationId xmlns:p14="http://schemas.microsoft.com/office/powerpoint/2010/main" val="2817091244"/>
+        <p14:creationId xmlns:p14="http://schemas.microsoft.com/office/powerpoint/2010/main" val="3368829154"/>
       </p:ext>
     </p:extLst>
   </p:cSld>
@@ -4947,7 +5633,7 @@
           <p:cNvPr id="2" name="タイトル 1">
             <a:extLst>
               <a:ext uri="{FF2B5EF4-FFF2-40B4-BE49-F238E27FC236}">
-                <a16:creationId xmlns:a16="http://schemas.microsoft.com/office/drawing/2014/main" id="{F24EB109-BC34-41EC-A9D0-C442E52A8779}"/>
+                <a16:creationId xmlns:a16="http://schemas.microsoft.com/office/drawing/2014/main" id="{0239366D-FD02-4D32-AA25-FA5687E2E9A8}"/>
               </a:ext>
             </a:extLst>
           </p:cNvPr>
@@ -4965,47 +5651,50 @@
           <a:p>
             <a:r>
               <a:rPr kumimoji="1" lang="ja-JP" altLang="en-US" dirty="0"/>
-              <a:t>デモンストレーション</a:t>
-            </a:r>
-          </a:p>
-        </p:txBody>
-      </p:sp>
-      <p:sp>
-        <p:nvSpPr>
-          <p:cNvPr id="3" name="コンテンツ プレースホルダー 2">
-            <a:extLst>
-              <a:ext uri="{FF2B5EF4-FFF2-40B4-BE49-F238E27FC236}">
-                <a16:creationId xmlns:a16="http://schemas.microsoft.com/office/drawing/2014/main" id="{69DE47EB-7D6D-49AB-9AD1-0A77390D212D}"/>
-              </a:ext>
-            </a:extLst>
-          </p:cNvPr>
-          <p:cNvSpPr>
-            <a:spLocks noGrp="1"/>
-          </p:cNvSpPr>
+              <a:t>データ取得　定時実行</a:t>
+            </a:r>
+          </a:p>
+        </p:txBody>
+      </p:sp>
+      <p:pic>
+        <p:nvPicPr>
+          <p:cNvPr id="8" name="コンテンツ プレースホルダー 7">
+            <a:extLst>
+              <a:ext uri="{FF2B5EF4-FFF2-40B4-BE49-F238E27FC236}">
+                <a16:creationId xmlns:a16="http://schemas.microsoft.com/office/drawing/2014/main" id="{A6A5C198-EC23-4091-8AF5-A244004DD6F7}"/>
+              </a:ext>
+            </a:extLst>
+          </p:cNvPr>
+          <p:cNvPicPr>
+            <a:picLocks noGrp="1" noChangeAspect="1"/>
+          </p:cNvPicPr>
           <p:nvPr>
             <p:ph idx="1"/>
           </p:nvPr>
-        </p:nvSpPr>
-        <p:spPr/>
-        <p:txBody>
-          <a:bodyPr/>
-          <a:lstStyle/>
-          <a:p>
-            <a:r>
-              <a:rPr kumimoji="1" lang="en-US" altLang="ja-JP" dirty="0"/>
-              <a:t>YoSiE</a:t>
-            </a:r>
-            <a:r>
-              <a:rPr kumimoji="1" lang="ja-JP" altLang="en-US" dirty="0"/>
-              <a:t>の授業参観</a:t>
-            </a:r>
-          </a:p>
-        </p:txBody>
-      </p:sp>
+        </p:nvPicPr>
+        <p:blipFill>
+          <a:blip r:embed="rId2">
+            <a:extLst>
+              <a:ext uri="{28A0092B-C50C-407E-A947-70E740481C1C}">
+                <a14:useLocalDpi xmlns:a14="http://schemas.microsoft.com/office/drawing/2010/main" val="0"/>
+              </a:ext>
+            </a:extLst>
+          </a:blip>
+          <a:stretch>
+            <a:fillRect/>
+          </a:stretch>
+        </p:blipFill>
+        <p:spPr>
+          <a:xfrm>
+            <a:off x="2342257" y="1353173"/>
+            <a:ext cx="7507486" cy="5380841"/>
+          </a:xfrm>
+        </p:spPr>
+      </p:pic>
     </p:spTree>
     <p:extLst>
       <p:ext uri="{BB962C8B-B14F-4D97-AF65-F5344CB8AC3E}">
-        <p14:creationId xmlns:p14="http://schemas.microsoft.com/office/powerpoint/2010/main" val="3683524359"/>
+        <p14:creationId xmlns:p14="http://schemas.microsoft.com/office/powerpoint/2010/main" val="1347989110"/>
       </p:ext>
     </p:extLst>
   </p:cSld>
@@ -5037,6 +5726,287 @@
           <p:cNvPr id="2" name="タイトル 1">
             <a:extLst>
               <a:ext uri="{FF2B5EF4-FFF2-40B4-BE49-F238E27FC236}">
+                <a16:creationId xmlns:a16="http://schemas.microsoft.com/office/drawing/2014/main" id="{416FDF28-DE91-4559-964D-FBBF51F99738}"/>
+              </a:ext>
+            </a:extLst>
+          </p:cNvPr>
+          <p:cNvSpPr>
+            <a:spLocks noGrp="1"/>
+          </p:cNvSpPr>
+          <p:nvPr>
+            <p:ph type="title"/>
+          </p:nvPr>
+        </p:nvSpPr>
+        <p:spPr/>
+        <p:txBody>
+          <a:bodyPr/>
+          <a:lstStyle/>
+          <a:p>
+            <a:r>
+              <a:rPr kumimoji="1" lang="en-US" altLang="ja-JP" dirty="0" err="1"/>
+              <a:t>OpenJtalk</a:t>
+            </a:r>
+            <a:endParaRPr kumimoji="1" lang="ja-JP" altLang="en-US" dirty="0"/>
+          </a:p>
+        </p:txBody>
+      </p:sp>
+      <p:sp>
+        <p:nvSpPr>
+          <p:cNvPr id="3" name="コンテンツ プレースホルダー 2">
+            <a:extLst>
+              <a:ext uri="{FF2B5EF4-FFF2-40B4-BE49-F238E27FC236}">
+                <a16:creationId xmlns:a16="http://schemas.microsoft.com/office/drawing/2014/main" id="{7739CC25-5B0B-4F49-AA2A-71E2700494BC}"/>
+              </a:ext>
+            </a:extLst>
+          </p:cNvPr>
+          <p:cNvSpPr>
+            <a:spLocks noGrp="1"/>
+          </p:cNvSpPr>
+          <p:nvPr>
+            <p:ph idx="1"/>
+          </p:nvPr>
+        </p:nvSpPr>
+        <p:spPr/>
+        <p:txBody>
+          <a:bodyPr/>
+          <a:lstStyle/>
+          <a:p>
+            <a:r>
+              <a:rPr kumimoji="1" lang="ja-JP" altLang="en-US" dirty="0"/>
+              <a:t>作成・再生の分割</a:t>
+            </a:r>
+            <a:endParaRPr kumimoji="1" lang="en-US" altLang="ja-JP" dirty="0"/>
+          </a:p>
+        </p:txBody>
+      </p:sp>
+    </p:spTree>
+    <p:extLst>
+      <p:ext uri="{BB962C8B-B14F-4D97-AF65-F5344CB8AC3E}">
+        <p14:creationId xmlns:p14="http://schemas.microsoft.com/office/powerpoint/2010/main" val="410217345"/>
+      </p:ext>
+    </p:extLst>
+  </p:cSld>
+  <p:clrMapOvr>
+    <a:masterClrMapping/>
+  </p:clrMapOvr>
+</p:sld>
+</file>
+
+<file path=ppt/slides/slide16.xml><?xml version="1.0" encoding="utf-8"?>
+<p:sld xmlns:a="http://schemas.openxmlformats.org/drawingml/2006/main" xmlns:r="http://schemas.openxmlformats.org/officeDocument/2006/relationships" xmlns:p="http://schemas.openxmlformats.org/presentationml/2006/main">
+  <p:cSld>
+    <p:spTree>
+      <p:nvGrpSpPr>
+        <p:cNvPr id="1" name=""/>
+        <p:cNvGrpSpPr/>
+        <p:nvPr/>
+      </p:nvGrpSpPr>
+      <p:grpSpPr>
+        <a:xfrm>
+          <a:off x="0" y="0"/>
+          <a:ext cx="0" cy="0"/>
+          <a:chOff x="0" y="0"/>
+          <a:chExt cx="0" cy="0"/>
+        </a:xfrm>
+      </p:grpSpPr>
+      <p:sp>
+        <p:nvSpPr>
+          <p:cNvPr id="2" name="タイトル 1">
+            <a:extLst>
+              <a:ext uri="{FF2B5EF4-FFF2-40B4-BE49-F238E27FC236}">
+                <a16:creationId xmlns:a16="http://schemas.microsoft.com/office/drawing/2014/main" id="{208E96DD-60EE-481E-BC80-125F1F007D39}"/>
+              </a:ext>
+            </a:extLst>
+          </p:cNvPr>
+          <p:cNvSpPr>
+            <a:spLocks noGrp="1"/>
+          </p:cNvSpPr>
+          <p:nvPr>
+            <p:ph type="title"/>
+          </p:nvPr>
+        </p:nvSpPr>
+        <p:spPr/>
+        <p:txBody>
+          <a:bodyPr/>
+          <a:lstStyle/>
+          <a:p>
+            <a:r>
+              <a:rPr kumimoji="1" lang="ja-JP" altLang="en-US" dirty="0"/>
+              <a:t>トラブルの対処</a:t>
+            </a:r>
+          </a:p>
+        </p:txBody>
+      </p:sp>
+      <p:sp>
+        <p:nvSpPr>
+          <p:cNvPr id="3" name="コンテンツ プレースホルダー 2">
+            <a:extLst>
+              <a:ext uri="{FF2B5EF4-FFF2-40B4-BE49-F238E27FC236}">
+                <a16:creationId xmlns:a16="http://schemas.microsoft.com/office/drawing/2014/main" id="{D4342974-17CB-4DEE-BC69-327BEC83B62D}"/>
+              </a:ext>
+            </a:extLst>
+          </p:cNvPr>
+          <p:cNvSpPr>
+            <a:spLocks noGrp="1"/>
+          </p:cNvSpPr>
+          <p:nvPr>
+            <p:ph idx="1"/>
+          </p:nvPr>
+        </p:nvSpPr>
+        <p:spPr/>
+        <p:txBody>
+          <a:bodyPr/>
+          <a:lstStyle/>
+          <a:p>
+            <a:r>
+              <a:rPr kumimoji="1" lang="ja-JP" altLang="en-US" dirty="0"/>
+              <a:t>マイクミュート</a:t>
+            </a:r>
+            <a:endParaRPr kumimoji="1" lang="en-US" altLang="ja-JP" dirty="0"/>
+          </a:p>
+          <a:p>
+            <a:pPr lvl="1"/>
+            <a:r>
+              <a:rPr kumimoji="1" lang="ja-JP" altLang="en-US" dirty="0"/>
+              <a:t>シェルスクリプト見せる</a:t>
+            </a:r>
+            <a:endParaRPr kumimoji="1" lang="en-US" altLang="ja-JP" dirty="0"/>
+          </a:p>
+          <a:p>
+            <a:pPr lvl="0"/>
+            <a:r>
+              <a:rPr kumimoji="1" lang="en-US" altLang="ja-JP" dirty="0" err="1"/>
+              <a:t>Etc</a:t>
+            </a:r>
+            <a:endParaRPr kumimoji="1" lang="en-US" altLang="ja-JP" dirty="0"/>
+          </a:p>
+        </p:txBody>
+      </p:sp>
+    </p:spTree>
+    <p:extLst>
+      <p:ext uri="{BB962C8B-B14F-4D97-AF65-F5344CB8AC3E}">
+        <p14:creationId xmlns:p14="http://schemas.microsoft.com/office/powerpoint/2010/main" val="2817091244"/>
+      </p:ext>
+    </p:extLst>
+  </p:cSld>
+  <p:clrMapOvr>
+    <a:masterClrMapping/>
+  </p:clrMapOvr>
+</p:sld>
+</file>
+
+<file path=ppt/slides/slide17.xml><?xml version="1.0" encoding="utf-8"?>
+<p:sld xmlns:a="http://schemas.openxmlformats.org/drawingml/2006/main" xmlns:r="http://schemas.openxmlformats.org/officeDocument/2006/relationships" xmlns:p="http://schemas.openxmlformats.org/presentationml/2006/main">
+  <p:cSld>
+    <p:spTree>
+      <p:nvGrpSpPr>
+        <p:cNvPr id="1" name=""/>
+        <p:cNvGrpSpPr/>
+        <p:nvPr/>
+      </p:nvGrpSpPr>
+      <p:grpSpPr>
+        <a:xfrm>
+          <a:off x="0" y="0"/>
+          <a:ext cx="0" cy="0"/>
+          <a:chOff x="0" y="0"/>
+          <a:chExt cx="0" cy="0"/>
+        </a:xfrm>
+      </p:grpSpPr>
+      <p:sp>
+        <p:nvSpPr>
+          <p:cNvPr id="2" name="タイトル 1">
+            <a:extLst>
+              <a:ext uri="{FF2B5EF4-FFF2-40B4-BE49-F238E27FC236}">
+                <a16:creationId xmlns:a16="http://schemas.microsoft.com/office/drawing/2014/main" id="{F24EB109-BC34-41EC-A9D0-C442E52A8779}"/>
+              </a:ext>
+            </a:extLst>
+          </p:cNvPr>
+          <p:cNvSpPr>
+            <a:spLocks noGrp="1"/>
+          </p:cNvSpPr>
+          <p:nvPr>
+            <p:ph type="title"/>
+          </p:nvPr>
+        </p:nvSpPr>
+        <p:spPr/>
+        <p:txBody>
+          <a:bodyPr/>
+          <a:lstStyle/>
+          <a:p>
+            <a:r>
+              <a:rPr kumimoji="1" lang="ja-JP" altLang="en-US" dirty="0"/>
+              <a:t>デモンストレーション</a:t>
+            </a:r>
+          </a:p>
+        </p:txBody>
+      </p:sp>
+      <p:sp>
+        <p:nvSpPr>
+          <p:cNvPr id="3" name="コンテンツ プレースホルダー 2">
+            <a:extLst>
+              <a:ext uri="{FF2B5EF4-FFF2-40B4-BE49-F238E27FC236}">
+                <a16:creationId xmlns:a16="http://schemas.microsoft.com/office/drawing/2014/main" id="{69DE47EB-7D6D-49AB-9AD1-0A77390D212D}"/>
+              </a:ext>
+            </a:extLst>
+          </p:cNvPr>
+          <p:cNvSpPr>
+            <a:spLocks noGrp="1"/>
+          </p:cNvSpPr>
+          <p:nvPr>
+            <p:ph idx="1"/>
+          </p:nvPr>
+        </p:nvSpPr>
+        <p:spPr/>
+        <p:txBody>
+          <a:bodyPr/>
+          <a:lstStyle/>
+          <a:p>
+            <a:r>
+              <a:rPr kumimoji="1" lang="en-US" altLang="ja-JP" dirty="0"/>
+              <a:t>YoSiE</a:t>
+            </a:r>
+            <a:r>
+              <a:rPr kumimoji="1" lang="ja-JP" altLang="en-US" dirty="0"/>
+              <a:t>の授業参観</a:t>
+            </a:r>
+          </a:p>
+        </p:txBody>
+      </p:sp>
+    </p:spTree>
+    <p:extLst>
+      <p:ext uri="{BB962C8B-B14F-4D97-AF65-F5344CB8AC3E}">
+        <p14:creationId xmlns:p14="http://schemas.microsoft.com/office/powerpoint/2010/main" val="3683524359"/>
+      </p:ext>
+    </p:extLst>
+  </p:cSld>
+  <p:clrMapOvr>
+    <a:masterClrMapping/>
+  </p:clrMapOvr>
+</p:sld>
+</file>
+
+<file path=ppt/slides/slide18.xml><?xml version="1.0" encoding="utf-8"?>
+<p:sld xmlns:a="http://schemas.openxmlformats.org/drawingml/2006/main" xmlns:r="http://schemas.openxmlformats.org/officeDocument/2006/relationships" xmlns:p="http://schemas.openxmlformats.org/presentationml/2006/main">
+  <p:cSld>
+    <p:spTree>
+      <p:nvGrpSpPr>
+        <p:cNvPr id="1" name=""/>
+        <p:cNvGrpSpPr/>
+        <p:nvPr/>
+      </p:nvGrpSpPr>
+      <p:grpSpPr>
+        <a:xfrm>
+          <a:off x="0" y="0"/>
+          <a:ext cx="0" cy="0"/>
+          <a:chOff x="0" y="0"/>
+          <a:chExt cx="0" cy="0"/>
+        </a:xfrm>
+      </p:grpSpPr>
+      <p:sp>
+        <p:nvSpPr>
+          <p:cNvPr id="2" name="タイトル 1">
+            <a:extLst>
+              <a:ext uri="{FF2B5EF4-FFF2-40B4-BE49-F238E27FC236}">
                 <a16:creationId xmlns:a16="http://schemas.microsoft.com/office/drawing/2014/main" id="{B43B901B-C015-40EF-B4CD-3F5F25F44EC0}"/>
               </a:ext>
             </a:extLst>
@@ -5102,7 +6072,7 @@
 </p:sld>
 </file>
 
-<file path=ppt/slides/slide16.xml><?xml version="1.0" encoding="utf-8"?>
+<file path=ppt/slides/slide19.xml><?xml version="1.0" encoding="utf-8"?>
 <p:sld xmlns:a="http://schemas.openxmlformats.org/drawingml/2006/main" xmlns:r="http://schemas.openxmlformats.org/officeDocument/2006/relationships" xmlns:p="http://schemas.openxmlformats.org/presentationml/2006/main">
   <p:cSld>
     <p:spTree>
@@ -5230,27 +6200,675 @@
           </a:p>
         </p:txBody>
       </p:sp>
-      <p:sp>
-        <p:nvSpPr>
-          <p:cNvPr id="3" name="コンテンツ プレースホルダー 2">
-            <a:extLst>
-              <a:ext uri="{FF2B5EF4-FFF2-40B4-BE49-F238E27FC236}">
-                <a16:creationId xmlns:a16="http://schemas.microsoft.com/office/drawing/2014/main" id="{35040F0F-B715-4D49-A00B-46C866ECEA2B}"/>
-              </a:ext>
-            </a:extLst>
-          </p:cNvPr>
-          <p:cNvSpPr>
-            <a:spLocks noGrp="1"/>
-          </p:cNvSpPr>
-          <p:nvPr>
-            <p:ph idx="1"/>
-          </p:nvPr>
-        </p:nvSpPr>
-        <p:spPr/>
-        <p:txBody>
-          <a:bodyPr/>
-          <a:lstStyle/>
-          <a:p>
+      <p:pic>
+        <p:nvPicPr>
+          <p:cNvPr id="4" name="コンテンツ プレースホルダー 4">
+            <a:extLst>
+              <a:ext uri="{FF2B5EF4-FFF2-40B4-BE49-F238E27FC236}">
+                <a16:creationId xmlns:a16="http://schemas.microsoft.com/office/drawing/2014/main" id="{CBE1694E-BB45-4A52-B03B-EC1E75A87547}"/>
+              </a:ext>
+            </a:extLst>
+          </p:cNvPr>
+          <p:cNvPicPr>
+            <a:picLocks noChangeAspect="1"/>
+          </p:cNvPicPr>
+          <p:nvPr/>
+        </p:nvPicPr>
+        <p:blipFill>
+          <a:blip r:embed="rId2">
+            <a:extLst>
+              <a:ext uri="{28A0092B-C50C-407E-A947-70E740481C1C}">
+                <a14:useLocalDpi xmlns:a14="http://schemas.microsoft.com/office/drawing/2010/main" val="0"/>
+              </a:ext>
+            </a:extLst>
+          </a:blip>
+          <a:stretch>
+            <a:fillRect/>
+          </a:stretch>
+        </p:blipFill>
+        <p:spPr>
+          <a:xfrm>
+            <a:off x="6638245" y="2252803"/>
+            <a:ext cx="870033" cy="1797607"/>
+          </a:xfrm>
+          <a:prstGeom prst="rect">
+            <a:avLst/>
+          </a:prstGeom>
+        </p:spPr>
+      </p:pic>
+      <p:sp>
+        <p:nvSpPr>
+          <p:cNvPr id="5" name="吹き出し: 円形 4">
+            <a:extLst>
+              <a:ext uri="{FF2B5EF4-FFF2-40B4-BE49-F238E27FC236}">
+                <a16:creationId xmlns:a16="http://schemas.microsoft.com/office/drawing/2014/main" id="{5E744A7D-ADBD-4B20-B662-F8F4529C7320}"/>
+              </a:ext>
+            </a:extLst>
+          </p:cNvPr>
+          <p:cNvSpPr/>
+          <p:nvPr/>
+        </p:nvSpPr>
+        <p:spPr>
+          <a:xfrm>
+            <a:off x="2815182" y="1731235"/>
+            <a:ext cx="3743740" cy="858630"/>
+          </a:xfrm>
+          <a:prstGeom prst="wedgeEllipseCallout">
+            <a:avLst>
+              <a:gd name="adj1" fmla="val -18037"/>
+              <a:gd name="adj2" fmla="val 71842"/>
+            </a:avLst>
+          </a:prstGeom>
+          <a:solidFill>
+            <a:schemeClr val="bg1"/>
+          </a:solidFill>
+          <a:ln>
+            <a:solidFill>
+              <a:schemeClr val="tx1"/>
+            </a:solidFill>
+          </a:ln>
+        </p:spPr>
+        <p:style>
+          <a:lnRef idx="2">
+            <a:schemeClr val="accent1">
+              <a:shade val="50000"/>
+            </a:schemeClr>
+          </a:lnRef>
+          <a:fillRef idx="1">
+            <a:schemeClr val="accent1"/>
+          </a:fillRef>
+          <a:effectRef idx="0">
+            <a:schemeClr val="accent1"/>
+          </a:effectRef>
+          <a:fontRef idx="minor">
+            <a:schemeClr val="lt1"/>
+          </a:fontRef>
+        </p:style>
+        <p:txBody>
+          <a:bodyPr rtlCol="0" anchor="ctr"/>
+          <a:lstStyle/>
+          <a:p>
+            <a:pPr algn="ctr"/>
+            <a:r>
+              <a:rPr kumimoji="1" lang="ja-JP" altLang="en-US" sz="2400" b="1" dirty="0">
+                <a:solidFill>
+                  <a:schemeClr val="tx1"/>
+                </a:solidFill>
+              </a:rPr>
+              <a:t>今日の天気は？</a:t>
+            </a:r>
+            <a:r>
+              <a:rPr kumimoji="1" lang="ja-JP" altLang="en-US" sz="2400" dirty="0"/>
+              <a:t>？</a:t>
+            </a:r>
+          </a:p>
+        </p:txBody>
+      </p:sp>
+      <p:sp>
+        <p:nvSpPr>
+          <p:cNvPr id="6" name="テキスト ボックス 5">
+            <a:extLst>
+              <a:ext uri="{FF2B5EF4-FFF2-40B4-BE49-F238E27FC236}">
+                <a16:creationId xmlns:a16="http://schemas.microsoft.com/office/drawing/2014/main" id="{DFF45BAB-E0BA-4FF0-9501-7005A3610461}"/>
+              </a:ext>
+            </a:extLst>
+          </p:cNvPr>
+          <p:cNvSpPr txBox="1"/>
+          <p:nvPr/>
+        </p:nvSpPr>
+        <p:spPr>
+          <a:xfrm>
+            <a:off x="2998947" y="5497846"/>
+            <a:ext cx="1688105" cy="707886"/>
+          </a:xfrm>
+          <a:prstGeom prst="rect">
+            <a:avLst/>
+          </a:prstGeom>
+          <a:solidFill>
+            <a:schemeClr val="bg1"/>
+          </a:solidFill>
+          <a:ln w="38100">
+            <a:solidFill>
+              <a:schemeClr val="accent6">
+                <a:lumMod val="50000"/>
+              </a:schemeClr>
+            </a:solidFill>
+          </a:ln>
+        </p:spPr>
+        <p:txBody>
+          <a:bodyPr wrap="square" rtlCol="0">
+            <a:spAutoFit/>
+          </a:bodyPr>
+          <a:lstStyle/>
+          <a:p>
+            <a:pPr algn="ctr"/>
+            <a:r>
+              <a:rPr kumimoji="1" lang="en-US" altLang="ja-JP" sz="4000" b="1" dirty="0"/>
+              <a:t>USER</a:t>
+            </a:r>
+            <a:endParaRPr kumimoji="1" lang="ja-JP" altLang="en-US" sz="2800" b="1" dirty="0"/>
+          </a:p>
+        </p:txBody>
+      </p:sp>
+      <p:sp>
+        <p:nvSpPr>
+          <p:cNvPr id="7" name="吹き出し: 円形 6">
+            <a:extLst>
+              <a:ext uri="{FF2B5EF4-FFF2-40B4-BE49-F238E27FC236}">
+                <a16:creationId xmlns:a16="http://schemas.microsoft.com/office/drawing/2014/main" id="{720B7E70-347E-4342-8661-1D7BB35F1D07}"/>
+              </a:ext>
+            </a:extLst>
+          </p:cNvPr>
+          <p:cNvSpPr/>
+          <p:nvPr/>
+        </p:nvSpPr>
+        <p:spPr>
+          <a:xfrm>
+            <a:off x="7307858" y="1753392"/>
+            <a:ext cx="3743740" cy="1081625"/>
+          </a:xfrm>
+          <a:prstGeom prst="wedgeEllipseCallout">
+            <a:avLst>
+              <a:gd name="adj1" fmla="val -41068"/>
+              <a:gd name="adj2" fmla="val 59578"/>
+            </a:avLst>
+          </a:prstGeom>
+          <a:solidFill>
+            <a:schemeClr val="bg1"/>
+          </a:solidFill>
+          <a:ln>
+            <a:solidFill>
+              <a:schemeClr val="tx1"/>
+            </a:solidFill>
+          </a:ln>
+        </p:spPr>
+        <p:style>
+          <a:lnRef idx="2">
+            <a:schemeClr val="accent1">
+              <a:shade val="50000"/>
+            </a:schemeClr>
+          </a:lnRef>
+          <a:fillRef idx="1">
+            <a:schemeClr val="accent1"/>
+          </a:fillRef>
+          <a:effectRef idx="0">
+            <a:schemeClr val="accent1"/>
+          </a:effectRef>
+          <a:fontRef idx="minor">
+            <a:schemeClr val="lt1"/>
+          </a:fontRef>
+        </p:style>
+        <p:txBody>
+          <a:bodyPr rtlCol="0" anchor="ctr"/>
+          <a:lstStyle/>
+          <a:p>
+            <a:pPr algn="ctr"/>
+            <a:r>
+              <a:rPr lang="ja-JP" altLang="en-US" sz="2400" b="1" dirty="0">
+                <a:solidFill>
+                  <a:schemeClr val="tx1"/>
+                </a:solidFill>
+              </a:rPr>
+              <a:t>今日の神奈川県の</a:t>
+            </a:r>
+            <a:endParaRPr lang="en-US" altLang="ja-JP" sz="2400" b="1" dirty="0">
+              <a:solidFill>
+                <a:schemeClr val="tx1"/>
+              </a:solidFill>
+            </a:endParaRPr>
+          </a:p>
+          <a:p>
+            <a:pPr algn="ctr"/>
+            <a:r>
+              <a:rPr lang="ja-JP" altLang="en-US" sz="2400" b="1" dirty="0">
+                <a:solidFill>
+                  <a:schemeClr val="tx1"/>
+                </a:solidFill>
+              </a:rPr>
+              <a:t>天気は</a:t>
+            </a:r>
+            <a:r>
+              <a:rPr lang="en-US" altLang="ja-JP" sz="2400" b="1" dirty="0">
+                <a:solidFill>
+                  <a:schemeClr val="tx1"/>
+                </a:solidFill>
+              </a:rPr>
+              <a:t>…</a:t>
+            </a:r>
+            <a:endParaRPr kumimoji="1" lang="ja-JP" altLang="en-US" sz="2400" dirty="0">
+              <a:solidFill>
+                <a:schemeClr val="tx1"/>
+              </a:solidFill>
+            </a:endParaRPr>
+          </a:p>
+        </p:txBody>
+      </p:sp>
+      <p:pic>
+        <p:nvPicPr>
+          <p:cNvPr id="8" name="グラフィックス 7" descr="男の人">
+            <a:extLst>
+              <a:ext uri="{FF2B5EF4-FFF2-40B4-BE49-F238E27FC236}">
+                <a16:creationId xmlns:a16="http://schemas.microsoft.com/office/drawing/2014/main" id="{7F80E498-C49B-4EA1-84BF-216E367B1003}"/>
+              </a:ext>
+            </a:extLst>
+          </p:cNvPr>
+          <p:cNvPicPr>
+            <a:picLocks noChangeAspect="1"/>
+          </p:cNvPicPr>
+          <p:nvPr/>
+        </p:nvPicPr>
+        <p:blipFill>
+          <a:blip r:embed="rId3">
+            <a:extLst>
+              <a:ext uri="{28A0092B-C50C-407E-A947-70E740481C1C}">
+                <a14:useLocalDpi xmlns:a14="http://schemas.microsoft.com/office/drawing/2010/main" val="0"/>
+              </a:ext>
+              <a:ext uri="{96DAC541-7B7A-43D3-8B79-37D633B846F1}">
+                <asvg:svgBlip xmlns:asvg="http://schemas.microsoft.com/office/drawing/2016/SVG/main" r:embed="rId4"/>
+              </a:ext>
+            </a:extLst>
+          </a:blip>
+          <a:stretch>
+            <a:fillRect/>
+          </a:stretch>
+        </p:blipFill>
+        <p:spPr>
+          <a:xfrm>
+            <a:off x="2351707" y="2700311"/>
+            <a:ext cx="2908789" cy="2908789"/>
+          </a:xfrm>
+          <a:prstGeom prst="rect">
+            <a:avLst/>
+          </a:prstGeom>
+        </p:spPr>
+      </p:pic>
+      <p:pic>
+        <p:nvPicPr>
+          <p:cNvPr id="9" name="図 8">
+            <a:extLst>
+              <a:ext uri="{FF2B5EF4-FFF2-40B4-BE49-F238E27FC236}">
+                <a16:creationId xmlns:a16="http://schemas.microsoft.com/office/drawing/2014/main" id="{85587E59-6B8F-437E-A070-E2E6786B282C}"/>
+              </a:ext>
+            </a:extLst>
+          </p:cNvPr>
+          <p:cNvPicPr>
+            <a:picLocks noChangeAspect="1"/>
+          </p:cNvPicPr>
+          <p:nvPr/>
+        </p:nvPicPr>
+        <p:blipFill>
+          <a:blip r:embed="rId5">
+            <a:extLst>
+              <a:ext uri="{28A0092B-C50C-407E-A947-70E740481C1C}">
+                <a14:useLocalDpi xmlns:a14="http://schemas.microsoft.com/office/drawing/2010/main" val="0"/>
+              </a:ext>
+            </a:extLst>
+          </a:blip>
+          <a:stretch>
+            <a:fillRect/>
+          </a:stretch>
+        </p:blipFill>
+        <p:spPr>
+          <a:xfrm>
+            <a:off x="6088658" y="3811492"/>
+            <a:ext cx="3257306" cy="1797608"/>
+          </a:xfrm>
+          <a:prstGeom prst="rect">
+            <a:avLst/>
+          </a:prstGeom>
+        </p:spPr>
+      </p:pic>
+      <p:cxnSp>
+        <p:nvCxnSpPr>
+          <p:cNvPr id="10" name="直線コネクタ 9">
+            <a:extLst>
+              <a:ext uri="{FF2B5EF4-FFF2-40B4-BE49-F238E27FC236}">
+                <a16:creationId xmlns:a16="http://schemas.microsoft.com/office/drawing/2014/main" id="{03924760-79E8-44D3-9D79-27D796EE839B}"/>
+              </a:ext>
+            </a:extLst>
+          </p:cNvPr>
+          <p:cNvCxnSpPr>
+            <a:cxnSpLocks/>
+          </p:cNvCxnSpPr>
+          <p:nvPr/>
+        </p:nvCxnSpPr>
+        <p:spPr>
+          <a:xfrm flipV="1">
+            <a:off x="4164473" y="2850852"/>
+            <a:ext cx="198970" cy="89169"/>
+          </a:xfrm>
+          <a:prstGeom prst="line">
+            <a:avLst/>
+          </a:prstGeom>
+          <a:ln w="57150">
+            <a:solidFill>
+              <a:schemeClr val="tx1"/>
+            </a:solidFill>
+          </a:ln>
+        </p:spPr>
+        <p:style>
+          <a:lnRef idx="1">
+            <a:schemeClr val="accent1"/>
+          </a:lnRef>
+          <a:fillRef idx="0">
+            <a:schemeClr val="accent1"/>
+          </a:fillRef>
+          <a:effectRef idx="0">
+            <a:schemeClr val="accent1"/>
+          </a:effectRef>
+          <a:fontRef idx="minor">
+            <a:schemeClr val="tx1"/>
+          </a:fontRef>
+        </p:style>
+      </p:cxnSp>
+      <p:pic>
+        <p:nvPicPr>
+          <p:cNvPr id="11" name="図 10">
+            <a:extLst>
+              <a:ext uri="{FF2B5EF4-FFF2-40B4-BE49-F238E27FC236}">
+                <a16:creationId xmlns:a16="http://schemas.microsoft.com/office/drawing/2014/main" id="{FFA40EC0-D5B6-45DE-9DBE-3A4B0837CCE7}"/>
+              </a:ext>
+            </a:extLst>
+          </p:cNvPr>
+          <p:cNvPicPr>
+            <a:picLocks noChangeAspect="1"/>
+          </p:cNvPicPr>
+          <p:nvPr/>
+        </p:nvPicPr>
+        <p:blipFill>
+          <a:blip r:embed="rId6"/>
+          <a:stretch>
+            <a:fillRect/>
+          </a:stretch>
+        </p:blipFill>
+        <p:spPr>
+          <a:xfrm rot="1287409">
+            <a:off x="4182784" y="2992753"/>
+            <a:ext cx="243861" cy="146317"/>
+          </a:xfrm>
+          <a:prstGeom prst="rect">
+            <a:avLst/>
+          </a:prstGeom>
+        </p:spPr>
+      </p:pic>
+      <p:pic>
+        <p:nvPicPr>
+          <p:cNvPr id="12" name="図 11">
+            <a:extLst>
+              <a:ext uri="{FF2B5EF4-FFF2-40B4-BE49-F238E27FC236}">
+                <a16:creationId xmlns:a16="http://schemas.microsoft.com/office/drawing/2014/main" id="{8F91B7D0-6DBE-43D6-B934-B1322878874C}"/>
+              </a:ext>
+            </a:extLst>
+          </p:cNvPr>
+          <p:cNvPicPr>
+            <a:picLocks noChangeAspect="1"/>
+          </p:cNvPicPr>
+          <p:nvPr/>
+        </p:nvPicPr>
+        <p:blipFill>
+          <a:blip r:embed="rId6"/>
+          <a:stretch>
+            <a:fillRect/>
+          </a:stretch>
+        </p:blipFill>
+        <p:spPr>
+          <a:xfrm rot="3383590">
+            <a:off x="4142028" y="3154023"/>
+            <a:ext cx="243861" cy="146317"/>
+          </a:xfrm>
+          <a:prstGeom prst="rect">
+            <a:avLst/>
+          </a:prstGeom>
+        </p:spPr>
+      </p:pic>
+      <p:pic>
+        <p:nvPicPr>
+          <p:cNvPr id="13" name="図 12">
+            <a:extLst>
+              <a:ext uri="{FF2B5EF4-FFF2-40B4-BE49-F238E27FC236}">
+                <a16:creationId xmlns:a16="http://schemas.microsoft.com/office/drawing/2014/main" id="{BF4EED85-BBAA-4BFF-B021-A698746BEFAD}"/>
+              </a:ext>
+            </a:extLst>
+          </p:cNvPr>
+          <p:cNvPicPr>
+            <a:picLocks noChangeAspect="1"/>
+          </p:cNvPicPr>
+          <p:nvPr/>
+        </p:nvPicPr>
+        <p:blipFill>
+          <a:blip r:embed="rId7">
+            <a:extLst>
+              <a:ext uri="{28A0092B-C50C-407E-A947-70E740481C1C}">
+                <a14:useLocalDpi xmlns:a14="http://schemas.microsoft.com/office/drawing/2010/main" val="0"/>
+              </a:ext>
+            </a:extLst>
+          </a:blip>
+          <a:stretch>
+            <a:fillRect/>
+          </a:stretch>
+        </p:blipFill>
+        <p:spPr>
+          <a:xfrm>
+            <a:off x="7809327" y="2949275"/>
+            <a:ext cx="3611032" cy="1998136"/>
+          </a:xfrm>
+          <a:prstGeom prst="rect">
+            <a:avLst/>
+          </a:prstGeom>
+          <a:ln w="19050">
+            <a:solidFill>
+              <a:schemeClr val="tx1"/>
+            </a:solidFill>
+          </a:ln>
+        </p:spPr>
+      </p:pic>
+      <p:sp>
+        <p:nvSpPr>
+          <p:cNvPr id="14" name="テキスト ボックス 13">
+            <a:extLst>
+              <a:ext uri="{FF2B5EF4-FFF2-40B4-BE49-F238E27FC236}">
+                <a16:creationId xmlns:a16="http://schemas.microsoft.com/office/drawing/2014/main" id="{084CBD79-6C9D-4FDD-ABEA-DF0EB644F826}"/>
+              </a:ext>
+            </a:extLst>
+          </p:cNvPr>
+          <p:cNvSpPr txBox="1"/>
+          <p:nvPr/>
+        </p:nvSpPr>
+        <p:spPr>
+          <a:xfrm>
+            <a:off x="7809327" y="4947410"/>
+            <a:ext cx="3611032" cy="400110"/>
+          </a:xfrm>
+          <a:prstGeom prst="rect">
+            <a:avLst/>
+          </a:prstGeom>
+          <a:solidFill>
+            <a:schemeClr val="bg1"/>
+          </a:solidFill>
+          <a:ln>
+            <a:solidFill>
+              <a:schemeClr val="tx1"/>
+            </a:solidFill>
+          </a:ln>
+        </p:spPr>
+        <p:txBody>
+          <a:bodyPr wrap="square" rtlCol="0">
+            <a:spAutoFit/>
+          </a:bodyPr>
+          <a:lstStyle/>
+          <a:p>
+            <a:pPr algn="ctr"/>
+            <a:r>
+              <a:rPr kumimoji="1" lang="en-US" altLang="ja-JP" sz="2000" b="1" dirty="0"/>
+              <a:t>Raspberry Pi</a:t>
+            </a:r>
+            <a:endParaRPr kumimoji="1" lang="ja-JP" altLang="en-US" sz="2000" b="1" dirty="0"/>
+          </a:p>
+        </p:txBody>
+      </p:sp>
+      <p:sp>
+        <p:nvSpPr>
+          <p:cNvPr id="15" name="テキスト ボックス 14">
+            <a:extLst>
+              <a:ext uri="{FF2B5EF4-FFF2-40B4-BE49-F238E27FC236}">
+                <a16:creationId xmlns:a16="http://schemas.microsoft.com/office/drawing/2014/main" id="{0AB38828-A43B-4FB2-AEC8-6808386CF73B}"/>
+              </a:ext>
+            </a:extLst>
+          </p:cNvPr>
+          <p:cNvSpPr txBox="1"/>
+          <p:nvPr/>
+        </p:nvSpPr>
+        <p:spPr>
+          <a:xfrm>
+            <a:off x="6190464" y="5497846"/>
+            <a:ext cx="1934817" cy="707886"/>
+          </a:xfrm>
+          <a:prstGeom prst="rect">
+            <a:avLst/>
+          </a:prstGeom>
+          <a:solidFill>
+            <a:schemeClr val="bg1"/>
+          </a:solidFill>
+          <a:ln w="38100">
+            <a:solidFill>
+              <a:schemeClr val="accent6">
+                <a:lumMod val="50000"/>
+              </a:schemeClr>
+            </a:solidFill>
+          </a:ln>
+        </p:spPr>
+        <p:txBody>
+          <a:bodyPr wrap="square" rtlCol="0">
+            <a:spAutoFit/>
+          </a:bodyPr>
+          <a:lstStyle/>
+          <a:p>
+            <a:pPr algn="ctr"/>
+            <a:r>
+              <a:rPr kumimoji="1" lang="en-US" altLang="ja-JP" sz="4000" b="1" dirty="0"/>
+              <a:t>YoSiE</a:t>
+            </a:r>
+            <a:endParaRPr kumimoji="1" lang="ja-JP" altLang="en-US" sz="4000" b="1" dirty="0"/>
+          </a:p>
+        </p:txBody>
+      </p:sp>
+      <p:sp>
+        <p:nvSpPr>
+          <p:cNvPr id="16" name="テキスト ボックス 15">
+            <a:extLst>
+              <a:ext uri="{FF2B5EF4-FFF2-40B4-BE49-F238E27FC236}">
+                <a16:creationId xmlns:a16="http://schemas.microsoft.com/office/drawing/2014/main" id="{FC5140E5-FCD2-4650-A2AF-137231D243CE}"/>
+              </a:ext>
+            </a:extLst>
+          </p:cNvPr>
+          <p:cNvSpPr txBox="1"/>
+          <p:nvPr/>
+        </p:nvSpPr>
+        <p:spPr>
+          <a:xfrm>
+            <a:off x="7881563" y="2700311"/>
+            <a:ext cx="3466560" cy="3046988"/>
+          </a:xfrm>
+          <a:prstGeom prst="rect">
+            <a:avLst/>
+          </a:prstGeom>
+          <a:solidFill>
+            <a:schemeClr val="bg1"/>
+          </a:solidFill>
+          <a:ln w="19050">
+            <a:solidFill>
+              <a:schemeClr val="tx1"/>
+            </a:solidFill>
+          </a:ln>
+        </p:spPr>
+        <p:txBody>
+          <a:bodyPr wrap="square" rtlCol="0">
+            <a:spAutoFit/>
+          </a:bodyPr>
+          <a:lstStyle/>
+          <a:p>
+            <a:r>
+              <a:rPr kumimoji="1" lang="ja-JP" altLang="en-US" sz="4800" b="1" dirty="0"/>
+              <a:t>・天気予報</a:t>
+            </a:r>
+            <a:endParaRPr kumimoji="1" lang="en-US" altLang="ja-JP" sz="4800" b="1" dirty="0"/>
+          </a:p>
+          <a:p>
+            <a:r>
+              <a:rPr lang="ja-JP" altLang="en-US" sz="4800" b="1" dirty="0"/>
+              <a:t>・ニュース</a:t>
+            </a:r>
+            <a:endParaRPr lang="en-US" altLang="ja-JP" sz="4800" b="1" dirty="0"/>
+          </a:p>
+          <a:p>
+            <a:r>
+              <a:rPr kumimoji="1" lang="ja-JP" altLang="en-US" sz="4800" b="1" dirty="0"/>
+              <a:t>・日時</a:t>
+            </a:r>
+            <a:endParaRPr kumimoji="1" lang="en-US" altLang="ja-JP" sz="4800" b="1" dirty="0"/>
+          </a:p>
+          <a:p>
+            <a:r>
+              <a:rPr lang="ja-JP" altLang="en-US" sz="4800" b="1" dirty="0"/>
+              <a:t>・星座占い</a:t>
+            </a:r>
+            <a:endParaRPr kumimoji="1" lang="ja-JP" altLang="en-US" sz="4800" b="1" dirty="0"/>
+          </a:p>
+        </p:txBody>
+      </p:sp>
+      <p:sp>
+        <p:nvSpPr>
+          <p:cNvPr id="17" name="正方形/長方形 16">
+            <a:extLst>
+              <a:ext uri="{FF2B5EF4-FFF2-40B4-BE49-F238E27FC236}">
+                <a16:creationId xmlns:a16="http://schemas.microsoft.com/office/drawing/2014/main" id="{E29876F0-C6D0-4374-AA7E-B4350AA78314}"/>
+              </a:ext>
+            </a:extLst>
+          </p:cNvPr>
+          <p:cNvSpPr/>
+          <p:nvPr/>
+        </p:nvSpPr>
+        <p:spPr>
+          <a:xfrm>
+            <a:off x="9508067" y="0"/>
+            <a:ext cx="2683933" cy="1593908"/>
+          </a:xfrm>
+          <a:prstGeom prst="rect">
+            <a:avLst/>
+          </a:prstGeom>
+          <a:solidFill>
+            <a:schemeClr val="accent6">
+              <a:lumMod val="60000"/>
+              <a:lumOff val="40000"/>
+            </a:schemeClr>
+          </a:solidFill>
+          <a:ln>
+            <a:solidFill>
+              <a:schemeClr val="tx1"/>
+            </a:solidFill>
+          </a:ln>
+        </p:spPr>
+        <p:style>
+          <a:lnRef idx="2">
+            <a:schemeClr val="accent1">
+              <a:shade val="50000"/>
+            </a:schemeClr>
+          </a:lnRef>
+          <a:fillRef idx="1">
+            <a:schemeClr val="accent1"/>
+          </a:fillRef>
+          <a:effectRef idx="0">
+            <a:schemeClr val="accent1"/>
+          </a:effectRef>
+          <a:fontRef idx="minor">
+            <a:schemeClr val="lt1"/>
+          </a:fontRef>
+        </p:style>
+        <p:txBody>
+          <a:bodyPr rtlCol="0" anchor="ctr"/>
+          <a:lstStyle/>
+          <a:p>
+            <a:pPr algn="ctr"/>
             <a:endParaRPr kumimoji="1" lang="ja-JP" altLang="en-US"/>
           </a:p>
         </p:txBody>
@@ -5265,6 +6883,446 @@
   <p:clrMapOvr>
     <a:masterClrMapping/>
   </p:clrMapOvr>
+  <p:timing>
+    <p:tnLst>
+      <p:par>
+        <p:cTn id="1" dur="indefinite" restart="never" nodeType="tmRoot">
+          <p:childTnLst>
+            <p:seq concurrent="1" nextAc="seek">
+              <p:cTn id="2" dur="indefinite" nodeType="mainSeq">
+                <p:childTnLst>
+                  <p:par>
+                    <p:cTn id="3" fill="hold">
+                      <p:stCondLst>
+                        <p:cond delay="indefinite"/>
+                      </p:stCondLst>
+                      <p:childTnLst>
+                        <p:par>
+                          <p:cTn id="4" fill="hold">
+                            <p:stCondLst>
+                              <p:cond delay="0"/>
+                            </p:stCondLst>
+                            <p:childTnLst>
+                              <p:par>
+                                <p:cTn id="5" presetID="6" presetClass="emph" presetSubtype="0" autoRev="1" fill="hold" grpId="0" nodeType="clickEffect">
+                                  <p:stCondLst>
+                                    <p:cond delay="0"/>
+                                  </p:stCondLst>
+                                  <p:childTnLst>
+                                    <p:animScale>
+                                      <p:cBhvr>
+                                        <p:cTn id="6" dur="250" fill="hold"/>
+                                        <p:tgtEl>
+                                          <p:spTgt spid="15"/>
+                                        </p:tgtEl>
+                                      </p:cBhvr>
+                                      <p:by x="150000" y="150000"/>
+                                    </p:animScale>
+                                  </p:childTnLst>
+                                </p:cTn>
+                              </p:par>
+                            </p:childTnLst>
+                          </p:cTn>
+                        </p:par>
+                      </p:childTnLst>
+                    </p:cTn>
+                  </p:par>
+                  <p:par>
+                    <p:cTn id="7" fill="hold">
+                      <p:stCondLst>
+                        <p:cond delay="indefinite"/>
+                      </p:stCondLst>
+                      <p:childTnLst>
+                        <p:par>
+                          <p:cTn id="8" fill="hold">
+                            <p:stCondLst>
+                              <p:cond delay="0"/>
+                            </p:stCondLst>
+                            <p:childTnLst>
+                              <p:par>
+                                <p:cTn id="9" presetID="53" presetClass="entr" presetSubtype="16" fill="hold" grpId="0" nodeType="clickEffect">
+                                  <p:stCondLst>
+                                    <p:cond delay="0"/>
+                                  </p:stCondLst>
+                                  <p:childTnLst>
+                                    <p:set>
+                                      <p:cBhvr>
+                                        <p:cTn id="10" dur="1" fill="hold">
+                                          <p:stCondLst>
+                                            <p:cond delay="0"/>
+                                          </p:stCondLst>
+                                        </p:cTn>
+                                        <p:tgtEl>
+                                          <p:spTgt spid="5"/>
+                                        </p:tgtEl>
+                                        <p:attrNameLst>
+                                          <p:attrName>style.visibility</p:attrName>
+                                        </p:attrNameLst>
+                                      </p:cBhvr>
+                                      <p:to>
+                                        <p:strVal val="visible"/>
+                                      </p:to>
+                                    </p:set>
+                                    <p:anim calcmode="lin" valueType="num">
+                                      <p:cBhvr>
+                                        <p:cTn id="11" dur="500" fill="hold"/>
+                                        <p:tgtEl>
+                                          <p:spTgt spid="5"/>
+                                        </p:tgtEl>
+                                        <p:attrNameLst>
+                                          <p:attrName>ppt_w</p:attrName>
+                                        </p:attrNameLst>
+                                      </p:cBhvr>
+                                      <p:tavLst>
+                                        <p:tav tm="0">
+                                          <p:val>
+                                            <p:fltVal val="0"/>
+                                          </p:val>
+                                        </p:tav>
+                                        <p:tav tm="100000">
+                                          <p:val>
+                                            <p:strVal val="#ppt_w"/>
+                                          </p:val>
+                                        </p:tav>
+                                      </p:tavLst>
+                                    </p:anim>
+                                    <p:anim calcmode="lin" valueType="num">
+                                      <p:cBhvr>
+                                        <p:cTn id="12" dur="500" fill="hold"/>
+                                        <p:tgtEl>
+                                          <p:spTgt spid="5"/>
+                                        </p:tgtEl>
+                                        <p:attrNameLst>
+                                          <p:attrName>ppt_h</p:attrName>
+                                        </p:attrNameLst>
+                                      </p:cBhvr>
+                                      <p:tavLst>
+                                        <p:tav tm="0">
+                                          <p:val>
+                                            <p:fltVal val="0"/>
+                                          </p:val>
+                                        </p:tav>
+                                        <p:tav tm="100000">
+                                          <p:val>
+                                            <p:strVal val="#ppt_h"/>
+                                          </p:val>
+                                        </p:tav>
+                                      </p:tavLst>
+                                    </p:anim>
+                                    <p:animEffect transition="in" filter="fade">
+                                      <p:cBhvr>
+                                        <p:cTn id="13" dur="500"/>
+                                        <p:tgtEl>
+                                          <p:spTgt spid="5"/>
+                                        </p:tgtEl>
+                                      </p:cBhvr>
+                                    </p:animEffect>
+                                  </p:childTnLst>
+                                </p:cTn>
+                              </p:par>
+                            </p:childTnLst>
+                          </p:cTn>
+                        </p:par>
+                      </p:childTnLst>
+                    </p:cTn>
+                  </p:par>
+                  <p:par>
+                    <p:cTn id="14" fill="hold">
+                      <p:stCondLst>
+                        <p:cond delay="indefinite"/>
+                      </p:stCondLst>
+                      <p:childTnLst>
+                        <p:par>
+                          <p:cTn id="15" fill="hold">
+                            <p:stCondLst>
+                              <p:cond delay="0"/>
+                            </p:stCondLst>
+                            <p:childTnLst>
+                              <p:par>
+                                <p:cTn id="16" presetID="53" presetClass="entr" presetSubtype="16" fill="hold" grpId="0" nodeType="clickEffect">
+                                  <p:stCondLst>
+                                    <p:cond delay="0"/>
+                                  </p:stCondLst>
+                                  <p:childTnLst>
+                                    <p:set>
+                                      <p:cBhvr>
+                                        <p:cTn id="17" dur="1" fill="hold">
+                                          <p:stCondLst>
+                                            <p:cond delay="0"/>
+                                          </p:stCondLst>
+                                        </p:cTn>
+                                        <p:tgtEl>
+                                          <p:spTgt spid="7"/>
+                                        </p:tgtEl>
+                                        <p:attrNameLst>
+                                          <p:attrName>style.visibility</p:attrName>
+                                        </p:attrNameLst>
+                                      </p:cBhvr>
+                                      <p:to>
+                                        <p:strVal val="visible"/>
+                                      </p:to>
+                                    </p:set>
+                                    <p:anim calcmode="lin" valueType="num">
+                                      <p:cBhvr>
+                                        <p:cTn id="18" dur="500" fill="hold"/>
+                                        <p:tgtEl>
+                                          <p:spTgt spid="7"/>
+                                        </p:tgtEl>
+                                        <p:attrNameLst>
+                                          <p:attrName>ppt_w</p:attrName>
+                                        </p:attrNameLst>
+                                      </p:cBhvr>
+                                      <p:tavLst>
+                                        <p:tav tm="0">
+                                          <p:val>
+                                            <p:fltVal val="0"/>
+                                          </p:val>
+                                        </p:tav>
+                                        <p:tav tm="100000">
+                                          <p:val>
+                                            <p:strVal val="#ppt_w"/>
+                                          </p:val>
+                                        </p:tav>
+                                      </p:tavLst>
+                                    </p:anim>
+                                    <p:anim calcmode="lin" valueType="num">
+                                      <p:cBhvr>
+                                        <p:cTn id="19" dur="500" fill="hold"/>
+                                        <p:tgtEl>
+                                          <p:spTgt spid="7"/>
+                                        </p:tgtEl>
+                                        <p:attrNameLst>
+                                          <p:attrName>ppt_h</p:attrName>
+                                        </p:attrNameLst>
+                                      </p:cBhvr>
+                                      <p:tavLst>
+                                        <p:tav tm="0">
+                                          <p:val>
+                                            <p:fltVal val="0"/>
+                                          </p:val>
+                                        </p:tav>
+                                        <p:tav tm="100000">
+                                          <p:val>
+                                            <p:strVal val="#ppt_h"/>
+                                          </p:val>
+                                        </p:tav>
+                                      </p:tavLst>
+                                    </p:anim>
+                                    <p:animEffect transition="in" filter="fade">
+                                      <p:cBhvr>
+                                        <p:cTn id="20" dur="500"/>
+                                        <p:tgtEl>
+                                          <p:spTgt spid="7"/>
+                                        </p:tgtEl>
+                                      </p:cBhvr>
+                                    </p:animEffect>
+                                  </p:childTnLst>
+                                </p:cTn>
+                              </p:par>
+                            </p:childTnLst>
+                          </p:cTn>
+                        </p:par>
+                      </p:childTnLst>
+                    </p:cTn>
+                  </p:par>
+                  <p:par>
+                    <p:cTn id="21" fill="hold">
+                      <p:stCondLst>
+                        <p:cond delay="indefinite"/>
+                      </p:stCondLst>
+                      <p:childTnLst>
+                        <p:par>
+                          <p:cTn id="22" fill="hold">
+                            <p:stCondLst>
+                              <p:cond delay="0"/>
+                            </p:stCondLst>
+                            <p:childTnLst>
+                              <p:par>
+                                <p:cTn id="23" presetID="10" presetClass="entr" presetSubtype="0" fill="hold" grpId="0" nodeType="clickEffect">
+                                  <p:stCondLst>
+                                    <p:cond delay="0"/>
+                                  </p:stCondLst>
+                                  <p:childTnLst>
+                                    <p:set>
+                                      <p:cBhvr>
+                                        <p:cTn id="24" dur="1" fill="hold">
+                                          <p:stCondLst>
+                                            <p:cond delay="0"/>
+                                          </p:stCondLst>
+                                        </p:cTn>
+                                        <p:tgtEl>
+                                          <p:spTgt spid="16"/>
+                                        </p:tgtEl>
+                                        <p:attrNameLst>
+                                          <p:attrName>style.visibility</p:attrName>
+                                        </p:attrNameLst>
+                                      </p:cBhvr>
+                                      <p:to>
+                                        <p:strVal val="visible"/>
+                                      </p:to>
+                                    </p:set>
+                                    <p:animEffect transition="in" filter="fade">
+                                      <p:cBhvr>
+                                        <p:cTn id="25" dur="250"/>
+                                        <p:tgtEl>
+                                          <p:spTgt spid="16"/>
+                                        </p:tgtEl>
+                                      </p:cBhvr>
+                                    </p:animEffect>
+                                  </p:childTnLst>
+                                </p:cTn>
+                              </p:par>
+                            </p:childTnLst>
+                          </p:cTn>
+                        </p:par>
+                      </p:childTnLst>
+                    </p:cTn>
+                  </p:par>
+                  <p:par>
+                    <p:cTn id="26" fill="hold">
+                      <p:stCondLst>
+                        <p:cond delay="indefinite"/>
+                      </p:stCondLst>
+                      <p:childTnLst>
+                        <p:par>
+                          <p:cTn id="27" fill="hold">
+                            <p:stCondLst>
+                              <p:cond delay="0"/>
+                            </p:stCondLst>
+                            <p:childTnLst>
+                              <p:par>
+                                <p:cTn id="28" presetID="10" presetClass="entr" presetSubtype="0" fill="hold" nodeType="clickEffect">
+                                  <p:stCondLst>
+                                    <p:cond delay="0"/>
+                                  </p:stCondLst>
+                                  <p:childTnLst>
+                                    <p:set>
+                                      <p:cBhvr>
+                                        <p:cTn id="29" dur="1" fill="hold">
+                                          <p:stCondLst>
+                                            <p:cond delay="0"/>
+                                          </p:stCondLst>
+                                        </p:cTn>
+                                        <p:tgtEl>
+                                          <p:spTgt spid="13"/>
+                                        </p:tgtEl>
+                                        <p:attrNameLst>
+                                          <p:attrName>style.visibility</p:attrName>
+                                        </p:attrNameLst>
+                                      </p:cBhvr>
+                                      <p:to>
+                                        <p:strVal val="visible"/>
+                                      </p:to>
+                                    </p:set>
+                                    <p:animEffect transition="in" filter="fade">
+                                      <p:cBhvr>
+                                        <p:cTn id="30" dur="500"/>
+                                        <p:tgtEl>
+                                          <p:spTgt spid="13"/>
+                                        </p:tgtEl>
+                                      </p:cBhvr>
+                                    </p:animEffect>
+                                  </p:childTnLst>
+                                </p:cTn>
+                              </p:par>
+                              <p:par>
+                                <p:cTn id="31" presetID="1" presetClass="exit" presetSubtype="0" fill="hold" grpId="1" nodeType="withEffect">
+                                  <p:stCondLst>
+                                    <p:cond delay="0"/>
+                                  </p:stCondLst>
+                                  <p:childTnLst>
+                                    <p:set>
+                                      <p:cBhvr>
+                                        <p:cTn id="32" dur="1" fill="hold">
+                                          <p:stCondLst>
+                                            <p:cond delay="0"/>
+                                          </p:stCondLst>
+                                        </p:cTn>
+                                        <p:tgtEl>
+                                          <p:spTgt spid="16"/>
+                                        </p:tgtEl>
+                                        <p:attrNameLst>
+                                          <p:attrName>style.visibility</p:attrName>
+                                        </p:attrNameLst>
+                                      </p:cBhvr>
+                                      <p:to>
+                                        <p:strVal val="hidden"/>
+                                      </p:to>
+                                    </p:set>
+                                  </p:childTnLst>
+                                </p:cTn>
+                              </p:par>
+                              <p:par>
+                                <p:cTn id="33" presetID="10" presetClass="entr" presetSubtype="0" fill="hold" grpId="0" nodeType="withEffect">
+                                  <p:stCondLst>
+                                    <p:cond delay="0"/>
+                                  </p:stCondLst>
+                                  <p:childTnLst>
+                                    <p:set>
+                                      <p:cBhvr>
+                                        <p:cTn id="34" dur="1" fill="hold">
+                                          <p:stCondLst>
+                                            <p:cond delay="0"/>
+                                          </p:stCondLst>
+                                        </p:cTn>
+                                        <p:tgtEl>
+                                          <p:spTgt spid="14"/>
+                                        </p:tgtEl>
+                                        <p:attrNameLst>
+                                          <p:attrName>style.visibility</p:attrName>
+                                        </p:attrNameLst>
+                                      </p:cBhvr>
+                                      <p:to>
+                                        <p:strVal val="visible"/>
+                                      </p:to>
+                                    </p:set>
+                                    <p:animEffect transition="in" filter="fade">
+                                      <p:cBhvr>
+                                        <p:cTn id="35" dur="500"/>
+                                        <p:tgtEl>
+                                          <p:spTgt spid="14"/>
+                                        </p:tgtEl>
+                                      </p:cBhvr>
+                                    </p:animEffect>
+                                  </p:childTnLst>
+                                </p:cTn>
+                              </p:par>
+                            </p:childTnLst>
+                          </p:cTn>
+                        </p:par>
+                      </p:childTnLst>
+                    </p:cTn>
+                  </p:par>
+                </p:childTnLst>
+              </p:cTn>
+              <p:prevCondLst>
+                <p:cond evt="onPrev" delay="0">
+                  <p:tgtEl>
+                    <p:sldTgt/>
+                  </p:tgtEl>
+                </p:cond>
+              </p:prevCondLst>
+              <p:nextCondLst>
+                <p:cond evt="onNext" delay="0">
+                  <p:tgtEl>
+                    <p:sldTgt/>
+                  </p:tgtEl>
+                </p:cond>
+              </p:nextCondLst>
+            </p:seq>
+          </p:childTnLst>
+        </p:cTn>
+      </p:par>
+    </p:tnLst>
+    <p:bldLst>
+      <p:bldP spid="5" grpId="0" animBg="1"/>
+      <p:bldP spid="7" grpId="0" animBg="1"/>
+      <p:bldP spid="14" grpId="0" animBg="1"/>
+      <p:bldP spid="15" grpId="0" animBg="1"/>
+      <p:bldP spid="16" grpId="0" animBg="1"/>
+      <p:bldP spid="16" grpId="1" animBg="1"/>
+    </p:bldLst>
+  </p:timing>
 </p:sld>
 </file>
 
@@ -5315,37 +7373,316 @@
       </p:sp>
       <p:sp>
         <p:nvSpPr>
-          <p:cNvPr id="3" name="コンテンツ プレースホルダー 2">
-            <a:extLst>
-              <a:ext uri="{FF2B5EF4-FFF2-40B4-BE49-F238E27FC236}">
-                <a16:creationId xmlns:a16="http://schemas.microsoft.com/office/drawing/2014/main" id="{6B673E67-4B80-4CE0-BD5F-4B415805F612}"/>
-              </a:ext>
-            </a:extLst>
-          </p:cNvPr>
-          <p:cNvSpPr>
-            <a:spLocks noGrp="1"/>
-          </p:cNvSpPr>
-          <p:nvPr>
-            <p:ph idx="1"/>
-          </p:nvPr>
-        </p:nvSpPr>
-        <p:spPr/>
-        <p:txBody>
-          <a:bodyPr/>
-          <a:lstStyle/>
-          <a:p>
-            <a:r>
-              <a:rPr kumimoji="1" lang="ja-JP" altLang="en-US" dirty="0"/>
-              <a:t>全体と、</a:t>
-            </a:r>
-            <a:r>
-              <a:rPr kumimoji="1" lang="en-US" altLang="ja-JP" dirty="0"/>
-              <a:t>yosie.sh</a:t>
-            </a:r>
-            <a:r>
-              <a:rPr kumimoji="1" lang="ja-JP" altLang="en-US" dirty="0"/>
-              <a:t>の中身</a:t>
-            </a:r>
+          <p:cNvPr id="6" name="四角形: 角を丸くする 5">
+            <a:extLst>
+              <a:ext uri="{FF2B5EF4-FFF2-40B4-BE49-F238E27FC236}">
+                <a16:creationId xmlns:a16="http://schemas.microsoft.com/office/drawing/2014/main" id="{498BA43A-0851-4B4D-8C59-F6EE8AA9BA95}"/>
+              </a:ext>
+            </a:extLst>
+          </p:cNvPr>
+          <p:cNvSpPr/>
+          <p:nvPr/>
+        </p:nvSpPr>
+        <p:spPr>
+          <a:xfrm>
+            <a:off x="396240" y="2392997"/>
+            <a:ext cx="2621280" cy="1737360"/>
+          </a:xfrm>
+          <a:prstGeom prst="roundRect">
+            <a:avLst/>
+          </a:prstGeom>
+        </p:spPr>
+        <p:style>
+          <a:lnRef idx="2">
+            <a:schemeClr val="accent1">
+              <a:shade val="50000"/>
+            </a:schemeClr>
+          </a:lnRef>
+          <a:fillRef idx="1">
+            <a:schemeClr val="accent1"/>
+          </a:fillRef>
+          <a:effectRef idx="0">
+            <a:schemeClr val="accent1"/>
+          </a:effectRef>
+          <a:fontRef idx="minor">
+            <a:schemeClr val="lt1"/>
+          </a:fontRef>
+        </p:style>
+        <p:txBody>
+          <a:bodyPr rtlCol="0" anchor="ctr"/>
+          <a:lstStyle/>
+          <a:p>
+            <a:pPr algn="ctr"/>
+            <a:r>
+              <a:rPr kumimoji="1" lang="ja-JP" altLang="en-US" sz="4000" dirty="0"/>
+              <a:t>音声認識</a:t>
+            </a:r>
+          </a:p>
+        </p:txBody>
+      </p:sp>
+      <p:sp>
+        <p:nvSpPr>
+          <p:cNvPr id="7" name="四角形: 角を丸くする 6">
+            <a:extLst>
+              <a:ext uri="{FF2B5EF4-FFF2-40B4-BE49-F238E27FC236}">
+                <a16:creationId xmlns:a16="http://schemas.microsoft.com/office/drawing/2014/main" id="{DFE46414-B145-414E-9180-1CFF408BE607}"/>
+              </a:ext>
+            </a:extLst>
+          </p:cNvPr>
+          <p:cNvSpPr/>
+          <p:nvPr/>
+        </p:nvSpPr>
+        <p:spPr>
+          <a:xfrm>
+            <a:off x="3291841" y="2392997"/>
+            <a:ext cx="2621280" cy="1737360"/>
+          </a:xfrm>
+          <a:prstGeom prst="roundRect">
+            <a:avLst/>
+          </a:prstGeom>
+        </p:spPr>
+        <p:style>
+          <a:lnRef idx="2">
+            <a:schemeClr val="accent1">
+              <a:shade val="50000"/>
+            </a:schemeClr>
+          </a:lnRef>
+          <a:fillRef idx="1">
+            <a:schemeClr val="accent1"/>
+          </a:fillRef>
+          <a:effectRef idx="0">
+            <a:schemeClr val="accent1"/>
+          </a:effectRef>
+          <a:fontRef idx="minor">
+            <a:schemeClr val="lt1"/>
+          </a:fontRef>
+        </p:style>
+        <p:txBody>
+          <a:bodyPr rtlCol="0" anchor="ctr"/>
+          <a:lstStyle/>
+          <a:p>
+            <a:pPr algn="ctr"/>
+            <a:r>
+              <a:rPr kumimoji="1" lang="ja-JP" altLang="en-US" sz="4000" dirty="0"/>
+              <a:t>テキスト分類</a:t>
+            </a:r>
+          </a:p>
+        </p:txBody>
+      </p:sp>
+      <p:sp>
+        <p:nvSpPr>
+          <p:cNvPr id="8" name="四角形: 角を丸くする 7">
+            <a:extLst>
+              <a:ext uri="{FF2B5EF4-FFF2-40B4-BE49-F238E27FC236}">
+                <a16:creationId xmlns:a16="http://schemas.microsoft.com/office/drawing/2014/main" id="{F6ECECBF-8D35-46E1-BBF0-ECC550F7A622}"/>
+              </a:ext>
+            </a:extLst>
+          </p:cNvPr>
+          <p:cNvSpPr/>
+          <p:nvPr/>
+        </p:nvSpPr>
+        <p:spPr>
+          <a:xfrm>
+            <a:off x="6187442" y="2392997"/>
+            <a:ext cx="2621280" cy="1737360"/>
+          </a:xfrm>
+          <a:prstGeom prst="roundRect">
+            <a:avLst/>
+          </a:prstGeom>
+        </p:spPr>
+        <p:style>
+          <a:lnRef idx="2">
+            <a:schemeClr val="accent1">
+              <a:shade val="50000"/>
+            </a:schemeClr>
+          </a:lnRef>
+          <a:fillRef idx="1">
+            <a:schemeClr val="accent1"/>
+          </a:fillRef>
+          <a:effectRef idx="0">
+            <a:schemeClr val="accent1"/>
+          </a:effectRef>
+          <a:fontRef idx="minor">
+            <a:schemeClr val="lt1"/>
+          </a:fontRef>
+        </p:style>
+        <p:txBody>
+          <a:bodyPr rtlCol="0" anchor="ctr"/>
+          <a:lstStyle/>
+          <a:p>
+            <a:pPr algn="ctr"/>
+            <a:r>
+              <a:rPr kumimoji="1" lang="ja-JP" altLang="en-US" sz="4000" dirty="0"/>
+              <a:t>データ</a:t>
+            </a:r>
+            <a:endParaRPr kumimoji="1" lang="en-US" altLang="ja-JP" sz="4000" dirty="0"/>
+          </a:p>
+          <a:p>
+            <a:pPr algn="ctr"/>
+            <a:r>
+              <a:rPr kumimoji="1" lang="ja-JP" altLang="en-US" sz="4000" dirty="0"/>
+              <a:t>取得</a:t>
+            </a:r>
+          </a:p>
+        </p:txBody>
+      </p:sp>
+      <p:sp>
+        <p:nvSpPr>
+          <p:cNvPr id="9" name="四角形: 角を丸くする 8">
+            <a:extLst>
+              <a:ext uri="{FF2B5EF4-FFF2-40B4-BE49-F238E27FC236}">
+                <a16:creationId xmlns:a16="http://schemas.microsoft.com/office/drawing/2014/main" id="{5A9694B0-F6A7-47D2-ABC6-D069EAB97396}"/>
+              </a:ext>
+            </a:extLst>
+          </p:cNvPr>
+          <p:cNvSpPr/>
+          <p:nvPr/>
+        </p:nvSpPr>
+        <p:spPr>
+          <a:xfrm>
+            <a:off x="9083043" y="2392997"/>
+            <a:ext cx="2621280" cy="1737360"/>
+          </a:xfrm>
+          <a:prstGeom prst="roundRect">
+            <a:avLst/>
+          </a:prstGeom>
+        </p:spPr>
+        <p:style>
+          <a:lnRef idx="2">
+            <a:schemeClr val="accent1">
+              <a:shade val="50000"/>
+            </a:schemeClr>
+          </a:lnRef>
+          <a:fillRef idx="1">
+            <a:schemeClr val="accent1"/>
+          </a:fillRef>
+          <a:effectRef idx="0">
+            <a:schemeClr val="accent1"/>
+          </a:effectRef>
+          <a:fontRef idx="minor">
+            <a:schemeClr val="lt1"/>
+          </a:fontRef>
+        </p:style>
+        <p:txBody>
+          <a:bodyPr rtlCol="0" anchor="ctr"/>
+          <a:lstStyle/>
+          <a:p>
+            <a:pPr algn="ctr"/>
+            <a:r>
+              <a:rPr kumimoji="1" lang="ja-JP" altLang="en-US" sz="4000" dirty="0"/>
+              <a:t>音声合成</a:t>
+            </a:r>
+          </a:p>
+        </p:txBody>
+      </p:sp>
+      <p:sp>
+        <p:nvSpPr>
+          <p:cNvPr id="10" name="矢印: 右 9">
+            <a:extLst>
+              <a:ext uri="{FF2B5EF4-FFF2-40B4-BE49-F238E27FC236}">
+                <a16:creationId xmlns:a16="http://schemas.microsoft.com/office/drawing/2014/main" id="{3F893249-F968-46CE-BA68-1261516EED97}"/>
+              </a:ext>
+            </a:extLst>
+          </p:cNvPr>
+          <p:cNvSpPr/>
+          <p:nvPr/>
+        </p:nvSpPr>
+        <p:spPr>
+          <a:xfrm>
+            <a:off x="441958" y="4481511"/>
+            <a:ext cx="11308083" cy="702309"/>
+          </a:xfrm>
+          <a:prstGeom prst="rightArrow">
+            <a:avLst/>
+          </a:prstGeom>
+          <a:solidFill>
+            <a:srgbClr val="FF0000"/>
+          </a:solidFill>
+          <a:ln>
+            <a:solidFill>
+              <a:schemeClr val="tx1"/>
+            </a:solidFill>
+          </a:ln>
+        </p:spPr>
+        <p:style>
+          <a:lnRef idx="2">
+            <a:schemeClr val="accent1">
+              <a:shade val="50000"/>
+            </a:schemeClr>
+          </a:lnRef>
+          <a:fillRef idx="1">
+            <a:schemeClr val="accent1"/>
+          </a:fillRef>
+          <a:effectRef idx="0">
+            <a:schemeClr val="accent1"/>
+          </a:effectRef>
+          <a:fontRef idx="minor">
+            <a:schemeClr val="lt1"/>
+          </a:fontRef>
+        </p:style>
+        <p:txBody>
+          <a:bodyPr rtlCol="0" anchor="ctr"/>
+          <a:lstStyle/>
+          <a:p>
+            <a:pPr algn="ctr"/>
+            <a:endParaRPr kumimoji="1" lang="ja-JP" altLang="en-US" dirty="0"/>
+          </a:p>
+        </p:txBody>
+      </p:sp>
+      <p:sp>
+        <p:nvSpPr>
+          <p:cNvPr id="11" name="正方形/長方形 10">
+            <a:extLst>
+              <a:ext uri="{FF2B5EF4-FFF2-40B4-BE49-F238E27FC236}">
+                <a16:creationId xmlns:a16="http://schemas.microsoft.com/office/drawing/2014/main" id="{4905A35F-3E8C-4E41-8921-4AA6993AF579}"/>
+              </a:ext>
+            </a:extLst>
+          </p:cNvPr>
+          <p:cNvSpPr/>
+          <p:nvPr/>
+        </p:nvSpPr>
+        <p:spPr>
+          <a:xfrm>
+            <a:off x="9508067" y="0"/>
+            <a:ext cx="2683933" cy="1593908"/>
+          </a:xfrm>
+          <a:prstGeom prst="rect">
+            <a:avLst/>
+          </a:prstGeom>
+          <a:solidFill>
+            <a:schemeClr val="accent6">
+              <a:lumMod val="60000"/>
+              <a:lumOff val="40000"/>
+            </a:schemeClr>
+          </a:solidFill>
+          <a:ln>
+            <a:solidFill>
+              <a:schemeClr val="tx1"/>
+            </a:solidFill>
+          </a:ln>
+        </p:spPr>
+        <p:style>
+          <a:lnRef idx="2">
+            <a:schemeClr val="accent1">
+              <a:shade val="50000"/>
+            </a:schemeClr>
+          </a:lnRef>
+          <a:fillRef idx="1">
+            <a:schemeClr val="accent1"/>
+          </a:fillRef>
+          <a:effectRef idx="0">
+            <a:schemeClr val="accent1"/>
+          </a:effectRef>
+          <a:fontRef idx="minor">
+            <a:schemeClr val="lt1"/>
+          </a:fontRef>
+        </p:style>
+        <p:txBody>
+          <a:bodyPr rtlCol="0" anchor="ctr"/>
+          <a:lstStyle/>
+          <a:p>
+            <a:pPr algn="ctr"/>
+            <a:endParaRPr kumimoji="1" lang="ja-JP" altLang="en-US"/>
           </a:p>
         </p:txBody>
       </p:sp>
@@ -5359,6 +7696,92 @@
   <p:clrMapOvr>
     <a:masterClrMapping/>
   </p:clrMapOvr>
+  <p:timing>
+    <p:tnLst>
+      <p:par>
+        <p:cTn id="1" dur="indefinite" restart="never" nodeType="tmRoot">
+          <p:childTnLst>
+            <p:seq concurrent="1" nextAc="seek">
+              <p:cTn id="2" dur="indefinite" nodeType="mainSeq">
+                <p:childTnLst>
+                  <p:par>
+                    <p:cTn id="3" fill="hold">
+                      <p:stCondLst>
+                        <p:cond delay="indefinite"/>
+                      </p:stCondLst>
+                      <p:childTnLst>
+                        <p:par>
+                          <p:cTn id="4" fill="hold">
+                            <p:stCondLst>
+                              <p:cond delay="0"/>
+                            </p:stCondLst>
+                            <p:childTnLst>
+                              <p:par>
+                                <p:cTn id="5" presetID="22" presetClass="entr" presetSubtype="8" fill="hold" grpId="0" nodeType="clickEffect">
+                                  <p:stCondLst>
+                                    <p:cond delay="0"/>
+                                  </p:stCondLst>
+                                  <p:childTnLst>
+                                    <p:set>
+                                      <p:cBhvr>
+                                        <p:cTn id="6" dur="1" fill="hold">
+                                          <p:stCondLst>
+                                            <p:cond delay="0"/>
+                                          </p:stCondLst>
+                                        </p:cTn>
+                                        <p:tgtEl>
+                                          <p:spTgt spid="10"/>
+                                        </p:tgtEl>
+                                        <p:attrNameLst>
+                                          <p:attrName>style.visibility</p:attrName>
+                                        </p:attrNameLst>
+                                      </p:cBhvr>
+                                      <p:to>
+                                        <p:strVal val="visible"/>
+                                      </p:to>
+                                    </p:set>
+                                    <p:animEffect transition="in" filter="wipe(left)">
+                                      <p:cBhvr>
+                                        <p:cTn id="7" dur="500"/>
+                                        <p:tgtEl>
+                                          <p:spTgt spid="10"/>
+                                        </p:tgtEl>
+                                      </p:cBhvr>
+                                    </p:animEffect>
+                                  </p:childTnLst>
+                                </p:cTn>
+                              </p:par>
+                            </p:childTnLst>
+                          </p:cTn>
+                        </p:par>
+                      </p:childTnLst>
+                    </p:cTn>
+                  </p:par>
+                </p:childTnLst>
+              </p:cTn>
+              <p:prevCondLst>
+                <p:cond evt="onPrev" delay="0">
+                  <p:tgtEl>
+                    <p:sldTgt/>
+                  </p:tgtEl>
+                </p:cond>
+              </p:prevCondLst>
+              <p:nextCondLst>
+                <p:cond evt="onNext" delay="0">
+                  <p:tgtEl>
+                    <p:sldTgt/>
+                  </p:tgtEl>
+                </p:cond>
+              </p:nextCondLst>
+            </p:seq>
+          </p:childTnLst>
+        </p:cTn>
+      </p:par>
+    </p:tnLst>
+    <p:bldLst>
+      <p:bldP spid="10" grpId="0" animBg="1"/>
+    </p:bldLst>
+  </p:timing>
 </p:sld>
 </file>
 
@@ -5409,25 +7832,515 @@
       </p:sp>
       <p:sp>
         <p:nvSpPr>
-          <p:cNvPr id="3" name="コンテンツ プレースホルダー 2">
-            <a:extLst>
-              <a:ext uri="{FF2B5EF4-FFF2-40B4-BE49-F238E27FC236}">
-                <a16:creationId xmlns:a16="http://schemas.microsoft.com/office/drawing/2014/main" id="{8462E205-EB8B-4645-A6E4-DCA1105C443B}"/>
-              </a:ext>
-            </a:extLst>
-          </p:cNvPr>
-          <p:cNvSpPr>
-            <a:spLocks noGrp="1"/>
-          </p:cNvSpPr>
-          <p:nvPr>
-            <p:ph idx="1"/>
-          </p:nvPr>
-        </p:nvSpPr>
-        <p:spPr/>
-        <p:txBody>
-          <a:bodyPr/>
-          <a:lstStyle/>
-          <a:p>
+          <p:cNvPr id="4" name="四角形: 角を丸くする 3">
+            <a:extLst>
+              <a:ext uri="{FF2B5EF4-FFF2-40B4-BE49-F238E27FC236}">
+                <a16:creationId xmlns:a16="http://schemas.microsoft.com/office/drawing/2014/main" id="{F4F47535-73A9-455B-AE52-8537879D375E}"/>
+              </a:ext>
+            </a:extLst>
+          </p:cNvPr>
+          <p:cNvSpPr/>
+          <p:nvPr/>
+        </p:nvSpPr>
+        <p:spPr>
+          <a:xfrm>
+            <a:off x="396240" y="2392997"/>
+            <a:ext cx="2621280" cy="1737360"/>
+          </a:xfrm>
+          <a:prstGeom prst="roundRect">
+            <a:avLst/>
+          </a:prstGeom>
+        </p:spPr>
+        <p:style>
+          <a:lnRef idx="2">
+            <a:schemeClr val="accent1">
+              <a:shade val="50000"/>
+            </a:schemeClr>
+          </a:lnRef>
+          <a:fillRef idx="1">
+            <a:schemeClr val="accent1"/>
+          </a:fillRef>
+          <a:effectRef idx="0">
+            <a:schemeClr val="accent1"/>
+          </a:effectRef>
+          <a:fontRef idx="minor">
+            <a:schemeClr val="lt1"/>
+          </a:fontRef>
+        </p:style>
+        <p:txBody>
+          <a:bodyPr rtlCol="0" anchor="ctr"/>
+          <a:lstStyle/>
+          <a:p>
+            <a:pPr algn="ctr"/>
+            <a:r>
+              <a:rPr kumimoji="1" lang="ja-JP" altLang="en-US" sz="4000" dirty="0"/>
+              <a:t>音声認識</a:t>
+            </a:r>
+          </a:p>
+        </p:txBody>
+      </p:sp>
+      <p:sp>
+        <p:nvSpPr>
+          <p:cNvPr id="5" name="四角形: 角を丸くする 4">
+            <a:extLst>
+              <a:ext uri="{FF2B5EF4-FFF2-40B4-BE49-F238E27FC236}">
+                <a16:creationId xmlns:a16="http://schemas.microsoft.com/office/drawing/2014/main" id="{57E686E8-F042-4E7E-B2E5-6E8FE830DBA1}"/>
+              </a:ext>
+            </a:extLst>
+          </p:cNvPr>
+          <p:cNvSpPr/>
+          <p:nvPr/>
+        </p:nvSpPr>
+        <p:spPr>
+          <a:xfrm>
+            <a:off x="3291841" y="2392997"/>
+            <a:ext cx="2621280" cy="1737360"/>
+          </a:xfrm>
+          <a:prstGeom prst="roundRect">
+            <a:avLst/>
+          </a:prstGeom>
+        </p:spPr>
+        <p:style>
+          <a:lnRef idx="2">
+            <a:schemeClr val="accent1">
+              <a:shade val="50000"/>
+            </a:schemeClr>
+          </a:lnRef>
+          <a:fillRef idx="1">
+            <a:schemeClr val="accent1"/>
+          </a:fillRef>
+          <a:effectRef idx="0">
+            <a:schemeClr val="accent1"/>
+          </a:effectRef>
+          <a:fontRef idx="minor">
+            <a:schemeClr val="lt1"/>
+          </a:fontRef>
+        </p:style>
+        <p:txBody>
+          <a:bodyPr rtlCol="0" anchor="ctr"/>
+          <a:lstStyle/>
+          <a:p>
+            <a:pPr algn="ctr"/>
+            <a:r>
+              <a:rPr kumimoji="1" lang="ja-JP" altLang="en-US" sz="4000" dirty="0"/>
+              <a:t>テキスト分類</a:t>
+            </a:r>
+          </a:p>
+        </p:txBody>
+      </p:sp>
+      <p:sp>
+        <p:nvSpPr>
+          <p:cNvPr id="6" name="四角形: 角を丸くする 5">
+            <a:extLst>
+              <a:ext uri="{FF2B5EF4-FFF2-40B4-BE49-F238E27FC236}">
+                <a16:creationId xmlns:a16="http://schemas.microsoft.com/office/drawing/2014/main" id="{DE682287-EEB5-4309-8FC6-60D331D0E563}"/>
+              </a:ext>
+            </a:extLst>
+          </p:cNvPr>
+          <p:cNvSpPr/>
+          <p:nvPr/>
+        </p:nvSpPr>
+        <p:spPr>
+          <a:xfrm>
+            <a:off x="6187442" y="2392997"/>
+            <a:ext cx="2621280" cy="1737360"/>
+          </a:xfrm>
+          <a:prstGeom prst="roundRect">
+            <a:avLst/>
+          </a:prstGeom>
+        </p:spPr>
+        <p:style>
+          <a:lnRef idx="2">
+            <a:schemeClr val="accent1">
+              <a:shade val="50000"/>
+            </a:schemeClr>
+          </a:lnRef>
+          <a:fillRef idx="1">
+            <a:schemeClr val="accent1"/>
+          </a:fillRef>
+          <a:effectRef idx="0">
+            <a:schemeClr val="accent1"/>
+          </a:effectRef>
+          <a:fontRef idx="minor">
+            <a:schemeClr val="lt1"/>
+          </a:fontRef>
+        </p:style>
+        <p:txBody>
+          <a:bodyPr rtlCol="0" anchor="ctr"/>
+          <a:lstStyle/>
+          <a:p>
+            <a:pPr algn="ctr"/>
+            <a:r>
+              <a:rPr kumimoji="1" lang="ja-JP" altLang="en-US" sz="4000" dirty="0"/>
+              <a:t>データ</a:t>
+            </a:r>
+            <a:endParaRPr kumimoji="1" lang="en-US" altLang="ja-JP" sz="4000" dirty="0"/>
+          </a:p>
+          <a:p>
+            <a:pPr algn="ctr"/>
+            <a:r>
+              <a:rPr kumimoji="1" lang="ja-JP" altLang="en-US" sz="4000" dirty="0"/>
+              <a:t>取得</a:t>
+            </a:r>
+          </a:p>
+        </p:txBody>
+      </p:sp>
+      <p:sp>
+        <p:nvSpPr>
+          <p:cNvPr id="7" name="四角形: 角を丸くする 6">
+            <a:extLst>
+              <a:ext uri="{FF2B5EF4-FFF2-40B4-BE49-F238E27FC236}">
+                <a16:creationId xmlns:a16="http://schemas.microsoft.com/office/drawing/2014/main" id="{D99EEDE4-F0E5-40CF-B3A4-67407DB66D34}"/>
+              </a:ext>
+            </a:extLst>
+          </p:cNvPr>
+          <p:cNvSpPr/>
+          <p:nvPr/>
+        </p:nvSpPr>
+        <p:spPr>
+          <a:xfrm>
+            <a:off x="9083043" y="2392997"/>
+            <a:ext cx="2621280" cy="1737360"/>
+          </a:xfrm>
+          <a:prstGeom prst="roundRect">
+            <a:avLst/>
+          </a:prstGeom>
+        </p:spPr>
+        <p:style>
+          <a:lnRef idx="2">
+            <a:schemeClr val="accent1">
+              <a:shade val="50000"/>
+            </a:schemeClr>
+          </a:lnRef>
+          <a:fillRef idx="1">
+            <a:schemeClr val="accent1"/>
+          </a:fillRef>
+          <a:effectRef idx="0">
+            <a:schemeClr val="accent1"/>
+          </a:effectRef>
+          <a:fontRef idx="minor">
+            <a:schemeClr val="lt1"/>
+          </a:fontRef>
+        </p:style>
+        <p:txBody>
+          <a:bodyPr rtlCol="0" anchor="ctr"/>
+          <a:lstStyle/>
+          <a:p>
+            <a:pPr algn="ctr"/>
+            <a:r>
+              <a:rPr kumimoji="1" lang="ja-JP" altLang="en-US" sz="4000" dirty="0"/>
+              <a:t>音声合成</a:t>
+            </a:r>
+          </a:p>
+        </p:txBody>
+      </p:sp>
+      <p:sp>
+        <p:nvSpPr>
+          <p:cNvPr id="8" name="矢印: 右 7">
+            <a:extLst>
+              <a:ext uri="{FF2B5EF4-FFF2-40B4-BE49-F238E27FC236}">
+                <a16:creationId xmlns:a16="http://schemas.microsoft.com/office/drawing/2014/main" id="{4756C268-2785-4BAB-832F-65D5FF12D8E8}"/>
+              </a:ext>
+            </a:extLst>
+          </p:cNvPr>
+          <p:cNvSpPr/>
+          <p:nvPr/>
+        </p:nvSpPr>
+        <p:spPr>
+          <a:xfrm>
+            <a:off x="441958" y="4481511"/>
+            <a:ext cx="11308083" cy="702309"/>
+          </a:xfrm>
+          <a:prstGeom prst="rightArrow">
+            <a:avLst/>
+          </a:prstGeom>
+          <a:solidFill>
+            <a:srgbClr val="FF0000"/>
+          </a:solidFill>
+          <a:ln>
+            <a:solidFill>
+              <a:schemeClr val="tx1"/>
+            </a:solidFill>
+          </a:ln>
+        </p:spPr>
+        <p:style>
+          <a:lnRef idx="2">
+            <a:schemeClr val="accent1">
+              <a:shade val="50000"/>
+            </a:schemeClr>
+          </a:lnRef>
+          <a:fillRef idx="1">
+            <a:schemeClr val="accent1"/>
+          </a:fillRef>
+          <a:effectRef idx="0">
+            <a:schemeClr val="accent1"/>
+          </a:effectRef>
+          <a:fontRef idx="minor">
+            <a:schemeClr val="lt1"/>
+          </a:fontRef>
+        </p:style>
+        <p:txBody>
+          <a:bodyPr rtlCol="0" anchor="ctr"/>
+          <a:lstStyle/>
+          <a:p>
+            <a:pPr algn="ctr"/>
+            <a:endParaRPr kumimoji="1" lang="ja-JP" altLang="en-US" dirty="0"/>
+          </a:p>
+        </p:txBody>
+      </p:sp>
+      <p:sp>
+        <p:nvSpPr>
+          <p:cNvPr id="9" name="四角形: 角を丸くする 8">
+            <a:extLst>
+              <a:ext uri="{FF2B5EF4-FFF2-40B4-BE49-F238E27FC236}">
+                <a16:creationId xmlns:a16="http://schemas.microsoft.com/office/drawing/2014/main" id="{2B7E9FBE-F349-4365-BAF6-E0177D8C219F}"/>
+              </a:ext>
+            </a:extLst>
+          </p:cNvPr>
+          <p:cNvSpPr/>
+          <p:nvPr/>
+        </p:nvSpPr>
+        <p:spPr>
+          <a:xfrm>
+            <a:off x="387198" y="2392997"/>
+            <a:ext cx="2621280" cy="1737360"/>
+          </a:xfrm>
+          <a:prstGeom prst="roundRect">
+            <a:avLst/>
+          </a:prstGeom>
+        </p:spPr>
+        <p:style>
+          <a:lnRef idx="2">
+            <a:schemeClr val="accent1">
+              <a:shade val="50000"/>
+            </a:schemeClr>
+          </a:lnRef>
+          <a:fillRef idx="1">
+            <a:schemeClr val="accent1"/>
+          </a:fillRef>
+          <a:effectRef idx="0">
+            <a:schemeClr val="accent1"/>
+          </a:effectRef>
+          <a:fontRef idx="minor">
+            <a:schemeClr val="lt1"/>
+          </a:fontRef>
+        </p:style>
+        <p:txBody>
+          <a:bodyPr rtlCol="0" anchor="ctr"/>
+          <a:lstStyle/>
+          <a:p>
+            <a:pPr algn="ctr"/>
+            <a:r>
+              <a:rPr kumimoji="1" lang="en-US" altLang="ja-JP" sz="4800" dirty="0"/>
+              <a:t>Julius</a:t>
+            </a:r>
+            <a:endParaRPr kumimoji="1" lang="ja-JP" altLang="en-US" sz="4800" dirty="0"/>
+          </a:p>
+        </p:txBody>
+      </p:sp>
+      <p:sp>
+        <p:nvSpPr>
+          <p:cNvPr id="10" name="四角形: 角を丸くする 9">
+            <a:extLst>
+              <a:ext uri="{FF2B5EF4-FFF2-40B4-BE49-F238E27FC236}">
+                <a16:creationId xmlns:a16="http://schemas.microsoft.com/office/drawing/2014/main" id="{785E5EDB-BE1F-4985-A031-A8B16BD4F0DB}"/>
+              </a:ext>
+            </a:extLst>
+          </p:cNvPr>
+          <p:cNvSpPr/>
+          <p:nvPr/>
+        </p:nvSpPr>
+        <p:spPr>
+          <a:xfrm>
+            <a:off x="3282799" y="2392997"/>
+            <a:ext cx="2621280" cy="1737360"/>
+          </a:xfrm>
+          <a:prstGeom prst="roundRect">
+            <a:avLst/>
+          </a:prstGeom>
+        </p:spPr>
+        <p:style>
+          <a:lnRef idx="2">
+            <a:schemeClr val="accent1">
+              <a:shade val="50000"/>
+            </a:schemeClr>
+          </a:lnRef>
+          <a:fillRef idx="1">
+            <a:schemeClr val="accent1"/>
+          </a:fillRef>
+          <a:effectRef idx="0">
+            <a:schemeClr val="accent1"/>
+          </a:effectRef>
+          <a:fontRef idx="minor">
+            <a:schemeClr val="lt1"/>
+          </a:fontRef>
+        </p:style>
+        <p:txBody>
+          <a:bodyPr rtlCol="0" anchor="ctr"/>
+          <a:lstStyle/>
+          <a:p>
+            <a:pPr algn="ctr"/>
+            <a:r>
+              <a:rPr kumimoji="1" lang="en-US" altLang="ja-JP" sz="4400" dirty="0" err="1"/>
+              <a:t>fastText</a:t>
+            </a:r>
+            <a:endParaRPr kumimoji="1" lang="ja-JP" altLang="en-US" sz="4400" dirty="0"/>
+          </a:p>
+        </p:txBody>
+      </p:sp>
+      <p:sp>
+        <p:nvSpPr>
+          <p:cNvPr id="11" name="四角形: 角を丸くする 10">
+            <a:extLst>
+              <a:ext uri="{FF2B5EF4-FFF2-40B4-BE49-F238E27FC236}">
+                <a16:creationId xmlns:a16="http://schemas.microsoft.com/office/drawing/2014/main" id="{CCF2C705-AF62-465F-BAAD-50BDB90D3D64}"/>
+              </a:ext>
+            </a:extLst>
+          </p:cNvPr>
+          <p:cNvSpPr/>
+          <p:nvPr/>
+        </p:nvSpPr>
+        <p:spPr>
+          <a:xfrm>
+            <a:off x="6196484" y="2392997"/>
+            <a:ext cx="2621280" cy="1737360"/>
+          </a:xfrm>
+          <a:prstGeom prst="roundRect">
+            <a:avLst/>
+          </a:prstGeom>
+        </p:spPr>
+        <p:style>
+          <a:lnRef idx="2">
+            <a:schemeClr val="accent1">
+              <a:shade val="50000"/>
+            </a:schemeClr>
+          </a:lnRef>
+          <a:fillRef idx="1">
+            <a:schemeClr val="accent1"/>
+          </a:fillRef>
+          <a:effectRef idx="0">
+            <a:schemeClr val="accent1"/>
+          </a:effectRef>
+          <a:fontRef idx="minor">
+            <a:schemeClr val="lt1"/>
+          </a:fontRef>
+        </p:style>
+        <p:txBody>
+          <a:bodyPr rtlCol="0" anchor="ctr"/>
+          <a:lstStyle/>
+          <a:p>
+            <a:pPr algn="ctr"/>
+            <a:r>
+              <a:rPr lang="ja-JP" altLang="en-US" sz="4000" dirty="0"/>
+              <a:t>スクレイピング等</a:t>
+            </a:r>
+            <a:endParaRPr kumimoji="1" lang="ja-JP" altLang="en-US" sz="4000" dirty="0"/>
+          </a:p>
+        </p:txBody>
+      </p:sp>
+      <p:sp>
+        <p:nvSpPr>
+          <p:cNvPr id="12" name="四角形: 角を丸くする 11">
+            <a:extLst>
+              <a:ext uri="{FF2B5EF4-FFF2-40B4-BE49-F238E27FC236}">
+                <a16:creationId xmlns:a16="http://schemas.microsoft.com/office/drawing/2014/main" id="{4390E608-46C0-4AB1-9349-EAC68C09284E}"/>
+              </a:ext>
+            </a:extLst>
+          </p:cNvPr>
+          <p:cNvSpPr/>
+          <p:nvPr/>
+        </p:nvSpPr>
+        <p:spPr>
+          <a:xfrm>
+            <a:off x="9092085" y="2392997"/>
+            <a:ext cx="2621280" cy="1737360"/>
+          </a:xfrm>
+          <a:prstGeom prst="roundRect">
+            <a:avLst/>
+          </a:prstGeom>
+        </p:spPr>
+        <p:style>
+          <a:lnRef idx="2">
+            <a:schemeClr val="accent1">
+              <a:shade val="50000"/>
+            </a:schemeClr>
+          </a:lnRef>
+          <a:fillRef idx="1">
+            <a:schemeClr val="accent1"/>
+          </a:fillRef>
+          <a:effectRef idx="0">
+            <a:schemeClr val="accent1"/>
+          </a:effectRef>
+          <a:fontRef idx="minor">
+            <a:schemeClr val="lt1"/>
+          </a:fontRef>
+        </p:style>
+        <p:txBody>
+          <a:bodyPr rtlCol="0" anchor="ctr"/>
+          <a:lstStyle/>
+          <a:p>
+            <a:pPr algn="ctr"/>
+            <a:r>
+              <a:rPr kumimoji="1" lang="en-US" altLang="ja-JP" sz="3600" dirty="0" err="1"/>
+              <a:t>OpenJTalk</a:t>
+            </a:r>
+            <a:endParaRPr kumimoji="1" lang="ja-JP" altLang="en-US" sz="3600" dirty="0"/>
+          </a:p>
+        </p:txBody>
+      </p:sp>
+      <p:sp>
+        <p:nvSpPr>
+          <p:cNvPr id="13" name="正方形/長方形 12">
+            <a:extLst>
+              <a:ext uri="{FF2B5EF4-FFF2-40B4-BE49-F238E27FC236}">
+                <a16:creationId xmlns:a16="http://schemas.microsoft.com/office/drawing/2014/main" id="{A43085D8-1E8E-45D9-9E41-E977531E4024}"/>
+              </a:ext>
+            </a:extLst>
+          </p:cNvPr>
+          <p:cNvSpPr/>
+          <p:nvPr/>
+        </p:nvSpPr>
+        <p:spPr>
+          <a:xfrm>
+            <a:off x="9508067" y="0"/>
+            <a:ext cx="2683933" cy="1593908"/>
+          </a:xfrm>
+          <a:prstGeom prst="rect">
+            <a:avLst/>
+          </a:prstGeom>
+          <a:solidFill>
+            <a:schemeClr val="accent6">
+              <a:lumMod val="60000"/>
+              <a:lumOff val="40000"/>
+            </a:schemeClr>
+          </a:solidFill>
+          <a:ln>
+            <a:solidFill>
+              <a:schemeClr val="tx1"/>
+            </a:solidFill>
+          </a:ln>
+        </p:spPr>
+        <p:style>
+          <a:lnRef idx="2">
+            <a:schemeClr val="accent1">
+              <a:shade val="50000"/>
+            </a:schemeClr>
+          </a:lnRef>
+          <a:fillRef idx="1">
+            <a:schemeClr val="accent1"/>
+          </a:fillRef>
+          <a:effectRef idx="0">
+            <a:schemeClr val="accent1"/>
+          </a:effectRef>
+          <a:fontRef idx="minor">
+            <a:schemeClr val="lt1"/>
+          </a:fontRef>
+        </p:style>
+        <p:txBody>
+          <a:bodyPr rtlCol="0" anchor="ctr"/>
+          <a:lstStyle/>
+          <a:p>
+            <a:pPr algn="ctr"/>
             <a:endParaRPr kumimoji="1" lang="ja-JP" altLang="en-US"/>
           </a:p>
         </p:txBody>
@@ -5442,6 +8355,254 @@
   <p:clrMapOvr>
     <a:masterClrMapping/>
   </p:clrMapOvr>
+  <p:timing>
+    <p:tnLst>
+      <p:par>
+        <p:cTn id="1" dur="indefinite" restart="never" nodeType="tmRoot">
+          <p:childTnLst>
+            <p:seq concurrent="1" nextAc="seek">
+              <p:cTn id="2" dur="indefinite" nodeType="mainSeq">
+                <p:childTnLst>
+                  <p:par>
+                    <p:cTn id="3" fill="hold">
+                      <p:stCondLst>
+                        <p:cond delay="indefinite"/>
+                      </p:stCondLst>
+                      <p:childTnLst>
+                        <p:par>
+                          <p:cTn id="4" fill="hold">
+                            <p:stCondLst>
+                              <p:cond delay="0"/>
+                            </p:stCondLst>
+                            <p:childTnLst>
+                              <p:par>
+                                <p:cTn id="5" presetID="10" presetClass="entr" presetSubtype="0" fill="hold" grpId="0" nodeType="clickEffect">
+                                  <p:stCondLst>
+                                    <p:cond delay="0"/>
+                                  </p:stCondLst>
+                                  <p:childTnLst>
+                                    <p:set>
+                                      <p:cBhvr>
+                                        <p:cTn id="6" dur="1" fill="hold">
+                                          <p:stCondLst>
+                                            <p:cond delay="0"/>
+                                          </p:stCondLst>
+                                        </p:cTn>
+                                        <p:tgtEl>
+                                          <p:spTgt spid="9"/>
+                                        </p:tgtEl>
+                                        <p:attrNameLst>
+                                          <p:attrName>style.visibility</p:attrName>
+                                        </p:attrNameLst>
+                                      </p:cBhvr>
+                                      <p:to>
+                                        <p:strVal val="visible"/>
+                                      </p:to>
+                                    </p:set>
+                                    <p:animEffect transition="in" filter="fade">
+                                      <p:cBhvr>
+                                        <p:cTn id="7" dur="500"/>
+                                        <p:tgtEl>
+                                          <p:spTgt spid="9"/>
+                                        </p:tgtEl>
+                                      </p:cBhvr>
+                                    </p:animEffect>
+                                  </p:childTnLst>
+                                </p:cTn>
+                              </p:par>
+                            </p:childTnLst>
+                          </p:cTn>
+                        </p:par>
+                      </p:childTnLst>
+                    </p:cTn>
+                  </p:par>
+                  <p:par>
+                    <p:cTn id="8" fill="hold">
+                      <p:stCondLst>
+                        <p:cond delay="indefinite"/>
+                      </p:stCondLst>
+                      <p:childTnLst>
+                        <p:par>
+                          <p:cTn id="9" fill="hold">
+                            <p:stCondLst>
+                              <p:cond delay="0"/>
+                            </p:stCondLst>
+                            <p:childTnLst>
+                              <p:par>
+                                <p:cTn id="10" presetID="10" presetClass="entr" presetSubtype="0" fill="hold" grpId="0" nodeType="clickEffect">
+                                  <p:stCondLst>
+                                    <p:cond delay="0"/>
+                                  </p:stCondLst>
+                                  <p:childTnLst>
+                                    <p:set>
+                                      <p:cBhvr>
+                                        <p:cTn id="11" dur="1" fill="hold">
+                                          <p:stCondLst>
+                                            <p:cond delay="0"/>
+                                          </p:stCondLst>
+                                        </p:cTn>
+                                        <p:tgtEl>
+                                          <p:spTgt spid="10"/>
+                                        </p:tgtEl>
+                                        <p:attrNameLst>
+                                          <p:attrName>style.visibility</p:attrName>
+                                        </p:attrNameLst>
+                                      </p:cBhvr>
+                                      <p:to>
+                                        <p:strVal val="visible"/>
+                                      </p:to>
+                                    </p:set>
+                                    <p:animEffect transition="in" filter="fade">
+                                      <p:cBhvr>
+                                        <p:cTn id="12" dur="500"/>
+                                        <p:tgtEl>
+                                          <p:spTgt spid="10"/>
+                                        </p:tgtEl>
+                                      </p:cBhvr>
+                                    </p:animEffect>
+                                  </p:childTnLst>
+                                </p:cTn>
+                              </p:par>
+                            </p:childTnLst>
+                          </p:cTn>
+                        </p:par>
+                      </p:childTnLst>
+                    </p:cTn>
+                  </p:par>
+                  <p:par>
+                    <p:cTn id="13" fill="hold">
+                      <p:stCondLst>
+                        <p:cond delay="indefinite"/>
+                      </p:stCondLst>
+                      <p:childTnLst>
+                        <p:par>
+                          <p:cTn id="14" fill="hold">
+                            <p:stCondLst>
+                              <p:cond delay="0"/>
+                            </p:stCondLst>
+                            <p:childTnLst>
+                              <p:par>
+                                <p:cTn id="15" presetID="10" presetClass="entr" presetSubtype="0" fill="hold" grpId="0" nodeType="clickEffect">
+                                  <p:stCondLst>
+                                    <p:cond delay="0"/>
+                                  </p:stCondLst>
+                                  <p:childTnLst>
+                                    <p:set>
+                                      <p:cBhvr>
+                                        <p:cTn id="16" dur="1" fill="hold">
+                                          <p:stCondLst>
+                                            <p:cond delay="0"/>
+                                          </p:stCondLst>
+                                        </p:cTn>
+                                        <p:tgtEl>
+                                          <p:spTgt spid="11"/>
+                                        </p:tgtEl>
+                                        <p:attrNameLst>
+                                          <p:attrName>style.visibility</p:attrName>
+                                        </p:attrNameLst>
+                                      </p:cBhvr>
+                                      <p:to>
+                                        <p:strVal val="visible"/>
+                                      </p:to>
+                                    </p:set>
+                                    <p:animEffect transition="in" filter="fade">
+                                      <p:cBhvr>
+                                        <p:cTn id="17" dur="500"/>
+                                        <p:tgtEl>
+                                          <p:spTgt spid="11"/>
+                                        </p:tgtEl>
+                                      </p:cBhvr>
+                                    </p:animEffect>
+                                  </p:childTnLst>
+                                </p:cTn>
+                              </p:par>
+                            </p:childTnLst>
+                          </p:cTn>
+                        </p:par>
+                      </p:childTnLst>
+                    </p:cTn>
+                  </p:par>
+                  <p:par>
+                    <p:cTn id="18" fill="hold">
+                      <p:stCondLst>
+                        <p:cond delay="indefinite"/>
+                      </p:stCondLst>
+                      <p:childTnLst>
+                        <p:par>
+                          <p:cTn id="19" fill="hold">
+                            <p:stCondLst>
+                              <p:cond delay="0"/>
+                            </p:stCondLst>
+                            <p:childTnLst>
+                              <p:par>
+                                <p:cTn id="20" presetID="10" presetClass="entr" presetSubtype="0" fill="hold" grpId="0" nodeType="clickEffect">
+                                  <p:stCondLst>
+                                    <p:cond delay="0"/>
+                                  </p:stCondLst>
+                                  <p:childTnLst>
+                                    <p:set>
+                                      <p:cBhvr>
+                                        <p:cTn id="21" dur="1" fill="hold">
+                                          <p:stCondLst>
+                                            <p:cond delay="0"/>
+                                          </p:stCondLst>
+                                        </p:cTn>
+                                        <p:tgtEl>
+                                          <p:spTgt spid="12"/>
+                                        </p:tgtEl>
+                                        <p:attrNameLst>
+                                          <p:attrName>style.visibility</p:attrName>
+                                        </p:attrNameLst>
+                                      </p:cBhvr>
+                                      <p:to>
+                                        <p:strVal val="visible"/>
+                                      </p:to>
+                                    </p:set>
+                                    <p:animEffect transition="in" filter="fade">
+                                      <p:cBhvr>
+                                        <p:cTn id="22" dur="500"/>
+                                        <p:tgtEl>
+                                          <p:spTgt spid="12"/>
+                                        </p:tgtEl>
+                                      </p:cBhvr>
+                                    </p:animEffect>
+                                  </p:childTnLst>
+                                </p:cTn>
+                              </p:par>
+                            </p:childTnLst>
+                          </p:cTn>
+                        </p:par>
+                      </p:childTnLst>
+                    </p:cTn>
+                  </p:par>
+                </p:childTnLst>
+              </p:cTn>
+              <p:prevCondLst>
+                <p:cond evt="onPrev" delay="0">
+                  <p:tgtEl>
+                    <p:sldTgt/>
+                  </p:tgtEl>
+                </p:cond>
+              </p:prevCondLst>
+              <p:nextCondLst>
+                <p:cond evt="onNext" delay="0">
+                  <p:tgtEl>
+                    <p:sldTgt/>
+                  </p:tgtEl>
+                </p:cond>
+              </p:nextCondLst>
+            </p:seq>
+          </p:childTnLst>
+        </p:cTn>
+      </p:par>
+    </p:tnLst>
+    <p:bldLst>
+      <p:bldP spid="9" grpId="0" animBg="1"/>
+      <p:bldP spid="10" grpId="0" animBg="1"/>
+      <p:bldP spid="11" grpId="0" animBg="1"/>
+      <p:bldP spid="12" grpId="0" animBg="1"/>
+    </p:bldLst>
+  </p:timing>
 </p:sld>
 </file>
 
@@ -5507,15 +8668,281 @@
             <p:ph idx="1"/>
           </p:nvPr>
         </p:nvSpPr>
-        <p:spPr/>
+        <p:spPr>
+          <a:xfrm>
+            <a:off x="838200" y="1825625"/>
+            <a:ext cx="10515600" cy="4351338"/>
+          </a:xfrm>
+        </p:spPr>
         <p:txBody>
           <a:bodyPr/>
           <a:lstStyle/>
           <a:p>
+            <a:r>
+              <a:rPr lang="ja-JP" altLang="en-US" dirty="0"/>
+              <a:t>音声認識</a:t>
+            </a:r>
+            <a:r>
+              <a:rPr lang="en-US" altLang="ja-JP" dirty="0"/>
+              <a:t>OSS(</a:t>
+            </a:r>
+            <a:r>
+              <a:rPr lang="ja-JP" altLang="en-US" dirty="0"/>
+              <a:t>オープンソースソフトウェア</a:t>
+            </a:r>
+            <a:r>
+              <a:rPr lang="en-US" altLang="ja-JP" dirty="0"/>
+              <a:t>)</a:t>
+            </a:r>
+          </a:p>
+          <a:p>
+            <a:r>
+              <a:rPr lang="ja-JP" altLang="en-US" dirty="0"/>
+              <a:t>音声をテキストに変換</a:t>
+            </a:r>
+            <a:endParaRPr lang="en-US" altLang="ja-JP" dirty="0"/>
+          </a:p>
+          <a:p>
+            <a:pPr marL="0" indent="0">
+              <a:buNone/>
+            </a:pPr>
+            <a:endParaRPr kumimoji="1" lang="ja-JP" altLang="en-US" dirty="0"/>
+          </a:p>
+        </p:txBody>
+      </p:sp>
+      <p:sp>
+        <p:nvSpPr>
+          <p:cNvPr id="4" name="正方形/長方形 3">
+            <a:extLst>
+              <a:ext uri="{FF2B5EF4-FFF2-40B4-BE49-F238E27FC236}">
+                <a16:creationId xmlns:a16="http://schemas.microsoft.com/office/drawing/2014/main" id="{31292F67-BFB0-494E-A9D2-8BFF0843E47D}"/>
+              </a:ext>
+            </a:extLst>
+          </p:cNvPr>
+          <p:cNvSpPr/>
+          <p:nvPr/>
+        </p:nvSpPr>
+        <p:spPr>
+          <a:xfrm>
+            <a:off x="9508067" y="0"/>
+            <a:ext cx="2683933" cy="1593908"/>
+          </a:xfrm>
+          <a:prstGeom prst="rect">
+            <a:avLst/>
+          </a:prstGeom>
+          <a:solidFill>
+            <a:schemeClr val="accent6">
+              <a:lumMod val="60000"/>
+              <a:lumOff val="40000"/>
+            </a:schemeClr>
+          </a:solidFill>
+          <a:ln>
+            <a:solidFill>
+              <a:schemeClr val="tx1"/>
+            </a:solidFill>
+          </a:ln>
+        </p:spPr>
+        <p:style>
+          <a:lnRef idx="2">
+            <a:schemeClr val="accent1">
+              <a:shade val="50000"/>
+            </a:schemeClr>
+          </a:lnRef>
+          <a:fillRef idx="1">
+            <a:schemeClr val="accent1"/>
+          </a:fillRef>
+          <a:effectRef idx="0">
+            <a:schemeClr val="accent1"/>
+          </a:effectRef>
+          <a:fontRef idx="minor">
+            <a:schemeClr val="lt1"/>
+          </a:fontRef>
+        </p:style>
+        <p:txBody>
+          <a:bodyPr rtlCol="0" anchor="ctr"/>
+          <a:lstStyle/>
+          <a:p>
+            <a:pPr algn="ctr"/>
             <a:endParaRPr kumimoji="1" lang="ja-JP" altLang="en-US"/>
           </a:p>
         </p:txBody>
       </p:sp>
+      <p:sp>
+        <p:nvSpPr>
+          <p:cNvPr id="6" name="テキスト ボックス 5">
+            <a:extLst>
+              <a:ext uri="{FF2B5EF4-FFF2-40B4-BE49-F238E27FC236}">
+                <a16:creationId xmlns:a16="http://schemas.microsoft.com/office/drawing/2014/main" id="{8244B55E-1A64-4D7A-8231-2B5D21500D24}"/>
+              </a:ext>
+            </a:extLst>
+          </p:cNvPr>
+          <p:cNvSpPr txBox="1"/>
+          <p:nvPr/>
+        </p:nvSpPr>
+        <p:spPr>
+          <a:xfrm>
+            <a:off x="838201" y="3491719"/>
+            <a:ext cx="4369105" cy="1862048"/>
+          </a:xfrm>
+          <a:prstGeom prst="rect">
+            <a:avLst/>
+          </a:prstGeom>
+          <a:noFill/>
+          <a:effectLst>
+            <a:outerShdw blurRad="50800" dist="38100" dir="2700000" algn="tl" rotWithShape="0">
+              <a:prstClr val="black">
+                <a:alpha val="40000"/>
+              </a:prstClr>
+            </a:outerShdw>
+          </a:effectLst>
+        </p:spPr>
+        <p:txBody>
+          <a:bodyPr wrap="square" rtlCol="0">
+            <a:spAutoFit/>
+            <a:scene3d>
+              <a:camera prst="orthographicFront"/>
+              <a:lightRig rig="harsh" dir="t"/>
+            </a:scene3d>
+            <a:sp3d extrusionH="57150" prstMaterial="matte">
+              <a:bevelT w="63500" h="12700" prst="angle"/>
+              <a:contourClr>
+                <a:schemeClr val="bg1">
+                  <a:lumMod val="65000"/>
+                </a:schemeClr>
+              </a:contourClr>
+            </a:sp3d>
+          </a:bodyPr>
+          <a:lstStyle/>
+          <a:p>
+            <a:r>
+              <a:rPr kumimoji="1" lang="en-US" altLang="ja-JP" sz="11500" b="1" dirty="0">
+                <a:ln/>
+                <a:solidFill>
+                  <a:schemeClr val="accent6">
+                    <a:lumMod val="75000"/>
+                  </a:schemeClr>
+                </a:solidFill>
+              </a:rPr>
+              <a:t>Julius</a:t>
+            </a:r>
+          </a:p>
+        </p:txBody>
+      </p:sp>
+      <p:sp>
+        <p:nvSpPr>
+          <p:cNvPr id="7" name="テキスト ボックス 6">
+            <a:extLst>
+              <a:ext uri="{FF2B5EF4-FFF2-40B4-BE49-F238E27FC236}">
+                <a16:creationId xmlns:a16="http://schemas.microsoft.com/office/drawing/2014/main" id="{3B8C2A0D-A46E-4310-BC08-464ACAF8549D}"/>
+              </a:ext>
+            </a:extLst>
+          </p:cNvPr>
+          <p:cNvSpPr txBox="1"/>
+          <p:nvPr/>
+        </p:nvSpPr>
+        <p:spPr>
+          <a:xfrm>
+            <a:off x="6053523" y="3491719"/>
+            <a:ext cx="5300277" cy="1862048"/>
+          </a:xfrm>
+          <a:prstGeom prst="rect">
+            <a:avLst/>
+          </a:prstGeom>
+          <a:noFill/>
+          <a:effectLst>
+            <a:outerShdw blurRad="50800" dist="38100" dir="2700000" algn="tl" rotWithShape="0">
+              <a:prstClr val="black">
+                <a:alpha val="40000"/>
+              </a:prstClr>
+            </a:outerShdw>
+          </a:effectLst>
+        </p:spPr>
+        <p:txBody>
+          <a:bodyPr wrap="square" rtlCol="0">
+            <a:spAutoFit/>
+            <a:scene3d>
+              <a:camera prst="orthographicFront"/>
+              <a:lightRig rig="harsh" dir="t"/>
+            </a:scene3d>
+            <a:sp3d extrusionH="57150" prstMaterial="matte">
+              <a:bevelT w="63500" h="12700" prst="angle"/>
+              <a:contourClr>
+                <a:schemeClr val="bg1">
+                  <a:lumMod val="65000"/>
+                </a:schemeClr>
+              </a:contourClr>
+            </a:sp3d>
+          </a:bodyPr>
+          <a:lstStyle/>
+          <a:p>
+            <a:r>
+              <a:rPr kumimoji="1" lang="en-US" altLang="ja-JP" sz="11500" b="1" dirty="0">
+                <a:ln/>
+                <a:solidFill>
+                  <a:schemeClr val="accent6">
+                    <a:lumMod val="75000"/>
+                  </a:schemeClr>
+                </a:solidFill>
+              </a:rPr>
+              <a:t>Python</a:t>
+            </a:r>
+            <a:endParaRPr kumimoji="1" lang="ja-JP" altLang="en-US" sz="11500" b="1" dirty="0">
+              <a:ln/>
+              <a:solidFill>
+                <a:schemeClr val="accent6">
+                  <a:lumMod val="75000"/>
+                </a:schemeClr>
+              </a:solidFill>
+            </a:endParaRPr>
+          </a:p>
+        </p:txBody>
+      </p:sp>
+      <p:pic>
+        <p:nvPicPr>
+          <p:cNvPr id="8" name="グラフィックス 7" descr="リンク">
+            <a:extLst>
+              <a:ext uri="{FF2B5EF4-FFF2-40B4-BE49-F238E27FC236}">
+                <a16:creationId xmlns:a16="http://schemas.microsoft.com/office/drawing/2014/main" id="{73289AD7-780F-4D4E-8BD8-7530CA74AC30}"/>
+              </a:ext>
+            </a:extLst>
+          </p:cNvPr>
+          <p:cNvPicPr>
+            <a:picLocks noChangeAspect="1"/>
+          </p:cNvPicPr>
+          <p:nvPr/>
+        </p:nvPicPr>
+        <p:blipFill>
+          <a:blip r:embed="rId2">
+            <a:extLst>
+              <a:ext uri="{28A0092B-C50C-407E-A947-70E740481C1C}">
+                <a14:useLocalDpi xmlns:a14="http://schemas.microsoft.com/office/drawing/2010/main" val="0"/>
+              </a:ext>
+              <a:ext uri="{96DAC541-7B7A-43D3-8B79-37D633B846F1}">
+                <asvg:svgBlip xmlns:asvg="http://schemas.microsoft.com/office/drawing/2016/SVG/main" r:embed="rId3"/>
+              </a:ext>
+            </a:extLst>
+          </a:blip>
+          <a:stretch>
+            <a:fillRect/>
+          </a:stretch>
+        </p:blipFill>
+        <p:spPr>
+          <a:xfrm rot="8073206">
+            <a:off x="4892743" y="3720039"/>
+            <a:ext cx="1405408" cy="1405408"/>
+          </a:xfrm>
+          <a:prstGeom prst="rect">
+            <a:avLst/>
+          </a:prstGeom>
+          <a:effectLst>
+            <a:outerShdw blurRad="50800" dist="38100" dir="2700000" algn="tl" rotWithShape="0">
+              <a:prstClr val="black">
+                <a:alpha val="40000"/>
+              </a:prstClr>
+            </a:outerShdw>
+          </a:effectLst>
+        </p:spPr>
+      </p:pic>
     </p:spTree>
     <p:extLst>
       <p:ext uri="{BB962C8B-B14F-4D97-AF65-F5344CB8AC3E}">
@@ -5526,6 +8953,275 @@
   <p:clrMapOvr>
     <a:masterClrMapping/>
   </p:clrMapOvr>
+  <p:timing>
+    <p:tnLst>
+      <p:par>
+        <p:cTn id="1" dur="indefinite" restart="never" nodeType="tmRoot">
+          <p:childTnLst>
+            <p:seq concurrent="1" nextAc="seek">
+              <p:cTn id="2" dur="indefinite" nodeType="mainSeq">
+                <p:childTnLst>
+                  <p:par>
+                    <p:cTn id="3" fill="hold">
+                      <p:stCondLst>
+                        <p:cond delay="indefinite"/>
+                      </p:stCondLst>
+                      <p:childTnLst>
+                        <p:par>
+                          <p:cTn id="4" fill="hold">
+                            <p:stCondLst>
+                              <p:cond delay="0"/>
+                            </p:stCondLst>
+                            <p:childTnLst>
+                              <p:par>
+                                <p:cTn id="5" presetID="2" presetClass="entr" presetSubtype="8" fill="hold" grpId="0" nodeType="clickEffect">
+                                  <p:stCondLst>
+                                    <p:cond delay="0"/>
+                                  </p:stCondLst>
+                                  <p:childTnLst>
+                                    <p:set>
+                                      <p:cBhvr>
+                                        <p:cTn id="6" dur="1" fill="hold">
+                                          <p:stCondLst>
+                                            <p:cond delay="0"/>
+                                          </p:stCondLst>
+                                        </p:cTn>
+                                        <p:tgtEl>
+                                          <p:spTgt spid="6"/>
+                                        </p:tgtEl>
+                                        <p:attrNameLst>
+                                          <p:attrName>style.visibility</p:attrName>
+                                        </p:attrNameLst>
+                                      </p:cBhvr>
+                                      <p:to>
+                                        <p:strVal val="visible"/>
+                                      </p:to>
+                                    </p:set>
+                                    <p:anim calcmode="lin" valueType="num">
+                                      <p:cBhvr additive="base">
+                                        <p:cTn id="7" dur="250" fill="hold"/>
+                                        <p:tgtEl>
+                                          <p:spTgt spid="6"/>
+                                        </p:tgtEl>
+                                        <p:attrNameLst>
+                                          <p:attrName>ppt_x</p:attrName>
+                                        </p:attrNameLst>
+                                      </p:cBhvr>
+                                      <p:tavLst>
+                                        <p:tav tm="0">
+                                          <p:val>
+                                            <p:strVal val="0-#ppt_w/2"/>
+                                          </p:val>
+                                        </p:tav>
+                                        <p:tav tm="100000">
+                                          <p:val>
+                                            <p:strVal val="#ppt_x"/>
+                                          </p:val>
+                                        </p:tav>
+                                      </p:tavLst>
+                                    </p:anim>
+                                    <p:anim calcmode="lin" valueType="num">
+                                      <p:cBhvr additive="base">
+                                        <p:cTn id="8" dur="250" fill="hold"/>
+                                        <p:tgtEl>
+                                          <p:spTgt spid="6"/>
+                                        </p:tgtEl>
+                                        <p:attrNameLst>
+                                          <p:attrName>ppt_y</p:attrName>
+                                        </p:attrNameLst>
+                                      </p:cBhvr>
+                                      <p:tavLst>
+                                        <p:tav tm="0">
+                                          <p:val>
+                                            <p:strVal val="#ppt_y"/>
+                                          </p:val>
+                                        </p:tav>
+                                        <p:tav tm="100000">
+                                          <p:val>
+                                            <p:strVal val="#ppt_y"/>
+                                          </p:val>
+                                        </p:tav>
+                                      </p:tavLst>
+                                    </p:anim>
+                                  </p:childTnLst>
+                                </p:cTn>
+                              </p:par>
+                            </p:childTnLst>
+                          </p:cTn>
+                        </p:par>
+                      </p:childTnLst>
+                    </p:cTn>
+                  </p:par>
+                  <p:par>
+                    <p:cTn id="9" fill="hold">
+                      <p:stCondLst>
+                        <p:cond delay="indefinite"/>
+                      </p:stCondLst>
+                      <p:childTnLst>
+                        <p:par>
+                          <p:cTn id="10" fill="hold">
+                            <p:stCondLst>
+                              <p:cond delay="0"/>
+                            </p:stCondLst>
+                            <p:childTnLst>
+                              <p:par>
+                                <p:cTn id="11" presetID="2" presetClass="entr" presetSubtype="2" fill="hold" grpId="0" nodeType="clickEffect">
+                                  <p:stCondLst>
+                                    <p:cond delay="0"/>
+                                  </p:stCondLst>
+                                  <p:childTnLst>
+                                    <p:set>
+                                      <p:cBhvr>
+                                        <p:cTn id="12" dur="1" fill="hold">
+                                          <p:stCondLst>
+                                            <p:cond delay="0"/>
+                                          </p:stCondLst>
+                                        </p:cTn>
+                                        <p:tgtEl>
+                                          <p:spTgt spid="7"/>
+                                        </p:tgtEl>
+                                        <p:attrNameLst>
+                                          <p:attrName>style.visibility</p:attrName>
+                                        </p:attrNameLst>
+                                      </p:cBhvr>
+                                      <p:to>
+                                        <p:strVal val="visible"/>
+                                      </p:to>
+                                    </p:set>
+                                    <p:anim calcmode="lin" valueType="num">
+                                      <p:cBhvr additive="base">
+                                        <p:cTn id="13" dur="250" fill="hold"/>
+                                        <p:tgtEl>
+                                          <p:spTgt spid="7"/>
+                                        </p:tgtEl>
+                                        <p:attrNameLst>
+                                          <p:attrName>ppt_x</p:attrName>
+                                        </p:attrNameLst>
+                                      </p:cBhvr>
+                                      <p:tavLst>
+                                        <p:tav tm="0">
+                                          <p:val>
+                                            <p:strVal val="1+#ppt_w/2"/>
+                                          </p:val>
+                                        </p:tav>
+                                        <p:tav tm="100000">
+                                          <p:val>
+                                            <p:strVal val="#ppt_x"/>
+                                          </p:val>
+                                        </p:tav>
+                                      </p:tavLst>
+                                    </p:anim>
+                                    <p:anim calcmode="lin" valueType="num">
+                                      <p:cBhvr additive="base">
+                                        <p:cTn id="14" dur="250" fill="hold"/>
+                                        <p:tgtEl>
+                                          <p:spTgt spid="7"/>
+                                        </p:tgtEl>
+                                        <p:attrNameLst>
+                                          <p:attrName>ppt_y</p:attrName>
+                                        </p:attrNameLst>
+                                      </p:cBhvr>
+                                      <p:tavLst>
+                                        <p:tav tm="0">
+                                          <p:val>
+                                            <p:strVal val="#ppt_y"/>
+                                          </p:val>
+                                        </p:tav>
+                                        <p:tav tm="100000">
+                                          <p:val>
+                                            <p:strVal val="#ppt_y"/>
+                                          </p:val>
+                                        </p:tav>
+                                      </p:tavLst>
+                                    </p:anim>
+                                  </p:childTnLst>
+                                </p:cTn>
+                              </p:par>
+                            </p:childTnLst>
+                          </p:cTn>
+                        </p:par>
+                      </p:childTnLst>
+                    </p:cTn>
+                  </p:par>
+                  <p:par>
+                    <p:cTn id="15" fill="hold">
+                      <p:stCondLst>
+                        <p:cond delay="indefinite"/>
+                      </p:stCondLst>
+                      <p:childTnLst>
+                        <p:par>
+                          <p:cTn id="16" fill="hold">
+                            <p:stCondLst>
+                              <p:cond delay="0"/>
+                            </p:stCondLst>
+                            <p:childTnLst>
+                              <p:par>
+                                <p:cTn id="17" presetID="14" presetClass="entr" presetSubtype="10" fill="hold" nodeType="clickEffect">
+                                  <p:stCondLst>
+                                    <p:cond delay="0"/>
+                                  </p:stCondLst>
+                                  <p:childTnLst>
+                                    <p:set>
+                                      <p:cBhvr>
+                                        <p:cTn id="18" dur="1" fill="hold">
+                                          <p:stCondLst>
+                                            <p:cond delay="0"/>
+                                          </p:stCondLst>
+                                        </p:cTn>
+                                        <p:tgtEl>
+                                          <p:spTgt spid="8"/>
+                                        </p:tgtEl>
+                                        <p:attrNameLst>
+                                          <p:attrName>style.visibility</p:attrName>
+                                        </p:attrNameLst>
+                                      </p:cBhvr>
+                                      <p:to>
+                                        <p:strVal val="visible"/>
+                                      </p:to>
+                                    </p:set>
+                                    <p:animEffect transition="in" filter="randombar(horizontal)">
+                                      <p:cBhvr>
+                                        <p:cTn id="19" dur="500"/>
+                                        <p:tgtEl>
+                                          <p:spTgt spid="8"/>
+                                        </p:tgtEl>
+                                      </p:cBhvr>
+                                    </p:animEffect>
+                                  </p:childTnLst>
+                                </p:cTn>
+                              </p:par>
+                            </p:childTnLst>
+                          </p:cTn>
+                        </p:par>
+                      </p:childTnLst>
+                    </p:cTn>
+                  </p:par>
+                </p:childTnLst>
+              </p:cTn>
+              <p:prevCondLst>
+                <p:cond evt="onPrev" delay="0">
+                  <p:tgtEl>
+                    <p:sldTgt/>
+                  </p:tgtEl>
+                </p:cond>
+              </p:prevCondLst>
+              <p:nextCondLst>
+                <p:cond evt="onNext" delay="0">
+                  <p:tgtEl>
+                    <p:sldTgt/>
+                  </p:tgtEl>
+                </p:cond>
+              </p:nextCondLst>
+            </p:seq>
+          </p:childTnLst>
+        </p:cTn>
+      </p:par>
+    </p:tnLst>
+    <p:bldLst>
+      <p:bldP spid="6" grpId="0"/>
+      <p:bldP spid="7" grpId="0"/>
+    </p:bldLst>
+  </p:timing>
 </p:sld>
 </file>
 
@@ -5548,10 +9244,449 @@
       </p:grpSpPr>
       <p:sp>
         <p:nvSpPr>
-          <p:cNvPr id="2" name="タイトル 1">
-            <a:extLst>
-              <a:ext uri="{FF2B5EF4-FFF2-40B4-BE49-F238E27FC236}">
-                <a16:creationId xmlns:a16="http://schemas.microsoft.com/office/drawing/2014/main" id="{2E6736C6-CE05-4D73-907A-DE1B89EFF8DC}"/>
+          <p:cNvPr id="5" name="正方形/長方形 4">
+            <a:extLst>
+              <a:ext uri="{FF2B5EF4-FFF2-40B4-BE49-F238E27FC236}">
+                <a16:creationId xmlns:a16="http://schemas.microsoft.com/office/drawing/2014/main" id="{FAE1BEE8-EA21-4DBE-944C-F48A59884AD4}"/>
+              </a:ext>
+            </a:extLst>
+          </p:cNvPr>
+          <p:cNvSpPr/>
+          <p:nvPr/>
+        </p:nvSpPr>
+        <p:spPr>
+          <a:xfrm>
+            <a:off x="9508067" y="14514"/>
+            <a:ext cx="2683933" cy="1593908"/>
+          </a:xfrm>
+          <a:prstGeom prst="rect">
+            <a:avLst/>
+          </a:prstGeom>
+          <a:solidFill>
+            <a:schemeClr val="accent6">
+              <a:lumMod val="60000"/>
+              <a:lumOff val="40000"/>
+            </a:schemeClr>
+          </a:solidFill>
+        </p:spPr>
+        <p:style>
+          <a:lnRef idx="2">
+            <a:schemeClr val="accent1">
+              <a:shade val="50000"/>
+            </a:schemeClr>
+          </a:lnRef>
+          <a:fillRef idx="1">
+            <a:schemeClr val="accent1"/>
+          </a:fillRef>
+          <a:effectRef idx="0">
+            <a:schemeClr val="accent1"/>
+          </a:effectRef>
+          <a:fontRef idx="minor">
+            <a:schemeClr val="lt1"/>
+          </a:fontRef>
+        </p:style>
+        <p:txBody>
+          <a:bodyPr rtlCol="0" anchor="ctr"/>
+          <a:lstStyle/>
+          <a:p>
+            <a:pPr algn="ctr"/>
+            <a:endParaRPr kumimoji="1" lang="ja-JP" altLang="en-US"/>
+          </a:p>
+        </p:txBody>
+      </p:sp>
+      <p:sp>
+        <p:nvSpPr>
+          <p:cNvPr id="8" name="正方形/長方形 7">
+            <a:extLst>
+              <a:ext uri="{FF2B5EF4-FFF2-40B4-BE49-F238E27FC236}">
+                <a16:creationId xmlns:a16="http://schemas.microsoft.com/office/drawing/2014/main" id="{74080E35-9D7D-4F60-8F54-52B50D5DA797}"/>
+              </a:ext>
+            </a:extLst>
+          </p:cNvPr>
+          <p:cNvSpPr/>
+          <p:nvPr/>
+        </p:nvSpPr>
+        <p:spPr>
+          <a:xfrm>
+            <a:off x="3176904" y="3063788"/>
+            <a:ext cx="5838191" cy="730424"/>
+          </a:xfrm>
+          <a:prstGeom prst="rect">
+            <a:avLst/>
+          </a:prstGeom>
+          <a:solidFill>
+            <a:schemeClr val="bg1"/>
+          </a:solidFill>
+          <a:ln>
+            <a:solidFill>
+              <a:schemeClr val="tx1"/>
+            </a:solidFill>
+          </a:ln>
+        </p:spPr>
+        <p:style>
+          <a:lnRef idx="2">
+            <a:schemeClr val="accent1">
+              <a:shade val="50000"/>
+            </a:schemeClr>
+          </a:lnRef>
+          <a:fillRef idx="1">
+            <a:schemeClr val="accent1"/>
+          </a:fillRef>
+          <a:effectRef idx="0">
+            <a:schemeClr val="accent1"/>
+          </a:effectRef>
+          <a:fontRef idx="minor">
+            <a:schemeClr val="lt1"/>
+          </a:fontRef>
+        </p:style>
+        <p:txBody>
+          <a:bodyPr rtlCol="0" anchor="ctr"/>
+          <a:lstStyle/>
+          <a:p>
+            <a:pPr algn="ctr"/>
+            <a:r>
+              <a:rPr kumimoji="1" lang="en-US" altLang="ja-JP" sz="2800" b="1" dirty="0">
+                <a:solidFill>
+                  <a:schemeClr val="accent6">
+                    <a:lumMod val="50000"/>
+                  </a:schemeClr>
+                </a:solidFill>
+              </a:rPr>
+              <a:t>Julius</a:t>
+            </a:r>
+            <a:r>
+              <a:rPr kumimoji="1" lang="ja-JP" altLang="en-US" sz="2800" b="1" dirty="0">
+                <a:solidFill>
+                  <a:schemeClr val="accent6">
+                    <a:lumMod val="50000"/>
+                  </a:schemeClr>
+                </a:solidFill>
+              </a:rPr>
+              <a:t>サーバと接続</a:t>
+            </a:r>
+            <a:r>
+              <a:rPr kumimoji="1" lang="en-US" altLang="ja-JP" sz="2800" b="1" dirty="0">
+                <a:solidFill>
+                  <a:schemeClr val="accent6">
+                    <a:lumMod val="50000"/>
+                  </a:schemeClr>
+                </a:solidFill>
+              </a:rPr>
+              <a:t>(socket</a:t>
+            </a:r>
+            <a:r>
+              <a:rPr kumimoji="1" lang="ja-JP" altLang="en-US" sz="2800" b="1" dirty="0">
+                <a:solidFill>
+                  <a:schemeClr val="accent6">
+                    <a:lumMod val="50000"/>
+                  </a:schemeClr>
+                </a:solidFill>
+              </a:rPr>
+              <a:t>通信</a:t>
+            </a:r>
+            <a:r>
+              <a:rPr kumimoji="1" lang="en-US" altLang="ja-JP" sz="2800" b="1" dirty="0">
+                <a:solidFill>
+                  <a:schemeClr val="accent6">
+                    <a:lumMod val="50000"/>
+                  </a:schemeClr>
+                </a:solidFill>
+              </a:rPr>
+              <a:t>)</a:t>
+            </a:r>
+          </a:p>
+        </p:txBody>
+      </p:sp>
+      <p:sp>
+        <p:nvSpPr>
+          <p:cNvPr id="9" name="正方形/長方形 8">
+            <a:extLst>
+              <a:ext uri="{FF2B5EF4-FFF2-40B4-BE49-F238E27FC236}">
+                <a16:creationId xmlns:a16="http://schemas.microsoft.com/office/drawing/2014/main" id="{D1575FBF-2BCF-4226-9757-505A37D67A65}"/>
+              </a:ext>
+            </a:extLst>
+          </p:cNvPr>
+          <p:cNvSpPr/>
+          <p:nvPr/>
+        </p:nvSpPr>
+        <p:spPr>
+          <a:xfrm>
+            <a:off x="3160682" y="4229836"/>
+            <a:ext cx="5838190" cy="766259"/>
+          </a:xfrm>
+          <a:prstGeom prst="rect">
+            <a:avLst/>
+          </a:prstGeom>
+          <a:solidFill>
+            <a:schemeClr val="bg1"/>
+          </a:solidFill>
+          <a:ln>
+            <a:solidFill>
+              <a:schemeClr val="tx1"/>
+            </a:solidFill>
+          </a:ln>
+        </p:spPr>
+        <p:style>
+          <a:lnRef idx="2">
+            <a:schemeClr val="accent1">
+              <a:shade val="50000"/>
+            </a:schemeClr>
+          </a:lnRef>
+          <a:fillRef idx="1">
+            <a:schemeClr val="accent1"/>
+          </a:fillRef>
+          <a:effectRef idx="0">
+            <a:schemeClr val="accent1"/>
+          </a:effectRef>
+          <a:fontRef idx="minor">
+            <a:schemeClr val="lt1"/>
+          </a:fontRef>
+        </p:style>
+        <p:txBody>
+          <a:bodyPr rtlCol="0" anchor="ctr"/>
+          <a:lstStyle/>
+          <a:p>
+            <a:pPr algn="ctr"/>
+            <a:r>
+              <a:rPr kumimoji="1" lang="ja-JP" altLang="en-US" sz="2800" b="1" dirty="0">
+                <a:solidFill>
+                  <a:schemeClr val="accent6">
+                    <a:lumMod val="50000"/>
+                  </a:schemeClr>
+                </a:solidFill>
+              </a:rPr>
+              <a:t>音声認識</a:t>
+            </a:r>
+            <a:endParaRPr kumimoji="1" lang="en-US" altLang="ja-JP" sz="2800" b="1" dirty="0">
+              <a:solidFill>
+                <a:schemeClr val="accent6">
+                  <a:lumMod val="50000"/>
+                </a:schemeClr>
+              </a:solidFill>
+            </a:endParaRPr>
+          </a:p>
+        </p:txBody>
+      </p:sp>
+      <p:sp>
+        <p:nvSpPr>
+          <p:cNvPr id="10" name="正方形/長方形 9">
+            <a:extLst>
+              <a:ext uri="{FF2B5EF4-FFF2-40B4-BE49-F238E27FC236}">
+                <a16:creationId xmlns:a16="http://schemas.microsoft.com/office/drawing/2014/main" id="{9C00F658-A53E-46C1-B8AA-6DEB59A17AC4}"/>
+              </a:ext>
+            </a:extLst>
+          </p:cNvPr>
+          <p:cNvSpPr/>
+          <p:nvPr/>
+        </p:nvSpPr>
+        <p:spPr>
+          <a:xfrm>
+            <a:off x="3160682" y="5383191"/>
+            <a:ext cx="5830078" cy="766259"/>
+          </a:xfrm>
+          <a:prstGeom prst="rect">
+            <a:avLst/>
+          </a:prstGeom>
+          <a:solidFill>
+            <a:schemeClr val="bg1"/>
+          </a:solidFill>
+          <a:ln>
+            <a:solidFill>
+              <a:schemeClr val="tx1"/>
+            </a:solidFill>
+          </a:ln>
+        </p:spPr>
+        <p:style>
+          <a:lnRef idx="2">
+            <a:schemeClr val="accent1">
+              <a:shade val="50000"/>
+            </a:schemeClr>
+          </a:lnRef>
+          <a:fillRef idx="1">
+            <a:schemeClr val="accent1"/>
+          </a:fillRef>
+          <a:effectRef idx="0">
+            <a:schemeClr val="accent1"/>
+          </a:effectRef>
+          <a:fontRef idx="minor">
+            <a:schemeClr val="lt1"/>
+          </a:fontRef>
+        </p:style>
+        <p:txBody>
+          <a:bodyPr rtlCol="0" anchor="ctr"/>
+          <a:lstStyle/>
+          <a:p>
+            <a:pPr algn="ctr"/>
+            <a:r>
+              <a:rPr lang="ja-JP" altLang="en-US" sz="2800" b="1">
+                <a:solidFill>
+                  <a:schemeClr val="accent6">
+                    <a:lumMod val="50000"/>
+                  </a:schemeClr>
+                </a:solidFill>
+              </a:rPr>
+              <a:t>サーバからデータを取得</a:t>
+            </a:r>
+            <a:endParaRPr lang="ja-JP" altLang="en-US" sz="2800" b="1" dirty="0">
+              <a:solidFill>
+                <a:schemeClr val="accent6">
+                  <a:lumMod val="50000"/>
+                </a:schemeClr>
+              </a:solidFill>
+            </a:endParaRPr>
+          </a:p>
+        </p:txBody>
+      </p:sp>
+      <p:cxnSp>
+        <p:nvCxnSpPr>
+          <p:cNvPr id="13" name="直線矢印コネクタ 12">
+            <a:extLst>
+              <a:ext uri="{FF2B5EF4-FFF2-40B4-BE49-F238E27FC236}">
+                <a16:creationId xmlns:a16="http://schemas.microsoft.com/office/drawing/2014/main" id="{863D539B-DE0C-4589-B512-A43519BB23AD}"/>
+              </a:ext>
+            </a:extLst>
+          </p:cNvPr>
+          <p:cNvCxnSpPr>
+            <a:cxnSpLocks/>
+            <a:stCxn id="8" idx="2"/>
+            <a:endCxn id="9" idx="0"/>
+          </p:cNvCxnSpPr>
+          <p:nvPr/>
+        </p:nvCxnSpPr>
+        <p:spPr>
+          <a:xfrm flipH="1">
+            <a:off x="6079777" y="3794212"/>
+            <a:ext cx="16223" cy="435624"/>
+          </a:xfrm>
+          <a:prstGeom prst="straightConnector1">
+            <a:avLst/>
+          </a:prstGeom>
+          <a:ln w="76200">
+            <a:solidFill>
+              <a:schemeClr val="accent6">
+                <a:lumMod val="75000"/>
+              </a:schemeClr>
+            </a:solidFill>
+            <a:tailEnd type="triangle"/>
+          </a:ln>
+        </p:spPr>
+        <p:style>
+          <a:lnRef idx="1">
+            <a:schemeClr val="accent1"/>
+          </a:lnRef>
+          <a:fillRef idx="0">
+            <a:schemeClr val="accent1"/>
+          </a:fillRef>
+          <a:effectRef idx="0">
+            <a:schemeClr val="accent1"/>
+          </a:effectRef>
+          <a:fontRef idx="minor">
+            <a:schemeClr val="tx1"/>
+          </a:fontRef>
+        </p:style>
+      </p:cxnSp>
+      <p:cxnSp>
+        <p:nvCxnSpPr>
+          <p:cNvPr id="14" name="直線矢印コネクタ 13">
+            <a:extLst>
+              <a:ext uri="{FF2B5EF4-FFF2-40B4-BE49-F238E27FC236}">
+                <a16:creationId xmlns:a16="http://schemas.microsoft.com/office/drawing/2014/main" id="{F815D4FC-9874-4B0B-A573-A6C1A12E0799}"/>
+              </a:ext>
+            </a:extLst>
+          </p:cNvPr>
+          <p:cNvCxnSpPr>
+            <a:cxnSpLocks/>
+            <a:stCxn id="20" idx="2"/>
+            <a:endCxn id="8" idx="0"/>
+          </p:cNvCxnSpPr>
+          <p:nvPr/>
+        </p:nvCxnSpPr>
+        <p:spPr>
+          <a:xfrm>
+            <a:off x="6084748" y="2220091"/>
+            <a:ext cx="11252" cy="843697"/>
+          </a:xfrm>
+          <a:prstGeom prst="straightConnector1">
+            <a:avLst/>
+          </a:prstGeom>
+          <a:ln w="76200">
+            <a:solidFill>
+              <a:schemeClr val="accent6">
+                <a:lumMod val="75000"/>
+              </a:schemeClr>
+            </a:solidFill>
+            <a:tailEnd type="triangle"/>
+          </a:ln>
+        </p:spPr>
+        <p:style>
+          <a:lnRef idx="1">
+            <a:schemeClr val="accent1"/>
+          </a:lnRef>
+          <a:fillRef idx="0">
+            <a:schemeClr val="accent1"/>
+          </a:fillRef>
+          <a:effectRef idx="0">
+            <a:schemeClr val="accent1"/>
+          </a:effectRef>
+          <a:fontRef idx="minor">
+            <a:schemeClr val="tx1"/>
+          </a:fontRef>
+        </p:style>
+      </p:cxnSp>
+      <p:cxnSp>
+        <p:nvCxnSpPr>
+          <p:cNvPr id="15" name="直線矢印コネクタ 14">
+            <a:extLst>
+              <a:ext uri="{FF2B5EF4-FFF2-40B4-BE49-F238E27FC236}">
+                <a16:creationId xmlns:a16="http://schemas.microsoft.com/office/drawing/2014/main" id="{520EC643-11B6-4758-ADD1-92FBBA747172}"/>
+              </a:ext>
+            </a:extLst>
+          </p:cNvPr>
+          <p:cNvCxnSpPr>
+            <a:cxnSpLocks/>
+            <a:stCxn id="9" idx="2"/>
+            <a:endCxn id="10" idx="0"/>
+          </p:cNvCxnSpPr>
+          <p:nvPr/>
+        </p:nvCxnSpPr>
+        <p:spPr>
+          <a:xfrm flipH="1">
+            <a:off x="6075721" y="4996095"/>
+            <a:ext cx="4056" cy="387096"/>
+          </a:xfrm>
+          <a:prstGeom prst="straightConnector1">
+            <a:avLst/>
+          </a:prstGeom>
+          <a:ln w="76200">
+            <a:solidFill>
+              <a:schemeClr val="accent6">
+                <a:lumMod val="75000"/>
+              </a:schemeClr>
+            </a:solidFill>
+            <a:tailEnd type="triangle"/>
+          </a:ln>
+        </p:spPr>
+        <p:style>
+          <a:lnRef idx="1">
+            <a:schemeClr val="accent1"/>
+          </a:lnRef>
+          <a:fillRef idx="0">
+            <a:schemeClr val="accent1"/>
+          </a:fillRef>
+          <a:effectRef idx="0">
+            <a:schemeClr val="accent1"/>
+          </a:effectRef>
+          <a:fontRef idx="minor">
+            <a:schemeClr val="tx1"/>
+          </a:fontRef>
+        </p:style>
+      </p:cxnSp>
+      <p:sp>
+        <p:nvSpPr>
+          <p:cNvPr id="7" name="タイトル 6">
+            <a:extLst>
+              <a:ext uri="{FF2B5EF4-FFF2-40B4-BE49-F238E27FC236}">
+                <a16:creationId xmlns:a16="http://schemas.microsoft.com/office/drawing/2014/main" id="{16236DA4-53A3-44AB-81AD-3B882D2DCE55}"/>
               </a:ext>
             </a:extLst>
           </p:cNvPr>
@@ -5562,53 +9697,246 @@
             <p:ph type="title"/>
           </p:nvPr>
         </p:nvSpPr>
-        <p:spPr/>
-        <p:txBody>
-          <a:bodyPr/>
-          <a:lstStyle/>
-          <a:p>
-            <a:r>
-              <a:rPr kumimoji="1" lang="ja-JP" altLang="en-US" dirty="0"/>
-              <a:t>音声認識</a:t>
-            </a:r>
-          </a:p>
-        </p:txBody>
-      </p:sp>
-      <p:sp>
-        <p:nvSpPr>
-          <p:cNvPr id="3" name="コンテンツ プレースホルダー 2">
-            <a:extLst>
-              <a:ext uri="{FF2B5EF4-FFF2-40B4-BE49-F238E27FC236}">
-                <a16:creationId xmlns:a16="http://schemas.microsoft.com/office/drawing/2014/main" id="{478CFA12-59D2-4326-8DE7-390ACB8165CD}"/>
-              </a:ext>
-            </a:extLst>
-          </p:cNvPr>
-          <p:cNvSpPr>
-            <a:spLocks noGrp="1"/>
-          </p:cNvSpPr>
-          <p:nvPr>
-            <p:ph idx="1"/>
-          </p:nvPr>
-        </p:nvSpPr>
-        <p:spPr/>
-        <p:txBody>
-          <a:bodyPr/>
-          <a:lstStyle/>
-          <a:p>
-            <a:endParaRPr kumimoji="1" lang="ja-JP" altLang="en-US"/>
+        <p:spPr>
+          <a:xfrm>
+            <a:off x="838200" y="359129"/>
+            <a:ext cx="10515600" cy="1325563"/>
+          </a:xfrm>
+        </p:spPr>
+        <p:txBody>
+          <a:bodyPr>
+            <a:normAutofit/>
+          </a:bodyPr>
+          <a:lstStyle/>
+          <a:p>
+            <a:r>
+              <a:rPr lang="en-US" altLang="ja-JP" sz="6000" b="1" dirty="0">
+                <a:ln>
+                  <a:solidFill>
+                    <a:schemeClr val="tx1"/>
+                  </a:solidFill>
+                </a:ln>
+                <a:solidFill>
+                  <a:schemeClr val="accent6">
+                    <a:lumMod val="75000"/>
+                  </a:schemeClr>
+                </a:solidFill>
+                <a:latin typeface="HGP明朝E" panose="02020900000000000000" pitchFamily="18" charset="-128"/>
+                <a:ea typeface="HGP明朝E" panose="02020900000000000000" pitchFamily="18" charset="-128"/>
+              </a:rPr>
+              <a:t>Python</a:t>
+            </a:r>
+            <a:r>
+              <a:rPr lang="ja-JP" altLang="en-US" sz="6000" b="1" dirty="0">
+                <a:ln>
+                  <a:solidFill>
+                    <a:schemeClr val="tx1"/>
+                  </a:solidFill>
+                </a:ln>
+                <a:solidFill>
+                  <a:schemeClr val="accent6">
+                    <a:lumMod val="75000"/>
+                  </a:schemeClr>
+                </a:solidFill>
+                <a:latin typeface="HGP明朝E" panose="02020900000000000000" pitchFamily="18" charset="-128"/>
+                <a:ea typeface="HGP明朝E" panose="02020900000000000000" pitchFamily="18" charset="-128"/>
+              </a:rPr>
+              <a:t>との連携</a:t>
+            </a:r>
+          </a:p>
+        </p:txBody>
+      </p:sp>
+      <p:sp>
+        <p:nvSpPr>
+          <p:cNvPr id="20" name="正方形/長方形 19">
+            <a:extLst>
+              <a:ext uri="{FF2B5EF4-FFF2-40B4-BE49-F238E27FC236}">
+                <a16:creationId xmlns:a16="http://schemas.microsoft.com/office/drawing/2014/main" id="{FB8B81E6-7CF0-4CD1-9227-7CCB13E84C75}"/>
+              </a:ext>
+            </a:extLst>
+          </p:cNvPr>
+          <p:cNvSpPr/>
+          <p:nvPr/>
+        </p:nvSpPr>
+        <p:spPr>
+          <a:xfrm>
+            <a:off x="3169709" y="1453832"/>
+            <a:ext cx="5830078" cy="766259"/>
+          </a:xfrm>
+          <a:prstGeom prst="rect">
+            <a:avLst/>
+          </a:prstGeom>
+          <a:solidFill>
+            <a:schemeClr val="bg1"/>
+          </a:solidFill>
+          <a:ln>
+            <a:solidFill>
+              <a:schemeClr val="tx1"/>
+            </a:solidFill>
+          </a:ln>
+        </p:spPr>
+        <p:style>
+          <a:lnRef idx="2">
+            <a:schemeClr val="accent1">
+              <a:shade val="50000"/>
+            </a:schemeClr>
+          </a:lnRef>
+          <a:fillRef idx="1">
+            <a:schemeClr val="accent1"/>
+          </a:fillRef>
+          <a:effectRef idx="0">
+            <a:schemeClr val="accent1"/>
+          </a:effectRef>
+          <a:fontRef idx="minor">
+            <a:schemeClr val="lt1"/>
+          </a:fontRef>
+        </p:style>
+        <p:txBody>
+          <a:bodyPr rtlCol="0" anchor="ctr"/>
+          <a:lstStyle/>
+          <a:p>
+            <a:pPr algn="ctr"/>
+            <a:r>
+              <a:rPr kumimoji="1" lang="en-US" altLang="ja-JP" sz="2800" b="1" dirty="0">
+                <a:solidFill>
+                  <a:schemeClr val="accent6">
+                    <a:lumMod val="50000"/>
+                  </a:schemeClr>
+                </a:solidFill>
+              </a:rPr>
+              <a:t>Julius</a:t>
+            </a:r>
+            <a:r>
+              <a:rPr kumimoji="1" lang="ja-JP" altLang="en-US" sz="2800" b="1" dirty="0">
+                <a:solidFill>
+                  <a:schemeClr val="accent6">
+                    <a:lumMod val="50000"/>
+                  </a:schemeClr>
+                </a:solidFill>
+              </a:rPr>
+              <a:t>サーバを起動</a:t>
+            </a:r>
+          </a:p>
+        </p:txBody>
+      </p:sp>
+      <p:sp>
+        <p:nvSpPr>
+          <p:cNvPr id="30" name="正方形/長方形 29">
+            <a:extLst>
+              <a:ext uri="{FF2B5EF4-FFF2-40B4-BE49-F238E27FC236}">
+                <a16:creationId xmlns:a16="http://schemas.microsoft.com/office/drawing/2014/main" id="{6E1CA5D4-A51E-457C-BE26-313D0CEFB033}"/>
+              </a:ext>
+            </a:extLst>
+          </p:cNvPr>
+          <p:cNvSpPr/>
+          <p:nvPr/>
+        </p:nvSpPr>
+        <p:spPr>
+          <a:xfrm>
+            <a:off x="2549857" y="2650210"/>
+            <a:ext cx="7051728" cy="3848661"/>
+          </a:xfrm>
+          <a:prstGeom prst="rect">
+            <a:avLst/>
+          </a:prstGeom>
+          <a:noFill/>
+          <a:ln w="76200">
+            <a:solidFill>
+              <a:schemeClr val="accent6">
+                <a:lumMod val="50000"/>
+              </a:schemeClr>
+            </a:solidFill>
+          </a:ln>
+        </p:spPr>
+        <p:style>
+          <a:lnRef idx="2">
+            <a:schemeClr val="accent1">
+              <a:shade val="50000"/>
+            </a:schemeClr>
+          </a:lnRef>
+          <a:fillRef idx="1">
+            <a:schemeClr val="accent1"/>
+          </a:fillRef>
+          <a:effectRef idx="0">
+            <a:schemeClr val="accent1"/>
+          </a:effectRef>
+          <a:fontRef idx="minor">
+            <a:schemeClr val="lt1"/>
+          </a:fontRef>
+        </p:style>
+        <p:txBody>
+          <a:bodyPr rtlCol="0" anchor="ctr"/>
+          <a:lstStyle/>
+          <a:p>
+            <a:pPr algn="ctr"/>
+            <a:endParaRPr kumimoji="1" lang="ja-JP" altLang="en-US" sz="2800"/>
+          </a:p>
+        </p:txBody>
+      </p:sp>
+      <p:sp>
+        <p:nvSpPr>
+          <p:cNvPr id="31" name="テキスト ボックス 30">
+            <a:extLst>
+              <a:ext uri="{FF2B5EF4-FFF2-40B4-BE49-F238E27FC236}">
+                <a16:creationId xmlns:a16="http://schemas.microsoft.com/office/drawing/2014/main" id="{CBFCCCBF-CED3-422B-A79A-D3076B600230}"/>
+              </a:ext>
+            </a:extLst>
+          </p:cNvPr>
+          <p:cNvSpPr txBox="1"/>
+          <p:nvPr/>
+        </p:nvSpPr>
+        <p:spPr>
+          <a:xfrm>
+            <a:off x="3160682" y="2388600"/>
+            <a:ext cx="1875313" cy="523220"/>
+          </a:xfrm>
+          <a:prstGeom prst="rect">
+            <a:avLst/>
+          </a:prstGeom>
+          <a:solidFill>
+            <a:schemeClr val="bg1"/>
+          </a:solidFill>
+          <a:ln w="57150">
+            <a:solidFill>
+              <a:schemeClr val="accent6">
+                <a:lumMod val="50000"/>
+              </a:schemeClr>
+            </a:solidFill>
+          </a:ln>
+        </p:spPr>
+        <p:txBody>
+          <a:bodyPr wrap="square" rtlCol="0">
+            <a:spAutoFit/>
+          </a:bodyPr>
+          <a:lstStyle/>
+          <a:p>
+            <a:pPr algn="ctr"/>
+            <a:r>
+              <a:rPr kumimoji="1" lang="en-US" altLang="ja-JP" sz="2800" b="1" dirty="0"/>
+              <a:t>Python</a:t>
+            </a:r>
+            <a:endParaRPr kumimoji="1" lang="ja-JP" altLang="en-US" sz="2800" b="1" dirty="0"/>
           </a:p>
         </p:txBody>
       </p:sp>
     </p:spTree>
     <p:extLst>
       <p:ext uri="{BB962C8B-B14F-4D97-AF65-F5344CB8AC3E}">
-        <p14:creationId xmlns:p14="http://schemas.microsoft.com/office/powerpoint/2010/main" val="2818274809"/>
+        <p14:creationId xmlns:p14="http://schemas.microsoft.com/office/powerpoint/2010/main" val="1790886166"/>
       </p:ext>
     </p:extLst>
   </p:cSld>
   <p:clrMapOvr>
     <a:masterClrMapping/>
   </p:clrMapOvr>
+  <mc:AlternateContent xmlns:mc="http://schemas.openxmlformats.org/markup-compatibility/2006" xmlns:p14="http://schemas.microsoft.com/office/powerpoint/2010/main">
+    <mc:Choice Requires="p14">
+      <p:transition p14:dur="10"/>
+    </mc:Choice>
+    <mc:Fallback xmlns="">
+      <p:transition/>
+    </mc:Fallback>
+  </mc:AlternateContent>
 </p:sld>
 </file>
 
@@ -5634,7 +9962,7 @@
           <p:cNvPr id="2" name="タイトル 1">
             <a:extLst>
               <a:ext uri="{FF2B5EF4-FFF2-40B4-BE49-F238E27FC236}">
-                <a16:creationId xmlns:a16="http://schemas.microsoft.com/office/drawing/2014/main" id="{2F54B871-1C29-443D-B7CD-A4880E1EFD3C}"/>
+                <a16:creationId xmlns:a16="http://schemas.microsoft.com/office/drawing/2014/main" id="{2E6736C6-CE05-4D73-907A-DE1B89EFF8DC}"/>
               </a:ext>
             </a:extLst>
           </p:cNvPr>
@@ -5652,7 +9980,7 @@
           <a:p>
             <a:r>
               <a:rPr kumimoji="1" lang="ja-JP" altLang="en-US" dirty="0"/>
-              <a:t>辞書データ</a:t>
+              <a:t>音声認識</a:t>
             </a:r>
           </a:p>
         </p:txBody>
@@ -5662,7 +9990,7 @@
           <p:cNvPr id="3" name="コンテンツ プレースホルダー 2">
             <a:extLst>
               <a:ext uri="{FF2B5EF4-FFF2-40B4-BE49-F238E27FC236}">
-                <a16:creationId xmlns:a16="http://schemas.microsoft.com/office/drawing/2014/main" id="{359BA7E9-5FB0-436F-941D-2F003078FAD5}"/>
+                <a16:creationId xmlns:a16="http://schemas.microsoft.com/office/drawing/2014/main" id="{478CFA12-59D2-4326-8DE7-390ACB8165CD}"/>
               </a:ext>
             </a:extLst>
           </p:cNvPr>
@@ -5678,6 +10006,63 @@
           <a:bodyPr/>
           <a:lstStyle/>
           <a:p>
+            <a:endParaRPr kumimoji="1" lang="ja-JP" altLang="en-US"/>
+          </a:p>
+        </p:txBody>
+      </p:sp>
+      <p:sp>
+        <p:nvSpPr>
+          <p:cNvPr id="4" name="正方形/長方形 3">
+            <a:extLst>
+              <a:ext uri="{FF2B5EF4-FFF2-40B4-BE49-F238E27FC236}">
+                <a16:creationId xmlns:a16="http://schemas.microsoft.com/office/drawing/2014/main" id="{8734286A-0A91-4B50-9445-81C9D7BD89E8}"/>
+              </a:ext>
+            </a:extLst>
+          </p:cNvPr>
+          <p:cNvSpPr/>
+          <p:nvPr/>
+        </p:nvSpPr>
+        <p:spPr>
+          <a:xfrm>
+            <a:off x="9508067" y="0"/>
+            <a:ext cx="2683933" cy="1593908"/>
+          </a:xfrm>
+          <a:prstGeom prst="rect">
+            <a:avLst/>
+          </a:prstGeom>
+          <a:solidFill>
+            <a:schemeClr val="accent6">
+              <a:lumMod val="60000"/>
+              <a:lumOff val="40000"/>
+            </a:schemeClr>
+          </a:solidFill>
+          <a:ln>
+            <a:solidFill>
+              <a:schemeClr val="tx1"/>
+            </a:solidFill>
+          </a:ln>
+        </p:spPr>
+        <p:style>
+          <a:lnRef idx="2">
+            <a:schemeClr val="accent1">
+              <a:shade val="50000"/>
+            </a:schemeClr>
+          </a:lnRef>
+          <a:fillRef idx="1">
+            <a:schemeClr val="accent1"/>
+          </a:fillRef>
+          <a:effectRef idx="0">
+            <a:schemeClr val="accent1"/>
+          </a:effectRef>
+          <a:fontRef idx="minor">
+            <a:schemeClr val="lt1"/>
+          </a:fontRef>
+        </p:style>
+        <p:txBody>
+          <a:bodyPr rtlCol="0" anchor="ctr"/>
+          <a:lstStyle/>
+          <a:p>
+            <a:pPr algn="ctr"/>
             <a:endParaRPr kumimoji="1" lang="ja-JP" altLang="en-US"/>
           </a:p>
         </p:txBody>
@@ -5685,7 +10070,7 @@
     </p:spTree>
     <p:extLst>
       <p:ext uri="{BB962C8B-B14F-4D97-AF65-F5344CB8AC3E}">
-        <p14:creationId xmlns:p14="http://schemas.microsoft.com/office/powerpoint/2010/main" val="532322399"/>
+        <p14:creationId xmlns:p14="http://schemas.microsoft.com/office/powerpoint/2010/main" val="2818274809"/>
       </p:ext>
     </p:extLst>
   </p:cSld>
@@ -5717,7 +10102,7 @@
           <p:cNvPr id="2" name="タイトル 1">
             <a:extLst>
               <a:ext uri="{FF2B5EF4-FFF2-40B4-BE49-F238E27FC236}">
-                <a16:creationId xmlns:a16="http://schemas.microsoft.com/office/drawing/2014/main" id="{2130732E-7DA7-406F-85C0-863D6420038A}"/>
+                <a16:creationId xmlns:a16="http://schemas.microsoft.com/office/drawing/2014/main" id="{2F54B871-1C29-443D-B7CD-A4880E1EFD3C}"/>
               </a:ext>
             </a:extLst>
           </p:cNvPr>
@@ -5735,7 +10120,7 @@
           <a:p>
             <a:r>
               <a:rPr kumimoji="1" lang="ja-JP" altLang="en-US" dirty="0"/>
-              <a:t>ウェイクワード</a:t>
+              <a:t>辞書データ</a:t>
             </a:r>
           </a:p>
         </p:txBody>
@@ -5745,7 +10130,7 @@
           <p:cNvPr id="3" name="コンテンツ プレースホルダー 2">
             <a:extLst>
               <a:ext uri="{FF2B5EF4-FFF2-40B4-BE49-F238E27FC236}">
-                <a16:creationId xmlns:a16="http://schemas.microsoft.com/office/drawing/2014/main" id="{DB12C1AE-EEE1-4481-9A74-18CE3D6E4F3C}"/>
+                <a16:creationId xmlns:a16="http://schemas.microsoft.com/office/drawing/2014/main" id="{359BA7E9-5FB0-436F-941D-2F003078FAD5}"/>
               </a:ext>
             </a:extLst>
           </p:cNvPr>
@@ -5768,7 +10153,7 @@
     </p:spTree>
     <p:extLst>
       <p:ext uri="{BB962C8B-B14F-4D97-AF65-F5344CB8AC3E}">
-        <p14:creationId xmlns:p14="http://schemas.microsoft.com/office/powerpoint/2010/main" val="524137758"/>
+        <p14:creationId xmlns:p14="http://schemas.microsoft.com/office/powerpoint/2010/main" val="532322399"/>
       </p:ext>
     </p:extLst>
   </p:cSld>
@@ -5800,7 +10185,7 @@
           <p:cNvPr id="2" name="タイトル 1">
             <a:extLst>
               <a:ext uri="{FF2B5EF4-FFF2-40B4-BE49-F238E27FC236}">
-                <a16:creationId xmlns:a16="http://schemas.microsoft.com/office/drawing/2014/main" id="{549688B5-67DA-428A-92E6-3D3B28BFC143}"/>
+                <a16:creationId xmlns:a16="http://schemas.microsoft.com/office/drawing/2014/main" id="{2130732E-7DA7-406F-85C0-863D6420038A}"/>
               </a:ext>
             </a:extLst>
           </p:cNvPr>
@@ -5818,7 +10203,7 @@
           <a:p>
             <a:r>
               <a:rPr kumimoji="1" lang="ja-JP" altLang="en-US" dirty="0"/>
-              <a:t>テキスト分類の仕組み</a:t>
+              <a:t>ウェイクワード</a:t>
             </a:r>
           </a:p>
         </p:txBody>
@@ -5828,7 +10213,7 @@
           <p:cNvPr id="3" name="コンテンツ プレースホルダー 2">
             <a:extLst>
               <a:ext uri="{FF2B5EF4-FFF2-40B4-BE49-F238E27FC236}">
-                <a16:creationId xmlns:a16="http://schemas.microsoft.com/office/drawing/2014/main" id="{B6B6A2C6-E821-404C-9429-4F30D1E7A255}"/>
+                <a16:creationId xmlns:a16="http://schemas.microsoft.com/office/drawing/2014/main" id="{DB12C1AE-EEE1-4481-9A74-18CE3D6E4F3C}"/>
               </a:ext>
             </a:extLst>
           </p:cNvPr>
@@ -5851,7 +10236,7 @@
     </p:spTree>
     <p:extLst>
       <p:ext uri="{BB962C8B-B14F-4D97-AF65-F5344CB8AC3E}">
-        <p14:creationId xmlns:p14="http://schemas.microsoft.com/office/powerpoint/2010/main" val="692832931"/>
+        <p14:creationId xmlns:p14="http://schemas.microsoft.com/office/powerpoint/2010/main" val="524137758"/>
       </p:ext>
     </p:extLst>
   </p:cSld>
@@ -6146,7 +10531,45 @@
       </a:bgFillStyleLst>
     </a:fmtScheme>
   </a:themeElements>
-  <a:objectDefaults/>
+  <a:objectDefaults>
+    <a:spDef>
+      <a:spPr>
+        <a:solidFill>
+          <a:schemeClr val="accent6">
+            <a:lumMod val="60000"/>
+            <a:lumOff val="40000"/>
+          </a:schemeClr>
+        </a:solidFill>
+        <a:ln>
+          <a:solidFill>
+            <a:schemeClr val="tx1"/>
+          </a:solidFill>
+        </a:ln>
+      </a:spPr>
+      <a:bodyPr rtlCol="0" anchor="ctr"/>
+      <a:lstStyle>
+        <a:defPPr algn="ctr">
+          <a:defRPr kumimoji="1"/>
+        </a:defPPr>
+      </a:lstStyle>
+      <a:style>
+        <a:lnRef idx="2">
+          <a:schemeClr val="accent1">
+            <a:shade val="50000"/>
+          </a:schemeClr>
+        </a:lnRef>
+        <a:fillRef idx="1">
+          <a:schemeClr val="accent1"/>
+        </a:fillRef>
+        <a:effectRef idx="0">
+          <a:schemeClr val="accent1"/>
+        </a:effectRef>
+        <a:fontRef idx="minor">
+          <a:schemeClr val="lt1"/>
+        </a:fontRef>
+      </a:style>
+    </a:spDef>
+  </a:objectDefaults>
   <a:extraClrSchemeLst/>
   <a:extLst>
     <a:ext uri="{05A4C25C-085E-4340-85A3-A5531E510DB2}">

--- a/presentation/AIスピーカー開発_3_main.pptx
+++ b/presentation/AIスピーカー開発_3_main.pptx
@@ -5,7 +5,7 @@
     <p:sldMasterId id="2147483648" r:id="rId1"/>
   </p:sldMasterIdLst>
   <p:notesMasterIdLst>
-    <p:notesMasterId r:id="rId21"/>
+    <p:notesMasterId r:id="rId22"/>
   </p:notesMasterIdLst>
   <p:sldIdLst>
     <p:sldId id="256" r:id="rId2"/>
@@ -23,10 +23,11 @@
     <p:sldId id="273" r:id="rId14"/>
     <p:sldId id="274" r:id="rId15"/>
     <p:sldId id="265" r:id="rId16"/>
-    <p:sldId id="269" r:id="rId17"/>
-    <p:sldId id="266" r:id="rId18"/>
-    <p:sldId id="267" r:id="rId19"/>
-    <p:sldId id="268" r:id="rId20"/>
+    <p:sldId id="275" r:id="rId17"/>
+    <p:sldId id="269" r:id="rId18"/>
+    <p:sldId id="266" r:id="rId19"/>
+    <p:sldId id="267" r:id="rId20"/>
+    <p:sldId id="268" r:id="rId21"/>
   </p:sldIdLst>
   <p:sldSz cx="12192000" cy="6858000"/>
   <p:notesSz cx="6858000" cy="9144000"/>
@@ -215,7 +216,7 @@
           <a:p>
             <a:fld id="{D3FBB20C-20C4-49AD-85A3-C66C862503B5}" type="datetimeFigureOut">
               <a:rPr kumimoji="1" lang="ja-JP" altLang="en-US" smtClean="0"/>
-              <a:t>2021/12/29</a:t>
+              <a:t>2022/1/9</a:t>
             </a:fld>
             <a:endParaRPr kumimoji="1" lang="ja-JP" altLang="en-US"/>
           </a:p>
@@ -874,6 +875,196 @@
           <a:p>
             <a:r>
               <a:rPr kumimoji="1" lang="ja-JP" altLang="en-US" dirty="0"/>
+              <a:t>音声ファイルの作成には時間がかかるが、再生には時間がかからないため、処理を分割。</a:t>
+            </a:r>
+            <a:endParaRPr kumimoji="1" lang="en-US" altLang="ja-JP" dirty="0"/>
+          </a:p>
+          <a:p>
+            <a:r>
+              <a:rPr kumimoji="1" lang="ja-JP" altLang="en-US" dirty="0"/>
+              <a:t>音声ファイル作成は元となるテキストデータのサイズが大きいほど作成に時間がかかるため、スクレイピング直後に実行。</a:t>
+            </a:r>
+            <a:endParaRPr kumimoji="1" lang="en-US" altLang="ja-JP" dirty="0"/>
+          </a:p>
+          <a:p>
+            <a:r>
+              <a:rPr kumimoji="1" lang="ja-JP" altLang="en-US" dirty="0"/>
+              <a:t>スクレイピングと併せて音声ファイルを作成することで、機能を利用する際に発生する処理時間を削減。</a:t>
+            </a:r>
+            <a:endParaRPr kumimoji="1" lang="en-US" altLang="ja-JP" dirty="0"/>
+          </a:p>
+        </p:txBody>
+      </p:sp>
+      <p:sp>
+        <p:nvSpPr>
+          <p:cNvPr id="4" name="スライド番号プレースホルダー 3"/>
+          <p:cNvSpPr>
+            <a:spLocks noGrp="1"/>
+          </p:cNvSpPr>
+          <p:nvPr>
+            <p:ph type="sldNum" sz="quarter" idx="5"/>
+          </p:nvPr>
+        </p:nvSpPr>
+        <p:spPr/>
+        <p:txBody>
+          <a:bodyPr/>
+          <a:lstStyle/>
+          <a:p>
+            <a:fld id="{1A2E7C28-4903-4521-8E60-0F80C627678B}" type="slidenum">
+              <a:rPr kumimoji="1" lang="ja-JP" altLang="en-US" smtClean="0"/>
+              <a:t>15</a:t>
+            </a:fld>
+            <a:endParaRPr kumimoji="1" lang="ja-JP" altLang="en-US"/>
+          </a:p>
+        </p:txBody>
+      </p:sp>
+    </p:spTree>
+    <p:extLst>
+      <p:ext uri="{BB962C8B-B14F-4D97-AF65-F5344CB8AC3E}">
+        <p14:creationId xmlns:p14="http://schemas.microsoft.com/office/powerpoint/2010/main" val="950038501"/>
+      </p:ext>
+    </p:extLst>
+  </p:cSld>
+  <p:clrMapOvr>
+    <a:masterClrMapping/>
+  </p:clrMapOvr>
+</p:notes>
+</file>
+
+<file path=ppt/notesSlides/notesSlide5.xml><?xml version="1.0" encoding="utf-8"?>
+<p:notes xmlns:a="http://schemas.openxmlformats.org/drawingml/2006/main" xmlns:r="http://schemas.openxmlformats.org/officeDocument/2006/relationships" xmlns:p="http://schemas.openxmlformats.org/presentationml/2006/main">
+  <p:cSld>
+    <p:spTree>
+      <p:nvGrpSpPr>
+        <p:cNvPr id="1" name=""/>
+        <p:cNvGrpSpPr/>
+        <p:nvPr/>
+      </p:nvGrpSpPr>
+      <p:grpSpPr>
+        <a:xfrm>
+          <a:off x="0" y="0"/>
+          <a:ext cx="0" cy="0"/>
+          <a:chOff x="0" y="0"/>
+          <a:chExt cx="0" cy="0"/>
+        </a:xfrm>
+      </p:grpSpPr>
+      <p:sp>
+        <p:nvSpPr>
+          <p:cNvPr id="2" name="スライド イメージ プレースホルダー 1"/>
+          <p:cNvSpPr>
+            <a:spLocks noGrp="1" noRot="1" noChangeAspect="1"/>
+          </p:cNvSpPr>
+          <p:nvPr>
+            <p:ph type="sldImg"/>
+          </p:nvPr>
+        </p:nvSpPr>
+        <p:spPr/>
+      </p:sp>
+      <p:sp>
+        <p:nvSpPr>
+          <p:cNvPr id="3" name="ノート プレースホルダー 2"/>
+          <p:cNvSpPr>
+            <a:spLocks noGrp="1"/>
+          </p:cNvSpPr>
+          <p:nvPr>
+            <p:ph type="body" idx="1"/>
+          </p:nvPr>
+        </p:nvSpPr>
+        <p:spPr/>
+        <p:txBody>
+          <a:bodyPr/>
+          <a:lstStyle/>
+          <a:p>
+            <a:r>
+              <a:rPr kumimoji="1" lang="ja-JP" altLang="en-US" dirty="0"/>
+              <a:t>音声ファイルの再生は、音声ファイルのサイズにかかわらずほぼノータイムで再生が始まるので、機能利用時の無駄な待ち時間が解消。</a:t>
+            </a:r>
+            <a:endParaRPr kumimoji="1" lang="en-US" altLang="ja-JP" dirty="0"/>
+          </a:p>
+        </p:txBody>
+      </p:sp>
+      <p:sp>
+        <p:nvSpPr>
+          <p:cNvPr id="4" name="スライド番号プレースホルダー 3"/>
+          <p:cNvSpPr>
+            <a:spLocks noGrp="1"/>
+          </p:cNvSpPr>
+          <p:nvPr>
+            <p:ph type="sldNum" sz="quarter" idx="5"/>
+          </p:nvPr>
+        </p:nvSpPr>
+        <p:spPr/>
+        <p:txBody>
+          <a:bodyPr/>
+          <a:lstStyle/>
+          <a:p>
+            <a:fld id="{1A2E7C28-4903-4521-8E60-0F80C627678B}" type="slidenum">
+              <a:rPr kumimoji="1" lang="ja-JP" altLang="en-US" smtClean="0"/>
+              <a:t>16</a:t>
+            </a:fld>
+            <a:endParaRPr kumimoji="1" lang="ja-JP" altLang="en-US"/>
+          </a:p>
+        </p:txBody>
+      </p:sp>
+    </p:spTree>
+    <p:extLst>
+      <p:ext uri="{BB962C8B-B14F-4D97-AF65-F5344CB8AC3E}">
+        <p14:creationId xmlns:p14="http://schemas.microsoft.com/office/powerpoint/2010/main" val="1390197788"/>
+      </p:ext>
+    </p:extLst>
+  </p:cSld>
+  <p:clrMapOvr>
+    <a:masterClrMapping/>
+  </p:clrMapOvr>
+</p:notes>
+</file>
+
+<file path=ppt/notesSlides/notesSlide6.xml><?xml version="1.0" encoding="utf-8"?>
+<p:notes xmlns:a="http://schemas.openxmlformats.org/drawingml/2006/main" xmlns:r="http://schemas.openxmlformats.org/officeDocument/2006/relationships" xmlns:p="http://schemas.openxmlformats.org/presentationml/2006/main">
+  <p:cSld>
+    <p:spTree>
+      <p:nvGrpSpPr>
+        <p:cNvPr id="1" name=""/>
+        <p:cNvGrpSpPr/>
+        <p:nvPr/>
+      </p:nvGrpSpPr>
+      <p:grpSpPr>
+        <a:xfrm>
+          <a:off x="0" y="0"/>
+          <a:ext cx="0" cy="0"/>
+          <a:chOff x="0" y="0"/>
+          <a:chExt cx="0" cy="0"/>
+        </a:xfrm>
+      </p:grpSpPr>
+      <p:sp>
+        <p:nvSpPr>
+          <p:cNvPr id="2" name="スライド イメージ プレースホルダー 1"/>
+          <p:cNvSpPr>
+            <a:spLocks noGrp="1" noRot="1" noChangeAspect="1"/>
+          </p:cNvSpPr>
+          <p:nvPr>
+            <p:ph type="sldImg"/>
+          </p:nvPr>
+        </p:nvSpPr>
+        <p:spPr/>
+      </p:sp>
+      <p:sp>
+        <p:nvSpPr>
+          <p:cNvPr id="3" name="ノート プレースホルダー 2"/>
+          <p:cNvSpPr>
+            <a:spLocks noGrp="1"/>
+          </p:cNvSpPr>
+          <p:nvPr>
+            <p:ph type="body" idx="1"/>
+          </p:nvPr>
+        </p:nvSpPr>
+        <p:spPr/>
+        <p:txBody>
+          <a:bodyPr/>
+          <a:lstStyle/>
+          <a:p>
+            <a:r>
+              <a:rPr kumimoji="1" lang="ja-JP" altLang="en-US" dirty="0"/>
               <a:t>よしえにいってもーら</a:t>
             </a:r>
             <a:r>
@@ -904,7 +1095,7 @@
           <a:p>
             <a:fld id="{1A2E7C28-4903-4521-8E60-0F80C627678B}" type="slidenum">
               <a:rPr kumimoji="1" lang="ja-JP" altLang="en-US" smtClean="0"/>
-              <a:t>19</a:t>
+              <a:t>20</a:t>
             </a:fld>
             <a:endParaRPr kumimoji="1" lang="ja-JP" altLang="en-US"/>
           </a:p>
@@ -1070,7 +1261,7 @@
           <a:p>
             <a:fld id="{C63D219B-6862-4E6A-9F9E-C4C4759712F9}" type="datetimeFigureOut">
               <a:rPr kumimoji="1" lang="ja-JP" altLang="en-US" smtClean="0"/>
-              <a:t>2021/12/29</a:t>
+              <a:t>2022/1/9</a:t>
             </a:fld>
             <a:endParaRPr kumimoji="1" lang="ja-JP" altLang="en-US"/>
           </a:p>
@@ -1300,7 +1491,7 @@
           <a:p>
             <a:fld id="{C63D219B-6862-4E6A-9F9E-C4C4759712F9}" type="datetimeFigureOut">
               <a:rPr kumimoji="1" lang="ja-JP" altLang="en-US" smtClean="0"/>
-              <a:t>2021/12/29</a:t>
+              <a:t>2022/1/9</a:t>
             </a:fld>
             <a:endParaRPr kumimoji="1" lang="ja-JP" altLang="en-US"/>
           </a:p>
@@ -1540,7 +1731,7 @@
           <a:p>
             <a:fld id="{C63D219B-6862-4E6A-9F9E-C4C4759712F9}" type="datetimeFigureOut">
               <a:rPr kumimoji="1" lang="ja-JP" altLang="en-US" smtClean="0"/>
-              <a:t>2021/12/29</a:t>
+              <a:t>2022/1/9</a:t>
             </a:fld>
             <a:endParaRPr kumimoji="1" lang="ja-JP" altLang="en-US"/>
           </a:p>
@@ -1770,7 +1961,7 @@
           <a:p>
             <a:fld id="{C63D219B-6862-4E6A-9F9E-C4C4759712F9}" type="datetimeFigureOut">
               <a:rPr kumimoji="1" lang="ja-JP" altLang="en-US" smtClean="0"/>
-              <a:t>2021/12/29</a:t>
+              <a:t>2022/1/9</a:t>
             </a:fld>
             <a:endParaRPr kumimoji="1" lang="ja-JP" altLang="en-US"/>
           </a:p>
@@ -2045,7 +2236,7 @@
           <a:p>
             <a:fld id="{C63D219B-6862-4E6A-9F9E-C4C4759712F9}" type="datetimeFigureOut">
               <a:rPr kumimoji="1" lang="ja-JP" altLang="en-US" smtClean="0"/>
-              <a:t>2021/12/29</a:t>
+              <a:t>2022/1/9</a:t>
             </a:fld>
             <a:endParaRPr kumimoji="1" lang="ja-JP" altLang="en-US"/>
           </a:p>
@@ -2374,7 +2565,7 @@
           <a:p>
             <a:fld id="{C63D219B-6862-4E6A-9F9E-C4C4759712F9}" type="datetimeFigureOut">
               <a:rPr kumimoji="1" lang="ja-JP" altLang="en-US" smtClean="0"/>
-              <a:t>2021/12/29</a:t>
+              <a:t>2022/1/9</a:t>
             </a:fld>
             <a:endParaRPr kumimoji="1" lang="ja-JP" altLang="en-US"/>
           </a:p>
@@ -2850,7 +3041,7 @@
           <a:p>
             <a:fld id="{C63D219B-6862-4E6A-9F9E-C4C4759712F9}" type="datetimeFigureOut">
               <a:rPr kumimoji="1" lang="ja-JP" altLang="en-US" smtClean="0"/>
-              <a:t>2021/12/29</a:t>
+              <a:t>2022/1/9</a:t>
             </a:fld>
             <a:endParaRPr kumimoji="1" lang="ja-JP" altLang="en-US"/>
           </a:p>
@@ -2991,7 +3182,7 @@
           <a:p>
             <a:fld id="{C63D219B-6862-4E6A-9F9E-C4C4759712F9}" type="datetimeFigureOut">
               <a:rPr kumimoji="1" lang="ja-JP" altLang="en-US" smtClean="0"/>
-              <a:t>2021/12/29</a:t>
+              <a:t>2022/1/9</a:t>
             </a:fld>
             <a:endParaRPr kumimoji="1" lang="ja-JP" altLang="en-US"/>
           </a:p>
@@ -3104,7 +3295,7 @@
           <a:p>
             <a:fld id="{C63D219B-6862-4E6A-9F9E-C4C4759712F9}" type="datetimeFigureOut">
               <a:rPr kumimoji="1" lang="ja-JP" altLang="en-US" smtClean="0"/>
-              <a:t>2021/12/29</a:t>
+              <a:t>2022/1/9</a:t>
             </a:fld>
             <a:endParaRPr kumimoji="1" lang="ja-JP" altLang="en-US"/>
           </a:p>
@@ -3447,7 +3638,7 @@
           <a:p>
             <a:fld id="{C63D219B-6862-4E6A-9F9E-C4C4759712F9}" type="datetimeFigureOut">
               <a:rPr kumimoji="1" lang="ja-JP" altLang="en-US" smtClean="0"/>
-              <a:t>2021/12/29</a:t>
+              <a:t>2022/1/9</a:t>
             </a:fld>
             <a:endParaRPr kumimoji="1" lang="ja-JP" altLang="en-US"/>
           </a:p>
@@ -3735,7 +3926,7 @@
           <a:p>
             <a:fld id="{C63D219B-6862-4E6A-9F9E-C4C4759712F9}" type="datetimeFigureOut">
               <a:rPr kumimoji="1" lang="ja-JP" altLang="en-US" smtClean="0"/>
-              <a:t>2021/12/29</a:t>
+              <a:t>2022/1/9</a:t>
             </a:fld>
             <a:endParaRPr kumimoji="1" lang="ja-JP" altLang="en-US"/>
           </a:p>
@@ -4035,7 +4226,7 @@
           <a:p>
             <a:fld id="{C63D219B-6862-4E6A-9F9E-C4C4759712F9}" type="datetimeFigureOut">
               <a:rPr kumimoji="1" lang="ja-JP" altLang="en-US" smtClean="0"/>
-              <a:t>2021/12/29</a:t>
+              <a:t>2022/1/9</a:t>
             </a:fld>
             <a:endParaRPr kumimoji="1" lang="ja-JP" altLang="en-US"/>
           </a:p>
@@ -5771,11 +5962,85 @@
           <a:bodyPr/>
           <a:lstStyle/>
           <a:p>
-            <a:r>
-              <a:rPr kumimoji="1" lang="ja-JP" altLang="en-US" dirty="0"/>
-              <a:t>作成・再生の分割</a:t>
+            <a:pPr marL="0" indent="0">
+              <a:buNone/>
+            </a:pPr>
+            <a:r>
+              <a:rPr lang="ja-JP" altLang="en-US" dirty="0"/>
+              <a:t>音声ファイル　作成</a:t>
             </a:r>
             <a:endParaRPr kumimoji="1" lang="en-US" altLang="ja-JP" dirty="0"/>
+          </a:p>
+        </p:txBody>
+      </p:sp>
+      <p:pic>
+        <p:nvPicPr>
+          <p:cNvPr id="5" name="図 4">
+            <a:extLst>
+              <a:ext uri="{FF2B5EF4-FFF2-40B4-BE49-F238E27FC236}">
+                <a16:creationId xmlns:a16="http://schemas.microsoft.com/office/drawing/2014/main" id="{DCEE1DF1-E412-4FF6-A299-BF70A8C1D00F}"/>
+              </a:ext>
+            </a:extLst>
+          </p:cNvPr>
+          <p:cNvPicPr>
+            <a:picLocks noChangeAspect="1"/>
+          </p:cNvPicPr>
+          <p:nvPr/>
+        </p:nvPicPr>
+        <p:blipFill>
+          <a:blip r:embed="rId3">
+            <a:extLst>
+              <a:ext uri="{28A0092B-C50C-407E-A947-70E740481C1C}">
+                <a14:useLocalDpi xmlns:a14="http://schemas.microsoft.com/office/drawing/2010/main" val="0"/>
+              </a:ext>
+            </a:extLst>
+          </a:blip>
+          <a:stretch>
+            <a:fillRect/>
+          </a:stretch>
+        </p:blipFill>
+        <p:spPr>
+          <a:xfrm>
+            <a:off x="451650" y="2396107"/>
+            <a:ext cx="11288700" cy="3210373"/>
+          </a:xfrm>
+          <a:prstGeom prst="rect">
+            <a:avLst/>
+          </a:prstGeom>
+        </p:spPr>
+      </p:pic>
+      <p:sp>
+        <p:nvSpPr>
+          <p:cNvPr id="7" name="テキスト ボックス 6">
+            <a:extLst>
+              <a:ext uri="{FF2B5EF4-FFF2-40B4-BE49-F238E27FC236}">
+                <a16:creationId xmlns:a16="http://schemas.microsoft.com/office/drawing/2014/main" id="{BC9E286B-F5E8-4C8B-AC3F-63529E259B69}"/>
+              </a:ext>
+            </a:extLst>
+          </p:cNvPr>
+          <p:cNvSpPr txBox="1"/>
+          <p:nvPr/>
+        </p:nvSpPr>
+        <p:spPr>
+          <a:xfrm>
+            <a:off x="451650" y="5988733"/>
+            <a:ext cx="6059837" cy="646331"/>
+          </a:xfrm>
+          <a:prstGeom prst="rect">
+            <a:avLst/>
+          </a:prstGeom>
+          <a:noFill/>
+        </p:spPr>
+        <p:txBody>
+          <a:bodyPr wrap="square" rtlCol="0">
+            <a:spAutoFit/>
+          </a:bodyPr>
+          <a:lstStyle/>
+          <a:p>
+            <a:r>
+              <a:rPr kumimoji="1" lang="ja-JP" altLang="en-US" sz="3600" dirty="0"/>
+              <a:t>スクレイピング直後に実行</a:t>
+            </a:r>
           </a:p>
         </p:txBody>
       </p:sp>
@@ -5814,7 +6079,7 @@
           <p:cNvPr id="2" name="タイトル 1">
             <a:extLst>
               <a:ext uri="{FF2B5EF4-FFF2-40B4-BE49-F238E27FC236}">
-                <a16:creationId xmlns:a16="http://schemas.microsoft.com/office/drawing/2014/main" id="{208E96DD-60EE-481E-BC80-125F1F007D39}"/>
+                <a16:creationId xmlns:a16="http://schemas.microsoft.com/office/drawing/2014/main" id="{416FDF28-DE91-4559-964D-FBBF51F99738}"/>
               </a:ext>
             </a:extLst>
           </p:cNvPr>
@@ -5831,9 +6096,10 @@
           <a:lstStyle/>
           <a:p>
             <a:r>
-              <a:rPr kumimoji="1" lang="ja-JP" altLang="en-US" dirty="0"/>
-              <a:t>トラブルの対処</a:t>
-            </a:r>
+              <a:rPr kumimoji="1" lang="en-US" altLang="ja-JP" dirty="0" err="1"/>
+              <a:t>OpenJtalk</a:t>
+            </a:r>
+            <a:endParaRPr kumimoji="1" lang="ja-JP" altLang="en-US" dirty="0"/>
           </a:p>
         </p:txBody>
       </p:sp>
@@ -5842,7 +6108,7 @@
           <p:cNvPr id="3" name="コンテンツ プレースホルダー 2">
             <a:extLst>
               <a:ext uri="{FF2B5EF4-FFF2-40B4-BE49-F238E27FC236}">
-                <a16:creationId xmlns:a16="http://schemas.microsoft.com/office/drawing/2014/main" id="{D4342974-17CB-4DEE-BC69-327BEC83B62D}"/>
+                <a16:creationId xmlns:a16="http://schemas.microsoft.com/office/drawing/2014/main" id="{7739CC25-5B0B-4F49-AA2A-71E2700494BC}"/>
               </a:ext>
             </a:extLst>
           </p:cNvPr>
@@ -5858,34 +6124,146 @@
           <a:bodyPr/>
           <a:lstStyle/>
           <a:p>
-            <a:r>
-              <a:rPr kumimoji="1" lang="ja-JP" altLang="en-US" dirty="0"/>
-              <a:t>マイクミュート</a:t>
+            <a:pPr marL="0" indent="0">
+              <a:buNone/>
+            </a:pPr>
+            <a:r>
+              <a:rPr lang="ja-JP" altLang="en-US" dirty="0"/>
+              <a:t>音声ファイル　再生</a:t>
             </a:r>
             <a:endParaRPr kumimoji="1" lang="en-US" altLang="ja-JP" dirty="0"/>
           </a:p>
-          <a:p>
-            <a:pPr lvl="1"/>
-            <a:r>
-              <a:rPr kumimoji="1" lang="ja-JP" altLang="en-US" dirty="0"/>
-              <a:t>シェルスクリプト見せる</a:t>
-            </a:r>
-            <a:endParaRPr kumimoji="1" lang="en-US" altLang="ja-JP" dirty="0"/>
-          </a:p>
-          <a:p>
-            <a:pPr lvl="0"/>
-            <a:r>
-              <a:rPr kumimoji="1" lang="en-US" altLang="ja-JP" dirty="0" err="1"/>
-              <a:t>Etc</a:t>
-            </a:r>
-            <a:endParaRPr kumimoji="1" lang="en-US" altLang="ja-JP" dirty="0"/>
+        </p:txBody>
+      </p:sp>
+      <p:pic>
+        <p:nvPicPr>
+          <p:cNvPr id="9" name="図 8">
+            <a:extLst>
+              <a:ext uri="{FF2B5EF4-FFF2-40B4-BE49-F238E27FC236}">
+                <a16:creationId xmlns:a16="http://schemas.microsoft.com/office/drawing/2014/main" id="{C6EC48F4-62E7-4038-B20A-28D07A2E548A}"/>
+              </a:ext>
+            </a:extLst>
+          </p:cNvPr>
+          <p:cNvPicPr>
+            <a:picLocks noChangeAspect="1"/>
+          </p:cNvPicPr>
+          <p:nvPr/>
+        </p:nvPicPr>
+        <p:blipFill>
+          <a:blip r:embed="rId3">
+            <a:extLst>
+              <a:ext uri="{28A0092B-C50C-407E-A947-70E740481C1C}">
+                <a14:useLocalDpi xmlns:a14="http://schemas.microsoft.com/office/drawing/2010/main" val="0"/>
+              </a:ext>
+            </a:extLst>
+          </a:blip>
+          <a:stretch>
+            <a:fillRect/>
+          </a:stretch>
+        </p:blipFill>
+        <p:spPr>
+          <a:xfrm>
+            <a:off x="718049" y="2393209"/>
+            <a:ext cx="8469432" cy="1621807"/>
+          </a:xfrm>
+          <a:prstGeom prst="rect">
+            <a:avLst/>
+          </a:prstGeom>
+        </p:spPr>
+      </p:pic>
+      <p:sp>
+        <p:nvSpPr>
+          <p:cNvPr id="10" name="テキスト ボックス 9">
+            <a:extLst>
+              <a:ext uri="{FF2B5EF4-FFF2-40B4-BE49-F238E27FC236}">
+                <a16:creationId xmlns:a16="http://schemas.microsoft.com/office/drawing/2014/main" id="{4794AFFE-B045-4880-8FA7-33996A9E5E84}"/>
+              </a:ext>
+            </a:extLst>
+          </p:cNvPr>
+          <p:cNvSpPr txBox="1"/>
+          <p:nvPr/>
+        </p:nvSpPr>
+        <p:spPr>
+          <a:xfrm>
+            <a:off x="718049" y="4449658"/>
+            <a:ext cx="6059837" cy="646331"/>
+          </a:xfrm>
+          <a:prstGeom prst="rect">
+            <a:avLst/>
+          </a:prstGeom>
+          <a:noFill/>
+        </p:spPr>
+        <p:txBody>
+          <a:bodyPr wrap="square" rtlCol="0">
+            <a:spAutoFit/>
+          </a:bodyPr>
+          <a:lstStyle/>
+          <a:p>
+            <a:r>
+              <a:rPr kumimoji="1" lang="ja-JP" altLang="en-US" sz="3600" dirty="0"/>
+              <a:t>音声出力時に実行</a:t>
+            </a:r>
+          </a:p>
+        </p:txBody>
+      </p:sp>
+      <p:sp>
+        <p:nvSpPr>
+          <p:cNvPr id="11" name="正方形/長方形 10">
+            <a:extLst>
+              <a:ext uri="{FF2B5EF4-FFF2-40B4-BE49-F238E27FC236}">
+                <a16:creationId xmlns:a16="http://schemas.microsoft.com/office/drawing/2014/main" id="{CED44891-6C1C-4E93-A210-C97D4B938D1A}"/>
+              </a:ext>
+            </a:extLst>
+          </p:cNvPr>
+          <p:cNvSpPr/>
+          <p:nvPr/>
+        </p:nvSpPr>
+        <p:spPr>
+          <a:xfrm>
+            <a:off x="756149" y="3718560"/>
+            <a:ext cx="120151" cy="288836"/>
+          </a:xfrm>
+          <a:prstGeom prst="rect">
+            <a:avLst/>
+          </a:prstGeom>
+          <a:solidFill>
+            <a:srgbClr val="282923"/>
+          </a:solidFill>
+          <a:ln>
+            <a:solidFill>
+              <a:srgbClr val="282923"/>
+            </a:solidFill>
+          </a:ln>
+        </p:spPr>
+        <p:style>
+          <a:lnRef idx="2">
+            <a:schemeClr val="accent1">
+              <a:shade val="50000"/>
+            </a:schemeClr>
+          </a:lnRef>
+          <a:fillRef idx="1">
+            <a:schemeClr val="accent1"/>
+          </a:fillRef>
+          <a:effectRef idx="0">
+            <a:schemeClr val="accent1"/>
+          </a:effectRef>
+          <a:fontRef idx="minor">
+            <a:schemeClr val="lt1"/>
+          </a:fontRef>
+        </p:style>
+        <p:txBody>
+          <a:bodyPr rtlCol="0" anchor="ctr"/>
+          <a:lstStyle/>
+          <a:p>
+            <a:pPr algn="ctr"/>
+            <a:endParaRPr kumimoji="1" lang="ja-JP" altLang="en-US"/>
           </a:p>
         </p:txBody>
       </p:sp>
     </p:spTree>
     <p:extLst>
       <p:ext uri="{BB962C8B-B14F-4D97-AF65-F5344CB8AC3E}">
-        <p14:creationId xmlns:p14="http://schemas.microsoft.com/office/powerpoint/2010/main" val="2817091244"/>
+        <p14:creationId xmlns:p14="http://schemas.microsoft.com/office/powerpoint/2010/main" val="3778558568"/>
       </p:ext>
     </p:extLst>
   </p:cSld>
@@ -5917,7 +6295,7 @@
           <p:cNvPr id="2" name="タイトル 1">
             <a:extLst>
               <a:ext uri="{FF2B5EF4-FFF2-40B4-BE49-F238E27FC236}">
-                <a16:creationId xmlns:a16="http://schemas.microsoft.com/office/drawing/2014/main" id="{F24EB109-BC34-41EC-A9D0-C442E52A8779}"/>
+                <a16:creationId xmlns:a16="http://schemas.microsoft.com/office/drawing/2014/main" id="{208E96DD-60EE-481E-BC80-125F1F007D39}"/>
               </a:ext>
             </a:extLst>
           </p:cNvPr>
@@ -5935,7 +6313,7 @@
           <a:p>
             <a:r>
               <a:rPr kumimoji="1" lang="ja-JP" altLang="en-US" dirty="0"/>
-              <a:t>デモンストレーション</a:t>
+              <a:t>トラブルの対処</a:t>
             </a:r>
           </a:p>
         </p:txBody>
@@ -5945,7 +6323,7 @@
           <p:cNvPr id="3" name="コンテンツ プレースホルダー 2">
             <a:extLst>
               <a:ext uri="{FF2B5EF4-FFF2-40B4-BE49-F238E27FC236}">
-                <a16:creationId xmlns:a16="http://schemas.microsoft.com/office/drawing/2014/main" id="{69DE47EB-7D6D-49AB-9AD1-0A77390D212D}"/>
+                <a16:creationId xmlns:a16="http://schemas.microsoft.com/office/drawing/2014/main" id="{D4342974-17CB-4DEE-BC69-327BEC83B62D}"/>
               </a:ext>
             </a:extLst>
           </p:cNvPr>
@@ -5961,21 +6339,83 @@
           <a:bodyPr/>
           <a:lstStyle/>
           <a:p>
-            <a:r>
-              <a:rPr kumimoji="1" lang="en-US" altLang="ja-JP" dirty="0"/>
-              <a:t>YoSiE</a:t>
-            </a:r>
+            <a:pPr marL="0" indent="0">
+              <a:buNone/>
+            </a:pPr>
             <a:r>
               <a:rPr kumimoji="1" lang="ja-JP" altLang="en-US" dirty="0"/>
-              <a:t>の授業参観</a:t>
-            </a:r>
-          </a:p>
-        </p:txBody>
-      </p:sp>
+              <a:t>マイクが出力音声を拾ってしまい誤作動</a:t>
+            </a:r>
+            <a:endParaRPr kumimoji="1" lang="en-US" altLang="ja-JP" dirty="0"/>
+          </a:p>
+          <a:p>
+            <a:pPr marL="0" indent="0">
+              <a:buNone/>
+            </a:pPr>
+            <a:r>
+              <a:rPr lang="ja-JP" altLang="en-US" dirty="0"/>
+              <a:t>→出力直前にマイクミュート／出力終了後に解除</a:t>
+            </a:r>
+            <a:endParaRPr kumimoji="1" lang="en-US" altLang="ja-JP" dirty="0"/>
+          </a:p>
+          <a:p>
+            <a:pPr marL="0" indent="0">
+              <a:buNone/>
+            </a:pPr>
+            <a:r>
+              <a:rPr lang="ja-JP" altLang="en-US" dirty="0"/>
+              <a:t>　コマンドをシェルスクリプトとして実行</a:t>
+            </a:r>
+            <a:endParaRPr lang="en-US" altLang="ja-JP" dirty="0"/>
+          </a:p>
+          <a:p>
+            <a:pPr marL="0" indent="0">
+              <a:buNone/>
+            </a:pPr>
+            <a:endParaRPr kumimoji="1" lang="en-US" altLang="ja-JP" dirty="0"/>
+          </a:p>
+        </p:txBody>
+      </p:sp>
+      <p:pic>
+        <p:nvPicPr>
+          <p:cNvPr id="5" name="図 4">
+            <a:extLst>
+              <a:ext uri="{FF2B5EF4-FFF2-40B4-BE49-F238E27FC236}">
+                <a16:creationId xmlns:a16="http://schemas.microsoft.com/office/drawing/2014/main" id="{E5169DD9-22EF-4B54-956D-B061F8F9E7DF}"/>
+              </a:ext>
+            </a:extLst>
+          </p:cNvPr>
+          <p:cNvPicPr>
+            <a:picLocks noChangeAspect="1"/>
+          </p:cNvPicPr>
+          <p:nvPr/>
+        </p:nvPicPr>
+        <p:blipFill>
+          <a:blip r:embed="rId2">
+            <a:extLst>
+              <a:ext uri="{28A0092B-C50C-407E-A947-70E740481C1C}">
+                <a14:useLocalDpi xmlns:a14="http://schemas.microsoft.com/office/drawing/2010/main" val="0"/>
+              </a:ext>
+            </a:extLst>
+          </a:blip>
+          <a:stretch>
+            <a:fillRect/>
+          </a:stretch>
+        </p:blipFill>
+        <p:spPr>
+          <a:xfrm>
+            <a:off x="2781813" y="3301140"/>
+            <a:ext cx="6403129" cy="3390254"/>
+          </a:xfrm>
+          <a:prstGeom prst="rect">
+            <a:avLst/>
+          </a:prstGeom>
+        </p:spPr>
+      </p:pic>
     </p:spTree>
     <p:extLst>
       <p:ext uri="{BB962C8B-B14F-4D97-AF65-F5344CB8AC3E}">
-        <p14:creationId xmlns:p14="http://schemas.microsoft.com/office/powerpoint/2010/main" val="3683524359"/>
+        <p14:creationId xmlns:p14="http://schemas.microsoft.com/office/powerpoint/2010/main" val="2817091244"/>
       </p:ext>
     </p:extLst>
   </p:cSld>
@@ -6007,7 +6447,7 @@
           <p:cNvPr id="2" name="タイトル 1">
             <a:extLst>
               <a:ext uri="{FF2B5EF4-FFF2-40B4-BE49-F238E27FC236}">
-                <a16:creationId xmlns:a16="http://schemas.microsoft.com/office/drawing/2014/main" id="{B43B901B-C015-40EF-B4CD-3F5F25F44EC0}"/>
+                <a16:creationId xmlns:a16="http://schemas.microsoft.com/office/drawing/2014/main" id="{F24EB109-BC34-41EC-A9D0-C442E52A8779}"/>
               </a:ext>
             </a:extLst>
           </p:cNvPr>
@@ -6016,6 +6456,34 @@
           </p:cNvSpPr>
           <p:nvPr>
             <p:ph type="title"/>
+          </p:nvPr>
+        </p:nvSpPr>
+        <p:spPr/>
+        <p:txBody>
+          <a:bodyPr/>
+          <a:lstStyle/>
+          <a:p>
+            <a:r>
+              <a:rPr kumimoji="1" lang="ja-JP" altLang="en-US" dirty="0"/>
+              <a:t>デモンストレーション</a:t>
+            </a:r>
+          </a:p>
+        </p:txBody>
+      </p:sp>
+      <p:sp>
+        <p:nvSpPr>
+          <p:cNvPr id="3" name="コンテンツ プレースホルダー 2">
+            <a:extLst>
+              <a:ext uri="{FF2B5EF4-FFF2-40B4-BE49-F238E27FC236}">
+                <a16:creationId xmlns:a16="http://schemas.microsoft.com/office/drawing/2014/main" id="{69DE47EB-7D6D-49AB-9AD1-0A77390D212D}"/>
+              </a:ext>
+            </a:extLst>
+          </p:cNvPr>
+          <p:cNvSpPr>
+            <a:spLocks noGrp="1"/>
+          </p:cNvSpPr>
+          <p:nvPr>
+            <p:ph idx="1"/>
           </p:nvPr>
         </p:nvSpPr>
         <p:spPr/>
@@ -6029,40 +6497,15 @@
             </a:r>
             <a:r>
               <a:rPr kumimoji="1" lang="ja-JP" altLang="en-US" dirty="0"/>
-              <a:t>の可能性</a:t>
-            </a:r>
-          </a:p>
-        </p:txBody>
-      </p:sp>
-      <p:sp>
-        <p:nvSpPr>
-          <p:cNvPr id="3" name="コンテンツ プレースホルダー 2">
-            <a:extLst>
-              <a:ext uri="{FF2B5EF4-FFF2-40B4-BE49-F238E27FC236}">
-                <a16:creationId xmlns:a16="http://schemas.microsoft.com/office/drawing/2014/main" id="{1E815E2C-35DE-441F-860D-34AECE6DA488}"/>
-              </a:ext>
-            </a:extLst>
-          </p:cNvPr>
-          <p:cNvSpPr>
-            <a:spLocks noGrp="1"/>
-          </p:cNvSpPr>
-          <p:nvPr>
-            <p:ph idx="1"/>
-          </p:nvPr>
-        </p:nvSpPr>
-        <p:spPr/>
-        <p:txBody>
-          <a:bodyPr/>
-          <a:lstStyle/>
-          <a:p>
-            <a:endParaRPr kumimoji="1" lang="ja-JP" altLang="en-US"/>
+              <a:t>の授業参観</a:t>
+            </a:r>
           </a:p>
         </p:txBody>
       </p:sp>
     </p:spTree>
     <p:extLst>
       <p:ext uri="{BB962C8B-B14F-4D97-AF65-F5344CB8AC3E}">
-        <p14:creationId xmlns:p14="http://schemas.microsoft.com/office/powerpoint/2010/main" val="1361338163"/>
+        <p14:creationId xmlns:p14="http://schemas.microsoft.com/office/powerpoint/2010/main" val="3683524359"/>
       </p:ext>
     </p:extLst>
   </p:cSld>
@@ -6094,7 +6537,7 @@
           <p:cNvPr id="2" name="タイトル 1">
             <a:extLst>
               <a:ext uri="{FF2B5EF4-FFF2-40B4-BE49-F238E27FC236}">
-                <a16:creationId xmlns:a16="http://schemas.microsoft.com/office/drawing/2014/main" id="{384D39EC-5E82-4640-93A2-83BC7D77C59D}"/>
+                <a16:creationId xmlns:a16="http://schemas.microsoft.com/office/drawing/2014/main" id="{B43B901B-C015-40EF-B4CD-3F5F25F44EC0}"/>
               </a:ext>
             </a:extLst>
           </p:cNvPr>
@@ -6111,8 +6554,12 @@
           <a:lstStyle/>
           <a:p>
             <a:r>
+              <a:rPr kumimoji="1" lang="en-US" altLang="ja-JP" dirty="0"/>
+              <a:t>YoSiE</a:t>
+            </a:r>
+            <a:r>
               <a:rPr kumimoji="1" lang="ja-JP" altLang="en-US" dirty="0"/>
-              <a:t>ご清聴ありがとうございました</a:t>
+              <a:t>の可能性</a:t>
             </a:r>
           </a:p>
         </p:txBody>
@@ -6122,7 +6569,7 @@
           <p:cNvPr id="3" name="コンテンツ プレースホルダー 2">
             <a:extLst>
               <a:ext uri="{FF2B5EF4-FFF2-40B4-BE49-F238E27FC236}">
-                <a16:creationId xmlns:a16="http://schemas.microsoft.com/office/drawing/2014/main" id="{D7C443F7-5DA9-49EF-948F-D88E00CA4D83}"/>
+                <a16:creationId xmlns:a16="http://schemas.microsoft.com/office/drawing/2014/main" id="{1E815E2C-35DE-441F-860D-34AECE6DA488}"/>
               </a:ext>
             </a:extLst>
           </p:cNvPr>
@@ -6145,7 +6592,7 @@
     </p:spTree>
     <p:extLst>
       <p:ext uri="{BB962C8B-B14F-4D97-AF65-F5344CB8AC3E}">
-        <p14:creationId xmlns:p14="http://schemas.microsoft.com/office/powerpoint/2010/main" val="1206162255"/>
+        <p14:creationId xmlns:p14="http://schemas.microsoft.com/office/powerpoint/2010/main" val="1361338163"/>
       </p:ext>
     </p:extLst>
   </p:cSld>
@@ -7323,6 +7770,89 @@
       <p:bldP spid="16" grpId="1" animBg="1"/>
     </p:bldLst>
   </p:timing>
+</p:sld>
+</file>
+
+<file path=ppt/slides/slide20.xml><?xml version="1.0" encoding="utf-8"?>
+<p:sld xmlns:a="http://schemas.openxmlformats.org/drawingml/2006/main" xmlns:r="http://schemas.openxmlformats.org/officeDocument/2006/relationships" xmlns:p="http://schemas.openxmlformats.org/presentationml/2006/main">
+  <p:cSld>
+    <p:spTree>
+      <p:nvGrpSpPr>
+        <p:cNvPr id="1" name=""/>
+        <p:cNvGrpSpPr/>
+        <p:nvPr/>
+      </p:nvGrpSpPr>
+      <p:grpSpPr>
+        <a:xfrm>
+          <a:off x="0" y="0"/>
+          <a:ext cx="0" cy="0"/>
+          <a:chOff x="0" y="0"/>
+          <a:chExt cx="0" cy="0"/>
+        </a:xfrm>
+      </p:grpSpPr>
+      <p:sp>
+        <p:nvSpPr>
+          <p:cNvPr id="2" name="タイトル 1">
+            <a:extLst>
+              <a:ext uri="{FF2B5EF4-FFF2-40B4-BE49-F238E27FC236}">
+                <a16:creationId xmlns:a16="http://schemas.microsoft.com/office/drawing/2014/main" id="{384D39EC-5E82-4640-93A2-83BC7D77C59D}"/>
+              </a:ext>
+            </a:extLst>
+          </p:cNvPr>
+          <p:cNvSpPr>
+            <a:spLocks noGrp="1"/>
+          </p:cNvSpPr>
+          <p:nvPr>
+            <p:ph type="title"/>
+          </p:nvPr>
+        </p:nvSpPr>
+        <p:spPr/>
+        <p:txBody>
+          <a:bodyPr/>
+          <a:lstStyle/>
+          <a:p>
+            <a:r>
+              <a:rPr kumimoji="1" lang="ja-JP" altLang="en-US" dirty="0"/>
+              <a:t>ご清聴ありがとうございました</a:t>
+            </a:r>
+          </a:p>
+        </p:txBody>
+      </p:sp>
+      <p:sp>
+        <p:nvSpPr>
+          <p:cNvPr id="3" name="コンテンツ プレースホルダー 2">
+            <a:extLst>
+              <a:ext uri="{FF2B5EF4-FFF2-40B4-BE49-F238E27FC236}">
+                <a16:creationId xmlns:a16="http://schemas.microsoft.com/office/drawing/2014/main" id="{D7C443F7-5DA9-49EF-948F-D88E00CA4D83}"/>
+              </a:ext>
+            </a:extLst>
+          </p:cNvPr>
+          <p:cNvSpPr>
+            <a:spLocks noGrp="1"/>
+          </p:cNvSpPr>
+          <p:nvPr>
+            <p:ph idx="1"/>
+          </p:nvPr>
+        </p:nvSpPr>
+        <p:spPr/>
+        <p:txBody>
+          <a:bodyPr/>
+          <a:lstStyle/>
+          <a:p>
+            <a:endParaRPr kumimoji="1" lang="ja-JP" altLang="en-US"/>
+          </a:p>
+        </p:txBody>
+      </p:sp>
+    </p:spTree>
+    <p:extLst>
+      <p:ext uri="{BB962C8B-B14F-4D97-AF65-F5344CB8AC3E}">
+        <p14:creationId xmlns:p14="http://schemas.microsoft.com/office/powerpoint/2010/main" val="1206162255"/>
+      </p:ext>
+    </p:extLst>
+  </p:cSld>
+  <p:clrMapOvr>
+    <a:masterClrMapping/>
+  </p:clrMapOvr>
 </p:sld>
 </file>
 

--- a/presentation/AIスピーカー開発_3_main.pptx
+++ b/presentation/AIスピーカー開発_3_main.pptx
@@ -5,7 +5,7 @@
     <p:sldMasterId id="2147483648" r:id="rId1"/>
   </p:sldMasterIdLst>
   <p:notesMasterIdLst>
-    <p:notesMasterId r:id="rId22"/>
+    <p:notesMasterId r:id="rId24"/>
   </p:notesMasterIdLst>
   <p:sldIdLst>
     <p:sldId id="256" r:id="rId2"/>
@@ -14,20 +14,22 @@
     <p:sldId id="259" r:id="rId5"/>
     <p:sldId id="260" r:id="rId6"/>
     <p:sldId id="272" r:id="rId7"/>
-    <p:sldId id="261" r:id="rId8"/>
-    <p:sldId id="271" r:id="rId9"/>
-    <p:sldId id="262" r:id="rId10"/>
-    <p:sldId id="270" r:id="rId11"/>
-    <p:sldId id="263" r:id="rId12"/>
-    <p:sldId id="264" r:id="rId13"/>
-    <p:sldId id="273" r:id="rId14"/>
-    <p:sldId id="274" r:id="rId15"/>
-    <p:sldId id="265" r:id="rId16"/>
-    <p:sldId id="275" r:id="rId17"/>
-    <p:sldId id="269" r:id="rId18"/>
-    <p:sldId id="266" r:id="rId19"/>
-    <p:sldId id="267" r:id="rId20"/>
-    <p:sldId id="268" r:id="rId21"/>
+    <p:sldId id="276" r:id="rId8"/>
+    <p:sldId id="261" r:id="rId9"/>
+    <p:sldId id="271" r:id="rId10"/>
+    <p:sldId id="262" r:id="rId11"/>
+    <p:sldId id="270" r:id="rId12"/>
+    <p:sldId id="263" r:id="rId13"/>
+    <p:sldId id="264" r:id="rId14"/>
+    <p:sldId id="273" r:id="rId15"/>
+    <p:sldId id="274" r:id="rId16"/>
+    <p:sldId id="265" r:id="rId17"/>
+    <p:sldId id="275" r:id="rId18"/>
+    <p:sldId id="269" r:id="rId19"/>
+    <p:sldId id="266" r:id="rId20"/>
+    <p:sldId id="277" r:id="rId21"/>
+    <p:sldId id="267" r:id="rId22"/>
+    <p:sldId id="268" r:id="rId23"/>
   </p:sldIdLst>
   <p:sldSz cx="12192000" cy="6858000"/>
   <p:notesSz cx="6858000" cy="9144000"/>
@@ -134,6 +136,2541 @@
 </p:presentation>
 </file>
 
+<file path=ppt/diagrams/colors1.xml><?xml version="1.0" encoding="utf-8"?>
+<dgm:colorsDef xmlns:dgm="http://schemas.openxmlformats.org/drawingml/2006/diagram" xmlns:a="http://schemas.openxmlformats.org/drawingml/2006/main" uniqueId="urn:microsoft.com/office/officeart/2005/8/colors/accent1_2">
+  <dgm:title val=""/>
+  <dgm:desc val=""/>
+  <dgm:catLst>
+    <dgm:cat type="accent1" pri="11200"/>
+  </dgm:catLst>
+  <dgm:styleLbl name="node0">
+    <dgm:fillClrLst meth="repeat">
+      <a:schemeClr val="accent1"/>
+    </dgm:fillClrLst>
+    <dgm:linClrLst meth="repeat">
+      <a:schemeClr val="lt1"/>
+    </dgm:linClrLst>
+    <dgm:effectClrLst/>
+    <dgm:txLinClrLst/>
+    <dgm:txFillClrLst/>
+    <dgm:txEffectClrLst/>
+  </dgm:styleLbl>
+  <dgm:styleLbl name="alignNode1">
+    <dgm:fillClrLst meth="repeat">
+      <a:schemeClr val="accent1"/>
+    </dgm:fillClrLst>
+    <dgm:linClrLst meth="repeat">
+      <a:schemeClr val="accent1"/>
+    </dgm:linClrLst>
+    <dgm:effectClrLst/>
+    <dgm:txLinClrLst/>
+    <dgm:txFillClrLst/>
+    <dgm:txEffectClrLst/>
+  </dgm:styleLbl>
+  <dgm:styleLbl name="node1">
+    <dgm:fillClrLst meth="repeat">
+      <a:schemeClr val="accent1"/>
+    </dgm:fillClrLst>
+    <dgm:linClrLst meth="repeat">
+      <a:schemeClr val="lt1"/>
+    </dgm:linClrLst>
+    <dgm:effectClrLst/>
+    <dgm:txLinClrLst/>
+    <dgm:txFillClrLst/>
+    <dgm:txEffectClrLst/>
+  </dgm:styleLbl>
+  <dgm:styleLbl name="lnNode1">
+    <dgm:fillClrLst meth="repeat">
+      <a:schemeClr val="accent1"/>
+    </dgm:fillClrLst>
+    <dgm:linClrLst meth="repeat">
+      <a:schemeClr val="lt1"/>
+    </dgm:linClrLst>
+    <dgm:effectClrLst/>
+    <dgm:txLinClrLst/>
+    <dgm:txFillClrLst/>
+    <dgm:txEffectClrLst/>
+  </dgm:styleLbl>
+  <dgm:styleLbl name="vennNode1">
+    <dgm:fillClrLst meth="repeat">
+      <a:schemeClr val="accent1">
+        <a:alpha val="50000"/>
+      </a:schemeClr>
+    </dgm:fillClrLst>
+    <dgm:linClrLst meth="repeat">
+      <a:schemeClr val="lt1"/>
+    </dgm:linClrLst>
+    <dgm:effectClrLst/>
+    <dgm:txLinClrLst/>
+    <dgm:txFillClrLst/>
+    <dgm:txEffectClrLst/>
+  </dgm:styleLbl>
+  <dgm:styleLbl name="node2">
+    <dgm:fillClrLst meth="repeat">
+      <a:schemeClr val="accent1"/>
+    </dgm:fillClrLst>
+    <dgm:linClrLst meth="repeat">
+      <a:schemeClr val="lt1"/>
+    </dgm:linClrLst>
+    <dgm:effectClrLst/>
+    <dgm:txLinClrLst/>
+    <dgm:txFillClrLst/>
+    <dgm:txEffectClrLst/>
+  </dgm:styleLbl>
+  <dgm:styleLbl name="node3">
+    <dgm:fillClrLst meth="repeat">
+      <a:schemeClr val="accent1"/>
+    </dgm:fillClrLst>
+    <dgm:linClrLst meth="repeat">
+      <a:schemeClr val="lt1"/>
+    </dgm:linClrLst>
+    <dgm:effectClrLst/>
+    <dgm:txLinClrLst/>
+    <dgm:txFillClrLst/>
+    <dgm:txEffectClrLst/>
+  </dgm:styleLbl>
+  <dgm:styleLbl name="node4">
+    <dgm:fillClrLst meth="repeat">
+      <a:schemeClr val="accent1"/>
+    </dgm:fillClrLst>
+    <dgm:linClrLst meth="repeat">
+      <a:schemeClr val="lt1"/>
+    </dgm:linClrLst>
+    <dgm:effectClrLst/>
+    <dgm:txLinClrLst/>
+    <dgm:txFillClrLst/>
+    <dgm:txEffectClrLst/>
+  </dgm:styleLbl>
+  <dgm:styleLbl name="fgImgPlace1">
+    <dgm:fillClrLst meth="repeat">
+      <a:schemeClr val="accent1">
+        <a:tint val="50000"/>
+      </a:schemeClr>
+    </dgm:fillClrLst>
+    <dgm:linClrLst meth="repeat">
+      <a:schemeClr val="lt1"/>
+    </dgm:linClrLst>
+    <dgm:effectClrLst/>
+    <dgm:txLinClrLst/>
+    <dgm:txFillClrLst meth="repeat">
+      <a:schemeClr val="lt1"/>
+    </dgm:txFillClrLst>
+    <dgm:txEffectClrLst/>
+  </dgm:styleLbl>
+  <dgm:styleLbl name="alignImgPlace1">
+    <dgm:fillClrLst meth="repeat">
+      <a:schemeClr val="accent1">
+        <a:tint val="50000"/>
+      </a:schemeClr>
+    </dgm:fillClrLst>
+    <dgm:linClrLst meth="repeat">
+      <a:schemeClr val="lt1"/>
+    </dgm:linClrLst>
+    <dgm:effectClrLst/>
+    <dgm:txLinClrLst/>
+    <dgm:txFillClrLst meth="repeat">
+      <a:schemeClr val="lt1"/>
+    </dgm:txFillClrLst>
+    <dgm:txEffectClrLst/>
+  </dgm:styleLbl>
+  <dgm:styleLbl name="bgImgPlace1">
+    <dgm:fillClrLst meth="repeat">
+      <a:schemeClr val="accent1">
+        <a:tint val="50000"/>
+      </a:schemeClr>
+    </dgm:fillClrLst>
+    <dgm:linClrLst meth="repeat">
+      <a:schemeClr val="lt1"/>
+    </dgm:linClrLst>
+    <dgm:effectClrLst/>
+    <dgm:txLinClrLst/>
+    <dgm:txFillClrLst meth="repeat">
+      <a:schemeClr val="lt1"/>
+    </dgm:txFillClrLst>
+    <dgm:txEffectClrLst/>
+  </dgm:styleLbl>
+  <dgm:styleLbl name="sibTrans2D1">
+    <dgm:fillClrLst meth="repeat">
+      <a:schemeClr val="accent1">
+        <a:tint val="60000"/>
+      </a:schemeClr>
+    </dgm:fillClrLst>
+    <dgm:linClrLst meth="repeat">
+      <a:schemeClr val="accent1">
+        <a:tint val="60000"/>
+      </a:schemeClr>
+    </dgm:linClrLst>
+    <dgm:effectClrLst/>
+    <dgm:txLinClrLst/>
+    <dgm:txFillClrLst/>
+    <dgm:txEffectClrLst/>
+  </dgm:styleLbl>
+  <dgm:styleLbl name="fgSibTrans2D1">
+    <dgm:fillClrLst meth="repeat">
+      <a:schemeClr val="accent1">
+        <a:tint val="60000"/>
+      </a:schemeClr>
+    </dgm:fillClrLst>
+    <dgm:linClrLst meth="repeat">
+      <a:schemeClr val="accent1">
+        <a:tint val="60000"/>
+      </a:schemeClr>
+    </dgm:linClrLst>
+    <dgm:effectClrLst/>
+    <dgm:txLinClrLst/>
+    <dgm:txFillClrLst/>
+    <dgm:txEffectClrLst/>
+  </dgm:styleLbl>
+  <dgm:styleLbl name="bgSibTrans2D1">
+    <dgm:fillClrLst meth="repeat">
+      <a:schemeClr val="accent1">
+        <a:tint val="60000"/>
+      </a:schemeClr>
+    </dgm:fillClrLst>
+    <dgm:linClrLst meth="repeat">
+      <a:schemeClr val="accent1">
+        <a:tint val="60000"/>
+      </a:schemeClr>
+    </dgm:linClrLst>
+    <dgm:effectClrLst/>
+    <dgm:txLinClrLst/>
+    <dgm:txFillClrLst/>
+    <dgm:txEffectClrLst/>
+  </dgm:styleLbl>
+  <dgm:styleLbl name="sibTrans1D1">
+    <dgm:fillClrLst meth="repeat">
+      <a:schemeClr val="accent1"/>
+    </dgm:fillClrLst>
+    <dgm:linClrLst meth="repeat">
+      <a:schemeClr val="accent1"/>
+    </dgm:linClrLst>
+    <dgm:effectClrLst/>
+    <dgm:txLinClrLst/>
+    <dgm:txFillClrLst meth="repeat">
+      <a:schemeClr val="tx1"/>
+    </dgm:txFillClrLst>
+    <dgm:txEffectClrLst/>
+  </dgm:styleLbl>
+  <dgm:styleLbl name="callout">
+    <dgm:fillClrLst meth="repeat">
+      <a:schemeClr val="accent1"/>
+    </dgm:fillClrLst>
+    <dgm:linClrLst meth="repeat">
+      <a:schemeClr val="accent1">
+        <a:tint val="50000"/>
+      </a:schemeClr>
+    </dgm:linClrLst>
+    <dgm:effectClrLst/>
+    <dgm:txLinClrLst/>
+    <dgm:txFillClrLst meth="repeat">
+      <a:schemeClr val="tx1"/>
+    </dgm:txFillClrLst>
+    <dgm:txEffectClrLst/>
+  </dgm:styleLbl>
+  <dgm:styleLbl name="asst0">
+    <dgm:fillClrLst meth="repeat">
+      <a:schemeClr val="accent1"/>
+    </dgm:fillClrLst>
+    <dgm:linClrLst meth="repeat">
+      <a:schemeClr val="lt1"/>
+    </dgm:linClrLst>
+    <dgm:effectClrLst/>
+    <dgm:txLinClrLst/>
+    <dgm:txFillClrLst/>
+    <dgm:txEffectClrLst/>
+  </dgm:styleLbl>
+  <dgm:styleLbl name="asst1">
+    <dgm:fillClrLst meth="repeat">
+      <a:schemeClr val="accent1"/>
+    </dgm:fillClrLst>
+    <dgm:linClrLst meth="repeat">
+      <a:schemeClr val="lt1"/>
+    </dgm:linClrLst>
+    <dgm:effectClrLst/>
+    <dgm:txLinClrLst/>
+    <dgm:txFillClrLst/>
+    <dgm:txEffectClrLst/>
+  </dgm:styleLbl>
+  <dgm:styleLbl name="asst2">
+    <dgm:fillClrLst meth="repeat">
+      <a:schemeClr val="accent1"/>
+    </dgm:fillClrLst>
+    <dgm:linClrLst meth="repeat">
+      <a:schemeClr val="lt1"/>
+    </dgm:linClrLst>
+    <dgm:effectClrLst/>
+    <dgm:txLinClrLst/>
+    <dgm:txFillClrLst/>
+    <dgm:txEffectClrLst/>
+  </dgm:styleLbl>
+  <dgm:styleLbl name="asst3">
+    <dgm:fillClrLst meth="repeat">
+      <a:schemeClr val="accent1"/>
+    </dgm:fillClrLst>
+    <dgm:linClrLst meth="repeat">
+      <a:schemeClr val="lt1"/>
+    </dgm:linClrLst>
+    <dgm:effectClrLst/>
+    <dgm:txLinClrLst/>
+    <dgm:txFillClrLst/>
+    <dgm:txEffectClrLst/>
+  </dgm:styleLbl>
+  <dgm:styleLbl name="asst4">
+    <dgm:fillClrLst meth="repeat">
+      <a:schemeClr val="accent1"/>
+    </dgm:fillClrLst>
+    <dgm:linClrLst meth="repeat">
+      <a:schemeClr val="lt1"/>
+    </dgm:linClrLst>
+    <dgm:effectClrLst/>
+    <dgm:txLinClrLst/>
+    <dgm:txFillClrLst/>
+    <dgm:txEffectClrLst/>
+  </dgm:styleLbl>
+  <dgm:styleLbl name="parChTrans2D1">
+    <dgm:fillClrLst meth="repeat">
+      <a:schemeClr val="accent1">
+        <a:tint val="60000"/>
+      </a:schemeClr>
+    </dgm:fillClrLst>
+    <dgm:linClrLst meth="repeat">
+      <a:schemeClr val="accent1">
+        <a:tint val="60000"/>
+      </a:schemeClr>
+    </dgm:linClrLst>
+    <dgm:effectClrLst/>
+    <dgm:txLinClrLst/>
+    <dgm:txFillClrLst meth="repeat">
+      <a:schemeClr val="lt1"/>
+    </dgm:txFillClrLst>
+    <dgm:txEffectClrLst/>
+  </dgm:styleLbl>
+  <dgm:styleLbl name="parChTrans2D2">
+    <dgm:fillClrLst meth="repeat">
+      <a:schemeClr val="accent1"/>
+    </dgm:fillClrLst>
+    <dgm:linClrLst meth="repeat">
+      <a:schemeClr val="accent1"/>
+    </dgm:linClrLst>
+    <dgm:effectClrLst/>
+    <dgm:txLinClrLst/>
+    <dgm:txFillClrLst meth="repeat">
+      <a:schemeClr val="lt1"/>
+    </dgm:txFillClrLst>
+    <dgm:txEffectClrLst/>
+  </dgm:styleLbl>
+  <dgm:styleLbl name="parChTrans2D3">
+    <dgm:fillClrLst meth="repeat">
+      <a:schemeClr val="accent1"/>
+    </dgm:fillClrLst>
+    <dgm:linClrLst meth="repeat">
+      <a:schemeClr val="accent1"/>
+    </dgm:linClrLst>
+    <dgm:effectClrLst/>
+    <dgm:txLinClrLst/>
+    <dgm:txFillClrLst meth="repeat">
+      <a:schemeClr val="lt1"/>
+    </dgm:txFillClrLst>
+    <dgm:txEffectClrLst/>
+  </dgm:styleLbl>
+  <dgm:styleLbl name="parChTrans2D4">
+    <dgm:fillClrLst meth="repeat">
+      <a:schemeClr val="accent1"/>
+    </dgm:fillClrLst>
+    <dgm:linClrLst meth="repeat">
+      <a:schemeClr val="accent1"/>
+    </dgm:linClrLst>
+    <dgm:effectClrLst/>
+    <dgm:txLinClrLst/>
+    <dgm:txFillClrLst meth="repeat">
+      <a:schemeClr val="lt1"/>
+    </dgm:txFillClrLst>
+    <dgm:txEffectClrLst/>
+  </dgm:styleLbl>
+  <dgm:styleLbl name="parChTrans1D1">
+    <dgm:fillClrLst meth="repeat">
+      <a:schemeClr val="accent1"/>
+    </dgm:fillClrLst>
+    <dgm:linClrLst meth="repeat">
+      <a:schemeClr val="accent1">
+        <a:shade val="60000"/>
+      </a:schemeClr>
+    </dgm:linClrLst>
+    <dgm:effectClrLst/>
+    <dgm:txLinClrLst/>
+    <dgm:txFillClrLst meth="repeat">
+      <a:schemeClr val="tx1"/>
+    </dgm:txFillClrLst>
+    <dgm:txEffectClrLst/>
+  </dgm:styleLbl>
+  <dgm:styleLbl name="parChTrans1D2">
+    <dgm:fillClrLst meth="repeat">
+      <a:schemeClr val="accent1"/>
+    </dgm:fillClrLst>
+    <dgm:linClrLst meth="repeat">
+      <a:schemeClr val="accent1">
+        <a:shade val="60000"/>
+      </a:schemeClr>
+    </dgm:linClrLst>
+    <dgm:effectClrLst/>
+    <dgm:txLinClrLst/>
+    <dgm:txFillClrLst meth="repeat">
+      <a:schemeClr val="tx1"/>
+    </dgm:txFillClrLst>
+    <dgm:txEffectClrLst/>
+  </dgm:styleLbl>
+  <dgm:styleLbl name="parChTrans1D3">
+    <dgm:fillClrLst meth="repeat">
+      <a:schemeClr val="accent1"/>
+    </dgm:fillClrLst>
+    <dgm:linClrLst meth="repeat">
+      <a:schemeClr val="accent1">
+        <a:shade val="80000"/>
+      </a:schemeClr>
+    </dgm:linClrLst>
+    <dgm:effectClrLst/>
+    <dgm:txLinClrLst/>
+    <dgm:txFillClrLst meth="repeat">
+      <a:schemeClr val="tx1"/>
+    </dgm:txFillClrLst>
+    <dgm:txEffectClrLst/>
+  </dgm:styleLbl>
+  <dgm:styleLbl name="parChTrans1D4">
+    <dgm:fillClrLst meth="repeat">
+      <a:schemeClr val="accent1"/>
+    </dgm:fillClrLst>
+    <dgm:linClrLst meth="repeat">
+      <a:schemeClr val="accent1">
+        <a:shade val="80000"/>
+      </a:schemeClr>
+    </dgm:linClrLst>
+    <dgm:effectClrLst/>
+    <dgm:txLinClrLst/>
+    <dgm:txFillClrLst meth="repeat">
+      <a:schemeClr val="tx1"/>
+    </dgm:txFillClrLst>
+    <dgm:txEffectClrLst/>
+  </dgm:styleLbl>
+  <dgm:styleLbl name="fgAcc1">
+    <dgm:fillClrLst meth="repeat">
+      <a:schemeClr val="lt1">
+        <a:alpha val="90000"/>
+      </a:schemeClr>
+    </dgm:fillClrLst>
+    <dgm:linClrLst meth="repeat">
+      <a:schemeClr val="accent1"/>
+    </dgm:linClrLst>
+    <dgm:effectClrLst/>
+    <dgm:txLinClrLst/>
+    <dgm:txFillClrLst meth="repeat">
+      <a:schemeClr val="dk1"/>
+    </dgm:txFillClrLst>
+    <dgm:txEffectClrLst/>
+  </dgm:styleLbl>
+  <dgm:styleLbl name="conFgAcc1">
+    <dgm:fillClrLst meth="repeat">
+      <a:schemeClr val="lt1">
+        <a:alpha val="90000"/>
+      </a:schemeClr>
+    </dgm:fillClrLst>
+    <dgm:linClrLst meth="repeat">
+      <a:schemeClr val="accent1"/>
+    </dgm:linClrLst>
+    <dgm:effectClrLst/>
+    <dgm:txLinClrLst/>
+    <dgm:txFillClrLst meth="repeat">
+      <a:schemeClr val="dk1"/>
+    </dgm:txFillClrLst>
+    <dgm:txEffectClrLst/>
+  </dgm:styleLbl>
+  <dgm:styleLbl name="alignAcc1">
+    <dgm:fillClrLst meth="repeat">
+      <a:schemeClr val="lt1">
+        <a:alpha val="90000"/>
+      </a:schemeClr>
+    </dgm:fillClrLst>
+    <dgm:linClrLst meth="repeat">
+      <a:schemeClr val="accent1"/>
+    </dgm:linClrLst>
+    <dgm:effectClrLst/>
+    <dgm:txLinClrLst/>
+    <dgm:txFillClrLst meth="repeat">
+      <a:schemeClr val="dk1"/>
+    </dgm:txFillClrLst>
+    <dgm:txEffectClrLst/>
+  </dgm:styleLbl>
+  <dgm:styleLbl name="trAlignAcc1">
+    <dgm:fillClrLst meth="repeat">
+      <a:schemeClr val="lt1">
+        <a:alpha val="40000"/>
+      </a:schemeClr>
+    </dgm:fillClrLst>
+    <dgm:linClrLst meth="repeat">
+      <a:schemeClr val="accent1"/>
+    </dgm:linClrLst>
+    <dgm:effectClrLst/>
+    <dgm:txLinClrLst/>
+    <dgm:txFillClrLst meth="repeat">
+      <a:schemeClr val="dk1"/>
+    </dgm:txFillClrLst>
+    <dgm:txEffectClrLst/>
+  </dgm:styleLbl>
+  <dgm:styleLbl name="bgAcc1">
+    <dgm:fillClrLst meth="repeat">
+      <a:schemeClr val="lt1">
+        <a:alpha val="90000"/>
+      </a:schemeClr>
+    </dgm:fillClrLst>
+    <dgm:linClrLst meth="repeat">
+      <a:schemeClr val="accent1"/>
+    </dgm:linClrLst>
+    <dgm:effectClrLst/>
+    <dgm:txLinClrLst/>
+    <dgm:txFillClrLst meth="repeat">
+      <a:schemeClr val="dk1"/>
+    </dgm:txFillClrLst>
+    <dgm:txEffectClrLst/>
+  </dgm:styleLbl>
+  <dgm:styleLbl name="solidFgAcc1">
+    <dgm:fillClrLst meth="repeat">
+      <a:schemeClr val="lt1"/>
+    </dgm:fillClrLst>
+    <dgm:linClrLst meth="repeat">
+      <a:schemeClr val="accent1"/>
+    </dgm:linClrLst>
+    <dgm:effectClrLst/>
+    <dgm:txLinClrLst/>
+    <dgm:txFillClrLst meth="repeat">
+      <a:schemeClr val="dk1"/>
+    </dgm:txFillClrLst>
+    <dgm:txEffectClrLst/>
+  </dgm:styleLbl>
+  <dgm:styleLbl name="solidAlignAcc1">
+    <dgm:fillClrLst meth="repeat">
+      <a:schemeClr val="lt1"/>
+    </dgm:fillClrLst>
+    <dgm:linClrLst meth="repeat">
+      <a:schemeClr val="accent1"/>
+    </dgm:linClrLst>
+    <dgm:effectClrLst/>
+    <dgm:txLinClrLst/>
+    <dgm:txFillClrLst meth="repeat">
+      <a:schemeClr val="dk1"/>
+    </dgm:txFillClrLst>
+    <dgm:txEffectClrLst/>
+  </dgm:styleLbl>
+  <dgm:styleLbl name="solidBgAcc1">
+    <dgm:fillClrLst meth="repeat">
+      <a:schemeClr val="lt1"/>
+    </dgm:fillClrLst>
+    <dgm:linClrLst meth="repeat">
+      <a:schemeClr val="accent1"/>
+    </dgm:linClrLst>
+    <dgm:effectClrLst/>
+    <dgm:txLinClrLst/>
+    <dgm:txFillClrLst meth="repeat">
+      <a:schemeClr val="dk1"/>
+    </dgm:txFillClrLst>
+    <dgm:txEffectClrLst/>
+  </dgm:styleLbl>
+  <dgm:styleLbl name="fgAccFollowNode1">
+    <dgm:fillClrLst meth="repeat">
+      <a:schemeClr val="accent1">
+        <a:alpha val="90000"/>
+        <a:tint val="40000"/>
+      </a:schemeClr>
+    </dgm:fillClrLst>
+    <dgm:linClrLst meth="repeat">
+      <a:schemeClr val="accent1">
+        <a:alpha val="90000"/>
+        <a:tint val="40000"/>
+      </a:schemeClr>
+    </dgm:linClrLst>
+    <dgm:effectClrLst/>
+    <dgm:txLinClrLst/>
+    <dgm:txFillClrLst meth="repeat">
+      <a:schemeClr val="dk1"/>
+    </dgm:txFillClrLst>
+    <dgm:txEffectClrLst/>
+  </dgm:styleLbl>
+  <dgm:styleLbl name="alignAccFollowNode1">
+    <dgm:fillClrLst meth="repeat">
+      <a:schemeClr val="accent1">
+        <a:alpha val="90000"/>
+        <a:tint val="40000"/>
+      </a:schemeClr>
+    </dgm:fillClrLst>
+    <dgm:linClrLst meth="repeat">
+      <a:schemeClr val="accent1">
+        <a:alpha val="90000"/>
+        <a:tint val="40000"/>
+      </a:schemeClr>
+    </dgm:linClrLst>
+    <dgm:effectClrLst/>
+    <dgm:txLinClrLst/>
+    <dgm:txFillClrLst meth="repeat">
+      <a:schemeClr val="dk1"/>
+    </dgm:txFillClrLst>
+    <dgm:txEffectClrLst/>
+  </dgm:styleLbl>
+  <dgm:styleLbl name="bgAccFollowNode1">
+    <dgm:fillClrLst meth="repeat">
+      <a:schemeClr val="accent1">
+        <a:alpha val="90000"/>
+        <a:tint val="40000"/>
+      </a:schemeClr>
+    </dgm:fillClrLst>
+    <dgm:linClrLst meth="repeat">
+      <a:schemeClr val="accent1">
+        <a:alpha val="90000"/>
+        <a:tint val="40000"/>
+      </a:schemeClr>
+    </dgm:linClrLst>
+    <dgm:effectClrLst/>
+    <dgm:txLinClrLst/>
+    <dgm:txFillClrLst meth="repeat">
+      <a:schemeClr val="dk1"/>
+    </dgm:txFillClrLst>
+    <dgm:txEffectClrLst/>
+  </dgm:styleLbl>
+  <dgm:styleLbl name="fgAcc0">
+    <dgm:fillClrLst meth="repeat">
+      <a:schemeClr val="lt1">
+        <a:alpha val="90000"/>
+      </a:schemeClr>
+    </dgm:fillClrLst>
+    <dgm:linClrLst meth="repeat">
+      <a:schemeClr val="accent1"/>
+    </dgm:linClrLst>
+    <dgm:effectClrLst/>
+    <dgm:txLinClrLst/>
+    <dgm:txFillClrLst meth="repeat">
+      <a:schemeClr val="dk1"/>
+    </dgm:txFillClrLst>
+    <dgm:txEffectClrLst/>
+  </dgm:styleLbl>
+  <dgm:styleLbl name="fgAcc2">
+    <dgm:fillClrLst meth="repeat">
+      <a:schemeClr val="lt1">
+        <a:alpha val="90000"/>
+      </a:schemeClr>
+    </dgm:fillClrLst>
+    <dgm:linClrLst meth="repeat">
+      <a:schemeClr val="accent1"/>
+    </dgm:linClrLst>
+    <dgm:effectClrLst/>
+    <dgm:txLinClrLst/>
+    <dgm:txFillClrLst meth="repeat">
+      <a:schemeClr val="dk1"/>
+    </dgm:txFillClrLst>
+    <dgm:txEffectClrLst/>
+  </dgm:styleLbl>
+  <dgm:styleLbl name="fgAcc3">
+    <dgm:fillClrLst meth="repeat">
+      <a:schemeClr val="lt1">
+        <a:alpha val="90000"/>
+      </a:schemeClr>
+    </dgm:fillClrLst>
+    <dgm:linClrLst meth="repeat">
+      <a:schemeClr val="accent1"/>
+    </dgm:linClrLst>
+    <dgm:effectClrLst/>
+    <dgm:txLinClrLst/>
+    <dgm:txFillClrLst meth="repeat">
+      <a:schemeClr val="dk1"/>
+    </dgm:txFillClrLst>
+    <dgm:txEffectClrLst/>
+  </dgm:styleLbl>
+  <dgm:styleLbl name="fgAcc4">
+    <dgm:fillClrLst meth="repeat">
+      <a:schemeClr val="lt1">
+        <a:alpha val="90000"/>
+      </a:schemeClr>
+    </dgm:fillClrLst>
+    <dgm:linClrLst meth="repeat">
+      <a:schemeClr val="accent1"/>
+    </dgm:linClrLst>
+    <dgm:effectClrLst/>
+    <dgm:txLinClrLst/>
+    <dgm:txFillClrLst meth="repeat">
+      <a:schemeClr val="dk1"/>
+    </dgm:txFillClrLst>
+    <dgm:txEffectClrLst/>
+  </dgm:styleLbl>
+  <dgm:styleLbl name="bgShp">
+    <dgm:fillClrLst meth="repeat">
+      <a:schemeClr val="accent1">
+        <a:tint val="40000"/>
+      </a:schemeClr>
+    </dgm:fillClrLst>
+    <dgm:linClrLst meth="repeat">
+      <a:schemeClr val="accent1"/>
+    </dgm:linClrLst>
+    <dgm:effectClrLst/>
+    <dgm:txLinClrLst/>
+    <dgm:txFillClrLst meth="repeat">
+      <a:schemeClr val="dk1"/>
+    </dgm:txFillClrLst>
+    <dgm:txEffectClrLst/>
+  </dgm:styleLbl>
+  <dgm:styleLbl name="dkBgShp">
+    <dgm:fillClrLst meth="repeat">
+      <a:schemeClr val="accent1">
+        <a:shade val="80000"/>
+      </a:schemeClr>
+    </dgm:fillClrLst>
+    <dgm:linClrLst meth="repeat">
+      <a:schemeClr val="accent1"/>
+    </dgm:linClrLst>
+    <dgm:effectClrLst/>
+    <dgm:txLinClrLst/>
+    <dgm:txFillClrLst meth="repeat">
+      <a:schemeClr val="lt1"/>
+    </dgm:txFillClrLst>
+    <dgm:txEffectClrLst/>
+  </dgm:styleLbl>
+  <dgm:styleLbl name="trBgShp">
+    <dgm:fillClrLst meth="repeat">
+      <a:schemeClr val="accent1">
+        <a:tint val="50000"/>
+        <a:alpha val="40000"/>
+      </a:schemeClr>
+    </dgm:fillClrLst>
+    <dgm:linClrLst meth="repeat">
+      <a:schemeClr val="accent1"/>
+    </dgm:linClrLst>
+    <dgm:effectClrLst/>
+    <dgm:txLinClrLst/>
+    <dgm:txFillClrLst meth="repeat">
+      <a:schemeClr val="lt1"/>
+    </dgm:txFillClrLst>
+    <dgm:txEffectClrLst/>
+  </dgm:styleLbl>
+  <dgm:styleLbl name="fgShp">
+    <dgm:fillClrLst meth="repeat">
+      <a:schemeClr val="accent1">
+        <a:tint val="60000"/>
+      </a:schemeClr>
+    </dgm:fillClrLst>
+    <dgm:linClrLst meth="repeat">
+      <a:schemeClr val="lt1"/>
+    </dgm:linClrLst>
+    <dgm:effectClrLst/>
+    <dgm:txLinClrLst/>
+    <dgm:txFillClrLst meth="repeat">
+      <a:schemeClr val="dk1"/>
+    </dgm:txFillClrLst>
+    <dgm:txEffectClrLst/>
+  </dgm:styleLbl>
+  <dgm:styleLbl name="revTx">
+    <dgm:fillClrLst meth="repeat">
+      <a:schemeClr val="lt1">
+        <a:alpha val="0"/>
+      </a:schemeClr>
+    </dgm:fillClrLst>
+    <dgm:linClrLst meth="repeat">
+      <a:schemeClr val="dk1">
+        <a:alpha val="0"/>
+      </a:schemeClr>
+    </dgm:linClrLst>
+    <dgm:effectClrLst/>
+    <dgm:txLinClrLst/>
+    <dgm:txFillClrLst meth="repeat">
+      <a:schemeClr val="tx1"/>
+    </dgm:txFillClrLst>
+    <dgm:txEffectClrLst/>
+  </dgm:styleLbl>
+</dgm:colorsDef>
+</file>
+
+<file path=ppt/diagrams/data1.xml><?xml version="1.0" encoding="utf-8"?>
+<dgm:dataModel xmlns:dgm="http://schemas.openxmlformats.org/drawingml/2006/diagram" xmlns:a="http://schemas.openxmlformats.org/drawingml/2006/main">
+  <dgm:ptLst>
+    <dgm:pt modelId="{D1AD5661-52EC-44C6-A0CD-815C4E2A2178}" type="doc">
+      <dgm:prSet loTypeId="urn:microsoft.com/office/officeart/2005/8/layout/process2" loCatId="process" qsTypeId="urn:microsoft.com/office/officeart/2005/8/quickstyle/simple1" qsCatId="simple" csTypeId="urn:microsoft.com/office/officeart/2005/8/colors/accent1_2" csCatId="accent1" phldr="1"/>
+      <dgm:spPr/>
+    </dgm:pt>
+    <dgm:pt modelId="{26A8BDED-7BD6-49CF-8C8C-068FE7539748}">
+      <dgm:prSet phldrT="[テキスト]"/>
+      <dgm:spPr/>
+      <dgm:t>
+        <a:bodyPr/>
+        <a:lstStyle/>
+        <a:p>
+          <a:pPr algn="l"/>
+          <a:r>
+            <a:rPr kumimoji="1" lang="ja-JP" altLang="en-US" dirty="0"/>
+            <a:t>音声</a:t>
+          </a:r>
+        </a:p>
+      </dgm:t>
+    </dgm:pt>
+    <dgm:pt modelId="{50E4821E-4909-473A-B2EF-3EC6C651667D}" type="parTrans" cxnId="{61CF02E9-B101-4193-9516-BD830ADAC866}">
+      <dgm:prSet/>
+      <dgm:spPr/>
+      <dgm:t>
+        <a:bodyPr/>
+        <a:lstStyle/>
+        <a:p>
+          <a:endParaRPr kumimoji="1" lang="ja-JP" altLang="en-US"/>
+        </a:p>
+      </dgm:t>
+    </dgm:pt>
+    <dgm:pt modelId="{57558FC9-4B85-4A16-BCD7-92FCA8D37C6C}" type="sibTrans" cxnId="{61CF02E9-B101-4193-9516-BD830ADAC866}">
+      <dgm:prSet/>
+      <dgm:spPr>
+        <a:ln>
+          <a:solidFill>
+            <a:schemeClr val="accent1"/>
+          </a:solidFill>
+        </a:ln>
+      </dgm:spPr>
+      <dgm:t>
+        <a:bodyPr/>
+        <a:lstStyle/>
+        <a:p>
+          <a:endParaRPr kumimoji="1" lang="ja-JP" altLang="en-US"/>
+        </a:p>
+      </dgm:t>
+    </dgm:pt>
+    <dgm:pt modelId="{FA835DA5-41EF-42EA-8294-D83BFCF3F3FB}">
+      <dgm:prSet phldrT="[テキスト]"/>
+      <dgm:spPr/>
+      <dgm:t>
+        <a:bodyPr/>
+        <a:lstStyle/>
+        <a:p>
+          <a:pPr algn="l"/>
+          <a:r>
+            <a:rPr kumimoji="1" lang="ja-JP" altLang="en-US" dirty="0"/>
+            <a:t>音素</a:t>
+          </a:r>
+        </a:p>
+      </dgm:t>
+    </dgm:pt>
+    <dgm:pt modelId="{28542094-0279-4667-8B4C-C1105784A025}" type="parTrans" cxnId="{23AAD36C-374A-4489-9539-829662066AB6}">
+      <dgm:prSet/>
+      <dgm:spPr/>
+      <dgm:t>
+        <a:bodyPr/>
+        <a:lstStyle/>
+        <a:p>
+          <a:endParaRPr kumimoji="1" lang="ja-JP" altLang="en-US"/>
+        </a:p>
+      </dgm:t>
+    </dgm:pt>
+    <dgm:pt modelId="{9F4C9F53-B247-481F-92B8-4137AA554FA2}" type="sibTrans" cxnId="{23AAD36C-374A-4489-9539-829662066AB6}">
+      <dgm:prSet/>
+      <dgm:spPr>
+        <a:ln>
+          <a:solidFill>
+            <a:schemeClr val="accent1"/>
+          </a:solidFill>
+        </a:ln>
+      </dgm:spPr>
+      <dgm:t>
+        <a:bodyPr/>
+        <a:lstStyle/>
+        <a:p>
+          <a:endParaRPr kumimoji="1" lang="ja-JP" altLang="en-US"/>
+        </a:p>
+      </dgm:t>
+    </dgm:pt>
+    <dgm:pt modelId="{BE1F7A08-3369-4E03-932E-EF9B44EC1A7D}">
+      <dgm:prSet phldrT="[テキスト]"/>
+      <dgm:spPr/>
+      <dgm:t>
+        <a:bodyPr/>
+        <a:lstStyle/>
+        <a:p>
+          <a:pPr algn="l"/>
+          <a:r>
+            <a:rPr kumimoji="1" lang="ja-JP" altLang="en-US" dirty="0"/>
+            <a:t>文字</a:t>
+          </a:r>
+        </a:p>
+      </dgm:t>
+    </dgm:pt>
+    <dgm:pt modelId="{49B53EB6-4100-486E-83C2-75F7FF7FF1D2}" type="parTrans" cxnId="{8371B4CF-E521-4F12-AC62-780395936422}">
+      <dgm:prSet/>
+      <dgm:spPr/>
+      <dgm:t>
+        <a:bodyPr/>
+        <a:lstStyle/>
+        <a:p>
+          <a:endParaRPr kumimoji="1" lang="ja-JP" altLang="en-US"/>
+        </a:p>
+      </dgm:t>
+    </dgm:pt>
+    <dgm:pt modelId="{85445968-D6D6-48BB-A9DA-C7234BF0FFAA}" type="sibTrans" cxnId="{8371B4CF-E521-4F12-AC62-780395936422}">
+      <dgm:prSet/>
+      <dgm:spPr/>
+      <dgm:t>
+        <a:bodyPr/>
+        <a:lstStyle/>
+        <a:p>
+          <a:endParaRPr kumimoji="1" lang="ja-JP" altLang="en-US"/>
+        </a:p>
+      </dgm:t>
+    </dgm:pt>
+    <dgm:pt modelId="{8126590B-F659-46DE-8329-9AC47CB405EE}" type="pres">
+      <dgm:prSet presAssocID="{D1AD5661-52EC-44C6-A0CD-815C4E2A2178}" presName="linearFlow" presStyleCnt="0">
+        <dgm:presLayoutVars>
+          <dgm:resizeHandles val="exact"/>
+        </dgm:presLayoutVars>
+      </dgm:prSet>
+      <dgm:spPr/>
+    </dgm:pt>
+    <dgm:pt modelId="{F62A572D-3AAE-4141-8D28-785159941964}" type="pres">
+      <dgm:prSet presAssocID="{26A8BDED-7BD6-49CF-8C8C-068FE7539748}" presName="node" presStyleLbl="node1" presStyleIdx="0" presStyleCnt="3" custScaleX="132648" custLinFactNeighborX="5441" custLinFactNeighborY="2309">
+        <dgm:presLayoutVars>
+          <dgm:bulletEnabled val="1"/>
+        </dgm:presLayoutVars>
+      </dgm:prSet>
+      <dgm:spPr/>
+    </dgm:pt>
+    <dgm:pt modelId="{88C84C50-640B-4B08-A09D-969E39B7EDA8}" type="pres">
+      <dgm:prSet presAssocID="{57558FC9-4B85-4A16-BCD7-92FCA8D37C6C}" presName="sibTrans" presStyleLbl="sibTrans2D1" presStyleIdx="0" presStyleCnt="2" custScaleX="110714" custScaleY="145341"/>
+      <dgm:spPr/>
+    </dgm:pt>
+    <dgm:pt modelId="{87FD9324-81F1-4EE7-A2A6-6955F70B3FB5}" type="pres">
+      <dgm:prSet presAssocID="{57558FC9-4B85-4A16-BCD7-92FCA8D37C6C}" presName="connectorText" presStyleLbl="sibTrans2D1" presStyleIdx="0" presStyleCnt="2"/>
+      <dgm:spPr/>
+    </dgm:pt>
+    <dgm:pt modelId="{EF5F81BA-8338-4F88-9D82-20B267FC5FD0}" type="pres">
+      <dgm:prSet presAssocID="{FA835DA5-41EF-42EA-8294-D83BFCF3F3FB}" presName="node" presStyleLbl="node1" presStyleIdx="1" presStyleCnt="3" custScaleX="132648" custLinFactNeighborX="5441" custLinFactNeighborY="26">
+        <dgm:presLayoutVars>
+          <dgm:bulletEnabled val="1"/>
+        </dgm:presLayoutVars>
+      </dgm:prSet>
+      <dgm:spPr/>
+    </dgm:pt>
+    <dgm:pt modelId="{CFB8B250-5A99-47E1-B374-92C00B0DF11D}" type="pres">
+      <dgm:prSet presAssocID="{9F4C9F53-B247-481F-92B8-4137AA554FA2}" presName="sibTrans" presStyleLbl="sibTrans2D1" presStyleIdx="1" presStyleCnt="2" custScaleX="110714" custScaleY="145341"/>
+      <dgm:spPr/>
+    </dgm:pt>
+    <dgm:pt modelId="{68CD3C2E-3CB4-4345-A410-193C435C60EC}" type="pres">
+      <dgm:prSet presAssocID="{9F4C9F53-B247-481F-92B8-4137AA554FA2}" presName="connectorText" presStyleLbl="sibTrans2D1" presStyleIdx="1" presStyleCnt="2"/>
+      <dgm:spPr/>
+    </dgm:pt>
+    <dgm:pt modelId="{CA259601-2D12-4654-A3FC-426CC8F924F7}" type="pres">
+      <dgm:prSet presAssocID="{BE1F7A08-3369-4E03-932E-EF9B44EC1A7D}" presName="node" presStyleLbl="node1" presStyleIdx="2" presStyleCnt="3" custScaleX="132648" custLinFactNeighborX="5441" custLinFactNeighborY="-12598">
+        <dgm:presLayoutVars>
+          <dgm:bulletEnabled val="1"/>
+        </dgm:presLayoutVars>
+      </dgm:prSet>
+      <dgm:spPr/>
+    </dgm:pt>
+  </dgm:ptLst>
+  <dgm:cxnLst>
+    <dgm:cxn modelId="{2C3D2803-27F0-4057-ACB4-BA0EE0750220}" type="presOf" srcId="{D1AD5661-52EC-44C6-A0CD-815C4E2A2178}" destId="{8126590B-F659-46DE-8329-9AC47CB405EE}" srcOrd="0" destOrd="0" presId="urn:microsoft.com/office/officeart/2005/8/layout/process2"/>
+    <dgm:cxn modelId="{9570C824-F6E2-4A36-A6AE-A4788C0FDAE4}" type="presOf" srcId="{9F4C9F53-B247-481F-92B8-4137AA554FA2}" destId="{CFB8B250-5A99-47E1-B374-92C00B0DF11D}" srcOrd="0" destOrd="0" presId="urn:microsoft.com/office/officeart/2005/8/layout/process2"/>
+    <dgm:cxn modelId="{D6892A25-4DDB-4FEE-9813-C008706219B8}" type="presOf" srcId="{26A8BDED-7BD6-49CF-8C8C-068FE7539748}" destId="{F62A572D-3AAE-4141-8D28-785159941964}" srcOrd="0" destOrd="0" presId="urn:microsoft.com/office/officeart/2005/8/layout/process2"/>
+    <dgm:cxn modelId="{23AAD36C-374A-4489-9539-829662066AB6}" srcId="{D1AD5661-52EC-44C6-A0CD-815C4E2A2178}" destId="{FA835DA5-41EF-42EA-8294-D83BFCF3F3FB}" srcOrd="1" destOrd="0" parTransId="{28542094-0279-4667-8B4C-C1105784A025}" sibTransId="{9F4C9F53-B247-481F-92B8-4137AA554FA2}"/>
+    <dgm:cxn modelId="{209F8673-8F83-41A9-A23B-D5E13E166E9A}" type="presOf" srcId="{9F4C9F53-B247-481F-92B8-4137AA554FA2}" destId="{68CD3C2E-3CB4-4345-A410-193C435C60EC}" srcOrd="1" destOrd="0" presId="urn:microsoft.com/office/officeart/2005/8/layout/process2"/>
+    <dgm:cxn modelId="{1DD9508A-E870-4DC4-854C-C719F7BC8ECC}" type="presOf" srcId="{BE1F7A08-3369-4E03-932E-EF9B44EC1A7D}" destId="{CA259601-2D12-4654-A3FC-426CC8F924F7}" srcOrd="0" destOrd="0" presId="urn:microsoft.com/office/officeart/2005/8/layout/process2"/>
+    <dgm:cxn modelId="{DA8B9F8E-C30D-4E2D-8A23-BD878696601C}" type="presOf" srcId="{FA835DA5-41EF-42EA-8294-D83BFCF3F3FB}" destId="{EF5F81BA-8338-4F88-9D82-20B267FC5FD0}" srcOrd="0" destOrd="0" presId="urn:microsoft.com/office/officeart/2005/8/layout/process2"/>
+    <dgm:cxn modelId="{F9D96392-E4E9-4D96-AC0E-413F6D6B97C8}" type="presOf" srcId="{57558FC9-4B85-4A16-BCD7-92FCA8D37C6C}" destId="{87FD9324-81F1-4EE7-A2A6-6955F70B3FB5}" srcOrd="1" destOrd="0" presId="urn:microsoft.com/office/officeart/2005/8/layout/process2"/>
+    <dgm:cxn modelId="{8371B4CF-E521-4F12-AC62-780395936422}" srcId="{D1AD5661-52EC-44C6-A0CD-815C4E2A2178}" destId="{BE1F7A08-3369-4E03-932E-EF9B44EC1A7D}" srcOrd="2" destOrd="0" parTransId="{49B53EB6-4100-486E-83C2-75F7FF7FF1D2}" sibTransId="{85445968-D6D6-48BB-A9DA-C7234BF0FFAA}"/>
+    <dgm:cxn modelId="{61CF02E9-B101-4193-9516-BD830ADAC866}" srcId="{D1AD5661-52EC-44C6-A0CD-815C4E2A2178}" destId="{26A8BDED-7BD6-49CF-8C8C-068FE7539748}" srcOrd="0" destOrd="0" parTransId="{50E4821E-4909-473A-B2EF-3EC6C651667D}" sibTransId="{57558FC9-4B85-4A16-BCD7-92FCA8D37C6C}"/>
+    <dgm:cxn modelId="{34D96EEB-B671-4900-9AC4-A7AFEF189956}" type="presOf" srcId="{57558FC9-4B85-4A16-BCD7-92FCA8D37C6C}" destId="{88C84C50-640B-4B08-A09D-969E39B7EDA8}" srcOrd="0" destOrd="0" presId="urn:microsoft.com/office/officeart/2005/8/layout/process2"/>
+    <dgm:cxn modelId="{A2C07ECA-DE4C-43F4-B56B-C48F16595216}" type="presParOf" srcId="{8126590B-F659-46DE-8329-9AC47CB405EE}" destId="{F62A572D-3AAE-4141-8D28-785159941964}" srcOrd="0" destOrd="0" presId="urn:microsoft.com/office/officeart/2005/8/layout/process2"/>
+    <dgm:cxn modelId="{ED70D826-4E70-467E-A16F-E72FD7E86BE4}" type="presParOf" srcId="{8126590B-F659-46DE-8329-9AC47CB405EE}" destId="{88C84C50-640B-4B08-A09D-969E39B7EDA8}" srcOrd="1" destOrd="0" presId="urn:microsoft.com/office/officeart/2005/8/layout/process2"/>
+    <dgm:cxn modelId="{694A1EF5-47EB-41F3-918E-5AEBD0C874A8}" type="presParOf" srcId="{88C84C50-640B-4B08-A09D-969E39B7EDA8}" destId="{87FD9324-81F1-4EE7-A2A6-6955F70B3FB5}" srcOrd="0" destOrd="0" presId="urn:microsoft.com/office/officeart/2005/8/layout/process2"/>
+    <dgm:cxn modelId="{DCDDCC46-BDF3-4A30-8E8F-9C62CC59CAAB}" type="presParOf" srcId="{8126590B-F659-46DE-8329-9AC47CB405EE}" destId="{EF5F81BA-8338-4F88-9D82-20B267FC5FD0}" srcOrd="2" destOrd="0" presId="urn:microsoft.com/office/officeart/2005/8/layout/process2"/>
+    <dgm:cxn modelId="{60568690-61DA-4F8D-8F60-35E7F9342931}" type="presParOf" srcId="{8126590B-F659-46DE-8329-9AC47CB405EE}" destId="{CFB8B250-5A99-47E1-B374-92C00B0DF11D}" srcOrd="3" destOrd="0" presId="urn:microsoft.com/office/officeart/2005/8/layout/process2"/>
+    <dgm:cxn modelId="{F711DD4A-324C-4178-9B6A-C9FFA06225A3}" type="presParOf" srcId="{CFB8B250-5A99-47E1-B374-92C00B0DF11D}" destId="{68CD3C2E-3CB4-4345-A410-193C435C60EC}" srcOrd="0" destOrd="0" presId="urn:microsoft.com/office/officeart/2005/8/layout/process2"/>
+    <dgm:cxn modelId="{C808C617-6E94-4520-B20F-2A9D66D8C825}" type="presParOf" srcId="{8126590B-F659-46DE-8329-9AC47CB405EE}" destId="{CA259601-2D12-4654-A3FC-426CC8F924F7}" srcOrd="4" destOrd="0" presId="urn:microsoft.com/office/officeart/2005/8/layout/process2"/>
+  </dgm:cxnLst>
+  <dgm:bg/>
+  <dgm:whole/>
+  <dgm:extLst>
+    <a:ext uri="http://schemas.microsoft.com/office/drawing/2008/diagram">
+      <dsp:dataModelExt xmlns:dsp="http://schemas.microsoft.com/office/drawing/2008/diagram" relId="rId7" minVer="http://schemas.openxmlformats.org/drawingml/2006/diagram"/>
+    </a:ext>
+  </dgm:extLst>
+</dgm:dataModel>
+</file>
+
+<file path=ppt/diagrams/drawing1.xml><?xml version="1.0" encoding="utf-8"?>
+<dsp:drawing xmlns:dgm="http://schemas.openxmlformats.org/drawingml/2006/diagram" xmlns:dsp="http://schemas.microsoft.com/office/drawing/2008/diagram" xmlns:a="http://schemas.openxmlformats.org/drawingml/2006/main">
+  <dsp:spTree>
+    <dsp:nvGrpSpPr>
+      <dsp:cNvPr id="0" name=""/>
+      <dsp:cNvGrpSpPr/>
+    </dsp:nvGrpSpPr>
+    <dsp:grpSpPr/>
+    <dsp:sp modelId="{F62A572D-3AAE-4141-8D28-785159941964}">
+      <dsp:nvSpPr>
+        <dsp:cNvPr id="0" name=""/>
+        <dsp:cNvSpPr/>
+      </dsp:nvSpPr>
+      <dsp:spPr>
+        <a:xfrm>
+          <a:off x="1193374" y="9800"/>
+          <a:ext cx="2945884" cy="1233793"/>
+        </a:xfrm>
+        <a:prstGeom prst="roundRect">
+          <a:avLst>
+            <a:gd name="adj" fmla="val 10000"/>
+          </a:avLst>
+        </a:prstGeom>
+        <a:solidFill>
+          <a:schemeClr val="accent1">
+            <a:hueOff val="0"/>
+            <a:satOff val="0"/>
+            <a:lumOff val="0"/>
+            <a:alphaOff val="0"/>
+          </a:schemeClr>
+        </a:solidFill>
+        <a:ln w="12700" cap="flat" cmpd="sng" algn="ctr">
+          <a:solidFill>
+            <a:schemeClr val="lt1">
+              <a:hueOff val="0"/>
+              <a:satOff val="0"/>
+              <a:lumOff val="0"/>
+              <a:alphaOff val="0"/>
+            </a:schemeClr>
+          </a:solidFill>
+          <a:prstDash val="solid"/>
+          <a:miter lim="800000"/>
+        </a:ln>
+        <a:effectLst/>
+      </dsp:spPr>
+      <dsp:style>
+        <a:lnRef idx="2">
+          <a:scrgbClr r="0" g="0" b="0"/>
+        </a:lnRef>
+        <a:fillRef idx="1">
+          <a:scrgbClr r="0" g="0" b="0"/>
+        </a:fillRef>
+        <a:effectRef idx="0">
+          <a:scrgbClr r="0" g="0" b="0"/>
+        </a:effectRef>
+        <a:fontRef idx="minor">
+          <a:schemeClr val="lt1"/>
+        </a:fontRef>
+      </dsp:style>
+      <dsp:txBody>
+        <a:bodyPr spcFirstLastPara="0" vert="horz" wrap="square" lIns="160020" tIns="160020" rIns="160020" bIns="160020" numCol="1" spcCol="1270" anchor="ctr" anchorCtr="0">
+          <a:noAutofit/>
+        </a:bodyPr>
+        <a:lstStyle/>
+        <a:p>
+          <a:pPr marL="0" lvl="0" indent="0" algn="l" defTabSz="1866900">
+            <a:lnSpc>
+              <a:spcPct val="90000"/>
+            </a:lnSpc>
+            <a:spcBef>
+              <a:spcPct val="0"/>
+            </a:spcBef>
+            <a:spcAft>
+              <a:spcPct val="35000"/>
+            </a:spcAft>
+            <a:buNone/>
+          </a:pPr>
+          <a:r>
+            <a:rPr kumimoji="1" lang="ja-JP" altLang="en-US" sz="4200" kern="1200" dirty="0"/>
+            <a:t>音声</a:t>
+          </a:r>
+        </a:p>
+      </dsp:txBody>
+      <dsp:txXfrm>
+        <a:off x="1229511" y="45937"/>
+        <a:ext cx="2873610" cy="1161519"/>
+      </dsp:txXfrm>
+    </dsp:sp>
+    <dsp:sp modelId="{88C84C50-640B-4B08-A09D-969E39B7EDA8}">
+      <dsp:nvSpPr>
+        <dsp:cNvPr id="0" name=""/>
+        <dsp:cNvSpPr/>
+      </dsp:nvSpPr>
+      <dsp:spPr>
+        <a:xfrm rot="5400000">
+          <a:off x="2414218" y="1143725"/>
+          <a:ext cx="504197" cy="806943"/>
+        </a:xfrm>
+        <a:prstGeom prst="rightArrow">
+          <a:avLst>
+            <a:gd name="adj1" fmla="val 60000"/>
+            <a:gd name="adj2" fmla="val 50000"/>
+          </a:avLst>
+        </a:prstGeom>
+        <a:solidFill>
+          <a:schemeClr val="accent1">
+            <a:tint val="60000"/>
+            <a:hueOff val="0"/>
+            <a:satOff val="0"/>
+            <a:lumOff val="0"/>
+            <a:alphaOff val="0"/>
+          </a:schemeClr>
+        </a:solidFill>
+        <a:ln>
+          <a:solidFill>
+            <a:schemeClr val="accent1"/>
+          </a:solidFill>
+        </a:ln>
+        <a:effectLst/>
+      </dsp:spPr>
+      <dsp:style>
+        <a:lnRef idx="0">
+          <a:scrgbClr r="0" g="0" b="0"/>
+        </a:lnRef>
+        <a:fillRef idx="1">
+          <a:scrgbClr r="0" g="0" b="0"/>
+        </a:fillRef>
+        <a:effectRef idx="0">
+          <a:scrgbClr r="0" g="0" b="0"/>
+        </a:effectRef>
+        <a:fontRef idx="minor">
+          <a:schemeClr val="lt1"/>
+        </a:fontRef>
+      </dsp:style>
+      <dsp:txBody>
+        <a:bodyPr spcFirstLastPara="0" vert="horz" wrap="square" lIns="0" tIns="0" rIns="0" bIns="0" numCol="1" spcCol="1270" anchor="ctr" anchorCtr="0">
+          <a:noAutofit/>
+        </a:bodyPr>
+        <a:lstStyle/>
+        <a:p>
+          <a:pPr marL="0" lvl="0" indent="0" algn="ctr" defTabSz="755650">
+            <a:lnSpc>
+              <a:spcPct val="90000"/>
+            </a:lnSpc>
+            <a:spcBef>
+              <a:spcPct val="0"/>
+            </a:spcBef>
+            <a:spcAft>
+              <a:spcPct val="35000"/>
+            </a:spcAft>
+            <a:buNone/>
+          </a:pPr>
+          <a:endParaRPr kumimoji="1" lang="ja-JP" altLang="en-US" sz="1700" kern="1200"/>
+        </a:p>
+      </dsp:txBody>
+      <dsp:txXfrm rot="-5400000">
+        <a:off x="2424235" y="1295098"/>
+        <a:ext cx="484165" cy="352938"/>
+      </dsp:txXfrm>
+    </dsp:sp>
+    <dsp:sp modelId="{EF5F81BA-8338-4F88-9D82-20B267FC5FD0}">
+      <dsp:nvSpPr>
+        <dsp:cNvPr id="0" name=""/>
+        <dsp:cNvSpPr/>
+      </dsp:nvSpPr>
+      <dsp:spPr>
+        <a:xfrm>
+          <a:off x="1193374" y="1850800"/>
+          <a:ext cx="2945884" cy="1233793"/>
+        </a:xfrm>
+        <a:prstGeom prst="roundRect">
+          <a:avLst>
+            <a:gd name="adj" fmla="val 10000"/>
+          </a:avLst>
+        </a:prstGeom>
+        <a:solidFill>
+          <a:schemeClr val="accent1">
+            <a:hueOff val="0"/>
+            <a:satOff val="0"/>
+            <a:lumOff val="0"/>
+            <a:alphaOff val="0"/>
+          </a:schemeClr>
+        </a:solidFill>
+        <a:ln w="12700" cap="flat" cmpd="sng" algn="ctr">
+          <a:solidFill>
+            <a:schemeClr val="lt1">
+              <a:hueOff val="0"/>
+              <a:satOff val="0"/>
+              <a:lumOff val="0"/>
+              <a:alphaOff val="0"/>
+            </a:schemeClr>
+          </a:solidFill>
+          <a:prstDash val="solid"/>
+          <a:miter lim="800000"/>
+        </a:ln>
+        <a:effectLst/>
+      </dsp:spPr>
+      <dsp:style>
+        <a:lnRef idx="2">
+          <a:scrgbClr r="0" g="0" b="0"/>
+        </a:lnRef>
+        <a:fillRef idx="1">
+          <a:scrgbClr r="0" g="0" b="0"/>
+        </a:fillRef>
+        <a:effectRef idx="0">
+          <a:scrgbClr r="0" g="0" b="0"/>
+        </a:effectRef>
+        <a:fontRef idx="minor">
+          <a:schemeClr val="lt1"/>
+        </a:fontRef>
+      </dsp:style>
+      <dsp:txBody>
+        <a:bodyPr spcFirstLastPara="0" vert="horz" wrap="square" lIns="160020" tIns="160020" rIns="160020" bIns="160020" numCol="1" spcCol="1270" anchor="ctr" anchorCtr="0">
+          <a:noAutofit/>
+        </a:bodyPr>
+        <a:lstStyle/>
+        <a:p>
+          <a:pPr marL="0" lvl="0" indent="0" algn="l" defTabSz="1866900">
+            <a:lnSpc>
+              <a:spcPct val="90000"/>
+            </a:lnSpc>
+            <a:spcBef>
+              <a:spcPct val="0"/>
+            </a:spcBef>
+            <a:spcAft>
+              <a:spcPct val="35000"/>
+            </a:spcAft>
+            <a:buNone/>
+          </a:pPr>
+          <a:r>
+            <a:rPr kumimoji="1" lang="ja-JP" altLang="en-US" sz="4200" kern="1200" dirty="0"/>
+            <a:t>音素</a:t>
+          </a:r>
+        </a:p>
+      </dsp:txBody>
+      <dsp:txXfrm>
+        <a:off x="1229511" y="1886937"/>
+        <a:ext cx="2873610" cy="1161519"/>
+      </dsp:txXfrm>
+    </dsp:sp>
+    <dsp:sp modelId="{CFB8B250-5A99-47E1-B374-92C00B0DF11D}">
+      <dsp:nvSpPr>
+        <dsp:cNvPr id="0" name=""/>
+        <dsp:cNvSpPr/>
+      </dsp:nvSpPr>
+      <dsp:spPr>
+        <a:xfrm rot="5400000">
+          <a:off x="2432441" y="2962780"/>
+          <a:ext cx="467751" cy="806943"/>
+        </a:xfrm>
+        <a:prstGeom prst="rightArrow">
+          <a:avLst>
+            <a:gd name="adj1" fmla="val 60000"/>
+            <a:gd name="adj2" fmla="val 50000"/>
+          </a:avLst>
+        </a:prstGeom>
+        <a:solidFill>
+          <a:schemeClr val="accent1">
+            <a:tint val="60000"/>
+            <a:hueOff val="0"/>
+            <a:satOff val="0"/>
+            <a:lumOff val="0"/>
+            <a:alphaOff val="0"/>
+          </a:schemeClr>
+        </a:solidFill>
+        <a:ln>
+          <a:solidFill>
+            <a:schemeClr val="accent1"/>
+          </a:solidFill>
+        </a:ln>
+        <a:effectLst/>
+      </dsp:spPr>
+      <dsp:style>
+        <a:lnRef idx="0">
+          <a:scrgbClr r="0" g="0" b="0"/>
+        </a:lnRef>
+        <a:fillRef idx="1">
+          <a:scrgbClr r="0" g="0" b="0"/>
+        </a:fillRef>
+        <a:effectRef idx="0">
+          <a:scrgbClr r="0" g="0" b="0"/>
+        </a:effectRef>
+        <a:fontRef idx="minor">
+          <a:schemeClr val="lt1"/>
+        </a:fontRef>
+      </dsp:style>
+      <dsp:txBody>
+        <a:bodyPr spcFirstLastPara="0" vert="horz" wrap="square" lIns="0" tIns="0" rIns="0" bIns="0" numCol="1" spcCol="1270" anchor="ctr" anchorCtr="0">
+          <a:noAutofit/>
+        </a:bodyPr>
+        <a:lstStyle/>
+        <a:p>
+          <a:pPr marL="0" lvl="0" indent="0" algn="ctr" defTabSz="711200">
+            <a:lnSpc>
+              <a:spcPct val="90000"/>
+            </a:lnSpc>
+            <a:spcBef>
+              <a:spcPct val="0"/>
+            </a:spcBef>
+            <a:spcAft>
+              <a:spcPct val="35000"/>
+            </a:spcAft>
+            <a:buNone/>
+          </a:pPr>
+          <a:endParaRPr kumimoji="1" lang="ja-JP" altLang="en-US" sz="1600" kern="1200"/>
+        </a:p>
+      </dsp:txBody>
+      <dsp:txXfrm rot="-5400000">
+        <a:off x="2424235" y="3132376"/>
+        <a:ext cx="484165" cy="327426"/>
+      </dsp:txXfrm>
+    </dsp:sp>
+    <dsp:sp modelId="{CA259601-2D12-4654-A3FC-426CC8F924F7}">
+      <dsp:nvSpPr>
+        <dsp:cNvPr id="0" name=""/>
+        <dsp:cNvSpPr/>
+      </dsp:nvSpPr>
+      <dsp:spPr>
+        <a:xfrm>
+          <a:off x="1193374" y="3647909"/>
+          <a:ext cx="2945884" cy="1233793"/>
+        </a:xfrm>
+        <a:prstGeom prst="roundRect">
+          <a:avLst>
+            <a:gd name="adj" fmla="val 10000"/>
+          </a:avLst>
+        </a:prstGeom>
+        <a:solidFill>
+          <a:schemeClr val="accent1">
+            <a:hueOff val="0"/>
+            <a:satOff val="0"/>
+            <a:lumOff val="0"/>
+            <a:alphaOff val="0"/>
+          </a:schemeClr>
+        </a:solidFill>
+        <a:ln w="12700" cap="flat" cmpd="sng" algn="ctr">
+          <a:solidFill>
+            <a:schemeClr val="lt1">
+              <a:hueOff val="0"/>
+              <a:satOff val="0"/>
+              <a:lumOff val="0"/>
+              <a:alphaOff val="0"/>
+            </a:schemeClr>
+          </a:solidFill>
+          <a:prstDash val="solid"/>
+          <a:miter lim="800000"/>
+        </a:ln>
+        <a:effectLst/>
+      </dsp:spPr>
+      <dsp:style>
+        <a:lnRef idx="2">
+          <a:scrgbClr r="0" g="0" b="0"/>
+        </a:lnRef>
+        <a:fillRef idx="1">
+          <a:scrgbClr r="0" g="0" b="0"/>
+        </a:fillRef>
+        <a:effectRef idx="0">
+          <a:scrgbClr r="0" g="0" b="0"/>
+        </a:effectRef>
+        <a:fontRef idx="minor">
+          <a:schemeClr val="lt1"/>
+        </a:fontRef>
+      </dsp:style>
+      <dsp:txBody>
+        <a:bodyPr spcFirstLastPara="0" vert="horz" wrap="square" lIns="160020" tIns="160020" rIns="160020" bIns="160020" numCol="1" spcCol="1270" anchor="ctr" anchorCtr="0">
+          <a:noAutofit/>
+        </a:bodyPr>
+        <a:lstStyle/>
+        <a:p>
+          <a:pPr marL="0" lvl="0" indent="0" algn="l" defTabSz="1866900">
+            <a:lnSpc>
+              <a:spcPct val="90000"/>
+            </a:lnSpc>
+            <a:spcBef>
+              <a:spcPct val="0"/>
+            </a:spcBef>
+            <a:spcAft>
+              <a:spcPct val="35000"/>
+            </a:spcAft>
+            <a:buNone/>
+          </a:pPr>
+          <a:r>
+            <a:rPr kumimoji="1" lang="ja-JP" altLang="en-US" sz="4200" kern="1200" dirty="0"/>
+            <a:t>文字</a:t>
+          </a:r>
+        </a:p>
+      </dsp:txBody>
+      <dsp:txXfrm>
+        <a:off x="1229511" y="3684046"/>
+        <a:ext cx="2873610" cy="1161519"/>
+      </dsp:txXfrm>
+    </dsp:sp>
+  </dsp:spTree>
+</dsp:drawing>
+</file>
+
+<file path=ppt/diagrams/layout1.xml><?xml version="1.0" encoding="utf-8"?>
+<dgm:layoutDef xmlns:dgm="http://schemas.openxmlformats.org/drawingml/2006/diagram" xmlns:a="http://schemas.openxmlformats.org/drawingml/2006/main" uniqueId="urn:microsoft.com/office/officeart/2005/8/layout/process2">
+  <dgm:title val=""/>
+  <dgm:desc val=""/>
+  <dgm:catLst>
+    <dgm:cat type="process" pri="13000"/>
+  </dgm:catLst>
+  <dgm:sampData useDef="1">
+    <dgm:dataModel>
+      <dgm:ptLst/>
+      <dgm:bg/>
+      <dgm:whole/>
+    </dgm:dataModel>
+  </dgm:sampData>
+  <dgm:styleData>
+    <dgm:dataModel>
+      <dgm:ptLst>
+        <dgm:pt modelId="0" type="doc"/>
+        <dgm:pt modelId="1"/>
+        <dgm:pt modelId="2"/>
+      </dgm:ptLst>
+      <dgm:cxnLst>
+        <dgm:cxn modelId="3" srcId="0" destId="1" srcOrd="0" destOrd="0"/>
+        <dgm:cxn modelId="4" srcId="0" destId="2" srcOrd="1" destOrd="0"/>
+      </dgm:cxnLst>
+      <dgm:bg/>
+      <dgm:whole/>
+    </dgm:dataModel>
+  </dgm:styleData>
+  <dgm:clrData>
+    <dgm:dataModel>
+      <dgm:ptLst>
+        <dgm:pt modelId="0" type="doc"/>
+        <dgm:pt modelId="1"/>
+        <dgm:pt modelId="2"/>
+        <dgm:pt modelId="3"/>
+        <dgm:pt modelId="4"/>
+      </dgm:ptLst>
+      <dgm:cxnLst>
+        <dgm:cxn modelId="5" srcId="0" destId="1" srcOrd="0" destOrd="0"/>
+        <dgm:cxn modelId="6" srcId="0" destId="2" srcOrd="1" destOrd="0"/>
+        <dgm:cxn modelId="7" srcId="0" destId="3" srcOrd="2" destOrd="0"/>
+        <dgm:cxn modelId="8" srcId="0" destId="4" srcOrd="3" destOrd="0"/>
+      </dgm:cxnLst>
+      <dgm:bg/>
+      <dgm:whole/>
+    </dgm:dataModel>
+  </dgm:clrData>
+  <dgm:layoutNode name="linearFlow">
+    <dgm:varLst>
+      <dgm:resizeHandles val="exact"/>
+    </dgm:varLst>
+    <dgm:alg type="lin">
+      <dgm:param type="linDir" val="fromT"/>
+    </dgm:alg>
+    <dgm:shape xmlns:r="http://schemas.openxmlformats.org/officeDocument/2006/relationships" r:blip="">
+      <dgm:adjLst/>
+    </dgm:shape>
+    <dgm:presOf/>
+    <dgm:constrLst>
+      <dgm:constr type="h" for="ch" ptType="node" refType="h"/>
+      <dgm:constr type="h" for="ch" ptType="sibTrans" refType="h" refFor="ch" refPtType="node" fact="0.5"/>
+      <dgm:constr type="w" for="ch" ptType="node" op="equ"/>
+      <dgm:constr type="primFontSz" for="ch" ptType="node" op="equ" val="65"/>
+      <dgm:constr type="primFontSz" for="des" forName="connectorText" op="equ" val="55"/>
+      <dgm:constr type="primFontSz" for="des" forName="connectorText" refType="primFontSz" refFor="ch" refPtType="node" op="lte" fact="0.8"/>
+    </dgm:constrLst>
+    <dgm:ruleLst/>
+    <dgm:forEach name="nodesForEach" axis="ch" ptType="node">
+      <dgm:layoutNode name="node">
+        <dgm:varLst>
+          <dgm:bulletEnabled val="1"/>
+        </dgm:varLst>
+        <dgm:choose name="Name0">
+          <dgm:if name="Name1" axis="root des" ptType="all node" func="maxDepth" op="gt" val="1">
+            <dgm:alg type="tx">
+              <dgm:param type="parTxLTRAlign" val="l"/>
+              <dgm:param type="parTxRTLAlign" val="r"/>
+              <dgm:param type="txAnchorVertCh" val="mid"/>
+            </dgm:alg>
+          </dgm:if>
+          <dgm:else name="Name2">
+            <dgm:alg type="tx"/>
+          </dgm:else>
+        </dgm:choose>
+        <dgm:shape xmlns:r="http://schemas.openxmlformats.org/officeDocument/2006/relationships" type="roundRect" r:blip="">
+          <dgm:adjLst>
+            <dgm:adj idx="1" val="0.1"/>
+          </dgm:adjLst>
+        </dgm:shape>
+        <dgm:presOf axis="desOrSelf" ptType="node"/>
+        <dgm:constrLst>
+          <dgm:constr type="w" refType="h" fact="1.8"/>
+          <dgm:constr type="tMarg" refType="primFontSz" fact="0.3"/>
+          <dgm:constr type="bMarg" refType="primFontSz" fact="0.3"/>
+          <dgm:constr type="lMarg" refType="primFontSz" fact="0.3"/>
+          <dgm:constr type="rMarg" refType="primFontSz" fact="0.3"/>
+        </dgm:constrLst>
+        <dgm:ruleLst>
+          <dgm:rule type="primFontSz" val="18" fact="NaN" max="NaN"/>
+          <dgm:rule type="w" val="NaN" fact="4" max="NaN"/>
+          <dgm:rule type="primFontSz" val="5" fact="NaN" max="NaN"/>
+        </dgm:ruleLst>
+      </dgm:layoutNode>
+      <dgm:forEach name="sibTransForEach" axis="followSib" ptType="sibTrans" cnt="1">
+        <dgm:layoutNode name="sibTrans">
+          <dgm:alg type="conn">
+            <dgm:param type="begPts" val="auto"/>
+            <dgm:param type="endPts" val="auto"/>
+          </dgm:alg>
+          <dgm:shape xmlns:r="http://schemas.openxmlformats.org/officeDocument/2006/relationships" type="conn" r:blip="">
+            <dgm:adjLst/>
+          </dgm:shape>
+          <dgm:presOf axis="self"/>
+          <dgm:constrLst>
+            <dgm:constr type="w" refType="h" fact="0.9"/>
+            <dgm:constr type="connDist"/>
+            <dgm:constr type="wArH" refType="w" fact="0.5"/>
+            <dgm:constr type="hArH" refType="w"/>
+            <dgm:constr type="stemThick" refType="w" fact="0.6"/>
+            <dgm:constr type="begPad" refType="connDist" fact="0.125"/>
+            <dgm:constr type="endPad" refType="connDist" fact="0.125"/>
+          </dgm:constrLst>
+          <dgm:ruleLst/>
+          <dgm:layoutNode name="connectorText">
+            <dgm:alg type="tx">
+              <dgm:param type="autoTxRot" val="upr"/>
+            </dgm:alg>
+            <dgm:shape xmlns:r="http://schemas.openxmlformats.org/officeDocument/2006/relationships" type="conn" r:blip="" hideGeom="1">
+              <dgm:adjLst/>
+            </dgm:shape>
+            <dgm:presOf axis="self"/>
+            <dgm:constrLst>
+              <dgm:constr type="lMarg"/>
+              <dgm:constr type="rMarg"/>
+              <dgm:constr type="tMarg"/>
+              <dgm:constr type="bMarg"/>
+            </dgm:constrLst>
+            <dgm:ruleLst>
+              <dgm:rule type="primFontSz" val="5" fact="NaN" max="NaN"/>
+            </dgm:ruleLst>
+          </dgm:layoutNode>
+        </dgm:layoutNode>
+      </dgm:forEach>
+    </dgm:forEach>
+  </dgm:layoutNode>
+</dgm:layoutDef>
+</file>
+
+<file path=ppt/diagrams/quickStyle1.xml><?xml version="1.0" encoding="utf-8"?>
+<dgm:styleDef xmlns:dgm="http://schemas.openxmlformats.org/drawingml/2006/diagram" xmlns:a="http://schemas.openxmlformats.org/drawingml/2006/main" uniqueId="urn:microsoft.com/office/officeart/2005/8/quickstyle/simple1">
+  <dgm:title val=""/>
+  <dgm:desc val=""/>
+  <dgm:catLst>
+    <dgm:cat type="simple" pri="10100"/>
+  </dgm:catLst>
+  <dgm:scene3d>
+    <a:camera prst="orthographicFront"/>
+    <a:lightRig rig="threePt" dir="t"/>
+  </dgm:scene3d>
+  <dgm:styleLbl name="node0">
+    <dgm:scene3d>
+      <a:camera prst="orthographicFront"/>
+      <a:lightRig rig="threePt" dir="t"/>
+    </dgm:scene3d>
+    <dgm:sp3d/>
+    <dgm:txPr/>
+    <dgm:style>
+      <a:lnRef idx="2">
+        <a:scrgbClr r="0" g="0" b="0"/>
+      </a:lnRef>
+      <a:fillRef idx="1">
+        <a:scrgbClr r="0" g="0" b="0"/>
+      </a:fillRef>
+      <a:effectRef idx="0">
+        <a:scrgbClr r="0" g="0" b="0"/>
+      </a:effectRef>
+      <a:fontRef idx="minor">
+        <a:schemeClr val="lt1"/>
+      </a:fontRef>
+    </dgm:style>
+  </dgm:styleLbl>
+  <dgm:styleLbl name="lnNode1">
+    <dgm:scene3d>
+      <a:camera prst="orthographicFront"/>
+      <a:lightRig rig="threePt" dir="t"/>
+    </dgm:scene3d>
+    <dgm:sp3d/>
+    <dgm:txPr/>
+    <dgm:style>
+      <a:lnRef idx="2">
+        <a:scrgbClr r="0" g="0" b="0"/>
+      </a:lnRef>
+      <a:fillRef idx="1">
+        <a:scrgbClr r="0" g="0" b="0"/>
+      </a:fillRef>
+      <a:effectRef idx="0">
+        <a:scrgbClr r="0" g="0" b="0"/>
+      </a:effectRef>
+      <a:fontRef idx="minor">
+        <a:schemeClr val="lt1"/>
+      </a:fontRef>
+    </dgm:style>
+  </dgm:styleLbl>
+  <dgm:styleLbl name="vennNode1">
+    <dgm:scene3d>
+      <a:camera prst="orthographicFront"/>
+      <a:lightRig rig="threePt" dir="t"/>
+    </dgm:scene3d>
+    <dgm:sp3d/>
+    <dgm:txPr/>
+    <dgm:style>
+      <a:lnRef idx="2">
+        <a:scrgbClr r="0" g="0" b="0"/>
+      </a:lnRef>
+      <a:fillRef idx="1">
+        <a:scrgbClr r="0" g="0" b="0"/>
+      </a:fillRef>
+      <a:effectRef idx="0">
+        <a:scrgbClr r="0" g="0" b="0"/>
+      </a:effectRef>
+      <a:fontRef idx="minor">
+        <a:schemeClr val="tx1"/>
+      </a:fontRef>
+    </dgm:style>
+  </dgm:styleLbl>
+  <dgm:styleLbl name="alignNode1">
+    <dgm:scene3d>
+      <a:camera prst="orthographicFront"/>
+      <a:lightRig rig="threePt" dir="t"/>
+    </dgm:scene3d>
+    <dgm:sp3d/>
+    <dgm:txPr/>
+    <dgm:style>
+      <a:lnRef idx="2">
+        <a:scrgbClr r="0" g="0" b="0"/>
+      </a:lnRef>
+      <a:fillRef idx="1">
+        <a:scrgbClr r="0" g="0" b="0"/>
+      </a:fillRef>
+      <a:effectRef idx="0">
+        <a:scrgbClr r="0" g="0" b="0"/>
+      </a:effectRef>
+      <a:fontRef idx="minor">
+        <a:schemeClr val="lt1"/>
+      </a:fontRef>
+    </dgm:style>
+  </dgm:styleLbl>
+  <dgm:styleLbl name="node1">
+    <dgm:scene3d>
+      <a:camera prst="orthographicFront"/>
+      <a:lightRig rig="threePt" dir="t"/>
+    </dgm:scene3d>
+    <dgm:sp3d/>
+    <dgm:txPr/>
+    <dgm:style>
+      <a:lnRef idx="2">
+        <a:scrgbClr r="0" g="0" b="0"/>
+      </a:lnRef>
+      <a:fillRef idx="1">
+        <a:scrgbClr r="0" g="0" b="0"/>
+      </a:fillRef>
+      <a:effectRef idx="0">
+        <a:scrgbClr r="0" g="0" b="0"/>
+      </a:effectRef>
+      <a:fontRef idx="minor">
+        <a:schemeClr val="lt1"/>
+      </a:fontRef>
+    </dgm:style>
+  </dgm:styleLbl>
+  <dgm:styleLbl name="node2">
+    <dgm:scene3d>
+      <a:camera prst="orthographicFront"/>
+      <a:lightRig rig="threePt" dir="t"/>
+    </dgm:scene3d>
+    <dgm:sp3d/>
+    <dgm:txPr/>
+    <dgm:style>
+      <a:lnRef idx="2">
+        <a:scrgbClr r="0" g="0" b="0"/>
+      </a:lnRef>
+      <a:fillRef idx="1">
+        <a:scrgbClr r="0" g="0" b="0"/>
+      </a:fillRef>
+      <a:effectRef idx="0">
+        <a:scrgbClr r="0" g="0" b="0"/>
+      </a:effectRef>
+      <a:fontRef idx="minor">
+        <a:schemeClr val="lt1"/>
+      </a:fontRef>
+    </dgm:style>
+  </dgm:styleLbl>
+  <dgm:styleLbl name="node3">
+    <dgm:scene3d>
+      <a:camera prst="orthographicFront"/>
+      <a:lightRig rig="threePt" dir="t"/>
+    </dgm:scene3d>
+    <dgm:sp3d/>
+    <dgm:txPr/>
+    <dgm:style>
+      <a:lnRef idx="2">
+        <a:scrgbClr r="0" g="0" b="0"/>
+      </a:lnRef>
+      <a:fillRef idx="1">
+        <a:scrgbClr r="0" g="0" b="0"/>
+      </a:fillRef>
+      <a:effectRef idx="0">
+        <a:scrgbClr r="0" g="0" b="0"/>
+      </a:effectRef>
+      <a:fontRef idx="minor">
+        <a:schemeClr val="lt1"/>
+      </a:fontRef>
+    </dgm:style>
+  </dgm:styleLbl>
+  <dgm:styleLbl name="node4">
+    <dgm:scene3d>
+      <a:camera prst="orthographicFront"/>
+      <a:lightRig rig="threePt" dir="t"/>
+    </dgm:scene3d>
+    <dgm:sp3d/>
+    <dgm:txPr/>
+    <dgm:style>
+      <a:lnRef idx="2">
+        <a:scrgbClr r="0" g="0" b="0"/>
+      </a:lnRef>
+      <a:fillRef idx="1">
+        <a:scrgbClr r="0" g="0" b="0"/>
+      </a:fillRef>
+      <a:effectRef idx="0">
+        <a:scrgbClr r="0" g="0" b="0"/>
+      </a:effectRef>
+      <a:fontRef idx="minor">
+        <a:schemeClr val="lt1"/>
+      </a:fontRef>
+    </dgm:style>
+  </dgm:styleLbl>
+  <dgm:styleLbl name="fgImgPlace1">
+    <dgm:scene3d>
+      <a:camera prst="orthographicFront"/>
+      <a:lightRig rig="threePt" dir="t"/>
+    </dgm:scene3d>
+    <dgm:sp3d/>
+    <dgm:txPr/>
+    <dgm:style>
+      <a:lnRef idx="2">
+        <a:scrgbClr r="0" g="0" b="0"/>
+      </a:lnRef>
+      <a:fillRef idx="1">
+        <a:scrgbClr r="0" g="0" b="0"/>
+      </a:fillRef>
+      <a:effectRef idx="0">
+        <a:scrgbClr r="0" g="0" b="0"/>
+      </a:effectRef>
+      <a:fontRef idx="minor"/>
+    </dgm:style>
+  </dgm:styleLbl>
+  <dgm:styleLbl name="alignImgPlace1">
+    <dgm:scene3d>
+      <a:camera prst="orthographicFront"/>
+      <a:lightRig rig="threePt" dir="t"/>
+    </dgm:scene3d>
+    <dgm:sp3d/>
+    <dgm:txPr/>
+    <dgm:style>
+      <a:lnRef idx="2">
+        <a:scrgbClr r="0" g="0" b="0"/>
+      </a:lnRef>
+      <a:fillRef idx="1">
+        <a:scrgbClr r="0" g="0" b="0"/>
+      </a:fillRef>
+      <a:effectRef idx="0">
+        <a:scrgbClr r="0" g="0" b="0"/>
+      </a:effectRef>
+      <a:fontRef idx="minor"/>
+    </dgm:style>
+  </dgm:styleLbl>
+  <dgm:styleLbl name="bgImgPlace1">
+    <dgm:scene3d>
+      <a:camera prst="orthographicFront"/>
+      <a:lightRig rig="threePt" dir="t"/>
+    </dgm:scene3d>
+    <dgm:sp3d/>
+    <dgm:txPr/>
+    <dgm:style>
+      <a:lnRef idx="2">
+        <a:scrgbClr r="0" g="0" b="0"/>
+      </a:lnRef>
+      <a:fillRef idx="1">
+        <a:scrgbClr r="0" g="0" b="0"/>
+      </a:fillRef>
+      <a:effectRef idx="0">
+        <a:scrgbClr r="0" g="0" b="0"/>
+      </a:effectRef>
+      <a:fontRef idx="minor"/>
+    </dgm:style>
+  </dgm:styleLbl>
+  <dgm:styleLbl name="sibTrans2D1">
+    <dgm:scene3d>
+      <a:camera prst="orthographicFront"/>
+      <a:lightRig rig="threePt" dir="t"/>
+    </dgm:scene3d>
+    <dgm:sp3d/>
+    <dgm:txPr/>
+    <dgm:style>
+      <a:lnRef idx="0">
+        <a:scrgbClr r="0" g="0" b="0"/>
+      </a:lnRef>
+      <a:fillRef idx="1">
+        <a:scrgbClr r="0" g="0" b="0"/>
+      </a:fillRef>
+      <a:effectRef idx="0">
+        <a:scrgbClr r="0" g="0" b="0"/>
+      </a:effectRef>
+      <a:fontRef idx="minor">
+        <a:schemeClr val="lt1"/>
+      </a:fontRef>
+    </dgm:style>
+  </dgm:styleLbl>
+  <dgm:styleLbl name="fgSibTrans2D1">
+    <dgm:scene3d>
+      <a:camera prst="orthographicFront"/>
+      <a:lightRig rig="threePt" dir="t"/>
+    </dgm:scene3d>
+    <dgm:sp3d/>
+    <dgm:txPr/>
+    <dgm:style>
+      <a:lnRef idx="0">
+        <a:scrgbClr r="0" g="0" b="0"/>
+      </a:lnRef>
+      <a:fillRef idx="1">
+        <a:scrgbClr r="0" g="0" b="0"/>
+      </a:fillRef>
+      <a:effectRef idx="0">
+        <a:scrgbClr r="0" g="0" b="0"/>
+      </a:effectRef>
+      <a:fontRef idx="minor">
+        <a:schemeClr val="lt1"/>
+      </a:fontRef>
+    </dgm:style>
+  </dgm:styleLbl>
+  <dgm:styleLbl name="bgSibTrans2D1">
+    <dgm:scene3d>
+      <a:camera prst="orthographicFront"/>
+      <a:lightRig rig="threePt" dir="t"/>
+    </dgm:scene3d>
+    <dgm:sp3d/>
+    <dgm:txPr/>
+    <dgm:style>
+      <a:lnRef idx="0">
+        <a:scrgbClr r="0" g="0" b="0"/>
+      </a:lnRef>
+      <a:fillRef idx="1">
+        <a:scrgbClr r="0" g="0" b="0"/>
+      </a:fillRef>
+      <a:effectRef idx="0">
+        <a:scrgbClr r="0" g="0" b="0"/>
+      </a:effectRef>
+      <a:fontRef idx="minor">
+        <a:schemeClr val="lt1"/>
+      </a:fontRef>
+    </dgm:style>
+  </dgm:styleLbl>
+  <dgm:styleLbl name="sibTrans1D1">
+    <dgm:scene3d>
+      <a:camera prst="orthographicFront"/>
+      <a:lightRig rig="threePt" dir="t"/>
+    </dgm:scene3d>
+    <dgm:sp3d/>
+    <dgm:txPr/>
+    <dgm:style>
+      <a:lnRef idx="1">
+        <a:scrgbClr r="0" g="0" b="0"/>
+      </a:lnRef>
+      <a:fillRef idx="0">
+        <a:scrgbClr r="0" g="0" b="0"/>
+      </a:fillRef>
+      <a:effectRef idx="0">
+        <a:scrgbClr r="0" g="0" b="0"/>
+      </a:effectRef>
+      <a:fontRef idx="minor"/>
+    </dgm:style>
+  </dgm:styleLbl>
+  <dgm:styleLbl name="callout">
+    <dgm:scene3d>
+      <a:camera prst="orthographicFront"/>
+      <a:lightRig rig="threePt" dir="t"/>
+    </dgm:scene3d>
+    <dgm:sp3d/>
+    <dgm:txPr/>
+    <dgm:style>
+      <a:lnRef idx="2">
+        <a:scrgbClr r="0" g="0" b="0"/>
+      </a:lnRef>
+      <a:fillRef idx="1">
+        <a:scrgbClr r="0" g="0" b="0"/>
+      </a:fillRef>
+      <a:effectRef idx="0">
+        <a:scrgbClr r="0" g="0" b="0"/>
+      </a:effectRef>
+      <a:fontRef idx="minor"/>
+    </dgm:style>
+  </dgm:styleLbl>
+  <dgm:styleLbl name="asst0">
+    <dgm:scene3d>
+      <a:camera prst="orthographicFront"/>
+      <a:lightRig rig="threePt" dir="t"/>
+    </dgm:scene3d>
+    <dgm:sp3d/>
+    <dgm:txPr/>
+    <dgm:style>
+      <a:lnRef idx="2">
+        <a:scrgbClr r="0" g="0" b="0"/>
+      </a:lnRef>
+      <a:fillRef idx="1">
+        <a:scrgbClr r="0" g="0" b="0"/>
+      </a:fillRef>
+      <a:effectRef idx="0">
+        <a:scrgbClr r="0" g="0" b="0"/>
+      </a:effectRef>
+      <a:fontRef idx="minor">
+        <a:schemeClr val="lt1"/>
+      </a:fontRef>
+    </dgm:style>
+  </dgm:styleLbl>
+  <dgm:styleLbl name="asst1">
+    <dgm:scene3d>
+      <a:camera prst="orthographicFront"/>
+      <a:lightRig rig="threePt" dir="t"/>
+    </dgm:scene3d>
+    <dgm:sp3d/>
+    <dgm:txPr/>
+    <dgm:style>
+      <a:lnRef idx="2">
+        <a:scrgbClr r="0" g="0" b="0"/>
+      </a:lnRef>
+      <a:fillRef idx="1">
+        <a:scrgbClr r="0" g="0" b="0"/>
+      </a:fillRef>
+      <a:effectRef idx="0">
+        <a:scrgbClr r="0" g="0" b="0"/>
+      </a:effectRef>
+      <a:fontRef idx="minor">
+        <a:schemeClr val="lt1"/>
+      </a:fontRef>
+    </dgm:style>
+  </dgm:styleLbl>
+  <dgm:styleLbl name="asst2">
+    <dgm:scene3d>
+      <a:camera prst="orthographicFront"/>
+      <a:lightRig rig="threePt" dir="t"/>
+    </dgm:scene3d>
+    <dgm:sp3d/>
+    <dgm:txPr/>
+    <dgm:style>
+      <a:lnRef idx="2">
+        <a:scrgbClr r="0" g="0" b="0"/>
+      </a:lnRef>
+      <a:fillRef idx="1">
+        <a:scrgbClr r="0" g="0" b="0"/>
+      </a:fillRef>
+      <a:effectRef idx="0">
+        <a:scrgbClr r="0" g="0" b="0"/>
+      </a:effectRef>
+      <a:fontRef idx="minor">
+        <a:schemeClr val="lt1"/>
+      </a:fontRef>
+    </dgm:style>
+  </dgm:styleLbl>
+  <dgm:styleLbl name="asst3">
+    <dgm:scene3d>
+      <a:camera prst="orthographicFront"/>
+      <a:lightRig rig="threePt" dir="t"/>
+    </dgm:scene3d>
+    <dgm:sp3d/>
+    <dgm:txPr/>
+    <dgm:style>
+      <a:lnRef idx="2">
+        <a:scrgbClr r="0" g="0" b="0"/>
+      </a:lnRef>
+      <a:fillRef idx="1">
+        <a:scrgbClr r="0" g="0" b="0"/>
+      </a:fillRef>
+      <a:effectRef idx="0">
+        <a:scrgbClr r="0" g="0" b="0"/>
+      </a:effectRef>
+      <a:fontRef idx="minor">
+        <a:schemeClr val="lt1"/>
+      </a:fontRef>
+    </dgm:style>
+  </dgm:styleLbl>
+  <dgm:styleLbl name="asst4">
+    <dgm:scene3d>
+      <a:camera prst="orthographicFront"/>
+      <a:lightRig rig="threePt" dir="t"/>
+    </dgm:scene3d>
+    <dgm:sp3d/>
+    <dgm:txPr/>
+    <dgm:style>
+      <a:lnRef idx="2">
+        <a:scrgbClr r="0" g="0" b="0"/>
+      </a:lnRef>
+      <a:fillRef idx="1">
+        <a:scrgbClr r="0" g="0" b="0"/>
+      </a:fillRef>
+      <a:effectRef idx="0">
+        <a:scrgbClr r="0" g="0" b="0"/>
+      </a:effectRef>
+      <a:fontRef idx="minor">
+        <a:schemeClr val="lt1"/>
+      </a:fontRef>
+    </dgm:style>
+  </dgm:styleLbl>
+  <dgm:styleLbl name="parChTrans2D1">
+    <dgm:scene3d>
+      <a:camera prst="orthographicFront"/>
+      <a:lightRig rig="threePt" dir="t"/>
+    </dgm:scene3d>
+    <dgm:sp3d/>
+    <dgm:txPr/>
+    <dgm:style>
+      <a:lnRef idx="2">
+        <a:scrgbClr r="0" g="0" b="0"/>
+      </a:lnRef>
+      <a:fillRef idx="1">
+        <a:scrgbClr r="0" g="0" b="0"/>
+      </a:fillRef>
+      <a:effectRef idx="0">
+        <a:scrgbClr r="0" g="0" b="0"/>
+      </a:effectRef>
+      <a:fontRef idx="minor">
+        <a:schemeClr val="lt1"/>
+      </a:fontRef>
+    </dgm:style>
+  </dgm:styleLbl>
+  <dgm:styleLbl name="parChTrans2D2">
+    <dgm:scene3d>
+      <a:camera prst="orthographicFront"/>
+      <a:lightRig rig="threePt" dir="t"/>
+    </dgm:scene3d>
+    <dgm:sp3d/>
+    <dgm:txPr/>
+    <dgm:style>
+      <a:lnRef idx="2">
+        <a:scrgbClr r="0" g="0" b="0"/>
+      </a:lnRef>
+      <a:fillRef idx="1">
+        <a:scrgbClr r="0" g="0" b="0"/>
+      </a:fillRef>
+      <a:effectRef idx="0">
+        <a:scrgbClr r="0" g="0" b="0"/>
+      </a:effectRef>
+      <a:fontRef idx="minor">
+        <a:schemeClr val="lt1"/>
+      </a:fontRef>
+    </dgm:style>
+  </dgm:styleLbl>
+  <dgm:styleLbl name="parChTrans2D3">
+    <dgm:scene3d>
+      <a:camera prst="orthographicFront"/>
+      <a:lightRig rig="threePt" dir="t"/>
+    </dgm:scene3d>
+    <dgm:sp3d/>
+    <dgm:txPr/>
+    <dgm:style>
+      <a:lnRef idx="2">
+        <a:scrgbClr r="0" g="0" b="0"/>
+      </a:lnRef>
+      <a:fillRef idx="1">
+        <a:scrgbClr r="0" g="0" b="0"/>
+      </a:fillRef>
+      <a:effectRef idx="0">
+        <a:scrgbClr r="0" g="0" b="0"/>
+      </a:effectRef>
+      <a:fontRef idx="minor">
+        <a:schemeClr val="lt1"/>
+      </a:fontRef>
+    </dgm:style>
+  </dgm:styleLbl>
+  <dgm:styleLbl name="parChTrans2D4">
+    <dgm:scene3d>
+      <a:camera prst="orthographicFront"/>
+      <a:lightRig rig="threePt" dir="t"/>
+    </dgm:scene3d>
+    <dgm:sp3d/>
+    <dgm:txPr/>
+    <dgm:style>
+      <a:lnRef idx="2">
+        <a:scrgbClr r="0" g="0" b="0"/>
+      </a:lnRef>
+      <a:fillRef idx="1">
+        <a:scrgbClr r="0" g="0" b="0"/>
+      </a:fillRef>
+      <a:effectRef idx="0">
+        <a:scrgbClr r="0" g="0" b="0"/>
+      </a:effectRef>
+      <a:fontRef idx="minor">
+        <a:schemeClr val="lt1"/>
+      </a:fontRef>
+    </dgm:style>
+  </dgm:styleLbl>
+  <dgm:styleLbl name="parChTrans1D1">
+    <dgm:scene3d>
+      <a:camera prst="orthographicFront"/>
+      <a:lightRig rig="threePt" dir="t"/>
+    </dgm:scene3d>
+    <dgm:sp3d/>
+    <dgm:txPr/>
+    <dgm:style>
+      <a:lnRef idx="2">
+        <a:scrgbClr r="0" g="0" b="0"/>
+      </a:lnRef>
+      <a:fillRef idx="0">
+        <a:scrgbClr r="0" g="0" b="0"/>
+      </a:fillRef>
+      <a:effectRef idx="0">
+        <a:scrgbClr r="0" g="0" b="0"/>
+      </a:effectRef>
+      <a:fontRef idx="minor"/>
+    </dgm:style>
+  </dgm:styleLbl>
+  <dgm:styleLbl name="parChTrans1D2">
+    <dgm:scene3d>
+      <a:camera prst="orthographicFront"/>
+      <a:lightRig rig="threePt" dir="t"/>
+    </dgm:scene3d>
+    <dgm:sp3d/>
+    <dgm:txPr/>
+    <dgm:style>
+      <a:lnRef idx="2">
+        <a:scrgbClr r="0" g="0" b="0"/>
+      </a:lnRef>
+      <a:fillRef idx="0">
+        <a:scrgbClr r="0" g="0" b="0"/>
+      </a:fillRef>
+      <a:effectRef idx="0">
+        <a:scrgbClr r="0" g="0" b="0"/>
+      </a:effectRef>
+      <a:fontRef idx="minor"/>
+    </dgm:style>
+  </dgm:styleLbl>
+  <dgm:styleLbl name="parChTrans1D3">
+    <dgm:scene3d>
+      <a:camera prst="orthographicFront"/>
+      <a:lightRig rig="threePt" dir="t"/>
+    </dgm:scene3d>
+    <dgm:sp3d/>
+    <dgm:txPr/>
+    <dgm:style>
+      <a:lnRef idx="2">
+        <a:scrgbClr r="0" g="0" b="0"/>
+      </a:lnRef>
+      <a:fillRef idx="0">
+        <a:scrgbClr r="0" g="0" b="0"/>
+      </a:fillRef>
+      <a:effectRef idx="0">
+        <a:scrgbClr r="0" g="0" b="0"/>
+      </a:effectRef>
+      <a:fontRef idx="minor"/>
+    </dgm:style>
+  </dgm:styleLbl>
+  <dgm:styleLbl name="parChTrans1D4">
+    <dgm:scene3d>
+      <a:camera prst="orthographicFront"/>
+      <a:lightRig rig="threePt" dir="t"/>
+    </dgm:scene3d>
+    <dgm:sp3d/>
+    <dgm:txPr/>
+    <dgm:style>
+      <a:lnRef idx="2">
+        <a:scrgbClr r="0" g="0" b="0"/>
+      </a:lnRef>
+      <a:fillRef idx="0">
+        <a:scrgbClr r="0" g="0" b="0"/>
+      </a:fillRef>
+      <a:effectRef idx="0">
+        <a:scrgbClr r="0" g="0" b="0"/>
+      </a:effectRef>
+      <a:fontRef idx="minor"/>
+    </dgm:style>
+  </dgm:styleLbl>
+  <dgm:styleLbl name="fgAcc1">
+    <dgm:scene3d>
+      <a:camera prst="orthographicFront"/>
+      <a:lightRig rig="threePt" dir="t"/>
+    </dgm:scene3d>
+    <dgm:sp3d/>
+    <dgm:txPr/>
+    <dgm:style>
+      <a:lnRef idx="2">
+        <a:scrgbClr r="0" g="0" b="0"/>
+      </a:lnRef>
+      <a:fillRef idx="1">
+        <a:scrgbClr r="0" g="0" b="0"/>
+      </a:fillRef>
+      <a:effectRef idx="0">
+        <a:scrgbClr r="0" g="0" b="0"/>
+      </a:effectRef>
+      <a:fontRef idx="minor"/>
+    </dgm:style>
+  </dgm:styleLbl>
+  <dgm:styleLbl name="conFgAcc1">
+    <dgm:scene3d>
+      <a:camera prst="orthographicFront"/>
+      <a:lightRig rig="threePt" dir="t"/>
+    </dgm:scene3d>
+    <dgm:sp3d/>
+    <dgm:txPr/>
+    <dgm:style>
+      <a:lnRef idx="2">
+        <a:scrgbClr r="0" g="0" b="0"/>
+      </a:lnRef>
+      <a:fillRef idx="1">
+        <a:scrgbClr r="0" g="0" b="0"/>
+      </a:fillRef>
+      <a:effectRef idx="0">
+        <a:scrgbClr r="0" g="0" b="0"/>
+      </a:effectRef>
+      <a:fontRef idx="minor"/>
+    </dgm:style>
+  </dgm:styleLbl>
+  <dgm:styleLbl name="alignAcc1">
+    <dgm:scene3d>
+      <a:camera prst="orthographicFront"/>
+      <a:lightRig rig="threePt" dir="t"/>
+    </dgm:scene3d>
+    <dgm:sp3d/>
+    <dgm:txPr/>
+    <dgm:style>
+      <a:lnRef idx="2">
+        <a:scrgbClr r="0" g="0" b="0"/>
+      </a:lnRef>
+      <a:fillRef idx="1">
+        <a:scrgbClr r="0" g="0" b="0"/>
+      </a:fillRef>
+      <a:effectRef idx="0">
+        <a:scrgbClr r="0" g="0" b="0"/>
+      </a:effectRef>
+      <a:fontRef idx="minor"/>
+    </dgm:style>
+  </dgm:styleLbl>
+  <dgm:styleLbl name="trAlignAcc1">
+    <dgm:scene3d>
+      <a:camera prst="orthographicFront"/>
+      <a:lightRig rig="threePt" dir="t"/>
+    </dgm:scene3d>
+    <dgm:sp3d/>
+    <dgm:txPr/>
+    <dgm:style>
+      <a:lnRef idx="1">
+        <a:scrgbClr r="0" g="0" b="0"/>
+      </a:lnRef>
+      <a:fillRef idx="1">
+        <a:scrgbClr r="0" g="0" b="0"/>
+      </a:fillRef>
+      <a:effectRef idx="0">
+        <a:scrgbClr r="0" g="0" b="0"/>
+      </a:effectRef>
+      <a:fontRef idx="minor"/>
+    </dgm:style>
+  </dgm:styleLbl>
+  <dgm:styleLbl name="bgAcc1">
+    <dgm:scene3d>
+      <a:camera prst="orthographicFront"/>
+      <a:lightRig rig="threePt" dir="t"/>
+    </dgm:scene3d>
+    <dgm:sp3d/>
+    <dgm:txPr/>
+    <dgm:style>
+      <a:lnRef idx="2">
+        <a:scrgbClr r="0" g="0" b="0"/>
+      </a:lnRef>
+      <a:fillRef idx="1">
+        <a:scrgbClr r="0" g="0" b="0"/>
+      </a:fillRef>
+      <a:effectRef idx="0">
+        <a:scrgbClr r="0" g="0" b="0"/>
+      </a:effectRef>
+      <a:fontRef idx="minor"/>
+    </dgm:style>
+  </dgm:styleLbl>
+  <dgm:styleLbl name="solidFgAcc1">
+    <dgm:scene3d>
+      <a:camera prst="orthographicFront"/>
+      <a:lightRig rig="threePt" dir="t"/>
+    </dgm:scene3d>
+    <dgm:sp3d/>
+    <dgm:txPr/>
+    <dgm:style>
+      <a:lnRef idx="2">
+        <a:scrgbClr r="0" g="0" b="0"/>
+      </a:lnRef>
+      <a:fillRef idx="1">
+        <a:scrgbClr r="0" g="0" b="0"/>
+      </a:fillRef>
+      <a:effectRef idx="0">
+        <a:scrgbClr r="0" g="0" b="0"/>
+      </a:effectRef>
+      <a:fontRef idx="minor"/>
+    </dgm:style>
+  </dgm:styleLbl>
+  <dgm:styleLbl name="solidAlignAcc1">
+    <dgm:scene3d>
+      <a:camera prst="orthographicFront"/>
+      <a:lightRig rig="threePt" dir="t"/>
+    </dgm:scene3d>
+    <dgm:sp3d/>
+    <dgm:txPr/>
+    <dgm:style>
+      <a:lnRef idx="2">
+        <a:scrgbClr r="0" g="0" b="0"/>
+      </a:lnRef>
+      <a:fillRef idx="1">
+        <a:scrgbClr r="0" g="0" b="0"/>
+      </a:fillRef>
+      <a:effectRef idx="0">
+        <a:scrgbClr r="0" g="0" b="0"/>
+      </a:effectRef>
+      <a:fontRef idx="minor"/>
+    </dgm:style>
+  </dgm:styleLbl>
+  <dgm:styleLbl name="solidBgAcc1">
+    <dgm:scene3d>
+      <a:camera prst="orthographicFront"/>
+      <a:lightRig rig="threePt" dir="t"/>
+    </dgm:scene3d>
+    <dgm:sp3d/>
+    <dgm:txPr/>
+    <dgm:style>
+      <a:lnRef idx="2">
+        <a:scrgbClr r="0" g="0" b="0"/>
+      </a:lnRef>
+      <a:fillRef idx="1">
+        <a:scrgbClr r="0" g="0" b="0"/>
+      </a:fillRef>
+      <a:effectRef idx="0">
+        <a:scrgbClr r="0" g="0" b="0"/>
+      </a:effectRef>
+      <a:fontRef idx="minor"/>
+    </dgm:style>
+  </dgm:styleLbl>
+  <dgm:styleLbl name="fgAccFollowNode1">
+    <dgm:scene3d>
+      <a:camera prst="orthographicFront"/>
+      <a:lightRig rig="threePt" dir="t"/>
+    </dgm:scene3d>
+    <dgm:sp3d/>
+    <dgm:txPr/>
+    <dgm:style>
+      <a:lnRef idx="2">
+        <a:scrgbClr r="0" g="0" b="0"/>
+      </a:lnRef>
+      <a:fillRef idx="1">
+        <a:scrgbClr r="0" g="0" b="0"/>
+      </a:fillRef>
+      <a:effectRef idx="0">
+        <a:scrgbClr r="0" g="0" b="0"/>
+      </a:effectRef>
+      <a:fontRef idx="minor"/>
+    </dgm:style>
+  </dgm:styleLbl>
+  <dgm:styleLbl name="alignAccFollowNode1">
+    <dgm:scene3d>
+      <a:camera prst="orthographicFront"/>
+      <a:lightRig rig="threePt" dir="t"/>
+    </dgm:scene3d>
+    <dgm:sp3d/>
+    <dgm:txPr/>
+    <dgm:style>
+      <a:lnRef idx="2">
+        <a:scrgbClr r="0" g="0" b="0"/>
+      </a:lnRef>
+      <a:fillRef idx="1">
+        <a:scrgbClr r="0" g="0" b="0"/>
+      </a:fillRef>
+      <a:effectRef idx="0">
+        <a:scrgbClr r="0" g="0" b="0"/>
+      </a:effectRef>
+      <a:fontRef idx="minor"/>
+    </dgm:style>
+  </dgm:styleLbl>
+  <dgm:styleLbl name="bgAccFollowNode1">
+    <dgm:scene3d>
+      <a:camera prst="orthographicFront"/>
+      <a:lightRig rig="threePt" dir="t"/>
+    </dgm:scene3d>
+    <dgm:sp3d/>
+    <dgm:txPr/>
+    <dgm:style>
+      <a:lnRef idx="2">
+        <a:scrgbClr r="0" g="0" b="0"/>
+      </a:lnRef>
+      <a:fillRef idx="1">
+        <a:scrgbClr r="0" g="0" b="0"/>
+      </a:fillRef>
+      <a:effectRef idx="0">
+        <a:scrgbClr r="0" g="0" b="0"/>
+      </a:effectRef>
+      <a:fontRef idx="minor"/>
+    </dgm:style>
+  </dgm:styleLbl>
+  <dgm:styleLbl name="fgAcc0">
+    <dgm:scene3d>
+      <a:camera prst="orthographicFront"/>
+      <a:lightRig rig="threePt" dir="t"/>
+    </dgm:scene3d>
+    <dgm:sp3d/>
+    <dgm:txPr/>
+    <dgm:style>
+      <a:lnRef idx="2">
+        <a:scrgbClr r="0" g="0" b="0"/>
+      </a:lnRef>
+      <a:fillRef idx="1">
+        <a:scrgbClr r="0" g="0" b="0"/>
+      </a:fillRef>
+      <a:effectRef idx="0">
+        <a:scrgbClr r="0" g="0" b="0"/>
+      </a:effectRef>
+      <a:fontRef idx="minor"/>
+    </dgm:style>
+  </dgm:styleLbl>
+  <dgm:styleLbl name="fgAcc2">
+    <dgm:scene3d>
+      <a:camera prst="orthographicFront"/>
+      <a:lightRig rig="threePt" dir="t"/>
+    </dgm:scene3d>
+    <dgm:sp3d/>
+    <dgm:txPr/>
+    <dgm:style>
+      <a:lnRef idx="2">
+        <a:scrgbClr r="0" g="0" b="0"/>
+      </a:lnRef>
+      <a:fillRef idx="1">
+        <a:scrgbClr r="0" g="0" b="0"/>
+      </a:fillRef>
+      <a:effectRef idx="0">
+        <a:scrgbClr r="0" g="0" b="0"/>
+      </a:effectRef>
+      <a:fontRef idx="minor"/>
+    </dgm:style>
+  </dgm:styleLbl>
+  <dgm:styleLbl name="fgAcc3">
+    <dgm:scene3d>
+      <a:camera prst="orthographicFront"/>
+      <a:lightRig rig="threePt" dir="t"/>
+    </dgm:scene3d>
+    <dgm:sp3d/>
+    <dgm:txPr/>
+    <dgm:style>
+      <a:lnRef idx="2">
+        <a:scrgbClr r="0" g="0" b="0"/>
+      </a:lnRef>
+      <a:fillRef idx="1">
+        <a:scrgbClr r="0" g="0" b="0"/>
+      </a:fillRef>
+      <a:effectRef idx="0">
+        <a:scrgbClr r="0" g="0" b="0"/>
+      </a:effectRef>
+      <a:fontRef idx="minor"/>
+    </dgm:style>
+  </dgm:styleLbl>
+  <dgm:styleLbl name="fgAcc4">
+    <dgm:scene3d>
+      <a:camera prst="orthographicFront"/>
+      <a:lightRig rig="threePt" dir="t"/>
+    </dgm:scene3d>
+    <dgm:sp3d/>
+    <dgm:txPr/>
+    <dgm:style>
+      <a:lnRef idx="2">
+        <a:scrgbClr r="0" g="0" b="0"/>
+      </a:lnRef>
+      <a:fillRef idx="1">
+        <a:scrgbClr r="0" g="0" b="0"/>
+      </a:fillRef>
+      <a:effectRef idx="0">
+        <a:scrgbClr r="0" g="0" b="0"/>
+      </a:effectRef>
+      <a:fontRef idx="minor"/>
+    </dgm:style>
+  </dgm:styleLbl>
+  <dgm:styleLbl name="bgShp">
+    <dgm:scene3d>
+      <a:camera prst="orthographicFront"/>
+      <a:lightRig rig="threePt" dir="t"/>
+    </dgm:scene3d>
+    <dgm:sp3d/>
+    <dgm:txPr/>
+    <dgm:style>
+      <a:lnRef idx="0">
+        <a:scrgbClr r="0" g="0" b="0"/>
+      </a:lnRef>
+      <a:fillRef idx="1">
+        <a:scrgbClr r="0" g="0" b="0"/>
+      </a:fillRef>
+      <a:effectRef idx="0">
+        <a:scrgbClr r="0" g="0" b="0"/>
+      </a:effectRef>
+      <a:fontRef idx="minor"/>
+    </dgm:style>
+  </dgm:styleLbl>
+  <dgm:styleLbl name="dkBgShp">
+    <dgm:scene3d>
+      <a:camera prst="orthographicFront"/>
+      <a:lightRig rig="threePt" dir="t"/>
+    </dgm:scene3d>
+    <dgm:sp3d/>
+    <dgm:txPr/>
+    <dgm:style>
+      <a:lnRef idx="0">
+        <a:scrgbClr r="0" g="0" b="0"/>
+      </a:lnRef>
+      <a:fillRef idx="1">
+        <a:scrgbClr r="0" g="0" b="0"/>
+      </a:fillRef>
+      <a:effectRef idx="0">
+        <a:scrgbClr r="0" g="0" b="0"/>
+      </a:effectRef>
+      <a:fontRef idx="minor"/>
+    </dgm:style>
+  </dgm:styleLbl>
+  <dgm:styleLbl name="trBgShp">
+    <dgm:scene3d>
+      <a:camera prst="orthographicFront"/>
+      <a:lightRig rig="threePt" dir="t"/>
+    </dgm:scene3d>
+    <dgm:sp3d/>
+    <dgm:txPr/>
+    <dgm:style>
+      <a:lnRef idx="0">
+        <a:scrgbClr r="0" g="0" b="0"/>
+      </a:lnRef>
+      <a:fillRef idx="1">
+        <a:scrgbClr r="0" g="0" b="0"/>
+      </a:fillRef>
+      <a:effectRef idx="0">
+        <a:scrgbClr r="0" g="0" b="0"/>
+      </a:effectRef>
+      <a:fontRef idx="minor"/>
+    </dgm:style>
+  </dgm:styleLbl>
+  <dgm:styleLbl name="fgShp">
+    <dgm:scene3d>
+      <a:camera prst="orthographicFront"/>
+      <a:lightRig rig="threePt" dir="t"/>
+    </dgm:scene3d>
+    <dgm:sp3d/>
+    <dgm:txPr/>
+    <dgm:style>
+      <a:lnRef idx="2">
+        <a:scrgbClr r="0" g="0" b="0"/>
+      </a:lnRef>
+      <a:fillRef idx="1">
+        <a:scrgbClr r="0" g="0" b="0"/>
+      </a:fillRef>
+      <a:effectRef idx="0">
+        <a:scrgbClr r="0" g="0" b="0"/>
+      </a:effectRef>
+      <a:fontRef idx="minor"/>
+    </dgm:style>
+  </dgm:styleLbl>
+  <dgm:styleLbl name="revTx">
+    <dgm:scene3d>
+      <a:camera prst="orthographicFront"/>
+      <a:lightRig rig="threePt" dir="t"/>
+    </dgm:scene3d>
+    <dgm:sp3d/>
+    <dgm:txPr/>
+    <dgm:style>
+      <a:lnRef idx="0">
+        <a:scrgbClr r="0" g="0" b="0"/>
+      </a:lnRef>
+      <a:fillRef idx="0">
+        <a:scrgbClr r="0" g="0" b="0"/>
+      </a:fillRef>
+      <a:effectRef idx="0">
+        <a:scrgbClr r="0" g="0" b="0"/>
+      </a:effectRef>
+      <a:fontRef idx="minor"/>
+    </dgm:style>
+  </dgm:styleLbl>
+</dgm:styleDef>
+</file>
+
 <file path=ppt/notesMasters/notesMaster1.xml><?xml version="1.0" encoding="utf-8"?>
 <p:notesMaster xmlns:a="http://schemas.openxmlformats.org/drawingml/2006/main" xmlns:r="http://schemas.openxmlformats.org/officeDocument/2006/relationships" xmlns:p="http://schemas.openxmlformats.org/presentationml/2006/main">
   <p:cSld>
@@ -216,7 +2753,7 @@
           <a:p>
             <a:fld id="{D3FBB20C-20C4-49AD-85A3-C66C862503B5}" type="datetimeFigureOut">
               <a:rPr kumimoji="1" lang="ja-JP" altLang="en-US" smtClean="0"/>
-              <a:t>2022/1/9</a:t>
+              <a:t>2022/1/12</a:t>
             </a:fld>
             <a:endParaRPr kumimoji="1" lang="ja-JP" altLang="en-US"/>
           </a:p>
@@ -873,25 +3410,7 @@
           <a:bodyPr/>
           <a:lstStyle/>
           <a:p>
-            <a:r>
-              <a:rPr kumimoji="1" lang="ja-JP" altLang="en-US" dirty="0"/>
-              <a:t>音声ファイルの作成には時間がかかるが、再生には時間がかからないため、処理を分割。</a:t>
-            </a:r>
-            <a:endParaRPr kumimoji="1" lang="en-US" altLang="ja-JP" dirty="0"/>
-          </a:p>
-          <a:p>
-            <a:r>
-              <a:rPr kumimoji="1" lang="ja-JP" altLang="en-US" dirty="0"/>
-              <a:t>音声ファイル作成は元となるテキストデータのサイズが大きいほど作成に時間がかかるため、スクレイピング直後に実行。</a:t>
-            </a:r>
-            <a:endParaRPr kumimoji="1" lang="en-US" altLang="ja-JP" dirty="0"/>
-          </a:p>
-          <a:p>
-            <a:r>
-              <a:rPr kumimoji="1" lang="ja-JP" altLang="en-US" dirty="0"/>
-              <a:t>スクレイピングと併せて音声ファイルを作成することで、機能を利用する際に発生する処理時間を削減。</a:t>
-            </a:r>
-            <a:endParaRPr kumimoji="1" lang="en-US" altLang="ja-JP" dirty="0"/>
+            <a:endParaRPr kumimoji="1" lang="ja-JP" altLang="en-US" dirty="0"/>
           </a:p>
         </p:txBody>
       </p:sp>
@@ -912,7 +3431,7 @@
           <a:p>
             <a:fld id="{1A2E7C28-4903-4521-8E60-0F80C627678B}" type="slidenum">
               <a:rPr kumimoji="1" lang="ja-JP" altLang="en-US" smtClean="0"/>
-              <a:t>15</a:t>
+              <a:t>8</a:t>
             </a:fld>
             <a:endParaRPr kumimoji="1" lang="ja-JP" altLang="en-US"/>
           </a:p>
@@ -921,7 +3440,7 @@
     </p:spTree>
     <p:extLst>
       <p:ext uri="{BB962C8B-B14F-4D97-AF65-F5344CB8AC3E}">
-        <p14:creationId xmlns:p14="http://schemas.microsoft.com/office/powerpoint/2010/main" val="950038501"/>
+        <p14:creationId xmlns:p14="http://schemas.microsoft.com/office/powerpoint/2010/main" val="3346812870"/>
       </p:ext>
     </p:extLst>
   </p:cSld>
@@ -977,9 +3496,32 @@
           <a:p>
             <a:r>
               <a:rPr kumimoji="1" lang="ja-JP" altLang="en-US" dirty="0"/>
-              <a:t>音声ファイルの再生は、音声ファイルのサイズにかかわらずほぼノータイムで再生が始まるので、機能利用時の無駄な待ち時間が解消。</a:t>
-            </a:r>
-            <a:endParaRPr kumimoji="1" lang="en-US" altLang="ja-JP" dirty="0"/>
+              <a:t>予定ではラズパイに備わっている、プログラムを定時実行させる</a:t>
+            </a:r>
+            <a:r>
+              <a:rPr kumimoji="1" lang="en-US" altLang="ja-JP" dirty="0"/>
+              <a:t>”</a:t>
+            </a:r>
+            <a:r>
+              <a:rPr kumimoji="1" lang="ja-JP" altLang="en-US" dirty="0"/>
+              <a:t>クーロン</a:t>
+            </a:r>
+            <a:r>
+              <a:rPr kumimoji="1" lang="en-US" altLang="ja-JP" dirty="0"/>
+              <a:t>”</a:t>
+            </a:r>
+            <a:r>
+              <a:rPr kumimoji="1" lang="ja-JP" altLang="en-US" dirty="0"/>
+              <a:t>という機能を利用するつもりでしたが、思うように動作せず、二日粘っても解決できなかったため、</a:t>
+            </a:r>
+            <a:r>
+              <a:rPr kumimoji="1" lang="en-US" altLang="ja-JP" dirty="0"/>
+              <a:t>python</a:t>
+            </a:r>
+            <a:r>
+              <a:rPr kumimoji="1" lang="ja-JP" altLang="en-US" dirty="0"/>
+              <a:t>で自作しました。</a:t>
+            </a:r>
           </a:p>
         </p:txBody>
       </p:sp>
@@ -1000,7 +3542,7 @@
           <a:p>
             <a:fld id="{1A2E7C28-4903-4521-8E60-0F80C627678B}" type="slidenum">
               <a:rPr kumimoji="1" lang="ja-JP" altLang="en-US" smtClean="0"/>
-              <a:t>16</a:t>
+              <a:t>14</a:t>
             </a:fld>
             <a:endParaRPr kumimoji="1" lang="ja-JP" altLang="en-US"/>
           </a:p>
@@ -1009,7 +3551,7 @@
     </p:spTree>
     <p:extLst>
       <p:ext uri="{BB962C8B-B14F-4D97-AF65-F5344CB8AC3E}">
-        <p14:creationId xmlns:p14="http://schemas.microsoft.com/office/powerpoint/2010/main" val="1390197788"/>
+        <p14:creationId xmlns:p14="http://schemas.microsoft.com/office/powerpoint/2010/main" val="3181362698"/>
       </p:ext>
     </p:extLst>
   </p:cSld>
@@ -1065,16 +3607,23 @@
           <a:p>
             <a:r>
               <a:rPr kumimoji="1" lang="ja-JP" altLang="en-US" dirty="0"/>
-              <a:t>よしえにいってもーら</a:t>
-            </a:r>
-            <a:r>
-              <a:rPr kumimoji="1" lang="ja-JP" altLang="en-US" dirty="0" err="1"/>
-              <a:t>お</a:t>
-            </a:r>
+              <a:t>音声ファイルの作成には時間がかかるが、再生には時間がかからないため、処理を分割。</a:t>
+            </a:r>
+            <a:endParaRPr kumimoji="1" lang="en-US" altLang="ja-JP" dirty="0"/>
+          </a:p>
+          <a:p>
             <a:r>
               <a:rPr kumimoji="1" lang="ja-JP" altLang="en-US" dirty="0"/>
-              <a:t>！</a:t>
-            </a:r>
+              <a:t>音声ファイル作成は元となるテキストデータのサイズが大きいほど作成に時間がかかるため、スクレイピング直後に実行。</a:t>
+            </a:r>
+            <a:endParaRPr kumimoji="1" lang="en-US" altLang="ja-JP" dirty="0"/>
+          </a:p>
+          <a:p>
+            <a:r>
+              <a:rPr kumimoji="1" lang="ja-JP" altLang="en-US" dirty="0"/>
+              <a:t>スクレイピングと併せて音声ファイルを作成することで、機能を利用する際に発生する処理時間を削減。</a:t>
+            </a:r>
+            <a:endParaRPr kumimoji="1" lang="en-US" altLang="ja-JP" dirty="0"/>
           </a:p>
         </p:txBody>
       </p:sp>
@@ -1095,7 +3644,190 @@
           <a:p>
             <a:fld id="{1A2E7C28-4903-4521-8E60-0F80C627678B}" type="slidenum">
               <a:rPr kumimoji="1" lang="ja-JP" altLang="en-US" smtClean="0"/>
-              <a:t>20</a:t>
+              <a:t>16</a:t>
+            </a:fld>
+            <a:endParaRPr kumimoji="1" lang="ja-JP" altLang="en-US"/>
+          </a:p>
+        </p:txBody>
+      </p:sp>
+    </p:spTree>
+    <p:extLst>
+      <p:ext uri="{BB962C8B-B14F-4D97-AF65-F5344CB8AC3E}">
+        <p14:creationId xmlns:p14="http://schemas.microsoft.com/office/powerpoint/2010/main" val="950038501"/>
+      </p:ext>
+    </p:extLst>
+  </p:cSld>
+  <p:clrMapOvr>
+    <a:masterClrMapping/>
+  </p:clrMapOvr>
+</p:notes>
+</file>
+
+<file path=ppt/notesSlides/notesSlide7.xml><?xml version="1.0" encoding="utf-8"?>
+<p:notes xmlns:a="http://schemas.openxmlformats.org/drawingml/2006/main" xmlns:r="http://schemas.openxmlformats.org/officeDocument/2006/relationships" xmlns:p="http://schemas.openxmlformats.org/presentationml/2006/main">
+  <p:cSld>
+    <p:spTree>
+      <p:nvGrpSpPr>
+        <p:cNvPr id="1" name=""/>
+        <p:cNvGrpSpPr/>
+        <p:nvPr/>
+      </p:nvGrpSpPr>
+      <p:grpSpPr>
+        <a:xfrm>
+          <a:off x="0" y="0"/>
+          <a:ext cx="0" cy="0"/>
+          <a:chOff x="0" y="0"/>
+          <a:chExt cx="0" cy="0"/>
+        </a:xfrm>
+      </p:grpSpPr>
+      <p:sp>
+        <p:nvSpPr>
+          <p:cNvPr id="2" name="スライド イメージ プレースホルダー 1"/>
+          <p:cNvSpPr>
+            <a:spLocks noGrp="1" noRot="1" noChangeAspect="1"/>
+          </p:cNvSpPr>
+          <p:nvPr>
+            <p:ph type="sldImg"/>
+          </p:nvPr>
+        </p:nvSpPr>
+        <p:spPr/>
+      </p:sp>
+      <p:sp>
+        <p:nvSpPr>
+          <p:cNvPr id="3" name="ノート プレースホルダー 2"/>
+          <p:cNvSpPr>
+            <a:spLocks noGrp="1"/>
+          </p:cNvSpPr>
+          <p:nvPr>
+            <p:ph type="body" idx="1"/>
+          </p:nvPr>
+        </p:nvSpPr>
+        <p:spPr/>
+        <p:txBody>
+          <a:bodyPr/>
+          <a:lstStyle/>
+          <a:p>
+            <a:r>
+              <a:rPr kumimoji="1" lang="ja-JP" altLang="en-US" dirty="0"/>
+              <a:t>音声ファイルの再生は、音声ファイルのサイズにかかわらずほぼノータイムで再生が始まるので、機能利用時の無駄な待ち時間が解消。</a:t>
+            </a:r>
+            <a:endParaRPr kumimoji="1" lang="en-US" altLang="ja-JP" dirty="0"/>
+          </a:p>
+        </p:txBody>
+      </p:sp>
+      <p:sp>
+        <p:nvSpPr>
+          <p:cNvPr id="4" name="スライド番号プレースホルダー 3"/>
+          <p:cNvSpPr>
+            <a:spLocks noGrp="1"/>
+          </p:cNvSpPr>
+          <p:nvPr>
+            <p:ph type="sldNum" sz="quarter" idx="5"/>
+          </p:nvPr>
+        </p:nvSpPr>
+        <p:spPr/>
+        <p:txBody>
+          <a:bodyPr/>
+          <a:lstStyle/>
+          <a:p>
+            <a:fld id="{1A2E7C28-4903-4521-8E60-0F80C627678B}" type="slidenum">
+              <a:rPr kumimoji="1" lang="ja-JP" altLang="en-US" smtClean="0"/>
+              <a:t>17</a:t>
+            </a:fld>
+            <a:endParaRPr kumimoji="1" lang="ja-JP" altLang="en-US"/>
+          </a:p>
+        </p:txBody>
+      </p:sp>
+    </p:spTree>
+    <p:extLst>
+      <p:ext uri="{BB962C8B-B14F-4D97-AF65-F5344CB8AC3E}">
+        <p14:creationId xmlns:p14="http://schemas.microsoft.com/office/powerpoint/2010/main" val="1390197788"/>
+      </p:ext>
+    </p:extLst>
+  </p:cSld>
+  <p:clrMapOvr>
+    <a:masterClrMapping/>
+  </p:clrMapOvr>
+</p:notes>
+</file>
+
+<file path=ppt/notesSlides/notesSlide8.xml><?xml version="1.0" encoding="utf-8"?>
+<p:notes xmlns:a="http://schemas.openxmlformats.org/drawingml/2006/main" xmlns:r="http://schemas.openxmlformats.org/officeDocument/2006/relationships" xmlns:p="http://schemas.openxmlformats.org/presentationml/2006/main">
+  <p:cSld>
+    <p:spTree>
+      <p:nvGrpSpPr>
+        <p:cNvPr id="1" name=""/>
+        <p:cNvGrpSpPr/>
+        <p:nvPr/>
+      </p:nvGrpSpPr>
+      <p:grpSpPr>
+        <a:xfrm>
+          <a:off x="0" y="0"/>
+          <a:ext cx="0" cy="0"/>
+          <a:chOff x="0" y="0"/>
+          <a:chExt cx="0" cy="0"/>
+        </a:xfrm>
+      </p:grpSpPr>
+      <p:sp>
+        <p:nvSpPr>
+          <p:cNvPr id="2" name="スライド イメージ プレースホルダー 1"/>
+          <p:cNvSpPr>
+            <a:spLocks noGrp="1" noRot="1" noChangeAspect="1"/>
+          </p:cNvSpPr>
+          <p:nvPr>
+            <p:ph type="sldImg"/>
+          </p:nvPr>
+        </p:nvSpPr>
+        <p:spPr/>
+      </p:sp>
+      <p:sp>
+        <p:nvSpPr>
+          <p:cNvPr id="3" name="ノート プレースホルダー 2"/>
+          <p:cNvSpPr>
+            <a:spLocks noGrp="1"/>
+          </p:cNvSpPr>
+          <p:nvPr>
+            <p:ph type="body" idx="1"/>
+          </p:nvPr>
+        </p:nvSpPr>
+        <p:spPr/>
+        <p:txBody>
+          <a:bodyPr/>
+          <a:lstStyle/>
+          <a:p>
+            <a:r>
+              <a:rPr kumimoji="1" lang="ja-JP" altLang="en-US" dirty="0"/>
+              <a:t>よしえにいってもーら</a:t>
+            </a:r>
+            <a:r>
+              <a:rPr kumimoji="1" lang="ja-JP" altLang="en-US" dirty="0" err="1"/>
+              <a:t>お</a:t>
+            </a:r>
+            <a:r>
+              <a:rPr kumimoji="1" lang="ja-JP" altLang="en-US" dirty="0"/>
+              <a:t>！</a:t>
+            </a:r>
+          </a:p>
+        </p:txBody>
+      </p:sp>
+      <p:sp>
+        <p:nvSpPr>
+          <p:cNvPr id="4" name="スライド番号プレースホルダー 3"/>
+          <p:cNvSpPr>
+            <a:spLocks noGrp="1"/>
+          </p:cNvSpPr>
+          <p:nvPr>
+            <p:ph type="sldNum" sz="quarter" idx="5"/>
+          </p:nvPr>
+        </p:nvSpPr>
+        <p:spPr/>
+        <p:txBody>
+          <a:bodyPr/>
+          <a:lstStyle/>
+          <a:p>
+            <a:fld id="{1A2E7C28-4903-4521-8E60-0F80C627678B}" type="slidenum">
+              <a:rPr kumimoji="1" lang="ja-JP" altLang="en-US" smtClean="0"/>
+              <a:t>22</a:t>
             </a:fld>
             <a:endParaRPr kumimoji="1" lang="ja-JP" altLang="en-US"/>
           </a:p>
@@ -1261,7 +3993,7 @@
           <a:p>
             <a:fld id="{C63D219B-6862-4E6A-9F9E-C4C4759712F9}" type="datetimeFigureOut">
               <a:rPr kumimoji="1" lang="ja-JP" altLang="en-US" smtClean="0"/>
-              <a:t>2022/1/9</a:t>
+              <a:t>2022/1/12</a:t>
             </a:fld>
             <a:endParaRPr kumimoji="1" lang="ja-JP" altLang="en-US"/>
           </a:p>
@@ -1491,7 +4223,7 @@
           <a:p>
             <a:fld id="{C63D219B-6862-4E6A-9F9E-C4C4759712F9}" type="datetimeFigureOut">
               <a:rPr kumimoji="1" lang="ja-JP" altLang="en-US" smtClean="0"/>
-              <a:t>2022/1/9</a:t>
+              <a:t>2022/1/12</a:t>
             </a:fld>
             <a:endParaRPr kumimoji="1" lang="ja-JP" altLang="en-US"/>
           </a:p>
@@ -1731,7 +4463,7 @@
           <a:p>
             <a:fld id="{C63D219B-6862-4E6A-9F9E-C4C4759712F9}" type="datetimeFigureOut">
               <a:rPr kumimoji="1" lang="ja-JP" altLang="en-US" smtClean="0"/>
-              <a:t>2022/1/9</a:t>
+              <a:t>2022/1/12</a:t>
             </a:fld>
             <a:endParaRPr kumimoji="1" lang="ja-JP" altLang="en-US"/>
           </a:p>
@@ -1961,7 +4693,7 @@
           <a:p>
             <a:fld id="{C63D219B-6862-4E6A-9F9E-C4C4759712F9}" type="datetimeFigureOut">
               <a:rPr kumimoji="1" lang="ja-JP" altLang="en-US" smtClean="0"/>
-              <a:t>2022/1/9</a:t>
+              <a:t>2022/1/12</a:t>
             </a:fld>
             <a:endParaRPr kumimoji="1" lang="ja-JP" altLang="en-US"/>
           </a:p>
@@ -2236,7 +4968,7 @@
           <a:p>
             <a:fld id="{C63D219B-6862-4E6A-9F9E-C4C4759712F9}" type="datetimeFigureOut">
               <a:rPr kumimoji="1" lang="ja-JP" altLang="en-US" smtClean="0"/>
-              <a:t>2022/1/9</a:t>
+              <a:t>2022/1/12</a:t>
             </a:fld>
             <a:endParaRPr kumimoji="1" lang="ja-JP" altLang="en-US"/>
           </a:p>
@@ -2565,7 +5297,7 @@
           <a:p>
             <a:fld id="{C63D219B-6862-4E6A-9F9E-C4C4759712F9}" type="datetimeFigureOut">
               <a:rPr kumimoji="1" lang="ja-JP" altLang="en-US" smtClean="0"/>
-              <a:t>2022/1/9</a:t>
+              <a:t>2022/1/12</a:t>
             </a:fld>
             <a:endParaRPr kumimoji="1" lang="ja-JP" altLang="en-US"/>
           </a:p>
@@ -3041,7 +5773,7 @@
           <a:p>
             <a:fld id="{C63D219B-6862-4E6A-9F9E-C4C4759712F9}" type="datetimeFigureOut">
               <a:rPr kumimoji="1" lang="ja-JP" altLang="en-US" smtClean="0"/>
-              <a:t>2022/1/9</a:t>
+              <a:t>2022/1/12</a:t>
             </a:fld>
             <a:endParaRPr kumimoji="1" lang="ja-JP" altLang="en-US"/>
           </a:p>
@@ -3182,7 +5914,7 @@
           <a:p>
             <a:fld id="{C63D219B-6862-4E6A-9F9E-C4C4759712F9}" type="datetimeFigureOut">
               <a:rPr kumimoji="1" lang="ja-JP" altLang="en-US" smtClean="0"/>
-              <a:t>2022/1/9</a:t>
+              <a:t>2022/1/12</a:t>
             </a:fld>
             <a:endParaRPr kumimoji="1" lang="ja-JP" altLang="en-US"/>
           </a:p>
@@ -3295,7 +6027,7 @@
           <a:p>
             <a:fld id="{C63D219B-6862-4E6A-9F9E-C4C4759712F9}" type="datetimeFigureOut">
               <a:rPr kumimoji="1" lang="ja-JP" altLang="en-US" smtClean="0"/>
-              <a:t>2022/1/9</a:t>
+              <a:t>2022/1/12</a:t>
             </a:fld>
             <a:endParaRPr kumimoji="1" lang="ja-JP" altLang="en-US"/>
           </a:p>
@@ -3638,7 +6370,7 @@
           <a:p>
             <a:fld id="{C63D219B-6862-4E6A-9F9E-C4C4759712F9}" type="datetimeFigureOut">
               <a:rPr kumimoji="1" lang="ja-JP" altLang="en-US" smtClean="0"/>
-              <a:t>2022/1/9</a:t>
+              <a:t>2022/1/12</a:t>
             </a:fld>
             <a:endParaRPr kumimoji="1" lang="ja-JP" altLang="en-US"/>
           </a:p>
@@ -3926,7 +6658,7 @@
           <a:p>
             <a:fld id="{C63D219B-6862-4E6A-9F9E-C4C4759712F9}" type="datetimeFigureOut">
               <a:rPr kumimoji="1" lang="ja-JP" altLang="en-US" smtClean="0"/>
-              <a:t>2022/1/9</a:t>
+              <a:t>2022/1/12</a:t>
             </a:fld>
             <a:endParaRPr kumimoji="1" lang="ja-JP" altLang="en-US"/>
           </a:p>
@@ -4226,7 +6958,7 @@
           <a:p>
             <a:fld id="{C63D219B-6862-4E6A-9F9E-C4C4759712F9}" type="datetimeFigureOut">
               <a:rPr kumimoji="1" lang="ja-JP" altLang="en-US" smtClean="0"/>
-              <a:t>2022/1/9</a:t>
+              <a:t>2022/1/12</a:t>
             </a:fld>
             <a:endParaRPr kumimoji="1" lang="ja-JP" altLang="en-US"/>
           </a:p>
@@ -4926,7 +7658,7 @@
           <p:cNvPr id="2" name="タイトル 1">
             <a:extLst>
               <a:ext uri="{FF2B5EF4-FFF2-40B4-BE49-F238E27FC236}">
-                <a16:creationId xmlns:a16="http://schemas.microsoft.com/office/drawing/2014/main" id="{549688B5-67DA-428A-92E6-3D3B28BFC143}"/>
+                <a16:creationId xmlns:a16="http://schemas.microsoft.com/office/drawing/2014/main" id="{2130732E-7DA7-406F-85C0-863D6420038A}"/>
               </a:ext>
             </a:extLst>
           </p:cNvPr>
@@ -4944,7 +7676,7 @@
           <a:p>
             <a:r>
               <a:rPr kumimoji="1" lang="ja-JP" altLang="en-US" dirty="0"/>
-              <a:t>テキスト分類の仕組み</a:t>
+              <a:t>ウェイクワード</a:t>
             </a:r>
           </a:p>
         </p:txBody>
@@ -4954,7 +7686,7 @@
           <p:cNvPr id="3" name="コンテンツ プレースホルダー 2">
             <a:extLst>
               <a:ext uri="{FF2B5EF4-FFF2-40B4-BE49-F238E27FC236}">
-                <a16:creationId xmlns:a16="http://schemas.microsoft.com/office/drawing/2014/main" id="{B6B6A2C6-E821-404C-9429-4F30D1E7A255}"/>
+                <a16:creationId xmlns:a16="http://schemas.microsoft.com/office/drawing/2014/main" id="{DB12C1AE-EEE1-4481-9A74-18CE3D6E4F3C}"/>
               </a:ext>
             </a:extLst>
           </p:cNvPr>
@@ -4974,10 +7706,67 @@
           </a:p>
         </p:txBody>
       </p:sp>
+      <p:sp>
+        <p:nvSpPr>
+          <p:cNvPr id="4" name="正方形/長方形 3">
+            <a:extLst>
+              <a:ext uri="{FF2B5EF4-FFF2-40B4-BE49-F238E27FC236}">
+                <a16:creationId xmlns:a16="http://schemas.microsoft.com/office/drawing/2014/main" id="{69845A7F-5CE8-4273-BF96-B117543FDBC7}"/>
+              </a:ext>
+            </a:extLst>
+          </p:cNvPr>
+          <p:cNvSpPr/>
+          <p:nvPr/>
+        </p:nvSpPr>
+        <p:spPr>
+          <a:xfrm>
+            <a:off x="9508067" y="0"/>
+            <a:ext cx="2683933" cy="1593908"/>
+          </a:xfrm>
+          <a:prstGeom prst="rect">
+            <a:avLst/>
+          </a:prstGeom>
+          <a:solidFill>
+            <a:schemeClr val="accent6">
+              <a:lumMod val="60000"/>
+              <a:lumOff val="40000"/>
+            </a:schemeClr>
+          </a:solidFill>
+          <a:ln>
+            <a:solidFill>
+              <a:schemeClr val="tx1"/>
+            </a:solidFill>
+          </a:ln>
+        </p:spPr>
+        <p:style>
+          <a:lnRef idx="2">
+            <a:schemeClr val="accent1">
+              <a:shade val="50000"/>
+            </a:schemeClr>
+          </a:lnRef>
+          <a:fillRef idx="1">
+            <a:schemeClr val="accent1"/>
+          </a:fillRef>
+          <a:effectRef idx="0">
+            <a:schemeClr val="accent1"/>
+          </a:effectRef>
+          <a:fontRef idx="minor">
+            <a:schemeClr val="lt1"/>
+          </a:fontRef>
+        </p:style>
+        <p:txBody>
+          <a:bodyPr rtlCol="0" anchor="ctr"/>
+          <a:lstStyle/>
+          <a:p>
+            <a:pPr algn="ctr"/>
+            <a:endParaRPr kumimoji="1" lang="ja-JP" altLang="en-US"/>
+          </a:p>
+        </p:txBody>
+      </p:sp>
     </p:spTree>
     <p:extLst>
       <p:ext uri="{BB962C8B-B14F-4D97-AF65-F5344CB8AC3E}">
-        <p14:creationId xmlns:p14="http://schemas.microsoft.com/office/powerpoint/2010/main" val="692832931"/>
+        <p14:creationId xmlns:p14="http://schemas.microsoft.com/office/powerpoint/2010/main" val="524137758"/>
       </p:ext>
     </p:extLst>
   </p:cSld>
@@ -5009,7 +7798,7 @@
           <p:cNvPr id="2" name="タイトル 1">
             <a:extLst>
               <a:ext uri="{FF2B5EF4-FFF2-40B4-BE49-F238E27FC236}">
-                <a16:creationId xmlns:a16="http://schemas.microsoft.com/office/drawing/2014/main" id="{3B84D43F-F80B-40CE-BAA6-B9DFBE0CA5B9}"/>
+                <a16:creationId xmlns:a16="http://schemas.microsoft.com/office/drawing/2014/main" id="{549688B5-67DA-428A-92E6-3D3B28BFC143}"/>
               </a:ext>
             </a:extLst>
           </p:cNvPr>
@@ -5026,10 +7815,9 @@
           <a:lstStyle/>
           <a:p>
             <a:r>
-              <a:rPr kumimoji="1" lang="en-US" altLang="ja-JP" dirty="0"/>
-              <a:t>fastText</a:t>
-            </a:r>
-            <a:endParaRPr kumimoji="1" lang="ja-JP" altLang="en-US" dirty="0"/>
+              <a:rPr kumimoji="1" lang="ja-JP" altLang="en-US" dirty="0"/>
+              <a:t>テキスト分類の仕組み</a:t>
+            </a:r>
           </a:p>
         </p:txBody>
       </p:sp>
@@ -5038,7 +7826,7 @@
           <p:cNvPr id="3" name="コンテンツ プレースホルダー 2">
             <a:extLst>
               <a:ext uri="{FF2B5EF4-FFF2-40B4-BE49-F238E27FC236}">
-                <a16:creationId xmlns:a16="http://schemas.microsoft.com/office/drawing/2014/main" id="{A68B4BBE-92D2-4DCF-B6A5-0E40E2D9BFF9}"/>
+                <a16:creationId xmlns:a16="http://schemas.microsoft.com/office/drawing/2014/main" id="{B6B6A2C6-E821-404C-9429-4F30D1E7A255}"/>
               </a:ext>
             </a:extLst>
           </p:cNvPr>
@@ -5054,24 +7842,71 @@
           <a:bodyPr/>
           <a:lstStyle/>
           <a:p>
-            <a:r>
-              <a:rPr kumimoji="1" lang="ja-JP" altLang="en-US" dirty="0"/>
-              <a:t>機械学習周り</a:t>
-            </a:r>
-            <a:endParaRPr kumimoji="1" lang="en-US" altLang="ja-JP" dirty="0"/>
-          </a:p>
-          <a:p>
-            <a:r>
-              <a:rPr kumimoji="1" lang="ja-JP" altLang="en-US" dirty="0"/>
-              <a:t>トレーニングデータ</a:t>
-            </a:r>
+            <a:endParaRPr kumimoji="1" lang="ja-JP" altLang="en-US"/>
+          </a:p>
+        </p:txBody>
+      </p:sp>
+      <p:sp>
+        <p:nvSpPr>
+          <p:cNvPr id="4" name="正方形/長方形 3">
+            <a:extLst>
+              <a:ext uri="{FF2B5EF4-FFF2-40B4-BE49-F238E27FC236}">
+                <a16:creationId xmlns:a16="http://schemas.microsoft.com/office/drawing/2014/main" id="{58626FC8-F8C8-406B-BD45-B847BCC1E671}"/>
+              </a:ext>
+            </a:extLst>
+          </p:cNvPr>
+          <p:cNvSpPr/>
+          <p:nvPr/>
+        </p:nvSpPr>
+        <p:spPr>
+          <a:xfrm>
+            <a:off x="9508067" y="0"/>
+            <a:ext cx="2683933" cy="1593908"/>
+          </a:xfrm>
+          <a:prstGeom prst="rect">
+            <a:avLst/>
+          </a:prstGeom>
+          <a:solidFill>
+            <a:schemeClr val="accent6">
+              <a:lumMod val="60000"/>
+              <a:lumOff val="40000"/>
+            </a:schemeClr>
+          </a:solidFill>
+          <a:ln>
+            <a:solidFill>
+              <a:schemeClr val="tx1"/>
+            </a:solidFill>
+          </a:ln>
+        </p:spPr>
+        <p:style>
+          <a:lnRef idx="2">
+            <a:schemeClr val="accent1">
+              <a:shade val="50000"/>
+            </a:schemeClr>
+          </a:lnRef>
+          <a:fillRef idx="1">
+            <a:schemeClr val="accent1"/>
+          </a:fillRef>
+          <a:effectRef idx="0">
+            <a:schemeClr val="accent1"/>
+          </a:effectRef>
+          <a:fontRef idx="minor">
+            <a:schemeClr val="lt1"/>
+          </a:fontRef>
+        </p:style>
+        <p:txBody>
+          <a:bodyPr rtlCol="0" anchor="ctr"/>
+          <a:lstStyle/>
+          <a:p>
+            <a:pPr algn="ctr"/>
+            <a:endParaRPr kumimoji="1" lang="ja-JP" altLang="en-US"/>
           </a:p>
         </p:txBody>
       </p:sp>
     </p:spTree>
     <p:extLst>
       <p:ext uri="{BB962C8B-B14F-4D97-AF65-F5344CB8AC3E}">
-        <p14:creationId xmlns:p14="http://schemas.microsoft.com/office/powerpoint/2010/main" val="2305918178"/>
+        <p14:creationId xmlns:p14="http://schemas.microsoft.com/office/powerpoint/2010/main" val="692832931"/>
       </p:ext>
     </p:extLst>
   </p:cSld>
@@ -5103,7 +7938,7 @@
           <p:cNvPr id="2" name="タイトル 1">
             <a:extLst>
               <a:ext uri="{FF2B5EF4-FFF2-40B4-BE49-F238E27FC236}">
-                <a16:creationId xmlns:a16="http://schemas.microsoft.com/office/drawing/2014/main" id="{0239366D-FD02-4D32-AA25-FA5687E2E9A8}"/>
+                <a16:creationId xmlns:a16="http://schemas.microsoft.com/office/drawing/2014/main" id="{3B84D43F-F80B-40CE-BAA6-B9DFBE0CA5B9}"/>
               </a:ext>
             </a:extLst>
           </p:cNvPr>
@@ -5120,9 +7955,10 @@
           <a:lstStyle/>
           <a:p>
             <a:r>
-              <a:rPr kumimoji="1" lang="ja-JP" altLang="en-US" dirty="0"/>
-              <a:t>データ取得</a:t>
-            </a:r>
+              <a:rPr kumimoji="1" lang="en-US" altLang="ja-JP" dirty="0"/>
+              <a:t>fastText</a:t>
+            </a:r>
+            <a:endParaRPr kumimoji="1" lang="ja-JP" altLang="en-US" dirty="0"/>
           </a:p>
         </p:txBody>
       </p:sp>
@@ -5131,7 +7967,7 @@
           <p:cNvPr id="3" name="コンテンツ プレースホルダー 2">
             <a:extLst>
               <a:ext uri="{FF2B5EF4-FFF2-40B4-BE49-F238E27FC236}">
-                <a16:creationId xmlns:a16="http://schemas.microsoft.com/office/drawing/2014/main" id="{2714D079-74EA-42AF-9886-A31DAA6C24C9}"/>
+                <a16:creationId xmlns:a16="http://schemas.microsoft.com/office/drawing/2014/main" id="{A68B4BBE-92D2-4DCF-B6A5-0E40E2D9BFF9}"/>
               </a:ext>
             </a:extLst>
           </p:cNvPr>
@@ -5142,6 +7978,99 @@
             <p:ph idx="1"/>
           </p:nvPr>
         </p:nvSpPr>
+        <p:spPr/>
+        <p:txBody>
+          <a:bodyPr/>
+          <a:lstStyle/>
+          <a:p>
+            <a:r>
+              <a:rPr kumimoji="1" lang="ja-JP" altLang="en-US" dirty="0"/>
+              <a:t>機械学習周り</a:t>
+            </a:r>
+            <a:endParaRPr kumimoji="1" lang="en-US" altLang="ja-JP" dirty="0"/>
+          </a:p>
+          <a:p>
+            <a:r>
+              <a:rPr kumimoji="1" lang="ja-JP" altLang="en-US" dirty="0"/>
+              <a:t>トレーニングデータ</a:t>
+            </a:r>
+          </a:p>
+        </p:txBody>
+      </p:sp>
+    </p:spTree>
+    <p:extLst>
+      <p:ext uri="{BB962C8B-B14F-4D97-AF65-F5344CB8AC3E}">
+        <p14:creationId xmlns:p14="http://schemas.microsoft.com/office/powerpoint/2010/main" val="2305918178"/>
+      </p:ext>
+    </p:extLst>
+  </p:cSld>
+  <p:clrMapOvr>
+    <a:masterClrMapping/>
+  </p:clrMapOvr>
+</p:sld>
+</file>
+
+<file path=ppt/slides/slide13.xml><?xml version="1.0" encoding="utf-8"?>
+<p:sld xmlns:a="http://schemas.openxmlformats.org/drawingml/2006/main" xmlns:r="http://schemas.openxmlformats.org/officeDocument/2006/relationships" xmlns:p="http://schemas.openxmlformats.org/presentationml/2006/main">
+  <p:cSld>
+    <p:spTree>
+      <p:nvGrpSpPr>
+        <p:cNvPr id="1" name=""/>
+        <p:cNvGrpSpPr/>
+        <p:nvPr/>
+      </p:nvGrpSpPr>
+      <p:grpSpPr>
+        <a:xfrm>
+          <a:off x="0" y="0"/>
+          <a:ext cx="0" cy="0"/>
+          <a:chOff x="0" y="0"/>
+          <a:chExt cx="0" cy="0"/>
+        </a:xfrm>
+      </p:grpSpPr>
+      <p:sp>
+        <p:nvSpPr>
+          <p:cNvPr id="2" name="タイトル 1">
+            <a:extLst>
+              <a:ext uri="{FF2B5EF4-FFF2-40B4-BE49-F238E27FC236}">
+                <a16:creationId xmlns:a16="http://schemas.microsoft.com/office/drawing/2014/main" id="{0239366D-FD02-4D32-AA25-FA5687E2E9A8}"/>
+              </a:ext>
+            </a:extLst>
+          </p:cNvPr>
+          <p:cNvSpPr>
+            <a:spLocks noGrp="1"/>
+          </p:cNvSpPr>
+          <p:nvPr>
+            <p:ph type="title"/>
+          </p:nvPr>
+        </p:nvSpPr>
+        <p:spPr/>
+        <p:txBody>
+          <a:bodyPr/>
+          <a:lstStyle/>
+          <a:p>
+            <a:r>
+              <a:rPr kumimoji="1" lang="ja-JP" altLang="en-US" dirty="0"/>
+              <a:t>データ取得</a:t>
+            </a:r>
+          </a:p>
+        </p:txBody>
+      </p:sp>
+      <p:sp>
+        <p:nvSpPr>
+          <p:cNvPr id="3" name="コンテンツ プレースホルダー 2">
+            <a:extLst>
+              <a:ext uri="{FF2B5EF4-FFF2-40B4-BE49-F238E27FC236}">
+                <a16:creationId xmlns:a16="http://schemas.microsoft.com/office/drawing/2014/main" id="{2714D079-74EA-42AF-9886-A31DAA6C24C9}"/>
+              </a:ext>
+            </a:extLst>
+          </p:cNvPr>
+          <p:cNvSpPr>
+            <a:spLocks noGrp="1"/>
+          </p:cNvSpPr>
+          <p:nvPr>
+            <p:ph idx="1"/>
+          </p:nvPr>
+        </p:nvSpPr>
         <p:spPr>
           <a:xfrm>
             <a:off x="838200" y="1690688"/>
@@ -5185,6 +8114,10 @@
           </a:p>
           <a:p>
             <a:pPr lvl="1"/>
+            <a:endParaRPr lang="en-US" altLang="ja-JP" sz="700" b="1" dirty="0"/>
+          </a:p>
+          <a:p>
+            <a:pPr lvl="1"/>
             <a:r>
               <a:rPr kumimoji="1" lang="ja-JP" altLang="en-US" sz="3200" b="1" dirty="0"/>
               <a:t>ニュース</a:t>
@@ -5193,6 +8126,10 @@
           </a:p>
           <a:p>
             <a:pPr lvl="1"/>
+            <a:endParaRPr kumimoji="1" lang="en-US" altLang="ja-JP" sz="700" b="1" dirty="0"/>
+          </a:p>
+          <a:p>
+            <a:pPr lvl="1"/>
             <a:r>
               <a:rPr kumimoji="1" lang="ja-JP" altLang="en-US" sz="3200" b="1" dirty="0"/>
               <a:t>星座占い</a:t>
@@ -5216,6 +8153,7 @@
               <a:rPr kumimoji="1" lang="en-US" altLang="ja-JP" sz="3200" dirty="0"/>
               <a:t>)</a:t>
             </a:r>
+            <a:endParaRPr lang="en-US" altLang="ja-JP" sz="700" b="1" dirty="0"/>
           </a:p>
           <a:p>
             <a:pPr lvl="1"/>
@@ -5241,8 +8179,8 @@
         </p:nvSpPr>
         <p:spPr>
           <a:xfrm>
-            <a:off x="3564611" y="2801910"/>
-            <a:ext cx="1270860" cy="155225"/>
+            <a:off x="3564611" y="2716898"/>
+            <a:ext cx="1270860" cy="321522"/>
           </a:xfrm>
           <a:prstGeom prst="rightArrow">
             <a:avLst/>
@@ -5295,8 +8233,8 @@
         </p:nvSpPr>
         <p:spPr>
           <a:xfrm>
-            <a:off x="3564611" y="3337209"/>
-            <a:ext cx="1270860" cy="156426"/>
+            <a:off x="3564611" y="3380342"/>
+            <a:ext cx="1270860" cy="324010"/>
           </a:xfrm>
           <a:prstGeom prst="rightArrow">
             <a:avLst/>
@@ -5349,8 +8287,8 @@
         </p:nvSpPr>
         <p:spPr>
           <a:xfrm>
-            <a:off x="3564611" y="3796842"/>
-            <a:ext cx="1270860" cy="155225"/>
+            <a:off x="3564611" y="4019097"/>
+            <a:ext cx="1270860" cy="321522"/>
           </a:xfrm>
           <a:prstGeom prst="rightArrow">
             <a:avLst/>
@@ -5403,8 +8341,8 @@
         </p:nvSpPr>
         <p:spPr>
           <a:xfrm>
-            <a:off x="3564611" y="4930802"/>
-            <a:ext cx="1270860" cy="155225"/>
+            <a:off x="3564611" y="5167312"/>
+            <a:ext cx="1270860" cy="321522"/>
           </a:xfrm>
           <a:prstGeom prst="rightArrow">
             <a:avLst/>
@@ -5458,7 +8396,7 @@
         <p:spPr>
           <a:xfrm>
             <a:off x="5190641" y="2520906"/>
-            <a:ext cx="3338591" cy="2862322"/>
+            <a:ext cx="3338591" cy="3185487"/>
           </a:xfrm>
           <a:prstGeom prst="rect">
             <a:avLst/>
@@ -5481,6 +8419,9 @@
             </a:r>
           </a:p>
           <a:p>
+            <a:endParaRPr lang="en-US" altLang="ja-JP" sz="700" b="1" dirty="0"/>
+          </a:p>
+          <a:p>
             <a:r>
               <a:rPr lang="en-US" altLang="ja-JP" sz="3600" b="1" dirty="0"/>
               <a:t>n</a:t>
@@ -5491,6 +8432,9 @@
             </a:r>
           </a:p>
           <a:p>
+            <a:endParaRPr kumimoji="1" lang="en-US" altLang="ja-JP" sz="700" b="1" dirty="0"/>
+          </a:p>
+          <a:p>
             <a:r>
               <a:rPr lang="en-US" altLang="ja-JP" sz="3600" b="1" dirty="0"/>
               <a:t>fortune.txt</a:t>
@@ -5512,146 +8456,31 @@
           </a:p>
         </p:txBody>
       </p:sp>
-    </p:spTree>
-    <p:extLst>
-      <p:ext uri="{BB962C8B-B14F-4D97-AF65-F5344CB8AC3E}">
-        <p14:creationId xmlns:p14="http://schemas.microsoft.com/office/powerpoint/2010/main" val="2705134270"/>
-      </p:ext>
-    </p:extLst>
-  </p:cSld>
-  <p:clrMapOvr>
-    <a:masterClrMapping/>
-  </p:clrMapOvr>
-</p:sld>
-</file>
-
-<file path=ppt/slides/slide13.xml><?xml version="1.0" encoding="utf-8"?>
-<p:sld xmlns:a="http://schemas.openxmlformats.org/drawingml/2006/main" xmlns:r="http://schemas.openxmlformats.org/officeDocument/2006/relationships" xmlns:p="http://schemas.openxmlformats.org/presentationml/2006/main">
-  <p:cSld>
-    <p:spTree>
-      <p:nvGrpSpPr>
-        <p:cNvPr id="1" name=""/>
-        <p:cNvGrpSpPr/>
-        <p:nvPr/>
-      </p:nvGrpSpPr>
-      <p:grpSpPr>
-        <a:xfrm>
-          <a:off x="0" y="0"/>
-          <a:ext cx="0" cy="0"/>
-          <a:chOff x="0" y="0"/>
-          <a:chExt cx="0" cy="0"/>
-        </a:xfrm>
-      </p:grpSpPr>
-      <p:sp>
-        <p:nvSpPr>
-          <p:cNvPr id="2" name="タイトル 1">
-            <a:extLst>
-              <a:ext uri="{FF2B5EF4-FFF2-40B4-BE49-F238E27FC236}">
-                <a16:creationId xmlns:a16="http://schemas.microsoft.com/office/drawing/2014/main" id="{0239366D-FD02-4D32-AA25-FA5687E2E9A8}"/>
-              </a:ext>
-            </a:extLst>
-          </p:cNvPr>
-          <p:cNvSpPr>
-            <a:spLocks noGrp="1"/>
-          </p:cNvSpPr>
-          <p:nvPr>
-            <p:ph type="title"/>
-          </p:nvPr>
-        </p:nvSpPr>
-        <p:spPr/>
-        <p:txBody>
-          <a:bodyPr/>
-          <a:lstStyle/>
-          <a:p>
-            <a:r>
-              <a:rPr kumimoji="1" lang="ja-JP" altLang="en-US" dirty="0"/>
-              <a:t>データ取得　定時実行</a:t>
-            </a:r>
-          </a:p>
-        </p:txBody>
-      </p:sp>
-      <p:sp>
-        <p:nvSpPr>
-          <p:cNvPr id="3" name="コンテンツ プレースホルダー 2">
-            <a:extLst>
-              <a:ext uri="{FF2B5EF4-FFF2-40B4-BE49-F238E27FC236}">
-                <a16:creationId xmlns:a16="http://schemas.microsoft.com/office/drawing/2014/main" id="{2714D079-74EA-42AF-9886-A31DAA6C24C9}"/>
-              </a:ext>
-            </a:extLst>
-          </p:cNvPr>
-          <p:cNvSpPr>
-            <a:spLocks noGrp="1"/>
-          </p:cNvSpPr>
-          <p:nvPr>
-            <p:ph idx="1"/>
-          </p:nvPr>
-        </p:nvSpPr>
-        <p:spPr/>
-        <p:txBody>
-          <a:bodyPr/>
-          <a:lstStyle/>
-          <a:p>
-            <a:r>
-              <a:rPr kumimoji="1" lang="ja-JP" altLang="en-US" dirty="0"/>
-              <a:t>ニュース→</a:t>
-            </a:r>
-            <a:r>
-              <a:rPr kumimoji="1" lang="en-US" altLang="ja-JP" dirty="0"/>
-              <a:t>1</a:t>
-            </a:r>
-            <a:r>
-              <a:rPr kumimoji="1" lang="ja-JP" altLang="en-US" dirty="0"/>
-              <a:t>時間毎にスクレイピング実行</a:t>
-            </a:r>
-            <a:endParaRPr kumimoji="1" lang="en-US" altLang="ja-JP" dirty="0"/>
-          </a:p>
-          <a:p>
-            <a:r>
-              <a:rPr lang="ja-JP" altLang="en-US" dirty="0"/>
-              <a:t>天気予報→</a:t>
-            </a:r>
-            <a:r>
-              <a:rPr lang="en-US" altLang="ja-JP" dirty="0"/>
-              <a:t>2,</a:t>
-            </a:r>
-            <a:r>
-              <a:rPr lang="ja-JP" altLang="en-US" dirty="0"/>
-              <a:t> </a:t>
-            </a:r>
-            <a:r>
-              <a:rPr lang="en-US" altLang="ja-JP" dirty="0"/>
-              <a:t>5, 8, 11, 14, 15, 17, 20</a:t>
-            </a:r>
-            <a:r>
-              <a:rPr lang="ja-JP" altLang="en-US" dirty="0"/>
-              <a:t>時に発表</a:t>
-            </a:r>
-            <a:endParaRPr kumimoji="1" lang="ja-JP" altLang="en-US" dirty="0"/>
-          </a:p>
-        </p:txBody>
-      </p:sp>
-      <p:sp>
-        <p:nvSpPr>
-          <p:cNvPr id="4" name="テキスト ボックス 3">
-            <a:extLst>
-              <a:ext uri="{FF2B5EF4-FFF2-40B4-BE49-F238E27FC236}">
-                <a16:creationId xmlns:a16="http://schemas.microsoft.com/office/drawing/2014/main" id="{E4F411F1-9DF1-4AE9-932A-4D591AF13FC5}"/>
-              </a:ext>
-            </a:extLst>
-          </p:cNvPr>
-          <p:cNvSpPr txBox="1"/>
+      <p:sp>
+        <p:nvSpPr>
+          <p:cNvPr id="10" name="正方形/長方形 9">
+            <a:extLst>
+              <a:ext uri="{FF2B5EF4-FFF2-40B4-BE49-F238E27FC236}">
+                <a16:creationId xmlns:a16="http://schemas.microsoft.com/office/drawing/2014/main" id="{DA2BCC13-84D3-434E-A145-3C01043EC3E6}"/>
+              </a:ext>
+            </a:extLst>
+          </p:cNvPr>
+          <p:cNvSpPr/>
           <p:nvPr/>
         </p:nvSpPr>
         <p:spPr>
           <a:xfrm>
-            <a:off x="1863993" y="2789011"/>
-            <a:ext cx="8464013" cy="3847207"/>
+            <a:off x="9508067" y="0"/>
+            <a:ext cx="2683933" cy="1593908"/>
           </a:xfrm>
           <a:prstGeom prst="rect">
             <a:avLst/>
           </a:prstGeom>
           <a:solidFill>
-            <a:schemeClr val="bg1"/>
+            <a:schemeClr val="accent6">
+              <a:lumMod val="60000"/>
+              <a:lumOff val="40000"/>
+            </a:schemeClr>
           </a:solidFill>
           <a:ln>
             <a:solidFill>
@@ -5659,140 +8488,35 @@
             </a:solidFill>
           </a:ln>
         </p:spPr>
-        <p:txBody>
-          <a:bodyPr wrap="square" rtlCol="0">
-            <a:spAutoFit/>
-          </a:bodyPr>
-          <a:lstStyle/>
-          <a:p>
-            <a:r>
-              <a:rPr lang="en-US" altLang="ja-JP" sz="3200" b="1" dirty="0"/>
-              <a:t>c</a:t>
-            </a:r>
-            <a:r>
-              <a:rPr kumimoji="1" lang="en-US" altLang="ja-JP" sz="3200" b="1" dirty="0"/>
-              <a:t>ron.py</a:t>
-            </a:r>
-            <a:r>
-              <a:rPr kumimoji="1" lang="ja-JP" altLang="en-US" sz="3200" b="1" dirty="0"/>
-              <a:t>の構造</a:t>
-            </a:r>
-            <a:endParaRPr lang="en-US" altLang="ja-JP" sz="3200" b="1" dirty="0"/>
-          </a:p>
-          <a:p>
-            <a:r>
-              <a:rPr kumimoji="1" lang="ja-JP" altLang="en-US" sz="1600" b="1" dirty="0"/>
-              <a:t>　</a:t>
-            </a:r>
-            <a:endParaRPr kumimoji="1" lang="en-US" altLang="ja-JP" sz="1600" b="1" dirty="0"/>
-          </a:p>
-          <a:p>
-            <a:r>
-              <a:rPr kumimoji="1" lang="ja-JP" altLang="en-US" sz="3200" b="1" dirty="0">
-                <a:solidFill>
-                  <a:srgbClr val="FF0000"/>
-                </a:solidFill>
-              </a:rPr>
-              <a:t>無限ループ</a:t>
-            </a:r>
-            <a:endParaRPr kumimoji="1" lang="en-US" altLang="ja-JP" sz="3200" b="1" dirty="0">
-              <a:solidFill>
-                <a:srgbClr val="FF0000"/>
-              </a:solidFill>
-            </a:endParaRPr>
-          </a:p>
-          <a:p>
-            <a:r>
-              <a:rPr lang="en-US" altLang="ja-JP" sz="3200" b="1" dirty="0"/>
-              <a:t>	</a:t>
-            </a:r>
-            <a:r>
-              <a:rPr lang="ja-JP" altLang="en-US" sz="3200" b="1" dirty="0"/>
-              <a:t>現在時刻を取得</a:t>
-            </a:r>
-            <a:endParaRPr lang="en-US" altLang="ja-JP" sz="3200" b="1" dirty="0"/>
-          </a:p>
-          <a:p>
-            <a:r>
-              <a:rPr lang="en-US" altLang="ja-JP" sz="3200" b="1" dirty="0"/>
-              <a:t>	</a:t>
-            </a:r>
-            <a:r>
-              <a:rPr lang="ja-JP" altLang="en-US" sz="3200" b="1" dirty="0">
-                <a:solidFill>
-                  <a:srgbClr val="FF0000"/>
-                </a:solidFill>
-              </a:rPr>
-              <a:t>時</a:t>
-            </a:r>
-            <a:r>
-              <a:rPr lang="en-US" altLang="ja-JP" sz="3200" b="1" dirty="0">
-                <a:solidFill>
-                  <a:srgbClr val="FF0000"/>
-                </a:solidFill>
-              </a:rPr>
-              <a:t>(hour)</a:t>
-            </a:r>
-            <a:r>
-              <a:rPr lang="ja-JP" altLang="en-US" sz="3200" b="1" dirty="0">
-                <a:solidFill>
-                  <a:srgbClr val="FF0000"/>
-                </a:solidFill>
-              </a:rPr>
-              <a:t>が進んだ時</a:t>
-            </a:r>
-            <a:endParaRPr lang="en-US" altLang="ja-JP" sz="3200" b="1" dirty="0">
-              <a:solidFill>
-                <a:srgbClr val="FF0000"/>
-              </a:solidFill>
-            </a:endParaRPr>
-          </a:p>
-          <a:p>
-            <a:r>
-              <a:rPr kumimoji="1" lang="en-US" altLang="ja-JP" sz="3200" b="1" dirty="0"/>
-              <a:t>		</a:t>
-            </a:r>
-            <a:r>
-              <a:rPr kumimoji="1" lang="ja-JP" altLang="en-US" sz="3200" b="1" dirty="0"/>
-              <a:t>ニュースをスクレイピング</a:t>
-            </a:r>
-            <a:endParaRPr kumimoji="1" lang="en-US" altLang="ja-JP" sz="3200" b="1" dirty="0"/>
-          </a:p>
-          <a:p>
-            <a:r>
-              <a:rPr lang="en-US" altLang="ja-JP" sz="3200" b="1" dirty="0"/>
-              <a:t>		</a:t>
-            </a:r>
-            <a:r>
-              <a:rPr lang="ja-JP" altLang="en-US" sz="3200" b="1" dirty="0">
-                <a:solidFill>
-                  <a:srgbClr val="FF0000"/>
-                </a:solidFill>
-              </a:rPr>
-              <a:t>天気予報の更新時間だった場合</a:t>
-            </a:r>
-            <a:endParaRPr lang="en-US" altLang="ja-JP" sz="3200" b="1" dirty="0">
-              <a:solidFill>
-                <a:srgbClr val="FF0000"/>
-              </a:solidFill>
-            </a:endParaRPr>
-          </a:p>
-          <a:p>
-            <a:r>
-              <a:rPr kumimoji="1" lang="en-US" altLang="ja-JP" sz="3200" b="1" dirty="0"/>
-              <a:t>			</a:t>
-            </a:r>
-            <a:r>
-              <a:rPr kumimoji="1" lang="ja-JP" altLang="en-US" sz="3200" b="1" dirty="0"/>
-              <a:t>天気予報をスクレイピング</a:t>
-            </a:r>
+        <p:style>
+          <a:lnRef idx="2">
+            <a:schemeClr val="accent1">
+              <a:shade val="50000"/>
+            </a:schemeClr>
+          </a:lnRef>
+          <a:fillRef idx="1">
+            <a:schemeClr val="accent1"/>
+          </a:fillRef>
+          <a:effectRef idx="0">
+            <a:schemeClr val="accent1"/>
+          </a:effectRef>
+          <a:fontRef idx="minor">
+            <a:schemeClr val="lt1"/>
+          </a:fontRef>
+        </p:style>
+        <p:txBody>
+          <a:bodyPr rtlCol="0" anchor="ctr"/>
+          <a:lstStyle/>
+          <a:p>
+            <a:pPr algn="ctr"/>
+            <a:endParaRPr kumimoji="1" lang="ja-JP" altLang="en-US"/>
           </a:p>
         </p:txBody>
       </p:sp>
     </p:spTree>
     <p:extLst>
       <p:ext uri="{BB962C8B-B14F-4D97-AF65-F5344CB8AC3E}">
-        <p14:creationId xmlns:p14="http://schemas.microsoft.com/office/powerpoint/2010/main" val="3368829154"/>
+        <p14:creationId xmlns:p14="http://schemas.microsoft.com/office/powerpoint/2010/main" val="2705134270"/>
       </p:ext>
     </p:extLst>
   </p:cSld>
@@ -5847,45 +8571,363 @@
           </a:p>
         </p:txBody>
       </p:sp>
-      <p:pic>
-        <p:nvPicPr>
-          <p:cNvPr id="8" name="コンテンツ プレースホルダー 7">
-            <a:extLst>
-              <a:ext uri="{FF2B5EF4-FFF2-40B4-BE49-F238E27FC236}">
-                <a16:creationId xmlns:a16="http://schemas.microsoft.com/office/drawing/2014/main" id="{A6A5C198-EC23-4091-8AF5-A244004DD6F7}"/>
-              </a:ext>
-            </a:extLst>
-          </p:cNvPr>
-          <p:cNvPicPr>
-            <a:picLocks noGrp="1" noChangeAspect="1"/>
-          </p:cNvPicPr>
+      <p:sp>
+        <p:nvSpPr>
+          <p:cNvPr id="3" name="コンテンツ プレースホルダー 2">
+            <a:extLst>
+              <a:ext uri="{FF2B5EF4-FFF2-40B4-BE49-F238E27FC236}">
+                <a16:creationId xmlns:a16="http://schemas.microsoft.com/office/drawing/2014/main" id="{2714D079-74EA-42AF-9886-A31DAA6C24C9}"/>
+              </a:ext>
+            </a:extLst>
+          </p:cNvPr>
+          <p:cNvSpPr>
+            <a:spLocks noGrp="1"/>
+          </p:cNvSpPr>
           <p:nvPr>
             <p:ph idx="1"/>
           </p:nvPr>
-        </p:nvPicPr>
-        <p:blipFill>
-          <a:blip r:embed="rId2">
-            <a:extLst>
-              <a:ext uri="{28A0092B-C50C-407E-A947-70E740481C1C}">
-                <a14:useLocalDpi xmlns:a14="http://schemas.microsoft.com/office/drawing/2010/main" val="0"/>
-              </a:ext>
-            </a:extLst>
-          </a:blip>
-          <a:stretch>
-            <a:fillRect/>
-          </a:stretch>
-        </p:blipFill>
+        </p:nvSpPr>
+        <p:spPr/>
+        <p:txBody>
+          <a:bodyPr/>
+          <a:lstStyle/>
+          <a:p>
+            <a:r>
+              <a:rPr kumimoji="1" lang="ja-JP" altLang="en-US" dirty="0"/>
+              <a:t>ニュース→</a:t>
+            </a:r>
+            <a:r>
+              <a:rPr kumimoji="1" lang="en-US" altLang="ja-JP" dirty="0"/>
+              <a:t>1</a:t>
+            </a:r>
+            <a:r>
+              <a:rPr kumimoji="1" lang="ja-JP" altLang="en-US" dirty="0"/>
+              <a:t>時間毎にスクレイピング実行</a:t>
+            </a:r>
+            <a:endParaRPr kumimoji="1" lang="en-US" altLang="ja-JP" dirty="0"/>
+          </a:p>
+          <a:p>
+            <a:r>
+              <a:rPr lang="ja-JP" altLang="en-US" dirty="0"/>
+              <a:t>天気予報→</a:t>
+            </a:r>
+            <a:r>
+              <a:rPr lang="en-US" altLang="ja-JP" dirty="0"/>
+              <a:t>2,</a:t>
+            </a:r>
+            <a:r>
+              <a:rPr lang="ja-JP" altLang="en-US" dirty="0"/>
+              <a:t> </a:t>
+            </a:r>
+            <a:r>
+              <a:rPr lang="en-US" altLang="ja-JP" dirty="0"/>
+              <a:t>5, 8, 11, 14, 15, 17, 20</a:t>
+            </a:r>
+            <a:r>
+              <a:rPr lang="ja-JP" altLang="en-US" dirty="0"/>
+              <a:t>時に発表</a:t>
+            </a:r>
+            <a:endParaRPr kumimoji="1" lang="ja-JP" altLang="en-US" dirty="0"/>
+          </a:p>
+        </p:txBody>
+      </p:sp>
+      <p:sp>
+        <p:nvSpPr>
+          <p:cNvPr id="4" name="テキスト ボックス 3">
+            <a:extLst>
+              <a:ext uri="{FF2B5EF4-FFF2-40B4-BE49-F238E27FC236}">
+                <a16:creationId xmlns:a16="http://schemas.microsoft.com/office/drawing/2014/main" id="{E4F411F1-9DF1-4AE9-932A-4D591AF13FC5}"/>
+              </a:ext>
+            </a:extLst>
+          </p:cNvPr>
+          <p:cNvSpPr txBox="1"/>
+          <p:nvPr/>
+        </p:nvSpPr>
         <p:spPr>
           <a:xfrm>
-            <a:off x="2342257" y="1353173"/>
-            <a:ext cx="7507486" cy="5380841"/>
+            <a:off x="1771301" y="2846763"/>
+            <a:ext cx="8464013" cy="3939540"/>
           </a:xfrm>
+          <a:prstGeom prst="rect">
+            <a:avLst/>
+          </a:prstGeom>
+          <a:solidFill>
+            <a:schemeClr val="bg1"/>
+          </a:solidFill>
+          <a:ln>
+            <a:solidFill>
+              <a:schemeClr val="tx1"/>
+            </a:solidFill>
+          </a:ln>
         </p:spPr>
-      </p:pic>
+        <p:txBody>
+          <a:bodyPr wrap="square" rtlCol="0">
+            <a:spAutoFit/>
+          </a:bodyPr>
+          <a:lstStyle/>
+          <a:p>
+            <a:r>
+              <a:rPr lang="en-US" altLang="ja-JP" sz="2800" b="1" dirty="0"/>
+              <a:t>c</a:t>
+            </a:r>
+            <a:r>
+              <a:rPr kumimoji="1" lang="en-US" altLang="ja-JP" sz="2800" b="1" dirty="0"/>
+              <a:t>ron.py</a:t>
+            </a:r>
+            <a:r>
+              <a:rPr kumimoji="1" lang="ja-JP" altLang="en-US" sz="2800" b="1" dirty="0"/>
+              <a:t>の構造</a:t>
+            </a:r>
+            <a:endParaRPr lang="en-US" altLang="ja-JP" sz="2800" b="1" dirty="0"/>
+          </a:p>
+          <a:p>
+            <a:r>
+              <a:rPr kumimoji="1" lang="ja-JP" altLang="en-US" sz="1400" b="1" dirty="0"/>
+              <a:t>　</a:t>
+            </a:r>
+            <a:endParaRPr kumimoji="1" lang="en-US" altLang="ja-JP" sz="1400" b="1" dirty="0"/>
+          </a:p>
+          <a:p>
+            <a:r>
+              <a:rPr kumimoji="1" lang="ja-JP" altLang="en-US" sz="2800" b="1" dirty="0">
+                <a:solidFill>
+                  <a:srgbClr val="FF0000"/>
+                </a:solidFill>
+              </a:rPr>
+              <a:t>無限ループ</a:t>
+            </a:r>
+            <a:endParaRPr kumimoji="1" lang="en-US" altLang="ja-JP" sz="2800" b="1" dirty="0">
+              <a:solidFill>
+                <a:srgbClr val="FF0000"/>
+              </a:solidFill>
+            </a:endParaRPr>
+          </a:p>
+          <a:p>
+            <a:r>
+              <a:rPr lang="en-US" altLang="ja-JP" sz="2800" b="1" dirty="0"/>
+              <a:t>	</a:t>
+            </a:r>
+            <a:r>
+              <a:rPr lang="ja-JP" altLang="en-US" sz="2800" b="1" dirty="0"/>
+              <a:t>現在時刻を取得</a:t>
+            </a:r>
+            <a:endParaRPr lang="en-US" altLang="ja-JP" sz="2800" b="1" dirty="0"/>
+          </a:p>
+          <a:p>
+            <a:r>
+              <a:rPr lang="en-US" altLang="ja-JP" sz="2800" b="1" dirty="0"/>
+              <a:t>	</a:t>
+            </a:r>
+            <a:r>
+              <a:rPr lang="ja-JP" altLang="en-US" sz="2400" b="1" dirty="0">
+                <a:solidFill>
+                  <a:srgbClr val="FF0000"/>
+                </a:solidFill>
+              </a:rPr>
+              <a:t>時</a:t>
+            </a:r>
+            <a:r>
+              <a:rPr lang="en-US" altLang="ja-JP" sz="2400" b="1" dirty="0">
+                <a:solidFill>
+                  <a:srgbClr val="FF0000"/>
+                </a:solidFill>
+              </a:rPr>
+              <a:t>(hour)</a:t>
+            </a:r>
+            <a:r>
+              <a:rPr lang="ja-JP" altLang="en-US" sz="2400" b="1" dirty="0">
+                <a:solidFill>
+                  <a:srgbClr val="FF0000"/>
+                </a:solidFill>
+              </a:rPr>
+              <a:t>が進んだ時</a:t>
+            </a:r>
+            <a:endParaRPr lang="en-US" altLang="ja-JP" sz="2400" b="1" dirty="0">
+              <a:solidFill>
+                <a:srgbClr val="FF0000"/>
+              </a:solidFill>
+            </a:endParaRPr>
+          </a:p>
+          <a:p>
+            <a:r>
+              <a:rPr kumimoji="1" lang="en-US" altLang="ja-JP" sz="2400" b="1" dirty="0"/>
+              <a:t>		</a:t>
+            </a:r>
+            <a:r>
+              <a:rPr kumimoji="1" lang="ja-JP" altLang="en-US" sz="2400" b="1" dirty="0"/>
+              <a:t>ニュースをスクレイピング</a:t>
+            </a:r>
+            <a:endParaRPr kumimoji="1" lang="en-US" altLang="ja-JP" sz="2400" b="1" dirty="0"/>
+          </a:p>
+          <a:p>
+            <a:r>
+              <a:rPr kumimoji="1" lang="en-US" altLang="ja-JP" sz="2400" b="1" dirty="0"/>
+              <a:t>		</a:t>
+            </a:r>
+            <a:r>
+              <a:rPr lang="ja-JP" altLang="en-US" sz="2400" b="1" dirty="0"/>
+              <a:t>音声ファイル作成</a:t>
+            </a:r>
+            <a:endParaRPr kumimoji="1" lang="en-US" altLang="ja-JP" sz="2400" b="1" dirty="0"/>
+          </a:p>
+          <a:p>
+            <a:r>
+              <a:rPr lang="en-US" altLang="ja-JP" sz="2400" b="1" dirty="0"/>
+              <a:t>		</a:t>
+            </a:r>
+            <a:r>
+              <a:rPr lang="ja-JP" altLang="en-US" sz="2400" b="1" dirty="0">
+                <a:solidFill>
+                  <a:srgbClr val="FF0000"/>
+                </a:solidFill>
+              </a:rPr>
+              <a:t>天気予報の更新時間だった場合</a:t>
+            </a:r>
+            <a:endParaRPr lang="en-US" altLang="ja-JP" sz="2400" b="1" dirty="0">
+              <a:solidFill>
+                <a:srgbClr val="FF0000"/>
+              </a:solidFill>
+            </a:endParaRPr>
+          </a:p>
+          <a:p>
+            <a:r>
+              <a:rPr kumimoji="1" lang="en-US" altLang="ja-JP" sz="2400" b="1" dirty="0"/>
+              <a:t>			</a:t>
+            </a:r>
+            <a:r>
+              <a:rPr kumimoji="1" lang="ja-JP" altLang="en-US" sz="2400" b="1" dirty="0"/>
+              <a:t>天気予報をスクレイピング</a:t>
+            </a:r>
+            <a:endParaRPr kumimoji="1" lang="en-US" altLang="ja-JP" sz="2400" b="1" dirty="0"/>
+          </a:p>
+          <a:p>
+            <a:r>
+              <a:rPr lang="en-US" altLang="ja-JP" sz="2800" b="1" dirty="0"/>
+              <a:t>			</a:t>
+            </a:r>
+            <a:r>
+              <a:rPr lang="ja-JP" altLang="en-US" sz="2400" b="1" dirty="0"/>
+              <a:t>音声ファイル作成</a:t>
+            </a:r>
+            <a:endParaRPr kumimoji="1" lang="ja-JP" altLang="en-US" sz="2400" b="1" dirty="0"/>
+          </a:p>
+        </p:txBody>
+      </p:sp>
+      <p:sp>
+        <p:nvSpPr>
+          <p:cNvPr id="5" name="正方形/長方形 4">
+            <a:extLst>
+              <a:ext uri="{FF2B5EF4-FFF2-40B4-BE49-F238E27FC236}">
+                <a16:creationId xmlns:a16="http://schemas.microsoft.com/office/drawing/2014/main" id="{1FFF3654-8D14-4E85-9550-14E1EB27079A}"/>
+              </a:ext>
+            </a:extLst>
+          </p:cNvPr>
+          <p:cNvSpPr/>
+          <p:nvPr/>
+        </p:nvSpPr>
+        <p:spPr>
+          <a:xfrm>
+            <a:off x="9508067" y="0"/>
+            <a:ext cx="2683933" cy="1593908"/>
+          </a:xfrm>
+          <a:prstGeom prst="rect">
+            <a:avLst/>
+          </a:prstGeom>
+          <a:solidFill>
+            <a:schemeClr val="accent6">
+              <a:lumMod val="60000"/>
+              <a:lumOff val="40000"/>
+            </a:schemeClr>
+          </a:solidFill>
+          <a:ln>
+            <a:solidFill>
+              <a:schemeClr val="tx1"/>
+            </a:solidFill>
+          </a:ln>
+        </p:spPr>
+        <p:style>
+          <a:lnRef idx="2">
+            <a:schemeClr val="accent1">
+              <a:shade val="50000"/>
+            </a:schemeClr>
+          </a:lnRef>
+          <a:fillRef idx="1">
+            <a:schemeClr val="accent1"/>
+          </a:fillRef>
+          <a:effectRef idx="0">
+            <a:schemeClr val="accent1"/>
+          </a:effectRef>
+          <a:fontRef idx="minor">
+            <a:schemeClr val="lt1"/>
+          </a:fontRef>
+        </p:style>
+        <p:txBody>
+          <a:bodyPr rtlCol="0" anchor="ctr"/>
+          <a:lstStyle/>
+          <a:p>
+            <a:pPr algn="ctr"/>
+            <a:endParaRPr kumimoji="1" lang="ja-JP" altLang="en-US"/>
+          </a:p>
+        </p:txBody>
+      </p:sp>
+      <p:sp>
+        <p:nvSpPr>
+          <p:cNvPr id="6" name="矢印: 左右 5">
+            <a:extLst>
+              <a:ext uri="{FF2B5EF4-FFF2-40B4-BE49-F238E27FC236}">
+                <a16:creationId xmlns:a16="http://schemas.microsoft.com/office/drawing/2014/main" id="{4EA144AF-B02D-4412-AD33-227D048EE026}"/>
+              </a:ext>
+            </a:extLst>
+          </p:cNvPr>
+          <p:cNvSpPr/>
+          <p:nvPr/>
+        </p:nvSpPr>
+        <p:spPr>
+          <a:xfrm rot="5400000">
+            <a:off x="1079408" y="5127466"/>
+            <a:ext cx="2387066" cy="343752"/>
+          </a:xfrm>
+          <a:prstGeom prst="leftRightArrow">
+            <a:avLst/>
+          </a:prstGeom>
+          <a:solidFill>
+            <a:srgbClr val="FF0000"/>
+          </a:solidFill>
+          <a:ln>
+            <a:solidFill>
+              <a:schemeClr val="tx1"/>
+            </a:solidFill>
+          </a:ln>
+        </p:spPr>
+        <p:style>
+          <a:lnRef idx="2">
+            <a:schemeClr val="accent1">
+              <a:shade val="50000"/>
+            </a:schemeClr>
+          </a:lnRef>
+          <a:fillRef idx="1">
+            <a:schemeClr val="accent1"/>
+          </a:fillRef>
+          <a:effectRef idx="0">
+            <a:schemeClr val="accent1"/>
+          </a:effectRef>
+          <a:fontRef idx="minor">
+            <a:schemeClr val="lt1"/>
+          </a:fontRef>
+        </p:style>
+        <p:txBody>
+          <a:bodyPr rtlCol="0" anchor="ctr"/>
+          <a:lstStyle/>
+          <a:p>
+            <a:pPr algn="ctr"/>
+            <a:endParaRPr kumimoji="1" lang="ja-JP" altLang="en-US"/>
+          </a:p>
+        </p:txBody>
+      </p:sp>
     </p:spTree>
     <p:extLst>
       <p:ext uri="{BB962C8B-B14F-4D97-AF65-F5344CB8AC3E}">
-        <p14:creationId xmlns:p14="http://schemas.microsoft.com/office/powerpoint/2010/main" val="1347989110"/>
+        <p14:creationId xmlns:p14="http://schemas.microsoft.com/office/powerpoint/2010/main" val="3368829154"/>
       </p:ext>
     </p:extLst>
   </p:cSld>
@@ -5917,6 +8959,156 @@
           <p:cNvPr id="2" name="タイトル 1">
             <a:extLst>
               <a:ext uri="{FF2B5EF4-FFF2-40B4-BE49-F238E27FC236}">
+                <a16:creationId xmlns:a16="http://schemas.microsoft.com/office/drawing/2014/main" id="{0239366D-FD02-4D32-AA25-FA5687E2E9A8}"/>
+              </a:ext>
+            </a:extLst>
+          </p:cNvPr>
+          <p:cNvSpPr>
+            <a:spLocks noGrp="1"/>
+          </p:cNvSpPr>
+          <p:nvPr>
+            <p:ph type="title"/>
+          </p:nvPr>
+        </p:nvSpPr>
+        <p:spPr/>
+        <p:txBody>
+          <a:bodyPr/>
+          <a:lstStyle/>
+          <a:p>
+            <a:r>
+              <a:rPr kumimoji="1" lang="ja-JP" altLang="en-US" dirty="0"/>
+              <a:t>データ取得　定時実行</a:t>
+            </a:r>
+          </a:p>
+        </p:txBody>
+      </p:sp>
+      <p:pic>
+        <p:nvPicPr>
+          <p:cNvPr id="8" name="コンテンツ プレースホルダー 7">
+            <a:extLst>
+              <a:ext uri="{FF2B5EF4-FFF2-40B4-BE49-F238E27FC236}">
+                <a16:creationId xmlns:a16="http://schemas.microsoft.com/office/drawing/2014/main" id="{A6A5C198-EC23-4091-8AF5-A244004DD6F7}"/>
+              </a:ext>
+            </a:extLst>
+          </p:cNvPr>
+          <p:cNvPicPr>
+            <a:picLocks noGrp="1" noChangeAspect="1"/>
+          </p:cNvPicPr>
+          <p:nvPr>
+            <p:ph idx="1"/>
+          </p:nvPr>
+        </p:nvPicPr>
+        <p:blipFill>
+          <a:blip r:embed="rId2">
+            <a:extLst>
+              <a:ext uri="{28A0092B-C50C-407E-A947-70E740481C1C}">
+                <a14:useLocalDpi xmlns:a14="http://schemas.microsoft.com/office/drawing/2010/main" val="0"/>
+              </a:ext>
+            </a:extLst>
+          </a:blip>
+          <a:stretch>
+            <a:fillRect/>
+          </a:stretch>
+        </p:blipFill>
+        <p:spPr>
+          <a:xfrm>
+            <a:off x="2000581" y="1362798"/>
+            <a:ext cx="7507486" cy="5380841"/>
+          </a:xfrm>
+        </p:spPr>
+      </p:pic>
+      <p:sp>
+        <p:nvSpPr>
+          <p:cNvPr id="4" name="正方形/長方形 3">
+            <a:extLst>
+              <a:ext uri="{FF2B5EF4-FFF2-40B4-BE49-F238E27FC236}">
+                <a16:creationId xmlns:a16="http://schemas.microsoft.com/office/drawing/2014/main" id="{9CEB8C61-C32D-41E2-841B-399EE256AABF}"/>
+              </a:ext>
+            </a:extLst>
+          </p:cNvPr>
+          <p:cNvSpPr/>
+          <p:nvPr/>
+        </p:nvSpPr>
+        <p:spPr>
+          <a:xfrm>
+            <a:off x="9508067" y="0"/>
+            <a:ext cx="2683933" cy="1593908"/>
+          </a:xfrm>
+          <a:prstGeom prst="rect">
+            <a:avLst/>
+          </a:prstGeom>
+          <a:solidFill>
+            <a:schemeClr val="accent6">
+              <a:lumMod val="60000"/>
+              <a:lumOff val="40000"/>
+            </a:schemeClr>
+          </a:solidFill>
+          <a:ln>
+            <a:solidFill>
+              <a:schemeClr val="tx1"/>
+            </a:solidFill>
+          </a:ln>
+        </p:spPr>
+        <p:style>
+          <a:lnRef idx="2">
+            <a:schemeClr val="accent1">
+              <a:shade val="50000"/>
+            </a:schemeClr>
+          </a:lnRef>
+          <a:fillRef idx="1">
+            <a:schemeClr val="accent1"/>
+          </a:fillRef>
+          <a:effectRef idx="0">
+            <a:schemeClr val="accent1"/>
+          </a:effectRef>
+          <a:fontRef idx="minor">
+            <a:schemeClr val="lt1"/>
+          </a:fontRef>
+        </p:style>
+        <p:txBody>
+          <a:bodyPr rtlCol="0" anchor="ctr"/>
+          <a:lstStyle/>
+          <a:p>
+            <a:pPr algn="ctr"/>
+            <a:endParaRPr kumimoji="1" lang="ja-JP" altLang="en-US"/>
+          </a:p>
+        </p:txBody>
+      </p:sp>
+    </p:spTree>
+    <p:extLst>
+      <p:ext uri="{BB962C8B-B14F-4D97-AF65-F5344CB8AC3E}">
+        <p14:creationId xmlns:p14="http://schemas.microsoft.com/office/powerpoint/2010/main" val="1347989110"/>
+      </p:ext>
+    </p:extLst>
+  </p:cSld>
+  <p:clrMapOvr>
+    <a:masterClrMapping/>
+  </p:clrMapOvr>
+</p:sld>
+</file>
+
+<file path=ppt/slides/slide16.xml><?xml version="1.0" encoding="utf-8"?>
+<p:sld xmlns:a="http://schemas.openxmlformats.org/drawingml/2006/main" xmlns:r="http://schemas.openxmlformats.org/officeDocument/2006/relationships" xmlns:p="http://schemas.openxmlformats.org/presentationml/2006/main">
+  <p:cSld>
+    <p:spTree>
+      <p:nvGrpSpPr>
+        <p:cNvPr id="1" name=""/>
+        <p:cNvGrpSpPr/>
+        <p:nvPr/>
+      </p:nvGrpSpPr>
+      <p:grpSpPr>
+        <a:xfrm>
+          <a:off x="0" y="0"/>
+          <a:ext cx="0" cy="0"/>
+          <a:chOff x="0" y="0"/>
+          <a:chExt cx="0" cy="0"/>
+        </a:xfrm>
+      </p:grpSpPr>
+      <p:sp>
+        <p:nvSpPr>
+          <p:cNvPr id="2" name="タイトル 1">
+            <a:extLst>
+              <a:ext uri="{FF2B5EF4-FFF2-40B4-BE49-F238E27FC236}">
                 <a16:creationId xmlns:a16="http://schemas.microsoft.com/office/drawing/2014/main" id="{416FDF28-DE91-4559-964D-FBBF51F99738}"/>
               </a:ext>
             </a:extLst>
@@ -6044,6 +9236,63 @@
           </a:p>
         </p:txBody>
       </p:sp>
+      <p:sp>
+        <p:nvSpPr>
+          <p:cNvPr id="6" name="正方形/長方形 5">
+            <a:extLst>
+              <a:ext uri="{FF2B5EF4-FFF2-40B4-BE49-F238E27FC236}">
+                <a16:creationId xmlns:a16="http://schemas.microsoft.com/office/drawing/2014/main" id="{402AECB5-4ABC-4E92-8BBE-67490A269199}"/>
+              </a:ext>
+            </a:extLst>
+          </p:cNvPr>
+          <p:cNvSpPr/>
+          <p:nvPr/>
+        </p:nvSpPr>
+        <p:spPr>
+          <a:xfrm>
+            <a:off x="9508067" y="0"/>
+            <a:ext cx="2683933" cy="1593908"/>
+          </a:xfrm>
+          <a:prstGeom prst="rect">
+            <a:avLst/>
+          </a:prstGeom>
+          <a:solidFill>
+            <a:schemeClr val="accent6">
+              <a:lumMod val="60000"/>
+              <a:lumOff val="40000"/>
+            </a:schemeClr>
+          </a:solidFill>
+          <a:ln>
+            <a:solidFill>
+              <a:schemeClr val="tx1"/>
+            </a:solidFill>
+          </a:ln>
+        </p:spPr>
+        <p:style>
+          <a:lnRef idx="2">
+            <a:schemeClr val="accent1">
+              <a:shade val="50000"/>
+            </a:schemeClr>
+          </a:lnRef>
+          <a:fillRef idx="1">
+            <a:schemeClr val="accent1"/>
+          </a:fillRef>
+          <a:effectRef idx="0">
+            <a:schemeClr val="accent1"/>
+          </a:effectRef>
+          <a:fontRef idx="minor">
+            <a:schemeClr val="lt1"/>
+          </a:fontRef>
+        </p:style>
+        <p:txBody>
+          <a:bodyPr rtlCol="0" anchor="ctr"/>
+          <a:lstStyle/>
+          <a:p>
+            <a:pPr algn="ctr"/>
+            <a:endParaRPr kumimoji="1" lang="ja-JP" altLang="en-US"/>
+          </a:p>
+        </p:txBody>
+      </p:sp>
     </p:spTree>
     <p:extLst>
       <p:ext uri="{BB962C8B-B14F-4D97-AF65-F5344CB8AC3E}">
@@ -6057,7 +9306,7 @@
 </p:sld>
 </file>
 
-<file path=ppt/slides/slide16.xml><?xml version="1.0" encoding="utf-8"?>
+<file path=ppt/slides/slide17.xml><?xml version="1.0" encoding="utf-8"?>
 <p:sld xmlns:a="http://schemas.openxmlformats.org/drawingml/2006/main" xmlns:r="http://schemas.openxmlformats.org/officeDocument/2006/relationships" xmlns:p="http://schemas.openxmlformats.org/presentationml/2006/main">
   <p:cSld>
     <p:spTree>
@@ -6260,162 +9509,67 @@
           </a:p>
         </p:txBody>
       </p:sp>
+      <p:sp>
+        <p:nvSpPr>
+          <p:cNvPr id="7" name="正方形/長方形 6">
+            <a:extLst>
+              <a:ext uri="{FF2B5EF4-FFF2-40B4-BE49-F238E27FC236}">
+                <a16:creationId xmlns:a16="http://schemas.microsoft.com/office/drawing/2014/main" id="{80E5E537-424F-41E6-BF88-40216A9BFFBC}"/>
+              </a:ext>
+            </a:extLst>
+          </p:cNvPr>
+          <p:cNvSpPr/>
+          <p:nvPr/>
+        </p:nvSpPr>
+        <p:spPr>
+          <a:xfrm>
+            <a:off x="9508067" y="0"/>
+            <a:ext cx="2683933" cy="1593908"/>
+          </a:xfrm>
+          <a:prstGeom prst="rect">
+            <a:avLst/>
+          </a:prstGeom>
+          <a:solidFill>
+            <a:schemeClr val="accent6">
+              <a:lumMod val="60000"/>
+              <a:lumOff val="40000"/>
+            </a:schemeClr>
+          </a:solidFill>
+          <a:ln>
+            <a:solidFill>
+              <a:schemeClr val="tx1"/>
+            </a:solidFill>
+          </a:ln>
+        </p:spPr>
+        <p:style>
+          <a:lnRef idx="2">
+            <a:schemeClr val="accent1">
+              <a:shade val="50000"/>
+            </a:schemeClr>
+          </a:lnRef>
+          <a:fillRef idx="1">
+            <a:schemeClr val="accent1"/>
+          </a:fillRef>
+          <a:effectRef idx="0">
+            <a:schemeClr val="accent1"/>
+          </a:effectRef>
+          <a:fontRef idx="minor">
+            <a:schemeClr val="lt1"/>
+          </a:fontRef>
+        </p:style>
+        <p:txBody>
+          <a:bodyPr rtlCol="0" anchor="ctr"/>
+          <a:lstStyle/>
+          <a:p>
+            <a:pPr algn="ctr"/>
+            <a:endParaRPr kumimoji="1" lang="ja-JP" altLang="en-US"/>
+          </a:p>
+        </p:txBody>
+      </p:sp>
     </p:spTree>
     <p:extLst>
       <p:ext uri="{BB962C8B-B14F-4D97-AF65-F5344CB8AC3E}">
         <p14:creationId xmlns:p14="http://schemas.microsoft.com/office/powerpoint/2010/main" val="3778558568"/>
-      </p:ext>
-    </p:extLst>
-  </p:cSld>
-  <p:clrMapOvr>
-    <a:masterClrMapping/>
-  </p:clrMapOvr>
-</p:sld>
-</file>
-
-<file path=ppt/slides/slide17.xml><?xml version="1.0" encoding="utf-8"?>
-<p:sld xmlns:a="http://schemas.openxmlformats.org/drawingml/2006/main" xmlns:r="http://schemas.openxmlformats.org/officeDocument/2006/relationships" xmlns:p="http://schemas.openxmlformats.org/presentationml/2006/main">
-  <p:cSld>
-    <p:spTree>
-      <p:nvGrpSpPr>
-        <p:cNvPr id="1" name=""/>
-        <p:cNvGrpSpPr/>
-        <p:nvPr/>
-      </p:nvGrpSpPr>
-      <p:grpSpPr>
-        <a:xfrm>
-          <a:off x="0" y="0"/>
-          <a:ext cx="0" cy="0"/>
-          <a:chOff x="0" y="0"/>
-          <a:chExt cx="0" cy="0"/>
-        </a:xfrm>
-      </p:grpSpPr>
-      <p:sp>
-        <p:nvSpPr>
-          <p:cNvPr id="2" name="タイトル 1">
-            <a:extLst>
-              <a:ext uri="{FF2B5EF4-FFF2-40B4-BE49-F238E27FC236}">
-                <a16:creationId xmlns:a16="http://schemas.microsoft.com/office/drawing/2014/main" id="{208E96DD-60EE-481E-BC80-125F1F007D39}"/>
-              </a:ext>
-            </a:extLst>
-          </p:cNvPr>
-          <p:cNvSpPr>
-            <a:spLocks noGrp="1"/>
-          </p:cNvSpPr>
-          <p:nvPr>
-            <p:ph type="title"/>
-          </p:nvPr>
-        </p:nvSpPr>
-        <p:spPr/>
-        <p:txBody>
-          <a:bodyPr/>
-          <a:lstStyle/>
-          <a:p>
-            <a:r>
-              <a:rPr kumimoji="1" lang="ja-JP" altLang="en-US" dirty="0"/>
-              <a:t>トラブルの対処</a:t>
-            </a:r>
-          </a:p>
-        </p:txBody>
-      </p:sp>
-      <p:sp>
-        <p:nvSpPr>
-          <p:cNvPr id="3" name="コンテンツ プレースホルダー 2">
-            <a:extLst>
-              <a:ext uri="{FF2B5EF4-FFF2-40B4-BE49-F238E27FC236}">
-                <a16:creationId xmlns:a16="http://schemas.microsoft.com/office/drawing/2014/main" id="{D4342974-17CB-4DEE-BC69-327BEC83B62D}"/>
-              </a:ext>
-            </a:extLst>
-          </p:cNvPr>
-          <p:cNvSpPr>
-            <a:spLocks noGrp="1"/>
-          </p:cNvSpPr>
-          <p:nvPr>
-            <p:ph idx="1"/>
-          </p:nvPr>
-        </p:nvSpPr>
-        <p:spPr/>
-        <p:txBody>
-          <a:bodyPr/>
-          <a:lstStyle/>
-          <a:p>
-            <a:pPr marL="0" indent="0">
-              <a:buNone/>
-            </a:pPr>
-            <a:r>
-              <a:rPr kumimoji="1" lang="ja-JP" altLang="en-US" dirty="0"/>
-              <a:t>マイクが出力音声を拾ってしまい誤作動</a:t>
-            </a:r>
-            <a:endParaRPr kumimoji="1" lang="en-US" altLang="ja-JP" dirty="0"/>
-          </a:p>
-          <a:p>
-            <a:pPr marL="0" indent="0">
-              <a:buNone/>
-            </a:pPr>
-            <a:r>
-              <a:rPr lang="ja-JP" altLang="en-US" dirty="0"/>
-              <a:t>→出力直前にマイクミュート／出力終了後に解除</a:t>
-            </a:r>
-            <a:endParaRPr kumimoji="1" lang="en-US" altLang="ja-JP" dirty="0"/>
-          </a:p>
-          <a:p>
-            <a:pPr marL="0" indent="0">
-              <a:buNone/>
-            </a:pPr>
-            <a:r>
-              <a:rPr lang="ja-JP" altLang="en-US" dirty="0"/>
-              <a:t>　コマンドをシェルスクリプトとして実行</a:t>
-            </a:r>
-            <a:endParaRPr lang="en-US" altLang="ja-JP" dirty="0"/>
-          </a:p>
-          <a:p>
-            <a:pPr marL="0" indent="0">
-              <a:buNone/>
-            </a:pPr>
-            <a:endParaRPr kumimoji="1" lang="en-US" altLang="ja-JP" dirty="0"/>
-          </a:p>
-        </p:txBody>
-      </p:sp>
-      <p:pic>
-        <p:nvPicPr>
-          <p:cNvPr id="5" name="図 4">
-            <a:extLst>
-              <a:ext uri="{FF2B5EF4-FFF2-40B4-BE49-F238E27FC236}">
-                <a16:creationId xmlns:a16="http://schemas.microsoft.com/office/drawing/2014/main" id="{E5169DD9-22EF-4B54-956D-B061F8F9E7DF}"/>
-              </a:ext>
-            </a:extLst>
-          </p:cNvPr>
-          <p:cNvPicPr>
-            <a:picLocks noChangeAspect="1"/>
-          </p:cNvPicPr>
-          <p:nvPr/>
-        </p:nvPicPr>
-        <p:blipFill>
-          <a:blip r:embed="rId2">
-            <a:extLst>
-              <a:ext uri="{28A0092B-C50C-407E-A947-70E740481C1C}">
-                <a14:useLocalDpi xmlns:a14="http://schemas.microsoft.com/office/drawing/2010/main" val="0"/>
-              </a:ext>
-            </a:extLst>
-          </a:blip>
-          <a:stretch>
-            <a:fillRect/>
-          </a:stretch>
-        </p:blipFill>
-        <p:spPr>
-          <a:xfrm>
-            <a:off x="2781813" y="3301140"/>
-            <a:ext cx="6403129" cy="3390254"/>
-          </a:xfrm>
-          <a:prstGeom prst="rect">
-            <a:avLst/>
-          </a:prstGeom>
-        </p:spPr>
-      </p:pic>
-    </p:spTree>
-    <p:extLst>
-      <p:ext uri="{BB962C8B-B14F-4D97-AF65-F5344CB8AC3E}">
-        <p14:creationId xmlns:p14="http://schemas.microsoft.com/office/powerpoint/2010/main" val="2817091244"/>
       </p:ext>
     </p:extLst>
   </p:cSld>
@@ -6447,7 +9601,7 @@
           <p:cNvPr id="2" name="タイトル 1">
             <a:extLst>
               <a:ext uri="{FF2B5EF4-FFF2-40B4-BE49-F238E27FC236}">
-                <a16:creationId xmlns:a16="http://schemas.microsoft.com/office/drawing/2014/main" id="{F24EB109-BC34-41EC-A9D0-C442E52A8779}"/>
+                <a16:creationId xmlns:a16="http://schemas.microsoft.com/office/drawing/2014/main" id="{208E96DD-60EE-481E-BC80-125F1F007D39}"/>
               </a:ext>
             </a:extLst>
           </p:cNvPr>
@@ -6465,7 +9619,7 @@
           <a:p>
             <a:r>
               <a:rPr kumimoji="1" lang="ja-JP" altLang="en-US" dirty="0"/>
-              <a:t>デモンストレーション</a:t>
+              <a:t>トラブルの対処</a:t>
             </a:r>
           </a:p>
         </p:txBody>
@@ -6475,7 +9629,7 @@
           <p:cNvPr id="3" name="コンテンツ プレースホルダー 2">
             <a:extLst>
               <a:ext uri="{FF2B5EF4-FFF2-40B4-BE49-F238E27FC236}">
-                <a16:creationId xmlns:a16="http://schemas.microsoft.com/office/drawing/2014/main" id="{69DE47EB-7D6D-49AB-9AD1-0A77390D212D}"/>
+                <a16:creationId xmlns:a16="http://schemas.microsoft.com/office/drawing/2014/main" id="{D4342974-17CB-4DEE-BC69-327BEC83B62D}"/>
               </a:ext>
             </a:extLst>
           </p:cNvPr>
@@ -6491,21 +9645,148 @@
           <a:bodyPr/>
           <a:lstStyle/>
           <a:p>
-            <a:r>
-              <a:rPr kumimoji="1" lang="en-US" altLang="ja-JP" dirty="0"/>
-              <a:t>YoSiE</a:t>
-            </a:r>
+            <a:pPr marL="0" indent="0">
+              <a:buNone/>
+            </a:pPr>
             <a:r>
               <a:rPr kumimoji="1" lang="ja-JP" altLang="en-US" dirty="0"/>
-              <a:t>の授業参観</a:t>
-            </a:r>
+              <a:t>マイクが出力音声を拾ってしまい誤作動</a:t>
+            </a:r>
+            <a:endParaRPr kumimoji="1" lang="en-US" altLang="ja-JP" dirty="0"/>
+          </a:p>
+          <a:p>
+            <a:pPr marL="0" indent="0">
+              <a:buNone/>
+            </a:pPr>
+            <a:r>
+              <a:rPr lang="ja-JP" altLang="en-US" dirty="0">
+                <a:solidFill>
+                  <a:srgbClr val="FF0000"/>
+                </a:solidFill>
+              </a:rPr>
+              <a:t>→</a:t>
+            </a:r>
+            <a:r>
+              <a:rPr lang="ja-JP" altLang="en-US" dirty="0"/>
+              <a:t>出力直前にマイクミュート／出力終了後に解除</a:t>
+            </a:r>
+            <a:endParaRPr kumimoji="1" lang="en-US" altLang="ja-JP" dirty="0"/>
+          </a:p>
+          <a:p>
+            <a:pPr marL="0" indent="0">
+              <a:buNone/>
+            </a:pPr>
+            <a:r>
+              <a:rPr lang="ja-JP" altLang="en-US" dirty="0"/>
+              <a:t>　コマンドをシェルスクリプトとして実行</a:t>
+            </a:r>
+            <a:endParaRPr lang="en-US" altLang="ja-JP" dirty="0"/>
+          </a:p>
+          <a:p>
+            <a:pPr marL="0" indent="0">
+              <a:buNone/>
+            </a:pPr>
+            <a:endParaRPr kumimoji="1" lang="en-US" altLang="ja-JP" dirty="0"/>
+          </a:p>
+        </p:txBody>
+      </p:sp>
+      <p:pic>
+        <p:nvPicPr>
+          <p:cNvPr id="5" name="図 4">
+            <a:extLst>
+              <a:ext uri="{FF2B5EF4-FFF2-40B4-BE49-F238E27FC236}">
+                <a16:creationId xmlns:a16="http://schemas.microsoft.com/office/drawing/2014/main" id="{E5169DD9-22EF-4B54-956D-B061F8F9E7DF}"/>
+              </a:ext>
+            </a:extLst>
+          </p:cNvPr>
+          <p:cNvPicPr>
+            <a:picLocks noChangeAspect="1"/>
+          </p:cNvPicPr>
+          <p:nvPr/>
+        </p:nvPicPr>
+        <p:blipFill>
+          <a:blip r:embed="rId2">
+            <a:extLst>
+              <a:ext uri="{28A0092B-C50C-407E-A947-70E740481C1C}">
+                <a14:useLocalDpi xmlns:a14="http://schemas.microsoft.com/office/drawing/2010/main" val="0"/>
+              </a:ext>
+            </a:extLst>
+          </a:blip>
+          <a:stretch>
+            <a:fillRect/>
+          </a:stretch>
+        </p:blipFill>
+        <p:spPr>
+          <a:xfrm>
+            <a:off x="2781813" y="3301140"/>
+            <a:ext cx="6403129" cy="3390254"/>
+          </a:xfrm>
+          <a:prstGeom prst="rect">
+            <a:avLst/>
+          </a:prstGeom>
+        </p:spPr>
+      </p:pic>
+      <p:sp>
+        <p:nvSpPr>
+          <p:cNvPr id="6" name="正方形/長方形 5">
+            <a:extLst>
+              <a:ext uri="{FF2B5EF4-FFF2-40B4-BE49-F238E27FC236}">
+                <a16:creationId xmlns:a16="http://schemas.microsoft.com/office/drawing/2014/main" id="{09352AF5-F1BE-43DA-B571-3F8F31C00DAE}"/>
+              </a:ext>
+            </a:extLst>
+          </p:cNvPr>
+          <p:cNvSpPr/>
+          <p:nvPr/>
+        </p:nvSpPr>
+        <p:spPr>
+          <a:xfrm>
+            <a:off x="9508067" y="0"/>
+            <a:ext cx="2683933" cy="1593908"/>
+          </a:xfrm>
+          <a:prstGeom prst="rect">
+            <a:avLst/>
+          </a:prstGeom>
+          <a:solidFill>
+            <a:schemeClr val="accent6">
+              <a:lumMod val="60000"/>
+              <a:lumOff val="40000"/>
+            </a:schemeClr>
+          </a:solidFill>
+          <a:ln>
+            <a:solidFill>
+              <a:schemeClr val="tx1"/>
+            </a:solidFill>
+          </a:ln>
+        </p:spPr>
+        <p:style>
+          <a:lnRef idx="2">
+            <a:schemeClr val="accent1">
+              <a:shade val="50000"/>
+            </a:schemeClr>
+          </a:lnRef>
+          <a:fillRef idx="1">
+            <a:schemeClr val="accent1"/>
+          </a:fillRef>
+          <a:effectRef idx="0">
+            <a:schemeClr val="accent1"/>
+          </a:effectRef>
+          <a:fontRef idx="minor">
+            <a:schemeClr val="lt1"/>
+          </a:fontRef>
+        </p:style>
+        <p:txBody>
+          <a:bodyPr rtlCol="0" anchor="ctr"/>
+          <a:lstStyle/>
+          <a:p>
+            <a:pPr algn="ctr"/>
+            <a:endParaRPr kumimoji="1" lang="ja-JP" altLang="en-US"/>
           </a:p>
         </p:txBody>
       </p:sp>
     </p:spTree>
     <p:extLst>
       <p:ext uri="{BB962C8B-B14F-4D97-AF65-F5344CB8AC3E}">
-        <p14:creationId xmlns:p14="http://schemas.microsoft.com/office/powerpoint/2010/main" val="3683524359"/>
+        <p14:creationId xmlns:p14="http://schemas.microsoft.com/office/powerpoint/2010/main" val="2817091244"/>
       </p:ext>
     </p:extLst>
   </p:cSld>
@@ -6537,7 +9818,7 @@
           <p:cNvPr id="2" name="タイトル 1">
             <a:extLst>
               <a:ext uri="{FF2B5EF4-FFF2-40B4-BE49-F238E27FC236}">
-                <a16:creationId xmlns:a16="http://schemas.microsoft.com/office/drawing/2014/main" id="{B43B901B-C015-40EF-B4CD-3F5F25F44EC0}"/>
+                <a16:creationId xmlns:a16="http://schemas.microsoft.com/office/drawing/2014/main" id="{F24EB109-BC34-41EC-A9D0-C442E52A8779}"/>
               </a:ext>
             </a:extLst>
           </p:cNvPr>
@@ -6554,12 +9835,8 @@
           <a:lstStyle/>
           <a:p>
             <a:r>
-              <a:rPr kumimoji="1" lang="en-US" altLang="ja-JP" dirty="0"/>
-              <a:t>YoSiE</a:t>
-            </a:r>
-            <a:r>
               <a:rPr kumimoji="1" lang="ja-JP" altLang="en-US" dirty="0"/>
-              <a:t>の可能性</a:t>
+              <a:t>実行ファイル</a:t>
             </a:r>
           </a:p>
         </p:txBody>
@@ -6569,7 +9846,7 @@
           <p:cNvPr id="3" name="コンテンツ プレースホルダー 2">
             <a:extLst>
               <a:ext uri="{FF2B5EF4-FFF2-40B4-BE49-F238E27FC236}">
-                <a16:creationId xmlns:a16="http://schemas.microsoft.com/office/drawing/2014/main" id="{1E815E2C-35DE-441F-860D-34AECE6DA488}"/>
+                <a16:creationId xmlns:a16="http://schemas.microsoft.com/office/drawing/2014/main" id="{69DE47EB-7D6D-49AB-9AD1-0A77390D212D}"/>
               </a:ext>
             </a:extLst>
           </p:cNvPr>
@@ -6585,6 +9862,110 @@
           <a:bodyPr/>
           <a:lstStyle/>
           <a:p>
+            <a:pPr marL="0" indent="0">
+              <a:buNone/>
+            </a:pPr>
+            <a:r>
+              <a:rPr lang="en-US" altLang="ja-JP" b="1" dirty="0"/>
+              <a:t>y</a:t>
+            </a:r>
+            <a:r>
+              <a:rPr kumimoji="1" lang="en-US" altLang="ja-JP" b="1" dirty="0"/>
+              <a:t>osie.sh</a:t>
+            </a:r>
+            <a:endParaRPr kumimoji="1" lang="ja-JP" altLang="en-US" b="1" dirty="0"/>
+          </a:p>
+        </p:txBody>
+      </p:sp>
+      <p:pic>
+        <p:nvPicPr>
+          <p:cNvPr id="5" name="図 4">
+            <a:extLst>
+              <a:ext uri="{FF2B5EF4-FFF2-40B4-BE49-F238E27FC236}">
+                <a16:creationId xmlns:a16="http://schemas.microsoft.com/office/drawing/2014/main" id="{902DE915-7CA6-4F32-A692-65463E1DB534}"/>
+              </a:ext>
+            </a:extLst>
+          </p:cNvPr>
+          <p:cNvPicPr>
+            <a:picLocks noChangeAspect="1"/>
+          </p:cNvPicPr>
+          <p:nvPr/>
+        </p:nvPicPr>
+        <p:blipFill>
+          <a:blip r:embed="rId2">
+            <a:extLst>
+              <a:ext uri="{28A0092B-C50C-407E-A947-70E740481C1C}">
+                <a14:useLocalDpi xmlns:a14="http://schemas.microsoft.com/office/drawing/2010/main" val="0"/>
+              </a:ext>
+            </a:extLst>
+          </a:blip>
+          <a:stretch>
+            <a:fillRect/>
+          </a:stretch>
+        </p:blipFill>
+        <p:spPr>
+          <a:xfrm>
+            <a:off x="2329271" y="1674565"/>
+            <a:ext cx="8017887" cy="4998804"/>
+          </a:xfrm>
+          <a:prstGeom prst="rect">
+            <a:avLst/>
+          </a:prstGeom>
+        </p:spPr>
+      </p:pic>
+      <p:sp>
+        <p:nvSpPr>
+          <p:cNvPr id="6" name="正方形/長方形 5">
+            <a:extLst>
+              <a:ext uri="{FF2B5EF4-FFF2-40B4-BE49-F238E27FC236}">
+                <a16:creationId xmlns:a16="http://schemas.microsoft.com/office/drawing/2014/main" id="{103D16E7-5412-4AFE-B05C-94152D5237D5}"/>
+              </a:ext>
+            </a:extLst>
+          </p:cNvPr>
+          <p:cNvSpPr/>
+          <p:nvPr/>
+        </p:nvSpPr>
+        <p:spPr>
+          <a:xfrm>
+            <a:off x="9508067" y="0"/>
+            <a:ext cx="2683933" cy="1593908"/>
+          </a:xfrm>
+          <a:prstGeom prst="rect">
+            <a:avLst/>
+          </a:prstGeom>
+          <a:solidFill>
+            <a:schemeClr val="accent6">
+              <a:lumMod val="60000"/>
+              <a:lumOff val="40000"/>
+            </a:schemeClr>
+          </a:solidFill>
+          <a:ln>
+            <a:solidFill>
+              <a:schemeClr val="tx1"/>
+            </a:solidFill>
+          </a:ln>
+        </p:spPr>
+        <p:style>
+          <a:lnRef idx="2">
+            <a:schemeClr val="accent1">
+              <a:shade val="50000"/>
+            </a:schemeClr>
+          </a:lnRef>
+          <a:fillRef idx="1">
+            <a:schemeClr val="accent1"/>
+          </a:fillRef>
+          <a:effectRef idx="0">
+            <a:schemeClr val="accent1"/>
+          </a:effectRef>
+          <a:fontRef idx="minor">
+            <a:schemeClr val="lt1"/>
+          </a:fontRef>
+        </p:style>
+        <p:txBody>
+          <a:bodyPr rtlCol="0" anchor="ctr"/>
+          <a:lstStyle/>
+          <a:p>
+            <a:pPr algn="ctr"/>
             <a:endParaRPr kumimoji="1" lang="ja-JP" altLang="en-US"/>
           </a:p>
         </p:txBody>
@@ -6592,7 +9973,7 @@
     </p:spTree>
     <p:extLst>
       <p:ext uri="{BB962C8B-B14F-4D97-AF65-F5344CB8AC3E}">
-        <p14:creationId xmlns:p14="http://schemas.microsoft.com/office/powerpoint/2010/main" val="1361338163"/>
+        <p14:creationId xmlns:p14="http://schemas.microsoft.com/office/powerpoint/2010/main" val="3683524359"/>
       </p:ext>
     </p:extLst>
   </p:cSld>
@@ -7795,6 +11176,570 @@
           <p:cNvPr id="2" name="タイトル 1">
             <a:extLst>
               <a:ext uri="{FF2B5EF4-FFF2-40B4-BE49-F238E27FC236}">
+                <a16:creationId xmlns:a16="http://schemas.microsoft.com/office/drawing/2014/main" id="{F24EB109-BC34-41EC-A9D0-C442E52A8779}"/>
+              </a:ext>
+            </a:extLst>
+          </p:cNvPr>
+          <p:cNvSpPr>
+            <a:spLocks noGrp="1"/>
+          </p:cNvSpPr>
+          <p:nvPr>
+            <p:ph type="title"/>
+          </p:nvPr>
+        </p:nvSpPr>
+        <p:spPr/>
+        <p:txBody>
+          <a:bodyPr/>
+          <a:lstStyle/>
+          <a:p>
+            <a:r>
+              <a:rPr kumimoji="1" lang="ja-JP" altLang="en-US" dirty="0"/>
+              <a:t>実行ファイル</a:t>
+            </a:r>
+          </a:p>
+        </p:txBody>
+      </p:sp>
+      <p:sp>
+        <p:nvSpPr>
+          <p:cNvPr id="3" name="コンテンツ プレースホルダー 2">
+            <a:extLst>
+              <a:ext uri="{FF2B5EF4-FFF2-40B4-BE49-F238E27FC236}">
+                <a16:creationId xmlns:a16="http://schemas.microsoft.com/office/drawing/2014/main" id="{69DE47EB-7D6D-49AB-9AD1-0A77390D212D}"/>
+              </a:ext>
+            </a:extLst>
+          </p:cNvPr>
+          <p:cNvSpPr>
+            <a:spLocks noGrp="1"/>
+          </p:cNvSpPr>
+          <p:nvPr>
+            <p:ph idx="1"/>
+          </p:nvPr>
+        </p:nvSpPr>
+        <p:spPr/>
+        <p:txBody>
+          <a:bodyPr/>
+          <a:lstStyle/>
+          <a:p>
+            <a:pPr marL="0" indent="0">
+              <a:buNone/>
+            </a:pPr>
+            <a:r>
+              <a:rPr lang="en-US" altLang="ja-JP" b="1" dirty="0"/>
+              <a:t>y</a:t>
+            </a:r>
+            <a:r>
+              <a:rPr kumimoji="1" lang="en-US" altLang="ja-JP" b="1" dirty="0"/>
+              <a:t>osie.sh</a:t>
+            </a:r>
+            <a:endParaRPr kumimoji="1" lang="ja-JP" altLang="en-US" b="1" dirty="0"/>
+          </a:p>
+        </p:txBody>
+      </p:sp>
+      <p:pic>
+        <p:nvPicPr>
+          <p:cNvPr id="5" name="図 4">
+            <a:extLst>
+              <a:ext uri="{FF2B5EF4-FFF2-40B4-BE49-F238E27FC236}">
+                <a16:creationId xmlns:a16="http://schemas.microsoft.com/office/drawing/2014/main" id="{902DE915-7CA6-4F32-A692-65463E1DB534}"/>
+              </a:ext>
+            </a:extLst>
+          </p:cNvPr>
+          <p:cNvPicPr>
+            <a:picLocks noChangeAspect="1"/>
+          </p:cNvPicPr>
+          <p:nvPr/>
+        </p:nvPicPr>
+        <p:blipFill>
+          <a:blip r:embed="rId2">
+            <a:extLst>
+              <a:ext uri="{28A0092B-C50C-407E-A947-70E740481C1C}">
+                <a14:useLocalDpi xmlns:a14="http://schemas.microsoft.com/office/drawing/2010/main" val="0"/>
+              </a:ext>
+            </a:extLst>
+          </a:blip>
+          <a:stretch>
+            <a:fillRect/>
+          </a:stretch>
+        </p:blipFill>
+        <p:spPr>
+          <a:xfrm>
+            <a:off x="2329271" y="1674565"/>
+            <a:ext cx="8017887" cy="4998804"/>
+          </a:xfrm>
+          <a:prstGeom prst="rect">
+            <a:avLst/>
+          </a:prstGeom>
+        </p:spPr>
+      </p:pic>
+      <p:sp>
+        <p:nvSpPr>
+          <p:cNvPr id="6" name="正方形/長方形 5">
+            <a:extLst>
+              <a:ext uri="{FF2B5EF4-FFF2-40B4-BE49-F238E27FC236}">
+                <a16:creationId xmlns:a16="http://schemas.microsoft.com/office/drawing/2014/main" id="{103D16E7-5412-4AFE-B05C-94152D5237D5}"/>
+              </a:ext>
+            </a:extLst>
+          </p:cNvPr>
+          <p:cNvSpPr/>
+          <p:nvPr/>
+        </p:nvSpPr>
+        <p:spPr>
+          <a:xfrm>
+            <a:off x="9508067" y="0"/>
+            <a:ext cx="2683933" cy="1593908"/>
+          </a:xfrm>
+          <a:prstGeom prst="rect">
+            <a:avLst/>
+          </a:prstGeom>
+          <a:solidFill>
+            <a:schemeClr val="accent6">
+              <a:lumMod val="60000"/>
+              <a:lumOff val="40000"/>
+            </a:schemeClr>
+          </a:solidFill>
+          <a:ln>
+            <a:solidFill>
+              <a:schemeClr val="tx1"/>
+            </a:solidFill>
+          </a:ln>
+        </p:spPr>
+        <p:style>
+          <a:lnRef idx="2">
+            <a:schemeClr val="accent1">
+              <a:shade val="50000"/>
+            </a:schemeClr>
+          </a:lnRef>
+          <a:fillRef idx="1">
+            <a:schemeClr val="accent1"/>
+          </a:fillRef>
+          <a:effectRef idx="0">
+            <a:schemeClr val="accent1"/>
+          </a:effectRef>
+          <a:fontRef idx="minor">
+            <a:schemeClr val="lt1"/>
+          </a:fontRef>
+        </p:style>
+        <p:txBody>
+          <a:bodyPr rtlCol="0" anchor="ctr"/>
+          <a:lstStyle/>
+          <a:p>
+            <a:pPr algn="ctr"/>
+            <a:endParaRPr kumimoji="1" lang="ja-JP" altLang="en-US"/>
+          </a:p>
+        </p:txBody>
+      </p:sp>
+      <p:sp>
+        <p:nvSpPr>
+          <p:cNvPr id="7" name="テキスト ボックス 6">
+            <a:extLst>
+              <a:ext uri="{FF2B5EF4-FFF2-40B4-BE49-F238E27FC236}">
+                <a16:creationId xmlns:a16="http://schemas.microsoft.com/office/drawing/2014/main" id="{AA718F83-8DC1-451F-AB9B-CB6C2DCD112E}"/>
+              </a:ext>
+            </a:extLst>
+          </p:cNvPr>
+          <p:cNvSpPr txBox="1"/>
+          <p:nvPr/>
+        </p:nvSpPr>
+        <p:spPr>
+          <a:xfrm>
+            <a:off x="2329270" y="1674565"/>
+            <a:ext cx="8017887" cy="4998804"/>
+          </a:xfrm>
+          <a:prstGeom prst="rect">
+            <a:avLst/>
+          </a:prstGeom>
+          <a:solidFill>
+            <a:schemeClr val="bg1"/>
+          </a:solidFill>
+          <a:ln>
+            <a:solidFill>
+              <a:schemeClr val="tx1"/>
+            </a:solidFill>
+          </a:ln>
+        </p:spPr>
+        <p:txBody>
+          <a:bodyPr wrap="square" rtlCol="0">
+            <a:spAutoFit/>
+          </a:bodyPr>
+          <a:lstStyle/>
+          <a:p>
+            <a:pPr>
+              <a:spcAft>
+                <a:spcPts val="220"/>
+              </a:spcAft>
+            </a:pPr>
+            <a:r>
+              <a:rPr lang="en-US" altLang="ja-JP" sz="1970" b="1" dirty="0"/>
+              <a:t>#!/bin/bash</a:t>
+            </a:r>
+          </a:p>
+          <a:p>
+            <a:pPr>
+              <a:spcAft>
+                <a:spcPts val="220"/>
+              </a:spcAft>
+            </a:pPr>
+            <a:r>
+              <a:rPr lang="ja-JP" altLang="en-US" sz="1970" b="1" dirty="0"/>
+              <a:t>環境変数指定</a:t>
+            </a:r>
+            <a:endParaRPr lang="en-US" altLang="ja-JP" sz="1970" b="1" dirty="0"/>
+          </a:p>
+          <a:p>
+            <a:pPr>
+              <a:spcAft>
+                <a:spcPts val="220"/>
+              </a:spcAft>
+            </a:pPr>
+            <a:r>
+              <a:rPr lang="ja-JP" altLang="en-US" sz="1970" b="1" dirty="0"/>
+              <a:t>ディレクトリ移動</a:t>
+            </a:r>
+            <a:endParaRPr lang="en-US" altLang="ja-JP" sz="1970" b="1" dirty="0"/>
+          </a:p>
+          <a:p>
+            <a:pPr>
+              <a:spcAft>
+                <a:spcPts val="220"/>
+              </a:spcAft>
+            </a:pPr>
+            <a:r>
+              <a:rPr lang="ja-JP" altLang="en-US" sz="1970" b="1" dirty="0"/>
+              <a:t>音声メッセージ：起動待機</a:t>
+            </a:r>
+            <a:endParaRPr lang="en-US" altLang="ja-JP" sz="1970" b="1" dirty="0"/>
+          </a:p>
+          <a:p>
+            <a:pPr>
+              <a:spcAft>
+                <a:spcPts val="220"/>
+              </a:spcAft>
+            </a:pPr>
+            <a:endParaRPr lang="en-US" altLang="ja-JP" sz="1970" b="1" dirty="0"/>
+          </a:p>
+          <a:p>
+            <a:pPr>
+              <a:spcAft>
+                <a:spcPts val="220"/>
+              </a:spcAft>
+            </a:pPr>
+            <a:r>
+              <a:rPr lang="ja-JP" altLang="en-US" sz="1970" b="1" dirty="0"/>
+              <a:t>星座占い スクレイピング</a:t>
+            </a:r>
+            <a:endParaRPr lang="en-US" altLang="ja-JP" sz="1970" b="1" dirty="0"/>
+          </a:p>
+          <a:p>
+            <a:pPr>
+              <a:spcAft>
+                <a:spcPts val="220"/>
+              </a:spcAft>
+            </a:pPr>
+            <a:r>
+              <a:rPr lang="ja-JP" altLang="en-US" sz="1970" b="1" dirty="0"/>
+              <a:t>星座占い 音声ファイル作成</a:t>
+            </a:r>
+            <a:endParaRPr lang="en-US" altLang="ja-JP" sz="1970" b="1" dirty="0"/>
+          </a:p>
+          <a:p>
+            <a:pPr>
+              <a:spcAft>
+                <a:spcPts val="220"/>
+              </a:spcAft>
+            </a:pPr>
+            <a:r>
+              <a:rPr lang="ja-JP" altLang="en-US" sz="1970" b="1" dirty="0"/>
+              <a:t>天気予報 スクレイピング</a:t>
+            </a:r>
+            <a:endParaRPr lang="en-US" altLang="ja-JP" sz="1970" b="1" dirty="0"/>
+          </a:p>
+          <a:p>
+            <a:pPr>
+              <a:spcAft>
+                <a:spcPts val="220"/>
+              </a:spcAft>
+            </a:pPr>
+            <a:r>
+              <a:rPr lang="ja-JP" altLang="en-US" sz="1970" b="1" dirty="0"/>
+              <a:t>天気予報 音声ファイル作成</a:t>
+            </a:r>
+            <a:endParaRPr lang="en-US" altLang="ja-JP" sz="1970" b="1" dirty="0"/>
+          </a:p>
+          <a:p>
+            <a:pPr>
+              <a:spcAft>
+                <a:spcPts val="220"/>
+              </a:spcAft>
+            </a:pPr>
+            <a:r>
+              <a:rPr lang="ja-JP" altLang="en-US" sz="1970" b="1" dirty="0"/>
+              <a:t>ニュース スクレイピング</a:t>
+            </a:r>
+            <a:r>
+              <a:rPr lang="en-US" altLang="ja-JP" sz="1970" b="1" dirty="0"/>
+              <a:t>]</a:t>
+            </a:r>
+          </a:p>
+          <a:p>
+            <a:pPr>
+              <a:spcAft>
+                <a:spcPts val="220"/>
+              </a:spcAft>
+            </a:pPr>
+            <a:r>
+              <a:rPr lang="ja-JP" altLang="en-US" sz="1970" b="1" dirty="0"/>
+              <a:t>ニュース 音声ファイル作成</a:t>
+            </a:r>
+            <a:endParaRPr lang="en-US" altLang="ja-JP" sz="1970" b="1" dirty="0"/>
+          </a:p>
+          <a:p>
+            <a:pPr>
+              <a:spcAft>
+                <a:spcPts val="220"/>
+              </a:spcAft>
+            </a:pPr>
+            <a:r>
+              <a:rPr lang="ja-JP" altLang="en-US" sz="1970" b="1" dirty="0"/>
+              <a:t>マイクのミュートを解除</a:t>
+            </a:r>
+            <a:endParaRPr lang="en-US" altLang="ja-JP" sz="1970" b="1" dirty="0"/>
+          </a:p>
+          <a:p>
+            <a:pPr>
+              <a:spcAft>
+                <a:spcPts val="220"/>
+              </a:spcAft>
+            </a:pPr>
+            <a:endParaRPr lang="en-US" altLang="ja-JP" sz="1970" b="1" dirty="0"/>
+          </a:p>
+          <a:p>
+            <a:pPr>
+              <a:spcAft>
+                <a:spcPts val="220"/>
+              </a:spcAft>
+            </a:pPr>
+            <a:r>
+              <a:rPr lang="ja-JP" altLang="en-US" sz="1970" b="1" dirty="0"/>
+              <a:t>音声メッセージ：起動完了</a:t>
+            </a:r>
+            <a:endParaRPr lang="en-US" altLang="ja-JP" sz="1970" b="1" dirty="0"/>
+          </a:p>
+          <a:p>
+            <a:pPr>
+              <a:spcAft>
+                <a:spcPts val="220"/>
+              </a:spcAft>
+            </a:pPr>
+            <a:r>
+              <a:rPr lang="en-US" altLang="ja-JP" sz="1970" b="1" dirty="0"/>
+              <a:t>[</a:t>
+            </a:r>
+            <a:r>
+              <a:rPr lang="ja-JP" altLang="en-US" sz="1970" b="1" dirty="0"/>
+              <a:t>音声認識～音声合成</a:t>
+            </a:r>
+            <a:r>
+              <a:rPr lang="en-US" altLang="ja-JP" sz="1970" b="1" dirty="0"/>
+              <a:t>]</a:t>
+            </a:r>
+          </a:p>
+        </p:txBody>
+      </p:sp>
+      <p:sp>
+        <p:nvSpPr>
+          <p:cNvPr id="4" name="テキスト ボックス 3">
+            <a:extLst>
+              <a:ext uri="{FF2B5EF4-FFF2-40B4-BE49-F238E27FC236}">
+                <a16:creationId xmlns:a16="http://schemas.microsoft.com/office/drawing/2014/main" id="{CFE4B0F4-A232-480B-8F5B-BB385ABF8764}"/>
+              </a:ext>
+            </a:extLst>
+          </p:cNvPr>
+          <p:cNvSpPr txBox="1"/>
+          <p:nvPr/>
+        </p:nvSpPr>
+        <p:spPr>
+          <a:xfrm>
+            <a:off x="2406272" y="3254069"/>
+            <a:ext cx="5534571" cy="2000548"/>
+          </a:xfrm>
+          <a:prstGeom prst="rect">
+            <a:avLst/>
+          </a:prstGeom>
+          <a:solidFill>
+            <a:schemeClr val="bg1"/>
+          </a:solidFill>
+          <a:ln>
+            <a:solidFill>
+              <a:schemeClr val="tx1"/>
+            </a:solidFill>
+          </a:ln>
+        </p:spPr>
+        <p:txBody>
+          <a:bodyPr wrap="square" rtlCol="0">
+            <a:spAutoFit/>
+          </a:bodyPr>
+          <a:lstStyle/>
+          <a:p>
+            <a:r>
+              <a:rPr kumimoji="1" lang="ja-JP" altLang="en-US" sz="4400" b="1" dirty="0"/>
+              <a:t>各 スクレイピング</a:t>
+            </a:r>
+            <a:endParaRPr kumimoji="1" lang="en-US" altLang="ja-JP" sz="4400" b="1" dirty="0"/>
+          </a:p>
+          <a:p>
+            <a:r>
+              <a:rPr kumimoji="1" lang="en-US" altLang="ja-JP" sz="3600" b="1" dirty="0"/>
+              <a:t>		</a:t>
+            </a:r>
+            <a:r>
+              <a:rPr kumimoji="1" lang="ja-JP" altLang="en-US" sz="3600" b="1" dirty="0"/>
+              <a:t>　＆</a:t>
+            </a:r>
+            <a:endParaRPr kumimoji="1" lang="en-US" altLang="ja-JP" sz="3600" b="1" dirty="0"/>
+          </a:p>
+          <a:p>
+            <a:r>
+              <a:rPr lang="ja-JP" altLang="en-US" sz="4400" b="1" dirty="0"/>
+              <a:t>各 音声ファイル作成</a:t>
+            </a:r>
+            <a:endParaRPr kumimoji="1" lang="ja-JP" altLang="en-US" sz="4400" b="1" dirty="0"/>
+          </a:p>
+        </p:txBody>
+      </p:sp>
+    </p:spTree>
+    <p:extLst>
+      <p:ext uri="{BB962C8B-B14F-4D97-AF65-F5344CB8AC3E}">
+        <p14:creationId xmlns:p14="http://schemas.microsoft.com/office/powerpoint/2010/main" val="2745729689"/>
+      </p:ext>
+    </p:extLst>
+  </p:cSld>
+  <p:clrMapOvr>
+    <a:masterClrMapping/>
+  </p:clrMapOvr>
+  <mc:AlternateContent xmlns:mc="http://schemas.openxmlformats.org/markup-compatibility/2006">
+    <mc:Choice xmlns:p14="http://schemas.microsoft.com/office/powerpoint/2010/main" Requires="p14">
+      <p:transition spd="med" p14:dur="700">
+        <p:fade/>
+      </p:transition>
+    </mc:Choice>
+    <mc:Fallback>
+      <p:transition spd="med">
+        <p:fade/>
+      </p:transition>
+    </mc:Fallback>
+  </mc:AlternateContent>
+</p:sld>
+</file>
+
+<file path=ppt/slides/slide21.xml><?xml version="1.0" encoding="utf-8"?>
+<p:sld xmlns:a="http://schemas.openxmlformats.org/drawingml/2006/main" xmlns:r="http://schemas.openxmlformats.org/officeDocument/2006/relationships" xmlns:p="http://schemas.openxmlformats.org/presentationml/2006/main">
+  <p:cSld>
+    <p:spTree>
+      <p:nvGrpSpPr>
+        <p:cNvPr id="1" name=""/>
+        <p:cNvGrpSpPr/>
+        <p:nvPr/>
+      </p:nvGrpSpPr>
+      <p:grpSpPr>
+        <a:xfrm>
+          <a:off x="0" y="0"/>
+          <a:ext cx="0" cy="0"/>
+          <a:chOff x="0" y="0"/>
+          <a:chExt cx="0" cy="0"/>
+        </a:xfrm>
+      </p:grpSpPr>
+      <p:sp>
+        <p:nvSpPr>
+          <p:cNvPr id="2" name="タイトル 1">
+            <a:extLst>
+              <a:ext uri="{FF2B5EF4-FFF2-40B4-BE49-F238E27FC236}">
+                <a16:creationId xmlns:a16="http://schemas.microsoft.com/office/drawing/2014/main" id="{B43B901B-C015-40EF-B4CD-3F5F25F44EC0}"/>
+              </a:ext>
+            </a:extLst>
+          </p:cNvPr>
+          <p:cNvSpPr>
+            <a:spLocks noGrp="1"/>
+          </p:cNvSpPr>
+          <p:nvPr>
+            <p:ph type="title"/>
+          </p:nvPr>
+        </p:nvSpPr>
+        <p:spPr/>
+        <p:txBody>
+          <a:bodyPr/>
+          <a:lstStyle/>
+          <a:p>
+            <a:r>
+              <a:rPr kumimoji="1" lang="en-US" altLang="ja-JP" dirty="0"/>
+              <a:t>YoSiE</a:t>
+            </a:r>
+            <a:r>
+              <a:rPr kumimoji="1" lang="ja-JP" altLang="en-US" dirty="0"/>
+              <a:t>の可能性</a:t>
+            </a:r>
+          </a:p>
+        </p:txBody>
+      </p:sp>
+      <p:sp>
+        <p:nvSpPr>
+          <p:cNvPr id="3" name="コンテンツ プレースホルダー 2">
+            <a:extLst>
+              <a:ext uri="{FF2B5EF4-FFF2-40B4-BE49-F238E27FC236}">
+                <a16:creationId xmlns:a16="http://schemas.microsoft.com/office/drawing/2014/main" id="{1E815E2C-35DE-441F-860D-34AECE6DA488}"/>
+              </a:ext>
+            </a:extLst>
+          </p:cNvPr>
+          <p:cNvSpPr>
+            <a:spLocks noGrp="1"/>
+          </p:cNvSpPr>
+          <p:nvPr>
+            <p:ph idx="1"/>
+          </p:nvPr>
+        </p:nvSpPr>
+        <p:spPr/>
+        <p:txBody>
+          <a:bodyPr/>
+          <a:lstStyle/>
+          <a:p>
+            <a:endParaRPr kumimoji="1" lang="ja-JP" altLang="en-US"/>
+          </a:p>
+        </p:txBody>
+      </p:sp>
+    </p:spTree>
+    <p:extLst>
+      <p:ext uri="{BB962C8B-B14F-4D97-AF65-F5344CB8AC3E}">
+        <p14:creationId xmlns:p14="http://schemas.microsoft.com/office/powerpoint/2010/main" val="1361338163"/>
+      </p:ext>
+    </p:extLst>
+  </p:cSld>
+  <p:clrMapOvr>
+    <a:masterClrMapping/>
+  </p:clrMapOvr>
+</p:sld>
+</file>
+
+<file path=ppt/slides/slide22.xml><?xml version="1.0" encoding="utf-8"?>
+<p:sld xmlns:a="http://schemas.openxmlformats.org/drawingml/2006/main" xmlns:r="http://schemas.openxmlformats.org/officeDocument/2006/relationships" xmlns:p="http://schemas.openxmlformats.org/presentationml/2006/main">
+  <p:cSld>
+    <p:spTree>
+      <p:nvGrpSpPr>
+        <p:cNvPr id="1" name=""/>
+        <p:cNvGrpSpPr/>
+        <p:nvPr/>
+      </p:nvGrpSpPr>
+      <p:grpSpPr>
+        <a:xfrm>
+          <a:off x="0" y="0"/>
+          <a:ext cx="0" cy="0"/>
+          <a:chOff x="0" y="0"/>
+          <a:chExt cx="0" cy="0"/>
+        </a:xfrm>
+      </p:grpSpPr>
+      <p:sp>
+        <p:nvSpPr>
+          <p:cNvPr id="2" name="タイトル 1">
+            <a:extLst>
+              <a:ext uri="{FF2B5EF4-FFF2-40B4-BE49-F238E27FC236}">
                 <a16:creationId xmlns:a16="http://schemas.microsoft.com/office/drawing/2014/main" id="{384D39EC-5E82-4640-93A2-83BC7D77C59D}"/>
               </a:ext>
             </a:extLst>
@@ -10492,7 +14437,7 @@
           <p:cNvPr id="2" name="タイトル 1">
             <a:extLst>
               <a:ext uri="{FF2B5EF4-FFF2-40B4-BE49-F238E27FC236}">
-                <a16:creationId xmlns:a16="http://schemas.microsoft.com/office/drawing/2014/main" id="{2E6736C6-CE05-4D73-907A-DE1B89EFF8DC}"/>
+                <a16:creationId xmlns:a16="http://schemas.microsoft.com/office/drawing/2014/main" id="{D5353FE7-9F4B-431E-B559-2B3E5BAE9F28}"/>
               </a:ext>
             </a:extLst>
           </p:cNvPr>
@@ -10520,7 +14465,7 @@
           <p:cNvPr id="3" name="コンテンツ プレースホルダー 2">
             <a:extLst>
               <a:ext uri="{FF2B5EF4-FFF2-40B4-BE49-F238E27FC236}">
-                <a16:creationId xmlns:a16="http://schemas.microsoft.com/office/drawing/2014/main" id="{478CFA12-59D2-4326-8DE7-390ACB8165CD}"/>
+                <a16:creationId xmlns:a16="http://schemas.microsoft.com/office/drawing/2014/main" id="{269621C4-66AD-4DC5-BA66-4E2D562D2547}"/>
               </a:ext>
             </a:extLst>
           </p:cNvPr>
@@ -10531,12 +14476,56 @@
             <p:ph idx="1"/>
           </p:nvPr>
         </p:nvSpPr>
-        <p:spPr/>
-        <p:txBody>
-          <a:bodyPr/>
-          <a:lstStyle/>
-          <a:p>
-            <a:endParaRPr kumimoji="1" lang="ja-JP" altLang="en-US"/>
+        <p:spPr>
+          <a:xfrm>
+            <a:off x="539015" y="1825625"/>
+            <a:ext cx="10814785" cy="4351338"/>
+          </a:xfrm>
+        </p:spPr>
+        <p:txBody>
+          <a:bodyPr>
+            <a:normAutofit/>
+          </a:bodyPr>
+          <a:lstStyle/>
+          <a:p>
+            <a:pPr marL="0" indent="0">
+              <a:buNone/>
+            </a:pPr>
+            <a:r>
+              <a:rPr lang="ja-JP" altLang="en-US" sz="4000" u="sng" dirty="0"/>
+              <a:t>音声認識の流れ</a:t>
+            </a:r>
+            <a:endParaRPr lang="en-US" altLang="ja-JP" sz="4000" u="sng" dirty="0"/>
+          </a:p>
+          <a:p>
+            <a:pPr marL="0" indent="0">
+              <a:buNone/>
+            </a:pPr>
+            <a:endParaRPr lang="en-US" altLang="ja-JP" sz="3600" dirty="0"/>
+          </a:p>
+          <a:p>
+            <a:pPr marL="0" indent="0">
+              <a:buNone/>
+            </a:pPr>
+            <a:r>
+              <a:rPr lang="ja-JP" altLang="en-US" sz="4800" dirty="0"/>
+              <a:t>「雨」と発声して、</a:t>
+            </a:r>
+            <a:endParaRPr lang="en-US" altLang="ja-JP" sz="4800" dirty="0"/>
+          </a:p>
+          <a:p>
+            <a:pPr marL="0" indent="0">
+              <a:buNone/>
+            </a:pPr>
+            <a:r>
+              <a:rPr lang="en-US" altLang="ja-JP" sz="4800" dirty="0"/>
+              <a:t>  </a:t>
+            </a:r>
+            <a:r>
+              <a:rPr lang="ja-JP" altLang="en-US" sz="4800" dirty="0"/>
+              <a:t>“雨”と文字出力してほしい</a:t>
+            </a:r>
+            <a:endParaRPr kumimoji="1" lang="ja-JP" altLang="en-US" sz="4800" dirty="0"/>
           </a:p>
         </p:txBody>
       </p:sp>
@@ -10545,7 +14534,7 @@
           <p:cNvPr id="4" name="正方形/長方形 3">
             <a:extLst>
               <a:ext uri="{FF2B5EF4-FFF2-40B4-BE49-F238E27FC236}">
-                <a16:creationId xmlns:a16="http://schemas.microsoft.com/office/drawing/2014/main" id="{8734286A-0A91-4B50-9445-81C9D7BD89E8}"/>
+                <a16:creationId xmlns:a16="http://schemas.microsoft.com/office/drawing/2014/main" id="{0AA5D799-1F2E-4C4D-9DDF-9AA6630E560D}"/>
               </a:ext>
             </a:extLst>
           </p:cNvPr>
@@ -10600,7 +14589,7 @@
     </p:spTree>
     <p:extLst>
       <p:ext uri="{BB962C8B-B14F-4D97-AF65-F5344CB8AC3E}">
-        <p14:creationId xmlns:p14="http://schemas.microsoft.com/office/powerpoint/2010/main" val="2818274809"/>
+        <p14:creationId xmlns:p14="http://schemas.microsoft.com/office/powerpoint/2010/main" val="4070560779"/>
       </p:ext>
     </p:extLst>
   </p:cSld>
@@ -10632,7 +14621,7 @@
           <p:cNvPr id="2" name="タイトル 1">
             <a:extLst>
               <a:ext uri="{FF2B5EF4-FFF2-40B4-BE49-F238E27FC236}">
-                <a16:creationId xmlns:a16="http://schemas.microsoft.com/office/drawing/2014/main" id="{2F54B871-1C29-443D-B7CD-A4880E1EFD3C}"/>
+                <a16:creationId xmlns:a16="http://schemas.microsoft.com/office/drawing/2014/main" id="{2E6736C6-CE05-4D73-907A-DE1B89EFF8DC}"/>
               </a:ext>
             </a:extLst>
           </p:cNvPr>
@@ -10650,40 +14639,1310 @@
           <a:p>
             <a:r>
               <a:rPr kumimoji="1" lang="ja-JP" altLang="en-US" dirty="0"/>
-              <a:t>辞書データ</a:t>
-            </a:r>
-          </a:p>
-        </p:txBody>
-      </p:sp>
-      <p:sp>
-        <p:nvSpPr>
-          <p:cNvPr id="3" name="コンテンツ プレースホルダー 2">
-            <a:extLst>
-              <a:ext uri="{FF2B5EF4-FFF2-40B4-BE49-F238E27FC236}">
-                <a16:creationId xmlns:a16="http://schemas.microsoft.com/office/drawing/2014/main" id="{359BA7E9-5FB0-436F-941D-2F003078FAD5}"/>
-              </a:ext>
-            </a:extLst>
-          </p:cNvPr>
-          <p:cNvSpPr>
-            <a:spLocks noGrp="1"/>
-          </p:cNvSpPr>
+              <a:t>音声認識</a:t>
+            </a:r>
+          </a:p>
+        </p:txBody>
+      </p:sp>
+      <p:sp>
+        <p:nvSpPr>
+          <p:cNvPr id="4" name="正方形/長方形 3">
+            <a:extLst>
+              <a:ext uri="{FF2B5EF4-FFF2-40B4-BE49-F238E27FC236}">
+                <a16:creationId xmlns:a16="http://schemas.microsoft.com/office/drawing/2014/main" id="{8734286A-0A91-4B50-9445-81C9D7BD89E8}"/>
+              </a:ext>
+            </a:extLst>
+          </p:cNvPr>
+          <p:cNvSpPr/>
+          <p:nvPr/>
+        </p:nvSpPr>
+        <p:spPr>
+          <a:xfrm>
+            <a:off x="9508067" y="0"/>
+            <a:ext cx="2683933" cy="1593908"/>
+          </a:xfrm>
+          <a:prstGeom prst="rect">
+            <a:avLst/>
+          </a:prstGeom>
+          <a:solidFill>
+            <a:schemeClr val="accent6">
+              <a:lumMod val="60000"/>
+              <a:lumOff val="40000"/>
+            </a:schemeClr>
+          </a:solidFill>
+          <a:ln>
+            <a:solidFill>
+              <a:schemeClr val="tx1"/>
+            </a:solidFill>
+          </a:ln>
+        </p:spPr>
+        <p:style>
+          <a:lnRef idx="2">
+            <a:schemeClr val="accent1">
+              <a:shade val="50000"/>
+            </a:schemeClr>
+          </a:lnRef>
+          <a:fillRef idx="1">
+            <a:schemeClr val="accent1"/>
+          </a:fillRef>
+          <a:effectRef idx="0">
+            <a:schemeClr val="accent1"/>
+          </a:effectRef>
+          <a:fontRef idx="minor">
+            <a:schemeClr val="lt1"/>
+          </a:fontRef>
+        </p:style>
+        <p:txBody>
+          <a:bodyPr rtlCol="0" anchor="ctr"/>
+          <a:lstStyle/>
+          <a:p>
+            <a:pPr algn="ctr"/>
+            <a:endParaRPr kumimoji="1" lang="ja-JP" altLang="en-US"/>
+          </a:p>
+        </p:txBody>
+      </p:sp>
+      <p:graphicFrame>
+        <p:nvGraphicFramePr>
+          <p:cNvPr id="5" name="図表 4">
+            <a:extLst>
+              <a:ext uri="{FF2B5EF4-FFF2-40B4-BE49-F238E27FC236}">
+                <a16:creationId xmlns:a16="http://schemas.microsoft.com/office/drawing/2014/main" id="{7B4FA33A-0130-4C11-BD35-05E5E83974C3}"/>
+              </a:ext>
+            </a:extLst>
+          </p:cNvPr>
+          <p:cNvGraphicFramePr/>
           <p:nvPr>
-            <p:ph idx="1"/>
+            <p:extLst>
+              <p:ext uri="{D42A27DB-BD31-4B8C-83A1-F6EECF244321}">
+                <p14:modId xmlns:p14="http://schemas.microsoft.com/office/powerpoint/2010/main" val="1937833750"/>
+              </p:ext>
+            </p:extLst>
           </p:nvPr>
-        </p:nvSpPr>
-        <p:spPr/>
-        <p:txBody>
-          <a:bodyPr/>
-          <a:lstStyle/>
-          <a:p>
+        </p:nvGraphicFramePr>
+        <p:xfrm>
+          <a:off x="-942604" y="1637219"/>
+          <a:ext cx="5090963" cy="4935175"/>
+        </p:xfrm>
+        <a:graphic>
+          <a:graphicData uri="http://schemas.openxmlformats.org/drawingml/2006/diagram">
+            <dgm:relIds xmlns:dgm="http://schemas.openxmlformats.org/drawingml/2006/diagram" xmlns:r="http://schemas.openxmlformats.org/officeDocument/2006/relationships" r:dm="rId3" r:lo="rId4" r:qs="rId5" r:cs="rId6"/>
+          </a:graphicData>
+        </a:graphic>
+      </p:graphicFrame>
+      <p:sp>
+        <p:nvSpPr>
+          <p:cNvPr id="6" name="吹き出し: 四角形 5">
+            <a:extLst>
+              <a:ext uri="{FF2B5EF4-FFF2-40B4-BE49-F238E27FC236}">
+                <a16:creationId xmlns:a16="http://schemas.microsoft.com/office/drawing/2014/main" id="{EC2D7201-72EE-404E-BD3A-0C1A06897109}"/>
+              </a:ext>
+            </a:extLst>
+          </p:cNvPr>
+          <p:cNvSpPr/>
+          <p:nvPr/>
+        </p:nvSpPr>
+        <p:spPr>
+          <a:xfrm>
+            <a:off x="4281025" y="934278"/>
+            <a:ext cx="5090962" cy="2782957"/>
+          </a:xfrm>
+          <a:prstGeom prst="wedgeRectCallout">
+            <a:avLst>
+              <a:gd name="adj1" fmla="val -83635"/>
+              <a:gd name="adj2" fmla="val 28073"/>
+            </a:avLst>
+          </a:prstGeom>
+          <a:solidFill>
+            <a:schemeClr val="bg1"/>
+          </a:solidFill>
+          <a:ln>
+            <a:solidFill>
+              <a:schemeClr val="tx1"/>
+            </a:solidFill>
+          </a:ln>
+        </p:spPr>
+        <p:style>
+          <a:lnRef idx="2">
+            <a:schemeClr val="accent1">
+              <a:shade val="50000"/>
+            </a:schemeClr>
+          </a:lnRef>
+          <a:fillRef idx="1">
+            <a:schemeClr val="accent1"/>
+          </a:fillRef>
+          <a:effectRef idx="0">
+            <a:schemeClr val="accent1"/>
+          </a:effectRef>
+          <a:fontRef idx="minor">
+            <a:schemeClr val="lt1"/>
+          </a:fontRef>
+        </p:style>
+        <p:txBody>
+          <a:bodyPr rtlCol="0" anchor="ctr"/>
+          <a:lstStyle/>
+          <a:p>
+            <a:pPr algn="ctr"/>
             <a:endParaRPr kumimoji="1" lang="ja-JP" altLang="en-US"/>
+          </a:p>
+        </p:txBody>
+      </p:sp>
+      <p:sp>
+        <p:nvSpPr>
+          <p:cNvPr id="18" name="四角形: 角を丸くする 17">
+            <a:extLst>
+              <a:ext uri="{FF2B5EF4-FFF2-40B4-BE49-F238E27FC236}">
+                <a16:creationId xmlns:a16="http://schemas.microsoft.com/office/drawing/2014/main" id="{F1AEF80B-D4E7-4CC2-BD95-4902BD9E6801}"/>
+              </a:ext>
+            </a:extLst>
+          </p:cNvPr>
+          <p:cNvSpPr/>
+          <p:nvPr/>
+        </p:nvSpPr>
+        <p:spPr>
+          <a:xfrm>
+            <a:off x="7725158" y="1085590"/>
+            <a:ext cx="1510748" cy="1290396"/>
+          </a:xfrm>
+          <a:prstGeom prst="roundRect">
+            <a:avLst/>
+          </a:prstGeom>
+          <a:solidFill>
+            <a:schemeClr val="accent6">
+              <a:lumMod val="60000"/>
+              <a:lumOff val="40000"/>
+            </a:schemeClr>
+          </a:solidFill>
+          <a:ln>
+            <a:solidFill>
+              <a:schemeClr val="tx1"/>
+            </a:solidFill>
+          </a:ln>
+        </p:spPr>
+        <p:style>
+          <a:lnRef idx="2">
+            <a:schemeClr val="accent1">
+              <a:shade val="50000"/>
+            </a:schemeClr>
+          </a:lnRef>
+          <a:fillRef idx="1">
+            <a:schemeClr val="accent1"/>
+          </a:fillRef>
+          <a:effectRef idx="0">
+            <a:schemeClr val="accent1"/>
+          </a:effectRef>
+          <a:fontRef idx="minor">
+            <a:schemeClr val="lt1"/>
+          </a:fontRef>
+        </p:style>
+        <p:txBody>
+          <a:bodyPr rtlCol="0" anchor="ctr"/>
+          <a:lstStyle/>
+          <a:p>
+            <a:pPr algn="ctr"/>
+            <a:r>
+              <a:rPr lang="en-US" altLang="ja-JP" sz="4000" dirty="0" err="1"/>
+              <a:t>ame</a:t>
+            </a:r>
+            <a:endParaRPr kumimoji="1" lang="en-US" altLang="ja-JP" sz="4000" dirty="0"/>
+          </a:p>
+        </p:txBody>
+      </p:sp>
+      <p:sp>
+        <p:nvSpPr>
+          <p:cNvPr id="19" name="四角形: 角を丸くする 18">
+            <a:extLst>
+              <a:ext uri="{FF2B5EF4-FFF2-40B4-BE49-F238E27FC236}">
+                <a16:creationId xmlns:a16="http://schemas.microsoft.com/office/drawing/2014/main" id="{62FF5AD1-0D66-485C-BB2E-78D29D9CB17E}"/>
+              </a:ext>
+            </a:extLst>
+          </p:cNvPr>
+          <p:cNvSpPr/>
+          <p:nvPr/>
+        </p:nvSpPr>
+        <p:spPr>
+          <a:xfrm>
+            <a:off x="6071786" y="1085591"/>
+            <a:ext cx="1510748" cy="1290396"/>
+          </a:xfrm>
+          <a:prstGeom prst="roundRect">
+            <a:avLst/>
+          </a:prstGeom>
+          <a:solidFill>
+            <a:schemeClr val="accent6">
+              <a:lumMod val="60000"/>
+              <a:lumOff val="40000"/>
+            </a:schemeClr>
+          </a:solidFill>
+          <a:ln>
+            <a:solidFill>
+              <a:schemeClr val="tx1"/>
+            </a:solidFill>
+          </a:ln>
+        </p:spPr>
+        <p:style>
+          <a:lnRef idx="2">
+            <a:schemeClr val="accent1">
+              <a:shade val="50000"/>
+            </a:schemeClr>
+          </a:lnRef>
+          <a:fillRef idx="1">
+            <a:schemeClr val="accent1"/>
+          </a:fillRef>
+          <a:effectRef idx="0">
+            <a:schemeClr val="accent1"/>
+          </a:effectRef>
+          <a:fontRef idx="minor">
+            <a:schemeClr val="lt1"/>
+          </a:fontRef>
+        </p:style>
+        <p:txBody>
+          <a:bodyPr rtlCol="0" anchor="ctr"/>
+          <a:lstStyle/>
+          <a:p>
+            <a:pPr algn="ctr"/>
+            <a:r>
+              <a:rPr kumimoji="1" lang="ja-JP" altLang="en-US" sz="4000" dirty="0"/>
+              <a:t>あめ</a:t>
+            </a:r>
+          </a:p>
+        </p:txBody>
+      </p:sp>
+      <p:sp>
+        <p:nvSpPr>
+          <p:cNvPr id="20" name="四角形: 角を丸くする 19">
+            <a:extLst>
+              <a:ext uri="{FF2B5EF4-FFF2-40B4-BE49-F238E27FC236}">
+                <a16:creationId xmlns:a16="http://schemas.microsoft.com/office/drawing/2014/main" id="{05A05781-3E47-4CBB-9F65-64689200C8E8}"/>
+              </a:ext>
+            </a:extLst>
+          </p:cNvPr>
+          <p:cNvSpPr/>
+          <p:nvPr/>
+        </p:nvSpPr>
+        <p:spPr>
+          <a:xfrm>
+            <a:off x="4417760" y="1071149"/>
+            <a:ext cx="1510748" cy="1290396"/>
+          </a:xfrm>
+          <a:prstGeom prst="roundRect">
+            <a:avLst/>
+          </a:prstGeom>
+          <a:solidFill>
+            <a:schemeClr val="accent6">
+              <a:lumMod val="60000"/>
+              <a:lumOff val="40000"/>
+            </a:schemeClr>
+          </a:solidFill>
+          <a:ln>
+            <a:solidFill>
+              <a:schemeClr val="tx1"/>
+            </a:solidFill>
+          </a:ln>
+        </p:spPr>
+        <p:style>
+          <a:lnRef idx="2">
+            <a:schemeClr val="accent1">
+              <a:shade val="50000"/>
+            </a:schemeClr>
+          </a:lnRef>
+          <a:fillRef idx="1">
+            <a:schemeClr val="accent1"/>
+          </a:fillRef>
+          <a:effectRef idx="0">
+            <a:schemeClr val="accent1"/>
+          </a:effectRef>
+          <a:fontRef idx="minor">
+            <a:schemeClr val="lt1"/>
+          </a:fontRef>
+        </p:style>
+        <p:txBody>
+          <a:bodyPr rtlCol="0" anchor="ctr"/>
+          <a:lstStyle/>
+          <a:p>
+            <a:pPr algn="ctr"/>
+            <a:r>
+              <a:rPr kumimoji="1" lang="ja-JP" altLang="en-US" sz="4000" dirty="0"/>
+              <a:t>雨</a:t>
+            </a:r>
+          </a:p>
+        </p:txBody>
+      </p:sp>
+      <p:sp>
+        <p:nvSpPr>
+          <p:cNvPr id="21" name="四角形: 角を丸くする 20">
+            <a:extLst>
+              <a:ext uri="{FF2B5EF4-FFF2-40B4-BE49-F238E27FC236}">
+                <a16:creationId xmlns:a16="http://schemas.microsoft.com/office/drawing/2014/main" id="{BAA8180E-787F-4896-8E97-7EC4A49D0F05}"/>
+              </a:ext>
+            </a:extLst>
+          </p:cNvPr>
+          <p:cNvSpPr/>
+          <p:nvPr/>
+        </p:nvSpPr>
+        <p:spPr>
+          <a:xfrm>
+            <a:off x="7725158" y="2689631"/>
+            <a:ext cx="1510748" cy="688265"/>
+          </a:xfrm>
+          <a:prstGeom prst="roundRect">
+            <a:avLst/>
+          </a:prstGeom>
+          <a:solidFill>
+            <a:schemeClr val="accent6">
+              <a:lumMod val="60000"/>
+              <a:lumOff val="40000"/>
+            </a:schemeClr>
+          </a:solidFill>
+          <a:ln>
+            <a:solidFill>
+              <a:schemeClr val="tx1"/>
+            </a:solidFill>
+          </a:ln>
+        </p:spPr>
+        <p:style>
+          <a:lnRef idx="2">
+            <a:schemeClr val="accent1">
+              <a:shade val="50000"/>
+            </a:schemeClr>
+          </a:lnRef>
+          <a:fillRef idx="1">
+            <a:schemeClr val="accent1"/>
+          </a:fillRef>
+          <a:effectRef idx="0">
+            <a:schemeClr val="accent1"/>
+          </a:effectRef>
+          <a:fontRef idx="minor">
+            <a:schemeClr val="lt1"/>
+          </a:fontRef>
+        </p:style>
+        <p:txBody>
+          <a:bodyPr rtlCol="0" anchor="ctr"/>
+          <a:lstStyle/>
+          <a:p>
+            <a:pPr algn="ctr"/>
+            <a:r>
+              <a:rPr lang="en-US" altLang="ja-JP" sz="2800" dirty="0" err="1"/>
+              <a:t>jikaN</a:t>
+            </a:r>
+            <a:endParaRPr kumimoji="1" lang="en-US" altLang="ja-JP" sz="2800" dirty="0"/>
+          </a:p>
+        </p:txBody>
+      </p:sp>
+      <p:sp>
+        <p:nvSpPr>
+          <p:cNvPr id="22" name="四角形: 角を丸くする 21">
+            <a:extLst>
+              <a:ext uri="{FF2B5EF4-FFF2-40B4-BE49-F238E27FC236}">
+                <a16:creationId xmlns:a16="http://schemas.microsoft.com/office/drawing/2014/main" id="{EDC4E367-E64F-4B7A-B3EF-53D5D66DB72C}"/>
+              </a:ext>
+            </a:extLst>
+          </p:cNvPr>
+          <p:cNvSpPr/>
+          <p:nvPr/>
+        </p:nvSpPr>
+        <p:spPr>
+          <a:xfrm>
+            <a:off x="6071786" y="2689632"/>
+            <a:ext cx="1510748" cy="688265"/>
+          </a:xfrm>
+          <a:prstGeom prst="roundRect">
+            <a:avLst/>
+          </a:prstGeom>
+          <a:solidFill>
+            <a:schemeClr val="accent6">
+              <a:lumMod val="60000"/>
+              <a:lumOff val="40000"/>
+            </a:schemeClr>
+          </a:solidFill>
+          <a:ln>
+            <a:solidFill>
+              <a:schemeClr val="tx1"/>
+            </a:solidFill>
+          </a:ln>
+        </p:spPr>
+        <p:style>
+          <a:lnRef idx="2">
+            <a:schemeClr val="accent1">
+              <a:shade val="50000"/>
+            </a:schemeClr>
+          </a:lnRef>
+          <a:fillRef idx="1">
+            <a:schemeClr val="accent1"/>
+          </a:fillRef>
+          <a:effectRef idx="0">
+            <a:schemeClr val="accent1"/>
+          </a:effectRef>
+          <a:fontRef idx="minor">
+            <a:schemeClr val="lt1"/>
+          </a:fontRef>
+        </p:style>
+        <p:txBody>
+          <a:bodyPr rtlCol="0" anchor="ctr"/>
+          <a:lstStyle/>
+          <a:p>
+            <a:pPr algn="ctr"/>
+            <a:r>
+              <a:rPr kumimoji="1" lang="ja-JP" altLang="en-US" sz="2800" dirty="0"/>
+              <a:t>じかん</a:t>
+            </a:r>
+          </a:p>
+        </p:txBody>
+      </p:sp>
+      <p:sp>
+        <p:nvSpPr>
+          <p:cNvPr id="23" name="四角形: 角を丸くする 22">
+            <a:extLst>
+              <a:ext uri="{FF2B5EF4-FFF2-40B4-BE49-F238E27FC236}">
+                <a16:creationId xmlns:a16="http://schemas.microsoft.com/office/drawing/2014/main" id="{16F93167-60FB-497D-9DE7-D09B7AA5FF38}"/>
+              </a:ext>
+            </a:extLst>
+          </p:cNvPr>
+          <p:cNvSpPr/>
+          <p:nvPr/>
+        </p:nvSpPr>
+        <p:spPr>
+          <a:xfrm>
+            <a:off x="4417760" y="2675190"/>
+            <a:ext cx="1510748" cy="688265"/>
+          </a:xfrm>
+          <a:prstGeom prst="roundRect">
+            <a:avLst/>
+          </a:prstGeom>
+          <a:solidFill>
+            <a:schemeClr val="accent6">
+              <a:lumMod val="60000"/>
+              <a:lumOff val="40000"/>
+            </a:schemeClr>
+          </a:solidFill>
+          <a:ln>
+            <a:solidFill>
+              <a:schemeClr val="tx1"/>
+            </a:solidFill>
+          </a:ln>
+        </p:spPr>
+        <p:style>
+          <a:lnRef idx="2">
+            <a:schemeClr val="accent1">
+              <a:shade val="50000"/>
+            </a:schemeClr>
+          </a:lnRef>
+          <a:fillRef idx="1">
+            <a:schemeClr val="accent1"/>
+          </a:fillRef>
+          <a:effectRef idx="0">
+            <a:schemeClr val="accent1"/>
+          </a:effectRef>
+          <a:fontRef idx="minor">
+            <a:schemeClr val="lt1"/>
+          </a:fontRef>
+        </p:style>
+        <p:txBody>
+          <a:bodyPr rtlCol="0" anchor="ctr"/>
+          <a:lstStyle/>
+          <a:p>
+            <a:pPr algn="ctr"/>
+            <a:r>
+              <a:rPr lang="ja-JP" altLang="en-US" sz="2800" dirty="0"/>
+              <a:t>時間</a:t>
+            </a:r>
+            <a:endParaRPr kumimoji="1" lang="ja-JP" altLang="en-US" sz="2800" dirty="0"/>
+          </a:p>
+        </p:txBody>
+      </p:sp>
+      <p:sp>
+        <p:nvSpPr>
+          <p:cNvPr id="24" name="矢印: 右 23">
+            <a:extLst>
+              <a:ext uri="{FF2B5EF4-FFF2-40B4-BE49-F238E27FC236}">
+                <a16:creationId xmlns:a16="http://schemas.microsoft.com/office/drawing/2014/main" id="{C4301B92-26EE-4D47-B057-A32F9DB8E85D}"/>
+              </a:ext>
+            </a:extLst>
+          </p:cNvPr>
+          <p:cNvSpPr/>
+          <p:nvPr/>
+        </p:nvSpPr>
+        <p:spPr>
+          <a:xfrm>
+            <a:off x="5768827" y="1330602"/>
+            <a:ext cx="461986" cy="665574"/>
+          </a:xfrm>
+          <a:prstGeom prst="rightArrow">
+            <a:avLst/>
+          </a:prstGeom>
+          <a:solidFill>
+            <a:srgbClr val="FF0000"/>
+          </a:solidFill>
+          <a:ln>
+            <a:solidFill>
+              <a:schemeClr val="tx1"/>
+            </a:solidFill>
+          </a:ln>
+        </p:spPr>
+        <p:style>
+          <a:lnRef idx="2">
+            <a:schemeClr val="accent1">
+              <a:shade val="50000"/>
+            </a:schemeClr>
+          </a:lnRef>
+          <a:fillRef idx="1">
+            <a:schemeClr val="accent1"/>
+          </a:fillRef>
+          <a:effectRef idx="0">
+            <a:schemeClr val="accent1"/>
+          </a:effectRef>
+          <a:fontRef idx="minor">
+            <a:schemeClr val="lt1"/>
+          </a:fontRef>
+        </p:style>
+        <p:txBody>
+          <a:bodyPr rtlCol="0" anchor="ctr"/>
+          <a:lstStyle/>
+          <a:p>
+            <a:pPr algn="ctr"/>
+            <a:endParaRPr kumimoji="1" lang="ja-JP" altLang="en-US" sz="4000"/>
+          </a:p>
+        </p:txBody>
+      </p:sp>
+      <p:sp>
+        <p:nvSpPr>
+          <p:cNvPr id="25" name="矢印: 右 24">
+            <a:extLst>
+              <a:ext uri="{FF2B5EF4-FFF2-40B4-BE49-F238E27FC236}">
+                <a16:creationId xmlns:a16="http://schemas.microsoft.com/office/drawing/2014/main" id="{A09748F9-9A4D-4921-94F2-BB0AF43FE653}"/>
+              </a:ext>
+            </a:extLst>
+          </p:cNvPr>
+          <p:cNvSpPr/>
+          <p:nvPr/>
+        </p:nvSpPr>
+        <p:spPr>
+          <a:xfrm>
+            <a:off x="7444613" y="2794296"/>
+            <a:ext cx="461986" cy="355000"/>
+          </a:xfrm>
+          <a:prstGeom prst="rightArrow">
+            <a:avLst/>
+          </a:prstGeom>
+          <a:solidFill>
+            <a:srgbClr val="FF0000"/>
+          </a:solidFill>
+          <a:ln>
+            <a:solidFill>
+              <a:schemeClr val="tx1"/>
+            </a:solidFill>
+          </a:ln>
+        </p:spPr>
+        <p:style>
+          <a:lnRef idx="2">
+            <a:schemeClr val="accent1">
+              <a:shade val="50000"/>
+            </a:schemeClr>
+          </a:lnRef>
+          <a:fillRef idx="1">
+            <a:schemeClr val="accent1"/>
+          </a:fillRef>
+          <a:effectRef idx="0">
+            <a:schemeClr val="accent1"/>
+          </a:effectRef>
+          <a:fontRef idx="minor">
+            <a:schemeClr val="lt1"/>
+          </a:fontRef>
+        </p:style>
+        <p:txBody>
+          <a:bodyPr rtlCol="0" anchor="ctr"/>
+          <a:lstStyle/>
+          <a:p>
+            <a:pPr algn="ctr"/>
+            <a:endParaRPr kumimoji="1" lang="ja-JP" altLang="en-US" sz="2800"/>
+          </a:p>
+        </p:txBody>
+      </p:sp>
+      <p:sp>
+        <p:nvSpPr>
+          <p:cNvPr id="26" name="矢印: 右 25">
+            <a:extLst>
+              <a:ext uri="{FF2B5EF4-FFF2-40B4-BE49-F238E27FC236}">
+                <a16:creationId xmlns:a16="http://schemas.microsoft.com/office/drawing/2014/main" id="{898890FC-9D02-407B-8E68-649705E94406}"/>
+              </a:ext>
+            </a:extLst>
+          </p:cNvPr>
+          <p:cNvSpPr/>
+          <p:nvPr/>
+        </p:nvSpPr>
+        <p:spPr>
+          <a:xfrm>
+            <a:off x="5744042" y="2784704"/>
+            <a:ext cx="461986" cy="355000"/>
+          </a:xfrm>
+          <a:prstGeom prst="rightArrow">
+            <a:avLst/>
+          </a:prstGeom>
+          <a:solidFill>
+            <a:srgbClr val="FF0000"/>
+          </a:solidFill>
+          <a:ln>
+            <a:solidFill>
+              <a:schemeClr val="tx1"/>
+            </a:solidFill>
+          </a:ln>
+        </p:spPr>
+        <p:style>
+          <a:lnRef idx="2">
+            <a:schemeClr val="accent1">
+              <a:shade val="50000"/>
+            </a:schemeClr>
+          </a:lnRef>
+          <a:fillRef idx="1">
+            <a:schemeClr val="accent1"/>
+          </a:fillRef>
+          <a:effectRef idx="0">
+            <a:schemeClr val="accent1"/>
+          </a:effectRef>
+          <a:fontRef idx="minor">
+            <a:schemeClr val="lt1"/>
+          </a:fontRef>
+        </p:style>
+        <p:txBody>
+          <a:bodyPr rtlCol="0" anchor="ctr"/>
+          <a:lstStyle/>
+          <a:p>
+            <a:pPr algn="ctr"/>
+            <a:endParaRPr kumimoji="1" lang="ja-JP" altLang="en-US" sz="2800"/>
+          </a:p>
+        </p:txBody>
+      </p:sp>
+      <p:sp>
+        <p:nvSpPr>
+          <p:cNvPr id="27" name="矢印: 右 26">
+            <a:extLst>
+              <a:ext uri="{FF2B5EF4-FFF2-40B4-BE49-F238E27FC236}">
+                <a16:creationId xmlns:a16="http://schemas.microsoft.com/office/drawing/2014/main" id="{8D1CD72C-648E-4151-BBC2-EB378C8DCFFF}"/>
+              </a:ext>
+            </a:extLst>
+          </p:cNvPr>
+          <p:cNvSpPr/>
+          <p:nvPr/>
+        </p:nvSpPr>
+        <p:spPr>
+          <a:xfrm>
+            <a:off x="7431975" y="1330602"/>
+            <a:ext cx="461986" cy="665574"/>
+          </a:xfrm>
+          <a:prstGeom prst="rightArrow">
+            <a:avLst/>
+          </a:prstGeom>
+          <a:solidFill>
+            <a:srgbClr val="FF0000"/>
+          </a:solidFill>
+          <a:ln>
+            <a:solidFill>
+              <a:schemeClr val="tx1"/>
+            </a:solidFill>
+          </a:ln>
+        </p:spPr>
+        <p:style>
+          <a:lnRef idx="2">
+            <a:schemeClr val="accent1">
+              <a:shade val="50000"/>
+            </a:schemeClr>
+          </a:lnRef>
+          <a:fillRef idx="1">
+            <a:schemeClr val="accent1"/>
+          </a:fillRef>
+          <a:effectRef idx="0">
+            <a:schemeClr val="accent1"/>
+          </a:effectRef>
+          <a:fontRef idx="minor">
+            <a:schemeClr val="lt1"/>
+          </a:fontRef>
+        </p:style>
+        <p:txBody>
+          <a:bodyPr rtlCol="0" anchor="ctr"/>
+          <a:lstStyle/>
+          <a:p>
+            <a:pPr algn="ctr"/>
+            <a:endParaRPr kumimoji="1" lang="ja-JP" altLang="en-US" sz="4000"/>
+          </a:p>
+        </p:txBody>
+      </p:sp>
+      <p:sp>
+        <p:nvSpPr>
+          <p:cNvPr id="29" name="吹き出し: 四角形 28">
+            <a:extLst>
+              <a:ext uri="{FF2B5EF4-FFF2-40B4-BE49-F238E27FC236}">
+                <a16:creationId xmlns:a16="http://schemas.microsoft.com/office/drawing/2014/main" id="{70CCEB74-7A6E-4D0A-BE60-EBA84434B49E}"/>
+              </a:ext>
+            </a:extLst>
+          </p:cNvPr>
+          <p:cNvSpPr/>
+          <p:nvPr/>
+        </p:nvSpPr>
+        <p:spPr>
+          <a:xfrm>
+            <a:off x="4281025" y="3548421"/>
+            <a:ext cx="5090962" cy="2782957"/>
+          </a:xfrm>
+          <a:prstGeom prst="wedgeRectCallout">
+            <a:avLst>
+              <a:gd name="adj1" fmla="val -85978"/>
+              <a:gd name="adj2" fmla="val 573"/>
+            </a:avLst>
+          </a:prstGeom>
+          <a:solidFill>
+            <a:schemeClr val="bg1"/>
+          </a:solidFill>
+          <a:ln>
+            <a:solidFill>
+              <a:schemeClr val="tx1"/>
+            </a:solidFill>
+          </a:ln>
+        </p:spPr>
+        <p:style>
+          <a:lnRef idx="2">
+            <a:schemeClr val="accent1">
+              <a:shade val="50000"/>
+            </a:schemeClr>
+          </a:lnRef>
+          <a:fillRef idx="1">
+            <a:schemeClr val="accent1"/>
+          </a:fillRef>
+          <a:effectRef idx="0">
+            <a:schemeClr val="accent1"/>
+          </a:effectRef>
+          <a:fontRef idx="minor">
+            <a:schemeClr val="lt1"/>
+          </a:fontRef>
+        </p:style>
+        <p:txBody>
+          <a:bodyPr rtlCol="0" anchor="ctr"/>
+          <a:lstStyle/>
+          <a:p>
+            <a:pPr algn="ctr"/>
+            <a:endParaRPr kumimoji="1" lang="ja-JP" altLang="en-US"/>
+          </a:p>
+        </p:txBody>
+      </p:sp>
+      <p:sp>
+        <p:nvSpPr>
+          <p:cNvPr id="30" name="正方形/長方形 29">
+            <a:extLst>
+              <a:ext uri="{FF2B5EF4-FFF2-40B4-BE49-F238E27FC236}">
+                <a16:creationId xmlns:a16="http://schemas.microsoft.com/office/drawing/2014/main" id="{52314A52-A6CD-4CA8-B466-62F024240387}"/>
+              </a:ext>
+            </a:extLst>
+          </p:cNvPr>
+          <p:cNvSpPr/>
+          <p:nvPr/>
+        </p:nvSpPr>
+        <p:spPr>
+          <a:xfrm>
+            <a:off x="4888493" y="3674732"/>
+            <a:ext cx="3876026" cy="2499209"/>
+          </a:xfrm>
+          <a:prstGeom prst="rect">
+            <a:avLst/>
+          </a:prstGeom>
+          <a:solidFill>
+            <a:schemeClr val="bg1"/>
+          </a:solidFill>
+          <a:ln>
+            <a:noFill/>
+          </a:ln>
+        </p:spPr>
+        <p:style>
+          <a:lnRef idx="2">
+            <a:schemeClr val="accent1">
+              <a:shade val="50000"/>
+            </a:schemeClr>
+          </a:lnRef>
+          <a:fillRef idx="1">
+            <a:schemeClr val="accent1"/>
+          </a:fillRef>
+          <a:effectRef idx="0">
+            <a:schemeClr val="accent1"/>
+          </a:effectRef>
+          <a:fontRef idx="minor">
+            <a:schemeClr val="lt1"/>
+          </a:fontRef>
+        </p:style>
+        <p:txBody>
+          <a:bodyPr rtlCol="0" anchor="ctr"/>
+          <a:lstStyle/>
+          <a:p>
+            <a:r>
+              <a:rPr lang="ja-JP" altLang="en-US" sz="2800" b="1" dirty="0">
+                <a:solidFill>
+                  <a:sysClr val="windowText" lastClr="000000"/>
+                </a:solidFill>
+              </a:rPr>
+              <a:t>辞書ファイル</a:t>
+            </a:r>
+            <a:endParaRPr lang="en-US" altLang="ja-JP" sz="2800" b="1" dirty="0">
+              <a:solidFill>
+                <a:sysClr val="windowText" lastClr="000000"/>
+              </a:solidFill>
+            </a:endParaRPr>
+          </a:p>
+          <a:p>
+            <a:endParaRPr lang="en-US" altLang="ja-JP" sz="2800" dirty="0">
+              <a:solidFill>
+                <a:sysClr val="windowText" lastClr="000000"/>
+              </a:solidFill>
+            </a:endParaRPr>
+          </a:p>
+          <a:p>
+            <a:r>
+              <a:rPr lang="ja-JP" altLang="en-US" sz="2800" b="1" dirty="0">
+                <a:solidFill>
+                  <a:sysClr val="windowText" lastClr="000000"/>
+                </a:solidFill>
+              </a:rPr>
+              <a:t> 音素</a:t>
+            </a:r>
+            <a:r>
+              <a:rPr lang="en-US" altLang="ja-JP" sz="2800" b="1" dirty="0">
+                <a:solidFill>
+                  <a:sysClr val="windowText" lastClr="000000"/>
+                </a:solidFill>
+              </a:rPr>
+              <a:t>		         </a:t>
+            </a:r>
+            <a:r>
+              <a:rPr lang="ja-JP" altLang="en-US" sz="2800" b="1" dirty="0">
+                <a:solidFill>
+                  <a:sysClr val="windowText" lastClr="000000"/>
+                </a:solidFill>
+              </a:rPr>
+              <a:t>単語</a:t>
+            </a:r>
+            <a:endParaRPr lang="en-US" altLang="ja-JP" sz="2800" b="1" dirty="0">
+              <a:solidFill>
+                <a:sysClr val="windowText" lastClr="000000"/>
+              </a:solidFill>
+            </a:endParaRPr>
+          </a:p>
+          <a:p>
+            <a:r>
+              <a:rPr kumimoji="1" lang="en-US" altLang="ja-JP" sz="2800" dirty="0">
+                <a:solidFill>
+                  <a:sysClr val="windowText" lastClr="000000"/>
+                </a:solidFill>
+              </a:rPr>
+              <a:t>h a r e	  	</a:t>
+            </a:r>
+            <a:r>
+              <a:rPr kumimoji="1" lang="ja-JP" altLang="en-US" sz="2800" dirty="0">
+                <a:solidFill>
+                  <a:sysClr val="windowText" lastClr="000000"/>
+                </a:solidFill>
+              </a:rPr>
+              <a:t>晴れ</a:t>
+            </a:r>
+            <a:endParaRPr lang="en-US" altLang="ja-JP" sz="2800" dirty="0">
+              <a:solidFill>
+                <a:sysClr val="windowText" lastClr="000000"/>
+              </a:solidFill>
+            </a:endParaRPr>
+          </a:p>
+          <a:p>
+            <a:r>
+              <a:rPr lang="en-US" altLang="ja-JP" sz="2800" dirty="0">
+                <a:solidFill>
+                  <a:sysClr val="windowText" lastClr="000000"/>
+                </a:solidFill>
+              </a:rPr>
+              <a:t>k u m o r </a:t>
+            </a:r>
+            <a:r>
+              <a:rPr lang="en-US" altLang="ja-JP" sz="2800" dirty="0" err="1">
+                <a:solidFill>
+                  <a:sysClr val="windowText" lastClr="000000"/>
+                </a:solidFill>
+              </a:rPr>
+              <a:t>i</a:t>
+            </a:r>
+            <a:r>
+              <a:rPr lang="en-US" altLang="ja-JP" sz="2800" dirty="0">
+                <a:solidFill>
+                  <a:sysClr val="windowText" lastClr="000000"/>
+                </a:solidFill>
+              </a:rPr>
+              <a:t> 	  	</a:t>
+            </a:r>
+            <a:r>
+              <a:rPr lang="ja-JP" altLang="en-US" sz="2800" dirty="0">
+                <a:solidFill>
+                  <a:sysClr val="windowText" lastClr="000000"/>
+                </a:solidFill>
+              </a:rPr>
+              <a:t>曇り</a:t>
+            </a:r>
+            <a:endParaRPr lang="en-US" altLang="ja-JP" sz="2800" dirty="0">
+              <a:solidFill>
+                <a:sysClr val="windowText" lastClr="000000"/>
+              </a:solidFill>
+            </a:endParaRPr>
+          </a:p>
+          <a:p>
+            <a:r>
+              <a:rPr kumimoji="1" lang="en-US" altLang="ja-JP" sz="2800" dirty="0">
+                <a:solidFill>
+                  <a:sysClr val="windowText" lastClr="000000"/>
+                </a:solidFill>
+              </a:rPr>
+              <a:t>a m e		  	  </a:t>
+            </a:r>
+            <a:r>
+              <a:rPr kumimoji="1" lang="ja-JP" altLang="en-US" sz="2800" dirty="0">
+                <a:solidFill>
+                  <a:sysClr val="windowText" lastClr="000000"/>
+                </a:solidFill>
+              </a:rPr>
+              <a:t>雨</a:t>
+            </a:r>
+            <a:endParaRPr kumimoji="1" lang="en-US" altLang="ja-JP" sz="2800" dirty="0">
+              <a:solidFill>
+                <a:sysClr val="windowText" lastClr="000000"/>
+              </a:solidFill>
+            </a:endParaRPr>
+          </a:p>
+        </p:txBody>
+      </p:sp>
+      <p:sp>
+        <p:nvSpPr>
+          <p:cNvPr id="31" name="矢印: 右 30">
+            <a:extLst>
+              <a:ext uri="{FF2B5EF4-FFF2-40B4-BE49-F238E27FC236}">
+                <a16:creationId xmlns:a16="http://schemas.microsoft.com/office/drawing/2014/main" id="{66FD8DEF-D57E-41E7-8960-592A31AD255F}"/>
+              </a:ext>
+            </a:extLst>
+          </p:cNvPr>
+          <p:cNvSpPr/>
+          <p:nvPr/>
+        </p:nvSpPr>
+        <p:spPr>
+          <a:xfrm>
+            <a:off x="6408275" y="5754200"/>
+            <a:ext cx="836462" cy="487018"/>
+          </a:xfrm>
+          <a:prstGeom prst="rightArrow">
+            <a:avLst/>
+          </a:prstGeom>
+          <a:solidFill>
+            <a:srgbClr val="FF0000"/>
+          </a:solidFill>
+          <a:ln>
+            <a:solidFill>
+              <a:schemeClr val="tx1"/>
+            </a:solidFill>
+          </a:ln>
+        </p:spPr>
+        <p:style>
+          <a:lnRef idx="2">
+            <a:schemeClr val="accent1">
+              <a:shade val="50000"/>
+            </a:schemeClr>
+          </a:lnRef>
+          <a:fillRef idx="1">
+            <a:schemeClr val="accent1"/>
+          </a:fillRef>
+          <a:effectRef idx="0">
+            <a:schemeClr val="accent1"/>
+          </a:effectRef>
+          <a:fontRef idx="minor">
+            <a:schemeClr val="lt1"/>
+          </a:fontRef>
+        </p:style>
+        <p:txBody>
+          <a:bodyPr rtlCol="0" anchor="ctr"/>
+          <a:lstStyle/>
+          <a:p>
+            <a:pPr algn="ctr"/>
+            <a:endParaRPr kumimoji="1" lang="ja-JP" altLang="en-US" sz="2800"/>
+          </a:p>
+        </p:txBody>
+      </p:sp>
+      <p:cxnSp>
+        <p:nvCxnSpPr>
+          <p:cNvPr id="33" name="直線コネクタ 32">
+            <a:extLst>
+              <a:ext uri="{FF2B5EF4-FFF2-40B4-BE49-F238E27FC236}">
+                <a16:creationId xmlns:a16="http://schemas.microsoft.com/office/drawing/2014/main" id="{8D26DE95-AFF3-4CD9-923D-212C573A12BD}"/>
+              </a:ext>
+            </a:extLst>
+          </p:cNvPr>
+          <p:cNvCxnSpPr/>
+          <p:nvPr/>
+        </p:nvCxnSpPr>
+        <p:spPr>
+          <a:xfrm>
+            <a:off x="4909490" y="6173941"/>
+            <a:ext cx="1019018" cy="0"/>
+          </a:xfrm>
+          <a:prstGeom prst="line">
+            <a:avLst/>
+          </a:prstGeom>
+          <a:ln w="57150">
+            <a:solidFill>
+              <a:srgbClr val="FF0000"/>
+            </a:solidFill>
+          </a:ln>
+        </p:spPr>
+        <p:style>
+          <a:lnRef idx="1">
+            <a:schemeClr val="accent1"/>
+          </a:lnRef>
+          <a:fillRef idx="0">
+            <a:schemeClr val="accent1"/>
+          </a:fillRef>
+          <a:effectRef idx="0">
+            <a:schemeClr val="accent1"/>
+          </a:effectRef>
+          <a:fontRef idx="minor">
+            <a:schemeClr val="tx1"/>
+          </a:fontRef>
+        </p:style>
+      </p:cxnSp>
+      <p:cxnSp>
+        <p:nvCxnSpPr>
+          <p:cNvPr id="34" name="直線コネクタ 33">
+            <a:extLst>
+              <a:ext uri="{FF2B5EF4-FFF2-40B4-BE49-F238E27FC236}">
+                <a16:creationId xmlns:a16="http://schemas.microsoft.com/office/drawing/2014/main" id="{E751CC70-24DC-4147-A745-6A1EDA4821CA}"/>
+              </a:ext>
+            </a:extLst>
+          </p:cNvPr>
+          <p:cNvCxnSpPr>
+            <a:cxnSpLocks/>
+          </p:cNvCxnSpPr>
+          <p:nvPr/>
+        </p:nvCxnSpPr>
+        <p:spPr>
+          <a:xfrm flipV="1">
+            <a:off x="7748016" y="6171685"/>
+            <a:ext cx="677872" cy="4514"/>
+          </a:xfrm>
+          <a:prstGeom prst="line">
+            <a:avLst/>
+          </a:prstGeom>
+          <a:ln w="57150">
+            <a:solidFill>
+              <a:srgbClr val="FF0000"/>
+            </a:solidFill>
+          </a:ln>
+        </p:spPr>
+        <p:style>
+          <a:lnRef idx="1">
+            <a:schemeClr val="accent1"/>
+          </a:lnRef>
+          <a:fillRef idx="0">
+            <a:schemeClr val="accent1"/>
+          </a:fillRef>
+          <a:effectRef idx="0">
+            <a:schemeClr val="accent1"/>
+          </a:effectRef>
+          <a:fontRef idx="minor">
+            <a:schemeClr val="tx1"/>
+          </a:fontRef>
+        </p:style>
+      </p:cxnSp>
+      <p:sp>
+        <p:nvSpPr>
+          <p:cNvPr id="38" name="四角形: 角を丸くする 37">
+            <a:extLst>
+              <a:ext uri="{FF2B5EF4-FFF2-40B4-BE49-F238E27FC236}">
+                <a16:creationId xmlns:a16="http://schemas.microsoft.com/office/drawing/2014/main" id="{72E4019F-4D7F-4000-A28B-67B6B6AEE5DF}"/>
+              </a:ext>
+            </a:extLst>
+          </p:cNvPr>
+          <p:cNvSpPr/>
+          <p:nvPr/>
+        </p:nvSpPr>
+        <p:spPr>
+          <a:xfrm>
+            <a:off x="1600200" y="1823162"/>
+            <a:ext cx="1563510" cy="880799"/>
+          </a:xfrm>
+          <a:prstGeom prst="roundRect">
+            <a:avLst/>
+          </a:prstGeom>
+          <a:solidFill>
+            <a:schemeClr val="bg1"/>
+          </a:solidFill>
+          <a:ln>
+            <a:solidFill>
+              <a:schemeClr val="tx1"/>
+            </a:solidFill>
+          </a:ln>
+        </p:spPr>
+        <p:style>
+          <a:lnRef idx="2">
+            <a:schemeClr val="accent1">
+              <a:shade val="50000"/>
+            </a:schemeClr>
+          </a:lnRef>
+          <a:fillRef idx="1">
+            <a:schemeClr val="accent1"/>
+          </a:fillRef>
+          <a:effectRef idx="0">
+            <a:schemeClr val="accent1"/>
+          </a:effectRef>
+          <a:fontRef idx="minor">
+            <a:schemeClr val="lt1"/>
+          </a:fontRef>
+        </p:style>
+        <p:txBody>
+          <a:bodyPr rtlCol="0" anchor="ctr"/>
+          <a:lstStyle/>
+          <a:p>
+            <a:pPr algn="ctr"/>
+            <a:r>
+              <a:rPr kumimoji="1" lang="ja-JP" altLang="en-US" sz="3200" dirty="0">
+                <a:solidFill>
+                  <a:sysClr val="windowText" lastClr="000000"/>
+                </a:solidFill>
+              </a:rPr>
+              <a:t>あめ</a:t>
+            </a:r>
+          </a:p>
+        </p:txBody>
+      </p:sp>
+      <p:sp>
+        <p:nvSpPr>
+          <p:cNvPr id="39" name="四角形: 角を丸くする 38">
+            <a:extLst>
+              <a:ext uri="{FF2B5EF4-FFF2-40B4-BE49-F238E27FC236}">
+                <a16:creationId xmlns:a16="http://schemas.microsoft.com/office/drawing/2014/main" id="{AD6285AC-1E5C-4D9F-935C-D82D316E24BC}"/>
+              </a:ext>
+            </a:extLst>
+          </p:cNvPr>
+          <p:cNvSpPr/>
+          <p:nvPr/>
+        </p:nvSpPr>
+        <p:spPr>
+          <a:xfrm>
+            <a:off x="1597050" y="3664406"/>
+            <a:ext cx="1563510" cy="880799"/>
+          </a:xfrm>
+          <a:prstGeom prst="roundRect">
+            <a:avLst/>
+          </a:prstGeom>
+          <a:solidFill>
+            <a:schemeClr val="bg1"/>
+          </a:solidFill>
+          <a:ln>
+            <a:solidFill>
+              <a:schemeClr val="tx1"/>
+            </a:solidFill>
+          </a:ln>
+        </p:spPr>
+        <p:style>
+          <a:lnRef idx="2">
+            <a:schemeClr val="accent1">
+              <a:shade val="50000"/>
+            </a:schemeClr>
+          </a:lnRef>
+          <a:fillRef idx="1">
+            <a:schemeClr val="accent1"/>
+          </a:fillRef>
+          <a:effectRef idx="0">
+            <a:schemeClr val="accent1"/>
+          </a:effectRef>
+          <a:fontRef idx="minor">
+            <a:schemeClr val="lt1"/>
+          </a:fontRef>
+        </p:style>
+        <p:txBody>
+          <a:bodyPr rtlCol="0" anchor="ctr"/>
+          <a:lstStyle/>
+          <a:p>
+            <a:pPr algn="ctr"/>
+            <a:r>
+              <a:rPr kumimoji="1" lang="en-US" altLang="ja-JP" sz="3200" dirty="0" err="1">
+                <a:solidFill>
+                  <a:sysClr val="windowText" lastClr="000000"/>
+                </a:solidFill>
+              </a:rPr>
+              <a:t>ame</a:t>
+            </a:r>
+            <a:endParaRPr kumimoji="1" lang="ja-JP" altLang="en-US" sz="3200" dirty="0">
+              <a:solidFill>
+                <a:sysClr val="windowText" lastClr="000000"/>
+              </a:solidFill>
+            </a:endParaRPr>
+          </a:p>
+        </p:txBody>
+      </p:sp>
+      <p:sp>
+        <p:nvSpPr>
+          <p:cNvPr id="40" name="四角形: 角を丸くする 39">
+            <a:extLst>
+              <a:ext uri="{FF2B5EF4-FFF2-40B4-BE49-F238E27FC236}">
+                <a16:creationId xmlns:a16="http://schemas.microsoft.com/office/drawing/2014/main" id="{9F66BD62-94F6-440F-B8DD-31A2F7DB1F24}"/>
+              </a:ext>
+            </a:extLst>
+          </p:cNvPr>
+          <p:cNvSpPr/>
+          <p:nvPr/>
+        </p:nvSpPr>
+        <p:spPr>
+          <a:xfrm>
+            <a:off x="1583574" y="5557309"/>
+            <a:ext cx="1563510" cy="880799"/>
+          </a:xfrm>
+          <a:prstGeom prst="roundRect">
+            <a:avLst/>
+          </a:prstGeom>
+          <a:solidFill>
+            <a:schemeClr val="bg1"/>
+          </a:solidFill>
+          <a:ln>
+            <a:solidFill>
+              <a:schemeClr val="tx1"/>
+            </a:solidFill>
+          </a:ln>
+        </p:spPr>
+        <p:style>
+          <a:lnRef idx="2">
+            <a:schemeClr val="accent1">
+              <a:shade val="50000"/>
+            </a:schemeClr>
+          </a:lnRef>
+          <a:fillRef idx="1">
+            <a:schemeClr val="accent1"/>
+          </a:fillRef>
+          <a:effectRef idx="0">
+            <a:schemeClr val="accent1"/>
+          </a:effectRef>
+          <a:fontRef idx="minor">
+            <a:schemeClr val="lt1"/>
+          </a:fontRef>
+        </p:style>
+        <p:txBody>
+          <a:bodyPr rtlCol="0" anchor="ctr"/>
+          <a:lstStyle/>
+          <a:p>
+            <a:pPr algn="ctr"/>
+            <a:r>
+              <a:rPr lang="ja-JP" altLang="en-US" sz="3200" dirty="0">
+                <a:solidFill>
+                  <a:sysClr val="windowText" lastClr="000000"/>
+                </a:solidFill>
+              </a:rPr>
+              <a:t>雨</a:t>
+            </a:r>
+            <a:endParaRPr kumimoji="1" lang="ja-JP" altLang="en-US" sz="3200" dirty="0">
+              <a:solidFill>
+                <a:sysClr val="windowText" lastClr="000000"/>
+              </a:solidFill>
+            </a:endParaRPr>
           </a:p>
         </p:txBody>
       </p:sp>
     </p:spTree>
     <p:extLst>
       <p:ext uri="{BB962C8B-B14F-4D97-AF65-F5344CB8AC3E}">
-        <p14:creationId xmlns:p14="http://schemas.microsoft.com/office/powerpoint/2010/main" val="532322399"/>
+        <p14:creationId xmlns:p14="http://schemas.microsoft.com/office/powerpoint/2010/main" val="2818274809"/>
       </p:ext>
     </p:extLst>
   </p:cSld>
@@ -10715,7 +15974,7 @@
           <p:cNvPr id="2" name="タイトル 1">
             <a:extLst>
               <a:ext uri="{FF2B5EF4-FFF2-40B4-BE49-F238E27FC236}">
-                <a16:creationId xmlns:a16="http://schemas.microsoft.com/office/drawing/2014/main" id="{2130732E-7DA7-406F-85C0-863D6420038A}"/>
+                <a16:creationId xmlns:a16="http://schemas.microsoft.com/office/drawing/2014/main" id="{2F54B871-1C29-443D-B7CD-A4880E1EFD3C}"/>
               </a:ext>
             </a:extLst>
           </p:cNvPr>
@@ -10733,7 +15992,7 @@
           <a:p>
             <a:r>
               <a:rPr kumimoji="1" lang="ja-JP" altLang="en-US" dirty="0"/>
-              <a:t>ウェイクワード</a:t>
+              <a:t>辞書データ</a:t>
             </a:r>
           </a:p>
         </p:txBody>
@@ -10743,7 +16002,7 @@
           <p:cNvPr id="3" name="コンテンツ プレースホルダー 2">
             <a:extLst>
               <a:ext uri="{FF2B5EF4-FFF2-40B4-BE49-F238E27FC236}">
-                <a16:creationId xmlns:a16="http://schemas.microsoft.com/office/drawing/2014/main" id="{DB12C1AE-EEE1-4481-9A74-18CE3D6E4F3C}"/>
+                <a16:creationId xmlns:a16="http://schemas.microsoft.com/office/drawing/2014/main" id="{359BA7E9-5FB0-436F-941D-2F003078FAD5}"/>
               </a:ext>
             </a:extLst>
           </p:cNvPr>
@@ -10763,10 +16022,67 @@
           </a:p>
         </p:txBody>
       </p:sp>
+      <p:sp>
+        <p:nvSpPr>
+          <p:cNvPr id="5" name="正方形/長方形 4">
+            <a:extLst>
+              <a:ext uri="{FF2B5EF4-FFF2-40B4-BE49-F238E27FC236}">
+                <a16:creationId xmlns:a16="http://schemas.microsoft.com/office/drawing/2014/main" id="{0853C9A5-A8A3-4AEE-B695-9634976812D0}"/>
+              </a:ext>
+            </a:extLst>
+          </p:cNvPr>
+          <p:cNvSpPr/>
+          <p:nvPr/>
+        </p:nvSpPr>
+        <p:spPr>
+          <a:xfrm>
+            <a:off x="9508067" y="0"/>
+            <a:ext cx="2683933" cy="1593908"/>
+          </a:xfrm>
+          <a:prstGeom prst="rect">
+            <a:avLst/>
+          </a:prstGeom>
+          <a:solidFill>
+            <a:schemeClr val="accent6">
+              <a:lumMod val="60000"/>
+              <a:lumOff val="40000"/>
+            </a:schemeClr>
+          </a:solidFill>
+          <a:ln>
+            <a:solidFill>
+              <a:schemeClr val="tx1"/>
+            </a:solidFill>
+          </a:ln>
+        </p:spPr>
+        <p:style>
+          <a:lnRef idx="2">
+            <a:schemeClr val="accent1">
+              <a:shade val="50000"/>
+            </a:schemeClr>
+          </a:lnRef>
+          <a:fillRef idx="1">
+            <a:schemeClr val="accent1"/>
+          </a:fillRef>
+          <a:effectRef idx="0">
+            <a:schemeClr val="accent1"/>
+          </a:effectRef>
+          <a:fontRef idx="minor">
+            <a:schemeClr val="lt1"/>
+          </a:fontRef>
+        </p:style>
+        <p:txBody>
+          <a:bodyPr rtlCol="0" anchor="ctr"/>
+          <a:lstStyle/>
+          <a:p>
+            <a:pPr algn="ctr"/>
+            <a:endParaRPr kumimoji="1" lang="ja-JP" altLang="en-US"/>
+          </a:p>
+        </p:txBody>
+      </p:sp>
     </p:spTree>
     <p:extLst>
       <p:ext uri="{BB962C8B-B14F-4D97-AF65-F5344CB8AC3E}">
-        <p14:creationId xmlns:p14="http://schemas.microsoft.com/office/powerpoint/2010/main" val="524137758"/>
+        <p14:creationId xmlns:p14="http://schemas.microsoft.com/office/powerpoint/2010/main" val="532322399"/>
       </p:ext>
     </p:extLst>
   </p:cSld>

--- a/presentation/AIスピーカー開発_3_main.pptx
+++ b/presentation/AIスピーカー開発_3_main.pptx
@@ -892,14 +892,20 @@
     </dgm:pt>
     <dgm:pt modelId="{26A8BDED-7BD6-49CF-8C8C-068FE7539748}">
       <dgm:prSet phldrT="[テキスト]"/>
-      <dgm:spPr/>
+      <dgm:spPr>
+        <a:solidFill>
+          <a:schemeClr val="accent6">
+            <a:lumMod val="75000"/>
+          </a:schemeClr>
+        </a:solidFill>
+      </dgm:spPr>
       <dgm:t>
         <a:bodyPr/>
         <a:lstStyle/>
         <a:p>
           <a:pPr algn="l"/>
           <a:r>
-            <a:rPr kumimoji="1" lang="ja-JP" altLang="en-US" dirty="0"/>
+            <a:rPr kumimoji="1" lang="ja-JP" altLang="en-US" b="1" dirty="0"/>
             <a:t>音声</a:t>
           </a:r>
         </a:p>
@@ -935,14 +941,20 @@
     </dgm:pt>
     <dgm:pt modelId="{FA835DA5-41EF-42EA-8294-D83BFCF3F3FB}">
       <dgm:prSet phldrT="[テキスト]"/>
-      <dgm:spPr/>
+      <dgm:spPr>
+        <a:solidFill>
+          <a:schemeClr val="accent6">
+            <a:lumMod val="75000"/>
+          </a:schemeClr>
+        </a:solidFill>
+      </dgm:spPr>
       <dgm:t>
         <a:bodyPr/>
         <a:lstStyle/>
         <a:p>
           <a:pPr algn="l"/>
           <a:r>
-            <a:rPr kumimoji="1" lang="ja-JP" altLang="en-US" dirty="0"/>
+            <a:rPr kumimoji="1" lang="ja-JP" altLang="en-US" b="1" dirty="0"/>
             <a:t>音素</a:t>
           </a:r>
         </a:p>
@@ -978,14 +990,20 @@
     </dgm:pt>
     <dgm:pt modelId="{BE1F7A08-3369-4E03-932E-EF9B44EC1A7D}">
       <dgm:prSet phldrT="[テキスト]"/>
-      <dgm:spPr/>
+      <dgm:spPr>
+        <a:solidFill>
+          <a:schemeClr val="accent6">
+            <a:lumMod val="75000"/>
+          </a:schemeClr>
+        </a:solidFill>
+      </dgm:spPr>
       <dgm:t>
         <a:bodyPr/>
         <a:lstStyle/>
         <a:p>
           <a:pPr algn="l"/>
           <a:r>
-            <a:rPr kumimoji="1" lang="ja-JP" altLang="en-US" dirty="0"/>
+            <a:rPr kumimoji="1" lang="ja-JP" altLang="en-US" b="1" dirty="0"/>
             <a:t>文字</a:t>
           </a:r>
         </a:p>
@@ -1116,11 +1134,8 @@
           </a:avLst>
         </a:prstGeom>
         <a:solidFill>
-          <a:schemeClr val="accent1">
-            <a:hueOff val="0"/>
-            <a:satOff val="0"/>
-            <a:lumOff val="0"/>
-            <a:alphaOff val="0"/>
+          <a:schemeClr val="accent6">
+            <a:lumMod val="75000"/>
           </a:schemeClr>
         </a:solidFill>
         <a:ln w="12700" cap="flat" cmpd="sng" algn="ctr">
@@ -1170,7 +1185,7 @@
             <a:buNone/>
           </a:pPr>
           <a:r>
-            <a:rPr kumimoji="1" lang="ja-JP" altLang="en-US" sz="4200" kern="1200" dirty="0"/>
+            <a:rPr kumimoji="1" lang="ja-JP" altLang="en-US" sz="4200" b="1" kern="1200" dirty="0"/>
             <a:t>音声</a:t>
           </a:r>
         </a:p>
@@ -1268,11 +1283,8 @@
           </a:avLst>
         </a:prstGeom>
         <a:solidFill>
-          <a:schemeClr val="accent1">
-            <a:hueOff val="0"/>
-            <a:satOff val="0"/>
-            <a:lumOff val="0"/>
-            <a:alphaOff val="0"/>
+          <a:schemeClr val="accent6">
+            <a:lumMod val="75000"/>
           </a:schemeClr>
         </a:solidFill>
         <a:ln w="12700" cap="flat" cmpd="sng" algn="ctr">
@@ -1322,7 +1334,7 @@
             <a:buNone/>
           </a:pPr>
           <a:r>
-            <a:rPr kumimoji="1" lang="ja-JP" altLang="en-US" sz="4200" kern="1200" dirty="0"/>
+            <a:rPr kumimoji="1" lang="ja-JP" altLang="en-US" sz="4200" b="1" kern="1200" dirty="0"/>
             <a:t>音素</a:t>
           </a:r>
         </a:p>
@@ -1420,11 +1432,8 @@
           </a:avLst>
         </a:prstGeom>
         <a:solidFill>
-          <a:schemeClr val="accent1">
-            <a:hueOff val="0"/>
-            <a:satOff val="0"/>
-            <a:lumOff val="0"/>
-            <a:alphaOff val="0"/>
+          <a:schemeClr val="accent6">
+            <a:lumMod val="75000"/>
           </a:schemeClr>
         </a:solidFill>
         <a:ln w="12700" cap="flat" cmpd="sng" algn="ctr">
@@ -1474,7 +1483,7 @@
             <a:buNone/>
           </a:pPr>
           <a:r>
-            <a:rPr kumimoji="1" lang="ja-JP" altLang="en-US" sz="4200" kern="1200" dirty="0"/>
+            <a:rPr kumimoji="1" lang="ja-JP" altLang="en-US" sz="4200" b="1" kern="1200" dirty="0"/>
             <a:t>文字</a:t>
           </a:r>
         </a:p>
@@ -2753,7 +2762,7 @@
           <a:p>
             <a:fld id="{D3FBB20C-20C4-49AD-85A3-C66C862503B5}" type="datetimeFigureOut">
               <a:rPr kumimoji="1" lang="ja-JP" altLang="en-US" smtClean="0"/>
-              <a:t>2022/1/12</a:t>
+              <a:t>2022/1/14</a:t>
             </a:fld>
             <a:endParaRPr kumimoji="1" lang="ja-JP" altLang="en-US"/>
           </a:p>
@@ -3795,6 +3804,90 @@
           <a:bodyPr/>
           <a:lstStyle/>
           <a:p>
+            <a:endParaRPr kumimoji="1" lang="ja-JP" altLang="en-US" dirty="0"/>
+          </a:p>
+        </p:txBody>
+      </p:sp>
+      <p:sp>
+        <p:nvSpPr>
+          <p:cNvPr id="4" name="スライド番号プレースホルダー 3"/>
+          <p:cNvSpPr>
+            <a:spLocks noGrp="1"/>
+          </p:cNvSpPr>
+          <p:nvPr>
+            <p:ph type="sldNum" sz="quarter" idx="5"/>
+          </p:nvPr>
+        </p:nvSpPr>
+        <p:spPr/>
+        <p:txBody>
+          <a:bodyPr/>
+          <a:lstStyle/>
+          <a:p>
+            <a:fld id="{1A2E7C28-4903-4521-8E60-0F80C627678B}" type="slidenum">
+              <a:rPr kumimoji="1" lang="ja-JP" altLang="en-US" smtClean="0"/>
+              <a:t>20</a:t>
+            </a:fld>
+            <a:endParaRPr kumimoji="1" lang="ja-JP" altLang="en-US"/>
+          </a:p>
+        </p:txBody>
+      </p:sp>
+    </p:spTree>
+    <p:extLst>
+      <p:ext uri="{BB962C8B-B14F-4D97-AF65-F5344CB8AC3E}">
+        <p14:creationId xmlns:p14="http://schemas.microsoft.com/office/powerpoint/2010/main" val="1265379811"/>
+      </p:ext>
+    </p:extLst>
+  </p:cSld>
+  <p:clrMapOvr>
+    <a:masterClrMapping/>
+  </p:clrMapOvr>
+</p:notes>
+</file>
+
+<file path=ppt/notesSlides/notesSlide9.xml><?xml version="1.0" encoding="utf-8"?>
+<p:notes xmlns:a="http://schemas.openxmlformats.org/drawingml/2006/main" xmlns:r="http://schemas.openxmlformats.org/officeDocument/2006/relationships" xmlns:p="http://schemas.openxmlformats.org/presentationml/2006/main">
+  <p:cSld>
+    <p:spTree>
+      <p:nvGrpSpPr>
+        <p:cNvPr id="1" name=""/>
+        <p:cNvGrpSpPr/>
+        <p:nvPr/>
+      </p:nvGrpSpPr>
+      <p:grpSpPr>
+        <a:xfrm>
+          <a:off x="0" y="0"/>
+          <a:ext cx="0" cy="0"/>
+          <a:chOff x="0" y="0"/>
+          <a:chExt cx="0" cy="0"/>
+        </a:xfrm>
+      </p:grpSpPr>
+      <p:sp>
+        <p:nvSpPr>
+          <p:cNvPr id="2" name="スライド イメージ プレースホルダー 1"/>
+          <p:cNvSpPr>
+            <a:spLocks noGrp="1" noRot="1" noChangeAspect="1"/>
+          </p:cNvSpPr>
+          <p:nvPr>
+            <p:ph type="sldImg"/>
+          </p:nvPr>
+        </p:nvSpPr>
+        <p:spPr/>
+      </p:sp>
+      <p:sp>
+        <p:nvSpPr>
+          <p:cNvPr id="3" name="ノート プレースホルダー 2"/>
+          <p:cNvSpPr>
+            <a:spLocks noGrp="1"/>
+          </p:cNvSpPr>
+          <p:nvPr>
+            <p:ph type="body" idx="1"/>
+          </p:nvPr>
+        </p:nvSpPr>
+        <p:spPr/>
+        <p:txBody>
+          <a:bodyPr/>
+          <a:lstStyle/>
+          <a:p>
             <a:r>
               <a:rPr kumimoji="1" lang="ja-JP" altLang="en-US" dirty="0"/>
               <a:t>よしえにいってもーら</a:t>
@@ -3993,7 +4086,7 @@
           <a:p>
             <a:fld id="{C63D219B-6862-4E6A-9F9E-C4C4759712F9}" type="datetimeFigureOut">
               <a:rPr kumimoji="1" lang="ja-JP" altLang="en-US" smtClean="0"/>
-              <a:t>2022/1/12</a:t>
+              <a:t>2022/1/14</a:t>
             </a:fld>
             <a:endParaRPr kumimoji="1" lang="ja-JP" altLang="en-US"/>
           </a:p>
@@ -4223,7 +4316,7 @@
           <a:p>
             <a:fld id="{C63D219B-6862-4E6A-9F9E-C4C4759712F9}" type="datetimeFigureOut">
               <a:rPr kumimoji="1" lang="ja-JP" altLang="en-US" smtClean="0"/>
-              <a:t>2022/1/12</a:t>
+              <a:t>2022/1/14</a:t>
             </a:fld>
             <a:endParaRPr kumimoji="1" lang="ja-JP" altLang="en-US"/>
           </a:p>
@@ -4463,7 +4556,7 @@
           <a:p>
             <a:fld id="{C63D219B-6862-4E6A-9F9E-C4C4759712F9}" type="datetimeFigureOut">
               <a:rPr kumimoji="1" lang="ja-JP" altLang="en-US" smtClean="0"/>
-              <a:t>2022/1/12</a:t>
+              <a:t>2022/1/14</a:t>
             </a:fld>
             <a:endParaRPr kumimoji="1" lang="ja-JP" altLang="en-US"/>
           </a:p>
@@ -4693,7 +4786,7 @@
           <a:p>
             <a:fld id="{C63D219B-6862-4E6A-9F9E-C4C4759712F9}" type="datetimeFigureOut">
               <a:rPr kumimoji="1" lang="ja-JP" altLang="en-US" smtClean="0"/>
-              <a:t>2022/1/12</a:t>
+              <a:t>2022/1/14</a:t>
             </a:fld>
             <a:endParaRPr kumimoji="1" lang="ja-JP" altLang="en-US"/>
           </a:p>
@@ -4968,7 +5061,7 @@
           <a:p>
             <a:fld id="{C63D219B-6862-4E6A-9F9E-C4C4759712F9}" type="datetimeFigureOut">
               <a:rPr kumimoji="1" lang="ja-JP" altLang="en-US" smtClean="0"/>
-              <a:t>2022/1/12</a:t>
+              <a:t>2022/1/14</a:t>
             </a:fld>
             <a:endParaRPr kumimoji="1" lang="ja-JP" altLang="en-US"/>
           </a:p>
@@ -5297,7 +5390,7 @@
           <a:p>
             <a:fld id="{C63D219B-6862-4E6A-9F9E-C4C4759712F9}" type="datetimeFigureOut">
               <a:rPr kumimoji="1" lang="ja-JP" altLang="en-US" smtClean="0"/>
-              <a:t>2022/1/12</a:t>
+              <a:t>2022/1/14</a:t>
             </a:fld>
             <a:endParaRPr kumimoji="1" lang="ja-JP" altLang="en-US"/>
           </a:p>
@@ -5773,7 +5866,7 @@
           <a:p>
             <a:fld id="{C63D219B-6862-4E6A-9F9E-C4C4759712F9}" type="datetimeFigureOut">
               <a:rPr kumimoji="1" lang="ja-JP" altLang="en-US" smtClean="0"/>
-              <a:t>2022/1/12</a:t>
+              <a:t>2022/1/14</a:t>
             </a:fld>
             <a:endParaRPr kumimoji="1" lang="ja-JP" altLang="en-US"/>
           </a:p>
@@ -5914,7 +6007,7 @@
           <a:p>
             <a:fld id="{C63D219B-6862-4E6A-9F9E-C4C4759712F9}" type="datetimeFigureOut">
               <a:rPr kumimoji="1" lang="ja-JP" altLang="en-US" smtClean="0"/>
-              <a:t>2022/1/12</a:t>
+              <a:t>2022/1/14</a:t>
             </a:fld>
             <a:endParaRPr kumimoji="1" lang="ja-JP" altLang="en-US"/>
           </a:p>
@@ -6027,7 +6120,7 @@
           <a:p>
             <a:fld id="{C63D219B-6862-4E6A-9F9E-C4C4759712F9}" type="datetimeFigureOut">
               <a:rPr kumimoji="1" lang="ja-JP" altLang="en-US" smtClean="0"/>
-              <a:t>2022/1/12</a:t>
+              <a:t>2022/1/14</a:t>
             </a:fld>
             <a:endParaRPr kumimoji="1" lang="ja-JP" altLang="en-US"/>
           </a:p>
@@ -6370,7 +6463,7 @@
           <a:p>
             <a:fld id="{C63D219B-6862-4E6A-9F9E-C4C4759712F9}" type="datetimeFigureOut">
               <a:rPr kumimoji="1" lang="ja-JP" altLang="en-US" smtClean="0"/>
-              <a:t>2022/1/12</a:t>
+              <a:t>2022/1/14</a:t>
             </a:fld>
             <a:endParaRPr kumimoji="1" lang="ja-JP" altLang="en-US"/>
           </a:p>
@@ -6658,7 +6751,7 @@
           <a:p>
             <a:fld id="{C63D219B-6862-4E6A-9F9E-C4C4759712F9}" type="datetimeFigureOut">
               <a:rPr kumimoji="1" lang="ja-JP" altLang="en-US" smtClean="0"/>
-              <a:t>2022/1/12</a:t>
+              <a:t>2022/1/14</a:t>
             </a:fld>
             <a:endParaRPr kumimoji="1" lang="ja-JP" altLang="en-US"/>
           </a:p>
@@ -6958,7 +7051,7 @@
           <a:p>
             <a:fld id="{C63D219B-6862-4E6A-9F9E-C4C4759712F9}" type="datetimeFigureOut">
               <a:rPr kumimoji="1" lang="ja-JP" altLang="en-US" smtClean="0"/>
-              <a:t>2022/1/12</a:t>
+              <a:t>2022/1/14</a:t>
             </a:fld>
             <a:endParaRPr kumimoji="1" lang="ja-JP" altLang="en-US"/>
           </a:p>
@@ -8029,6 +8122,114 @@
       </p:grpSpPr>
       <p:sp>
         <p:nvSpPr>
+          <p:cNvPr id="11" name="正方形/長方形 10">
+            <a:extLst>
+              <a:ext uri="{FF2B5EF4-FFF2-40B4-BE49-F238E27FC236}">
+                <a16:creationId xmlns:a16="http://schemas.microsoft.com/office/drawing/2014/main" id="{A43A5C1C-CD2F-46A6-BDBE-D4A7B86F23A3}"/>
+              </a:ext>
+            </a:extLst>
+          </p:cNvPr>
+          <p:cNvSpPr/>
+          <p:nvPr/>
+        </p:nvSpPr>
+        <p:spPr>
+          <a:xfrm>
+            <a:off x="1400784" y="5009745"/>
+            <a:ext cx="6624536" cy="479089"/>
+          </a:xfrm>
+          <a:prstGeom prst="rect">
+            <a:avLst/>
+          </a:prstGeom>
+          <a:solidFill>
+            <a:schemeClr val="bg1"/>
+          </a:solidFill>
+          <a:ln>
+            <a:solidFill>
+              <a:schemeClr val="tx1"/>
+            </a:solidFill>
+          </a:ln>
+        </p:spPr>
+        <p:style>
+          <a:lnRef idx="2">
+            <a:schemeClr val="accent1">
+              <a:shade val="50000"/>
+            </a:schemeClr>
+          </a:lnRef>
+          <a:fillRef idx="1">
+            <a:schemeClr val="accent1"/>
+          </a:fillRef>
+          <a:effectRef idx="0">
+            <a:schemeClr val="accent1"/>
+          </a:effectRef>
+          <a:fontRef idx="minor">
+            <a:schemeClr val="lt1"/>
+          </a:fontRef>
+        </p:style>
+        <p:txBody>
+          <a:bodyPr rtlCol="0" anchor="ctr"/>
+          <a:lstStyle/>
+          <a:p>
+            <a:pPr algn="ctr"/>
+            <a:endParaRPr kumimoji="1" lang="ja-JP" altLang="en-US"/>
+          </a:p>
+        </p:txBody>
+      </p:sp>
+      <p:sp>
+        <p:nvSpPr>
+          <p:cNvPr id="8" name="正方形/長方形 7">
+            <a:extLst>
+              <a:ext uri="{FF2B5EF4-FFF2-40B4-BE49-F238E27FC236}">
+                <a16:creationId xmlns:a16="http://schemas.microsoft.com/office/drawing/2014/main" id="{F2E06782-F764-4458-86E7-0558F2580076}"/>
+              </a:ext>
+            </a:extLst>
+          </p:cNvPr>
+          <p:cNvSpPr/>
+          <p:nvPr/>
+        </p:nvSpPr>
+        <p:spPr>
+          <a:xfrm>
+            <a:off x="1400783" y="2598764"/>
+            <a:ext cx="6624536" cy="1887165"/>
+          </a:xfrm>
+          <a:prstGeom prst="rect">
+            <a:avLst/>
+          </a:prstGeom>
+          <a:solidFill>
+            <a:schemeClr val="bg1"/>
+          </a:solidFill>
+          <a:ln>
+            <a:solidFill>
+              <a:schemeClr val="tx1"/>
+            </a:solidFill>
+          </a:ln>
+        </p:spPr>
+        <p:style>
+          <a:lnRef idx="2">
+            <a:schemeClr val="accent1">
+              <a:shade val="50000"/>
+            </a:schemeClr>
+          </a:lnRef>
+          <a:fillRef idx="1">
+            <a:schemeClr val="accent1"/>
+          </a:fillRef>
+          <a:effectRef idx="0">
+            <a:schemeClr val="accent1"/>
+          </a:effectRef>
+          <a:fontRef idx="minor">
+            <a:schemeClr val="lt1"/>
+          </a:fontRef>
+        </p:style>
+        <p:txBody>
+          <a:bodyPr rtlCol="0" anchor="ctr"/>
+          <a:lstStyle/>
+          <a:p>
+            <a:pPr algn="ctr"/>
+            <a:endParaRPr kumimoji="1" lang="ja-JP" altLang="en-US"/>
+          </a:p>
+        </p:txBody>
+      </p:sp>
+      <p:sp>
+        <p:nvSpPr>
           <p:cNvPr id="2" name="タイトル 1">
             <a:extLst>
               <a:ext uri="{FF2B5EF4-FFF2-40B4-BE49-F238E27FC236}">
@@ -8105,10 +8306,12 @@
             <a:endParaRPr kumimoji="1" lang="en-US" altLang="ja-JP" sz="2800" dirty="0"/>
           </a:p>
           <a:p>
-            <a:pPr lvl="1"/>
+            <a:pPr marL="457200" lvl="1" indent="0">
+              <a:buNone/>
+            </a:pPr>
             <a:r>
               <a:rPr lang="ja-JP" altLang="en-US" sz="3200" b="1" dirty="0"/>
-              <a:t>天気予報</a:t>
+              <a:t> 天気予報</a:t>
             </a:r>
             <a:endParaRPr lang="en-US" altLang="ja-JP" sz="3200" b="1" dirty="0"/>
           </a:p>
@@ -8117,10 +8320,12 @@
             <a:endParaRPr lang="en-US" altLang="ja-JP" sz="700" b="1" dirty="0"/>
           </a:p>
           <a:p>
-            <a:pPr lvl="1"/>
+            <a:pPr marL="457200" lvl="1" indent="0">
+              <a:buNone/>
+            </a:pPr>
             <a:r>
               <a:rPr kumimoji="1" lang="ja-JP" altLang="en-US" sz="3200" b="1" dirty="0"/>
-              <a:t>ニュース</a:t>
+              <a:t> ニュース</a:t>
             </a:r>
             <a:endParaRPr kumimoji="1" lang="en-US" altLang="ja-JP" sz="3200" b="1" dirty="0"/>
           </a:p>
@@ -8129,10 +8334,12 @@
             <a:endParaRPr kumimoji="1" lang="en-US" altLang="ja-JP" sz="700" b="1" dirty="0"/>
           </a:p>
           <a:p>
-            <a:pPr lvl="1"/>
+            <a:pPr marL="457200" lvl="1" indent="0">
+              <a:buNone/>
+            </a:pPr>
             <a:r>
               <a:rPr kumimoji="1" lang="ja-JP" altLang="en-US" sz="3200" b="1" dirty="0"/>
-              <a:t>星座占い</a:t>
+              <a:t> 星座占い</a:t>
             </a:r>
             <a:endParaRPr kumimoji="1" lang="en-US" altLang="ja-JP" sz="2800" b="1" dirty="0"/>
           </a:p>
@@ -8156,7 +8363,9 @@
             <a:endParaRPr lang="en-US" altLang="ja-JP" sz="700" b="1" dirty="0"/>
           </a:p>
           <a:p>
-            <a:pPr lvl="1"/>
+            <a:pPr marL="457200" lvl="1" indent="0">
+              <a:buNone/>
+            </a:pPr>
             <a:r>
               <a:rPr lang="ja-JP" altLang="en-US" sz="3200" b="1" dirty="0"/>
               <a:t> 日 時</a:t>
@@ -9905,7 +10114,7 @@
         </p:blipFill>
         <p:spPr>
           <a:xfrm>
-            <a:off x="2329271" y="1674565"/>
+            <a:off x="2494641" y="1690688"/>
             <a:ext cx="8017887" cy="4998804"/>
           </a:xfrm>
           <a:prstGeom prst="rect">
@@ -11250,7 +11459,7 @@
           <p:nvPr/>
         </p:nvPicPr>
         <p:blipFill>
-          <a:blip r:embed="rId2">
+          <a:blip r:embed="rId3">
             <a:extLst>
               <a:ext uri="{28A0092B-C50C-407E-A947-70E740481C1C}">
                 <a14:useLocalDpi xmlns:a14="http://schemas.microsoft.com/office/drawing/2010/main" val="0"/>
@@ -11263,7 +11472,7 @@
         </p:blipFill>
         <p:spPr>
           <a:xfrm>
-            <a:off x="2329271" y="1674565"/>
+            <a:off x="2475185" y="1690688"/>
             <a:ext cx="8017887" cy="4998804"/>
           </a:xfrm>
           <a:prstGeom prst="rect">
@@ -11342,7 +11551,7 @@
         </p:nvSpPr>
         <p:spPr>
           <a:xfrm>
-            <a:off x="2329270" y="1674565"/>
+            <a:off x="2475184" y="1690688"/>
             <a:ext cx="8017887" cy="4998804"/>
           </a:xfrm>
           <a:prstGeom prst="rect">
@@ -11559,14 +11768,17 @@
         </p:nvSpPr>
         <p:spPr>
           <a:xfrm>
-            <a:off x="2406272" y="3254069"/>
+            <a:off x="2552186" y="3270192"/>
             <a:ext cx="5534571" cy="2000548"/>
           </a:xfrm>
           <a:prstGeom prst="rect">
             <a:avLst/>
           </a:prstGeom>
           <a:solidFill>
-            <a:schemeClr val="bg1"/>
+            <a:schemeClr val="accent6">
+              <a:lumMod val="40000"/>
+              <a:lumOff val="60000"/>
+            </a:schemeClr>
           </a:solidFill>
           <a:ln>
             <a:solidFill>
@@ -11616,18 +11828,104 @@
   <p:clrMapOvr>
     <a:masterClrMapping/>
   </p:clrMapOvr>
-  <mc:AlternateContent xmlns:mc="http://schemas.openxmlformats.org/markup-compatibility/2006">
-    <mc:Choice xmlns:p14="http://schemas.microsoft.com/office/powerpoint/2010/main" Requires="p14">
+  <mc:AlternateContent xmlns:mc="http://schemas.openxmlformats.org/markup-compatibility/2006" xmlns:p14="http://schemas.microsoft.com/office/powerpoint/2010/main">
+    <mc:Choice Requires="p14">
       <p:transition spd="med" p14:dur="700">
         <p:fade/>
       </p:transition>
     </mc:Choice>
-    <mc:Fallback>
+    <mc:Fallback xmlns="">
       <p:transition spd="med">
         <p:fade/>
       </p:transition>
     </mc:Fallback>
   </mc:AlternateContent>
+  <p:timing>
+    <p:tnLst>
+      <p:par>
+        <p:cTn id="1" dur="indefinite" restart="never" nodeType="tmRoot">
+          <p:childTnLst>
+            <p:seq concurrent="1" nextAc="seek">
+              <p:cTn id="2" dur="indefinite" nodeType="mainSeq">
+                <p:childTnLst>
+                  <p:par>
+                    <p:cTn id="3" fill="hold">
+                      <p:stCondLst>
+                        <p:cond delay="indefinite"/>
+                      </p:stCondLst>
+                      <p:childTnLst>
+                        <p:par>
+                          <p:cTn id="4" fill="hold">
+                            <p:stCondLst>
+                              <p:cond delay="0"/>
+                            </p:stCondLst>
+                            <p:childTnLst>
+                              <p:par>
+                                <p:cTn id="5" presetID="14" presetClass="entr" presetSubtype="10" fill="hold" grpId="0" nodeType="clickEffect">
+                                  <p:stCondLst>
+                                    <p:cond delay="0"/>
+                                  </p:stCondLst>
+                                  <p:childTnLst>
+                                    <p:set>
+                                      <p:cBhvr>
+                                        <p:cTn id="6" dur="1" fill="hold">
+                                          <p:stCondLst>
+                                            <p:cond delay="0"/>
+                                          </p:stCondLst>
+                                        </p:cTn>
+                                        <p:tgtEl>
+                                          <p:spTgt spid="4"/>
+                                        </p:tgtEl>
+                                        <p:attrNameLst>
+                                          <p:attrName>style.visibility</p:attrName>
+                                        </p:attrNameLst>
+                                      </p:cBhvr>
+                                      <p:to>
+                                        <p:strVal val="visible"/>
+                                      </p:to>
+                                    </p:set>
+                                    <p:animEffect transition="in" filter="randombar(horizontal)">
+                                      <p:cBhvr>
+                                        <p:cTn id="7" dur="250"/>
+                                        <p:tgtEl>
+                                          <p:spTgt spid="4"/>
+                                        </p:tgtEl>
+                                      </p:cBhvr>
+                                    </p:animEffect>
+                                  </p:childTnLst>
+                                </p:cTn>
+                              </p:par>
+                            </p:childTnLst>
+                          </p:cTn>
+                        </p:par>
+                      </p:childTnLst>
+                    </p:cTn>
+                  </p:par>
+                </p:childTnLst>
+              </p:cTn>
+              <p:prevCondLst>
+                <p:cond evt="onPrev" delay="0">
+                  <p:tgtEl>
+                    <p:sldTgt/>
+                  </p:tgtEl>
+                </p:cond>
+              </p:prevCondLst>
+              <p:nextCondLst>
+                <p:cond evt="onNext" delay="0">
+                  <p:tgtEl>
+                    <p:sldTgt/>
+                  </p:tgtEl>
+                </p:cond>
+              </p:nextCondLst>
+            </p:seq>
+          </p:childTnLst>
+        </p:cTn>
+      </p:par>
+    </p:tnLst>
+    <p:bldLst>
+      <p:bldP spid="4" grpId="0" animBg="1"/>
+    </p:bldLst>
+  </p:timing>
 </p:sld>
 </file>
 
@@ -11866,6 +12164,16 @@
           <a:prstGeom prst="roundRect">
             <a:avLst/>
           </a:prstGeom>
+          <a:solidFill>
+            <a:schemeClr val="accent6">
+              <a:lumMod val="75000"/>
+            </a:schemeClr>
+          </a:solidFill>
+          <a:ln>
+            <a:solidFill>
+              <a:schemeClr val="bg1"/>
+            </a:solidFill>
+          </a:ln>
         </p:spPr>
         <p:style>
           <a:lnRef idx="2">
@@ -11889,7 +12197,7 @@
           <a:p>
             <a:pPr algn="ctr"/>
             <a:r>
-              <a:rPr kumimoji="1" lang="ja-JP" altLang="en-US" sz="4000" dirty="0"/>
+              <a:rPr kumimoji="1" lang="ja-JP" altLang="en-US" sz="4400" b="1" dirty="0"/>
               <a:t>音声認識</a:t>
             </a:r>
           </a:p>
@@ -11915,6 +12223,16 @@
           <a:prstGeom prst="roundRect">
             <a:avLst/>
           </a:prstGeom>
+          <a:solidFill>
+            <a:schemeClr val="accent6">
+              <a:lumMod val="75000"/>
+            </a:schemeClr>
+          </a:solidFill>
+          <a:ln>
+            <a:solidFill>
+              <a:schemeClr val="bg1"/>
+            </a:solidFill>
+          </a:ln>
         </p:spPr>
         <p:style>
           <a:lnRef idx="2">
@@ -11938,7 +12256,7 @@
           <a:p>
             <a:pPr algn="ctr"/>
             <a:r>
-              <a:rPr kumimoji="1" lang="ja-JP" altLang="en-US" sz="4000" dirty="0"/>
+              <a:rPr kumimoji="1" lang="ja-JP" altLang="en-US" sz="4400" b="1" dirty="0"/>
               <a:t>テキスト分類</a:t>
             </a:r>
           </a:p>
@@ -11964,6 +12282,16 @@
           <a:prstGeom prst="roundRect">
             <a:avLst/>
           </a:prstGeom>
+          <a:solidFill>
+            <a:schemeClr val="accent6">
+              <a:lumMod val="75000"/>
+            </a:schemeClr>
+          </a:solidFill>
+          <a:ln>
+            <a:solidFill>
+              <a:schemeClr val="bg1"/>
+            </a:solidFill>
+          </a:ln>
         </p:spPr>
         <p:style>
           <a:lnRef idx="2">
@@ -11987,15 +12315,15 @@
           <a:p>
             <a:pPr algn="ctr"/>
             <a:r>
-              <a:rPr kumimoji="1" lang="ja-JP" altLang="en-US" sz="4000" dirty="0"/>
+              <a:rPr kumimoji="1" lang="ja-JP" altLang="en-US" sz="4400" b="1" dirty="0"/>
               <a:t>データ</a:t>
             </a:r>
-            <a:endParaRPr kumimoji="1" lang="en-US" altLang="ja-JP" sz="4000" dirty="0"/>
+            <a:endParaRPr kumimoji="1" lang="en-US" altLang="ja-JP" sz="4400" b="1" dirty="0"/>
           </a:p>
           <a:p>
             <a:pPr algn="ctr"/>
             <a:r>
-              <a:rPr kumimoji="1" lang="ja-JP" altLang="en-US" sz="4000" dirty="0"/>
+              <a:rPr kumimoji="1" lang="ja-JP" altLang="en-US" sz="4400" b="1" dirty="0"/>
               <a:t>取得</a:t>
             </a:r>
           </a:p>
@@ -12021,6 +12349,16 @@
           <a:prstGeom prst="roundRect">
             <a:avLst/>
           </a:prstGeom>
+          <a:solidFill>
+            <a:schemeClr val="accent6">
+              <a:lumMod val="75000"/>
+            </a:schemeClr>
+          </a:solidFill>
+          <a:ln>
+            <a:solidFill>
+              <a:schemeClr val="bg1"/>
+            </a:solidFill>
+          </a:ln>
         </p:spPr>
         <p:style>
           <a:lnRef idx="2">
@@ -12044,7 +12382,7 @@
           <a:p>
             <a:pPr algn="ctr"/>
             <a:r>
-              <a:rPr kumimoji="1" lang="ja-JP" altLang="en-US" sz="4000" dirty="0"/>
+              <a:rPr kumimoji="1" lang="ja-JP" altLang="en-US" sz="4400" b="1" dirty="0"/>
               <a:t>音声合成</a:t>
             </a:r>
           </a:p>
@@ -12325,6 +12663,16 @@
           <a:prstGeom prst="roundRect">
             <a:avLst/>
           </a:prstGeom>
+          <a:solidFill>
+            <a:schemeClr val="accent6">
+              <a:lumMod val="75000"/>
+            </a:schemeClr>
+          </a:solidFill>
+          <a:ln>
+            <a:solidFill>
+              <a:schemeClr val="bg1"/>
+            </a:solidFill>
+          </a:ln>
         </p:spPr>
         <p:style>
           <a:lnRef idx="2">
@@ -12348,7 +12696,7 @@
           <a:p>
             <a:pPr algn="ctr"/>
             <a:r>
-              <a:rPr kumimoji="1" lang="ja-JP" altLang="en-US" sz="4000" dirty="0"/>
+              <a:rPr kumimoji="1" lang="ja-JP" altLang="en-US" sz="4400" b="1" dirty="0"/>
               <a:t>音声認識</a:t>
             </a:r>
           </a:p>
@@ -12374,6 +12722,16 @@
           <a:prstGeom prst="roundRect">
             <a:avLst/>
           </a:prstGeom>
+          <a:solidFill>
+            <a:schemeClr val="accent6">
+              <a:lumMod val="75000"/>
+            </a:schemeClr>
+          </a:solidFill>
+          <a:ln>
+            <a:solidFill>
+              <a:schemeClr val="bg1"/>
+            </a:solidFill>
+          </a:ln>
         </p:spPr>
         <p:style>
           <a:lnRef idx="2">
@@ -12397,7 +12755,7 @@
           <a:p>
             <a:pPr algn="ctr"/>
             <a:r>
-              <a:rPr kumimoji="1" lang="ja-JP" altLang="en-US" sz="4000" dirty="0"/>
+              <a:rPr kumimoji="1" lang="ja-JP" altLang="en-US" sz="4400" b="1" dirty="0"/>
               <a:t>テキスト分類</a:t>
             </a:r>
           </a:p>
@@ -12423,6 +12781,16 @@
           <a:prstGeom prst="roundRect">
             <a:avLst/>
           </a:prstGeom>
+          <a:solidFill>
+            <a:schemeClr val="accent6">
+              <a:lumMod val="75000"/>
+            </a:schemeClr>
+          </a:solidFill>
+          <a:ln>
+            <a:solidFill>
+              <a:schemeClr val="bg1"/>
+            </a:solidFill>
+          </a:ln>
         </p:spPr>
         <p:style>
           <a:lnRef idx="2">
@@ -12446,15 +12814,15 @@
           <a:p>
             <a:pPr algn="ctr"/>
             <a:r>
-              <a:rPr kumimoji="1" lang="ja-JP" altLang="en-US" sz="4000" dirty="0"/>
+              <a:rPr kumimoji="1" lang="ja-JP" altLang="en-US" sz="4400" b="1" dirty="0"/>
               <a:t>データ</a:t>
             </a:r>
-            <a:endParaRPr kumimoji="1" lang="en-US" altLang="ja-JP" sz="4000" dirty="0"/>
+            <a:endParaRPr kumimoji="1" lang="en-US" altLang="ja-JP" sz="4400" b="1" dirty="0"/>
           </a:p>
           <a:p>
             <a:pPr algn="ctr"/>
             <a:r>
-              <a:rPr kumimoji="1" lang="ja-JP" altLang="en-US" sz="4000" dirty="0"/>
+              <a:rPr kumimoji="1" lang="ja-JP" altLang="en-US" sz="4400" b="1" dirty="0"/>
               <a:t>取得</a:t>
             </a:r>
           </a:p>
@@ -12480,6 +12848,16 @@
           <a:prstGeom prst="roundRect">
             <a:avLst/>
           </a:prstGeom>
+          <a:solidFill>
+            <a:schemeClr val="accent6">
+              <a:lumMod val="75000"/>
+            </a:schemeClr>
+          </a:solidFill>
+          <a:ln>
+            <a:solidFill>
+              <a:schemeClr val="bg1"/>
+            </a:solidFill>
+          </a:ln>
         </p:spPr>
         <p:style>
           <a:lnRef idx="2">
@@ -12503,7 +12881,7 @@
           <a:p>
             <a:pPr algn="ctr"/>
             <a:r>
-              <a:rPr kumimoji="1" lang="ja-JP" altLang="en-US" sz="4000" dirty="0"/>
+              <a:rPr kumimoji="1" lang="ja-JP" altLang="en-US" sz="4400" b="1" dirty="0"/>
               <a:t>音声合成</a:t>
             </a:r>
           </a:p>
@@ -12577,12 +12955,22 @@
         </p:nvSpPr>
         <p:spPr>
           <a:xfrm>
-            <a:off x="387198" y="2392997"/>
+            <a:off x="396240" y="2392997"/>
             <a:ext cx="2621280" cy="1737360"/>
           </a:xfrm>
           <a:prstGeom prst="roundRect">
             <a:avLst/>
           </a:prstGeom>
+          <a:solidFill>
+            <a:schemeClr val="accent6">
+              <a:lumMod val="75000"/>
+            </a:schemeClr>
+          </a:solidFill>
+          <a:ln>
+            <a:solidFill>
+              <a:schemeClr val="bg1"/>
+            </a:solidFill>
+          </a:ln>
         </p:spPr>
         <p:style>
           <a:lnRef idx="2">
@@ -12606,10 +12994,10 @@
           <a:p>
             <a:pPr algn="ctr"/>
             <a:r>
-              <a:rPr kumimoji="1" lang="en-US" altLang="ja-JP" sz="4800" dirty="0"/>
+              <a:rPr kumimoji="1" lang="en-US" altLang="ja-JP" sz="4800" b="1" dirty="0"/>
               <a:t>Julius</a:t>
             </a:r>
-            <a:endParaRPr kumimoji="1" lang="ja-JP" altLang="en-US" sz="4800" dirty="0"/>
+            <a:endParaRPr kumimoji="1" lang="ja-JP" altLang="en-US" sz="4800" b="1" dirty="0"/>
           </a:p>
         </p:txBody>
       </p:sp>
@@ -12627,12 +13015,22 @@
         </p:nvSpPr>
         <p:spPr>
           <a:xfrm>
-            <a:off x="3282799" y="2392997"/>
+            <a:off x="3291841" y="2392997"/>
             <a:ext cx="2621280" cy="1737360"/>
           </a:xfrm>
           <a:prstGeom prst="roundRect">
             <a:avLst/>
           </a:prstGeom>
+          <a:solidFill>
+            <a:schemeClr val="accent6">
+              <a:lumMod val="75000"/>
+            </a:schemeClr>
+          </a:solidFill>
+          <a:ln>
+            <a:solidFill>
+              <a:schemeClr val="bg1"/>
+            </a:solidFill>
+          </a:ln>
         </p:spPr>
         <p:style>
           <a:lnRef idx="2">
@@ -12656,10 +13054,10 @@
           <a:p>
             <a:pPr algn="ctr"/>
             <a:r>
-              <a:rPr kumimoji="1" lang="en-US" altLang="ja-JP" sz="4400" dirty="0" err="1"/>
+              <a:rPr kumimoji="1" lang="en-US" altLang="ja-JP" sz="4400" b="1" dirty="0" err="1"/>
               <a:t>fastText</a:t>
             </a:r>
-            <a:endParaRPr kumimoji="1" lang="ja-JP" altLang="en-US" sz="4400" dirty="0"/>
+            <a:endParaRPr kumimoji="1" lang="ja-JP" altLang="en-US" sz="4400" b="1" dirty="0"/>
           </a:p>
         </p:txBody>
       </p:sp>
@@ -12677,12 +13075,22 @@
         </p:nvSpPr>
         <p:spPr>
           <a:xfrm>
-            <a:off x="6196484" y="2392997"/>
+            <a:off x="6187442" y="2392997"/>
             <a:ext cx="2621280" cy="1737360"/>
           </a:xfrm>
           <a:prstGeom prst="roundRect">
             <a:avLst/>
           </a:prstGeom>
+          <a:solidFill>
+            <a:schemeClr val="accent6">
+              <a:lumMod val="75000"/>
+            </a:schemeClr>
+          </a:solidFill>
+          <a:ln>
+            <a:solidFill>
+              <a:schemeClr val="bg1"/>
+            </a:solidFill>
+          </a:ln>
         </p:spPr>
         <p:style>
           <a:lnRef idx="2">
@@ -12706,10 +13114,10 @@
           <a:p>
             <a:pPr algn="ctr"/>
             <a:r>
-              <a:rPr lang="ja-JP" altLang="en-US" sz="4000" dirty="0"/>
+              <a:rPr lang="ja-JP" altLang="en-US" sz="4000" b="1" dirty="0"/>
               <a:t>スクレイピング等</a:t>
             </a:r>
-            <a:endParaRPr kumimoji="1" lang="ja-JP" altLang="en-US" sz="4000" dirty="0"/>
+            <a:endParaRPr kumimoji="1" lang="ja-JP" altLang="en-US" sz="4000" b="1" dirty="0"/>
           </a:p>
         </p:txBody>
       </p:sp>
@@ -12727,12 +13135,22 @@
         </p:nvSpPr>
         <p:spPr>
           <a:xfrm>
-            <a:off x="9092085" y="2392997"/>
+            <a:off x="9083043" y="2392997"/>
             <a:ext cx="2621280" cy="1737360"/>
           </a:xfrm>
           <a:prstGeom prst="roundRect">
             <a:avLst/>
           </a:prstGeom>
+          <a:solidFill>
+            <a:schemeClr val="accent6">
+              <a:lumMod val="75000"/>
+            </a:schemeClr>
+          </a:solidFill>
+          <a:ln>
+            <a:solidFill>
+              <a:schemeClr val="bg1"/>
+            </a:solidFill>
+          </a:ln>
         </p:spPr>
         <p:style>
           <a:lnRef idx="2">
@@ -12756,10 +13174,10 @@
           <a:p>
             <a:pPr algn="ctr"/>
             <a:r>
-              <a:rPr kumimoji="1" lang="en-US" altLang="ja-JP" sz="3600" dirty="0" err="1"/>
+              <a:rPr kumimoji="1" lang="en-US" altLang="ja-JP" sz="3200" b="1" dirty="0" err="1"/>
               <a:t>OpenJTalk</a:t>
             </a:r>
-            <a:endParaRPr kumimoji="1" lang="ja-JP" altLang="en-US" sz="3600" dirty="0"/>
+            <a:endParaRPr kumimoji="1" lang="ja-JP" altLang="en-US" sz="3200" b="1" dirty="0"/>
           </a:p>
         </p:txBody>
       </p:sp>
@@ -14492,10 +14910,10 @@
               <a:buNone/>
             </a:pPr>
             <a:r>
-              <a:rPr lang="ja-JP" altLang="en-US" sz="4000" u="sng" dirty="0"/>
+              <a:rPr lang="ja-JP" altLang="en-US" sz="4000" b="1" u="sng" dirty="0"/>
               <a:t>音声認識の流れ</a:t>
             </a:r>
-            <a:endParaRPr lang="en-US" altLang="ja-JP" sz="4000" u="sng" dirty="0"/>
+            <a:endParaRPr lang="en-US" altLang="ja-JP" sz="4000" b="1" u="sng" dirty="0"/>
           </a:p>
           <a:p>
             <a:pPr marL="0" indent="0">
@@ -14509,7 +14927,19 @@
             </a:pPr>
             <a:r>
               <a:rPr lang="ja-JP" altLang="en-US" sz="4800" dirty="0"/>
-              <a:t>「雨」と発声して、</a:t>
+              <a:t>「</a:t>
+            </a:r>
+            <a:r>
+              <a:rPr lang="ja-JP" altLang="en-US" sz="4800" b="1" dirty="0">
+                <a:solidFill>
+                  <a:srgbClr val="FF0000"/>
+                </a:solidFill>
+              </a:rPr>
+              <a:t>雨</a:t>
+            </a:r>
+            <a:r>
+              <a:rPr lang="ja-JP" altLang="en-US" sz="4800" dirty="0"/>
+              <a:t>」と発声して、</a:t>
             </a:r>
             <a:endParaRPr lang="en-US" altLang="ja-JP" sz="4800" dirty="0"/>
           </a:p>
@@ -14523,7 +14953,19 @@
             </a:r>
             <a:r>
               <a:rPr lang="ja-JP" altLang="en-US" sz="4800" dirty="0"/>
-              <a:t>“雨”と文字出力してほしい</a:t>
+              <a:t>“</a:t>
+            </a:r>
+            <a:r>
+              <a:rPr lang="ja-JP" altLang="en-US" sz="4800" b="1" dirty="0">
+                <a:solidFill>
+                  <a:srgbClr val="FF0000"/>
+                </a:solidFill>
+              </a:rPr>
+              <a:t>雨</a:t>
+            </a:r>
+            <a:r>
+              <a:rPr lang="ja-JP" altLang="en-US" sz="4800" dirty="0"/>
+              <a:t>” と文字出力してほしい</a:t>
             </a:r>
             <a:endParaRPr kumimoji="1" lang="ja-JP" altLang="en-US" sz="4800" dirty="0"/>
           </a:p>
@@ -14714,7 +15156,7 @@
           <p:nvPr>
             <p:extLst>
               <p:ext uri="{D42A27DB-BD31-4B8C-83A1-F6EECF244321}">
-                <p14:modId xmlns:p14="http://schemas.microsoft.com/office/powerpoint/2010/main" val="1937833750"/>
+                <p14:modId xmlns:p14="http://schemas.microsoft.com/office/powerpoint/2010/main" val="3516079406"/>
               </p:ext>
             </p:extLst>
           </p:nvPr>
@@ -14786,585 +15228,679 @@
           </a:p>
         </p:txBody>
       </p:sp>
-      <p:sp>
-        <p:nvSpPr>
-          <p:cNvPr id="18" name="四角形: 角を丸くする 17">
-            <a:extLst>
-              <a:ext uri="{FF2B5EF4-FFF2-40B4-BE49-F238E27FC236}">
-                <a16:creationId xmlns:a16="http://schemas.microsoft.com/office/drawing/2014/main" id="{F1AEF80B-D4E7-4CC2-BD95-4902BD9E6801}"/>
-              </a:ext>
-            </a:extLst>
-          </p:cNvPr>
-          <p:cNvSpPr/>
+      <p:grpSp>
+        <p:nvGrpSpPr>
+          <p:cNvPr id="3" name="グループ化 2">
+            <a:extLst>
+              <a:ext uri="{FF2B5EF4-FFF2-40B4-BE49-F238E27FC236}">
+                <a16:creationId xmlns:a16="http://schemas.microsoft.com/office/drawing/2014/main" id="{5A7D1760-D2E1-4100-BD37-4AED46BC1B26}"/>
+              </a:ext>
+            </a:extLst>
+          </p:cNvPr>
+          <p:cNvGrpSpPr/>
           <p:nvPr/>
-        </p:nvSpPr>
-        <p:spPr>
+        </p:nvGrpSpPr>
+        <p:grpSpPr>
           <a:xfrm>
-            <a:off x="7725158" y="1085590"/>
-            <a:ext cx="1510748" cy="1290396"/>
+            <a:off x="4417760" y="2675190"/>
+            <a:ext cx="4818146" cy="702707"/>
+            <a:chOff x="4417760" y="2675190"/>
+            <a:chExt cx="4818146" cy="702707"/>
           </a:xfrm>
-          <a:prstGeom prst="roundRect">
-            <a:avLst/>
-          </a:prstGeom>
-          <a:solidFill>
-            <a:schemeClr val="accent6">
-              <a:lumMod val="60000"/>
-              <a:lumOff val="40000"/>
-            </a:schemeClr>
-          </a:solidFill>
-          <a:ln>
+        </p:grpSpPr>
+        <p:sp>
+          <p:nvSpPr>
+            <p:cNvPr id="21" name="四角形: 角を丸くする 20">
+              <a:extLst>
+                <a:ext uri="{FF2B5EF4-FFF2-40B4-BE49-F238E27FC236}">
+                  <a16:creationId xmlns:a16="http://schemas.microsoft.com/office/drawing/2014/main" id="{BAA8180E-787F-4896-8E97-7EC4A49D0F05}"/>
+                </a:ext>
+              </a:extLst>
+            </p:cNvPr>
+            <p:cNvSpPr/>
+            <p:nvPr/>
+          </p:nvSpPr>
+          <p:spPr>
+            <a:xfrm>
+              <a:off x="7725158" y="2689631"/>
+              <a:ext cx="1510748" cy="688265"/>
+            </a:xfrm>
+            <a:prstGeom prst="roundRect">
+              <a:avLst/>
+            </a:prstGeom>
             <a:solidFill>
-              <a:schemeClr val="tx1"/>
+              <a:schemeClr val="accent6">
+                <a:lumMod val="60000"/>
+                <a:lumOff val="40000"/>
+              </a:schemeClr>
             </a:solidFill>
-          </a:ln>
-        </p:spPr>
-        <p:style>
-          <a:lnRef idx="2">
-            <a:schemeClr val="accent1">
-              <a:shade val="50000"/>
-            </a:schemeClr>
-          </a:lnRef>
-          <a:fillRef idx="1">
-            <a:schemeClr val="accent1"/>
-          </a:fillRef>
-          <a:effectRef idx="0">
-            <a:schemeClr val="accent1"/>
-          </a:effectRef>
-          <a:fontRef idx="minor">
-            <a:schemeClr val="lt1"/>
-          </a:fontRef>
-        </p:style>
-        <p:txBody>
-          <a:bodyPr rtlCol="0" anchor="ctr"/>
-          <a:lstStyle/>
-          <a:p>
-            <a:pPr algn="ctr"/>
-            <a:r>
-              <a:rPr lang="en-US" altLang="ja-JP" sz="4000" dirty="0" err="1"/>
-              <a:t>ame</a:t>
-            </a:r>
-            <a:endParaRPr kumimoji="1" lang="en-US" altLang="ja-JP" sz="4000" dirty="0"/>
-          </a:p>
-        </p:txBody>
-      </p:sp>
-      <p:sp>
-        <p:nvSpPr>
-          <p:cNvPr id="19" name="四角形: 角を丸くする 18">
-            <a:extLst>
-              <a:ext uri="{FF2B5EF4-FFF2-40B4-BE49-F238E27FC236}">
-                <a16:creationId xmlns:a16="http://schemas.microsoft.com/office/drawing/2014/main" id="{62FF5AD1-0D66-485C-BB2E-78D29D9CB17E}"/>
-              </a:ext>
-            </a:extLst>
-          </p:cNvPr>
-          <p:cNvSpPr/>
+            <a:ln>
+              <a:solidFill>
+                <a:schemeClr val="tx1"/>
+              </a:solidFill>
+            </a:ln>
+          </p:spPr>
+          <p:style>
+            <a:lnRef idx="2">
+              <a:schemeClr val="accent1">
+                <a:shade val="50000"/>
+              </a:schemeClr>
+            </a:lnRef>
+            <a:fillRef idx="1">
+              <a:schemeClr val="accent1"/>
+            </a:fillRef>
+            <a:effectRef idx="0">
+              <a:schemeClr val="accent1"/>
+            </a:effectRef>
+            <a:fontRef idx="minor">
+              <a:schemeClr val="lt1"/>
+            </a:fontRef>
+          </p:style>
+          <p:txBody>
+            <a:bodyPr rtlCol="0" anchor="ctr"/>
+            <a:lstStyle/>
+            <a:p>
+              <a:pPr algn="ctr"/>
+              <a:r>
+                <a:rPr lang="en-US" altLang="ja-JP" sz="3200" b="1" dirty="0" err="1">
+                  <a:solidFill>
+                    <a:schemeClr val="tx1"/>
+                  </a:solidFill>
+                </a:rPr>
+                <a:t>jikaN</a:t>
+              </a:r>
+              <a:endParaRPr kumimoji="1" lang="en-US" altLang="ja-JP" sz="3200" b="1" dirty="0">
+                <a:solidFill>
+                  <a:schemeClr val="tx1"/>
+                </a:solidFill>
+              </a:endParaRPr>
+            </a:p>
+          </p:txBody>
+        </p:sp>
+        <p:sp>
+          <p:nvSpPr>
+            <p:cNvPr id="22" name="四角形: 角を丸くする 21">
+              <a:extLst>
+                <a:ext uri="{FF2B5EF4-FFF2-40B4-BE49-F238E27FC236}">
+                  <a16:creationId xmlns:a16="http://schemas.microsoft.com/office/drawing/2014/main" id="{EDC4E367-E64F-4B7A-B3EF-53D5D66DB72C}"/>
+                </a:ext>
+              </a:extLst>
+            </p:cNvPr>
+            <p:cNvSpPr/>
+            <p:nvPr/>
+          </p:nvSpPr>
+          <p:spPr>
+            <a:xfrm>
+              <a:off x="6071786" y="2689632"/>
+              <a:ext cx="1510748" cy="688265"/>
+            </a:xfrm>
+            <a:prstGeom prst="roundRect">
+              <a:avLst/>
+            </a:prstGeom>
+            <a:solidFill>
+              <a:schemeClr val="accent6">
+                <a:lumMod val="60000"/>
+                <a:lumOff val="40000"/>
+              </a:schemeClr>
+            </a:solidFill>
+            <a:ln>
+              <a:solidFill>
+                <a:schemeClr val="tx1"/>
+              </a:solidFill>
+            </a:ln>
+          </p:spPr>
+          <p:style>
+            <a:lnRef idx="2">
+              <a:schemeClr val="accent1">
+                <a:shade val="50000"/>
+              </a:schemeClr>
+            </a:lnRef>
+            <a:fillRef idx="1">
+              <a:schemeClr val="accent1"/>
+            </a:fillRef>
+            <a:effectRef idx="0">
+              <a:schemeClr val="accent1"/>
+            </a:effectRef>
+            <a:fontRef idx="minor">
+              <a:schemeClr val="lt1"/>
+            </a:fontRef>
+          </p:style>
+          <p:txBody>
+            <a:bodyPr rtlCol="0" anchor="ctr"/>
+            <a:lstStyle/>
+            <a:p>
+              <a:pPr algn="ctr"/>
+              <a:r>
+                <a:rPr kumimoji="1" lang="ja-JP" altLang="en-US" sz="3200" b="1" dirty="0">
+                  <a:solidFill>
+                    <a:schemeClr val="tx1"/>
+                  </a:solidFill>
+                </a:rPr>
+                <a:t>じかん</a:t>
+              </a:r>
+            </a:p>
+          </p:txBody>
+        </p:sp>
+        <p:sp>
+          <p:nvSpPr>
+            <p:cNvPr id="23" name="四角形: 角を丸くする 22">
+              <a:extLst>
+                <a:ext uri="{FF2B5EF4-FFF2-40B4-BE49-F238E27FC236}">
+                  <a16:creationId xmlns:a16="http://schemas.microsoft.com/office/drawing/2014/main" id="{16F93167-60FB-497D-9DE7-D09B7AA5FF38}"/>
+                </a:ext>
+              </a:extLst>
+            </p:cNvPr>
+            <p:cNvSpPr/>
+            <p:nvPr/>
+          </p:nvSpPr>
+          <p:spPr>
+            <a:xfrm>
+              <a:off x="4417760" y="2675190"/>
+              <a:ext cx="1510748" cy="688265"/>
+            </a:xfrm>
+            <a:prstGeom prst="roundRect">
+              <a:avLst/>
+            </a:prstGeom>
+            <a:solidFill>
+              <a:schemeClr val="accent6">
+                <a:lumMod val="60000"/>
+                <a:lumOff val="40000"/>
+              </a:schemeClr>
+            </a:solidFill>
+            <a:ln>
+              <a:solidFill>
+                <a:schemeClr val="tx1"/>
+              </a:solidFill>
+            </a:ln>
+          </p:spPr>
+          <p:style>
+            <a:lnRef idx="2">
+              <a:schemeClr val="accent1">
+                <a:shade val="50000"/>
+              </a:schemeClr>
+            </a:lnRef>
+            <a:fillRef idx="1">
+              <a:schemeClr val="accent1"/>
+            </a:fillRef>
+            <a:effectRef idx="0">
+              <a:schemeClr val="accent1"/>
+            </a:effectRef>
+            <a:fontRef idx="minor">
+              <a:schemeClr val="lt1"/>
+            </a:fontRef>
+          </p:style>
+          <p:txBody>
+            <a:bodyPr rtlCol="0" anchor="ctr"/>
+            <a:lstStyle/>
+            <a:p>
+              <a:pPr algn="ctr"/>
+              <a:r>
+                <a:rPr lang="ja-JP" altLang="en-US" sz="3200" b="1" dirty="0">
+                  <a:solidFill>
+                    <a:schemeClr val="tx1"/>
+                  </a:solidFill>
+                </a:rPr>
+                <a:t>時間</a:t>
+              </a:r>
+              <a:endParaRPr kumimoji="1" lang="ja-JP" altLang="en-US" sz="3200" b="1" dirty="0">
+                <a:solidFill>
+                  <a:schemeClr val="tx1"/>
+                </a:solidFill>
+              </a:endParaRPr>
+            </a:p>
+          </p:txBody>
+        </p:sp>
+        <p:sp>
+          <p:nvSpPr>
+            <p:cNvPr id="25" name="矢印: 右 24">
+              <a:extLst>
+                <a:ext uri="{FF2B5EF4-FFF2-40B4-BE49-F238E27FC236}">
+                  <a16:creationId xmlns:a16="http://schemas.microsoft.com/office/drawing/2014/main" id="{A09748F9-9A4D-4921-94F2-BB0AF43FE653}"/>
+                </a:ext>
+              </a:extLst>
+            </p:cNvPr>
+            <p:cNvSpPr/>
+            <p:nvPr/>
+          </p:nvSpPr>
+          <p:spPr>
+            <a:xfrm>
+              <a:off x="7444613" y="2794296"/>
+              <a:ext cx="461986" cy="355000"/>
+            </a:xfrm>
+            <a:prstGeom prst="rightArrow">
+              <a:avLst/>
+            </a:prstGeom>
+            <a:solidFill>
+              <a:srgbClr val="FF0000"/>
+            </a:solidFill>
+            <a:ln>
+              <a:solidFill>
+                <a:schemeClr val="tx1"/>
+              </a:solidFill>
+            </a:ln>
+          </p:spPr>
+          <p:style>
+            <a:lnRef idx="2">
+              <a:schemeClr val="accent1">
+                <a:shade val="50000"/>
+              </a:schemeClr>
+            </a:lnRef>
+            <a:fillRef idx="1">
+              <a:schemeClr val="accent1"/>
+            </a:fillRef>
+            <a:effectRef idx="0">
+              <a:schemeClr val="accent1"/>
+            </a:effectRef>
+            <a:fontRef idx="minor">
+              <a:schemeClr val="lt1"/>
+            </a:fontRef>
+          </p:style>
+          <p:txBody>
+            <a:bodyPr rtlCol="0" anchor="ctr"/>
+            <a:lstStyle/>
+            <a:p>
+              <a:pPr algn="ctr"/>
+              <a:endParaRPr kumimoji="1" lang="ja-JP" altLang="en-US" sz="3200" b="1">
+                <a:solidFill>
+                  <a:schemeClr val="tx1"/>
+                </a:solidFill>
+              </a:endParaRPr>
+            </a:p>
+          </p:txBody>
+        </p:sp>
+        <p:sp>
+          <p:nvSpPr>
+            <p:cNvPr id="26" name="矢印: 右 25">
+              <a:extLst>
+                <a:ext uri="{FF2B5EF4-FFF2-40B4-BE49-F238E27FC236}">
+                  <a16:creationId xmlns:a16="http://schemas.microsoft.com/office/drawing/2014/main" id="{898890FC-9D02-407B-8E68-649705E94406}"/>
+                </a:ext>
+              </a:extLst>
+            </p:cNvPr>
+            <p:cNvSpPr/>
+            <p:nvPr/>
+          </p:nvSpPr>
+          <p:spPr>
+            <a:xfrm>
+              <a:off x="5744042" y="2784704"/>
+              <a:ext cx="461986" cy="355000"/>
+            </a:xfrm>
+            <a:prstGeom prst="rightArrow">
+              <a:avLst/>
+            </a:prstGeom>
+            <a:solidFill>
+              <a:srgbClr val="FF0000"/>
+            </a:solidFill>
+            <a:ln>
+              <a:solidFill>
+                <a:schemeClr val="tx1"/>
+              </a:solidFill>
+            </a:ln>
+          </p:spPr>
+          <p:style>
+            <a:lnRef idx="2">
+              <a:schemeClr val="accent1">
+                <a:shade val="50000"/>
+              </a:schemeClr>
+            </a:lnRef>
+            <a:fillRef idx="1">
+              <a:schemeClr val="accent1"/>
+            </a:fillRef>
+            <a:effectRef idx="0">
+              <a:schemeClr val="accent1"/>
+            </a:effectRef>
+            <a:fontRef idx="minor">
+              <a:schemeClr val="lt1"/>
+            </a:fontRef>
+          </p:style>
+          <p:txBody>
+            <a:bodyPr rtlCol="0" anchor="ctr"/>
+            <a:lstStyle/>
+            <a:p>
+              <a:pPr algn="ctr"/>
+              <a:endParaRPr kumimoji="1" lang="ja-JP" altLang="en-US" sz="3200" b="1">
+                <a:solidFill>
+                  <a:schemeClr val="tx1"/>
+                </a:solidFill>
+              </a:endParaRPr>
+            </a:p>
+          </p:txBody>
+        </p:sp>
+      </p:grpSp>
+      <p:grpSp>
+        <p:nvGrpSpPr>
+          <p:cNvPr id="7" name="グループ化 6">
+            <a:extLst>
+              <a:ext uri="{FF2B5EF4-FFF2-40B4-BE49-F238E27FC236}">
+                <a16:creationId xmlns:a16="http://schemas.microsoft.com/office/drawing/2014/main" id="{A366FD54-DA9A-4371-9504-A1C8BF401D8B}"/>
+              </a:ext>
+            </a:extLst>
+          </p:cNvPr>
+          <p:cNvGrpSpPr/>
           <p:nvPr/>
-        </p:nvSpPr>
-        <p:spPr>
-          <a:xfrm>
-            <a:off x="6071786" y="1085591"/>
-            <a:ext cx="1510748" cy="1290396"/>
-          </a:xfrm>
-          <a:prstGeom prst="roundRect">
-            <a:avLst/>
-          </a:prstGeom>
-          <a:solidFill>
-            <a:schemeClr val="accent6">
-              <a:lumMod val="60000"/>
-              <a:lumOff val="40000"/>
-            </a:schemeClr>
-          </a:solidFill>
-          <a:ln>
-            <a:solidFill>
-              <a:schemeClr val="tx1"/>
-            </a:solidFill>
-          </a:ln>
-        </p:spPr>
-        <p:style>
-          <a:lnRef idx="2">
-            <a:schemeClr val="accent1">
-              <a:shade val="50000"/>
-            </a:schemeClr>
-          </a:lnRef>
-          <a:fillRef idx="1">
-            <a:schemeClr val="accent1"/>
-          </a:fillRef>
-          <a:effectRef idx="0">
-            <a:schemeClr val="accent1"/>
-          </a:effectRef>
-          <a:fontRef idx="minor">
-            <a:schemeClr val="lt1"/>
-          </a:fontRef>
-        </p:style>
-        <p:txBody>
-          <a:bodyPr rtlCol="0" anchor="ctr"/>
-          <a:lstStyle/>
-          <a:p>
-            <a:pPr algn="ctr"/>
-            <a:r>
-              <a:rPr kumimoji="1" lang="ja-JP" altLang="en-US" sz="4000" dirty="0"/>
-              <a:t>あめ</a:t>
-            </a:r>
-          </a:p>
-        </p:txBody>
-      </p:sp>
-      <p:sp>
-        <p:nvSpPr>
-          <p:cNvPr id="20" name="四角形: 角を丸くする 19">
-            <a:extLst>
-              <a:ext uri="{FF2B5EF4-FFF2-40B4-BE49-F238E27FC236}">
-                <a16:creationId xmlns:a16="http://schemas.microsoft.com/office/drawing/2014/main" id="{05A05781-3E47-4CBB-9F65-64689200C8E8}"/>
-              </a:ext>
-            </a:extLst>
-          </p:cNvPr>
-          <p:cNvSpPr/>
-          <p:nvPr/>
-        </p:nvSpPr>
-        <p:spPr>
+        </p:nvGrpSpPr>
+        <p:grpSpPr>
           <a:xfrm>
             <a:off x="4417760" y="1071149"/>
-            <a:ext cx="1510748" cy="1290396"/>
+            <a:ext cx="4818146" cy="1304838"/>
+            <a:chOff x="4417760" y="1071149"/>
+            <a:chExt cx="4818146" cy="1304838"/>
           </a:xfrm>
-          <a:prstGeom prst="roundRect">
-            <a:avLst/>
-          </a:prstGeom>
-          <a:solidFill>
-            <a:schemeClr val="accent6">
-              <a:lumMod val="60000"/>
-              <a:lumOff val="40000"/>
-            </a:schemeClr>
-          </a:solidFill>
-          <a:ln>
+        </p:grpSpPr>
+        <p:sp>
+          <p:nvSpPr>
+            <p:cNvPr id="18" name="四角形: 角を丸くする 17">
+              <a:extLst>
+                <a:ext uri="{FF2B5EF4-FFF2-40B4-BE49-F238E27FC236}">
+                  <a16:creationId xmlns:a16="http://schemas.microsoft.com/office/drawing/2014/main" id="{F1AEF80B-D4E7-4CC2-BD95-4902BD9E6801}"/>
+                </a:ext>
+              </a:extLst>
+            </p:cNvPr>
+            <p:cNvSpPr/>
+            <p:nvPr/>
+          </p:nvSpPr>
+          <p:spPr>
+            <a:xfrm>
+              <a:off x="7725158" y="1085590"/>
+              <a:ext cx="1510748" cy="1290396"/>
+            </a:xfrm>
+            <a:prstGeom prst="roundRect">
+              <a:avLst/>
+            </a:prstGeom>
             <a:solidFill>
-              <a:schemeClr val="tx1"/>
+              <a:schemeClr val="accent6">
+                <a:lumMod val="60000"/>
+                <a:lumOff val="40000"/>
+              </a:schemeClr>
             </a:solidFill>
-          </a:ln>
-        </p:spPr>
-        <p:style>
-          <a:lnRef idx="2">
-            <a:schemeClr val="accent1">
-              <a:shade val="50000"/>
-            </a:schemeClr>
-          </a:lnRef>
-          <a:fillRef idx="1">
-            <a:schemeClr val="accent1"/>
-          </a:fillRef>
-          <a:effectRef idx="0">
-            <a:schemeClr val="accent1"/>
-          </a:effectRef>
-          <a:fontRef idx="minor">
-            <a:schemeClr val="lt1"/>
-          </a:fontRef>
-        </p:style>
-        <p:txBody>
-          <a:bodyPr rtlCol="0" anchor="ctr"/>
-          <a:lstStyle/>
-          <a:p>
-            <a:pPr algn="ctr"/>
-            <a:r>
-              <a:rPr kumimoji="1" lang="ja-JP" altLang="en-US" sz="4000" dirty="0"/>
-              <a:t>雨</a:t>
-            </a:r>
-          </a:p>
-        </p:txBody>
-      </p:sp>
-      <p:sp>
-        <p:nvSpPr>
-          <p:cNvPr id="21" name="四角形: 角を丸くする 20">
-            <a:extLst>
-              <a:ext uri="{FF2B5EF4-FFF2-40B4-BE49-F238E27FC236}">
-                <a16:creationId xmlns:a16="http://schemas.microsoft.com/office/drawing/2014/main" id="{BAA8180E-787F-4896-8E97-7EC4A49D0F05}"/>
-              </a:ext>
-            </a:extLst>
-          </p:cNvPr>
-          <p:cNvSpPr/>
-          <p:nvPr/>
-        </p:nvSpPr>
-        <p:spPr>
-          <a:xfrm>
-            <a:off x="7725158" y="2689631"/>
-            <a:ext cx="1510748" cy="688265"/>
-          </a:xfrm>
-          <a:prstGeom prst="roundRect">
-            <a:avLst/>
-          </a:prstGeom>
-          <a:solidFill>
-            <a:schemeClr val="accent6">
-              <a:lumMod val="60000"/>
-              <a:lumOff val="40000"/>
-            </a:schemeClr>
-          </a:solidFill>
-          <a:ln>
+            <a:ln>
+              <a:solidFill>
+                <a:schemeClr val="tx1"/>
+              </a:solidFill>
+            </a:ln>
+          </p:spPr>
+          <p:style>
+            <a:lnRef idx="2">
+              <a:schemeClr val="accent1">
+                <a:shade val="50000"/>
+              </a:schemeClr>
+            </a:lnRef>
+            <a:fillRef idx="1">
+              <a:schemeClr val="accent1"/>
+            </a:fillRef>
+            <a:effectRef idx="0">
+              <a:schemeClr val="accent1"/>
+            </a:effectRef>
+            <a:fontRef idx="minor">
+              <a:schemeClr val="lt1"/>
+            </a:fontRef>
+          </p:style>
+          <p:txBody>
+            <a:bodyPr rtlCol="0" anchor="ctr"/>
+            <a:lstStyle/>
+            <a:p>
+              <a:pPr algn="ctr"/>
+              <a:r>
+                <a:rPr lang="en-US" altLang="ja-JP" sz="4400" b="1" dirty="0" err="1">
+                  <a:solidFill>
+                    <a:schemeClr val="tx1"/>
+                  </a:solidFill>
+                </a:rPr>
+                <a:t>ame</a:t>
+              </a:r>
+              <a:endParaRPr kumimoji="1" lang="en-US" altLang="ja-JP" sz="4400" b="1" dirty="0">
+                <a:solidFill>
+                  <a:schemeClr val="tx1"/>
+                </a:solidFill>
+              </a:endParaRPr>
+            </a:p>
+          </p:txBody>
+        </p:sp>
+        <p:sp>
+          <p:nvSpPr>
+            <p:cNvPr id="19" name="四角形: 角を丸くする 18">
+              <a:extLst>
+                <a:ext uri="{FF2B5EF4-FFF2-40B4-BE49-F238E27FC236}">
+                  <a16:creationId xmlns:a16="http://schemas.microsoft.com/office/drawing/2014/main" id="{62FF5AD1-0D66-485C-BB2E-78D29D9CB17E}"/>
+                </a:ext>
+              </a:extLst>
+            </p:cNvPr>
+            <p:cNvSpPr/>
+            <p:nvPr/>
+          </p:nvSpPr>
+          <p:spPr>
+            <a:xfrm>
+              <a:off x="6071786" y="1085591"/>
+              <a:ext cx="1510748" cy="1290396"/>
+            </a:xfrm>
+            <a:prstGeom prst="roundRect">
+              <a:avLst/>
+            </a:prstGeom>
             <a:solidFill>
-              <a:schemeClr val="tx1"/>
+              <a:schemeClr val="accent6">
+                <a:lumMod val="60000"/>
+                <a:lumOff val="40000"/>
+              </a:schemeClr>
             </a:solidFill>
-          </a:ln>
-        </p:spPr>
-        <p:style>
-          <a:lnRef idx="2">
-            <a:schemeClr val="accent1">
-              <a:shade val="50000"/>
-            </a:schemeClr>
-          </a:lnRef>
-          <a:fillRef idx="1">
-            <a:schemeClr val="accent1"/>
-          </a:fillRef>
-          <a:effectRef idx="0">
-            <a:schemeClr val="accent1"/>
-          </a:effectRef>
-          <a:fontRef idx="minor">
-            <a:schemeClr val="lt1"/>
-          </a:fontRef>
-        </p:style>
-        <p:txBody>
-          <a:bodyPr rtlCol="0" anchor="ctr"/>
-          <a:lstStyle/>
-          <a:p>
-            <a:pPr algn="ctr"/>
-            <a:r>
-              <a:rPr lang="en-US" altLang="ja-JP" sz="2800" dirty="0" err="1"/>
-              <a:t>jikaN</a:t>
-            </a:r>
-            <a:endParaRPr kumimoji="1" lang="en-US" altLang="ja-JP" sz="2800" dirty="0"/>
-          </a:p>
-        </p:txBody>
-      </p:sp>
-      <p:sp>
-        <p:nvSpPr>
-          <p:cNvPr id="22" name="四角形: 角を丸くする 21">
-            <a:extLst>
-              <a:ext uri="{FF2B5EF4-FFF2-40B4-BE49-F238E27FC236}">
-                <a16:creationId xmlns:a16="http://schemas.microsoft.com/office/drawing/2014/main" id="{EDC4E367-E64F-4B7A-B3EF-53D5D66DB72C}"/>
-              </a:ext>
-            </a:extLst>
-          </p:cNvPr>
-          <p:cNvSpPr/>
-          <p:nvPr/>
-        </p:nvSpPr>
-        <p:spPr>
-          <a:xfrm>
-            <a:off x="6071786" y="2689632"/>
-            <a:ext cx="1510748" cy="688265"/>
-          </a:xfrm>
-          <a:prstGeom prst="roundRect">
-            <a:avLst/>
-          </a:prstGeom>
-          <a:solidFill>
-            <a:schemeClr val="accent6">
-              <a:lumMod val="60000"/>
-              <a:lumOff val="40000"/>
-            </a:schemeClr>
-          </a:solidFill>
-          <a:ln>
+            <a:ln>
+              <a:solidFill>
+                <a:schemeClr val="tx1"/>
+              </a:solidFill>
+            </a:ln>
+          </p:spPr>
+          <p:style>
+            <a:lnRef idx="2">
+              <a:schemeClr val="accent1">
+                <a:shade val="50000"/>
+              </a:schemeClr>
+            </a:lnRef>
+            <a:fillRef idx="1">
+              <a:schemeClr val="accent1"/>
+            </a:fillRef>
+            <a:effectRef idx="0">
+              <a:schemeClr val="accent1"/>
+            </a:effectRef>
+            <a:fontRef idx="minor">
+              <a:schemeClr val="lt1"/>
+            </a:fontRef>
+          </p:style>
+          <p:txBody>
+            <a:bodyPr rtlCol="0" anchor="ctr"/>
+            <a:lstStyle/>
+            <a:p>
+              <a:pPr algn="ctr"/>
+              <a:r>
+                <a:rPr kumimoji="1" lang="ja-JP" altLang="en-US" sz="4400" b="1" dirty="0">
+                  <a:solidFill>
+                    <a:schemeClr val="tx1"/>
+                  </a:solidFill>
+                </a:rPr>
+                <a:t>あめ</a:t>
+              </a:r>
+            </a:p>
+          </p:txBody>
+        </p:sp>
+        <p:sp>
+          <p:nvSpPr>
+            <p:cNvPr id="20" name="四角形: 角を丸くする 19">
+              <a:extLst>
+                <a:ext uri="{FF2B5EF4-FFF2-40B4-BE49-F238E27FC236}">
+                  <a16:creationId xmlns:a16="http://schemas.microsoft.com/office/drawing/2014/main" id="{05A05781-3E47-4CBB-9F65-64689200C8E8}"/>
+                </a:ext>
+              </a:extLst>
+            </p:cNvPr>
+            <p:cNvSpPr/>
+            <p:nvPr/>
+          </p:nvSpPr>
+          <p:spPr>
+            <a:xfrm>
+              <a:off x="4417760" y="1071149"/>
+              <a:ext cx="1510748" cy="1290396"/>
+            </a:xfrm>
+            <a:prstGeom prst="roundRect">
+              <a:avLst/>
+            </a:prstGeom>
             <a:solidFill>
-              <a:schemeClr val="tx1"/>
+              <a:schemeClr val="accent6">
+                <a:lumMod val="60000"/>
+                <a:lumOff val="40000"/>
+              </a:schemeClr>
             </a:solidFill>
-          </a:ln>
-        </p:spPr>
-        <p:style>
-          <a:lnRef idx="2">
-            <a:schemeClr val="accent1">
-              <a:shade val="50000"/>
-            </a:schemeClr>
-          </a:lnRef>
-          <a:fillRef idx="1">
-            <a:schemeClr val="accent1"/>
-          </a:fillRef>
-          <a:effectRef idx="0">
-            <a:schemeClr val="accent1"/>
-          </a:effectRef>
-          <a:fontRef idx="minor">
-            <a:schemeClr val="lt1"/>
-          </a:fontRef>
-        </p:style>
-        <p:txBody>
-          <a:bodyPr rtlCol="0" anchor="ctr"/>
-          <a:lstStyle/>
-          <a:p>
-            <a:pPr algn="ctr"/>
-            <a:r>
-              <a:rPr kumimoji="1" lang="ja-JP" altLang="en-US" sz="2800" dirty="0"/>
-              <a:t>じかん</a:t>
-            </a:r>
-          </a:p>
-        </p:txBody>
-      </p:sp>
-      <p:sp>
-        <p:nvSpPr>
-          <p:cNvPr id="23" name="四角形: 角を丸くする 22">
-            <a:extLst>
-              <a:ext uri="{FF2B5EF4-FFF2-40B4-BE49-F238E27FC236}">
-                <a16:creationId xmlns:a16="http://schemas.microsoft.com/office/drawing/2014/main" id="{16F93167-60FB-497D-9DE7-D09B7AA5FF38}"/>
-              </a:ext>
-            </a:extLst>
-          </p:cNvPr>
-          <p:cNvSpPr/>
-          <p:nvPr/>
-        </p:nvSpPr>
-        <p:spPr>
-          <a:xfrm>
-            <a:off x="4417760" y="2675190"/>
-            <a:ext cx="1510748" cy="688265"/>
-          </a:xfrm>
-          <a:prstGeom prst="roundRect">
-            <a:avLst/>
-          </a:prstGeom>
-          <a:solidFill>
-            <a:schemeClr val="accent6">
-              <a:lumMod val="60000"/>
-              <a:lumOff val="40000"/>
-            </a:schemeClr>
-          </a:solidFill>
-          <a:ln>
+            <a:ln>
+              <a:solidFill>
+                <a:schemeClr val="tx1"/>
+              </a:solidFill>
+            </a:ln>
+          </p:spPr>
+          <p:style>
+            <a:lnRef idx="2">
+              <a:schemeClr val="accent1">
+                <a:shade val="50000"/>
+              </a:schemeClr>
+            </a:lnRef>
+            <a:fillRef idx="1">
+              <a:schemeClr val="accent1"/>
+            </a:fillRef>
+            <a:effectRef idx="0">
+              <a:schemeClr val="accent1"/>
+            </a:effectRef>
+            <a:fontRef idx="minor">
+              <a:schemeClr val="lt1"/>
+            </a:fontRef>
+          </p:style>
+          <p:txBody>
+            <a:bodyPr rtlCol="0" anchor="ctr"/>
+            <a:lstStyle/>
+            <a:p>
+              <a:pPr algn="ctr"/>
+              <a:r>
+                <a:rPr kumimoji="1" lang="ja-JP" altLang="en-US" sz="4400" b="1" dirty="0">
+                  <a:solidFill>
+                    <a:schemeClr val="tx1"/>
+                  </a:solidFill>
+                </a:rPr>
+                <a:t>雨</a:t>
+              </a:r>
+            </a:p>
+          </p:txBody>
+        </p:sp>
+        <p:sp>
+          <p:nvSpPr>
+            <p:cNvPr id="24" name="矢印: 右 23">
+              <a:extLst>
+                <a:ext uri="{FF2B5EF4-FFF2-40B4-BE49-F238E27FC236}">
+                  <a16:creationId xmlns:a16="http://schemas.microsoft.com/office/drawing/2014/main" id="{C4301B92-26EE-4D47-B057-A32F9DB8E85D}"/>
+                </a:ext>
+              </a:extLst>
+            </p:cNvPr>
+            <p:cNvSpPr/>
+            <p:nvPr/>
+          </p:nvSpPr>
+          <p:spPr>
+            <a:xfrm>
+              <a:off x="5768827" y="1330602"/>
+              <a:ext cx="461986" cy="665574"/>
+            </a:xfrm>
+            <a:prstGeom prst="rightArrow">
+              <a:avLst/>
+            </a:prstGeom>
             <a:solidFill>
-              <a:schemeClr val="tx1"/>
+              <a:srgbClr val="FF0000"/>
             </a:solidFill>
-          </a:ln>
-        </p:spPr>
-        <p:style>
-          <a:lnRef idx="2">
-            <a:schemeClr val="accent1">
-              <a:shade val="50000"/>
-            </a:schemeClr>
-          </a:lnRef>
-          <a:fillRef idx="1">
-            <a:schemeClr val="accent1"/>
-          </a:fillRef>
-          <a:effectRef idx="0">
-            <a:schemeClr val="accent1"/>
-          </a:effectRef>
-          <a:fontRef idx="minor">
-            <a:schemeClr val="lt1"/>
-          </a:fontRef>
-        </p:style>
-        <p:txBody>
-          <a:bodyPr rtlCol="0" anchor="ctr"/>
-          <a:lstStyle/>
-          <a:p>
-            <a:pPr algn="ctr"/>
-            <a:r>
-              <a:rPr lang="ja-JP" altLang="en-US" sz="2800" dirty="0"/>
-              <a:t>時間</a:t>
-            </a:r>
-            <a:endParaRPr kumimoji="1" lang="ja-JP" altLang="en-US" sz="2800" dirty="0"/>
-          </a:p>
-        </p:txBody>
-      </p:sp>
-      <p:sp>
-        <p:nvSpPr>
-          <p:cNvPr id="24" name="矢印: 右 23">
-            <a:extLst>
-              <a:ext uri="{FF2B5EF4-FFF2-40B4-BE49-F238E27FC236}">
-                <a16:creationId xmlns:a16="http://schemas.microsoft.com/office/drawing/2014/main" id="{C4301B92-26EE-4D47-B057-A32F9DB8E85D}"/>
-              </a:ext>
-            </a:extLst>
-          </p:cNvPr>
-          <p:cNvSpPr/>
-          <p:nvPr/>
-        </p:nvSpPr>
-        <p:spPr>
-          <a:xfrm>
-            <a:off x="5768827" y="1330602"/>
-            <a:ext cx="461986" cy="665574"/>
-          </a:xfrm>
-          <a:prstGeom prst="rightArrow">
-            <a:avLst/>
-          </a:prstGeom>
-          <a:solidFill>
-            <a:srgbClr val="FF0000"/>
-          </a:solidFill>
-          <a:ln>
+            <a:ln>
+              <a:solidFill>
+                <a:schemeClr val="tx1"/>
+              </a:solidFill>
+            </a:ln>
+          </p:spPr>
+          <p:style>
+            <a:lnRef idx="2">
+              <a:schemeClr val="accent1">
+                <a:shade val="50000"/>
+              </a:schemeClr>
+            </a:lnRef>
+            <a:fillRef idx="1">
+              <a:schemeClr val="accent1"/>
+            </a:fillRef>
+            <a:effectRef idx="0">
+              <a:schemeClr val="accent1"/>
+            </a:effectRef>
+            <a:fontRef idx="minor">
+              <a:schemeClr val="lt1"/>
+            </a:fontRef>
+          </p:style>
+          <p:txBody>
+            <a:bodyPr rtlCol="0" anchor="ctr"/>
+            <a:lstStyle/>
+            <a:p>
+              <a:pPr algn="ctr"/>
+              <a:endParaRPr kumimoji="1" lang="ja-JP" altLang="en-US" sz="4400" b="1">
+                <a:solidFill>
+                  <a:schemeClr val="tx1"/>
+                </a:solidFill>
+              </a:endParaRPr>
+            </a:p>
+          </p:txBody>
+        </p:sp>
+        <p:sp>
+          <p:nvSpPr>
+            <p:cNvPr id="27" name="矢印: 右 26">
+              <a:extLst>
+                <a:ext uri="{FF2B5EF4-FFF2-40B4-BE49-F238E27FC236}">
+                  <a16:creationId xmlns:a16="http://schemas.microsoft.com/office/drawing/2014/main" id="{8D1CD72C-648E-4151-BBC2-EB378C8DCFFF}"/>
+                </a:ext>
+              </a:extLst>
+            </p:cNvPr>
+            <p:cNvSpPr/>
+            <p:nvPr/>
+          </p:nvSpPr>
+          <p:spPr>
+            <a:xfrm>
+              <a:off x="7431975" y="1330602"/>
+              <a:ext cx="461986" cy="665574"/>
+            </a:xfrm>
+            <a:prstGeom prst="rightArrow">
+              <a:avLst/>
+            </a:prstGeom>
             <a:solidFill>
-              <a:schemeClr val="tx1"/>
+              <a:srgbClr val="FF0000"/>
             </a:solidFill>
-          </a:ln>
-        </p:spPr>
-        <p:style>
-          <a:lnRef idx="2">
-            <a:schemeClr val="accent1">
-              <a:shade val="50000"/>
-            </a:schemeClr>
-          </a:lnRef>
-          <a:fillRef idx="1">
-            <a:schemeClr val="accent1"/>
-          </a:fillRef>
-          <a:effectRef idx="0">
-            <a:schemeClr val="accent1"/>
-          </a:effectRef>
-          <a:fontRef idx="minor">
-            <a:schemeClr val="lt1"/>
-          </a:fontRef>
-        </p:style>
-        <p:txBody>
-          <a:bodyPr rtlCol="0" anchor="ctr"/>
-          <a:lstStyle/>
-          <a:p>
-            <a:pPr algn="ctr"/>
-            <a:endParaRPr kumimoji="1" lang="ja-JP" altLang="en-US" sz="4000"/>
-          </a:p>
-        </p:txBody>
-      </p:sp>
-      <p:sp>
-        <p:nvSpPr>
-          <p:cNvPr id="25" name="矢印: 右 24">
-            <a:extLst>
-              <a:ext uri="{FF2B5EF4-FFF2-40B4-BE49-F238E27FC236}">
-                <a16:creationId xmlns:a16="http://schemas.microsoft.com/office/drawing/2014/main" id="{A09748F9-9A4D-4921-94F2-BB0AF43FE653}"/>
-              </a:ext>
-            </a:extLst>
-          </p:cNvPr>
-          <p:cNvSpPr/>
-          <p:nvPr/>
-        </p:nvSpPr>
-        <p:spPr>
-          <a:xfrm>
-            <a:off x="7444613" y="2794296"/>
-            <a:ext cx="461986" cy="355000"/>
-          </a:xfrm>
-          <a:prstGeom prst="rightArrow">
-            <a:avLst/>
-          </a:prstGeom>
-          <a:solidFill>
-            <a:srgbClr val="FF0000"/>
-          </a:solidFill>
-          <a:ln>
-            <a:solidFill>
-              <a:schemeClr val="tx1"/>
-            </a:solidFill>
-          </a:ln>
-        </p:spPr>
-        <p:style>
-          <a:lnRef idx="2">
-            <a:schemeClr val="accent1">
-              <a:shade val="50000"/>
-            </a:schemeClr>
-          </a:lnRef>
-          <a:fillRef idx="1">
-            <a:schemeClr val="accent1"/>
-          </a:fillRef>
-          <a:effectRef idx="0">
-            <a:schemeClr val="accent1"/>
-          </a:effectRef>
-          <a:fontRef idx="minor">
-            <a:schemeClr val="lt1"/>
-          </a:fontRef>
-        </p:style>
-        <p:txBody>
-          <a:bodyPr rtlCol="0" anchor="ctr"/>
-          <a:lstStyle/>
-          <a:p>
-            <a:pPr algn="ctr"/>
-            <a:endParaRPr kumimoji="1" lang="ja-JP" altLang="en-US" sz="2800"/>
-          </a:p>
-        </p:txBody>
-      </p:sp>
-      <p:sp>
-        <p:nvSpPr>
-          <p:cNvPr id="26" name="矢印: 右 25">
-            <a:extLst>
-              <a:ext uri="{FF2B5EF4-FFF2-40B4-BE49-F238E27FC236}">
-                <a16:creationId xmlns:a16="http://schemas.microsoft.com/office/drawing/2014/main" id="{898890FC-9D02-407B-8E68-649705E94406}"/>
-              </a:ext>
-            </a:extLst>
-          </p:cNvPr>
-          <p:cNvSpPr/>
-          <p:nvPr/>
-        </p:nvSpPr>
-        <p:spPr>
-          <a:xfrm>
-            <a:off x="5744042" y="2784704"/>
-            <a:ext cx="461986" cy="355000"/>
-          </a:xfrm>
-          <a:prstGeom prst="rightArrow">
-            <a:avLst/>
-          </a:prstGeom>
-          <a:solidFill>
-            <a:srgbClr val="FF0000"/>
-          </a:solidFill>
-          <a:ln>
-            <a:solidFill>
-              <a:schemeClr val="tx1"/>
-            </a:solidFill>
-          </a:ln>
-        </p:spPr>
-        <p:style>
-          <a:lnRef idx="2">
-            <a:schemeClr val="accent1">
-              <a:shade val="50000"/>
-            </a:schemeClr>
-          </a:lnRef>
-          <a:fillRef idx="1">
-            <a:schemeClr val="accent1"/>
-          </a:fillRef>
-          <a:effectRef idx="0">
-            <a:schemeClr val="accent1"/>
-          </a:effectRef>
-          <a:fontRef idx="minor">
-            <a:schemeClr val="lt1"/>
-          </a:fontRef>
-        </p:style>
-        <p:txBody>
-          <a:bodyPr rtlCol="0" anchor="ctr"/>
-          <a:lstStyle/>
-          <a:p>
-            <a:pPr algn="ctr"/>
-            <a:endParaRPr kumimoji="1" lang="ja-JP" altLang="en-US" sz="2800"/>
-          </a:p>
-        </p:txBody>
-      </p:sp>
-      <p:sp>
-        <p:nvSpPr>
-          <p:cNvPr id="27" name="矢印: 右 26">
-            <a:extLst>
-              <a:ext uri="{FF2B5EF4-FFF2-40B4-BE49-F238E27FC236}">
-                <a16:creationId xmlns:a16="http://schemas.microsoft.com/office/drawing/2014/main" id="{8D1CD72C-648E-4151-BBC2-EB378C8DCFFF}"/>
-              </a:ext>
-            </a:extLst>
-          </p:cNvPr>
-          <p:cNvSpPr/>
-          <p:nvPr/>
-        </p:nvSpPr>
-        <p:spPr>
-          <a:xfrm>
-            <a:off x="7431975" y="1330602"/>
-            <a:ext cx="461986" cy="665574"/>
-          </a:xfrm>
-          <a:prstGeom prst="rightArrow">
-            <a:avLst/>
-          </a:prstGeom>
-          <a:solidFill>
-            <a:srgbClr val="FF0000"/>
-          </a:solidFill>
-          <a:ln>
-            <a:solidFill>
-              <a:schemeClr val="tx1"/>
-            </a:solidFill>
-          </a:ln>
-        </p:spPr>
-        <p:style>
-          <a:lnRef idx="2">
-            <a:schemeClr val="accent1">
-              <a:shade val="50000"/>
-            </a:schemeClr>
-          </a:lnRef>
-          <a:fillRef idx="1">
-            <a:schemeClr val="accent1"/>
-          </a:fillRef>
-          <a:effectRef idx="0">
-            <a:schemeClr val="accent1"/>
-          </a:effectRef>
-          <a:fontRef idx="minor">
-            <a:schemeClr val="lt1"/>
-          </a:fontRef>
-        </p:style>
-        <p:txBody>
-          <a:bodyPr rtlCol="0" anchor="ctr"/>
-          <a:lstStyle/>
-          <a:p>
-            <a:pPr algn="ctr"/>
-            <a:endParaRPr kumimoji="1" lang="ja-JP" altLang="en-US" sz="4000"/>
-          </a:p>
-        </p:txBody>
-      </p:sp>
+            <a:ln>
+              <a:solidFill>
+                <a:schemeClr val="tx1"/>
+              </a:solidFill>
+            </a:ln>
+          </p:spPr>
+          <p:style>
+            <a:lnRef idx="2">
+              <a:schemeClr val="accent1">
+                <a:shade val="50000"/>
+              </a:schemeClr>
+            </a:lnRef>
+            <a:fillRef idx="1">
+              <a:schemeClr val="accent1"/>
+            </a:fillRef>
+            <a:effectRef idx="0">
+              <a:schemeClr val="accent1"/>
+            </a:effectRef>
+            <a:fontRef idx="minor">
+              <a:schemeClr val="lt1"/>
+            </a:fontRef>
+          </p:style>
+          <p:txBody>
+            <a:bodyPr rtlCol="0" anchor="ctr"/>
+            <a:lstStyle/>
+            <a:p>
+              <a:pPr algn="ctr"/>
+              <a:endParaRPr kumimoji="1" lang="ja-JP" altLang="en-US" sz="4400" b="1">
+                <a:solidFill>
+                  <a:schemeClr val="tx1"/>
+                </a:solidFill>
+              </a:endParaRPr>
+            </a:p>
+          </p:txBody>
+        </p:sp>
+      </p:grpSp>
       <p:sp>
         <p:nvSpPr>
           <p:cNvPr id="29" name="吹き出し: 四角形 28">
@@ -15939,6 +16475,72 @@
           </a:p>
         </p:txBody>
       </p:sp>
+      <p:sp>
+        <p:nvSpPr>
+          <p:cNvPr id="11" name="矢印: 五方向 10">
+            <a:extLst>
+              <a:ext uri="{FF2B5EF4-FFF2-40B4-BE49-F238E27FC236}">
+                <a16:creationId xmlns:a16="http://schemas.microsoft.com/office/drawing/2014/main" id="{0361E213-C715-44B3-98C7-BD090FF0CFCC}"/>
+              </a:ext>
+            </a:extLst>
+          </p:cNvPr>
+          <p:cNvSpPr/>
+          <p:nvPr/>
+        </p:nvSpPr>
+        <p:spPr>
+          <a:xfrm rot="5400000">
+            <a:off x="8089307" y="278665"/>
+            <a:ext cx="775906" cy="1090567"/>
+          </a:xfrm>
+          <a:prstGeom prst="homePlate">
+            <a:avLst/>
+          </a:prstGeom>
+          <a:solidFill>
+            <a:srgbClr val="FF0000"/>
+          </a:solidFill>
+          <a:ln>
+            <a:solidFill>
+              <a:schemeClr val="tx1"/>
+            </a:solidFill>
+          </a:ln>
+        </p:spPr>
+        <p:style>
+          <a:lnRef idx="2">
+            <a:schemeClr val="accent1">
+              <a:shade val="50000"/>
+            </a:schemeClr>
+          </a:lnRef>
+          <a:fillRef idx="1">
+            <a:schemeClr val="accent1"/>
+          </a:fillRef>
+          <a:effectRef idx="0">
+            <a:schemeClr val="accent1"/>
+          </a:effectRef>
+          <a:fontRef idx="minor">
+            <a:schemeClr val="lt1"/>
+          </a:fontRef>
+        </p:style>
+        <p:txBody>
+          <a:bodyPr vert="vert270" rtlCol="0" anchor="ctr"/>
+          <a:lstStyle/>
+          <a:p>
+            <a:pPr algn="ctr"/>
+            <a:r>
+              <a:rPr lang="ja-JP" altLang="en-US" sz="2400" b="1" dirty="0">
+                <a:solidFill>
+                  <a:schemeClr val="bg1"/>
+                </a:solidFill>
+              </a:rPr>
+              <a:t>音素</a:t>
+            </a:r>
+            <a:endParaRPr kumimoji="1" lang="ja-JP" altLang="en-US" sz="2400" b="1" dirty="0">
+              <a:solidFill>
+                <a:schemeClr val="bg1"/>
+              </a:solidFill>
+            </a:endParaRPr>
+          </a:p>
+        </p:txBody>
+      </p:sp>
     </p:spTree>
     <p:extLst>
       <p:ext uri="{BB962C8B-B14F-4D97-AF65-F5344CB8AC3E}">
@@ -15949,6 +16551,895 @@
   <p:clrMapOvr>
     <a:masterClrMapping/>
   </p:clrMapOvr>
+  <p:timing>
+    <p:tnLst>
+      <p:par>
+        <p:cTn id="1" dur="indefinite" restart="never" nodeType="tmRoot">
+          <p:childTnLst>
+            <p:seq concurrent="1" nextAc="seek">
+              <p:cTn id="2" dur="indefinite" nodeType="mainSeq">
+                <p:childTnLst>
+                  <p:par>
+                    <p:cTn id="3" fill="hold">
+                      <p:stCondLst>
+                        <p:cond delay="indefinite"/>
+                      </p:stCondLst>
+                      <p:childTnLst>
+                        <p:par>
+                          <p:cTn id="4" fill="hold">
+                            <p:stCondLst>
+                              <p:cond delay="0"/>
+                            </p:stCondLst>
+                            <p:childTnLst>
+                              <p:par>
+                                <p:cTn id="5" presetID="22" presetClass="entr" presetSubtype="1" fill="hold" grpId="0" nodeType="clickEffect">
+                                  <p:stCondLst>
+                                    <p:cond delay="0"/>
+                                  </p:stCondLst>
+                                  <p:childTnLst>
+                                    <p:set>
+                                      <p:cBhvr>
+                                        <p:cTn id="6" dur="1" fill="hold">
+                                          <p:stCondLst>
+                                            <p:cond delay="0"/>
+                                          </p:stCondLst>
+                                        </p:cTn>
+                                        <p:tgtEl>
+                                          <p:spTgt spid="5"/>
+                                        </p:tgtEl>
+                                        <p:attrNameLst>
+                                          <p:attrName>style.visibility</p:attrName>
+                                        </p:attrNameLst>
+                                      </p:cBhvr>
+                                      <p:to>
+                                        <p:strVal val="visible"/>
+                                      </p:to>
+                                    </p:set>
+                                    <p:animEffect transition="in" filter="wipe(up)">
+                                      <p:cBhvr>
+                                        <p:cTn id="7" dur="500"/>
+                                        <p:tgtEl>
+                                          <p:spTgt spid="5"/>
+                                        </p:tgtEl>
+                                      </p:cBhvr>
+                                    </p:animEffect>
+                                  </p:childTnLst>
+                                </p:cTn>
+                              </p:par>
+                            </p:childTnLst>
+                          </p:cTn>
+                        </p:par>
+                      </p:childTnLst>
+                    </p:cTn>
+                  </p:par>
+                  <p:par>
+                    <p:cTn id="8" fill="hold">
+                      <p:stCondLst>
+                        <p:cond delay="indefinite"/>
+                      </p:stCondLst>
+                      <p:childTnLst>
+                        <p:par>
+                          <p:cTn id="9" fill="hold">
+                            <p:stCondLst>
+                              <p:cond delay="0"/>
+                            </p:stCondLst>
+                            <p:childTnLst>
+                              <p:par>
+                                <p:cTn id="10" presetID="42" presetClass="entr" presetSubtype="0" fill="hold" grpId="0" nodeType="clickEffect">
+                                  <p:stCondLst>
+                                    <p:cond delay="0"/>
+                                  </p:stCondLst>
+                                  <p:childTnLst>
+                                    <p:set>
+                                      <p:cBhvr>
+                                        <p:cTn id="11" dur="1" fill="hold">
+                                          <p:stCondLst>
+                                            <p:cond delay="0"/>
+                                          </p:stCondLst>
+                                        </p:cTn>
+                                        <p:tgtEl>
+                                          <p:spTgt spid="38"/>
+                                        </p:tgtEl>
+                                        <p:attrNameLst>
+                                          <p:attrName>style.visibility</p:attrName>
+                                        </p:attrNameLst>
+                                      </p:cBhvr>
+                                      <p:to>
+                                        <p:strVal val="visible"/>
+                                      </p:to>
+                                    </p:set>
+                                    <p:animEffect transition="in" filter="fade">
+                                      <p:cBhvr>
+                                        <p:cTn id="12" dur="250"/>
+                                        <p:tgtEl>
+                                          <p:spTgt spid="38"/>
+                                        </p:tgtEl>
+                                      </p:cBhvr>
+                                    </p:animEffect>
+                                    <p:anim calcmode="lin" valueType="num">
+                                      <p:cBhvr>
+                                        <p:cTn id="13" dur="250" fill="hold"/>
+                                        <p:tgtEl>
+                                          <p:spTgt spid="38"/>
+                                        </p:tgtEl>
+                                        <p:attrNameLst>
+                                          <p:attrName>ppt_x</p:attrName>
+                                        </p:attrNameLst>
+                                      </p:cBhvr>
+                                      <p:tavLst>
+                                        <p:tav tm="0">
+                                          <p:val>
+                                            <p:strVal val="#ppt_x"/>
+                                          </p:val>
+                                        </p:tav>
+                                        <p:tav tm="100000">
+                                          <p:val>
+                                            <p:strVal val="#ppt_x"/>
+                                          </p:val>
+                                        </p:tav>
+                                      </p:tavLst>
+                                    </p:anim>
+                                    <p:anim calcmode="lin" valueType="num">
+                                      <p:cBhvr>
+                                        <p:cTn id="14" dur="250" fill="hold"/>
+                                        <p:tgtEl>
+                                          <p:spTgt spid="38"/>
+                                        </p:tgtEl>
+                                        <p:attrNameLst>
+                                          <p:attrName>ppt_y</p:attrName>
+                                        </p:attrNameLst>
+                                      </p:cBhvr>
+                                      <p:tavLst>
+                                        <p:tav tm="0">
+                                          <p:val>
+                                            <p:strVal val="#ppt_y+.1"/>
+                                          </p:val>
+                                        </p:tav>
+                                        <p:tav tm="100000">
+                                          <p:val>
+                                            <p:strVal val="#ppt_y"/>
+                                          </p:val>
+                                        </p:tav>
+                                      </p:tavLst>
+                                    </p:anim>
+                                  </p:childTnLst>
+                                </p:cTn>
+                              </p:par>
+                            </p:childTnLst>
+                          </p:cTn>
+                        </p:par>
+                      </p:childTnLst>
+                    </p:cTn>
+                  </p:par>
+                  <p:par>
+                    <p:cTn id="15" fill="hold">
+                      <p:stCondLst>
+                        <p:cond delay="indefinite"/>
+                      </p:stCondLst>
+                      <p:childTnLst>
+                        <p:par>
+                          <p:cTn id="16" fill="hold">
+                            <p:stCondLst>
+                              <p:cond delay="0"/>
+                            </p:stCondLst>
+                            <p:childTnLst>
+                              <p:par>
+                                <p:cTn id="17" presetID="14" presetClass="entr" presetSubtype="10" fill="hold" grpId="0" nodeType="clickEffect">
+                                  <p:stCondLst>
+                                    <p:cond delay="0"/>
+                                  </p:stCondLst>
+                                  <p:childTnLst>
+                                    <p:set>
+                                      <p:cBhvr>
+                                        <p:cTn id="18" dur="1" fill="hold">
+                                          <p:stCondLst>
+                                            <p:cond delay="0"/>
+                                          </p:stCondLst>
+                                        </p:cTn>
+                                        <p:tgtEl>
+                                          <p:spTgt spid="6"/>
+                                        </p:tgtEl>
+                                        <p:attrNameLst>
+                                          <p:attrName>style.visibility</p:attrName>
+                                        </p:attrNameLst>
+                                      </p:cBhvr>
+                                      <p:to>
+                                        <p:strVal val="visible"/>
+                                      </p:to>
+                                    </p:set>
+                                    <p:animEffect transition="in" filter="randombar(horizontal)">
+                                      <p:cBhvr>
+                                        <p:cTn id="19" dur="500"/>
+                                        <p:tgtEl>
+                                          <p:spTgt spid="6"/>
+                                        </p:tgtEl>
+                                      </p:cBhvr>
+                                    </p:animEffect>
+                                  </p:childTnLst>
+                                </p:cTn>
+                              </p:par>
+                            </p:childTnLst>
+                          </p:cTn>
+                        </p:par>
+                      </p:childTnLst>
+                    </p:cTn>
+                  </p:par>
+                  <p:par>
+                    <p:cTn id="20" fill="hold">
+                      <p:stCondLst>
+                        <p:cond delay="indefinite"/>
+                      </p:stCondLst>
+                      <p:childTnLst>
+                        <p:par>
+                          <p:cTn id="21" fill="hold">
+                            <p:stCondLst>
+                              <p:cond delay="0"/>
+                            </p:stCondLst>
+                            <p:childTnLst>
+                              <p:par>
+                                <p:cTn id="22" presetID="22" presetClass="entr" presetSubtype="8" fill="hold" nodeType="clickEffect">
+                                  <p:stCondLst>
+                                    <p:cond delay="0"/>
+                                  </p:stCondLst>
+                                  <p:childTnLst>
+                                    <p:set>
+                                      <p:cBhvr>
+                                        <p:cTn id="23" dur="1" fill="hold">
+                                          <p:stCondLst>
+                                            <p:cond delay="0"/>
+                                          </p:stCondLst>
+                                        </p:cTn>
+                                        <p:tgtEl>
+                                          <p:spTgt spid="7"/>
+                                        </p:tgtEl>
+                                        <p:attrNameLst>
+                                          <p:attrName>style.visibility</p:attrName>
+                                        </p:attrNameLst>
+                                      </p:cBhvr>
+                                      <p:to>
+                                        <p:strVal val="visible"/>
+                                      </p:to>
+                                    </p:set>
+                                    <p:animEffect transition="in" filter="wipe(left)">
+                                      <p:cBhvr>
+                                        <p:cTn id="24" dur="500"/>
+                                        <p:tgtEl>
+                                          <p:spTgt spid="7"/>
+                                        </p:tgtEl>
+                                      </p:cBhvr>
+                                    </p:animEffect>
+                                  </p:childTnLst>
+                                </p:cTn>
+                              </p:par>
+                            </p:childTnLst>
+                          </p:cTn>
+                        </p:par>
+                      </p:childTnLst>
+                    </p:cTn>
+                  </p:par>
+                  <p:par>
+                    <p:cTn id="25" fill="hold">
+                      <p:stCondLst>
+                        <p:cond delay="indefinite"/>
+                      </p:stCondLst>
+                      <p:childTnLst>
+                        <p:par>
+                          <p:cTn id="26" fill="hold">
+                            <p:stCondLst>
+                              <p:cond delay="0"/>
+                            </p:stCondLst>
+                            <p:childTnLst>
+                              <p:par>
+                                <p:cTn id="27" presetID="53" presetClass="entr" presetSubtype="16" fill="hold" grpId="0" nodeType="clickEffect">
+                                  <p:stCondLst>
+                                    <p:cond delay="0"/>
+                                  </p:stCondLst>
+                                  <p:childTnLst>
+                                    <p:set>
+                                      <p:cBhvr>
+                                        <p:cTn id="28" dur="1" fill="hold">
+                                          <p:stCondLst>
+                                            <p:cond delay="0"/>
+                                          </p:stCondLst>
+                                        </p:cTn>
+                                        <p:tgtEl>
+                                          <p:spTgt spid="11"/>
+                                        </p:tgtEl>
+                                        <p:attrNameLst>
+                                          <p:attrName>style.visibility</p:attrName>
+                                        </p:attrNameLst>
+                                      </p:cBhvr>
+                                      <p:to>
+                                        <p:strVal val="visible"/>
+                                      </p:to>
+                                    </p:set>
+                                    <p:anim calcmode="lin" valueType="num">
+                                      <p:cBhvr>
+                                        <p:cTn id="29" dur="500" fill="hold"/>
+                                        <p:tgtEl>
+                                          <p:spTgt spid="11"/>
+                                        </p:tgtEl>
+                                        <p:attrNameLst>
+                                          <p:attrName>ppt_w</p:attrName>
+                                        </p:attrNameLst>
+                                      </p:cBhvr>
+                                      <p:tavLst>
+                                        <p:tav tm="0">
+                                          <p:val>
+                                            <p:fltVal val="0"/>
+                                          </p:val>
+                                        </p:tav>
+                                        <p:tav tm="100000">
+                                          <p:val>
+                                            <p:strVal val="#ppt_w"/>
+                                          </p:val>
+                                        </p:tav>
+                                      </p:tavLst>
+                                    </p:anim>
+                                    <p:anim calcmode="lin" valueType="num">
+                                      <p:cBhvr>
+                                        <p:cTn id="30" dur="500" fill="hold"/>
+                                        <p:tgtEl>
+                                          <p:spTgt spid="11"/>
+                                        </p:tgtEl>
+                                        <p:attrNameLst>
+                                          <p:attrName>ppt_h</p:attrName>
+                                        </p:attrNameLst>
+                                      </p:cBhvr>
+                                      <p:tavLst>
+                                        <p:tav tm="0">
+                                          <p:val>
+                                            <p:fltVal val="0"/>
+                                          </p:val>
+                                        </p:tav>
+                                        <p:tav tm="100000">
+                                          <p:val>
+                                            <p:strVal val="#ppt_h"/>
+                                          </p:val>
+                                        </p:tav>
+                                      </p:tavLst>
+                                    </p:anim>
+                                    <p:animEffect transition="in" filter="fade">
+                                      <p:cBhvr>
+                                        <p:cTn id="31" dur="500"/>
+                                        <p:tgtEl>
+                                          <p:spTgt spid="11"/>
+                                        </p:tgtEl>
+                                      </p:cBhvr>
+                                    </p:animEffect>
+                                  </p:childTnLst>
+                                </p:cTn>
+                              </p:par>
+                            </p:childTnLst>
+                          </p:cTn>
+                        </p:par>
+                      </p:childTnLst>
+                    </p:cTn>
+                  </p:par>
+                  <p:par>
+                    <p:cTn id="32" fill="hold">
+                      <p:stCondLst>
+                        <p:cond delay="indefinite"/>
+                      </p:stCondLst>
+                      <p:childTnLst>
+                        <p:par>
+                          <p:cTn id="33" fill="hold">
+                            <p:stCondLst>
+                              <p:cond delay="0"/>
+                            </p:stCondLst>
+                            <p:childTnLst>
+                              <p:par>
+                                <p:cTn id="34" presetID="22" presetClass="entr" presetSubtype="8" fill="hold" nodeType="clickEffect">
+                                  <p:stCondLst>
+                                    <p:cond delay="0"/>
+                                  </p:stCondLst>
+                                  <p:childTnLst>
+                                    <p:set>
+                                      <p:cBhvr>
+                                        <p:cTn id="35" dur="1" fill="hold">
+                                          <p:stCondLst>
+                                            <p:cond delay="0"/>
+                                          </p:stCondLst>
+                                        </p:cTn>
+                                        <p:tgtEl>
+                                          <p:spTgt spid="3"/>
+                                        </p:tgtEl>
+                                        <p:attrNameLst>
+                                          <p:attrName>style.visibility</p:attrName>
+                                        </p:attrNameLst>
+                                      </p:cBhvr>
+                                      <p:to>
+                                        <p:strVal val="visible"/>
+                                      </p:to>
+                                    </p:set>
+                                    <p:animEffect transition="in" filter="wipe(left)">
+                                      <p:cBhvr>
+                                        <p:cTn id="36" dur="250"/>
+                                        <p:tgtEl>
+                                          <p:spTgt spid="3"/>
+                                        </p:tgtEl>
+                                      </p:cBhvr>
+                                    </p:animEffect>
+                                  </p:childTnLst>
+                                </p:cTn>
+                              </p:par>
+                            </p:childTnLst>
+                          </p:cTn>
+                        </p:par>
+                      </p:childTnLst>
+                    </p:cTn>
+                  </p:par>
+                  <p:par>
+                    <p:cTn id="37" fill="hold">
+                      <p:stCondLst>
+                        <p:cond delay="indefinite"/>
+                      </p:stCondLst>
+                      <p:childTnLst>
+                        <p:par>
+                          <p:cTn id="38" fill="hold">
+                            <p:stCondLst>
+                              <p:cond delay="0"/>
+                            </p:stCondLst>
+                            <p:childTnLst>
+                              <p:par>
+                                <p:cTn id="39" presetID="42" presetClass="entr" presetSubtype="0" fill="hold" grpId="0" nodeType="clickEffect">
+                                  <p:stCondLst>
+                                    <p:cond delay="0"/>
+                                  </p:stCondLst>
+                                  <p:childTnLst>
+                                    <p:set>
+                                      <p:cBhvr>
+                                        <p:cTn id="40" dur="1" fill="hold">
+                                          <p:stCondLst>
+                                            <p:cond delay="0"/>
+                                          </p:stCondLst>
+                                        </p:cTn>
+                                        <p:tgtEl>
+                                          <p:spTgt spid="39"/>
+                                        </p:tgtEl>
+                                        <p:attrNameLst>
+                                          <p:attrName>style.visibility</p:attrName>
+                                        </p:attrNameLst>
+                                      </p:cBhvr>
+                                      <p:to>
+                                        <p:strVal val="visible"/>
+                                      </p:to>
+                                    </p:set>
+                                    <p:animEffect transition="in" filter="fade">
+                                      <p:cBhvr>
+                                        <p:cTn id="41" dur="250"/>
+                                        <p:tgtEl>
+                                          <p:spTgt spid="39"/>
+                                        </p:tgtEl>
+                                      </p:cBhvr>
+                                    </p:animEffect>
+                                    <p:anim calcmode="lin" valueType="num">
+                                      <p:cBhvr>
+                                        <p:cTn id="42" dur="250" fill="hold"/>
+                                        <p:tgtEl>
+                                          <p:spTgt spid="39"/>
+                                        </p:tgtEl>
+                                        <p:attrNameLst>
+                                          <p:attrName>ppt_x</p:attrName>
+                                        </p:attrNameLst>
+                                      </p:cBhvr>
+                                      <p:tavLst>
+                                        <p:tav tm="0">
+                                          <p:val>
+                                            <p:strVal val="#ppt_x"/>
+                                          </p:val>
+                                        </p:tav>
+                                        <p:tav tm="100000">
+                                          <p:val>
+                                            <p:strVal val="#ppt_x"/>
+                                          </p:val>
+                                        </p:tav>
+                                      </p:tavLst>
+                                    </p:anim>
+                                    <p:anim calcmode="lin" valueType="num">
+                                      <p:cBhvr>
+                                        <p:cTn id="43" dur="250" fill="hold"/>
+                                        <p:tgtEl>
+                                          <p:spTgt spid="39"/>
+                                        </p:tgtEl>
+                                        <p:attrNameLst>
+                                          <p:attrName>ppt_y</p:attrName>
+                                        </p:attrNameLst>
+                                      </p:cBhvr>
+                                      <p:tavLst>
+                                        <p:tav tm="0">
+                                          <p:val>
+                                            <p:strVal val="#ppt_y+.1"/>
+                                          </p:val>
+                                        </p:tav>
+                                        <p:tav tm="100000">
+                                          <p:val>
+                                            <p:strVal val="#ppt_y"/>
+                                          </p:val>
+                                        </p:tav>
+                                      </p:tavLst>
+                                    </p:anim>
+                                  </p:childTnLst>
+                                </p:cTn>
+                              </p:par>
+                            </p:childTnLst>
+                          </p:cTn>
+                        </p:par>
+                      </p:childTnLst>
+                    </p:cTn>
+                  </p:par>
+                  <p:par>
+                    <p:cTn id="44" fill="hold">
+                      <p:stCondLst>
+                        <p:cond delay="indefinite"/>
+                      </p:stCondLst>
+                      <p:childTnLst>
+                        <p:par>
+                          <p:cTn id="45" fill="hold">
+                            <p:stCondLst>
+                              <p:cond delay="0"/>
+                            </p:stCondLst>
+                            <p:childTnLst>
+                              <p:par>
+                                <p:cTn id="46" presetID="14" presetClass="entr" presetSubtype="10" fill="hold" grpId="0" nodeType="clickEffect">
+                                  <p:stCondLst>
+                                    <p:cond delay="0"/>
+                                  </p:stCondLst>
+                                  <p:childTnLst>
+                                    <p:set>
+                                      <p:cBhvr>
+                                        <p:cTn id="47" dur="1" fill="hold">
+                                          <p:stCondLst>
+                                            <p:cond delay="0"/>
+                                          </p:stCondLst>
+                                        </p:cTn>
+                                        <p:tgtEl>
+                                          <p:spTgt spid="29"/>
+                                        </p:tgtEl>
+                                        <p:attrNameLst>
+                                          <p:attrName>style.visibility</p:attrName>
+                                        </p:attrNameLst>
+                                      </p:cBhvr>
+                                      <p:to>
+                                        <p:strVal val="visible"/>
+                                      </p:to>
+                                    </p:set>
+                                    <p:animEffect transition="in" filter="randombar(horizontal)">
+                                      <p:cBhvr>
+                                        <p:cTn id="48" dur="500"/>
+                                        <p:tgtEl>
+                                          <p:spTgt spid="29"/>
+                                        </p:tgtEl>
+                                      </p:cBhvr>
+                                    </p:animEffect>
+                                  </p:childTnLst>
+                                </p:cTn>
+                              </p:par>
+                            </p:childTnLst>
+                          </p:cTn>
+                        </p:par>
+                        <p:par>
+                          <p:cTn id="49" fill="hold">
+                            <p:stCondLst>
+                              <p:cond delay="500"/>
+                            </p:stCondLst>
+                            <p:childTnLst>
+                              <p:par>
+                                <p:cTn id="50" presetID="10" presetClass="entr" presetSubtype="0" fill="hold" grpId="0" nodeType="afterEffect">
+                                  <p:stCondLst>
+                                    <p:cond delay="0"/>
+                                  </p:stCondLst>
+                                  <p:childTnLst>
+                                    <p:set>
+                                      <p:cBhvr>
+                                        <p:cTn id="51" dur="1" fill="hold">
+                                          <p:stCondLst>
+                                            <p:cond delay="0"/>
+                                          </p:stCondLst>
+                                        </p:cTn>
+                                        <p:tgtEl>
+                                          <p:spTgt spid="30"/>
+                                        </p:tgtEl>
+                                        <p:attrNameLst>
+                                          <p:attrName>style.visibility</p:attrName>
+                                        </p:attrNameLst>
+                                      </p:cBhvr>
+                                      <p:to>
+                                        <p:strVal val="visible"/>
+                                      </p:to>
+                                    </p:set>
+                                    <p:animEffect transition="in" filter="fade">
+                                      <p:cBhvr>
+                                        <p:cTn id="52" dur="500"/>
+                                        <p:tgtEl>
+                                          <p:spTgt spid="30"/>
+                                        </p:tgtEl>
+                                      </p:cBhvr>
+                                    </p:animEffect>
+                                  </p:childTnLst>
+                                </p:cTn>
+                              </p:par>
+                            </p:childTnLst>
+                          </p:cTn>
+                        </p:par>
+                      </p:childTnLst>
+                    </p:cTn>
+                  </p:par>
+                  <p:par>
+                    <p:cTn id="53" fill="hold">
+                      <p:stCondLst>
+                        <p:cond delay="indefinite"/>
+                      </p:stCondLst>
+                      <p:childTnLst>
+                        <p:par>
+                          <p:cTn id="54" fill="hold">
+                            <p:stCondLst>
+                              <p:cond delay="0"/>
+                            </p:stCondLst>
+                            <p:childTnLst>
+                              <p:par>
+                                <p:cTn id="55" presetID="22" presetClass="entr" presetSubtype="8" fill="hold" nodeType="clickEffect">
+                                  <p:stCondLst>
+                                    <p:cond delay="0"/>
+                                  </p:stCondLst>
+                                  <p:childTnLst>
+                                    <p:set>
+                                      <p:cBhvr>
+                                        <p:cTn id="56" dur="1" fill="hold">
+                                          <p:stCondLst>
+                                            <p:cond delay="0"/>
+                                          </p:stCondLst>
+                                        </p:cTn>
+                                        <p:tgtEl>
+                                          <p:spTgt spid="33"/>
+                                        </p:tgtEl>
+                                        <p:attrNameLst>
+                                          <p:attrName>style.visibility</p:attrName>
+                                        </p:attrNameLst>
+                                      </p:cBhvr>
+                                      <p:to>
+                                        <p:strVal val="visible"/>
+                                      </p:to>
+                                    </p:set>
+                                    <p:animEffect transition="in" filter="wipe(left)">
+                                      <p:cBhvr>
+                                        <p:cTn id="57" dur="250"/>
+                                        <p:tgtEl>
+                                          <p:spTgt spid="33"/>
+                                        </p:tgtEl>
+                                      </p:cBhvr>
+                                    </p:animEffect>
+                                  </p:childTnLst>
+                                </p:cTn>
+                              </p:par>
+                            </p:childTnLst>
+                          </p:cTn>
+                        </p:par>
+                        <p:par>
+                          <p:cTn id="58" fill="hold">
+                            <p:stCondLst>
+                              <p:cond delay="250"/>
+                            </p:stCondLst>
+                            <p:childTnLst>
+                              <p:par>
+                                <p:cTn id="59" presetID="22" presetClass="entr" presetSubtype="8" fill="hold" grpId="0" nodeType="afterEffect">
+                                  <p:stCondLst>
+                                    <p:cond delay="0"/>
+                                  </p:stCondLst>
+                                  <p:childTnLst>
+                                    <p:set>
+                                      <p:cBhvr>
+                                        <p:cTn id="60" dur="1" fill="hold">
+                                          <p:stCondLst>
+                                            <p:cond delay="0"/>
+                                          </p:stCondLst>
+                                        </p:cTn>
+                                        <p:tgtEl>
+                                          <p:spTgt spid="31"/>
+                                        </p:tgtEl>
+                                        <p:attrNameLst>
+                                          <p:attrName>style.visibility</p:attrName>
+                                        </p:attrNameLst>
+                                      </p:cBhvr>
+                                      <p:to>
+                                        <p:strVal val="visible"/>
+                                      </p:to>
+                                    </p:set>
+                                    <p:animEffect transition="in" filter="wipe(left)">
+                                      <p:cBhvr>
+                                        <p:cTn id="61" dur="250"/>
+                                        <p:tgtEl>
+                                          <p:spTgt spid="31"/>
+                                        </p:tgtEl>
+                                      </p:cBhvr>
+                                    </p:animEffect>
+                                  </p:childTnLst>
+                                </p:cTn>
+                              </p:par>
+                            </p:childTnLst>
+                          </p:cTn>
+                        </p:par>
+                        <p:par>
+                          <p:cTn id="62" fill="hold">
+                            <p:stCondLst>
+                              <p:cond delay="500"/>
+                            </p:stCondLst>
+                            <p:childTnLst>
+                              <p:par>
+                                <p:cTn id="63" presetID="22" presetClass="entr" presetSubtype="8" fill="hold" nodeType="afterEffect">
+                                  <p:stCondLst>
+                                    <p:cond delay="0"/>
+                                  </p:stCondLst>
+                                  <p:childTnLst>
+                                    <p:set>
+                                      <p:cBhvr>
+                                        <p:cTn id="64" dur="1" fill="hold">
+                                          <p:stCondLst>
+                                            <p:cond delay="0"/>
+                                          </p:stCondLst>
+                                        </p:cTn>
+                                        <p:tgtEl>
+                                          <p:spTgt spid="34"/>
+                                        </p:tgtEl>
+                                        <p:attrNameLst>
+                                          <p:attrName>style.visibility</p:attrName>
+                                        </p:attrNameLst>
+                                      </p:cBhvr>
+                                      <p:to>
+                                        <p:strVal val="visible"/>
+                                      </p:to>
+                                    </p:set>
+                                    <p:animEffect transition="in" filter="wipe(left)">
+                                      <p:cBhvr>
+                                        <p:cTn id="65" dur="250"/>
+                                        <p:tgtEl>
+                                          <p:spTgt spid="34"/>
+                                        </p:tgtEl>
+                                      </p:cBhvr>
+                                    </p:animEffect>
+                                  </p:childTnLst>
+                                </p:cTn>
+                              </p:par>
+                            </p:childTnLst>
+                          </p:cTn>
+                        </p:par>
+                      </p:childTnLst>
+                    </p:cTn>
+                  </p:par>
+                  <p:par>
+                    <p:cTn id="66" fill="hold">
+                      <p:stCondLst>
+                        <p:cond delay="indefinite"/>
+                      </p:stCondLst>
+                      <p:childTnLst>
+                        <p:par>
+                          <p:cTn id="67" fill="hold">
+                            <p:stCondLst>
+                              <p:cond delay="0"/>
+                            </p:stCondLst>
+                            <p:childTnLst>
+                              <p:par>
+                                <p:cTn id="68" presetID="42" presetClass="entr" presetSubtype="0" fill="hold" grpId="0" nodeType="clickEffect">
+                                  <p:stCondLst>
+                                    <p:cond delay="0"/>
+                                  </p:stCondLst>
+                                  <p:childTnLst>
+                                    <p:set>
+                                      <p:cBhvr>
+                                        <p:cTn id="69" dur="1" fill="hold">
+                                          <p:stCondLst>
+                                            <p:cond delay="0"/>
+                                          </p:stCondLst>
+                                        </p:cTn>
+                                        <p:tgtEl>
+                                          <p:spTgt spid="40"/>
+                                        </p:tgtEl>
+                                        <p:attrNameLst>
+                                          <p:attrName>style.visibility</p:attrName>
+                                        </p:attrNameLst>
+                                      </p:cBhvr>
+                                      <p:to>
+                                        <p:strVal val="visible"/>
+                                      </p:to>
+                                    </p:set>
+                                    <p:animEffect transition="in" filter="fade">
+                                      <p:cBhvr>
+                                        <p:cTn id="70" dur="250"/>
+                                        <p:tgtEl>
+                                          <p:spTgt spid="40"/>
+                                        </p:tgtEl>
+                                      </p:cBhvr>
+                                    </p:animEffect>
+                                    <p:anim calcmode="lin" valueType="num">
+                                      <p:cBhvr>
+                                        <p:cTn id="71" dur="250" fill="hold"/>
+                                        <p:tgtEl>
+                                          <p:spTgt spid="40"/>
+                                        </p:tgtEl>
+                                        <p:attrNameLst>
+                                          <p:attrName>ppt_x</p:attrName>
+                                        </p:attrNameLst>
+                                      </p:cBhvr>
+                                      <p:tavLst>
+                                        <p:tav tm="0">
+                                          <p:val>
+                                            <p:strVal val="#ppt_x"/>
+                                          </p:val>
+                                        </p:tav>
+                                        <p:tav tm="100000">
+                                          <p:val>
+                                            <p:strVal val="#ppt_x"/>
+                                          </p:val>
+                                        </p:tav>
+                                      </p:tavLst>
+                                    </p:anim>
+                                    <p:anim calcmode="lin" valueType="num">
+                                      <p:cBhvr>
+                                        <p:cTn id="72" dur="250" fill="hold"/>
+                                        <p:tgtEl>
+                                          <p:spTgt spid="40"/>
+                                        </p:tgtEl>
+                                        <p:attrNameLst>
+                                          <p:attrName>ppt_y</p:attrName>
+                                        </p:attrNameLst>
+                                      </p:cBhvr>
+                                      <p:tavLst>
+                                        <p:tav tm="0">
+                                          <p:val>
+                                            <p:strVal val="#ppt_y+.1"/>
+                                          </p:val>
+                                        </p:tav>
+                                        <p:tav tm="100000">
+                                          <p:val>
+                                            <p:strVal val="#ppt_y"/>
+                                          </p:val>
+                                        </p:tav>
+                                      </p:tavLst>
+                                    </p:anim>
+                                  </p:childTnLst>
+                                </p:cTn>
+                              </p:par>
+                            </p:childTnLst>
+                          </p:cTn>
+                        </p:par>
+                      </p:childTnLst>
+                    </p:cTn>
+                  </p:par>
+                </p:childTnLst>
+              </p:cTn>
+              <p:prevCondLst>
+                <p:cond evt="onPrev" delay="0">
+                  <p:tgtEl>
+                    <p:sldTgt/>
+                  </p:tgtEl>
+                </p:cond>
+              </p:prevCondLst>
+              <p:nextCondLst>
+                <p:cond evt="onNext" delay="0">
+                  <p:tgtEl>
+                    <p:sldTgt/>
+                  </p:tgtEl>
+                </p:cond>
+              </p:nextCondLst>
+            </p:seq>
+          </p:childTnLst>
+        </p:cTn>
+      </p:par>
+    </p:tnLst>
+    <p:bldLst>
+      <p:bldGraphic spid="5" grpId="0">
+        <p:bldAsOne/>
+      </p:bldGraphic>
+      <p:bldP spid="6" grpId="0" animBg="1"/>
+      <p:bldP spid="29" grpId="0" animBg="1"/>
+      <p:bldP spid="30" grpId="0" animBg="1"/>
+      <p:bldP spid="31" grpId="0" animBg="1"/>
+      <p:bldP spid="38" grpId="0" animBg="1"/>
+      <p:bldP spid="39" grpId="0" animBg="1"/>
+      <p:bldP spid="40" grpId="0" animBg="1"/>
+      <p:bldP spid="11" grpId="0" animBg="1"/>
+    </p:bldLst>
+  </p:timing>
 </p:sld>
 </file>
 

--- a/presentation/AIスピーカー開発_3_main.pptx
+++ b/presentation/AIスピーカー開発_3_main.pptx
@@ -5,31 +5,33 @@
     <p:sldMasterId id="2147483648" r:id="rId1"/>
   </p:sldMasterIdLst>
   <p:notesMasterIdLst>
-    <p:notesMasterId r:id="rId24"/>
+    <p:notesMasterId r:id="rId26"/>
   </p:notesMasterIdLst>
   <p:sldIdLst>
     <p:sldId id="256" r:id="rId2"/>
-    <p:sldId id="257" r:id="rId3"/>
-    <p:sldId id="258" r:id="rId4"/>
-    <p:sldId id="259" r:id="rId5"/>
-    <p:sldId id="260" r:id="rId6"/>
-    <p:sldId id="272" r:id="rId7"/>
-    <p:sldId id="276" r:id="rId8"/>
-    <p:sldId id="261" r:id="rId9"/>
-    <p:sldId id="271" r:id="rId10"/>
-    <p:sldId id="262" r:id="rId11"/>
-    <p:sldId id="270" r:id="rId12"/>
-    <p:sldId id="263" r:id="rId13"/>
-    <p:sldId id="264" r:id="rId14"/>
-    <p:sldId id="273" r:id="rId15"/>
-    <p:sldId id="274" r:id="rId16"/>
-    <p:sldId id="265" r:id="rId17"/>
-    <p:sldId id="275" r:id="rId18"/>
-    <p:sldId id="269" r:id="rId19"/>
-    <p:sldId id="266" r:id="rId20"/>
-    <p:sldId id="277" r:id="rId21"/>
-    <p:sldId id="267" r:id="rId22"/>
-    <p:sldId id="268" r:id="rId23"/>
+    <p:sldId id="278" r:id="rId3"/>
+    <p:sldId id="257" r:id="rId4"/>
+    <p:sldId id="258" r:id="rId5"/>
+    <p:sldId id="259" r:id="rId6"/>
+    <p:sldId id="260" r:id="rId7"/>
+    <p:sldId id="272" r:id="rId8"/>
+    <p:sldId id="276" r:id="rId9"/>
+    <p:sldId id="261" r:id="rId10"/>
+    <p:sldId id="271" r:id="rId11"/>
+    <p:sldId id="262" r:id="rId12"/>
+    <p:sldId id="270" r:id="rId13"/>
+    <p:sldId id="263" r:id="rId14"/>
+    <p:sldId id="264" r:id="rId15"/>
+    <p:sldId id="273" r:id="rId16"/>
+    <p:sldId id="274" r:id="rId17"/>
+    <p:sldId id="265" r:id="rId18"/>
+    <p:sldId id="275" r:id="rId19"/>
+    <p:sldId id="269" r:id="rId20"/>
+    <p:sldId id="266" r:id="rId21"/>
+    <p:sldId id="277" r:id="rId22"/>
+    <p:sldId id="267" r:id="rId23"/>
+    <p:sldId id="279" r:id="rId24"/>
+    <p:sldId id="268" r:id="rId25"/>
   </p:sldIdLst>
   <p:sldSz cx="12192000" cy="6858000"/>
   <p:notesSz cx="6858000" cy="9144000"/>
@@ -3233,7 +3235,7 @@
           <a:p>
             <a:fld id="{1A2E7C28-4903-4521-8E60-0F80C627678B}" type="slidenum">
               <a:rPr kumimoji="1" lang="ja-JP" altLang="en-US" smtClean="0"/>
-              <a:t>3</a:t>
+              <a:t>4</a:t>
             </a:fld>
             <a:endParaRPr kumimoji="1" lang="ja-JP" altLang="en-US"/>
           </a:p>
@@ -3356,7 +3358,7 @@
           <a:p>
             <a:fld id="{1A2E7C28-4903-4521-8E60-0F80C627678B}" type="slidenum">
               <a:rPr kumimoji="1" lang="ja-JP" altLang="en-US" smtClean="0"/>
-              <a:t>6</a:t>
+              <a:t>7</a:t>
             </a:fld>
             <a:endParaRPr kumimoji="1" lang="ja-JP" altLang="en-US"/>
           </a:p>
@@ -3440,7 +3442,7 @@
           <a:p>
             <a:fld id="{1A2E7C28-4903-4521-8E60-0F80C627678B}" type="slidenum">
               <a:rPr kumimoji="1" lang="ja-JP" altLang="en-US" smtClean="0"/>
-              <a:t>8</a:t>
+              <a:t>9</a:t>
             </a:fld>
             <a:endParaRPr kumimoji="1" lang="ja-JP" altLang="en-US"/>
           </a:p>
@@ -3551,7 +3553,7 @@
           <a:p>
             <a:fld id="{1A2E7C28-4903-4521-8E60-0F80C627678B}" type="slidenum">
               <a:rPr kumimoji="1" lang="ja-JP" altLang="en-US" smtClean="0"/>
-              <a:t>14</a:t>
+              <a:t>15</a:t>
             </a:fld>
             <a:endParaRPr kumimoji="1" lang="ja-JP" altLang="en-US"/>
           </a:p>
@@ -3653,7 +3655,7 @@
           <a:p>
             <a:fld id="{1A2E7C28-4903-4521-8E60-0F80C627678B}" type="slidenum">
               <a:rPr kumimoji="1" lang="ja-JP" altLang="en-US" smtClean="0"/>
-              <a:t>16</a:t>
+              <a:t>17</a:t>
             </a:fld>
             <a:endParaRPr kumimoji="1" lang="ja-JP" altLang="en-US"/>
           </a:p>
@@ -3741,7 +3743,7 @@
           <a:p>
             <a:fld id="{1A2E7C28-4903-4521-8E60-0F80C627678B}" type="slidenum">
               <a:rPr kumimoji="1" lang="ja-JP" altLang="en-US" smtClean="0"/>
-              <a:t>17</a:t>
+              <a:t>18</a:t>
             </a:fld>
             <a:endParaRPr kumimoji="1" lang="ja-JP" altLang="en-US"/>
           </a:p>
@@ -3825,7 +3827,7 @@
           <a:p>
             <a:fld id="{1A2E7C28-4903-4521-8E60-0F80C627678B}" type="slidenum">
               <a:rPr kumimoji="1" lang="ja-JP" altLang="en-US" smtClean="0"/>
-              <a:t>20</a:t>
+              <a:t>21</a:t>
             </a:fld>
             <a:endParaRPr kumimoji="1" lang="ja-JP" altLang="en-US"/>
           </a:p>
@@ -3920,7 +3922,7 @@
           <a:p>
             <a:fld id="{1A2E7C28-4903-4521-8E60-0F80C627678B}" type="slidenum">
               <a:rPr kumimoji="1" lang="ja-JP" altLang="en-US" smtClean="0"/>
-              <a:t>22</a:t>
+              <a:t>24</a:t>
             </a:fld>
             <a:endParaRPr kumimoji="1" lang="ja-JP" altLang="en-US"/>
           </a:p>
@@ -7569,98 +7571,6 @@
       </p:sp>
       <p:sp>
         <p:nvSpPr>
-          <p:cNvPr id="3" name="字幕 2">
-            <a:extLst>
-              <a:ext uri="{FF2B5EF4-FFF2-40B4-BE49-F238E27FC236}">
-                <a16:creationId xmlns:a16="http://schemas.microsoft.com/office/drawing/2014/main" id="{327414D0-4B23-46FD-9F30-7A9534B776B5}"/>
-              </a:ext>
-            </a:extLst>
-          </p:cNvPr>
-          <p:cNvSpPr>
-            <a:spLocks noGrp="1"/>
-          </p:cNvSpPr>
-          <p:nvPr>
-            <p:ph type="subTitle" idx="1"/>
-          </p:nvPr>
-        </p:nvSpPr>
-        <p:spPr>
-          <a:xfrm>
-            <a:off x="1523999" y="3602037"/>
-            <a:ext cx="9294421" cy="2109993"/>
-          </a:xfrm>
-        </p:spPr>
-        <p:txBody>
-          <a:bodyPr>
-            <a:normAutofit/>
-          </a:bodyPr>
-          <a:lstStyle/>
-          <a:p>
-            <a:r>
-              <a:rPr kumimoji="1" lang="en-US" altLang="ja-JP" sz="3600" b="1" dirty="0">
-                <a:ln w="3175">
-                  <a:solidFill>
-                    <a:schemeClr val="tx1"/>
-                  </a:solidFill>
-                </a:ln>
-                <a:solidFill>
-                  <a:schemeClr val="accent6">
-                    <a:lumMod val="50000"/>
-                  </a:schemeClr>
-                </a:solidFill>
-              </a:rPr>
-              <a:t>AI21</a:t>
-            </a:r>
-          </a:p>
-          <a:p>
-            <a:r>
-              <a:rPr lang="ja-JP" altLang="en-US" sz="3600" b="1" dirty="0">
-                <a:ln w="3175">
-                  <a:solidFill>
-                    <a:schemeClr val="tx1"/>
-                  </a:solidFill>
-                </a:ln>
-                <a:solidFill>
-                  <a:schemeClr val="accent6">
-                    <a:lumMod val="50000"/>
-                  </a:schemeClr>
-                </a:solidFill>
-              </a:rPr>
-              <a:t>力石鈴之佑</a:t>
-            </a:r>
-          </a:p>
-          <a:p>
-            <a:r>
-              <a:rPr kumimoji="1" lang="ja-JP" altLang="en-US" sz="3600" b="1" dirty="0">
-                <a:ln w="3175">
-                  <a:solidFill>
-                    <a:schemeClr val="tx1"/>
-                  </a:solidFill>
-                </a:ln>
-                <a:solidFill>
-                  <a:schemeClr val="accent6">
-                    <a:lumMod val="50000"/>
-                  </a:schemeClr>
-                </a:solidFill>
-              </a:rPr>
-              <a:t>山田晃生</a:t>
-            </a:r>
-            <a:endParaRPr kumimoji="1" lang="en-US" altLang="ja-JP" sz="3600" b="1" dirty="0">
-              <a:ln w="3175">
-                <a:solidFill>
-                  <a:schemeClr val="tx1"/>
-                </a:solidFill>
-              </a:ln>
-              <a:solidFill>
-                <a:schemeClr val="accent6">
-                  <a:lumMod val="50000"/>
-                </a:schemeClr>
-              </a:solidFill>
-            </a:endParaRPr>
-          </a:p>
-        </p:txBody>
-      </p:sp>
-      <p:sp>
-        <p:nvSpPr>
           <p:cNvPr id="6" name="正方形/長方形 5">
             <a:extLst>
               <a:ext uri="{FF2B5EF4-FFF2-40B4-BE49-F238E27FC236}">
@@ -7751,7 +7661,7 @@
           <p:cNvPr id="2" name="タイトル 1">
             <a:extLst>
               <a:ext uri="{FF2B5EF4-FFF2-40B4-BE49-F238E27FC236}">
-                <a16:creationId xmlns:a16="http://schemas.microsoft.com/office/drawing/2014/main" id="{2130732E-7DA7-406F-85C0-863D6420038A}"/>
+                <a16:creationId xmlns:a16="http://schemas.microsoft.com/office/drawing/2014/main" id="{2F54B871-1C29-443D-B7CD-A4880E1EFD3C}"/>
               </a:ext>
             </a:extLst>
           </p:cNvPr>
@@ -7769,7 +7679,7 @@
           <a:p>
             <a:r>
               <a:rPr kumimoji="1" lang="ja-JP" altLang="en-US" dirty="0"/>
-              <a:t>ウェイクワード</a:t>
+              <a:t>辞書データ</a:t>
             </a:r>
           </a:p>
         </p:txBody>
@@ -7779,7 +7689,7 @@
           <p:cNvPr id="3" name="コンテンツ プレースホルダー 2">
             <a:extLst>
               <a:ext uri="{FF2B5EF4-FFF2-40B4-BE49-F238E27FC236}">
-                <a16:creationId xmlns:a16="http://schemas.microsoft.com/office/drawing/2014/main" id="{DB12C1AE-EEE1-4481-9A74-18CE3D6E4F3C}"/>
+                <a16:creationId xmlns:a16="http://schemas.microsoft.com/office/drawing/2014/main" id="{359BA7E9-5FB0-436F-941D-2F003078FAD5}"/>
               </a:ext>
             </a:extLst>
           </p:cNvPr>
@@ -7801,10 +7711,10 @@
       </p:sp>
       <p:sp>
         <p:nvSpPr>
-          <p:cNvPr id="4" name="正方形/長方形 3">
-            <a:extLst>
-              <a:ext uri="{FF2B5EF4-FFF2-40B4-BE49-F238E27FC236}">
-                <a16:creationId xmlns:a16="http://schemas.microsoft.com/office/drawing/2014/main" id="{69845A7F-5CE8-4273-BF96-B117543FDBC7}"/>
+          <p:cNvPr id="5" name="正方形/長方形 4">
+            <a:extLst>
+              <a:ext uri="{FF2B5EF4-FFF2-40B4-BE49-F238E27FC236}">
+                <a16:creationId xmlns:a16="http://schemas.microsoft.com/office/drawing/2014/main" id="{0853C9A5-A8A3-4AEE-B695-9634976812D0}"/>
               </a:ext>
             </a:extLst>
           </p:cNvPr>
@@ -7859,7 +7769,7 @@
     </p:spTree>
     <p:extLst>
       <p:ext uri="{BB962C8B-B14F-4D97-AF65-F5344CB8AC3E}">
-        <p14:creationId xmlns:p14="http://schemas.microsoft.com/office/powerpoint/2010/main" val="524137758"/>
+        <p14:creationId xmlns:p14="http://schemas.microsoft.com/office/powerpoint/2010/main" val="532322399"/>
       </p:ext>
     </p:extLst>
   </p:cSld>
@@ -7891,7 +7801,7 @@
           <p:cNvPr id="2" name="タイトル 1">
             <a:extLst>
               <a:ext uri="{FF2B5EF4-FFF2-40B4-BE49-F238E27FC236}">
-                <a16:creationId xmlns:a16="http://schemas.microsoft.com/office/drawing/2014/main" id="{549688B5-67DA-428A-92E6-3D3B28BFC143}"/>
+                <a16:creationId xmlns:a16="http://schemas.microsoft.com/office/drawing/2014/main" id="{2130732E-7DA7-406F-85C0-863D6420038A}"/>
               </a:ext>
             </a:extLst>
           </p:cNvPr>
@@ -7909,7 +7819,7 @@
           <a:p>
             <a:r>
               <a:rPr kumimoji="1" lang="ja-JP" altLang="en-US" dirty="0"/>
-              <a:t>テキスト分類の仕組み</a:t>
+              <a:t>ウェイクワード</a:t>
             </a:r>
           </a:p>
         </p:txBody>
@@ -7919,7 +7829,7 @@
           <p:cNvPr id="3" name="コンテンツ プレースホルダー 2">
             <a:extLst>
               <a:ext uri="{FF2B5EF4-FFF2-40B4-BE49-F238E27FC236}">
-                <a16:creationId xmlns:a16="http://schemas.microsoft.com/office/drawing/2014/main" id="{B6B6A2C6-E821-404C-9429-4F30D1E7A255}"/>
+                <a16:creationId xmlns:a16="http://schemas.microsoft.com/office/drawing/2014/main" id="{DB12C1AE-EEE1-4481-9A74-18CE3D6E4F3C}"/>
               </a:ext>
             </a:extLst>
           </p:cNvPr>
@@ -7944,7 +7854,7 @@
           <p:cNvPr id="4" name="正方形/長方形 3">
             <a:extLst>
               <a:ext uri="{FF2B5EF4-FFF2-40B4-BE49-F238E27FC236}">
-                <a16:creationId xmlns:a16="http://schemas.microsoft.com/office/drawing/2014/main" id="{58626FC8-F8C8-406B-BD45-B847BCC1E671}"/>
+                <a16:creationId xmlns:a16="http://schemas.microsoft.com/office/drawing/2014/main" id="{69845A7F-5CE8-4273-BF96-B117543FDBC7}"/>
               </a:ext>
             </a:extLst>
           </p:cNvPr>
@@ -7999,7 +7909,7 @@
     </p:spTree>
     <p:extLst>
       <p:ext uri="{BB962C8B-B14F-4D97-AF65-F5344CB8AC3E}">
-        <p14:creationId xmlns:p14="http://schemas.microsoft.com/office/powerpoint/2010/main" val="692832931"/>
+        <p14:creationId xmlns:p14="http://schemas.microsoft.com/office/powerpoint/2010/main" val="524137758"/>
       </p:ext>
     </p:extLst>
   </p:cSld>
@@ -8031,7 +7941,7 @@
           <p:cNvPr id="2" name="タイトル 1">
             <a:extLst>
               <a:ext uri="{FF2B5EF4-FFF2-40B4-BE49-F238E27FC236}">
-                <a16:creationId xmlns:a16="http://schemas.microsoft.com/office/drawing/2014/main" id="{3B84D43F-F80B-40CE-BAA6-B9DFBE0CA5B9}"/>
+                <a16:creationId xmlns:a16="http://schemas.microsoft.com/office/drawing/2014/main" id="{549688B5-67DA-428A-92E6-3D3B28BFC143}"/>
               </a:ext>
             </a:extLst>
           </p:cNvPr>
@@ -8048,10 +7958,9 @@
           <a:lstStyle/>
           <a:p>
             <a:r>
-              <a:rPr kumimoji="1" lang="en-US" altLang="ja-JP" dirty="0"/>
-              <a:t>fastText</a:t>
-            </a:r>
-            <a:endParaRPr kumimoji="1" lang="ja-JP" altLang="en-US" dirty="0"/>
+              <a:rPr kumimoji="1" lang="ja-JP" altLang="en-US" dirty="0"/>
+              <a:t>テキスト分類の仕組み</a:t>
+            </a:r>
           </a:p>
         </p:txBody>
       </p:sp>
@@ -8060,7 +7969,7 @@
           <p:cNvPr id="3" name="コンテンツ プレースホルダー 2">
             <a:extLst>
               <a:ext uri="{FF2B5EF4-FFF2-40B4-BE49-F238E27FC236}">
-                <a16:creationId xmlns:a16="http://schemas.microsoft.com/office/drawing/2014/main" id="{A68B4BBE-92D2-4DCF-B6A5-0E40E2D9BFF9}"/>
+                <a16:creationId xmlns:a16="http://schemas.microsoft.com/office/drawing/2014/main" id="{B6B6A2C6-E821-404C-9429-4F30D1E7A255}"/>
               </a:ext>
             </a:extLst>
           </p:cNvPr>
@@ -8076,601 +7985,16 @@
           <a:bodyPr/>
           <a:lstStyle/>
           <a:p>
-            <a:r>
-              <a:rPr kumimoji="1" lang="ja-JP" altLang="en-US" dirty="0"/>
-              <a:t>機械学習周り</a:t>
-            </a:r>
-            <a:endParaRPr kumimoji="1" lang="en-US" altLang="ja-JP" dirty="0"/>
-          </a:p>
-          <a:p>
-            <a:r>
-              <a:rPr kumimoji="1" lang="ja-JP" altLang="en-US" dirty="0"/>
-              <a:t>トレーニングデータ</a:t>
-            </a:r>
-          </a:p>
-        </p:txBody>
-      </p:sp>
-    </p:spTree>
-    <p:extLst>
-      <p:ext uri="{BB962C8B-B14F-4D97-AF65-F5344CB8AC3E}">
-        <p14:creationId xmlns:p14="http://schemas.microsoft.com/office/powerpoint/2010/main" val="2305918178"/>
-      </p:ext>
-    </p:extLst>
-  </p:cSld>
-  <p:clrMapOvr>
-    <a:masterClrMapping/>
-  </p:clrMapOvr>
-</p:sld>
-</file>
-
-<file path=ppt/slides/slide13.xml><?xml version="1.0" encoding="utf-8"?>
-<p:sld xmlns:a="http://schemas.openxmlformats.org/drawingml/2006/main" xmlns:r="http://schemas.openxmlformats.org/officeDocument/2006/relationships" xmlns:p="http://schemas.openxmlformats.org/presentationml/2006/main">
-  <p:cSld>
-    <p:spTree>
-      <p:nvGrpSpPr>
-        <p:cNvPr id="1" name=""/>
-        <p:cNvGrpSpPr/>
-        <p:nvPr/>
-      </p:nvGrpSpPr>
-      <p:grpSpPr>
-        <a:xfrm>
-          <a:off x="0" y="0"/>
-          <a:ext cx="0" cy="0"/>
-          <a:chOff x="0" y="0"/>
-          <a:chExt cx="0" cy="0"/>
-        </a:xfrm>
-      </p:grpSpPr>
-      <p:sp>
-        <p:nvSpPr>
-          <p:cNvPr id="11" name="正方形/長方形 10">
-            <a:extLst>
-              <a:ext uri="{FF2B5EF4-FFF2-40B4-BE49-F238E27FC236}">
-                <a16:creationId xmlns:a16="http://schemas.microsoft.com/office/drawing/2014/main" id="{A43A5C1C-CD2F-46A6-BDBE-D4A7B86F23A3}"/>
-              </a:ext>
-            </a:extLst>
-          </p:cNvPr>
-          <p:cNvSpPr/>
-          <p:nvPr/>
-        </p:nvSpPr>
-        <p:spPr>
-          <a:xfrm>
-            <a:off x="1400784" y="5009745"/>
-            <a:ext cx="6624536" cy="479089"/>
-          </a:xfrm>
-          <a:prstGeom prst="rect">
-            <a:avLst/>
-          </a:prstGeom>
-          <a:solidFill>
-            <a:schemeClr val="bg1"/>
-          </a:solidFill>
-          <a:ln>
-            <a:solidFill>
-              <a:schemeClr val="tx1"/>
-            </a:solidFill>
-          </a:ln>
-        </p:spPr>
-        <p:style>
-          <a:lnRef idx="2">
-            <a:schemeClr val="accent1">
-              <a:shade val="50000"/>
-            </a:schemeClr>
-          </a:lnRef>
-          <a:fillRef idx="1">
-            <a:schemeClr val="accent1"/>
-          </a:fillRef>
-          <a:effectRef idx="0">
-            <a:schemeClr val="accent1"/>
-          </a:effectRef>
-          <a:fontRef idx="minor">
-            <a:schemeClr val="lt1"/>
-          </a:fontRef>
-        </p:style>
-        <p:txBody>
-          <a:bodyPr rtlCol="0" anchor="ctr"/>
-          <a:lstStyle/>
-          <a:p>
-            <a:pPr algn="ctr"/>
             <a:endParaRPr kumimoji="1" lang="ja-JP" altLang="en-US"/>
           </a:p>
         </p:txBody>
       </p:sp>
       <p:sp>
         <p:nvSpPr>
-          <p:cNvPr id="8" name="正方形/長方形 7">
-            <a:extLst>
-              <a:ext uri="{FF2B5EF4-FFF2-40B4-BE49-F238E27FC236}">
-                <a16:creationId xmlns:a16="http://schemas.microsoft.com/office/drawing/2014/main" id="{F2E06782-F764-4458-86E7-0558F2580076}"/>
-              </a:ext>
-            </a:extLst>
-          </p:cNvPr>
-          <p:cNvSpPr/>
-          <p:nvPr/>
-        </p:nvSpPr>
-        <p:spPr>
-          <a:xfrm>
-            <a:off x="1400783" y="2598764"/>
-            <a:ext cx="6624536" cy="1887165"/>
-          </a:xfrm>
-          <a:prstGeom prst="rect">
-            <a:avLst/>
-          </a:prstGeom>
-          <a:solidFill>
-            <a:schemeClr val="bg1"/>
-          </a:solidFill>
-          <a:ln>
-            <a:solidFill>
-              <a:schemeClr val="tx1"/>
-            </a:solidFill>
-          </a:ln>
-        </p:spPr>
-        <p:style>
-          <a:lnRef idx="2">
-            <a:schemeClr val="accent1">
-              <a:shade val="50000"/>
-            </a:schemeClr>
-          </a:lnRef>
-          <a:fillRef idx="1">
-            <a:schemeClr val="accent1"/>
-          </a:fillRef>
-          <a:effectRef idx="0">
-            <a:schemeClr val="accent1"/>
-          </a:effectRef>
-          <a:fontRef idx="minor">
-            <a:schemeClr val="lt1"/>
-          </a:fontRef>
-        </p:style>
-        <p:txBody>
-          <a:bodyPr rtlCol="0" anchor="ctr"/>
-          <a:lstStyle/>
-          <a:p>
-            <a:pPr algn="ctr"/>
-            <a:endParaRPr kumimoji="1" lang="ja-JP" altLang="en-US"/>
-          </a:p>
-        </p:txBody>
-      </p:sp>
-      <p:sp>
-        <p:nvSpPr>
-          <p:cNvPr id="2" name="タイトル 1">
-            <a:extLst>
-              <a:ext uri="{FF2B5EF4-FFF2-40B4-BE49-F238E27FC236}">
-                <a16:creationId xmlns:a16="http://schemas.microsoft.com/office/drawing/2014/main" id="{0239366D-FD02-4D32-AA25-FA5687E2E9A8}"/>
-              </a:ext>
-            </a:extLst>
-          </p:cNvPr>
-          <p:cNvSpPr>
-            <a:spLocks noGrp="1"/>
-          </p:cNvSpPr>
-          <p:nvPr>
-            <p:ph type="title"/>
-          </p:nvPr>
-        </p:nvSpPr>
-        <p:spPr/>
-        <p:txBody>
-          <a:bodyPr/>
-          <a:lstStyle/>
-          <a:p>
-            <a:r>
-              <a:rPr kumimoji="1" lang="ja-JP" altLang="en-US" dirty="0"/>
-              <a:t>データ取得</a:t>
-            </a:r>
-          </a:p>
-        </p:txBody>
-      </p:sp>
-      <p:sp>
-        <p:nvSpPr>
-          <p:cNvPr id="3" name="コンテンツ プレースホルダー 2">
-            <a:extLst>
-              <a:ext uri="{FF2B5EF4-FFF2-40B4-BE49-F238E27FC236}">
-                <a16:creationId xmlns:a16="http://schemas.microsoft.com/office/drawing/2014/main" id="{2714D079-74EA-42AF-9886-A31DAA6C24C9}"/>
-              </a:ext>
-            </a:extLst>
-          </p:cNvPr>
-          <p:cNvSpPr>
-            <a:spLocks noGrp="1"/>
-          </p:cNvSpPr>
-          <p:nvPr>
-            <p:ph idx="1"/>
-          </p:nvPr>
-        </p:nvSpPr>
-        <p:spPr>
-          <a:xfrm>
-            <a:off x="838200" y="1690688"/>
-            <a:ext cx="10515600" cy="4351338"/>
-          </a:xfrm>
-        </p:spPr>
-        <p:txBody>
-          <a:bodyPr>
-            <a:normAutofit/>
-          </a:bodyPr>
-          <a:lstStyle/>
-          <a:p>
-            <a:r>
-              <a:rPr kumimoji="1" lang="ja-JP" altLang="en-US" sz="3200" dirty="0"/>
-              <a:t>スクレイピング</a:t>
-            </a:r>
-            <a:r>
-              <a:rPr kumimoji="1" lang="en-US" altLang="ja-JP" sz="3200" dirty="0"/>
-              <a:t>(BeautifulSoup4)</a:t>
-            </a:r>
-          </a:p>
-          <a:p>
-            <a:pPr lvl="1"/>
-            <a:r>
-              <a:rPr kumimoji="1" lang="en-US" altLang="ja-JP" sz="2800" dirty="0"/>
-              <a:t>Web</a:t>
-            </a:r>
-            <a:r>
-              <a:rPr kumimoji="1" lang="ja-JP" altLang="en-US" sz="2800" dirty="0"/>
-              <a:t>ページからテキストデータを取得</a:t>
-            </a:r>
-            <a:endParaRPr kumimoji="1" lang="en-US" altLang="ja-JP" sz="2800" dirty="0"/>
-          </a:p>
-          <a:p>
-            <a:pPr marL="457200" lvl="1" indent="0">
-              <a:buNone/>
-            </a:pPr>
-            <a:r>
-              <a:rPr lang="ja-JP" altLang="en-US" sz="3200" b="1" dirty="0"/>
-              <a:t> 天気予報</a:t>
-            </a:r>
-            <a:endParaRPr lang="en-US" altLang="ja-JP" sz="3200" b="1" dirty="0"/>
-          </a:p>
-          <a:p>
-            <a:pPr lvl="1"/>
-            <a:endParaRPr lang="en-US" altLang="ja-JP" sz="700" b="1" dirty="0"/>
-          </a:p>
-          <a:p>
-            <a:pPr marL="457200" lvl="1" indent="0">
-              <a:buNone/>
-            </a:pPr>
-            <a:r>
-              <a:rPr kumimoji="1" lang="ja-JP" altLang="en-US" sz="3200" b="1" dirty="0"/>
-              <a:t> ニュース</a:t>
-            </a:r>
-            <a:endParaRPr kumimoji="1" lang="en-US" altLang="ja-JP" sz="3200" b="1" dirty="0"/>
-          </a:p>
-          <a:p>
-            <a:pPr lvl="1"/>
-            <a:endParaRPr kumimoji="1" lang="en-US" altLang="ja-JP" sz="700" b="1" dirty="0"/>
-          </a:p>
-          <a:p>
-            <a:pPr marL="457200" lvl="1" indent="0">
-              <a:buNone/>
-            </a:pPr>
-            <a:r>
-              <a:rPr kumimoji="1" lang="ja-JP" altLang="en-US" sz="3200" b="1" dirty="0"/>
-              <a:t> 星座占い</a:t>
-            </a:r>
-            <a:endParaRPr kumimoji="1" lang="en-US" altLang="ja-JP" sz="2800" b="1" dirty="0"/>
-          </a:p>
-          <a:p>
-            <a:r>
-              <a:rPr kumimoji="1" lang="ja-JP" altLang="en-US" sz="3200" dirty="0"/>
-              <a:t>時刻取得</a:t>
-            </a:r>
-            <a:r>
-              <a:rPr kumimoji="1" lang="en-US" altLang="ja-JP" sz="3200" dirty="0"/>
-              <a:t>(Datetime</a:t>
-            </a:r>
-            <a:r>
-              <a:rPr kumimoji="1" lang="ja-JP" altLang="en-US" sz="3200" dirty="0"/>
-              <a:t>モジュール</a:t>
-            </a:r>
-            <a:r>
-              <a:rPr kumimoji="1" lang="en-US" altLang="ja-JP" sz="3200" dirty="0"/>
-              <a:t>)</a:t>
-            </a:r>
-            <a:endParaRPr lang="en-US" altLang="ja-JP" sz="700" b="1" dirty="0"/>
-          </a:p>
-          <a:p>
-            <a:pPr marL="457200" lvl="1" indent="0">
-              <a:buNone/>
-            </a:pPr>
-            <a:r>
-              <a:rPr lang="ja-JP" altLang="en-US" sz="3200" b="1" dirty="0"/>
-              <a:t> 日 時</a:t>
-            </a:r>
-            <a:endParaRPr kumimoji="1" lang="ja-JP" altLang="en-US" sz="3200" b="1" dirty="0"/>
-          </a:p>
-        </p:txBody>
-      </p:sp>
-      <p:sp>
-        <p:nvSpPr>
-          <p:cNvPr id="4" name="矢印: 右 3">
-            <a:extLst>
-              <a:ext uri="{FF2B5EF4-FFF2-40B4-BE49-F238E27FC236}">
-                <a16:creationId xmlns:a16="http://schemas.microsoft.com/office/drawing/2014/main" id="{34769FBF-812B-4857-BA1F-FD2F39C92F5A}"/>
-              </a:ext>
-            </a:extLst>
-          </p:cNvPr>
-          <p:cNvSpPr/>
-          <p:nvPr/>
-        </p:nvSpPr>
-        <p:spPr>
-          <a:xfrm>
-            <a:off x="3564611" y="2716898"/>
-            <a:ext cx="1270860" cy="321522"/>
-          </a:xfrm>
-          <a:prstGeom prst="rightArrow">
-            <a:avLst/>
-          </a:prstGeom>
-          <a:solidFill>
-            <a:srgbClr val="FF0000"/>
-          </a:solidFill>
-          <a:ln>
-            <a:solidFill>
-              <a:schemeClr val="tx1"/>
-            </a:solidFill>
-          </a:ln>
-        </p:spPr>
-        <p:style>
-          <a:lnRef idx="2">
-            <a:schemeClr val="accent1">
-              <a:shade val="50000"/>
-            </a:schemeClr>
-          </a:lnRef>
-          <a:fillRef idx="1">
-            <a:schemeClr val="accent1"/>
-          </a:fillRef>
-          <a:effectRef idx="0">
-            <a:schemeClr val="accent1"/>
-          </a:effectRef>
-          <a:fontRef idx="minor">
-            <a:schemeClr val="lt1"/>
-          </a:fontRef>
-        </p:style>
-        <p:txBody>
-          <a:bodyPr rtlCol="0" anchor="ctr"/>
-          <a:lstStyle/>
-          <a:p>
-            <a:pPr algn="ctr"/>
-            <a:endParaRPr kumimoji="1" lang="ja-JP" altLang="en-US"/>
-          </a:p>
-        </p:txBody>
-      </p:sp>
-      <p:sp>
-        <p:nvSpPr>
-          <p:cNvPr id="5" name="矢印: 右 4">
-            <a:extLst>
-              <a:ext uri="{FF2B5EF4-FFF2-40B4-BE49-F238E27FC236}">
-                <a16:creationId xmlns:a16="http://schemas.microsoft.com/office/drawing/2014/main" id="{8C48FF94-A834-4C8D-9421-16336A8B819A}"/>
-              </a:ext>
-            </a:extLst>
-          </p:cNvPr>
-          <p:cNvSpPr/>
-          <p:nvPr/>
-        </p:nvSpPr>
-        <p:spPr>
-          <a:xfrm>
-            <a:off x="3564611" y="3380342"/>
-            <a:ext cx="1270860" cy="324010"/>
-          </a:xfrm>
-          <a:prstGeom prst="rightArrow">
-            <a:avLst/>
-          </a:prstGeom>
-          <a:solidFill>
-            <a:srgbClr val="FF0000"/>
-          </a:solidFill>
-          <a:ln>
-            <a:solidFill>
-              <a:schemeClr val="tx1"/>
-            </a:solidFill>
-          </a:ln>
-        </p:spPr>
-        <p:style>
-          <a:lnRef idx="2">
-            <a:schemeClr val="accent1">
-              <a:shade val="50000"/>
-            </a:schemeClr>
-          </a:lnRef>
-          <a:fillRef idx="1">
-            <a:schemeClr val="accent1"/>
-          </a:fillRef>
-          <a:effectRef idx="0">
-            <a:schemeClr val="accent1"/>
-          </a:effectRef>
-          <a:fontRef idx="minor">
-            <a:schemeClr val="lt1"/>
-          </a:fontRef>
-        </p:style>
-        <p:txBody>
-          <a:bodyPr rtlCol="0" anchor="ctr"/>
-          <a:lstStyle/>
-          <a:p>
-            <a:pPr algn="ctr"/>
-            <a:endParaRPr kumimoji="1" lang="ja-JP" altLang="en-US"/>
-          </a:p>
-        </p:txBody>
-      </p:sp>
-      <p:sp>
-        <p:nvSpPr>
-          <p:cNvPr id="6" name="矢印: 右 5">
-            <a:extLst>
-              <a:ext uri="{FF2B5EF4-FFF2-40B4-BE49-F238E27FC236}">
-                <a16:creationId xmlns:a16="http://schemas.microsoft.com/office/drawing/2014/main" id="{776E5C8A-27D9-41C7-82C1-FE63AED0AEF4}"/>
-              </a:ext>
-            </a:extLst>
-          </p:cNvPr>
-          <p:cNvSpPr/>
-          <p:nvPr/>
-        </p:nvSpPr>
-        <p:spPr>
-          <a:xfrm>
-            <a:off x="3564611" y="4019097"/>
-            <a:ext cx="1270860" cy="321522"/>
-          </a:xfrm>
-          <a:prstGeom prst="rightArrow">
-            <a:avLst/>
-          </a:prstGeom>
-          <a:solidFill>
-            <a:srgbClr val="FF0000"/>
-          </a:solidFill>
-          <a:ln>
-            <a:solidFill>
-              <a:schemeClr val="tx1"/>
-            </a:solidFill>
-          </a:ln>
-        </p:spPr>
-        <p:style>
-          <a:lnRef idx="2">
-            <a:schemeClr val="accent1">
-              <a:shade val="50000"/>
-            </a:schemeClr>
-          </a:lnRef>
-          <a:fillRef idx="1">
-            <a:schemeClr val="accent1"/>
-          </a:fillRef>
-          <a:effectRef idx="0">
-            <a:schemeClr val="accent1"/>
-          </a:effectRef>
-          <a:fontRef idx="minor">
-            <a:schemeClr val="lt1"/>
-          </a:fontRef>
-        </p:style>
-        <p:txBody>
-          <a:bodyPr rtlCol="0" anchor="ctr"/>
-          <a:lstStyle/>
-          <a:p>
-            <a:pPr algn="ctr"/>
-            <a:endParaRPr kumimoji="1" lang="ja-JP" altLang="en-US"/>
-          </a:p>
-        </p:txBody>
-      </p:sp>
-      <p:sp>
-        <p:nvSpPr>
-          <p:cNvPr id="7" name="矢印: 右 6">
-            <a:extLst>
-              <a:ext uri="{FF2B5EF4-FFF2-40B4-BE49-F238E27FC236}">
-                <a16:creationId xmlns:a16="http://schemas.microsoft.com/office/drawing/2014/main" id="{D3E589E6-C4D5-4230-8D9E-C763BE431DC1}"/>
-              </a:ext>
-            </a:extLst>
-          </p:cNvPr>
-          <p:cNvSpPr/>
-          <p:nvPr/>
-        </p:nvSpPr>
-        <p:spPr>
-          <a:xfrm>
-            <a:off x="3564611" y="5167312"/>
-            <a:ext cx="1270860" cy="321522"/>
-          </a:xfrm>
-          <a:prstGeom prst="rightArrow">
-            <a:avLst/>
-          </a:prstGeom>
-          <a:solidFill>
-            <a:srgbClr val="FF0000"/>
-          </a:solidFill>
-          <a:ln>
-            <a:solidFill>
-              <a:schemeClr val="tx1"/>
-            </a:solidFill>
-          </a:ln>
-        </p:spPr>
-        <p:style>
-          <a:lnRef idx="2">
-            <a:schemeClr val="accent1">
-              <a:shade val="50000"/>
-            </a:schemeClr>
-          </a:lnRef>
-          <a:fillRef idx="1">
-            <a:schemeClr val="accent1"/>
-          </a:fillRef>
-          <a:effectRef idx="0">
-            <a:schemeClr val="accent1"/>
-          </a:effectRef>
-          <a:fontRef idx="minor">
-            <a:schemeClr val="lt1"/>
-          </a:fontRef>
-        </p:style>
-        <p:txBody>
-          <a:bodyPr rtlCol="0" anchor="ctr"/>
-          <a:lstStyle/>
-          <a:p>
-            <a:pPr algn="ctr"/>
-            <a:endParaRPr kumimoji="1" lang="ja-JP" altLang="en-US"/>
-          </a:p>
-        </p:txBody>
-      </p:sp>
-      <p:sp>
-        <p:nvSpPr>
-          <p:cNvPr id="9" name="テキスト ボックス 8">
-            <a:extLst>
-              <a:ext uri="{FF2B5EF4-FFF2-40B4-BE49-F238E27FC236}">
-                <a16:creationId xmlns:a16="http://schemas.microsoft.com/office/drawing/2014/main" id="{DB1C1048-BCB0-4766-9795-230CC3FCB278}"/>
-              </a:ext>
-            </a:extLst>
-          </p:cNvPr>
-          <p:cNvSpPr txBox="1"/>
-          <p:nvPr/>
-        </p:nvSpPr>
-        <p:spPr>
-          <a:xfrm>
-            <a:off x="5190641" y="2520906"/>
-            <a:ext cx="3338591" cy="3185487"/>
-          </a:xfrm>
-          <a:prstGeom prst="rect">
-            <a:avLst/>
-          </a:prstGeom>
-          <a:noFill/>
-        </p:spPr>
-        <p:txBody>
-          <a:bodyPr wrap="square" rtlCol="0">
-            <a:spAutoFit/>
-          </a:bodyPr>
-          <a:lstStyle/>
-          <a:p>
-            <a:r>
-              <a:rPr kumimoji="1" lang="en-US" altLang="ja-JP" sz="3600" b="1" dirty="0"/>
-              <a:t>weather</a:t>
-            </a:r>
-            <a:r>
-              <a:rPr lang="en-US" altLang="ja-JP" sz="3600" b="1" dirty="0"/>
-              <a:t>.txt</a:t>
-            </a:r>
-          </a:p>
-          <a:p>
-            <a:endParaRPr lang="en-US" altLang="ja-JP" sz="700" b="1" dirty="0"/>
-          </a:p>
-          <a:p>
-            <a:r>
-              <a:rPr lang="en-US" altLang="ja-JP" sz="3600" b="1" dirty="0"/>
-              <a:t>n</a:t>
-            </a:r>
-            <a:r>
-              <a:rPr kumimoji="1" lang="en-US" altLang="ja-JP" sz="3600" b="1" dirty="0"/>
-              <a:t>ews.txt</a:t>
-            </a:r>
-          </a:p>
-          <a:p>
-            <a:endParaRPr kumimoji="1" lang="en-US" altLang="ja-JP" sz="700" b="1" dirty="0"/>
-          </a:p>
-          <a:p>
-            <a:r>
-              <a:rPr lang="en-US" altLang="ja-JP" sz="3600" b="1" dirty="0"/>
-              <a:t>fortune.txt</a:t>
-            </a:r>
-          </a:p>
-          <a:p>
-            <a:endParaRPr lang="en-US" altLang="ja-JP" sz="3600" b="1" dirty="0"/>
-          </a:p>
-          <a:p>
-            <a:r>
-              <a:rPr lang="en-US" altLang="ja-JP" sz="3600" b="1" dirty="0"/>
-              <a:t>d</a:t>
-            </a:r>
-            <a:r>
-              <a:rPr kumimoji="1" lang="en-US" altLang="ja-JP" sz="3600" b="1" dirty="0"/>
-              <a:t>ay.txt</a:t>
-            </a:r>
-            <a:endParaRPr kumimoji="1" lang="ja-JP" altLang="en-US" sz="3600" b="1" dirty="0"/>
-          </a:p>
-        </p:txBody>
-      </p:sp>
-      <p:sp>
-        <p:nvSpPr>
-          <p:cNvPr id="10" name="正方形/長方形 9">
-            <a:extLst>
-              <a:ext uri="{FF2B5EF4-FFF2-40B4-BE49-F238E27FC236}">
-                <a16:creationId xmlns:a16="http://schemas.microsoft.com/office/drawing/2014/main" id="{DA2BCC13-84D3-434E-A145-3C01043EC3E6}"/>
+          <p:cNvPr id="4" name="正方形/長方形 3">
+            <a:extLst>
+              <a:ext uri="{FF2B5EF4-FFF2-40B4-BE49-F238E27FC236}">
+                <a16:creationId xmlns:a16="http://schemas.microsoft.com/office/drawing/2014/main" id="{58626FC8-F8C8-406B-BD45-B847BCC1E671}"/>
               </a:ext>
             </a:extLst>
           </p:cNvPr>
@@ -8725,7 +8049,101 @@
     </p:spTree>
     <p:extLst>
       <p:ext uri="{BB962C8B-B14F-4D97-AF65-F5344CB8AC3E}">
-        <p14:creationId xmlns:p14="http://schemas.microsoft.com/office/powerpoint/2010/main" val="2705134270"/>
+        <p14:creationId xmlns:p14="http://schemas.microsoft.com/office/powerpoint/2010/main" val="692832931"/>
+      </p:ext>
+    </p:extLst>
+  </p:cSld>
+  <p:clrMapOvr>
+    <a:masterClrMapping/>
+  </p:clrMapOvr>
+</p:sld>
+</file>
+
+<file path=ppt/slides/slide13.xml><?xml version="1.0" encoding="utf-8"?>
+<p:sld xmlns:a="http://schemas.openxmlformats.org/drawingml/2006/main" xmlns:r="http://schemas.openxmlformats.org/officeDocument/2006/relationships" xmlns:p="http://schemas.openxmlformats.org/presentationml/2006/main">
+  <p:cSld>
+    <p:spTree>
+      <p:nvGrpSpPr>
+        <p:cNvPr id="1" name=""/>
+        <p:cNvGrpSpPr/>
+        <p:nvPr/>
+      </p:nvGrpSpPr>
+      <p:grpSpPr>
+        <a:xfrm>
+          <a:off x="0" y="0"/>
+          <a:ext cx="0" cy="0"/>
+          <a:chOff x="0" y="0"/>
+          <a:chExt cx="0" cy="0"/>
+        </a:xfrm>
+      </p:grpSpPr>
+      <p:sp>
+        <p:nvSpPr>
+          <p:cNvPr id="2" name="タイトル 1">
+            <a:extLst>
+              <a:ext uri="{FF2B5EF4-FFF2-40B4-BE49-F238E27FC236}">
+                <a16:creationId xmlns:a16="http://schemas.microsoft.com/office/drawing/2014/main" id="{3B84D43F-F80B-40CE-BAA6-B9DFBE0CA5B9}"/>
+              </a:ext>
+            </a:extLst>
+          </p:cNvPr>
+          <p:cNvSpPr>
+            <a:spLocks noGrp="1"/>
+          </p:cNvSpPr>
+          <p:nvPr>
+            <p:ph type="title"/>
+          </p:nvPr>
+        </p:nvSpPr>
+        <p:spPr/>
+        <p:txBody>
+          <a:bodyPr/>
+          <a:lstStyle/>
+          <a:p>
+            <a:r>
+              <a:rPr kumimoji="1" lang="en-US" altLang="ja-JP" dirty="0"/>
+              <a:t>fastText</a:t>
+            </a:r>
+            <a:endParaRPr kumimoji="1" lang="ja-JP" altLang="en-US" dirty="0"/>
+          </a:p>
+        </p:txBody>
+      </p:sp>
+      <p:sp>
+        <p:nvSpPr>
+          <p:cNvPr id="3" name="コンテンツ プレースホルダー 2">
+            <a:extLst>
+              <a:ext uri="{FF2B5EF4-FFF2-40B4-BE49-F238E27FC236}">
+                <a16:creationId xmlns:a16="http://schemas.microsoft.com/office/drawing/2014/main" id="{A68B4BBE-92D2-4DCF-B6A5-0E40E2D9BFF9}"/>
+              </a:ext>
+            </a:extLst>
+          </p:cNvPr>
+          <p:cNvSpPr>
+            <a:spLocks noGrp="1"/>
+          </p:cNvSpPr>
+          <p:nvPr>
+            <p:ph idx="1"/>
+          </p:nvPr>
+        </p:nvSpPr>
+        <p:spPr/>
+        <p:txBody>
+          <a:bodyPr/>
+          <a:lstStyle/>
+          <a:p>
+            <a:r>
+              <a:rPr kumimoji="1" lang="ja-JP" altLang="en-US" dirty="0"/>
+              <a:t>機械学習周り</a:t>
+            </a:r>
+            <a:endParaRPr kumimoji="1" lang="en-US" altLang="ja-JP" dirty="0"/>
+          </a:p>
+          <a:p>
+            <a:r>
+              <a:rPr kumimoji="1" lang="ja-JP" altLang="en-US" dirty="0"/>
+              <a:t>トレーニングデータ</a:t>
+            </a:r>
+          </a:p>
+        </p:txBody>
+      </p:sp>
+    </p:spTree>
+    <p:extLst>
+      <p:ext uri="{BB962C8B-B14F-4D97-AF65-F5344CB8AC3E}">
+        <p14:creationId xmlns:p14="http://schemas.microsoft.com/office/powerpoint/2010/main" val="2305918178"/>
       </p:ext>
     </p:extLst>
   </p:cSld>
@@ -8754,108 +8172,20 @@
       </p:grpSpPr>
       <p:sp>
         <p:nvSpPr>
-          <p:cNvPr id="2" name="タイトル 1">
-            <a:extLst>
-              <a:ext uri="{FF2B5EF4-FFF2-40B4-BE49-F238E27FC236}">
-                <a16:creationId xmlns:a16="http://schemas.microsoft.com/office/drawing/2014/main" id="{0239366D-FD02-4D32-AA25-FA5687E2E9A8}"/>
-              </a:ext>
-            </a:extLst>
-          </p:cNvPr>
-          <p:cNvSpPr>
-            <a:spLocks noGrp="1"/>
-          </p:cNvSpPr>
-          <p:nvPr>
-            <p:ph type="title"/>
-          </p:nvPr>
-        </p:nvSpPr>
-        <p:spPr/>
-        <p:txBody>
-          <a:bodyPr/>
-          <a:lstStyle/>
-          <a:p>
-            <a:r>
-              <a:rPr kumimoji="1" lang="ja-JP" altLang="en-US" dirty="0"/>
-              <a:t>データ取得　定時実行</a:t>
-            </a:r>
-          </a:p>
-        </p:txBody>
-      </p:sp>
-      <p:sp>
-        <p:nvSpPr>
-          <p:cNvPr id="3" name="コンテンツ プレースホルダー 2">
-            <a:extLst>
-              <a:ext uri="{FF2B5EF4-FFF2-40B4-BE49-F238E27FC236}">
-                <a16:creationId xmlns:a16="http://schemas.microsoft.com/office/drawing/2014/main" id="{2714D079-74EA-42AF-9886-A31DAA6C24C9}"/>
-              </a:ext>
-            </a:extLst>
-          </p:cNvPr>
-          <p:cNvSpPr>
-            <a:spLocks noGrp="1"/>
-          </p:cNvSpPr>
-          <p:nvPr>
-            <p:ph idx="1"/>
-          </p:nvPr>
-        </p:nvSpPr>
-        <p:spPr/>
-        <p:txBody>
-          <a:bodyPr/>
-          <a:lstStyle/>
-          <a:p>
-            <a:r>
-              <a:rPr kumimoji="1" lang="ja-JP" altLang="en-US" dirty="0"/>
-              <a:t>ニュース→</a:t>
-            </a:r>
-            <a:r>
-              <a:rPr kumimoji="1" lang="en-US" altLang="ja-JP" dirty="0"/>
-              <a:t>1</a:t>
-            </a:r>
-            <a:r>
-              <a:rPr kumimoji="1" lang="ja-JP" altLang="en-US" dirty="0"/>
-              <a:t>時間毎にスクレイピング実行</a:t>
-            </a:r>
-            <a:endParaRPr kumimoji="1" lang="en-US" altLang="ja-JP" dirty="0"/>
-          </a:p>
-          <a:p>
-            <a:r>
-              <a:rPr lang="ja-JP" altLang="en-US" dirty="0"/>
-              <a:t>天気予報→</a:t>
-            </a:r>
-            <a:r>
-              <a:rPr lang="en-US" altLang="ja-JP" dirty="0"/>
-              <a:t>2,</a:t>
-            </a:r>
-            <a:r>
-              <a:rPr lang="ja-JP" altLang="en-US" dirty="0"/>
-              <a:t> </a:t>
-            </a:r>
-            <a:r>
-              <a:rPr lang="en-US" altLang="ja-JP" dirty="0"/>
-              <a:t>5, 8, 11, 14, 15, 17, 20</a:t>
-            </a:r>
-            <a:r>
-              <a:rPr lang="ja-JP" altLang="en-US" dirty="0"/>
-              <a:t>時に発表</a:t>
-            </a:r>
-            <a:endParaRPr kumimoji="1" lang="ja-JP" altLang="en-US" dirty="0"/>
-          </a:p>
-        </p:txBody>
-      </p:sp>
-      <p:sp>
-        <p:nvSpPr>
-          <p:cNvPr id="4" name="テキスト ボックス 3">
-            <a:extLst>
-              <a:ext uri="{FF2B5EF4-FFF2-40B4-BE49-F238E27FC236}">
-                <a16:creationId xmlns:a16="http://schemas.microsoft.com/office/drawing/2014/main" id="{E4F411F1-9DF1-4AE9-932A-4D591AF13FC5}"/>
-              </a:ext>
-            </a:extLst>
-          </p:cNvPr>
-          <p:cNvSpPr txBox="1"/>
+          <p:cNvPr id="11" name="正方形/長方形 10">
+            <a:extLst>
+              <a:ext uri="{FF2B5EF4-FFF2-40B4-BE49-F238E27FC236}">
+                <a16:creationId xmlns:a16="http://schemas.microsoft.com/office/drawing/2014/main" id="{A43A5C1C-CD2F-46A6-BDBE-D4A7B86F23A3}"/>
+              </a:ext>
+            </a:extLst>
+          </p:cNvPr>
+          <p:cNvSpPr/>
           <p:nvPr/>
         </p:nvSpPr>
         <p:spPr>
           <a:xfrm>
-            <a:off x="1771301" y="2846763"/>
-            <a:ext cx="8464013" cy="3939540"/>
+            <a:off x="1400784" y="5009745"/>
+            <a:ext cx="6624536" cy="479089"/>
           </a:xfrm>
           <a:prstGeom prst="rect">
             <a:avLst/>
@@ -8869,6 +8199,469 @@
             </a:solidFill>
           </a:ln>
         </p:spPr>
+        <p:style>
+          <a:lnRef idx="2">
+            <a:schemeClr val="accent1">
+              <a:shade val="50000"/>
+            </a:schemeClr>
+          </a:lnRef>
+          <a:fillRef idx="1">
+            <a:schemeClr val="accent1"/>
+          </a:fillRef>
+          <a:effectRef idx="0">
+            <a:schemeClr val="accent1"/>
+          </a:effectRef>
+          <a:fontRef idx="minor">
+            <a:schemeClr val="lt1"/>
+          </a:fontRef>
+        </p:style>
+        <p:txBody>
+          <a:bodyPr rtlCol="0" anchor="ctr"/>
+          <a:lstStyle/>
+          <a:p>
+            <a:pPr algn="ctr"/>
+            <a:endParaRPr kumimoji="1" lang="ja-JP" altLang="en-US"/>
+          </a:p>
+        </p:txBody>
+      </p:sp>
+      <p:sp>
+        <p:nvSpPr>
+          <p:cNvPr id="8" name="正方形/長方形 7">
+            <a:extLst>
+              <a:ext uri="{FF2B5EF4-FFF2-40B4-BE49-F238E27FC236}">
+                <a16:creationId xmlns:a16="http://schemas.microsoft.com/office/drawing/2014/main" id="{F2E06782-F764-4458-86E7-0558F2580076}"/>
+              </a:ext>
+            </a:extLst>
+          </p:cNvPr>
+          <p:cNvSpPr/>
+          <p:nvPr/>
+        </p:nvSpPr>
+        <p:spPr>
+          <a:xfrm>
+            <a:off x="1400783" y="2598764"/>
+            <a:ext cx="6624536" cy="1887165"/>
+          </a:xfrm>
+          <a:prstGeom prst="rect">
+            <a:avLst/>
+          </a:prstGeom>
+          <a:solidFill>
+            <a:schemeClr val="bg1"/>
+          </a:solidFill>
+          <a:ln>
+            <a:solidFill>
+              <a:schemeClr val="tx1"/>
+            </a:solidFill>
+          </a:ln>
+        </p:spPr>
+        <p:style>
+          <a:lnRef idx="2">
+            <a:schemeClr val="accent1">
+              <a:shade val="50000"/>
+            </a:schemeClr>
+          </a:lnRef>
+          <a:fillRef idx="1">
+            <a:schemeClr val="accent1"/>
+          </a:fillRef>
+          <a:effectRef idx="0">
+            <a:schemeClr val="accent1"/>
+          </a:effectRef>
+          <a:fontRef idx="minor">
+            <a:schemeClr val="lt1"/>
+          </a:fontRef>
+        </p:style>
+        <p:txBody>
+          <a:bodyPr rtlCol="0" anchor="ctr"/>
+          <a:lstStyle/>
+          <a:p>
+            <a:pPr algn="ctr"/>
+            <a:endParaRPr kumimoji="1" lang="ja-JP" altLang="en-US"/>
+          </a:p>
+        </p:txBody>
+      </p:sp>
+      <p:sp>
+        <p:nvSpPr>
+          <p:cNvPr id="2" name="タイトル 1">
+            <a:extLst>
+              <a:ext uri="{FF2B5EF4-FFF2-40B4-BE49-F238E27FC236}">
+                <a16:creationId xmlns:a16="http://schemas.microsoft.com/office/drawing/2014/main" id="{0239366D-FD02-4D32-AA25-FA5687E2E9A8}"/>
+              </a:ext>
+            </a:extLst>
+          </p:cNvPr>
+          <p:cNvSpPr>
+            <a:spLocks noGrp="1"/>
+          </p:cNvSpPr>
+          <p:nvPr>
+            <p:ph type="title"/>
+          </p:nvPr>
+        </p:nvSpPr>
+        <p:spPr/>
+        <p:txBody>
+          <a:bodyPr/>
+          <a:lstStyle/>
+          <a:p>
+            <a:r>
+              <a:rPr kumimoji="1" lang="ja-JP" altLang="en-US" dirty="0"/>
+              <a:t>データ取得</a:t>
+            </a:r>
+          </a:p>
+        </p:txBody>
+      </p:sp>
+      <p:sp>
+        <p:nvSpPr>
+          <p:cNvPr id="3" name="コンテンツ プレースホルダー 2">
+            <a:extLst>
+              <a:ext uri="{FF2B5EF4-FFF2-40B4-BE49-F238E27FC236}">
+                <a16:creationId xmlns:a16="http://schemas.microsoft.com/office/drawing/2014/main" id="{2714D079-74EA-42AF-9886-A31DAA6C24C9}"/>
+              </a:ext>
+            </a:extLst>
+          </p:cNvPr>
+          <p:cNvSpPr>
+            <a:spLocks noGrp="1"/>
+          </p:cNvSpPr>
+          <p:nvPr>
+            <p:ph idx="1"/>
+          </p:nvPr>
+        </p:nvSpPr>
+        <p:spPr>
+          <a:xfrm>
+            <a:off x="838200" y="1690688"/>
+            <a:ext cx="10515600" cy="4351338"/>
+          </a:xfrm>
+        </p:spPr>
+        <p:txBody>
+          <a:bodyPr>
+            <a:normAutofit/>
+          </a:bodyPr>
+          <a:lstStyle/>
+          <a:p>
+            <a:r>
+              <a:rPr kumimoji="1" lang="ja-JP" altLang="en-US" sz="3200" dirty="0"/>
+              <a:t>スクレイピング</a:t>
+            </a:r>
+            <a:r>
+              <a:rPr kumimoji="1" lang="en-US" altLang="ja-JP" sz="3200" dirty="0"/>
+              <a:t>(BeautifulSoup4)</a:t>
+            </a:r>
+          </a:p>
+          <a:p>
+            <a:pPr lvl="1"/>
+            <a:r>
+              <a:rPr kumimoji="1" lang="en-US" altLang="ja-JP" sz="2800" dirty="0"/>
+              <a:t>Web</a:t>
+            </a:r>
+            <a:r>
+              <a:rPr kumimoji="1" lang="ja-JP" altLang="en-US" sz="2800" dirty="0"/>
+              <a:t>ページからテキストデータを取得</a:t>
+            </a:r>
+            <a:endParaRPr kumimoji="1" lang="en-US" altLang="ja-JP" sz="2800" dirty="0"/>
+          </a:p>
+          <a:p>
+            <a:pPr marL="457200" lvl="1" indent="0">
+              <a:buNone/>
+            </a:pPr>
+            <a:r>
+              <a:rPr lang="ja-JP" altLang="en-US" sz="3200" b="1" dirty="0"/>
+              <a:t> 天気予報</a:t>
+            </a:r>
+            <a:endParaRPr lang="en-US" altLang="ja-JP" sz="3200" b="1" dirty="0"/>
+          </a:p>
+          <a:p>
+            <a:pPr lvl="1"/>
+            <a:endParaRPr lang="en-US" altLang="ja-JP" sz="700" b="1" dirty="0"/>
+          </a:p>
+          <a:p>
+            <a:pPr marL="457200" lvl="1" indent="0">
+              <a:buNone/>
+            </a:pPr>
+            <a:r>
+              <a:rPr kumimoji="1" lang="ja-JP" altLang="en-US" sz="3200" b="1" dirty="0"/>
+              <a:t> ニュース</a:t>
+            </a:r>
+            <a:endParaRPr kumimoji="1" lang="en-US" altLang="ja-JP" sz="3200" b="1" dirty="0"/>
+          </a:p>
+          <a:p>
+            <a:pPr lvl="1"/>
+            <a:endParaRPr kumimoji="1" lang="en-US" altLang="ja-JP" sz="700" b="1" dirty="0"/>
+          </a:p>
+          <a:p>
+            <a:pPr marL="457200" lvl="1" indent="0">
+              <a:buNone/>
+            </a:pPr>
+            <a:r>
+              <a:rPr kumimoji="1" lang="ja-JP" altLang="en-US" sz="3200" b="1" dirty="0"/>
+              <a:t> 星座占い</a:t>
+            </a:r>
+            <a:endParaRPr kumimoji="1" lang="en-US" altLang="ja-JP" sz="2800" b="1" dirty="0"/>
+          </a:p>
+          <a:p>
+            <a:r>
+              <a:rPr kumimoji="1" lang="ja-JP" altLang="en-US" sz="3200" dirty="0"/>
+              <a:t>時刻取得</a:t>
+            </a:r>
+            <a:r>
+              <a:rPr kumimoji="1" lang="en-US" altLang="ja-JP" sz="3200" dirty="0"/>
+              <a:t>(Datetime</a:t>
+            </a:r>
+            <a:r>
+              <a:rPr kumimoji="1" lang="ja-JP" altLang="en-US" sz="3200" dirty="0"/>
+              <a:t>モジュール</a:t>
+            </a:r>
+            <a:r>
+              <a:rPr kumimoji="1" lang="en-US" altLang="ja-JP" sz="3200" dirty="0"/>
+              <a:t>)</a:t>
+            </a:r>
+            <a:endParaRPr lang="en-US" altLang="ja-JP" sz="700" b="1" dirty="0"/>
+          </a:p>
+          <a:p>
+            <a:pPr marL="457200" lvl="1" indent="0">
+              <a:buNone/>
+            </a:pPr>
+            <a:r>
+              <a:rPr lang="ja-JP" altLang="en-US" sz="3200" b="1" dirty="0"/>
+              <a:t> 日 時</a:t>
+            </a:r>
+            <a:endParaRPr kumimoji="1" lang="ja-JP" altLang="en-US" sz="3200" b="1" dirty="0"/>
+          </a:p>
+        </p:txBody>
+      </p:sp>
+      <p:sp>
+        <p:nvSpPr>
+          <p:cNvPr id="4" name="矢印: 右 3">
+            <a:extLst>
+              <a:ext uri="{FF2B5EF4-FFF2-40B4-BE49-F238E27FC236}">
+                <a16:creationId xmlns:a16="http://schemas.microsoft.com/office/drawing/2014/main" id="{34769FBF-812B-4857-BA1F-FD2F39C92F5A}"/>
+              </a:ext>
+            </a:extLst>
+          </p:cNvPr>
+          <p:cNvSpPr/>
+          <p:nvPr/>
+        </p:nvSpPr>
+        <p:spPr>
+          <a:xfrm>
+            <a:off x="3564611" y="2716898"/>
+            <a:ext cx="1270860" cy="321522"/>
+          </a:xfrm>
+          <a:prstGeom prst="rightArrow">
+            <a:avLst/>
+          </a:prstGeom>
+          <a:solidFill>
+            <a:srgbClr val="FF0000"/>
+          </a:solidFill>
+          <a:ln>
+            <a:solidFill>
+              <a:schemeClr val="tx1"/>
+            </a:solidFill>
+          </a:ln>
+        </p:spPr>
+        <p:style>
+          <a:lnRef idx="2">
+            <a:schemeClr val="accent1">
+              <a:shade val="50000"/>
+            </a:schemeClr>
+          </a:lnRef>
+          <a:fillRef idx="1">
+            <a:schemeClr val="accent1"/>
+          </a:fillRef>
+          <a:effectRef idx="0">
+            <a:schemeClr val="accent1"/>
+          </a:effectRef>
+          <a:fontRef idx="minor">
+            <a:schemeClr val="lt1"/>
+          </a:fontRef>
+        </p:style>
+        <p:txBody>
+          <a:bodyPr rtlCol="0" anchor="ctr"/>
+          <a:lstStyle/>
+          <a:p>
+            <a:pPr algn="ctr"/>
+            <a:endParaRPr kumimoji="1" lang="ja-JP" altLang="en-US"/>
+          </a:p>
+        </p:txBody>
+      </p:sp>
+      <p:sp>
+        <p:nvSpPr>
+          <p:cNvPr id="5" name="矢印: 右 4">
+            <a:extLst>
+              <a:ext uri="{FF2B5EF4-FFF2-40B4-BE49-F238E27FC236}">
+                <a16:creationId xmlns:a16="http://schemas.microsoft.com/office/drawing/2014/main" id="{8C48FF94-A834-4C8D-9421-16336A8B819A}"/>
+              </a:ext>
+            </a:extLst>
+          </p:cNvPr>
+          <p:cNvSpPr/>
+          <p:nvPr/>
+        </p:nvSpPr>
+        <p:spPr>
+          <a:xfrm>
+            <a:off x="3564611" y="3380342"/>
+            <a:ext cx="1270860" cy="324010"/>
+          </a:xfrm>
+          <a:prstGeom prst="rightArrow">
+            <a:avLst/>
+          </a:prstGeom>
+          <a:solidFill>
+            <a:srgbClr val="FF0000"/>
+          </a:solidFill>
+          <a:ln>
+            <a:solidFill>
+              <a:schemeClr val="tx1"/>
+            </a:solidFill>
+          </a:ln>
+        </p:spPr>
+        <p:style>
+          <a:lnRef idx="2">
+            <a:schemeClr val="accent1">
+              <a:shade val="50000"/>
+            </a:schemeClr>
+          </a:lnRef>
+          <a:fillRef idx="1">
+            <a:schemeClr val="accent1"/>
+          </a:fillRef>
+          <a:effectRef idx="0">
+            <a:schemeClr val="accent1"/>
+          </a:effectRef>
+          <a:fontRef idx="minor">
+            <a:schemeClr val="lt1"/>
+          </a:fontRef>
+        </p:style>
+        <p:txBody>
+          <a:bodyPr rtlCol="0" anchor="ctr"/>
+          <a:lstStyle/>
+          <a:p>
+            <a:pPr algn="ctr"/>
+            <a:endParaRPr kumimoji="1" lang="ja-JP" altLang="en-US"/>
+          </a:p>
+        </p:txBody>
+      </p:sp>
+      <p:sp>
+        <p:nvSpPr>
+          <p:cNvPr id="6" name="矢印: 右 5">
+            <a:extLst>
+              <a:ext uri="{FF2B5EF4-FFF2-40B4-BE49-F238E27FC236}">
+                <a16:creationId xmlns:a16="http://schemas.microsoft.com/office/drawing/2014/main" id="{776E5C8A-27D9-41C7-82C1-FE63AED0AEF4}"/>
+              </a:ext>
+            </a:extLst>
+          </p:cNvPr>
+          <p:cNvSpPr/>
+          <p:nvPr/>
+        </p:nvSpPr>
+        <p:spPr>
+          <a:xfrm>
+            <a:off x="3564611" y="4019097"/>
+            <a:ext cx="1270860" cy="321522"/>
+          </a:xfrm>
+          <a:prstGeom prst="rightArrow">
+            <a:avLst/>
+          </a:prstGeom>
+          <a:solidFill>
+            <a:srgbClr val="FF0000"/>
+          </a:solidFill>
+          <a:ln>
+            <a:solidFill>
+              <a:schemeClr val="tx1"/>
+            </a:solidFill>
+          </a:ln>
+        </p:spPr>
+        <p:style>
+          <a:lnRef idx="2">
+            <a:schemeClr val="accent1">
+              <a:shade val="50000"/>
+            </a:schemeClr>
+          </a:lnRef>
+          <a:fillRef idx="1">
+            <a:schemeClr val="accent1"/>
+          </a:fillRef>
+          <a:effectRef idx="0">
+            <a:schemeClr val="accent1"/>
+          </a:effectRef>
+          <a:fontRef idx="minor">
+            <a:schemeClr val="lt1"/>
+          </a:fontRef>
+        </p:style>
+        <p:txBody>
+          <a:bodyPr rtlCol="0" anchor="ctr"/>
+          <a:lstStyle/>
+          <a:p>
+            <a:pPr algn="ctr"/>
+            <a:endParaRPr kumimoji="1" lang="ja-JP" altLang="en-US"/>
+          </a:p>
+        </p:txBody>
+      </p:sp>
+      <p:sp>
+        <p:nvSpPr>
+          <p:cNvPr id="7" name="矢印: 右 6">
+            <a:extLst>
+              <a:ext uri="{FF2B5EF4-FFF2-40B4-BE49-F238E27FC236}">
+                <a16:creationId xmlns:a16="http://schemas.microsoft.com/office/drawing/2014/main" id="{D3E589E6-C4D5-4230-8D9E-C763BE431DC1}"/>
+              </a:ext>
+            </a:extLst>
+          </p:cNvPr>
+          <p:cNvSpPr/>
+          <p:nvPr/>
+        </p:nvSpPr>
+        <p:spPr>
+          <a:xfrm>
+            <a:off x="3564611" y="5167312"/>
+            <a:ext cx="1270860" cy="321522"/>
+          </a:xfrm>
+          <a:prstGeom prst="rightArrow">
+            <a:avLst/>
+          </a:prstGeom>
+          <a:solidFill>
+            <a:srgbClr val="FF0000"/>
+          </a:solidFill>
+          <a:ln>
+            <a:solidFill>
+              <a:schemeClr val="tx1"/>
+            </a:solidFill>
+          </a:ln>
+        </p:spPr>
+        <p:style>
+          <a:lnRef idx="2">
+            <a:schemeClr val="accent1">
+              <a:shade val="50000"/>
+            </a:schemeClr>
+          </a:lnRef>
+          <a:fillRef idx="1">
+            <a:schemeClr val="accent1"/>
+          </a:fillRef>
+          <a:effectRef idx="0">
+            <a:schemeClr val="accent1"/>
+          </a:effectRef>
+          <a:fontRef idx="minor">
+            <a:schemeClr val="lt1"/>
+          </a:fontRef>
+        </p:style>
+        <p:txBody>
+          <a:bodyPr rtlCol="0" anchor="ctr"/>
+          <a:lstStyle/>
+          <a:p>
+            <a:pPr algn="ctr"/>
+            <a:endParaRPr kumimoji="1" lang="ja-JP" altLang="en-US"/>
+          </a:p>
+        </p:txBody>
+      </p:sp>
+      <p:sp>
+        <p:nvSpPr>
+          <p:cNvPr id="9" name="テキスト ボックス 8">
+            <a:extLst>
+              <a:ext uri="{FF2B5EF4-FFF2-40B4-BE49-F238E27FC236}">
+                <a16:creationId xmlns:a16="http://schemas.microsoft.com/office/drawing/2014/main" id="{DB1C1048-BCB0-4766-9795-230CC3FCB278}"/>
+              </a:ext>
+            </a:extLst>
+          </p:cNvPr>
+          <p:cNvSpPr txBox="1"/>
+          <p:nvPr/>
+        </p:nvSpPr>
+        <p:spPr>
+          <a:xfrm>
+            <a:off x="5190641" y="2520906"/>
+            <a:ext cx="3338591" cy="3185487"/>
+          </a:xfrm>
+          <a:prstGeom prst="rect">
+            <a:avLst/>
+          </a:prstGeom>
+          <a:noFill/>
+        </p:spPr>
         <p:txBody>
           <a:bodyPr wrap="square" rtlCol="0">
             <a:spAutoFit/>
@@ -8876,158 +8669,58 @@
           <a:lstStyle/>
           <a:p>
             <a:r>
-              <a:rPr lang="en-US" altLang="ja-JP" sz="2800" b="1" dirty="0"/>
-              <a:t>c</a:t>
-            </a:r>
-            <a:r>
-              <a:rPr kumimoji="1" lang="en-US" altLang="ja-JP" sz="2800" b="1" dirty="0"/>
-              <a:t>ron.py</a:t>
-            </a:r>
-            <a:r>
-              <a:rPr kumimoji="1" lang="ja-JP" altLang="en-US" sz="2800" b="1" dirty="0"/>
-              <a:t>の構造</a:t>
-            </a:r>
-            <a:endParaRPr lang="en-US" altLang="ja-JP" sz="2800" b="1" dirty="0"/>
-          </a:p>
-          <a:p>
-            <a:r>
-              <a:rPr kumimoji="1" lang="ja-JP" altLang="en-US" sz="1400" b="1" dirty="0"/>
-              <a:t>　</a:t>
-            </a:r>
-            <a:endParaRPr kumimoji="1" lang="en-US" altLang="ja-JP" sz="1400" b="1" dirty="0"/>
-          </a:p>
-          <a:p>
-            <a:r>
-              <a:rPr kumimoji="1" lang="ja-JP" altLang="en-US" sz="2800" b="1" dirty="0">
-                <a:solidFill>
-                  <a:srgbClr val="FF0000"/>
-                </a:solidFill>
-              </a:rPr>
-              <a:t>無限ループ</a:t>
-            </a:r>
-            <a:endParaRPr kumimoji="1" lang="en-US" altLang="ja-JP" sz="2800" b="1" dirty="0">
-              <a:solidFill>
-                <a:srgbClr val="FF0000"/>
-              </a:solidFill>
-            </a:endParaRPr>
-          </a:p>
-          <a:p>
-            <a:r>
-              <a:rPr lang="en-US" altLang="ja-JP" sz="2800" b="1" dirty="0"/>
-              <a:t>	</a:t>
-            </a:r>
-            <a:r>
-              <a:rPr lang="ja-JP" altLang="en-US" sz="2800" b="1" dirty="0"/>
-              <a:t>現在時刻を取得</a:t>
-            </a:r>
-            <a:endParaRPr lang="en-US" altLang="ja-JP" sz="2800" b="1" dirty="0"/>
-          </a:p>
-          <a:p>
-            <a:r>
-              <a:rPr lang="en-US" altLang="ja-JP" sz="2800" b="1" dirty="0"/>
-              <a:t>	</a:t>
-            </a:r>
-            <a:r>
-              <a:rPr lang="ja-JP" altLang="en-US" sz="2400" b="1" dirty="0">
-                <a:solidFill>
-                  <a:srgbClr val="FF0000"/>
-                </a:solidFill>
-              </a:rPr>
-              <a:t>時</a:t>
-            </a:r>
-            <a:r>
-              <a:rPr lang="en-US" altLang="ja-JP" sz="2400" b="1" dirty="0">
-                <a:solidFill>
-                  <a:srgbClr val="FF0000"/>
-                </a:solidFill>
-              </a:rPr>
-              <a:t>(hour)</a:t>
-            </a:r>
-            <a:r>
-              <a:rPr lang="ja-JP" altLang="en-US" sz="2400" b="1" dirty="0">
-                <a:solidFill>
-                  <a:srgbClr val="FF0000"/>
-                </a:solidFill>
-              </a:rPr>
-              <a:t>が進んだ時</a:t>
-            </a:r>
-            <a:endParaRPr lang="en-US" altLang="ja-JP" sz="2400" b="1" dirty="0">
-              <a:solidFill>
-                <a:srgbClr val="FF0000"/>
-              </a:solidFill>
-            </a:endParaRPr>
-          </a:p>
-          <a:p>
-            <a:r>
-              <a:rPr kumimoji="1" lang="en-US" altLang="ja-JP" sz="2400" b="1" dirty="0"/>
-              <a:t>		</a:t>
-            </a:r>
-            <a:r>
-              <a:rPr kumimoji="1" lang="ja-JP" altLang="en-US" sz="2400" b="1" dirty="0"/>
-              <a:t>ニュースをスクレイピング</a:t>
-            </a:r>
-            <a:endParaRPr kumimoji="1" lang="en-US" altLang="ja-JP" sz="2400" b="1" dirty="0"/>
-          </a:p>
-          <a:p>
-            <a:r>
-              <a:rPr kumimoji="1" lang="en-US" altLang="ja-JP" sz="2400" b="1" dirty="0"/>
-              <a:t>		</a:t>
-            </a:r>
-            <a:r>
-              <a:rPr lang="ja-JP" altLang="en-US" sz="2400" b="1" dirty="0"/>
-              <a:t>音声ファイル作成</a:t>
-            </a:r>
-            <a:endParaRPr kumimoji="1" lang="en-US" altLang="ja-JP" sz="2400" b="1" dirty="0"/>
-          </a:p>
-          <a:p>
-            <a:r>
-              <a:rPr lang="en-US" altLang="ja-JP" sz="2400" b="1" dirty="0"/>
-              <a:t>		</a:t>
-            </a:r>
-            <a:r>
-              <a:rPr lang="ja-JP" altLang="en-US" sz="2400" b="1" dirty="0">
-                <a:solidFill>
-                  <a:srgbClr val="FF0000"/>
-                </a:solidFill>
-              </a:rPr>
-              <a:t>天気予報の更新時間だった場合</a:t>
-            </a:r>
-            <a:endParaRPr lang="en-US" altLang="ja-JP" sz="2400" b="1" dirty="0">
-              <a:solidFill>
-                <a:srgbClr val="FF0000"/>
-              </a:solidFill>
-            </a:endParaRPr>
-          </a:p>
-          <a:p>
-            <a:r>
-              <a:rPr kumimoji="1" lang="en-US" altLang="ja-JP" sz="2400" b="1" dirty="0"/>
-              <a:t>			</a:t>
-            </a:r>
-            <a:r>
-              <a:rPr kumimoji="1" lang="ja-JP" altLang="en-US" sz="2400" b="1" dirty="0"/>
-              <a:t>天気予報をスクレイピング</a:t>
-            </a:r>
-            <a:endParaRPr kumimoji="1" lang="en-US" altLang="ja-JP" sz="2400" b="1" dirty="0"/>
-          </a:p>
-          <a:p>
-            <a:r>
-              <a:rPr lang="en-US" altLang="ja-JP" sz="2800" b="1" dirty="0"/>
-              <a:t>			</a:t>
-            </a:r>
-            <a:r>
-              <a:rPr lang="ja-JP" altLang="en-US" sz="2400" b="1" dirty="0"/>
-              <a:t>音声ファイル作成</a:t>
-            </a:r>
-            <a:endParaRPr kumimoji="1" lang="ja-JP" altLang="en-US" sz="2400" b="1" dirty="0"/>
-          </a:p>
-        </p:txBody>
-      </p:sp>
-      <p:sp>
-        <p:nvSpPr>
-          <p:cNvPr id="5" name="正方形/長方形 4">
-            <a:extLst>
-              <a:ext uri="{FF2B5EF4-FFF2-40B4-BE49-F238E27FC236}">
-                <a16:creationId xmlns:a16="http://schemas.microsoft.com/office/drawing/2014/main" id="{1FFF3654-8D14-4E85-9550-14E1EB27079A}"/>
+              <a:rPr kumimoji="1" lang="en-US" altLang="ja-JP" sz="3600" b="1" dirty="0"/>
+              <a:t>weather</a:t>
+            </a:r>
+            <a:r>
+              <a:rPr lang="en-US" altLang="ja-JP" sz="3600" b="1" dirty="0"/>
+              <a:t>.txt</a:t>
+            </a:r>
+          </a:p>
+          <a:p>
+            <a:endParaRPr lang="en-US" altLang="ja-JP" sz="700" b="1" dirty="0"/>
+          </a:p>
+          <a:p>
+            <a:r>
+              <a:rPr lang="en-US" altLang="ja-JP" sz="3600" b="1" dirty="0"/>
+              <a:t>n</a:t>
+            </a:r>
+            <a:r>
+              <a:rPr kumimoji="1" lang="en-US" altLang="ja-JP" sz="3600" b="1" dirty="0"/>
+              <a:t>ews.txt</a:t>
+            </a:r>
+          </a:p>
+          <a:p>
+            <a:endParaRPr kumimoji="1" lang="en-US" altLang="ja-JP" sz="700" b="1" dirty="0"/>
+          </a:p>
+          <a:p>
+            <a:r>
+              <a:rPr lang="en-US" altLang="ja-JP" sz="3600" b="1" dirty="0"/>
+              <a:t>fortune.txt</a:t>
+            </a:r>
+          </a:p>
+          <a:p>
+            <a:endParaRPr lang="en-US" altLang="ja-JP" sz="3600" b="1" dirty="0"/>
+          </a:p>
+          <a:p>
+            <a:r>
+              <a:rPr lang="en-US" altLang="ja-JP" sz="3600" b="1" dirty="0"/>
+              <a:t>d</a:t>
+            </a:r>
+            <a:r>
+              <a:rPr kumimoji="1" lang="en-US" altLang="ja-JP" sz="3600" b="1" dirty="0"/>
+              <a:t>ay.txt</a:t>
+            </a:r>
+            <a:endParaRPr kumimoji="1" lang="ja-JP" altLang="en-US" sz="3600" b="1" dirty="0"/>
+          </a:p>
+        </p:txBody>
+      </p:sp>
+      <p:sp>
+        <p:nvSpPr>
+          <p:cNvPr id="10" name="正方形/長方形 9">
+            <a:extLst>
+              <a:ext uri="{FF2B5EF4-FFF2-40B4-BE49-F238E27FC236}">
+                <a16:creationId xmlns:a16="http://schemas.microsoft.com/office/drawing/2014/main" id="{DA2BCC13-84D3-434E-A145-3C01043EC3E6}"/>
               </a:ext>
             </a:extLst>
           </p:cNvPr>
@@ -9079,64 +8772,10 @@
           </a:p>
         </p:txBody>
       </p:sp>
-      <p:sp>
-        <p:nvSpPr>
-          <p:cNvPr id="6" name="矢印: 左右 5">
-            <a:extLst>
-              <a:ext uri="{FF2B5EF4-FFF2-40B4-BE49-F238E27FC236}">
-                <a16:creationId xmlns:a16="http://schemas.microsoft.com/office/drawing/2014/main" id="{4EA144AF-B02D-4412-AD33-227D048EE026}"/>
-              </a:ext>
-            </a:extLst>
-          </p:cNvPr>
-          <p:cNvSpPr/>
-          <p:nvPr/>
-        </p:nvSpPr>
-        <p:spPr>
-          <a:xfrm rot="5400000">
-            <a:off x="1079408" y="5127466"/>
-            <a:ext cx="2387066" cy="343752"/>
-          </a:xfrm>
-          <a:prstGeom prst="leftRightArrow">
-            <a:avLst/>
-          </a:prstGeom>
-          <a:solidFill>
-            <a:srgbClr val="FF0000"/>
-          </a:solidFill>
-          <a:ln>
-            <a:solidFill>
-              <a:schemeClr val="tx1"/>
-            </a:solidFill>
-          </a:ln>
-        </p:spPr>
-        <p:style>
-          <a:lnRef idx="2">
-            <a:schemeClr val="accent1">
-              <a:shade val="50000"/>
-            </a:schemeClr>
-          </a:lnRef>
-          <a:fillRef idx="1">
-            <a:schemeClr val="accent1"/>
-          </a:fillRef>
-          <a:effectRef idx="0">
-            <a:schemeClr val="accent1"/>
-          </a:effectRef>
-          <a:fontRef idx="minor">
-            <a:schemeClr val="lt1"/>
-          </a:fontRef>
-        </p:style>
-        <p:txBody>
-          <a:bodyPr rtlCol="0" anchor="ctr"/>
-          <a:lstStyle/>
-          <a:p>
-            <a:pPr algn="ctr"/>
-            <a:endParaRPr kumimoji="1" lang="ja-JP" altLang="en-US"/>
-          </a:p>
-        </p:txBody>
-      </p:sp>
     </p:spTree>
     <p:extLst>
       <p:ext uri="{BB962C8B-B14F-4D97-AF65-F5344CB8AC3E}">
-        <p14:creationId xmlns:p14="http://schemas.microsoft.com/office/powerpoint/2010/main" val="3368829154"/>
+        <p14:creationId xmlns:p14="http://schemas.microsoft.com/office/powerpoint/2010/main" val="2705134270"/>
       </p:ext>
     </p:extLst>
   </p:cSld>
@@ -9191,47 +8830,254 @@
           </a:p>
         </p:txBody>
       </p:sp>
-      <p:pic>
-        <p:nvPicPr>
-          <p:cNvPr id="8" name="コンテンツ プレースホルダー 7">
-            <a:extLst>
-              <a:ext uri="{FF2B5EF4-FFF2-40B4-BE49-F238E27FC236}">
-                <a16:creationId xmlns:a16="http://schemas.microsoft.com/office/drawing/2014/main" id="{A6A5C198-EC23-4091-8AF5-A244004DD6F7}"/>
-              </a:ext>
-            </a:extLst>
-          </p:cNvPr>
-          <p:cNvPicPr>
-            <a:picLocks noGrp="1" noChangeAspect="1"/>
-          </p:cNvPicPr>
+      <p:sp>
+        <p:nvSpPr>
+          <p:cNvPr id="3" name="コンテンツ プレースホルダー 2">
+            <a:extLst>
+              <a:ext uri="{FF2B5EF4-FFF2-40B4-BE49-F238E27FC236}">
+                <a16:creationId xmlns:a16="http://schemas.microsoft.com/office/drawing/2014/main" id="{2714D079-74EA-42AF-9886-A31DAA6C24C9}"/>
+              </a:ext>
+            </a:extLst>
+          </p:cNvPr>
+          <p:cNvSpPr>
+            <a:spLocks noGrp="1"/>
+          </p:cNvSpPr>
           <p:nvPr>
             <p:ph idx="1"/>
           </p:nvPr>
-        </p:nvPicPr>
-        <p:blipFill>
-          <a:blip r:embed="rId2">
-            <a:extLst>
-              <a:ext uri="{28A0092B-C50C-407E-A947-70E740481C1C}">
-                <a14:useLocalDpi xmlns:a14="http://schemas.microsoft.com/office/drawing/2010/main" val="0"/>
-              </a:ext>
-            </a:extLst>
-          </a:blip>
-          <a:stretch>
-            <a:fillRect/>
-          </a:stretch>
-        </p:blipFill>
+        </p:nvSpPr>
+        <p:spPr/>
+        <p:txBody>
+          <a:bodyPr/>
+          <a:lstStyle/>
+          <a:p>
+            <a:r>
+              <a:rPr kumimoji="1" lang="ja-JP" altLang="en-US" dirty="0"/>
+              <a:t>ニュース→</a:t>
+            </a:r>
+            <a:r>
+              <a:rPr kumimoji="1" lang="en-US" altLang="ja-JP" dirty="0"/>
+              <a:t>1</a:t>
+            </a:r>
+            <a:r>
+              <a:rPr kumimoji="1" lang="ja-JP" altLang="en-US" dirty="0"/>
+              <a:t>時間毎にスクレイピング実行</a:t>
+            </a:r>
+            <a:endParaRPr kumimoji="1" lang="en-US" altLang="ja-JP" dirty="0"/>
+          </a:p>
+          <a:p>
+            <a:r>
+              <a:rPr lang="ja-JP" altLang="en-US" dirty="0"/>
+              <a:t>天気予報→</a:t>
+            </a:r>
+            <a:r>
+              <a:rPr lang="en-US" altLang="ja-JP" dirty="0"/>
+              <a:t>2,</a:t>
+            </a:r>
+            <a:r>
+              <a:rPr lang="ja-JP" altLang="en-US" dirty="0"/>
+              <a:t> </a:t>
+            </a:r>
+            <a:r>
+              <a:rPr lang="en-US" altLang="ja-JP" dirty="0"/>
+              <a:t>5, 8, 11, 14, 15, 17, 20</a:t>
+            </a:r>
+            <a:r>
+              <a:rPr lang="ja-JP" altLang="en-US" dirty="0"/>
+              <a:t>時に発表</a:t>
+            </a:r>
+            <a:endParaRPr kumimoji="1" lang="ja-JP" altLang="en-US" dirty="0"/>
+          </a:p>
+        </p:txBody>
+      </p:sp>
+      <p:sp>
+        <p:nvSpPr>
+          <p:cNvPr id="4" name="テキスト ボックス 3">
+            <a:extLst>
+              <a:ext uri="{FF2B5EF4-FFF2-40B4-BE49-F238E27FC236}">
+                <a16:creationId xmlns:a16="http://schemas.microsoft.com/office/drawing/2014/main" id="{E4F411F1-9DF1-4AE9-932A-4D591AF13FC5}"/>
+              </a:ext>
+            </a:extLst>
+          </p:cNvPr>
+          <p:cNvSpPr txBox="1"/>
+          <p:nvPr/>
+        </p:nvSpPr>
         <p:spPr>
           <a:xfrm>
-            <a:off x="2000581" y="1362798"/>
-            <a:ext cx="7507486" cy="5380841"/>
+            <a:off x="1771301" y="2846763"/>
+            <a:ext cx="8464013" cy="3939540"/>
           </a:xfrm>
+          <a:prstGeom prst="rect">
+            <a:avLst/>
+          </a:prstGeom>
+          <a:solidFill>
+            <a:schemeClr val="bg1"/>
+          </a:solidFill>
+          <a:ln>
+            <a:solidFill>
+              <a:schemeClr val="tx1"/>
+            </a:solidFill>
+          </a:ln>
         </p:spPr>
-      </p:pic>
-      <p:sp>
-        <p:nvSpPr>
-          <p:cNvPr id="4" name="正方形/長方形 3">
-            <a:extLst>
-              <a:ext uri="{FF2B5EF4-FFF2-40B4-BE49-F238E27FC236}">
-                <a16:creationId xmlns:a16="http://schemas.microsoft.com/office/drawing/2014/main" id="{9CEB8C61-C32D-41E2-841B-399EE256AABF}"/>
+        <p:txBody>
+          <a:bodyPr wrap="square" rtlCol="0">
+            <a:spAutoFit/>
+          </a:bodyPr>
+          <a:lstStyle/>
+          <a:p>
+            <a:r>
+              <a:rPr lang="en-US" altLang="ja-JP" sz="2800" b="1" dirty="0"/>
+              <a:t>c</a:t>
+            </a:r>
+            <a:r>
+              <a:rPr kumimoji="1" lang="en-US" altLang="ja-JP" sz="2800" b="1" dirty="0"/>
+              <a:t>ron.py</a:t>
+            </a:r>
+            <a:r>
+              <a:rPr kumimoji="1" lang="ja-JP" altLang="en-US" sz="2800" b="1" dirty="0"/>
+              <a:t>の構造</a:t>
+            </a:r>
+            <a:endParaRPr lang="en-US" altLang="ja-JP" sz="2800" b="1" dirty="0"/>
+          </a:p>
+          <a:p>
+            <a:r>
+              <a:rPr kumimoji="1" lang="ja-JP" altLang="en-US" sz="1400" b="1" dirty="0"/>
+              <a:t>　</a:t>
+            </a:r>
+            <a:endParaRPr kumimoji="1" lang="en-US" altLang="ja-JP" sz="1400" b="1" dirty="0"/>
+          </a:p>
+          <a:p>
+            <a:r>
+              <a:rPr kumimoji="1" lang="ja-JP" altLang="en-US" sz="2800" b="1" dirty="0">
+                <a:solidFill>
+                  <a:srgbClr val="FF0000"/>
+                </a:solidFill>
+              </a:rPr>
+              <a:t>無限ループ</a:t>
+            </a:r>
+            <a:endParaRPr kumimoji="1" lang="en-US" altLang="ja-JP" sz="2800" b="1" dirty="0">
+              <a:solidFill>
+                <a:srgbClr val="FF0000"/>
+              </a:solidFill>
+            </a:endParaRPr>
+          </a:p>
+          <a:p>
+            <a:r>
+              <a:rPr lang="en-US" altLang="ja-JP" sz="2800" b="1" dirty="0"/>
+              <a:t>	</a:t>
+            </a:r>
+            <a:r>
+              <a:rPr lang="ja-JP" altLang="en-US" sz="2800" b="1" dirty="0"/>
+              <a:t>現在時刻を取得</a:t>
+            </a:r>
+            <a:endParaRPr lang="en-US" altLang="ja-JP" sz="2800" b="1" dirty="0"/>
+          </a:p>
+          <a:p>
+            <a:r>
+              <a:rPr lang="en-US" altLang="ja-JP" sz="2800" b="1" dirty="0"/>
+              <a:t>	</a:t>
+            </a:r>
+            <a:r>
+              <a:rPr lang="ja-JP" altLang="en-US" sz="2400" b="1" dirty="0">
+                <a:solidFill>
+                  <a:srgbClr val="FF0000"/>
+                </a:solidFill>
+              </a:rPr>
+              <a:t>時</a:t>
+            </a:r>
+            <a:r>
+              <a:rPr lang="en-US" altLang="ja-JP" sz="2400" b="1" dirty="0">
+                <a:solidFill>
+                  <a:srgbClr val="FF0000"/>
+                </a:solidFill>
+              </a:rPr>
+              <a:t>(hour)</a:t>
+            </a:r>
+            <a:r>
+              <a:rPr lang="ja-JP" altLang="en-US" sz="2400" b="1" dirty="0">
+                <a:solidFill>
+                  <a:srgbClr val="FF0000"/>
+                </a:solidFill>
+              </a:rPr>
+              <a:t>が進んだ時</a:t>
+            </a:r>
+            <a:endParaRPr lang="en-US" altLang="ja-JP" sz="2400" b="1" dirty="0">
+              <a:solidFill>
+                <a:srgbClr val="FF0000"/>
+              </a:solidFill>
+            </a:endParaRPr>
+          </a:p>
+          <a:p>
+            <a:r>
+              <a:rPr kumimoji="1" lang="en-US" altLang="ja-JP" sz="2400" b="1" dirty="0"/>
+              <a:t>		</a:t>
+            </a:r>
+            <a:r>
+              <a:rPr kumimoji="1" lang="ja-JP" altLang="en-US" sz="2400" b="1" dirty="0"/>
+              <a:t>ニュースをスクレイピング</a:t>
+            </a:r>
+            <a:endParaRPr kumimoji="1" lang="en-US" altLang="ja-JP" sz="2400" b="1" dirty="0"/>
+          </a:p>
+          <a:p>
+            <a:r>
+              <a:rPr kumimoji="1" lang="en-US" altLang="ja-JP" sz="2400" b="1" dirty="0"/>
+              <a:t>		</a:t>
+            </a:r>
+            <a:r>
+              <a:rPr lang="ja-JP" altLang="en-US" sz="2400" b="1" dirty="0"/>
+              <a:t>音声ファイル作成</a:t>
+            </a:r>
+            <a:endParaRPr kumimoji="1" lang="en-US" altLang="ja-JP" sz="2400" b="1" dirty="0"/>
+          </a:p>
+          <a:p>
+            <a:r>
+              <a:rPr lang="en-US" altLang="ja-JP" sz="2400" b="1" dirty="0"/>
+              <a:t>		</a:t>
+            </a:r>
+            <a:r>
+              <a:rPr lang="ja-JP" altLang="en-US" sz="2400" b="1" dirty="0">
+                <a:solidFill>
+                  <a:srgbClr val="FF0000"/>
+                </a:solidFill>
+              </a:rPr>
+              <a:t>天気予報の更新時間だった場合</a:t>
+            </a:r>
+            <a:endParaRPr lang="en-US" altLang="ja-JP" sz="2400" b="1" dirty="0">
+              <a:solidFill>
+                <a:srgbClr val="FF0000"/>
+              </a:solidFill>
+            </a:endParaRPr>
+          </a:p>
+          <a:p>
+            <a:r>
+              <a:rPr kumimoji="1" lang="en-US" altLang="ja-JP" sz="2400" b="1" dirty="0"/>
+              <a:t>			</a:t>
+            </a:r>
+            <a:r>
+              <a:rPr kumimoji="1" lang="ja-JP" altLang="en-US" sz="2400" b="1" dirty="0"/>
+              <a:t>天気予報をスクレイピング</a:t>
+            </a:r>
+            <a:endParaRPr kumimoji="1" lang="en-US" altLang="ja-JP" sz="2400" b="1" dirty="0"/>
+          </a:p>
+          <a:p>
+            <a:r>
+              <a:rPr lang="en-US" altLang="ja-JP" sz="2800" b="1" dirty="0"/>
+              <a:t>			</a:t>
+            </a:r>
+            <a:r>
+              <a:rPr lang="ja-JP" altLang="en-US" sz="2400" b="1" dirty="0"/>
+              <a:t>音声ファイル作成</a:t>
+            </a:r>
+            <a:endParaRPr kumimoji="1" lang="ja-JP" altLang="en-US" sz="2400" b="1" dirty="0"/>
+          </a:p>
+        </p:txBody>
+      </p:sp>
+      <p:sp>
+        <p:nvSpPr>
+          <p:cNvPr id="5" name="正方形/長方形 4">
+            <a:extLst>
+              <a:ext uri="{FF2B5EF4-FFF2-40B4-BE49-F238E27FC236}">
+                <a16:creationId xmlns:a16="http://schemas.microsoft.com/office/drawing/2014/main" id="{1FFF3654-8D14-4E85-9550-14E1EB27079A}"/>
               </a:ext>
             </a:extLst>
           </p:cNvPr>
@@ -9283,10 +9129,64 @@
           </a:p>
         </p:txBody>
       </p:sp>
+      <p:sp>
+        <p:nvSpPr>
+          <p:cNvPr id="6" name="矢印: 左右 5">
+            <a:extLst>
+              <a:ext uri="{FF2B5EF4-FFF2-40B4-BE49-F238E27FC236}">
+                <a16:creationId xmlns:a16="http://schemas.microsoft.com/office/drawing/2014/main" id="{4EA144AF-B02D-4412-AD33-227D048EE026}"/>
+              </a:ext>
+            </a:extLst>
+          </p:cNvPr>
+          <p:cNvSpPr/>
+          <p:nvPr/>
+        </p:nvSpPr>
+        <p:spPr>
+          <a:xfrm rot="5400000">
+            <a:off x="1079408" y="5127466"/>
+            <a:ext cx="2387066" cy="343752"/>
+          </a:xfrm>
+          <a:prstGeom prst="leftRightArrow">
+            <a:avLst/>
+          </a:prstGeom>
+          <a:solidFill>
+            <a:srgbClr val="FF0000"/>
+          </a:solidFill>
+          <a:ln>
+            <a:solidFill>
+              <a:schemeClr val="tx1"/>
+            </a:solidFill>
+          </a:ln>
+        </p:spPr>
+        <p:style>
+          <a:lnRef idx="2">
+            <a:schemeClr val="accent1">
+              <a:shade val="50000"/>
+            </a:schemeClr>
+          </a:lnRef>
+          <a:fillRef idx="1">
+            <a:schemeClr val="accent1"/>
+          </a:fillRef>
+          <a:effectRef idx="0">
+            <a:schemeClr val="accent1"/>
+          </a:effectRef>
+          <a:fontRef idx="minor">
+            <a:schemeClr val="lt1"/>
+          </a:fontRef>
+        </p:style>
+        <p:txBody>
+          <a:bodyPr rtlCol="0" anchor="ctr"/>
+          <a:lstStyle/>
+          <a:p>
+            <a:pPr algn="ctr"/>
+            <a:endParaRPr kumimoji="1" lang="ja-JP" altLang="en-US"/>
+          </a:p>
+        </p:txBody>
+      </p:sp>
     </p:spTree>
     <p:extLst>
       <p:ext uri="{BB962C8B-B14F-4D97-AF65-F5344CB8AC3E}">
-        <p14:creationId xmlns:p14="http://schemas.microsoft.com/office/powerpoint/2010/main" val="1347989110"/>
+        <p14:creationId xmlns:p14="http://schemas.microsoft.com/office/powerpoint/2010/main" val="3368829154"/>
       </p:ext>
     </p:extLst>
   </p:cSld>
@@ -9318,7 +9218,7 @@
           <p:cNvPr id="2" name="タイトル 1">
             <a:extLst>
               <a:ext uri="{FF2B5EF4-FFF2-40B4-BE49-F238E27FC236}">
-                <a16:creationId xmlns:a16="http://schemas.microsoft.com/office/drawing/2014/main" id="{416FDF28-DE91-4559-964D-FBBF51F99738}"/>
+                <a16:creationId xmlns:a16="http://schemas.microsoft.com/office/drawing/2014/main" id="{0239366D-FD02-4D32-AA25-FA5687E2E9A8}"/>
               </a:ext>
             </a:extLst>
           </p:cNvPr>
@@ -9335,61 +9235,30 @@
           <a:lstStyle/>
           <a:p>
             <a:r>
-              <a:rPr kumimoji="1" lang="en-US" altLang="ja-JP" dirty="0" err="1"/>
-              <a:t>OpenJtalk</a:t>
-            </a:r>
-            <a:endParaRPr kumimoji="1" lang="ja-JP" altLang="en-US" dirty="0"/>
-          </a:p>
-        </p:txBody>
-      </p:sp>
-      <p:sp>
-        <p:nvSpPr>
-          <p:cNvPr id="3" name="コンテンツ プレースホルダー 2">
-            <a:extLst>
-              <a:ext uri="{FF2B5EF4-FFF2-40B4-BE49-F238E27FC236}">
-                <a16:creationId xmlns:a16="http://schemas.microsoft.com/office/drawing/2014/main" id="{7739CC25-5B0B-4F49-AA2A-71E2700494BC}"/>
-              </a:ext>
-            </a:extLst>
-          </p:cNvPr>
-          <p:cNvSpPr>
-            <a:spLocks noGrp="1"/>
-          </p:cNvSpPr>
+              <a:rPr kumimoji="1" lang="ja-JP" altLang="en-US" dirty="0"/>
+              <a:t>データ取得　定時実行</a:t>
+            </a:r>
+          </a:p>
+        </p:txBody>
+      </p:sp>
+      <p:pic>
+        <p:nvPicPr>
+          <p:cNvPr id="8" name="コンテンツ プレースホルダー 7">
+            <a:extLst>
+              <a:ext uri="{FF2B5EF4-FFF2-40B4-BE49-F238E27FC236}">
+                <a16:creationId xmlns:a16="http://schemas.microsoft.com/office/drawing/2014/main" id="{A6A5C198-EC23-4091-8AF5-A244004DD6F7}"/>
+              </a:ext>
+            </a:extLst>
+          </p:cNvPr>
+          <p:cNvPicPr>
+            <a:picLocks noGrp="1" noChangeAspect="1"/>
+          </p:cNvPicPr>
           <p:nvPr>
             <p:ph idx="1"/>
           </p:nvPr>
-        </p:nvSpPr>
-        <p:spPr/>
-        <p:txBody>
-          <a:bodyPr/>
-          <a:lstStyle/>
-          <a:p>
-            <a:pPr marL="0" indent="0">
-              <a:buNone/>
-            </a:pPr>
-            <a:r>
-              <a:rPr lang="ja-JP" altLang="en-US" dirty="0"/>
-              <a:t>音声ファイル　作成</a:t>
-            </a:r>
-            <a:endParaRPr kumimoji="1" lang="en-US" altLang="ja-JP" dirty="0"/>
-          </a:p>
-        </p:txBody>
-      </p:sp>
-      <p:pic>
-        <p:nvPicPr>
-          <p:cNvPr id="5" name="図 4">
-            <a:extLst>
-              <a:ext uri="{FF2B5EF4-FFF2-40B4-BE49-F238E27FC236}">
-                <a16:creationId xmlns:a16="http://schemas.microsoft.com/office/drawing/2014/main" id="{DCEE1DF1-E412-4FF6-A299-BF70A8C1D00F}"/>
-              </a:ext>
-            </a:extLst>
-          </p:cNvPr>
-          <p:cNvPicPr>
-            <a:picLocks noChangeAspect="1"/>
-          </p:cNvPicPr>
-          <p:nvPr/>
         </p:nvPicPr>
         <p:blipFill>
-          <a:blip r:embed="rId3">
+          <a:blip r:embed="rId2">
             <a:extLst>
               <a:ext uri="{28A0092B-C50C-407E-A947-70E740481C1C}">
                 <a14:useLocalDpi xmlns:a14="http://schemas.microsoft.com/office/drawing/2010/main" val="0"/>
@@ -9402,55 +9271,17 @@
         </p:blipFill>
         <p:spPr>
           <a:xfrm>
-            <a:off x="451650" y="2396107"/>
-            <a:ext cx="11288700" cy="3210373"/>
+            <a:off x="2000581" y="1362798"/>
+            <a:ext cx="7507486" cy="5380841"/>
           </a:xfrm>
-          <a:prstGeom prst="rect">
-            <a:avLst/>
-          </a:prstGeom>
         </p:spPr>
       </p:pic>
       <p:sp>
         <p:nvSpPr>
-          <p:cNvPr id="7" name="テキスト ボックス 6">
-            <a:extLst>
-              <a:ext uri="{FF2B5EF4-FFF2-40B4-BE49-F238E27FC236}">
-                <a16:creationId xmlns:a16="http://schemas.microsoft.com/office/drawing/2014/main" id="{BC9E286B-F5E8-4C8B-AC3F-63529E259B69}"/>
-              </a:ext>
-            </a:extLst>
-          </p:cNvPr>
-          <p:cNvSpPr txBox="1"/>
-          <p:nvPr/>
-        </p:nvSpPr>
-        <p:spPr>
-          <a:xfrm>
-            <a:off x="451650" y="5988733"/>
-            <a:ext cx="6059837" cy="646331"/>
-          </a:xfrm>
-          <a:prstGeom prst="rect">
-            <a:avLst/>
-          </a:prstGeom>
-          <a:noFill/>
-        </p:spPr>
-        <p:txBody>
-          <a:bodyPr wrap="square" rtlCol="0">
-            <a:spAutoFit/>
-          </a:bodyPr>
-          <a:lstStyle/>
-          <a:p>
-            <a:r>
-              <a:rPr kumimoji="1" lang="ja-JP" altLang="en-US" sz="3600" dirty="0"/>
-              <a:t>スクレイピング直後に実行</a:t>
-            </a:r>
-          </a:p>
-        </p:txBody>
-      </p:sp>
-      <p:sp>
-        <p:nvSpPr>
-          <p:cNvPr id="6" name="正方形/長方形 5">
-            <a:extLst>
-              <a:ext uri="{FF2B5EF4-FFF2-40B4-BE49-F238E27FC236}">
-                <a16:creationId xmlns:a16="http://schemas.microsoft.com/office/drawing/2014/main" id="{402AECB5-4ABC-4E92-8BBE-67490A269199}"/>
+          <p:cNvPr id="4" name="正方形/長方形 3">
+            <a:extLst>
+              <a:ext uri="{FF2B5EF4-FFF2-40B4-BE49-F238E27FC236}">
+                <a16:creationId xmlns:a16="http://schemas.microsoft.com/office/drawing/2014/main" id="{9CEB8C61-C32D-41E2-841B-399EE256AABF}"/>
               </a:ext>
             </a:extLst>
           </p:cNvPr>
@@ -9505,7 +9336,7 @@
     </p:spTree>
     <p:extLst>
       <p:ext uri="{BB962C8B-B14F-4D97-AF65-F5344CB8AC3E}">
-        <p14:creationId xmlns:p14="http://schemas.microsoft.com/office/powerpoint/2010/main" val="410217345"/>
+        <p14:creationId xmlns:p14="http://schemas.microsoft.com/office/powerpoint/2010/main" val="1347989110"/>
       </p:ext>
     </p:extLst>
   </p:cSld>
@@ -9587,7 +9418,7 @@
             </a:pPr>
             <a:r>
               <a:rPr lang="ja-JP" altLang="en-US" dirty="0"/>
-              <a:t>音声ファイル　再生</a:t>
+              <a:t>音声ファイル　作成</a:t>
             </a:r>
             <a:endParaRPr kumimoji="1" lang="en-US" altLang="ja-JP" dirty="0"/>
           </a:p>
@@ -9595,10 +9426,10 @@
       </p:sp>
       <p:pic>
         <p:nvPicPr>
-          <p:cNvPr id="9" name="図 8">
-            <a:extLst>
-              <a:ext uri="{FF2B5EF4-FFF2-40B4-BE49-F238E27FC236}">
-                <a16:creationId xmlns:a16="http://schemas.microsoft.com/office/drawing/2014/main" id="{C6EC48F4-62E7-4038-B20A-28D07A2E548A}"/>
+          <p:cNvPr id="5" name="図 4">
+            <a:extLst>
+              <a:ext uri="{FF2B5EF4-FFF2-40B4-BE49-F238E27FC236}">
+                <a16:creationId xmlns:a16="http://schemas.microsoft.com/office/drawing/2014/main" id="{DCEE1DF1-E412-4FF6-A299-BF70A8C1D00F}"/>
               </a:ext>
             </a:extLst>
           </p:cNvPr>
@@ -9621,8 +9452,8 @@
         </p:blipFill>
         <p:spPr>
           <a:xfrm>
-            <a:off x="718049" y="2393209"/>
-            <a:ext cx="8469432" cy="1621807"/>
+            <a:off x="451650" y="2396107"/>
+            <a:ext cx="11288700" cy="3210373"/>
           </a:xfrm>
           <a:prstGeom prst="rect">
             <a:avLst/>
@@ -9631,10 +9462,10 @@
       </p:pic>
       <p:sp>
         <p:nvSpPr>
-          <p:cNvPr id="10" name="テキスト ボックス 9">
-            <a:extLst>
-              <a:ext uri="{FF2B5EF4-FFF2-40B4-BE49-F238E27FC236}">
-                <a16:creationId xmlns:a16="http://schemas.microsoft.com/office/drawing/2014/main" id="{4794AFFE-B045-4880-8FA7-33996A9E5E84}"/>
+          <p:cNvPr id="7" name="テキスト ボックス 6">
+            <a:extLst>
+              <a:ext uri="{FF2B5EF4-FFF2-40B4-BE49-F238E27FC236}">
+                <a16:creationId xmlns:a16="http://schemas.microsoft.com/office/drawing/2014/main" id="{BC9E286B-F5E8-4C8B-AC3F-63529E259B69}"/>
               </a:ext>
             </a:extLst>
           </p:cNvPr>
@@ -9643,7 +9474,7 @@
         </p:nvSpPr>
         <p:spPr>
           <a:xfrm>
-            <a:off x="718049" y="4449658"/>
+            <a:off x="451650" y="5988733"/>
             <a:ext cx="6059837" cy="646331"/>
           </a:xfrm>
           <a:prstGeom prst="rect">
@@ -9659,71 +9490,17 @@
           <a:p>
             <a:r>
               <a:rPr kumimoji="1" lang="ja-JP" altLang="en-US" sz="3600" dirty="0"/>
-              <a:t>音声出力時に実行</a:t>
-            </a:r>
-          </a:p>
-        </p:txBody>
-      </p:sp>
-      <p:sp>
-        <p:nvSpPr>
-          <p:cNvPr id="11" name="正方形/長方形 10">
-            <a:extLst>
-              <a:ext uri="{FF2B5EF4-FFF2-40B4-BE49-F238E27FC236}">
-                <a16:creationId xmlns:a16="http://schemas.microsoft.com/office/drawing/2014/main" id="{CED44891-6C1C-4E93-A210-C97D4B938D1A}"/>
-              </a:ext>
-            </a:extLst>
-          </p:cNvPr>
-          <p:cNvSpPr/>
-          <p:nvPr/>
-        </p:nvSpPr>
-        <p:spPr>
-          <a:xfrm>
-            <a:off x="756149" y="3718560"/>
-            <a:ext cx="120151" cy="288836"/>
-          </a:xfrm>
-          <a:prstGeom prst="rect">
-            <a:avLst/>
-          </a:prstGeom>
-          <a:solidFill>
-            <a:srgbClr val="282923"/>
-          </a:solidFill>
-          <a:ln>
-            <a:solidFill>
-              <a:srgbClr val="282923"/>
-            </a:solidFill>
-          </a:ln>
-        </p:spPr>
-        <p:style>
-          <a:lnRef idx="2">
-            <a:schemeClr val="accent1">
-              <a:shade val="50000"/>
-            </a:schemeClr>
-          </a:lnRef>
-          <a:fillRef idx="1">
-            <a:schemeClr val="accent1"/>
-          </a:fillRef>
-          <a:effectRef idx="0">
-            <a:schemeClr val="accent1"/>
-          </a:effectRef>
-          <a:fontRef idx="minor">
-            <a:schemeClr val="lt1"/>
-          </a:fontRef>
-        </p:style>
-        <p:txBody>
-          <a:bodyPr rtlCol="0" anchor="ctr"/>
-          <a:lstStyle/>
-          <a:p>
-            <a:pPr algn="ctr"/>
-            <a:endParaRPr kumimoji="1" lang="ja-JP" altLang="en-US"/>
-          </a:p>
-        </p:txBody>
-      </p:sp>
-      <p:sp>
-        <p:nvSpPr>
-          <p:cNvPr id="7" name="正方形/長方形 6">
-            <a:extLst>
-              <a:ext uri="{FF2B5EF4-FFF2-40B4-BE49-F238E27FC236}">
-                <a16:creationId xmlns:a16="http://schemas.microsoft.com/office/drawing/2014/main" id="{80E5E537-424F-41E6-BF88-40216A9BFFBC}"/>
+              <a:t>スクレイピング直後に実行</a:t>
+            </a:r>
+          </a:p>
+        </p:txBody>
+      </p:sp>
+      <p:sp>
+        <p:nvSpPr>
+          <p:cNvPr id="6" name="正方形/長方形 5">
+            <a:extLst>
+              <a:ext uri="{FF2B5EF4-FFF2-40B4-BE49-F238E27FC236}">
+                <a16:creationId xmlns:a16="http://schemas.microsoft.com/office/drawing/2014/main" id="{402AECB5-4ABC-4E92-8BBE-67490A269199}"/>
               </a:ext>
             </a:extLst>
           </p:cNvPr>
@@ -9778,7 +9555,7 @@
     </p:spTree>
     <p:extLst>
       <p:ext uri="{BB962C8B-B14F-4D97-AF65-F5344CB8AC3E}">
-        <p14:creationId xmlns:p14="http://schemas.microsoft.com/office/powerpoint/2010/main" val="3778558568"/>
+        <p14:creationId xmlns:p14="http://schemas.microsoft.com/office/powerpoint/2010/main" val="410217345"/>
       </p:ext>
     </p:extLst>
   </p:cSld>
@@ -9810,7 +9587,7 @@
           <p:cNvPr id="2" name="タイトル 1">
             <a:extLst>
               <a:ext uri="{FF2B5EF4-FFF2-40B4-BE49-F238E27FC236}">
-                <a16:creationId xmlns:a16="http://schemas.microsoft.com/office/drawing/2014/main" id="{208E96DD-60EE-481E-BC80-125F1F007D39}"/>
+                <a16:creationId xmlns:a16="http://schemas.microsoft.com/office/drawing/2014/main" id="{416FDF28-DE91-4559-964D-FBBF51F99738}"/>
               </a:ext>
             </a:extLst>
           </p:cNvPr>
@@ -9827,9 +9604,10 @@
           <a:lstStyle/>
           <a:p>
             <a:r>
-              <a:rPr kumimoji="1" lang="ja-JP" altLang="en-US" dirty="0"/>
-              <a:t>トラブルの対処</a:t>
-            </a:r>
+              <a:rPr kumimoji="1" lang="en-US" altLang="ja-JP" dirty="0" err="1"/>
+              <a:t>OpenJtalk</a:t>
+            </a:r>
+            <a:endParaRPr kumimoji="1" lang="ja-JP" altLang="en-US" dirty="0"/>
           </a:p>
         </p:txBody>
       </p:sp>
@@ -9838,7 +9616,7 @@
           <p:cNvPr id="3" name="コンテンツ プレースホルダー 2">
             <a:extLst>
               <a:ext uri="{FF2B5EF4-FFF2-40B4-BE49-F238E27FC236}">
-                <a16:creationId xmlns:a16="http://schemas.microsoft.com/office/drawing/2014/main" id="{D4342974-17CB-4DEE-BC69-327BEC83B62D}"/>
+                <a16:creationId xmlns:a16="http://schemas.microsoft.com/office/drawing/2014/main" id="{7739CC25-5B0B-4F49-AA2A-71E2700494BC}"/>
               </a:ext>
             </a:extLst>
           </p:cNvPr>
@@ -9858,53 +9636,19 @@
               <a:buNone/>
             </a:pPr>
             <a:r>
-              <a:rPr kumimoji="1" lang="ja-JP" altLang="en-US" dirty="0"/>
-              <a:t>マイクが出力音声を拾ってしまい誤作動</a:t>
-            </a:r>
-            <a:endParaRPr kumimoji="1" lang="en-US" altLang="ja-JP" dirty="0"/>
-          </a:p>
-          <a:p>
-            <a:pPr marL="0" indent="0">
-              <a:buNone/>
-            </a:pPr>
-            <a:r>
-              <a:rPr lang="ja-JP" altLang="en-US" dirty="0">
-                <a:solidFill>
-                  <a:srgbClr val="FF0000"/>
-                </a:solidFill>
-              </a:rPr>
-              <a:t>→</a:t>
-            </a:r>
-            <a:r>
               <a:rPr lang="ja-JP" altLang="en-US" dirty="0"/>
-              <a:t>出力直前にマイクミュート／出力終了後に解除</a:t>
-            </a:r>
-            <a:endParaRPr kumimoji="1" lang="en-US" altLang="ja-JP" dirty="0"/>
-          </a:p>
-          <a:p>
-            <a:pPr marL="0" indent="0">
-              <a:buNone/>
-            </a:pPr>
-            <a:r>
-              <a:rPr lang="ja-JP" altLang="en-US" dirty="0"/>
-              <a:t>　コマンドをシェルスクリプトとして実行</a:t>
-            </a:r>
-            <a:endParaRPr lang="en-US" altLang="ja-JP" dirty="0"/>
-          </a:p>
-          <a:p>
-            <a:pPr marL="0" indent="0">
-              <a:buNone/>
-            </a:pPr>
+              <a:t>音声ファイル　再生</a:t>
+            </a:r>
             <a:endParaRPr kumimoji="1" lang="en-US" altLang="ja-JP" dirty="0"/>
           </a:p>
         </p:txBody>
       </p:sp>
       <p:pic>
         <p:nvPicPr>
-          <p:cNvPr id="5" name="図 4">
-            <a:extLst>
-              <a:ext uri="{FF2B5EF4-FFF2-40B4-BE49-F238E27FC236}">
-                <a16:creationId xmlns:a16="http://schemas.microsoft.com/office/drawing/2014/main" id="{E5169DD9-22EF-4B54-956D-B061F8F9E7DF}"/>
+          <p:cNvPr id="9" name="図 8">
+            <a:extLst>
+              <a:ext uri="{FF2B5EF4-FFF2-40B4-BE49-F238E27FC236}">
+                <a16:creationId xmlns:a16="http://schemas.microsoft.com/office/drawing/2014/main" id="{C6EC48F4-62E7-4038-B20A-28D07A2E548A}"/>
               </a:ext>
             </a:extLst>
           </p:cNvPr>
@@ -9914,7 +9658,7 @@
           <p:nvPr/>
         </p:nvPicPr>
         <p:blipFill>
-          <a:blip r:embed="rId2">
+          <a:blip r:embed="rId3">
             <a:extLst>
               <a:ext uri="{28A0092B-C50C-407E-A947-70E740481C1C}">
                 <a14:useLocalDpi xmlns:a14="http://schemas.microsoft.com/office/drawing/2010/main" val="0"/>
@@ -9927,8 +9671,8 @@
         </p:blipFill>
         <p:spPr>
           <a:xfrm>
-            <a:off x="2781813" y="3301140"/>
-            <a:ext cx="6403129" cy="3390254"/>
+            <a:off x="718049" y="2393209"/>
+            <a:ext cx="8469432" cy="1621807"/>
           </a:xfrm>
           <a:prstGeom prst="rect">
             <a:avLst/>
@@ -9937,10 +9681,99 @@
       </p:pic>
       <p:sp>
         <p:nvSpPr>
-          <p:cNvPr id="6" name="正方形/長方形 5">
-            <a:extLst>
-              <a:ext uri="{FF2B5EF4-FFF2-40B4-BE49-F238E27FC236}">
-                <a16:creationId xmlns:a16="http://schemas.microsoft.com/office/drawing/2014/main" id="{09352AF5-F1BE-43DA-B571-3F8F31C00DAE}"/>
+          <p:cNvPr id="10" name="テキスト ボックス 9">
+            <a:extLst>
+              <a:ext uri="{FF2B5EF4-FFF2-40B4-BE49-F238E27FC236}">
+                <a16:creationId xmlns:a16="http://schemas.microsoft.com/office/drawing/2014/main" id="{4794AFFE-B045-4880-8FA7-33996A9E5E84}"/>
+              </a:ext>
+            </a:extLst>
+          </p:cNvPr>
+          <p:cNvSpPr txBox="1"/>
+          <p:nvPr/>
+        </p:nvSpPr>
+        <p:spPr>
+          <a:xfrm>
+            <a:off x="718049" y="4449658"/>
+            <a:ext cx="6059837" cy="646331"/>
+          </a:xfrm>
+          <a:prstGeom prst="rect">
+            <a:avLst/>
+          </a:prstGeom>
+          <a:noFill/>
+        </p:spPr>
+        <p:txBody>
+          <a:bodyPr wrap="square" rtlCol="0">
+            <a:spAutoFit/>
+          </a:bodyPr>
+          <a:lstStyle/>
+          <a:p>
+            <a:r>
+              <a:rPr kumimoji="1" lang="ja-JP" altLang="en-US" sz="3600" dirty="0"/>
+              <a:t>音声出力時に実行</a:t>
+            </a:r>
+          </a:p>
+        </p:txBody>
+      </p:sp>
+      <p:sp>
+        <p:nvSpPr>
+          <p:cNvPr id="11" name="正方形/長方形 10">
+            <a:extLst>
+              <a:ext uri="{FF2B5EF4-FFF2-40B4-BE49-F238E27FC236}">
+                <a16:creationId xmlns:a16="http://schemas.microsoft.com/office/drawing/2014/main" id="{CED44891-6C1C-4E93-A210-C97D4B938D1A}"/>
+              </a:ext>
+            </a:extLst>
+          </p:cNvPr>
+          <p:cNvSpPr/>
+          <p:nvPr/>
+        </p:nvSpPr>
+        <p:spPr>
+          <a:xfrm>
+            <a:off x="756149" y="3718560"/>
+            <a:ext cx="120151" cy="288836"/>
+          </a:xfrm>
+          <a:prstGeom prst="rect">
+            <a:avLst/>
+          </a:prstGeom>
+          <a:solidFill>
+            <a:srgbClr val="282923"/>
+          </a:solidFill>
+          <a:ln>
+            <a:solidFill>
+              <a:srgbClr val="282923"/>
+            </a:solidFill>
+          </a:ln>
+        </p:spPr>
+        <p:style>
+          <a:lnRef idx="2">
+            <a:schemeClr val="accent1">
+              <a:shade val="50000"/>
+            </a:schemeClr>
+          </a:lnRef>
+          <a:fillRef idx="1">
+            <a:schemeClr val="accent1"/>
+          </a:fillRef>
+          <a:effectRef idx="0">
+            <a:schemeClr val="accent1"/>
+          </a:effectRef>
+          <a:fontRef idx="minor">
+            <a:schemeClr val="lt1"/>
+          </a:fontRef>
+        </p:style>
+        <p:txBody>
+          <a:bodyPr rtlCol="0" anchor="ctr"/>
+          <a:lstStyle/>
+          <a:p>
+            <a:pPr algn="ctr"/>
+            <a:endParaRPr kumimoji="1" lang="ja-JP" altLang="en-US"/>
+          </a:p>
+        </p:txBody>
+      </p:sp>
+      <p:sp>
+        <p:nvSpPr>
+          <p:cNvPr id="7" name="正方形/長方形 6">
+            <a:extLst>
+              <a:ext uri="{FF2B5EF4-FFF2-40B4-BE49-F238E27FC236}">
+                <a16:creationId xmlns:a16="http://schemas.microsoft.com/office/drawing/2014/main" id="{80E5E537-424F-41E6-BF88-40216A9BFFBC}"/>
               </a:ext>
             </a:extLst>
           </p:cNvPr>
@@ -9995,7 +9828,7 @@
     </p:spTree>
     <p:extLst>
       <p:ext uri="{BB962C8B-B14F-4D97-AF65-F5344CB8AC3E}">
-        <p14:creationId xmlns:p14="http://schemas.microsoft.com/office/powerpoint/2010/main" val="2817091244"/>
+        <p14:creationId xmlns:p14="http://schemas.microsoft.com/office/powerpoint/2010/main" val="3778558568"/>
       </p:ext>
     </p:extLst>
   </p:cSld>
@@ -10027,7 +9860,7 @@
           <p:cNvPr id="2" name="タイトル 1">
             <a:extLst>
               <a:ext uri="{FF2B5EF4-FFF2-40B4-BE49-F238E27FC236}">
-                <a16:creationId xmlns:a16="http://schemas.microsoft.com/office/drawing/2014/main" id="{F24EB109-BC34-41EC-A9D0-C442E52A8779}"/>
+                <a16:creationId xmlns:a16="http://schemas.microsoft.com/office/drawing/2014/main" id="{208E96DD-60EE-481E-BC80-125F1F007D39}"/>
               </a:ext>
             </a:extLst>
           </p:cNvPr>
@@ -10045,7 +9878,7 @@
           <a:p>
             <a:r>
               <a:rPr kumimoji="1" lang="ja-JP" altLang="en-US" dirty="0"/>
-              <a:t>実行ファイル</a:t>
+              <a:t>トラブルの対処</a:t>
             </a:r>
           </a:p>
         </p:txBody>
@@ -10055,7 +9888,7 @@
           <p:cNvPr id="3" name="コンテンツ プレースホルダー 2">
             <a:extLst>
               <a:ext uri="{FF2B5EF4-FFF2-40B4-BE49-F238E27FC236}">
-                <a16:creationId xmlns:a16="http://schemas.microsoft.com/office/drawing/2014/main" id="{69DE47EB-7D6D-49AB-9AD1-0A77390D212D}"/>
+                <a16:creationId xmlns:a16="http://schemas.microsoft.com/office/drawing/2014/main" id="{D4342974-17CB-4DEE-BC69-327BEC83B62D}"/>
               </a:ext>
             </a:extLst>
           </p:cNvPr>
@@ -10075,14 +9908,44 @@
               <a:buNone/>
             </a:pPr>
             <a:r>
-              <a:rPr lang="en-US" altLang="ja-JP" b="1" dirty="0"/>
-              <a:t>y</a:t>
-            </a:r>
-            <a:r>
-              <a:rPr kumimoji="1" lang="en-US" altLang="ja-JP" b="1" dirty="0"/>
-              <a:t>osie.sh</a:t>
-            </a:r>
-            <a:endParaRPr kumimoji="1" lang="ja-JP" altLang="en-US" b="1" dirty="0"/>
+              <a:rPr kumimoji="1" lang="ja-JP" altLang="en-US" dirty="0"/>
+              <a:t>マイクが出力音声を拾ってしまい誤作動</a:t>
+            </a:r>
+            <a:endParaRPr kumimoji="1" lang="en-US" altLang="ja-JP" dirty="0"/>
+          </a:p>
+          <a:p>
+            <a:pPr marL="0" indent="0">
+              <a:buNone/>
+            </a:pPr>
+            <a:r>
+              <a:rPr lang="ja-JP" altLang="en-US" dirty="0">
+                <a:solidFill>
+                  <a:srgbClr val="FF0000"/>
+                </a:solidFill>
+              </a:rPr>
+              <a:t>→</a:t>
+            </a:r>
+            <a:r>
+              <a:rPr lang="ja-JP" altLang="en-US" dirty="0"/>
+              <a:t>出力直前にマイクミュート／出力終了後に解除</a:t>
+            </a:r>
+            <a:endParaRPr kumimoji="1" lang="en-US" altLang="ja-JP" dirty="0"/>
+          </a:p>
+          <a:p>
+            <a:pPr marL="0" indent="0">
+              <a:buNone/>
+            </a:pPr>
+            <a:r>
+              <a:rPr lang="ja-JP" altLang="en-US" dirty="0"/>
+              <a:t>　コマンドをシェルスクリプトとして実行</a:t>
+            </a:r>
+            <a:endParaRPr lang="en-US" altLang="ja-JP" dirty="0"/>
+          </a:p>
+          <a:p>
+            <a:pPr marL="0" indent="0">
+              <a:buNone/>
+            </a:pPr>
+            <a:endParaRPr kumimoji="1" lang="en-US" altLang="ja-JP" dirty="0"/>
           </a:p>
         </p:txBody>
       </p:sp>
@@ -10091,7 +9954,7 @@
           <p:cNvPr id="5" name="図 4">
             <a:extLst>
               <a:ext uri="{FF2B5EF4-FFF2-40B4-BE49-F238E27FC236}">
-                <a16:creationId xmlns:a16="http://schemas.microsoft.com/office/drawing/2014/main" id="{902DE915-7CA6-4F32-A692-65463E1DB534}"/>
+                <a16:creationId xmlns:a16="http://schemas.microsoft.com/office/drawing/2014/main" id="{E5169DD9-22EF-4B54-956D-B061F8F9E7DF}"/>
               </a:ext>
             </a:extLst>
           </p:cNvPr>
@@ -10114,8 +9977,8 @@
         </p:blipFill>
         <p:spPr>
           <a:xfrm>
-            <a:off x="2494641" y="1690688"/>
-            <a:ext cx="8017887" cy="4998804"/>
+            <a:off x="2781813" y="3301140"/>
+            <a:ext cx="6403129" cy="3390254"/>
           </a:xfrm>
           <a:prstGeom prst="rect">
             <a:avLst/>
@@ -10127,7 +9990,7 @@
           <p:cNvPr id="6" name="正方形/長方形 5">
             <a:extLst>
               <a:ext uri="{FF2B5EF4-FFF2-40B4-BE49-F238E27FC236}">
-                <a16:creationId xmlns:a16="http://schemas.microsoft.com/office/drawing/2014/main" id="{103D16E7-5412-4AFE-B05C-94152D5237D5}"/>
+                <a16:creationId xmlns:a16="http://schemas.microsoft.com/office/drawing/2014/main" id="{09352AF5-F1BE-43DA-B571-3F8F31C00DAE}"/>
               </a:ext>
             </a:extLst>
           </p:cNvPr>
@@ -10182,6 +10045,365 @@
     </p:spTree>
     <p:extLst>
       <p:ext uri="{BB962C8B-B14F-4D97-AF65-F5344CB8AC3E}">
+        <p14:creationId xmlns:p14="http://schemas.microsoft.com/office/powerpoint/2010/main" val="2817091244"/>
+      </p:ext>
+    </p:extLst>
+  </p:cSld>
+  <p:clrMapOvr>
+    <a:masterClrMapping/>
+  </p:clrMapOvr>
+</p:sld>
+</file>
+
+<file path=ppt/slides/slide2.xml><?xml version="1.0" encoding="utf-8"?>
+<p:sld xmlns:a="http://schemas.openxmlformats.org/drawingml/2006/main" xmlns:r="http://schemas.openxmlformats.org/officeDocument/2006/relationships" xmlns:p="http://schemas.openxmlformats.org/presentationml/2006/main">
+  <p:cSld>
+    <p:spTree>
+      <p:nvGrpSpPr>
+        <p:cNvPr id="1" name=""/>
+        <p:cNvGrpSpPr/>
+        <p:nvPr/>
+      </p:nvGrpSpPr>
+      <p:grpSpPr>
+        <a:xfrm>
+          <a:off x="0" y="0"/>
+          <a:ext cx="0" cy="0"/>
+          <a:chOff x="0" y="0"/>
+          <a:chExt cx="0" cy="0"/>
+        </a:xfrm>
+      </p:grpSpPr>
+      <p:sp>
+        <p:nvSpPr>
+          <p:cNvPr id="2" name="タイトル 1">
+            <a:extLst>
+              <a:ext uri="{FF2B5EF4-FFF2-40B4-BE49-F238E27FC236}">
+                <a16:creationId xmlns:a16="http://schemas.microsoft.com/office/drawing/2014/main" id="{5FF6976D-0A2B-4C02-A474-9B958A9E3C4E}"/>
+              </a:ext>
+            </a:extLst>
+          </p:cNvPr>
+          <p:cNvSpPr>
+            <a:spLocks noGrp="1"/>
+          </p:cNvSpPr>
+          <p:nvPr>
+            <p:ph type="title"/>
+          </p:nvPr>
+        </p:nvSpPr>
+        <p:spPr/>
+        <p:txBody>
+          <a:bodyPr/>
+          <a:lstStyle/>
+          <a:p>
+            <a:r>
+              <a:rPr kumimoji="1" lang="ja-JP" altLang="en-US" dirty="0"/>
+              <a:t>目次</a:t>
+            </a:r>
+          </a:p>
+        </p:txBody>
+      </p:sp>
+      <p:sp>
+        <p:nvSpPr>
+          <p:cNvPr id="3" name="コンテンツ プレースホルダー 2">
+            <a:extLst>
+              <a:ext uri="{FF2B5EF4-FFF2-40B4-BE49-F238E27FC236}">
+                <a16:creationId xmlns:a16="http://schemas.microsoft.com/office/drawing/2014/main" id="{A10267D8-EA5F-4CC5-840A-BAB7DC8AA33A}"/>
+              </a:ext>
+            </a:extLst>
+          </p:cNvPr>
+          <p:cNvSpPr>
+            <a:spLocks noGrp="1"/>
+          </p:cNvSpPr>
+          <p:nvPr>
+            <p:ph idx="1"/>
+          </p:nvPr>
+        </p:nvSpPr>
+        <p:spPr/>
+        <p:txBody>
+          <a:bodyPr/>
+          <a:lstStyle/>
+          <a:p>
+            <a:r>
+              <a:rPr kumimoji="1" lang="ja-JP" altLang="en-US" dirty="0"/>
+              <a:t>プロジェクトの全体像</a:t>
+            </a:r>
+            <a:endParaRPr kumimoji="1" lang="en-US" altLang="ja-JP" dirty="0"/>
+          </a:p>
+          <a:p>
+            <a:r>
+              <a:rPr lang="ja-JP" altLang="en-US" dirty="0"/>
+              <a:t>処理の流れ・要素技術</a:t>
+            </a:r>
+            <a:endParaRPr lang="en-US" altLang="ja-JP" dirty="0"/>
+          </a:p>
+          <a:p>
+            <a:r>
+              <a:rPr lang="ja-JP" altLang="en-US" dirty="0"/>
+              <a:t>音声認識</a:t>
+            </a:r>
+            <a:r>
+              <a:rPr lang="en-US" altLang="ja-JP" dirty="0"/>
+              <a:t>-Julius</a:t>
+            </a:r>
+          </a:p>
+          <a:p>
+            <a:pPr lvl="1"/>
+            <a:r>
+              <a:rPr lang="ja-JP" altLang="en-US" dirty="0"/>
+              <a:t>音声認識の流れ</a:t>
+            </a:r>
+            <a:endParaRPr lang="en-US" altLang="ja-JP" dirty="0"/>
+          </a:p>
+          <a:p>
+            <a:pPr lvl="1"/>
+            <a:r>
+              <a:rPr lang="ja-JP" altLang="en-US" dirty="0"/>
+              <a:t>辞書ファイル</a:t>
+            </a:r>
+            <a:endParaRPr lang="en-US" altLang="ja-JP" dirty="0"/>
+          </a:p>
+          <a:p>
+            <a:r>
+              <a:rPr lang="ja-JP" altLang="en-US" dirty="0"/>
+              <a:t>テキスト分類</a:t>
+            </a:r>
+            <a:r>
+              <a:rPr lang="en-US" altLang="ja-JP" dirty="0"/>
+              <a:t>-</a:t>
+            </a:r>
+            <a:r>
+              <a:rPr lang="en-US" altLang="ja-JP" dirty="0" err="1"/>
+              <a:t>fastText</a:t>
+            </a:r>
+            <a:endParaRPr lang="en-US" altLang="ja-JP" dirty="0"/>
+          </a:p>
+          <a:p>
+            <a:r>
+              <a:rPr lang="ja-JP" altLang="en-US" dirty="0"/>
+              <a:t>データ取得</a:t>
+            </a:r>
+            <a:r>
+              <a:rPr lang="en-US" altLang="ja-JP" dirty="0"/>
+              <a:t>-</a:t>
+            </a:r>
+            <a:r>
+              <a:rPr lang="ja-JP" altLang="en-US" dirty="0"/>
+              <a:t>スクレイピング</a:t>
+            </a:r>
+            <a:endParaRPr lang="en-US" altLang="ja-JP" dirty="0"/>
+          </a:p>
+          <a:p>
+            <a:r>
+              <a:rPr lang="ja-JP" altLang="en-US" dirty="0"/>
+              <a:t>音声合成</a:t>
+            </a:r>
+            <a:r>
+              <a:rPr lang="en-US" altLang="ja-JP" dirty="0"/>
+              <a:t>-Open </a:t>
+            </a:r>
+            <a:r>
+              <a:rPr lang="en-US" altLang="ja-JP" dirty="0" err="1"/>
+              <a:t>JTalk</a:t>
+            </a:r>
+            <a:endParaRPr lang="en-US" altLang="ja-JP" dirty="0"/>
+          </a:p>
+          <a:p>
+            <a:pPr lvl="1"/>
+            <a:endParaRPr lang="en-US" altLang="ja-JP" dirty="0"/>
+          </a:p>
+          <a:p>
+            <a:endParaRPr kumimoji="1" lang="ja-JP" altLang="en-US" dirty="0"/>
+          </a:p>
+        </p:txBody>
+      </p:sp>
+    </p:spTree>
+    <p:extLst>
+      <p:ext uri="{BB962C8B-B14F-4D97-AF65-F5344CB8AC3E}">
+        <p14:creationId xmlns:p14="http://schemas.microsoft.com/office/powerpoint/2010/main" val="2404740722"/>
+      </p:ext>
+    </p:extLst>
+  </p:cSld>
+  <p:clrMapOvr>
+    <a:masterClrMapping/>
+  </p:clrMapOvr>
+</p:sld>
+</file>
+
+<file path=ppt/slides/slide20.xml><?xml version="1.0" encoding="utf-8"?>
+<p:sld xmlns:a="http://schemas.openxmlformats.org/drawingml/2006/main" xmlns:r="http://schemas.openxmlformats.org/officeDocument/2006/relationships" xmlns:p="http://schemas.openxmlformats.org/presentationml/2006/main">
+  <p:cSld>
+    <p:spTree>
+      <p:nvGrpSpPr>
+        <p:cNvPr id="1" name=""/>
+        <p:cNvGrpSpPr/>
+        <p:nvPr/>
+      </p:nvGrpSpPr>
+      <p:grpSpPr>
+        <a:xfrm>
+          <a:off x="0" y="0"/>
+          <a:ext cx="0" cy="0"/>
+          <a:chOff x="0" y="0"/>
+          <a:chExt cx="0" cy="0"/>
+        </a:xfrm>
+      </p:grpSpPr>
+      <p:sp>
+        <p:nvSpPr>
+          <p:cNvPr id="2" name="タイトル 1">
+            <a:extLst>
+              <a:ext uri="{FF2B5EF4-FFF2-40B4-BE49-F238E27FC236}">
+                <a16:creationId xmlns:a16="http://schemas.microsoft.com/office/drawing/2014/main" id="{F24EB109-BC34-41EC-A9D0-C442E52A8779}"/>
+              </a:ext>
+            </a:extLst>
+          </p:cNvPr>
+          <p:cNvSpPr>
+            <a:spLocks noGrp="1"/>
+          </p:cNvSpPr>
+          <p:nvPr>
+            <p:ph type="title"/>
+          </p:nvPr>
+        </p:nvSpPr>
+        <p:spPr/>
+        <p:txBody>
+          <a:bodyPr/>
+          <a:lstStyle/>
+          <a:p>
+            <a:r>
+              <a:rPr kumimoji="1" lang="ja-JP" altLang="en-US" dirty="0"/>
+              <a:t>実行ファイル</a:t>
+            </a:r>
+          </a:p>
+        </p:txBody>
+      </p:sp>
+      <p:sp>
+        <p:nvSpPr>
+          <p:cNvPr id="3" name="コンテンツ プレースホルダー 2">
+            <a:extLst>
+              <a:ext uri="{FF2B5EF4-FFF2-40B4-BE49-F238E27FC236}">
+                <a16:creationId xmlns:a16="http://schemas.microsoft.com/office/drawing/2014/main" id="{69DE47EB-7D6D-49AB-9AD1-0A77390D212D}"/>
+              </a:ext>
+            </a:extLst>
+          </p:cNvPr>
+          <p:cNvSpPr>
+            <a:spLocks noGrp="1"/>
+          </p:cNvSpPr>
+          <p:nvPr>
+            <p:ph idx="1"/>
+          </p:nvPr>
+        </p:nvSpPr>
+        <p:spPr/>
+        <p:txBody>
+          <a:bodyPr/>
+          <a:lstStyle/>
+          <a:p>
+            <a:pPr marL="0" indent="0">
+              <a:buNone/>
+            </a:pPr>
+            <a:r>
+              <a:rPr lang="en-US" altLang="ja-JP" b="1" dirty="0"/>
+              <a:t>y</a:t>
+            </a:r>
+            <a:r>
+              <a:rPr kumimoji="1" lang="en-US" altLang="ja-JP" b="1" dirty="0"/>
+              <a:t>osie.sh</a:t>
+            </a:r>
+            <a:endParaRPr kumimoji="1" lang="ja-JP" altLang="en-US" b="1" dirty="0"/>
+          </a:p>
+        </p:txBody>
+      </p:sp>
+      <p:pic>
+        <p:nvPicPr>
+          <p:cNvPr id="5" name="図 4">
+            <a:extLst>
+              <a:ext uri="{FF2B5EF4-FFF2-40B4-BE49-F238E27FC236}">
+                <a16:creationId xmlns:a16="http://schemas.microsoft.com/office/drawing/2014/main" id="{902DE915-7CA6-4F32-A692-65463E1DB534}"/>
+              </a:ext>
+            </a:extLst>
+          </p:cNvPr>
+          <p:cNvPicPr>
+            <a:picLocks noChangeAspect="1"/>
+          </p:cNvPicPr>
+          <p:nvPr/>
+        </p:nvPicPr>
+        <p:blipFill>
+          <a:blip r:embed="rId2">
+            <a:extLst>
+              <a:ext uri="{28A0092B-C50C-407E-A947-70E740481C1C}">
+                <a14:useLocalDpi xmlns:a14="http://schemas.microsoft.com/office/drawing/2010/main" val="0"/>
+              </a:ext>
+            </a:extLst>
+          </a:blip>
+          <a:stretch>
+            <a:fillRect/>
+          </a:stretch>
+        </p:blipFill>
+        <p:spPr>
+          <a:xfrm>
+            <a:off x="2494641" y="1690688"/>
+            <a:ext cx="8017887" cy="4998804"/>
+          </a:xfrm>
+          <a:prstGeom prst="rect">
+            <a:avLst/>
+          </a:prstGeom>
+        </p:spPr>
+      </p:pic>
+      <p:sp>
+        <p:nvSpPr>
+          <p:cNvPr id="6" name="正方形/長方形 5">
+            <a:extLst>
+              <a:ext uri="{FF2B5EF4-FFF2-40B4-BE49-F238E27FC236}">
+                <a16:creationId xmlns:a16="http://schemas.microsoft.com/office/drawing/2014/main" id="{103D16E7-5412-4AFE-B05C-94152D5237D5}"/>
+              </a:ext>
+            </a:extLst>
+          </p:cNvPr>
+          <p:cNvSpPr/>
+          <p:nvPr/>
+        </p:nvSpPr>
+        <p:spPr>
+          <a:xfrm>
+            <a:off x="9508067" y="0"/>
+            <a:ext cx="2683933" cy="1593908"/>
+          </a:xfrm>
+          <a:prstGeom prst="rect">
+            <a:avLst/>
+          </a:prstGeom>
+          <a:solidFill>
+            <a:schemeClr val="accent6">
+              <a:lumMod val="60000"/>
+              <a:lumOff val="40000"/>
+            </a:schemeClr>
+          </a:solidFill>
+          <a:ln>
+            <a:solidFill>
+              <a:schemeClr val="tx1"/>
+            </a:solidFill>
+          </a:ln>
+        </p:spPr>
+        <p:style>
+          <a:lnRef idx="2">
+            <a:schemeClr val="accent1">
+              <a:shade val="50000"/>
+            </a:schemeClr>
+          </a:lnRef>
+          <a:fillRef idx="1">
+            <a:schemeClr val="accent1"/>
+          </a:fillRef>
+          <a:effectRef idx="0">
+            <a:schemeClr val="accent1"/>
+          </a:effectRef>
+          <a:fontRef idx="minor">
+            <a:schemeClr val="lt1"/>
+          </a:fontRef>
+        </p:style>
+        <p:txBody>
+          <a:bodyPr rtlCol="0" anchor="ctr"/>
+          <a:lstStyle/>
+          <a:p>
+            <a:pPr algn="ctr"/>
+            <a:endParaRPr kumimoji="1" lang="ja-JP" altLang="en-US"/>
+          </a:p>
+        </p:txBody>
+      </p:sp>
+    </p:spTree>
+    <p:extLst>
+      <p:ext uri="{BB962C8B-B14F-4D97-AF65-F5344CB8AC3E}">
         <p14:creationId xmlns:p14="http://schemas.microsoft.com/office/powerpoint/2010/main" val="3683524359"/>
       </p:ext>
     </p:extLst>
@@ -10192,7 +10414,807 @@
 </p:sld>
 </file>
 
-<file path=ppt/slides/slide2.xml><?xml version="1.0" encoding="utf-8"?>
+<file path=ppt/slides/slide21.xml><?xml version="1.0" encoding="utf-8"?>
+<p:sld xmlns:a="http://schemas.openxmlformats.org/drawingml/2006/main" xmlns:r="http://schemas.openxmlformats.org/officeDocument/2006/relationships" xmlns:p="http://schemas.openxmlformats.org/presentationml/2006/main">
+  <p:cSld>
+    <p:spTree>
+      <p:nvGrpSpPr>
+        <p:cNvPr id="1" name=""/>
+        <p:cNvGrpSpPr/>
+        <p:nvPr/>
+      </p:nvGrpSpPr>
+      <p:grpSpPr>
+        <a:xfrm>
+          <a:off x="0" y="0"/>
+          <a:ext cx="0" cy="0"/>
+          <a:chOff x="0" y="0"/>
+          <a:chExt cx="0" cy="0"/>
+        </a:xfrm>
+      </p:grpSpPr>
+      <p:sp>
+        <p:nvSpPr>
+          <p:cNvPr id="2" name="タイトル 1">
+            <a:extLst>
+              <a:ext uri="{FF2B5EF4-FFF2-40B4-BE49-F238E27FC236}">
+                <a16:creationId xmlns:a16="http://schemas.microsoft.com/office/drawing/2014/main" id="{F24EB109-BC34-41EC-A9D0-C442E52A8779}"/>
+              </a:ext>
+            </a:extLst>
+          </p:cNvPr>
+          <p:cNvSpPr>
+            <a:spLocks noGrp="1"/>
+          </p:cNvSpPr>
+          <p:nvPr>
+            <p:ph type="title"/>
+          </p:nvPr>
+        </p:nvSpPr>
+        <p:spPr/>
+        <p:txBody>
+          <a:bodyPr/>
+          <a:lstStyle/>
+          <a:p>
+            <a:r>
+              <a:rPr kumimoji="1" lang="ja-JP" altLang="en-US" dirty="0"/>
+              <a:t>実行ファイル</a:t>
+            </a:r>
+          </a:p>
+        </p:txBody>
+      </p:sp>
+      <p:sp>
+        <p:nvSpPr>
+          <p:cNvPr id="3" name="コンテンツ プレースホルダー 2">
+            <a:extLst>
+              <a:ext uri="{FF2B5EF4-FFF2-40B4-BE49-F238E27FC236}">
+                <a16:creationId xmlns:a16="http://schemas.microsoft.com/office/drawing/2014/main" id="{69DE47EB-7D6D-49AB-9AD1-0A77390D212D}"/>
+              </a:ext>
+            </a:extLst>
+          </p:cNvPr>
+          <p:cNvSpPr>
+            <a:spLocks noGrp="1"/>
+          </p:cNvSpPr>
+          <p:nvPr>
+            <p:ph idx="1"/>
+          </p:nvPr>
+        </p:nvSpPr>
+        <p:spPr/>
+        <p:txBody>
+          <a:bodyPr/>
+          <a:lstStyle/>
+          <a:p>
+            <a:pPr marL="0" indent="0">
+              <a:buNone/>
+            </a:pPr>
+            <a:r>
+              <a:rPr lang="en-US" altLang="ja-JP" b="1" dirty="0"/>
+              <a:t>y</a:t>
+            </a:r>
+            <a:r>
+              <a:rPr kumimoji="1" lang="en-US" altLang="ja-JP" b="1" dirty="0"/>
+              <a:t>osie.sh</a:t>
+            </a:r>
+            <a:endParaRPr kumimoji="1" lang="ja-JP" altLang="en-US" b="1" dirty="0"/>
+          </a:p>
+        </p:txBody>
+      </p:sp>
+      <p:pic>
+        <p:nvPicPr>
+          <p:cNvPr id="5" name="図 4">
+            <a:extLst>
+              <a:ext uri="{FF2B5EF4-FFF2-40B4-BE49-F238E27FC236}">
+                <a16:creationId xmlns:a16="http://schemas.microsoft.com/office/drawing/2014/main" id="{902DE915-7CA6-4F32-A692-65463E1DB534}"/>
+              </a:ext>
+            </a:extLst>
+          </p:cNvPr>
+          <p:cNvPicPr>
+            <a:picLocks noChangeAspect="1"/>
+          </p:cNvPicPr>
+          <p:nvPr/>
+        </p:nvPicPr>
+        <p:blipFill>
+          <a:blip r:embed="rId3">
+            <a:extLst>
+              <a:ext uri="{28A0092B-C50C-407E-A947-70E740481C1C}">
+                <a14:useLocalDpi xmlns:a14="http://schemas.microsoft.com/office/drawing/2010/main" val="0"/>
+              </a:ext>
+            </a:extLst>
+          </a:blip>
+          <a:stretch>
+            <a:fillRect/>
+          </a:stretch>
+        </p:blipFill>
+        <p:spPr>
+          <a:xfrm>
+            <a:off x="2475185" y="1690688"/>
+            <a:ext cx="8017887" cy="4998804"/>
+          </a:xfrm>
+          <a:prstGeom prst="rect">
+            <a:avLst/>
+          </a:prstGeom>
+        </p:spPr>
+      </p:pic>
+      <p:sp>
+        <p:nvSpPr>
+          <p:cNvPr id="6" name="正方形/長方形 5">
+            <a:extLst>
+              <a:ext uri="{FF2B5EF4-FFF2-40B4-BE49-F238E27FC236}">
+                <a16:creationId xmlns:a16="http://schemas.microsoft.com/office/drawing/2014/main" id="{103D16E7-5412-4AFE-B05C-94152D5237D5}"/>
+              </a:ext>
+            </a:extLst>
+          </p:cNvPr>
+          <p:cNvSpPr/>
+          <p:nvPr/>
+        </p:nvSpPr>
+        <p:spPr>
+          <a:xfrm>
+            <a:off x="9508067" y="0"/>
+            <a:ext cx="2683933" cy="1593908"/>
+          </a:xfrm>
+          <a:prstGeom prst="rect">
+            <a:avLst/>
+          </a:prstGeom>
+          <a:solidFill>
+            <a:schemeClr val="accent6">
+              <a:lumMod val="60000"/>
+              <a:lumOff val="40000"/>
+            </a:schemeClr>
+          </a:solidFill>
+          <a:ln>
+            <a:solidFill>
+              <a:schemeClr val="tx1"/>
+            </a:solidFill>
+          </a:ln>
+        </p:spPr>
+        <p:style>
+          <a:lnRef idx="2">
+            <a:schemeClr val="accent1">
+              <a:shade val="50000"/>
+            </a:schemeClr>
+          </a:lnRef>
+          <a:fillRef idx="1">
+            <a:schemeClr val="accent1"/>
+          </a:fillRef>
+          <a:effectRef idx="0">
+            <a:schemeClr val="accent1"/>
+          </a:effectRef>
+          <a:fontRef idx="minor">
+            <a:schemeClr val="lt1"/>
+          </a:fontRef>
+        </p:style>
+        <p:txBody>
+          <a:bodyPr rtlCol="0" anchor="ctr"/>
+          <a:lstStyle/>
+          <a:p>
+            <a:pPr algn="ctr"/>
+            <a:endParaRPr kumimoji="1" lang="ja-JP" altLang="en-US"/>
+          </a:p>
+        </p:txBody>
+      </p:sp>
+      <p:sp>
+        <p:nvSpPr>
+          <p:cNvPr id="7" name="テキスト ボックス 6">
+            <a:extLst>
+              <a:ext uri="{FF2B5EF4-FFF2-40B4-BE49-F238E27FC236}">
+                <a16:creationId xmlns:a16="http://schemas.microsoft.com/office/drawing/2014/main" id="{AA718F83-8DC1-451F-AB9B-CB6C2DCD112E}"/>
+              </a:ext>
+            </a:extLst>
+          </p:cNvPr>
+          <p:cNvSpPr txBox="1"/>
+          <p:nvPr/>
+        </p:nvSpPr>
+        <p:spPr>
+          <a:xfrm>
+            <a:off x="2475184" y="1690688"/>
+            <a:ext cx="8017887" cy="4998804"/>
+          </a:xfrm>
+          <a:prstGeom prst="rect">
+            <a:avLst/>
+          </a:prstGeom>
+          <a:solidFill>
+            <a:schemeClr val="bg1"/>
+          </a:solidFill>
+          <a:ln>
+            <a:solidFill>
+              <a:schemeClr val="tx1"/>
+            </a:solidFill>
+          </a:ln>
+        </p:spPr>
+        <p:txBody>
+          <a:bodyPr wrap="square" rtlCol="0">
+            <a:spAutoFit/>
+          </a:bodyPr>
+          <a:lstStyle/>
+          <a:p>
+            <a:pPr>
+              <a:spcAft>
+                <a:spcPts val="220"/>
+              </a:spcAft>
+            </a:pPr>
+            <a:r>
+              <a:rPr lang="en-US" altLang="ja-JP" sz="1970" b="1" dirty="0"/>
+              <a:t>#!/bin/bash</a:t>
+            </a:r>
+          </a:p>
+          <a:p>
+            <a:pPr>
+              <a:spcAft>
+                <a:spcPts val="220"/>
+              </a:spcAft>
+            </a:pPr>
+            <a:r>
+              <a:rPr lang="ja-JP" altLang="en-US" sz="1970" b="1" dirty="0"/>
+              <a:t>環境変数指定</a:t>
+            </a:r>
+            <a:endParaRPr lang="en-US" altLang="ja-JP" sz="1970" b="1" dirty="0"/>
+          </a:p>
+          <a:p>
+            <a:pPr>
+              <a:spcAft>
+                <a:spcPts val="220"/>
+              </a:spcAft>
+            </a:pPr>
+            <a:r>
+              <a:rPr lang="ja-JP" altLang="en-US" sz="1970" b="1" dirty="0"/>
+              <a:t>ディレクトリ移動</a:t>
+            </a:r>
+            <a:endParaRPr lang="en-US" altLang="ja-JP" sz="1970" b="1" dirty="0"/>
+          </a:p>
+          <a:p>
+            <a:pPr>
+              <a:spcAft>
+                <a:spcPts val="220"/>
+              </a:spcAft>
+            </a:pPr>
+            <a:r>
+              <a:rPr lang="ja-JP" altLang="en-US" sz="1970" b="1" dirty="0"/>
+              <a:t>音声メッセージ：起動待機</a:t>
+            </a:r>
+            <a:endParaRPr lang="en-US" altLang="ja-JP" sz="1970" b="1" dirty="0"/>
+          </a:p>
+          <a:p>
+            <a:pPr>
+              <a:spcAft>
+                <a:spcPts val="220"/>
+              </a:spcAft>
+            </a:pPr>
+            <a:endParaRPr lang="en-US" altLang="ja-JP" sz="1970" b="1" dirty="0"/>
+          </a:p>
+          <a:p>
+            <a:pPr>
+              <a:spcAft>
+                <a:spcPts val="220"/>
+              </a:spcAft>
+            </a:pPr>
+            <a:r>
+              <a:rPr lang="ja-JP" altLang="en-US" sz="1970" b="1" dirty="0"/>
+              <a:t>星座占い スクレイピング</a:t>
+            </a:r>
+            <a:endParaRPr lang="en-US" altLang="ja-JP" sz="1970" b="1" dirty="0"/>
+          </a:p>
+          <a:p>
+            <a:pPr>
+              <a:spcAft>
+                <a:spcPts val="220"/>
+              </a:spcAft>
+            </a:pPr>
+            <a:r>
+              <a:rPr lang="ja-JP" altLang="en-US" sz="1970" b="1" dirty="0"/>
+              <a:t>星座占い 音声ファイル作成</a:t>
+            </a:r>
+            <a:endParaRPr lang="en-US" altLang="ja-JP" sz="1970" b="1" dirty="0"/>
+          </a:p>
+          <a:p>
+            <a:pPr>
+              <a:spcAft>
+                <a:spcPts val="220"/>
+              </a:spcAft>
+            </a:pPr>
+            <a:r>
+              <a:rPr lang="ja-JP" altLang="en-US" sz="1970" b="1" dirty="0"/>
+              <a:t>天気予報 スクレイピング</a:t>
+            </a:r>
+            <a:endParaRPr lang="en-US" altLang="ja-JP" sz="1970" b="1" dirty="0"/>
+          </a:p>
+          <a:p>
+            <a:pPr>
+              <a:spcAft>
+                <a:spcPts val="220"/>
+              </a:spcAft>
+            </a:pPr>
+            <a:r>
+              <a:rPr lang="ja-JP" altLang="en-US" sz="1970" b="1" dirty="0"/>
+              <a:t>天気予報 音声ファイル作成</a:t>
+            </a:r>
+            <a:endParaRPr lang="en-US" altLang="ja-JP" sz="1970" b="1" dirty="0"/>
+          </a:p>
+          <a:p>
+            <a:pPr>
+              <a:spcAft>
+                <a:spcPts val="220"/>
+              </a:spcAft>
+            </a:pPr>
+            <a:r>
+              <a:rPr lang="ja-JP" altLang="en-US" sz="1970" b="1" dirty="0"/>
+              <a:t>ニュース スクレイピング</a:t>
+            </a:r>
+            <a:r>
+              <a:rPr lang="en-US" altLang="ja-JP" sz="1970" b="1" dirty="0"/>
+              <a:t>]</a:t>
+            </a:r>
+          </a:p>
+          <a:p>
+            <a:pPr>
+              <a:spcAft>
+                <a:spcPts val="220"/>
+              </a:spcAft>
+            </a:pPr>
+            <a:r>
+              <a:rPr lang="ja-JP" altLang="en-US" sz="1970" b="1" dirty="0"/>
+              <a:t>ニュース 音声ファイル作成</a:t>
+            </a:r>
+            <a:endParaRPr lang="en-US" altLang="ja-JP" sz="1970" b="1" dirty="0"/>
+          </a:p>
+          <a:p>
+            <a:pPr>
+              <a:spcAft>
+                <a:spcPts val="220"/>
+              </a:spcAft>
+            </a:pPr>
+            <a:r>
+              <a:rPr lang="ja-JP" altLang="en-US" sz="1970" b="1" dirty="0"/>
+              <a:t>マイクのミュートを解除</a:t>
+            </a:r>
+            <a:endParaRPr lang="en-US" altLang="ja-JP" sz="1970" b="1" dirty="0"/>
+          </a:p>
+          <a:p>
+            <a:pPr>
+              <a:spcAft>
+                <a:spcPts val="220"/>
+              </a:spcAft>
+            </a:pPr>
+            <a:endParaRPr lang="en-US" altLang="ja-JP" sz="1970" b="1" dirty="0"/>
+          </a:p>
+          <a:p>
+            <a:pPr>
+              <a:spcAft>
+                <a:spcPts val="220"/>
+              </a:spcAft>
+            </a:pPr>
+            <a:r>
+              <a:rPr lang="ja-JP" altLang="en-US" sz="1970" b="1" dirty="0"/>
+              <a:t>音声メッセージ：起動完了</a:t>
+            </a:r>
+            <a:endParaRPr lang="en-US" altLang="ja-JP" sz="1970" b="1" dirty="0"/>
+          </a:p>
+          <a:p>
+            <a:pPr>
+              <a:spcAft>
+                <a:spcPts val="220"/>
+              </a:spcAft>
+            </a:pPr>
+            <a:r>
+              <a:rPr lang="en-US" altLang="ja-JP" sz="1970" b="1" dirty="0"/>
+              <a:t>[</a:t>
+            </a:r>
+            <a:r>
+              <a:rPr lang="ja-JP" altLang="en-US" sz="1970" b="1" dirty="0"/>
+              <a:t>音声認識～音声合成</a:t>
+            </a:r>
+            <a:r>
+              <a:rPr lang="en-US" altLang="ja-JP" sz="1970" b="1" dirty="0"/>
+              <a:t>]</a:t>
+            </a:r>
+          </a:p>
+        </p:txBody>
+      </p:sp>
+      <p:sp>
+        <p:nvSpPr>
+          <p:cNvPr id="4" name="テキスト ボックス 3">
+            <a:extLst>
+              <a:ext uri="{FF2B5EF4-FFF2-40B4-BE49-F238E27FC236}">
+                <a16:creationId xmlns:a16="http://schemas.microsoft.com/office/drawing/2014/main" id="{CFE4B0F4-A232-480B-8F5B-BB385ABF8764}"/>
+              </a:ext>
+            </a:extLst>
+          </p:cNvPr>
+          <p:cNvSpPr txBox="1"/>
+          <p:nvPr/>
+        </p:nvSpPr>
+        <p:spPr>
+          <a:xfrm>
+            <a:off x="2552186" y="3270192"/>
+            <a:ext cx="5534571" cy="2000548"/>
+          </a:xfrm>
+          <a:prstGeom prst="rect">
+            <a:avLst/>
+          </a:prstGeom>
+          <a:solidFill>
+            <a:schemeClr val="accent6">
+              <a:lumMod val="40000"/>
+              <a:lumOff val="60000"/>
+            </a:schemeClr>
+          </a:solidFill>
+          <a:ln>
+            <a:solidFill>
+              <a:schemeClr val="tx1"/>
+            </a:solidFill>
+          </a:ln>
+        </p:spPr>
+        <p:txBody>
+          <a:bodyPr wrap="square" rtlCol="0">
+            <a:spAutoFit/>
+          </a:bodyPr>
+          <a:lstStyle/>
+          <a:p>
+            <a:r>
+              <a:rPr kumimoji="1" lang="ja-JP" altLang="en-US" sz="4400" b="1" dirty="0"/>
+              <a:t>各 スクレイピング</a:t>
+            </a:r>
+            <a:endParaRPr kumimoji="1" lang="en-US" altLang="ja-JP" sz="4400" b="1" dirty="0"/>
+          </a:p>
+          <a:p>
+            <a:r>
+              <a:rPr kumimoji="1" lang="en-US" altLang="ja-JP" sz="3600" b="1" dirty="0"/>
+              <a:t>		</a:t>
+            </a:r>
+            <a:r>
+              <a:rPr kumimoji="1" lang="ja-JP" altLang="en-US" sz="3600" b="1" dirty="0"/>
+              <a:t>　＆</a:t>
+            </a:r>
+            <a:endParaRPr kumimoji="1" lang="en-US" altLang="ja-JP" sz="3600" b="1" dirty="0"/>
+          </a:p>
+          <a:p>
+            <a:r>
+              <a:rPr lang="ja-JP" altLang="en-US" sz="4400" b="1" dirty="0"/>
+              <a:t>各 音声ファイル作成</a:t>
+            </a:r>
+            <a:endParaRPr kumimoji="1" lang="ja-JP" altLang="en-US" sz="4400" b="1" dirty="0"/>
+          </a:p>
+        </p:txBody>
+      </p:sp>
+    </p:spTree>
+    <p:extLst>
+      <p:ext uri="{BB962C8B-B14F-4D97-AF65-F5344CB8AC3E}">
+        <p14:creationId xmlns:p14="http://schemas.microsoft.com/office/powerpoint/2010/main" val="2745729689"/>
+      </p:ext>
+    </p:extLst>
+  </p:cSld>
+  <p:clrMapOvr>
+    <a:masterClrMapping/>
+  </p:clrMapOvr>
+  <mc:AlternateContent xmlns:mc="http://schemas.openxmlformats.org/markup-compatibility/2006" xmlns:p14="http://schemas.microsoft.com/office/powerpoint/2010/main">
+    <mc:Choice Requires="p14">
+      <p:transition spd="med" p14:dur="700">
+        <p:fade/>
+      </p:transition>
+    </mc:Choice>
+    <mc:Fallback xmlns="">
+      <p:transition spd="med">
+        <p:fade/>
+      </p:transition>
+    </mc:Fallback>
+  </mc:AlternateContent>
+  <p:timing>
+    <p:tnLst>
+      <p:par>
+        <p:cTn id="1" dur="indefinite" restart="never" nodeType="tmRoot">
+          <p:childTnLst>
+            <p:seq concurrent="1" nextAc="seek">
+              <p:cTn id="2" dur="indefinite" nodeType="mainSeq">
+                <p:childTnLst>
+                  <p:par>
+                    <p:cTn id="3" fill="hold">
+                      <p:stCondLst>
+                        <p:cond delay="indefinite"/>
+                      </p:stCondLst>
+                      <p:childTnLst>
+                        <p:par>
+                          <p:cTn id="4" fill="hold">
+                            <p:stCondLst>
+                              <p:cond delay="0"/>
+                            </p:stCondLst>
+                            <p:childTnLst>
+                              <p:par>
+                                <p:cTn id="5" presetID="14" presetClass="entr" presetSubtype="10" fill="hold" grpId="0" nodeType="clickEffect">
+                                  <p:stCondLst>
+                                    <p:cond delay="0"/>
+                                  </p:stCondLst>
+                                  <p:childTnLst>
+                                    <p:set>
+                                      <p:cBhvr>
+                                        <p:cTn id="6" dur="1" fill="hold">
+                                          <p:stCondLst>
+                                            <p:cond delay="0"/>
+                                          </p:stCondLst>
+                                        </p:cTn>
+                                        <p:tgtEl>
+                                          <p:spTgt spid="4"/>
+                                        </p:tgtEl>
+                                        <p:attrNameLst>
+                                          <p:attrName>style.visibility</p:attrName>
+                                        </p:attrNameLst>
+                                      </p:cBhvr>
+                                      <p:to>
+                                        <p:strVal val="visible"/>
+                                      </p:to>
+                                    </p:set>
+                                    <p:animEffect transition="in" filter="randombar(horizontal)">
+                                      <p:cBhvr>
+                                        <p:cTn id="7" dur="250"/>
+                                        <p:tgtEl>
+                                          <p:spTgt spid="4"/>
+                                        </p:tgtEl>
+                                      </p:cBhvr>
+                                    </p:animEffect>
+                                  </p:childTnLst>
+                                </p:cTn>
+                              </p:par>
+                            </p:childTnLst>
+                          </p:cTn>
+                        </p:par>
+                      </p:childTnLst>
+                    </p:cTn>
+                  </p:par>
+                </p:childTnLst>
+              </p:cTn>
+              <p:prevCondLst>
+                <p:cond evt="onPrev" delay="0">
+                  <p:tgtEl>
+                    <p:sldTgt/>
+                  </p:tgtEl>
+                </p:cond>
+              </p:prevCondLst>
+              <p:nextCondLst>
+                <p:cond evt="onNext" delay="0">
+                  <p:tgtEl>
+                    <p:sldTgt/>
+                  </p:tgtEl>
+                </p:cond>
+              </p:nextCondLst>
+            </p:seq>
+          </p:childTnLst>
+        </p:cTn>
+      </p:par>
+    </p:tnLst>
+    <p:bldLst>
+      <p:bldP spid="4" grpId="0" animBg="1"/>
+    </p:bldLst>
+  </p:timing>
+</p:sld>
+</file>
+
+<file path=ppt/slides/slide22.xml><?xml version="1.0" encoding="utf-8"?>
+<p:sld xmlns:a="http://schemas.openxmlformats.org/drawingml/2006/main" xmlns:r="http://schemas.openxmlformats.org/officeDocument/2006/relationships" xmlns:p="http://schemas.openxmlformats.org/presentationml/2006/main">
+  <p:cSld>
+    <p:spTree>
+      <p:nvGrpSpPr>
+        <p:cNvPr id="1" name=""/>
+        <p:cNvGrpSpPr/>
+        <p:nvPr/>
+      </p:nvGrpSpPr>
+      <p:grpSpPr>
+        <a:xfrm>
+          <a:off x="0" y="0"/>
+          <a:ext cx="0" cy="0"/>
+          <a:chOff x="0" y="0"/>
+          <a:chExt cx="0" cy="0"/>
+        </a:xfrm>
+      </p:grpSpPr>
+      <p:sp>
+        <p:nvSpPr>
+          <p:cNvPr id="2" name="タイトル 1">
+            <a:extLst>
+              <a:ext uri="{FF2B5EF4-FFF2-40B4-BE49-F238E27FC236}">
+                <a16:creationId xmlns:a16="http://schemas.microsoft.com/office/drawing/2014/main" id="{B43B901B-C015-40EF-B4CD-3F5F25F44EC0}"/>
+              </a:ext>
+            </a:extLst>
+          </p:cNvPr>
+          <p:cNvSpPr>
+            <a:spLocks noGrp="1"/>
+          </p:cNvSpPr>
+          <p:nvPr>
+            <p:ph type="title"/>
+          </p:nvPr>
+        </p:nvSpPr>
+        <p:spPr/>
+        <p:txBody>
+          <a:bodyPr/>
+          <a:lstStyle/>
+          <a:p>
+            <a:r>
+              <a:rPr kumimoji="1" lang="en-US" altLang="ja-JP" dirty="0"/>
+              <a:t>YoSiE</a:t>
+            </a:r>
+            <a:r>
+              <a:rPr kumimoji="1" lang="ja-JP" altLang="en-US" dirty="0"/>
+              <a:t>の可能性</a:t>
+            </a:r>
+          </a:p>
+        </p:txBody>
+      </p:sp>
+      <p:sp>
+        <p:nvSpPr>
+          <p:cNvPr id="3" name="コンテンツ プレースホルダー 2">
+            <a:extLst>
+              <a:ext uri="{FF2B5EF4-FFF2-40B4-BE49-F238E27FC236}">
+                <a16:creationId xmlns:a16="http://schemas.microsoft.com/office/drawing/2014/main" id="{1E815E2C-35DE-441F-860D-34AECE6DA488}"/>
+              </a:ext>
+            </a:extLst>
+          </p:cNvPr>
+          <p:cNvSpPr>
+            <a:spLocks noGrp="1"/>
+          </p:cNvSpPr>
+          <p:nvPr>
+            <p:ph idx="1"/>
+          </p:nvPr>
+        </p:nvSpPr>
+        <p:spPr/>
+        <p:txBody>
+          <a:bodyPr/>
+          <a:lstStyle/>
+          <a:p>
+            <a:endParaRPr kumimoji="1" lang="ja-JP" altLang="en-US" dirty="0"/>
+          </a:p>
+        </p:txBody>
+      </p:sp>
+    </p:spTree>
+    <p:extLst>
+      <p:ext uri="{BB962C8B-B14F-4D97-AF65-F5344CB8AC3E}">
+        <p14:creationId xmlns:p14="http://schemas.microsoft.com/office/powerpoint/2010/main" val="1361338163"/>
+      </p:ext>
+    </p:extLst>
+  </p:cSld>
+  <p:clrMapOvr>
+    <a:masterClrMapping/>
+  </p:clrMapOvr>
+</p:sld>
+</file>
+
+<file path=ppt/slides/slide23.xml><?xml version="1.0" encoding="utf-8"?>
+<p:sld xmlns:a="http://schemas.openxmlformats.org/drawingml/2006/main" xmlns:r="http://schemas.openxmlformats.org/officeDocument/2006/relationships" xmlns:p="http://schemas.openxmlformats.org/presentationml/2006/main">
+  <p:cSld>
+    <p:spTree>
+      <p:nvGrpSpPr>
+        <p:cNvPr id="1" name=""/>
+        <p:cNvGrpSpPr/>
+        <p:nvPr/>
+      </p:nvGrpSpPr>
+      <p:grpSpPr>
+        <a:xfrm>
+          <a:off x="0" y="0"/>
+          <a:ext cx="0" cy="0"/>
+          <a:chOff x="0" y="0"/>
+          <a:chExt cx="0" cy="0"/>
+        </a:xfrm>
+      </p:grpSpPr>
+      <p:sp>
+        <p:nvSpPr>
+          <p:cNvPr id="2" name="タイトル 1">
+            <a:extLst>
+              <a:ext uri="{FF2B5EF4-FFF2-40B4-BE49-F238E27FC236}">
+                <a16:creationId xmlns:a16="http://schemas.microsoft.com/office/drawing/2014/main" id="{42CA8915-FB85-4BA5-A8D7-C244E846FAA7}"/>
+              </a:ext>
+            </a:extLst>
+          </p:cNvPr>
+          <p:cNvSpPr>
+            <a:spLocks noGrp="1"/>
+          </p:cNvSpPr>
+          <p:nvPr>
+            <p:ph type="title"/>
+          </p:nvPr>
+        </p:nvSpPr>
+        <p:spPr/>
+        <p:txBody>
+          <a:bodyPr/>
+          <a:lstStyle/>
+          <a:p>
+            <a:r>
+              <a:rPr lang="ja-JP" altLang="en-US" dirty="0"/>
+              <a:t>まとめ</a:t>
+            </a:r>
+            <a:endParaRPr kumimoji="1" lang="ja-JP" altLang="en-US" dirty="0"/>
+          </a:p>
+        </p:txBody>
+      </p:sp>
+      <p:sp>
+        <p:nvSpPr>
+          <p:cNvPr id="3" name="コンテンツ プレースホルダー 2">
+            <a:extLst>
+              <a:ext uri="{FF2B5EF4-FFF2-40B4-BE49-F238E27FC236}">
+                <a16:creationId xmlns:a16="http://schemas.microsoft.com/office/drawing/2014/main" id="{0D714BC0-892C-4AC4-8E05-C63CD9131467}"/>
+              </a:ext>
+            </a:extLst>
+          </p:cNvPr>
+          <p:cNvSpPr>
+            <a:spLocks noGrp="1"/>
+          </p:cNvSpPr>
+          <p:nvPr>
+            <p:ph idx="1"/>
+          </p:nvPr>
+        </p:nvSpPr>
+        <p:spPr/>
+        <p:txBody>
+          <a:bodyPr/>
+          <a:lstStyle/>
+          <a:p>
+            <a:endParaRPr kumimoji="1" lang="ja-JP" altLang="en-US"/>
+          </a:p>
+        </p:txBody>
+      </p:sp>
+    </p:spTree>
+    <p:extLst>
+      <p:ext uri="{BB962C8B-B14F-4D97-AF65-F5344CB8AC3E}">
+        <p14:creationId xmlns:p14="http://schemas.microsoft.com/office/powerpoint/2010/main" val="1602149089"/>
+      </p:ext>
+    </p:extLst>
+  </p:cSld>
+  <p:clrMapOvr>
+    <a:masterClrMapping/>
+  </p:clrMapOvr>
+</p:sld>
+</file>
+
+<file path=ppt/slides/slide24.xml><?xml version="1.0" encoding="utf-8"?>
+<p:sld xmlns:a="http://schemas.openxmlformats.org/drawingml/2006/main" xmlns:r="http://schemas.openxmlformats.org/officeDocument/2006/relationships" xmlns:p="http://schemas.openxmlformats.org/presentationml/2006/main">
+  <p:cSld>
+    <p:spTree>
+      <p:nvGrpSpPr>
+        <p:cNvPr id="1" name=""/>
+        <p:cNvGrpSpPr/>
+        <p:nvPr/>
+      </p:nvGrpSpPr>
+      <p:grpSpPr>
+        <a:xfrm>
+          <a:off x="0" y="0"/>
+          <a:ext cx="0" cy="0"/>
+          <a:chOff x="0" y="0"/>
+          <a:chExt cx="0" cy="0"/>
+        </a:xfrm>
+      </p:grpSpPr>
+      <p:sp>
+        <p:nvSpPr>
+          <p:cNvPr id="2" name="タイトル 1">
+            <a:extLst>
+              <a:ext uri="{FF2B5EF4-FFF2-40B4-BE49-F238E27FC236}">
+                <a16:creationId xmlns:a16="http://schemas.microsoft.com/office/drawing/2014/main" id="{384D39EC-5E82-4640-93A2-83BC7D77C59D}"/>
+              </a:ext>
+            </a:extLst>
+          </p:cNvPr>
+          <p:cNvSpPr>
+            <a:spLocks noGrp="1"/>
+          </p:cNvSpPr>
+          <p:nvPr>
+            <p:ph type="title"/>
+          </p:nvPr>
+        </p:nvSpPr>
+        <p:spPr>
+          <a:xfrm>
+            <a:off x="838200" y="365125"/>
+            <a:ext cx="10515600" cy="1325563"/>
+          </a:xfrm>
+        </p:spPr>
+        <p:txBody>
+          <a:bodyPr/>
+          <a:lstStyle/>
+          <a:p>
+            <a:r>
+              <a:rPr kumimoji="1" lang="ja-JP" altLang="en-US" dirty="0"/>
+              <a:t>ご清聴ありがとうございました</a:t>
+            </a:r>
+          </a:p>
+        </p:txBody>
+      </p:sp>
+    </p:spTree>
+    <p:extLst>
+      <p:ext uri="{BB962C8B-B14F-4D97-AF65-F5344CB8AC3E}">
+        <p14:creationId xmlns:p14="http://schemas.microsoft.com/office/powerpoint/2010/main" val="1206162255"/>
+      </p:ext>
+    </p:extLst>
+  </p:cSld>
+  <p:clrMapOvr>
+    <a:masterClrMapping/>
+  </p:clrMapOvr>
+</p:sld>
+</file>
+
+<file path=ppt/slides/slide3.xml><?xml version="1.0" encoding="utf-8"?>
 <p:sld xmlns:a="http://schemas.openxmlformats.org/drawingml/2006/main" xmlns:r="http://schemas.openxmlformats.org/officeDocument/2006/relationships" xmlns:p="http://schemas.openxmlformats.org/presentationml/2006/main">
   <p:cSld>
     <p:spTree>
@@ -11363,743 +12385,7 @@
 </p:sld>
 </file>
 
-<file path=ppt/slides/slide20.xml><?xml version="1.0" encoding="utf-8"?>
-<p:sld xmlns:a="http://schemas.openxmlformats.org/drawingml/2006/main" xmlns:r="http://schemas.openxmlformats.org/officeDocument/2006/relationships" xmlns:p="http://schemas.openxmlformats.org/presentationml/2006/main">
-  <p:cSld>
-    <p:spTree>
-      <p:nvGrpSpPr>
-        <p:cNvPr id="1" name=""/>
-        <p:cNvGrpSpPr/>
-        <p:nvPr/>
-      </p:nvGrpSpPr>
-      <p:grpSpPr>
-        <a:xfrm>
-          <a:off x="0" y="0"/>
-          <a:ext cx="0" cy="0"/>
-          <a:chOff x="0" y="0"/>
-          <a:chExt cx="0" cy="0"/>
-        </a:xfrm>
-      </p:grpSpPr>
-      <p:sp>
-        <p:nvSpPr>
-          <p:cNvPr id="2" name="タイトル 1">
-            <a:extLst>
-              <a:ext uri="{FF2B5EF4-FFF2-40B4-BE49-F238E27FC236}">
-                <a16:creationId xmlns:a16="http://schemas.microsoft.com/office/drawing/2014/main" id="{F24EB109-BC34-41EC-A9D0-C442E52A8779}"/>
-              </a:ext>
-            </a:extLst>
-          </p:cNvPr>
-          <p:cNvSpPr>
-            <a:spLocks noGrp="1"/>
-          </p:cNvSpPr>
-          <p:nvPr>
-            <p:ph type="title"/>
-          </p:nvPr>
-        </p:nvSpPr>
-        <p:spPr/>
-        <p:txBody>
-          <a:bodyPr/>
-          <a:lstStyle/>
-          <a:p>
-            <a:r>
-              <a:rPr kumimoji="1" lang="ja-JP" altLang="en-US" dirty="0"/>
-              <a:t>実行ファイル</a:t>
-            </a:r>
-          </a:p>
-        </p:txBody>
-      </p:sp>
-      <p:sp>
-        <p:nvSpPr>
-          <p:cNvPr id="3" name="コンテンツ プレースホルダー 2">
-            <a:extLst>
-              <a:ext uri="{FF2B5EF4-FFF2-40B4-BE49-F238E27FC236}">
-                <a16:creationId xmlns:a16="http://schemas.microsoft.com/office/drawing/2014/main" id="{69DE47EB-7D6D-49AB-9AD1-0A77390D212D}"/>
-              </a:ext>
-            </a:extLst>
-          </p:cNvPr>
-          <p:cNvSpPr>
-            <a:spLocks noGrp="1"/>
-          </p:cNvSpPr>
-          <p:nvPr>
-            <p:ph idx="1"/>
-          </p:nvPr>
-        </p:nvSpPr>
-        <p:spPr/>
-        <p:txBody>
-          <a:bodyPr/>
-          <a:lstStyle/>
-          <a:p>
-            <a:pPr marL="0" indent="0">
-              <a:buNone/>
-            </a:pPr>
-            <a:r>
-              <a:rPr lang="en-US" altLang="ja-JP" b="1" dirty="0"/>
-              <a:t>y</a:t>
-            </a:r>
-            <a:r>
-              <a:rPr kumimoji="1" lang="en-US" altLang="ja-JP" b="1" dirty="0"/>
-              <a:t>osie.sh</a:t>
-            </a:r>
-            <a:endParaRPr kumimoji="1" lang="ja-JP" altLang="en-US" b="1" dirty="0"/>
-          </a:p>
-        </p:txBody>
-      </p:sp>
-      <p:pic>
-        <p:nvPicPr>
-          <p:cNvPr id="5" name="図 4">
-            <a:extLst>
-              <a:ext uri="{FF2B5EF4-FFF2-40B4-BE49-F238E27FC236}">
-                <a16:creationId xmlns:a16="http://schemas.microsoft.com/office/drawing/2014/main" id="{902DE915-7CA6-4F32-A692-65463E1DB534}"/>
-              </a:ext>
-            </a:extLst>
-          </p:cNvPr>
-          <p:cNvPicPr>
-            <a:picLocks noChangeAspect="1"/>
-          </p:cNvPicPr>
-          <p:nvPr/>
-        </p:nvPicPr>
-        <p:blipFill>
-          <a:blip r:embed="rId3">
-            <a:extLst>
-              <a:ext uri="{28A0092B-C50C-407E-A947-70E740481C1C}">
-                <a14:useLocalDpi xmlns:a14="http://schemas.microsoft.com/office/drawing/2010/main" val="0"/>
-              </a:ext>
-            </a:extLst>
-          </a:blip>
-          <a:stretch>
-            <a:fillRect/>
-          </a:stretch>
-        </p:blipFill>
-        <p:spPr>
-          <a:xfrm>
-            <a:off x="2475185" y="1690688"/>
-            <a:ext cx="8017887" cy="4998804"/>
-          </a:xfrm>
-          <a:prstGeom prst="rect">
-            <a:avLst/>
-          </a:prstGeom>
-        </p:spPr>
-      </p:pic>
-      <p:sp>
-        <p:nvSpPr>
-          <p:cNvPr id="6" name="正方形/長方形 5">
-            <a:extLst>
-              <a:ext uri="{FF2B5EF4-FFF2-40B4-BE49-F238E27FC236}">
-                <a16:creationId xmlns:a16="http://schemas.microsoft.com/office/drawing/2014/main" id="{103D16E7-5412-4AFE-B05C-94152D5237D5}"/>
-              </a:ext>
-            </a:extLst>
-          </p:cNvPr>
-          <p:cNvSpPr/>
-          <p:nvPr/>
-        </p:nvSpPr>
-        <p:spPr>
-          <a:xfrm>
-            <a:off x="9508067" y="0"/>
-            <a:ext cx="2683933" cy="1593908"/>
-          </a:xfrm>
-          <a:prstGeom prst="rect">
-            <a:avLst/>
-          </a:prstGeom>
-          <a:solidFill>
-            <a:schemeClr val="accent6">
-              <a:lumMod val="60000"/>
-              <a:lumOff val="40000"/>
-            </a:schemeClr>
-          </a:solidFill>
-          <a:ln>
-            <a:solidFill>
-              <a:schemeClr val="tx1"/>
-            </a:solidFill>
-          </a:ln>
-        </p:spPr>
-        <p:style>
-          <a:lnRef idx="2">
-            <a:schemeClr val="accent1">
-              <a:shade val="50000"/>
-            </a:schemeClr>
-          </a:lnRef>
-          <a:fillRef idx="1">
-            <a:schemeClr val="accent1"/>
-          </a:fillRef>
-          <a:effectRef idx="0">
-            <a:schemeClr val="accent1"/>
-          </a:effectRef>
-          <a:fontRef idx="minor">
-            <a:schemeClr val="lt1"/>
-          </a:fontRef>
-        </p:style>
-        <p:txBody>
-          <a:bodyPr rtlCol="0" anchor="ctr"/>
-          <a:lstStyle/>
-          <a:p>
-            <a:pPr algn="ctr"/>
-            <a:endParaRPr kumimoji="1" lang="ja-JP" altLang="en-US"/>
-          </a:p>
-        </p:txBody>
-      </p:sp>
-      <p:sp>
-        <p:nvSpPr>
-          <p:cNvPr id="7" name="テキスト ボックス 6">
-            <a:extLst>
-              <a:ext uri="{FF2B5EF4-FFF2-40B4-BE49-F238E27FC236}">
-                <a16:creationId xmlns:a16="http://schemas.microsoft.com/office/drawing/2014/main" id="{AA718F83-8DC1-451F-AB9B-CB6C2DCD112E}"/>
-              </a:ext>
-            </a:extLst>
-          </p:cNvPr>
-          <p:cNvSpPr txBox="1"/>
-          <p:nvPr/>
-        </p:nvSpPr>
-        <p:spPr>
-          <a:xfrm>
-            <a:off x="2475184" y="1690688"/>
-            <a:ext cx="8017887" cy="4998804"/>
-          </a:xfrm>
-          <a:prstGeom prst="rect">
-            <a:avLst/>
-          </a:prstGeom>
-          <a:solidFill>
-            <a:schemeClr val="bg1"/>
-          </a:solidFill>
-          <a:ln>
-            <a:solidFill>
-              <a:schemeClr val="tx1"/>
-            </a:solidFill>
-          </a:ln>
-        </p:spPr>
-        <p:txBody>
-          <a:bodyPr wrap="square" rtlCol="0">
-            <a:spAutoFit/>
-          </a:bodyPr>
-          <a:lstStyle/>
-          <a:p>
-            <a:pPr>
-              <a:spcAft>
-                <a:spcPts val="220"/>
-              </a:spcAft>
-            </a:pPr>
-            <a:r>
-              <a:rPr lang="en-US" altLang="ja-JP" sz="1970" b="1" dirty="0"/>
-              <a:t>#!/bin/bash</a:t>
-            </a:r>
-          </a:p>
-          <a:p>
-            <a:pPr>
-              <a:spcAft>
-                <a:spcPts val="220"/>
-              </a:spcAft>
-            </a:pPr>
-            <a:r>
-              <a:rPr lang="ja-JP" altLang="en-US" sz="1970" b="1" dirty="0"/>
-              <a:t>環境変数指定</a:t>
-            </a:r>
-            <a:endParaRPr lang="en-US" altLang="ja-JP" sz="1970" b="1" dirty="0"/>
-          </a:p>
-          <a:p>
-            <a:pPr>
-              <a:spcAft>
-                <a:spcPts val="220"/>
-              </a:spcAft>
-            </a:pPr>
-            <a:r>
-              <a:rPr lang="ja-JP" altLang="en-US" sz="1970" b="1" dirty="0"/>
-              <a:t>ディレクトリ移動</a:t>
-            </a:r>
-            <a:endParaRPr lang="en-US" altLang="ja-JP" sz="1970" b="1" dirty="0"/>
-          </a:p>
-          <a:p>
-            <a:pPr>
-              <a:spcAft>
-                <a:spcPts val="220"/>
-              </a:spcAft>
-            </a:pPr>
-            <a:r>
-              <a:rPr lang="ja-JP" altLang="en-US" sz="1970" b="1" dirty="0"/>
-              <a:t>音声メッセージ：起動待機</a:t>
-            </a:r>
-            <a:endParaRPr lang="en-US" altLang="ja-JP" sz="1970" b="1" dirty="0"/>
-          </a:p>
-          <a:p>
-            <a:pPr>
-              <a:spcAft>
-                <a:spcPts val="220"/>
-              </a:spcAft>
-            </a:pPr>
-            <a:endParaRPr lang="en-US" altLang="ja-JP" sz="1970" b="1" dirty="0"/>
-          </a:p>
-          <a:p>
-            <a:pPr>
-              <a:spcAft>
-                <a:spcPts val="220"/>
-              </a:spcAft>
-            </a:pPr>
-            <a:r>
-              <a:rPr lang="ja-JP" altLang="en-US" sz="1970" b="1" dirty="0"/>
-              <a:t>星座占い スクレイピング</a:t>
-            </a:r>
-            <a:endParaRPr lang="en-US" altLang="ja-JP" sz="1970" b="1" dirty="0"/>
-          </a:p>
-          <a:p>
-            <a:pPr>
-              <a:spcAft>
-                <a:spcPts val="220"/>
-              </a:spcAft>
-            </a:pPr>
-            <a:r>
-              <a:rPr lang="ja-JP" altLang="en-US" sz="1970" b="1" dirty="0"/>
-              <a:t>星座占い 音声ファイル作成</a:t>
-            </a:r>
-            <a:endParaRPr lang="en-US" altLang="ja-JP" sz="1970" b="1" dirty="0"/>
-          </a:p>
-          <a:p>
-            <a:pPr>
-              <a:spcAft>
-                <a:spcPts val="220"/>
-              </a:spcAft>
-            </a:pPr>
-            <a:r>
-              <a:rPr lang="ja-JP" altLang="en-US" sz="1970" b="1" dirty="0"/>
-              <a:t>天気予報 スクレイピング</a:t>
-            </a:r>
-            <a:endParaRPr lang="en-US" altLang="ja-JP" sz="1970" b="1" dirty="0"/>
-          </a:p>
-          <a:p>
-            <a:pPr>
-              <a:spcAft>
-                <a:spcPts val="220"/>
-              </a:spcAft>
-            </a:pPr>
-            <a:r>
-              <a:rPr lang="ja-JP" altLang="en-US" sz="1970" b="1" dirty="0"/>
-              <a:t>天気予報 音声ファイル作成</a:t>
-            </a:r>
-            <a:endParaRPr lang="en-US" altLang="ja-JP" sz="1970" b="1" dirty="0"/>
-          </a:p>
-          <a:p>
-            <a:pPr>
-              <a:spcAft>
-                <a:spcPts val="220"/>
-              </a:spcAft>
-            </a:pPr>
-            <a:r>
-              <a:rPr lang="ja-JP" altLang="en-US" sz="1970" b="1" dirty="0"/>
-              <a:t>ニュース スクレイピング</a:t>
-            </a:r>
-            <a:r>
-              <a:rPr lang="en-US" altLang="ja-JP" sz="1970" b="1" dirty="0"/>
-              <a:t>]</a:t>
-            </a:r>
-          </a:p>
-          <a:p>
-            <a:pPr>
-              <a:spcAft>
-                <a:spcPts val="220"/>
-              </a:spcAft>
-            </a:pPr>
-            <a:r>
-              <a:rPr lang="ja-JP" altLang="en-US" sz="1970" b="1" dirty="0"/>
-              <a:t>ニュース 音声ファイル作成</a:t>
-            </a:r>
-            <a:endParaRPr lang="en-US" altLang="ja-JP" sz="1970" b="1" dirty="0"/>
-          </a:p>
-          <a:p>
-            <a:pPr>
-              <a:spcAft>
-                <a:spcPts val="220"/>
-              </a:spcAft>
-            </a:pPr>
-            <a:r>
-              <a:rPr lang="ja-JP" altLang="en-US" sz="1970" b="1" dirty="0"/>
-              <a:t>マイクのミュートを解除</a:t>
-            </a:r>
-            <a:endParaRPr lang="en-US" altLang="ja-JP" sz="1970" b="1" dirty="0"/>
-          </a:p>
-          <a:p>
-            <a:pPr>
-              <a:spcAft>
-                <a:spcPts val="220"/>
-              </a:spcAft>
-            </a:pPr>
-            <a:endParaRPr lang="en-US" altLang="ja-JP" sz="1970" b="1" dirty="0"/>
-          </a:p>
-          <a:p>
-            <a:pPr>
-              <a:spcAft>
-                <a:spcPts val="220"/>
-              </a:spcAft>
-            </a:pPr>
-            <a:r>
-              <a:rPr lang="ja-JP" altLang="en-US" sz="1970" b="1" dirty="0"/>
-              <a:t>音声メッセージ：起動完了</a:t>
-            </a:r>
-            <a:endParaRPr lang="en-US" altLang="ja-JP" sz="1970" b="1" dirty="0"/>
-          </a:p>
-          <a:p>
-            <a:pPr>
-              <a:spcAft>
-                <a:spcPts val="220"/>
-              </a:spcAft>
-            </a:pPr>
-            <a:r>
-              <a:rPr lang="en-US" altLang="ja-JP" sz="1970" b="1" dirty="0"/>
-              <a:t>[</a:t>
-            </a:r>
-            <a:r>
-              <a:rPr lang="ja-JP" altLang="en-US" sz="1970" b="1" dirty="0"/>
-              <a:t>音声認識～音声合成</a:t>
-            </a:r>
-            <a:r>
-              <a:rPr lang="en-US" altLang="ja-JP" sz="1970" b="1" dirty="0"/>
-              <a:t>]</a:t>
-            </a:r>
-          </a:p>
-        </p:txBody>
-      </p:sp>
-      <p:sp>
-        <p:nvSpPr>
-          <p:cNvPr id="4" name="テキスト ボックス 3">
-            <a:extLst>
-              <a:ext uri="{FF2B5EF4-FFF2-40B4-BE49-F238E27FC236}">
-                <a16:creationId xmlns:a16="http://schemas.microsoft.com/office/drawing/2014/main" id="{CFE4B0F4-A232-480B-8F5B-BB385ABF8764}"/>
-              </a:ext>
-            </a:extLst>
-          </p:cNvPr>
-          <p:cNvSpPr txBox="1"/>
-          <p:nvPr/>
-        </p:nvSpPr>
-        <p:spPr>
-          <a:xfrm>
-            <a:off x="2552186" y="3270192"/>
-            <a:ext cx="5534571" cy="2000548"/>
-          </a:xfrm>
-          <a:prstGeom prst="rect">
-            <a:avLst/>
-          </a:prstGeom>
-          <a:solidFill>
-            <a:schemeClr val="accent6">
-              <a:lumMod val="40000"/>
-              <a:lumOff val="60000"/>
-            </a:schemeClr>
-          </a:solidFill>
-          <a:ln>
-            <a:solidFill>
-              <a:schemeClr val="tx1"/>
-            </a:solidFill>
-          </a:ln>
-        </p:spPr>
-        <p:txBody>
-          <a:bodyPr wrap="square" rtlCol="0">
-            <a:spAutoFit/>
-          </a:bodyPr>
-          <a:lstStyle/>
-          <a:p>
-            <a:r>
-              <a:rPr kumimoji="1" lang="ja-JP" altLang="en-US" sz="4400" b="1" dirty="0"/>
-              <a:t>各 スクレイピング</a:t>
-            </a:r>
-            <a:endParaRPr kumimoji="1" lang="en-US" altLang="ja-JP" sz="4400" b="1" dirty="0"/>
-          </a:p>
-          <a:p>
-            <a:r>
-              <a:rPr kumimoji="1" lang="en-US" altLang="ja-JP" sz="3600" b="1" dirty="0"/>
-              <a:t>		</a:t>
-            </a:r>
-            <a:r>
-              <a:rPr kumimoji="1" lang="ja-JP" altLang="en-US" sz="3600" b="1" dirty="0"/>
-              <a:t>　＆</a:t>
-            </a:r>
-            <a:endParaRPr kumimoji="1" lang="en-US" altLang="ja-JP" sz="3600" b="1" dirty="0"/>
-          </a:p>
-          <a:p>
-            <a:r>
-              <a:rPr lang="ja-JP" altLang="en-US" sz="4400" b="1" dirty="0"/>
-              <a:t>各 音声ファイル作成</a:t>
-            </a:r>
-            <a:endParaRPr kumimoji="1" lang="ja-JP" altLang="en-US" sz="4400" b="1" dirty="0"/>
-          </a:p>
-        </p:txBody>
-      </p:sp>
-    </p:spTree>
-    <p:extLst>
-      <p:ext uri="{BB962C8B-B14F-4D97-AF65-F5344CB8AC3E}">
-        <p14:creationId xmlns:p14="http://schemas.microsoft.com/office/powerpoint/2010/main" val="2745729689"/>
-      </p:ext>
-    </p:extLst>
-  </p:cSld>
-  <p:clrMapOvr>
-    <a:masterClrMapping/>
-  </p:clrMapOvr>
-  <mc:AlternateContent xmlns:mc="http://schemas.openxmlformats.org/markup-compatibility/2006" xmlns:p14="http://schemas.microsoft.com/office/powerpoint/2010/main">
-    <mc:Choice Requires="p14">
-      <p:transition spd="med" p14:dur="700">
-        <p:fade/>
-      </p:transition>
-    </mc:Choice>
-    <mc:Fallback xmlns="">
-      <p:transition spd="med">
-        <p:fade/>
-      </p:transition>
-    </mc:Fallback>
-  </mc:AlternateContent>
-  <p:timing>
-    <p:tnLst>
-      <p:par>
-        <p:cTn id="1" dur="indefinite" restart="never" nodeType="tmRoot">
-          <p:childTnLst>
-            <p:seq concurrent="1" nextAc="seek">
-              <p:cTn id="2" dur="indefinite" nodeType="mainSeq">
-                <p:childTnLst>
-                  <p:par>
-                    <p:cTn id="3" fill="hold">
-                      <p:stCondLst>
-                        <p:cond delay="indefinite"/>
-                      </p:stCondLst>
-                      <p:childTnLst>
-                        <p:par>
-                          <p:cTn id="4" fill="hold">
-                            <p:stCondLst>
-                              <p:cond delay="0"/>
-                            </p:stCondLst>
-                            <p:childTnLst>
-                              <p:par>
-                                <p:cTn id="5" presetID="14" presetClass="entr" presetSubtype="10" fill="hold" grpId="0" nodeType="clickEffect">
-                                  <p:stCondLst>
-                                    <p:cond delay="0"/>
-                                  </p:stCondLst>
-                                  <p:childTnLst>
-                                    <p:set>
-                                      <p:cBhvr>
-                                        <p:cTn id="6" dur="1" fill="hold">
-                                          <p:stCondLst>
-                                            <p:cond delay="0"/>
-                                          </p:stCondLst>
-                                        </p:cTn>
-                                        <p:tgtEl>
-                                          <p:spTgt spid="4"/>
-                                        </p:tgtEl>
-                                        <p:attrNameLst>
-                                          <p:attrName>style.visibility</p:attrName>
-                                        </p:attrNameLst>
-                                      </p:cBhvr>
-                                      <p:to>
-                                        <p:strVal val="visible"/>
-                                      </p:to>
-                                    </p:set>
-                                    <p:animEffect transition="in" filter="randombar(horizontal)">
-                                      <p:cBhvr>
-                                        <p:cTn id="7" dur="250"/>
-                                        <p:tgtEl>
-                                          <p:spTgt spid="4"/>
-                                        </p:tgtEl>
-                                      </p:cBhvr>
-                                    </p:animEffect>
-                                  </p:childTnLst>
-                                </p:cTn>
-                              </p:par>
-                            </p:childTnLst>
-                          </p:cTn>
-                        </p:par>
-                      </p:childTnLst>
-                    </p:cTn>
-                  </p:par>
-                </p:childTnLst>
-              </p:cTn>
-              <p:prevCondLst>
-                <p:cond evt="onPrev" delay="0">
-                  <p:tgtEl>
-                    <p:sldTgt/>
-                  </p:tgtEl>
-                </p:cond>
-              </p:prevCondLst>
-              <p:nextCondLst>
-                <p:cond evt="onNext" delay="0">
-                  <p:tgtEl>
-                    <p:sldTgt/>
-                  </p:tgtEl>
-                </p:cond>
-              </p:nextCondLst>
-            </p:seq>
-          </p:childTnLst>
-        </p:cTn>
-      </p:par>
-    </p:tnLst>
-    <p:bldLst>
-      <p:bldP spid="4" grpId="0" animBg="1"/>
-    </p:bldLst>
-  </p:timing>
-</p:sld>
-</file>
-
-<file path=ppt/slides/slide21.xml><?xml version="1.0" encoding="utf-8"?>
-<p:sld xmlns:a="http://schemas.openxmlformats.org/drawingml/2006/main" xmlns:r="http://schemas.openxmlformats.org/officeDocument/2006/relationships" xmlns:p="http://schemas.openxmlformats.org/presentationml/2006/main">
-  <p:cSld>
-    <p:spTree>
-      <p:nvGrpSpPr>
-        <p:cNvPr id="1" name=""/>
-        <p:cNvGrpSpPr/>
-        <p:nvPr/>
-      </p:nvGrpSpPr>
-      <p:grpSpPr>
-        <a:xfrm>
-          <a:off x="0" y="0"/>
-          <a:ext cx="0" cy="0"/>
-          <a:chOff x="0" y="0"/>
-          <a:chExt cx="0" cy="0"/>
-        </a:xfrm>
-      </p:grpSpPr>
-      <p:sp>
-        <p:nvSpPr>
-          <p:cNvPr id="2" name="タイトル 1">
-            <a:extLst>
-              <a:ext uri="{FF2B5EF4-FFF2-40B4-BE49-F238E27FC236}">
-                <a16:creationId xmlns:a16="http://schemas.microsoft.com/office/drawing/2014/main" id="{B43B901B-C015-40EF-B4CD-3F5F25F44EC0}"/>
-              </a:ext>
-            </a:extLst>
-          </p:cNvPr>
-          <p:cNvSpPr>
-            <a:spLocks noGrp="1"/>
-          </p:cNvSpPr>
-          <p:nvPr>
-            <p:ph type="title"/>
-          </p:nvPr>
-        </p:nvSpPr>
-        <p:spPr/>
-        <p:txBody>
-          <a:bodyPr/>
-          <a:lstStyle/>
-          <a:p>
-            <a:r>
-              <a:rPr kumimoji="1" lang="en-US" altLang="ja-JP" dirty="0"/>
-              <a:t>YoSiE</a:t>
-            </a:r>
-            <a:r>
-              <a:rPr kumimoji="1" lang="ja-JP" altLang="en-US" dirty="0"/>
-              <a:t>の可能性</a:t>
-            </a:r>
-          </a:p>
-        </p:txBody>
-      </p:sp>
-      <p:sp>
-        <p:nvSpPr>
-          <p:cNvPr id="3" name="コンテンツ プレースホルダー 2">
-            <a:extLst>
-              <a:ext uri="{FF2B5EF4-FFF2-40B4-BE49-F238E27FC236}">
-                <a16:creationId xmlns:a16="http://schemas.microsoft.com/office/drawing/2014/main" id="{1E815E2C-35DE-441F-860D-34AECE6DA488}"/>
-              </a:ext>
-            </a:extLst>
-          </p:cNvPr>
-          <p:cNvSpPr>
-            <a:spLocks noGrp="1"/>
-          </p:cNvSpPr>
-          <p:nvPr>
-            <p:ph idx="1"/>
-          </p:nvPr>
-        </p:nvSpPr>
-        <p:spPr/>
-        <p:txBody>
-          <a:bodyPr/>
-          <a:lstStyle/>
-          <a:p>
-            <a:endParaRPr kumimoji="1" lang="ja-JP" altLang="en-US"/>
-          </a:p>
-        </p:txBody>
-      </p:sp>
-    </p:spTree>
-    <p:extLst>
-      <p:ext uri="{BB962C8B-B14F-4D97-AF65-F5344CB8AC3E}">
-        <p14:creationId xmlns:p14="http://schemas.microsoft.com/office/powerpoint/2010/main" val="1361338163"/>
-      </p:ext>
-    </p:extLst>
-  </p:cSld>
-  <p:clrMapOvr>
-    <a:masterClrMapping/>
-  </p:clrMapOvr>
-</p:sld>
-</file>
-
-<file path=ppt/slides/slide22.xml><?xml version="1.0" encoding="utf-8"?>
-<p:sld xmlns:a="http://schemas.openxmlformats.org/drawingml/2006/main" xmlns:r="http://schemas.openxmlformats.org/officeDocument/2006/relationships" xmlns:p="http://schemas.openxmlformats.org/presentationml/2006/main">
-  <p:cSld>
-    <p:spTree>
-      <p:nvGrpSpPr>
-        <p:cNvPr id="1" name=""/>
-        <p:cNvGrpSpPr/>
-        <p:nvPr/>
-      </p:nvGrpSpPr>
-      <p:grpSpPr>
-        <a:xfrm>
-          <a:off x="0" y="0"/>
-          <a:ext cx="0" cy="0"/>
-          <a:chOff x="0" y="0"/>
-          <a:chExt cx="0" cy="0"/>
-        </a:xfrm>
-      </p:grpSpPr>
-      <p:sp>
-        <p:nvSpPr>
-          <p:cNvPr id="2" name="タイトル 1">
-            <a:extLst>
-              <a:ext uri="{FF2B5EF4-FFF2-40B4-BE49-F238E27FC236}">
-                <a16:creationId xmlns:a16="http://schemas.microsoft.com/office/drawing/2014/main" id="{384D39EC-5E82-4640-93A2-83BC7D77C59D}"/>
-              </a:ext>
-            </a:extLst>
-          </p:cNvPr>
-          <p:cNvSpPr>
-            <a:spLocks noGrp="1"/>
-          </p:cNvSpPr>
-          <p:nvPr>
-            <p:ph type="title"/>
-          </p:nvPr>
-        </p:nvSpPr>
-        <p:spPr/>
-        <p:txBody>
-          <a:bodyPr/>
-          <a:lstStyle/>
-          <a:p>
-            <a:r>
-              <a:rPr kumimoji="1" lang="ja-JP" altLang="en-US" dirty="0"/>
-              <a:t>ご清聴ありがとうございました</a:t>
-            </a:r>
-          </a:p>
-        </p:txBody>
-      </p:sp>
-      <p:sp>
-        <p:nvSpPr>
-          <p:cNvPr id="3" name="コンテンツ プレースホルダー 2">
-            <a:extLst>
-              <a:ext uri="{FF2B5EF4-FFF2-40B4-BE49-F238E27FC236}">
-                <a16:creationId xmlns:a16="http://schemas.microsoft.com/office/drawing/2014/main" id="{D7C443F7-5DA9-49EF-948F-D88E00CA4D83}"/>
-              </a:ext>
-            </a:extLst>
-          </p:cNvPr>
-          <p:cNvSpPr>
-            <a:spLocks noGrp="1"/>
-          </p:cNvSpPr>
-          <p:nvPr>
-            <p:ph idx="1"/>
-          </p:nvPr>
-        </p:nvSpPr>
-        <p:spPr/>
-        <p:txBody>
-          <a:bodyPr/>
-          <a:lstStyle/>
-          <a:p>
-            <a:endParaRPr kumimoji="1" lang="ja-JP" altLang="en-US"/>
-          </a:p>
-        </p:txBody>
-      </p:sp>
-    </p:spTree>
-    <p:extLst>
-      <p:ext uri="{BB962C8B-B14F-4D97-AF65-F5344CB8AC3E}">
-        <p14:creationId xmlns:p14="http://schemas.microsoft.com/office/powerpoint/2010/main" val="1206162255"/>
-      </p:ext>
-    </p:extLst>
-  </p:cSld>
-  <p:clrMapOvr>
-    <a:masterClrMapping/>
-  </p:clrMapOvr>
-</p:sld>
-</file>
-
-<file path=ppt/slides/slide3.xml><?xml version="1.0" encoding="utf-8"?>
+<file path=ppt/slides/slide4.xml><?xml version="1.0" encoding="utf-8"?>
 <p:sld xmlns:a="http://schemas.openxmlformats.org/drawingml/2006/main" xmlns:r="http://schemas.openxmlformats.org/officeDocument/2006/relationships" xmlns:p="http://schemas.openxmlformats.org/presentationml/2006/main">
   <p:cSld>
     <p:spTree>
@@ -12598,7 +12884,7 @@
 </p:sld>
 </file>
 
-<file path=ppt/slides/slide4.xml><?xml version="1.0" encoding="utf-8"?>
+<file path=ppt/slides/slide5.xml><?xml version="1.0" encoding="utf-8"?>
 <p:sld xmlns:a="http://schemas.openxmlformats.org/drawingml/2006/main" xmlns:r="http://schemas.openxmlformats.org/officeDocument/2006/relationships" xmlns:p="http://schemas.openxmlformats.org/presentationml/2006/main">
   <p:cSld>
     <p:spTree>
@@ -13499,7 +13785,7 @@
 </p:sld>
 </file>
 
-<file path=ppt/slides/slide5.xml><?xml version="1.0" encoding="utf-8"?>
+<file path=ppt/slides/slide6.xml><?xml version="1.0" encoding="utf-8"?>
 <p:sld xmlns:a="http://schemas.openxmlformats.org/drawingml/2006/main" xmlns:r="http://schemas.openxmlformats.org/officeDocument/2006/relationships" xmlns:p="http://schemas.openxmlformats.org/presentationml/2006/main">
   <p:cSld>
     <p:spTree>
@@ -14118,7 +14404,7 @@
 </p:sld>
 </file>
 
-<file path=ppt/slides/slide6.xml><?xml version="1.0" encoding="utf-8"?>
+<file path=ppt/slides/slide7.xml><?xml version="1.0" encoding="utf-8"?>
 <p:sld xmlns:a="http://schemas.openxmlformats.org/drawingml/2006/main" xmlns:r="http://schemas.openxmlformats.org/officeDocument/2006/relationships" xmlns:p="http://schemas.openxmlformats.org/presentationml/2006/main">
   <p:cSld>
     <p:spTree>
@@ -14833,7 +15119,7 @@
 </p:sld>
 </file>
 
-<file path=ppt/slides/slide7.xml><?xml version="1.0" encoding="utf-8"?>
+<file path=ppt/slides/slide8.xml><?xml version="1.0" encoding="utf-8"?>
 <p:sld xmlns:a="http://schemas.openxmlformats.org/drawingml/2006/main" xmlns:r="http://schemas.openxmlformats.org/officeDocument/2006/relationships" xmlns:p="http://schemas.openxmlformats.org/presentationml/2006/main">
   <p:cSld>
     <p:spTree>
@@ -15041,7 +15327,7 @@
 </p:sld>
 </file>
 
-<file path=ppt/slides/slide8.xml><?xml version="1.0" encoding="utf-8"?>
+<file path=ppt/slides/slide9.xml><?xml version="1.0" encoding="utf-8"?>
 <p:sld xmlns:a="http://schemas.openxmlformats.org/drawingml/2006/main" xmlns:r="http://schemas.openxmlformats.org/officeDocument/2006/relationships" xmlns:p="http://schemas.openxmlformats.org/presentationml/2006/main">
   <p:cSld>
     <p:spTree>
@@ -15920,8 +16206,8 @@
           </a:xfrm>
           <a:prstGeom prst="wedgeRectCallout">
             <a:avLst>
-              <a:gd name="adj1" fmla="val -85978"/>
-              <a:gd name="adj2" fmla="val 573"/>
+              <a:gd name="adj1" fmla="val -82928"/>
+              <a:gd name="adj2" fmla="val 1503"/>
             </a:avLst>
           </a:prstGeom>
           <a:solidFill>
@@ -17443,146 +17729,6 @@
 </p:sld>
 </file>
 
-<file path=ppt/slides/slide9.xml><?xml version="1.0" encoding="utf-8"?>
-<p:sld xmlns:a="http://schemas.openxmlformats.org/drawingml/2006/main" xmlns:r="http://schemas.openxmlformats.org/officeDocument/2006/relationships" xmlns:p="http://schemas.openxmlformats.org/presentationml/2006/main">
-  <p:cSld>
-    <p:spTree>
-      <p:nvGrpSpPr>
-        <p:cNvPr id="1" name=""/>
-        <p:cNvGrpSpPr/>
-        <p:nvPr/>
-      </p:nvGrpSpPr>
-      <p:grpSpPr>
-        <a:xfrm>
-          <a:off x="0" y="0"/>
-          <a:ext cx="0" cy="0"/>
-          <a:chOff x="0" y="0"/>
-          <a:chExt cx="0" cy="0"/>
-        </a:xfrm>
-      </p:grpSpPr>
-      <p:sp>
-        <p:nvSpPr>
-          <p:cNvPr id="2" name="タイトル 1">
-            <a:extLst>
-              <a:ext uri="{FF2B5EF4-FFF2-40B4-BE49-F238E27FC236}">
-                <a16:creationId xmlns:a16="http://schemas.microsoft.com/office/drawing/2014/main" id="{2F54B871-1C29-443D-B7CD-A4880E1EFD3C}"/>
-              </a:ext>
-            </a:extLst>
-          </p:cNvPr>
-          <p:cNvSpPr>
-            <a:spLocks noGrp="1"/>
-          </p:cNvSpPr>
-          <p:nvPr>
-            <p:ph type="title"/>
-          </p:nvPr>
-        </p:nvSpPr>
-        <p:spPr/>
-        <p:txBody>
-          <a:bodyPr/>
-          <a:lstStyle/>
-          <a:p>
-            <a:r>
-              <a:rPr kumimoji="1" lang="ja-JP" altLang="en-US" dirty="0"/>
-              <a:t>辞書データ</a:t>
-            </a:r>
-          </a:p>
-        </p:txBody>
-      </p:sp>
-      <p:sp>
-        <p:nvSpPr>
-          <p:cNvPr id="3" name="コンテンツ プレースホルダー 2">
-            <a:extLst>
-              <a:ext uri="{FF2B5EF4-FFF2-40B4-BE49-F238E27FC236}">
-                <a16:creationId xmlns:a16="http://schemas.microsoft.com/office/drawing/2014/main" id="{359BA7E9-5FB0-436F-941D-2F003078FAD5}"/>
-              </a:ext>
-            </a:extLst>
-          </p:cNvPr>
-          <p:cNvSpPr>
-            <a:spLocks noGrp="1"/>
-          </p:cNvSpPr>
-          <p:nvPr>
-            <p:ph idx="1"/>
-          </p:nvPr>
-        </p:nvSpPr>
-        <p:spPr/>
-        <p:txBody>
-          <a:bodyPr/>
-          <a:lstStyle/>
-          <a:p>
-            <a:endParaRPr kumimoji="1" lang="ja-JP" altLang="en-US"/>
-          </a:p>
-        </p:txBody>
-      </p:sp>
-      <p:sp>
-        <p:nvSpPr>
-          <p:cNvPr id="5" name="正方形/長方形 4">
-            <a:extLst>
-              <a:ext uri="{FF2B5EF4-FFF2-40B4-BE49-F238E27FC236}">
-                <a16:creationId xmlns:a16="http://schemas.microsoft.com/office/drawing/2014/main" id="{0853C9A5-A8A3-4AEE-B695-9634976812D0}"/>
-              </a:ext>
-            </a:extLst>
-          </p:cNvPr>
-          <p:cNvSpPr/>
-          <p:nvPr/>
-        </p:nvSpPr>
-        <p:spPr>
-          <a:xfrm>
-            <a:off x="9508067" y="0"/>
-            <a:ext cx="2683933" cy="1593908"/>
-          </a:xfrm>
-          <a:prstGeom prst="rect">
-            <a:avLst/>
-          </a:prstGeom>
-          <a:solidFill>
-            <a:schemeClr val="accent6">
-              <a:lumMod val="60000"/>
-              <a:lumOff val="40000"/>
-            </a:schemeClr>
-          </a:solidFill>
-          <a:ln>
-            <a:solidFill>
-              <a:schemeClr val="tx1"/>
-            </a:solidFill>
-          </a:ln>
-        </p:spPr>
-        <p:style>
-          <a:lnRef idx="2">
-            <a:schemeClr val="accent1">
-              <a:shade val="50000"/>
-            </a:schemeClr>
-          </a:lnRef>
-          <a:fillRef idx="1">
-            <a:schemeClr val="accent1"/>
-          </a:fillRef>
-          <a:effectRef idx="0">
-            <a:schemeClr val="accent1"/>
-          </a:effectRef>
-          <a:fontRef idx="minor">
-            <a:schemeClr val="lt1"/>
-          </a:fontRef>
-        </p:style>
-        <p:txBody>
-          <a:bodyPr rtlCol="0" anchor="ctr"/>
-          <a:lstStyle/>
-          <a:p>
-            <a:pPr algn="ctr"/>
-            <a:endParaRPr kumimoji="1" lang="ja-JP" altLang="en-US"/>
-          </a:p>
-        </p:txBody>
-      </p:sp>
-    </p:spTree>
-    <p:extLst>
-      <p:ext uri="{BB962C8B-B14F-4D97-AF65-F5344CB8AC3E}">
-        <p14:creationId xmlns:p14="http://schemas.microsoft.com/office/powerpoint/2010/main" val="532322399"/>
-      </p:ext>
-    </p:extLst>
-  </p:cSld>
-  <p:clrMapOvr>
-    <a:masterClrMapping/>
-  </p:clrMapOvr>
-</p:sld>
-</file>
-
 <file path=ppt/theme/theme1.xml><?xml version="1.0" encoding="utf-8"?>
 <a:theme xmlns:a="http://schemas.openxmlformats.org/drawingml/2006/main" name="Office テーマ">
   <a:themeElements>

--- a/presentation/AIスピーカー開発_3_main.pptx
+++ b/presentation/AIスピーカー開発_3_main.pptx
@@ -5,7 +5,7 @@
     <p:sldMasterId id="2147483648" r:id="rId1"/>
   </p:sldMasterIdLst>
   <p:notesMasterIdLst>
-    <p:notesMasterId r:id="rId26"/>
+    <p:notesMasterId r:id="rId30"/>
   </p:notesMasterIdLst>
   <p:sldIdLst>
     <p:sldId id="256" r:id="rId2"/>
@@ -18,20 +18,24 @@
     <p:sldId id="276" r:id="rId9"/>
     <p:sldId id="261" r:id="rId10"/>
     <p:sldId id="271" r:id="rId11"/>
-    <p:sldId id="262" r:id="rId12"/>
-    <p:sldId id="270" r:id="rId13"/>
-    <p:sldId id="263" r:id="rId14"/>
-    <p:sldId id="264" r:id="rId15"/>
-    <p:sldId id="273" r:id="rId16"/>
-    <p:sldId id="274" r:id="rId17"/>
-    <p:sldId id="265" r:id="rId18"/>
-    <p:sldId id="275" r:id="rId19"/>
-    <p:sldId id="269" r:id="rId20"/>
-    <p:sldId id="266" r:id="rId21"/>
-    <p:sldId id="277" r:id="rId22"/>
-    <p:sldId id="267" r:id="rId23"/>
-    <p:sldId id="279" r:id="rId24"/>
-    <p:sldId id="268" r:id="rId25"/>
+    <p:sldId id="284" r:id="rId12"/>
+    <p:sldId id="285" r:id="rId13"/>
+    <p:sldId id="286" r:id="rId14"/>
+    <p:sldId id="287" r:id="rId15"/>
+    <p:sldId id="262" r:id="rId16"/>
+    <p:sldId id="270" r:id="rId17"/>
+    <p:sldId id="263" r:id="rId18"/>
+    <p:sldId id="264" r:id="rId19"/>
+    <p:sldId id="273" r:id="rId20"/>
+    <p:sldId id="274" r:id="rId21"/>
+    <p:sldId id="265" r:id="rId22"/>
+    <p:sldId id="275" r:id="rId23"/>
+    <p:sldId id="269" r:id="rId24"/>
+    <p:sldId id="266" r:id="rId25"/>
+    <p:sldId id="277" r:id="rId26"/>
+    <p:sldId id="267" r:id="rId27"/>
+    <p:sldId id="279" r:id="rId28"/>
+    <p:sldId id="268" r:id="rId29"/>
   </p:sldIdLst>
   <p:sldSz cx="12192000" cy="6858000"/>
   <p:notesSz cx="6858000" cy="9144000"/>
@@ -2764,7 +2768,7 @@
           <a:p>
             <a:fld id="{D3FBB20C-20C4-49AD-85A3-C66C862503B5}" type="datetimeFigureOut">
               <a:rPr kumimoji="1" lang="ja-JP" altLang="en-US" smtClean="0"/>
-              <a:t>2022/1/14</a:t>
+              <a:t>2022/1/16</a:t>
             </a:fld>
             <a:endParaRPr kumimoji="1" lang="ja-JP" altLang="en-US"/>
           </a:p>
@@ -3553,7 +3557,7 @@
           <a:p>
             <a:fld id="{1A2E7C28-4903-4521-8E60-0F80C627678B}" type="slidenum">
               <a:rPr kumimoji="1" lang="ja-JP" altLang="en-US" smtClean="0"/>
-              <a:t>15</a:t>
+              <a:t>19</a:t>
             </a:fld>
             <a:endParaRPr kumimoji="1" lang="ja-JP" altLang="en-US"/>
           </a:p>
@@ -3655,7 +3659,7 @@
           <a:p>
             <a:fld id="{1A2E7C28-4903-4521-8E60-0F80C627678B}" type="slidenum">
               <a:rPr kumimoji="1" lang="ja-JP" altLang="en-US" smtClean="0"/>
-              <a:t>17</a:t>
+              <a:t>21</a:t>
             </a:fld>
             <a:endParaRPr kumimoji="1" lang="ja-JP" altLang="en-US"/>
           </a:p>
@@ -3743,7 +3747,7 @@
           <a:p>
             <a:fld id="{1A2E7C28-4903-4521-8E60-0F80C627678B}" type="slidenum">
               <a:rPr kumimoji="1" lang="ja-JP" altLang="en-US" smtClean="0"/>
-              <a:t>18</a:t>
+              <a:t>22</a:t>
             </a:fld>
             <a:endParaRPr kumimoji="1" lang="ja-JP" altLang="en-US"/>
           </a:p>
@@ -3827,7 +3831,7 @@
           <a:p>
             <a:fld id="{1A2E7C28-4903-4521-8E60-0F80C627678B}" type="slidenum">
               <a:rPr kumimoji="1" lang="ja-JP" altLang="en-US" smtClean="0"/>
-              <a:t>21</a:t>
+              <a:t>25</a:t>
             </a:fld>
             <a:endParaRPr kumimoji="1" lang="ja-JP" altLang="en-US"/>
           </a:p>
@@ -3922,7 +3926,7 @@
           <a:p>
             <a:fld id="{1A2E7C28-4903-4521-8E60-0F80C627678B}" type="slidenum">
               <a:rPr kumimoji="1" lang="ja-JP" altLang="en-US" smtClean="0"/>
-              <a:t>24</a:t>
+              <a:t>28</a:t>
             </a:fld>
             <a:endParaRPr kumimoji="1" lang="ja-JP" altLang="en-US"/>
           </a:p>
@@ -4088,7 +4092,7 @@
           <a:p>
             <a:fld id="{C63D219B-6862-4E6A-9F9E-C4C4759712F9}" type="datetimeFigureOut">
               <a:rPr kumimoji="1" lang="ja-JP" altLang="en-US" smtClean="0"/>
-              <a:t>2022/1/14</a:t>
+              <a:t>2022/1/16</a:t>
             </a:fld>
             <a:endParaRPr kumimoji="1" lang="ja-JP" altLang="en-US"/>
           </a:p>
@@ -4318,7 +4322,7 @@
           <a:p>
             <a:fld id="{C63D219B-6862-4E6A-9F9E-C4C4759712F9}" type="datetimeFigureOut">
               <a:rPr kumimoji="1" lang="ja-JP" altLang="en-US" smtClean="0"/>
-              <a:t>2022/1/14</a:t>
+              <a:t>2022/1/16</a:t>
             </a:fld>
             <a:endParaRPr kumimoji="1" lang="ja-JP" altLang="en-US"/>
           </a:p>
@@ -4558,7 +4562,7 @@
           <a:p>
             <a:fld id="{C63D219B-6862-4E6A-9F9E-C4C4759712F9}" type="datetimeFigureOut">
               <a:rPr kumimoji="1" lang="ja-JP" altLang="en-US" smtClean="0"/>
-              <a:t>2022/1/14</a:t>
+              <a:t>2022/1/16</a:t>
             </a:fld>
             <a:endParaRPr kumimoji="1" lang="ja-JP" altLang="en-US"/>
           </a:p>
@@ -4788,7 +4792,7 @@
           <a:p>
             <a:fld id="{C63D219B-6862-4E6A-9F9E-C4C4759712F9}" type="datetimeFigureOut">
               <a:rPr kumimoji="1" lang="ja-JP" altLang="en-US" smtClean="0"/>
-              <a:t>2022/1/14</a:t>
+              <a:t>2022/1/16</a:t>
             </a:fld>
             <a:endParaRPr kumimoji="1" lang="ja-JP" altLang="en-US"/>
           </a:p>
@@ -5063,7 +5067,7 @@
           <a:p>
             <a:fld id="{C63D219B-6862-4E6A-9F9E-C4C4759712F9}" type="datetimeFigureOut">
               <a:rPr kumimoji="1" lang="ja-JP" altLang="en-US" smtClean="0"/>
-              <a:t>2022/1/14</a:t>
+              <a:t>2022/1/16</a:t>
             </a:fld>
             <a:endParaRPr kumimoji="1" lang="ja-JP" altLang="en-US"/>
           </a:p>
@@ -5392,7 +5396,7 @@
           <a:p>
             <a:fld id="{C63D219B-6862-4E6A-9F9E-C4C4759712F9}" type="datetimeFigureOut">
               <a:rPr kumimoji="1" lang="ja-JP" altLang="en-US" smtClean="0"/>
-              <a:t>2022/1/14</a:t>
+              <a:t>2022/1/16</a:t>
             </a:fld>
             <a:endParaRPr kumimoji="1" lang="ja-JP" altLang="en-US"/>
           </a:p>
@@ -5868,7 +5872,7 @@
           <a:p>
             <a:fld id="{C63D219B-6862-4E6A-9F9E-C4C4759712F9}" type="datetimeFigureOut">
               <a:rPr kumimoji="1" lang="ja-JP" altLang="en-US" smtClean="0"/>
-              <a:t>2022/1/14</a:t>
+              <a:t>2022/1/16</a:t>
             </a:fld>
             <a:endParaRPr kumimoji="1" lang="ja-JP" altLang="en-US"/>
           </a:p>
@@ -6009,7 +6013,7 @@
           <a:p>
             <a:fld id="{C63D219B-6862-4E6A-9F9E-C4C4759712F9}" type="datetimeFigureOut">
               <a:rPr kumimoji="1" lang="ja-JP" altLang="en-US" smtClean="0"/>
-              <a:t>2022/1/14</a:t>
+              <a:t>2022/1/16</a:t>
             </a:fld>
             <a:endParaRPr kumimoji="1" lang="ja-JP" altLang="en-US"/>
           </a:p>
@@ -6122,7 +6126,7 @@
           <a:p>
             <a:fld id="{C63D219B-6862-4E6A-9F9E-C4C4759712F9}" type="datetimeFigureOut">
               <a:rPr kumimoji="1" lang="ja-JP" altLang="en-US" smtClean="0"/>
-              <a:t>2022/1/14</a:t>
+              <a:t>2022/1/16</a:t>
             </a:fld>
             <a:endParaRPr kumimoji="1" lang="ja-JP" altLang="en-US"/>
           </a:p>
@@ -6465,7 +6469,7 @@
           <a:p>
             <a:fld id="{C63D219B-6862-4E6A-9F9E-C4C4759712F9}" type="datetimeFigureOut">
               <a:rPr kumimoji="1" lang="ja-JP" altLang="en-US" smtClean="0"/>
-              <a:t>2022/1/14</a:t>
+              <a:t>2022/1/16</a:t>
             </a:fld>
             <a:endParaRPr kumimoji="1" lang="ja-JP" altLang="en-US"/>
           </a:p>
@@ -6753,7 +6757,7 @@
           <a:p>
             <a:fld id="{C63D219B-6862-4E6A-9F9E-C4C4759712F9}" type="datetimeFigureOut">
               <a:rPr kumimoji="1" lang="ja-JP" altLang="en-US" smtClean="0"/>
-              <a:t>2022/1/14</a:t>
+              <a:t>2022/1/16</a:t>
             </a:fld>
             <a:endParaRPr kumimoji="1" lang="ja-JP" altLang="en-US"/>
           </a:p>
@@ -7053,7 +7057,7 @@
           <a:p>
             <a:fld id="{C63D219B-6862-4E6A-9F9E-C4C4759712F9}" type="datetimeFigureOut">
               <a:rPr kumimoji="1" lang="ja-JP" altLang="en-US" smtClean="0"/>
-              <a:t>2022/1/14</a:t>
+              <a:t>2022/1/16</a:t>
             </a:fld>
             <a:endParaRPr kumimoji="1" lang="ja-JP" altLang="en-US"/>
           </a:p>
@@ -7679,8 +7683,13 @@
           <a:p>
             <a:r>
               <a:rPr kumimoji="1" lang="ja-JP" altLang="en-US" dirty="0"/>
-              <a:t>辞書データ</a:t>
-            </a:r>
+              <a:t>辞書</a:t>
+            </a:r>
+            <a:r>
+              <a:rPr lang="ja-JP" altLang="en-US" dirty="0"/>
+              <a:t>ファイル</a:t>
+            </a:r>
+            <a:endParaRPr kumimoji="1" lang="ja-JP" altLang="en-US" dirty="0"/>
           </a:p>
         </p:txBody>
       </p:sp>
@@ -7702,10 +7711,37 @@
         </p:nvSpPr>
         <p:spPr/>
         <p:txBody>
-          <a:bodyPr/>
+          <a:bodyPr>
+            <a:normAutofit/>
+          </a:bodyPr>
           <a:lstStyle/>
           <a:p>
-            <a:endParaRPr kumimoji="1" lang="ja-JP" altLang="en-US"/>
+            <a:r>
+              <a:rPr kumimoji="1" lang="ja-JP" altLang="en-US" sz="4800" dirty="0"/>
+              <a:t>読みファイル</a:t>
+            </a:r>
+            <a:endParaRPr kumimoji="1" lang="en-US" altLang="ja-JP" sz="4800" dirty="0"/>
+          </a:p>
+          <a:p>
+            <a:r>
+              <a:rPr lang="ja-JP" altLang="en-US" sz="4800" dirty="0"/>
+              <a:t>音素ファイル</a:t>
+            </a:r>
+            <a:endParaRPr lang="en-US" altLang="ja-JP" sz="4800" dirty="0"/>
+          </a:p>
+          <a:p>
+            <a:r>
+              <a:rPr kumimoji="1" lang="ja-JP" altLang="en-US" sz="4800" dirty="0"/>
+              <a:t>語彙ファイル　</a:t>
+            </a:r>
+            <a:endParaRPr kumimoji="1" lang="en-US" altLang="ja-JP" sz="4800" dirty="0"/>
+          </a:p>
+          <a:p>
+            <a:r>
+              <a:rPr lang="ja-JP" altLang="en-US" sz="4800" dirty="0"/>
+              <a:t>構文ファイル</a:t>
+            </a:r>
+            <a:endParaRPr kumimoji="1" lang="ja-JP" altLang="en-US" sz="4800" dirty="0"/>
           </a:p>
         </p:txBody>
       </p:sp>
@@ -7776,6 +7812,283 @@
   <p:clrMapOvr>
     <a:masterClrMapping/>
   </p:clrMapOvr>
+  <p:timing>
+    <p:tnLst>
+      <p:par>
+        <p:cTn id="1" dur="indefinite" restart="never" nodeType="tmRoot">
+          <p:childTnLst>
+            <p:seq concurrent="1" nextAc="seek">
+              <p:cTn id="2" dur="indefinite" nodeType="mainSeq">
+                <p:childTnLst>
+                  <p:par>
+                    <p:cTn id="3" fill="hold">
+                      <p:stCondLst>
+                        <p:cond delay="indefinite"/>
+                      </p:stCondLst>
+                      <p:childTnLst>
+                        <p:par>
+                          <p:cTn id="4" fill="hold">
+                            <p:stCondLst>
+                              <p:cond delay="0"/>
+                            </p:stCondLst>
+                            <p:childTnLst>
+                              <p:par>
+                                <p:cTn id="5" presetID="10" presetClass="entr" presetSubtype="0" fill="hold" grpId="0" nodeType="clickEffect">
+                                  <p:stCondLst>
+                                    <p:cond delay="0"/>
+                                  </p:stCondLst>
+                                  <p:childTnLst>
+                                    <p:set>
+                                      <p:cBhvr>
+                                        <p:cTn id="6" dur="1" fill="hold">
+                                          <p:stCondLst>
+                                            <p:cond delay="0"/>
+                                          </p:stCondLst>
+                                        </p:cTn>
+                                        <p:tgtEl>
+                                          <p:spTgt spid="3">
+                                            <p:txEl>
+                                              <p:pRg st="0" end="0"/>
+                                            </p:txEl>
+                                          </p:spTgt>
+                                        </p:tgtEl>
+                                        <p:attrNameLst>
+                                          <p:attrName>style.visibility</p:attrName>
+                                        </p:attrNameLst>
+                                      </p:cBhvr>
+                                      <p:to>
+                                        <p:strVal val="visible"/>
+                                      </p:to>
+                                    </p:set>
+                                    <p:animEffect transition="in" filter="fade">
+                                      <p:cBhvr>
+                                        <p:cTn id="7" dur="500"/>
+                                        <p:tgtEl>
+                                          <p:spTgt spid="3">
+                                            <p:txEl>
+                                              <p:pRg st="0" end="0"/>
+                                            </p:txEl>
+                                          </p:spTgt>
+                                        </p:tgtEl>
+                                      </p:cBhvr>
+                                    </p:animEffect>
+                                  </p:childTnLst>
+                                </p:cTn>
+                              </p:par>
+                            </p:childTnLst>
+                          </p:cTn>
+                        </p:par>
+                      </p:childTnLst>
+                    </p:cTn>
+                  </p:par>
+                  <p:par>
+                    <p:cTn id="8" fill="hold">
+                      <p:stCondLst>
+                        <p:cond delay="indefinite"/>
+                      </p:stCondLst>
+                      <p:childTnLst>
+                        <p:par>
+                          <p:cTn id="9" fill="hold">
+                            <p:stCondLst>
+                              <p:cond delay="0"/>
+                            </p:stCondLst>
+                            <p:childTnLst>
+                              <p:par>
+                                <p:cTn id="10" presetID="10" presetClass="entr" presetSubtype="0" fill="hold" grpId="0" nodeType="clickEffect">
+                                  <p:stCondLst>
+                                    <p:cond delay="0"/>
+                                  </p:stCondLst>
+                                  <p:childTnLst>
+                                    <p:set>
+                                      <p:cBhvr>
+                                        <p:cTn id="11" dur="1" fill="hold">
+                                          <p:stCondLst>
+                                            <p:cond delay="0"/>
+                                          </p:stCondLst>
+                                        </p:cTn>
+                                        <p:tgtEl>
+                                          <p:spTgt spid="3">
+                                            <p:txEl>
+                                              <p:pRg st="1" end="1"/>
+                                            </p:txEl>
+                                          </p:spTgt>
+                                        </p:tgtEl>
+                                        <p:attrNameLst>
+                                          <p:attrName>style.visibility</p:attrName>
+                                        </p:attrNameLst>
+                                      </p:cBhvr>
+                                      <p:to>
+                                        <p:strVal val="visible"/>
+                                      </p:to>
+                                    </p:set>
+                                    <p:animEffect transition="in" filter="fade">
+                                      <p:cBhvr>
+                                        <p:cTn id="12" dur="500"/>
+                                        <p:tgtEl>
+                                          <p:spTgt spid="3">
+                                            <p:txEl>
+                                              <p:pRg st="1" end="1"/>
+                                            </p:txEl>
+                                          </p:spTgt>
+                                        </p:tgtEl>
+                                      </p:cBhvr>
+                                    </p:animEffect>
+                                  </p:childTnLst>
+                                </p:cTn>
+                              </p:par>
+                            </p:childTnLst>
+                          </p:cTn>
+                        </p:par>
+                      </p:childTnLst>
+                    </p:cTn>
+                  </p:par>
+                  <p:par>
+                    <p:cTn id="13" fill="hold">
+                      <p:stCondLst>
+                        <p:cond delay="indefinite"/>
+                      </p:stCondLst>
+                      <p:childTnLst>
+                        <p:par>
+                          <p:cTn id="14" fill="hold">
+                            <p:stCondLst>
+                              <p:cond delay="0"/>
+                            </p:stCondLst>
+                            <p:childTnLst>
+                              <p:par>
+                                <p:cTn id="15" presetID="10" presetClass="entr" presetSubtype="0" fill="hold" grpId="0" nodeType="clickEffect">
+                                  <p:stCondLst>
+                                    <p:cond delay="0"/>
+                                  </p:stCondLst>
+                                  <p:childTnLst>
+                                    <p:set>
+                                      <p:cBhvr>
+                                        <p:cTn id="16" dur="1" fill="hold">
+                                          <p:stCondLst>
+                                            <p:cond delay="0"/>
+                                          </p:stCondLst>
+                                        </p:cTn>
+                                        <p:tgtEl>
+                                          <p:spTgt spid="3">
+                                            <p:txEl>
+                                              <p:pRg st="2" end="2"/>
+                                            </p:txEl>
+                                          </p:spTgt>
+                                        </p:tgtEl>
+                                        <p:attrNameLst>
+                                          <p:attrName>style.visibility</p:attrName>
+                                        </p:attrNameLst>
+                                      </p:cBhvr>
+                                      <p:to>
+                                        <p:strVal val="visible"/>
+                                      </p:to>
+                                    </p:set>
+                                    <p:animEffect transition="in" filter="fade">
+                                      <p:cBhvr>
+                                        <p:cTn id="17" dur="500"/>
+                                        <p:tgtEl>
+                                          <p:spTgt spid="3">
+                                            <p:txEl>
+                                              <p:pRg st="2" end="2"/>
+                                            </p:txEl>
+                                          </p:spTgt>
+                                        </p:tgtEl>
+                                      </p:cBhvr>
+                                    </p:animEffect>
+                                  </p:childTnLst>
+                                </p:cTn>
+                              </p:par>
+                            </p:childTnLst>
+                          </p:cTn>
+                        </p:par>
+                      </p:childTnLst>
+                    </p:cTn>
+                  </p:par>
+                  <p:par>
+                    <p:cTn id="18" fill="hold">
+                      <p:stCondLst>
+                        <p:cond delay="indefinite"/>
+                      </p:stCondLst>
+                      <p:childTnLst>
+                        <p:par>
+                          <p:cTn id="19" fill="hold">
+                            <p:stCondLst>
+                              <p:cond delay="0"/>
+                            </p:stCondLst>
+                            <p:childTnLst>
+                              <p:par>
+                                <p:cTn id="20" presetID="10" presetClass="entr" presetSubtype="0" fill="hold" grpId="0" nodeType="clickEffect">
+                                  <p:stCondLst>
+                                    <p:cond delay="0"/>
+                                  </p:stCondLst>
+                                  <p:childTnLst>
+                                    <p:set>
+                                      <p:cBhvr>
+                                        <p:cTn id="21" dur="1" fill="hold">
+                                          <p:stCondLst>
+                                            <p:cond delay="0"/>
+                                          </p:stCondLst>
+                                        </p:cTn>
+                                        <p:tgtEl>
+                                          <p:spTgt spid="3">
+                                            <p:txEl>
+                                              <p:pRg st="3" end="3"/>
+                                            </p:txEl>
+                                          </p:spTgt>
+                                        </p:tgtEl>
+                                        <p:attrNameLst>
+                                          <p:attrName>style.visibility</p:attrName>
+                                        </p:attrNameLst>
+                                      </p:cBhvr>
+                                      <p:to>
+                                        <p:strVal val="visible"/>
+                                      </p:to>
+                                    </p:set>
+                                    <p:animEffect transition="in" filter="fade">
+                                      <p:cBhvr>
+                                        <p:cTn id="22" dur="500"/>
+                                        <p:tgtEl>
+                                          <p:spTgt spid="3">
+                                            <p:txEl>
+                                              <p:pRg st="3" end="3"/>
+                                            </p:txEl>
+                                          </p:spTgt>
+                                        </p:tgtEl>
+                                      </p:cBhvr>
+                                    </p:animEffect>
+                                  </p:childTnLst>
+                                </p:cTn>
+                              </p:par>
+                            </p:childTnLst>
+                          </p:cTn>
+                        </p:par>
+                      </p:childTnLst>
+                    </p:cTn>
+                  </p:par>
+                </p:childTnLst>
+              </p:cTn>
+              <p:prevCondLst>
+                <p:cond evt="onPrev" delay="0">
+                  <p:tgtEl>
+                    <p:sldTgt/>
+                  </p:tgtEl>
+                </p:cond>
+              </p:prevCondLst>
+              <p:nextCondLst>
+                <p:cond evt="onNext" delay="0">
+                  <p:tgtEl>
+                    <p:sldTgt/>
+                  </p:tgtEl>
+                </p:cond>
+              </p:nextCondLst>
+            </p:seq>
+          </p:childTnLst>
+        </p:cTn>
+      </p:par>
+    </p:tnLst>
+    <p:bldLst>
+      <p:bldP spid="3" grpId="0" uiExpand="1" build="p"/>
+    </p:bldLst>
+  </p:timing>
 </p:sld>
 </file>
 
@@ -7801,7 +8114,7 @@
           <p:cNvPr id="2" name="タイトル 1">
             <a:extLst>
               <a:ext uri="{FF2B5EF4-FFF2-40B4-BE49-F238E27FC236}">
-                <a16:creationId xmlns:a16="http://schemas.microsoft.com/office/drawing/2014/main" id="{2130732E-7DA7-406F-85C0-863D6420038A}"/>
+                <a16:creationId xmlns:a16="http://schemas.microsoft.com/office/drawing/2014/main" id="{2F54B871-1C29-443D-B7CD-A4880E1EFD3C}"/>
               </a:ext>
             </a:extLst>
           </p:cNvPr>
@@ -7819,7 +8132,7 @@
           <a:p>
             <a:r>
               <a:rPr kumimoji="1" lang="ja-JP" altLang="en-US" dirty="0"/>
-              <a:t>ウェイクワード</a:t>
+              <a:t>辞書ファイル</a:t>
             </a:r>
           </a:p>
         </p:txBody>
@@ -7829,7 +8142,7 @@
           <p:cNvPr id="3" name="コンテンツ プレースホルダー 2">
             <a:extLst>
               <a:ext uri="{FF2B5EF4-FFF2-40B4-BE49-F238E27FC236}">
-                <a16:creationId xmlns:a16="http://schemas.microsoft.com/office/drawing/2014/main" id="{DB12C1AE-EEE1-4481-9A74-18CE3D6E4F3C}"/>
+                <a16:creationId xmlns:a16="http://schemas.microsoft.com/office/drawing/2014/main" id="{359BA7E9-5FB0-436F-941D-2F003078FAD5}"/>
               </a:ext>
             </a:extLst>
           </p:cNvPr>
@@ -7842,19 +8155,25 @@
         </p:nvSpPr>
         <p:spPr/>
         <p:txBody>
-          <a:bodyPr/>
+          <a:bodyPr>
+            <a:normAutofit/>
+          </a:bodyPr>
           <a:lstStyle/>
           <a:p>
-            <a:endParaRPr kumimoji="1" lang="ja-JP" altLang="en-US"/>
-          </a:p>
-        </p:txBody>
-      </p:sp>
-      <p:sp>
-        <p:nvSpPr>
-          <p:cNvPr id="4" name="正方形/長方形 3">
-            <a:extLst>
-              <a:ext uri="{FF2B5EF4-FFF2-40B4-BE49-F238E27FC236}">
-                <a16:creationId xmlns:a16="http://schemas.microsoft.com/office/drawing/2014/main" id="{69845A7F-5CE8-4273-BF96-B117543FDBC7}"/>
+            <a:r>
+              <a:rPr kumimoji="1" lang="ja-JP" altLang="en-US" sz="4800" dirty="0"/>
+              <a:t>読みファイル</a:t>
+            </a:r>
+            <a:endParaRPr kumimoji="1" lang="en-US" altLang="ja-JP" sz="4800" dirty="0"/>
+          </a:p>
+        </p:txBody>
+      </p:sp>
+      <p:sp>
+        <p:nvSpPr>
+          <p:cNvPr id="5" name="正方形/長方形 4">
+            <a:extLst>
+              <a:ext uri="{FF2B5EF4-FFF2-40B4-BE49-F238E27FC236}">
+                <a16:creationId xmlns:a16="http://schemas.microsoft.com/office/drawing/2014/main" id="{0853C9A5-A8A3-4AEE-B695-9634976812D0}"/>
               </a:ext>
             </a:extLst>
           </p:cNvPr>
@@ -7906,16 +8225,122 @@
           </a:p>
         </p:txBody>
       </p:sp>
+      <p:sp>
+        <p:nvSpPr>
+          <p:cNvPr id="4" name="テキスト ボックス 3">
+            <a:extLst>
+              <a:ext uri="{FF2B5EF4-FFF2-40B4-BE49-F238E27FC236}">
+                <a16:creationId xmlns:a16="http://schemas.microsoft.com/office/drawing/2014/main" id="{9EC58DA9-FEC0-461C-9B95-50DFB746EF3F}"/>
+              </a:ext>
+            </a:extLst>
+          </p:cNvPr>
+          <p:cNvSpPr txBox="1"/>
+          <p:nvPr/>
+        </p:nvSpPr>
+        <p:spPr>
+          <a:xfrm>
+            <a:off x="5539408" y="1751617"/>
+            <a:ext cx="4439479" cy="3354765"/>
+          </a:xfrm>
+          <a:prstGeom prst="rect">
+            <a:avLst/>
+          </a:prstGeom>
+          <a:solidFill>
+            <a:schemeClr val="bg1"/>
+          </a:solidFill>
+          <a:ln>
+            <a:solidFill>
+              <a:schemeClr val="tx1"/>
+            </a:solidFill>
+          </a:ln>
+        </p:spPr>
+        <p:txBody>
+          <a:bodyPr wrap="square" rtlCol="0">
+            <a:spAutoFit/>
+          </a:bodyPr>
+          <a:lstStyle/>
+          <a:p>
+            <a:r>
+              <a:rPr kumimoji="1" lang="ja-JP" altLang="en-US" sz="3600" b="1" dirty="0"/>
+              <a:t>読みファイル</a:t>
+            </a:r>
+            <a:endParaRPr kumimoji="1" lang="en-US" altLang="ja-JP" sz="3600" b="1" dirty="0"/>
+          </a:p>
+          <a:p>
+            <a:endParaRPr lang="en-US" altLang="ja-JP" sz="3600" dirty="0"/>
+          </a:p>
+          <a:p>
+            <a:r>
+              <a:rPr kumimoji="1" lang="ja-JP" altLang="en-US" sz="3600" dirty="0"/>
+              <a:t>晴れ</a:t>
+            </a:r>
+            <a:r>
+              <a:rPr lang="en-US" altLang="ja-JP" sz="3600" dirty="0"/>
+              <a:t>	</a:t>
+            </a:r>
+            <a:r>
+              <a:rPr lang="ja-JP" altLang="en-US" sz="3600" dirty="0"/>
+              <a:t>はれ</a:t>
+            </a:r>
+            <a:endParaRPr lang="en-US" altLang="ja-JP" sz="3600" dirty="0"/>
+          </a:p>
+          <a:p>
+            <a:r>
+              <a:rPr kumimoji="1" lang="ja-JP" altLang="en-US" sz="3600" dirty="0"/>
+              <a:t>雨</a:t>
+            </a:r>
+            <a:r>
+              <a:rPr kumimoji="1" lang="en-US" altLang="ja-JP" sz="3600" dirty="0"/>
+              <a:t>		</a:t>
+            </a:r>
+            <a:r>
+              <a:rPr kumimoji="1" lang="ja-JP" altLang="en-US" sz="3600" dirty="0"/>
+              <a:t>あめ</a:t>
+            </a:r>
+            <a:endParaRPr kumimoji="1" lang="en-US" altLang="ja-JP" sz="3600" dirty="0"/>
+          </a:p>
+          <a:p>
+            <a:r>
+              <a:rPr lang="ja-JP" altLang="en-US" sz="3600" dirty="0"/>
+              <a:t>曇り</a:t>
+            </a:r>
+            <a:r>
+              <a:rPr lang="en-US" altLang="ja-JP" sz="3600" dirty="0"/>
+              <a:t>	</a:t>
+            </a:r>
+            <a:r>
+              <a:rPr lang="ja-JP" altLang="en-US" sz="3600" dirty="0"/>
+              <a:t>くもり</a:t>
+            </a:r>
+            <a:endParaRPr lang="en-US" altLang="ja-JP" sz="3600" dirty="0"/>
+          </a:p>
+          <a:p>
+            <a:endParaRPr kumimoji="1" lang="en-US" altLang="ja-JP" sz="3200" dirty="0"/>
+          </a:p>
+        </p:txBody>
+      </p:sp>
     </p:spTree>
     <p:extLst>
       <p:ext uri="{BB962C8B-B14F-4D97-AF65-F5344CB8AC3E}">
-        <p14:creationId xmlns:p14="http://schemas.microsoft.com/office/powerpoint/2010/main" val="524137758"/>
+        <p14:creationId xmlns:p14="http://schemas.microsoft.com/office/powerpoint/2010/main" val="2348231108"/>
       </p:ext>
     </p:extLst>
   </p:cSld>
   <p:clrMapOvr>
     <a:masterClrMapping/>
   </p:clrMapOvr>
+  <mc:AlternateContent xmlns:mc="http://schemas.openxmlformats.org/markup-compatibility/2006">
+    <mc:Choice xmlns:p14="http://schemas.microsoft.com/office/powerpoint/2010/main" Requires="p14">
+      <p:transition spd="med" p14:dur="700">
+        <p:fade/>
+      </p:transition>
+    </mc:Choice>
+    <mc:Fallback>
+      <p:transition spd="med">
+        <p:fade/>
+      </p:transition>
+    </mc:Fallback>
+  </mc:AlternateContent>
 </p:sld>
 </file>
 
@@ -7941,7 +8366,7 @@
           <p:cNvPr id="2" name="タイトル 1">
             <a:extLst>
               <a:ext uri="{FF2B5EF4-FFF2-40B4-BE49-F238E27FC236}">
-                <a16:creationId xmlns:a16="http://schemas.microsoft.com/office/drawing/2014/main" id="{549688B5-67DA-428A-92E6-3D3B28BFC143}"/>
+                <a16:creationId xmlns:a16="http://schemas.microsoft.com/office/drawing/2014/main" id="{2F54B871-1C29-443D-B7CD-A4880E1EFD3C}"/>
               </a:ext>
             </a:extLst>
           </p:cNvPr>
@@ -7959,7 +8384,7 @@
           <a:p>
             <a:r>
               <a:rPr kumimoji="1" lang="ja-JP" altLang="en-US" dirty="0"/>
-              <a:t>テキスト分類の仕組み</a:t>
+              <a:t>辞書ファイル</a:t>
             </a:r>
           </a:p>
         </p:txBody>
@@ -7969,7 +8394,7 @@
           <p:cNvPr id="3" name="コンテンツ プレースホルダー 2">
             <a:extLst>
               <a:ext uri="{FF2B5EF4-FFF2-40B4-BE49-F238E27FC236}">
-                <a16:creationId xmlns:a16="http://schemas.microsoft.com/office/drawing/2014/main" id="{B6B6A2C6-E821-404C-9429-4F30D1E7A255}"/>
+                <a16:creationId xmlns:a16="http://schemas.microsoft.com/office/drawing/2014/main" id="{359BA7E9-5FB0-436F-941D-2F003078FAD5}"/>
               </a:ext>
             </a:extLst>
           </p:cNvPr>
@@ -7982,19 +8407,31 @@
         </p:nvSpPr>
         <p:spPr/>
         <p:txBody>
-          <a:bodyPr/>
+          <a:bodyPr>
+            <a:normAutofit/>
+          </a:bodyPr>
           <a:lstStyle/>
           <a:p>
-            <a:endParaRPr kumimoji="1" lang="ja-JP" altLang="en-US"/>
-          </a:p>
-        </p:txBody>
-      </p:sp>
-      <p:sp>
-        <p:nvSpPr>
-          <p:cNvPr id="4" name="正方形/長方形 3">
-            <a:extLst>
-              <a:ext uri="{FF2B5EF4-FFF2-40B4-BE49-F238E27FC236}">
-                <a16:creationId xmlns:a16="http://schemas.microsoft.com/office/drawing/2014/main" id="{58626FC8-F8C8-406B-BD45-B847BCC1E671}"/>
+            <a:endParaRPr lang="en-US" altLang="ja-JP" sz="4800" dirty="0"/>
+          </a:p>
+          <a:p>
+            <a:r>
+              <a:rPr lang="ja-JP" altLang="en-US" sz="4800" dirty="0"/>
+              <a:t>音素ファイル</a:t>
+            </a:r>
+            <a:endParaRPr lang="en-US" altLang="ja-JP" sz="4800" dirty="0"/>
+          </a:p>
+          <a:p>
+            <a:endParaRPr kumimoji="1" lang="ja-JP" altLang="en-US" sz="4800" dirty="0"/>
+          </a:p>
+        </p:txBody>
+      </p:sp>
+      <p:sp>
+        <p:nvSpPr>
+          <p:cNvPr id="5" name="正方形/長方形 4">
+            <a:extLst>
+              <a:ext uri="{FF2B5EF4-FFF2-40B4-BE49-F238E27FC236}">
+                <a16:creationId xmlns:a16="http://schemas.microsoft.com/office/drawing/2014/main" id="{0853C9A5-A8A3-4AEE-B695-9634976812D0}"/>
               </a:ext>
             </a:extLst>
           </p:cNvPr>
@@ -8046,16 +8483,215 @@
           </a:p>
         </p:txBody>
       </p:sp>
+      <p:sp>
+        <p:nvSpPr>
+          <p:cNvPr id="4" name="テキスト ボックス 3">
+            <a:extLst>
+              <a:ext uri="{FF2B5EF4-FFF2-40B4-BE49-F238E27FC236}">
+                <a16:creationId xmlns:a16="http://schemas.microsoft.com/office/drawing/2014/main" id="{9EC58DA9-FEC0-461C-9B95-50DFB746EF3F}"/>
+              </a:ext>
+            </a:extLst>
+          </p:cNvPr>
+          <p:cNvSpPr txBox="1"/>
+          <p:nvPr/>
+        </p:nvSpPr>
+        <p:spPr>
+          <a:xfrm>
+            <a:off x="5539408" y="1751617"/>
+            <a:ext cx="4439479" cy="3354765"/>
+          </a:xfrm>
+          <a:prstGeom prst="rect">
+            <a:avLst/>
+          </a:prstGeom>
+          <a:solidFill>
+            <a:schemeClr val="bg1"/>
+          </a:solidFill>
+          <a:ln>
+            <a:solidFill>
+              <a:schemeClr val="tx1"/>
+            </a:solidFill>
+          </a:ln>
+        </p:spPr>
+        <p:txBody>
+          <a:bodyPr wrap="square" rtlCol="0">
+            <a:spAutoFit/>
+          </a:bodyPr>
+          <a:lstStyle/>
+          <a:p>
+            <a:r>
+              <a:rPr kumimoji="1" lang="ja-JP" altLang="en-US" sz="3600" b="1" dirty="0"/>
+              <a:t>読みファイル</a:t>
+            </a:r>
+            <a:endParaRPr kumimoji="1" lang="en-US" altLang="ja-JP" sz="3600" b="1" dirty="0"/>
+          </a:p>
+          <a:p>
+            <a:endParaRPr lang="en-US" altLang="ja-JP" sz="3600" dirty="0"/>
+          </a:p>
+          <a:p>
+            <a:r>
+              <a:rPr kumimoji="1" lang="ja-JP" altLang="en-US" sz="3600" dirty="0"/>
+              <a:t>晴れ</a:t>
+            </a:r>
+            <a:r>
+              <a:rPr lang="en-US" altLang="ja-JP" sz="3600" dirty="0"/>
+              <a:t>	</a:t>
+            </a:r>
+            <a:r>
+              <a:rPr lang="ja-JP" altLang="en-US" sz="3600" dirty="0"/>
+              <a:t>はれ</a:t>
+            </a:r>
+            <a:endParaRPr lang="en-US" altLang="ja-JP" sz="3600" dirty="0"/>
+          </a:p>
+          <a:p>
+            <a:r>
+              <a:rPr kumimoji="1" lang="ja-JP" altLang="en-US" sz="3600" dirty="0"/>
+              <a:t>雨</a:t>
+            </a:r>
+            <a:r>
+              <a:rPr kumimoji="1" lang="en-US" altLang="ja-JP" sz="3600" dirty="0"/>
+              <a:t>		</a:t>
+            </a:r>
+            <a:r>
+              <a:rPr kumimoji="1" lang="ja-JP" altLang="en-US" sz="3600" dirty="0"/>
+              <a:t>あめ</a:t>
+            </a:r>
+            <a:endParaRPr kumimoji="1" lang="en-US" altLang="ja-JP" sz="3600" dirty="0"/>
+          </a:p>
+          <a:p>
+            <a:r>
+              <a:rPr lang="ja-JP" altLang="en-US" sz="3600" dirty="0"/>
+              <a:t>曇り</a:t>
+            </a:r>
+            <a:r>
+              <a:rPr lang="en-US" altLang="ja-JP" sz="3600" dirty="0"/>
+              <a:t>	</a:t>
+            </a:r>
+            <a:r>
+              <a:rPr lang="ja-JP" altLang="en-US" sz="3600" dirty="0"/>
+              <a:t>くもり</a:t>
+            </a:r>
+            <a:endParaRPr lang="en-US" altLang="ja-JP" sz="3600" dirty="0"/>
+          </a:p>
+          <a:p>
+            <a:endParaRPr kumimoji="1" lang="en-US" altLang="ja-JP" sz="3200" dirty="0"/>
+          </a:p>
+        </p:txBody>
+      </p:sp>
+      <p:sp>
+        <p:nvSpPr>
+          <p:cNvPr id="6" name="テキスト ボックス 5">
+            <a:extLst>
+              <a:ext uri="{FF2B5EF4-FFF2-40B4-BE49-F238E27FC236}">
+                <a16:creationId xmlns:a16="http://schemas.microsoft.com/office/drawing/2014/main" id="{32E34680-8AAC-40CE-9FBD-4954061649B4}"/>
+              </a:ext>
+            </a:extLst>
+          </p:cNvPr>
+          <p:cNvSpPr txBox="1"/>
+          <p:nvPr/>
+        </p:nvSpPr>
+        <p:spPr>
+          <a:xfrm>
+            <a:off x="5539407" y="1751617"/>
+            <a:ext cx="4439479" cy="3354765"/>
+          </a:xfrm>
+          <a:prstGeom prst="rect">
+            <a:avLst/>
+          </a:prstGeom>
+          <a:solidFill>
+            <a:schemeClr val="bg1"/>
+          </a:solidFill>
+          <a:ln>
+            <a:solidFill>
+              <a:schemeClr val="tx1"/>
+            </a:solidFill>
+          </a:ln>
+        </p:spPr>
+        <p:txBody>
+          <a:bodyPr wrap="square" rtlCol="0">
+            <a:spAutoFit/>
+          </a:bodyPr>
+          <a:lstStyle/>
+          <a:p>
+            <a:r>
+              <a:rPr lang="ja-JP" altLang="en-US" sz="3600" b="1" dirty="0"/>
+              <a:t>音素</a:t>
+            </a:r>
+            <a:r>
+              <a:rPr kumimoji="1" lang="ja-JP" altLang="en-US" sz="3600" b="1" dirty="0"/>
+              <a:t>ファイル</a:t>
+            </a:r>
+            <a:endParaRPr kumimoji="1" lang="en-US" altLang="ja-JP" sz="3600" b="1" dirty="0"/>
+          </a:p>
+          <a:p>
+            <a:endParaRPr lang="en-US" altLang="ja-JP" sz="3600" dirty="0"/>
+          </a:p>
+          <a:p>
+            <a:r>
+              <a:rPr kumimoji="1" lang="ja-JP" altLang="en-US" sz="3600" dirty="0"/>
+              <a:t>晴れ</a:t>
+            </a:r>
+            <a:r>
+              <a:rPr lang="en-US" altLang="ja-JP" sz="3600" dirty="0"/>
+              <a:t>	h a r e</a:t>
+            </a:r>
+          </a:p>
+          <a:p>
+            <a:r>
+              <a:rPr kumimoji="1" lang="ja-JP" altLang="en-US" sz="3600" dirty="0"/>
+              <a:t>雨</a:t>
+            </a:r>
+            <a:r>
+              <a:rPr kumimoji="1" lang="en-US" altLang="ja-JP" sz="3600" dirty="0"/>
+              <a:t>		</a:t>
+            </a:r>
+            <a:r>
+              <a:rPr lang="en-US" altLang="ja-JP" sz="3600" dirty="0"/>
+              <a:t>a m e</a:t>
+            </a:r>
+            <a:endParaRPr kumimoji="1" lang="en-US" altLang="ja-JP" sz="3600" dirty="0"/>
+          </a:p>
+          <a:p>
+            <a:r>
+              <a:rPr lang="ja-JP" altLang="en-US" sz="3600" dirty="0"/>
+              <a:t>曇り</a:t>
+            </a:r>
+            <a:r>
+              <a:rPr lang="en-US" altLang="ja-JP" sz="3600" dirty="0"/>
+              <a:t>	k u m o r </a:t>
+            </a:r>
+            <a:r>
+              <a:rPr lang="en-US" altLang="ja-JP" sz="3600" dirty="0" err="1"/>
+              <a:t>i</a:t>
+            </a:r>
+            <a:endParaRPr lang="en-US" altLang="ja-JP" sz="3600" dirty="0"/>
+          </a:p>
+          <a:p>
+            <a:endParaRPr kumimoji="1" lang="en-US" altLang="ja-JP" sz="3200" dirty="0"/>
+          </a:p>
+        </p:txBody>
+      </p:sp>
     </p:spTree>
     <p:extLst>
       <p:ext uri="{BB962C8B-B14F-4D97-AF65-F5344CB8AC3E}">
-        <p14:creationId xmlns:p14="http://schemas.microsoft.com/office/powerpoint/2010/main" val="692832931"/>
+        <p14:creationId xmlns:p14="http://schemas.microsoft.com/office/powerpoint/2010/main" val="2681625419"/>
       </p:ext>
     </p:extLst>
   </p:cSld>
   <p:clrMapOvr>
     <a:masterClrMapping/>
   </p:clrMapOvr>
+  <mc:AlternateContent xmlns:mc="http://schemas.openxmlformats.org/markup-compatibility/2006">
+    <mc:Choice xmlns:p14="http://schemas.microsoft.com/office/powerpoint/2010/main" Requires="p14">
+      <p:transition spd="med" p14:dur="700">
+        <p:fade/>
+      </p:transition>
+    </mc:Choice>
+    <mc:Fallback>
+      <p:transition spd="med">
+        <p:fade/>
+      </p:transition>
+    </mc:Fallback>
+  </mc:AlternateContent>
 </p:sld>
 </file>
 
@@ -8081,7 +8717,7 @@
           <p:cNvPr id="2" name="タイトル 1">
             <a:extLst>
               <a:ext uri="{FF2B5EF4-FFF2-40B4-BE49-F238E27FC236}">
-                <a16:creationId xmlns:a16="http://schemas.microsoft.com/office/drawing/2014/main" id="{3B84D43F-F80B-40CE-BAA6-B9DFBE0CA5B9}"/>
+                <a16:creationId xmlns:a16="http://schemas.microsoft.com/office/drawing/2014/main" id="{2F54B871-1C29-443D-B7CD-A4880E1EFD3C}"/>
               </a:ext>
             </a:extLst>
           </p:cNvPr>
@@ -8098,8 +8734,12 @@
           <a:lstStyle/>
           <a:p>
             <a:r>
-              <a:rPr kumimoji="1" lang="en-US" altLang="ja-JP" dirty="0"/>
-              <a:t>fastText</a:t>
+              <a:rPr kumimoji="1" lang="ja-JP" altLang="en-US" dirty="0"/>
+              <a:t>辞書</a:t>
+            </a:r>
+            <a:r>
+              <a:rPr lang="ja-JP" altLang="en-US" dirty="0"/>
+              <a:t>ファイル</a:t>
             </a:r>
             <a:endParaRPr kumimoji="1" lang="ja-JP" altLang="en-US" dirty="0"/>
           </a:p>
@@ -8110,7 +8750,7 @@
           <p:cNvPr id="3" name="コンテンツ プレースホルダー 2">
             <a:extLst>
               <a:ext uri="{FF2B5EF4-FFF2-40B4-BE49-F238E27FC236}">
-                <a16:creationId xmlns:a16="http://schemas.microsoft.com/office/drawing/2014/main" id="{A68B4BBE-92D2-4DCF-B6A5-0E40E2D9BFF9}"/>
+                <a16:creationId xmlns:a16="http://schemas.microsoft.com/office/drawing/2014/main" id="{359BA7E9-5FB0-436F-941D-2F003078FAD5}"/>
               </a:ext>
             </a:extLst>
           </p:cNvPr>
@@ -8123,604 +8763,31 @@
         </p:nvSpPr>
         <p:spPr/>
         <p:txBody>
-          <a:bodyPr/>
-          <a:lstStyle/>
-          <a:p>
-            <a:r>
-              <a:rPr kumimoji="1" lang="ja-JP" altLang="en-US" dirty="0"/>
-              <a:t>機械学習周り</a:t>
-            </a:r>
-            <a:endParaRPr kumimoji="1" lang="en-US" altLang="ja-JP" dirty="0"/>
-          </a:p>
-          <a:p>
-            <a:r>
-              <a:rPr kumimoji="1" lang="ja-JP" altLang="en-US" dirty="0"/>
-              <a:t>トレーニングデータ</a:t>
-            </a:r>
-          </a:p>
-        </p:txBody>
-      </p:sp>
-    </p:spTree>
-    <p:extLst>
-      <p:ext uri="{BB962C8B-B14F-4D97-AF65-F5344CB8AC3E}">
-        <p14:creationId xmlns:p14="http://schemas.microsoft.com/office/powerpoint/2010/main" val="2305918178"/>
-      </p:ext>
-    </p:extLst>
-  </p:cSld>
-  <p:clrMapOvr>
-    <a:masterClrMapping/>
-  </p:clrMapOvr>
-</p:sld>
-</file>
-
-<file path=ppt/slides/slide14.xml><?xml version="1.0" encoding="utf-8"?>
-<p:sld xmlns:a="http://schemas.openxmlformats.org/drawingml/2006/main" xmlns:r="http://schemas.openxmlformats.org/officeDocument/2006/relationships" xmlns:p="http://schemas.openxmlformats.org/presentationml/2006/main">
-  <p:cSld>
-    <p:spTree>
-      <p:nvGrpSpPr>
-        <p:cNvPr id="1" name=""/>
-        <p:cNvGrpSpPr/>
-        <p:nvPr/>
-      </p:nvGrpSpPr>
-      <p:grpSpPr>
-        <a:xfrm>
-          <a:off x="0" y="0"/>
-          <a:ext cx="0" cy="0"/>
-          <a:chOff x="0" y="0"/>
-          <a:chExt cx="0" cy="0"/>
-        </a:xfrm>
-      </p:grpSpPr>
-      <p:sp>
-        <p:nvSpPr>
-          <p:cNvPr id="11" name="正方形/長方形 10">
-            <a:extLst>
-              <a:ext uri="{FF2B5EF4-FFF2-40B4-BE49-F238E27FC236}">
-                <a16:creationId xmlns:a16="http://schemas.microsoft.com/office/drawing/2014/main" id="{A43A5C1C-CD2F-46A6-BDBE-D4A7B86F23A3}"/>
-              </a:ext>
-            </a:extLst>
-          </p:cNvPr>
-          <p:cNvSpPr/>
-          <p:nvPr/>
-        </p:nvSpPr>
-        <p:spPr>
-          <a:xfrm>
-            <a:off x="1400784" y="5009745"/>
-            <a:ext cx="6624536" cy="479089"/>
-          </a:xfrm>
-          <a:prstGeom prst="rect">
-            <a:avLst/>
-          </a:prstGeom>
-          <a:solidFill>
-            <a:schemeClr val="bg1"/>
-          </a:solidFill>
-          <a:ln>
-            <a:solidFill>
-              <a:schemeClr val="tx1"/>
-            </a:solidFill>
-          </a:ln>
-        </p:spPr>
-        <p:style>
-          <a:lnRef idx="2">
-            <a:schemeClr val="accent1">
-              <a:shade val="50000"/>
-            </a:schemeClr>
-          </a:lnRef>
-          <a:fillRef idx="1">
-            <a:schemeClr val="accent1"/>
-          </a:fillRef>
-          <a:effectRef idx="0">
-            <a:schemeClr val="accent1"/>
-          </a:effectRef>
-          <a:fontRef idx="minor">
-            <a:schemeClr val="lt1"/>
-          </a:fontRef>
-        </p:style>
-        <p:txBody>
-          <a:bodyPr rtlCol="0" anchor="ctr"/>
-          <a:lstStyle/>
-          <a:p>
-            <a:pPr algn="ctr"/>
-            <a:endParaRPr kumimoji="1" lang="ja-JP" altLang="en-US"/>
-          </a:p>
-        </p:txBody>
-      </p:sp>
-      <p:sp>
-        <p:nvSpPr>
-          <p:cNvPr id="8" name="正方形/長方形 7">
-            <a:extLst>
-              <a:ext uri="{FF2B5EF4-FFF2-40B4-BE49-F238E27FC236}">
-                <a16:creationId xmlns:a16="http://schemas.microsoft.com/office/drawing/2014/main" id="{F2E06782-F764-4458-86E7-0558F2580076}"/>
-              </a:ext>
-            </a:extLst>
-          </p:cNvPr>
-          <p:cNvSpPr/>
-          <p:nvPr/>
-        </p:nvSpPr>
-        <p:spPr>
-          <a:xfrm>
-            <a:off x="1400783" y="2598764"/>
-            <a:ext cx="6624536" cy="1887165"/>
-          </a:xfrm>
-          <a:prstGeom prst="rect">
-            <a:avLst/>
-          </a:prstGeom>
-          <a:solidFill>
-            <a:schemeClr val="bg1"/>
-          </a:solidFill>
-          <a:ln>
-            <a:solidFill>
-              <a:schemeClr val="tx1"/>
-            </a:solidFill>
-          </a:ln>
-        </p:spPr>
-        <p:style>
-          <a:lnRef idx="2">
-            <a:schemeClr val="accent1">
-              <a:shade val="50000"/>
-            </a:schemeClr>
-          </a:lnRef>
-          <a:fillRef idx="1">
-            <a:schemeClr val="accent1"/>
-          </a:fillRef>
-          <a:effectRef idx="0">
-            <a:schemeClr val="accent1"/>
-          </a:effectRef>
-          <a:fontRef idx="minor">
-            <a:schemeClr val="lt1"/>
-          </a:fontRef>
-        </p:style>
-        <p:txBody>
-          <a:bodyPr rtlCol="0" anchor="ctr"/>
-          <a:lstStyle/>
-          <a:p>
-            <a:pPr algn="ctr"/>
-            <a:endParaRPr kumimoji="1" lang="ja-JP" altLang="en-US"/>
-          </a:p>
-        </p:txBody>
-      </p:sp>
-      <p:sp>
-        <p:nvSpPr>
-          <p:cNvPr id="2" name="タイトル 1">
-            <a:extLst>
-              <a:ext uri="{FF2B5EF4-FFF2-40B4-BE49-F238E27FC236}">
-                <a16:creationId xmlns:a16="http://schemas.microsoft.com/office/drawing/2014/main" id="{0239366D-FD02-4D32-AA25-FA5687E2E9A8}"/>
-              </a:ext>
-            </a:extLst>
-          </p:cNvPr>
-          <p:cNvSpPr>
-            <a:spLocks noGrp="1"/>
-          </p:cNvSpPr>
-          <p:nvPr>
-            <p:ph type="title"/>
-          </p:nvPr>
-        </p:nvSpPr>
-        <p:spPr/>
-        <p:txBody>
-          <a:bodyPr/>
-          <a:lstStyle/>
-          <a:p>
-            <a:r>
-              <a:rPr kumimoji="1" lang="ja-JP" altLang="en-US" dirty="0"/>
-              <a:t>データ取得</a:t>
-            </a:r>
-          </a:p>
-        </p:txBody>
-      </p:sp>
-      <p:sp>
-        <p:nvSpPr>
-          <p:cNvPr id="3" name="コンテンツ プレースホルダー 2">
-            <a:extLst>
-              <a:ext uri="{FF2B5EF4-FFF2-40B4-BE49-F238E27FC236}">
-                <a16:creationId xmlns:a16="http://schemas.microsoft.com/office/drawing/2014/main" id="{2714D079-74EA-42AF-9886-A31DAA6C24C9}"/>
-              </a:ext>
-            </a:extLst>
-          </p:cNvPr>
-          <p:cNvSpPr>
-            <a:spLocks noGrp="1"/>
-          </p:cNvSpPr>
-          <p:nvPr>
-            <p:ph idx="1"/>
-          </p:nvPr>
-        </p:nvSpPr>
-        <p:spPr>
-          <a:xfrm>
-            <a:off x="838200" y="1690688"/>
-            <a:ext cx="10515600" cy="4351338"/>
-          </a:xfrm>
-        </p:spPr>
-        <p:txBody>
           <a:bodyPr>
             <a:normAutofit/>
           </a:bodyPr>
           <a:lstStyle/>
           <a:p>
-            <a:r>
-              <a:rPr kumimoji="1" lang="ja-JP" altLang="en-US" sz="3200" dirty="0"/>
-              <a:t>スクレイピング</a:t>
-            </a:r>
-            <a:r>
-              <a:rPr kumimoji="1" lang="en-US" altLang="ja-JP" sz="3200" dirty="0"/>
-              <a:t>(BeautifulSoup4)</a:t>
-            </a:r>
-          </a:p>
-          <a:p>
-            <a:pPr lvl="1"/>
-            <a:r>
-              <a:rPr kumimoji="1" lang="en-US" altLang="ja-JP" sz="2800" dirty="0"/>
-              <a:t>Web</a:t>
-            </a:r>
-            <a:r>
-              <a:rPr kumimoji="1" lang="ja-JP" altLang="en-US" sz="2800" dirty="0"/>
-              <a:t>ページからテキストデータを取得</a:t>
-            </a:r>
-            <a:endParaRPr kumimoji="1" lang="en-US" altLang="ja-JP" sz="2800" dirty="0"/>
-          </a:p>
-          <a:p>
-            <a:pPr marL="457200" lvl="1" indent="0">
-              <a:buNone/>
-            </a:pPr>
-            <a:r>
-              <a:rPr lang="ja-JP" altLang="en-US" sz="3200" b="1" dirty="0"/>
-              <a:t> 天気予報</a:t>
-            </a:r>
-            <a:endParaRPr lang="en-US" altLang="ja-JP" sz="3200" b="1" dirty="0"/>
-          </a:p>
-          <a:p>
-            <a:pPr lvl="1"/>
-            <a:endParaRPr lang="en-US" altLang="ja-JP" sz="700" b="1" dirty="0"/>
-          </a:p>
-          <a:p>
-            <a:pPr marL="457200" lvl="1" indent="0">
-              <a:buNone/>
-            </a:pPr>
-            <a:r>
-              <a:rPr kumimoji="1" lang="ja-JP" altLang="en-US" sz="3200" b="1" dirty="0"/>
-              <a:t> ニュース</a:t>
-            </a:r>
-            <a:endParaRPr kumimoji="1" lang="en-US" altLang="ja-JP" sz="3200" b="1" dirty="0"/>
-          </a:p>
-          <a:p>
-            <a:pPr lvl="1"/>
-            <a:endParaRPr kumimoji="1" lang="en-US" altLang="ja-JP" sz="700" b="1" dirty="0"/>
-          </a:p>
-          <a:p>
-            <a:pPr marL="457200" lvl="1" indent="0">
-              <a:buNone/>
-            </a:pPr>
-            <a:r>
-              <a:rPr kumimoji="1" lang="ja-JP" altLang="en-US" sz="3200" b="1" dirty="0"/>
-              <a:t> 星座占い</a:t>
-            </a:r>
-            <a:endParaRPr kumimoji="1" lang="en-US" altLang="ja-JP" sz="2800" b="1" dirty="0"/>
-          </a:p>
-          <a:p>
-            <a:r>
-              <a:rPr kumimoji="1" lang="ja-JP" altLang="en-US" sz="3200" dirty="0"/>
-              <a:t>時刻取得</a:t>
-            </a:r>
-            <a:r>
-              <a:rPr kumimoji="1" lang="en-US" altLang="ja-JP" sz="3200" dirty="0"/>
-              <a:t>(Datetime</a:t>
-            </a:r>
-            <a:r>
-              <a:rPr kumimoji="1" lang="ja-JP" altLang="en-US" sz="3200" dirty="0"/>
-              <a:t>モジュール</a:t>
-            </a:r>
-            <a:r>
-              <a:rPr kumimoji="1" lang="en-US" altLang="ja-JP" sz="3200" dirty="0"/>
-              <a:t>)</a:t>
-            </a:r>
-            <a:endParaRPr lang="en-US" altLang="ja-JP" sz="700" b="1" dirty="0"/>
-          </a:p>
-          <a:p>
-            <a:pPr marL="457200" lvl="1" indent="0">
-              <a:buNone/>
-            </a:pPr>
-            <a:r>
-              <a:rPr lang="ja-JP" altLang="en-US" sz="3200" b="1" dirty="0"/>
-              <a:t> 日 時</a:t>
-            </a:r>
-            <a:endParaRPr kumimoji="1" lang="ja-JP" altLang="en-US" sz="3200" b="1" dirty="0"/>
-          </a:p>
-        </p:txBody>
-      </p:sp>
-      <p:sp>
-        <p:nvSpPr>
-          <p:cNvPr id="4" name="矢印: 右 3">
-            <a:extLst>
-              <a:ext uri="{FF2B5EF4-FFF2-40B4-BE49-F238E27FC236}">
-                <a16:creationId xmlns:a16="http://schemas.microsoft.com/office/drawing/2014/main" id="{34769FBF-812B-4857-BA1F-FD2F39C92F5A}"/>
-              </a:ext>
-            </a:extLst>
-          </p:cNvPr>
-          <p:cNvSpPr/>
-          <p:nvPr/>
-        </p:nvSpPr>
-        <p:spPr>
-          <a:xfrm>
-            <a:off x="3564611" y="2716898"/>
-            <a:ext cx="1270860" cy="321522"/>
-          </a:xfrm>
-          <a:prstGeom prst="rightArrow">
-            <a:avLst/>
-          </a:prstGeom>
-          <a:solidFill>
-            <a:srgbClr val="FF0000"/>
-          </a:solidFill>
-          <a:ln>
-            <a:solidFill>
-              <a:schemeClr val="tx1"/>
-            </a:solidFill>
-          </a:ln>
-        </p:spPr>
-        <p:style>
-          <a:lnRef idx="2">
-            <a:schemeClr val="accent1">
-              <a:shade val="50000"/>
-            </a:schemeClr>
-          </a:lnRef>
-          <a:fillRef idx="1">
-            <a:schemeClr val="accent1"/>
-          </a:fillRef>
-          <a:effectRef idx="0">
-            <a:schemeClr val="accent1"/>
-          </a:effectRef>
-          <a:fontRef idx="minor">
-            <a:schemeClr val="lt1"/>
-          </a:fontRef>
-        </p:style>
-        <p:txBody>
-          <a:bodyPr rtlCol="0" anchor="ctr"/>
-          <a:lstStyle/>
-          <a:p>
-            <a:pPr algn="ctr"/>
-            <a:endParaRPr kumimoji="1" lang="ja-JP" altLang="en-US"/>
-          </a:p>
-        </p:txBody>
-      </p:sp>
-      <p:sp>
-        <p:nvSpPr>
-          <p:cNvPr id="5" name="矢印: 右 4">
-            <a:extLst>
-              <a:ext uri="{FF2B5EF4-FFF2-40B4-BE49-F238E27FC236}">
-                <a16:creationId xmlns:a16="http://schemas.microsoft.com/office/drawing/2014/main" id="{8C48FF94-A834-4C8D-9421-16336A8B819A}"/>
-              </a:ext>
-            </a:extLst>
-          </p:cNvPr>
-          <p:cNvSpPr/>
-          <p:nvPr/>
-        </p:nvSpPr>
-        <p:spPr>
-          <a:xfrm>
-            <a:off x="3564611" y="3380342"/>
-            <a:ext cx="1270860" cy="324010"/>
-          </a:xfrm>
-          <a:prstGeom prst="rightArrow">
-            <a:avLst/>
-          </a:prstGeom>
-          <a:solidFill>
-            <a:srgbClr val="FF0000"/>
-          </a:solidFill>
-          <a:ln>
-            <a:solidFill>
-              <a:schemeClr val="tx1"/>
-            </a:solidFill>
-          </a:ln>
-        </p:spPr>
-        <p:style>
-          <a:lnRef idx="2">
-            <a:schemeClr val="accent1">
-              <a:shade val="50000"/>
-            </a:schemeClr>
-          </a:lnRef>
-          <a:fillRef idx="1">
-            <a:schemeClr val="accent1"/>
-          </a:fillRef>
-          <a:effectRef idx="0">
-            <a:schemeClr val="accent1"/>
-          </a:effectRef>
-          <a:fontRef idx="minor">
-            <a:schemeClr val="lt1"/>
-          </a:fontRef>
-        </p:style>
-        <p:txBody>
-          <a:bodyPr rtlCol="0" anchor="ctr"/>
-          <a:lstStyle/>
-          <a:p>
-            <a:pPr algn="ctr"/>
-            <a:endParaRPr kumimoji="1" lang="ja-JP" altLang="en-US"/>
-          </a:p>
-        </p:txBody>
-      </p:sp>
-      <p:sp>
-        <p:nvSpPr>
-          <p:cNvPr id="6" name="矢印: 右 5">
-            <a:extLst>
-              <a:ext uri="{FF2B5EF4-FFF2-40B4-BE49-F238E27FC236}">
-                <a16:creationId xmlns:a16="http://schemas.microsoft.com/office/drawing/2014/main" id="{776E5C8A-27D9-41C7-82C1-FE63AED0AEF4}"/>
-              </a:ext>
-            </a:extLst>
-          </p:cNvPr>
-          <p:cNvSpPr/>
-          <p:nvPr/>
-        </p:nvSpPr>
-        <p:spPr>
-          <a:xfrm>
-            <a:off x="3564611" y="4019097"/>
-            <a:ext cx="1270860" cy="321522"/>
-          </a:xfrm>
-          <a:prstGeom prst="rightArrow">
-            <a:avLst/>
-          </a:prstGeom>
-          <a:solidFill>
-            <a:srgbClr val="FF0000"/>
-          </a:solidFill>
-          <a:ln>
-            <a:solidFill>
-              <a:schemeClr val="tx1"/>
-            </a:solidFill>
-          </a:ln>
-        </p:spPr>
-        <p:style>
-          <a:lnRef idx="2">
-            <a:schemeClr val="accent1">
-              <a:shade val="50000"/>
-            </a:schemeClr>
-          </a:lnRef>
-          <a:fillRef idx="1">
-            <a:schemeClr val="accent1"/>
-          </a:fillRef>
-          <a:effectRef idx="0">
-            <a:schemeClr val="accent1"/>
-          </a:effectRef>
-          <a:fontRef idx="minor">
-            <a:schemeClr val="lt1"/>
-          </a:fontRef>
-        </p:style>
-        <p:txBody>
-          <a:bodyPr rtlCol="0" anchor="ctr"/>
-          <a:lstStyle/>
-          <a:p>
-            <a:pPr algn="ctr"/>
-            <a:endParaRPr kumimoji="1" lang="ja-JP" altLang="en-US"/>
-          </a:p>
-        </p:txBody>
-      </p:sp>
-      <p:sp>
-        <p:nvSpPr>
-          <p:cNvPr id="7" name="矢印: 右 6">
-            <a:extLst>
-              <a:ext uri="{FF2B5EF4-FFF2-40B4-BE49-F238E27FC236}">
-                <a16:creationId xmlns:a16="http://schemas.microsoft.com/office/drawing/2014/main" id="{D3E589E6-C4D5-4230-8D9E-C763BE431DC1}"/>
-              </a:ext>
-            </a:extLst>
-          </p:cNvPr>
-          <p:cNvSpPr/>
-          <p:nvPr/>
-        </p:nvSpPr>
-        <p:spPr>
-          <a:xfrm>
-            <a:off x="3564611" y="5167312"/>
-            <a:ext cx="1270860" cy="321522"/>
-          </a:xfrm>
-          <a:prstGeom prst="rightArrow">
-            <a:avLst/>
-          </a:prstGeom>
-          <a:solidFill>
-            <a:srgbClr val="FF0000"/>
-          </a:solidFill>
-          <a:ln>
-            <a:solidFill>
-              <a:schemeClr val="tx1"/>
-            </a:solidFill>
-          </a:ln>
-        </p:spPr>
-        <p:style>
-          <a:lnRef idx="2">
-            <a:schemeClr val="accent1">
-              <a:shade val="50000"/>
-            </a:schemeClr>
-          </a:lnRef>
-          <a:fillRef idx="1">
-            <a:schemeClr val="accent1"/>
-          </a:fillRef>
-          <a:effectRef idx="0">
-            <a:schemeClr val="accent1"/>
-          </a:effectRef>
-          <a:fontRef idx="minor">
-            <a:schemeClr val="lt1"/>
-          </a:fontRef>
-        </p:style>
-        <p:txBody>
-          <a:bodyPr rtlCol="0" anchor="ctr"/>
-          <a:lstStyle/>
-          <a:p>
-            <a:pPr algn="ctr"/>
-            <a:endParaRPr kumimoji="1" lang="ja-JP" altLang="en-US"/>
-          </a:p>
-        </p:txBody>
-      </p:sp>
-      <p:sp>
-        <p:nvSpPr>
-          <p:cNvPr id="9" name="テキスト ボックス 8">
-            <a:extLst>
-              <a:ext uri="{FF2B5EF4-FFF2-40B4-BE49-F238E27FC236}">
-                <a16:creationId xmlns:a16="http://schemas.microsoft.com/office/drawing/2014/main" id="{DB1C1048-BCB0-4766-9795-230CC3FCB278}"/>
-              </a:ext>
-            </a:extLst>
-          </p:cNvPr>
-          <p:cNvSpPr txBox="1"/>
-          <p:nvPr/>
-        </p:nvSpPr>
-        <p:spPr>
-          <a:xfrm>
-            <a:off x="5190641" y="2520906"/>
-            <a:ext cx="3338591" cy="3185487"/>
-          </a:xfrm>
-          <a:prstGeom prst="rect">
-            <a:avLst/>
-          </a:prstGeom>
-          <a:noFill/>
-        </p:spPr>
-        <p:txBody>
-          <a:bodyPr wrap="square" rtlCol="0">
-            <a:spAutoFit/>
-          </a:bodyPr>
-          <a:lstStyle/>
-          <a:p>
-            <a:r>
-              <a:rPr kumimoji="1" lang="en-US" altLang="ja-JP" sz="3600" b="1" dirty="0"/>
-              <a:t>weather</a:t>
-            </a:r>
-            <a:r>
-              <a:rPr lang="en-US" altLang="ja-JP" sz="3600" b="1" dirty="0"/>
-              <a:t>.txt</a:t>
-            </a:r>
-          </a:p>
-          <a:p>
-            <a:endParaRPr lang="en-US" altLang="ja-JP" sz="700" b="1" dirty="0"/>
-          </a:p>
-          <a:p>
-            <a:r>
-              <a:rPr lang="en-US" altLang="ja-JP" sz="3600" b="1" dirty="0"/>
-              <a:t>n</a:t>
-            </a:r>
-            <a:r>
-              <a:rPr kumimoji="1" lang="en-US" altLang="ja-JP" sz="3600" b="1" dirty="0"/>
-              <a:t>ews.txt</a:t>
-            </a:r>
-          </a:p>
-          <a:p>
-            <a:endParaRPr kumimoji="1" lang="en-US" altLang="ja-JP" sz="700" b="1" dirty="0"/>
-          </a:p>
-          <a:p>
-            <a:r>
-              <a:rPr lang="en-US" altLang="ja-JP" sz="3600" b="1" dirty="0"/>
-              <a:t>fortune.txt</a:t>
-            </a:r>
-          </a:p>
-          <a:p>
-            <a:endParaRPr lang="en-US" altLang="ja-JP" sz="3600" b="1" dirty="0"/>
-          </a:p>
-          <a:p>
-            <a:r>
-              <a:rPr lang="en-US" altLang="ja-JP" sz="3600" b="1" dirty="0"/>
-              <a:t>d</a:t>
-            </a:r>
-            <a:r>
-              <a:rPr kumimoji="1" lang="en-US" altLang="ja-JP" sz="3600" b="1" dirty="0"/>
-              <a:t>ay.txt</a:t>
-            </a:r>
-            <a:endParaRPr kumimoji="1" lang="ja-JP" altLang="en-US" sz="3600" b="1" dirty="0"/>
-          </a:p>
-        </p:txBody>
-      </p:sp>
-      <p:sp>
-        <p:nvSpPr>
-          <p:cNvPr id="10" name="正方形/長方形 9">
-            <a:extLst>
-              <a:ext uri="{FF2B5EF4-FFF2-40B4-BE49-F238E27FC236}">
-                <a16:creationId xmlns:a16="http://schemas.microsoft.com/office/drawing/2014/main" id="{DA2BCC13-84D3-434E-A145-3C01043EC3E6}"/>
+            <a:endParaRPr kumimoji="1" lang="en-US" altLang="ja-JP" sz="4800" dirty="0"/>
+          </a:p>
+          <a:p>
+            <a:endParaRPr lang="en-US" altLang="ja-JP" sz="4800" dirty="0"/>
+          </a:p>
+          <a:p>
+            <a:r>
+              <a:rPr kumimoji="1" lang="ja-JP" altLang="en-US" sz="4800" dirty="0"/>
+              <a:t>語彙ファイル　</a:t>
+            </a:r>
+            <a:endParaRPr kumimoji="1" lang="en-US" altLang="ja-JP" sz="4800" dirty="0"/>
+          </a:p>
+        </p:txBody>
+      </p:sp>
+      <p:sp>
+        <p:nvSpPr>
+          <p:cNvPr id="5" name="正方形/長方形 4">
+            <a:extLst>
+              <a:ext uri="{FF2B5EF4-FFF2-40B4-BE49-F238E27FC236}">
+                <a16:creationId xmlns:a16="http://schemas.microsoft.com/office/drawing/2014/main" id="{0853C9A5-A8A3-4AEE-B695-9634976812D0}"/>
               </a:ext>
             </a:extLst>
           </p:cNvPr>
@@ -8772,20 +8839,218 @@
           </a:p>
         </p:txBody>
       </p:sp>
+      <p:sp>
+        <p:nvSpPr>
+          <p:cNvPr id="4" name="テキスト ボックス 3">
+            <a:extLst>
+              <a:ext uri="{FF2B5EF4-FFF2-40B4-BE49-F238E27FC236}">
+                <a16:creationId xmlns:a16="http://schemas.microsoft.com/office/drawing/2014/main" id="{9EC58DA9-FEC0-461C-9B95-50DFB746EF3F}"/>
+              </a:ext>
+            </a:extLst>
+          </p:cNvPr>
+          <p:cNvSpPr txBox="1"/>
+          <p:nvPr/>
+        </p:nvSpPr>
+        <p:spPr>
+          <a:xfrm>
+            <a:off x="5539408" y="1751617"/>
+            <a:ext cx="4439479" cy="3354765"/>
+          </a:xfrm>
+          <a:prstGeom prst="rect">
+            <a:avLst/>
+          </a:prstGeom>
+          <a:solidFill>
+            <a:schemeClr val="bg1"/>
+          </a:solidFill>
+          <a:ln>
+            <a:solidFill>
+              <a:schemeClr val="tx1"/>
+            </a:solidFill>
+          </a:ln>
+        </p:spPr>
+        <p:txBody>
+          <a:bodyPr wrap="square" rtlCol="0">
+            <a:spAutoFit/>
+          </a:bodyPr>
+          <a:lstStyle/>
+          <a:p>
+            <a:r>
+              <a:rPr kumimoji="1" lang="ja-JP" altLang="en-US" sz="3600" b="1" dirty="0"/>
+              <a:t>読みファイル</a:t>
+            </a:r>
+            <a:endParaRPr kumimoji="1" lang="en-US" altLang="ja-JP" sz="3600" b="1" dirty="0"/>
+          </a:p>
+          <a:p>
+            <a:endParaRPr lang="en-US" altLang="ja-JP" sz="3600" dirty="0"/>
+          </a:p>
+          <a:p>
+            <a:r>
+              <a:rPr kumimoji="1" lang="ja-JP" altLang="en-US" sz="3600" dirty="0"/>
+              <a:t>晴れ</a:t>
+            </a:r>
+            <a:r>
+              <a:rPr lang="en-US" altLang="ja-JP" sz="3600" dirty="0"/>
+              <a:t>	</a:t>
+            </a:r>
+            <a:r>
+              <a:rPr lang="ja-JP" altLang="en-US" sz="3600" dirty="0"/>
+              <a:t>はれ</a:t>
+            </a:r>
+            <a:endParaRPr lang="en-US" altLang="ja-JP" sz="3600" dirty="0"/>
+          </a:p>
+          <a:p>
+            <a:r>
+              <a:rPr kumimoji="1" lang="ja-JP" altLang="en-US" sz="3600" dirty="0"/>
+              <a:t>雨</a:t>
+            </a:r>
+            <a:r>
+              <a:rPr kumimoji="1" lang="en-US" altLang="ja-JP" sz="3600" dirty="0"/>
+              <a:t>		</a:t>
+            </a:r>
+            <a:r>
+              <a:rPr kumimoji="1" lang="ja-JP" altLang="en-US" sz="3600" dirty="0"/>
+              <a:t>あめ</a:t>
+            </a:r>
+            <a:endParaRPr kumimoji="1" lang="en-US" altLang="ja-JP" sz="3600" dirty="0"/>
+          </a:p>
+          <a:p>
+            <a:r>
+              <a:rPr lang="ja-JP" altLang="en-US" sz="3600" dirty="0"/>
+              <a:t>曇り</a:t>
+            </a:r>
+            <a:r>
+              <a:rPr lang="en-US" altLang="ja-JP" sz="3600" dirty="0"/>
+              <a:t>	</a:t>
+            </a:r>
+            <a:r>
+              <a:rPr lang="ja-JP" altLang="en-US" sz="3600" dirty="0"/>
+              <a:t>くもり</a:t>
+            </a:r>
+            <a:endParaRPr lang="en-US" altLang="ja-JP" sz="3600" dirty="0"/>
+          </a:p>
+          <a:p>
+            <a:endParaRPr kumimoji="1" lang="en-US" altLang="ja-JP" sz="3200" dirty="0"/>
+          </a:p>
+        </p:txBody>
+      </p:sp>
+      <p:sp>
+        <p:nvSpPr>
+          <p:cNvPr id="7" name="テキスト ボックス 6">
+            <a:extLst>
+              <a:ext uri="{FF2B5EF4-FFF2-40B4-BE49-F238E27FC236}">
+                <a16:creationId xmlns:a16="http://schemas.microsoft.com/office/drawing/2014/main" id="{50FE8108-EA6E-4C8A-98C1-E0D2B5825E10}"/>
+              </a:ext>
+            </a:extLst>
+          </p:cNvPr>
+          <p:cNvSpPr txBox="1"/>
+          <p:nvPr/>
+        </p:nvSpPr>
+        <p:spPr>
+          <a:xfrm>
+            <a:off x="5539408" y="1751617"/>
+            <a:ext cx="4439479" cy="3354765"/>
+          </a:xfrm>
+          <a:prstGeom prst="rect">
+            <a:avLst/>
+          </a:prstGeom>
+          <a:solidFill>
+            <a:schemeClr val="bg1"/>
+          </a:solidFill>
+          <a:ln>
+            <a:solidFill>
+              <a:schemeClr val="tx1"/>
+            </a:solidFill>
+          </a:ln>
+        </p:spPr>
+        <p:txBody>
+          <a:bodyPr wrap="square" rtlCol="0">
+            <a:spAutoFit/>
+          </a:bodyPr>
+          <a:lstStyle/>
+          <a:p>
+            <a:r>
+              <a:rPr kumimoji="1" lang="ja-JP" altLang="en-US" sz="3600" b="1" dirty="0"/>
+              <a:t>語彙ファイル</a:t>
+            </a:r>
+            <a:endParaRPr kumimoji="1" lang="en-US" altLang="ja-JP" sz="3600" b="1" dirty="0"/>
+          </a:p>
+          <a:p>
+            <a:r>
+              <a:rPr lang="en-US" altLang="ja-JP" sz="3600" dirty="0"/>
+              <a:t>% TENKI</a:t>
+            </a:r>
+          </a:p>
+          <a:p>
+            <a:r>
+              <a:rPr kumimoji="1" lang="ja-JP" altLang="en-US" sz="3600" dirty="0"/>
+              <a:t>晴れ</a:t>
+            </a:r>
+            <a:r>
+              <a:rPr lang="en-US" altLang="ja-JP" sz="3600" dirty="0"/>
+              <a:t>	h a r e</a:t>
+            </a:r>
+          </a:p>
+          <a:p>
+            <a:r>
+              <a:rPr kumimoji="1" lang="ja-JP" altLang="en-US" sz="3600" dirty="0"/>
+              <a:t>雨</a:t>
+            </a:r>
+            <a:r>
+              <a:rPr kumimoji="1" lang="en-US" altLang="ja-JP" sz="3600" dirty="0"/>
+              <a:t>		</a:t>
+            </a:r>
+            <a:r>
+              <a:rPr lang="en-US" altLang="ja-JP" sz="3600" dirty="0"/>
+              <a:t>a m e</a:t>
+            </a:r>
+            <a:endParaRPr kumimoji="1" lang="en-US" altLang="ja-JP" sz="3600" dirty="0"/>
+          </a:p>
+          <a:p>
+            <a:r>
+              <a:rPr lang="ja-JP" altLang="en-US" sz="3600" dirty="0"/>
+              <a:t>曇り</a:t>
+            </a:r>
+            <a:r>
+              <a:rPr lang="en-US" altLang="ja-JP" sz="3600" dirty="0"/>
+              <a:t>	k u m o r </a:t>
+            </a:r>
+            <a:r>
+              <a:rPr lang="en-US" altLang="ja-JP" sz="3600" dirty="0" err="1"/>
+              <a:t>i</a:t>
+            </a:r>
+            <a:endParaRPr lang="en-US" altLang="ja-JP" sz="3600" dirty="0"/>
+          </a:p>
+          <a:p>
+            <a:endParaRPr kumimoji="1" lang="en-US" altLang="ja-JP" sz="3200" dirty="0"/>
+          </a:p>
+        </p:txBody>
+      </p:sp>
     </p:spTree>
     <p:extLst>
       <p:ext uri="{BB962C8B-B14F-4D97-AF65-F5344CB8AC3E}">
-        <p14:creationId xmlns:p14="http://schemas.microsoft.com/office/powerpoint/2010/main" val="2705134270"/>
+        <p14:creationId xmlns:p14="http://schemas.microsoft.com/office/powerpoint/2010/main" val="557837886"/>
       </p:ext>
     </p:extLst>
   </p:cSld>
   <p:clrMapOvr>
     <a:masterClrMapping/>
   </p:clrMapOvr>
+  <mc:AlternateContent xmlns:mc="http://schemas.openxmlformats.org/markup-compatibility/2006">
+    <mc:Choice xmlns:p14="http://schemas.microsoft.com/office/powerpoint/2010/main" Requires="p14">
+      <p:transition spd="med" p14:dur="700">
+        <p:fade/>
+      </p:transition>
+    </mc:Choice>
+    <mc:Fallback>
+      <p:transition spd="med">
+        <p:fade/>
+      </p:transition>
+    </mc:Fallback>
+  </mc:AlternateContent>
 </p:sld>
 </file>
 
-<file path=ppt/slides/slide15.xml><?xml version="1.0" encoding="utf-8"?>
+<file path=ppt/slides/slide14.xml><?xml version="1.0" encoding="utf-8"?>
 <p:sld xmlns:a="http://schemas.openxmlformats.org/drawingml/2006/main" xmlns:r="http://schemas.openxmlformats.org/officeDocument/2006/relationships" xmlns:p="http://schemas.openxmlformats.org/presentationml/2006/main">
   <p:cSld>
     <p:spTree>
@@ -8807,7 +9072,7 @@
           <p:cNvPr id="2" name="タイトル 1">
             <a:extLst>
               <a:ext uri="{FF2B5EF4-FFF2-40B4-BE49-F238E27FC236}">
-                <a16:creationId xmlns:a16="http://schemas.microsoft.com/office/drawing/2014/main" id="{0239366D-FD02-4D32-AA25-FA5687E2E9A8}"/>
+                <a16:creationId xmlns:a16="http://schemas.microsoft.com/office/drawing/2014/main" id="{2F54B871-1C29-443D-B7CD-A4880E1EFD3C}"/>
               </a:ext>
             </a:extLst>
           </p:cNvPr>
@@ -8825,7 +9090,7 @@
           <a:p>
             <a:r>
               <a:rPr kumimoji="1" lang="ja-JP" altLang="en-US" dirty="0"/>
-              <a:t>データ取得　定時実行</a:t>
+              <a:t>辞書ファイル</a:t>
             </a:r>
           </a:p>
         </p:txBody>
@@ -8835,7 +9100,7 @@
           <p:cNvPr id="3" name="コンテンツ プレースホルダー 2">
             <a:extLst>
               <a:ext uri="{FF2B5EF4-FFF2-40B4-BE49-F238E27FC236}">
-                <a16:creationId xmlns:a16="http://schemas.microsoft.com/office/drawing/2014/main" id="{2714D079-74EA-42AF-9886-A31DAA6C24C9}"/>
+                <a16:creationId xmlns:a16="http://schemas.microsoft.com/office/drawing/2014/main" id="{359BA7E9-5FB0-436F-941D-2F003078FAD5}"/>
               </a:ext>
             </a:extLst>
           </p:cNvPr>
@@ -8848,227 +9113,38 @@
         </p:nvSpPr>
         <p:spPr/>
         <p:txBody>
-          <a:bodyPr/>
-          <a:lstStyle/>
-          <a:p>
-            <a:r>
-              <a:rPr kumimoji="1" lang="ja-JP" altLang="en-US" dirty="0"/>
-              <a:t>ニュース→</a:t>
-            </a:r>
-            <a:r>
-              <a:rPr kumimoji="1" lang="en-US" altLang="ja-JP" dirty="0"/>
-              <a:t>1</a:t>
-            </a:r>
-            <a:r>
-              <a:rPr kumimoji="1" lang="ja-JP" altLang="en-US" dirty="0"/>
-              <a:t>時間毎にスクレイピング実行</a:t>
-            </a:r>
-            <a:endParaRPr kumimoji="1" lang="en-US" altLang="ja-JP" dirty="0"/>
-          </a:p>
-          <a:p>
-            <a:r>
-              <a:rPr lang="ja-JP" altLang="en-US" dirty="0"/>
-              <a:t>天気予報→</a:t>
-            </a:r>
-            <a:r>
-              <a:rPr lang="en-US" altLang="ja-JP" dirty="0"/>
-              <a:t>2,</a:t>
-            </a:r>
-            <a:r>
-              <a:rPr lang="ja-JP" altLang="en-US" dirty="0"/>
-              <a:t> </a:t>
-            </a:r>
-            <a:r>
-              <a:rPr lang="en-US" altLang="ja-JP" dirty="0"/>
-              <a:t>5, 8, 11, 14, 15, 17, 20</a:t>
-            </a:r>
-            <a:r>
-              <a:rPr lang="ja-JP" altLang="en-US" dirty="0"/>
-              <a:t>時に発表</a:t>
-            </a:r>
-            <a:endParaRPr kumimoji="1" lang="ja-JP" altLang="en-US" dirty="0"/>
-          </a:p>
-        </p:txBody>
-      </p:sp>
-      <p:sp>
-        <p:nvSpPr>
-          <p:cNvPr id="4" name="テキスト ボックス 3">
-            <a:extLst>
-              <a:ext uri="{FF2B5EF4-FFF2-40B4-BE49-F238E27FC236}">
-                <a16:creationId xmlns:a16="http://schemas.microsoft.com/office/drawing/2014/main" id="{E4F411F1-9DF1-4AE9-932A-4D591AF13FC5}"/>
-              </a:ext>
-            </a:extLst>
-          </p:cNvPr>
-          <p:cNvSpPr txBox="1"/>
-          <p:nvPr/>
-        </p:nvSpPr>
-        <p:spPr>
-          <a:xfrm>
-            <a:off x="1771301" y="2846763"/>
-            <a:ext cx="8464013" cy="3939540"/>
-          </a:xfrm>
-          <a:prstGeom prst="rect">
-            <a:avLst/>
-          </a:prstGeom>
-          <a:solidFill>
-            <a:schemeClr val="bg1"/>
-          </a:solidFill>
-          <a:ln>
-            <a:solidFill>
-              <a:schemeClr val="tx1"/>
-            </a:solidFill>
-          </a:ln>
-        </p:spPr>
-        <p:txBody>
-          <a:bodyPr wrap="square" rtlCol="0">
-            <a:spAutoFit/>
+          <a:bodyPr>
+            <a:normAutofit/>
           </a:bodyPr>
           <a:lstStyle/>
           <a:p>
-            <a:r>
-              <a:rPr lang="en-US" altLang="ja-JP" sz="2800" b="1" dirty="0"/>
-              <a:t>c</a:t>
-            </a:r>
-            <a:r>
-              <a:rPr kumimoji="1" lang="en-US" altLang="ja-JP" sz="2800" b="1" dirty="0"/>
-              <a:t>ron.py</a:t>
-            </a:r>
-            <a:r>
-              <a:rPr kumimoji="1" lang="ja-JP" altLang="en-US" sz="2800" b="1" dirty="0"/>
-              <a:t>の構造</a:t>
-            </a:r>
-            <a:endParaRPr lang="en-US" altLang="ja-JP" sz="2800" b="1" dirty="0"/>
-          </a:p>
-          <a:p>
-            <a:r>
-              <a:rPr kumimoji="1" lang="ja-JP" altLang="en-US" sz="1400" b="1" dirty="0"/>
+            <a:pPr marL="0" indent="0">
+              <a:buNone/>
+            </a:pPr>
+            <a:endParaRPr lang="en-US" altLang="ja-JP" sz="4800" dirty="0"/>
+          </a:p>
+          <a:p>
+            <a:pPr marL="0" indent="0">
+              <a:buNone/>
+            </a:pPr>
+            <a:endParaRPr kumimoji="1" lang="en-US" altLang="ja-JP" sz="4800" dirty="0"/>
+          </a:p>
+          <a:p>
+            <a:pPr marL="0" indent="0">
+              <a:buNone/>
+            </a:pPr>
+            <a:r>
+              <a:rPr kumimoji="1" lang="ja-JP" altLang="en-US" sz="4800" dirty="0"/>
               <a:t>　</a:t>
             </a:r>
-            <a:endParaRPr kumimoji="1" lang="en-US" altLang="ja-JP" sz="1400" b="1" dirty="0"/>
-          </a:p>
-          <a:p>
-            <a:r>
-              <a:rPr kumimoji="1" lang="ja-JP" altLang="en-US" sz="2800" b="1" dirty="0">
-                <a:solidFill>
-                  <a:srgbClr val="FF0000"/>
-                </a:solidFill>
-              </a:rPr>
-              <a:t>無限ループ</a:t>
-            </a:r>
-            <a:endParaRPr kumimoji="1" lang="en-US" altLang="ja-JP" sz="2800" b="1" dirty="0">
-              <a:solidFill>
-                <a:srgbClr val="FF0000"/>
-              </a:solidFill>
-            </a:endParaRPr>
-          </a:p>
-          <a:p>
-            <a:r>
-              <a:rPr lang="en-US" altLang="ja-JP" sz="2800" b="1" dirty="0"/>
-              <a:t>	</a:t>
-            </a:r>
-            <a:r>
-              <a:rPr lang="ja-JP" altLang="en-US" sz="2800" b="1" dirty="0"/>
-              <a:t>現在時刻を取得</a:t>
-            </a:r>
-            <a:endParaRPr lang="en-US" altLang="ja-JP" sz="2800" b="1" dirty="0"/>
-          </a:p>
-          <a:p>
-            <a:r>
-              <a:rPr lang="en-US" altLang="ja-JP" sz="2800" b="1" dirty="0"/>
-              <a:t>	</a:t>
-            </a:r>
-            <a:r>
-              <a:rPr lang="ja-JP" altLang="en-US" sz="2400" b="1" dirty="0">
-                <a:solidFill>
-                  <a:srgbClr val="FF0000"/>
-                </a:solidFill>
-              </a:rPr>
-              <a:t>時</a:t>
-            </a:r>
-            <a:r>
-              <a:rPr lang="en-US" altLang="ja-JP" sz="2400" b="1" dirty="0">
-                <a:solidFill>
-                  <a:srgbClr val="FF0000"/>
-                </a:solidFill>
-              </a:rPr>
-              <a:t>(hour)</a:t>
-            </a:r>
-            <a:r>
-              <a:rPr lang="ja-JP" altLang="en-US" sz="2400" b="1" dirty="0">
-                <a:solidFill>
-                  <a:srgbClr val="FF0000"/>
-                </a:solidFill>
-              </a:rPr>
-              <a:t>が進んだ時</a:t>
-            </a:r>
-            <a:endParaRPr lang="en-US" altLang="ja-JP" sz="2400" b="1" dirty="0">
-              <a:solidFill>
-                <a:srgbClr val="FF0000"/>
-              </a:solidFill>
-            </a:endParaRPr>
-          </a:p>
-          <a:p>
-            <a:r>
-              <a:rPr kumimoji="1" lang="en-US" altLang="ja-JP" sz="2400" b="1" dirty="0"/>
-              <a:t>		</a:t>
-            </a:r>
-            <a:r>
-              <a:rPr kumimoji="1" lang="ja-JP" altLang="en-US" sz="2400" b="1" dirty="0"/>
-              <a:t>ニュースをスクレイピング</a:t>
-            </a:r>
-            <a:endParaRPr kumimoji="1" lang="en-US" altLang="ja-JP" sz="2400" b="1" dirty="0"/>
-          </a:p>
-          <a:p>
-            <a:r>
-              <a:rPr kumimoji="1" lang="en-US" altLang="ja-JP" sz="2400" b="1" dirty="0"/>
-              <a:t>		</a:t>
-            </a:r>
-            <a:r>
-              <a:rPr lang="ja-JP" altLang="en-US" sz="2400" b="1" dirty="0"/>
-              <a:t>音声ファイル作成</a:t>
-            </a:r>
-            <a:endParaRPr kumimoji="1" lang="en-US" altLang="ja-JP" sz="2400" b="1" dirty="0"/>
-          </a:p>
-          <a:p>
-            <a:r>
-              <a:rPr lang="en-US" altLang="ja-JP" sz="2400" b="1" dirty="0"/>
-              <a:t>		</a:t>
-            </a:r>
-            <a:r>
-              <a:rPr lang="ja-JP" altLang="en-US" sz="2400" b="1" dirty="0">
-                <a:solidFill>
-                  <a:srgbClr val="FF0000"/>
-                </a:solidFill>
-              </a:rPr>
-              <a:t>天気予報の更新時間だった場合</a:t>
-            </a:r>
-            <a:endParaRPr lang="en-US" altLang="ja-JP" sz="2400" b="1" dirty="0">
-              <a:solidFill>
-                <a:srgbClr val="FF0000"/>
-              </a:solidFill>
-            </a:endParaRPr>
-          </a:p>
-          <a:p>
-            <a:r>
-              <a:rPr kumimoji="1" lang="en-US" altLang="ja-JP" sz="2400" b="1" dirty="0"/>
-              <a:t>			</a:t>
-            </a:r>
-            <a:r>
-              <a:rPr kumimoji="1" lang="ja-JP" altLang="en-US" sz="2400" b="1" dirty="0"/>
-              <a:t>天気予報をスクレイピング</a:t>
-            </a:r>
-            <a:endParaRPr kumimoji="1" lang="en-US" altLang="ja-JP" sz="2400" b="1" dirty="0"/>
-          </a:p>
-          <a:p>
-            <a:r>
-              <a:rPr lang="en-US" altLang="ja-JP" sz="2800" b="1" dirty="0"/>
-              <a:t>			</a:t>
-            </a:r>
-            <a:r>
-              <a:rPr lang="ja-JP" altLang="en-US" sz="2400" b="1" dirty="0"/>
-              <a:t>音声ファイル作成</a:t>
-            </a:r>
-            <a:endParaRPr kumimoji="1" lang="ja-JP" altLang="en-US" sz="2400" b="1" dirty="0"/>
+            <a:endParaRPr kumimoji="1" lang="en-US" altLang="ja-JP" sz="4800" dirty="0"/>
+          </a:p>
+          <a:p>
+            <a:r>
+              <a:rPr lang="ja-JP" altLang="en-US" sz="4800" dirty="0"/>
+              <a:t>構文ファイル</a:t>
+            </a:r>
+            <a:endParaRPr kumimoji="1" lang="ja-JP" altLang="en-US" sz="4800" dirty="0"/>
           </a:p>
         </p:txBody>
       </p:sp>
@@ -9077,7 +9153,7 @@
           <p:cNvPr id="5" name="正方形/長方形 4">
             <a:extLst>
               <a:ext uri="{FF2B5EF4-FFF2-40B4-BE49-F238E27FC236}">
-                <a16:creationId xmlns:a16="http://schemas.microsoft.com/office/drawing/2014/main" id="{1FFF3654-8D14-4E85-9550-14E1EB27079A}"/>
+                <a16:creationId xmlns:a16="http://schemas.microsoft.com/office/drawing/2014/main" id="{0853C9A5-A8A3-4AEE-B695-9634976812D0}"/>
               </a:ext>
             </a:extLst>
           </p:cNvPr>
@@ -9131,26 +9207,26 @@
       </p:sp>
       <p:sp>
         <p:nvSpPr>
-          <p:cNvPr id="6" name="矢印: 左右 5">
-            <a:extLst>
-              <a:ext uri="{FF2B5EF4-FFF2-40B4-BE49-F238E27FC236}">
-                <a16:creationId xmlns:a16="http://schemas.microsoft.com/office/drawing/2014/main" id="{4EA144AF-B02D-4412-AD33-227D048EE026}"/>
-              </a:ext>
-            </a:extLst>
-          </p:cNvPr>
-          <p:cNvSpPr/>
+          <p:cNvPr id="4" name="テキスト ボックス 3">
+            <a:extLst>
+              <a:ext uri="{FF2B5EF4-FFF2-40B4-BE49-F238E27FC236}">
+                <a16:creationId xmlns:a16="http://schemas.microsoft.com/office/drawing/2014/main" id="{9EC58DA9-FEC0-461C-9B95-50DFB746EF3F}"/>
+              </a:ext>
+            </a:extLst>
+          </p:cNvPr>
+          <p:cNvSpPr txBox="1"/>
           <p:nvPr/>
         </p:nvSpPr>
         <p:spPr>
-          <a:xfrm rot="5400000">
-            <a:off x="1079408" y="5127466"/>
-            <a:ext cx="2387066" cy="343752"/>
+          <a:xfrm>
+            <a:off x="5539408" y="1751617"/>
+            <a:ext cx="4439479" cy="3354765"/>
           </a:xfrm>
-          <a:prstGeom prst="leftRightArrow">
+          <a:prstGeom prst="rect">
             <a:avLst/>
           </a:prstGeom>
           <a:solidFill>
-            <a:srgbClr val="FF0000"/>
+            <a:schemeClr val="bg1"/>
           </a:solidFill>
           <a:ln>
             <a:solidFill>
@@ -9158,45 +9234,190 @@
             </a:solidFill>
           </a:ln>
         </p:spPr>
-        <p:style>
-          <a:lnRef idx="2">
-            <a:schemeClr val="accent1">
-              <a:shade val="50000"/>
-            </a:schemeClr>
-          </a:lnRef>
-          <a:fillRef idx="1">
-            <a:schemeClr val="accent1"/>
-          </a:fillRef>
-          <a:effectRef idx="0">
-            <a:schemeClr val="accent1"/>
-          </a:effectRef>
-          <a:fontRef idx="minor">
-            <a:schemeClr val="lt1"/>
-          </a:fontRef>
-        </p:style>
-        <p:txBody>
-          <a:bodyPr rtlCol="0" anchor="ctr"/>
+        <p:txBody>
+          <a:bodyPr wrap="square" rtlCol="0">
+            <a:spAutoFit/>
+          </a:bodyPr>
           <a:lstStyle/>
           <a:p>
-            <a:pPr algn="ctr"/>
-            <a:endParaRPr kumimoji="1" lang="ja-JP" altLang="en-US"/>
+            <a:r>
+              <a:rPr kumimoji="1" lang="ja-JP" altLang="en-US" sz="3600" b="1" dirty="0"/>
+              <a:t>読みファイル</a:t>
+            </a:r>
+            <a:endParaRPr kumimoji="1" lang="en-US" altLang="ja-JP" sz="3600" b="1" dirty="0"/>
+          </a:p>
+          <a:p>
+            <a:endParaRPr lang="en-US" altLang="ja-JP" sz="3600" dirty="0"/>
+          </a:p>
+          <a:p>
+            <a:r>
+              <a:rPr kumimoji="1" lang="ja-JP" altLang="en-US" sz="3600" dirty="0"/>
+              <a:t>晴れ</a:t>
+            </a:r>
+            <a:r>
+              <a:rPr lang="en-US" altLang="ja-JP" sz="3600" dirty="0"/>
+              <a:t>	</a:t>
+            </a:r>
+            <a:r>
+              <a:rPr lang="ja-JP" altLang="en-US" sz="3600" dirty="0"/>
+              <a:t>はれ</a:t>
+            </a:r>
+            <a:endParaRPr lang="en-US" altLang="ja-JP" sz="3600" dirty="0"/>
+          </a:p>
+          <a:p>
+            <a:r>
+              <a:rPr kumimoji="1" lang="ja-JP" altLang="en-US" sz="3600" dirty="0"/>
+              <a:t>雨</a:t>
+            </a:r>
+            <a:r>
+              <a:rPr kumimoji="1" lang="en-US" altLang="ja-JP" sz="3600" dirty="0"/>
+              <a:t>		</a:t>
+            </a:r>
+            <a:r>
+              <a:rPr kumimoji="1" lang="ja-JP" altLang="en-US" sz="3600" dirty="0"/>
+              <a:t>あめ</a:t>
+            </a:r>
+            <a:endParaRPr kumimoji="1" lang="en-US" altLang="ja-JP" sz="3600" dirty="0"/>
+          </a:p>
+          <a:p>
+            <a:r>
+              <a:rPr lang="ja-JP" altLang="en-US" sz="3600" dirty="0"/>
+              <a:t>曇り</a:t>
+            </a:r>
+            <a:r>
+              <a:rPr lang="en-US" altLang="ja-JP" sz="3600" dirty="0"/>
+              <a:t>	</a:t>
+            </a:r>
+            <a:r>
+              <a:rPr lang="ja-JP" altLang="en-US" sz="3600" dirty="0"/>
+              <a:t>くもり</a:t>
+            </a:r>
+            <a:endParaRPr lang="en-US" altLang="ja-JP" sz="3600" dirty="0"/>
+          </a:p>
+          <a:p>
+            <a:endParaRPr kumimoji="1" lang="en-US" altLang="ja-JP" sz="3200" dirty="0"/>
+          </a:p>
+        </p:txBody>
+      </p:sp>
+      <p:sp>
+        <p:nvSpPr>
+          <p:cNvPr id="8" name="テキスト ボックス 7">
+            <a:extLst>
+              <a:ext uri="{FF2B5EF4-FFF2-40B4-BE49-F238E27FC236}">
+                <a16:creationId xmlns:a16="http://schemas.microsoft.com/office/drawing/2014/main" id="{D4B2C473-8332-4387-9FF7-F6E06B271D89}"/>
+              </a:ext>
+            </a:extLst>
+          </p:cNvPr>
+          <p:cNvSpPr txBox="1"/>
+          <p:nvPr/>
+        </p:nvSpPr>
+        <p:spPr>
+          <a:xfrm>
+            <a:off x="5539408" y="1751617"/>
+            <a:ext cx="4439479" cy="3354765"/>
+          </a:xfrm>
+          <a:prstGeom prst="rect">
+            <a:avLst/>
+          </a:prstGeom>
+          <a:solidFill>
+            <a:schemeClr val="bg1"/>
+          </a:solidFill>
+          <a:ln>
+            <a:solidFill>
+              <a:schemeClr val="tx1"/>
+            </a:solidFill>
+          </a:ln>
+        </p:spPr>
+        <p:txBody>
+          <a:bodyPr wrap="square" rtlCol="0">
+            <a:spAutoFit/>
+          </a:bodyPr>
+          <a:lstStyle/>
+          <a:p>
+            <a:r>
+              <a:rPr lang="ja-JP" altLang="en-US" sz="3600" b="1" dirty="0"/>
+              <a:t>文法</a:t>
+            </a:r>
+            <a:r>
+              <a:rPr kumimoji="1" lang="ja-JP" altLang="en-US" sz="3600" b="1" dirty="0"/>
+              <a:t>ファイル</a:t>
+            </a:r>
+            <a:endParaRPr kumimoji="1" lang="en-US" altLang="ja-JP" sz="3600" b="1" dirty="0"/>
+          </a:p>
+          <a:p>
+            <a:r>
+              <a:rPr lang="en-US" altLang="ja-JP" sz="3600" dirty="0"/>
+              <a:t>S:KYOU NO TENKI</a:t>
+            </a:r>
+          </a:p>
+          <a:p>
+            <a:r>
+              <a:rPr kumimoji="1" lang="ja-JP" altLang="en-US" sz="3600" dirty="0"/>
+              <a:t>　 </a:t>
+            </a:r>
+            <a:r>
+              <a:rPr lang="ja-JP" altLang="en-US" sz="3600" dirty="0"/>
+              <a:t>今日　の    晴れ</a:t>
+            </a:r>
+            <a:endParaRPr lang="en-US" altLang="ja-JP" sz="3600" dirty="0"/>
+          </a:p>
+          <a:p>
+            <a:r>
+              <a:rPr kumimoji="1" lang="en-US" altLang="ja-JP" sz="3600" dirty="0"/>
+              <a:t>		</a:t>
+            </a:r>
+            <a:r>
+              <a:rPr lang="ja-JP" altLang="en-US" sz="3600" dirty="0"/>
+              <a:t>　      雨</a:t>
+            </a:r>
+            <a:endParaRPr lang="en-US" altLang="ja-JP" sz="3600" dirty="0"/>
+          </a:p>
+          <a:p>
+            <a:r>
+              <a:rPr kumimoji="1" lang="en-US" altLang="ja-JP" sz="3600" dirty="0"/>
+              <a:t>		</a:t>
+            </a:r>
+            <a:r>
+              <a:rPr kumimoji="1" lang="ja-JP" altLang="en-US" sz="3600" dirty="0"/>
+              <a:t>　</a:t>
+            </a:r>
+            <a:r>
+              <a:rPr lang="ja-JP" altLang="en-US" sz="3600" dirty="0"/>
+              <a:t>     曇り</a:t>
+            </a:r>
+            <a:endParaRPr lang="en-US" altLang="ja-JP" sz="3600" dirty="0"/>
+          </a:p>
+          <a:p>
+            <a:endParaRPr kumimoji="1" lang="en-US" altLang="ja-JP" sz="3200" dirty="0"/>
           </a:p>
         </p:txBody>
       </p:sp>
     </p:spTree>
     <p:extLst>
       <p:ext uri="{BB962C8B-B14F-4D97-AF65-F5344CB8AC3E}">
-        <p14:creationId xmlns:p14="http://schemas.microsoft.com/office/powerpoint/2010/main" val="3368829154"/>
+        <p14:creationId xmlns:p14="http://schemas.microsoft.com/office/powerpoint/2010/main" val="3664969878"/>
       </p:ext>
     </p:extLst>
   </p:cSld>
   <p:clrMapOvr>
     <a:masterClrMapping/>
   </p:clrMapOvr>
+  <mc:AlternateContent xmlns:mc="http://schemas.openxmlformats.org/markup-compatibility/2006">
+    <mc:Choice xmlns:p14="http://schemas.microsoft.com/office/powerpoint/2010/main" Requires="p14">
+      <p:transition spd="med" p14:dur="700">
+        <p:fade/>
+      </p:transition>
+    </mc:Choice>
+    <mc:Fallback>
+      <p:transition spd="med">
+        <p:fade/>
+      </p:transition>
+    </mc:Fallback>
+  </mc:AlternateContent>
 </p:sld>
 </file>
 
-<file path=ppt/slides/slide16.xml><?xml version="1.0" encoding="utf-8"?>
+<file path=ppt/slides/slide15.xml><?xml version="1.0" encoding="utf-8"?>
 <p:sld xmlns:a="http://schemas.openxmlformats.org/drawingml/2006/main" xmlns:r="http://schemas.openxmlformats.org/officeDocument/2006/relationships" xmlns:p="http://schemas.openxmlformats.org/presentationml/2006/main">
   <p:cSld>
     <p:spTree>
@@ -9218,7 +9439,7 @@
           <p:cNvPr id="2" name="タイトル 1">
             <a:extLst>
               <a:ext uri="{FF2B5EF4-FFF2-40B4-BE49-F238E27FC236}">
-                <a16:creationId xmlns:a16="http://schemas.microsoft.com/office/drawing/2014/main" id="{0239366D-FD02-4D32-AA25-FA5687E2E9A8}"/>
+                <a16:creationId xmlns:a16="http://schemas.microsoft.com/office/drawing/2014/main" id="{2130732E-7DA7-406F-85C0-863D6420038A}"/>
               </a:ext>
             </a:extLst>
           </p:cNvPr>
@@ -9236,52 +9457,17 @@
           <a:p>
             <a:r>
               <a:rPr kumimoji="1" lang="ja-JP" altLang="en-US" dirty="0"/>
-              <a:t>データ取得　定時実行</a:t>
-            </a:r>
-          </a:p>
-        </p:txBody>
-      </p:sp>
-      <p:pic>
-        <p:nvPicPr>
-          <p:cNvPr id="8" name="コンテンツ プレースホルダー 7">
-            <a:extLst>
-              <a:ext uri="{FF2B5EF4-FFF2-40B4-BE49-F238E27FC236}">
-                <a16:creationId xmlns:a16="http://schemas.microsoft.com/office/drawing/2014/main" id="{A6A5C198-EC23-4091-8AF5-A244004DD6F7}"/>
-              </a:ext>
-            </a:extLst>
-          </p:cNvPr>
-          <p:cNvPicPr>
-            <a:picLocks noGrp="1" noChangeAspect="1"/>
-          </p:cNvPicPr>
-          <p:nvPr>
-            <p:ph idx="1"/>
-          </p:nvPr>
-        </p:nvPicPr>
-        <p:blipFill>
-          <a:blip r:embed="rId2">
-            <a:extLst>
-              <a:ext uri="{28A0092B-C50C-407E-A947-70E740481C1C}">
-                <a14:useLocalDpi xmlns:a14="http://schemas.microsoft.com/office/drawing/2010/main" val="0"/>
-              </a:ext>
-            </a:extLst>
-          </a:blip>
-          <a:stretch>
-            <a:fillRect/>
-          </a:stretch>
-        </p:blipFill>
-        <p:spPr>
-          <a:xfrm>
-            <a:off x="2000581" y="1362798"/>
-            <a:ext cx="7507486" cy="5380841"/>
-          </a:xfrm>
-        </p:spPr>
-      </p:pic>
+              <a:t>ウェイクワード</a:t>
+            </a:r>
+          </a:p>
+        </p:txBody>
+      </p:sp>
       <p:sp>
         <p:nvSpPr>
           <p:cNvPr id="4" name="正方形/長方形 3">
             <a:extLst>
               <a:ext uri="{FF2B5EF4-FFF2-40B4-BE49-F238E27FC236}">
-                <a16:creationId xmlns:a16="http://schemas.microsoft.com/office/drawing/2014/main" id="{9CEB8C61-C32D-41E2-841B-399EE256AABF}"/>
+                <a16:creationId xmlns:a16="http://schemas.microsoft.com/office/drawing/2014/main" id="{69845A7F-5CE8-4273-BF96-B117543FDBC7}"/>
               </a:ext>
             </a:extLst>
           </p:cNvPr>
@@ -9333,20 +9519,372 @@
           </a:p>
         </p:txBody>
       </p:sp>
+      <p:sp>
+        <p:nvSpPr>
+          <p:cNvPr id="5" name="コンテンツ プレースホルダー 2">
+            <a:extLst>
+              <a:ext uri="{FF2B5EF4-FFF2-40B4-BE49-F238E27FC236}">
+                <a16:creationId xmlns:a16="http://schemas.microsoft.com/office/drawing/2014/main" id="{88A385C2-E5A2-4003-9E76-544551CCC84E}"/>
+              </a:ext>
+            </a:extLst>
+          </p:cNvPr>
+          <p:cNvSpPr>
+            <a:spLocks noGrp="1"/>
+          </p:cNvSpPr>
+          <p:nvPr>
+            <p:ph idx="1"/>
+          </p:nvPr>
+        </p:nvSpPr>
+        <p:spPr>
+          <a:xfrm>
+            <a:off x="838200" y="1825625"/>
+            <a:ext cx="10515600" cy="4351338"/>
+          </a:xfrm>
+        </p:spPr>
+        <p:txBody>
+          <a:bodyPr/>
+          <a:lstStyle/>
+          <a:p>
+            <a:pPr marL="0" indent="0">
+              <a:buNone/>
+            </a:pPr>
+            <a:r>
+              <a:rPr lang="ja-JP" altLang="en-US" sz="3600" b="1" dirty="0"/>
+              <a:t>起動の合図</a:t>
+            </a:r>
+            <a:endParaRPr lang="en-US" altLang="ja-JP" sz="3600" b="1" dirty="0"/>
+          </a:p>
+          <a:p>
+            <a:pPr marL="0" indent="0">
+              <a:buNone/>
+            </a:pPr>
+            <a:r>
+              <a:rPr kumimoji="1" lang="ja-JP" altLang="en-US" dirty="0"/>
+              <a:t>例：</a:t>
+            </a:r>
+            <a:r>
+              <a:rPr kumimoji="1" lang="en-US" altLang="ja-JP" dirty="0"/>
+              <a:t>OK, Google</a:t>
+            </a:r>
+            <a:r>
+              <a:rPr kumimoji="1" lang="ja-JP" altLang="en-US" dirty="0"/>
+              <a:t>　</a:t>
+            </a:r>
+            <a:r>
+              <a:rPr kumimoji="1" lang="en-US" altLang="ja-JP" dirty="0"/>
+              <a:t>Hey,Siri</a:t>
+            </a:r>
+            <a:r>
+              <a:rPr lang="ja-JP" altLang="en-US" dirty="0"/>
+              <a:t>等</a:t>
+            </a:r>
+            <a:endParaRPr lang="en-US" altLang="ja-JP" dirty="0"/>
+          </a:p>
+          <a:p>
+            <a:pPr marL="0" indent="0">
+              <a:buNone/>
+            </a:pPr>
+            <a:endParaRPr kumimoji="1" lang="en-US" altLang="ja-JP" dirty="0"/>
+          </a:p>
+        </p:txBody>
+      </p:sp>
+      <p:pic>
+        <p:nvPicPr>
+          <p:cNvPr id="6" name="図 5">
+            <a:extLst>
+              <a:ext uri="{FF2B5EF4-FFF2-40B4-BE49-F238E27FC236}">
+                <a16:creationId xmlns:a16="http://schemas.microsoft.com/office/drawing/2014/main" id="{14BB52E9-6E26-4A66-85BC-514194CEADAD}"/>
+              </a:ext>
+            </a:extLst>
+          </p:cNvPr>
+          <p:cNvPicPr>
+            <a:picLocks noChangeAspect="1"/>
+          </p:cNvPicPr>
+          <p:nvPr/>
+        </p:nvPicPr>
+        <p:blipFill>
+          <a:blip r:embed="rId2"/>
+          <a:stretch>
+            <a:fillRect/>
+          </a:stretch>
+        </p:blipFill>
+        <p:spPr>
+          <a:xfrm>
+            <a:off x="2162534" y="3425853"/>
+            <a:ext cx="3432147" cy="3432147"/>
+          </a:xfrm>
+          <a:prstGeom prst="rect">
+            <a:avLst/>
+          </a:prstGeom>
+        </p:spPr>
+      </p:pic>
+      <p:sp>
+        <p:nvSpPr>
+          <p:cNvPr id="7" name="吹き出し: 円形 6">
+            <a:extLst>
+              <a:ext uri="{FF2B5EF4-FFF2-40B4-BE49-F238E27FC236}">
+                <a16:creationId xmlns:a16="http://schemas.microsoft.com/office/drawing/2014/main" id="{A7458F90-F5F3-4D23-ADA6-2D22B64937F6}"/>
+              </a:ext>
+            </a:extLst>
+          </p:cNvPr>
+          <p:cNvSpPr/>
+          <p:nvPr/>
+        </p:nvSpPr>
+        <p:spPr>
+          <a:xfrm>
+            <a:off x="5163823" y="2767633"/>
+            <a:ext cx="4434038" cy="2377440"/>
+          </a:xfrm>
+          <a:prstGeom prst="wedgeEllipseCallout">
+            <a:avLst>
+              <a:gd name="adj1" fmla="val -63380"/>
+              <a:gd name="adj2" fmla="val 2986"/>
+            </a:avLst>
+          </a:prstGeom>
+          <a:solidFill>
+            <a:schemeClr val="bg1"/>
+          </a:solidFill>
+          <a:ln>
+            <a:solidFill>
+              <a:schemeClr val="tx1"/>
+            </a:solidFill>
+          </a:ln>
+        </p:spPr>
+        <p:style>
+          <a:lnRef idx="2">
+            <a:schemeClr val="accent1">
+              <a:shade val="50000"/>
+            </a:schemeClr>
+          </a:lnRef>
+          <a:fillRef idx="1">
+            <a:schemeClr val="accent1"/>
+          </a:fillRef>
+          <a:effectRef idx="0">
+            <a:schemeClr val="accent1"/>
+          </a:effectRef>
+          <a:fontRef idx="minor">
+            <a:schemeClr val="lt1"/>
+          </a:fontRef>
+        </p:style>
+        <p:txBody>
+          <a:bodyPr rtlCol="0" anchor="ctr"/>
+          <a:lstStyle/>
+          <a:p>
+            <a:pPr algn="ctr"/>
+            <a:r>
+              <a:rPr lang="ja-JP" altLang="en-US" sz="4800" dirty="0">
+                <a:solidFill>
+                  <a:schemeClr val="tx1"/>
+                </a:solidFill>
+              </a:rPr>
+              <a:t>ねぇ</a:t>
+            </a:r>
+            <a:r>
+              <a:rPr lang="en-US" altLang="ja-JP" sz="4800" dirty="0">
+                <a:solidFill>
+                  <a:schemeClr val="tx1"/>
+                </a:solidFill>
+              </a:rPr>
+              <a:t>YoSiE</a:t>
+            </a:r>
+            <a:endParaRPr kumimoji="1" lang="ja-JP" altLang="en-US" sz="4800" dirty="0">
+              <a:solidFill>
+                <a:schemeClr val="tx1"/>
+              </a:solidFill>
+            </a:endParaRPr>
+          </a:p>
+        </p:txBody>
+      </p:sp>
     </p:spTree>
     <p:extLst>
       <p:ext uri="{BB962C8B-B14F-4D97-AF65-F5344CB8AC3E}">
-        <p14:creationId xmlns:p14="http://schemas.microsoft.com/office/powerpoint/2010/main" val="1347989110"/>
+        <p14:creationId xmlns:p14="http://schemas.microsoft.com/office/powerpoint/2010/main" val="524137758"/>
       </p:ext>
     </p:extLst>
   </p:cSld>
   <p:clrMapOvr>
     <a:masterClrMapping/>
   </p:clrMapOvr>
+  <p:timing>
+    <p:tnLst>
+      <p:par>
+        <p:cTn id="1" dur="indefinite" restart="never" nodeType="tmRoot">
+          <p:childTnLst>
+            <p:seq concurrent="1" nextAc="seek">
+              <p:cTn id="2" dur="indefinite" nodeType="mainSeq">
+                <p:childTnLst>
+                  <p:par>
+                    <p:cTn id="3" fill="hold">
+                      <p:stCondLst>
+                        <p:cond delay="indefinite"/>
+                      </p:stCondLst>
+                      <p:childTnLst>
+                        <p:par>
+                          <p:cTn id="4" fill="hold">
+                            <p:stCondLst>
+                              <p:cond delay="0"/>
+                            </p:stCondLst>
+                            <p:childTnLst>
+                              <p:par>
+                                <p:cTn id="5" presetID="42" presetClass="entr" presetSubtype="0" fill="hold" nodeType="clickEffect">
+                                  <p:stCondLst>
+                                    <p:cond delay="0"/>
+                                  </p:stCondLst>
+                                  <p:childTnLst>
+                                    <p:set>
+                                      <p:cBhvr>
+                                        <p:cTn id="6" dur="1" fill="hold">
+                                          <p:stCondLst>
+                                            <p:cond delay="0"/>
+                                          </p:stCondLst>
+                                        </p:cTn>
+                                        <p:tgtEl>
+                                          <p:spTgt spid="6"/>
+                                        </p:tgtEl>
+                                        <p:attrNameLst>
+                                          <p:attrName>style.visibility</p:attrName>
+                                        </p:attrNameLst>
+                                      </p:cBhvr>
+                                      <p:to>
+                                        <p:strVal val="visible"/>
+                                      </p:to>
+                                    </p:set>
+                                    <p:animEffect transition="in" filter="fade">
+                                      <p:cBhvr>
+                                        <p:cTn id="7" dur="250"/>
+                                        <p:tgtEl>
+                                          <p:spTgt spid="6"/>
+                                        </p:tgtEl>
+                                      </p:cBhvr>
+                                    </p:animEffect>
+                                    <p:anim calcmode="lin" valueType="num">
+                                      <p:cBhvr>
+                                        <p:cTn id="8" dur="250" fill="hold"/>
+                                        <p:tgtEl>
+                                          <p:spTgt spid="6"/>
+                                        </p:tgtEl>
+                                        <p:attrNameLst>
+                                          <p:attrName>ppt_x</p:attrName>
+                                        </p:attrNameLst>
+                                      </p:cBhvr>
+                                      <p:tavLst>
+                                        <p:tav tm="0">
+                                          <p:val>
+                                            <p:strVal val="#ppt_x"/>
+                                          </p:val>
+                                        </p:tav>
+                                        <p:tav tm="100000">
+                                          <p:val>
+                                            <p:strVal val="#ppt_x"/>
+                                          </p:val>
+                                        </p:tav>
+                                      </p:tavLst>
+                                    </p:anim>
+                                    <p:anim calcmode="lin" valueType="num">
+                                      <p:cBhvr>
+                                        <p:cTn id="9" dur="250" fill="hold"/>
+                                        <p:tgtEl>
+                                          <p:spTgt spid="6"/>
+                                        </p:tgtEl>
+                                        <p:attrNameLst>
+                                          <p:attrName>ppt_y</p:attrName>
+                                        </p:attrNameLst>
+                                      </p:cBhvr>
+                                      <p:tavLst>
+                                        <p:tav tm="0">
+                                          <p:val>
+                                            <p:strVal val="#ppt_y+.1"/>
+                                          </p:val>
+                                        </p:tav>
+                                        <p:tav tm="100000">
+                                          <p:val>
+                                            <p:strVal val="#ppt_y"/>
+                                          </p:val>
+                                        </p:tav>
+                                      </p:tavLst>
+                                    </p:anim>
+                                  </p:childTnLst>
+                                </p:cTn>
+                              </p:par>
+                            </p:childTnLst>
+                          </p:cTn>
+                        </p:par>
+                        <p:par>
+                          <p:cTn id="10" fill="hold">
+                            <p:stCondLst>
+                              <p:cond delay="250"/>
+                            </p:stCondLst>
+                            <p:childTnLst>
+                              <p:par>
+                                <p:cTn id="11" presetID="22" presetClass="entr" presetSubtype="8" fill="hold" grpId="0" nodeType="afterEffect">
+                                  <p:stCondLst>
+                                    <p:cond delay="250"/>
+                                  </p:stCondLst>
+                                  <p:childTnLst>
+                                    <p:set>
+                                      <p:cBhvr>
+                                        <p:cTn id="12" dur="1" fill="hold">
+                                          <p:stCondLst>
+                                            <p:cond delay="0"/>
+                                          </p:stCondLst>
+                                        </p:cTn>
+                                        <p:tgtEl>
+                                          <p:spTgt spid="7"/>
+                                        </p:tgtEl>
+                                        <p:attrNameLst>
+                                          <p:attrName>style.visibility</p:attrName>
+                                        </p:attrNameLst>
+                                      </p:cBhvr>
+                                      <p:to>
+                                        <p:strVal val="visible"/>
+                                      </p:to>
+                                    </p:set>
+                                    <p:animEffect transition="in" filter="wipe(left)">
+                                      <p:cBhvr>
+                                        <p:cTn id="13" dur="250"/>
+                                        <p:tgtEl>
+                                          <p:spTgt spid="7"/>
+                                        </p:tgtEl>
+                                      </p:cBhvr>
+                                    </p:animEffect>
+                                  </p:childTnLst>
+                                </p:cTn>
+                              </p:par>
+                            </p:childTnLst>
+                          </p:cTn>
+                        </p:par>
+                      </p:childTnLst>
+                    </p:cTn>
+                  </p:par>
+                </p:childTnLst>
+              </p:cTn>
+              <p:prevCondLst>
+                <p:cond evt="onPrev" delay="0">
+                  <p:tgtEl>
+                    <p:sldTgt/>
+                  </p:tgtEl>
+                </p:cond>
+              </p:prevCondLst>
+              <p:nextCondLst>
+                <p:cond evt="onNext" delay="0">
+                  <p:tgtEl>
+                    <p:sldTgt/>
+                  </p:tgtEl>
+                </p:cond>
+              </p:nextCondLst>
+            </p:seq>
+          </p:childTnLst>
+        </p:cTn>
+      </p:par>
+    </p:tnLst>
+    <p:bldLst>
+      <p:bldP spid="7" grpId="0" animBg="1"/>
+    </p:bldLst>
+  </p:timing>
 </p:sld>
 </file>
 
-<file path=ppt/slides/slide17.xml><?xml version="1.0" encoding="utf-8"?>
+<file path=ppt/slides/slide16.xml><?xml version="1.0" encoding="utf-8"?>
 <p:sld xmlns:a="http://schemas.openxmlformats.org/drawingml/2006/main" xmlns:r="http://schemas.openxmlformats.org/officeDocument/2006/relationships" xmlns:p="http://schemas.openxmlformats.org/presentationml/2006/main">
   <p:cSld>
     <p:spTree>
@@ -9368,7 +9906,7 @@
           <p:cNvPr id="2" name="タイトル 1">
             <a:extLst>
               <a:ext uri="{FF2B5EF4-FFF2-40B4-BE49-F238E27FC236}">
-                <a16:creationId xmlns:a16="http://schemas.microsoft.com/office/drawing/2014/main" id="{416FDF28-DE91-4559-964D-FBBF51F99738}"/>
+                <a16:creationId xmlns:a16="http://schemas.microsoft.com/office/drawing/2014/main" id="{549688B5-67DA-428A-92E6-3D3B28BFC143}"/>
               </a:ext>
             </a:extLst>
           </p:cNvPr>
@@ -9385,10 +9923,9 @@
           <a:lstStyle/>
           <a:p>
             <a:r>
-              <a:rPr kumimoji="1" lang="en-US" altLang="ja-JP" dirty="0" err="1"/>
-              <a:t>OpenJtalk</a:t>
-            </a:r>
-            <a:endParaRPr kumimoji="1" lang="ja-JP" altLang="en-US" dirty="0"/>
+              <a:rPr kumimoji="1" lang="ja-JP" altLang="en-US" dirty="0"/>
+              <a:t>テキスト分類の仕組み</a:t>
+            </a:r>
           </a:p>
         </p:txBody>
       </p:sp>
@@ -9397,7 +9934,7 @@
           <p:cNvPr id="3" name="コンテンツ プレースホルダー 2">
             <a:extLst>
               <a:ext uri="{FF2B5EF4-FFF2-40B4-BE49-F238E27FC236}">
-                <a16:creationId xmlns:a16="http://schemas.microsoft.com/office/drawing/2014/main" id="{7739CC25-5B0B-4F49-AA2A-71E2700494BC}"/>
+                <a16:creationId xmlns:a16="http://schemas.microsoft.com/office/drawing/2014/main" id="{B6B6A2C6-E821-404C-9429-4F30D1E7A255}"/>
               </a:ext>
             </a:extLst>
           </p:cNvPr>
@@ -9413,94 +9950,16 @@
           <a:bodyPr/>
           <a:lstStyle/>
           <a:p>
-            <a:pPr marL="0" indent="0">
-              <a:buNone/>
-            </a:pPr>
-            <a:r>
-              <a:rPr lang="ja-JP" altLang="en-US" dirty="0"/>
-              <a:t>音声ファイル　作成</a:t>
-            </a:r>
-            <a:endParaRPr kumimoji="1" lang="en-US" altLang="ja-JP" dirty="0"/>
-          </a:p>
-        </p:txBody>
-      </p:sp>
-      <p:pic>
-        <p:nvPicPr>
-          <p:cNvPr id="5" name="図 4">
-            <a:extLst>
-              <a:ext uri="{FF2B5EF4-FFF2-40B4-BE49-F238E27FC236}">
-                <a16:creationId xmlns:a16="http://schemas.microsoft.com/office/drawing/2014/main" id="{DCEE1DF1-E412-4FF6-A299-BF70A8C1D00F}"/>
-              </a:ext>
-            </a:extLst>
-          </p:cNvPr>
-          <p:cNvPicPr>
-            <a:picLocks noChangeAspect="1"/>
-          </p:cNvPicPr>
-          <p:nvPr/>
-        </p:nvPicPr>
-        <p:blipFill>
-          <a:blip r:embed="rId3">
-            <a:extLst>
-              <a:ext uri="{28A0092B-C50C-407E-A947-70E740481C1C}">
-                <a14:useLocalDpi xmlns:a14="http://schemas.microsoft.com/office/drawing/2010/main" val="0"/>
-              </a:ext>
-            </a:extLst>
-          </a:blip>
-          <a:stretch>
-            <a:fillRect/>
-          </a:stretch>
-        </p:blipFill>
-        <p:spPr>
-          <a:xfrm>
-            <a:off x="451650" y="2396107"/>
-            <a:ext cx="11288700" cy="3210373"/>
-          </a:xfrm>
-          <a:prstGeom prst="rect">
-            <a:avLst/>
-          </a:prstGeom>
-        </p:spPr>
-      </p:pic>
-      <p:sp>
-        <p:nvSpPr>
-          <p:cNvPr id="7" name="テキスト ボックス 6">
-            <a:extLst>
-              <a:ext uri="{FF2B5EF4-FFF2-40B4-BE49-F238E27FC236}">
-                <a16:creationId xmlns:a16="http://schemas.microsoft.com/office/drawing/2014/main" id="{BC9E286B-F5E8-4C8B-AC3F-63529E259B69}"/>
-              </a:ext>
-            </a:extLst>
-          </p:cNvPr>
-          <p:cNvSpPr txBox="1"/>
-          <p:nvPr/>
-        </p:nvSpPr>
-        <p:spPr>
-          <a:xfrm>
-            <a:off x="451650" y="5988733"/>
-            <a:ext cx="6059837" cy="646331"/>
-          </a:xfrm>
-          <a:prstGeom prst="rect">
-            <a:avLst/>
-          </a:prstGeom>
-          <a:noFill/>
-        </p:spPr>
-        <p:txBody>
-          <a:bodyPr wrap="square" rtlCol="0">
-            <a:spAutoFit/>
-          </a:bodyPr>
-          <a:lstStyle/>
-          <a:p>
-            <a:r>
-              <a:rPr kumimoji="1" lang="ja-JP" altLang="en-US" sz="3600" dirty="0"/>
-              <a:t>スクレイピング直後に実行</a:t>
-            </a:r>
-          </a:p>
-        </p:txBody>
-      </p:sp>
-      <p:sp>
-        <p:nvSpPr>
-          <p:cNvPr id="6" name="正方形/長方形 5">
-            <a:extLst>
-              <a:ext uri="{FF2B5EF4-FFF2-40B4-BE49-F238E27FC236}">
-                <a16:creationId xmlns:a16="http://schemas.microsoft.com/office/drawing/2014/main" id="{402AECB5-4ABC-4E92-8BBE-67490A269199}"/>
+            <a:endParaRPr kumimoji="1" lang="ja-JP" altLang="en-US"/>
+          </a:p>
+        </p:txBody>
+      </p:sp>
+      <p:sp>
+        <p:nvSpPr>
+          <p:cNvPr id="4" name="正方形/長方形 3">
+            <a:extLst>
+              <a:ext uri="{FF2B5EF4-FFF2-40B4-BE49-F238E27FC236}">
+                <a16:creationId xmlns:a16="http://schemas.microsoft.com/office/drawing/2014/main" id="{58626FC8-F8C8-406B-BD45-B847BCC1E671}"/>
               </a:ext>
             </a:extLst>
           </p:cNvPr>
@@ -9555,7 +10014,101 @@
     </p:spTree>
     <p:extLst>
       <p:ext uri="{BB962C8B-B14F-4D97-AF65-F5344CB8AC3E}">
-        <p14:creationId xmlns:p14="http://schemas.microsoft.com/office/powerpoint/2010/main" val="410217345"/>
+        <p14:creationId xmlns:p14="http://schemas.microsoft.com/office/powerpoint/2010/main" val="692832931"/>
+      </p:ext>
+    </p:extLst>
+  </p:cSld>
+  <p:clrMapOvr>
+    <a:masterClrMapping/>
+  </p:clrMapOvr>
+</p:sld>
+</file>
+
+<file path=ppt/slides/slide17.xml><?xml version="1.0" encoding="utf-8"?>
+<p:sld xmlns:a="http://schemas.openxmlformats.org/drawingml/2006/main" xmlns:r="http://schemas.openxmlformats.org/officeDocument/2006/relationships" xmlns:p="http://schemas.openxmlformats.org/presentationml/2006/main">
+  <p:cSld>
+    <p:spTree>
+      <p:nvGrpSpPr>
+        <p:cNvPr id="1" name=""/>
+        <p:cNvGrpSpPr/>
+        <p:nvPr/>
+      </p:nvGrpSpPr>
+      <p:grpSpPr>
+        <a:xfrm>
+          <a:off x="0" y="0"/>
+          <a:ext cx="0" cy="0"/>
+          <a:chOff x="0" y="0"/>
+          <a:chExt cx="0" cy="0"/>
+        </a:xfrm>
+      </p:grpSpPr>
+      <p:sp>
+        <p:nvSpPr>
+          <p:cNvPr id="2" name="タイトル 1">
+            <a:extLst>
+              <a:ext uri="{FF2B5EF4-FFF2-40B4-BE49-F238E27FC236}">
+                <a16:creationId xmlns:a16="http://schemas.microsoft.com/office/drawing/2014/main" id="{3B84D43F-F80B-40CE-BAA6-B9DFBE0CA5B9}"/>
+              </a:ext>
+            </a:extLst>
+          </p:cNvPr>
+          <p:cNvSpPr>
+            <a:spLocks noGrp="1"/>
+          </p:cNvSpPr>
+          <p:nvPr>
+            <p:ph type="title"/>
+          </p:nvPr>
+        </p:nvSpPr>
+        <p:spPr/>
+        <p:txBody>
+          <a:bodyPr/>
+          <a:lstStyle/>
+          <a:p>
+            <a:r>
+              <a:rPr kumimoji="1" lang="en-US" altLang="ja-JP" dirty="0"/>
+              <a:t>fastText</a:t>
+            </a:r>
+            <a:endParaRPr kumimoji="1" lang="ja-JP" altLang="en-US" dirty="0"/>
+          </a:p>
+        </p:txBody>
+      </p:sp>
+      <p:sp>
+        <p:nvSpPr>
+          <p:cNvPr id="3" name="コンテンツ プレースホルダー 2">
+            <a:extLst>
+              <a:ext uri="{FF2B5EF4-FFF2-40B4-BE49-F238E27FC236}">
+                <a16:creationId xmlns:a16="http://schemas.microsoft.com/office/drawing/2014/main" id="{A68B4BBE-92D2-4DCF-B6A5-0E40E2D9BFF9}"/>
+              </a:ext>
+            </a:extLst>
+          </p:cNvPr>
+          <p:cNvSpPr>
+            <a:spLocks noGrp="1"/>
+          </p:cNvSpPr>
+          <p:nvPr>
+            <p:ph idx="1"/>
+          </p:nvPr>
+        </p:nvSpPr>
+        <p:spPr/>
+        <p:txBody>
+          <a:bodyPr/>
+          <a:lstStyle/>
+          <a:p>
+            <a:r>
+              <a:rPr kumimoji="1" lang="ja-JP" altLang="en-US" dirty="0"/>
+              <a:t>機械学習周り</a:t>
+            </a:r>
+            <a:endParaRPr kumimoji="1" lang="en-US" altLang="ja-JP" dirty="0"/>
+          </a:p>
+          <a:p>
+            <a:r>
+              <a:rPr kumimoji="1" lang="ja-JP" altLang="en-US" dirty="0"/>
+              <a:t>トレーニングデータ</a:t>
+            </a:r>
+          </a:p>
+        </p:txBody>
+      </p:sp>
+    </p:spTree>
+    <p:extLst>
+      <p:ext uri="{BB962C8B-B14F-4D97-AF65-F5344CB8AC3E}">
+        <p14:creationId xmlns:p14="http://schemas.microsoft.com/office/powerpoint/2010/main" val="2305918178"/>
       </p:ext>
     </p:extLst>
   </p:cSld>
@@ -9584,162 +10137,30 @@
       </p:grpSpPr>
       <p:sp>
         <p:nvSpPr>
-          <p:cNvPr id="2" name="タイトル 1">
-            <a:extLst>
-              <a:ext uri="{FF2B5EF4-FFF2-40B4-BE49-F238E27FC236}">
-                <a16:creationId xmlns:a16="http://schemas.microsoft.com/office/drawing/2014/main" id="{416FDF28-DE91-4559-964D-FBBF51F99738}"/>
-              </a:ext>
-            </a:extLst>
-          </p:cNvPr>
-          <p:cNvSpPr>
-            <a:spLocks noGrp="1"/>
-          </p:cNvSpPr>
-          <p:nvPr>
-            <p:ph type="title"/>
-          </p:nvPr>
-        </p:nvSpPr>
-        <p:spPr/>
-        <p:txBody>
-          <a:bodyPr/>
-          <a:lstStyle/>
-          <a:p>
-            <a:r>
-              <a:rPr kumimoji="1" lang="en-US" altLang="ja-JP" dirty="0" err="1"/>
-              <a:t>OpenJtalk</a:t>
-            </a:r>
-            <a:endParaRPr kumimoji="1" lang="ja-JP" altLang="en-US" dirty="0"/>
-          </a:p>
-        </p:txBody>
-      </p:sp>
-      <p:sp>
-        <p:nvSpPr>
-          <p:cNvPr id="3" name="コンテンツ プレースホルダー 2">
-            <a:extLst>
-              <a:ext uri="{FF2B5EF4-FFF2-40B4-BE49-F238E27FC236}">
-                <a16:creationId xmlns:a16="http://schemas.microsoft.com/office/drawing/2014/main" id="{7739CC25-5B0B-4F49-AA2A-71E2700494BC}"/>
-              </a:ext>
-            </a:extLst>
-          </p:cNvPr>
-          <p:cNvSpPr>
-            <a:spLocks noGrp="1"/>
-          </p:cNvSpPr>
-          <p:nvPr>
-            <p:ph idx="1"/>
-          </p:nvPr>
-        </p:nvSpPr>
-        <p:spPr/>
-        <p:txBody>
-          <a:bodyPr/>
-          <a:lstStyle/>
-          <a:p>
-            <a:pPr marL="0" indent="0">
-              <a:buNone/>
-            </a:pPr>
-            <a:r>
-              <a:rPr lang="ja-JP" altLang="en-US" dirty="0"/>
-              <a:t>音声ファイル　再生</a:t>
-            </a:r>
-            <a:endParaRPr kumimoji="1" lang="en-US" altLang="ja-JP" dirty="0"/>
-          </a:p>
-        </p:txBody>
-      </p:sp>
-      <p:pic>
-        <p:nvPicPr>
-          <p:cNvPr id="9" name="図 8">
-            <a:extLst>
-              <a:ext uri="{FF2B5EF4-FFF2-40B4-BE49-F238E27FC236}">
-                <a16:creationId xmlns:a16="http://schemas.microsoft.com/office/drawing/2014/main" id="{C6EC48F4-62E7-4038-B20A-28D07A2E548A}"/>
-              </a:ext>
-            </a:extLst>
-          </p:cNvPr>
-          <p:cNvPicPr>
-            <a:picLocks noChangeAspect="1"/>
-          </p:cNvPicPr>
+          <p:cNvPr id="11" name="正方形/長方形 10">
+            <a:extLst>
+              <a:ext uri="{FF2B5EF4-FFF2-40B4-BE49-F238E27FC236}">
+                <a16:creationId xmlns:a16="http://schemas.microsoft.com/office/drawing/2014/main" id="{A43A5C1C-CD2F-46A6-BDBE-D4A7B86F23A3}"/>
+              </a:ext>
+            </a:extLst>
+          </p:cNvPr>
+          <p:cNvSpPr/>
           <p:nvPr/>
-        </p:nvPicPr>
-        <p:blipFill>
-          <a:blip r:embed="rId3">
-            <a:extLst>
-              <a:ext uri="{28A0092B-C50C-407E-A947-70E740481C1C}">
-                <a14:useLocalDpi xmlns:a14="http://schemas.microsoft.com/office/drawing/2010/main" val="0"/>
-              </a:ext>
-            </a:extLst>
-          </a:blip>
-          <a:stretch>
-            <a:fillRect/>
-          </a:stretch>
-        </p:blipFill>
+        </p:nvSpPr>
         <p:spPr>
           <a:xfrm>
-            <a:off x="718049" y="2393209"/>
-            <a:ext cx="8469432" cy="1621807"/>
-          </a:xfrm>
-          <a:prstGeom prst="rect">
-            <a:avLst/>
-          </a:prstGeom>
-        </p:spPr>
-      </p:pic>
-      <p:sp>
-        <p:nvSpPr>
-          <p:cNvPr id="10" name="テキスト ボックス 9">
-            <a:extLst>
-              <a:ext uri="{FF2B5EF4-FFF2-40B4-BE49-F238E27FC236}">
-                <a16:creationId xmlns:a16="http://schemas.microsoft.com/office/drawing/2014/main" id="{4794AFFE-B045-4880-8FA7-33996A9E5E84}"/>
-              </a:ext>
-            </a:extLst>
-          </p:cNvPr>
-          <p:cNvSpPr txBox="1"/>
-          <p:nvPr/>
-        </p:nvSpPr>
-        <p:spPr>
-          <a:xfrm>
-            <a:off x="718049" y="4449658"/>
-            <a:ext cx="6059837" cy="646331"/>
-          </a:xfrm>
-          <a:prstGeom prst="rect">
-            <a:avLst/>
-          </a:prstGeom>
-          <a:noFill/>
-        </p:spPr>
-        <p:txBody>
-          <a:bodyPr wrap="square" rtlCol="0">
-            <a:spAutoFit/>
-          </a:bodyPr>
-          <a:lstStyle/>
-          <a:p>
-            <a:r>
-              <a:rPr kumimoji="1" lang="ja-JP" altLang="en-US" sz="3600" dirty="0"/>
-              <a:t>音声出力時に実行</a:t>
-            </a:r>
-          </a:p>
-        </p:txBody>
-      </p:sp>
-      <p:sp>
-        <p:nvSpPr>
-          <p:cNvPr id="11" name="正方形/長方形 10">
-            <a:extLst>
-              <a:ext uri="{FF2B5EF4-FFF2-40B4-BE49-F238E27FC236}">
-                <a16:creationId xmlns:a16="http://schemas.microsoft.com/office/drawing/2014/main" id="{CED44891-6C1C-4E93-A210-C97D4B938D1A}"/>
-              </a:ext>
-            </a:extLst>
-          </p:cNvPr>
-          <p:cNvSpPr/>
-          <p:nvPr/>
-        </p:nvSpPr>
-        <p:spPr>
-          <a:xfrm>
-            <a:off x="756149" y="3718560"/>
-            <a:ext cx="120151" cy="288836"/>
+            <a:off x="1400784" y="5009745"/>
+            <a:ext cx="6624536" cy="479089"/>
           </a:xfrm>
           <a:prstGeom prst="rect">
             <a:avLst/>
           </a:prstGeom>
           <a:solidFill>
-            <a:srgbClr val="282923"/>
+            <a:schemeClr val="bg1"/>
           </a:solidFill>
           <a:ln>
             <a:solidFill>
-              <a:srgbClr val="282923"/>
+              <a:schemeClr val="tx1"/>
             </a:solidFill>
           </a:ln>
         </p:spPr>
@@ -9770,10 +10191,501 @@
       </p:sp>
       <p:sp>
         <p:nvSpPr>
-          <p:cNvPr id="7" name="正方形/長方形 6">
-            <a:extLst>
-              <a:ext uri="{FF2B5EF4-FFF2-40B4-BE49-F238E27FC236}">
-                <a16:creationId xmlns:a16="http://schemas.microsoft.com/office/drawing/2014/main" id="{80E5E537-424F-41E6-BF88-40216A9BFFBC}"/>
+          <p:cNvPr id="8" name="正方形/長方形 7">
+            <a:extLst>
+              <a:ext uri="{FF2B5EF4-FFF2-40B4-BE49-F238E27FC236}">
+                <a16:creationId xmlns:a16="http://schemas.microsoft.com/office/drawing/2014/main" id="{F2E06782-F764-4458-86E7-0558F2580076}"/>
+              </a:ext>
+            </a:extLst>
+          </p:cNvPr>
+          <p:cNvSpPr/>
+          <p:nvPr/>
+        </p:nvSpPr>
+        <p:spPr>
+          <a:xfrm>
+            <a:off x="1400783" y="2598764"/>
+            <a:ext cx="6624536" cy="1887165"/>
+          </a:xfrm>
+          <a:prstGeom prst="rect">
+            <a:avLst/>
+          </a:prstGeom>
+          <a:solidFill>
+            <a:schemeClr val="bg1"/>
+          </a:solidFill>
+          <a:ln>
+            <a:solidFill>
+              <a:schemeClr val="tx1"/>
+            </a:solidFill>
+          </a:ln>
+        </p:spPr>
+        <p:style>
+          <a:lnRef idx="2">
+            <a:schemeClr val="accent1">
+              <a:shade val="50000"/>
+            </a:schemeClr>
+          </a:lnRef>
+          <a:fillRef idx="1">
+            <a:schemeClr val="accent1"/>
+          </a:fillRef>
+          <a:effectRef idx="0">
+            <a:schemeClr val="accent1"/>
+          </a:effectRef>
+          <a:fontRef idx="minor">
+            <a:schemeClr val="lt1"/>
+          </a:fontRef>
+        </p:style>
+        <p:txBody>
+          <a:bodyPr rtlCol="0" anchor="ctr"/>
+          <a:lstStyle/>
+          <a:p>
+            <a:pPr algn="ctr"/>
+            <a:endParaRPr kumimoji="1" lang="ja-JP" altLang="en-US"/>
+          </a:p>
+        </p:txBody>
+      </p:sp>
+      <p:sp>
+        <p:nvSpPr>
+          <p:cNvPr id="2" name="タイトル 1">
+            <a:extLst>
+              <a:ext uri="{FF2B5EF4-FFF2-40B4-BE49-F238E27FC236}">
+                <a16:creationId xmlns:a16="http://schemas.microsoft.com/office/drawing/2014/main" id="{0239366D-FD02-4D32-AA25-FA5687E2E9A8}"/>
+              </a:ext>
+            </a:extLst>
+          </p:cNvPr>
+          <p:cNvSpPr>
+            <a:spLocks noGrp="1"/>
+          </p:cNvSpPr>
+          <p:nvPr>
+            <p:ph type="title"/>
+          </p:nvPr>
+        </p:nvSpPr>
+        <p:spPr/>
+        <p:txBody>
+          <a:bodyPr/>
+          <a:lstStyle/>
+          <a:p>
+            <a:r>
+              <a:rPr kumimoji="1" lang="ja-JP" altLang="en-US" dirty="0"/>
+              <a:t>データ取得</a:t>
+            </a:r>
+          </a:p>
+        </p:txBody>
+      </p:sp>
+      <p:sp>
+        <p:nvSpPr>
+          <p:cNvPr id="3" name="コンテンツ プレースホルダー 2">
+            <a:extLst>
+              <a:ext uri="{FF2B5EF4-FFF2-40B4-BE49-F238E27FC236}">
+                <a16:creationId xmlns:a16="http://schemas.microsoft.com/office/drawing/2014/main" id="{2714D079-74EA-42AF-9886-A31DAA6C24C9}"/>
+              </a:ext>
+            </a:extLst>
+          </p:cNvPr>
+          <p:cNvSpPr>
+            <a:spLocks noGrp="1"/>
+          </p:cNvSpPr>
+          <p:nvPr>
+            <p:ph idx="1"/>
+          </p:nvPr>
+        </p:nvSpPr>
+        <p:spPr>
+          <a:xfrm>
+            <a:off x="838200" y="1690688"/>
+            <a:ext cx="10515600" cy="4351338"/>
+          </a:xfrm>
+        </p:spPr>
+        <p:txBody>
+          <a:bodyPr>
+            <a:normAutofit/>
+          </a:bodyPr>
+          <a:lstStyle/>
+          <a:p>
+            <a:r>
+              <a:rPr kumimoji="1" lang="ja-JP" altLang="en-US" sz="3200" dirty="0"/>
+              <a:t>スクレイピング</a:t>
+            </a:r>
+            <a:r>
+              <a:rPr kumimoji="1" lang="en-US" altLang="ja-JP" sz="3200" dirty="0"/>
+              <a:t>(BeautifulSoup4)</a:t>
+            </a:r>
+          </a:p>
+          <a:p>
+            <a:pPr lvl="1"/>
+            <a:r>
+              <a:rPr kumimoji="1" lang="en-US" altLang="ja-JP" sz="2800" dirty="0"/>
+              <a:t>Web</a:t>
+            </a:r>
+            <a:r>
+              <a:rPr kumimoji="1" lang="ja-JP" altLang="en-US" sz="2800" dirty="0"/>
+              <a:t>ページからテキストデータを取得</a:t>
+            </a:r>
+            <a:endParaRPr kumimoji="1" lang="en-US" altLang="ja-JP" sz="2800" dirty="0"/>
+          </a:p>
+          <a:p>
+            <a:pPr marL="457200" lvl="1" indent="0">
+              <a:buNone/>
+            </a:pPr>
+            <a:r>
+              <a:rPr lang="ja-JP" altLang="en-US" sz="3200" b="1" dirty="0"/>
+              <a:t> 天気予報</a:t>
+            </a:r>
+            <a:endParaRPr lang="en-US" altLang="ja-JP" sz="3200" b="1" dirty="0"/>
+          </a:p>
+          <a:p>
+            <a:pPr lvl="1"/>
+            <a:endParaRPr lang="en-US" altLang="ja-JP" sz="700" b="1" dirty="0"/>
+          </a:p>
+          <a:p>
+            <a:pPr marL="457200" lvl="1" indent="0">
+              <a:buNone/>
+            </a:pPr>
+            <a:r>
+              <a:rPr kumimoji="1" lang="ja-JP" altLang="en-US" sz="3200" b="1" dirty="0"/>
+              <a:t> ニュース</a:t>
+            </a:r>
+            <a:endParaRPr kumimoji="1" lang="en-US" altLang="ja-JP" sz="3200" b="1" dirty="0"/>
+          </a:p>
+          <a:p>
+            <a:pPr lvl="1"/>
+            <a:endParaRPr kumimoji="1" lang="en-US" altLang="ja-JP" sz="700" b="1" dirty="0"/>
+          </a:p>
+          <a:p>
+            <a:pPr marL="457200" lvl="1" indent="0">
+              <a:buNone/>
+            </a:pPr>
+            <a:r>
+              <a:rPr kumimoji="1" lang="ja-JP" altLang="en-US" sz="3200" b="1" dirty="0"/>
+              <a:t> 星座占い</a:t>
+            </a:r>
+            <a:endParaRPr kumimoji="1" lang="en-US" altLang="ja-JP" sz="2800" b="1" dirty="0"/>
+          </a:p>
+          <a:p>
+            <a:r>
+              <a:rPr kumimoji="1" lang="ja-JP" altLang="en-US" sz="3200" dirty="0"/>
+              <a:t>時刻取得</a:t>
+            </a:r>
+            <a:r>
+              <a:rPr kumimoji="1" lang="en-US" altLang="ja-JP" sz="3200" dirty="0"/>
+              <a:t>(Datetime</a:t>
+            </a:r>
+            <a:r>
+              <a:rPr kumimoji="1" lang="ja-JP" altLang="en-US" sz="3200" dirty="0"/>
+              <a:t>モジュール</a:t>
+            </a:r>
+            <a:r>
+              <a:rPr kumimoji="1" lang="en-US" altLang="ja-JP" sz="3200" dirty="0"/>
+              <a:t>)</a:t>
+            </a:r>
+            <a:endParaRPr lang="en-US" altLang="ja-JP" sz="700" b="1" dirty="0"/>
+          </a:p>
+          <a:p>
+            <a:pPr marL="457200" lvl="1" indent="0">
+              <a:buNone/>
+            </a:pPr>
+            <a:r>
+              <a:rPr lang="ja-JP" altLang="en-US" sz="3200" b="1" dirty="0"/>
+              <a:t> 日 時</a:t>
+            </a:r>
+            <a:endParaRPr kumimoji="1" lang="ja-JP" altLang="en-US" sz="3200" b="1" dirty="0"/>
+          </a:p>
+        </p:txBody>
+      </p:sp>
+      <p:sp>
+        <p:nvSpPr>
+          <p:cNvPr id="4" name="矢印: 右 3">
+            <a:extLst>
+              <a:ext uri="{FF2B5EF4-FFF2-40B4-BE49-F238E27FC236}">
+                <a16:creationId xmlns:a16="http://schemas.microsoft.com/office/drawing/2014/main" id="{34769FBF-812B-4857-BA1F-FD2F39C92F5A}"/>
+              </a:ext>
+            </a:extLst>
+          </p:cNvPr>
+          <p:cNvSpPr/>
+          <p:nvPr/>
+        </p:nvSpPr>
+        <p:spPr>
+          <a:xfrm>
+            <a:off x="3564611" y="2716898"/>
+            <a:ext cx="1270860" cy="321522"/>
+          </a:xfrm>
+          <a:prstGeom prst="rightArrow">
+            <a:avLst/>
+          </a:prstGeom>
+          <a:solidFill>
+            <a:srgbClr val="FF0000"/>
+          </a:solidFill>
+          <a:ln>
+            <a:solidFill>
+              <a:schemeClr val="tx1"/>
+            </a:solidFill>
+          </a:ln>
+        </p:spPr>
+        <p:style>
+          <a:lnRef idx="2">
+            <a:schemeClr val="accent1">
+              <a:shade val="50000"/>
+            </a:schemeClr>
+          </a:lnRef>
+          <a:fillRef idx="1">
+            <a:schemeClr val="accent1"/>
+          </a:fillRef>
+          <a:effectRef idx="0">
+            <a:schemeClr val="accent1"/>
+          </a:effectRef>
+          <a:fontRef idx="minor">
+            <a:schemeClr val="lt1"/>
+          </a:fontRef>
+        </p:style>
+        <p:txBody>
+          <a:bodyPr rtlCol="0" anchor="ctr"/>
+          <a:lstStyle/>
+          <a:p>
+            <a:pPr algn="ctr"/>
+            <a:endParaRPr kumimoji="1" lang="ja-JP" altLang="en-US"/>
+          </a:p>
+        </p:txBody>
+      </p:sp>
+      <p:sp>
+        <p:nvSpPr>
+          <p:cNvPr id="5" name="矢印: 右 4">
+            <a:extLst>
+              <a:ext uri="{FF2B5EF4-FFF2-40B4-BE49-F238E27FC236}">
+                <a16:creationId xmlns:a16="http://schemas.microsoft.com/office/drawing/2014/main" id="{8C48FF94-A834-4C8D-9421-16336A8B819A}"/>
+              </a:ext>
+            </a:extLst>
+          </p:cNvPr>
+          <p:cNvSpPr/>
+          <p:nvPr/>
+        </p:nvSpPr>
+        <p:spPr>
+          <a:xfrm>
+            <a:off x="3564611" y="3380342"/>
+            <a:ext cx="1270860" cy="324010"/>
+          </a:xfrm>
+          <a:prstGeom prst="rightArrow">
+            <a:avLst/>
+          </a:prstGeom>
+          <a:solidFill>
+            <a:srgbClr val="FF0000"/>
+          </a:solidFill>
+          <a:ln>
+            <a:solidFill>
+              <a:schemeClr val="tx1"/>
+            </a:solidFill>
+          </a:ln>
+        </p:spPr>
+        <p:style>
+          <a:lnRef idx="2">
+            <a:schemeClr val="accent1">
+              <a:shade val="50000"/>
+            </a:schemeClr>
+          </a:lnRef>
+          <a:fillRef idx="1">
+            <a:schemeClr val="accent1"/>
+          </a:fillRef>
+          <a:effectRef idx="0">
+            <a:schemeClr val="accent1"/>
+          </a:effectRef>
+          <a:fontRef idx="minor">
+            <a:schemeClr val="lt1"/>
+          </a:fontRef>
+        </p:style>
+        <p:txBody>
+          <a:bodyPr rtlCol="0" anchor="ctr"/>
+          <a:lstStyle/>
+          <a:p>
+            <a:pPr algn="ctr"/>
+            <a:endParaRPr kumimoji="1" lang="ja-JP" altLang="en-US"/>
+          </a:p>
+        </p:txBody>
+      </p:sp>
+      <p:sp>
+        <p:nvSpPr>
+          <p:cNvPr id="6" name="矢印: 右 5">
+            <a:extLst>
+              <a:ext uri="{FF2B5EF4-FFF2-40B4-BE49-F238E27FC236}">
+                <a16:creationId xmlns:a16="http://schemas.microsoft.com/office/drawing/2014/main" id="{776E5C8A-27D9-41C7-82C1-FE63AED0AEF4}"/>
+              </a:ext>
+            </a:extLst>
+          </p:cNvPr>
+          <p:cNvSpPr/>
+          <p:nvPr/>
+        </p:nvSpPr>
+        <p:spPr>
+          <a:xfrm>
+            <a:off x="3564611" y="4019097"/>
+            <a:ext cx="1270860" cy="321522"/>
+          </a:xfrm>
+          <a:prstGeom prst="rightArrow">
+            <a:avLst/>
+          </a:prstGeom>
+          <a:solidFill>
+            <a:srgbClr val="FF0000"/>
+          </a:solidFill>
+          <a:ln>
+            <a:solidFill>
+              <a:schemeClr val="tx1"/>
+            </a:solidFill>
+          </a:ln>
+        </p:spPr>
+        <p:style>
+          <a:lnRef idx="2">
+            <a:schemeClr val="accent1">
+              <a:shade val="50000"/>
+            </a:schemeClr>
+          </a:lnRef>
+          <a:fillRef idx="1">
+            <a:schemeClr val="accent1"/>
+          </a:fillRef>
+          <a:effectRef idx="0">
+            <a:schemeClr val="accent1"/>
+          </a:effectRef>
+          <a:fontRef idx="minor">
+            <a:schemeClr val="lt1"/>
+          </a:fontRef>
+        </p:style>
+        <p:txBody>
+          <a:bodyPr rtlCol="0" anchor="ctr"/>
+          <a:lstStyle/>
+          <a:p>
+            <a:pPr algn="ctr"/>
+            <a:endParaRPr kumimoji="1" lang="ja-JP" altLang="en-US"/>
+          </a:p>
+        </p:txBody>
+      </p:sp>
+      <p:sp>
+        <p:nvSpPr>
+          <p:cNvPr id="7" name="矢印: 右 6">
+            <a:extLst>
+              <a:ext uri="{FF2B5EF4-FFF2-40B4-BE49-F238E27FC236}">
+                <a16:creationId xmlns:a16="http://schemas.microsoft.com/office/drawing/2014/main" id="{D3E589E6-C4D5-4230-8D9E-C763BE431DC1}"/>
+              </a:ext>
+            </a:extLst>
+          </p:cNvPr>
+          <p:cNvSpPr/>
+          <p:nvPr/>
+        </p:nvSpPr>
+        <p:spPr>
+          <a:xfrm>
+            <a:off x="3564611" y="5167312"/>
+            <a:ext cx="1270860" cy="321522"/>
+          </a:xfrm>
+          <a:prstGeom prst="rightArrow">
+            <a:avLst/>
+          </a:prstGeom>
+          <a:solidFill>
+            <a:srgbClr val="FF0000"/>
+          </a:solidFill>
+          <a:ln>
+            <a:solidFill>
+              <a:schemeClr val="tx1"/>
+            </a:solidFill>
+          </a:ln>
+        </p:spPr>
+        <p:style>
+          <a:lnRef idx="2">
+            <a:schemeClr val="accent1">
+              <a:shade val="50000"/>
+            </a:schemeClr>
+          </a:lnRef>
+          <a:fillRef idx="1">
+            <a:schemeClr val="accent1"/>
+          </a:fillRef>
+          <a:effectRef idx="0">
+            <a:schemeClr val="accent1"/>
+          </a:effectRef>
+          <a:fontRef idx="minor">
+            <a:schemeClr val="lt1"/>
+          </a:fontRef>
+        </p:style>
+        <p:txBody>
+          <a:bodyPr rtlCol="0" anchor="ctr"/>
+          <a:lstStyle/>
+          <a:p>
+            <a:pPr algn="ctr"/>
+            <a:endParaRPr kumimoji="1" lang="ja-JP" altLang="en-US"/>
+          </a:p>
+        </p:txBody>
+      </p:sp>
+      <p:sp>
+        <p:nvSpPr>
+          <p:cNvPr id="9" name="テキスト ボックス 8">
+            <a:extLst>
+              <a:ext uri="{FF2B5EF4-FFF2-40B4-BE49-F238E27FC236}">
+                <a16:creationId xmlns:a16="http://schemas.microsoft.com/office/drawing/2014/main" id="{DB1C1048-BCB0-4766-9795-230CC3FCB278}"/>
+              </a:ext>
+            </a:extLst>
+          </p:cNvPr>
+          <p:cNvSpPr txBox="1"/>
+          <p:nvPr/>
+        </p:nvSpPr>
+        <p:spPr>
+          <a:xfrm>
+            <a:off x="5190641" y="2520906"/>
+            <a:ext cx="3338591" cy="3185487"/>
+          </a:xfrm>
+          <a:prstGeom prst="rect">
+            <a:avLst/>
+          </a:prstGeom>
+          <a:noFill/>
+        </p:spPr>
+        <p:txBody>
+          <a:bodyPr wrap="square" rtlCol="0">
+            <a:spAutoFit/>
+          </a:bodyPr>
+          <a:lstStyle/>
+          <a:p>
+            <a:r>
+              <a:rPr kumimoji="1" lang="en-US" altLang="ja-JP" sz="3600" b="1" dirty="0"/>
+              <a:t>weather</a:t>
+            </a:r>
+            <a:r>
+              <a:rPr lang="en-US" altLang="ja-JP" sz="3600" b="1" dirty="0"/>
+              <a:t>.txt</a:t>
+            </a:r>
+          </a:p>
+          <a:p>
+            <a:endParaRPr lang="en-US" altLang="ja-JP" sz="700" b="1" dirty="0"/>
+          </a:p>
+          <a:p>
+            <a:r>
+              <a:rPr lang="en-US" altLang="ja-JP" sz="3600" b="1" dirty="0"/>
+              <a:t>n</a:t>
+            </a:r>
+            <a:r>
+              <a:rPr kumimoji="1" lang="en-US" altLang="ja-JP" sz="3600" b="1" dirty="0"/>
+              <a:t>ews.txt</a:t>
+            </a:r>
+          </a:p>
+          <a:p>
+            <a:endParaRPr kumimoji="1" lang="en-US" altLang="ja-JP" sz="700" b="1" dirty="0"/>
+          </a:p>
+          <a:p>
+            <a:r>
+              <a:rPr lang="en-US" altLang="ja-JP" sz="3600" b="1" dirty="0"/>
+              <a:t>fortune.txt</a:t>
+            </a:r>
+          </a:p>
+          <a:p>
+            <a:endParaRPr lang="en-US" altLang="ja-JP" sz="3600" b="1" dirty="0"/>
+          </a:p>
+          <a:p>
+            <a:r>
+              <a:rPr lang="en-US" altLang="ja-JP" sz="3600" b="1" dirty="0"/>
+              <a:t>d</a:t>
+            </a:r>
+            <a:r>
+              <a:rPr kumimoji="1" lang="en-US" altLang="ja-JP" sz="3600" b="1" dirty="0"/>
+              <a:t>ay.txt</a:t>
+            </a:r>
+            <a:endParaRPr kumimoji="1" lang="ja-JP" altLang="en-US" sz="3600" b="1" dirty="0"/>
+          </a:p>
+        </p:txBody>
+      </p:sp>
+      <p:sp>
+        <p:nvSpPr>
+          <p:cNvPr id="10" name="正方形/長方形 9">
+            <a:extLst>
+              <a:ext uri="{FF2B5EF4-FFF2-40B4-BE49-F238E27FC236}">
+                <a16:creationId xmlns:a16="http://schemas.microsoft.com/office/drawing/2014/main" id="{DA2BCC13-84D3-434E-A145-3C01043EC3E6}"/>
               </a:ext>
             </a:extLst>
           </p:cNvPr>
@@ -9828,7 +10740,7 @@
     </p:spTree>
     <p:extLst>
       <p:ext uri="{BB962C8B-B14F-4D97-AF65-F5344CB8AC3E}">
-        <p14:creationId xmlns:p14="http://schemas.microsoft.com/office/powerpoint/2010/main" val="3778558568"/>
+        <p14:creationId xmlns:p14="http://schemas.microsoft.com/office/powerpoint/2010/main" val="2705134270"/>
       </p:ext>
     </p:extLst>
   </p:cSld>
@@ -9860,7 +10772,7 @@
           <p:cNvPr id="2" name="タイトル 1">
             <a:extLst>
               <a:ext uri="{FF2B5EF4-FFF2-40B4-BE49-F238E27FC236}">
-                <a16:creationId xmlns:a16="http://schemas.microsoft.com/office/drawing/2014/main" id="{208E96DD-60EE-481E-BC80-125F1F007D39}"/>
+                <a16:creationId xmlns:a16="http://schemas.microsoft.com/office/drawing/2014/main" id="{0239366D-FD02-4D32-AA25-FA5687E2E9A8}"/>
               </a:ext>
             </a:extLst>
           </p:cNvPr>
@@ -9878,7 +10790,7 @@
           <a:p>
             <a:r>
               <a:rPr kumimoji="1" lang="ja-JP" altLang="en-US" dirty="0"/>
-              <a:t>トラブルの対処</a:t>
+              <a:t>データ取得　定時実行</a:t>
             </a:r>
           </a:p>
         </p:txBody>
@@ -9888,7 +10800,7 @@
           <p:cNvPr id="3" name="コンテンツ プレースホルダー 2">
             <a:extLst>
               <a:ext uri="{FF2B5EF4-FFF2-40B4-BE49-F238E27FC236}">
-                <a16:creationId xmlns:a16="http://schemas.microsoft.com/office/drawing/2014/main" id="{D4342974-17CB-4DEE-BC69-327BEC83B62D}"/>
+                <a16:creationId xmlns:a16="http://schemas.microsoft.com/office/drawing/2014/main" id="{2714D079-74EA-42AF-9886-A31DAA6C24C9}"/>
               </a:ext>
             </a:extLst>
           </p:cNvPr>
@@ -9904,93 +10816,233 @@
           <a:bodyPr/>
           <a:lstStyle/>
           <a:p>
-            <a:pPr marL="0" indent="0">
-              <a:buNone/>
-            </a:pPr>
             <a:r>
               <a:rPr kumimoji="1" lang="ja-JP" altLang="en-US" dirty="0"/>
-              <a:t>マイクが出力音声を拾ってしまい誤作動</a:t>
+              <a:t>ニュース→</a:t>
+            </a:r>
+            <a:r>
+              <a:rPr kumimoji="1" lang="en-US" altLang="ja-JP" dirty="0"/>
+              <a:t>1</a:t>
+            </a:r>
+            <a:r>
+              <a:rPr kumimoji="1" lang="ja-JP" altLang="en-US" dirty="0"/>
+              <a:t>時間毎にスクレイピング実行</a:t>
             </a:r>
             <a:endParaRPr kumimoji="1" lang="en-US" altLang="ja-JP" dirty="0"/>
           </a:p>
           <a:p>
-            <a:pPr marL="0" indent="0">
-              <a:buNone/>
-            </a:pPr>
-            <a:r>
-              <a:rPr lang="ja-JP" altLang="en-US" dirty="0">
+            <a:r>
+              <a:rPr lang="ja-JP" altLang="en-US" dirty="0"/>
+              <a:t>天気予報→</a:t>
+            </a:r>
+            <a:r>
+              <a:rPr lang="en-US" altLang="ja-JP" dirty="0"/>
+              <a:t>2,</a:t>
+            </a:r>
+            <a:r>
+              <a:rPr lang="ja-JP" altLang="en-US" dirty="0"/>
+              <a:t> </a:t>
+            </a:r>
+            <a:r>
+              <a:rPr lang="en-US" altLang="ja-JP" dirty="0"/>
+              <a:t>5, 8, 11, 14, 15, 17, 20</a:t>
+            </a:r>
+            <a:r>
+              <a:rPr lang="ja-JP" altLang="en-US" dirty="0"/>
+              <a:t>時に発表</a:t>
+            </a:r>
+            <a:endParaRPr kumimoji="1" lang="ja-JP" altLang="en-US" dirty="0"/>
+          </a:p>
+        </p:txBody>
+      </p:sp>
+      <p:sp>
+        <p:nvSpPr>
+          <p:cNvPr id="4" name="テキスト ボックス 3">
+            <a:extLst>
+              <a:ext uri="{FF2B5EF4-FFF2-40B4-BE49-F238E27FC236}">
+                <a16:creationId xmlns:a16="http://schemas.microsoft.com/office/drawing/2014/main" id="{E4F411F1-9DF1-4AE9-932A-4D591AF13FC5}"/>
+              </a:ext>
+            </a:extLst>
+          </p:cNvPr>
+          <p:cNvSpPr txBox="1"/>
+          <p:nvPr/>
+        </p:nvSpPr>
+        <p:spPr>
+          <a:xfrm>
+            <a:off x="1771301" y="2846763"/>
+            <a:ext cx="8464013" cy="3939540"/>
+          </a:xfrm>
+          <a:prstGeom prst="rect">
+            <a:avLst/>
+          </a:prstGeom>
+          <a:solidFill>
+            <a:schemeClr val="bg1"/>
+          </a:solidFill>
+          <a:ln>
+            <a:solidFill>
+              <a:schemeClr val="tx1"/>
+            </a:solidFill>
+          </a:ln>
+        </p:spPr>
+        <p:txBody>
+          <a:bodyPr wrap="square" rtlCol="0">
+            <a:spAutoFit/>
+          </a:bodyPr>
+          <a:lstStyle/>
+          <a:p>
+            <a:r>
+              <a:rPr lang="en-US" altLang="ja-JP" sz="2800" b="1" dirty="0"/>
+              <a:t>c</a:t>
+            </a:r>
+            <a:r>
+              <a:rPr kumimoji="1" lang="en-US" altLang="ja-JP" sz="2800" b="1" dirty="0"/>
+              <a:t>ron.py</a:t>
+            </a:r>
+            <a:r>
+              <a:rPr kumimoji="1" lang="ja-JP" altLang="en-US" sz="2800" b="1" dirty="0"/>
+              <a:t>の構造</a:t>
+            </a:r>
+            <a:endParaRPr lang="en-US" altLang="ja-JP" sz="2800" b="1" dirty="0"/>
+          </a:p>
+          <a:p>
+            <a:r>
+              <a:rPr kumimoji="1" lang="ja-JP" altLang="en-US" sz="1400" b="1" dirty="0"/>
+              <a:t>　</a:t>
+            </a:r>
+            <a:endParaRPr kumimoji="1" lang="en-US" altLang="ja-JP" sz="1400" b="1" dirty="0"/>
+          </a:p>
+          <a:p>
+            <a:r>
+              <a:rPr kumimoji="1" lang="ja-JP" altLang="en-US" sz="2800" b="1" dirty="0">
                 <a:solidFill>
                   <a:srgbClr val="FF0000"/>
                 </a:solidFill>
               </a:rPr>
-              <a:t>→</a:t>
-            </a:r>
-            <a:r>
-              <a:rPr lang="ja-JP" altLang="en-US" dirty="0"/>
-              <a:t>出力直前にマイクミュート／出力終了後に解除</a:t>
-            </a:r>
-            <a:endParaRPr kumimoji="1" lang="en-US" altLang="ja-JP" dirty="0"/>
-          </a:p>
-          <a:p>
-            <a:pPr marL="0" indent="0">
-              <a:buNone/>
-            </a:pPr>
-            <a:r>
-              <a:rPr lang="ja-JP" altLang="en-US" dirty="0"/>
-              <a:t>　コマンドをシェルスクリプトとして実行</a:t>
-            </a:r>
-            <a:endParaRPr lang="en-US" altLang="ja-JP" dirty="0"/>
-          </a:p>
-          <a:p>
-            <a:pPr marL="0" indent="0">
-              <a:buNone/>
-            </a:pPr>
-            <a:endParaRPr kumimoji="1" lang="en-US" altLang="ja-JP" dirty="0"/>
-          </a:p>
-        </p:txBody>
-      </p:sp>
-      <p:pic>
-        <p:nvPicPr>
-          <p:cNvPr id="5" name="図 4">
-            <a:extLst>
-              <a:ext uri="{FF2B5EF4-FFF2-40B4-BE49-F238E27FC236}">
-                <a16:creationId xmlns:a16="http://schemas.microsoft.com/office/drawing/2014/main" id="{E5169DD9-22EF-4B54-956D-B061F8F9E7DF}"/>
-              </a:ext>
-            </a:extLst>
-          </p:cNvPr>
-          <p:cNvPicPr>
-            <a:picLocks noChangeAspect="1"/>
-          </p:cNvPicPr>
-          <p:nvPr/>
-        </p:nvPicPr>
-        <p:blipFill>
-          <a:blip r:embed="rId2">
-            <a:extLst>
-              <a:ext uri="{28A0092B-C50C-407E-A947-70E740481C1C}">
-                <a14:useLocalDpi xmlns:a14="http://schemas.microsoft.com/office/drawing/2010/main" val="0"/>
-              </a:ext>
-            </a:extLst>
-          </a:blip>
-          <a:stretch>
-            <a:fillRect/>
-          </a:stretch>
-        </p:blipFill>
-        <p:spPr>
-          <a:xfrm>
-            <a:off x="2781813" y="3301140"/>
-            <a:ext cx="6403129" cy="3390254"/>
-          </a:xfrm>
-          <a:prstGeom prst="rect">
-            <a:avLst/>
-          </a:prstGeom>
-        </p:spPr>
-      </p:pic>
-      <p:sp>
-        <p:nvSpPr>
-          <p:cNvPr id="6" name="正方形/長方形 5">
-            <a:extLst>
-              <a:ext uri="{FF2B5EF4-FFF2-40B4-BE49-F238E27FC236}">
-                <a16:creationId xmlns:a16="http://schemas.microsoft.com/office/drawing/2014/main" id="{09352AF5-F1BE-43DA-B571-3F8F31C00DAE}"/>
+              <a:t>無限ループ</a:t>
+            </a:r>
+            <a:endParaRPr kumimoji="1" lang="en-US" altLang="ja-JP" sz="2800" b="1" dirty="0">
+              <a:solidFill>
+                <a:srgbClr val="FF0000"/>
+              </a:solidFill>
+            </a:endParaRPr>
+          </a:p>
+          <a:p>
+            <a:r>
+              <a:rPr lang="en-US" altLang="ja-JP" sz="2800" b="1" dirty="0"/>
+              <a:t>	</a:t>
+            </a:r>
+            <a:r>
+              <a:rPr lang="ja-JP" altLang="en-US" sz="2800" b="1" dirty="0"/>
+              <a:t>現在時刻を取得</a:t>
+            </a:r>
+            <a:endParaRPr lang="en-US" altLang="ja-JP" sz="2800" b="1" dirty="0"/>
+          </a:p>
+          <a:p>
+            <a:r>
+              <a:rPr lang="en-US" altLang="ja-JP" sz="2800" b="1" dirty="0"/>
+              <a:t>	</a:t>
+            </a:r>
+            <a:r>
+              <a:rPr lang="ja-JP" altLang="en-US" sz="2400" b="1" dirty="0">
+                <a:solidFill>
+                  <a:srgbClr val="FF0000"/>
+                </a:solidFill>
+              </a:rPr>
+              <a:t>時</a:t>
+            </a:r>
+            <a:r>
+              <a:rPr lang="en-US" altLang="ja-JP" sz="2400" b="1" dirty="0">
+                <a:solidFill>
+                  <a:srgbClr val="FF0000"/>
+                </a:solidFill>
+              </a:rPr>
+              <a:t>(hour)</a:t>
+            </a:r>
+            <a:r>
+              <a:rPr lang="ja-JP" altLang="en-US" sz="2400" b="1" dirty="0">
+                <a:solidFill>
+                  <a:srgbClr val="FF0000"/>
+                </a:solidFill>
+              </a:rPr>
+              <a:t>が進んだ時</a:t>
+            </a:r>
+            <a:endParaRPr lang="en-US" altLang="ja-JP" sz="2400" b="1" dirty="0">
+              <a:solidFill>
+                <a:srgbClr val="FF0000"/>
+              </a:solidFill>
+            </a:endParaRPr>
+          </a:p>
+          <a:p>
+            <a:r>
+              <a:rPr kumimoji="1" lang="en-US" altLang="ja-JP" sz="2400" b="1" dirty="0"/>
+              <a:t>		</a:t>
+            </a:r>
+            <a:r>
+              <a:rPr kumimoji="1" lang="ja-JP" altLang="en-US" sz="2400" b="1" dirty="0"/>
+              <a:t>ニュースをスクレイピング</a:t>
+            </a:r>
+            <a:endParaRPr kumimoji="1" lang="en-US" altLang="ja-JP" sz="2400" b="1" dirty="0"/>
+          </a:p>
+          <a:p>
+            <a:r>
+              <a:rPr kumimoji="1" lang="en-US" altLang="ja-JP" sz="2400" b="1" dirty="0"/>
+              <a:t>		</a:t>
+            </a:r>
+            <a:r>
+              <a:rPr lang="ja-JP" altLang="en-US" sz="2400" b="1" dirty="0"/>
+              <a:t>音声ファイル作成</a:t>
+            </a:r>
+            <a:endParaRPr kumimoji="1" lang="en-US" altLang="ja-JP" sz="2400" b="1" dirty="0"/>
+          </a:p>
+          <a:p>
+            <a:r>
+              <a:rPr lang="en-US" altLang="ja-JP" sz="2400" b="1" dirty="0"/>
+              <a:t>		</a:t>
+            </a:r>
+            <a:r>
+              <a:rPr lang="ja-JP" altLang="en-US" sz="2400" b="1" dirty="0">
+                <a:solidFill>
+                  <a:srgbClr val="FF0000"/>
+                </a:solidFill>
+              </a:rPr>
+              <a:t>天気予報の更新時間だった場合</a:t>
+            </a:r>
+            <a:endParaRPr lang="en-US" altLang="ja-JP" sz="2400" b="1" dirty="0">
+              <a:solidFill>
+                <a:srgbClr val="FF0000"/>
+              </a:solidFill>
+            </a:endParaRPr>
+          </a:p>
+          <a:p>
+            <a:r>
+              <a:rPr kumimoji="1" lang="en-US" altLang="ja-JP" sz="2400" b="1" dirty="0"/>
+              <a:t>			</a:t>
+            </a:r>
+            <a:r>
+              <a:rPr kumimoji="1" lang="ja-JP" altLang="en-US" sz="2400" b="1" dirty="0"/>
+              <a:t>天気予報をスクレイピング</a:t>
+            </a:r>
+            <a:endParaRPr kumimoji="1" lang="en-US" altLang="ja-JP" sz="2400" b="1" dirty="0"/>
+          </a:p>
+          <a:p>
+            <a:r>
+              <a:rPr lang="en-US" altLang="ja-JP" sz="2800" b="1" dirty="0"/>
+              <a:t>			</a:t>
+            </a:r>
+            <a:r>
+              <a:rPr lang="ja-JP" altLang="en-US" sz="2400" b="1" dirty="0"/>
+              <a:t>音声ファイル作成</a:t>
+            </a:r>
+            <a:endParaRPr kumimoji="1" lang="ja-JP" altLang="en-US" sz="2400" b="1" dirty="0"/>
+          </a:p>
+        </p:txBody>
+      </p:sp>
+      <p:sp>
+        <p:nvSpPr>
+          <p:cNvPr id="5" name="正方形/長方形 4">
+            <a:extLst>
+              <a:ext uri="{FF2B5EF4-FFF2-40B4-BE49-F238E27FC236}">
+                <a16:creationId xmlns:a16="http://schemas.microsoft.com/office/drawing/2014/main" id="{1FFF3654-8D14-4E85-9550-14E1EB27079A}"/>
               </a:ext>
             </a:extLst>
           </p:cNvPr>
@@ -10042,10 +11094,64 @@
           </a:p>
         </p:txBody>
       </p:sp>
+      <p:sp>
+        <p:nvSpPr>
+          <p:cNvPr id="6" name="矢印: 左右 5">
+            <a:extLst>
+              <a:ext uri="{FF2B5EF4-FFF2-40B4-BE49-F238E27FC236}">
+                <a16:creationId xmlns:a16="http://schemas.microsoft.com/office/drawing/2014/main" id="{4EA144AF-B02D-4412-AD33-227D048EE026}"/>
+              </a:ext>
+            </a:extLst>
+          </p:cNvPr>
+          <p:cNvSpPr/>
+          <p:nvPr/>
+        </p:nvSpPr>
+        <p:spPr>
+          <a:xfrm rot="5400000">
+            <a:off x="1079408" y="5127466"/>
+            <a:ext cx="2387066" cy="343752"/>
+          </a:xfrm>
+          <a:prstGeom prst="leftRightArrow">
+            <a:avLst/>
+          </a:prstGeom>
+          <a:solidFill>
+            <a:srgbClr val="FF0000"/>
+          </a:solidFill>
+          <a:ln>
+            <a:solidFill>
+              <a:schemeClr val="tx1"/>
+            </a:solidFill>
+          </a:ln>
+        </p:spPr>
+        <p:style>
+          <a:lnRef idx="2">
+            <a:schemeClr val="accent1">
+              <a:shade val="50000"/>
+            </a:schemeClr>
+          </a:lnRef>
+          <a:fillRef idx="1">
+            <a:schemeClr val="accent1"/>
+          </a:fillRef>
+          <a:effectRef idx="0">
+            <a:schemeClr val="accent1"/>
+          </a:effectRef>
+          <a:fontRef idx="minor">
+            <a:schemeClr val="lt1"/>
+          </a:fontRef>
+        </p:style>
+        <p:txBody>
+          <a:bodyPr rtlCol="0" anchor="ctr"/>
+          <a:lstStyle/>
+          <a:p>
+            <a:pPr algn="ctr"/>
+            <a:endParaRPr kumimoji="1" lang="ja-JP" altLang="en-US"/>
+          </a:p>
+        </p:txBody>
+      </p:sp>
     </p:spTree>
     <p:extLst>
       <p:ext uri="{BB962C8B-B14F-4D97-AF65-F5344CB8AC3E}">
-        <p14:creationId xmlns:p14="http://schemas.microsoft.com/office/powerpoint/2010/main" val="2817091244"/>
+        <p14:creationId xmlns:p14="http://schemas.microsoft.com/office/powerpoint/2010/main" val="3368829154"/>
       </p:ext>
     </p:extLst>
   </p:cSld>
@@ -10118,99 +11224,99 @@
         </p:nvSpPr>
         <p:spPr/>
         <p:txBody>
-          <a:bodyPr/>
+          <a:bodyPr>
+            <a:normAutofit/>
+          </a:bodyPr>
           <a:lstStyle/>
           <a:p>
             <a:r>
-              <a:rPr kumimoji="1" lang="ja-JP" altLang="en-US" dirty="0"/>
+              <a:rPr kumimoji="1" lang="ja-JP" altLang="en-US" sz="3200" dirty="0"/>
               <a:t>プロジェクトの全体像</a:t>
             </a:r>
-            <a:endParaRPr kumimoji="1" lang="en-US" altLang="ja-JP" dirty="0"/>
+            <a:endParaRPr kumimoji="1" lang="en-US" altLang="ja-JP" sz="3200" dirty="0"/>
+          </a:p>
+          <a:p>
+            <a:r>
+              <a:rPr lang="ja-JP" altLang="en-US" sz="3200" dirty="0"/>
+              <a:t>処理の流れ・要素技術</a:t>
+            </a:r>
+            <a:endParaRPr lang="en-US" altLang="ja-JP" sz="3200" dirty="0"/>
+          </a:p>
+          <a:p>
+            <a:pPr lvl="1"/>
+            <a:r>
+              <a:rPr lang="ja-JP" altLang="en-US" sz="2800" dirty="0"/>
+              <a:t>音声認識</a:t>
+            </a:r>
+            <a:r>
+              <a:rPr lang="en-US" altLang="ja-JP" sz="2800" dirty="0"/>
+              <a:t>-Julius</a:t>
+            </a:r>
+          </a:p>
+          <a:p>
+            <a:pPr lvl="1"/>
+            <a:r>
+              <a:rPr lang="ja-JP" altLang="en-US" sz="2800" dirty="0"/>
+              <a:t>テキスト分類</a:t>
+            </a:r>
+            <a:r>
+              <a:rPr lang="en-US" altLang="ja-JP" sz="2800" dirty="0"/>
+              <a:t>-</a:t>
+            </a:r>
+            <a:r>
+              <a:rPr lang="en-US" altLang="ja-JP" sz="2800" dirty="0" err="1"/>
+              <a:t>fastText</a:t>
+            </a:r>
+            <a:endParaRPr lang="en-US" altLang="ja-JP" sz="2800" dirty="0"/>
+          </a:p>
+          <a:p>
+            <a:pPr lvl="1"/>
+            <a:r>
+              <a:rPr lang="ja-JP" altLang="en-US" sz="2800" dirty="0"/>
+              <a:t>データ取得</a:t>
+            </a:r>
+            <a:r>
+              <a:rPr lang="en-US" altLang="ja-JP" sz="2800" dirty="0"/>
+              <a:t>-</a:t>
+            </a:r>
+            <a:r>
+              <a:rPr lang="ja-JP" altLang="en-US" sz="2800" dirty="0"/>
+              <a:t>スクレイピング</a:t>
+            </a:r>
+            <a:endParaRPr lang="en-US" altLang="ja-JP" sz="2800" dirty="0"/>
+          </a:p>
+          <a:p>
+            <a:pPr lvl="1"/>
+            <a:r>
+              <a:rPr lang="ja-JP" altLang="en-US" sz="2800" dirty="0"/>
+              <a:t>音声合成</a:t>
+            </a:r>
+            <a:r>
+              <a:rPr lang="en-US" altLang="ja-JP" sz="2800" dirty="0"/>
+              <a:t>-Open </a:t>
+            </a:r>
+            <a:r>
+              <a:rPr lang="en-US" altLang="ja-JP" sz="2800" dirty="0" err="1"/>
+              <a:t>Jtalk</a:t>
+            </a:r>
+            <a:endParaRPr lang="en-US" altLang="ja-JP" sz="2800" dirty="0"/>
           </a:p>
           <a:p>
             <a:r>
               <a:rPr lang="ja-JP" altLang="en-US" dirty="0"/>
-              <a:t>処理の流れ・要素技術</a:t>
+              <a:t>デモンストレーション</a:t>
             </a:r>
             <a:endParaRPr lang="en-US" altLang="ja-JP" dirty="0"/>
           </a:p>
           <a:p>
             <a:r>
               <a:rPr lang="ja-JP" altLang="en-US" dirty="0"/>
-              <a:t>音声認識</a:t>
-            </a:r>
-            <a:r>
-              <a:rPr lang="en-US" altLang="ja-JP" dirty="0"/>
-              <a:t>-Julius</a:t>
-            </a:r>
-          </a:p>
-          <a:p>
-            <a:pPr lvl="1"/>
-            <a:r>
-              <a:rPr lang="ja-JP" altLang="en-US" dirty="0"/>
-              <a:t>音声認識の流れ</a:t>
+              <a:t>まとめ</a:t>
             </a:r>
             <a:endParaRPr lang="en-US" altLang="ja-JP" dirty="0"/>
           </a:p>
           <a:p>
-            <a:pPr lvl="1"/>
-            <a:r>
-              <a:rPr lang="ja-JP" altLang="en-US" dirty="0"/>
-              <a:t>辞書ファイル</a:t>
-            </a:r>
-            <a:endParaRPr lang="en-US" altLang="ja-JP" dirty="0"/>
-          </a:p>
-          <a:p>
-            <a:r>
-              <a:rPr lang="ja-JP" altLang="en-US" dirty="0"/>
-              <a:t>テキスト分類</a:t>
-            </a:r>
-            <a:r>
-              <a:rPr lang="en-US" altLang="ja-JP" dirty="0"/>
-              <a:t>-</a:t>
-            </a:r>
-            <a:r>
-              <a:rPr lang="en-US" altLang="ja-JP" dirty="0" err="1"/>
-              <a:t>fastText</a:t>
-            </a:r>
-            <a:endParaRPr lang="en-US" altLang="ja-JP" dirty="0"/>
-          </a:p>
-          <a:p>
-            <a:r>
-              <a:rPr lang="ja-JP" altLang="en-US" dirty="0"/>
-              <a:t>データ取得</a:t>
-            </a:r>
-            <a:r>
-              <a:rPr lang="en-US" altLang="ja-JP" dirty="0"/>
-              <a:t>-</a:t>
-            </a:r>
-            <a:r>
-              <a:rPr lang="ja-JP" altLang="en-US" dirty="0"/>
-              <a:t>スクレイピング</a:t>
-            </a:r>
-            <a:endParaRPr lang="en-US" altLang="ja-JP" dirty="0"/>
-          </a:p>
-          <a:p>
-            <a:r>
-              <a:rPr lang="ja-JP" altLang="en-US" dirty="0"/>
-              <a:t>音声合成</a:t>
-            </a:r>
-            <a:r>
-              <a:rPr lang="en-US" altLang="ja-JP" dirty="0"/>
-              <a:t>-Open </a:t>
-            </a:r>
-            <a:r>
-              <a:rPr lang="en-US" altLang="ja-JP" dirty="0" err="1"/>
-              <a:t>JTalk</a:t>
-            </a:r>
-            <a:endParaRPr lang="en-US" altLang="ja-JP" dirty="0"/>
-          </a:p>
-          <a:p>
-            <a:pPr lvl="1"/>
-            <a:endParaRPr lang="en-US" altLang="ja-JP" dirty="0"/>
-          </a:p>
-          <a:p>
-            <a:endParaRPr kumimoji="1" lang="ja-JP" altLang="en-US" dirty="0"/>
+            <a:endParaRPr kumimoji="1" lang="ja-JP" altLang="en-US" sz="3200" dirty="0"/>
           </a:p>
         </p:txBody>
       </p:sp>
@@ -10249,7 +11355,7 @@
           <p:cNvPr id="2" name="タイトル 1">
             <a:extLst>
               <a:ext uri="{FF2B5EF4-FFF2-40B4-BE49-F238E27FC236}">
-                <a16:creationId xmlns:a16="http://schemas.microsoft.com/office/drawing/2014/main" id="{F24EB109-BC34-41EC-A9D0-C442E52A8779}"/>
+                <a16:creationId xmlns:a16="http://schemas.microsoft.com/office/drawing/2014/main" id="{0239366D-FD02-4D32-AA25-FA5687E2E9A8}"/>
               </a:ext>
             </a:extLst>
           </p:cNvPr>
@@ -10267,60 +11373,26 @@
           <a:p>
             <a:r>
               <a:rPr kumimoji="1" lang="ja-JP" altLang="en-US" dirty="0"/>
-              <a:t>実行ファイル</a:t>
-            </a:r>
-          </a:p>
-        </p:txBody>
-      </p:sp>
-      <p:sp>
-        <p:nvSpPr>
-          <p:cNvPr id="3" name="コンテンツ プレースホルダー 2">
-            <a:extLst>
-              <a:ext uri="{FF2B5EF4-FFF2-40B4-BE49-F238E27FC236}">
-                <a16:creationId xmlns:a16="http://schemas.microsoft.com/office/drawing/2014/main" id="{69DE47EB-7D6D-49AB-9AD1-0A77390D212D}"/>
-              </a:ext>
-            </a:extLst>
-          </p:cNvPr>
-          <p:cNvSpPr>
-            <a:spLocks noGrp="1"/>
-          </p:cNvSpPr>
+              <a:t>データ取得　定時実行</a:t>
+            </a:r>
+          </a:p>
+        </p:txBody>
+      </p:sp>
+      <p:pic>
+        <p:nvPicPr>
+          <p:cNvPr id="8" name="コンテンツ プレースホルダー 7">
+            <a:extLst>
+              <a:ext uri="{FF2B5EF4-FFF2-40B4-BE49-F238E27FC236}">
+                <a16:creationId xmlns:a16="http://schemas.microsoft.com/office/drawing/2014/main" id="{A6A5C198-EC23-4091-8AF5-A244004DD6F7}"/>
+              </a:ext>
+            </a:extLst>
+          </p:cNvPr>
+          <p:cNvPicPr>
+            <a:picLocks noGrp="1" noChangeAspect="1"/>
+          </p:cNvPicPr>
           <p:nvPr>
             <p:ph idx="1"/>
           </p:nvPr>
-        </p:nvSpPr>
-        <p:spPr/>
-        <p:txBody>
-          <a:bodyPr/>
-          <a:lstStyle/>
-          <a:p>
-            <a:pPr marL="0" indent="0">
-              <a:buNone/>
-            </a:pPr>
-            <a:r>
-              <a:rPr lang="en-US" altLang="ja-JP" b="1" dirty="0"/>
-              <a:t>y</a:t>
-            </a:r>
-            <a:r>
-              <a:rPr kumimoji="1" lang="en-US" altLang="ja-JP" b="1" dirty="0"/>
-              <a:t>osie.sh</a:t>
-            </a:r>
-            <a:endParaRPr kumimoji="1" lang="ja-JP" altLang="en-US" b="1" dirty="0"/>
-          </a:p>
-        </p:txBody>
-      </p:sp>
-      <p:pic>
-        <p:nvPicPr>
-          <p:cNvPr id="5" name="図 4">
-            <a:extLst>
-              <a:ext uri="{FF2B5EF4-FFF2-40B4-BE49-F238E27FC236}">
-                <a16:creationId xmlns:a16="http://schemas.microsoft.com/office/drawing/2014/main" id="{902DE915-7CA6-4F32-A692-65463E1DB534}"/>
-              </a:ext>
-            </a:extLst>
-          </p:cNvPr>
-          <p:cNvPicPr>
-            <a:picLocks noChangeAspect="1"/>
-          </p:cNvPicPr>
-          <p:nvPr/>
         </p:nvPicPr>
         <p:blipFill>
           <a:blip r:embed="rId2">
@@ -10336,20 +11408,17 @@
         </p:blipFill>
         <p:spPr>
           <a:xfrm>
-            <a:off x="2494641" y="1690688"/>
-            <a:ext cx="8017887" cy="4998804"/>
+            <a:off x="2000581" y="1362798"/>
+            <a:ext cx="7507486" cy="5380841"/>
           </a:xfrm>
-          <a:prstGeom prst="rect">
-            <a:avLst/>
-          </a:prstGeom>
         </p:spPr>
       </p:pic>
       <p:sp>
         <p:nvSpPr>
-          <p:cNvPr id="6" name="正方形/長方形 5">
-            <a:extLst>
-              <a:ext uri="{FF2B5EF4-FFF2-40B4-BE49-F238E27FC236}">
-                <a16:creationId xmlns:a16="http://schemas.microsoft.com/office/drawing/2014/main" id="{103D16E7-5412-4AFE-B05C-94152D5237D5}"/>
+          <p:cNvPr id="4" name="正方形/長方形 3">
+            <a:extLst>
+              <a:ext uri="{FF2B5EF4-FFF2-40B4-BE49-F238E27FC236}">
+                <a16:creationId xmlns:a16="http://schemas.microsoft.com/office/drawing/2014/main" id="{9CEB8C61-C32D-41E2-841B-399EE256AABF}"/>
               </a:ext>
             </a:extLst>
           </p:cNvPr>
@@ -10404,6 +11473,902 @@
     </p:spTree>
     <p:extLst>
       <p:ext uri="{BB962C8B-B14F-4D97-AF65-F5344CB8AC3E}">
+        <p14:creationId xmlns:p14="http://schemas.microsoft.com/office/powerpoint/2010/main" val="1347989110"/>
+      </p:ext>
+    </p:extLst>
+  </p:cSld>
+  <p:clrMapOvr>
+    <a:masterClrMapping/>
+  </p:clrMapOvr>
+</p:sld>
+</file>
+
+<file path=ppt/slides/slide21.xml><?xml version="1.0" encoding="utf-8"?>
+<p:sld xmlns:a="http://schemas.openxmlformats.org/drawingml/2006/main" xmlns:r="http://schemas.openxmlformats.org/officeDocument/2006/relationships" xmlns:p="http://schemas.openxmlformats.org/presentationml/2006/main">
+  <p:cSld>
+    <p:spTree>
+      <p:nvGrpSpPr>
+        <p:cNvPr id="1" name=""/>
+        <p:cNvGrpSpPr/>
+        <p:nvPr/>
+      </p:nvGrpSpPr>
+      <p:grpSpPr>
+        <a:xfrm>
+          <a:off x="0" y="0"/>
+          <a:ext cx="0" cy="0"/>
+          <a:chOff x="0" y="0"/>
+          <a:chExt cx="0" cy="0"/>
+        </a:xfrm>
+      </p:grpSpPr>
+      <p:sp>
+        <p:nvSpPr>
+          <p:cNvPr id="2" name="タイトル 1">
+            <a:extLst>
+              <a:ext uri="{FF2B5EF4-FFF2-40B4-BE49-F238E27FC236}">
+                <a16:creationId xmlns:a16="http://schemas.microsoft.com/office/drawing/2014/main" id="{416FDF28-DE91-4559-964D-FBBF51F99738}"/>
+              </a:ext>
+            </a:extLst>
+          </p:cNvPr>
+          <p:cNvSpPr>
+            <a:spLocks noGrp="1"/>
+          </p:cNvSpPr>
+          <p:nvPr>
+            <p:ph type="title"/>
+          </p:nvPr>
+        </p:nvSpPr>
+        <p:spPr/>
+        <p:txBody>
+          <a:bodyPr/>
+          <a:lstStyle/>
+          <a:p>
+            <a:r>
+              <a:rPr kumimoji="1" lang="en-US" altLang="ja-JP" dirty="0" err="1"/>
+              <a:t>OpenJtalk</a:t>
+            </a:r>
+            <a:endParaRPr kumimoji="1" lang="ja-JP" altLang="en-US" dirty="0"/>
+          </a:p>
+        </p:txBody>
+      </p:sp>
+      <p:sp>
+        <p:nvSpPr>
+          <p:cNvPr id="3" name="コンテンツ プレースホルダー 2">
+            <a:extLst>
+              <a:ext uri="{FF2B5EF4-FFF2-40B4-BE49-F238E27FC236}">
+                <a16:creationId xmlns:a16="http://schemas.microsoft.com/office/drawing/2014/main" id="{7739CC25-5B0B-4F49-AA2A-71E2700494BC}"/>
+              </a:ext>
+            </a:extLst>
+          </p:cNvPr>
+          <p:cNvSpPr>
+            <a:spLocks noGrp="1"/>
+          </p:cNvSpPr>
+          <p:nvPr>
+            <p:ph idx="1"/>
+          </p:nvPr>
+        </p:nvSpPr>
+        <p:spPr/>
+        <p:txBody>
+          <a:bodyPr/>
+          <a:lstStyle/>
+          <a:p>
+            <a:pPr marL="0" indent="0">
+              <a:buNone/>
+            </a:pPr>
+            <a:r>
+              <a:rPr lang="ja-JP" altLang="en-US" dirty="0"/>
+              <a:t>音声ファイル　作成</a:t>
+            </a:r>
+            <a:endParaRPr kumimoji="1" lang="en-US" altLang="ja-JP" dirty="0"/>
+          </a:p>
+        </p:txBody>
+      </p:sp>
+      <p:pic>
+        <p:nvPicPr>
+          <p:cNvPr id="5" name="図 4">
+            <a:extLst>
+              <a:ext uri="{FF2B5EF4-FFF2-40B4-BE49-F238E27FC236}">
+                <a16:creationId xmlns:a16="http://schemas.microsoft.com/office/drawing/2014/main" id="{DCEE1DF1-E412-4FF6-A299-BF70A8C1D00F}"/>
+              </a:ext>
+            </a:extLst>
+          </p:cNvPr>
+          <p:cNvPicPr>
+            <a:picLocks noChangeAspect="1"/>
+          </p:cNvPicPr>
+          <p:nvPr/>
+        </p:nvPicPr>
+        <p:blipFill>
+          <a:blip r:embed="rId3">
+            <a:extLst>
+              <a:ext uri="{28A0092B-C50C-407E-A947-70E740481C1C}">
+                <a14:useLocalDpi xmlns:a14="http://schemas.microsoft.com/office/drawing/2010/main" val="0"/>
+              </a:ext>
+            </a:extLst>
+          </a:blip>
+          <a:stretch>
+            <a:fillRect/>
+          </a:stretch>
+        </p:blipFill>
+        <p:spPr>
+          <a:xfrm>
+            <a:off x="451650" y="2396107"/>
+            <a:ext cx="11288700" cy="3210373"/>
+          </a:xfrm>
+          <a:prstGeom prst="rect">
+            <a:avLst/>
+          </a:prstGeom>
+        </p:spPr>
+      </p:pic>
+      <p:sp>
+        <p:nvSpPr>
+          <p:cNvPr id="7" name="テキスト ボックス 6">
+            <a:extLst>
+              <a:ext uri="{FF2B5EF4-FFF2-40B4-BE49-F238E27FC236}">
+                <a16:creationId xmlns:a16="http://schemas.microsoft.com/office/drawing/2014/main" id="{BC9E286B-F5E8-4C8B-AC3F-63529E259B69}"/>
+              </a:ext>
+            </a:extLst>
+          </p:cNvPr>
+          <p:cNvSpPr txBox="1"/>
+          <p:nvPr/>
+        </p:nvSpPr>
+        <p:spPr>
+          <a:xfrm>
+            <a:off x="451650" y="5988733"/>
+            <a:ext cx="6059837" cy="646331"/>
+          </a:xfrm>
+          <a:prstGeom prst="rect">
+            <a:avLst/>
+          </a:prstGeom>
+          <a:noFill/>
+        </p:spPr>
+        <p:txBody>
+          <a:bodyPr wrap="square" rtlCol="0">
+            <a:spAutoFit/>
+          </a:bodyPr>
+          <a:lstStyle/>
+          <a:p>
+            <a:r>
+              <a:rPr kumimoji="1" lang="ja-JP" altLang="en-US" sz="3600" dirty="0"/>
+              <a:t>スクレイピング直後に実行</a:t>
+            </a:r>
+          </a:p>
+        </p:txBody>
+      </p:sp>
+      <p:sp>
+        <p:nvSpPr>
+          <p:cNvPr id="6" name="正方形/長方形 5">
+            <a:extLst>
+              <a:ext uri="{FF2B5EF4-FFF2-40B4-BE49-F238E27FC236}">
+                <a16:creationId xmlns:a16="http://schemas.microsoft.com/office/drawing/2014/main" id="{402AECB5-4ABC-4E92-8BBE-67490A269199}"/>
+              </a:ext>
+            </a:extLst>
+          </p:cNvPr>
+          <p:cNvSpPr/>
+          <p:nvPr/>
+        </p:nvSpPr>
+        <p:spPr>
+          <a:xfrm>
+            <a:off x="9508067" y="0"/>
+            <a:ext cx="2683933" cy="1593908"/>
+          </a:xfrm>
+          <a:prstGeom prst="rect">
+            <a:avLst/>
+          </a:prstGeom>
+          <a:solidFill>
+            <a:schemeClr val="accent6">
+              <a:lumMod val="60000"/>
+              <a:lumOff val="40000"/>
+            </a:schemeClr>
+          </a:solidFill>
+          <a:ln>
+            <a:solidFill>
+              <a:schemeClr val="tx1"/>
+            </a:solidFill>
+          </a:ln>
+        </p:spPr>
+        <p:style>
+          <a:lnRef idx="2">
+            <a:schemeClr val="accent1">
+              <a:shade val="50000"/>
+            </a:schemeClr>
+          </a:lnRef>
+          <a:fillRef idx="1">
+            <a:schemeClr val="accent1"/>
+          </a:fillRef>
+          <a:effectRef idx="0">
+            <a:schemeClr val="accent1"/>
+          </a:effectRef>
+          <a:fontRef idx="minor">
+            <a:schemeClr val="lt1"/>
+          </a:fontRef>
+        </p:style>
+        <p:txBody>
+          <a:bodyPr rtlCol="0" anchor="ctr"/>
+          <a:lstStyle/>
+          <a:p>
+            <a:pPr algn="ctr"/>
+            <a:endParaRPr kumimoji="1" lang="ja-JP" altLang="en-US"/>
+          </a:p>
+        </p:txBody>
+      </p:sp>
+    </p:spTree>
+    <p:extLst>
+      <p:ext uri="{BB962C8B-B14F-4D97-AF65-F5344CB8AC3E}">
+        <p14:creationId xmlns:p14="http://schemas.microsoft.com/office/powerpoint/2010/main" val="410217345"/>
+      </p:ext>
+    </p:extLst>
+  </p:cSld>
+  <p:clrMapOvr>
+    <a:masterClrMapping/>
+  </p:clrMapOvr>
+</p:sld>
+</file>
+
+<file path=ppt/slides/slide22.xml><?xml version="1.0" encoding="utf-8"?>
+<p:sld xmlns:a="http://schemas.openxmlformats.org/drawingml/2006/main" xmlns:r="http://schemas.openxmlformats.org/officeDocument/2006/relationships" xmlns:p="http://schemas.openxmlformats.org/presentationml/2006/main">
+  <p:cSld>
+    <p:spTree>
+      <p:nvGrpSpPr>
+        <p:cNvPr id="1" name=""/>
+        <p:cNvGrpSpPr/>
+        <p:nvPr/>
+      </p:nvGrpSpPr>
+      <p:grpSpPr>
+        <a:xfrm>
+          <a:off x="0" y="0"/>
+          <a:ext cx="0" cy="0"/>
+          <a:chOff x="0" y="0"/>
+          <a:chExt cx="0" cy="0"/>
+        </a:xfrm>
+      </p:grpSpPr>
+      <p:sp>
+        <p:nvSpPr>
+          <p:cNvPr id="2" name="タイトル 1">
+            <a:extLst>
+              <a:ext uri="{FF2B5EF4-FFF2-40B4-BE49-F238E27FC236}">
+                <a16:creationId xmlns:a16="http://schemas.microsoft.com/office/drawing/2014/main" id="{416FDF28-DE91-4559-964D-FBBF51F99738}"/>
+              </a:ext>
+            </a:extLst>
+          </p:cNvPr>
+          <p:cNvSpPr>
+            <a:spLocks noGrp="1"/>
+          </p:cNvSpPr>
+          <p:nvPr>
+            <p:ph type="title"/>
+          </p:nvPr>
+        </p:nvSpPr>
+        <p:spPr/>
+        <p:txBody>
+          <a:bodyPr/>
+          <a:lstStyle/>
+          <a:p>
+            <a:r>
+              <a:rPr kumimoji="1" lang="en-US" altLang="ja-JP" dirty="0" err="1"/>
+              <a:t>OpenJtalk</a:t>
+            </a:r>
+            <a:endParaRPr kumimoji="1" lang="ja-JP" altLang="en-US" dirty="0"/>
+          </a:p>
+        </p:txBody>
+      </p:sp>
+      <p:sp>
+        <p:nvSpPr>
+          <p:cNvPr id="3" name="コンテンツ プレースホルダー 2">
+            <a:extLst>
+              <a:ext uri="{FF2B5EF4-FFF2-40B4-BE49-F238E27FC236}">
+                <a16:creationId xmlns:a16="http://schemas.microsoft.com/office/drawing/2014/main" id="{7739CC25-5B0B-4F49-AA2A-71E2700494BC}"/>
+              </a:ext>
+            </a:extLst>
+          </p:cNvPr>
+          <p:cNvSpPr>
+            <a:spLocks noGrp="1"/>
+          </p:cNvSpPr>
+          <p:nvPr>
+            <p:ph idx="1"/>
+          </p:nvPr>
+        </p:nvSpPr>
+        <p:spPr/>
+        <p:txBody>
+          <a:bodyPr/>
+          <a:lstStyle/>
+          <a:p>
+            <a:pPr marL="0" indent="0">
+              <a:buNone/>
+            </a:pPr>
+            <a:r>
+              <a:rPr lang="ja-JP" altLang="en-US" dirty="0"/>
+              <a:t>音声ファイル　再生</a:t>
+            </a:r>
+            <a:endParaRPr kumimoji="1" lang="en-US" altLang="ja-JP" dirty="0"/>
+          </a:p>
+        </p:txBody>
+      </p:sp>
+      <p:pic>
+        <p:nvPicPr>
+          <p:cNvPr id="9" name="図 8">
+            <a:extLst>
+              <a:ext uri="{FF2B5EF4-FFF2-40B4-BE49-F238E27FC236}">
+                <a16:creationId xmlns:a16="http://schemas.microsoft.com/office/drawing/2014/main" id="{C6EC48F4-62E7-4038-B20A-28D07A2E548A}"/>
+              </a:ext>
+            </a:extLst>
+          </p:cNvPr>
+          <p:cNvPicPr>
+            <a:picLocks noChangeAspect="1"/>
+          </p:cNvPicPr>
+          <p:nvPr/>
+        </p:nvPicPr>
+        <p:blipFill>
+          <a:blip r:embed="rId3">
+            <a:extLst>
+              <a:ext uri="{28A0092B-C50C-407E-A947-70E740481C1C}">
+                <a14:useLocalDpi xmlns:a14="http://schemas.microsoft.com/office/drawing/2010/main" val="0"/>
+              </a:ext>
+            </a:extLst>
+          </a:blip>
+          <a:stretch>
+            <a:fillRect/>
+          </a:stretch>
+        </p:blipFill>
+        <p:spPr>
+          <a:xfrm>
+            <a:off x="718049" y="2393209"/>
+            <a:ext cx="8469432" cy="1621807"/>
+          </a:xfrm>
+          <a:prstGeom prst="rect">
+            <a:avLst/>
+          </a:prstGeom>
+        </p:spPr>
+      </p:pic>
+      <p:sp>
+        <p:nvSpPr>
+          <p:cNvPr id="10" name="テキスト ボックス 9">
+            <a:extLst>
+              <a:ext uri="{FF2B5EF4-FFF2-40B4-BE49-F238E27FC236}">
+                <a16:creationId xmlns:a16="http://schemas.microsoft.com/office/drawing/2014/main" id="{4794AFFE-B045-4880-8FA7-33996A9E5E84}"/>
+              </a:ext>
+            </a:extLst>
+          </p:cNvPr>
+          <p:cNvSpPr txBox="1"/>
+          <p:nvPr/>
+        </p:nvSpPr>
+        <p:spPr>
+          <a:xfrm>
+            <a:off x="718049" y="4449658"/>
+            <a:ext cx="6059837" cy="646331"/>
+          </a:xfrm>
+          <a:prstGeom prst="rect">
+            <a:avLst/>
+          </a:prstGeom>
+          <a:noFill/>
+        </p:spPr>
+        <p:txBody>
+          <a:bodyPr wrap="square" rtlCol="0">
+            <a:spAutoFit/>
+          </a:bodyPr>
+          <a:lstStyle/>
+          <a:p>
+            <a:r>
+              <a:rPr kumimoji="1" lang="ja-JP" altLang="en-US" sz="3600" dirty="0"/>
+              <a:t>音声出力時に実行</a:t>
+            </a:r>
+          </a:p>
+        </p:txBody>
+      </p:sp>
+      <p:sp>
+        <p:nvSpPr>
+          <p:cNvPr id="11" name="正方形/長方形 10">
+            <a:extLst>
+              <a:ext uri="{FF2B5EF4-FFF2-40B4-BE49-F238E27FC236}">
+                <a16:creationId xmlns:a16="http://schemas.microsoft.com/office/drawing/2014/main" id="{CED44891-6C1C-4E93-A210-C97D4B938D1A}"/>
+              </a:ext>
+            </a:extLst>
+          </p:cNvPr>
+          <p:cNvSpPr/>
+          <p:nvPr/>
+        </p:nvSpPr>
+        <p:spPr>
+          <a:xfrm>
+            <a:off x="756149" y="3718560"/>
+            <a:ext cx="120151" cy="288836"/>
+          </a:xfrm>
+          <a:prstGeom prst="rect">
+            <a:avLst/>
+          </a:prstGeom>
+          <a:solidFill>
+            <a:srgbClr val="282923"/>
+          </a:solidFill>
+          <a:ln>
+            <a:solidFill>
+              <a:srgbClr val="282923"/>
+            </a:solidFill>
+          </a:ln>
+        </p:spPr>
+        <p:style>
+          <a:lnRef idx="2">
+            <a:schemeClr val="accent1">
+              <a:shade val="50000"/>
+            </a:schemeClr>
+          </a:lnRef>
+          <a:fillRef idx="1">
+            <a:schemeClr val="accent1"/>
+          </a:fillRef>
+          <a:effectRef idx="0">
+            <a:schemeClr val="accent1"/>
+          </a:effectRef>
+          <a:fontRef idx="minor">
+            <a:schemeClr val="lt1"/>
+          </a:fontRef>
+        </p:style>
+        <p:txBody>
+          <a:bodyPr rtlCol="0" anchor="ctr"/>
+          <a:lstStyle/>
+          <a:p>
+            <a:pPr algn="ctr"/>
+            <a:endParaRPr kumimoji="1" lang="ja-JP" altLang="en-US"/>
+          </a:p>
+        </p:txBody>
+      </p:sp>
+      <p:sp>
+        <p:nvSpPr>
+          <p:cNvPr id="7" name="正方形/長方形 6">
+            <a:extLst>
+              <a:ext uri="{FF2B5EF4-FFF2-40B4-BE49-F238E27FC236}">
+                <a16:creationId xmlns:a16="http://schemas.microsoft.com/office/drawing/2014/main" id="{80E5E537-424F-41E6-BF88-40216A9BFFBC}"/>
+              </a:ext>
+            </a:extLst>
+          </p:cNvPr>
+          <p:cNvSpPr/>
+          <p:nvPr/>
+        </p:nvSpPr>
+        <p:spPr>
+          <a:xfrm>
+            <a:off x="9508067" y="0"/>
+            <a:ext cx="2683933" cy="1593908"/>
+          </a:xfrm>
+          <a:prstGeom prst="rect">
+            <a:avLst/>
+          </a:prstGeom>
+          <a:solidFill>
+            <a:schemeClr val="accent6">
+              <a:lumMod val="60000"/>
+              <a:lumOff val="40000"/>
+            </a:schemeClr>
+          </a:solidFill>
+          <a:ln>
+            <a:solidFill>
+              <a:schemeClr val="tx1"/>
+            </a:solidFill>
+          </a:ln>
+        </p:spPr>
+        <p:style>
+          <a:lnRef idx="2">
+            <a:schemeClr val="accent1">
+              <a:shade val="50000"/>
+            </a:schemeClr>
+          </a:lnRef>
+          <a:fillRef idx="1">
+            <a:schemeClr val="accent1"/>
+          </a:fillRef>
+          <a:effectRef idx="0">
+            <a:schemeClr val="accent1"/>
+          </a:effectRef>
+          <a:fontRef idx="minor">
+            <a:schemeClr val="lt1"/>
+          </a:fontRef>
+        </p:style>
+        <p:txBody>
+          <a:bodyPr rtlCol="0" anchor="ctr"/>
+          <a:lstStyle/>
+          <a:p>
+            <a:pPr algn="ctr"/>
+            <a:endParaRPr kumimoji="1" lang="ja-JP" altLang="en-US"/>
+          </a:p>
+        </p:txBody>
+      </p:sp>
+    </p:spTree>
+    <p:extLst>
+      <p:ext uri="{BB962C8B-B14F-4D97-AF65-F5344CB8AC3E}">
+        <p14:creationId xmlns:p14="http://schemas.microsoft.com/office/powerpoint/2010/main" val="3778558568"/>
+      </p:ext>
+    </p:extLst>
+  </p:cSld>
+  <p:clrMapOvr>
+    <a:masterClrMapping/>
+  </p:clrMapOvr>
+</p:sld>
+</file>
+
+<file path=ppt/slides/slide23.xml><?xml version="1.0" encoding="utf-8"?>
+<p:sld xmlns:a="http://schemas.openxmlformats.org/drawingml/2006/main" xmlns:r="http://schemas.openxmlformats.org/officeDocument/2006/relationships" xmlns:p="http://schemas.openxmlformats.org/presentationml/2006/main">
+  <p:cSld>
+    <p:spTree>
+      <p:nvGrpSpPr>
+        <p:cNvPr id="1" name=""/>
+        <p:cNvGrpSpPr/>
+        <p:nvPr/>
+      </p:nvGrpSpPr>
+      <p:grpSpPr>
+        <a:xfrm>
+          <a:off x="0" y="0"/>
+          <a:ext cx="0" cy="0"/>
+          <a:chOff x="0" y="0"/>
+          <a:chExt cx="0" cy="0"/>
+        </a:xfrm>
+      </p:grpSpPr>
+      <p:sp>
+        <p:nvSpPr>
+          <p:cNvPr id="2" name="タイトル 1">
+            <a:extLst>
+              <a:ext uri="{FF2B5EF4-FFF2-40B4-BE49-F238E27FC236}">
+                <a16:creationId xmlns:a16="http://schemas.microsoft.com/office/drawing/2014/main" id="{208E96DD-60EE-481E-BC80-125F1F007D39}"/>
+              </a:ext>
+            </a:extLst>
+          </p:cNvPr>
+          <p:cNvSpPr>
+            <a:spLocks noGrp="1"/>
+          </p:cNvSpPr>
+          <p:nvPr>
+            <p:ph type="title"/>
+          </p:nvPr>
+        </p:nvSpPr>
+        <p:spPr/>
+        <p:txBody>
+          <a:bodyPr/>
+          <a:lstStyle/>
+          <a:p>
+            <a:r>
+              <a:rPr kumimoji="1" lang="ja-JP" altLang="en-US" dirty="0"/>
+              <a:t>トラブルの対処</a:t>
+            </a:r>
+          </a:p>
+        </p:txBody>
+      </p:sp>
+      <p:sp>
+        <p:nvSpPr>
+          <p:cNvPr id="3" name="コンテンツ プレースホルダー 2">
+            <a:extLst>
+              <a:ext uri="{FF2B5EF4-FFF2-40B4-BE49-F238E27FC236}">
+                <a16:creationId xmlns:a16="http://schemas.microsoft.com/office/drawing/2014/main" id="{D4342974-17CB-4DEE-BC69-327BEC83B62D}"/>
+              </a:ext>
+            </a:extLst>
+          </p:cNvPr>
+          <p:cNvSpPr>
+            <a:spLocks noGrp="1"/>
+          </p:cNvSpPr>
+          <p:nvPr>
+            <p:ph idx="1"/>
+          </p:nvPr>
+        </p:nvSpPr>
+        <p:spPr/>
+        <p:txBody>
+          <a:bodyPr/>
+          <a:lstStyle/>
+          <a:p>
+            <a:pPr marL="0" indent="0">
+              <a:buNone/>
+            </a:pPr>
+            <a:r>
+              <a:rPr kumimoji="1" lang="ja-JP" altLang="en-US" dirty="0"/>
+              <a:t>マイクが出力音声を拾ってしまい誤作動</a:t>
+            </a:r>
+            <a:endParaRPr kumimoji="1" lang="en-US" altLang="ja-JP" dirty="0"/>
+          </a:p>
+          <a:p>
+            <a:pPr marL="0" indent="0">
+              <a:buNone/>
+            </a:pPr>
+            <a:r>
+              <a:rPr lang="ja-JP" altLang="en-US" dirty="0">
+                <a:solidFill>
+                  <a:srgbClr val="FF0000"/>
+                </a:solidFill>
+              </a:rPr>
+              <a:t>→</a:t>
+            </a:r>
+            <a:r>
+              <a:rPr lang="ja-JP" altLang="en-US" dirty="0"/>
+              <a:t>出力直前にマイクミュート／出力終了後に解除</a:t>
+            </a:r>
+            <a:endParaRPr kumimoji="1" lang="en-US" altLang="ja-JP" dirty="0"/>
+          </a:p>
+          <a:p>
+            <a:pPr marL="0" indent="0">
+              <a:buNone/>
+            </a:pPr>
+            <a:r>
+              <a:rPr lang="ja-JP" altLang="en-US" dirty="0"/>
+              <a:t>　コマンドをシェルスクリプトとして実行</a:t>
+            </a:r>
+            <a:endParaRPr lang="en-US" altLang="ja-JP" dirty="0"/>
+          </a:p>
+          <a:p>
+            <a:pPr marL="0" indent="0">
+              <a:buNone/>
+            </a:pPr>
+            <a:endParaRPr kumimoji="1" lang="en-US" altLang="ja-JP" dirty="0"/>
+          </a:p>
+        </p:txBody>
+      </p:sp>
+      <p:pic>
+        <p:nvPicPr>
+          <p:cNvPr id="5" name="図 4">
+            <a:extLst>
+              <a:ext uri="{FF2B5EF4-FFF2-40B4-BE49-F238E27FC236}">
+                <a16:creationId xmlns:a16="http://schemas.microsoft.com/office/drawing/2014/main" id="{E5169DD9-22EF-4B54-956D-B061F8F9E7DF}"/>
+              </a:ext>
+            </a:extLst>
+          </p:cNvPr>
+          <p:cNvPicPr>
+            <a:picLocks noChangeAspect="1"/>
+          </p:cNvPicPr>
+          <p:nvPr/>
+        </p:nvPicPr>
+        <p:blipFill>
+          <a:blip r:embed="rId2">
+            <a:extLst>
+              <a:ext uri="{28A0092B-C50C-407E-A947-70E740481C1C}">
+                <a14:useLocalDpi xmlns:a14="http://schemas.microsoft.com/office/drawing/2010/main" val="0"/>
+              </a:ext>
+            </a:extLst>
+          </a:blip>
+          <a:stretch>
+            <a:fillRect/>
+          </a:stretch>
+        </p:blipFill>
+        <p:spPr>
+          <a:xfrm>
+            <a:off x="2781813" y="3301140"/>
+            <a:ext cx="6403129" cy="3390254"/>
+          </a:xfrm>
+          <a:prstGeom prst="rect">
+            <a:avLst/>
+          </a:prstGeom>
+        </p:spPr>
+      </p:pic>
+      <p:sp>
+        <p:nvSpPr>
+          <p:cNvPr id="6" name="正方形/長方形 5">
+            <a:extLst>
+              <a:ext uri="{FF2B5EF4-FFF2-40B4-BE49-F238E27FC236}">
+                <a16:creationId xmlns:a16="http://schemas.microsoft.com/office/drawing/2014/main" id="{09352AF5-F1BE-43DA-B571-3F8F31C00DAE}"/>
+              </a:ext>
+            </a:extLst>
+          </p:cNvPr>
+          <p:cNvSpPr/>
+          <p:nvPr/>
+        </p:nvSpPr>
+        <p:spPr>
+          <a:xfrm>
+            <a:off x="9508067" y="0"/>
+            <a:ext cx="2683933" cy="1593908"/>
+          </a:xfrm>
+          <a:prstGeom prst="rect">
+            <a:avLst/>
+          </a:prstGeom>
+          <a:solidFill>
+            <a:schemeClr val="accent6">
+              <a:lumMod val="60000"/>
+              <a:lumOff val="40000"/>
+            </a:schemeClr>
+          </a:solidFill>
+          <a:ln>
+            <a:solidFill>
+              <a:schemeClr val="tx1"/>
+            </a:solidFill>
+          </a:ln>
+        </p:spPr>
+        <p:style>
+          <a:lnRef idx="2">
+            <a:schemeClr val="accent1">
+              <a:shade val="50000"/>
+            </a:schemeClr>
+          </a:lnRef>
+          <a:fillRef idx="1">
+            <a:schemeClr val="accent1"/>
+          </a:fillRef>
+          <a:effectRef idx="0">
+            <a:schemeClr val="accent1"/>
+          </a:effectRef>
+          <a:fontRef idx="minor">
+            <a:schemeClr val="lt1"/>
+          </a:fontRef>
+        </p:style>
+        <p:txBody>
+          <a:bodyPr rtlCol="0" anchor="ctr"/>
+          <a:lstStyle/>
+          <a:p>
+            <a:pPr algn="ctr"/>
+            <a:endParaRPr kumimoji="1" lang="ja-JP" altLang="en-US"/>
+          </a:p>
+        </p:txBody>
+      </p:sp>
+    </p:spTree>
+    <p:extLst>
+      <p:ext uri="{BB962C8B-B14F-4D97-AF65-F5344CB8AC3E}">
+        <p14:creationId xmlns:p14="http://schemas.microsoft.com/office/powerpoint/2010/main" val="2817091244"/>
+      </p:ext>
+    </p:extLst>
+  </p:cSld>
+  <p:clrMapOvr>
+    <a:masterClrMapping/>
+  </p:clrMapOvr>
+</p:sld>
+</file>
+
+<file path=ppt/slides/slide24.xml><?xml version="1.0" encoding="utf-8"?>
+<p:sld xmlns:a="http://schemas.openxmlformats.org/drawingml/2006/main" xmlns:r="http://schemas.openxmlformats.org/officeDocument/2006/relationships" xmlns:p="http://schemas.openxmlformats.org/presentationml/2006/main">
+  <p:cSld>
+    <p:spTree>
+      <p:nvGrpSpPr>
+        <p:cNvPr id="1" name=""/>
+        <p:cNvGrpSpPr/>
+        <p:nvPr/>
+      </p:nvGrpSpPr>
+      <p:grpSpPr>
+        <a:xfrm>
+          <a:off x="0" y="0"/>
+          <a:ext cx="0" cy="0"/>
+          <a:chOff x="0" y="0"/>
+          <a:chExt cx="0" cy="0"/>
+        </a:xfrm>
+      </p:grpSpPr>
+      <p:sp>
+        <p:nvSpPr>
+          <p:cNvPr id="2" name="タイトル 1">
+            <a:extLst>
+              <a:ext uri="{FF2B5EF4-FFF2-40B4-BE49-F238E27FC236}">
+                <a16:creationId xmlns:a16="http://schemas.microsoft.com/office/drawing/2014/main" id="{F24EB109-BC34-41EC-A9D0-C442E52A8779}"/>
+              </a:ext>
+            </a:extLst>
+          </p:cNvPr>
+          <p:cNvSpPr>
+            <a:spLocks noGrp="1"/>
+          </p:cNvSpPr>
+          <p:nvPr>
+            <p:ph type="title"/>
+          </p:nvPr>
+        </p:nvSpPr>
+        <p:spPr/>
+        <p:txBody>
+          <a:bodyPr/>
+          <a:lstStyle/>
+          <a:p>
+            <a:r>
+              <a:rPr kumimoji="1" lang="ja-JP" altLang="en-US" dirty="0"/>
+              <a:t>実行ファイル</a:t>
+            </a:r>
+          </a:p>
+        </p:txBody>
+      </p:sp>
+      <p:sp>
+        <p:nvSpPr>
+          <p:cNvPr id="3" name="コンテンツ プレースホルダー 2">
+            <a:extLst>
+              <a:ext uri="{FF2B5EF4-FFF2-40B4-BE49-F238E27FC236}">
+                <a16:creationId xmlns:a16="http://schemas.microsoft.com/office/drawing/2014/main" id="{69DE47EB-7D6D-49AB-9AD1-0A77390D212D}"/>
+              </a:ext>
+            </a:extLst>
+          </p:cNvPr>
+          <p:cNvSpPr>
+            <a:spLocks noGrp="1"/>
+          </p:cNvSpPr>
+          <p:nvPr>
+            <p:ph idx="1"/>
+          </p:nvPr>
+        </p:nvSpPr>
+        <p:spPr/>
+        <p:txBody>
+          <a:bodyPr/>
+          <a:lstStyle/>
+          <a:p>
+            <a:pPr marL="0" indent="0">
+              <a:buNone/>
+            </a:pPr>
+            <a:r>
+              <a:rPr lang="en-US" altLang="ja-JP" b="1" dirty="0"/>
+              <a:t>y</a:t>
+            </a:r>
+            <a:r>
+              <a:rPr kumimoji="1" lang="en-US" altLang="ja-JP" b="1" dirty="0"/>
+              <a:t>osie.sh</a:t>
+            </a:r>
+            <a:endParaRPr kumimoji="1" lang="ja-JP" altLang="en-US" b="1" dirty="0"/>
+          </a:p>
+        </p:txBody>
+      </p:sp>
+      <p:pic>
+        <p:nvPicPr>
+          <p:cNvPr id="5" name="図 4">
+            <a:extLst>
+              <a:ext uri="{FF2B5EF4-FFF2-40B4-BE49-F238E27FC236}">
+                <a16:creationId xmlns:a16="http://schemas.microsoft.com/office/drawing/2014/main" id="{902DE915-7CA6-4F32-A692-65463E1DB534}"/>
+              </a:ext>
+            </a:extLst>
+          </p:cNvPr>
+          <p:cNvPicPr>
+            <a:picLocks noChangeAspect="1"/>
+          </p:cNvPicPr>
+          <p:nvPr/>
+        </p:nvPicPr>
+        <p:blipFill>
+          <a:blip r:embed="rId2">
+            <a:extLst>
+              <a:ext uri="{28A0092B-C50C-407E-A947-70E740481C1C}">
+                <a14:useLocalDpi xmlns:a14="http://schemas.microsoft.com/office/drawing/2010/main" val="0"/>
+              </a:ext>
+            </a:extLst>
+          </a:blip>
+          <a:stretch>
+            <a:fillRect/>
+          </a:stretch>
+        </p:blipFill>
+        <p:spPr>
+          <a:xfrm>
+            <a:off x="2494641" y="1690688"/>
+            <a:ext cx="8017887" cy="4998804"/>
+          </a:xfrm>
+          <a:prstGeom prst="rect">
+            <a:avLst/>
+          </a:prstGeom>
+        </p:spPr>
+      </p:pic>
+      <p:sp>
+        <p:nvSpPr>
+          <p:cNvPr id="6" name="正方形/長方形 5">
+            <a:extLst>
+              <a:ext uri="{FF2B5EF4-FFF2-40B4-BE49-F238E27FC236}">
+                <a16:creationId xmlns:a16="http://schemas.microsoft.com/office/drawing/2014/main" id="{103D16E7-5412-4AFE-B05C-94152D5237D5}"/>
+              </a:ext>
+            </a:extLst>
+          </p:cNvPr>
+          <p:cNvSpPr/>
+          <p:nvPr/>
+        </p:nvSpPr>
+        <p:spPr>
+          <a:xfrm>
+            <a:off x="9508067" y="0"/>
+            <a:ext cx="2683933" cy="1593908"/>
+          </a:xfrm>
+          <a:prstGeom prst="rect">
+            <a:avLst/>
+          </a:prstGeom>
+          <a:solidFill>
+            <a:schemeClr val="accent6">
+              <a:lumMod val="60000"/>
+              <a:lumOff val="40000"/>
+            </a:schemeClr>
+          </a:solidFill>
+          <a:ln>
+            <a:solidFill>
+              <a:schemeClr val="tx1"/>
+            </a:solidFill>
+          </a:ln>
+        </p:spPr>
+        <p:style>
+          <a:lnRef idx="2">
+            <a:schemeClr val="accent1">
+              <a:shade val="50000"/>
+            </a:schemeClr>
+          </a:lnRef>
+          <a:fillRef idx="1">
+            <a:schemeClr val="accent1"/>
+          </a:fillRef>
+          <a:effectRef idx="0">
+            <a:schemeClr val="accent1"/>
+          </a:effectRef>
+          <a:fontRef idx="minor">
+            <a:schemeClr val="lt1"/>
+          </a:fontRef>
+        </p:style>
+        <p:txBody>
+          <a:bodyPr rtlCol="0" anchor="ctr"/>
+          <a:lstStyle/>
+          <a:p>
+            <a:pPr algn="ctr"/>
+            <a:endParaRPr kumimoji="1" lang="ja-JP" altLang="en-US"/>
+          </a:p>
+        </p:txBody>
+      </p:sp>
+    </p:spTree>
+    <p:extLst>
+      <p:ext uri="{BB962C8B-B14F-4D97-AF65-F5344CB8AC3E}">
         <p14:creationId xmlns:p14="http://schemas.microsoft.com/office/powerpoint/2010/main" val="3683524359"/>
       </p:ext>
     </p:extLst>
@@ -10414,7 +12379,7 @@
 </p:sld>
 </file>
 
-<file path=ppt/slides/slide21.xml><?xml version="1.0" encoding="utf-8"?>
+<file path=ppt/slides/slide25.xml><?xml version="1.0" encoding="utf-8"?>
 <p:sld xmlns:a="http://schemas.openxmlformats.org/drawingml/2006/main" xmlns:r="http://schemas.openxmlformats.org/officeDocument/2006/relationships" xmlns:p="http://schemas.openxmlformats.org/presentationml/2006/main">
   <p:cSld>
     <p:spTree>
@@ -10980,7 +12945,7 @@
 </p:sld>
 </file>
 
-<file path=ppt/slides/slide22.xml><?xml version="1.0" encoding="utf-8"?>
+<file path=ppt/slides/slide26.xml><?xml version="1.0" encoding="utf-8"?>
 <p:sld xmlns:a="http://schemas.openxmlformats.org/drawingml/2006/main" xmlns:r="http://schemas.openxmlformats.org/officeDocument/2006/relationships" xmlns:p="http://schemas.openxmlformats.org/presentationml/2006/main">
   <p:cSld>
     <p:spTree>
@@ -11067,7 +13032,7 @@
 </p:sld>
 </file>
 
-<file path=ppt/slides/slide23.xml><?xml version="1.0" encoding="utf-8"?>
+<file path=ppt/slides/slide27.xml><?xml version="1.0" encoding="utf-8"?>
 <p:sld xmlns:a="http://schemas.openxmlformats.org/drawingml/2006/main" xmlns:r="http://schemas.openxmlformats.org/officeDocument/2006/relationships" xmlns:p="http://schemas.openxmlformats.org/presentationml/2006/main">
   <p:cSld>
     <p:spTree>
@@ -11151,7 +13116,7 @@
 </p:sld>
 </file>
 
-<file path=ppt/slides/slide24.xml><?xml version="1.0" encoding="utf-8"?>
+<file path=ppt/slides/slide28.xml><?xml version="1.0" encoding="utf-8"?>
 <p:sld xmlns:a="http://schemas.openxmlformats.org/drawingml/2006/main" xmlns:r="http://schemas.openxmlformats.org/officeDocument/2006/relationships" xmlns:p="http://schemas.openxmlformats.org/presentationml/2006/main">
   <p:cSld>
     <p:spTree>

--- a/presentation/AIスピーカー開発_3_main.pptx
+++ b/presentation/AIスピーカー開発_3_main.pptx
@@ -5,7 +5,7 @@
     <p:sldMasterId id="2147483648" r:id="rId1"/>
   </p:sldMasterIdLst>
   <p:notesMasterIdLst>
-    <p:notesMasterId r:id="rId30"/>
+    <p:notesMasterId r:id="rId29"/>
   </p:notesMasterIdLst>
   <p:sldIdLst>
     <p:sldId id="256" r:id="rId2"/>
@@ -26,16 +26,15 @@
     <p:sldId id="270" r:id="rId17"/>
     <p:sldId id="263" r:id="rId18"/>
     <p:sldId id="264" r:id="rId19"/>
-    <p:sldId id="273" r:id="rId20"/>
-    <p:sldId id="274" r:id="rId21"/>
-    <p:sldId id="265" r:id="rId22"/>
-    <p:sldId id="275" r:id="rId23"/>
-    <p:sldId id="269" r:id="rId24"/>
-    <p:sldId id="266" r:id="rId25"/>
-    <p:sldId id="277" r:id="rId26"/>
-    <p:sldId id="267" r:id="rId27"/>
-    <p:sldId id="279" r:id="rId28"/>
-    <p:sldId id="268" r:id="rId29"/>
+    <p:sldId id="274" r:id="rId20"/>
+    <p:sldId id="265" r:id="rId21"/>
+    <p:sldId id="275" r:id="rId22"/>
+    <p:sldId id="269" r:id="rId23"/>
+    <p:sldId id="266" r:id="rId24"/>
+    <p:sldId id="277" r:id="rId25"/>
+    <p:sldId id="267" r:id="rId26"/>
+    <p:sldId id="279" r:id="rId27"/>
+    <p:sldId id="268" r:id="rId28"/>
   </p:sldIdLst>
   <p:sldSz cx="12192000" cy="6858000"/>
   <p:notesSz cx="6858000" cy="9144000"/>
@@ -2768,7 +2767,7 @@
           <a:p>
             <a:fld id="{D3FBB20C-20C4-49AD-85A3-C66C862503B5}" type="datetimeFigureOut">
               <a:rPr kumimoji="1" lang="ja-JP" altLang="en-US" smtClean="0"/>
-              <a:t>2022/1/16</a:t>
+              <a:t>2022/1/17</a:t>
             </a:fld>
             <a:endParaRPr kumimoji="1" lang="ja-JP" altLang="en-US"/>
           </a:p>
@@ -3511,31 +3510,29 @@
           <a:p>
             <a:r>
               <a:rPr kumimoji="1" lang="ja-JP" altLang="en-US" dirty="0"/>
-              <a:t>予定ではラズパイに備わっている、プログラムを定時実行させる</a:t>
+              <a:t>スクレイピングした結果をそれぞれテキストファイルに保存</a:t>
+            </a:r>
+            <a:endParaRPr kumimoji="1" lang="en-US" altLang="ja-JP" dirty="0"/>
+          </a:p>
+          <a:p>
+            <a:r>
+              <a:rPr kumimoji="1" lang="ja-JP" altLang="en-US" dirty="0"/>
+              <a:t>機能を呼び出すたびにスクレイピングしている待ち時間が発生してしまうため、スクレイピングは起動時とページの更新時間に実行</a:t>
+            </a:r>
+            <a:endParaRPr kumimoji="1" lang="en-US" altLang="ja-JP" dirty="0"/>
+          </a:p>
+          <a:p>
+            <a:r>
+              <a:rPr kumimoji="1" lang="ja-JP" altLang="en-US" dirty="0"/>
+              <a:t>日時は常に更新されるため、機能を呼び出された際に</a:t>
             </a:r>
             <a:r>
               <a:rPr kumimoji="1" lang="en-US" altLang="ja-JP" dirty="0"/>
-              <a:t>”</a:t>
+              <a:t>Datetime</a:t>
             </a:r>
             <a:r>
               <a:rPr kumimoji="1" lang="ja-JP" altLang="en-US" dirty="0"/>
-              <a:t>クーロン</a:t>
-            </a:r>
-            <a:r>
-              <a:rPr kumimoji="1" lang="en-US" altLang="ja-JP" dirty="0"/>
-              <a:t>”</a:t>
-            </a:r>
-            <a:r>
-              <a:rPr kumimoji="1" lang="ja-JP" altLang="en-US" dirty="0"/>
-              <a:t>という機能を利用するつもりでしたが、思うように動作せず、二日粘っても解決できなかったため、</a:t>
-            </a:r>
-            <a:r>
-              <a:rPr kumimoji="1" lang="en-US" altLang="ja-JP" dirty="0"/>
-              <a:t>python</a:t>
-            </a:r>
-            <a:r>
-              <a:rPr kumimoji="1" lang="ja-JP" altLang="en-US" dirty="0"/>
-              <a:t>で自作しました。</a:t>
+              <a:t>モジュールで取得</a:t>
             </a:r>
           </a:p>
         </p:txBody>
@@ -3557,7 +3554,7 @@
           <a:p>
             <a:fld id="{1A2E7C28-4903-4521-8E60-0F80C627678B}" type="slidenum">
               <a:rPr kumimoji="1" lang="ja-JP" altLang="en-US" smtClean="0"/>
-              <a:t>19</a:t>
+              <a:t>18</a:t>
             </a:fld>
             <a:endParaRPr kumimoji="1" lang="ja-JP" altLang="en-US"/>
           </a:p>
@@ -3566,7 +3563,7 @@
     </p:spTree>
     <p:extLst>
       <p:ext uri="{BB962C8B-B14F-4D97-AF65-F5344CB8AC3E}">
-        <p14:creationId xmlns:p14="http://schemas.microsoft.com/office/powerpoint/2010/main" val="3181362698"/>
+        <p14:creationId xmlns:p14="http://schemas.microsoft.com/office/powerpoint/2010/main" val="783871985"/>
       </p:ext>
     </p:extLst>
   </p:cSld>
@@ -3659,7 +3656,7 @@
           <a:p>
             <a:fld id="{1A2E7C28-4903-4521-8E60-0F80C627678B}" type="slidenum">
               <a:rPr kumimoji="1" lang="ja-JP" altLang="en-US" smtClean="0"/>
-              <a:t>21</a:t>
+              <a:t>20</a:t>
             </a:fld>
             <a:endParaRPr kumimoji="1" lang="ja-JP" altLang="en-US"/>
           </a:p>
@@ -3747,7 +3744,7 @@
           <a:p>
             <a:fld id="{1A2E7C28-4903-4521-8E60-0F80C627678B}" type="slidenum">
               <a:rPr kumimoji="1" lang="ja-JP" altLang="en-US" smtClean="0"/>
-              <a:t>22</a:t>
+              <a:t>21</a:t>
             </a:fld>
             <a:endParaRPr kumimoji="1" lang="ja-JP" altLang="en-US"/>
           </a:p>
@@ -3831,7 +3828,7 @@
           <a:p>
             <a:fld id="{1A2E7C28-4903-4521-8E60-0F80C627678B}" type="slidenum">
               <a:rPr kumimoji="1" lang="ja-JP" altLang="en-US" smtClean="0"/>
-              <a:t>25</a:t>
+              <a:t>24</a:t>
             </a:fld>
             <a:endParaRPr kumimoji="1" lang="ja-JP" altLang="en-US"/>
           </a:p>
@@ -3926,7 +3923,7 @@
           <a:p>
             <a:fld id="{1A2E7C28-4903-4521-8E60-0F80C627678B}" type="slidenum">
               <a:rPr kumimoji="1" lang="ja-JP" altLang="en-US" smtClean="0"/>
-              <a:t>28</a:t>
+              <a:t>27</a:t>
             </a:fld>
             <a:endParaRPr kumimoji="1" lang="ja-JP" altLang="en-US"/>
           </a:p>
@@ -4092,7 +4089,7 @@
           <a:p>
             <a:fld id="{C63D219B-6862-4E6A-9F9E-C4C4759712F9}" type="datetimeFigureOut">
               <a:rPr kumimoji="1" lang="ja-JP" altLang="en-US" smtClean="0"/>
-              <a:t>2022/1/16</a:t>
+              <a:t>2022/1/17</a:t>
             </a:fld>
             <a:endParaRPr kumimoji="1" lang="ja-JP" altLang="en-US"/>
           </a:p>
@@ -4322,7 +4319,7 @@
           <a:p>
             <a:fld id="{C63D219B-6862-4E6A-9F9E-C4C4759712F9}" type="datetimeFigureOut">
               <a:rPr kumimoji="1" lang="ja-JP" altLang="en-US" smtClean="0"/>
-              <a:t>2022/1/16</a:t>
+              <a:t>2022/1/17</a:t>
             </a:fld>
             <a:endParaRPr kumimoji="1" lang="ja-JP" altLang="en-US"/>
           </a:p>
@@ -4562,7 +4559,7 @@
           <a:p>
             <a:fld id="{C63D219B-6862-4E6A-9F9E-C4C4759712F9}" type="datetimeFigureOut">
               <a:rPr kumimoji="1" lang="ja-JP" altLang="en-US" smtClean="0"/>
-              <a:t>2022/1/16</a:t>
+              <a:t>2022/1/17</a:t>
             </a:fld>
             <a:endParaRPr kumimoji="1" lang="ja-JP" altLang="en-US"/>
           </a:p>
@@ -4792,7 +4789,7 @@
           <a:p>
             <a:fld id="{C63D219B-6862-4E6A-9F9E-C4C4759712F9}" type="datetimeFigureOut">
               <a:rPr kumimoji="1" lang="ja-JP" altLang="en-US" smtClean="0"/>
-              <a:t>2022/1/16</a:t>
+              <a:t>2022/1/17</a:t>
             </a:fld>
             <a:endParaRPr kumimoji="1" lang="ja-JP" altLang="en-US"/>
           </a:p>
@@ -5067,7 +5064,7 @@
           <a:p>
             <a:fld id="{C63D219B-6862-4E6A-9F9E-C4C4759712F9}" type="datetimeFigureOut">
               <a:rPr kumimoji="1" lang="ja-JP" altLang="en-US" smtClean="0"/>
-              <a:t>2022/1/16</a:t>
+              <a:t>2022/1/17</a:t>
             </a:fld>
             <a:endParaRPr kumimoji="1" lang="ja-JP" altLang="en-US"/>
           </a:p>
@@ -5396,7 +5393,7 @@
           <a:p>
             <a:fld id="{C63D219B-6862-4E6A-9F9E-C4C4759712F9}" type="datetimeFigureOut">
               <a:rPr kumimoji="1" lang="ja-JP" altLang="en-US" smtClean="0"/>
-              <a:t>2022/1/16</a:t>
+              <a:t>2022/1/17</a:t>
             </a:fld>
             <a:endParaRPr kumimoji="1" lang="ja-JP" altLang="en-US"/>
           </a:p>
@@ -5872,7 +5869,7 @@
           <a:p>
             <a:fld id="{C63D219B-6862-4E6A-9F9E-C4C4759712F9}" type="datetimeFigureOut">
               <a:rPr kumimoji="1" lang="ja-JP" altLang="en-US" smtClean="0"/>
-              <a:t>2022/1/16</a:t>
+              <a:t>2022/1/17</a:t>
             </a:fld>
             <a:endParaRPr kumimoji="1" lang="ja-JP" altLang="en-US"/>
           </a:p>
@@ -6013,7 +6010,7 @@
           <a:p>
             <a:fld id="{C63D219B-6862-4E6A-9F9E-C4C4759712F9}" type="datetimeFigureOut">
               <a:rPr kumimoji="1" lang="ja-JP" altLang="en-US" smtClean="0"/>
-              <a:t>2022/1/16</a:t>
+              <a:t>2022/1/17</a:t>
             </a:fld>
             <a:endParaRPr kumimoji="1" lang="ja-JP" altLang="en-US"/>
           </a:p>
@@ -6126,7 +6123,7 @@
           <a:p>
             <a:fld id="{C63D219B-6862-4E6A-9F9E-C4C4759712F9}" type="datetimeFigureOut">
               <a:rPr kumimoji="1" lang="ja-JP" altLang="en-US" smtClean="0"/>
-              <a:t>2022/1/16</a:t>
+              <a:t>2022/1/17</a:t>
             </a:fld>
             <a:endParaRPr kumimoji="1" lang="ja-JP" altLang="en-US"/>
           </a:p>
@@ -6469,7 +6466,7 @@
           <a:p>
             <a:fld id="{C63D219B-6862-4E6A-9F9E-C4C4759712F9}" type="datetimeFigureOut">
               <a:rPr kumimoji="1" lang="ja-JP" altLang="en-US" smtClean="0"/>
-              <a:t>2022/1/16</a:t>
+              <a:t>2022/1/17</a:t>
             </a:fld>
             <a:endParaRPr kumimoji="1" lang="ja-JP" altLang="en-US"/>
           </a:p>
@@ -6757,7 +6754,7 @@
           <a:p>
             <a:fld id="{C63D219B-6862-4E6A-9F9E-C4C4759712F9}" type="datetimeFigureOut">
               <a:rPr kumimoji="1" lang="ja-JP" altLang="en-US" smtClean="0"/>
-              <a:t>2022/1/16</a:t>
+              <a:t>2022/1/17</a:t>
             </a:fld>
             <a:endParaRPr kumimoji="1" lang="ja-JP" altLang="en-US"/>
           </a:p>
@@ -7057,7 +7054,7 @@
           <a:p>
             <a:fld id="{C63D219B-6862-4E6A-9F9E-C4C4759712F9}" type="datetimeFigureOut">
               <a:rPr kumimoji="1" lang="ja-JP" altLang="en-US" smtClean="0"/>
-              <a:t>2022/1/16</a:t>
+              <a:t>2022/1/17</a:t>
             </a:fld>
             <a:endParaRPr kumimoji="1" lang="ja-JP" altLang="en-US"/>
           </a:p>
@@ -8329,13 +8326,13 @@
   <p:clrMapOvr>
     <a:masterClrMapping/>
   </p:clrMapOvr>
-  <mc:AlternateContent xmlns:mc="http://schemas.openxmlformats.org/markup-compatibility/2006">
-    <mc:Choice xmlns:p14="http://schemas.microsoft.com/office/powerpoint/2010/main" Requires="p14">
+  <mc:AlternateContent xmlns:mc="http://schemas.openxmlformats.org/markup-compatibility/2006" xmlns:p14="http://schemas.microsoft.com/office/powerpoint/2010/main">
+    <mc:Choice Requires="p14">
       <p:transition spd="med" p14:dur="700">
         <p:fade/>
       </p:transition>
     </mc:Choice>
-    <mc:Fallback>
+    <mc:Fallback xmlns="">
       <p:transition spd="med">
         <p:fade/>
       </p:transition>
@@ -8680,13 +8677,13 @@
   <p:clrMapOvr>
     <a:masterClrMapping/>
   </p:clrMapOvr>
-  <mc:AlternateContent xmlns:mc="http://schemas.openxmlformats.org/markup-compatibility/2006">
-    <mc:Choice xmlns:p14="http://schemas.microsoft.com/office/powerpoint/2010/main" Requires="p14">
+  <mc:AlternateContent xmlns:mc="http://schemas.openxmlformats.org/markup-compatibility/2006" xmlns:p14="http://schemas.microsoft.com/office/powerpoint/2010/main">
+    <mc:Choice Requires="p14">
       <p:transition spd="med" p14:dur="700">
         <p:fade/>
       </p:transition>
     </mc:Choice>
-    <mc:Fallback>
+    <mc:Fallback xmlns="">
       <p:transition spd="med">
         <p:fade/>
       </p:transition>
@@ -9035,13 +9032,13 @@
   <p:clrMapOvr>
     <a:masterClrMapping/>
   </p:clrMapOvr>
-  <mc:AlternateContent xmlns:mc="http://schemas.openxmlformats.org/markup-compatibility/2006">
-    <mc:Choice xmlns:p14="http://schemas.microsoft.com/office/powerpoint/2010/main" Requires="p14">
+  <mc:AlternateContent xmlns:mc="http://schemas.openxmlformats.org/markup-compatibility/2006" xmlns:p14="http://schemas.microsoft.com/office/powerpoint/2010/main">
+    <mc:Choice Requires="p14">
       <p:transition spd="med" p14:dur="700">
         <p:fade/>
       </p:transition>
     </mc:Choice>
-    <mc:Fallback>
+    <mc:Fallback xmlns="">
       <p:transition spd="med">
         <p:fade/>
       </p:transition>
@@ -9402,13 +9399,13 @@
   <p:clrMapOvr>
     <a:masterClrMapping/>
   </p:clrMapOvr>
-  <mc:AlternateContent xmlns:mc="http://schemas.openxmlformats.org/markup-compatibility/2006">
-    <mc:Choice xmlns:p14="http://schemas.microsoft.com/office/powerpoint/2010/main" Requires="p14">
+  <mc:AlternateContent xmlns:mc="http://schemas.openxmlformats.org/markup-compatibility/2006" xmlns:p14="http://schemas.microsoft.com/office/powerpoint/2010/main">
+    <mc:Choice Requires="p14">
       <p:transition spd="med" p14:dur="700">
         <p:fade/>
       </p:transition>
     </mc:Choice>
-    <mc:Fallback>
+    <mc:Fallback xmlns="">
       <p:transition spd="med">
         <p:fade/>
       </p:transition>
@@ -10797,252 +10794,10 @@
       </p:sp>
       <p:sp>
         <p:nvSpPr>
-          <p:cNvPr id="3" name="コンテンツ プレースホルダー 2">
-            <a:extLst>
-              <a:ext uri="{FF2B5EF4-FFF2-40B4-BE49-F238E27FC236}">
-                <a16:creationId xmlns:a16="http://schemas.microsoft.com/office/drawing/2014/main" id="{2714D079-74EA-42AF-9886-A31DAA6C24C9}"/>
-              </a:ext>
-            </a:extLst>
-          </p:cNvPr>
-          <p:cNvSpPr>
-            <a:spLocks noGrp="1"/>
-          </p:cNvSpPr>
-          <p:nvPr>
-            <p:ph idx="1"/>
-          </p:nvPr>
-        </p:nvSpPr>
-        <p:spPr/>
-        <p:txBody>
-          <a:bodyPr/>
-          <a:lstStyle/>
-          <a:p>
-            <a:r>
-              <a:rPr kumimoji="1" lang="ja-JP" altLang="en-US" dirty="0"/>
-              <a:t>ニュース→</a:t>
-            </a:r>
-            <a:r>
-              <a:rPr kumimoji="1" lang="en-US" altLang="ja-JP" dirty="0"/>
-              <a:t>1</a:t>
-            </a:r>
-            <a:r>
-              <a:rPr kumimoji="1" lang="ja-JP" altLang="en-US" dirty="0"/>
-              <a:t>時間毎にスクレイピング実行</a:t>
-            </a:r>
-            <a:endParaRPr kumimoji="1" lang="en-US" altLang="ja-JP" dirty="0"/>
-          </a:p>
-          <a:p>
-            <a:r>
-              <a:rPr lang="ja-JP" altLang="en-US" dirty="0"/>
-              <a:t>天気予報→</a:t>
-            </a:r>
-            <a:r>
-              <a:rPr lang="en-US" altLang="ja-JP" dirty="0"/>
-              <a:t>2,</a:t>
-            </a:r>
-            <a:r>
-              <a:rPr lang="ja-JP" altLang="en-US" dirty="0"/>
-              <a:t> </a:t>
-            </a:r>
-            <a:r>
-              <a:rPr lang="en-US" altLang="ja-JP" dirty="0"/>
-              <a:t>5, 8, 11, 14, 15, 17, 20</a:t>
-            </a:r>
-            <a:r>
-              <a:rPr lang="ja-JP" altLang="en-US" dirty="0"/>
-              <a:t>時に発表</a:t>
-            </a:r>
-            <a:endParaRPr kumimoji="1" lang="ja-JP" altLang="en-US" dirty="0"/>
-          </a:p>
-        </p:txBody>
-      </p:sp>
-      <p:sp>
-        <p:nvSpPr>
-          <p:cNvPr id="4" name="テキスト ボックス 3">
-            <a:extLst>
-              <a:ext uri="{FF2B5EF4-FFF2-40B4-BE49-F238E27FC236}">
-                <a16:creationId xmlns:a16="http://schemas.microsoft.com/office/drawing/2014/main" id="{E4F411F1-9DF1-4AE9-932A-4D591AF13FC5}"/>
-              </a:ext>
-            </a:extLst>
-          </p:cNvPr>
-          <p:cNvSpPr txBox="1"/>
-          <p:nvPr/>
-        </p:nvSpPr>
-        <p:spPr>
-          <a:xfrm>
-            <a:off x="1771301" y="2846763"/>
-            <a:ext cx="8464013" cy="3939540"/>
-          </a:xfrm>
-          <a:prstGeom prst="rect">
-            <a:avLst/>
-          </a:prstGeom>
-          <a:solidFill>
-            <a:schemeClr val="bg1"/>
-          </a:solidFill>
-          <a:ln>
-            <a:solidFill>
-              <a:schemeClr val="tx1"/>
-            </a:solidFill>
-          </a:ln>
-        </p:spPr>
-        <p:txBody>
-          <a:bodyPr wrap="square" rtlCol="0">
-            <a:spAutoFit/>
-          </a:bodyPr>
-          <a:lstStyle/>
-          <a:p>
-            <a:r>
-              <a:rPr lang="en-US" altLang="ja-JP" sz="2800" b="1" dirty="0"/>
-              <a:t>c</a:t>
-            </a:r>
-            <a:r>
-              <a:rPr kumimoji="1" lang="en-US" altLang="ja-JP" sz="2800" b="1" dirty="0"/>
-              <a:t>ron.py</a:t>
-            </a:r>
-            <a:r>
-              <a:rPr kumimoji="1" lang="ja-JP" altLang="en-US" sz="2800" b="1" dirty="0"/>
-              <a:t>の構造</a:t>
-            </a:r>
-            <a:endParaRPr lang="en-US" altLang="ja-JP" sz="2800" b="1" dirty="0"/>
-          </a:p>
-          <a:p>
-            <a:r>
-              <a:rPr kumimoji="1" lang="ja-JP" altLang="en-US" sz="1400" b="1" dirty="0"/>
-              <a:t>　</a:t>
-            </a:r>
-            <a:endParaRPr kumimoji="1" lang="en-US" altLang="ja-JP" sz="1400" b="1" dirty="0"/>
-          </a:p>
-          <a:p>
-            <a:r>
-              <a:rPr kumimoji="1" lang="ja-JP" altLang="en-US" sz="2800" b="1" dirty="0">
-                <a:solidFill>
-                  <a:srgbClr val="FF0000"/>
-                </a:solidFill>
-              </a:rPr>
-              <a:t>無限ループ</a:t>
-            </a:r>
-            <a:endParaRPr kumimoji="1" lang="en-US" altLang="ja-JP" sz="2800" b="1" dirty="0">
-              <a:solidFill>
-                <a:srgbClr val="FF0000"/>
-              </a:solidFill>
-            </a:endParaRPr>
-          </a:p>
-          <a:p>
-            <a:r>
-              <a:rPr lang="en-US" altLang="ja-JP" sz="2800" b="1" dirty="0"/>
-              <a:t>	</a:t>
-            </a:r>
-            <a:r>
-              <a:rPr lang="ja-JP" altLang="en-US" sz="2800" b="1" dirty="0"/>
-              <a:t>現在時刻を取得</a:t>
-            </a:r>
-            <a:endParaRPr lang="en-US" altLang="ja-JP" sz="2800" b="1" dirty="0"/>
-          </a:p>
-          <a:p>
-            <a:r>
-              <a:rPr lang="en-US" altLang="ja-JP" sz="2800" b="1" dirty="0"/>
-              <a:t>	</a:t>
-            </a:r>
-            <a:r>
-              <a:rPr lang="ja-JP" altLang="en-US" sz="2400" b="1" dirty="0">
-                <a:solidFill>
-                  <a:srgbClr val="FF0000"/>
-                </a:solidFill>
-              </a:rPr>
-              <a:t>時</a:t>
-            </a:r>
-            <a:r>
-              <a:rPr lang="en-US" altLang="ja-JP" sz="2400" b="1" dirty="0">
-                <a:solidFill>
-                  <a:srgbClr val="FF0000"/>
-                </a:solidFill>
-              </a:rPr>
-              <a:t>(hour)</a:t>
-            </a:r>
-            <a:r>
-              <a:rPr lang="ja-JP" altLang="en-US" sz="2400" b="1" dirty="0">
-                <a:solidFill>
-                  <a:srgbClr val="FF0000"/>
-                </a:solidFill>
-              </a:rPr>
-              <a:t>が進んだ時</a:t>
-            </a:r>
-            <a:endParaRPr lang="en-US" altLang="ja-JP" sz="2400" b="1" dirty="0">
-              <a:solidFill>
-                <a:srgbClr val="FF0000"/>
-              </a:solidFill>
-            </a:endParaRPr>
-          </a:p>
-          <a:p>
-            <a:r>
-              <a:rPr kumimoji="1" lang="en-US" altLang="ja-JP" sz="2400" b="1" dirty="0"/>
-              <a:t>		</a:t>
-            </a:r>
-            <a:r>
-              <a:rPr kumimoji="1" lang="ja-JP" altLang="en-US" sz="2400" b="1" dirty="0"/>
-              <a:t>ニュースをスクレイピング</a:t>
-            </a:r>
-            <a:endParaRPr kumimoji="1" lang="en-US" altLang="ja-JP" sz="2400" b="1" dirty="0"/>
-          </a:p>
-          <a:p>
-            <a:r>
-              <a:rPr kumimoji="1" lang="en-US" altLang="ja-JP" sz="2400" b="1" dirty="0"/>
-              <a:t>		</a:t>
-            </a:r>
-            <a:r>
-              <a:rPr lang="ja-JP" altLang="en-US" sz="2400" b="1" dirty="0"/>
-              <a:t>音声ファイル作成</a:t>
-            </a:r>
-            <a:endParaRPr kumimoji="1" lang="en-US" altLang="ja-JP" sz="2400" b="1" dirty="0"/>
-          </a:p>
-          <a:p>
-            <a:r>
-              <a:rPr lang="en-US" altLang="ja-JP" sz="2400" b="1" dirty="0"/>
-              <a:t>		</a:t>
-            </a:r>
-            <a:r>
-              <a:rPr lang="ja-JP" altLang="en-US" sz="2400" b="1" dirty="0">
-                <a:solidFill>
-                  <a:srgbClr val="FF0000"/>
-                </a:solidFill>
-              </a:rPr>
-              <a:t>天気予報の更新時間だった場合</a:t>
-            </a:r>
-            <a:endParaRPr lang="en-US" altLang="ja-JP" sz="2400" b="1" dirty="0">
-              <a:solidFill>
-                <a:srgbClr val="FF0000"/>
-              </a:solidFill>
-            </a:endParaRPr>
-          </a:p>
-          <a:p>
-            <a:r>
-              <a:rPr kumimoji="1" lang="en-US" altLang="ja-JP" sz="2400" b="1" dirty="0"/>
-              <a:t>			</a:t>
-            </a:r>
-            <a:r>
-              <a:rPr kumimoji="1" lang="ja-JP" altLang="en-US" sz="2400" b="1" dirty="0"/>
-              <a:t>天気予報をスクレイピング</a:t>
-            </a:r>
-            <a:endParaRPr kumimoji="1" lang="en-US" altLang="ja-JP" sz="2400" b="1" dirty="0"/>
-          </a:p>
-          <a:p>
-            <a:r>
-              <a:rPr lang="en-US" altLang="ja-JP" sz="2800" b="1" dirty="0"/>
-              <a:t>			</a:t>
-            </a:r>
-            <a:r>
-              <a:rPr lang="ja-JP" altLang="en-US" sz="2400" b="1" dirty="0"/>
-              <a:t>音声ファイル作成</a:t>
-            </a:r>
-            <a:endParaRPr kumimoji="1" lang="ja-JP" altLang="en-US" sz="2400" b="1" dirty="0"/>
-          </a:p>
-        </p:txBody>
-      </p:sp>
-      <p:sp>
-        <p:nvSpPr>
-          <p:cNvPr id="5" name="正方形/長方形 4">
-            <a:extLst>
-              <a:ext uri="{FF2B5EF4-FFF2-40B4-BE49-F238E27FC236}">
-                <a16:creationId xmlns:a16="http://schemas.microsoft.com/office/drawing/2014/main" id="{1FFF3654-8D14-4E85-9550-14E1EB27079A}"/>
+          <p:cNvPr id="4" name="正方形/長方形 3">
+            <a:extLst>
+              <a:ext uri="{FF2B5EF4-FFF2-40B4-BE49-F238E27FC236}">
+                <a16:creationId xmlns:a16="http://schemas.microsoft.com/office/drawing/2014/main" id="{9CEB8C61-C32D-41E2-841B-399EE256AABF}"/>
               </a:ext>
             </a:extLst>
           </p:cNvPr>
@@ -11094,28 +10849,61 @@
           </a:p>
         </p:txBody>
       </p:sp>
-      <p:sp>
-        <p:nvSpPr>
-          <p:cNvPr id="6" name="矢印: 左右 5">
-            <a:extLst>
-              <a:ext uri="{FF2B5EF4-FFF2-40B4-BE49-F238E27FC236}">
-                <a16:creationId xmlns:a16="http://schemas.microsoft.com/office/drawing/2014/main" id="{4EA144AF-B02D-4412-AD33-227D048EE026}"/>
-              </a:ext>
-            </a:extLst>
-          </p:cNvPr>
-          <p:cNvSpPr/>
+      <p:pic>
+        <p:nvPicPr>
+          <p:cNvPr id="6" name="図 5">
+            <a:extLst>
+              <a:ext uri="{FF2B5EF4-FFF2-40B4-BE49-F238E27FC236}">
+                <a16:creationId xmlns:a16="http://schemas.microsoft.com/office/drawing/2014/main" id="{7866203A-416E-4E77-ACCB-03EE9A263FEE}"/>
+              </a:ext>
+            </a:extLst>
+          </p:cNvPr>
+          <p:cNvPicPr>
+            <a:picLocks noChangeAspect="1"/>
+          </p:cNvPicPr>
           <p:nvPr/>
-        </p:nvSpPr>
+        </p:nvPicPr>
+        <p:blipFill>
+          <a:blip r:embed="rId2"/>
+          <a:stretch>
+            <a:fillRect/>
+          </a:stretch>
+        </p:blipFill>
         <p:spPr>
-          <a:xfrm rot="5400000">
-            <a:off x="1079408" y="5127466"/>
-            <a:ext cx="2387066" cy="343752"/>
+          <a:xfrm>
+            <a:off x="838200" y="1325563"/>
+            <a:ext cx="5989320" cy="5167312"/>
           </a:xfrm>
-          <a:prstGeom prst="leftRightArrow">
+          <a:prstGeom prst="rect">
+            <a:avLst/>
+          </a:prstGeom>
+        </p:spPr>
+      </p:pic>
+      <p:sp>
+        <p:nvSpPr>
+          <p:cNvPr id="9" name="テキスト ボックス 8">
+            <a:extLst>
+              <a:ext uri="{FF2B5EF4-FFF2-40B4-BE49-F238E27FC236}">
+                <a16:creationId xmlns:a16="http://schemas.microsoft.com/office/drawing/2014/main" id="{A9959C1E-4A09-4ECA-BB49-97652CC68532}"/>
+              </a:ext>
+            </a:extLst>
+          </p:cNvPr>
+          <p:cNvSpPr txBox="1"/>
+          <p:nvPr/>
+        </p:nvSpPr>
+        <p:spPr>
+          <a:xfrm>
+            <a:off x="5864352" y="3196407"/>
+            <a:ext cx="6156960" cy="2554545"/>
+          </a:xfrm>
+          <a:prstGeom prst="rect">
             <a:avLst/>
           </a:prstGeom>
           <a:solidFill>
-            <a:srgbClr val="FF0000"/>
+            <a:schemeClr val="accent6">
+              <a:lumMod val="40000"/>
+              <a:lumOff val="60000"/>
+            </a:schemeClr>
           </a:solidFill>
           <a:ln>
             <a:solidFill>
@@ -11123,35 +10911,57 @@
             </a:solidFill>
           </a:ln>
         </p:spPr>
-        <p:style>
-          <a:lnRef idx="2">
-            <a:schemeClr val="accent1">
-              <a:shade val="50000"/>
-            </a:schemeClr>
-          </a:lnRef>
-          <a:fillRef idx="1">
-            <a:schemeClr val="accent1"/>
-          </a:fillRef>
-          <a:effectRef idx="0">
-            <a:schemeClr val="accent1"/>
-          </a:effectRef>
-          <a:fontRef idx="minor">
-            <a:schemeClr val="lt1"/>
-          </a:fontRef>
-        </p:style>
-        <p:txBody>
-          <a:bodyPr rtlCol="0" anchor="ctr"/>
+        <p:txBody>
+          <a:bodyPr wrap="square" rtlCol="0">
+            <a:spAutoFit/>
+          </a:bodyPr>
           <a:lstStyle/>
           <a:p>
-            <a:pPr algn="ctr"/>
-            <a:endParaRPr kumimoji="1" lang="ja-JP" altLang="en-US"/>
+            <a:r>
+              <a:rPr lang="en-US" altLang="ja-JP" sz="3200" b="1" dirty="0"/>
+              <a:t>5</a:t>
+            </a:r>
+            <a:r>
+              <a:rPr lang="ja-JP" altLang="en-US" sz="3200" b="1" dirty="0"/>
+              <a:t>分おきに時刻を取得</a:t>
+            </a:r>
+            <a:endParaRPr lang="en-US" altLang="ja-JP" sz="3200" b="1" dirty="0"/>
+          </a:p>
+          <a:p>
+            <a:r>
+              <a:rPr kumimoji="1" lang="ja-JP" altLang="en-US" sz="3200" b="1" dirty="0"/>
+              <a:t>時</a:t>
+            </a:r>
+            <a:r>
+              <a:rPr kumimoji="1" lang="en-US" altLang="ja-JP" sz="3200" b="1" dirty="0"/>
+              <a:t>(hour)</a:t>
+            </a:r>
+            <a:r>
+              <a:rPr kumimoji="1" lang="ja-JP" altLang="en-US" sz="3200" b="1" dirty="0"/>
+              <a:t>が変わったタイミングでスクレイピング</a:t>
+            </a:r>
+            <a:endParaRPr kumimoji="1" lang="en-US" altLang="ja-JP" sz="3200" b="1" dirty="0"/>
+          </a:p>
+          <a:p>
+            <a:r>
+              <a:rPr kumimoji="1" lang="ja-JP" altLang="en-US" sz="3200" b="1" dirty="0"/>
+              <a:t>　ニュース→毎時</a:t>
+            </a:r>
+            <a:endParaRPr kumimoji="1" lang="en-US" altLang="ja-JP" sz="3200" b="1" dirty="0"/>
+          </a:p>
+          <a:p>
+            <a:r>
+              <a:rPr lang="ja-JP" altLang="en-US" sz="3200" b="1" dirty="0"/>
+              <a:t>　天気→定刻</a:t>
+            </a:r>
+            <a:endParaRPr kumimoji="1" lang="ja-JP" altLang="en-US" sz="3200" b="1" dirty="0"/>
           </a:p>
         </p:txBody>
       </p:sp>
     </p:spTree>
     <p:extLst>
       <p:ext uri="{BB962C8B-B14F-4D97-AF65-F5344CB8AC3E}">
-        <p14:creationId xmlns:p14="http://schemas.microsoft.com/office/powerpoint/2010/main" val="3368829154"/>
+        <p14:creationId xmlns:p14="http://schemas.microsoft.com/office/powerpoint/2010/main" val="1347989110"/>
       </p:ext>
     </p:extLst>
   </p:cSld>
@@ -11355,7 +11165,7 @@
           <p:cNvPr id="2" name="タイトル 1">
             <a:extLst>
               <a:ext uri="{FF2B5EF4-FFF2-40B4-BE49-F238E27FC236}">
-                <a16:creationId xmlns:a16="http://schemas.microsoft.com/office/drawing/2014/main" id="{0239366D-FD02-4D32-AA25-FA5687E2E9A8}"/>
+                <a16:creationId xmlns:a16="http://schemas.microsoft.com/office/drawing/2014/main" id="{416FDF28-DE91-4559-964D-FBBF51F99738}"/>
               </a:ext>
             </a:extLst>
           </p:cNvPr>
@@ -11372,53 +11182,97 @@
           <a:lstStyle/>
           <a:p>
             <a:r>
-              <a:rPr kumimoji="1" lang="ja-JP" altLang="en-US" dirty="0"/>
-              <a:t>データ取得　定時実行</a:t>
-            </a:r>
-          </a:p>
-        </p:txBody>
-      </p:sp>
-      <p:pic>
-        <p:nvPicPr>
-          <p:cNvPr id="8" name="コンテンツ プレースホルダー 7">
-            <a:extLst>
-              <a:ext uri="{FF2B5EF4-FFF2-40B4-BE49-F238E27FC236}">
-                <a16:creationId xmlns:a16="http://schemas.microsoft.com/office/drawing/2014/main" id="{A6A5C198-EC23-4091-8AF5-A244004DD6F7}"/>
-              </a:ext>
-            </a:extLst>
-          </p:cNvPr>
-          <p:cNvPicPr>
-            <a:picLocks noGrp="1" noChangeAspect="1"/>
-          </p:cNvPicPr>
+              <a:rPr kumimoji="1" lang="en-US" altLang="ja-JP" dirty="0" err="1"/>
+              <a:t>OpenJtalk</a:t>
+            </a:r>
+            <a:endParaRPr kumimoji="1" lang="ja-JP" altLang="en-US" dirty="0"/>
+          </a:p>
+        </p:txBody>
+      </p:sp>
+      <p:sp>
+        <p:nvSpPr>
+          <p:cNvPr id="3" name="コンテンツ プレースホルダー 2">
+            <a:extLst>
+              <a:ext uri="{FF2B5EF4-FFF2-40B4-BE49-F238E27FC236}">
+                <a16:creationId xmlns:a16="http://schemas.microsoft.com/office/drawing/2014/main" id="{7739CC25-5B0B-4F49-AA2A-71E2700494BC}"/>
+              </a:ext>
+            </a:extLst>
+          </p:cNvPr>
+          <p:cNvSpPr>
+            <a:spLocks noGrp="1"/>
+          </p:cNvSpPr>
           <p:nvPr>
             <p:ph idx="1"/>
           </p:nvPr>
-        </p:nvPicPr>
-        <p:blipFill>
-          <a:blip r:embed="rId2">
-            <a:extLst>
-              <a:ext uri="{28A0092B-C50C-407E-A947-70E740481C1C}">
-                <a14:useLocalDpi xmlns:a14="http://schemas.microsoft.com/office/drawing/2010/main" val="0"/>
-              </a:ext>
-            </a:extLst>
-          </a:blip>
-          <a:stretch>
-            <a:fillRect/>
-          </a:stretch>
-        </p:blipFill>
+        </p:nvSpPr>
+        <p:spPr/>
+        <p:txBody>
+          <a:bodyPr/>
+          <a:lstStyle/>
+          <a:p>
+            <a:pPr marL="0" indent="0">
+              <a:buNone/>
+            </a:pPr>
+            <a:r>
+              <a:rPr lang="ja-JP" altLang="en-US" dirty="0"/>
+              <a:t>音声ファイル　作成</a:t>
+            </a:r>
+            <a:endParaRPr kumimoji="1" lang="en-US" altLang="ja-JP" dirty="0"/>
+          </a:p>
+        </p:txBody>
+      </p:sp>
+      <p:sp>
+        <p:nvSpPr>
+          <p:cNvPr id="7" name="テキスト ボックス 6">
+            <a:extLst>
+              <a:ext uri="{FF2B5EF4-FFF2-40B4-BE49-F238E27FC236}">
+                <a16:creationId xmlns:a16="http://schemas.microsoft.com/office/drawing/2014/main" id="{BC9E286B-F5E8-4C8B-AC3F-63529E259B69}"/>
+              </a:ext>
+            </a:extLst>
+          </p:cNvPr>
+          <p:cNvSpPr txBox="1"/>
+          <p:nvPr/>
+        </p:nvSpPr>
         <p:spPr>
           <a:xfrm>
-            <a:off x="2000581" y="1362798"/>
-            <a:ext cx="7507486" cy="5380841"/>
+            <a:off x="2644435" y="6063771"/>
+            <a:ext cx="6059837" cy="646331"/>
           </a:xfrm>
+          <a:prstGeom prst="rect">
+            <a:avLst/>
+          </a:prstGeom>
+          <a:solidFill>
+            <a:schemeClr val="accent6">
+              <a:lumMod val="60000"/>
+              <a:lumOff val="40000"/>
+            </a:schemeClr>
+          </a:solidFill>
+          <a:ln>
+            <a:solidFill>
+              <a:schemeClr val="tx1"/>
+            </a:solidFill>
+          </a:ln>
         </p:spPr>
-      </p:pic>
-      <p:sp>
-        <p:nvSpPr>
-          <p:cNvPr id="4" name="正方形/長方形 3">
-            <a:extLst>
-              <a:ext uri="{FF2B5EF4-FFF2-40B4-BE49-F238E27FC236}">
-                <a16:creationId xmlns:a16="http://schemas.microsoft.com/office/drawing/2014/main" id="{9CEB8C61-C32D-41E2-841B-399EE256AABF}"/>
+        <p:txBody>
+          <a:bodyPr wrap="square" rtlCol="0">
+            <a:spAutoFit/>
+          </a:bodyPr>
+          <a:lstStyle/>
+          <a:p>
+            <a:pPr algn="ctr"/>
+            <a:r>
+              <a:rPr kumimoji="1" lang="ja-JP" altLang="en-US" sz="3600" b="1" dirty="0"/>
+              <a:t>スクレイピング直後に実行</a:t>
+            </a:r>
+          </a:p>
+        </p:txBody>
+      </p:sp>
+      <p:sp>
+        <p:nvSpPr>
+          <p:cNvPr id="6" name="正方形/長方形 5">
+            <a:extLst>
+              <a:ext uri="{FF2B5EF4-FFF2-40B4-BE49-F238E27FC236}">
+                <a16:creationId xmlns:a16="http://schemas.microsoft.com/office/drawing/2014/main" id="{402AECB5-4ABC-4E92-8BBE-67490A269199}"/>
               </a:ext>
             </a:extLst>
           </p:cNvPr>
@@ -11470,10 +11324,305 @@
           </a:p>
         </p:txBody>
       </p:sp>
+      <p:pic>
+        <p:nvPicPr>
+          <p:cNvPr id="12" name="図 11">
+            <a:extLst>
+              <a:ext uri="{FF2B5EF4-FFF2-40B4-BE49-F238E27FC236}">
+                <a16:creationId xmlns:a16="http://schemas.microsoft.com/office/drawing/2014/main" id="{58E97B88-CB6B-406A-8C92-A2E21FDE0F89}"/>
+              </a:ext>
+            </a:extLst>
+          </p:cNvPr>
+          <p:cNvPicPr>
+            <a:picLocks noChangeAspect="1"/>
+          </p:cNvPicPr>
+          <p:nvPr/>
+        </p:nvPicPr>
+        <p:blipFill>
+          <a:blip r:embed="rId3">
+            <a:extLst>
+              <a:ext uri="{28A0092B-C50C-407E-A947-70E740481C1C}">
+                <a14:useLocalDpi xmlns:a14="http://schemas.microsoft.com/office/drawing/2010/main" val="0"/>
+              </a:ext>
+            </a:extLst>
+          </a:blip>
+          <a:stretch>
+            <a:fillRect/>
+          </a:stretch>
+        </p:blipFill>
+        <p:spPr>
+          <a:xfrm>
+            <a:off x="923278" y="2245292"/>
+            <a:ext cx="8843863" cy="3511724"/>
+          </a:xfrm>
+          <a:prstGeom prst="rect">
+            <a:avLst/>
+          </a:prstGeom>
+        </p:spPr>
+      </p:pic>
+      <p:sp>
+        <p:nvSpPr>
+          <p:cNvPr id="13" name="テキスト ボックス 12">
+            <a:extLst>
+              <a:ext uri="{FF2B5EF4-FFF2-40B4-BE49-F238E27FC236}">
+                <a16:creationId xmlns:a16="http://schemas.microsoft.com/office/drawing/2014/main" id="{6B1E1D2B-270A-47DB-96DE-C409418A6A61}"/>
+              </a:ext>
+            </a:extLst>
+          </p:cNvPr>
+          <p:cNvSpPr txBox="1"/>
+          <p:nvPr/>
+        </p:nvSpPr>
+        <p:spPr>
+          <a:xfrm>
+            <a:off x="7084381" y="2965141"/>
+            <a:ext cx="1757778" cy="369332"/>
+          </a:xfrm>
+          <a:prstGeom prst="rect">
+            <a:avLst/>
+          </a:prstGeom>
+          <a:solidFill>
+            <a:schemeClr val="bg1"/>
+          </a:solidFill>
+          <a:ln>
+            <a:solidFill>
+              <a:schemeClr val="tx1"/>
+            </a:solidFill>
+          </a:ln>
+        </p:spPr>
+        <p:txBody>
+          <a:bodyPr wrap="square" rtlCol="0">
+            <a:spAutoFit/>
+          </a:bodyPr>
+          <a:lstStyle/>
+          <a:p>
+            <a:pPr algn="ctr"/>
+            <a:r>
+              <a:rPr kumimoji="1" lang="ja-JP" altLang="en-US" b="1" dirty="0"/>
+              <a:t>ボイスデータ</a:t>
+            </a:r>
+          </a:p>
+        </p:txBody>
+      </p:sp>
+      <p:sp>
+        <p:nvSpPr>
+          <p:cNvPr id="14" name="テキスト ボックス 13">
+            <a:extLst>
+              <a:ext uri="{FF2B5EF4-FFF2-40B4-BE49-F238E27FC236}">
+                <a16:creationId xmlns:a16="http://schemas.microsoft.com/office/drawing/2014/main" id="{71E10211-6985-4E06-9D38-B94528930F44}"/>
+              </a:ext>
+            </a:extLst>
+          </p:cNvPr>
+          <p:cNvSpPr txBox="1"/>
+          <p:nvPr/>
+        </p:nvSpPr>
+        <p:spPr>
+          <a:xfrm>
+            <a:off x="6511487" y="3338862"/>
+            <a:ext cx="1757778" cy="369332"/>
+          </a:xfrm>
+          <a:prstGeom prst="rect">
+            <a:avLst/>
+          </a:prstGeom>
+          <a:solidFill>
+            <a:schemeClr val="bg1"/>
+          </a:solidFill>
+          <a:ln>
+            <a:solidFill>
+              <a:schemeClr val="tx1"/>
+            </a:solidFill>
+          </a:ln>
+        </p:spPr>
+        <p:txBody>
+          <a:bodyPr wrap="square" rtlCol="0">
+            <a:spAutoFit/>
+          </a:bodyPr>
+          <a:lstStyle/>
+          <a:p>
+            <a:pPr algn="ctr"/>
+            <a:r>
+              <a:rPr kumimoji="1" lang="ja-JP" altLang="en-US" b="1" dirty="0"/>
+              <a:t>辞書データ</a:t>
+            </a:r>
+          </a:p>
+        </p:txBody>
+      </p:sp>
+      <p:sp>
+        <p:nvSpPr>
+          <p:cNvPr id="15" name="テキスト ボックス 14">
+            <a:extLst>
+              <a:ext uri="{FF2B5EF4-FFF2-40B4-BE49-F238E27FC236}">
+                <a16:creationId xmlns:a16="http://schemas.microsoft.com/office/drawing/2014/main" id="{641533C1-1AE6-4E47-8BD5-E7054C7FAFB3}"/>
+              </a:ext>
+            </a:extLst>
+          </p:cNvPr>
+          <p:cNvSpPr txBox="1"/>
+          <p:nvPr/>
+        </p:nvSpPr>
+        <p:spPr>
+          <a:xfrm>
+            <a:off x="1934149" y="3679746"/>
+            <a:ext cx="1757778" cy="369332"/>
+          </a:xfrm>
+          <a:prstGeom prst="rect">
+            <a:avLst/>
+          </a:prstGeom>
+          <a:solidFill>
+            <a:schemeClr val="bg1"/>
+          </a:solidFill>
+          <a:ln>
+            <a:solidFill>
+              <a:schemeClr val="tx1"/>
+            </a:solidFill>
+          </a:ln>
+        </p:spPr>
+        <p:txBody>
+          <a:bodyPr wrap="square" rtlCol="0">
+            <a:spAutoFit/>
+          </a:bodyPr>
+          <a:lstStyle/>
+          <a:p>
+            <a:pPr algn="ctr"/>
+            <a:r>
+              <a:rPr kumimoji="1" lang="ja-JP" altLang="en-US" b="1" dirty="0"/>
+              <a:t>スピーチ速度</a:t>
+            </a:r>
+          </a:p>
+        </p:txBody>
+      </p:sp>
+      <p:sp>
+        <p:nvSpPr>
+          <p:cNvPr id="18" name="テキスト ボックス 17">
+            <a:extLst>
+              <a:ext uri="{FF2B5EF4-FFF2-40B4-BE49-F238E27FC236}">
+                <a16:creationId xmlns:a16="http://schemas.microsoft.com/office/drawing/2014/main" id="{FBF5BFC6-BE69-4904-9D1F-EE85AC8CEB0A}"/>
+              </a:ext>
+            </a:extLst>
+          </p:cNvPr>
+          <p:cNvSpPr txBox="1"/>
+          <p:nvPr/>
+        </p:nvSpPr>
+        <p:spPr>
+          <a:xfrm>
+            <a:off x="2106967" y="4049684"/>
+            <a:ext cx="1757778" cy="369332"/>
+          </a:xfrm>
+          <a:prstGeom prst="rect">
+            <a:avLst/>
+          </a:prstGeom>
+          <a:solidFill>
+            <a:schemeClr val="bg1"/>
+          </a:solidFill>
+          <a:ln>
+            <a:solidFill>
+              <a:schemeClr val="tx1"/>
+            </a:solidFill>
+          </a:ln>
+        </p:spPr>
+        <p:txBody>
+          <a:bodyPr wrap="square" rtlCol="0">
+            <a:spAutoFit/>
+          </a:bodyPr>
+          <a:lstStyle/>
+          <a:p>
+            <a:pPr algn="ctr"/>
+            <a:r>
+              <a:rPr kumimoji="1" lang="ja-JP" altLang="en-US" b="1" dirty="0"/>
+              <a:t>声の高さ</a:t>
+            </a:r>
+          </a:p>
+        </p:txBody>
+      </p:sp>
+      <p:sp>
+        <p:nvSpPr>
+          <p:cNvPr id="19" name="テキスト ボックス 18">
+            <a:extLst>
+              <a:ext uri="{FF2B5EF4-FFF2-40B4-BE49-F238E27FC236}">
+                <a16:creationId xmlns:a16="http://schemas.microsoft.com/office/drawing/2014/main" id="{D0393F5C-D838-4B26-98F9-EB35254AD39D}"/>
+              </a:ext>
+            </a:extLst>
+          </p:cNvPr>
+          <p:cNvSpPr txBox="1"/>
+          <p:nvPr/>
+        </p:nvSpPr>
+        <p:spPr>
+          <a:xfrm>
+            <a:off x="4684965" y="4432432"/>
+            <a:ext cx="4157194" cy="369332"/>
+          </a:xfrm>
+          <a:prstGeom prst="rect">
+            <a:avLst/>
+          </a:prstGeom>
+          <a:solidFill>
+            <a:schemeClr val="bg1"/>
+          </a:solidFill>
+          <a:ln>
+            <a:solidFill>
+              <a:schemeClr val="tx1"/>
+            </a:solidFill>
+          </a:ln>
+        </p:spPr>
+        <p:txBody>
+          <a:bodyPr wrap="square" rtlCol="0">
+            <a:spAutoFit/>
+          </a:bodyPr>
+          <a:lstStyle/>
+          <a:p>
+            <a:pPr algn="ctr"/>
+            <a:r>
+              <a:rPr kumimoji="1" lang="ja-JP" altLang="en-US" b="1" dirty="0"/>
+              <a:t>音声ファイル名　テキストファイル名</a:t>
+            </a:r>
+          </a:p>
+        </p:txBody>
+      </p:sp>
+      <p:sp>
+        <p:nvSpPr>
+          <p:cNvPr id="20" name="テキスト ボックス 19">
+            <a:extLst>
+              <a:ext uri="{FF2B5EF4-FFF2-40B4-BE49-F238E27FC236}">
+                <a16:creationId xmlns:a16="http://schemas.microsoft.com/office/drawing/2014/main" id="{87527948-9068-4829-9489-66E279D3C0C4}"/>
+              </a:ext>
+            </a:extLst>
+          </p:cNvPr>
+          <p:cNvSpPr txBox="1"/>
+          <p:nvPr/>
+        </p:nvSpPr>
+        <p:spPr>
+          <a:xfrm>
+            <a:off x="4684965" y="5100927"/>
+            <a:ext cx="2159718" cy="369332"/>
+          </a:xfrm>
+          <a:prstGeom prst="rect">
+            <a:avLst/>
+          </a:prstGeom>
+          <a:solidFill>
+            <a:schemeClr val="bg1"/>
+          </a:solidFill>
+          <a:ln>
+            <a:solidFill>
+              <a:schemeClr val="tx1"/>
+            </a:solidFill>
+          </a:ln>
+        </p:spPr>
+        <p:txBody>
+          <a:bodyPr wrap="square" rtlCol="0">
+            <a:spAutoFit/>
+          </a:bodyPr>
+          <a:lstStyle/>
+          <a:p>
+            <a:pPr algn="ctr"/>
+            <a:r>
+              <a:rPr lang="ja-JP" altLang="en-US" b="1" dirty="0"/>
+              <a:t>音声ファイル作成</a:t>
+            </a:r>
+            <a:endParaRPr kumimoji="1" lang="ja-JP" altLang="en-US" b="1" dirty="0"/>
+          </a:p>
+        </p:txBody>
+      </p:sp>
     </p:spTree>
     <p:extLst>
       <p:ext uri="{BB962C8B-B14F-4D97-AF65-F5344CB8AC3E}">
-        <p14:creationId xmlns:p14="http://schemas.microsoft.com/office/powerpoint/2010/main" val="1347989110"/>
+        <p14:creationId xmlns:p14="http://schemas.microsoft.com/office/powerpoint/2010/main" val="410217345"/>
       </p:ext>
     </p:extLst>
   </p:cSld>
@@ -11555,89 +11704,18 @@
             </a:pPr>
             <a:r>
               <a:rPr lang="ja-JP" altLang="en-US" dirty="0"/>
-              <a:t>音声ファイル　作成</a:t>
+              <a:t>音声ファイル　再生</a:t>
             </a:r>
             <a:endParaRPr kumimoji="1" lang="en-US" altLang="ja-JP" dirty="0"/>
           </a:p>
         </p:txBody>
       </p:sp>
-      <p:pic>
-        <p:nvPicPr>
-          <p:cNvPr id="5" name="図 4">
-            <a:extLst>
-              <a:ext uri="{FF2B5EF4-FFF2-40B4-BE49-F238E27FC236}">
-                <a16:creationId xmlns:a16="http://schemas.microsoft.com/office/drawing/2014/main" id="{DCEE1DF1-E412-4FF6-A299-BF70A8C1D00F}"/>
-              </a:ext>
-            </a:extLst>
-          </p:cNvPr>
-          <p:cNvPicPr>
-            <a:picLocks noChangeAspect="1"/>
-          </p:cNvPicPr>
-          <p:nvPr/>
-        </p:nvPicPr>
-        <p:blipFill>
-          <a:blip r:embed="rId3">
-            <a:extLst>
-              <a:ext uri="{28A0092B-C50C-407E-A947-70E740481C1C}">
-                <a14:useLocalDpi xmlns:a14="http://schemas.microsoft.com/office/drawing/2010/main" val="0"/>
-              </a:ext>
-            </a:extLst>
-          </a:blip>
-          <a:stretch>
-            <a:fillRect/>
-          </a:stretch>
-        </p:blipFill>
-        <p:spPr>
-          <a:xfrm>
-            <a:off x="451650" y="2396107"/>
-            <a:ext cx="11288700" cy="3210373"/>
-          </a:xfrm>
-          <a:prstGeom prst="rect">
-            <a:avLst/>
-          </a:prstGeom>
-        </p:spPr>
-      </p:pic>
-      <p:sp>
-        <p:nvSpPr>
-          <p:cNvPr id="7" name="テキスト ボックス 6">
-            <a:extLst>
-              <a:ext uri="{FF2B5EF4-FFF2-40B4-BE49-F238E27FC236}">
-                <a16:creationId xmlns:a16="http://schemas.microsoft.com/office/drawing/2014/main" id="{BC9E286B-F5E8-4C8B-AC3F-63529E259B69}"/>
-              </a:ext>
-            </a:extLst>
-          </p:cNvPr>
-          <p:cNvSpPr txBox="1"/>
-          <p:nvPr/>
-        </p:nvSpPr>
-        <p:spPr>
-          <a:xfrm>
-            <a:off x="451650" y="5988733"/>
-            <a:ext cx="6059837" cy="646331"/>
-          </a:xfrm>
-          <a:prstGeom prst="rect">
-            <a:avLst/>
-          </a:prstGeom>
-          <a:noFill/>
-        </p:spPr>
-        <p:txBody>
-          <a:bodyPr wrap="square" rtlCol="0">
-            <a:spAutoFit/>
-          </a:bodyPr>
-          <a:lstStyle/>
-          <a:p>
-            <a:r>
-              <a:rPr kumimoji="1" lang="ja-JP" altLang="en-US" sz="3600" dirty="0"/>
-              <a:t>スクレイピング直後に実行</a:t>
-            </a:r>
-          </a:p>
-        </p:txBody>
-      </p:sp>
-      <p:sp>
-        <p:nvSpPr>
-          <p:cNvPr id="6" name="正方形/長方形 5">
-            <a:extLst>
-              <a:ext uri="{FF2B5EF4-FFF2-40B4-BE49-F238E27FC236}">
-                <a16:creationId xmlns:a16="http://schemas.microsoft.com/office/drawing/2014/main" id="{402AECB5-4ABC-4E92-8BBE-67490A269199}"/>
+      <p:sp>
+        <p:nvSpPr>
+          <p:cNvPr id="7" name="正方形/長方形 6">
+            <a:extLst>
+              <a:ext uri="{FF2B5EF4-FFF2-40B4-BE49-F238E27FC236}">
+                <a16:creationId xmlns:a16="http://schemas.microsoft.com/office/drawing/2014/main" id="{80E5E537-424F-41E6-BF88-40216A9BFFBC}"/>
               </a:ext>
             </a:extLst>
           </p:cNvPr>
@@ -11689,10 +11767,136 @@
           </a:p>
         </p:txBody>
       </p:sp>
+      <p:sp>
+        <p:nvSpPr>
+          <p:cNvPr id="8" name="テキスト ボックス 7">
+            <a:extLst>
+              <a:ext uri="{FF2B5EF4-FFF2-40B4-BE49-F238E27FC236}">
+                <a16:creationId xmlns:a16="http://schemas.microsoft.com/office/drawing/2014/main" id="{38FE4D83-0EAE-4555-B09C-721AF5A8AB31}"/>
+              </a:ext>
+            </a:extLst>
+          </p:cNvPr>
+          <p:cNvSpPr txBox="1"/>
+          <p:nvPr/>
+        </p:nvSpPr>
+        <p:spPr>
+          <a:xfrm>
+            <a:off x="2644435" y="6063771"/>
+            <a:ext cx="6351519" cy="646331"/>
+          </a:xfrm>
+          <a:prstGeom prst="rect">
+            <a:avLst/>
+          </a:prstGeom>
+          <a:solidFill>
+            <a:schemeClr val="accent6">
+              <a:lumMod val="60000"/>
+              <a:lumOff val="40000"/>
+            </a:schemeClr>
+          </a:solidFill>
+          <a:ln>
+            <a:solidFill>
+              <a:schemeClr val="tx1"/>
+            </a:solidFill>
+          </a:ln>
+        </p:spPr>
+        <p:txBody>
+          <a:bodyPr wrap="square" rtlCol="0">
+            <a:spAutoFit/>
+          </a:bodyPr>
+          <a:lstStyle/>
+          <a:p>
+            <a:pPr algn="ctr"/>
+            <a:r>
+              <a:rPr kumimoji="1" lang="ja-JP" altLang="en-US" sz="3600" b="1" dirty="0"/>
+              <a:t>音声出力時に実行</a:t>
+            </a:r>
+          </a:p>
+        </p:txBody>
+      </p:sp>
+      <p:pic>
+        <p:nvPicPr>
+          <p:cNvPr id="5" name="図 4">
+            <a:extLst>
+              <a:ext uri="{FF2B5EF4-FFF2-40B4-BE49-F238E27FC236}">
+                <a16:creationId xmlns:a16="http://schemas.microsoft.com/office/drawing/2014/main" id="{595E32AE-E799-4396-82CD-6C7514C868D7}"/>
+              </a:ext>
+            </a:extLst>
+          </p:cNvPr>
+          <p:cNvPicPr>
+            <a:picLocks noChangeAspect="1"/>
+          </p:cNvPicPr>
+          <p:nvPr/>
+        </p:nvPicPr>
+        <p:blipFill>
+          <a:blip r:embed="rId3">
+            <a:extLst>
+              <a:ext uri="{28A0092B-C50C-407E-A947-70E740481C1C}">
+                <a14:useLocalDpi xmlns:a14="http://schemas.microsoft.com/office/drawing/2010/main" val="0"/>
+              </a:ext>
+            </a:extLst>
+          </a:blip>
+          <a:stretch>
+            <a:fillRect/>
+          </a:stretch>
+        </p:blipFill>
+        <p:spPr>
+          <a:xfrm>
+            <a:off x="838200" y="2485893"/>
+            <a:ext cx="9850225" cy="1886213"/>
+          </a:xfrm>
+          <a:prstGeom prst="rect">
+            <a:avLst/>
+          </a:prstGeom>
+        </p:spPr>
+      </p:pic>
+      <p:sp>
+        <p:nvSpPr>
+          <p:cNvPr id="12" name="テキスト ボックス 11">
+            <a:extLst>
+              <a:ext uri="{FF2B5EF4-FFF2-40B4-BE49-F238E27FC236}">
+                <a16:creationId xmlns:a16="http://schemas.microsoft.com/office/drawing/2014/main" id="{8A16DC70-E491-45A4-9590-877CDE9AE5AC}"/>
+              </a:ext>
+            </a:extLst>
+          </p:cNvPr>
+          <p:cNvSpPr txBox="1"/>
+          <p:nvPr/>
+        </p:nvSpPr>
+        <p:spPr>
+          <a:xfrm>
+            <a:off x="6194168" y="3428998"/>
+            <a:ext cx="2958710" cy="461665"/>
+          </a:xfrm>
+          <a:prstGeom prst="rect">
+            <a:avLst/>
+          </a:prstGeom>
+          <a:solidFill>
+            <a:schemeClr val="bg1"/>
+          </a:solidFill>
+          <a:ln>
+            <a:solidFill>
+              <a:schemeClr val="tx1"/>
+            </a:solidFill>
+          </a:ln>
+        </p:spPr>
+        <p:txBody>
+          <a:bodyPr wrap="square" rtlCol="0">
+            <a:spAutoFit/>
+          </a:bodyPr>
+          <a:lstStyle/>
+          <a:p>
+            <a:pPr algn="ctr"/>
+            <a:r>
+              <a:rPr lang="ja-JP" altLang="en-US" sz="2400" b="1" dirty="0"/>
+              <a:t>音声ファイル再生</a:t>
+            </a:r>
+            <a:endParaRPr kumimoji="1" lang="ja-JP" altLang="en-US" sz="2400" b="1" dirty="0"/>
+          </a:p>
+        </p:txBody>
+      </p:sp>
     </p:spTree>
     <p:extLst>
       <p:ext uri="{BB962C8B-B14F-4D97-AF65-F5344CB8AC3E}">
-        <p14:creationId xmlns:p14="http://schemas.microsoft.com/office/powerpoint/2010/main" val="410217345"/>
+        <p14:creationId xmlns:p14="http://schemas.microsoft.com/office/powerpoint/2010/main" val="3778558568"/>
       </p:ext>
     </p:extLst>
   </p:cSld>
@@ -11724,7 +11928,7 @@
           <p:cNvPr id="2" name="タイトル 1">
             <a:extLst>
               <a:ext uri="{FF2B5EF4-FFF2-40B4-BE49-F238E27FC236}">
-                <a16:creationId xmlns:a16="http://schemas.microsoft.com/office/drawing/2014/main" id="{416FDF28-DE91-4559-964D-FBBF51F99738}"/>
+                <a16:creationId xmlns:a16="http://schemas.microsoft.com/office/drawing/2014/main" id="{208E96DD-60EE-481E-BC80-125F1F007D39}"/>
               </a:ext>
             </a:extLst>
           </p:cNvPr>
@@ -11741,10 +11945,9 @@
           <a:lstStyle/>
           <a:p>
             <a:r>
-              <a:rPr kumimoji="1" lang="en-US" altLang="ja-JP" dirty="0" err="1"/>
-              <a:t>OpenJtalk</a:t>
-            </a:r>
-            <a:endParaRPr kumimoji="1" lang="ja-JP" altLang="en-US" dirty="0"/>
+              <a:rPr kumimoji="1" lang="ja-JP" altLang="en-US" dirty="0"/>
+              <a:t>トラブルの対処</a:t>
+            </a:r>
           </a:p>
         </p:txBody>
       </p:sp>
@@ -11753,7 +11956,7 @@
           <p:cNvPr id="3" name="コンテンツ プレースホルダー 2">
             <a:extLst>
               <a:ext uri="{FF2B5EF4-FFF2-40B4-BE49-F238E27FC236}">
-                <a16:creationId xmlns:a16="http://schemas.microsoft.com/office/drawing/2014/main" id="{7739CC25-5B0B-4F49-AA2A-71E2700494BC}"/>
+                <a16:creationId xmlns:a16="http://schemas.microsoft.com/office/drawing/2014/main" id="{D4342974-17CB-4DEE-BC69-327BEC83B62D}"/>
               </a:ext>
             </a:extLst>
           </p:cNvPr>
@@ -11773,19 +11976,53 @@
               <a:buNone/>
             </a:pPr>
             <a:r>
+              <a:rPr kumimoji="1" lang="ja-JP" altLang="en-US" dirty="0"/>
+              <a:t>マイクが出力音声を拾ってしまい誤作動</a:t>
+            </a:r>
+            <a:endParaRPr kumimoji="1" lang="en-US" altLang="ja-JP" dirty="0"/>
+          </a:p>
+          <a:p>
+            <a:pPr marL="0" indent="0">
+              <a:buNone/>
+            </a:pPr>
+            <a:r>
+              <a:rPr lang="ja-JP" altLang="en-US" dirty="0">
+                <a:solidFill>
+                  <a:srgbClr val="FF0000"/>
+                </a:solidFill>
+              </a:rPr>
+              <a:t>→</a:t>
+            </a:r>
+            <a:r>
               <a:rPr lang="ja-JP" altLang="en-US" dirty="0"/>
-              <a:t>音声ファイル　再生</a:t>
-            </a:r>
+              <a:t>出力直前にマイクミュート／出力終了後に解除</a:t>
+            </a:r>
+            <a:endParaRPr kumimoji="1" lang="en-US" altLang="ja-JP" dirty="0"/>
+          </a:p>
+          <a:p>
+            <a:pPr marL="0" indent="0">
+              <a:buNone/>
+            </a:pPr>
+            <a:r>
+              <a:rPr lang="ja-JP" altLang="en-US" dirty="0"/>
+              <a:t>　コマンドをシェルスクリプトとして実行</a:t>
+            </a:r>
+            <a:endParaRPr lang="en-US" altLang="ja-JP" dirty="0"/>
+          </a:p>
+          <a:p>
+            <a:pPr marL="0" indent="0">
+              <a:buNone/>
+            </a:pPr>
             <a:endParaRPr kumimoji="1" lang="en-US" altLang="ja-JP" dirty="0"/>
           </a:p>
         </p:txBody>
       </p:sp>
       <p:pic>
         <p:nvPicPr>
-          <p:cNvPr id="9" name="図 8">
-            <a:extLst>
-              <a:ext uri="{FF2B5EF4-FFF2-40B4-BE49-F238E27FC236}">
-                <a16:creationId xmlns:a16="http://schemas.microsoft.com/office/drawing/2014/main" id="{C6EC48F4-62E7-4038-B20A-28D07A2E548A}"/>
+          <p:cNvPr id="5" name="図 4">
+            <a:extLst>
+              <a:ext uri="{FF2B5EF4-FFF2-40B4-BE49-F238E27FC236}">
+                <a16:creationId xmlns:a16="http://schemas.microsoft.com/office/drawing/2014/main" id="{E5169DD9-22EF-4B54-956D-B061F8F9E7DF}"/>
               </a:ext>
             </a:extLst>
           </p:cNvPr>
@@ -11795,7 +12032,7 @@
           <p:nvPr/>
         </p:nvPicPr>
         <p:blipFill>
-          <a:blip r:embed="rId3">
+          <a:blip r:embed="rId2">
             <a:extLst>
               <a:ext uri="{28A0092B-C50C-407E-A947-70E740481C1C}">
                 <a14:useLocalDpi xmlns:a14="http://schemas.microsoft.com/office/drawing/2010/main" val="0"/>
@@ -11808,8 +12045,8 @@
         </p:blipFill>
         <p:spPr>
           <a:xfrm>
-            <a:off x="718049" y="2393209"/>
-            <a:ext cx="8469432" cy="1621807"/>
+            <a:off x="2781813" y="3301140"/>
+            <a:ext cx="6403129" cy="3390254"/>
           </a:xfrm>
           <a:prstGeom prst="rect">
             <a:avLst/>
@@ -11818,99 +12055,10 @@
       </p:pic>
       <p:sp>
         <p:nvSpPr>
-          <p:cNvPr id="10" name="テキスト ボックス 9">
-            <a:extLst>
-              <a:ext uri="{FF2B5EF4-FFF2-40B4-BE49-F238E27FC236}">
-                <a16:creationId xmlns:a16="http://schemas.microsoft.com/office/drawing/2014/main" id="{4794AFFE-B045-4880-8FA7-33996A9E5E84}"/>
-              </a:ext>
-            </a:extLst>
-          </p:cNvPr>
-          <p:cNvSpPr txBox="1"/>
-          <p:nvPr/>
-        </p:nvSpPr>
-        <p:spPr>
-          <a:xfrm>
-            <a:off x="718049" y="4449658"/>
-            <a:ext cx="6059837" cy="646331"/>
-          </a:xfrm>
-          <a:prstGeom prst="rect">
-            <a:avLst/>
-          </a:prstGeom>
-          <a:noFill/>
-        </p:spPr>
-        <p:txBody>
-          <a:bodyPr wrap="square" rtlCol="0">
-            <a:spAutoFit/>
-          </a:bodyPr>
-          <a:lstStyle/>
-          <a:p>
-            <a:r>
-              <a:rPr kumimoji="1" lang="ja-JP" altLang="en-US" sz="3600" dirty="0"/>
-              <a:t>音声出力時に実行</a:t>
-            </a:r>
-          </a:p>
-        </p:txBody>
-      </p:sp>
-      <p:sp>
-        <p:nvSpPr>
-          <p:cNvPr id="11" name="正方形/長方形 10">
-            <a:extLst>
-              <a:ext uri="{FF2B5EF4-FFF2-40B4-BE49-F238E27FC236}">
-                <a16:creationId xmlns:a16="http://schemas.microsoft.com/office/drawing/2014/main" id="{CED44891-6C1C-4E93-A210-C97D4B938D1A}"/>
-              </a:ext>
-            </a:extLst>
-          </p:cNvPr>
-          <p:cNvSpPr/>
-          <p:nvPr/>
-        </p:nvSpPr>
-        <p:spPr>
-          <a:xfrm>
-            <a:off x="756149" y="3718560"/>
-            <a:ext cx="120151" cy="288836"/>
-          </a:xfrm>
-          <a:prstGeom prst="rect">
-            <a:avLst/>
-          </a:prstGeom>
-          <a:solidFill>
-            <a:srgbClr val="282923"/>
-          </a:solidFill>
-          <a:ln>
-            <a:solidFill>
-              <a:srgbClr val="282923"/>
-            </a:solidFill>
-          </a:ln>
-        </p:spPr>
-        <p:style>
-          <a:lnRef idx="2">
-            <a:schemeClr val="accent1">
-              <a:shade val="50000"/>
-            </a:schemeClr>
-          </a:lnRef>
-          <a:fillRef idx="1">
-            <a:schemeClr val="accent1"/>
-          </a:fillRef>
-          <a:effectRef idx="0">
-            <a:schemeClr val="accent1"/>
-          </a:effectRef>
-          <a:fontRef idx="minor">
-            <a:schemeClr val="lt1"/>
-          </a:fontRef>
-        </p:style>
-        <p:txBody>
-          <a:bodyPr rtlCol="0" anchor="ctr"/>
-          <a:lstStyle/>
-          <a:p>
-            <a:pPr algn="ctr"/>
-            <a:endParaRPr kumimoji="1" lang="ja-JP" altLang="en-US"/>
-          </a:p>
-        </p:txBody>
-      </p:sp>
-      <p:sp>
-        <p:nvSpPr>
-          <p:cNvPr id="7" name="正方形/長方形 6">
-            <a:extLst>
-              <a:ext uri="{FF2B5EF4-FFF2-40B4-BE49-F238E27FC236}">
-                <a16:creationId xmlns:a16="http://schemas.microsoft.com/office/drawing/2014/main" id="{80E5E537-424F-41E6-BF88-40216A9BFFBC}"/>
+          <p:cNvPr id="6" name="正方形/長方形 5">
+            <a:extLst>
+              <a:ext uri="{FF2B5EF4-FFF2-40B4-BE49-F238E27FC236}">
+                <a16:creationId xmlns:a16="http://schemas.microsoft.com/office/drawing/2014/main" id="{09352AF5-F1BE-43DA-B571-3F8F31C00DAE}"/>
               </a:ext>
             </a:extLst>
           </p:cNvPr>
@@ -11965,7 +12113,7 @@
     </p:spTree>
     <p:extLst>
       <p:ext uri="{BB962C8B-B14F-4D97-AF65-F5344CB8AC3E}">
-        <p14:creationId xmlns:p14="http://schemas.microsoft.com/office/powerpoint/2010/main" val="3778558568"/>
+        <p14:creationId xmlns:p14="http://schemas.microsoft.com/office/powerpoint/2010/main" val="2817091244"/>
       </p:ext>
     </p:extLst>
   </p:cSld>
@@ -11997,7 +12145,7 @@
           <p:cNvPr id="2" name="タイトル 1">
             <a:extLst>
               <a:ext uri="{FF2B5EF4-FFF2-40B4-BE49-F238E27FC236}">
-                <a16:creationId xmlns:a16="http://schemas.microsoft.com/office/drawing/2014/main" id="{208E96DD-60EE-481E-BC80-125F1F007D39}"/>
+                <a16:creationId xmlns:a16="http://schemas.microsoft.com/office/drawing/2014/main" id="{F24EB109-BC34-41EC-A9D0-C442E52A8779}"/>
               </a:ext>
             </a:extLst>
           </p:cNvPr>
@@ -12015,7 +12163,7 @@
           <a:p>
             <a:r>
               <a:rPr kumimoji="1" lang="ja-JP" altLang="en-US" dirty="0"/>
-              <a:t>トラブルの対処</a:t>
+              <a:t>実行ファイル</a:t>
             </a:r>
           </a:p>
         </p:txBody>
@@ -12025,7 +12173,7 @@
           <p:cNvPr id="3" name="コンテンツ プレースホルダー 2">
             <a:extLst>
               <a:ext uri="{FF2B5EF4-FFF2-40B4-BE49-F238E27FC236}">
-                <a16:creationId xmlns:a16="http://schemas.microsoft.com/office/drawing/2014/main" id="{D4342974-17CB-4DEE-BC69-327BEC83B62D}"/>
+                <a16:creationId xmlns:a16="http://schemas.microsoft.com/office/drawing/2014/main" id="{69DE47EB-7D6D-49AB-9AD1-0A77390D212D}"/>
               </a:ext>
             </a:extLst>
           </p:cNvPr>
@@ -12045,44 +12193,14 @@
               <a:buNone/>
             </a:pPr>
             <a:r>
-              <a:rPr kumimoji="1" lang="ja-JP" altLang="en-US" dirty="0"/>
-              <a:t>マイクが出力音声を拾ってしまい誤作動</a:t>
-            </a:r>
-            <a:endParaRPr kumimoji="1" lang="en-US" altLang="ja-JP" dirty="0"/>
-          </a:p>
-          <a:p>
-            <a:pPr marL="0" indent="0">
-              <a:buNone/>
-            </a:pPr>
-            <a:r>
-              <a:rPr lang="ja-JP" altLang="en-US" dirty="0">
-                <a:solidFill>
-                  <a:srgbClr val="FF0000"/>
-                </a:solidFill>
-              </a:rPr>
-              <a:t>→</a:t>
-            </a:r>
-            <a:r>
-              <a:rPr lang="ja-JP" altLang="en-US" dirty="0"/>
-              <a:t>出力直前にマイクミュート／出力終了後に解除</a:t>
-            </a:r>
-            <a:endParaRPr kumimoji="1" lang="en-US" altLang="ja-JP" dirty="0"/>
-          </a:p>
-          <a:p>
-            <a:pPr marL="0" indent="0">
-              <a:buNone/>
-            </a:pPr>
-            <a:r>
-              <a:rPr lang="ja-JP" altLang="en-US" dirty="0"/>
-              <a:t>　コマンドをシェルスクリプトとして実行</a:t>
-            </a:r>
-            <a:endParaRPr lang="en-US" altLang="ja-JP" dirty="0"/>
-          </a:p>
-          <a:p>
-            <a:pPr marL="0" indent="0">
-              <a:buNone/>
-            </a:pPr>
-            <a:endParaRPr kumimoji="1" lang="en-US" altLang="ja-JP" dirty="0"/>
+              <a:rPr lang="en-US" altLang="ja-JP" b="1" dirty="0"/>
+              <a:t>y</a:t>
+            </a:r>
+            <a:r>
+              <a:rPr kumimoji="1" lang="en-US" altLang="ja-JP" b="1" dirty="0"/>
+              <a:t>osie.sh</a:t>
+            </a:r>
+            <a:endParaRPr kumimoji="1" lang="ja-JP" altLang="en-US" b="1" dirty="0"/>
           </a:p>
         </p:txBody>
       </p:sp>
@@ -12091,7 +12209,7 @@
           <p:cNvPr id="5" name="図 4">
             <a:extLst>
               <a:ext uri="{FF2B5EF4-FFF2-40B4-BE49-F238E27FC236}">
-                <a16:creationId xmlns:a16="http://schemas.microsoft.com/office/drawing/2014/main" id="{E5169DD9-22EF-4B54-956D-B061F8F9E7DF}"/>
+                <a16:creationId xmlns:a16="http://schemas.microsoft.com/office/drawing/2014/main" id="{902DE915-7CA6-4F32-A692-65463E1DB534}"/>
               </a:ext>
             </a:extLst>
           </p:cNvPr>
@@ -12114,8 +12232,8 @@
         </p:blipFill>
         <p:spPr>
           <a:xfrm>
-            <a:off x="2781813" y="3301140"/>
-            <a:ext cx="6403129" cy="3390254"/>
+            <a:off x="2494641" y="1690688"/>
+            <a:ext cx="8017887" cy="4998804"/>
           </a:xfrm>
           <a:prstGeom prst="rect">
             <a:avLst/>
@@ -12127,7 +12245,7 @@
           <p:cNvPr id="6" name="正方形/長方形 5">
             <a:extLst>
               <a:ext uri="{FF2B5EF4-FFF2-40B4-BE49-F238E27FC236}">
-                <a16:creationId xmlns:a16="http://schemas.microsoft.com/office/drawing/2014/main" id="{09352AF5-F1BE-43DA-B571-3F8F31C00DAE}"/>
+                <a16:creationId xmlns:a16="http://schemas.microsoft.com/office/drawing/2014/main" id="{103D16E7-5412-4AFE-B05C-94152D5237D5}"/>
               </a:ext>
             </a:extLst>
           </p:cNvPr>
@@ -12182,7 +12300,7 @@
     </p:spTree>
     <p:extLst>
       <p:ext uri="{BB962C8B-B14F-4D97-AF65-F5344CB8AC3E}">
-        <p14:creationId xmlns:p14="http://schemas.microsoft.com/office/powerpoint/2010/main" val="2817091244"/>
+        <p14:creationId xmlns:p14="http://schemas.microsoft.com/office/powerpoint/2010/main" val="3683524359"/>
       </p:ext>
     </p:extLst>
   </p:cSld>
@@ -12193,193 +12311,6 @@
 </file>
 
 <file path=ppt/slides/slide24.xml><?xml version="1.0" encoding="utf-8"?>
-<p:sld xmlns:a="http://schemas.openxmlformats.org/drawingml/2006/main" xmlns:r="http://schemas.openxmlformats.org/officeDocument/2006/relationships" xmlns:p="http://schemas.openxmlformats.org/presentationml/2006/main">
-  <p:cSld>
-    <p:spTree>
-      <p:nvGrpSpPr>
-        <p:cNvPr id="1" name=""/>
-        <p:cNvGrpSpPr/>
-        <p:nvPr/>
-      </p:nvGrpSpPr>
-      <p:grpSpPr>
-        <a:xfrm>
-          <a:off x="0" y="0"/>
-          <a:ext cx="0" cy="0"/>
-          <a:chOff x="0" y="0"/>
-          <a:chExt cx="0" cy="0"/>
-        </a:xfrm>
-      </p:grpSpPr>
-      <p:sp>
-        <p:nvSpPr>
-          <p:cNvPr id="2" name="タイトル 1">
-            <a:extLst>
-              <a:ext uri="{FF2B5EF4-FFF2-40B4-BE49-F238E27FC236}">
-                <a16:creationId xmlns:a16="http://schemas.microsoft.com/office/drawing/2014/main" id="{F24EB109-BC34-41EC-A9D0-C442E52A8779}"/>
-              </a:ext>
-            </a:extLst>
-          </p:cNvPr>
-          <p:cNvSpPr>
-            <a:spLocks noGrp="1"/>
-          </p:cNvSpPr>
-          <p:nvPr>
-            <p:ph type="title"/>
-          </p:nvPr>
-        </p:nvSpPr>
-        <p:spPr/>
-        <p:txBody>
-          <a:bodyPr/>
-          <a:lstStyle/>
-          <a:p>
-            <a:r>
-              <a:rPr kumimoji="1" lang="ja-JP" altLang="en-US" dirty="0"/>
-              <a:t>実行ファイル</a:t>
-            </a:r>
-          </a:p>
-        </p:txBody>
-      </p:sp>
-      <p:sp>
-        <p:nvSpPr>
-          <p:cNvPr id="3" name="コンテンツ プレースホルダー 2">
-            <a:extLst>
-              <a:ext uri="{FF2B5EF4-FFF2-40B4-BE49-F238E27FC236}">
-                <a16:creationId xmlns:a16="http://schemas.microsoft.com/office/drawing/2014/main" id="{69DE47EB-7D6D-49AB-9AD1-0A77390D212D}"/>
-              </a:ext>
-            </a:extLst>
-          </p:cNvPr>
-          <p:cNvSpPr>
-            <a:spLocks noGrp="1"/>
-          </p:cNvSpPr>
-          <p:nvPr>
-            <p:ph idx="1"/>
-          </p:nvPr>
-        </p:nvSpPr>
-        <p:spPr/>
-        <p:txBody>
-          <a:bodyPr/>
-          <a:lstStyle/>
-          <a:p>
-            <a:pPr marL="0" indent="0">
-              <a:buNone/>
-            </a:pPr>
-            <a:r>
-              <a:rPr lang="en-US" altLang="ja-JP" b="1" dirty="0"/>
-              <a:t>y</a:t>
-            </a:r>
-            <a:r>
-              <a:rPr kumimoji="1" lang="en-US" altLang="ja-JP" b="1" dirty="0"/>
-              <a:t>osie.sh</a:t>
-            </a:r>
-            <a:endParaRPr kumimoji="1" lang="ja-JP" altLang="en-US" b="1" dirty="0"/>
-          </a:p>
-        </p:txBody>
-      </p:sp>
-      <p:pic>
-        <p:nvPicPr>
-          <p:cNvPr id="5" name="図 4">
-            <a:extLst>
-              <a:ext uri="{FF2B5EF4-FFF2-40B4-BE49-F238E27FC236}">
-                <a16:creationId xmlns:a16="http://schemas.microsoft.com/office/drawing/2014/main" id="{902DE915-7CA6-4F32-A692-65463E1DB534}"/>
-              </a:ext>
-            </a:extLst>
-          </p:cNvPr>
-          <p:cNvPicPr>
-            <a:picLocks noChangeAspect="1"/>
-          </p:cNvPicPr>
-          <p:nvPr/>
-        </p:nvPicPr>
-        <p:blipFill>
-          <a:blip r:embed="rId2">
-            <a:extLst>
-              <a:ext uri="{28A0092B-C50C-407E-A947-70E740481C1C}">
-                <a14:useLocalDpi xmlns:a14="http://schemas.microsoft.com/office/drawing/2010/main" val="0"/>
-              </a:ext>
-            </a:extLst>
-          </a:blip>
-          <a:stretch>
-            <a:fillRect/>
-          </a:stretch>
-        </p:blipFill>
-        <p:spPr>
-          <a:xfrm>
-            <a:off x="2494641" y="1690688"/>
-            <a:ext cx="8017887" cy="4998804"/>
-          </a:xfrm>
-          <a:prstGeom prst="rect">
-            <a:avLst/>
-          </a:prstGeom>
-        </p:spPr>
-      </p:pic>
-      <p:sp>
-        <p:nvSpPr>
-          <p:cNvPr id="6" name="正方形/長方形 5">
-            <a:extLst>
-              <a:ext uri="{FF2B5EF4-FFF2-40B4-BE49-F238E27FC236}">
-                <a16:creationId xmlns:a16="http://schemas.microsoft.com/office/drawing/2014/main" id="{103D16E7-5412-4AFE-B05C-94152D5237D5}"/>
-              </a:ext>
-            </a:extLst>
-          </p:cNvPr>
-          <p:cNvSpPr/>
-          <p:nvPr/>
-        </p:nvSpPr>
-        <p:spPr>
-          <a:xfrm>
-            <a:off x="9508067" y="0"/>
-            <a:ext cx="2683933" cy="1593908"/>
-          </a:xfrm>
-          <a:prstGeom prst="rect">
-            <a:avLst/>
-          </a:prstGeom>
-          <a:solidFill>
-            <a:schemeClr val="accent6">
-              <a:lumMod val="60000"/>
-              <a:lumOff val="40000"/>
-            </a:schemeClr>
-          </a:solidFill>
-          <a:ln>
-            <a:solidFill>
-              <a:schemeClr val="tx1"/>
-            </a:solidFill>
-          </a:ln>
-        </p:spPr>
-        <p:style>
-          <a:lnRef idx="2">
-            <a:schemeClr val="accent1">
-              <a:shade val="50000"/>
-            </a:schemeClr>
-          </a:lnRef>
-          <a:fillRef idx="1">
-            <a:schemeClr val="accent1"/>
-          </a:fillRef>
-          <a:effectRef idx="0">
-            <a:schemeClr val="accent1"/>
-          </a:effectRef>
-          <a:fontRef idx="minor">
-            <a:schemeClr val="lt1"/>
-          </a:fontRef>
-        </p:style>
-        <p:txBody>
-          <a:bodyPr rtlCol="0" anchor="ctr"/>
-          <a:lstStyle/>
-          <a:p>
-            <a:pPr algn="ctr"/>
-            <a:endParaRPr kumimoji="1" lang="ja-JP" altLang="en-US"/>
-          </a:p>
-        </p:txBody>
-      </p:sp>
-    </p:spTree>
-    <p:extLst>
-      <p:ext uri="{BB962C8B-B14F-4D97-AF65-F5344CB8AC3E}">
-        <p14:creationId xmlns:p14="http://schemas.microsoft.com/office/powerpoint/2010/main" val="3683524359"/>
-      </p:ext>
-    </p:extLst>
-  </p:cSld>
-  <p:clrMapOvr>
-    <a:masterClrMapping/>
-  </p:clrMapOvr>
-</p:sld>
-</file>
-
-<file path=ppt/slides/slide25.xml><?xml version="1.0" encoding="utf-8"?>
 <p:sld xmlns:a="http://schemas.openxmlformats.org/drawingml/2006/main" xmlns:r="http://schemas.openxmlformats.org/officeDocument/2006/relationships" xmlns:p="http://schemas.openxmlformats.org/presentationml/2006/main">
   <p:cSld>
     <p:spTree>
@@ -12945,6 +12876,93 @@
 </p:sld>
 </file>
 
+<file path=ppt/slides/slide25.xml><?xml version="1.0" encoding="utf-8"?>
+<p:sld xmlns:a="http://schemas.openxmlformats.org/drawingml/2006/main" xmlns:r="http://schemas.openxmlformats.org/officeDocument/2006/relationships" xmlns:p="http://schemas.openxmlformats.org/presentationml/2006/main">
+  <p:cSld>
+    <p:spTree>
+      <p:nvGrpSpPr>
+        <p:cNvPr id="1" name=""/>
+        <p:cNvGrpSpPr/>
+        <p:nvPr/>
+      </p:nvGrpSpPr>
+      <p:grpSpPr>
+        <a:xfrm>
+          <a:off x="0" y="0"/>
+          <a:ext cx="0" cy="0"/>
+          <a:chOff x="0" y="0"/>
+          <a:chExt cx="0" cy="0"/>
+        </a:xfrm>
+      </p:grpSpPr>
+      <p:sp>
+        <p:nvSpPr>
+          <p:cNvPr id="2" name="タイトル 1">
+            <a:extLst>
+              <a:ext uri="{FF2B5EF4-FFF2-40B4-BE49-F238E27FC236}">
+                <a16:creationId xmlns:a16="http://schemas.microsoft.com/office/drawing/2014/main" id="{B43B901B-C015-40EF-B4CD-3F5F25F44EC0}"/>
+              </a:ext>
+            </a:extLst>
+          </p:cNvPr>
+          <p:cNvSpPr>
+            <a:spLocks noGrp="1"/>
+          </p:cNvSpPr>
+          <p:nvPr>
+            <p:ph type="title"/>
+          </p:nvPr>
+        </p:nvSpPr>
+        <p:spPr/>
+        <p:txBody>
+          <a:bodyPr/>
+          <a:lstStyle/>
+          <a:p>
+            <a:r>
+              <a:rPr kumimoji="1" lang="en-US" altLang="ja-JP" dirty="0"/>
+              <a:t>YoSiE</a:t>
+            </a:r>
+            <a:r>
+              <a:rPr kumimoji="1" lang="ja-JP" altLang="en-US" dirty="0"/>
+              <a:t>の可能性</a:t>
+            </a:r>
+          </a:p>
+        </p:txBody>
+      </p:sp>
+      <p:sp>
+        <p:nvSpPr>
+          <p:cNvPr id="3" name="コンテンツ プレースホルダー 2">
+            <a:extLst>
+              <a:ext uri="{FF2B5EF4-FFF2-40B4-BE49-F238E27FC236}">
+                <a16:creationId xmlns:a16="http://schemas.microsoft.com/office/drawing/2014/main" id="{1E815E2C-35DE-441F-860D-34AECE6DA488}"/>
+              </a:ext>
+            </a:extLst>
+          </p:cNvPr>
+          <p:cNvSpPr>
+            <a:spLocks noGrp="1"/>
+          </p:cNvSpPr>
+          <p:nvPr>
+            <p:ph idx="1"/>
+          </p:nvPr>
+        </p:nvSpPr>
+        <p:spPr/>
+        <p:txBody>
+          <a:bodyPr/>
+          <a:lstStyle/>
+          <a:p>
+            <a:endParaRPr kumimoji="1" lang="ja-JP" altLang="en-US" dirty="0"/>
+          </a:p>
+        </p:txBody>
+      </p:sp>
+    </p:spTree>
+    <p:extLst>
+      <p:ext uri="{BB962C8B-B14F-4D97-AF65-F5344CB8AC3E}">
+        <p14:creationId xmlns:p14="http://schemas.microsoft.com/office/powerpoint/2010/main" val="1361338163"/>
+      </p:ext>
+    </p:extLst>
+  </p:cSld>
+  <p:clrMapOvr>
+    <a:masterClrMapping/>
+  </p:clrMapOvr>
+</p:sld>
+</file>
+
 <file path=ppt/slides/slide26.xml><?xml version="1.0" encoding="utf-8"?>
 <p:sld xmlns:a="http://schemas.openxmlformats.org/drawingml/2006/main" xmlns:r="http://schemas.openxmlformats.org/officeDocument/2006/relationships" xmlns:p="http://schemas.openxmlformats.org/presentationml/2006/main">
   <p:cSld>
@@ -12967,93 +12985,6 @@
           <p:cNvPr id="2" name="タイトル 1">
             <a:extLst>
               <a:ext uri="{FF2B5EF4-FFF2-40B4-BE49-F238E27FC236}">
-                <a16:creationId xmlns:a16="http://schemas.microsoft.com/office/drawing/2014/main" id="{B43B901B-C015-40EF-B4CD-3F5F25F44EC0}"/>
-              </a:ext>
-            </a:extLst>
-          </p:cNvPr>
-          <p:cNvSpPr>
-            <a:spLocks noGrp="1"/>
-          </p:cNvSpPr>
-          <p:nvPr>
-            <p:ph type="title"/>
-          </p:nvPr>
-        </p:nvSpPr>
-        <p:spPr/>
-        <p:txBody>
-          <a:bodyPr/>
-          <a:lstStyle/>
-          <a:p>
-            <a:r>
-              <a:rPr kumimoji="1" lang="en-US" altLang="ja-JP" dirty="0"/>
-              <a:t>YoSiE</a:t>
-            </a:r>
-            <a:r>
-              <a:rPr kumimoji="1" lang="ja-JP" altLang="en-US" dirty="0"/>
-              <a:t>の可能性</a:t>
-            </a:r>
-          </a:p>
-        </p:txBody>
-      </p:sp>
-      <p:sp>
-        <p:nvSpPr>
-          <p:cNvPr id="3" name="コンテンツ プレースホルダー 2">
-            <a:extLst>
-              <a:ext uri="{FF2B5EF4-FFF2-40B4-BE49-F238E27FC236}">
-                <a16:creationId xmlns:a16="http://schemas.microsoft.com/office/drawing/2014/main" id="{1E815E2C-35DE-441F-860D-34AECE6DA488}"/>
-              </a:ext>
-            </a:extLst>
-          </p:cNvPr>
-          <p:cNvSpPr>
-            <a:spLocks noGrp="1"/>
-          </p:cNvSpPr>
-          <p:nvPr>
-            <p:ph idx="1"/>
-          </p:nvPr>
-        </p:nvSpPr>
-        <p:spPr/>
-        <p:txBody>
-          <a:bodyPr/>
-          <a:lstStyle/>
-          <a:p>
-            <a:endParaRPr kumimoji="1" lang="ja-JP" altLang="en-US" dirty="0"/>
-          </a:p>
-        </p:txBody>
-      </p:sp>
-    </p:spTree>
-    <p:extLst>
-      <p:ext uri="{BB962C8B-B14F-4D97-AF65-F5344CB8AC3E}">
-        <p14:creationId xmlns:p14="http://schemas.microsoft.com/office/powerpoint/2010/main" val="1361338163"/>
-      </p:ext>
-    </p:extLst>
-  </p:cSld>
-  <p:clrMapOvr>
-    <a:masterClrMapping/>
-  </p:clrMapOvr>
-</p:sld>
-</file>
-
-<file path=ppt/slides/slide27.xml><?xml version="1.0" encoding="utf-8"?>
-<p:sld xmlns:a="http://schemas.openxmlformats.org/drawingml/2006/main" xmlns:r="http://schemas.openxmlformats.org/officeDocument/2006/relationships" xmlns:p="http://schemas.openxmlformats.org/presentationml/2006/main">
-  <p:cSld>
-    <p:spTree>
-      <p:nvGrpSpPr>
-        <p:cNvPr id="1" name=""/>
-        <p:cNvGrpSpPr/>
-        <p:nvPr/>
-      </p:nvGrpSpPr>
-      <p:grpSpPr>
-        <a:xfrm>
-          <a:off x="0" y="0"/>
-          <a:ext cx="0" cy="0"/>
-          <a:chOff x="0" y="0"/>
-          <a:chExt cx="0" cy="0"/>
-        </a:xfrm>
-      </p:grpSpPr>
-      <p:sp>
-        <p:nvSpPr>
-          <p:cNvPr id="2" name="タイトル 1">
-            <a:extLst>
-              <a:ext uri="{FF2B5EF4-FFF2-40B4-BE49-F238E27FC236}">
                 <a16:creationId xmlns:a16="http://schemas.microsoft.com/office/drawing/2014/main" id="{42CA8915-FB85-4BA5-A8D7-C244E846FAA7}"/>
               </a:ext>
             </a:extLst>
@@ -13116,7 +13047,7 @@
 </p:sld>
 </file>
 
-<file path=ppt/slides/slide28.xml><?xml version="1.0" encoding="utf-8"?>
+<file path=ppt/slides/slide27.xml><?xml version="1.0" encoding="utf-8"?>
 <p:sld xmlns:a="http://schemas.openxmlformats.org/drawingml/2006/main" xmlns:r="http://schemas.openxmlformats.org/officeDocument/2006/relationships" xmlns:p="http://schemas.openxmlformats.org/presentationml/2006/main">
   <p:cSld>
     <p:spTree>
@@ -17187,6 +17118,30 @@
                 </a:solidFill>
               </a:rPr>
               <a:t>雨</a:t>
+            </a:r>
+            <a:r>
+              <a:rPr lang="en-US" altLang="ja-JP" sz="4800" b="1" dirty="0">
+                <a:solidFill>
+                  <a:srgbClr val="FF0000"/>
+                </a:solidFill>
+              </a:rPr>
+              <a:t>(</a:t>
+            </a:r>
+            <a:r>
+              <a:rPr lang="ja-JP" altLang="en-US" sz="4800" b="1" dirty="0">
+                <a:solidFill>
+                  <a:srgbClr val="FF0000"/>
+                </a:solidFill>
+              </a:rPr>
+              <a:t>あめ</a:t>
+            </a:r>
+            <a:r>
+              <a:rPr lang="en-US" altLang="ja-JP" sz="4800" b="1" dirty="0">
+                <a:solidFill>
+                  <a:srgbClr val="FF0000"/>
+                </a:solidFill>
+              </a:rPr>
+              <a:t>)</a:t>
             </a:r>
             <a:r>
               <a:rPr lang="ja-JP" altLang="en-US" sz="4800" dirty="0"/>

--- a/presentation/AIスピーカー開発_3_main.pptx
+++ b/presentation/AIスピーカー開発_3_main.pptx
@@ -5,7 +5,7 @@
     <p:sldMasterId id="2147483648" r:id="rId1"/>
   </p:sldMasterIdLst>
   <p:notesMasterIdLst>
-    <p:notesMasterId r:id="rId29"/>
+    <p:notesMasterId r:id="rId30"/>
   </p:notesMasterIdLst>
   <p:sldIdLst>
     <p:sldId id="256" r:id="rId2"/>
@@ -31,10 +31,11 @@
     <p:sldId id="275" r:id="rId22"/>
     <p:sldId id="269" r:id="rId23"/>
     <p:sldId id="266" r:id="rId24"/>
-    <p:sldId id="277" r:id="rId25"/>
-    <p:sldId id="267" r:id="rId26"/>
-    <p:sldId id="279" r:id="rId27"/>
-    <p:sldId id="268" r:id="rId28"/>
+    <p:sldId id="289" r:id="rId25"/>
+    <p:sldId id="288" r:id="rId26"/>
+    <p:sldId id="267" r:id="rId27"/>
+    <p:sldId id="279" r:id="rId28"/>
+    <p:sldId id="268" r:id="rId29"/>
   </p:sldIdLst>
   <p:sldSz cx="12192000" cy="6858000"/>
   <p:notesSz cx="6858000" cy="9144000"/>
@@ -2767,7 +2768,7 @@
           <a:p>
             <a:fld id="{D3FBB20C-20C4-49AD-85A3-C66C862503B5}" type="datetimeFigureOut">
               <a:rPr kumimoji="1" lang="ja-JP" altLang="en-US" smtClean="0"/>
-              <a:t>2022/1/17</a:t>
+              <a:t>2022/1/18</a:t>
             </a:fld>
             <a:endParaRPr kumimoji="1" lang="ja-JP" altLang="en-US"/>
           </a:p>
@@ -3807,7 +3808,18 @@
           <a:bodyPr/>
           <a:lstStyle/>
           <a:p>
-            <a:endParaRPr kumimoji="1" lang="ja-JP" altLang="en-US" dirty="0"/>
+            <a:r>
+              <a:rPr kumimoji="1" lang="ja-JP" altLang="en-US" dirty="0"/>
+              <a:t>よしえにいってもーら</a:t>
+            </a:r>
+            <a:r>
+              <a:rPr kumimoji="1" lang="ja-JP" altLang="en-US" dirty="0" err="1"/>
+              <a:t>お</a:t>
+            </a:r>
+            <a:r>
+              <a:rPr kumimoji="1" lang="ja-JP" altLang="en-US" dirty="0"/>
+              <a:t>！</a:t>
+            </a:r>
           </a:p>
         </p:txBody>
       </p:sp>
@@ -3828,102 +3840,7 @@
           <a:p>
             <a:fld id="{1A2E7C28-4903-4521-8E60-0F80C627678B}" type="slidenum">
               <a:rPr kumimoji="1" lang="ja-JP" altLang="en-US" smtClean="0"/>
-              <a:t>24</a:t>
-            </a:fld>
-            <a:endParaRPr kumimoji="1" lang="ja-JP" altLang="en-US"/>
-          </a:p>
-        </p:txBody>
-      </p:sp>
-    </p:spTree>
-    <p:extLst>
-      <p:ext uri="{BB962C8B-B14F-4D97-AF65-F5344CB8AC3E}">
-        <p14:creationId xmlns:p14="http://schemas.microsoft.com/office/powerpoint/2010/main" val="1265379811"/>
-      </p:ext>
-    </p:extLst>
-  </p:cSld>
-  <p:clrMapOvr>
-    <a:masterClrMapping/>
-  </p:clrMapOvr>
-</p:notes>
-</file>
-
-<file path=ppt/notesSlides/notesSlide9.xml><?xml version="1.0" encoding="utf-8"?>
-<p:notes xmlns:a="http://schemas.openxmlformats.org/drawingml/2006/main" xmlns:r="http://schemas.openxmlformats.org/officeDocument/2006/relationships" xmlns:p="http://schemas.openxmlformats.org/presentationml/2006/main">
-  <p:cSld>
-    <p:spTree>
-      <p:nvGrpSpPr>
-        <p:cNvPr id="1" name=""/>
-        <p:cNvGrpSpPr/>
-        <p:nvPr/>
-      </p:nvGrpSpPr>
-      <p:grpSpPr>
-        <a:xfrm>
-          <a:off x="0" y="0"/>
-          <a:ext cx="0" cy="0"/>
-          <a:chOff x="0" y="0"/>
-          <a:chExt cx="0" cy="0"/>
-        </a:xfrm>
-      </p:grpSpPr>
-      <p:sp>
-        <p:nvSpPr>
-          <p:cNvPr id="2" name="スライド イメージ プレースホルダー 1"/>
-          <p:cNvSpPr>
-            <a:spLocks noGrp="1" noRot="1" noChangeAspect="1"/>
-          </p:cNvSpPr>
-          <p:nvPr>
-            <p:ph type="sldImg"/>
-          </p:nvPr>
-        </p:nvSpPr>
-        <p:spPr/>
-      </p:sp>
-      <p:sp>
-        <p:nvSpPr>
-          <p:cNvPr id="3" name="ノート プレースホルダー 2"/>
-          <p:cNvSpPr>
-            <a:spLocks noGrp="1"/>
-          </p:cNvSpPr>
-          <p:nvPr>
-            <p:ph type="body" idx="1"/>
-          </p:nvPr>
-        </p:nvSpPr>
-        <p:spPr/>
-        <p:txBody>
-          <a:bodyPr/>
-          <a:lstStyle/>
-          <a:p>
-            <a:r>
-              <a:rPr kumimoji="1" lang="ja-JP" altLang="en-US" dirty="0"/>
-              <a:t>よしえにいってもーら</a:t>
-            </a:r>
-            <a:r>
-              <a:rPr kumimoji="1" lang="ja-JP" altLang="en-US" dirty="0" err="1"/>
-              <a:t>お</a:t>
-            </a:r>
-            <a:r>
-              <a:rPr kumimoji="1" lang="ja-JP" altLang="en-US" dirty="0"/>
-              <a:t>！</a:t>
-            </a:r>
-          </a:p>
-        </p:txBody>
-      </p:sp>
-      <p:sp>
-        <p:nvSpPr>
-          <p:cNvPr id="4" name="スライド番号プレースホルダー 3"/>
-          <p:cNvSpPr>
-            <a:spLocks noGrp="1"/>
-          </p:cNvSpPr>
-          <p:nvPr>
-            <p:ph type="sldNum" sz="quarter" idx="5"/>
-          </p:nvPr>
-        </p:nvSpPr>
-        <p:spPr/>
-        <p:txBody>
-          <a:bodyPr/>
-          <a:lstStyle/>
-          <a:p>
-            <a:fld id="{1A2E7C28-4903-4521-8E60-0F80C627678B}" type="slidenum">
-              <a:rPr kumimoji="1" lang="ja-JP" altLang="en-US" smtClean="0"/>
-              <a:t>27</a:t>
+              <a:t>28</a:t>
             </a:fld>
             <a:endParaRPr kumimoji="1" lang="ja-JP" altLang="en-US"/>
           </a:p>
@@ -4089,7 +4006,7 @@
           <a:p>
             <a:fld id="{C63D219B-6862-4E6A-9F9E-C4C4759712F9}" type="datetimeFigureOut">
               <a:rPr kumimoji="1" lang="ja-JP" altLang="en-US" smtClean="0"/>
-              <a:t>2022/1/17</a:t>
+              <a:t>2022/1/18</a:t>
             </a:fld>
             <a:endParaRPr kumimoji="1" lang="ja-JP" altLang="en-US"/>
           </a:p>
@@ -4319,7 +4236,7 @@
           <a:p>
             <a:fld id="{C63D219B-6862-4E6A-9F9E-C4C4759712F9}" type="datetimeFigureOut">
               <a:rPr kumimoji="1" lang="ja-JP" altLang="en-US" smtClean="0"/>
-              <a:t>2022/1/17</a:t>
+              <a:t>2022/1/18</a:t>
             </a:fld>
             <a:endParaRPr kumimoji="1" lang="ja-JP" altLang="en-US"/>
           </a:p>
@@ -4559,7 +4476,7 @@
           <a:p>
             <a:fld id="{C63D219B-6862-4E6A-9F9E-C4C4759712F9}" type="datetimeFigureOut">
               <a:rPr kumimoji="1" lang="ja-JP" altLang="en-US" smtClean="0"/>
-              <a:t>2022/1/17</a:t>
+              <a:t>2022/1/18</a:t>
             </a:fld>
             <a:endParaRPr kumimoji="1" lang="ja-JP" altLang="en-US"/>
           </a:p>
@@ -4789,7 +4706,7 @@
           <a:p>
             <a:fld id="{C63D219B-6862-4E6A-9F9E-C4C4759712F9}" type="datetimeFigureOut">
               <a:rPr kumimoji="1" lang="ja-JP" altLang="en-US" smtClean="0"/>
-              <a:t>2022/1/17</a:t>
+              <a:t>2022/1/18</a:t>
             </a:fld>
             <a:endParaRPr kumimoji="1" lang="ja-JP" altLang="en-US"/>
           </a:p>
@@ -5064,7 +4981,7 @@
           <a:p>
             <a:fld id="{C63D219B-6862-4E6A-9F9E-C4C4759712F9}" type="datetimeFigureOut">
               <a:rPr kumimoji="1" lang="ja-JP" altLang="en-US" smtClean="0"/>
-              <a:t>2022/1/17</a:t>
+              <a:t>2022/1/18</a:t>
             </a:fld>
             <a:endParaRPr kumimoji="1" lang="ja-JP" altLang="en-US"/>
           </a:p>
@@ -5393,7 +5310,7 @@
           <a:p>
             <a:fld id="{C63D219B-6862-4E6A-9F9E-C4C4759712F9}" type="datetimeFigureOut">
               <a:rPr kumimoji="1" lang="ja-JP" altLang="en-US" smtClean="0"/>
-              <a:t>2022/1/17</a:t>
+              <a:t>2022/1/18</a:t>
             </a:fld>
             <a:endParaRPr kumimoji="1" lang="ja-JP" altLang="en-US"/>
           </a:p>
@@ -5869,7 +5786,7 @@
           <a:p>
             <a:fld id="{C63D219B-6862-4E6A-9F9E-C4C4759712F9}" type="datetimeFigureOut">
               <a:rPr kumimoji="1" lang="ja-JP" altLang="en-US" smtClean="0"/>
-              <a:t>2022/1/17</a:t>
+              <a:t>2022/1/18</a:t>
             </a:fld>
             <a:endParaRPr kumimoji="1" lang="ja-JP" altLang="en-US"/>
           </a:p>
@@ -6010,7 +5927,7 @@
           <a:p>
             <a:fld id="{C63D219B-6862-4E6A-9F9E-C4C4759712F9}" type="datetimeFigureOut">
               <a:rPr kumimoji="1" lang="ja-JP" altLang="en-US" smtClean="0"/>
-              <a:t>2022/1/17</a:t>
+              <a:t>2022/1/18</a:t>
             </a:fld>
             <a:endParaRPr kumimoji="1" lang="ja-JP" altLang="en-US"/>
           </a:p>
@@ -6123,7 +6040,7 @@
           <a:p>
             <a:fld id="{C63D219B-6862-4E6A-9F9E-C4C4759712F9}" type="datetimeFigureOut">
               <a:rPr kumimoji="1" lang="ja-JP" altLang="en-US" smtClean="0"/>
-              <a:t>2022/1/17</a:t>
+              <a:t>2022/1/18</a:t>
             </a:fld>
             <a:endParaRPr kumimoji="1" lang="ja-JP" altLang="en-US"/>
           </a:p>
@@ -6466,7 +6383,7 @@
           <a:p>
             <a:fld id="{C63D219B-6862-4E6A-9F9E-C4C4759712F9}" type="datetimeFigureOut">
               <a:rPr kumimoji="1" lang="ja-JP" altLang="en-US" smtClean="0"/>
-              <a:t>2022/1/17</a:t>
+              <a:t>2022/1/18</a:t>
             </a:fld>
             <a:endParaRPr kumimoji="1" lang="ja-JP" altLang="en-US"/>
           </a:p>
@@ -6754,7 +6671,7 @@
           <a:p>
             <a:fld id="{C63D219B-6862-4E6A-9F9E-C4C4759712F9}" type="datetimeFigureOut">
               <a:rPr kumimoji="1" lang="ja-JP" altLang="en-US" smtClean="0"/>
-              <a:t>2022/1/17</a:t>
+              <a:t>2022/1/18</a:t>
             </a:fld>
             <a:endParaRPr kumimoji="1" lang="ja-JP" altLang="en-US"/>
           </a:p>
@@ -7054,7 +6971,7 @@
           <a:p>
             <a:fld id="{C63D219B-6862-4E6A-9F9E-C4C4759712F9}" type="datetimeFigureOut">
               <a:rPr kumimoji="1" lang="ja-JP" altLang="en-US" smtClean="0"/>
-              <a:t>2022/1/17</a:t>
+              <a:t>2022/1/18</a:t>
             </a:fld>
             <a:endParaRPr kumimoji="1" lang="ja-JP" altLang="en-US"/>
           </a:p>
@@ -12156,7 +12073,12 @@
             <p:ph type="title"/>
           </p:nvPr>
         </p:nvSpPr>
-        <p:spPr/>
+        <p:spPr>
+          <a:xfrm>
+            <a:off x="-3072" y="18255"/>
+            <a:ext cx="10515600" cy="1325563"/>
+          </a:xfrm>
+        </p:spPr>
         <p:txBody>
           <a:bodyPr/>
           <a:lstStyle/>
@@ -12165,81 +12087,21 @@
               <a:rPr kumimoji="1" lang="ja-JP" altLang="en-US" dirty="0"/>
               <a:t>実行ファイル</a:t>
             </a:r>
+            <a:br>
+              <a:rPr kumimoji="1" lang="en-US" altLang="ja-JP" dirty="0"/>
+            </a:br>
+            <a:r>
+              <a:rPr kumimoji="1" lang="en-US" altLang="ja-JP" dirty="0"/>
+              <a:t>yosie</a:t>
+            </a:r>
+            <a:r>
+              <a:rPr lang="en-US" altLang="ja-JP" dirty="0"/>
+              <a:t>.sh</a:t>
+            </a:r>
+            <a:endParaRPr kumimoji="1" lang="ja-JP" altLang="en-US" dirty="0"/>
           </a:p>
         </p:txBody>
       </p:sp>
-      <p:sp>
-        <p:nvSpPr>
-          <p:cNvPr id="3" name="コンテンツ プレースホルダー 2">
-            <a:extLst>
-              <a:ext uri="{FF2B5EF4-FFF2-40B4-BE49-F238E27FC236}">
-                <a16:creationId xmlns:a16="http://schemas.microsoft.com/office/drawing/2014/main" id="{69DE47EB-7D6D-49AB-9AD1-0A77390D212D}"/>
-              </a:ext>
-            </a:extLst>
-          </p:cNvPr>
-          <p:cNvSpPr>
-            <a:spLocks noGrp="1"/>
-          </p:cNvSpPr>
-          <p:nvPr>
-            <p:ph idx="1"/>
-          </p:nvPr>
-        </p:nvSpPr>
-        <p:spPr/>
-        <p:txBody>
-          <a:bodyPr/>
-          <a:lstStyle/>
-          <a:p>
-            <a:pPr marL="0" indent="0">
-              <a:buNone/>
-            </a:pPr>
-            <a:r>
-              <a:rPr lang="en-US" altLang="ja-JP" b="1" dirty="0"/>
-              <a:t>y</a:t>
-            </a:r>
-            <a:r>
-              <a:rPr kumimoji="1" lang="en-US" altLang="ja-JP" b="1" dirty="0"/>
-              <a:t>osie.sh</a:t>
-            </a:r>
-            <a:endParaRPr kumimoji="1" lang="ja-JP" altLang="en-US" b="1" dirty="0"/>
-          </a:p>
-        </p:txBody>
-      </p:sp>
-      <p:pic>
-        <p:nvPicPr>
-          <p:cNvPr id="5" name="図 4">
-            <a:extLst>
-              <a:ext uri="{FF2B5EF4-FFF2-40B4-BE49-F238E27FC236}">
-                <a16:creationId xmlns:a16="http://schemas.microsoft.com/office/drawing/2014/main" id="{902DE915-7CA6-4F32-A692-65463E1DB534}"/>
-              </a:ext>
-            </a:extLst>
-          </p:cNvPr>
-          <p:cNvPicPr>
-            <a:picLocks noChangeAspect="1"/>
-          </p:cNvPicPr>
-          <p:nvPr/>
-        </p:nvPicPr>
-        <p:blipFill>
-          <a:blip r:embed="rId2">
-            <a:extLst>
-              <a:ext uri="{28A0092B-C50C-407E-A947-70E740481C1C}">
-                <a14:useLocalDpi xmlns:a14="http://schemas.microsoft.com/office/drawing/2010/main" val="0"/>
-              </a:ext>
-            </a:extLst>
-          </a:blip>
-          <a:stretch>
-            <a:fillRect/>
-          </a:stretch>
-        </p:blipFill>
-        <p:spPr>
-          <a:xfrm>
-            <a:off x="2494641" y="1690688"/>
-            <a:ext cx="8017887" cy="4998804"/>
-          </a:xfrm>
-          <a:prstGeom prst="rect">
-            <a:avLst/>
-          </a:prstGeom>
-        </p:spPr>
-      </p:pic>
       <p:sp>
         <p:nvSpPr>
           <p:cNvPr id="6" name="正方形/長方形 5">
@@ -12297,6 +12159,42 @@
           </a:p>
         </p:txBody>
       </p:sp>
+      <p:pic>
+        <p:nvPicPr>
+          <p:cNvPr id="9" name="図 8">
+            <a:extLst>
+              <a:ext uri="{FF2B5EF4-FFF2-40B4-BE49-F238E27FC236}">
+                <a16:creationId xmlns:a16="http://schemas.microsoft.com/office/drawing/2014/main" id="{58495B0B-5E39-456F-B0E1-B27B83487C33}"/>
+              </a:ext>
+            </a:extLst>
+          </p:cNvPr>
+          <p:cNvPicPr>
+            <a:picLocks noChangeAspect="1"/>
+          </p:cNvPicPr>
+          <p:nvPr/>
+        </p:nvPicPr>
+        <p:blipFill>
+          <a:blip r:embed="rId2">
+            <a:extLst>
+              <a:ext uri="{28A0092B-C50C-407E-A947-70E740481C1C}">
+                <a14:useLocalDpi xmlns:a14="http://schemas.microsoft.com/office/drawing/2010/main" val="0"/>
+              </a:ext>
+            </a:extLst>
+          </a:blip>
+          <a:stretch>
+            <a:fillRect/>
+          </a:stretch>
+        </p:blipFill>
+        <p:spPr>
+          <a:xfrm>
+            <a:off x="1054139" y="1280160"/>
+            <a:ext cx="7926058" cy="5124994"/>
+          </a:xfrm>
+          <a:prstGeom prst="rect">
+            <a:avLst/>
+          </a:prstGeom>
+        </p:spPr>
+      </p:pic>
     </p:spTree>
     <p:extLst>
       <p:ext uri="{BB962C8B-B14F-4D97-AF65-F5344CB8AC3E}">
@@ -12343,7 +12241,12 @@
             <p:ph type="title"/>
           </p:nvPr>
         </p:nvSpPr>
-        <p:spPr/>
+        <p:spPr>
+          <a:xfrm>
+            <a:off x="-3072" y="18255"/>
+            <a:ext cx="10515600" cy="1325563"/>
+          </a:xfrm>
+        </p:spPr>
         <p:txBody>
           <a:bodyPr/>
           <a:lstStyle/>
@@ -12352,81 +12255,21 @@
               <a:rPr kumimoji="1" lang="ja-JP" altLang="en-US" dirty="0"/>
               <a:t>実行ファイル</a:t>
             </a:r>
+            <a:br>
+              <a:rPr kumimoji="1" lang="en-US" altLang="ja-JP" dirty="0"/>
+            </a:br>
+            <a:r>
+              <a:rPr kumimoji="1" lang="en-US" altLang="ja-JP" dirty="0"/>
+              <a:t>yosie</a:t>
+            </a:r>
+            <a:r>
+              <a:rPr lang="en-US" altLang="ja-JP" dirty="0"/>
+              <a:t>.sh</a:t>
+            </a:r>
+            <a:endParaRPr kumimoji="1" lang="ja-JP" altLang="en-US" dirty="0"/>
           </a:p>
         </p:txBody>
       </p:sp>
-      <p:sp>
-        <p:nvSpPr>
-          <p:cNvPr id="3" name="コンテンツ プレースホルダー 2">
-            <a:extLst>
-              <a:ext uri="{FF2B5EF4-FFF2-40B4-BE49-F238E27FC236}">
-                <a16:creationId xmlns:a16="http://schemas.microsoft.com/office/drawing/2014/main" id="{69DE47EB-7D6D-49AB-9AD1-0A77390D212D}"/>
-              </a:ext>
-            </a:extLst>
-          </p:cNvPr>
-          <p:cNvSpPr>
-            <a:spLocks noGrp="1"/>
-          </p:cNvSpPr>
-          <p:nvPr>
-            <p:ph idx="1"/>
-          </p:nvPr>
-        </p:nvSpPr>
-        <p:spPr/>
-        <p:txBody>
-          <a:bodyPr/>
-          <a:lstStyle/>
-          <a:p>
-            <a:pPr marL="0" indent="0">
-              <a:buNone/>
-            </a:pPr>
-            <a:r>
-              <a:rPr lang="en-US" altLang="ja-JP" b="1" dirty="0"/>
-              <a:t>y</a:t>
-            </a:r>
-            <a:r>
-              <a:rPr kumimoji="1" lang="en-US" altLang="ja-JP" b="1" dirty="0"/>
-              <a:t>osie.sh</a:t>
-            </a:r>
-            <a:endParaRPr kumimoji="1" lang="ja-JP" altLang="en-US" b="1" dirty="0"/>
-          </a:p>
-        </p:txBody>
-      </p:sp>
-      <p:pic>
-        <p:nvPicPr>
-          <p:cNvPr id="5" name="図 4">
-            <a:extLst>
-              <a:ext uri="{FF2B5EF4-FFF2-40B4-BE49-F238E27FC236}">
-                <a16:creationId xmlns:a16="http://schemas.microsoft.com/office/drawing/2014/main" id="{902DE915-7CA6-4F32-A692-65463E1DB534}"/>
-              </a:ext>
-            </a:extLst>
-          </p:cNvPr>
-          <p:cNvPicPr>
-            <a:picLocks noChangeAspect="1"/>
-          </p:cNvPicPr>
-          <p:nvPr/>
-        </p:nvPicPr>
-        <p:blipFill>
-          <a:blip r:embed="rId3">
-            <a:extLst>
-              <a:ext uri="{28A0092B-C50C-407E-A947-70E740481C1C}">
-                <a14:useLocalDpi xmlns:a14="http://schemas.microsoft.com/office/drawing/2010/main" val="0"/>
-              </a:ext>
-            </a:extLst>
-          </a:blip>
-          <a:stretch>
-            <a:fillRect/>
-          </a:stretch>
-        </p:blipFill>
-        <p:spPr>
-          <a:xfrm>
-            <a:off x="2475185" y="1690688"/>
-            <a:ext cx="8017887" cy="4998804"/>
-          </a:xfrm>
-          <a:prstGeom prst="rect">
-            <a:avLst/>
-          </a:prstGeom>
-        </p:spPr>
-      </p:pic>
       <p:sp>
         <p:nvSpPr>
           <p:cNvPr id="6" name="正方形/長方形 5">
@@ -12484,12 +12327,48 @@
           </a:p>
         </p:txBody>
       </p:sp>
+      <p:pic>
+        <p:nvPicPr>
+          <p:cNvPr id="9" name="図 8">
+            <a:extLst>
+              <a:ext uri="{FF2B5EF4-FFF2-40B4-BE49-F238E27FC236}">
+                <a16:creationId xmlns:a16="http://schemas.microsoft.com/office/drawing/2014/main" id="{58495B0B-5E39-456F-B0E1-B27B83487C33}"/>
+              </a:ext>
+            </a:extLst>
+          </p:cNvPr>
+          <p:cNvPicPr>
+            <a:picLocks noChangeAspect="1"/>
+          </p:cNvPicPr>
+          <p:nvPr/>
+        </p:nvPicPr>
+        <p:blipFill>
+          <a:blip r:embed="rId2">
+            <a:extLst>
+              <a:ext uri="{28A0092B-C50C-407E-A947-70E740481C1C}">
+                <a14:useLocalDpi xmlns:a14="http://schemas.microsoft.com/office/drawing/2010/main" val="0"/>
+              </a:ext>
+            </a:extLst>
+          </a:blip>
+          <a:stretch>
+            <a:fillRect/>
+          </a:stretch>
+        </p:blipFill>
+        <p:spPr>
+          <a:xfrm>
+            <a:off x="1054139" y="1280160"/>
+            <a:ext cx="7926058" cy="5124994"/>
+          </a:xfrm>
+          <a:prstGeom prst="rect">
+            <a:avLst/>
+          </a:prstGeom>
+        </p:spPr>
+      </p:pic>
       <p:sp>
         <p:nvSpPr>
-          <p:cNvPr id="7" name="テキスト ボックス 6">
+          <p:cNvPr id="5" name="テキスト ボックス 4">
             <a:extLst>
               <a:ext uri="{FF2B5EF4-FFF2-40B4-BE49-F238E27FC236}">
-                <a16:creationId xmlns:a16="http://schemas.microsoft.com/office/drawing/2014/main" id="{AA718F83-8DC1-451F-AB9B-CB6C2DCD112E}"/>
+                <a16:creationId xmlns:a16="http://schemas.microsoft.com/office/drawing/2014/main" id="{C4A48DA7-DEE7-4151-9DD8-FC120F65F2BC}"/>
               </a:ext>
             </a:extLst>
           </p:cNvPr>
@@ -12498,8 +12377,8 @@
         </p:nvSpPr>
         <p:spPr>
           <a:xfrm>
-            <a:off x="2475184" y="1690688"/>
-            <a:ext cx="8017887" cy="4998804"/>
+            <a:off x="1054140" y="1280160"/>
+            <a:ext cx="7926058" cy="5124994"/>
           </a:xfrm>
           <a:prstGeom prst="rect">
             <a:avLst/>
@@ -12703,10 +12582,10 @@
       </p:sp>
       <p:sp>
         <p:nvSpPr>
-          <p:cNvPr id="4" name="テキスト ボックス 3">
+          <p:cNvPr id="7" name="テキスト ボックス 6">
             <a:extLst>
               <a:ext uri="{FF2B5EF4-FFF2-40B4-BE49-F238E27FC236}">
-                <a16:creationId xmlns:a16="http://schemas.microsoft.com/office/drawing/2014/main" id="{CFE4B0F4-A232-480B-8F5B-BB385ABF8764}"/>
+                <a16:creationId xmlns:a16="http://schemas.microsoft.com/office/drawing/2014/main" id="{4F51C8EC-D8A4-4EED-9A9C-C5A805C60AAC}"/>
               </a:ext>
             </a:extLst>
           </p:cNvPr>
@@ -12715,7 +12594,7 @@
         </p:nvSpPr>
         <p:spPr>
           <a:xfrm>
-            <a:off x="2552186" y="3270192"/>
+            <a:off x="1123807" y="2842383"/>
             <a:ext cx="5534571" cy="2000548"/>
           </a:xfrm>
           <a:prstGeom prst="rect">
@@ -12768,25 +12647,13 @@
     </p:spTree>
     <p:extLst>
       <p:ext uri="{BB962C8B-B14F-4D97-AF65-F5344CB8AC3E}">
-        <p14:creationId xmlns:p14="http://schemas.microsoft.com/office/powerpoint/2010/main" val="2745729689"/>
+        <p14:creationId xmlns:p14="http://schemas.microsoft.com/office/powerpoint/2010/main" val="13012092"/>
       </p:ext>
     </p:extLst>
   </p:cSld>
   <p:clrMapOvr>
     <a:masterClrMapping/>
   </p:clrMapOvr>
-  <mc:AlternateContent xmlns:mc="http://schemas.openxmlformats.org/markup-compatibility/2006" xmlns:p14="http://schemas.microsoft.com/office/powerpoint/2010/main">
-    <mc:Choice Requires="p14">
-      <p:transition spd="med" p14:dur="700">
-        <p:fade/>
-      </p:transition>
-    </mc:Choice>
-    <mc:Fallback xmlns="">
-      <p:transition spd="med">
-        <p:fade/>
-      </p:transition>
-    </mc:Fallback>
-  </mc:AlternateContent>
   <p:timing>
     <p:tnLst>
       <p:par>
@@ -12821,7 +12688,7 @@
                                           </p:stCondLst>
                                         </p:cTn>
                                         <p:tgtEl>
-                                          <p:spTgt spid="4"/>
+                                          <p:spTgt spid="7"/>
                                         </p:tgtEl>
                                         <p:attrNameLst>
                                           <p:attrName>style.visibility</p:attrName>
@@ -12835,7 +12702,7 @@
                                       <p:cBhvr>
                                         <p:cTn id="7" dur="250"/>
                                         <p:tgtEl>
-                                          <p:spTgt spid="4"/>
+                                          <p:spTgt spid="7"/>
                                         </p:tgtEl>
                                       </p:cBhvr>
                                     </p:animEffect>
@@ -12870,7 +12737,7 @@
       </p:par>
     </p:tnLst>
     <p:bldLst>
-      <p:bldP spid="4" grpId="0" animBg="1"/>
+      <p:bldP spid="7" grpId="0" animBg="1"/>
     </p:bldLst>
   </p:timing>
 </p:sld>
@@ -12898,7 +12765,7 @@
           <p:cNvPr id="2" name="タイトル 1">
             <a:extLst>
               <a:ext uri="{FF2B5EF4-FFF2-40B4-BE49-F238E27FC236}">
-                <a16:creationId xmlns:a16="http://schemas.microsoft.com/office/drawing/2014/main" id="{B43B901B-C015-40EF-B4CD-3F5F25F44EC0}"/>
+                <a16:creationId xmlns:a16="http://schemas.microsoft.com/office/drawing/2014/main" id="{5D38BE16-C520-4F8D-B63B-F4701AA70E20}"/>
               </a:ext>
             </a:extLst>
           </p:cNvPr>
@@ -12909,57 +12776,3928 @@
             <p:ph type="title"/>
           </p:nvPr>
         </p:nvSpPr>
-        <p:spPr/>
+        <p:spPr>
+          <a:xfrm>
+            <a:off x="0" y="0"/>
+            <a:ext cx="10515600" cy="1325563"/>
+          </a:xfrm>
+        </p:spPr>
         <p:txBody>
           <a:bodyPr/>
           <a:lstStyle/>
           <a:p>
             <a:r>
-              <a:rPr kumimoji="1" lang="en-US" altLang="ja-JP" dirty="0"/>
-              <a:t>YoSiE</a:t>
-            </a:r>
-            <a:r>
-              <a:rPr kumimoji="1" lang="ja-JP" altLang="en-US" dirty="0"/>
-              <a:t>の可能性</a:t>
-            </a:r>
+              <a:rPr lang="ja-JP" altLang="en-US" dirty="0"/>
+              <a:t>実行ファイル</a:t>
+            </a:r>
+            <a:br>
+              <a:rPr lang="en-US" altLang="ja-JP" dirty="0"/>
+            </a:br>
+            <a:r>
+              <a:rPr lang="en-US" altLang="ja-JP" dirty="0"/>
+              <a:t>function.py</a:t>
+            </a:r>
+            <a:endParaRPr kumimoji="1" lang="ja-JP" altLang="en-US" dirty="0"/>
           </a:p>
         </p:txBody>
       </p:sp>
       <p:sp>
         <p:nvSpPr>
-          <p:cNvPr id="3" name="コンテンツ プレースホルダー 2">
+          <p:cNvPr id="6" name="正方形/長方形 5">
             <a:extLst>
               <a:ext uri="{FF2B5EF4-FFF2-40B4-BE49-F238E27FC236}">
-                <a16:creationId xmlns:a16="http://schemas.microsoft.com/office/drawing/2014/main" id="{1E815E2C-35DE-441F-860D-34AECE6DA488}"/>
+                <a16:creationId xmlns:a16="http://schemas.microsoft.com/office/drawing/2014/main" id="{72D269D7-9E13-445C-9445-282A995429A2}"/>
               </a:ext>
             </a:extLst>
           </p:cNvPr>
-          <p:cNvSpPr>
-            <a:spLocks noGrp="1"/>
-          </p:cNvSpPr>
-          <p:nvPr>
-            <p:ph idx="1"/>
-          </p:nvPr>
+          <p:cNvSpPr/>
+          <p:nvPr/>
         </p:nvSpPr>
-        <p:spPr/>
+        <p:spPr>
+          <a:xfrm>
+            <a:off x="9508067" y="0"/>
+            <a:ext cx="2683933" cy="1593908"/>
+          </a:xfrm>
+          <a:prstGeom prst="rect">
+            <a:avLst/>
+          </a:prstGeom>
+          <a:solidFill>
+            <a:schemeClr val="accent6">
+              <a:lumMod val="60000"/>
+              <a:lumOff val="40000"/>
+            </a:schemeClr>
+          </a:solidFill>
+          <a:ln>
+            <a:solidFill>
+              <a:schemeClr val="tx1"/>
+            </a:solidFill>
+          </a:ln>
+        </p:spPr>
+        <p:style>
+          <a:lnRef idx="2">
+            <a:schemeClr val="accent1">
+              <a:shade val="50000"/>
+            </a:schemeClr>
+          </a:lnRef>
+          <a:fillRef idx="1">
+            <a:schemeClr val="accent1"/>
+          </a:fillRef>
+          <a:effectRef idx="0">
+            <a:schemeClr val="accent1"/>
+          </a:effectRef>
+          <a:fontRef idx="minor">
+            <a:schemeClr val="lt1"/>
+          </a:fontRef>
+        </p:style>
         <p:txBody>
-          <a:bodyPr/>
+          <a:bodyPr rtlCol="0" anchor="ctr"/>
           <a:lstStyle/>
           <a:p>
-            <a:endParaRPr kumimoji="1" lang="ja-JP" altLang="en-US" dirty="0"/>
+            <a:pPr algn="ctr"/>
+            <a:endParaRPr kumimoji="1" lang="ja-JP" altLang="en-US"/>
           </a:p>
         </p:txBody>
       </p:sp>
+      <p:pic>
+        <p:nvPicPr>
+          <p:cNvPr id="12" name="図 11">
+            <a:extLst>
+              <a:ext uri="{FF2B5EF4-FFF2-40B4-BE49-F238E27FC236}">
+                <a16:creationId xmlns:a16="http://schemas.microsoft.com/office/drawing/2014/main" id="{C7B734DD-DC99-40F8-96C0-90734568768B}"/>
+              </a:ext>
+            </a:extLst>
+          </p:cNvPr>
+          <p:cNvPicPr>
+            <a:picLocks noChangeAspect="1"/>
+          </p:cNvPicPr>
+          <p:nvPr/>
+        </p:nvPicPr>
+        <p:blipFill>
+          <a:blip r:embed="rId2">
+            <a:extLst>
+              <a:ext uri="{28A0092B-C50C-407E-A947-70E740481C1C}">
+                <a14:useLocalDpi xmlns:a14="http://schemas.microsoft.com/office/drawing/2010/main" val="0"/>
+              </a:ext>
+            </a:extLst>
+          </a:blip>
+          <a:stretch>
+            <a:fillRect/>
+          </a:stretch>
+        </p:blipFill>
+        <p:spPr>
+          <a:xfrm>
+            <a:off x="3488916" y="74023"/>
+            <a:ext cx="3392620" cy="6709954"/>
+          </a:xfrm>
+          <a:prstGeom prst="rect">
+            <a:avLst/>
+          </a:prstGeom>
+        </p:spPr>
+      </p:pic>
+      <p:grpSp>
+        <p:nvGrpSpPr>
+          <p:cNvPr id="17" name="グループ化 16">
+            <a:extLst>
+              <a:ext uri="{FF2B5EF4-FFF2-40B4-BE49-F238E27FC236}">
+                <a16:creationId xmlns:a16="http://schemas.microsoft.com/office/drawing/2014/main" id="{A7ACFF0D-7F3A-4615-AA16-D80DB6CAEEF6}"/>
+              </a:ext>
+            </a:extLst>
+          </p:cNvPr>
+          <p:cNvGrpSpPr/>
+          <p:nvPr/>
+        </p:nvGrpSpPr>
+        <p:grpSpPr>
+          <a:xfrm>
+            <a:off x="3692434" y="217714"/>
+            <a:ext cx="2444881" cy="531223"/>
+            <a:chOff x="3692434" y="217714"/>
+            <a:chExt cx="2444881" cy="531223"/>
+          </a:xfrm>
+        </p:grpSpPr>
+        <p:sp>
+          <p:nvSpPr>
+            <p:cNvPr id="13" name="正方形/長方形 12">
+              <a:extLst>
+                <a:ext uri="{FF2B5EF4-FFF2-40B4-BE49-F238E27FC236}">
+                  <a16:creationId xmlns:a16="http://schemas.microsoft.com/office/drawing/2014/main" id="{603EC9D0-CDE9-4E50-8BD4-91F8EEFF06AB}"/>
+                </a:ext>
+              </a:extLst>
+            </p:cNvPr>
+            <p:cNvSpPr/>
+            <p:nvPr/>
+          </p:nvSpPr>
+          <p:spPr>
+            <a:xfrm>
+              <a:off x="3692434" y="217714"/>
+              <a:ext cx="809897" cy="531223"/>
+            </a:xfrm>
+            <a:prstGeom prst="rect">
+              <a:avLst/>
+            </a:prstGeom>
+            <a:noFill/>
+            <a:ln w="38100">
+              <a:solidFill>
+                <a:srgbClr val="FF0000"/>
+              </a:solidFill>
+            </a:ln>
+          </p:spPr>
+          <p:style>
+            <a:lnRef idx="2">
+              <a:schemeClr val="accent1">
+                <a:shade val="50000"/>
+              </a:schemeClr>
+            </a:lnRef>
+            <a:fillRef idx="1">
+              <a:schemeClr val="accent1"/>
+            </a:fillRef>
+            <a:effectRef idx="0">
+              <a:schemeClr val="accent1"/>
+            </a:effectRef>
+            <a:fontRef idx="minor">
+              <a:schemeClr val="lt1"/>
+            </a:fontRef>
+          </p:style>
+          <p:txBody>
+            <a:bodyPr rtlCol="0" anchor="ctr"/>
+            <a:lstStyle/>
+            <a:p>
+              <a:pPr algn="ctr"/>
+              <a:endParaRPr kumimoji="1" lang="ja-JP" altLang="en-US"/>
+            </a:p>
+          </p:txBody>
+        </p:sp>
+        <p:cxnSp>
+          <p:nvCxnSpPr>
+            <p:cNvPr id="15" name="直線コネクタ 14">
+              <a:extLst>
+                <a:ext uri="{FF2B5EF4-FFF2-40B4-BE49-F238E27FC236}">
+                  <a16:creationId xmlns:a16="http://schemas.microsoft.com/office/drawing/2014/main" id="{14E5F95E-5C81-4881-9DFA-F3062894271F}"/>
+                </a:ext>
+              </a:extLst>
+            </p:cNvPr>
+            <p:cNvCxnSpPr>
+              <a:stCxn id="13" idx="3"/>
+            </p:cNvCxnSpPr>
+            <p:nvPr/>
+          </p:nvCxnSpPr>
+          <p:spPr>
+            <a:xfrm flipV="1">
+              <a:off x="4502331" y="478971"/>
+              <a:ext cx="722812" cy="4355"/>
+            </a:xfrm>
+            <a:prstGeom prst="line">
+              <a:avLst/>
+            </a:prstGeom>
+            <a:ln w="38100">
+              <a:solidFill>
+                <a:srgbClr val="FF0000"/>
+              </a:solidFill>
+            </a:ln>
+          </p:spPr>
+          <p:style>
+            <a:lnRef idx="1">
+              <a:schemeClr val="accent1"/>
+            </a:lnRef>
+            <a:fillRef idx="0">
+              <a:schemeClr val="accent1"/>
+            </a:fillRef>
+            <a:effectRef idx="0">
+              <a:schemeClr val="accent1"/>
+            </a:effectRef>
+            <a:fontRef idx="minor">
+              <a:schemeClr val="tx1"/>
+            </a:fontRef>
+          </p:style>
+        </p:cxnSp>
+        <p:sp>
+          <p:nvSpPr>
+            <p:cNvPr id="16" name="テキスト ボックス 15">
+              <a:extLst>
+                <a:ext uri="{FF2B5EF4-FFF2-40B4-BE49-F238E27FC236}">
+                  <a16:creationId xmlns:a16="http://schemas.microsoft.com/office/drawing/2014/main" id="{11799384-2130-4EA1-ACEC-64364605F43C}"/>
+                </a:ext>
+              </a:extLst>
+            </p:cNvPr>
+            <p:cNvSpPr txBox="1"/>
+            <p:nvPr/>
+          </p:nvSpPr>
+          <p:spPr>
+            <a:xfrm>
+              <a:off x="5231624" y="294305"/>
+              <a:ext cx="905691" cy="369332"/>
+            </a:xfrm>
+            <a:prstGeom prst="rect">
+              <a:avLst/>
+            </a:prstGeom>
+            <a:solidFill>
+              <a:schemeClr val="bg1"/>
+            </a:solidFill>
+            <a:ln w="38100">
+              <a:solidFill>
+                <a:srgbClr val="FF0000"/>
+              </a:solidFill>
+            </a:ln>
+          </p:spPr>
+          <p:txBody>
+            <a:bodyPr wrap="square" rtlCol="0">
+              <a:spAutoFit/>
+            </a:bodyPr>
+            <a:lstStyle/>
+            <a:p>
+              <a:r>
+                <a:rPr kumimoji="1" lang="en-US" altLang="ja-JP" dirty="0"/>
+                <a:t>import</a:t>
+              </a:r>
+              <a:endParaRPr kumimoji="1" lang="ja-JP" altLang="en-US" dirty="0"/>
+            </a:p>
+          </p:txBody>
+        </p:sp>
+      </p:grpSp>
+      <p:grpSp>
+        <p:nvGrpSpPr>
+          <p:cNvPr id="55" name="グループ化 54">
+            <a:extLst>
+              <a:ext uri="{FF2B5EF4-FFF2-40B4-BE49-F238E27FC236}">
+                <a16:creationId xmlns:a16="http://schemas.microsoft.com/office/drawing/2014/main" id="{76C15003-C108-40B0-AE2A-1934FEFB4DFA}"/>
+              </a:ext>
+            </a:extLst>
+          </p:cNvPr>
+          <p:cNvGrpSpPr/>
+          <p:nvPr/>
+        </p:nvGrpSpPr>
+        <p:grpSpPr>
+          <a:xfrm>
+            <a:off x="3698915" y="593704"/>
+            <a:ext cx="3500174" cy="646331"/>
+            <a:chOff x="3698915" y="593704"/>
+            <a:chExt cx="3500174" cy="646331"/>
+          </a:xfrm>
+        </p:grpSpPr>
+        <p:sp>
+          <p:nvSpPr>
+            <p:cNvPr id="27" name="正方形/長方形 26">
+              <a:extLst>
+                <a:ext uri="{FF2B5EF4-FFF2-40B4-BE49-F238E27FC236}">
+                  <a16:creationId xmlns:a16="http://schemas.microsoft.com/office/drawing/2014/main" id="{C9D3FF09-B053-4C15-9C9A-472A37A55066}"/>
+                </a:ext>
+              </a:extLst>
+            </p:cNvPr>
+            <p:cNvSpPr/>
+            <p:nvPr/>
+          </p:nvSpPr>
+          <p:spPr>
+            <a:xfrm>
+              <a:off x="3698915" y="702239"/>
+              <a:ext cx="809897" cy="359007"/>
+            </a:xfrm>
+            <a:prstGeom prst="rect">
+              <a:avLst/>
+            </a:prstGeom>
+            <a:noFill/>
+            <a:ln w="38100">
+              <a:solidFill>
+                <a:srgbClr val="FF0000"/>
+              </a:solidFill>
+            </a:ln>
+          </p:spPr>
+          <p:style>
+            <a:lnRef idx="2">
+              <a:schemeClr val="accent1">
+                <a:shade val="50000"/>
+              </a:schemeClr>
+            </a:lnRef>
+            <a:fillRef idx="1">
+              <a:schemeClr val="accent1"/>
+            </a:fillRef>
+            <a:effectRef idx="0">
+              <a:schemeClr val="accent1"/>
+            </a:effectRef>
+            <a:fontRef idx="minor">
+              <a:schemeClr val="lt1"/>
+            </a:fontRef>
+          </p:style>
+          <p:txBody>
+            <a:bodyPr rtlCol="0" anchor="ctr"/>
+            <a:lstStyle/>
+            <a:p>
+              <a:pPr algn="ctr"/>
+              <a:endParaRPr kumimoji="1" lang="ja-JP" altLang="en-US"/>
+            </a:p>
+          </p:txBody>
+        </p:sp>
+        <p:cxnSp>
+          <p:nvCxnSpPr>
+            <p:cNvPr id="28" name="直線コネクタ 27">
+              <a:extLst>
+                <a:ext uri="{FF2B5EF4-FFF2-40B4-BE49-F238E27FC236}">
+                  <a16:creationId xmlns:a16="http://schemas.microsoft.com/office/drawing/2014/main" id="{B8B06801-6DE6-47EF-BDAE-0A710A448510}"/>
+                </a:ext>
+              </a:extLst>
+            </p:cNvPr>
+            <p:cNvCxnSpPr>
+              <a:cxnSpLocks/>
+              <a:stCxn id="27" idx="3"/>
+            </p:cNvCxnSpPr>
+            <p:nvPr/>
+          </p:nvCxnSpPr>
+          <p:spPr>
+            <a:xfrm>
+              <a:off x="4508812" y="881743"/>
+              <a:ext cx="722812" cy="0"/>
+            </a:xfrm>
+            <a:prstGeom prst="line">
+              <a:avLst/>
+            </a:prstGeom>
+            <a:ln w="38100">
+              <a:solidFill>
+                <a:srgbClr val="FF0000"/>
+              </a:solidFill>
+            </a:ln>
+          </p:spPr>
+          <p:style>
+            <a:lnRef idx="1">
+              <a:schemeClr val="accent1"/>
+            </a:lnRef>
+            <a:fillRef idx="0">
+              <a:schemeClr val="accent1"/>
+            </a:fillRef>
+            <a:effectRef idx="0">
+              <a:schemeClr val="accent1"/>
+            </a:effectRef>
+            <a:fontRef idx="minor">
+              <a:schemeClr val="tx1"/>
+            </a:fontRef>
+          </p:style>
+        </p:cxnSp>
+        <p:sp>
+          <p:nvSpPr>
+            <p:cNvPr id="29" name="テキスト ボックス 28">
+              <a:extLst>
+                <a:ext uri="{FF2B5EF4-FFF2-40B4-BE49-F238E27FC236}">
+                  <a16:creationId xmlns:a16="http://schemas.microsoft.com/office/drawing/2014/main" id="{99F1EC40-550E-432F-B723-6B224B42C245}"/>
+                </a:ext>
+              </a:extLst>
+            </p:cNvPr>
+            <p:cNvSpPr txBox="1"/>
+            <p:nvPr/>
+          </p:nvSpPr>
+          <p:spPr>
+            <a:xfrm>
+              <a:off x="5209783" y="593704"/>
+              <a:ext cx="1989306" cy="646331"/>
+            </a:xfrm>
+            <a:prstGeom prst="rect">
+              <a:avLst/>
+            </a:prstGeom>
+            <a:solidFill>
+              <a:schemeClr val="bg1"/>
+            </a:solidFill>
+            <a:ln w="38100">
+              <a:solidFill>
+                <a:srgbClr val="FF0000"/>
+              </a:solidFill>
+            </a:ln>
+          </p:spPr>
+          <p:txBody>
+            <a:bodyPr wrap="square" rtlCol="0">
+              <a:spAutoFit/>
+            </a:bodyPr>
+            <a:lstStyle/>
+            <a:p>
+              <a:r>
+                <a:rPr kumimoji="1" lang="en-US" altLang="ja-JP" dirty="0"/>
+                <a:t>Julius</a:t>
+              </a:r>
+              <a:r>
+                <a:rPr kumimoji="1" lang="ja-JP" altLang="en-US" dirty="0"/>
+                <a:t>サーバとの</a:t>
+              </a:r>
+              <a:endParaRPr kumimoji="1" lang="en-US" altLang="ja-JP" dirty="0"/>
+            </a:p>
+            <a:p>
+              <a:r>
+                <a:rPr lang="ja-JP" altLang="en-US" dirty="0"/>
+                <a:t>接続準備</a:t>
+              </a:r>
+              <a:endParaRPr kumimoji="1" lang="ja-JP" altLang="en-US" dirty="0"/>
+            </a:p>
+          </p:txBody>
+        </p:sp>
+      </p:grpSp>
+      <p:grpSp>
+        <p:nvGrpSpPr>
+          <p:cNvPr id="48" name="グループ化 47">
+            <a:extLst>
+              <a:ext uri="{FF2B5EF4-FFF2-40B4-BE49-F238E27FC236}">
+                <a16:creationId xmlns:a16="http://schemas.microsoft.com/office/drawing/2014/main" id="{5DEB86B5-EF61-4E9D-811A-0BFEB6257490}"/>
+              </a:ext>
+            </a:extLst>
+          </p:cNvPr>
+          <p:cNvGrpSpPr/>
+          <p:nvPr/>
+        </p:nvGrpSpPr>
+        <p:grpSpPr>
+          <a:xfrm>
+            <a:off x="3793469" y="1901961"/>
+            <a:ext cx="4687692" cy="369332"/>
+            <a:chOff x="3782895" y="1907516"/>
+            <a:chExt cx="4687692" cy="369332"/>
+          </a:xfrm>
+        </p:grpSpPr>
+        <p:sp>
+          <p:nvSpPr>
+            <p:cNvPr id="34" name="正方形/長方形 33">
+              <a:extLst>
+                <a:ext uri="{FF2B5EF4-FFF2-40B4-BE49-F238E27FC236}">
+                  <a16:creationId xmlns:a16="http://schemas.microsoft.com/office/drawing/2014/main" id="{C1246C76-0558-473F-97A8-8CD2EF813F73}"/>
+                </a:ext>
+              </a:extLst>
+            </p:cNvPr>
+            <p:cNvSpPr/>
+            <p:nvPr/>
+          </p:nvSpPr>
+          <p:spPr>
+            <a:xfrm>
+              <a:off x="3782895" y="2027614"/>
+              <a:ext cx="1989306" cy="209202"/>
+            </a:xfrm>
+            <a:prstGeom prst="rect">
+              <a:avLst/>
+            </a:prstGeom>
+            <a:noFill/>
+            <a:ln w="38100">
+              <a:solidFill>
+                <a:srgbClr val="FF0000"/>
+              </a:solidFill>
+            </a:ln>
+          </p:spPr>
+          <p:style>
+            <a:lnRef idx="2">
+              <a:schemeClr val="accent1">
+                <a:shade val="50000"/>
+              </a:schemeClr>
+            </a:lnRef>
+            <a:fillRef idx="1">
+              <a:schemeClr val="accent1"/>
+            </a:fillRef>
+            <a:effectRef idx="0">
+              <a:schemeClr val="accent1"/>
+            </a:effectRef>
+            <a:fontRef idx="minor">
+              <a:schemeClr val="lt1"/>
+            </a:fontRef>
+          </p:style>
+          <p:txBody>
+            <a:bodyPr rtlCol="0" anchor="ctr"/>
+            <a:lstStyle/>
+            <a:p>
+              <a:pPr algn="ctr"/>
+              <a:endParaRPr kumimoji="1" lang="ja-JP" altLang="en-US"/>
+            </a:p>
+          </p:txBody>
+        </p:sp>
+        <p:cxnSp>
+          <p:nvCxnSpPr>
+            <p:cNvPr id="35" name="直線コネクタ 34">
+              <a:extLst>
+                <a:ext uri="{FF2B5EF4-FFF2-40B4-BE49-F238E27FC236}">
+                  <a16:creationId xmlns:a16="http://schemas.microsoft.com/office/drawing/2014/main" id="{3B8E17D9-0E6F-46FF-8898-4EA9E267FF99}"/>
+                </a:ext>
+              </a:extLst>
+            </p:cNvPr>
+            <p:cNvCxnSpPr>
+              <a:cxnSpLocks/>
+              <a:stCxn id="34" idx="3"/>
+            </p:cNvCxnSpPr>
+            <p:nvPr/>
+          </p:nvCxnSpPr>
+          <p:spPr>
+            <a:xfrm>
+              <a:off x="5772201" y="2132215"/>
+              <a:ext cx="449339" cy="0"/>
+            </a:xfrm>
+            <a:prstGeom prst="line">
+              <a:avLst/>
+            </a:prstGeom>
+            <a:ln w="38100">
+              <a:solidFill>
+                <a:srgbClr val="FF0000"/>
+              </a:solidFill>
+            </a:ln>
+          </p:spPr>
+          <p:style>
+            <a:lnRef idx="1">
+              <a:schemeClr val="accent1"/>
+            </a:lnRef>
+            <a:fillRef idx="0">
+              <a:schemeClr val="accent1"/>
+            </a:fillRef>
+            <a:effectRef idx="0">
+              <a:schemeClr val="accent1"/>
+            </a:effectRef>
+            <a:fontRef idx="minor">
+              <a:schemeClr val="tx1"/>
+            </a:fontRef>
+          </p:style>
+        </p:cxnSp>
+        <p:sp>
+          <p:nvSpPr>
+            <p:cNvPr id="36" name="テキスト ボックス 35">
+              <a:extLst>
+                <a:ext uri="{FF2B5EF4-FFF2-40B4-BE49-F238E27FC236}">
+                  <a16:creationId xmlns:a16="http://schemas.microsoft.com/office/drawing/2014/main" id="{A0349306-B456-4203-BCAD-F9A25A4AC3EF}"/>
+                </a:ext>
+              </a:extLst>
+            </p:cNvPr>
+            <p:cNvSpPr txBox="1"/>
+            <p:nvPr/>
+          </p:nvSpPr>
+          <p:spPr>
+            <a:xfrm>
+              <a:off x="6221540" y="1907516"/>
+              <a:ext cx="2249047" cy="369332"/>
+            </a:xfrm>
+            <a:prstGeom prst="rect">
+              <a:avLst/>
+            </a:prstGeom>
+            <a:solidFill>
+              <a:schemeClr val="bg1"/>
+            </a:solidFill>
+            <a:ln w="38100">
+              <a:solidFill>
+                <a:srgbClr val="FF0000"/>
+              </a:solidFill>
+            </a:ln>
+          </p:spPr>
+          <p:txBody>
+            <a:bodyPr wrap="square" rtlCol="0">
+              <a:spAutoFit/>
+            </a:bodyPr>
+            <a:lstStyle/>
+            <a:p>
+              <a:r>
+                <a:rPr kumimoji="1" lang="en-US" altLang="ja-JP" dirty="0"/>
+                <a:t>Julius</a:t>
+              </a:r>
+              <a:r>
+                <a:rPr kumimoji="1" lang="ja-JP" altLang="en-US" dirty="0"/>
+                <a:t>サーバ</a:t>
+              </a:r>
+              <a:r>
+                <a:rPr lang="ja-JP" altLang="en-US" dirty="0"/>
+                <a:t>と接続</a:t>
+              </a:r>
+              <a:endParaRPr kumimoji="1" lang="en-US" altLang="ja-JP" dirty="0"/>
+            </a:p>
+          </p:txBody>
+        </p:sp>
+      </p:grpSp>
+      <p:grpSp>
+        <p:nvGrpSpPr>
+          <p:cNvPr id="50" name="グループ化 49">
+            <a:extLst>
+              <a:ext uri="{FF2B5EF4-FFF2-40B4-BE49-F238E27FC236}">
+                <a16:creationId xmlns:a16="http://schemas.microsoft.com/office/drawing/2014/main" id="{DD7AA755-7DDA-4DB4-BFFE-F3B5D397C73A}"/>
+              </a:ext>
+            </a:extLst>
+          </p:cNvPr>
+          <p:cNvGrpSpPr/>
+          <p:nvPr/>
+        </p:nvGrpSpPr>
+        <p:grpSpPr>
+          <a:xfrm>
+            <a:off x="3782895" y="1868966"/>
+            <a:ext cx="5177444" cy="4651169"/>
+            <a:chOff x="3782895" y="1868966"/>
+            <a:chExt cx="5177444" cy="4651169"/>
+          </a:xfrm>
+        </p:grpSpPr>
+        <p:sp>
+          <p:nvSpPr>
+            <p:cNvPr id="41" name="正方形/長方形 40">
+              <a:extLst>
+                <a:ext uri="{FF2B5EF4-FFF2-40B4-BE49-F238E27FC236}">
+                  <a16:creationId xmlns:a16="http://schemas.microsoft.com/office/drawing/2014/main" id="{F72FFD76-240A-4B1E-B3F1-578393BF221F}"/>
+                </a:ext>
+              </a:extLst>
+            </p:cNvPr>
+            <p:cNvSpPr/>
+            <p:nvPr/>
+          </p:nvSpPr>
+          <p:spPr>
+            <a:xfrm>
+              <a:off x="3782895" y="1868966"/>
+              <a:ext cx="2588722" cy="4651169"/>
+            </a:xfrm>
+            <a:prstGeom prst="rect">
+              <a:avLst/>
+            </a:prstGeom>
+            <a:noFill/>
+            <a:ln w="38100">
+              <a:solidFill>
+                <a:srgbClr val="FF0000"/>
+              </a:solidFill>
+            </a:ln>
+          </p:spPr>
+          <p:style>
+            <a:lnRef idx="2">
+              <a:schemeClr val="accent1">
+                <a:shade val="50000"/>
+              </a:schemeClr>
+            </a:lnRef>
+            <a:fillRef idx="1">
+              <a:schemeClr val="accent1"/>
+            </a:fillRef>
+            <a:effectRef idx="0">
+              <a:schemeClr val="accent1"/>
+            </a:effectRef>
+            <a:fontRef idx="minor">
+              <a:schemeClr val="lt1"/>
+            </a:fontRef>
+          </p:style>
+          <p:txBody>
+            <a:bodyPr rtlCol="0" anchor="ctr"/>
+            <a:lstStyle/>
+            <a:p>
+              <a:pPr algn="ctr"/>
+              <a:endParaRPr kumimoji="1" lang="ja-JP" altLang="en-US"/>
+            </a:p>
+          </p:txBody>
+        </p:sp>
+        <p:cxnSp>
+          <p:nvCxnSpPr>
+            <p:cNvPr id="42" name="直線コネクタ 41">
+              <a:extLst>
+                <a:ext uri="{FF2B5EF4-FFF2-40B4-BE49-F238E27FC236}">
+                  <a16:creationId xmlns:a16="http://schemas.microsoft.com/office/drawing/2014/main" id="{DEEF7E80-E85D-43D6-BF83-D02E190ED20B}"/>
+                </a:ext>
+              </a:extLst>
+            </p:cNvPr>
+            <p:cNvCxnSpPr>
+              <a:cxnSpLocks/>
+            </p:cNvCxnSpPr>
+            <p:nvPr/>
+          </p:nvCxnSpPr>
+          <p:spPr>
+            <a:xfrm flipV="1">
+              <a:off x="6371617" y="4194550"/>
+              <a:ext cx="1005692" cy="2178"/>
+            </a:xfrm>
+            <a:prstGeom prst="line">
+              <a:avLst/>
+            </a:prstGeom>
+            <a:ln w="38100">
+              <a:solidFill>
+                <a:srgbClr val="FF0000"/>
+              </a:solidFill>
+            </a:ln>
+          </p:spPr>
+          <p:style>
+            <a:lnRef idx="1">
+              <a:schemeClr val="accent1"/>
+            </a:lnRef>
+            <a:fillRef idx="0">
+              <a:schemeClr val="accent1"/>
+            </a:fillRef>
+            <a:effectRef idx="0">
+              <a:schemeClr val="accent1"/>
+            </a:effectRef>
+            <a:fontRef idx="minor">
+              <a:schemeClr val="tx1"/>
+            </a:fontRef>
+          </p:style>
+        </p:cxnSp>
+        <p:sp>
+          <p:nvSpPr>
+            <p:cNvPr id="43" name="テキスト ボックス 42">
+              <a:extLst>
+                <a:ext uri="{FF2B5EF4-FFF2-40B4-BE49-F238E27FC236}">
+                  <a16:creationId xmlns:a16="http://schemas.microsoft.com/office/drawing/2014/main" id="{94398603-081E-4917-90D8-E854207CADA4}"/>
+                </a:ext>
+              </a:extLst>
+            </p:cNvPr>
+            <p:cNvSpPr txBox="1"/>
+            <p:nvPr/>
+          </p:nvSpPr>
+          <p:spPr>
+            <a:xfrm>
+              <a:off x="7377309" y="4009884"/>
+              <a:ext cx="1583030" cy="369332"/>
+            </a:xfrm>
+            <a:prstGeom prst="rect">
+              <a:avLst/>
+            </a:prstGeom>
+            <a:solidFill>
+              <a:schemeClr val="bg1"/>
+            </a:solidFill>
+            <a:ln w="38100">
+              <a:solidFill>
+                <a:srgbClr val="FF0000"/>
+              </a:solidFill>
+            </a:ln>
+          </p:spPr>
+          <p:txBody>
+            <a:bodyPr wrap="square" rtlCol="0">
+              <a:spAutoFit/>
+            </a:bodyPr>
+            <a:lstStyle/>
+            <a:p>
+              <a:r>
+                <a:rPr kumimoji="1" lang="ja-JP" altLang="en-US" dirty="0"/>
+                <a:t>実行関数</a:t>
+              </a:r>
+              <a:r>
+                <a:rPr kumimoji="1" lang="en-US" altLang="ja-JP" dirty="0"/>
+                <a:t>:run</a:t>
+              </a:r>
+              <a:endParaRPr kumimoji="1" lang="ja-JP" altLang="en-US" dirty="0"/>
+            </a:p>
+          </p:txBody>
+        </p:sp>
+      </p:grpSp>
+      <p:grpSp>
+        <p:nvGrpSpPr>
+          <p:cNvPr id="56" name="グループ化 55">
+            <a:extLst>
+              <a:ext uri="{FF2B5EF4-FFF2-40B4-BE49-F238E27FC236}">
+                <a16:creationId xmlns:a16="http://schemas.microsoft.com/office/drawing/2014/main" id="{3C2347AF-51D1-4397-B4C3-25963CBFC7FD}"/>
+              </a:ext>
+            </a:extLst>
+          </p:cNvPr>
+          <p:cNvGrpSpPr/>
+          <p:nvPr/>
+        </p:nvGrpSpPr>
+        <p:grpSpPr>
+          <a:xfrm>
+            <a:off x="3879978" y="2696172"/>
+            <a:ext cx="5886614" cy="805784"/>
+            <a:chOff x="3879978" y="2696172"/>
+            <a:chExt cx="5886614" cy="805784"/>
+          </a:xfrm>
+        </p:grpSpPr>
+        <p:sp>
+          <p:nvSpPr>
+            <p:cNvPr id="51" name="正方形/長方形 50">
+              <a:extLst>
+                <a:ext uri="{FF2B5EF4-FFF2-40B4-BE49-F238E27FC236}">
+                  <a16:creationId xmlns:a16="http://schemas.microsoft.com/office/drawing/2014/main" id="{58563624-5E7D-4FF3-9E96-C55AAFB0563A}"/>
+                </a:ext>
+              </a:extLst>
+            </p:cNvPr>
+            <p:cNvSpPr/>
+            <p:nvPr/>
+          </p:nvSpPr>
+          <p:spPr>
+            <a:xfrm>
+              <a:off x="3879978" y="2696172"/>
+              <a:ext cx="2092805" cy="805784"/>
+            </a:xfrm>
+            <a:prstGeom prst="rect">
+              <a:avLst/>
+            </a:prstGeom>
+            <a:noFill/>
+            <a:ln w="38100">
+              <a:solidFill>
+                <a:srgbClr val="FF0000"/>
+              </a:solidFill>
+            </a:ln>
+          </p:spPr>
+          <p:style>
+            <a:lnRef idx="2">
+              <a:schemeClr val="accent1">
+                <a:shade val="50000"/>
+              </a:schemeClr>
+            </a:lnRef>
+            <a:fillRef idx="1">
+              <a:schemeClr val="accent1"/>
+            </a:fillRef>
+            <a:effectRef idx="0">
+              <a:schemeClr val="accent1"/>
+            </a:effectRef>
+            <a:fontRef idx="minor">
+              <a:schemeClr val="lt1"/>
+            </a:fontRef>
+          </p:style>
+          <p:txBody>
+            <a:bodyPr rtlCol="0" anchor="ctr"/>
+            <a:lstStyle/>
+            <a:p>
+              <a:pPr algn="ctr"/>
+              <a:endParaRPr kumimoji="1" lang="ja-JP" altLang="en-US"/>
+            </a:p>
+          </p:txBody>
+        </p:sp>
+        <p:cxnSp>
+          <p:nvCxnSpPr>
+            <p:cNvPr id="52" name="直線コネクタ 51">
+              <a:extLst>
+                <a:ext uri="{FF2B5EF4-FFF2-40B4-BE49-F238E27FC236}">
+                  <a16:creationId xmlns:a16="http://schemas.microsoft.com/office/drawing/2014/main" id="{48DECF1F-138F-4CCD-9686-DA5F6B5FD111}"/>
+                </a:ext>
+              </a:extLst>
+            </p:cNvPr>
+            <p:cNvCxnSpPr>
+              <a:cxnSpLocks/>
+              <a:stCxn id="51" idx="3"/>
+            </p:cNvCxnSpPr>
+            <p:nvPr/>
+          </p:nvCxnSpPr>
+          <p:spPr>
+            <a:xfrm>
+              <a:off x="5972783" y="3099064"/>
+              <a:ext cx="1202732" cy="0"/>
+            </a:xfrm>
+            <a:prstGeom prst="line">
+              <a:avLst/>
+            </a:prstGeom>
+            <a:ln w="38100">
+              <a:solidFill>
+                <a:srgbClr val="FF0000"/>
+              </a:solidFill>
+            </a:ln>
+          </p:spPr>
+          <p:style>
+            <a:lnRef idx="1">
+              <a:schemeClr val="accent1"/>
+            </a:lnRef>
+            <a:fillRef idx="0">
+              <a:schemeClr val="accent1"/>
+            </a:fillRef>
+            <a:effectRef idx="0">
+              <a:schemeClr val="accent1"/>
+            </a:effectRef>
+            <a:fontRef idx="minor">
+              <a:schemeClr val="tx1"/>
+            </a:fontRef>
+          </p:style>
+        </p:cxnSp>
+        <p:sp>
+          <p:nvSpPr>
+            <p:cNvPr id="53" name="テキスト ボックス 52">
+              <a:extLst>
+                <a:ext uri="{FF2B5EF4-FFF2-40B4-BE49-F238E27FC236}">
+                  <a16:creationId xmlns:a16="http://schemas.microsoft.com/office/drawing/2014/main" id="{069BD54A-EA06-4483-9243-D1E384ECF88D}"/>
+                </a:ext>
+              </a:extLst>
+            </p:cNvPr>
+            <p:cNvSpPr txBox="1"/>
+            <p:nvPr/>
+          </p:nvSpPr>
+          <p:spPr>
+            <a:xfrm>
+              <a:off x="7162252" y="2805923"/>
+              <a:ext cx="2604340" cy="646331"/>
+            </a:xfrm>
+            <a:prstGeom prst="rect">
+              <a:avLst/>
+            </a:prstGeom>
+            <a:solidFill>
+              <a:schemeClr val="bg1"/>
+            </a:solidFill>
+            <a:ln w="38100">
+              <a:solidFill>
+                <a:srgbClr val="FF0000"/>
+              </a:solidFill>
+            </a:ln>
+          </p:spPr>
+          <p:txBody>
+            <a:bodyPr wrap="square" rtlCol="0">
+              <a:spAutoFit/>
+            </a:bodyPr>
+            <a:lstStyle/>
+            <a:p>
+              <a:r>
+                <a:rPr kumimoji="1" lang="en-US" altLang="ja-JP" dirty="0"/>
+                <a:t>Julius</a:t>
+              </a:r>
+              <a:r>
+                <a:rPr kumimoji="1" lang="ja-JP" altLang="en-US" dirty="0"/>
+                <a:t>サーバから</a:t>
+              </a:r>
+              <a:endParaRPr kumimoji="1" lang="en-US" altLang="ja-JP" dirty="0"/>
+            </a:p>
+            <a:p>
+              <a:r>
+                <a:rPr kumimoji="1" lang="ja-JP" altLang="en-US" dirty="0"/>
+                <a:t>文字データを受け取る</a:t>
+              </a:r>
+            </a:p>
+          </p:txBody>
+        </p:sp>
+      </p:grpSp>
+      <p:grpSp>
+        <p:nvGrpSpPr>
+          <p:cNvPr id="62" name="グループ化 61">
+            <a:extLst>
+              <a:ext uri="{FF2B5EF4-FFF2-40B4-BE49-F238E27FC236}">
+                <a16:creationId xmlns:a16="http://schemas.microsoft.com/office/drawing/2014/main" id="{130AB527-2F79-4B41-9227-14B9FF8CEBC4}"/>
+              </a:ext>
+            </a:extLst>
+          </p:cNvPr>
+          <p:cNvGrpSpPr/>
+          <p:nvPr/>
+        </p:nvGrpSpPr>
+        <p:grpSpPr>
+          <a:xfrm>
+            <a:off x="3879978" y="3540244"/>
+            <a:ext cx="5628089" cy="654306"/>
+            <a:chOff x="3879978" y="3540244"/>
+            <a:chExt cx="5628089" cy="654306"/>
+          </a:xfrm>
+        </p:grpSpPr>
+        <p:sp>
+          <p:nvSpPr>
+            <p:cNvPr id="57" name="正方形/長方形 56">
+              <a:extLst>
+                <a:ext uri="{FF2B5EF4-FFF2-40B4-BE49-F238E27FC236}">
+                  <a16:creationId xmlns:a16="http://schemas.microsoft.com/office/drawing/2014/main" id="{8057BBB3-E171-408E-B307-CAD472EA3A69}"/>
+                </a:ext>
+              </a:extLst>
+            </p:cNvPr>
+            <p:cNvSpPr/>
+            <p:nvPr/>
+          </p:nvSpPr>
+          <p:spPr>
+            <a:xfrm>
+              <a:off x="3879978" y="3540244"/>
+              <a:ext cx="1902797" cy="654306"/>
+            </a:xfrm>
+            <a:prstGeom prst="rect">
+              <a:avLst/>
+            </a:prstGeom>
+            <a:noFill/>
+            <a:ln w="38100">
+              <a:solidFill>
+                <a:srgbClr val="FF0000"/>
+              </a:solidFill>
+            </a:ln>
+          </p:spPr>
+          <p:style>
+            <a:lnRef idx="2">
+              <a:schemeClr val="accent1">
+                <a:shade val="50000"/>
+              </a:schemeClr>
+            </a:lnRef>
+            <a:fillRef idx="1">
+              <a:schemeClr val="accent1"/>
+            </a:fillRef>
+            <a:effectRef idx="0">
+              <a:schemeClr val="accent1"/>
+            </a:effectRef>
+            <a:fontRef idx="minor">
+              <a:schemeClr val="lt1"/>
+            </a:fontRef>
+          </p:style>
+          <p:txBody>
+            <a:bodyPr rtlCol="0" anchor="ctr"/>
+            <a:lstStyle/>
+            <a:p>
+              <a:pPr algn="ctr"/>
+              <a:endParaRPr kumimoji="1" lang="ja-JP" altLang="en-US"/>
+            </a:p>
+          </p:txBody>
+        </p:sp>
+        <p:cxnSp>
+          <p:nvCxnSpPr>
+            <p:cNvPr id="58" name="直線コネクタ 57">
+              <a:extLst>
+                <a:ext uri="{FF2B5EF4-FFF2-40B4-BE49-F238E27FC236}">
+                  <a16:creationId xmlns:a16="http://schemas.microsoft.com/office/drawing/2014/main" id="{709367EC-BBE2-41FA-8EAF-47384C057D68}"/>
+                </a:ext>
+              </a:extLst>
+            </p:cNvPr>
+            <p:cNvCxnSpPr>
+              <a:cxnSpLocks/>
+              <a:stCxn id="57" idx="3"/>
+            </p:cNvCxnSpPr>
+            <p:nvPr/>
+          </p:nvCxnSpPr>
+          <p:spPr>
+            <a:xfrm>
+              <a:off x="5782775" y="3867397"/>
+              <a:ext cx="977948" cy="0"/>
+            </a:xfrm>
+            <a:prstGeom prst="line">
+              <a:avLst/>
+            </a:prstGeom>
+            <a:ln w="38100">
+              <a:solidFill>
+                <a:srgbClr val="FF0000"/>
+              </a:solidFill>
+            </a:ln>
+          </p:spPr>
+          <p:style>
+            <a:lnRef idx="1">
+              <a:schemeClr val="accent1"/>
+            </a:lnRef>
+            <a:fillRef idx="0">
+              <a:schemeClr val="accent1"/>
+            </a:fillRef>
+            <a:effectRef idx="0">
+              <a:schemeClr val="accent1"/>
+            </a:effectRef>
+            <a:fontRef idx="minor">
+              <a:schemeClr val="tx1"/>
+            </a:fontRef>
+          </p:style>
+        </p:cxnSp>
+        <p:sp>
+          <p:nvSpPr>
+            <p:cNvPr id="59" name="テキスト ボックス 58">
+              <a:extLst>
+                <a:ext uri="{FF2B5EF4-FFF2-40B4-BE49-F238E27FC236}">
+                  <a16:creationId xmlns:a16="http://schemas.microsoft.com/office/drawing/2014/main" id="{9D062151-F5D1-4697-A514-16C746B865C1}"/>
+                </a:ext>
+              </a:extLst>
+            </p:cNvPr>
+            <p:cNvSpPr txBox="1"/>
+            <p:nvPr/>
+          </p:nvSpPr>
+          <p:spPr>
+            <a:xfrm>
+              <a:off x="6760723" y="3693209"/>
+              <a:ext cx="2747344" cy="369332"/>
+            </a:xfrm>
+            <a:prstGeom prst="rect">
+              <a:avLst/>
+            </a:prstGeom>
+            <a:solidFill>
+              <a:schemeClr val="bg1"/>
+            </a:solidFill>
+            <a:ln w="38100">
+              <a:solidFill>
+                <a:srgbClr val="FF0000"/>
+              </a:solidFill>
+            </a:ln>
+          </p:spPr>
+          <p:txBody>
+            <a:bodyPr wrap="square" rtlCol="0">
+              <a:spAutoFit/>
+            </a:bodyPr>
+            <a:lstStyle/>
+            <a:p>
+              <a:r>
+                <a:rPr kumimoji="1" lang="ja-JP" altLang="en-US" dirty="0"/>
+                <a:t>ウェイクワードの判断等</a:t>
+              </a:r>
+            </a:p>
+          </p:txBody>
+        </p:sp>
+      </p:grpSp>
+      <p:grpSp>
+        <p:nvGrpSpPr>
+          <p:cNvPr id="71" name="グループ化 70">
+            <a:extLst>
+              <a:ext uri="{FF2B5EF4-FFF2-40B4-BE49-F238E27FC236}">
+                <a16:creationId xmlns:a16="http://schemas.microsoft.com/office/drawing/2014/main" id="{D48B5275-9AE0-459B-A8E7-612E4219FA07}"/>
+              </a:ext>
+            </a:extLst>
+          </p:cNvPr>
+          <p:cNvGrpSpPr/>
+          <p:nvPr/>
+        </p:nvGrpSpPr>
+        <p:grpSpPr>
+          <a:xfrm>
+            <a:off x="3884059" y="4036586"/>
+            <a:ext cx="3842324" cy="923330"/>
+            <a:chOff x="3879979" y="4025269"/>
+            <a:chExt cx="3842324" cy="923330"/>
+          </a:xfrm>
+        </p:grpSpPr>
+        <p:sp>
+          <p:nvSpPr>
+            <p:cNvPr id="63" name="正方形/長方形 62">
+              <a:extLst>
+                <a:ext uri="{FF2B5EF4-FFF2-40B4-BE49-F238E27FC236}">
+                  <a16:creationId xmlns:a16="http://schemas.microsoft.com/office/drawing/2014/main" id="{5D42F52A-0F37-44B8-BB75-0DFA4F44C31F}"/>
+                </a:ext>
+              </a:extLst>
+            </p:cNvPr>
+            <p:cNvSpPr/>
+            <p:nvPr/>
+          </p:nvSpPr>
+          <p:spPr>
+            <a:xfrm>
+              <a:off x="3879979" y="4274630"/>
+              <a:ext cx="1329804" cy="355732"/>
+            </a:xfrm>
+            <a:prstGeom prst="rect">
+              <a:avLst/>
+            </a:prstGeom>
+            <a:noFill/>
+            <a:ln w="38100">
+              <a:solidFill>
+                <a:srgbClr val="FF0000"/>
+              </a:solidFill>
+            </a:ln>
+          </p:spPr>
+          <p:style>
+            <a:lnRef idx="2">
+              <a:schemeClr val="accent1">
+                <a:shade val="50000"/>
+              </a:schemeClr>
+            </a:lnRef>
+            <a:fillRef idx="1">
+              <a:schemeClr val="accent1"/>
+            </a:fillRef>
+            <a:effectRef idx="0">
+              <a:schemeClr val="accent1"/>
+            </a:effectRef>
+            <a:fontRef idx="minor">
+              <a:schemeClr val="lt1"/>
+            </a:fontRef>
+          </p:style>
+          <p:txBody>
+            <a:bodyPr rtlCol="0" anchor="ctr"/>
+            <a:lstStyle/>
+            <a:p>
+              <a:pPr algn="ctr"/>
+              <a:endParaRPr kumimoji="1" lang="ja-JP" altLang="en-US"/>
+            </a:p>
+          </p:txBody>
+        </p:sp>
+        <p:cxnSp>
+          <p:nvCxnSpPr>
+            <p:cNvPr id="64" name="直線コネクタ 63">
+              <a:extLst>
+                <a:ext uri="{FF2B5EF4-FFF2-40B4-BE49-F238E27FC236}">
+                  <a16:creationId xmlns:a16="http://schemas.microsoft.com/office/drawing/2014/main" id="{F0E17372-0A4A-4B70-B689-692C0BF22F35}"/>
+                </a:ext>
+              </a:extLst>
+            </p:cNvPr>
+            <p:cNvCxnSpPr>
+              <a:cxnSpLocks/>
+            </p:cNvCxnSpPr>
+            <p:nvPr/>
+          </p:nvCxnSpPr>
+          <p:spPr>
+            <a:xfrm>
+              <a:off x="5231624" y="4490510"/>
+              <a:ext cx="456287" cy="0"/>
+            </a:xfrm>
+            <a:prstGeom prst="line">
+              <a:avLst/>
+            </a:prstGeom>
+            <a:ln w="38100">
+              <a:solidFill>
+                <a:srgbClr val="FF0000"/>
+              </a:solidFill>
+            </a:ln>
+          </p:spPr>
+          <p:style>
+            <a:lnRef idx="1">
+              <a:schemeClr val="accent1"/>
+            </a:lnRef>
+            <a:fillRef idx="0">
+              <a:schemeClr val="accent1"/>
+            </a:fillRef>
+            <a:effectRef idx="0">
+              <a:schemeClr val="accent1"/>
+            </a:effectRef>
+            <a:fontRef idx="minor">
+              <a:schemeClr val="tx1"/>
+            </a:fontRef>
+          </p:style>
+        </p:cxnSp>
+        <p:sp>
+          <p:nvSpPr>
+            <p:cNvPr id="65" name="テキスト ボックス 64">
+              <a:extLst>
+                <a:ext uri="{FF2B5EF4-FFF2-40B4-BE49-F238E27FC236}">
+                  <a16:creationId xmlns:a16="http://schemas.microsoft.com/office/drawing/2014/main" id="{C2B7BA51-9E3E-4B84-B9A1-65393F56F8D1}"/>
+                </a:ext>
+              </a:extLst>
+            </p:cNvPr>
+            <p:cNvSpPr txBox="1"/>
+            <p:nvPr/>
+          </p:nvSpPr>
+          <p:spPr>
+            <a:xfrm>
+              <a:off x="5704637" y="4025269"/>
+              <a:ext cx="2017666" cy="923330"/>
+            </a:xfrm>
+            <a:prstGeom prst="rect">
+              <a:avLst/>
+            </a:prstGeom>
+            <a:solidFill>
+              <a:schemeClr val="bg1"/>
+            </a:solidFill>
+            <a:ln w="38100">
+              <a:solidFill>
+                <a:srgbClr val="FF0000"/>
+              </a:solidFill>
+            </a:ln>
+          </p:spPr>
+          <p:txBody>
+            <a:bodyPr wrap="square" rtlCol="0">
+              <a:spAutoFit/>
+            </a:bodyPr>
+            <a:lstStyle/>
+            <a:p>
+              <a:pPr algn="ctr"/>
+              <a:r>
+                <a:rPr kumimoji="1" lang="ja-JP" altLang="en-US" dirty="0"/>
+                <a:t>ミュート</a:t>
+              </a:r>
+              <a:r>
+                <a:rPr kumimoji="1" lang="en-US" altLang="ja-JP" dirty="0"/>
+                <a:t>on</a:t>
+              </a:r>
+            </a:p>
+            <a:p>
+              <a:pPr algn="ctr"/>
+              <a:r>
+                <a:rPr lang="en-US" altLang="ja-JP" dirty="0"/>
+                <a:t>&amp;</a:t>
+              </a:r>
+            </a:p>
+            <a:p>
+              <a:pPr algn="ctr"/>
+              <a:r>
+                <a:rPr kumimoji="1" lang="ja-JP" altLang="en-US" dirty="0"/>
+                <a:t>テキスト分類</a:t>
+              </a:r>
+            </a:p>
+          </p:txBody>
+        </p:sp>
+      </p:grpSp>
+      <p:grpSp>
+        <p:nvGrpSpPr>
+          <p:cNvPr id="81" name="グループ化 80">
+            <a:extLst>
+              <a:ext uri="{FF2B5EF4-FFF2-40B4-BE49-F238E27FC236}">
+                <a16:creationId xmlns:a16="http://schemas.microsoft.com/office/drawing/2014/main" id="{D862A852-0B25-421C-B85A-6779FAB25C1C}"/>
+              </a:ext>
+            </a:extLst>
+          </p:cNvPr>
+          <p:cNvGrpSpPr/>
+          <p:nvPr/>
+        </p:nvGrpSpPr>
+        <p:grpSpPr>
+          <a:xfrm>
+            <a:off x="3956035" y="4453499"/>
+            <a:ext cx="3418824" cy="646331"/>
+            <a:chOff x="3956035" y="4453499"/>
+            <a:chExt cx="3418824" cy="646331"/>
+          </a:xfrm>
+        </p:grpSpPr>
+        <p:sp>
+          <p:nvSpPr>
+            <p:cNvPr id="72" name="正方形/長方形 71">
+              <a:extLst>
+                <a:ext uri="{FF2B5EF4-FFF2-40B4-BE49-F238E27FC236}">
+                  <a16:creationId xmlns:a16="http://schemas.microsoft.com/office/drawing/2014/main" id="{A9899BC0-5C63-40DD-8153-84700E335A67}"/>
+                </a:ext>
+              </a:extLst>
+            </p:cNvPr>
+            <p:cNvSpPr/>
+            <p:nvPr/>
+          </p:nvSpPr>
+          <p:spPr>
+            <a:xfrm>
+              <a:off x="3956035" y="4591249"/>
+              <a:ext cx="1735956" cy="299179"/>
+            </a:xfrm>
+            <a:prstGeom prst="rect">
+              <a:avLst/>
+            </a:prstGeom>
+            <a:noFill/>
+            <a:ln w="38100">
+              <a:solidFill>
+                <a:srgbClr val="FF0000"/>
+              </a:solidFill>
+            </a:ln>
+          </p:spPr>
+          <p:style>
+            <a:lnRef idx="2">
+              <a:schemeClr val="accent1">
+                <a:shade val="50000"/>
+              </a:schemeClr>
+            </a:lnRef>
+            <a:fillRef idx="1">
+              <a:schemeClr val="accent1"/>
+            </a:fillRef>
+            <a:effectRef idx="0">
+              <a:schemeClr val="accent1"/>
+            </a:effectRef>
+            <a:fontRef idx="minor">
+              <a:schemeClr val="lt1"/>
+            </a:fontRef>
+          </p:style>
+          <p:txBody>
+            <a:bodyPr rtlCol="0" anchor="ctr"/>
+            <a:lstStyle/>
+            <a:p>
+              <a:pPr algn="ctr"/>
+              <a:endParaRPr kumimoji="1" lang="ja-JP" altLang="en-US"/>
+            </a:p>
+          </p:txBody>
+        </p:sp>
+        <p:cxnSp>
+          <p:nvCxnSpPr>
+            <p:cNvPr id="73" name="直線コネクタ 72">
+              <a:extLst>
+                <a:ext uri="{FF2B5EF4-FFF2-40B4-BE49-F238E27FC236}">
+                  <a16:creationId xmlns:a16="http://schemas.microsoft.com/office/drawing/2014/main" id="{8528609D-4EA0-4986-AD1F-9191D93B855B}"/>
+                </a:ext>
+              </a:extLst>
+            </p:cNvPr>
+            <p:cNvCxnSpPr>
+              <a:cxnSpLocks/>
+            </p:cNvCxnSpPr>
+            <p:nvPr/>
+          </p:nvCxnSpPr>
+          <p:spPr>
+            <a:xfrm flipV="1">
+              <a:off x="5684469" y="4768673"/>
+              <a:ext cx="411531" cy="1"/>
+            </a:xfrm>
+            <a:prstGeom prst="line">
+              <a:avLst/>
+            </a:prstGeom>
+            <a:ln w="38100">
+              <a:solidFill>
+                <a:srgbClr val="FF0000"/>
+              </a:solidFill>
+            </a:ln>
+          </p:spPr>
+          <p:style>
+            <a:lnRef idx="1">
+              <a:schemeClr val="accent1"/>
+            </a:lnRef>
+            <a:fillRef idx="0">
+              <a:schemeClr val="accent1"/>
+            </a:fillRef>
+            <a:effectRef idx="0">
+              <a:schemeClr val="accent1"/>
+            </a:effectRef>
+            <a:fontRef idx="minor">
+              <a:schemeClr val="tx1"/>
+            </a:fontRef>
+          </p:style>
+        </p:cxnSp>
+        <p:sp>
+          <p:nvSpPr>
+            <p:cNvPr id="74" name="テキスト ボックス 73">
+              <a:extLst>
+                <a:ext uri="{FF2B5EF4-FFF2-40B4-BE49-F238E27FC236}">
+                  <a16:creationId xmlns:a16="http://schemas.microsoft.com/office/drawing/2014/main" id="{41D53C3C-6826-4D12-A02F-C005FF5F4136}"/>
+                </a:ext>
+              </a:extLst>
+            </p:cNvPr>
+            <p:cNvSpPr txBox="1"/>
+            <p:nvPr/>
+          </p:nvSpPr>
+          <p:spPr>
+            <a:xfrm>
+              <a:off x="6112726" y="4453499"/>
+              <a:ext cx="1262133" cy="646331"/>
+            </a:xfrm>
+            <a:prstGeom prst="rect">
+              <a:avLst/>
+            </a:prstGeom>
+            <a:solidFill>
+              <a:schemeClr val="bg1"/>
+            </a:solidFill>
+            <a:ln w="38100">
+              <a:solidFill>
+                <a:srgbClr val="FF0000"/>
+              </a:solidFill>
+            </a:ln>
+          </p:spPr>
+          <p:txBody>
+            <a:bodyPr wrap="square" rtlCol="0">
+              <a:spAutoFit/>
+            </a:bodyPr>
+            <a:lstStyle/>
+            <a:p>
+              <a:r>
+                <a:rPr kumimoji="1" lang="ja-JP" altLang="en-US" dirty="0"/>
+                <a:t>天気予報</a:t>
+              </a:r>
+              <a:endParaRPr kumimoji="1" lang="en-US" altLang="ja-JP" dirty="0"/>
+            </a:p>
+            <a:p>
+              <a:r>
+                <a:rPr kumimoji="1" lang="ja-JP" altLang="en-US" dirty="0"/>
+                <a:t>読み上げ</a:t>
+              </a:r>
+            </a:p>
+          </p:txBody>
+        </p:sp>
+      </p:grpSp>
+      <p:grpSp>
+        <p:nvGrpSpPr>
+          <p:cNvPr id="82" name="グループ化 81">
+            <a:extLst>
+              <a:ext uri="{FF2B5EF4-FFF2-40B4-BE49-F238E27FC236}">
+                <a16:creationId xmlns:a16="http://schemas.microsoft.com/office/drawing/2014/main" id="{9C2499BC-19B8-43B2-BF21-FF369FAC8A0C}"/>
+              </a:ext>
+            </a:extLst>
+          </p:cNvPr>
+          <p:cNvGrpSpPr/>
+          <p:nvPr/>
+        </p:nvGrpSpPr>
+        <p:grpSpPr>
+          <a:xfrm>
+            <a:off x="3956035" y="4731097"/>
+            <a:ext cx="3418824" cy="646331"/>
+            <a:chOff x="3956035" y="4453499"/>
+            <a:chExt cx="3418824" cy="559818"/>
+          </a:xfrm>
+        </p:grpSpPr>
+        <p:sp>
+          <p:nvSpPr>
+            <p:cNvPr id="83" name="正方形/長方形 82">
+              <a:extLst>
+                <a:ext uri="{FF2B5EF4-FFF2-40B4-BE49-F238E27FC236}">
+                  <a16:creationId xmlns:a16="http://schemas.microsoft.com/office/drawing/2014/main" id="{494F1FE3-6A01-4754-8E65-2E2A62FC5C1A}"/>
+                </a:ext>
+              </a:extLst>
+            </p:cNvPr>
+            <p:cNvSpPr/>
+            <p:nvPr/>
+          </p:nvSpPr>
+          <p:spPr>
+            <a:xfrm>
+              <a:off x="3956035" y="4591249"/>
+              <a:ext cx="1735956" cy="299179"/>
+            </a:xfrm>
+            <a:prstGeom prst="rect">
+              <a:avLst/>
+            </a:prstGeom>
+            <a:noFill/>
+            <a:ln w="38100">
+              <a:solidFill>
+                <a:srgbClr val="FF0000"/>
+              </a:solidFill>
+            </a:ln>
+          </p:spPr>
+          <p:style>
+            <a:lnRef idx="2">
+              <a:schemeClr val="accent1">
+                <a:shade val="50000"/>
+              </a:schemeClr>
+            </a:lnRef>
+            <a:fillRef idx="1">
+              <a:schemeClr val="accent1"/>
+            </a:fillRef>
+            <a:effectRef idx="0">
+              <a:schemeClr val="accent1"/>
+            </a:effectRef>
+            <a:fontRef idx="minor">
+              <a:schemeClr val="lt1"/>
+            </a:fontRef>
+          </p:style>
+          <p:txBody>
+            <a:bodyPr rtlCol="0" anchor="ctr"/>
+            <a:lstStyle/>
+            <a:p>
+              <a:pPr algn="ctr"/>
+              <a:endParaRPr kumimoji="1" lang="ja-JP" altLang="en-US"/>
+            </a:p>
+          </p:txBody>
+        </p:sp>
+        <p:cxnSp>
+          <p:nvCxnSpPr>
+            <p:cNvPr id="84" name="直線コネクタ 83">
+              <a:extLst>
+                <a:ext uri="{FF2B5EF4-FFF2-40B4-BE49-F238E27FC236}">
+                  <a16:creationId xmlns:a16="http://schemas.microsoft.com/office/drawing/2014/main" id="{6218C16D-6118-415E-BBB9-789591486730}"/>
+                </a:ext>
+              </a:extLst>
+            </p:cNvPr>
+            <p:cNvCxnSpPr>
+              <a:cxnSpLocks/>
+            </p:cNvCxnSpPr>
+            <p:nvPr/>
+          </p:nvCxnSpPr>
+          <p:spPr>
+            <a:xfrm flipV="1">
+              <a:off x="5684469" y="4768673"/>
+              <a:ext cx="411531" cy="1"/>
+            </a:xfrm>
+            <a:prstGeom prst="line">
+              <a:avLst/>
+            </a:prstGeom>
+            <a:ln w="38100">
+              <a:solidFill>
+                <a:srgbClr val="FF0000"/>
+              </a:solidFill>
+            </a:ln>
+          </p:spPr>
+          <p:style>
+            <a:lnRef idx="1">
+              <a:schemeClr val="accent1"/>
+            </a:lnRef>
+            <a:fillRef idx="0">
+              <a:schemeClr val="accent1"/>
+            </a:fillRef>
+            <a:effectRef idx="0">
+              <a:schemeClr val="accent1"/>
+            </a:effectRef>
+            <a:fontRef idx="minor">
+              <a:schemeClr val="tx1"/>
+            </a:fontRef>
+          </p:style>
+        </p:cxnSp>
+        <p:sp>
+          <p:nvSpPr>
+            <p:cNvPr id="85" name="テキスト ボックス 84">
+              <a:extLst>
+                <a:ext uri="{FF2B5EF4-FFF2-40B4-BE49-F238E27FC236}">
+                  <a16:creationId xmlns:a16="http://schemas.microsoft.com/office/drawing/2014/main" id="{2595D9BD-8B29-4186-BDC4-FF51831F21CD}"/>
+                </a:ext>
+              </a:extLst>
+            </p:cNvPr>
+            <p:cNvSpPr txBox="1"/>
+            <p:nvPr/>
+          </p:nvSpPr>
+          <p:spPr>
+            <a:xfrm>
+              <a:off x="6112726" y="4453499"/>
+              <a:ext cx="1262133" cy="559818"/>
+            </a:xfrm>
+            <a:prstGeom prst="rect">
+              <a:avLst/>
+            </a:prstGeom>
+            <a:solidFill>
+              <a:schemeClr val="bg1"/>
+            </a:solidFill>
+            <a:ln w="38100">
+              <a:solidFill>
+                <a:srgbClr val="FF0000"/>
+              </a:solidFill>
+            </a:ln>
+          </p:spPr>
+          <p:txBody>
+            <a:bodyPr wrap="square" rtlCol="0">
+              <a:spAutoFit/>
+            </a:bodyPr>
+            <a:lstStyle/>
+            <a:p>
+              <a:r>
+                <a:rPr lang="ja-JP" altLang="en-US" dirty="0"/>
+                <a:t>ニュース</a:t>
+              </a:r>
+              <a:endParaRPr kumimoji="1" lang="en-US" altLang="ja-JP" dirty="0"/>
+            </a:p>
+            <a:p>
+              <a:r>
+                <a:rPr kumimoji="1" lang="ja-JP" altLang="en-US" dirty="0"/>
+                <a:t>読み上げ</a:t>
+              </a:r>
+            </a:p>
+          </p:txBody>
+        </p:sp>
+      </p:grpSp>
+      <p:grpSp>
+        <p:nvGrpSpPr>
+          <p:cNvPr id="86" name="グループ化 85">
+            <a:extLst>
+              <a:ext uri="{FF2B5EF4-FFF2-40B4-BE49-F238E27FC236}">
+                <a16:creationId xmlns:a16="http://schemas.microsoft.com/office/drawing/2014/main" id="{2661663B-A8A8-4845-94A1-DC3404D71841}"/>
+              </a:ext>
+            </a:extLst>
+          </p:cNvPr>
+          <p:cNvGrpSpPr/>
+          <p:nvPr/>
+        </p:nvGrpSpPr>
+        <p:grpSpPr>
+          <a:xfrm>
+            <a:off x="3956035" y="5111304"/>
+            <a:ext cx="3418824" cy="646331"/>
+            <a:chOff x="3956035" y="4453499"/>
+            <a:chExt cx="3418824" cy="579706"/>
+          </a:xfrm>
+        </p:grpSpPr>
+        <p:sp>
+          <p:nvSpPr>
+            <p:cNvPr id="87" name="正方形/長方形 86">
+              <a:extLst>
+                <a:ext uri="{FF2B5EF4-FFF2-40B4-BE49-F238E27FC236}">
+                  <a16:creationId xmlns:a16="http://schemas.microsoft.com/office/drawing/2014/main" id="{A78AA022-434E-46AA-810B-5F1A1F6BED3D}"/>
+                </a:ext>
+              </a:extLst>
+            </p:cNvPr>
+            <p:cNvSpPr/>
+            <p:nvPr/>
+          </p:nvSpPr>
+          <p:spPr>
+            <a:xfrm>
+              <a:off x="3956035" y="4591249"/>
+              <a:ext cx="1735956" cy="299179"/>
+            </a:xfrm>
+            <a:prstGeom prst="rect">
+              <a:avLst/>
+            </a:prstGeom>
+            <a:noFill/>
+            <a:ln w="38100">
+              <a:solidFill>
+                <a:srgbClr val="FF0000"/>
+              </a:solidFill>
+            </a:ln>
+          </p:spPr>
+          <p:style>
+            <a:lnRef idx="2">
+              <a:schemeClr val="accent1">
+                <a:shade val="50000"/>
+              </a:schemeClr>
+            </a:lnRef>
+            <a:fillRef idx="1">
+              <a:schemeClr val="accent1"/>
+            </a:fillRef>
+            <a:effectRef idx="0">
+              <a:schemeClr val="accent1"/>
+            </a:effectRef>
+            <a:fontRef idx="minor">
+              <a:schemeClr val="lt1"/>
+            </a:fontRef>
+          </p:style>
+          <p:txBody>
+            <a:bodyPr rtlCol="0" anchor="ctr"/>
+            <a:lstStyle/>
+            <a:p>
+              <a:pPr algn="ctr"/>
+              <a:endParaRPr kumimoji="1" lang="ja-JP" altLang="en-US"/>
+            </a:p>
+          </p:txBody>
+        </p:sp>
+        <p:cxnSp>
+          <p:nvCxnSpPr>
+            <p:cNvPr id="88" name="直線コネクタ 87">
+              <a:extLst>
+                <a:ext uri="{FF2B5EF4-FFF2-40B4-BE49-F238E27FC236}">
+                  <a16:creationId xmlns:a16="http://schemas.microsoft.com/office/drawing/2014/main" id="{080E775F-2457-4379-BBB2-85CE421BA127}"/>
+                </a:ext>
+              </a:extLst>
+            </p:cNvPr>
+            <p:cNvCxnSpPr>
+              <a:cxnSpLocks/>
+            </p:cNvCxnSpPr>
+            <p:nvPr/>
+          </p:nvCxnSpPr>
+          <p:spPr>
+            <a:xfrm flipV="1">
+              <a:off x="5684469" y="4768673"/>
+              <a:ext cx="411531" cy="1"/>
+            </a:xfrm>
+            <a:prstGeom prst="line">
+              <a:avLst/>
+            </a:prstGeom>
+            <a:ln w="38100">
+              <a:solidFill>
+                <a:srgbClr val="FF0000"/>
+              </a:solidFill>
+            </a:ln>
+          </p:spPr>
+          <p:style>
+            <a:lnRef idx="1">
+              <a:schemeClr val="accent1"/>
+            </a:lnRef>
+            <a:fillRef idx="0">
+              <a:schemeClr val="accent1"/>
+            </a:fillRef>
+            <a:effectRef idx="0">
+              <a:schemeClr val="accent1"/>
+            </a:effectRef>
+            <a:fontRef idx="minor">
+              <a:schemeClr val="tx1"/>
+            </a:fontRef>
+          </p:style>
+        </p:cxnSp>
+        <p:sp>
+          <p:nvSpPr>
+            <p:cNvPr id="89" name="テキスト ボックス 88">
+              <a:extLst>
+                <a:ext uri="{FF2B5EF4-FFF2-40B4-BE49-F238E27FC236}">
+                  <a16:creationId xmlns:a16="http://schemas.microsoft.com/office/drawing/2014/main" id="{C31C01E7-832C-4DEA-AC33-C170A9459EF7}"/>
+                </a:ext>
+              </a:extLst>
+            </p:cNvPr>
+            <p:cNvSpPr txBox="1"/>
+            <p:nvPr/>
+          </p:nvSpPr>
+          <p:spPr>
+            <a:xfrm>
+              <a:off x="6112726" y="4453499"/>
+              <a:ext cx="1262133" cy="579706"/>
+            </a:xfrm>
+            <a:prstGeom prst="rect">
+              <a:avLst/>
+            </a:prstGeom>
+            <a:solidFill>
+              <a:schemeClr val="bg1"/>
+            </a:solidFill>
+            <a:ln w="38100">
+              <a:solidFill>
+                <a:srgbClr val="FF0000"/>
+              </a:solidFill>
+            </a:ln>
+          </p:spPr>
+          <p:txBody>
+            <a:bodyPr wrap="square" rtlCol="0">
+              <a:spAutoFit/>
+            </a:bodyPr>
+            <a:lstStyle/>
+            <a:p>
+              <a:r>
+                <a:rPr kumimoji="1" lang="ja-JP" altLang="en-US" dirty="0"/>
+                <a:t>日時</a:t>
+              </a:r>
+              <a:endParaRPr kumimoji="1" lang="en-US" altLang="ja-JP" dirty="0"/>
+            </a:p>
+            <a:p>
+              <a:r>
+                <a:rPr kumimoji="1" lang="ja-JP" altLang="en-US" dirty="0"/>
+                <a:t>読み上げ</a:t>
+              </a:r>
+            </a:p>
+          </p:txBody>
+        </p:sp>
+      </p:grpSp>
+      <p:grpSp>
+        <p:nvGrpSpPr>
+          <p:cNvPr id="90" name="グループ化 89">
+            <a:extLst>
+              <a:ext uri="{FF2B5EF4-FFF2-40B4-BE49-F238E27FC236}">
+                <a16:creationId xmlns:a16="http://schemas.microsoft.com/office/drawing/2014/main" id="{434387E2-5AA0-4BD7-A1BB-A024C2C8B502}"/>
+              </a:ext>
+            </a:extLst>
+          </p:cNvPr>
+          <p:cNvGrpSpPr/>
+          <p:nvPr/>
+        </p:nvGrpSpPr>
+        <p:grpSpPr>
+          <a:xfrm>
+            <a:off x="3956656" y="5502435"/>
+            <a:ext cx="3418824" cy="646331"/>
+            <a:chOff x="3956035" y="4453499"/>
+            <a:chExt cx="3418824" cy="646331"/>
+          </a:xfrm>
+        </p:grpSpPr>
+        <p:sp>
+          <p:nvSpPr>
+            <p:cNvPr id="91" name="正方形/長方形 90">
+              <a:extLst>
+                <a:ext uri="{FF2B5EF4-FFF2-40B4-BE49-F238E27FC236}">
+                  <a16:creationId xmlns:a16="http://schemas.microsoft.com/office/drawing/2014/main" id="{8578F1A5-4941-4416-87E1-3B5648FB1D05}"/>
+                </a:ext>
+              </a:extLst>
+            </p:cNvPr>
+            <p:cNvSpPr/>
+            <p:nvPr/>
+          </p:nvSpPr>
+          <p:spPr>
+            <a:xfrm>
+              <a:off x="3956035" y="4591249"/>
+              <a:ext cx="1735956" cy="299179"/>
+            </a:xfrm>
+            <a:prstGeom prst="rect">
+              <a:avLst/>
+            </a:prstGeom>
+            <a:noFill/>
+            <a:ln w="38100">
+              <a:solidFill>
+                <a:srgbClr val="FF0000"/>
+              </a:solidFill>
+            </a:ln>
+          </p:spPr>
+          <p:style>
+            <a:lnRef idx="2">
+              <a:schemeClr val="accent1">
+                <a:shade val="50000"/>
+              </a:schemeClr>
+            </a:lnRef>
+            <a:fillRef idx="1">
+              <a:schemeClr val="accent1"/>
+            </a:fillRef>
+            <a:effectRef idx="0">
+              <a:schemeClr val="accent1"/>
+            </a:effectRef>
+            <a:fontRef idx="minor">
+              <a:schemeClr val="lt1"/>
+            </a:fontRef>
+          </p:style>
+          <p:txBody>
+            <a:bodyPr rtlCol="0" anchor="ctr"/>
+            <a:lstStyle/>
+            <a:p>
+              <a:pPr algn="ctr"/>
+              <a:endParaRPr kumimoji="1" lang="ja-JP" altLang="en-US"/>
+            </a:p>
+          </p:txBody>
+        </p:sp>
+        <p:cxnSp>
+          <p:nvCxnSpPr>
+            <p:cNvPr id="92" name="直線コネクタ 91">
+              <a:extLst>
+                <a:ext uri="{FF2B5EF4-FFF2-40B4-BE49-F238E27FC236}">
+                  <a16:creationId xmlns:a16="http://schemas.microsoft.com/office/drawing/2014/main" id="{186F1A9B-6469-4716-8B27-26ECBE436C1B}"/>
+                </a:ext>
+              </a:extLst>
+            </p:cNvPr>
+            <p:cNvCxnSpPr>
+              <a:cxnSpLocks/>
+            </p:cNvCxnSpPr>
+            <p:nvPr/>
+          </p:nvCxnSpPr>
+          <p:spPr>
+            <a:xfrm flipV="1">
+              <a:off x="5684469" y="4768673"/>
+              <a:ext cx="411531" cy="1"/>
+            </a:xfrm>
+            <a:prstGeom prst="line">
+              <a:avLst/>
+            </a:prstGeom>
+            <a:ln w="38100">
+              <a:solidFill>
+                <a:srgbClr val="FF0000"/>
+              </a:solidFill>
+            </a:ln>
+          </p:spPr>
+          <p:style>
+            <a:lnRef idx="1">
+              <a:schemeClr val="accent1"/>
+            </a:lnRef>
+            <a:fillRef idx="0">
+              <a:schemeClr val="accent1"/>
+            </a:fillRef>
+            <a:effectRef idx="0">
+              <a:schemeClr val="accent1"/>
+            </a:effectRef>
+            <a:fontRef idx="minor">
+              <a:schemeClr val="tx1"/>
+            </a:fontRef>
+          </p:style>
+        </p:cxnSp>
+        <p:sp>
+          <p:nvSpPr>
+            <p:cNvPr id="93" name="テキスト ボックス 92">
+              <a:extLst>
+                <a:ext uri="{FF2B5EF4-FFF2-40B4-BE49-F238E27FC236}">
+                  <a16:creationId xmlns:a16="http://schemas.microsoft.com/office/drawing/2014/main" id="{490A1559-3433-46E1-9816-6932B39960C5}"/>
+                </a:ext>
+              </a:extLst>
+            </p:cNvPr>
+            <p:cNvSpPr txBox="1"/>
+            <p:nvPr/>
+          </p:nvSpPr>
+          <p:spPr>
+            <a:xfrm>
+              <a:off x="6112726" y="4453499"/>
+              <a:ext cx="1262133" cy="646331"/>
+            </a:xfrm>
+            <a:prstGeom prst="rect">
+              <a:avLst/>
+            </a:prstGeom>
+            <a:solidFill>
+              <a:schemeClr val="bg1"/>
+            </a:solidFill>
+            <a:ln w="38100">
+              <a:solidFill>
+                <a:srgbClr val="FF0000"/>
+              </a:solidFill>
+            </a:ln>
+          </p:spPr>
+          <p:txBody>
+            <a:bodyPr wrap="square" rtlCol="0">
+              <a:spAutoFit/>
+            </a:bodyPr>
+            <a:lstStyle/>
+            <a:p>
+              <a:r>
+                <a:rPr kumimoji="1" lang="ja-JP" altLang="en-US" dirty="0"/>
+                <a:t>星座占い読み上げ</a:t>
+              </a:r>
+            </a:p>
+          </p:txBody>
+        </p:sp>
+      </p:grpSp>
+      <p:grpSp>
+        <p:nvGrpSpPr>
+          <p:cNvPr id="94" name="グループ化 93">
+            <a:extLst>
+              <a:ext uri="{FF2B5EF4-FFF2-40B4-BE49-F238E27FC236}">
+                <a16:creationId xmlns:a16="http://schemas.microsoft.com/office/drawing/2014/main" id="{16A6B2AA-43B4-4AD5-9554-8F60B7A2F633}"/>
+              </a:ext>
+            </a:extLst>
+          </p:cNvPr>
+          <p:cNvGrpSpPr/>
+          <p:nvPr/>
+        </p:nvGrpSpPr>
+        <p:grpSpPr>
+          <a:xfrm>
+            <a:off x="3889234" y="6044997"/>
+            <a:ext cx="3841247" cy="436929"/>
+            <a:chOff x="3956035" y="4453499"/>
+            <a:chExt cx="3841247" cy="436929"/>
+          </a:xfrm>
+        </p:grpSpPr>
+        <p:sp>
+          <p:nvSpPr>
+            <p:cNvPr id="95" name="正方形/長方形 94">
+              <a:extLst>
+                <a:ext uri="{FF2B5EF4-FFF2-40B4-BE49-F238E27FC236}">
+                  <a16:creationId xmlns:a16="http://schemas.microsoft.com/office/drawing/2014/main" id="{5D2B5F99-53DD-4C81-8B01-B727E32B04D7}"/>
+                </a:ext>
+              </a:extLst>
+            </p:cNvPr>
+            <p:cNvSpPr/>
+            <p:nvPr/>
+          </p:nvSpPr>
+          <p:spPr>
+            <a:xfrm>
+              <a:off x="3956035" y="4591249"/>
+              <a:ext cx="1735956" cy="299179"/>
+            </a:xfrm>
+            <a:prstGeom prst="rect">
+              <a:avLst/>
+            </a:prstGeom>
+            <a:noFill/>
+            <a:ln w="38100">
+              <a:solidFill>
+                <a:srgbClr val="FF0000"/>
+              </a:solidFill>
+            </a:ln>
+          </p:spPr>
+          <p:style>
+            <a:lnRef idx="2">
+              <a:schemeClr val="accent1">
+                <a:shade val="50000"/>
+              </a:schemeClr>
+            </a:lnRef>
+            <a:fillRef idx="1">
+              <a:schemeClr val="accent1"/>
+            </a:fillRef>
+            <a:effectRef idx="0">
+              <a:schemeClr val="accent1"/>
+            </a:effectRef>
+            <a:fontRef idx="minor">
+              <a:schemeClr val="lt1"/>
+            </a:fontRef>
+          </p:style>
+          <p:txBody>
+            <a:bodyPr rtlCol="0" anchor="ctr"/>
+            <a:lstStyle/>
+            <a:p>
+              <a:pPr algn="ctr"/>
+              <a:endParaRPr kumimoji="1" lang="ja-JP" altLang="en-US"/>
+            </a:p>
+          </p:txBody>
+        </p:sp>
+        <p:cxnSp>
+          <p:nvCxnSpPr>
+            <p:cNvPr id="96" name="直線コネクタ 95">
+              <a:extLst>
+                <a:ext uri="{FF2B5EF4-FFF2-40B4-BE49-F238E27FC236}">
+                  <a16:creationId xmlns:a16="http://schemas.microsoft.com/office/drawing/2014/main" id="{FECD1E4A-736C-46CA-B892-7A8764A605FD}"/>
+                </a:ext>
+              </a:extLst>
+            </p:cNvPr>
+            <p:cNvCxnSpPr>
+              <a:cxnSpLocks/>
+            </p:cNvCxnSpPr>
+            <p:nvPr/>
+          </p:nvCxnSpPr>
+          <p:spPr>
+            <a:xfrm flipV="1">
+              <a:off x="5684469" y="4768673"/>
+              <a:ext cx="411531" cy="1"/>
+            </a:xfrm>
+            <a:prstGeom prst="line">
+              <a:avLst/>
+            </a:prstGeom>
+            <a:ln w="38100">
+              <a:solidFill>
+                <a:srgbClr val="FF0000"/>
+              </a:solidFill>
+            </a:ln>
+          </p:spPr>
+          <p:style>
+            <a:lnRef idx="1">
+              <a:schemeClr val="accent1"/>
+            </a:lnRef>
+            <a:fillRef idx="0">
+              <a:schemeClr val="accent1"/>
+            </a:fillRef>
+            <a:effectRef idx="0">
+              <a:schemeClr val="accent1"/>
+            </a:effectRef>
+            <a:fontRef idx="minor">
+              <a:schemeClr val="tx1"/>
+            </a:fontRef>
+          </p:style>
+        </p:cxnSp>
+        <p:sp>
+          <p:nvSpPr>
+            <p:cNvPr id="97" name="テキスト ボックス 96">
+              <a:extLst>
+                <a:ext uri="{FF2B5EF4-FFF2-40B4-BE49-F238E27FC236}">
+                  <a16:creationId xmlns:a16="http://schemas.microsoft.com/office/drawing/2014/main" id="{EF129275-DD2F-4524-9D3A-70692ED7AC34}"/>
+                </a:ext>
+              </a:extLst>
+            </p:cNvPr>
+            <p:cNvSpPr txBox="1"/>
+            <p:nvPr/>
+          </p:nvSpPr>
+          <p:spPr>
+            <a:xfrm>
+              <a:off x="6112726" y="4453499"/>
+              <a:ext cx="1684556" cy="369332"/>
+            </a:xfrm>
+            <a:prstGeom prst="rect">
+              <a:avLst/>
+            </a:prstGeom>
+            <a:solidFill>
+              <a:schemeClr val="bg1"/>
+            </a:solidFill>
+            <a:ln w="38100">
+              <a:solidFill>
+                <a:srgbClr val="FF0000"/>
+              </a:solidFill>
+            </a:ln>
+          </p:spPr>
+          <p:txBody>
+            <a:bodyPr wrap="square" rtlCol="0">
+              <a:spAutoFit/>
+            </a:bodyPr>
+            <a:lstStyle/>
+            <a:p>
+              <a:r>
+                <a:rPr lang="ja-JP" altLang="en-US" dirty="0"/>
+                <a:t>ミュート</a:t>
+              </a:r>
+              <a:r>
+                <a:rPr lang="en-US" altLang="ja-JP" dirty="0"/>
+                <a:t>off</a:t>
+              </a:r>
+              <a:r>
+                <a:rPr lang="ja-JP" altLang="en-US" dirty="0"/>
+                <a:t>等</a:t>
+              </a:r>
+              <a:endParaRPr kumimoji="1" lang="ja-JP" altLang="en-US" dirty="0"/>
+            </a:p>
+          </p:txBody>
+        </p:sp>
+      </p:grpSp>
+      <p:grpSp>
+        <p:nvGrpSpPr>
+          <p:cNvPr id="102" name="グループ化 101">
+            <a:extLst>
+              <a:ext uri="{FF2B5EF4-FFF2-40B4-BE49-F238E27FC236}">
+                <a16:creationId xmlns:a16="http://schemas.microsoft.com/office/drawing/2014/main" id="{BB096D60-DF8D-437E-AF56-906437640A7B}"/>
+              </a:ext>
+            </a:extLst>
+          </p:cNvPr>
+          <p:cNvGrpSpPr/>
+          <p:nvPr/>
+        </p:nvGrpSpPr>
+        <p:grpSpPr>
+          <a:xfrm>
+            <a:off x="3743428" y="6411163"/>
+            <a:ext cx="4599214" cy="369332"/>
+            <a:chOff x="3743428" y="6411163"/>
+            <a:chExt cx="4599214" cy="369332"/>
+          </a:xfrm>
+        </p:grpSpPr>
+        <p:sp>
+          <p:nvSpPr>
+            <p:cNvPr id="99" name="正方形/長方形 98">
+              <a:extLst>
+                <a:ext uri="{FF2B5EF4-FFF2-40B4-BE49-F238E27FC236}">
+                  <a16:creationId xmlns:a16="http://schemas.microsoft.com/office/drawing/2014/main" id="{113A4637-BF11-4B24-9CE9-3F974CB2D328}"/>
+                </a:ext>
+              </a:extLst>
+            </p:cNvPr>
+            <p:cNvSpPr/>
+            <p:nvPr/>
+          </p:nvSpPr>
+          <p:spPr>
+            <a:xfrm>
+              <a:off x="3743428" y="6420408"/>
+              <a:ext cx="1735956" cy="299179"/>
+            </a:xfrm>
+            <a:prstGeom prst="rect">
+              <a:avLst/>
+            </a:prstGeom>
+            <a:noFill/>
+            <a:ln w="38100">
+              <a:solidFill>
+                <a:srgbClr val="FF0000"/>
+              </a:solidFill>
+            </a:ln>
+          </p:spPr>
+          <p:style>
+            <a:lnRef idx="2">
+              <a:schemeClr val="accent1">
+                <a:shade val="50000"/>
+              </a:schemeClr>
+            </a:lnRef>
+            <a:fillRef idx="1">
+              <a:schemeClr val="accent1"/>
+            </a:fillRef>
+            <a:effectRef idx="0">
+              <a:schemeClr val="accent1"/>
+            </a:effectRef>
+            <a:fontRef idx="minor">
+              <a:schemeClr val="lt1"/>
+            </a:fontRef>
+          </p:style>
+          <p:txBody>
+            <a:bodyPr rtlCol="0" anchor="ctr"/>
+            <a:lstStyle/>
+            <a:p>
+              <a:pPr algn="ctr"/>
+              <a:endParaRPr kumimoji="1" lang="ja-JP" altLang="en-US"/>
+            </a:p>
+          </p:txBody>
+        </p:sp>
+        <p:cxnSp>
+          <p:nvCxnSpPr>
+            <p:cNvPr id="100" name="直線コネクタ 99">
+              <a:extLst>
+                <a:ext uri="{FF2B5EF4-FFF2-40B4-BE49-F238E27FC236}">
+                  <a16:creationId xmlns:a16="http://schemas.microsoft.com/office/drawing/2014/main" id="{9DEA431F-FB6B-415C-9E10-6C90E85E74B4}"/>
+                </a:ext>
+              </a:extLst>
+            </p:cNvPr>
+            <p:cNvCxnSpPr>
+              <a:cxnSpLocks/>
+            </p:cNvCxnSpPr>
+            <p:nvPr/>
+          </p:nvCxnSpPr>
+          <p:spPr>
+            <a:xfrm flipV="1">
+              <a:off x="5471862" y="6597832"/>
+              <a:ext cx="411531" cy="1"/>
+            </a:xfrm>
+            <a:prstGeom prst="line">
+              <a:avLst/>
+            </a:prstGeom>
+            <a:ln w="38100">
+              <a:solidFill>
+                <a:srgbClr val="FF0000"/>
+              </a:solidFill>
+            </a:ln>
+          </p:spPr>
+          <p:style>
+            <a:lnRef idx="1">
+              <a:schemeClr val="accent1"/>
+            </a:lnRef>
+            <a:fillRef idx="0">
+              <a:schemeClr val="accent1"/>
+            </a:fillRef>
+            <a:effectRef idx="0">
+              <a:schemeClr val="accent1"/>
+            </a:effectRef>
+            <a:fontRef idx="minor">
+              <a:schemeClr val="tx1"/>
+            </a:fontRef>
+          </p:style>
+        </p:cxnSp>
+        <p:sp>
+          <p:nvSpPr>
+            <p:cNvPr id="101" name="テキスト ボックス 100">
+              <a:extLst>
+                <a:ext uri="{FF2B5EF4-FFF2-40B4-BE49-F238E27FC236}">
+                  <a16:creationId xmlns:a16="http://schemas.microsoft.com/office/drawing/2014/main" id="{5AD616E0-3C8F-449C-8978-57F24C21181D}"/>
+                </a:ext>
+              </a:extLst>
+            </p:cNvPr>
+            <p:cNvSpPr txBox="1"/>
+            <p:nvPr/>
+          </p:nvSpPr>
+          <p:spPr>
+            <a:xfrm>
+              <a:off x="5874612" y="6411163"/>
+              <a:ext cx="2468030" cy="369332"/>
+            </a:xfrm>
+            <a:prstGeom prst="rect">
+              <a:avLst/>
+            </a:prstGeom>
+            <a:solidFill>
+              <a:schemeClr val="bg1"/>
+            </a:solidFill>
+            <a:ln w="38100">
+              <a:solidFill>
+                <a:srgbClr val="FF0000"/>
+              </a:solidFill>
+            </a:ln>
+          </p:spPr>
+          <p:txBody>
+            <a:bodyPr wrap="square" rtlCol="0">
+              <a:spAutoFit/>
+            </a:bodyPr>
+            <a:lstStyle/>
+            <a:p>
+              <a:r>
+                <a:rPr kumimoji="1" lang="ja-JP" altLang="en-US" dirty="0"/>
+                <a:t>実行関数</a:t>
+              </a:r>
+              <a:r>
+                <a:rPr kumimoji="1" lang="en-US" altLang="ja-JP" dirty="0"/>
+                <a:t>run </a:t>
+              </a:r>
+              <a:r>
+                <a:rPr kumimoji="1" lang="ja-JP" altLang="en-US" dirty="0"/>
+                <a:t>呼び出し</a:t>
+              </a:r>
+            </a:p>
+          </p:txBody>
+        </p:sp>
+      </p:grpSp>
     </p:spTree>
     <p:extLst>
       <p:ext uri="{BB962C8B-B14F-4D97-AF65-F5344CB8AC3E}">
-        <p14:creationId xmlns:p14="http://schemas.microsoft.com/office/powerpoint/2010/main" val="1361338163"/>
+        <p14:creationId xmlns:p14="http://schemas.microsoft.com/office/powerpoint/2010/main" val="3722952098"/>
       </p:ext>
     </p:extLst>
   </p:cSld>
   <p:clrMapOvr>
     <a:masterClrMapping/>
   </p:clrMapOvr>
+  <p:timing>
+    <p:tnLst>
+      <p:par>
+        <p:cTn id="1" dur="indefinite" restart="never" nodeType="tmRoot">
+          <p:childTnLst>
+            <p:seq concurrent="1" nextAc="seek">
+              <p:cTn id="2" dur="indefinite" nodeType="mainSeq">
+                <p:childTnLst>
+                  <p:par>
+                    <p:cTn id="3" fill="hold">
+                      <p:stCondLst>
+                        <p:cond delay="indefinite"/>
+                      </p:stCondLst>
+                      <p:childTnLst>
+                        <p:par>
+                          <p:cTn id="4" fill="hold">
+                            <p:stCondLst>
+                              <p:cond delay="0"/>
+                            </p:stCondLst>
+                            <p:childTnLst>
+                              <p:par>
+                                <p:cTn id="5" presetID="42" presetClass="entr" presetSubtype="0" fill="hold" nodeType="clickEffect">
+                                  <p:stCondLst>
+                                    <p:cond delay="0"/>
+                                  </p:stCondLst>
+                                  <p:childTnLst>
+                                    <p:set>
+                                      <p:cBhvr>
+                                        <p:cTn id="6" dur="1" fill="hold">
+                                          <p:stCondLst>
+                                            <p:cond delay="0"/>
+                                          </p:stCondLst>
+                                        </p:cTn>
+                                        <p:tgtEl>
+                                          <p:spTgt spid="17"/>
+                                        </p:tgtEl>
+                                        <p:attrNameLst>
+                                          <p:attrName>style.visibility</p:attrName>
+                                        </p:attrNameLst>
+                                      </p:cBhvr>
+                                      <p:to>
+                                        <p:strVal val="visible"/>
+                                      </p:to>
+                                    </p:set>
+                                    <p:animEffect transition="in" filter="fade">
+                                      <p:cBhvr>
+                                        <p:cTn id="7" dur="500"/>
+                                        <p:tgtEl>
+                                          <p:spTgt spid="17"/>
+                                        </p:tgtEl>
+                                      </p:cBhvr>
+                                    </p:animEffect>
+                                    <p:anim calcmode="lin" valueType="num">
+                                      <p:cBhvr>
+                                        <p:cTn id="8" dur="500" fill="hold"/>
+                                        <p:tgtEl>
+                                          <p:spTgt spid="17"/>
+                                        </p:tgtEl>
+                                        <p:attrNameLst>
+                                          <p:attrName>ppt_x</p:attrName>
+                                        </p:attrNameLst>
+                                      </p:cBhvr>
+                                      <p:tavLst>
+                                        <p:tav tm="0">
+                                          <p:val>
+                                            <p:strVal val="#ppt_x"/>
+                                          </p:val>
+                                        </p:tav>
+                                        <p:tav tm="100000">
+                                          <p:val>
+                                            <p:strVal val="#ppt_x"/>
+                                          </p:val>
+                                        </p:tav>
+                                      </p:tavLst>
+                                    </p:anim>
+                                    <p:anim calcmode="lin" valueType="num">
+                                      <p:cBhvr>
+                                        <p:cTn id="9" dur="500" fill="hold"/>
+                                        <p:tgtEl>
+                                          <p:spTgt spid="17"/>
+                                        </p:tgtEl>
+                                        <p:attrNameLst>
+                                          <p:attrName>ppt_y</p:attrName>
+                                        </p:attrNameLst>
+                                      </p:cBhvr>
+                                      <p:tavLst>
+                                        <p:tav tm="0">
+                                          <p:val>
+                                            <p:strVal val="#ppt_y+.1"/>
+                                          </p:val>
+                                        </p:tav>
+                                        <p:tav tm="100000">
+                                          <p:val>
+                                            <p:strVal val="#ppt_y"/>
+                                          </p:val>
+                                        </p:tav>
+                                      </p:tavLst>
+                                    </p:anim>
+                                  </p:childTnLst>
+                                </p:cTn>
+                              </p:par>
+                            </p:childTnLst>
+                          </p:cTn>
+                        </p:par>
+                      </p:childTnLst>
+                    </p:cTn>
+                  </p:par>
+                  <p:par>
+                    <p:cTn id="10" fill="hold">
+                      <p:stCondLst>
+                        <p:cond delay="indefinite"/>
+                      </p:stCondLst>
+                      <p:childTnLst>
+                        <p:par>
+                          <p:cTn id="11" fill="hold">
+                            <p:stCondLst>
+                              <p:cond delay="0"/>
+                            </p:stCondLst>
+                            <p:childTnLst>
+                              <p:par>
+                                <p:cTn id="12" presetID="42" presetClass="entr" presetSubtype="0" fill="hold" nodeType="clickEffect">
+                                  <p:stCondLst>
+                                    <p:cond delay="0"/>
+                                  </p:stCondLst>
+                                  <p:childTnLst>
+                                    <p:set>
+                                      <p:cBhvr>
+                                        <p:cTn id="13" dur="1" fill="hold">
+                                          <p:stCondLst>
+                                            <p:cond delay="0"/>
+                                          </p:stCondLst>
+                                        </p:cTn>
+                                        <p:tgtEl>
+                                          <p:spTgt spid="55"/>
+                                        </p:tgtEl>
+                                        <p:attrNameLst>
+                                          <p:attrName>style.visibility</p:attrName>
+                                        </p:attrNameLst>
+                                      </p:cBhvr>
+                                      <p:to>
+                                        <p:strVal val="visible"/>
+                                      </p:to>
+                                    </p:set>
+                                    <p:animEffect transition="in" filter="fade">
+                                      <p:cBhvr>
+                                        <p:cTn id="14" dur="500"/>
+                                        <p:tgtEl>
+                                          <p:spTgt spid="55"/>
+                                        </p:tgtEl>
+                                      </p:cBhvr>
+                                    </p:animEffect>
+                                    <p:anim calcmode="lin" valueType="num">
+                                      <p:cBhvr>
+                                        <p:cTn id="15" dur="500" fill="hold"/>
+                                        <p:tgtEl>
+                                          <p:spTgt spid="55"/>
+                                        </p:tgtEl>
+                                        <p:attrNameLst>
+                                          <p:attrName>ppt_x</p:attrName>
+                                        </p:attrNameLst>
+                                      </p:cBhvr>
+                                      <p:tavLst>
+                                        <p:tav tm="0">
+                                          <p:val>
+                                            <p:strVal val="#ppt_x"/>
+                                          </p:val>
+                                        </p:tav>
+                                        <p:tav tm="100000">
+                                          <p:val>
+                                            <p:strVal val="#ppt_x"/>
+                                          </p:val>
+                                        </p:tav>
+                                      </p:tavLst>
+                                    </p:anim>
+                                    <p:anim calcmode="lin" valueType="num">
+                                      <p:cBhvr>
+                                        <p:cTn id="16" dur="500" fill="hold"/>
+                                        <p:tgtEl>
+                                          <p:spTgt spid="55"/>
+                                        </p:tgtEl>
+                                        <p:attrNameLst>
+                                          <p:attrName>ppt_y</p:attrName>
+                                        </p:attrNameLst>
+                                      </p:cBhvr>
+                                      <p:tavLst>
+                                        <p:tav tm="0">
+                                          <p:val>
+                                            <p:strVal val="#ppt_y+.1"/>
+                                          </p:val>
+                                        </p:tav>
+                                        <p:tav tm="100000">
+                                          <p:val>
+                                            <p:strVal val="#ppt_y"/>
+                                          </p:val>
+                                        </p:tav>
+                                      </p:tavLst>
+                                    </p:anim>
+                                  </p:childTnLst>
+                                </p:cTn>
+                              </p:par>
+                              <p:par>
+                                <p:cTn id="17" presetID="1" presetClass="exit" presetSubtype="0" fill="hold" nodeType="withEffect">
+                                  <p:stCondLst>
+                                    <p:cond delay="0"/>
+                                  </p:stCondLst>
+                                  <p:childTnLst>
+                                    <p:set>
+                                      <p:cBhvr>
+                                        <p:cTn id="18" dur="1" fill="hold">
+                                          <p:stCondLst>
+                                            <p:cond delay="0"/>
+                                          </p:stCondLst>
+                                        </p:cTn>
+                                        <p:tgtEl>
+                                          <p:spTgt spid="17"/>
+                                        </p:tgtEl>
+                                        <p:attrNameLst>
+                                          <p:attrName>style.visibility</p:attrName>
+                                        </p:attrNameLst>
+                                      </p:cBhvr>
+                                      <p:to>
+                                        <p:strVal val="hidden"/>
+                                      </p:to>
+                                    </p:set>
+                                  </p:childTnLst>
+                                </p:cTn>
+                              </p:par>
+                            </p:childTnLst>
+                          </p:cTn>
+                        </p:par>
+                      </p:childTnLst>
+                    </p:cTn>
+                  </p:par>
+                  <p:par>
+                    <p:cTn id="19" fill="hold">
+                      <p:stCondLst>
+                        <p:cond delay="indefinite"/>
+                      </p:stCondLst>
+                      <p:childTnLst>
+                        <p:par>
+                          <p:cTn id="20" fill="hold">
+                            <p:stCondLst>
+                              <p:cond delay="0"/>
+                            </p:stCondLst>
+                            <p:childTnLst>
+                              <p:par>
+                                <p:cTn id="21" presetID="42" presetClass="entr" presetSubtype="0" fill="hold" nodeType="clickEffect">
+                                  <p:stCondLst>
+                                    <p:cond delay="0"/>
+                                  </p:stCondLst>
+                                  <p:childTnLst>
+                                    <p:set>
+                                      <p:cBhvr>
+                                        <p:cTn id="22" dur="1" fill="hold">
+                                          <p:stCondLst>
+                                            <p:cond delay="0"/>
+                                          </p:stCondLst>
+                                        </p:cTn>
+                                        <p:tgtEl>
+                                          <p:spTgt spid="50"/>
+                                        </p:tgtEl>
+                                        <p:attrNameLst>
+                                          <p:attrName>style.visibility</p:attrName>
+                                        </p:attrNameLst>
+                                      </p:cBhvr>
+                                      <p:to>
+                                        <p:strVal val="visible"/>
+                                      </p:to>
+                                    </p:set>
+                                    <p:animEffect transition="in" filter="fade">
+                                      <p:cBhvr>
+                                        <p:cTn id="23" dur="500"/>
+                                        <p:tgtEl>
+                                          <p:spTgt spid="50"/>
+                                        </p:tgtEl>
+                                      </p:cBhvr>
+                                    </p:animEffect>
+                                    <p:anim calcmode="lin" valueType="num">
+                                      <p:cBhvr>
+                                        <p:cTn id="24" dur="500" fill="hold"/>
+                                        <p:tgtEl>
+                                          <p:spTgt spid="50"/>
+                                        </p:tgtEl>
+                                        <p:attrNameLst>
+                                          <p:attrName>ppt_x</p:attrName>
+                                        </p:attrNameLst>
+                                      </p:cBhvr>
+                                      <p:tavLst>
+                                        <p:tav tm="0">
+                                          <p:val>
+                                            <p:strVal val="#ppt_x"/>
+                                          </p:val>
+                                        </p:tav>
+                                        <p:tav tm="100000">
+                                          <p:val>
+                                            <p:strVal val="#ppt_x"/>
+                                          </p:val>
+                                        </p:tav>
+                                      </p:tavLst>
+                                    </p:anim>
+                                    <p:anim calcmode="lin" valueType="num">
+                                      <p:cBhvr>
+                                        <p:cTn id="25" dur="500" fill="hold"/>
+                                        <p:tgtEl>
+                                          <p:spTgt spid="50"/>
+                                        </p:tgtEl>
+                                        <p:attrNameLst>
+                                          <p:attrName>ppt_y</p:attrName>
+                                        </p:attrNameLst>
+                                      </p:cBhvr>
+                                      <p:tavLst>
+                                        <p:tav tm="0">
+                                          <p:val>
+                                            <p:strVal val="#ppt_y+.1"/>
+                                          </p:val>
+                                        </p:tav>
+                                        <p:tav tm="100000">
+                                          <p:val>
+                                            <p:strVal val="#ppt_y"/>
+                                          </p:val>
+                                        </p:tav>
+                                      </p:tavLst>
+                                    </p:anim>
+                                  </p:childTnLst>
+                                </p:cTn>
+                              </p:par>
+                              <p:par>
+                                <p:cTn id="26" presetID="1" presetClass="exit" presetSubtype="0" fill="hold" nodeType="withEffect">
+                                  <p:stCondLst>
+                                    <p:cond delay="0"/>
+                                  </p:stCondLst>
+                                  <p:childTnLst>
+                                    <p:set>
+                                      <p:cBhvr>
+                                        <p:cTn id="27" dur="1" fill="hold">
+                                          <p:stCondLst>
+                                            <p:cond delay="0"/>
+                                          </p:stCondLst>
+                                        </p:cTn>
+                                        <p:tgtEl>
+                                          <p:spTgt spid="55"/>
+                                        </p:tgtEl>
+                                        <p:attrNameLst>
+                                          <p:attrName>style.visibility</p:attrName>
+                                        </p:attrNameLst>
+                                      </p:cBhvr>
+                                      <p:to>
+                                        <p:strVal val="hidden"/>
+                                      </p:to>
+                                    </p:set>
+                                  </p:childTnLst>
+                                </p:cTn>
+                              </p:par>
+                            </p:childTnLst>
+                          </p:cTn>
+                        </p:par>
+                      </p:childTnLst>
+                    </p:cTn>
+                  </p:par>
+                  <p:par>
+                    <p:cTn id="28" fill="hold">
+                      <p:stCondLst>
+                        <p:cond delay="indefinite"/>
+                      </p:stCondLst>
+                      <p:childTnLst>
+                        <p:par>
+                          <p:cTn id="29" fill="hold">
+                            <p:stCondLst>
+                              <p:cond delay="0"/>
+                            </p:stCondLst>
+                            <p:childTnLst>
+                              <p:par>
+                                <p:cTn id="30" presetID="42" presetClass="entr" presetSubtype="0" fill="hold" nodeType="clickEffect">
+                                  <p:stCondLst>
+                                    <p:cond delay="0"/>
+                                  </p:stCondLst>
+                                  <p:childTnLst>
+                                    <p:set>
+                                      <p:cBhvr>
+                                        <p:cTn id="31" dur="1" fill="hold">
+                                          <p:stCondLst>
+                                            <p:cond delay="0"/>
+                                          </p:stCondLst>
+                                        </p:cTn>
+                                        <p:tgtEl>
+                                          <p:spTgt spid="48"/>
+                                        </p:tgtEl>
+                                        <p:attrNameLst>
+                                          <p:attrName>style.visibility</p:attrName>
+                                        </p:attrNameLst>
+                                      </p:cBhvr>
+                                      <p:to>
+                                        <p:strVal val="visible"/>
+                                      </p:to>
+                                    </p:set>
+                                    <p:animEffect transition="in" filter="fade">
+                                      <p:cBhvr>
+                                        <p:cTn id="32" dur="500"/>
+                                        <p:tgtEl>
+                                          <p:spTgt spid="48"/>
+                                        </p:tgtEl>
+                                      </p:cBhvr>
+                                    </p:animEffect>
+                                    <p:anim calcmode="lin" valueType="num">
+                                      <p:cBhvr>
+                                        <p:cTn id="33" dur="500" fill="hold"/>
+                                        <p:tgtEl>
+                                          <p:spTgt spid="48"/>
+                                        </p:tgtEl>
+                                        <p:attrNameLst>
+                                          <p:attrName>ppt_x</p:attrName>
+                                        </p:attrNameLst>
+                                      </p:cBhvr>
+                                      <p:tavLst>
+                                        <p:tav tm="0">
+                                          <p:val>
+                                            <p:strVal val="#ppt_x"/>
+                                          </p:val>
+                                        </p:tav>
+                                        <p:tav tm="100000">
+                                          <p:val>
+                                            <p:strVal val="#ppt_x"/>
+                                          </p:val>
+                                        </p:tav>
+                                      </p:tavLst>
+                                    </p:anim>
+                                    <p:anim calcmode="lin" valueType="num">
+                                      <p:cBhvr>
+                                        <p:cTn id="34" dur="500" fill="hold"/>
+                                        <p:tgtEl>
+                                          <p:spTgt spid="48"/>
+                                        </p:tgtEl>
+                                        <p:attrNameLst>
+                                          <p:attrName>ppt_y</p:attrName>
+                                        </p:attrNameLst>
+                                      </p:cBhvr>
+                                      <p:tavLst>
+                                        <p:tav tm="0">
+                                          <p:val>
+                                            <p:strVal val="#ppt_y+.1"/>
+                                          </p:val>
+                                        </p:tav>
+                                        <p:tav tm="100000">
+                                          <p:val>
+                                            <p:strVal val="#ppt_y"/>
+                                          </p:val>
+                                        </p:tav>
+                                      </p:tavLst>
+                                    </p:anim>
+                                  </p:childTnLst>
+                                </p:cTn>
+                              </p:par>
+                              <p:par>
+                                <p:cTn id="35" presetID="1" presetClass="exit" presetSubtype="0" fill="hold" nodeType="withEffect">
+                                  <p:stCondLst>
+                                    <p:cond delay="0"/>
+                                  </p:stCondLst>
+                                  <p:childTnLst>
+                                    <p:set>
+                                      <p:cBhvr>
+                                        <p:cTn id="36" dur="1" fill="hold">
+                                          <p:stCondLst>
+                                            <p:cond delay="0"/>
+                                          </p:stCondLst>
+                                        </p:cTn>
+                                        <p:tgtEl>
+                                          <p:spTgt spid="50"/>
+                                        </p:tgtEl>
+                                        <p:attrNameLst>
+                                          <p:attrName>style.visibility</p:attrName>
+                                        </p:attrNameLst>
+                                      </p:cBhvr>
+                                      <p:to>
+                                        <p:strVal val="hidden"/>
+                                      </p:to>
+                                    </p:set>
+                                  </p:childTnLst>
+                                </p:cTn>
+                              </p:par>
+                            </p:childTnLst>
+                          </p:cTn>
+                        </p:par>
+                      </p:childTnLst>
+                    </p:cTn>
+                  </p:par>
+                  <p:par>
+                    <p:cTn id="37" fill="hold">
+                      <p:stCondLst>
+                        <p:cond delay="indefinite"/>
+                      </p:stCondLst>
+                      <p:childTnLst>
+                        <p:par>
+                          <p:cTn id="38" fill="hold">
+                            <p:stCondLst>
+                              <p:cond delay="0"/>
+                            </p:stCondLst>
+                            <p:childTnLst>
+                              <p:par>
+                                <p:cTn id="39" presetID="42" presetClass="entr" presetSubtype="0" fill="hold" nodeType="clickEffect">
+                                  <p:stCondLst>
+                                    <p:cond delay="0"/>
+                                  </p:stCondLst>
+                                  <p:childTnLst>
+                                    <p:set>
+                                      <p:cBhvr>
+                                        <p:cTn id="40" dur="1" fill="hold">
+                                          <p:stCondLst>
+                                            <p:cond delay="0"/>
+                                          </p:stCondLst>
+                                        </p:cTn>
+                                        <p:tgtEl>
+                                          <p:spTgt spid="56"/>
+                                        </p:tgtEl>
+                                        <p:attrNameLst>
+                                          <p:attrName>style.visibility</p:attrName>
+                                        </p:attrNameLst>
+                                      </p:cBhvr>
+                                      <p:to>
+                                        <p:strVal val="visible"/>
+                                      </p:to>
+                                    </p:set>
+                                    <p:animEffect transition="in" filter="fade">
+                                      <p:cBhvr>
+                                        <p:cTn id="41" dur="500"/>
+                                        <p:tgtEl>
+                                          <p:spTgt spid="56"/>
+                                        </p:tgtEl>
+                                      </p:cBhvr>
+                                    </p:animEffect>
+                                    <p:anim calcmode="lin" valueType="num">
+                                      <p:cBhvr>
+                                        <p:cTn id="42" dur="500" fill="hold"/>
+                                        <p:tgtEl>
+                                          <p:spTgt spid="56"/>
+                                        </p:tgtEl>
+                                        <p:attrNameLst>
+                                          <p:attrName>ppt_x</p:attrName>
+                                        </p:attrNameLst>
+                                      </p:cBhvr>
+                                      <p:tavLst>
+                                        <p:tav tm="0">
+                                          <p:val>
+                                            <p:strVal val="#ppt_x"/>
+                                          </p:val>
+                                        </p:tav>
+                                        <p:tav tm="100000">
+                                          <p:val>
+                                            <p:strVal val="#ppt_x"/>
+                                          </p:val>
+                                        </p:tav>
+                                      </p:tavLst>
+                                    </p:anim>
+                                    <p:anim calcmode="lin" valueType="num">
+                                      <p:cBhvr>
+                                        <p:cTn id="43" dur="500" fill="hold"/>
+                                        <p:tgtEl>
+                                          <p:spTgt spid="56"/>
+                                        </p:tgtEl>
+                                        <p:attrNameLst>
+                                          <p:attrName>ppt_y</p:attrName>
+                                        </p:attrNameLst>
+                                      </p:cBhvr>
+                                      <p:tavLst>
+                                        <p:tav tm="0">
+                                          <p:val>
+                                            <p:strVal val="#ppt_y+.1"/>
+                                          </p:val>
+                                        </p:tav>
+                                        <p:tav tm="100000">
+                                          <p:val>
+                                            <p:strVal val="#ppt_y"/>
+                                          </p:val>
+                                        </p:tav>
+                                      </p:tavLst>
+                                    </p:anim>
+                                  </p:childTnLst>
+                                </p:cTn>
+                              </p:par>
+                              <p:par>
+                                <p:cTn id="44" presetID="1" presetClass="exit" presetSubtype="0" fill="hold" nodeType="withEffect">
+                                  <p:stCondLst>
+                                    <p:cond delay="0"/>
+                                  </p:stCondLst>
+                                  <p:childTnLst>
+                                    <p:set>
+                                      <p:cBhvr>
+                                        <p:cTn id="45" dur="1" fill="hold">
+                                          <p:stCondLst>
+                                            <p:cond delay="0"/>
+                                          </p:stCondLst>
+                                        </p:cTn>
+                                        <p:tgtEl>
+                                          <p:spTgt spid="48"/>
+                                        </p:tgtEl>
+                                        <p:attrNameLst>
+                                          <p:attrName>style.visibility</p:attrName>
+                                        </p:attrNameLst>
+                                      </p:cBhvr>
+                                      <p:to>
+                                        <p:strVal val="hidden"/>
+                                      </p:to>
+                                    </p:set>
+                                  </p:childTnLst>
+                                </p:cTn>
+                              </p:par>
+                            </p:childTnLst>
+                          </p:cTn>
+                        </p:par>
+                      </p:childTnLst>
+                    </p:cTn>
+                  </p:par>
+                  <p:par>
+                    <p:cTn id="46" fill="hold">
+                      <p:stCondLst>
+                        <p:cond delay="indefinite"/>
+                      </p:stCondLst>
+                      <p:childTnLst>
+                        <p:par>
+                          <p:cTn id="47" fill="hold">
+                            <p:stCondLst>
+                              <p:cond delay="0"/>
+                            </p:stCondLst>
+                            <p:childTnLst>
+                              <p:par>
+                                <p:cTn id="48" presetID="42" presetClass="entr" presetSubtype="0" fill="hold" nodeType="clickEffect">
+                                  <p:stCondLst>
+                                    <p:cond delay="0"/>
+                                  </p:stCondLst>
+                                  <p:childTnLst>
+                                    <p:set>
+                                      <p:cBhvr>
+                                        <p:cTn id="49" dur="1" fill="hold">
+                                          <p:stCondLst>
+                                            <p:cond delay="0"/>
+                                          </p:stCondLst>
+                                        </p:cTn>
+                                        <p:tgtEl>
+                                          <p:spTgt spid="62"/>
+                                        </p:tgtEl>
+                                        <p:attrNameLst>
+                                          <p:attrName>style.visibility</p:attrName>
+                                        </p:attrNameLst>
+                                      </p:cBhvr>
+                                      <p:to>
+                                        <p:strVal val="visible"/>
+                                      </p:to>
+                                    </p:set>
+                                    <p:animEffect transition="in" filter="fade">
+                                      <p:cBhvr>
+                                        <p:cTn id="50" dur="500"/>
+                                        <p:tgtEl>
+                                          <p:spTgt spid="62"/>
+                                        </p:tgtEl>
+                                      </p:cBhvr>
+                                    </p:animEffect>
+                                    <p:anim calcmode="lin" valueType="num">
+                                      <p:cBhvr>
+                                        <p:cTn id="51" dur="500" fill="hold"/>
+                                        <p:tgtEl>
+                                          <p:spTgt spid="62"/>
+                                        </p:tgtEl>
+                                        <p:attrNameLst>
+                                          <p:attrName>ppt_x</p:attrName>
+                                        </p:attrNameLst>
+                                      </p:cBhvr>
+                                      <p:tavLst>
+                                        <p:tav tm="0">
+                                          <p:val>
+                                            <p:strVal val="#ppt_x"/>
+                                          </p:val>
+                                        </p:tav>
+                                        <p:tav tm="100000">
+                                          <p:val>
+                                            <p:strVal val="#ppt_x"/>
+                                          </p:val>
+                                        </p:tav>
+                                      </p:tavLst>
+                                    </p:anim>
+                                    <p:anim calcmode="lin" valueType="num">
+                                      <p:cBhvr>
+                                        <p:cTn id="52" dur="500" fill="hold"/>
+                                        <p:tgtEl>
+                                          <p:spTgt spid="62"/>
+                                        </p:tgtEl>
+                                        <p:attrNameLst>
+                                          <p:attrName>ppt_y</p:attrName>
+                                        </p:attrNameLst>
+                                      </p:cBhvr>
+                                      <p:tavLst>
+                                        <p:tav tm="0">
+                                          <p:val>
+                                            <p:strVal val="#ppt_y+.1"/>
+                                          </p:val>
+                                        </p:tav>
+                                        <p:tav tm="100000">
+                                          <p:val>
+                                            <p:strVal val="#ppt_y"/>
+                                          </p:val>
+                                        </p:tav>
+                                      </p:tavLst>
+                                    </p:anim>
+                                  </p:childTnLst>
+                                </p:cTn>
+                              </p:par>
+                              <p:par>
+                                <p:cTn id="53" presetID="1" presetClass="exit" presetSubtype="0" fill="hold" nodeType="withEffect">
+                                  <p:stCondLst>
+                                    <p:cond delay="0"/>
+                                  </p:stCondLst>
+                                  <p:childTnLst>
+                                    <p:set>
+                                      <p:cBhvr>
+                                        <p:cTn id="54" dur="1" fill="hold">
+                                          <p:stCondLst>
+                                            <p:cond delay="0"/>
+                                          </p:stCondLst>
+                                        </p:cTn>
+                                        <p:tgtEl>
+                                          <p:spTgt spid="56"/>
+                                        </p:tgtEl>
+                                        <p:attrNameLst>
+                                          <p:attrName>style.visibility</p:attrName>
+                                        </p:attrNameLst>
+                                      </p:cBhvr>
+                                      <p:to>
+                                        <p:strVal val="hidden"/>
+                                      </p:to>
+                                    </p:set>
+                                  </p:childTnLst>
+                                </p:cTn>
+                              </p:par>
+                            </p:childTnLst>
+                          </p:cTn>
+                        </p:par>
+                      </p:childTnLst>
+                    </p:cTn>
+                  </p:par>
+                  <p:par>
+                    <p:cTn id="55" fill="hold">
+                      <p:stCondLst>
+                        <p:cond delay="indefinite"/>
+                      </p:stCondLst>
+                      <p:childTnLst>
+                        <p:par>
+                          <p:cTn id="56" fill="hold">
+                            <p:stCondLst>
+                              <p:cond delay="0"/>
+                            </p:stCondLst>
+                            <p:childTnLst>
+                              <p:par>
+                                <p:cTn id="57" presetID="42" presetClass="entr" presetSubtype="0" fill="hold" nodeType="clickEffect">
+                                  <p:stCondLst>
+                                    <p:cond delay="0"/>
+                                  </p:stCondLst>
+                                  <p:childTnLst>
+                                    <p:set>
+                                      <p:cBhvr>
+                                        <p:cTn id="58" dur="1" fill="hold">
+                                          <p:stCondLst>
+                                            <p:cond delay="0"/>
+                                          </p:stCondLst>
+                                        </p:cTn>
+                                        <p:tgtEl>
+                                          <p:spTgt spid="71"/>
+                                        </p:tgtEl>
+                                        <p:attrNameLst>
+                                          <p:attrName>style.visibility</p:attrName>
+                                        </p:attrNameLst>
+                                      </p:cBhvr>
+                                      <p:to>
+                                        <p:strVal val="visible"/>
+                                      </p:to>
+                                    </p:set>
+                                    <p:animEffect transition="in" filter="fade">
+                                      <p:cBhvr>
+                                        <p:cTn id="59" dur="500"/>
+                                        <p:tgtEl>
+                                          <p:spTgt spid="71"/>
+                                        </p:tgtEl>
+                                      </p:cBhvr>
+                                    </p:animEffect>
+                                    <p:anim calcmode="lin" valueType="num">
+                                      <p:cBhvr>
+                                        <p:cTn id="60" dur="500" fill="hold"/>
+                                        <p:tgtEl>
+                                          <p:spTgt spid="71"/>
+                                        </p:tgtEl>
+                                        <p:attrNameLst>
+                                          <p:attrName>ppt_x</p:attrName>
+                                        </p:attrNameLst>
+                                      </p:cBhvr>
+                                      <p:tavLst>
+                                        <p:tav tm="0">
+                                          <p:val>
+                                            <p:strVal val="#ppt_x"/>
+                                          </p:val>
+                                        </p:tav>
+                                        <p:tav tm="100000">
+                                          <p:val>
+                                            <p:strVal val="#ppt_x"/>
+                                          </p:val>
+                                        </p:tav>
+                                      </p:tavLst>
+                                    </p:anim>
+                                    <p:anim calcmode="lin" valueType="num">
+                                      <p:cBhvr>
+                                        <p:cTn id="61" dur="500" fill="hold"/>
+                                        <p:tgtEl>
+                                          <p:spTgt spid="71"/>
+                                        </p:tgtEl>
+                                        <p:attrNameLst>
+                                          <p:attrName>ppt_y</p:attrName>
+                                        </p:attrNameLst>
+                                      </p:cBhvr>
+                                      <p:tavLst>
+                                        <p:tav tm="0">
+                                          <p:val>
+                                            <p:strVal val="#ppt_y+.1"/>
+                                          </p:val>
+                                        </p:tav>
+                                        <p:tav tm="100000">
+                                          <p:val>
+                                            <p:strVal val="#ppt_y"/>
+                                          </p:val>
+                                        </p:tav>
+                                      </p:tavLst>
+                                    </p:anim>
+                                  </p:childTnLst>
+                                </p:cTn>
+                              </p:par>
+                              <p:par>
+                                <p:cTn id="62" presetID="1" presetClass="exit" presetSubtype="0" fill="hold" nodeType="withEffect">
+                                  <p:stCondLst>
+                                    <p:cond delay="0"/>
+                                  </p:stCondLst>
+                                  <p:childTnLst>
+                                    <p:set>
+                                      <p:cBhvr>
+                                        <p:cTn id="63" dur="1" fill="hold">
+                                          <p:stCondLst>
+                                            <p:cond delay="0"/>
+                                          </p:stCondLst>
+                                        </p:cTn>
+                                        <p:tgtEl>
+                                          <p:spTgt spid="62"/>
+                                        </p:tgtEl>
+                                        <p:attrNameLst>
+                                          <p:attrName>style.visibility</p:attrName>
+                                        </p:attrNameLst>
+                                      </p:cBhvr>
+                                      <p:to>
+                                        <p:strVal val="hidden"/>
+                                      </p:to>
+                                    </p:set>
+                                  </p:childTnLst>
+                                </p:cTn>
+                              </p:par>
+                            </p:childTnLst>
+                          </p:cTn>
+                        </p:par>
+                      </p:childTnLst>
+                    </p:cTn>
+                  </p:par>
+                  <p:par>
+                    <p:cTn id="64" fill="hold">
+                      <p:stCondLst>
+                        <p:cond delay="indefinite"/>
+                      </p:stCondLst>
+                      <p:childTnLst>
+                        <p:par>
+                          <p:cTn id="65" fill="hold">
+                            <p:stCondLst>
+                              <p:cond delay="0"/>
+                            </p:stCondLst>
+                            <p:childTnLst>
+                              <p:par>
+                                <p:cTn id="66" presetID="42" presetClass="entr" presetSubtype="0" fill="hold" nodeType="clickEffect">
+                                  <p:stCondLst>
+                                    <p:cond delay="0"/>
+                                  </p:stCondLst>
+                                  <p:childTnLst>
+                                    <p:set>
+                                      <p:cBhvr>
+                                        <p:cTn id="67" dur="1" fill="hold">
+                                          <p:stCondLst>
+                                            <p:cond delay="0"/>
+                                          </p:stCondLst>
+                                        </p:cTn>
+                                        <p:tgtEl>
+                                          <p:spTgt spid="81"/>
+                                        </p:tgtEl>
+                                        <p:attrNameLst>
+                                          <p:attrName>style.visibility</p:attrName>
+                                        </p:attrNameLst>
+                                      </p:cBhvr>
+                                      <p:to>
+                                        <p:strVal val="visible"/>
+                                      </p:to>
+                                    </p:set>
+                                    <p:animEffect transition="in" filter="fade">
+                                      <p:cBhvr>
+                                        <p:cTn id="68" dur="500"/>
+                                        <p:tgtEl>
+                                          <p:spTgt spid="81"/>
+                                        </p:tgtEl>
+                                      </p:cBhvr>
+                                    </p:animEffect>
+                                    <p:anim calcmode="lin" valueType="num">
+                                      <p:cBhvr>
+                                        <p:cTn id="69" dur="500" fill="hold"/>
+                                        <p:tgtEl>
+                                          <p:spTgt spid="81"/>
+                                        </p:tgtEl>
+                                        <p:attrNameLst>
+                                          <p:attrName>ppt_x</p:attrName>
+                                        </p:attrNameLst>
+                                      </p:cBhvr>
+                                      <p:tavLst>
+                                        <p:tav tm="0">
+                                          <p:val>
+                                            <p:strVal val="#ppt_x"/>
+                                          </p:val>
+                                        </p:tav>
+                                        <p:tav tm="100000">
+                                          <p:val>
+                                            <p:strVal val="#ppt_x"/>
+                                          </p:val>
+                                        </p:tav>
+                                      </p:tavLst>
+                                    </p:anim>
+                                    <p:anim calcmode="lin" valueType="num">
+                                      <p:cBhvr>
+                                        <p:cTn id="70" dur="500" fill="hold"/>
+                                        <p:tgtEl>
+                                          <p:spTgt spid="81"/>
+                                        </p:tgtEl>
+                                        <p:attrNameLst>
+                                          <p:attrName>ppt_y</p:attrName>
+                                        </p:attrNameLst>
+                                      </p:cBhvr>
+                                      <p:tavLst>
+                                        <p:tav tm="0">
+                                          <p:val>
+                                            <p:strVal val="#ppt_y+.1"/>
+                                          </p:val>
+                                        </p:tav>
+                                        <p:tav tm="100000">
+                                          <p:val>
+                                            <p:strVal val="#ppt_y"/>
+                                          </p:val>
+                                        </p:tav>
+                                      </p:tavLst>
+                                    </p:anim>
+                                  </p:childTnLst>
+                                </p:cTn>
+                              </p:par>
+                              <p:par>
+                                <p:cTn id="71" presetID="1" presetClass="exit" presetSubtype="0" fill="hold" nodeType="withEffect">
+                                  <p:stCondLst>
+                                    <p:cond delay="0"/>
+                                  </p:stCondLst>
+                                  <p:childTnLst>
+                                    <p:set>
+                                      <p:cBhvr>
+                                        <p:cTn id="72" dur="1" fill="hold">
+                                          <p:stCondLst>
+                                            <p:cond delay="0"/>
+                                          </p:stCondLst>
+                                        </p:cTn>
+                                        <p:tgtEl>
+                                          <p:spTgt spid="71"/>
+                                        </p:tgtEl>
+                                        <p:attrNameLst>
+                                          <p:attrName>style.visibility</p:attrName>
+                                        </p:attrNameLst>
+                                      </p:cBhvr>
+                                      <p:to>
+                                        <p:strVal val="hidden"/>
+                                      </p:to>
+                                    </p:set>
+                                  </p:childTnLst>
+                                </p:cTn>
+                              </p:par>
+                            </p:childTnLst>
+                          </p:cTn>
+                        </p:par>
+                      </p:childTnLst>
+                    </p:cTn>
+                  </p:par>
+                  <p:par>
+                    <p:cTn id="73" fill="hold">
+                      <p:stCondLst>
+                        <p:cond delay="indefinite"/>
+                      </p:stCondLst>
+                      <p:childTnLst>
+                        <p:par>
+                          <p:cTn id="74" fill="hold">
+                            <p:stCondLst>
+                              <p:cond delay="0"/>
+                            </p:stCondLst>
+                            <p:childTnLst>
+                              <p:par>
+                                <p:cTn id="75" presetID="42" presetClass="entr" presetSubtype="0" fill="hold" nodeType="clickEffect">
+                                  <p:stCondLst>
+                                    <p:cond delay="0"/>
+                                  </p:stCondLst>
+                                  <p:childTnLst>
+                                    <p:set>
+                                      <p:cBhvr>
+                                        <p:cTn id="76" dur="1" fill="hold">
+                                          <p:stCondLst>
+                                            <p:cond delay="0"/>
+                                          </p:stCondLst>
+                                        </p:cTn>
+                                        <p:tgtEl>
+                                          <p:spTgt spid="82"/>
+                                        </p:tgtEl>
+                                        <p:attrNameLst>
+                                          <p:attrName>style.visibility</p:attrName>
+                                        </p:attrNameLst>
+                                      </p:cBhvr>
+                                      <p:to>
+                                        <p:strVal val="visible"/>
+                                      </p:to>
+                                    </p:set>
+                                    <p:animEffect transition="in" filter="fade">
+                                      <p:cBhvr>
+                                        <p:cTn id="77" dur="500"/>
+                                        <p:tgtEl>
+                                          <p:spTgt spid="82"/>
+                                        </p:tgtEl>
+                                      </p:cBhvr>
+                                    </p:animEffect>
+                                    <p:anim calcmode="lin" valueType="num">
+                                      <p:cBhvr>
+                                        <p:cTn id="78" dur="500" fill="hold"/>
+                                        <p:tgtEl>
+                                          <p:spTgt spid="82"/>
+                                        </p:tgtEl>
+                                        <p:attrNameLst>
+                                          <p:attrName>ppt_x</p:attrName>
+                                        </p:attrNameLst>
+                                      </p:cBhvr>
+                                      <p:tavLst>
+                                        <p:tav tm="0">
+                                          <p:val>
+                                            <p:strVal val="#ppt_x"/>
+                                          </p:val>
+                                        </p:tav>
+                                        <p:tav tm="100000">
+                                          <p:val>
+                                            <p:strVal val="#ppt_x"/>
+                                          </p:val>
+                                        </p:tav>
+                                      </p:tavLst>
+                                    </p:anim>
+                                    <p:anim calcmode="lin" valueType="num">
+                                      <p:cBhvr>
+                                        <p:cTn id="79" dur="500" fill="hold"/>
+                                        <p:tgtEl>
+                                          <p:spTgt spid="82"/>
+                                        </p:tgtEl>
+                                        <p:attrNameLst>
+                                          <p:attrName>ppt_y</p:attrName>
+                                        </p:attrNameLst>
+                                      </p:cBhvr>
+                                      <p:tavLst>
+                                        <p:tav tm="0">
+                                          <p:val>
+                                            <p:strVal val="#ppt_y+.1"/>
+                                          </p:val>
+                                        </p:tav>
+                                        <p:tav tm="100000">
+                                          <p:val>
+                                            <p:strVal val="#ppt_y"/>
+                                          </p:val>
+                                        </p:tav>
+                                      </p:tavLst>
+                                    </p:anim>
+                                  </p:childTnLst>
+                                </p:cTn>
+                              </p:par>
+                              <p:par>
+                                <p:cTn id="80" presetID="1" presetClass="exit" presetSubtype="0" fill="hold" nodeType="withEffect">
+                                  <p:stCondLst>
+                                    <p:cond delay="0"/>
+                                  </p:stCondLst>
+                                  <p:childTnLst>
+                                    <p:set>
+                                      <p:cBhvr>
+                                        <p:cTn id="81" dur="1" fill="hold">
+                                          <p:stCondLst>
+                                            <p:cond delay="0"/>
+                                          </p:stCondLst>
+                                        </p:cTn>
+                                        <p:tgtEl>
+                                          <p:spTgt spid="81"/>
+                                        </p:tgtEl>
+                                        <p:attrNameLst>
+                                          <p:attrName>style.visibility</p:attrName>
+                                        </p:attrNameLst>
+                                      </p:cBhvr>
+                                      <p:to>
+                                        <p:strVal val="hidden"/>
+                                      </p:to>
+                                    </p:set>
+                                  </p:childTnLst>
+                                </p:cTn>
+                              </p:par>
+                            </p:childTnLst>
+                          </p:cTn>
+                        </p:par>
+                      </p:childTnLst>
+                    </p:cTn>
+                  </p:par>
+                  <p:par>
+                    <p:cTn id="82" fill="hold">
+                      <p:stCondLst>
+                        <p:cond delay="indefinite"/>
+                      </p:stCondLst>
+                      <p:childTnLst>
+                        <p:par>
+                          <p:cTn id="83" fill="hold">
+                            <p:stCondLst>
+                              <p:cond delay="0"/>
+                            </p:stCondLst>
+                            <p:childTnLst>
+                              <p:par>
+                                <p:cTn id="84" presetID="42" presetClass="entr" presetSubtype="0" fill="hold" nodeType="clickEffect">
+                                  <p:stCondLst>
+                                    <p:cond delay="0"/>
+                                  </p:stCondLst>
+                                  <p:childTnLst>
+                                    <p:set>
+                                      <p:cBhvr>
+                                        <p:cTn id="85" dur="1" fill="hold">
+                                          <p:stCondLst>
+                                            <p:cond delay="0"/>
+                                          </p:stCondLst>
+                                        </p:cTn>
+                                        <p:tgtEl>
+                                          <p:spTgt spid="86"/>
+                                        </p:tgtEl>
+                                        <p:attrNameLst>
+                                          <p:attrName>style.visibility</p:attrName>
+                                        </p:attrNameLst>
+                                      </p:cBhvr>
+                                      <p:to>
+                                        <p:strVal val="visible"/>
+                                      </p:to>
+                                    </p:set>
+                                    <p:animEffect transition="in" filter="fade">
+                                      <p:cBhvr>
+                                        <p:cTn id="86" dur="500"/>
+                                        <p:tgtEl>
+                                          <p:spTgt spid="86"/>
+                                        </p:tgtEl>
+                                      </p:cBhvr>
+                                    </p:animEffect>
+                                    <p:anim calcmode="lin" valueType="num">
+                                      <p:cBhvr>
+                                        <p:cTn id="87" dur="500" fill="hold"/>
+                                        <p:tgtEl>
+                                          <p:spTgt spid="86"/>
+                                        </p:tgtEl>
+                                        <p:attrNameLst>
+                                          <p:attrName>ppt_x</p:attrName>
+                                        </p:attrNameLst>
+                                      </p:cBhvr>
+                                      <p:tavLst>
+                                        <p:tav tm="0">
+                                          <p:val>
+                                            <p:strVal val="#ppt_x"/>
+                                          </p:val>
+                                        </p:tav>
+                                        <p:tav tm="100000">
+                                          <p:val>
+                                            <p:strVal val="#ppt_x"/>
+                                          </p:val>
+                                        </p:tav>
+                                      </p:tavLst>
+                                    </p:anim>
+                                    <p:anim calcmode="lin" valueType="num">
+                                      <p:cBhvr>
+                                        <p:cTn id="88" dur="500" fill="hold"/>
+                                        <p:tgtEl>
+                                          <p:spTgt spid="86"/>
+                                        </p:tgtEl>
+                                        <p:attrNameLst>
+                                          <p:attrName>ppt_y</p:attrName>
+                                        </p:attrNameLst>
+                                      </p:cBhvr>
+                                      <p:tavLst>
+                                        <p:tav tm="0">
+                                          <p:val>
+                                            <p:strVal val="#ppt_y+.1"/>
+                                          </p:val>
+                                        </p:tav>
+                                        <p:tav tm="100000">
+                                          <p:val>
+                                            <p:strVal val="#ppt_y"/>
+                                          </p:val>
+                                        </p:tav>
+                                      </p:tavLst>
+                                    </p:anim>
+                                  </p:childTnLst>
+                                </p:cTn>
+                              </p:par>
+                              <p:par>
+                                <p:cTn id="89" presetID="1" presetClass="exit" presetSubtype="0" fill="hold" nodeType="withEffect">
+                                  <p:stCondLst>
+                                    <p:cond delay="0"/>
+                                  </p:stCondLst>
+                                  <p:childTnLst>
+                                    <p:set>
+                                      <p:cBhvr>
+                                        <p:cTn id="90" dur="1" fill="hold">
+                                          <p:stCondLst>
+                                            <p:cond delay="0"/>
+                                          </p:stCondLst>
+                                        </p:cTn>
+                                        <p:tgtEl>
+                                          <p:spTgt spid="82"/>
+                                        </p:tgtEl>
+                                        <p:attrNameLst>
+                                          <p:attrName>style.visibility</p:attrName>
+                                        </p:attrNameLst>
+                                      </p:cBhvr>
+                                      <p:to>
+                                        <p:strVal val="hidden"/>
+                                      </p:to>
+                                    </p:set>
+                                  </p:childTnLst>
+                                </p:cTn>
+                              </p:par>
+                            </p:childTnLst>
+                          </p:cTn>
+                        </p:par>
+                      </p:childTnLst>
+                    </p:cTn>
+                  </p:par>
+                  <p:par>
+                    <p:cTn id="91" fill="hold">
+                      <p:stCondLst>
+                        <p:cond delay="indefinite"/>
+                      </p:stCondLst>
+                      <p:childTnLst>
+                        <p:par>
+                          <p:cTn id="92" fill="hold">
+                            <p:stCondLst>
+                              <p:cond delay="0"/>
+                            </p:stCondLst>
+                            <p:childTnLst>
+                              <p:par>
+                                <p:cTn id="93" presetID="42" presetClass="entr" presetSubtype="0" fill="hold" nodeType="clickEffect">
+                                  <p:stCondLst>
+                                    <p:cond delay="0"/>
+                                  </p:stCondLst>
+                                  <p:childTnLst>
+                                    <p:set>
+                                      <p:cBhvr>
+                                        <p:cTn id="94" dur="1" fill="hold">
+                                          <p:stCondLst>
+                                            <p:cond delay="0"/>
+                                          </p:stCondLst>
+                                        </p:cTn>
+                                        <p:tgtEl>
+                                          <p:spTgt spid="90"/>
+                                        </p:tgtEl>
+                                        <p:attrNameLst>
+                                          <p:attrName>style.visibility</p:attrName>
+                                        </p:attrNameLst>
+                                      </p:cBhvr>
+                                      <p:to>
+                                        <p:strVal val="visible"/>
+                                      </p:to>
+                                    </p:set>
+                                    <p:animEffect transition="in" filter="fade">
+                                      <p:cBhvr>
+                                        <p:cTn id="95" dur="500"/>
+                                        <p:tgtEl>
+                                          <p:spTgt spid="90"/>
+                                        </p:tgtEl>
+                                      </p:cBhvr>
+                                    </p:animEffect>
+                                    <p:anim calcmode="lin" valueType="num">
+                                      <p:cBhvr>
+                                        <p:cTn id="96" dur="500" fill="hold"/>
+                                        <p:tgtEl>
+                                          <p:spTgt spid="90"/>
+                                        </p:tgtEl>
+                                        <p:attrNameLst>
+                                          <p:attrName>ppt_x</p:attrName>
+                                        </p:attrNameLst>
+                                      </p:cBhvr>
+                                      <p:tavLst>
+                                        <p:tav tm="0">
+                                          <p:val>
+                                            <p:strVal val="#ppt_x"/>
+                                          </p:val>
+                                        </p:tav>
+                                        <p:tav tm="100000">
+                                          <p:val>
+                                            <p:strVal val="#ppt_x"/>
+                                          </p:val>
+                                        </p:tav>
+                                      </p:tavLst>
+                                    </p:anim>
+                                    <p:anim calcmode="lin" valueType="num">
+                                      <p:cBhvr>
+                                        <p:cTn id="97" dur="500" fill="hold"/>
+                                        <p:tgtEl>
+                                          <p:spTgt spid="90"/>
+                                        </p:tgtEl>
+                                        <p:attrNameLst>
+                                          <p:attrName>ppt_y</p:attrName>
+                                        </p:attrNameLst>
+                                      </p:cBhvr>
+                                      <p:tavLst>
+                                        <p:tav tm="0">
+                                          <p:val>
+                                            <p:strVal val="#ppt_y+.1"/>
+                                          </p:val>
+                                        </p:tav>
+                                        <p:tav tm="100000">
+                                          <p:val>
+                                            <p:strVal val="#ppt_y"/>
+                                          </p:val>
+                                        </p:tav>
+                                      </p:tavLst>
+                                    </p:anim>
+                                  </p:childTnLst>
+                                </p:cTn>
+                              </p:par>
+                              <p:par>
+                                <p:cTn id="98" presetID="1" presetClass="exit" presetSubtype="0" fill="hold" nodeType="withEffect">
+                                  <p:stCondLst>
+                                    <p:cond delay="0"/>
+                                  </p:stCondLst>
+                                  <p:childTnLst>
+                                    <p:set>
+                                      <p:cBhvr>
+                                        <p:cTn id="99" dur="1" fill="hold">
+                                          <p:stCondLst>
+                                            <p:cond delay="0"/>
+                                          </p:stCondLst>
+                                        </p:cTn>
+                                        <p:tgtEl>
+                                          <p:spTgt spid="86"/>
+                                        </p:tgtEl>
+                                        <p:attrNameLst>
+                                          <p:attrName>style.visibility</p:attrName>
+                                        </p:attrNameLst>
+                                      </p:cBhvr>
+                                      <p:to>
+                                        <p:strVal val="hidden"/>
+                                      </p:to>
+                                    </p:set>
+                                  </p:childTnLst>
+                                </p:cTn>
+                              </p:par>
+                            </p:childTnLst>
+                          </p:cTn>
+                        </p:par>
+                      </p:childTnLst>
+                    </p:cTn>
+                  </p:par>
+                  <p:par>
+                    <p:cTn id="100" fill="hold">
+                      <p:stCondLst>
+                        <p:cond delay="indefinite"/>
+                      </p:stCondLst>
+                      <p:childTnLst>
+                        <p:par>
+                          <p:cTn id="101" fill="hold">
+                            <p:stCondLst>
+                              <p:cond delay="0"/>
+                            </p:stCondLst>
+                            <p:childTnLst>
+                              <p:par>
+                                <p:cTn id="102" presetID="42" presetClass="entr" presetSubtype="0" fill="hold" nodeType="clickEffect">
+                                  <p:stCondLst>
+                                    <p:cond delay="0"/>
+                                  </p:stCondLst>
+                                  <p:childTnLst>
+                                    <p:set>
+                                      <p:cBhvr>
+                                        <p:cTn id="103" dur="1" fill="hold">
+                                          <p:stCondLst>
+                                            <p:cond delay="0"/>
+                                          </p:stCondLst>
+                                        </p:cTn>
+                                        <p:tgtEl>
+                                          <p:spTgt spid="94"/>
+                                        </p:tgtEl>
+                                        <p:attrNameLst>
+                                          <p:attrName>style.visibility</p:attrName>
+                                        </p:attrNameLst>
+                                      </p:cBhvr>
+                                      <p:to>
+                                        <p:strVal val="visible"/>
+                                      </p:to>
+                                    </p:set>
+                                    <p:animEffect transition="in" filter="fade">
+                                      <p:cBhvr>
+                                        <p:cTn id="104" dur="500"/>
+                                        <p:tgtEl>
+                                          <p:spTgt spid="94"/>
+                                        </p:tgtEl>
+                                      </p:cBhvr>
+                                    </p:animEffect>
+                                    <p:anim calcmode="lin" valueType="num">
+                                      <p:cBhvr>
+                                        <p:cTn id="105" dur="500" fill="hold"/>
+                                        <p:tgtEl>
+                                          <p:spTgt spid="94"/>
+                                        </p:tgtEl>
+                                        <p:attrNameLst>
+                                          <p:attrName>ppt_x</p:attrName>
+                                        </p:attrNameLst>
+                                      </p:cBhvr>
+                                      <p:tavLst>
+                                        <p:tav tm="0">
+                                          <p:val>
+                                            <p:strVal val="#ppt_x"/>
+                                          </p:val>
+                                        </p:tav>
+                                        <p:tav tm="100000">
+                                          <p:val>
+                                            <p:strVal val="#ppt_x"/>
+                                          </p:val>
+                                        </p:tav>
+                                      </p:tavLst>
+                                    </p:anim>
+                                    <p:anim calcmode="lin" valueType="num">
+                                      <p:cBhvr>
+                                        <p:cTn id="106" dur="500" fill="hold"/>
+                                        <p:tgtEl>
+                                          <p:spTgt spid="94"/>
+                                        </p:tgtEl>
+                                        <p:attrNameLst>
+                                          <p:attrName>ppt_y</p:attrName>
+                                        </p:attrNameLst>
+                                      </p:cBhvr>
+                                      <p:tavLst>
+                                        <p:tav tm="0">
+                                          <p:val>
+                                            <p:strVal val="#ppt_y+.1"/>
+                                          </p:val>
+                                        </p:tav>
+                                        <p:tav tm="100000">
+                                          <p:val>
+                                            <p:strVal val="#ppt_y"/>
+                                          </p:val>
+                                        </p:tav>
+                                      </p:tavLst>
+                                    </p:anim>
+                                  </p:childTnLst>
+                                </p:cTn>
+                              </p:par>
+                              <p:par>
+                                <p:cTn id="107" presetID="1" presetClass="exit" presetSubtype="0" fill="hold" nodeType="withEffect">
+                                  <p:stCondLst>
+                                    <p:cond delay="0"/>
+                                  </p:stCondLst>
+                                  <p:childTnLst>
+                                    <p:set>
+                                      <p:cBhvr>
+                                        <p:cTn id="108" dur="1" fill="hold">
+                                          <p:stCondLst>
+                                            <p:cond delay="0"/>
+                                          </p:stCondLst>
+                                        </p:cTn>
+                                        <p:tgtEl>
+                                          <p:spTgt spid="90"/>
+                                        </p:tgtEl>
+                                        <p:attrNameLst>
+                                          <p:attrName>style.visibility</p:attrName>
+                                        </p:attrNameLst>
+                                      </p:cBhvr>
+                                      <p:to>
+                                        <p:strVal val="hidden"/>
+                                      </p:to>
+                                    </p:set>
+                                  </p:childTnLst>
+                                </p:cTn>
+                              </p:par>
+                            </p:childTnLst>
+                          </p:cTn>
+                        </p:par>
+                      </p:childTnLst>
+                    </p:cTn>
+                  </p:par>
+                  <p:par>
+                    <p:cTn id="109" fill="hold">
+                      <p:stCondLst>
+                        <p:cond delay="indefinite"/>
+                      </p:stCondLst>
+                      <p:childTnLst>
+                        <p:par>
+                          <p:cTn id="110" fill="hold">
+                            <p:stCondLst>
+                              <p:cond delay="0"/>
+                            </p:stCondLst>
+                            <p:childTnLst>
+                              <p:par>
+                                <p:cTn id="111" presetID="42" presetClass="entr" presetSubtype="0" fill="hold" nodeType="clickEffect">
+                                  <p:stCondLst>
+                                    <p:cond delay="0"/>
+                                  </p:stCondLst>
+                                  <p:childTnLst>
+                                    <p:set>
+                                      <p:cBhvr>
+                                        <p:cTn id="112" dur="1" fill="hold">
+                                          <p:stCondLst>
+                                            <p:cond delay="0"/>
+                                          </p:stCondLst>
+                                        </p:cTn>
+                                        <p:tgtEl>
+                                          <p:spTgt spid="102"/>
+                                        </p:tgtEl>
+                                        <p:attrNameLst>
+                                          <p:attrName>style.visibility</p:attrName>
+                                        </p:attrNameLst>
+                                      </p:cBhvr>
+                                      <p:to>
+                                        <p:strVal val="visible"/>
+                                      </p:to>
+                                    </p:set>
+                                    <p:animEffect transition="in" filter="fade">
+                                      <p:cBhvr>
+                                        <p:cTn id="113" dur="500"/>
+                                        <p:tgtEl>
+                                          <p:spTgt spid="102"/>
+                                        </p:tgtEl>
+                                      </p:cBhvr>
+                                    </p:animEffect>
+                                    <p:anim calcmode="lin" valueType="num">
+                                      <p:cBhvr>
+                                        <p:cTn id="114" dur="500" fill="hold"/>
+                                        <p:tgtEl>
+                                          <p:spTgt spid="102"/>
+                                        </p:tgtEl>
+                                        <p:attrNameLst>
+                                          <p:attrName>ppt_x</p:attrName>
+                                        </p:attrNameLst>
+                                      </p:cBhvr>
+                                      <p:tavLst>
+                                        <p:tav tm="0">
+                                          <p:val>
+                                            <p:strVal val="#ppt_x"/>
+                                          </p:val>
+                                        </p:tav>
+                                        <p:tav tm="100000">
+                                          <p:val>
+                                            <p:strVal val="#ppt_x"/>
+                                          </p:val>
+                                        </p:tav>
+                                      </p:tavLst>
+                                    </p:anim>
+                                    <p:anim calcmode="lin" valueType="num">
+                                      <p:cBhvr>
+                                        <p:cTn id="115" dur="500" fill="hold"/>
+                                        <p:tgtEl>
+                                          <p:spTgt spid="102"/>
+                                        </p:tgtEl>
+                                        <p:attrNameLst>
+                                          <p:attrName>ppt_y</p:attrName>
+                                        </p:attrNameLst>
+                                      </p:cBhvr>
+                                      <p:tavLst>
+                                        <p:tav tm="0">
+                                          <p:val>
+                                            <p:strVal val="#ppt_y+.1"/>
+                                          </p:val>
+                                        </p:tav>
+                                        <p:tav tm="100000">
+                                          <p:val>
+                                            <p:strVal val="#ppt_y"/>
+                                          </p:val>
+                                        </p:tav>
+                                      </p:tavLst>
+                                    </p:anim>
+                                  </p:childTnLst>
+                                </p:cTn>
+                              </p:par>
+                              <p:par>
+                                <p:cTn id="116" presetID="1" presetClass="exit" presetSubtype="0" fill="hold" nodeType="withEffect">
+                                  <p:stCondLst>
+                                    <p:cond delay="0"/>
+                                  </p:stCondLst>
+                                  <p:childTnLst>
+                                    <p:set>
+                                      <p:cBhvr>
+                                        <p:cTn id="117" dur="1" fill="hold">
+                                          <p:stCondLst>
+                                            <p:cond delay="0"/>
+                                          </p:stCondLst>
+                                        </p:cTn>
+                                        <p:tgtEl>
+                                          <p:spTgt spid="94"/>
+                                        </p:tgtEl>
+                                        <p:attrNameLst>
+                                          <p:attrName>style.visibility</p:attrName>
+                                        </p:attrNameLst>
+                                      </p:cBhvr>
+                                      <p:to>
+                                        <p:strVal val="hidden"/>
+                                      </p:to>
+                                    </p:set>
+                                  </p:childTnLst>
+                                </p:cTn>
+                              </p:par>
+                            </p:childTnLst>
+                          </p:cTn>
+                        </p:par>
+                      </p:childTnLst>
+                    </p:cTn>
+                  </p:par>
+                </p:childTnLst>
+              </p:cTn>
+              <p:prevCondLst>
+                <p:cond evt="onPrev" delay="0">
+                  <p:tgtEl>
+                    <p:sldTgt/>
+                  </p:tgtEl>
+                </p:cond>
+              </p:prevCondLst>
+              <p:nextCondLst>
+                <p:cond evt="onNext" delay="0">
+                  <p:tgtEl>
+                    <p:sldTgt/>
+                  </p:tgtEl>
+                </p:cond>
+              </p:nextCondLst>
+            </p:seq>
+          </p:childTnLst>
+        </p:cTn>
+      </p:par>
+    </p:tnLst>
+  </p:timing>
 </p:sld>
 </file>
 
@@ -12985,6 +16723,93 @@
           <p:cNvPr id="2" name="タイトル 1">
             <a:extLst>
               <a:ext uri="{FF2B5EF4-FFF2-40B4-BE49-F238E27FC236}">
+                <a16:creationId xmlns:a16="http://schemas.microsoft.com/office/drawing/2014/main" id="{B43B901B-C015-40EF-B4CD-3F5F25F44EC0}"/>
+              </a:ext>
+            </a:extLst>
+          </p:cNvPr>
+          <p:cNvSpPr>
+            <a:spLocks noGrp="1"/>
+          </p:cNvSpPr>
+          <p:nvPr>
+            <p:ph type="title"/>
+          </p:nvPr>
+        </p:nvSpPr>
+        <p:spPr/>
+        <p:txBody>
+          <a:bodyPr/>
+          <a:lstStyle/>
+          <a:p>
+            <a:r>
+              <a:rPr kumimoji="1" lang="en-US" altLang="ja-JP" dirty="0"/>
+              <a:t>YoSiE</a:t>
+            </a:r>
+            <a:r>
+              <a:rPr kumimoji="1" lang="ja-JP" altLang="en-US" dirty="0"/>
+              <a:t>の可能性</a:t>
+            </a:r>
+          </a:p>
+        </p:txBody>
+      </p:sp>
+      <p:sp>
+        <p:nvSpPr>
+          <p:cNvPr id="3" name="コンテンツ プレースホルダー 2">
+            <a:extLst>
+              <a:ext uri="{FF2B5EF4-FFF2-40B4-BE49-F238E27FC236}">
+                <a16:creationId xmlns:a16="http://schemas.microsoft.com/office/drawing/2014/main" id="{1E815E2C-35DE-441F-860D-34AECE6DA488}"/>
+              </a:ext>
+            </a:extLst>
+          </p:cNvPr>
+          <p:cNvSpPr>
+            <a:spLocks noGrp="1"/>
+          </p:cNvSpPr>
+          <p:nvPr>
+            <p:ph idx="1"/>
+          </p:nvPr>
+        </p:nvSpPr>
+        <p:spPr/>
+        <p:txBody>
+          <a:bodyPr/>
+          <a:lstStyle/>
+          <a:p>
+            <a:endParaRPr kumimoji="1" lang="ja-JP" altLang="en-US" dirty="0"/>
+          </a:p>
+        </p:txBody>
+      </p:sp>
+    </p:spTree>
+    <p:extLst>
+      <p:ext uri="{BB962C8B-B14F-4D97-AF65-F5344CB8AC3E}">
+        <p14:creationId xmlns:p14="http://schemas.microsoft.com/office/powerpoint/2010/main" val="1361338163"/>
+      </p:ext>
+    </p:extLst>
+  </p:cSld>
+  <p:clrMapOvr>
+    <a:masterClrMapping/>
+  </p:clrMapOvr>
+</p:sld>
+</file>
+
+<file path=ppt/slides/slide27.xml><?xml version="1.0" encoding="utf-8"?>
+<p:sld xmlns:a="http://schemas.openxmlformats.org/drawingml/2006/main" xmlns:r="http://schemas.openxmlformats.org/officeDocument/2006/relationships" xmlns:p="http://schemas.openxmlformats.org/presentationml/2006/main">
+  <p:cSld>
+    <p:spTree>
+      <p:nvGrpSpPr>
+        <p:cNvPr id="1" name=""/>
+        <p:cNvGrpSpPr/>
+        <p:nvPr/>
+      </p:nvGrpSpPr>
+      <p:grpSpPr>
+        <a:xfrm>
+          <a:off x="0" y="0"/>
+          <a:ext cx="0" cy="0"/>
+          <a:chOff x="0" y="0"/>
+          <a:chExt cx="0" cy="0"/>
+        </a:xfrm>
+      </p:grpSpPr>
+      <p:sp>
+        <p:nvSpPr>
+          <p:cNvPr id="2" name="タイトル 1">
+            <a:extLst>
+              <a:ext uri="{FF2B5EF4-FFF2-40B4-BE49-F238E27FC236}">
                 <a16:creationId xmlns:a16="http://schemas.microsoft.com/office/drawing/2014/main" id="{42CA8915-FB85-4BA5-A8D7-C244E846FAA7}"/>
               </a:ext>
             </a:extLst>
@@ -13047,7 +16872,7 @@
 </p:sld>
 </file>
 
-<file path=ppt/slides/slide27.xml><?xml version="1.0" encoding="utf-8"?>
+<file path=ppt/slides/slide28.xml><?xml version="1.0" encoding="utf-8"?>
 <p:sld xmlns:a="http://schemas.openxmlformats.org/drawingml/2006/main" xmlns:r="http://schemas.openxmlformats.org/officeDocument/2006/relationships" xmlns:p="http://schemas.openxmlformats.org/presentationml/2006/main">
   <p:cSld>
     <p:spTree>

--- a/presentation/AIスピーカー開発_3_main.pptx
+++ b/presentation/AIスピーカー開発_3_main.pptx
@@ -5,7 +5,7 @@
     <p:sldMasterId id="2147483648" r:id="rId1"/>
   </p:sldMasterIdLst>
   <p:notesMasterIdLst>
-    <p:notesMasterId r:id="rId30"/>
+    <p:notesMasterId r:id="rId34"/>
   </p:notesMasterIdLst>
   <p:sldIdLst>
     <p:sldId id="256" r:id="rId2"/>
@@ -31,11 +31,15 @@
     <p:sldId id="275" r:id="rId22"/>
     <p:sldId id="269" r:id="rId23"/>
     <p:sldId id="266" r:id="rId24"/>
-    <p:sldId id="289" r:id="rId25"/>
+    <p:sldId id="293" r:id="rId25"/>
     <p:sldId id="288" r:id="rId26"/>
-    <p:sldId id="267" r:id="rId27"/>
-    <p:sldId id="279" r:id="rId28"/>
-    <p:sldId id="268" r:id="rId29"/>
+    <p:sldId id="292" r:id="rId27"/>
+    <p:sldId id="267" r:id="rId28"/>
+    <p:sldId id="279" r:id="rId29"/>
+    <p:sldId id="290" r:id="rId30"/>
+    <p:sldId id="291" r:id="rId31"/>
+    <p:sldId id="268" r:id="rId32"/>
+    <p:sldId id="294" r:id="rId33"/>
   </p:sldIdLst>
   <p:sldSz cx="12192000" cy="6858000"/>
   <p:notesSz cx="6858000" cy="9144000"/>
@@ -2768,7 +2772,7 @@
           <a:p>
             <a:fld id="{D3FBB20C-20C4-49AD-85A3-C66C862503B5}" type="datetimeFigureOut">
               <a:rPr kumimoji="1" lang="ja-JP" altLang="en-US" smtClean="0"/>
-              <a:t>2022/1/18</a:t>
+              <a:t>2022/1/19</a:t>
             </a:fld>
             <a:endParaRPr kumimoji="1" lang="ja-JP" altLang="en-US"/>
           </a:p>
@@ -3425,7 +3429,28 @@
           <a:bodyPr/>
           <a:lstStyle/>
           <a:p>
-            <a:endParaRPr kumimoji="1" lang="ja-JP" altLang="en-US" dirty="0"/>
+            <a:r>
+              <a:rPr kumimoji="1" lang="ja-JP" altLang="en-US" dirty="0"/>
+              <a:t>雨→脳内</a:t>
+            </a:r>
+            <a:endParaRPr kumimoji="1" lang="en-US" altLang="ja-JP" dirty="0"/>
+          </a:p>
+          <a:p>
+            <a:r>
+              <a:rPr kumimoji="1" lang="ja-JP" altLang="en-US" dirty="0"/>
+              <a:t>あめ→発音</a:t>
+            </a:r>
+            <a:endParaRPr kumimoji="1" lang="en-US" altLang="ja-JP" dirty="0"/>
+          </a:p>
+          <a:p>
+            <a:r>
+              <a:rPr kumimoji="1" lang="en-US" altLang="ja-JP" dirty="0" err="1"/>
+              <a:t>Ame</a:t>
+            </a:r>
+            <a:r>
+              <a:rPr kumimoji="1" lang="ja-JP" altLang="en-US" dirty="0"/>
+              <a:t>→音素</a:t>
+            </a:r>
           </a:p>
         </p:txBody>
       </p:sp>
@@ -3840,7 +3865,7 @@
           <a:p>
             <a:fld id="{1A2E7C28-4903-4521-8E60-0F80C627678B}" type="slidenum">
               <a:rPr kumimoji="1" lang="ja-JP" altLang="en-US" smtClean="0"/>
-              <a:t>28</a:t>
+              <a:t>31</a:t>
             </a:fld>
             <a:endParaRPr kumimoji="1" lang="ja-JP" altLang="en-US"/>
           </a:p>
@@ -3850,6 +3875,90 @@
     <p:extLst>
       <p:ext uri="{BB962C8B-B14F-4D97-AF65-F5344CB8AC3E}">
         <p14:creationId xmlns:p14="http://schemas.microsoft.com/office/powerpoint/2010/main" val="2772600148"/>
+      </p:ext>
+    </p:extLst>
+  </p:cSld>
+  <p:clrMapOvr>
+    <a:masterClrMapping/>
+  </p:clrMapOvr>
+</p:notes>
+</file>
+
+<file path=ppt/notesSlides/notesSlide9.xml><?xml version="1.0" encoding="utf-8"?>
+<p:notes xmlns:a="http://schemas.openxmlformats.org/drawingml/2006/main" xmlns:r="http://schemas.openxmlformats.org/officeDocument/2006/relationships" xmlns:p="http://schemas.openxmlformats.org/presentationml/2006/main">
+  <p:cSld>
+    <p:spTree>
+      <p:nvGrpSpPr>
+        <p:cNvPr id="1" name=""/>
+        <p:cNvGrpSpPr/>
+        <p:nvPr/>
+      </p:nvGrpSpPr>
+      <p:grpSpPr>
+        <a:xfrm>
+          <a:off x="0" y="0"/>
+          <a:ext cx="0" cy="0"/>
+          <a:chOff x="0" y="0"/>
+          <a:chExt cx="0" cy="0"/>
+        </a:xfrm>
+      </p:grpSpPr>
+      <p:sp>
+        <p:nvSpPr>
+          <p:cNvPr id="2" name="スライド イメージ プレースホルダー 1"/>
+          <p:cNvSpPr>
+            <a:spLocks noGrp="1" noRot="1" noChangeAspect="1"/>
+          </p:cNvSpPr>
+          <p:nvPr>
+            <p:ph type="sldImg"/>
+          </p:nvPr>
+        </p:nvSpPr>
+        <p:spPr/>
+      </p:sp>
+      <p:sp>
+        <p:nvSpPr>
+          <p:cNvPr id="3" name="ノート プレースホルダー 2"/>
+          <p:cNvSpPr>
+            <a:spLocks noGrp="1"/>
+          </p:cNvSpPr>
+          <p:nvPr>
+            <p:ph type="body" idx="1"/>
+          </p:nvPr>
+        </p:nvSpPr>
+        <p:spPr/>
+        <p:txBody>
+          <a:bodyPr/>
+          <a:lstStyle/>
+          <a:p>
+            <a:endParaRPr kumimoji="1" lang="ja-JP" altLang="en-US" dirty="0"/>
+          </a:p>
+        </p:txBody>
+      </p:sp>
+      <p:sp>
+        <p:nvSpPr>
+          <p:cNvPr id="4" name="スライド番号プレースホルダー 3"/>
+          <p:cNvSpPr>
+            <a:spLocks noGrp="1"/>
+          </p:cNvSpPr>
+          <p:nvPr>
+            <p:ph type="sldNum" sz="quarter" idx="5"/>
+          </p:nvPr>
+        </p:nvSpPr>
+        <p:spPr/>
+        <p:txBody>
+          <a:bodyPr/>
+          <a:lstStyle/>
+          <a:p>
+            <a:fld id="{1A2E7C28-4903-4521-8E60-0F80C627678B}" type="slidenum">
+              <a:rPr kumimoji="1" lang="ja-JP" altLang="en-US" smtClean="0"/>
+              <a:t>32</a:t>
+            </a:fld>
+            <a:endParaRPr kumimoji="1" lang="ja-JP" altLang="en-US"/>
+          </a:p>
+        </p:txBody>
+      </p:sp>
+    </p:spTree>
+    <p:extLst>
+      <p:ext uri="{BB962C8B-B14F-4D97-AF65-F5344CB8AC3E}">
+        <p14:creationId xmlns:p14="http://schemas.microsoft.com/office/powerpoint/2010/main" val="2536235001"/>
       </p:ext>
     </p:extLst>
   </p:cSld>
@@ -4006,7 +4115,7 @@
           <a:p>
             <a:fld id="{C63D219B-6862-4E6A-9F9E-C4C4759712F9}" type="datetimeFigureOut">
               <a:rPr kumimoji="1" lang="ja-JP" altLang="en-US" smtClean="0"/>
-              <a:t>2022/1/18</a:t>
+              <a:t>2022/1/19</a:t>
             </a:fld>
             <a:endParaRPr kumimoji="1" lang="ja-JP" altLang="en-US"/>
           </a:p>
@@ -4236,7 +4345,7 @@
           <a:p>
             <a:fld id="{C63D219B-6862-4E6A-9F9E-C4C4759712F9}" type="datetimeFigureOut">
               <a:rPr kumimoji="1" lang="ja-JP" altLang="en-US" smtClean="0"/>
-              <a:t>2022/1/18</a:t>
+              <a:t>2022/1/19</a:t>
             </a:fld>
             <a:endParaRPr kumimoji="1" lang="ja-JP" altLang="en-US"/>
           </a:p>
@@ -4476,7 +4585,7 @@
           <a:p>
             <a:fld id="{C63D219B-6862-4E6A-9F9E-C4C4759712F9}" type="datetimeFigureOut">
               <a:rPr kumimoji="1" lang="ja-JP" altLang="en-US" smtClean="0"/>
-              <a:t>2022/1/18</a:t>
+              <a:t>2022/1/19</a:t>
             </a:fld>
             <a:endParaRPr kumimoji="1" lang="ja-JP" altLang="en-US"/>
           </a:p>
@@ -4706,7 +4815,7 @@
           <a:p>
             <a:fld id="{C63D219B-6862-4E6A-9F9E-C4C4759712F9}" type="datetimeFigureOut">
               <a:rPr kumimoji="1" lang="ja-JP" altLang="en-US" smtClean="0"/>
-              <a:t>2022/1/18</a:t>
+              <a:t>2022/1/19</a:t>
             </a:fld>
             <a:endParaRPr kumimoji="1" lang="ja-JP" altLang="en-US"/>
           </a:p>
@@ -4981,7 +5090,7 @@
           <a:p>
             <a:fld id="{C63D219B-6862-4E6A-9F9E-C4C4759712F9}" type="datetimeFigureOut">
               <a:rPr kumimoji="1" lang="ja-JP" altLang="en-US" smtClean="0"/>
-              <a:t>2022/1/18</a:t>
+              <a:t>2022/1/19</a:t>
             </a:fld>
             <a:endParaRPr kumimoji="1" lang="ja-JP" altLang="en-US"/>
           </a:p>
@@ -5310,7 +5419,7 @@
           <a:p>
             <a:fld id="{C63D219B-6862-4E6A-9F9E-C4C4759712F9}" type="datetimeFigureOut">
               <a:rPr kumimoji="1" lang="ja-JP" altLang="en-US" smtClean="0"/>
-              <a:t>2022/1/18</a:t>
+              <a:t>2022/1/19</a:t>
             </a:fld>
             <a:endParaRPr kumimoji="1" lang="ja-JP" altLang="en-US"/>
           </a:p>
@@ -5786,7 +5895,7 @@
           <a:p>
             <a:fld id="{C63D219B-6862-4E6A-9F9E-C4C4759712F9}" type="datetimeFigureOut">
               <a:rPr kumimoji="1" lang="ja-JP" altLang="en-US" smtClean="0"/>
-              <a:t>2022/1/18</a:t>
+              <a:t>2022/1/19</a:t>
             </a:fld>
             <a:endParaRPr kumimoji="1" lang="ja-JP" altLang="en-US"/>
           </a:p>
@@ -5927,7 +6036,7 @@
           <a:p>
             <a:fld id="{C63D219B-6862-4E6A-9F9E-C4C4759712F9}" type="datetimeFigureOut">
               <a:rPr kumimoji="1" lang="ja-JP" altLang="en-US" smtClean="0"/>
-              <a:t>2022/1/18</a:t>
+              <a:t>2022/1/19</a:t>
             </a:fld>
             <a:endParaRPr kumimoji="1" lang="ja-JP" altLang="en-US"/>
           </a:p>
@@ -6040,7 +6149,7 @@
           <a:p>
             <a:fld id="{C63D219B-6862-4E6A-9F9E-C4C4759712F9}" type="datetimeFigureOut">
               <a:rPr kumimoji="1" lang="ja-JP" altLang="en-US" smtClean="0"/>
-              <a:t>2022/1/18</a:t>
+              <a:t>2022/1/19</a:t>
             </a:fld>
             <a:endParaRPr kumimoji="1" lang="ja-JP" altLang="en-US"/>
           </a:p>
@@ -6383,7 +6492,7 @@
           <a:p>
             <a:fld id="{C63D219B-6862-4E6A-9F9E-C4C4759712F9}" type="datetimeFigureOut">
               <a:rPr kumimoji="1" lang="ja-JP" altLang="en-US" smtClean="0"/>
-              <a:t>2022/1/18</a:t>
+              <a:t>2022/1/19</a:t>
             </a:fld>
             <a:endParaRPr kumimoji="1" lang="ja-JP" altLang="en-US"/>
           </a:p>
@@ -6671,7 +6780,7 @@
           <a:p>
             <a:fld id="{C63D219B-6862-4E6A-9F9E-C4C4759712F9}" type="datetimeFigureOut">
               <a:rPr kumimoji="1" lang="ja-JP" altLang="en-US" smtClean="0"/>
-              <a:t>2022/1/18</a:t>
+              <a:t>2022/1/19</a:t>
             </a:fld>
             <a:endParaRPr kumimoji="1" lang="ja-JP" altLang="en-US"/>
           </a:p>
@@ -6971,7 +7080,7 @@
           <a:p>
             <a:fld id="{C63D219B-6862-4E6A-9F9E-C4C4759712F9}" type="datetimeFigureOut">
               <a:rPr kumimoji="1" lang="ja-JP" altLang="en-US" smtClean="0"/>
-              <a:t>2022/1/18</a:t>
+              <a:t>2022/1/19</a:t>
             </a:fld>
             <a:endParaRPr kumimoji="1" lang="ja-JP" altLang="en-US"/>
           </a:p>
@@ -7440,26 +7549,29 @@
         </p:nvSpPr>
         <p:spPr>
           <a:xfrm>
-            <a:off x="1524000" y="727727"/>
-            <a:ext cx="9144000" cy="2387600"/>
+            <a:off x="1108364" y="1780672"/>
+            <a:ext cx="10141528" cy="2387600"/>
           </a:xfrm>
         </p:spPr>
         <p:txBody>
           <a:bodyPr>
-            <a:normAutofit/>
+            <a:noAutofit/>
           </a:bodyPr>
           <a:lstStyle/>
           <a:p>
             <a:r>
-              <a:rPr kumimoji="1" lang="en-US" altLang="ja-JP" sz="8800" b="1" dirty="0">
-                <a:ln>
+              <a:rPr kumimoji="1" lang="en-US" altLang="ja-JP" sz="10000" b="1" dirty="0">
+                <a:ln w="28575">
                   <a:solidFill>
-                    <a:schemeClr val="tx1"/>
+                    <a:schemeClr val="accent6">
+                      <a:lumMod val="50000"/>
+                    </a:schemeClr>
                   </a:solidFill>
                 </a:ln>
                 <a:solidFill>
                   <a:schemeClr val="accent6">
-                    <a:lumMod val="50000"/>
+                    <a:lumMod val="60000"/>
+                    <a:lumOff val="40000"/>
                   </a:schemeClr>
                 </a:solidFill>
                 <a:latin typeface="HGP明朝E" panose="02020900000000000000" pitchFamily="18" charset="-128"/>
@@ -7468,15 +7580,18 @@
               <a:t>AI</a:t>
             </a:r>
             <a:r>
-              <a:rPr kumimoji="1" lang="ja-JP" altLang="en-US" sz="8800" b="1" dirty="0">
-                <a:ln>
+              <a:rPr kumimoji="1" lang="ja-JP" altLang="en-US" sz="10000" b="1" dirty="0">
+                <a:ln w="28575">
                   <a:solidFill>
-                    <a:schemeClr val="tx1"/>
+                    <a:schemeClr val="accent6">
+                      <a:lumMod val="50000"/>
+                    </a:schemeClr>
                   </a:solidFill>
                 </a:ln>
                 <a:solidFill>
                   <a:schemeClr val="accent6">
-                    <a:lumMod val="50000"/>
+                    <a:lumMod val="60000"/>
+                    <a:lumOff val="40000"/>
                   </a:schemeClr>
                 </a:solidFill>
                 <a:latin typeface="HGP明朝E" panose="02020900000000000000" pitchFamily="18" charset="-128"/>
@@ -7596,14 +7711,62 @@
           <a:lstStyle/>
           <a:p>
             <a:r>
-              <a:rPr kumimoji="1" lang="ja-JP" altLang="en-US" dirty="0"/>
+              <a:rPr kumimoji="1" lang="ja-JP" altLang="en-US" b="1" dirty="0">
+                <a:ln w="19050">
+                  <a:solidFill>
+                    <a:schemeClr val="accent6">
+                      <a:lumMod val="50000"/>
+                    </a:schemeClr>
+                  </a:solidFill>
+                </a:ln>
+                <a:solidFill>
+                  <a:schemeClr val="accent6">
+                    <a:lumMod val="60000"/>
+                    <a:lumOff val="40000"/>
+                  </a:schemeClr>
+                </a:solidFill>
+                <a:latin typeface="HGS明朝E" panose="02020900000000000000" pitchFamily="18" charset="-128"/>
+                <a:ea typeface="HGS明朝E" panose="02020900000000000000" pitchFamily="18" charset="-128"/>
+              </a:rPr>
               <a:t>辞書</a:t>
             </a:r>
             <a:r>
-              <a:rPr lang="ja-JP" altLang="en-US" dirty="0"/>
+              <a:rPr lang="ja-JP" altLang="en-US" b="1" dirty="0">
+                <a:ln w="19050">
+                  <a:solidFill>
+                    <a:schemeClr val="accent6">
+                      <a:lumMod val="50000"/>
+                    </a:schemeClr>
+                  </a:solidFill>
+                </a:ln>
+                <a:solidFill>
+                  <a:schemeClr val="accent6">
+                    <a:lumMod val="60000"/>
+                    <a:lumOff val="40000"/>
+                  </a:schemeClr>
+                </a:solidFill>
+                <a:latin typeface="HGS明朝E" panose="02020900000000000000" pitchFamily="18" charset="-128"/>
+                <a:ea typeface="HGS明朝E" panose="02020900000000000000" pitchFamily="18" charset="-128"/>
+              </a:rPr>
               <a:t>ファイル</a:t>
             </a:r>
-            <a:endParaRPr kumimoji="1" lang="ja-JP" altLang="en-US" dirty="0"/>
+            <a:endParaRPr kumimoji="1" lang="ja-JP" altLang="en-US" b="1" dirty="0">
+              <a:ln w="19050">
+                <a:solidFill>
+                  <a:schemeClr val="accent6">
+                    <a:lumMod val="50000"/>
+                  </a:schemeClr>
+                </a:solidFill>
+              </a:ln>
+              <a:solidFill>
+                <a:schemeClr val="accent6">
+                  <a:lumMod val="60000"/>
+                  <a:lumOff val="40000"/>
+                </a:schemeClr>
+              </a:solidFill>
+              <a:latin typeface="HGS明朝E" panose="02020900000000000000" pitchFamily="18" charset="-128"/>
+              <a:ea typeface="HGS明朝E" panose="02020900000000000000" pitchFamily="18" charset="-128"/>
+            </a:endParaRPr>
           </a:p>
         </p:txBody>
       </p:sp>
@@ -8025,34 +8188,6 @@
       </p:grpSpPr>
       <p:sp>
         <p:nvSpPr>
-          <p:cNvPr id="2" name="タイトル 1">
-            <a:extLst>
-              <a:ext uri="{FF2B5EF4-FFF2-40B4-BE49-F238E27FC236}">
-                <a16:creationId xmlns:a16="http://schemas.microsoft.com/office/drawing/2014/main" id="{2F54B871-1C29-443D-B7CD-A4880E1EFD3C}"/>
-              </a:ext>
-            </a:extLst>
-          </p:cNvPr>
-          <p:cNvSpPr>
-            <a:spLocks noGrp="1"/>
-          </p:cNvSpPr>
-          <p:nvPr>
-            <p:ph type="title"/>
-          </p:nvPr>
-        </p:nvSpPr>
-        <p:spPr/>
-        <p:txBody>
-          <a:bodyPr/>
-          <a:lstStyle/>
-          <a:p>
-            <a:r>
-              <a:rPr kumimoji="1" lang="ja-JP" altLang="en-US" dirty="0"/>
-              <a:t>辞書ファイル</a:t>
-            </a:r>
-          </a:p>
-        </p:txBody>
-      </p:sp>
-      <p:sp>
-        <p:nvSpPr>
           <p:cNvPr id="3" name="コンテンツ プレースホルダー 2">
             <a:extLst>
               <a:ext uri="{FF2B5EF4-FFF2-40B4-BE49-F238E27FC236}">
@@ -8233,6 +8368,92 @@
           </a:p>
         </p:txBody>
       </p:sp>
+      <p:sp>
+        <p:nvSpPr>
+          <p:cNvPr id="8" name="タイトル 1">
+            <a:extLst>
+              <a:ext uri="{FF2B5EF4-FFF2-40B4-BE49-F238E27FC236}">
+                <a16:creationId xmlns:a16="http://schemas.microsoft.com/office/drawing/2014/main" id="{0FECCBAF-9901-4877-94E0-4E2CB0751C20}"/>
+              </a:ext>
+            </a:extLst>
+          </p:cNvPr>
+          <p:cNvSpPr>
+            <a:spLocks noGrp="1"/>
+          </p:cNvSpPr>
+          <p:nvPr>
+            <p:ph type="title"/>
+          </p:nvPr>
+        </p:nvSpPr>
+        <p:spPr>
+          <a:xfrm>
+            <a:off x="838200" y="365125"/>
+            <a:ext cx="10515600" cy="1325563"/>
+          </a:xfrm>
+        </p:spPr>
+        <p:txBody>
+          <a:bodyPr/>
+          <a:lstStyle/>
+          <a:p>
+            <a:r>
+              <a:rPr kumimoji="1" lang="ja-JP" altLang="en-US" b="1" dirty="0">
+                <a:ln w="19050">
+                  <a:solidFill>
+                    <a:schemeClr val="accent6">
+                      <a:lumMod val="50000"/>
+                    </a:schemeClr>
+                  </a:solidFill>
+                </a:ln>
+                <a:solidFill>
+                  <a:schemeClr val="accent6">
+                    <a:lumMod val="60000"/>
+                    <a:lumOff val="40000"/>
+                  </a:schemeClr>
+                </a:solidFill>
+                <a:latin typeface="HGS明朝E" panose="02020900000000000000" pitchFamily="18" charset="-128"/>
+                <a:ea typeface="HGS明朝E" panose="02020900000000000000" pitchFamily="18" charset="-128"/>
+              </a:rPr>
+              <a:t>辞書</a:t>
+            </a:r>
+            <a:r>
+              <a:rPr lang="ja-JP" altLang="en-US" b="1" dirty="0">
+                <a:ln w="19050">
+                  <a:solidFill>
+                    <a:schemeClr val="accent6">
+                      <a:lumMod val="50000"/>
+                    </a:schemeClr>
+                  </a:solidFill>
+                </a:ln>
+                <a:solidFill>
+                  <a:schemeClr val="accent6">
+                    <a:lumMod val="60000"/>
+                    <a:lumOff val="40000"/>
+                  </a:schemeClr>
+                </a:solidFill>
+                <a:latin typeface="HGS明朝E" panose="02020900000000000000" pitchFamily="18" charset="-128"/>
+                <a:ea typeface="HGS明朝E" panose="02020900000000000000" pitchFamily="18" charset="-128"/>
+              </a:rPr>
+              <a:t>ファイル</a:t>
+            </a:r>
+            <a:endParaRPr kumimoji="1" lang="ja-JP" altLang="en-US" b="1" dirty="0">
+              <a:ln w="19050">
+                <a:solidFill>
+                  <a:schemeClr val="accent6">
+                    <a:lumMod val="50000"/>
+                  </a:schemeClr>
+                </a:solidFill>
+              </a:ln>
+              <a:solidFill>
+                <a:schemeClr val="accent6">
+                  <a:lumMod val="60000"/>
+                  <a:lumOff val="40000"/>
+                </a:schemeClr>
+              </a:solidFill>
+              <a:latin typeface="HGS明朝E" panose="02020900000000000000" pitchFamily="18" charset="-128"/>
+              <a:ea typeface="HGS明朝E" panose="02020900000000000000" pitchFamily="18" charset="-128"/>
+            </a:endParaRPr>
+          </a:p>
+        </p:txBody>
+      </p:sp>
     </p:spTree>
     <p:extLst>
       <p:ext uri="{BB962C8B-B14F-4D97-AF65-F5344CB8AC3E}">
@@ -8275,34 +8496,6 @@
           <a:chExt cx="0" cy="0"/>
         </a:xfrm>
       </p:grpSpPr>
-      <p:sp>
-        <p:nvSpPr>
-          <p:cNvPr id="2" name="タイトル 1">
-            <a:extLst>
-              <a:ext uri="{FF2B5EF4-FFF2-40B4-BE49-F238E27FC236}">
-                <a16:creationId xmlns:a16="http://schemas.microsoft.com/office/drawing/2014/main" id="{2F54B871-1C29-443D-B7CD-A4880E1EFD3C}"/>
-              </a:ext>
-            </a:extLst>
-          </p:cNvPr>
-          <p:cNvSpPr>
-            <a:spLocks noGrp="1"/>
-          </p:cNvSpPr>
-          <p:nvPr>
-            <p:ph type="title"/>
-          </p:nvPr>
-        </p:nvSpPr>
-        <p:spPr/>
-        <p:txBody>
-          <a:bodyPr/>
-          <a:lstStyle/>
-          <a:p>
-            <a:r>
-              <a:rPr kumimoji="1" lang="ja-JP" altLang="en-US" dirty="0"/>
-              <a:t>辞書ファイル</a:t>
-            </a:r>
-          </a:p>
-        </p:txBody>
-      </p:sp>
       <p:sp>
         <p:nvSpPr>
           <p:cNvPr id="3" name="コンテンツ プレースホルダー 2">
@@ -8584,6 +8777,92 @@
           </a:p>
         </p:txBody>
       </p:sp>
+      <p:sp>
+        <p:nvSpPr>
+          <p:cNvPr id="9" name="タイトル 1">
+            <a:extLst>
+              <a:ext uri="{FF2B5EF4-FFF2-40B4-BE49-F238E27FC236}">
+                <a16:creationId xmlns:a16="http://schemas.microsoft.com/office/drawing/2014/main" id="{F473B5A9-B9F3-4E84-AACD-33D569EB844A}"/>
+              </a:ext>
+            </a:extLst>
+          </p:cNvPr>
+          <p:cNvSpPr>
+            <a:spLocks noGrp="1"/>
+          </p:cNvSpPr>
+          <p:nvPr>
+            <p:ph type="title"/>
+          </p:nvPr>
+        </p:nvSpPr>
+        <p:spPr>
+          <a:xfrm>
+            <a:off x="838200" y="365125"/>
+            <a:ext cx="10515600" cy="1325563"/>
+          </a:xfrm>
+        </p:spPr>
+        <p:txBody>
+          <a:bodyPr/>
+          <a:lstStyle/>
+          <a:p>
+            <a:r>
+              <a:rPr kumimoji="1" lang="ja-JP" altLang="en-US" b="1" dirty="0">
+                <a:ln w="19050">
+                  <a:solidFill>
+                    <a:schemeClr val="accent6">
+                      <a:lumMod val="50000"/>
+                    </a:schemeClr>
+                  </a:solidFill>
+                </a:ln>
+                <a:solidFill>
+                  <a:schemeClr val="accent6">
+                    <a:lumMod val="60000"/>
+                    <a:lumOff val="40000"/>
+                  </a:schemeClr>
+                </a:solidFill>
+                <a:latin typeface="HGS明朝E" panose="02020900000000000000" pitchFamily="18" charset="-128"/>
+                <a:ea typeface="HGS明朝E" panose="02020900000000000000" pitchFamily="18" charset="-128"/>
+              </a:rPr>
+              <a:t>辞書</a:t>
+            </a:r>
+            <a:r>
+              <a:rPr lang="ja-JP" altLang="en-US" b="1" dirty="0">
+                <a:ln w="19050">
+                  <a:solidFill>
+                    <a:schemeClr val="accent6">
+                      <a:lumMod val="50000"/>
+                    </a:schemeClr>
+                  </a:solidFill>
+                </a:ln>
+                <a:solidFill>
+                  <a:schemeClr val="accent6">
+                    <a:lumMod val="60000"/>
+                    <a:lumOff val="40000"/>
+                  </a:schemeClr>
+                </a:solidFill>
+                <a:latin typeface="HGS明朝E" panose="02020900000000000000" pitchFamily="18" charset="-128"/>
+                <a:ea typeface="HGS明朝E" panose="02020900000000000000" pitchFamily="18" charset="-128"/>
+              </a:rPr>
+              <a:t>ファイル</a:t>
+            </a:r>
+            <a:endParaRPr kumimoji="1" lang="ja-JP" altLang="en-US" b="1" dirty="0">
+              <a:ln w="19050">
+                <a:solidFill>
+                  <a:schemeClr val="accent6">
+                    <a:lumMod val="50000"/>
+                  </a:schemeClr>
+                </a:solidFill>
+              </a:ln>
+              <a:solidFill>
+                <a:schemeClr val="accent6">
+                  <a:lumMod val="60000"/>
+                  <a:lumOff val="40000"/>
+                </a:schemeClr>
+              </a:solidFill>
+              <a:latin typeface="HGS明朝E" panose="02020900000000000000" pitchFamily="18" charset="-128"/>
+              <a:ea typeface="HGS明朝E" panose="02020900000000000000" pitchFamily="18" charset="-128"/>
+            </a:endParaRPr>
+          </a:p>
+        </p:txBody>
+      </p:sp>
     </p:spTree>
     <p:extLst>
       <p:ext uri="{BB962C8B-B14F-4D97-AF65-F5344CB8AC3E}">
@@ -8626,39 +8905,6 @@
           <a:chExt cx="0" cy="0"/>
         </a:xfrm>
       </p:grpSpPr>
-      <p:sp>
-        <p:nvSpPr>
-          <p:cNvPr id="2" name="タイトル 1">
-            <a:extLst>
-              <a:ext uri="{FF2B5EF4-FFF2-40B4-BE49-F238E27FC236}">
-                <a16:creationId xmlns:a16="http://schemas.microsoft.com/office/drawing/2014/main" id="{2F54B871-1C29-443D-B7CD-A4880E1EFD3C}"/>
-              </a:ext>
-            </a:extLst>
-          </p:cNvPr>
-          <p:cNvSpPr>
-            <a:spLocks noGrp="1"/>
-          </p:cNvSpPr>
-          <p:nvPr>
-            <p:ph type="title"/>
-          </p:nvPr>
-        </p:nvSpPr>
-        <p:spPr/>
-        <p:txBody>
-          <a:bodyPr/>
-          <a:lstStyle/>
-          <a:p>
-            <a:r>
-              <a:rPr kumimoji="1" lang="ja-JP" altLang="en-US" dirty="0"/>
-              <a:t>辞書</a:t>
-            </a:r>
-            <a:r>
-              <a:rPr lang="ja-JP" altLang="en-US" dirty="0"/>
-              <a:t>ファイル</a:t>
-            </a:r>
-            <a:endParaRPr kumimoji="1" lang="ja-JP" altLang="en-US" dirty="0"/>
-          </a:p>
-        </p:txBody>
-      </p:sp>
       <p:sp>
         <p:nvSpPr>
           <p:cNvPr id="3" name="コンテンツ プレースホルダー 2">
@@ -8939,6 +9185,92 @@
           </a:p>
         </p:txBody>
       </p:sp>
+      <p:sp>
+        <p:nvSpPr>
+          <p:cNvPr id="9" name="タイトル 1">
+            <a:extLst>
+              <a:ext uri="{FF2B5EF4-FFF2-40B4-BE49-F238E27FC236}">
+                <a16:creationId xmlns:a16="http://schemas.microsoft.com/office/drawing/2014/main" id="{6DE0BCF3-7C49-46E6-8B00-959ABF3691EC}"/>
+              </a:ext>
+            </a:extLst>
+          </p:cNvPr>
+          <p:cNvSpPr>
+            <a:spLocks noGrp="1"/>
+          </p:cNvSpPr>
+          <p:nvPr>
+            <p:ph type="title"/>
+          </p:nvPr>
+        </p:nvSpPr>
+        <p:spPr>
+          <a:xfrm>
+            <a:off x="838200" y="365125"/>
+            <a:ext cx="10515600" cy="1325563"/>
+          </a:xfrm>
+        </p:spPr>
+        <p:txBody>
+          <a:bodyPr/>
+          <a:lstStyle/>
+          <a:p>
+            <a:r>
+              <a:rPr kumimoji="1" lang="ja-JP" altLang="en-US" b="1" dirty="0">
+                <a:ln w="19050">
+                  <a:solidFill>
+                    <a:schemeClr val="accent6">
+                      <a:lumMod val="50000"/>
+                    </a:schemeClr>
+                  </a:solidFill>
+                </a:ln>
+                <a:solidFill>
+                  <a:schemeClr val="accent6">
+                    <a:lumMod val="60000"/>
+                    <a:lumOff val="40000"/>
+                  </a:schemeClr>
+                </a:solidFill>
+                <a:latin typeface="HGS明朝E" panose="02020900000000000000" pitchFamily="18" charset="-128"/>
+                <a:ea typeface="HGS明朝E" panose="02020900000000000000" pitchFamily="18" charset="-128"/>
+              </a:rPr>
+              <a:t>辞書</a:t>
+            </a:r>
+            <a:r>
+              <a:rPr lang="ja-JP" altLang="en-US" b="1" dirty="0">
+                <a:ln w="19050">
+                  <a:solidFill>
+                    <a:schemeClr val="accent6">
+                      <a:lumMod val="50000"/>
+                    </a:schemeClr>
+                  </a:solidFill>
+                </a:ln>
+                <a:solidFill>
+                  <a:schemeClr val="accent6">
+                    <a:lumMod val="60000"/>
+                    <a:lumOff val="40000"/>
+                  </a:schemeClr>
+                </a:solidFill>
+                <a:latin typeface="HGS明朝E" panose="02020900000000000000" pitchFamily="18" charset="-128"/>
+                <a:ea typeface="HGS明朝E" panose="02020900000000000000" pitchFamily="18" charset="-128"/>
+              </a:rPr>
+              <a:t>ファイル</a:t>
+            </a:r>
+            <a:endParaRPr kumimoji="1" lang="ja-JP" altLang="en-US" b="1" dirty="0">
+              <a:ln w="19050">
+                <a:solidFill>
+                  <a:schemeClr val="accent6">
+                    <a:lumMod val="50000"/>
+                  </a:schemeClr>
+                </a:solidFill>
+              </a:ln>
+              <a:solidFill>
+                <a:schemeClr val="accent6">
+                  <a:lumMod val="60000"/>
+                  <a:lumOff val="40000"/>
+                </a:schemeClr>
+              </a:solidFill>
+              <a:latin typeface="HGS明朝E" panose="02020900000000000000" pitchFamily="18" charset="-128"/>
+              <a:ea typeface="HGS明朝E" panose="02020900000000000000" pitchFamily="18" charset="-128"/>
+            </a:endParaRPr>
+          </a:p>
+        </p:txBody>
+      </p:sp>
     </p:spTree>
     <p:extLst>
       <p:ext uri="{BB962C8B-B14F-4D97-AF65-F5344CB8AC3E}">
@@ -8981,34 +9313,6 @@
           <a:chExt cx="0" cy="0"/>
         </a:xfrm>
       </p:grpSpPr>
-      <p:sp>
-        <p:nvSpPr>
-          <p:cNvPr id="2" name="タイトル 1">
-            <a:extLst>
-              <a:ext uri="{FF2B5EF4-FFF2-40B4-BE49-F238E27FC236}">
-                <a16:creationId xmlns:a16="http://schemas.microsoft.com/office/drawing/2014/main" id="{2F54B871-1C29-443D-B7CD-A4880E1EFD3C}"/>
-              </a:ext>
-            </a:extLst>
-          </p:cNvPr>
-          <p:cNvSpPr>
-            <a:spLocks noGrp="1"/>
-          </p:cNvSpPr>
-          <p:nvPr>
-            <p:ph type="title"/>
-          </p:nvPr>
-        </p:nvSpPr>
-        <p:spPr/>
-        <p:txBody>
-          <a:bodyPr/>
-          <a:lstStyle/>
-          <a:p>
-            <a:r>
-              <a:rPr kumimoji="1" lang="ja-JP" altLang="en-US" dirty="0"/>
-              <a:t>辞書ファイル</a:t>
-            </a:r>
-          </a:p>
-        </p:txBody>
-      </p:sp>
       <p:sp>
         <p:nvSpPr>
           <p:cNvPr id="3" name="コンテンツ プレースホルダー 2">
@@ -9303,6 +9607,92 @@
           </a:p>
           <a:p>
             <a:endParaRPr kumimoji="1" lang="en-US" altLang="ja-JP" sz="3200" dirty="0"/>
+          </a:p>
+        </p:txBody>
+      </p:sp>
+      <p:sp>
+        <p:nvSpPr>
+          <p:cNvPr id="9" name="タイトル 1">
+            <a:extLst>
+              <a:ext uri="{FF2B5EF4-FFF2-40B4-BE49-F238E27FC236}">
+                <a16:creationId xmlns:a16="http://schemas.microsoft.com/office/drawing/2014/main" id="{BB81A56E-A49F-4BB3-AFD8-9F08F8AEC046}"/>
+              </a:ext>
+            </a:extLst>
+          </p:cNvPr>
+          <p:cNvSpPr>
+            <a:spLocks noGrp="1"/>
+          </p:cNvSpPr>
+          <p:nvPr>
+            <p:ph type="title"/>
+          </p:nvPr>
+        </p:nvSpPr>
+        <p:spPr>
+          <a:xfrm>
+            <a:off x="838200" y="365125"/>
+            <a:ext cx="10515600" cy="1325563"/>
+          </a:xfrm>
+        </p:spPr>
+        <p:txBody>
+          <a:bodyPr/>
+          <a:lstStyle/>
+          <a:p>
+            <a:r>
+              <a:rPr kumimoji="1" lang="ja-JP" altLang="en-US" b="1" dirty="0">
+                <a:ln w="19050">
+                  <a:solidFill>
+                    <a:schemeClr val="accent6">
+                      <a:lumMod val="50000"/>
+                    </a:schemeClr>
+                  </a:solidFill>
+                </a:ln>
+                <a:solidFill>
+                  <a:schemeClr val="accent6">
+                    <a:lumMod val="60000"/>
+                    <a:lumOff val="40000"/>
+                  </a:schemeClr>
+                </a:solidFill>
+                <a:latin typeface="HGS明朝E" panose="02020900000000000000" pitchFamily="18" charset="-128"/>
+                <a:ea typeface="HGS明朝E" panose="02020900000000000000" pitchFamily="18" charset="-128"/>
+              </a:rPr>
+              <a:t>辞書</a:t>
+            </a:r>
+            <a:r>
+              <a:rPr lang="ja-JP" altLang="en-US" b="1" dirty="0">
+                <a:ln w="19050">
+                  <a:solidFill>
+                    <a:schemeClr val="accent6">
+                      <a:lumMod val="50000"/>
+                    </a:schemeClr>
+                  </a:solidFill>
+                </a:ln>
+                <a:solidFill>
+                  <a:schemeClr val="accent6">
+                    <a:lumMod val="60000"/>
+                    <a:lumOff val="40000"/>
+                  </a:schemeClr>
+                </a:solidFill>
+                <a:latin typeface="HGS明朝E" panose="02020900000000000000" pitchFamily="18" charset="-128"/>
+                <a:ea typeface="HGS明朝E" panose="02020900000000000000" pitchFamily="18" charset="-128"/>
+              </a:rPr>
+              <a:t>ファイル</a:t>
+            </a:r>
+            <a:endParaRPr kumimoji="1" lang="ja-JP" altLang="en-US" b="1" dirty="0">
+              <a:ln w="19050">
+                <a:solidFill>
+                  <a:schemeClr val="accent6">
+                    <a:lumMod val="50000"/>
+                  </a:schemeClr>
+                </a:solidFill>
+              </a:ln>
+              <a:solidFill>
+                <a:schemeClr val="accent6">
+                  <a:lumMod val="60000"/>
+                  <a:lumOff val="40000"/>
+                </a:schemeClr>
+              </a:solidFill>
+              <a:latin typeface="HGS明朝E" panose="02020900000000000000" pitchFamily="18" charset="-128"/>
+              <a:ea typeface="HGS明朝E" panose="02020900000000000000" pitchFamily="18" charset="-128"/>
+            </a:endParaRPr>
           </a:p>
         </p:txBody>
       </p:sp>
@@ -9370,7 +9760,23 @@
           <a:lstStyle/>
           <a:p>
             <a:r>
-              <a:rPr kumimoji="1" lang="ja-JP" altLang="en-US" dirty="0"/>
+              <a:rPr kumimoji="1" lang="ja-JP" altLang="en-US" b="1" dirty="0">
+                <a:ln w="19050">
+                  <a:solidFill>
+                    <a:schemeClr val="accent6">
+                      <a:lumMod val="50000"/>
+                    </a:schemeClr>
+                  </a:solidFill>
+                </a:ln>
+                <a:solidFill>
+                  <a:schemeClr val="accent6">
+                    <a:lumMod val="60000"/>
+                    <a:lumOff val="40000"/>
+                  </a:schemeClr>
+                </a:solidFill>
+                <a:latin typeface="HGS明朝E" panose="02020900000000000000" pitchFamily="18" charset="-128"/>
+                <a:ea typeface="HGS明朝E" panose="02020900000000000000" pitchFamily="18" charset="-128"/>
+              </a:rPr>
               <a:t>ウェイクワード</a:t>
             </a:r>
           </a:p>
@@ -10179,7 +10585,23 @@
           <a:lstStyle/>
           <a:p>
             <a:r>
-              <a:rPr kumimoji="1" lang="ja-JP" altLang="en-US" dirty="0"/>
+              <a:rPr kumimoji="1" lang="ja-JP" altLang="en-US" b="1" dirty="0">
+                <a:ln w="19050">
+                  <a:solidFill>
+                    <a:schemeClr val="accent6">
+                      <a:lumMod val="50000"/>
+                    </a:schemeClr>
+                  </a:solidFill>
+                </a:ln>
+                <a:solidFill>
+                  <a:schemeClr val="accent6">
+                    <a:lumMod val="60000"/>
+                    <a:lumOff val="40000"/>
+                  </a:schemeClr>
+                </a:solidFill>
+                <a:latin typeface="HGS明朝E" panose="02020900000000000000" pitchFamily="18" charset="-128"/>
+                <a:ea typeface="HGS明朝E" panose="02020900000000000000" pitchFamily="18" charset="-128"/>
+              </a:rPr>
               <a:t>データ取得</a:t>
             </a:r>
           </a:p>
@@ -10703,7 +11125,23 @@
           <a:lstStyle/>
           <a:p>
             <a:r>
-              <a:rPr kumimoji="1" lang="ja-JP" altLang="en-US" dirty="0"/>
+              <a:rPr kumimoji="1" lang="ja-JP" altLang="en-US" b="1" dirty="0">
+                <a:ln>
+                  <a:solidFill>
+                    <a:schemeClr val="accent6">
+                      <a:lumMod val="50000"/>
+                    </a:schemeClr>
+                  </a:solidFill>
+                </a:ln>
+                <a:solidFill>
+                  <a:schemeClr val="accent6">
+                    <a:lumMod val="60000"/>
+                    <a:lumOff val="40000"/>
+                  </a:schemeClr>
+                </a:solidFill>
+                <a:latin typeface="HGS明朝E" panose="02020900000000000000" pitchFamily="18" charset="-128"/>
+                <a:ea typeface="HGS明朝E" panose="02020900000000000000" pitchFamily="18" charset="-128"/>
+              </a:rPr>
               <a:t>データ取得　定時実行</a:t>
             </a:r>
           </a:p>
@@ -10927,7 +11365,23 @@
           <a:lstStyle/>
           <a:p>
             <a:r>
-              <a:rPr kumimoji="1" lang="ja-JP" altLang="en-US" dirty="0"/>
+              <a:rPr kumimoji="1" lang="ja-JP" altLang="en-US" b="1" dirty="0">
+                <a:ln w="19050">
+                  <a:solidFill>
+                    <a:schemeClr val="accent6">
+                      <a:lumMod val="50000"/>
+                    </a:schemeClr>
+                  </a:solidFill>
+                </a:ln>
+                <a:solidFill>
+                  <a:schemeClr val="accent6">
+                    <a:lumMod val="60000"/>
+                    <a:lumOff val="40000"/>
+                  </a:schemeClr>
+                </a:solidFill>
+                <a:latin typeface="HGS明朝E" panose="02020900000000000000" pitchFamily="18" charset="-128"/>
+                <a:ea typeface="HGS明朝E" panose="02020900000000000000" pitchFamily="18" charset="-128"/>
+              </a:rPr>
               <a:t>目次</a:t>
             </a:r>
           </a:p>
@@ -10949,7 +11403,12 @@
             <p:ph idx="1"/>
           </p:nvPr>
         </p:nvSpPr>
-        <p:spPr/>
+        <p:spPr>
+          <a:xfrm>
+            <a:off x="838199" y="1825625"/>
+            <a:ext cx="10874829" cy="4351338"/>
+          </a:xfrm>
+        </p:spPr>
         <p:txBody>
           <a:bodyPr>
             <a:normAutofit/>
@@ -10965,68 +11424,54 @@
           <a:p>
             <a:r>
               <a:rPr lang="ja-JP" altLang="en-US" sz="3200" dirty="0"/>
-              <a:t>処理の流れ・要素技術</a:t>
+              <a:t>処理の流れ</a:t>
             </a:r>
             <a:endParaRPr lang="en-US" altLang="ja-JP" sz="3200" dirty="0"/>
           </a:p>
           <a:p>
-            <a:pPr lvl="1"/>
-            <a:r>
-              <a:rPr lang="ja-JP" altLang="en-US" sz="2800" dirty="0"/>
-              <a:t>音声認識</a:t>
-            </a:r>
-            <a:r>
-              <a:rPr lang="en-US" altLang="ja-JP" sz="2800" dirty="0"/>
-              <a:t>-Julius</a:t>
-            </a:r>
-          </a:p>
-          <a:p>
-            <a:pPr lvl="1"/>
-            <a:r>
-              <a:rPr lang="ja-JP" altLang="en-US" sz="2800" dirty="0"/>
-              <a:t>テキスト分類</a:t>
-            </a:r>
-            <a:r>
-              <a:rPr lang="en-US" altLang="ja-JP" sz="2800" dirty="0"/>
-              <a:t>-</a:t>
-            </a:r>
-            <a:r>
-              <a:rPr lang="en-US" altLang="ja-JP" sz="2800" dirty="0" err="1"/>
+            <a:r>
+              <a:rPr lang="ja-JP" altLang="en-US" sz="3200" dirty="0"/>
+              <a:t>要素技術</a:t>
+            </a:r>
+            <a:r>
+              <a:rPr lang="en-US" altLang="ja-JP" sz="3200" dirty="0"/>
+              <a:t>(</a:t>
+            </a:r>
+            <a:r>
+              <a:rPr lang="en-US" altLang="ja-JP" sz="3200" b="1" dirty="0"/>
+              <a:t>Julius, </a:t>
+            </a:r>
+            <a:r>
+              <a:rPr lang="en-US" altLang="ja-JP" sz="3200" b="1" dirty="0" err="1"/>
               <a:t>fastText</a:t>
             </a:r>
-            <a:endParaRPr lang="en-US" altLang="ja-JP" sz="2800" dirty="0"/>
-          </a:p>
-          <a:p>
-            <a:pPr lvl="1"/>
-            <a:r>
-              <a:rPr lang="ja-JP" altLang="en-US" sz="2800" dirty="0"/>
-              <a:t>データ取得</a:t>
-            </a:r>
-            <a:r>
-              <a:rPr lang="en-US" altLang="ja-JP" sz="2800" dirty="0"/>
-              <a:t>-</a:t>
-            </a:r>
-            <a:r>
-              <a:rPr lang="ja-JP" altLang="en-US" sz="2800" dirty="0"/>
+            <a:r>
+              <a:rPr lang="en-US" altLang="ja-JP" sz="3200" b="1" dirty="0"/>
+              <a:t>, </a:t>
+            </a:r>
+            <a:r>
+              <a:rPr lang="ja-JP" altLang="en-US" sz="3200" b="1" dirty="0"/>
               <a:t>スクレイピング</a:t>
             </a:r>
-            <a:endParaRPr lang="en-US" altLang="ja-JP" sz="2800" dirty="0"/>
-          </a:p>
-          <a:p>
-            <a:pPr lvl="1"/>
-            <a:r>
-              <a:rPr lang="ja-JP" altLang="en-US" sz="2800" dirty="0"/>
-              <a:t>音声合成</a:t>
-            </a:r>
-            <a:r>
-              <a:rPr lang="en-US" altLang="ja-JP" sz="2800" dirty="0"/>
-              <a:t>-Open </a:t>
-            </a:r>
-            <a:r>
-              <a:rPr lang="en-US" altLang="ja-JP" sz="2800" dirty="0" err="1"/>
-              <a:t>Jtalk</a:t>
-            </a:r>
-            <a:endParaRPr lang="en-US" altLang="ja-JP" sz="2800" dirty="0"/>
+            <a:r>
+              <a:rPr lang="en-US" altLang="ja-JP" sz="3200" b="1" dirty="0"/>
+              <a:t>, </a:t>
+            </a:r>
+            <a:r>
+              <a:rPr lang="en-US" altLang="ja-JP" sz="3200" b="1" dirty="0" err="1"/>
+              <a:t>OpenJTalk</a:t>
+            </a:r>
+            <a:r>
+              <a:rPr lang="en-US" altLang="ja-JP" sz="3200" dirty="0"/>
+              <a:t>)</a:t>
+            </a:r>
+          </a:p>
+          <a:p>
+            <a:r>
+              <a:rPr lang="ja-JP" altLang="en-US" sz="3200" dirty="0"/>
+              <a:t>実行ファイル</a:t>
+            </a:r>
+            <a:endParaRPr lang="en-US" altLang="ja-JP" sz="3200" dirty="0"/>
           </a:p>
           <a:p>
             <a:r>
@@ -11040,6 +11485,16 @@
               <a:rPr lang="ja-JP" altLang="en-US" dirty="0"/>
               <a:t>まとめ</a:t>
             </a:r>
+            <a:endParaRPr lang="en-US" altLang="ja-JP" dirty="0"/>
+          </a:p>
+          <a:p>
+            <a:r>
+              <a:rPr lang="ja-JP" altLang="en-US" dirty="0"/>
+              <a:t>メンバー紹介</a:t>
+            </a:r>
+            <a:endParaRPr lang="en-US" altLang="ja-JP" dirty="0"/>
+          </a:p>
+          <a:p>
             <a:endParaRPr lang="en-US" altLang="ja-JP" dirty="0"/>
           </a:p>
           <a:p>
@@ -11099,10 +11554,42 @@
           <a:lstStyle/>
           <a:p>
             <a:r>
-              <a:rPr kumimoji="1" lang="en-US" altLang="ja-JP" dirty="0" err="1"/>
-              <a:t>OpenJtalk</a:t>
-            </a:r>
-            <a:endParaRPr kumimoji="1" lang="ja-JP" altLang="en-US" dirty="0"/>
+              <a:rPr kumimoji="1" lang="en-US" altLang="ja-JP" b="1" dirty="0" err="1">
+                <a:ln w="19050">
+                  <a:solidFill>
+                    <a:schemeClr val="accent6">
+                      <a:lumMod val="50000"/>
+                    </a:schemeClr>
+                  </a:solidFill>
+                </a:ln>
+                <a:solidFill>
+                  <a:schemeClr val="accent6">
+                    <a:lumMod val="60000"/>
+                    <a:lumOff val="40000"/>
+                  </a:schemeClr>
+                </a:solidFill>
+                <a:latin typeface="HGS明朝E" panose="02020900000000000000" pitchFamily="18" charset="-128"/>
+                <a:ea typeface="HGS明朝E" panose="02020900000000000000" pitchFamily="18" charset="-128"/>
+              </a:rPr>
+              <a:t>OpenJTalk</a:t>
+            </a:r>
+            <a:endParaRPr kumimoji="1" lang="ja-JP" altLang="en-US" b="1" dirty="0">
+              <a:ln w="19050">
+                <a:solidFill>
+                  <a:schemeClr val="accent6">
+                    <a:lumMod val="50000"/>
+                  </a:schemeClr>
+                </a:solidFill>
+              </a:ln>
+              <a:solidFill>
+                <a:schemeClr val="accent6">
+                  <a:lumMod val="60000"/>
+                  <a:lumOff val="40000"/>
+                </a:schemeClr>
+              </a:solidFill>
+              <a:latin typeface="HGS明朝E" panose="02020900000000000000" pitchFamily="18" charset="-128"/>
+              <a:ea typeface="HGS明朝E" panose="02020900000000000000" pitchFamily="18" charset="-128"/>
+            </a:endParaRPr>
           </a:p>
         </p:txBody>
       </p:sp>
@@ -11568,35 +12055,6 @@
       </p:grpSpPr>
       <p:sp>
         <p:nvSpPr>
-          <p:cNvPr id="2" name="タイトル 1">
-            <a:extLst>
-              <a:ext uri="{FF2B5EF4-FFF2-40B4-BE49-F238E27FC236}">
-                <a16:creationId xmlns:a16="http://schemas.microsoft.com/office/drawing/2014/main" id="{416FDF28-DE91-4559-964D-FBBF51F99738}"/>
-              </a:ext>
-            </a:extLst>
-          </p:cNvPr>
-          <p:cNvSpPr>
-            <a:spLocks noGrp="1"/>
-          </p:cNvSpPr>
-          <p:nvPr>
-            <p:ph type="title"/>
-          </p:nvPr>
-        </p:nvSpPr>
-        <p:spPr/>
-        <p:txBody>
-          <a:bodyPr/>
-          <a:lstStyle/>
-          <a:p>
-            <a:r>
-              <a:rPr kumimoji="1" lang="en-US" altLang="ja-JP" dirty="0" err="1"/>
-              <a:t>OpenJtalk</a:t>
-            </a:r>
-            <a:endParaRPr kumimoji="1" lang="ja-JP" altLang="en-US" dirty="0"/>
-          </a:p>
-        </p:txBody>
-      </p:sp>
-      <p:sp>
-        <p:nvSpPr>
           <p:cNvPr id="3" name="コンテンツ プレースホルダー 2">
             <a:extLst>
               <a:ext uri="{FF2B5EF4-FFF2-40B4-BE49-F238E27FC236}">
@@ -11810,6 +12268,72 @@
           </a:p>
         </p:txBody>
       </p:sp>
+      <p:sp>
+        <p:nvSpPr>
+          <p:cNvPr id="10" name="タイトル 1">
+            <a:extLst>
+              <a:ext uri="{FF2B5EF4-FFF2-40B4-BE49-F238E27FC236}">
+                <a16:creationId xmlns:a16="http://schemas.microsoft.com/office/drawing/2014/main" id="{2D18EBD9-9AB6-4252-B4D4-092E08AC2FC5}"/>
+              </a:ext>
+            </a:extLst>
+          </p:cNvPr>
+          <p:cNvSpPr>
+            <a:spLocks noGrp="1"/>
+          </p:cNvSpPr>
+          <p:nvPr>
+            <p:ph type="title"/>
+          </p:nvPr>
+        </p:nvSpPr>
+        <p:spPr>
+          <a:xfrm>
+            <a:off x="838200" y="365125"/>
+            <a:ext cx="10515600" cy="1325563"/>
+          </a:xfrm>
+        </p:spPr>
+        <p:txBody>
+          <a:bodyPr/>
+          <a:lstStyle/>
+          <a:p>
+            <a:r>
+              <a:rPr kumimoji="1" lang="en-US" altLang="ja-JP" b="1" dirty="0" err="1">
+                <a:ln w="19050">
+                  <a:solidFill>
+                    <a:schemeClr val="accent6">
+                      <a:lumMod val="50000"/>
+                    </a:schemeClr>
+                  </a:solidFill>
+                </a:ln>
+                <a:solidFill>
+                  <a:schemeClr val="accent6">
+                    <a:lumMod val="60000"/>
+                    <a:lumOff val="40000"/>
+                  </a:schemeClr>
+                </a:solidFill>
+                <a:latin typeface="HGS明朝E" panose="02020900000000000000" pitchFamily="18" charset="-128"/>
+                <a:ea typeface="HGS明朝E" panose="02020900000000000000" pitchFamily="18" charset="-128"/>
+              </a:rPr>
+              <a:t>OpenJTalk</a:t>
+            </a:r>
+            <a:endParaRPr kumimoji="1" lang="ja-JP" altLang="en-US" b="1" dirty="0">
+              <a:ln w="19050">
+                <a:solidFill>
+                  <a:schemeClr val="accent6">
+                    <a:lumMod val="50000"/>
+                  </a:schemeClr>
+                </a:solidFill>
+              </a:ln>
+              <a:solidFill>
+                <a:schemeClr val="accent6">
+                  <a:lumMod val="60000"/>
+                  <a:lumOff val="40000"/>
+                </a:schemeClr>
+              </a:solidFill>
+              <a:latin typeface="HGS明朝E" panose="02020900000000000000" pitchFamily="18" charset="-128"/>
+              <a:ea typeface="HGS明朝E" panose="02020900000000000000" pitchFamily="18" charset="-128"/>
+            </a:endParaRPr>
+          </a:p>
+        </p:txBody>
+      </p:sp>
     </p:spTree>
     <p:extLst>
       <p:ext uri="{BB962C8B-B14F-4D97-AF65-F5344CB8AC3E}">
@@ -11862,7 +12386,23 @@
           <a:lstStyle/>
           <a:p>
             <a:r>
-              <a:rPr kumimoji="1" lang="ja-JP" altLang="en-US" dirty="0"/>
+              <a:rPr kumimoji="1" lang="ja-JP" altLang="en-US" b="1" dirty="0">
+                <a:ln w="19050">
+                  <a:solidFill>
+                    <a:schemeClr val="accent6">
+                      <a:lumMod val="50000"/>
+                    </a:schemeClr>
+                  </a:solidFill>
+                </a:ln>
+                <a:solidFill>
+                  <a:schemeClr val="accent6">
+                    <a:lumMod val="60000"/>
+                    <a:lumOff val="40000"/>
+                  </a:schemeClr>
+                </a:solidFill>
+                <a:latin typeface="HGS明朝E" panose="02020900000000000000" pitchFamily="18" charset="-128"/>
+                <a:ea typeface="HGS明朝E" panose="02020900000000000000" pitchFamily="18" charset="-128"/>
+              </a:rPr>
               <a:t>トラブルの対処</a:t>
             </a:r>
           </a:p>
@@ -12084,21 +12624,101 @@
           <a:lstStyle/>
           <a:p>
             <a:r>
-              <a:rPr kumimoji="1" lang="ja-JP" altLang="en-US" dirty="0"/>
+              <a:rPr kumimoji="1" lang="ja-JP" altLang="en-US" b="1" dirty="0">
+                <a:ln w="19050">
+                  <a:solidFill>
+                    <a:schemeClr val="accent6">
+                      <a:lumMod val="50000"/>
+                    </a:schemeClr>
+                  </a:solidFill>
+                </a:ln>
+                <a:solidFill>
+                  <a:schemeClr val="accent6">
+                    <a:lumMod val="60000"/>
+                    <a:lumOff val="40000"/>
+                  </a:schemeClr>
+                </a:solidFill>
+                <a:latin typeface="HGS明朝E" panose="02020900000000000000" pitchFamily="18" charset="-128"/>
+                <a:ea typeface="HGS明朝E" panose="02020900000000000000" pitchFamily="18" charset="-128"/>
+              </a:rPr>
               <a:t>実行ファイル</a:t>
             </a:r>
             <a:br>
-              <a:rPr kumimoji="1" lang="en-US" altLang="ja-JP" dirty="0"/>
+              <a:rPr kumimoji="1" lang="en-US" altLang="ja-JP" b="1" dirty="0">
+                <a:ln w="19050">
+                  <a:solidFill>
+                    <a:schemeClr val="accent6">
+                      <a:lumMod val="50000"/>
+                    </a:schemeClr>
+                  </a:solidFill>
+                </a:ln>
+                <a:solidFill>
+                  <a:schemeClr val="accent6">
+                    <a:lumMod val="60000"/>
+                    <a:lumOff val="40000"/>
+                  </a:schemeClr>
+                </a:solidFill>
+                <a:latin typeface="HGS明朝E" panose="02020900000000000000" pitchFamily="18" charset="-128"/>
+                <a:ea typeface="HGS明朝E" panose="02020900000000000000" pitchFamily="18" charset="-128"/>
+              </a:rPr>
             </a:br>
             <a:r>
-              <a:rPr kumimoji="1" lang="en-US" altLang="ja-JP" dirty="0"/>
+              <a:rPr kumimoji="1" lang="en-US" altLang="ja-JP" b="1" dirty="0">
+                <a:ln w="19050">
+                  <a:solidFill>
+                    <a:schemeClr val="accent6">
+                      <a:lumMod val="50000"/>
+                    </a:schemeClr>
+                  </a:solidFill>
+                </a:ln>
+                <a:solidFill>
+                  <a:schemeClr val="accent6">
+                    <a:lumMod val="60000"/>
+                    <a:lumOff val="40000"/>
+                  </a:schemeClr>
+                </a:solidFill>
+                <a:latin typeface="HGS明朝E" panose="02020900000000000000" pitchFamily="18" charset="-128"/>
+                <a:ea typeface="HGS明朝E" panose="02020900000000000000" pitchFamily="18" charset="-128"/>
+              </a:rPr>
               <a:t>yosie</a:t>
             </a:r>
             <a:r>
-              <a:rPr lang="en-US" altLang="ja-JP" dirty="0"/>
+              <a:rPr lang="en-US" altLang="ja-JP" b="1" dirty="0">
+                <a:ln w="19050">
+                  <a:solidFill>
+                    <a:schemeClr val="accent6">
+                      <a:lumMod val="50000"/>
+                    </a:schemeClr>
+                  </a:solidFill>
+                </a:ln>
+                <a:solidFill>
+                  <a:schemeClr val="accent6">
+                    <a:lumMod val="60000"/>
+                    <a:lumOff val="40000"/>
+                  </a:schemeClr>
+                </a:solidFill>
+                <a:latin typeface="HGS明朝E" panose="02020900000000000000" pitchFamily="18" charset="-128"/>
+                <a:ea typeface="HGS明朝E" panose="02020900000000000000" pitchFamily="18" charset="-128"/>
+              </a:rPr>
               <a:t>.sh</a:t>
             </a:r>
-            <a:endParaRPr kumimoji="1" lang="ja-JP" altLang="en-US" dirty="0"/>
+            <a:endParaRPr kumimoji="1" lang="ja-JP" altLang="en-US" b="1" dirty="0">
+              <a:ln w="19050">
+                <a:solidFill>
+                  <a:schemeClr val="accent6">
+                    <a:lumMod val="50000"/>
+                  </a:schemeClr>
+                </a:solidFill>
+              </a:ln>
+              <a:solidFill>
+                <a:schemeClr val="accent6">
+                  <a:lumMod val="60000"/>
+                  <a:lumOff val="40000"/>
+                </a:schemeClr>
+              </a:solidFill>
+              <a:latin typeface="HGS明朝E" panose="02020900000000000000" pitchFamily="18" charset="-128"/>
+              <a:ea typeface="HGS明朝E" panose="02020900000000000000" pitchFamily="18" charset="-128"/>
+            </a:endParaRPr>
           </a:p>
         </p:txBody>
       </p:sp>
@@ -12161,10 +12781,10 @@
       </p:sp>
       <p:pic>
         <p:nvPicPr>
-          <p:cNvPr id="9" name="図 8">
+          <p:cNvPr id="10" name="図 9">
             <a:extLst>
               <a:ext uri="{FF2B5EF4-FFF2-40B4-BE49-F238E27FC236}">
-                <a16:creationId xmlns:a16="http://schemas.microsoft.com/office/drawing/2014/main" id="{58495B0B-5E39-456F-B0E1-B27B83487C33}"/>
+                <a16:creationId xmlns:a16="http://schemas.microsoft.com/office/drawing/2014/main" id="{F4DAD570-8F70-49DA-80A9-1AD5DEA60808}"/>
               </a:ext>
             </a:extLst>
           </p:cNvPr>
@@ -12187,8 +12807,8 @@
         </p:blipFill>
         <p:spPr>
           <a:xfrm>
-            <a:off x="1054139" y="1280160"/>
-            <a:ext cx="7926058" cy="5124994"/>
+            <a:off x="2700560" y="1612163"/>
+            <a:ext cx="7926057" cy="5124994"/>
           </a:xfrm>
           <a:prstGeom prst="rect">
             <a:avLst/>
@@ -12225,51 +12845,6 @@
           <a:chExt cx="0" cy="0"/>
         </a:xfrm>
       </p:grpSpPr>
-      <p:sp>
-        <p:nvSpPr>
-          <p:cNvPr id="2" name="タイトル 1">
-            <a:extLst>
-              <a:ext uri="{FF2B5EF4-FFF2-40B4-BE49-F238E27FC236}">
-                <a16:creationId xmlns:a16="http://schemas.microsoft.com/office/drawing/2014/main" id="{F24EB109-BC34-41EC-A9D0-C442E52A8779}"/>
-              </a:ext>
-            </a:extLst>
-          </p:cNvPr>
-          <p:cNvSpPr>
-            <a:spLocks noGrp="1"/>
-          </p:cNvSpPr>
-          <p:nvPr>
-            <p:ph type="title"/>
-          </p:nvPr>
-        </p:nvSpPr>
-        <p:spPr>
-          <a:xfrm>
-            <a:off x="-3072" y="18255"/>
-            <a:ext cx="10515600" cy="1325563"/>
-          </a:xfrm>
-        </p:spPr>
-        <p:txBody>
-          <a:bodyPr/>
-          <a:lstStyle/>
-          <a:p>
-            <a:r>
-              <a:rPr kumimoji="1" lang="ja-JP" altLang="en-US" dirty="0"/>
-              <a:t>実行ファイル</a:t>
-            </a:r>
-            <a:br>
-              <a:rPr kumimoji="1" lang="en-US" altLang="ja-JP" dirty="0"/>
-            </a:br>
-            <a:r>
-              <a:rPr kumimoji="1" lang="en-US" altLang="ja-JP" dirty="0"/>
-              <a:t>yosie</a:t>
-            </a:r>
-            <a:r>
-              <a:rPr lang="en-US" altLang="ja-JP" dirty="0"/>
-              <a:t>.sh</a:t>
-            </a:r>
-            <a:endParaRPr kumimoji="1" lang="ja-JP" altLang="en-US" dirty="0"/>
-          </a:p>
-        </p:txBody>
-      </p:sp>
       <p:sp>
         <p:nvSpPr>
           <p:cNvPr id="6" name="正方形/長方形 5">
@@ -12327,48 +12902,12 @@
           </a:p>
         </p:txBody>
       </p:sp>
-      <p:pic>
-        <p:nvPicPr>
-          <p:cNvPr id="9" name="図 8">
-            <a:extLst>
-              <a:ext uri="{FF2B5EF4-FFF2-40B4-BE49-F238E27FC236}">
-                <a16:creationId xmlns:a16="http://schemas.microsoft.com/office/drawing/2014/main" id="{58495B0B-5E39-456F-B0E1-B27B83487C33}"/>
-              </a:ext>
-            </a:extLst>
-          </p:cNvPr>
-          <p:cNvPicPr>
-            <a:picLocks noChangeAspect="1"/>
-          </p:cNvPicPr>
-          <p:nvPr/>
-        </p:nvPicPr>
-        <p:blipFill>
-          <a:blip r:embed="rId2">
-            <a:extLst>
-              <a:ext uri="{28A0092B-C50C-407E-A947-70E740481C1C}">
-                <a14:useLocalDpi xmlns:a14="http://schemas.microsoft.com/office/drawing/2010/main" val="0"/>
-              </a:ext>
-            </a:extLst>
-          </a:blip>
-          <a:stretch>
-            <a:fillRect/>
-          </a:stretch>
-        </p:blipFill>
-        <p:spPr>
-          <a:xfrm>
-            <a:off x="1054139" y="1280160"/>
-            <a:ext cx="7926058" cy="5124994"/>
-          </a:xfrm>
-          <a:prstGeom prst="rect">
-            <a:avLst/>
-          </a:prstGeom>
-        </p:spPr>
-      </p:pic>
       <p:sp>
         <p:nvSpPr>
           <p:cNvPr id="5" name="テキスト ボックス 4">
             <a:extLst>
               <a:ext uri="{FF2B5EF4-FFF2-40B4-BE49-F238E27FC236}">
-                <a16:creationId xmlns:a16="http://schemas.microsoft.com/office/drawing/2014/main" id="{C4A48DA7-DEE7-4151-9DD8-FC120F65F2BC}"/>
+                <a16:creationId xmlns:a16="http://schemas.microsoft.com/office/drawing/2014/main" id="{61633C2C-8170-499D-A45D-3A108B23CF77}"/>
               </a:ext>
             </a:extLst>
           </p:cNvPr>
@@ -12377,8 +12916,8 @@
         </p:nvSpPr>
         <p:spPr>
           <a:xfrm>
-            <a:off x="1054140" y="1280160"/>
-            <a:ext cx="7926058" cy="5124994"/>
+            <a:off x="2700559" y="1612163"/>
+            <a:ext cx="7926058" cy="4998804"/>
           </a:xfrm>
           <a:prstGeom prst="rect">
             <a:avLst/>
@@ -12440,7 +12979,15 @@
             </a:pPr>
             <a:r>
               <a:rPr lang="ja-JP" altLang="en-US" sz="1970" b="1" dirty="0"/>
-              <a:t>音声メッセージ：起動待機</a:t>
+              <a:t>音声メッセージ：「起動中です</a:t>
+            </a:r>
+            <a:r>
+              <a:rPr lang="en-US" altLang="ja-JP" sz="1970" b="1" dirty="0"/>
+              <a:t>……</a:t>
+            </a:r>
+            <a:r>
+              <a:rPr lang="ja-JP" altLang="en-US" sz="1970" b="1" dirty="0"/>
+              <a:t>」</a:t>
             </a:r>
             <a:endParaRPr lang="en-US" altLang="ja-JP" sz="1970" b="1" dirty="0"/>
           </a:p>
@@ -12555,7 +13102,15 @@
             </a:pPr>
             <a:r>
               <a:rPr lang="ja-JP" altLang="en-US" sz="1970" b="1" dirty="0"/>
-              <a:t>音声メッセージ：起動完了</a:t>
+              <a:t>音声メッセージ：「起動しました</a:t>
+            </a:r>
+            <a:r>
+              <a:rPr lang="en-US" altLang="ja-JP" sz="1970" b="1" dirty="0"/>
+              <a:t>……</a:t>
+            </a:r>
+            <a:r>
+              <a:rPr lang="ja-JP" altLang="en-US" sz="1970" b="1" dirty="0"/>
+              <a:t>」</a:t>
             </a:r>
             <a:endParaRPr lang="en-US" altLang="ja-JP" sz="1970" b="1" dirty="0"/>
           </a:p>
@@ -12567,15 +13122,7 @@
             </a:pPr>
             <a:r>
               <a:rPr lang="en-US" altLang="ja-JP" sz="1970" b="1" dirty="0"/>
-              <a:t>[</a:t>
-            </a:r>
-            <a:r>
-              <a:rPr lang="ja-JP" altLang="en-US" sz="1970" b="1" dirty="0"/>
-              <a:t>音声認識～音声合成</a:t>
-            </a:r>
-            <a:r>
-              <a:rPr lang="en-US" altLang="ja-JP" sz="1970" b="1" dirty="0"/>
-              <a:t>]</a:t>
+              <a:t>function.py</a:t>
             </a:r>
           </a:p>
         </p:txBody>
@@ -12585,7 +13132,7 @@
           <p:cNvPr id="7" name="テキスト ボックス 6">
             <a:extLst>
               <a:ext uri="{FF2B5EF4-FFF2-40B4-BE49-F238E27FC236}">
-                <a16:creationId xmlns:a16="http://schemas.microsoft.com/office/drawing/2014/main" id="{4F51C8EC-D8A4-4EED-9A9C-C5A805C60AAC}"/>
+                <a16:creationId xmlns:a16="http://schemas.microsoft.com/office/drawing/2014/main" id="{2643D844-06E1-4603-A68C-5BC3B0D02216}"/>
               </a:ext>
             </a:extLst>
           </p:cNvPr>
@@ -12594,7 +13141,7 @@
         </p:nvSpPr>
         <p:spPr>
           <a:xfrm>
-            <a:off x="1123807" y="2842383"/>
+            <a:off x="2700559" y="3177195"/>
             <a:ext cx="5534571" cy="2000548"/>
           </a:xfrm>
           <a:prstGeom prst="rect">
@@ -12644,10 +13191,135 @@
           </a:p>
         </p:txBody>
       </p:sp>
+      <p:sp>
+        <p:nvSpPr>
+          <p:cNvPr id="9" name="タイトル 1">
+            <a:extLst>
+              <a:ext uri="{FF2B5EF4-FFF2-40B4-BE49-F238E27FC236}">
+                <a16:creationId xmlns:a16="http://schemas.microsoft.com/office/drawing/2014/main" id="{6A048B77-516C-4DB2-8DD9-2E8EFE6B9461}"/>
+              </a:ext>
+            </a:extLst>
+          </p:cNvPr>
+          <p:cNvSpPr>
+            <a:spLocks noGrp="1"/>
+          </p:cNvSpPr>
+          <p:nvPr>
+            <p:ph type="title"/>
+          </p:nvPr>
+        </p:nvSpPr>
+        <p:spPr>
+          <a:xfrm>
+            <a:off x="-3072" y="18255"/>
+            <a:ext cx="10515600" cy="1325563"/>
+          </a:xfrm>
+        </p:spPr>
+        <p:txBody>
+          <a:bodyPr/>
+          <a:lstStyle/>
+          <a:p>
+            <a:r>
+              <a:rPr kumimoji="1" lang="ja-JP" altLang="en-US" b="1" dirty="0">
+                <a:ln w="19050">
+                  <a:solidFill>
+                    <a:schemeClr val="accent6">
+                      <a:lumMod val="50000"/>
+                    </a:schemeClr>
+                  </a:solidFill>
+                </a:ln>
+                <a:solidFill>
+                  <a:schemeClr val="accent6">
+                    <a:lumMod val="60000"/>
+                    <a:lumOff val="40000"/>
+                  </a:schemeClr>
+                </a:solidFill>
+                <a:latin typeface="HGS明朝E" panose="02020900000000000000" pitchFamily="18" charset="-128"/>
+                <a:ea typeface="HGS明朝E" panose="02020900000000000000" pitchFamily="18" charset="-128"/>
+              </a:rPr>
+              <a:t>実行ファイル</a:t>
+            </a:r>
+            <a:br>
+              <a:rPr kumimoji="1" lang="en-US" altLang="ja-JP" b="1" dirty="0">
+                <a:ln w="19050">
+                  <a:solidFill>
+                    <a:schemeClr val="accent6">
+                      <a:lumMod val="50000"/>
+                    </a:schemeClr>
+                  </a:solidFill>
+                </a:ln>
+                <a:solidFill>
+                  <a:schemeClr val="accent6">
+                    <a:lumMod val="60000"/>
+                    <a:lumOff val="40000"/>
+                  </a:schemeClr>
+                </a:solidFill>
+                <a:latin typeface="HGS明朝E" panose="02020900000000000000" pitchFamily="18" charset="-128"/>
+                <a:ea typeface="HGS明朝E" panose="02020900000000000000" pitchFamily="18" charset="-128"/>
+              </a:rPr>
+            </a:br>
+            <a:r>
+              <a:rPr kumimoji="1" lang="en-US" altLang="ja-JP" b="1" dirty="0">
+                <a:ln w="19050">
+                  <a:solidFill>
+                    <a:schemeClr val="accent6">
+                      <a:lumMod val="50000"/>
+                    </a:schemeClr>
+                  </a:solidFill>
+                </a:ln>
+                <a:solidFill>
+                  <a:schemeClr val="accent6">
+                    <a:lumMod val="60000"/>
+                    <a:lumOff val="40000"/>
+                  </a:schemeClr>
+                </a:solidFill>
+                <a:latin typeface="HGS明朝E" panose="02020900000000000000" pitchFamily="18" charset="-128"/>
+                <a:ea typeface="HGS明朝E" panose="02020900000000000000" pitchFamily="18" charset="-128"/>
+              </a:rPr>
+              <a:t>yosie</a:t>
+            </a:r>
+            <a:r>
+              <a:rPr lang="en-US" altLang="ja-JP" b="1" dirty="0">
+                <a:ln w="19050">
+                  <a:solidFill>
+                    <a:schemeClr val="accent6">
+                      <a:lumMod val="50000"/>
+                    </a:schemeClr>
+                  </a:solidFill>
+                </a:ln>
+                <a:solidFill>
+                  <a:schemeClr val="accent6">
+                    <a:lumMod val="60000"/>
+                    <a:lumOff val="40000"/>
+                  </a:schemeClr>
+                </a:solidFill>
+                <a:latin typeface="HGS明朝E" panose="02020900000000000000" pitchFamily="18" charset="-128"/>
+                <a:ea typeface="HGS明朝E" panose="02020900000000000000" pitchFamily="18" charset="-128"/>
+              </a:rPr>
+              <a:t>.sh</a:t>
+            </a:r>
+            <a:endParaRPr kumimoji="1" lang="ja-JP" altLang="en-US" b="1" dirty="0">
+              <a:ln w="19050">
+                <a:solidFill>
+                  <a:schemeClr val="accent6">
+                    <a:lumMod val="50000"/>
+                  </a:schemeClr>
+                </a:solidFill>
+              </a:ln>
+              <a:solidFill>
+                <a:schemeClr val="accent6">
+                  <a:lumMod val="60000"/>
+                  <a:lumOff val="40000"/>
+                </a:schemeClr>
+              </a:solidFill>
+              <a:latin typeface="HGS明朝E" panose="02020900000000000000" pitchFamily="18" charset="-128"/>
+              <a:ea typeface="HGS明朝E" panose="02020900000000000000" pitchFamily="18" charset="-128"/>
+            </a:endParaRPr>
+          </a:p>
+        </p:txBody>
+      </p:sp>
     </p:spTree>
     <p:extLst>
       <p:ext uri="{BB962C8B-B14F-4D97-AF65-F5344CB8AC3E}">
-        <p14:creationId xmlns:p14="http://schemas.microsoft.com/office/powerpoint/2010/main" val="13012092"/>
+        <p14:creationId xmlns:p14="http://schemas.microsoft.com/office/powerpoint/2010/main" val="3384165466"/>
       </p:ext>
     </p:extLst>
   </p:cSld>
@@ -12787,17 +13459,81 @@
           <a:lstStyle/>
           <a:p>
             <a:r>
-              <a:rPr lang="ja-JP" altLang="en-US" dirty="0"/>
+              <a:rPr lang="ja-JP" altLang="en-US" b="1" dirty="0">
+                <a:ln w="19050">
+                  <a:solidFill>
+                    <a:schemeClr val="accent6">
+                      <a:lumMod val="50000"/>
+                    </a:schemeClr>
+                  </a:solidFill>
+                </a:ln>
+                <a:solidFill>
+                  <a:schemeClr val="accent6">
+                    <a:lumMod val="60000"/>
+                    <a:lumOff val="40000"/>
+                  </a:schemeClr>
+                </a:solidFill>
+                <a:latin typeface="HGS明朝E" panose="02020900000000000000" pitchFamily="18" charset="-128"/>
+                <a:ea typeface="HGS明朝E" panose="02020900000000000000" pitchFamily="18" charset="-128"/>
+              </a:rPr>
               <a:t>実行ファイル</a:t>
             </a:r>
             <a:br>
-              <a:rPr lang="en-US" altLang="ja-JP" dirty="0"/>
+              <a:rPr lang="en-US" altLang="ja-JP" b="1" dirty="0">
+                <a:ln w="19050">
+                  <a:solidFill>
+                    <a:schemeClr val="accent6">
+                      <a:lumMod val="50000"/>
+                    </a:schemeClr>
+                  </a:solidFill>
+                </a:ln>
+                <a:solidFill>
+                  <a:schemeClr val="accent6">
+                    <a:lumMod val="60000"/>
+                    <a:lumOff val="40000"/>
+                  </a:schemeClr>
+                </a:solidFill>
+                <a:latin typeface="HGS明朝E" panose="02020900000000000000" pitchFamily="18" charset="-128"/>
+                <a:ea typeface="HGS明朝E" panose="02020900000000000000" pitchFamily="18" charset="-128"/>
+              </a:rPr>
             </a:br>
             <a:r>
-              <a:rPr lang="en-US" altLang="ja-JP" dirty="0"/>
+              <a:rPr lang="en-US" altLang="ja-JP" b="1" dirty="0">
+                <a:ln w="19050">
+                  <a:solidFill>
+                    <a:schemeClr val="accent6">
+                      <a:lumMod val="50000"/>
+                    </a:schemeClr>
+                  </a:solidFill>
+                </a:ln>
+                <a:solidFill>
+                  <a:schemeClr val="accent6">
+                    <a:lumMod val="60000"/>
+                    <a:lumOff val="40000"/>
+                  </a:schemeClr>
+                </a:solidFill>
+                <a:latin typeface="HGS明朝E" panose="02020900000000000000" pitchFamily="18" charset="-128"/>
+                <a:ea typeface="HGS明朝E" panose="02020900000000000000" pitchFamily="18" charset="-128"/>
+              </a:rPr>
               <a:t>function.py</a:t>
             </a:r>
-            <a:endParaRPr kumimoji="1" lang="ja-JP" altLang="en-US" dirty="0"/>
+            <a:endParaRPr kumimoji="1" lang="ja-JP" altLang="en-US" b="1" dirty="0">
+              <a:ln w="19050">
+                <a:solidFill>
+                  <a:schemeClr val="accent6">
+                    <a:lumMod val="50000"/>
+                  </a:schemeClr>
+                </a:solidFill>
+              </a:ln>
+              <a:solidFill>
+                <a:schemeClr val="accent6">
+                  <a:lumMod val="60000"/>
+                  <a:lumOff val="40000"/>
+                </a:schemeClr>
+              </a:solidFill>
+              <a:latin typeface="HGS明朝E" panose="02020900000000000000" pitchFamily="18" charset="-128"/>
+              <a:ea typeface="HGS明朝E" panose="02020900000000000000" pitchFamily="18" charset="-128"/>
+            </a:endParaRPr>
           </a:p>
         </p:txBody>
       </p:sp>
@@ -15047,6 +15783,67 @@
           </p:txBody>
         </p:sp>
       </p:grpSp>
+      <p:sp>
+        <p:nvSpPr>
+          <p:cNvPr id="3" name="テキスト ボックス 2">
+            <a:extLst>
+              <a:ext uri="{FF2B5EF4-FFF2-40B4-BE49-F238E27FC236}">
+                <a16:creationId xmlns:a16="http://schemas.microsoft.com/office/drawing/2014/main" id="{5C00DCC4-9D7B-4065-ABB5-1FEC19AB50A0}"/>
+              </a:ext>
+            </a:extLst>
+          </p:cNvPr>
+          <p:cNvSpPr txBox="1"/>
+          <p:nvPr/>
+        </p:nvSpPr>
+        <p:spPr>
+          <a:xfrm>
+            <a:off x="-1" y="1325563"/>
+            <a:ext cx="3171364" cy="1569660"/>
+          </a:xfrm>
+          <a:prstGeom prst="rect">
+            <a:avLst/>
+          </a:prstGeom>
+          <a:noFill/>
+        </p:spPr>
+        <p:txBody>
+          <a:bodyPr wrap="square" rtlCol="0">
+            <a:spAutoFit/>
+          </a:bodyPr>
+          <a:lstStyle/>
+          <a:p>
+            <a:pPr marL="285750" indent="-285750">
+              <a:buFont typeface="Arial" panose="020B0604020202020204" pitchFamily="34" charset="0"/>
+              <a:buChar char="•"/>
+            </a:pPr>
+            <a:r>
+              <a:rPr kumimoji="1" lang="ja-JP" altLang="en-US" sz="3200" dirty="0"/>
+              <a:t>音声認識</a:t>
+            </a:r>
+            <a:endParaRPr kumimoji="1" lang="en-US" altLang="ja-JP" sz="3200" dirty="0"/>
+          </a:p>
+          <a:p>
+            <a:pPr marL="285750" indent="-285750">
+              <a:buFont typeface="Arial" panose="020B0604020202020204" pitchFamily="34" charset="0"/>
+              <a:buChar char="•"/>
+            </a:pPr>
+            <a:r>
+              <a:rPr lang="ja-JP" altLang="en-US" sz="3200" dirty="0"/>
+              <a:t>テキスト分類</a:t>
+            </a:r>
+            <a:endParaRPr lang="en-US" altLang="ja-JP" sz="3200" dirty="0"/>
+          </a:p>
+          <a:p>
+            <a:pPr marL="285750" indent="-285750">
+              <a:buFont typeface="Arial" panose="020B0604020202020204" pitchFamily="34" charset="0"/>
+              <a:buChar char="•"/>
+            </a:pPr>
+            <a:r>
+              <a:rPr kumimoji="1" lang="ja-JP" altLang="en-US" sz="3200" dirty="0"/>
+              <a:t>音声出力</a:t>
+            </a:r>
+          </a:p>
+        </p:txBody>
+      </p:sp>
     </p:spTree>
     <p:extLst>
       <p:ext uri="{BB962C8B-B14F-4D97-AF65-F5344CB8AC3E}">
@@ -15078,7 +15875,7 @@
                             </p:stCondLst>
                             <p:childTnLst>
                               <p:par>
-                                <p:cTn id="5" presetID="42" presetClass="entr" presetSubtype="0" fill="hold" nodeType="clickEffect">
+                                <p:cTn id="5" presetID="10" presetClass="entr" presetSubtype="0" fill="hold" grpId="0" nodeType="clickEffect">
                                   <p:stCondLst>
                                     <p:cond delay="0"/>
                                   </p:stCondLst>
@@ -15086,6 +15883,59 @@
                                     <p:set>
                                       <p:cBhvr>
                                         <p:cTn id="6" dur="1" fill="hold">
+                                          <p:stCondLst>
+                                            <p:cond delay="0"/>
+                                          </p:stCondLst>
+                                        </p:cTn>
+                                        <p:tgtEl>
+                                          <p:spTgt spid="3"/>
+                                        </p:tgtEl>
+                                        <p:attrNameLst>
+                                          <p:attrName>style.visibility</p:attrName>
+                                        </p:attrNameLst>
+                                      </p:cBhvr>
+                                      <p:to>
+                                        <p:strVal val="visible"/>
+                                      </p:to>
+                                    </p:set>
+                                    <p:animEffect transition="in" filter="fade">
+                                      <p:cBhvr>
+                                        <p:cTn id="7" dur="500"/>
+                                        <p:tgtEl>
+                                          <p:spTgt spid="3"/>
+                                        </p:tgtEl>
+                                      </p:cBhvr>
+                                    </p:animEffect>
+                                  </p:childTnLst>
+                                </p:cTn>
+                              </p:par>
+                            </p:childTnLst>
+                          </p:cTn>
+                        </p:par>
+                      </p:childTnLst>
+                    </p:cTn>
+                  </p:par>
+                  <p:par>
+                    <p:cTn id="8" fill="hold">
+                      <p:stCondLst>
+                        <p:cond delay="indefinite"/>
+                      </p:stCondLst>
+                      <p:childTnLst>
+                        <p:par>
+                          <p:cTn id="9" fill="hold">
+                            <p:stCondLst>
+                              <p:cond delay="0"/>
+                            </p:stCondLst>
+                            <p:childTnLst>
+                              <p:par>
+                                <p:cTn id="10" presetID="42" presetClass="entr" presetSubtype="0" fill="hold" nodeType="clickEffect">
+                                  <p:stCondLst>
+                                    <p:cond delay="0"/>
+                                  </p:stCondLst>
+                                  <p:childTnLst>
+                                    <p:set>
+                                      <p:cBhvr>
+                                        <p:cTn id="11" dur="1" fill="hold">
                                           <p:stCondLst>
                                             <p:cond delay="0"/>
                                           </p:stCondLst>
@@ -15103,7 +15953,7 @@
                                     </p:set>
                                     <p:animEffect transition="in" filter="fade">
                                       <p:cBhvr>
-                                        <p:cTn id="7" dur="500"/>
+                                        <p:cTn id="12" dur="500"/>
                                         <p:tgtEl>
                                           <p:spTgt spid="17"/>
                                         </p:tgtEl>
@@ -15111,7 +15961,7 @@
                                     </p:animEffect>
                                     <p:anim calcmode="lin" valueType="num">
                                       <p:cBhvr>
-                                        <p:cTn id="8" dur="500" fill="hold"/>
+                                        <p:cTn id="13" dur="500" fill="hold"/>
                                         <p:tgtEl>
                                           <p:spTgt spid="17"/>
                                         </p:tgtEl>
@@ -15134,7 +15984,7 @@
                                     </p:anim>
                                     <p:anim calcmode="lin" valueType="num">
                                       <p:cBhvr>
-                                        <p:cTn id="9" dur="500" fill="hold"/>
+                                        <p:cTn id="14" dur="500" fill="hold"/>
                                         <p:tgtEl>
                                           <p:spTgt spid="17"/>
                                         </p:tgtEl>
@@ -15165,26 +16015,26 @@
                     </p:cTn>
                   </p:par>
                   <p:par>
-                    <p:cTn id="10" fill="hold">
+                    <p:cTn id="15" fill="hold">
                       <p:stCondLst>
                         <p:cond delay="indefinite"/>
                       </p:stCondLst>
                       <p:childTnLst>
                         <p:par>
-                          <p:cTn id="11" fill="hold">
+                          <p:cTn id="16" fill="hold">
                             <p:stCondLst>
                               <p:cond delay="0"/>
                             </p:stCondLst>
                             <p:childTnLst>
                               <p:par>
-                                <p:cTn id="12" presetID="42" presetClass="entr" presetSubtype="0" fill="hold" nodeType="clickEffect">
+                                <p:cTn id="17" presetID="42" presetClass="entr" presetSubtype="0" fill="hold" nodeType="clickEffect">
                                   <p:stCondLst>
                                     <p:cond delay="0"/>
                                   </p:stCondLst>
                                   <p:childTnLst>
                                     <p:set>
                                       <p:cBhvr>
-                                        <p:cTn id="13" dur="1" fill="hold">
+                                        <p:cTn id="18" dur="1" fill="hold">
                                           <p:stCondLst>
                                             <p:cond delay="0"/>
                                           </p:stCondLst>
@@ -15202,7 +16052,7 @@
                                     </p:set>
                                     <p:animEffect transition="in" filter="fade">
                                       <p:cBhvr>
-                                        <p:cTn id="14" dur="500"/>
+                                        <p:cTn id="19" dur="500"/>
                                         <p:tgtEl>
                                           <p:spTgt spid="55"/>
                                         </p:tgtEl>
@@ -15210,7 +16060,7 @@
                                     </p:animEffect>
                                     <p:anim calcmode="lin" valueType="num">
                                       <p:cBhvr>
-                                        <p:cTn id="15" dur="500" fill="hold"/>
+                                        <p:cTn id="20" dur="500" fill="hold"/>
                                         <p:tgtEl>
                                           <p:spTgt spid="55"/>
                                         </p:tgtEl>
@@ -15233,7 +16083,7 @@
                                     </p:anim>
                                     <p:anim calcmode="lin" valueType="num">
                                       <p:cBhvr>
-                                        <p:cTn id="16" dur="500" fill="hold"/>
+                                        <p:cTn id="21" dur="500" fill="hold"/>
                                         <p:tgtEl>
                                           <p:spTgt spid="55"/>
                                         </p:tgtEl>
@@ -15258,14 +16108,14 @@
                                 </p:cTn>
                               </p:par>
                               <p:par>
-                                <p:cTn id="17" presetID="1" presetClass="exit" presetSubtype="0" fill="hold" nodeType="withEffect">
+                                <p:cTn id="22" presetID="1" presetClass="exit" presetSubtype="0" fill="hold" nodeType="withEffect">
                                   <p:stCondLst>
                                     <p:cond delay="0"/>
                                   </p:stCondLst>
                                   <p:childTnLst>
                                     <p:set>
                                       <p:cBhvr>
-                                        <p:cTn id="18" dur="1" fill="hold">
+                                        <p:cTn id="23" dur="1" fill="hold">
                                           <p:stCondLst>
                                             <p:cond delay="0"/>
                                           </p:stCondLst>
@@ -15291,26 +16141,26 @@
                     </p:cTn>
                   </p:par>
                   <p:par>
-                    <p:cTn id="19" fill="hold">
+                    <p:cTn id="24" fill="hold">
                       <p:stCondLst>
                         <p:cond delay="indefinite"/>
                       </p:stCondLst>
                       <p:childTnLst>
                         <p:par>
-                          <p:cTn id="20" fill="hold">
+                          <p:cTn id="25" fill="hold">
                             <p:stCondLst>
                               <p:cond delay="0"/>
                             </p:stCondLst>
                             <p:childTnLst>
                               <p:par>
-                                <p:cTn id="21" presetID="42" presetClass="entr" presetSubtype="0" fill="hold" nodeType="clickEffect">
+                                <p:cTn id="26" presetID="42" presetClass="entr" presetSubtype="0" fill="hold" nodeType="clickEffect">
                                   <p:stCondLst>
                                     <p:cond delay="0"/>
                                   </p:stCondLst>
                                   <p:childTnLst>
                                     <p:set>
                                       <p:cBhvr>
-                                        <p:cTn id="22" dur="1" fill="hold">
+                                        <p:cTn id="27" dur="1" fill="hold">
                                           <p:stCondLst>
                                             <p:cond delay="0"/>
                                           </p:stCondLst>
@@ -15328,7 +16178,7 @@
                                     </p:set>
                                     <p:animEffect transition="in" filter="fade">
                                       <p:cBhvr>
-                                        <p:cTn id="23" dur="500"/>
+                                        <p:cTn id="28" dur="500"/>
                                         <p:tgtEl>
                                           <p:spTgt spid="50"/>
                                         </p:tgtEl>
@@ -15336,7 +16186,7 @@
                                     </p:animEffect>
                                     <p:anim calcmode="lin" valueType="num">
                                       <p:cBhvr>
-                                        <p:cTn id="24" dur="500" fill="hold"/>
+                                        <p:cTn id="29" dur="500" fill="hold"/>
                                         <p:tgtEl>
                                           <p:spTgt spid="50"/>
                                         </p:tgtEl>
@@ -15359,7 +16209,7 @@
                                     </p:anim>
                                     <p:anim calcmode="lin" valueType="num">
                                       <p:cBhvr>
-                                        <p:cTn id="25" dur="500" fill="hold"/>
+                                        <p:cTn id="30" dur="500" fill="hold"/>
                                         <p:tgtEl>
                                           <p:spTgt spid="50"/>
                                         </p:tgtEl>
@@ -15384,14 +16234,14 @@
                                 </p:cTn>
                               </p:par>
                               <p:par>
-                                <p:cTn id="26" presetID="1" presetClass="exit" presetSubtype="0" fill="hold" nodeType="withEffect">
+                                <p:cTn id="31" presetID="1" presetClass="exit" presetSubtype="0" fill="hold" nodeType="withEffect">
                                   <p:stCondLst>
                                     <p:cond delay="0"/>
                                   </p:stCondLst>
                                   <p:childTnLst>
                                     <p:set>
                                       <p:cBhvr>
-                                        <p:cTn id="27" dur="1" fill="hold">
+                                        <p:cTn id="32" dur="1" fill="hold">
                                           <p:stCondLst>
                                             <p:cond delay="0"/>
                                           </p:stCondLst>
@@ -15417,26 +16267,26 @@
                     </p:cTn>
                   </p:par>
                   <p:par>
-                    <p:cTn id="28" fill="hold">
+                    <p:cTn id="33" fill="hold">
                       <p:stCondLst>
                         <p:cond delay="indefinite"/>
                       </p:stCondLst>
                       <p:childTnLst>
                         <p:par>
-                          <p:cTn id="29" fill="hold">
+                          <p:cTn id="34" fill="hold">
                             <p:stCondLst>
                               <p:cond delay="0"/>
                             </p:stCondLst>
                             <p:childTnLst>
                               <p:par>
-                                <p:cTn id="30" presetID="42" presetClass="entr" presetSubtype="0" fill="hold" nodeType="clickEffect">
+                                <p:cTn id="35" presetID="42" presetClass="entr" presetSubtype="0" fill="hold" nodeType="clickEffect">
                                   <p:stCondLst>
                                     <p:cond delay="0"/>
                                   </p:stCondLst>
                                   <p:childTnLst>
                                     <p:set>
                                       <p:cBhvr>
-                                        <p:cTn id="31" dur="1" fill="hold">
+                                        <p:cTn id="36" dur="1" fill="hold">
                                           <p:stCondLst>
                                             <p:cond delay="0"/>
                                           </p:stCondLst>
@@ -15454,7 +16304,7 @@
                                     </p:set>
                                     <p:animEffect transition="in" filter="fade">
                                       <p:cBhvr>
-                                        <p:cTn id="32" dur="500"/>
+                                        <p:cTn id="37" dur="500"/>
                                         <p:tgtEl>
                                           <p:spTgt spid="48"/>
                                         </p:tgtEl>
@@ -15462,7 +16312,7 @@
                                     </p:animEffect>
                                     <p:anim calcmode="lin" valueType="num">
                                       <p:cBhvr>
-                                        <p:cTn id="33" dur="500" fill="hold"/>
+                                        <p:cTn id="38" dur="500" fill="hold"/>
                                         <p:tgtEl>
                                           <p:spTgt spid="48"/>
                                         </p:tgtEl>
@@ -15485,7 +16335,7 @@
                                     </p:anim>
                                     <p:anim calcmode="lin" valueType="num">
                                       <p:cBhvr>
-                                        <p:cTn id="34" dur="500" fill="hold"/>
+                                        <p:cTn id="39" dur="500" fill="hold"/>
                                         <p:tgtEl>
                                           <p:spTgt spid="48"/>
                                         </p:tgtEl>
@@ -15510,14 +16360,14 @@
                                 </p:cTn>
                               </p:par>
                               <p:par>
-                                <p:cTn id="35" presetID="1" presetClass="exit" presetSubtype="0" fill="hold" nodeType="withEffect">
+                                <p:cTn id="40" presetID="1" presetClass="exit" presetSubtype="0" fill="hold" nodeType="withEffect">
                                   <p:stCondLst>
                                     <p:cond delay="0"/>
                                   </p:stCondLst>
                                   <p:childTnLst>
                                     <p:set>
                                       <p:cBhvr>
-                                        <p:cTn id="36" dur="1" fill="hold">
+                                        <p:cTn id="41" dur="1" fill="hold">
                                           <p:stCondLst>
                                             <p:cond delay="0"/>
                                           </p:stCondLst>
@@ -15543,26 +16393,26 @@
                     </p:cTn>
                   </p:par>
                   <p:par>
-                    <p:cTn id="37" fill="hold">
+                    <p:cTn id="42" fill="hold">
                       <p:stCondLst>
                         <p:cond delay="indefinite"/>
                       </p:stCondLst>
                       <p:childTnLst>
                         <p:par>
-                          <p:cTn id="38" fill="hold">
+                          <p:cTn id="43" fill="hold">
                             <p:stCondLst>
                               <p:cond delay="0"/>
                             </p:stCondLst>
                             <p:childTnLst>
                               <p:par>
-                                <p:cTn id="39" presetID="42" presetClass="entr" presetSubtype="0" fill="hold" nodeType="clickEffect">
+                                <p:cTn id="44" presetID="42" presetClass="entr" presetSubtype="0" fill="hold" nodeType="clickEffect">
                                   <p:stCondLst>
                                     <p:cond delay="0"/>
                                   </p:stCondLst>
                                   <p:childTnLst>
                                     <p:set>
                                       <p:cBhvr>
-                                        <p:cTn id="40" dur="1" fill="hold">
+                                        <p:cTn id="45" dur="1" fill="hold">
                                           <p:stCondLst>
                                             <p:cond delay="0"/>
                                           </p:stCondLst>
@@ -15580,7 +16430,7 @@
                                     </p:set>
                                     <p:animEffect transition="in" filter="fade">
                                       <p:cBhvr>
-                                        <p:cTn id="41" dur="500"/>
+                                        <p:cTn id="46" dur="500"/>
                                         <p:tgtEl>
                                           <p:spTgt spid="56"/>
                                         </p:tgtEl>
@@ -15588,7 +16438,7 @@
                                     </p:animEffect>
                                     <p:anim calcmode="lin" valueType="num">
                                       <p:cBhvr>
-                                        <p:cTn id="42" dur="500" fill="hold"/>
+                                        <p:cTn id="47" dur="500" fill="hold"/>
                                         <p:tgtEl>
                                           <p:spTgt spid="56"/>
                                         </p:tgtEl>
@@ -15611,7 +16461,7 @@
                                     </p:anim>
                                     <p:anim calcmode="lin" valueType="num">
                                       <p:cBhvr>
-                                        <p:cTn id="43" dur="500" fill="hold"/>
+                                        <p:cTn id="48" dur="500" fill="hold"/>
                                         <p:tgtEl>
                                           <p:spTgt spid="56"/>
                                         </p:tgtEl>
@@ -15636,14 +16486,14 @@
                                 </p:cTn>
                               </p:par>
                               <p:par>
-                                <p:cTn id="44" presetID="1" presetClass="exit" presetSubtype="0" fill="hold" nodeType="withEffect">
+                                <p:cTn id="49" presetID="1" presetClass="exit" presetSubtype="0" fill="hold" nodeType="withEffect">
                                   <p:stCondLst>
                                     <p:cond delay="0"/>
                                   </p:stCondLst>
                                   <p:childTnLst>
                                     <p:set>
                                       <p:cBhvr>
-                                        <p:cTn id="45" dur="1" fill="hold">
+                                        <p:cTn id="50" dur="1" fill="hold">
                                           <p:stCondLst>
                                             <p:cond delay="0"/>
                                           </p:stCondLst>
@@ -15669,26 +16519,26 @@
                     </p:cTn>
                   </p:par>
                   <p:par>
-                    <p:cTn id="46" fill="hold">
+                    <p:cTn id="51" fill="hold">
                       <p:stCondLst>
                         <p:cond delay="indefinite"/>
                       </p:stCondLst>
                       <p:childTnLst>
                         <p:par>
-                          <p:cTn id="47" fill="hold">
+                          <p:cTn id="52" fill="hold">
                             <p:stCondLst>
                               <p:cond delay="0"/>
                             </p:stCondLst>
                             <p:childTnLst>
                               <p:par>
-                                <p:cTn id="48" presetID="42" presetClass="entr" presetSubtype="0" fill="hold" nodeType="clickEffect">
+                                <p:cTn id="53" presetID="42" presetClass="entr" presetSubtype="0" fill="hold" nodeType="clickEffect">
                                   <p:stCondLst>
                                     <p:cond delay="0"/>
                                   </p:stCondLst>
                                   <p:childTnLst>
                                     <p:set>
                                       <p:cBhvr>
-                                        <p:cTn id="49" dur="1" fill="hold">
+                                        <p:cTn id="54" dur="1" fill="hold">
                                           <p:stCondLst>
                                             <p:cond delay="0"/>
                                           </p:stCondLst>
@@ -15706,7 +16556,7 @@
                                     </p:set>
                                     <p:animEffect transition="in" filter="fade">
                                       <p:cBhvr>
-                                        <p:cTn id="50" dur="500"/>
+                                        <p:cTn id="55" dur="500"/>
                                         <p:tgtEl>
                                           <p:spTgt spid="62"/>
                                         </p:tgtEl>
@@ -15714,7 +16564,7 @@
                                     </p:animEffect>
                                     <p:anim calcmode="lin" valueType="num">
                                       <p:cBhvr>
-                                        <p:cTn id="51" dur="500" fill="hold"/>
+                                        <p:cTn id="56" dur="500" fill="hold"/>
                                         <p:tgtEl>
                                           <p:spTgt spid="62"/>
                                         </p:tgtEl>
@@ -15737,7 +16587,7 @@
                                     </p:anim>
                                     <p:anim calcmode="lin" valueType="num">
                                       <p:cBhvr>
-                                        <p:cTn id="52" dur="500" fill="hold"/>
+                                        <p:cTn id="57" dur="500" fill="hold"/>
                                         <p:tgtEl>
                                           <p:spTgt spid="62"/>
                                         </p:tgtEl>
@@ -15762,14 +16612,14 @@
                                 </p:cTn>
                               </p:par>
                               <p:par>
-                                <p:cTn id="53" presetID="1" presetClass="exit" presetSubtype="0" fill="hold" nodeType="withEffect">
+                                <p:cTn id="58" presetID="1" presetClass="exit" presetSubtype="0" fill="hold" nodeType="withEffect">
                                   <p:stCondLst>
                                     <p:cond delay="0"/>
                                   </p:stCondLst>
                                   <p:childTnLst>
                                     <p:set>
                                       <p:cBhvr>
-                                        <p:cTn id="54" dur="1" fill="hold">
+                                        <p:cTn id="59" dur="1" fill="hold">
                                           <p:stCondLst>
                                             <p:cond delay="0"/>
                                           </p:stCondLst>
@@ -15795,26 +16645,26 @@
                     </p:cTn>
                   </p:par>
                   <p:par>
-                    <p:cTn id="55" fill="hold">
+                    <p:cTn id="60" fill="hold">
                       <p:stCondLst>
                         <p:cond delay="indefinite"/>
                       </p:stCondLst>
                       <p:childTnLst>
                         <p:par>
-                          <p:cTn id="56" fill="hold">
+                          <p:cTn id="61" fill="hold">
                             <p:stCondLst>
                               <p:cond delay="0"/>
                             </p:stCondLst>
                             <p:childTnLst>
                               <p:par>
-                                <p:cTn id="57" presetID="42" presetClass="entr" presetSubtype="0" fill="hold" nodeType="clickEffect">
+                                <p:cTn id="62" presetID="42" presetClass="entr" presetSubtype="0" fill="hold" nodeType="clickEffect">
                                   <p:stCondLst>
                                     <p:cond delay="0"/>
                                   </p:stCondLst>
                                   <p:childTnLst>
                                     <p:set>
                                       <p:cBhvr>
-                                        <p:cTn id="58" dur="1" fill="hold">
+                                        <p:cTn id="63" dur="1" fill="hold">
                                           <p:stCondLst>
                                             <p:cond delay="0"/>
                                           </p:stCondLst>
@@ -15832,7 +16682,7 @@
                                     </p:set>
                                     <p:animEffect transition="in" filter="fade">
                                       <p:cBhvr>
-                                        <p:cTn id="59" dur="500"/>
+                                        <p:cTn id="64" dur="500"/>
                                         <p:tgtEl>
                                           <p:spTgt spid="71"/>
                                         </p:tgtEl>
@@ -15840,7 +16690,7 @@
                                     </p:animEffect>
                                     <p:anim calcmode="lin" valueType="num">
                                       <p:cBhvr>
-                                        <p:cTn id="60" dur="500" fill="hold"/>
+                                        <p:cTn id="65" dur="500" fill="hold"/>
                                         <p:tgtEl>
                                           <p:spTgt spid="71"/>
                                         </p:tgtEl>
@@ -15863,7 +16713,7 @@
                                     </p:anim>
                                     <p:anim calcmode="lin" valueType="num">
                                       <p:cBhvr>
-                                        <p:cTn id="61" dur="500" fill="hold"/>
+                                        <p:cTn id="66" dur="500" fill="hold"/>
                                         <p:tgtEl>
                                           <p:spTgt spid="71"/>
                                         </p:tgtEl>
@@ -15888,14 +16738,14 @@
                                 </p:cTn>
                               </p:par>
                               <p:par>
-                                <p:cTn id="62" presetID="1" presetClass="exit" presetSubtype="0" fill="hold" nodeType="withEffect">
+                                <p:cTn id="67" presetID="1" presetClass="exit" presetSubtype="0" fill="hold" nodeType="withEffect">
                                   <p:stCondLst>
                                     <p:cond delay="0"/>
                                   </p:stCondLst>
                                   <p:childTnLst>
                                     <p:set>
                                       <p:cBhvr>
-                                        <p:cTn id="63" dur="1" fill="hold">
+                                        <p:cTn id="68" dur="1" fill="hold">
                                           <p:stCondLst>
                                             <p:cond delay="0"/>
                                           </p:stCondLst>
@@ -15921,26 +16771,26 @@
                     </p:cTn>
                   </p:par>
                   <p:par>
-                    <p:cTn id="64" fill="hold">
+                    <p:cTn id="69" fill="hold">
                       <p:stCondLst>
                         <p:cond delay="indefinite"/>
                       </p:stCondLst>
                       <p:childTnLst>
                         <p:par>
-                          <p:cTn id="65" fill="hold">
+                          <p:cTn id="70" fill="hold">
                             <p:stCondLst>
                               <p:cond delay="0"/>
                             </p:stCondLst>
                             <p:childTnLst>
                               <p:par>
-                                <p:cTn id="66" presetID="42" presetClass="entr" presetSubtype="0" fill="hold" nodeType="clickEffect">
+                                <p:cTn id="71" presetID="42" presetClass="entr" presetSubtype="0" fill="hold" nodeType="clickEffect">
                                   <p:stCondLst>
                                     <p:cond delay="0"/>
                                   </p:stCondLst>
                                   <p:childTnLst>
                                     <p:set>
                                       <p:cBhvr>
-                                        <p:cTn id="67" dur="1" fill="hold">
+                                        <p:cTn id="72" dur="1" fill="hold">
                                           <p:stCondLst>
                                             <p:cond delay="0"/>
                                           </p:stCondLst>
@@ -15958,7 +16808,7 @@
                                     </p:set>
                                     <p:animEffect transition="in" filter="fade">
                                       <p:cBhvr>
-                                        <p:cTn id="68" dur="500"/>
+                                        <p:cTn id="73" dur="500"/>
                                         <p:tgtEl>
                                           <p:spTgt spid="81"/>
                                         </p:tgtEl>
@@ -15966,7 +16816,7 @@
                                     </p:animEffect>
                                     <p:anim calcmode="lin" valueType="num">
                                       <p:cBhvr>
-                                        <p:cTn id="69" dur="500" fill="hold"/>
+                                        <p:cTn id="74" dur="500" fill="hold"/>
                                         <p:tgtEl>
                                           <p:spTgt spid="81"/>
                                         </p:tgtEl>
@@ -15989,7 +16839,7 @@
                                     </p:anim>
                                     <p:anim calcmode="lin" valueType="num">
                                       <p:cBhvr>
-                                        <p:cTn id="70" dur="500" fill="hold"/>
+                                        <p:cTn id="75" dur="500" fill="hold"/>
                                         <p:tgtEl>
                                           <p:spTgt spid="81"/>
                                         </p:tgtEl>
@@ -16014,14 +16864,14 @@
                                 </p:cTn>
                               </p:par>
                               <p:par>
-                                <p:cTn id="71" presetID="1" presetClass="exit" presetSubtype="0" fill="hold" nodeType="withEffect">
+                                <p:cTn id="76" presetID="1" presetClass="exit" presetSubtype="0" fill="hold" nodeType="withEffect">
                                   <p:stCondLst>
                                     <p:cond delay="0"/>
                                   </p:stCondLst>
                                   <p:childTnLst>
                                     <p:set>
                                       <p:cBhvr>
-                                        <p:cTn id="72" dur="1" fill="hold">
+                                        <p:cTn id="77" dur="1" fill="hold">
                                           <p:stCondLst>
                                             <p:cond delay="0"/>
                                           </p:stCondLst>
@@ -16047,26 +16897,26 @@
                     </p:cTn>
                   </p:par>
                   <p:par>
-                    <p:cTn id="73" fill="hold">
+                    <p:cTn id="78" fill="hold">
                       <p:stCondLst>
                         <p:cond delay="indefinite"/>
                       </p:stCondLst>
                       <p:childTnLst>
                         <p:par>
-                          <p:cTn id="74" fill="hold">
+                          <p:cTn id="79" fill="hold">
                             <p:stCondLst>
                               <p:cond delay="0"/>
                             </p:stCondLst>
                             <p:childTnLst>
                               <p:par>
-                                <p:cTn id="75" presetID="42" presetClass="entr" presetSubtype="0" fill="hold" nodeType="clickEffect">
+                                <p:cTn id="80" presetID="42" presetClass="entr" presetSubtype="0" fill="hold" nodeType="clickEffect">
                                   <p:stCondLst>
                                     <p:cond delay="0"/>
                                   </p:stCondLst>
                                   <p:childTnLst>
                                     <p:set>
                                       <p:cBhvr>
-                                        <p:cTn id="76" dur="1" fill="hold">
+                                        <p:cTn id="81" dur="1" fill="hold">
                                           <p:stCondLst>
                                             <p:cond delay="0"/>
                                           </p:stCondLst>
@@ -16084,7 +16934,7 @@
                                     </p:set>
                                     <p:animEffect transition="in" filter="fade">
                                       <p:cBhvr>
-                                        <p:cTn id="77" dur="500"/>
+                                        <p:cTn id="82" dur="500"/>
                                         <p:tgtEl>
                                           <p:spTgt spid="82"/>
                                         </p:tgtEl>
@@ -16092,7 +16942,7 @@
                                     </p:animEffect>
                                     <p:anim calcmode="lin" valueType="num">
                                       <p:cBhvr>
-                                        <p:cTn id="78" dur="500" fill="hold"/>
+                                        <p:cTn id="83" dur="500" fill="hold"/>
                                         <p:tgtEl>
                                           <p:spTgt spid="82"/>
                                         </p:tgtEl>
@@ -16115,7 +16965,7 @@
                                     </p:anim>
                                     <p:anim calcmode="lin" valueType="num">
                                       <p:cBhvr>
-                                        <p:cTn id="79" dur="500" fill="hold"/>
+                                        <p:cTn id="84" dur="500" fill="hold"/>
                                         <p:tgtEl>
                                           <p:spTgt spid="82"/>
                                         </p:tgtEl>
@@ -16140,14 +16990,14 @@
                                 </p:cTn>
                               </p:par>
                               <p:par>
-                                <p:cTn id="80" presetID="1" presetClass="exit" presetSubtype="0" fill="hold" nodeType="withEffect">
+                                <p:cTn id="85" presetID="1" presetClass="exit" presetSubtype="0" fill="hold" nodeType="withEffect">
                                   <p:stCondLst>
                                     <p:cond delay="0"/>
                                   </p:stCondLst>
                                   <p:childTnLst>
                                     <p:set>
                                       <p:cBhvr>
-                                        <p:cTn id="81" dur="1" fill="hold">
+                                        <p:cTn id="86" dur="1" fill="hold">
                                           <p:stCondLst>
                                             <p:cond delay="0"/>
                                           </p:stCondLst>
@@ -16173,26 +17023,26 @@
                     </p:cTn>
                   </p:par>
                   <p:par>
-                    <p:cTn id="82" fill="hold">
+                    <p:cTn id="87" fill="hold">
                       <p:stCondLst>
                         <p:cond delay="indefinite"/>
                       </p:stCondLst>
                       <p:childTnLst>
                         <p:par>
-                          <p:cTn id="83" fill="hold">
+                          <p:cTn id="88" fill="hold">
                             <p:stCondLst>
                               <p:cond delay="0"/>
                             </p:stCondLst>
                             <p:childTnLst>
                               <p:par>
-                                <p:cTn id="84" presetID="42" presetClass="entr" presetSubtype="0" fill="hold" nodeType="clickEffect">
+                                <p:cTn id="89" presetID="42" presetClass="entr" presetSubtype="0" fill="hold" nodeType="clickEffect">
                                   <p:stCondLst>
                                     <p:cond delay="0"/>
                                   </p:stCondLst>
                                   <p:childTnLst>
                                     <p:set>
                                       <p:cBhvr>
-                                        <p:cTn id="85" dur="1" fill="hold">
+                                        <p:cTn id="90" dur="1" fill="hold">
                                           <p:stCondLst>
                                             <p:cond delay="0"/>
                                           </p:stCondLst>
@@ -16210,7 +17060,7 @@
                                     </p:set>
                                     <p:animEffect transition="in" filter="fade">
                                       <p:cBhvr>
-                                        <p:cTn id="86" dur="500"/>
+                                        <p:cTn id="91" dur="500"/>
                                         <p:tgtEl>
                                           <p:spTgt spid="86"/>
                                         </p:tgtEl>
@@ -16218,7 +17068,7 @@
                                     </p:animEffect>
                                     <p:anim calcmode="lin" valueType="num">
                                       <p:cBhvr>
-                                        <p:cTn id="87" dur="500" fill="hold"/>
+                                        <p:cTn id="92" dur="500" fill="hold"/>
                                         <p:tgtEl>
                                           <p:spTgt spid="86"/>
                                         </p:tgtEl>
@@ -16241,7 +17091,7 @@
                                     </p:anim>
                                     <p:anim calcmode="lin" valueType="num">
                                       <p:cBhvr>
-                                        <p:cTn id="88" dur="500" fill="hold"/>
+                                        <p:cTn id="93" dur="500" fill="hold"/>
                                         <p:tgtEl>
                                           <p:spTgt spid="86"/>
                                         </p:tgtEl>
@@ -16266,14 +17116,14 @@
                                 </p:cTn>
                               </p:par>
                               <p:par>
-                                <p:cTn id="89" presetID="1" presetClass="exit" presetSubtype="0" fill="hold" nodeType="withEffect">
+                                <p:cTn id="94" presetID="1" presetClass="exit" presetSubtype="0" fill="hold" nodeType="withEffect">
                                   <p:stCondLst>
                                     <p:cond delay="0"/>
                                   </p:stCondLst>
                                   <p:childTnLst>
                                     <p:set>
                                       <p:cBhvr>
-                                        <p:cTn id="90" dur="1" fill="hold">
+                                        <p:cTn id="95" dur="1" fill="hold">
                                           <p:stCondLst>
                                             <p:cond delay="0"/>
                                           </p:stCondLst>
@@ -16299,26 +17149,26 @@
                     </p:cTn>
                   </p:par>
                   <p:par>
-                    <p:cTn id="91" fill="hold">
+                    <p:cTn id="96" fill="hold">
                       <p:stCondLst>
                         <p:cond delay="indefinite"/>
                       </p:stCondLst>
                       <p:childTnLst>
                         <p:par>
-                          <p:cTn id="92" fill="hold">
+                          <p:cTn id="97" fill="hold">
                             <p:stCondLst>
                               <p:cond delay="0"/>
                             </p:stCondLst>
                             <p:childTnLst>
                               <p:par>
-                                <p:cTn id="93" presetID="42" presetClass="entr" presetSubtype="0" fill="hold" nodeType="clickEffect">
+                                <p:cTn id="98" presetID="42" presetClass="entr" presetSubtype="0" fill="hold" nodeType="clickEffect">
                                   <p:stCondLst>
                                     <p:cond delay="0"/>
                                   </p:stCondLst>
                                   <p:childTnLst>
                                     <p:set>
                                       <p:cBhvr>
-                                        <p:cTn id="94" dur="1" fill="hold">
+                                        <p:cTn id="99" dur="1" fill="hold">
                                           <p:stCondLst>
                                             <p:cond delay="0"/>
                                           </p:stCondLst>
@@ -16336,7 +17186,7 @@
                                     </p:set>
                                     <p:animEffect transition="in" filter="fade">
                                       <p:cBhvr>
-                                        <p:cTn id="95" dur="500"/>
+                                        <p:cTn id="100" dur="500"/>
                                         <p:tgtEl>
                                           <p:spTgt spid="90"/>
                                         </p:tgtEl>
@@ -16344,7 +17194,7 @@
                                     </p:animEffect>
                                     <p:anim calcmode="lin" valueType="num">
                                       <p:cBhvr>
-                                        <p:cTn id="96" dur="500" fill="hold"/>
+                                        <p:cTn id="101" dur="500" fill="hold"/>
                                         <p:tgtEl>
                                           <p:spTgt spid="90"/>
                                         </p:tgtEl>
@@ -16367,7 +17217,7 @@
                                     </p:anim>
                                     <p:anim calcmode="lin" valueType="num">
                                       <p:cBhvr>
-                                        <p:cTn id="97" dur="500" fill="hold"/>
+                                        <p:cTn id="102" dur="500" fill="hold"/>
                                         <p:tgtEl>
                                           <p:spTgt spid="90"/>
                                         </p:tgtEl>
@@ -16392,14 +17242,14 @@
                                 </p:cTn>
                               </p:par>
                               <p:par>
-                                <p:cTn id="98" presetID="1" presetClass="exit" presetSubtype="0" fill="hold" nodeType="withEffect">
+                                <p:cTn id="103" presetID="1" presetClass="exit" presetSubtype="0" fill="hold" nodeType="withEffect">
                                   <p:stCondLst>
                                     <p:cond delay="0"/>
                                   </p:stCondLst>
                                   <p:childTnLst>
                                     <p:set>
                                       <p:cBhvr>
-                                        <p:cTn id="99" dur="1" fill="hold">
+                                        <p:cTn id="104" dur="1" fill="hold">
                                           <p:stCondLst>
                                             <p:cond delay="0"/>
                                           </p:stCondLst>
@@ -16425,26 +17275,26 @@
                     </p:cTn>
                   </p:par>
                   <p:par>
-                    <p:cTn id="100" fill="hold">
+                    <p:cTn id="105" fill="hold">
                       <p:stCondLst>
                         <p:cond delay="indefinite"/>
                       </p:stCondLst>
                       <p:childTnLst>
                         <p:par>
-                          <p:cTn id="101" fill="hold">
+                          <p:cTn id="106" fill="hold">
                             <p:stCondLst>
                               <p:cond delay="0"/>
                             </p:stCondLst>
                             <p:childTnLst>
                               <p:par>
-                                <p:cTn id="102" presetID="42" presetClass="entr" presetSubtype="0" fill="hold" nodeType="clickEffect">
+                                <p:cTn id="107" presetID="42" presetClass="entr" presetSubtype="0" fill="hold" nodeType="clickEffect">
                                   <p:stCondLst>
                                     <p:cond delay="0"/>
                                   </p:stCondLst>
                                   <p:childTnLst>
                                     <p:set>
                                       <p:cBhvr>
-                                        <p:cTn id="103" dur="1" fill="hold">
+                                        <p:cTn id="108" dur="1" fill="hold">
                                           <p:stCondLst>
                                             <p:cond delay="0"/>
                                           </p:stCondLst>
@@ -16462,7 +17312,7 @@
                                     </p:set>
                                     <p:animEffect transition="in" filter="fade">
                                       <p:cBhvr>
-                                        <p:cTn id="104" dur="500"/>
+                                        <p:cTn id="109" dur="500"/>
                                         <p:tgtEl>
                                           <p:spTgt spid="94"/>
                                         </p:tgtEl>
@@ -16470,7 +17320,7 @@
                                     </p:animEffect>
                                     <p:anim calcmode="lin" valueType="num">
                                       <p:cBhvr>
-                                        <p:cTn id="105" dur="500" fill="hold"/>
+                                        <p:cTn id="110" dur="500" fill="hold"/>
                                         <p:tgtEl>
                                           <p:spTgt spid="94"/>
                                         </p:tgtEl>
@@ -16493,7 +17343,7 @@
                                     </p:anim>
                                     <p:anim calcmode="lin" valueType="num">
                                       <p:cBhvr>
-                                        <p:cTn id="106" dur="500" fill="hold"/>
+                                        <p:cTn id="111" dur="500" fill="hold"/>
                                         <p:tgtEl>
                                           <p:spTgt spid="94"/>
                                         </p:tgtEl>
@@ -16518,14 +17368,14 @@
                                 </p:cTn>
                               </p:par>
                               <p:par>
-                                <p:cTn id="107" presetID="1" presetClass="exit" presetSubtype="0" fill="hold" nodeType="withEffect">
+                                <p:cTn id="112" presetID="1" presetClass="exit" presetSubtype="0" fill="hold" nodeType="withEffect">
                                   <p:stCondLst>
                                     <p:cond delay="0"/>
                                   </p:stCondLst>
                                   <p:childTnLst>
                                     <p:set>
                                       <p:cBhvr>
-                                        <p:cTn id="108" dur="1" fill="hold">
+                                        <p:cTn id="113" dur="1" fill="hold">
                                           <p:stCondLst>
                                             <p:cond delay="0"/>
                                           </p:stCondLst>
@@ -16551,26 +17401,26 @@
                     </p:cTn>
                   </p:par>
                   <p:par>
-                    <p:cTn id="109" fill="hold">
+                    <p:cTn id="114" fill="hold">
                       <p:stCondLst>
                         <p:cond delay="indefinite"/>
                       </p:stCondLst>
                       <p:childTnLst>
                         <p:par>
-                          <p:cTn id="110" fill="hold">
+                          <p:cTn id="115" fill="hold">
                             <p:stCondLst>
                               <p:cond delay="0"/>
                             </p:stCondLst>
                             <p:childTnLst>
                               <p:par>
-                                <p:cTn id="111" presetID="42" presetClass="entr" presetSubtype="0" fill="hold" nodeType="clickEffect">
+                                <p:cTn id="116" presetID="42" presetClass="entr" presetSubtype="0" fill="hold" nodeType="clickEffect">
                                   <p:stCondLst>
                                     <p:cond delay="0"/>
                                   </p:stCondLst>
                                   <p:childTnLst>
                                     <p:set>
                                       <p:cBhvr>
-                                        <p:cTn id="112" dur="1" fill="hold">
+                                        <p:cTn id="117" dur="1" fill="hold">
                                           <p:stCondLst>
                                             <p:cond delay="0"/>
                                           </p:stCondLst>
@@ -16588,7 +17438,7 @@
                                     </p:set>
                                     <p:animEffect transition="in" filter="fade">
                                       <p:cBhvr>
-                                        <p:cTn id="113" dur="500"/>
+                                        <p:cTn id="118" dur="500"/>
                                         <p:tgtEl>
                                           <p:spTgt spid="102"/>
                                         </p:tgtEl>
@@ -16596,7 +17446,7 @@
                                     </p:animEffect>
                                     <p:anim calcmode="lin" valueType="num">
                                       <p:cBhvr>
-                                        <p:cTn id="114" dur="500" fill="hold"/>
+                                        <p:cTn id="119" dur="500" fill="hold"/>
                                         <p:tgtEl>
                                           <p:spTgt spid="102"/>
                                         </p:tgtEl>
@@ -16619,7 +17469,7 @@
                                     </p:anim>
                                     <p:anim calcmode="lin" valueType="num">
                                       <p:cBhvr>
-                                        <p:cTn id="115" dur="500" fill="hold"/>
+                                        <p:cTn id="120" dur="500" fill="hold"/>
                                         <p:tgtEl>
                                           <p:spTgt spid="102"/>
                                         </p:tgtEl>
@@ -16644,14 +17494,14 @@
                                 </p:cTn>
                               </p:par>
                               <p:par>
-                                <p:cTn id="116" presetID="1" presetClass="exit" presetSubtype="0" fill="hold" nodeType="withEffect">
+                                <p:cTn id="121" presetID="1" presetClass="exit" presetSubtype="0" fill="hold" nodeType="withEffect">
                                   <p:stCondLst>
                                     <p:cond delay="0"/>
                                   </p:stCondLst>
                                   <p:childTnLst>
                                     <p:set>
                                       <p:cBhvr>
-                                        <p:cTn id="117" dur="1" fill="hold">
+                                        <p:cTn id="122" dur="1" fill="hold">
                                           <p:stCondLst>
                                             <p:cond delay="0"/>
                                           </p:stCondLst>
@@ -16697,11 +17547,150 @@
         </p:cTn>
       </p:par>
     </p:tnLst>
+    <p:bldLst>
+      <p:bldP spid="3" grpId="0"/>
+    </p:bldLst>
   </p:timing>
 </p:sld>
 </file>
 
 <file path=ppt/slides/slide26.xml><?xml version="1.0" encoding="utf-8"?>
+<p:sld xmlns:a="http://schemas.openxmlformats.org/drawingml/2006/main" xmlns:r="http://schemas.openxmlformats.org/officeDocument/2006/relationships" xmlns:p="http://schemas.openxmlformats.org/presentationml/2006/main">
+  <p:cSld>
+    <p:spTree>
+      <p:nvGrpSpPr>
+        <p:cNvPr id="1" name=""/>
+        <p:cNvGrpSpPr/>
+        <p:nvPr/>
+      </p:nvGrpSpPr>
+      <p:grpSpPr>
+        <a:xfrm>
+          <a:off x="0" y="0"/>
+          <a:ext cx="0" cy="0"/>
+          <a:chOff x="0" y="0"/>
+          <a:chExt cx="0" cy="0"/>
+        </a:xfrm>
+      </p:grpSpPr>
+      <p:sp>
+        <p:nvSpPr>
+          <p:cNvPr id="2" name="タイトル 1">
+            <a:extLst>
+              <a:ext uri="{FF2B5EF4-FFF2-40B4-BE49-F238E27FC236}">
+                <a16:creationId xmlns:a16="http://schemas.microsoft.com/office/drawing/2014/main" id="{6170E98B-0A74-4B12-B07B-D42B679B06E8}"/>
+              </a:ext>
+            </a:extLst>
+          </p:cNvPr>
+          <p:cNvSpPr>
+            <a:spLocks noGrp="1"/>
+          </p:cNvSpPr>
+          <p:nvPr>
+            <p:ph type="title"/>
+          </p:nvPr>
+        </p:nvSpPr>
+        <p:spPr/>
+        <p:txBody>
+          <a:bodyPr/>
+          <a:lstStyle/>
+          <a:p>
+            <a:r>
+              <a:rPr kumimoji="1" lang="ja-JP" altLang="en-US" b="1" dirty="0">
+                <a:ln w="19050">
+                  <a:solidFill>
+                    <a:schemeClr val="accent6">
+                      <a:lumMod val="50000"/>
+                    </a:schemeClr>
+                  </a:solidFill>
+                </a:ln>
+                <a:solidFill>
+                  <a:schemeClr val="accent6">
+                    <a:lumMod val="60000"/>
+                    <a:lumOff val="40000"/>
+                  </a:schemeClr>
+                </a:solidFill>
+                <a:latin typeface="HGS明朝E" panose="02020900000000000000" pitchFamily="18" charset="-128"/>
+                <a:ea typeface="HGS明朝E" panose="02020900000000000000" pitchFamily="18" charset="-128"/>
+              </a:rPr>
+              <a:t>デモンストレーション</a:t>
+            </a:r>
+          </a:p>
+        </p:txBody>
+      </p:sp>
+      <p:sp>
+        <p:nvSpPr>
+          <p:cNvPr id="3" name="コンテンツ プレースホルダー 2">
+            <a:extLst>
+              <a:ext uri="{FF2B5EF4-FFF2-40B4-BE49-F238E27FC236}">
+                <a16:creationId xmlns:a16="http://schemas.microsoft.com/office/drawing/2014/main" id="{ADAF44FF-D452-498A-BE2A-5D1E9DFCCCF8}"/>
+              </a:ext>
+            </a:extLst>
+          </p:cNvPr>
+          <p:cNvSpPr>
+            <a:spLocks noGrp="1"/>
+          </p:cNvSpPr>
+          <p:nvPr>
+            <p:ph idx="1"/>
+          </p:nvPr>
+        </p:nvSpPr>
+        <p:spPr/>
+        <p:txBody>
+          <a:bodyPr>
+            <a:normAutofit/>
+          </a:bodyPr>
+          <a:lstStyle/>
+          <a:p>
+            <a:r>
+              <a:rPr kumimoji="1" lang="ja-JP" altLang="en-US" sz="4000" dirty="0"/>
+              <a:t>自動起動プログラム</a:t>
+            </a:r>
+            <a:endParaRPr kumimoji="1" lang="en-US" altLang="ja-JP" sz="4000" dirty="0"/>
+          </a:p>
+          <a:p>
+            <a:pPr lvl="1"/>
+            <a:r>
+              <a:rPr lang="en-US" altLang="ja-JP" sz="3600" dirty="0"/>
+              <a:t>yosie.sh</a:t>
+            </a:r>
+          </a:p>
+          <a:p>
+            <a:pPr lvl="1"/>
+            <a:r>
+              <a:rPr kumimoji="1" lang="en-US" altLang="ja-JP" sz="3600" dirty="0"/>
+              <a:t>Julius</a:t>
+            </a:r>
+            <a:r>
+              <a:rPr kumimoji="1" lang="ja-JP" altLang="en-US" sz="3600" dirty="0"/>
+              <a:t>サーバ</a:t>
+            </a:r>
+            <a:endParaRPr kumimoji="1" lang="en-US" altLang="ja-JP" sz="3600" dirty="0"/>
+          </a:p>
+          <a:p>
+            <a:pPr lvl="1"/>
+            <a:r>
+              <a:rPr kumimoji="1" lang="en-US" altLang="ja-JP" sz="3600" dirty="0"/>
+              <a:t>cron</a:t>
+            </a:r>
+            <a:r>
+              <a:rPr lang="en-US" altLang="ja-JP" sz="3600" dirty="0"/>
+              <a:t>.py</a:t>
+            </a:r>
+            <a:endParaRPr kumimoji="1" lang="en-US" altLang="ja-JP" sz="3600" dirty="0"/>
+          </a:p>
+        </p:txBody>
+      </p:sp>
+    </p:spTree>
+    <p:extLst>
+      <p:ext uri="{BB962C8B-B14F-4D97-AF65-F5344CB8AC3E}">
+        <p14:creationId xmlns:p14="http://schemas.microsoft.com/office/powerpoint/2010/main" val="251501857"/>
+      </p:ext>
+    </p:extLst>
+  </p:cSld>
+  <p:clrMapOvr>
+    <a:masterClrMapping/>
+  </p:clrMapOvr>
+</p:sld>
+</file>
+
+<file path=ppt/slides/slide27.xml><?xml version="1.0" encoding="utf-8"?>
 <p:sld xmlns:a="http://schemas.openxmlformats.org/drawingml/2006/main" xmlns:r="http://schemas.openxmlformats.org/officeDocument/2006/relationships" xmlns:p="http://schemas.openxmlformats.org/presentationml/2006/main">
   <p:cSld>
     <p:spTree>
@@ -16740,11 +17729,43 @@
           <a:lstStyle/>
           <a:p>
             <a:r>
-              <a:rPr kumimoji="1" lang="en-US" altLang="ja-JP" dirty="0"/>
+              <a:rPr kumimoji="1" lang="en-US" altLang="ja-JP" b="1" dirty="0">
+                <a:ln w="19050">
+                  <a:solidFill>
+                    <a:schemeClr val="accent6">
+                      <a:lumMod val="50000"/>
+                    </a:schemeClr>
+                  </a:solidFill>
+                </a:ln>
+                <a:solidFill>
+                  <a:schemeClr val="accent6">
+                    <a:lumMod val="60000"/>
+                    <a:lumOff val="40000"/>
+                  </a:schemeClr>
+                </a:solidFill>
+                <a:latin typeface="HGS明朝E" panose="02020900000000000000" pitchFamily="18" charset="-128"/>
+                <a:ea typeface="HGS明朝E" panose="02020900000000000000" pitchFamily="18" charset="-128"/>
+              </a:rPr>
               <a:t>YoSiE</a:t>
             </a:r>
             <a:r>
-              <a:rPr kumimoji="1" lang="ja-JP" altLang="en-US" dirty="0"/>
+              <a:rPr kumimoji="1" lang="ja-JP" altLang="en-US" b="1" dirty="0">
+                <a:ln w="19050">
+                  <a:solidFill>
+                    <a:schemeClr val="accent6">
+                      <a:lumMod val="50000"/>
+                    </a:schemeClr>
+                  </a:solidFill>
+                </a:ln>
+                <a:solidFill>
+                  <a:schemeClr val="accent6">
+                    <a:lumMod val="60000"/>
+                    <a:lumOff val="40000"/>
+                  </a:schemeClr>
+                </a:solidFill>
+                <a:latin typeface="HGS明朝E" panose="02020900000000000000" pitchFamily="18" charset="-128"/>
+                <a:ea typeface="HGS明朝E" panose="02020900000000000000" pitchFamily="18" charset="-128"/>
+              </a:rPr>
               <a:t>の可能性</a:t>
             </a:r>
           </a:p>
@@ -16766,11 +17787,102 @@
             <p:ph idx="1"/>
           </p:nvPr>
         </p:nvSpPr>
-        <p:spPr/>
+        <p:spPr>
+          <a:xfrm>
+            <a:off x="838200" y="1790790"/>
+            <a:ext cx="10515600" cy="4351338"/>
+          </a:xfrm>
+        </p:spPr>
         <p:txBody>
           <a:bodyPr/>
           <a:lstStyle/>
           <a:p>
+            <a:r>
+              <a:rPr kumimoji="1" lang="ja-JP" altLang="en-US" dirty="0"/>
+              <a:t>音声認識の向上</a:t>
+            </a:r>
+            <a:endParaRPr kumimoji="1" lang="en-US" altLang="ja-JP" dirty="0"/>
+          </a:p>
+          <a:p>
+            <a:pPr lvl="1"/>
+            <a:r>
+              <a:rPr lang="ja-JP" altLang="en-US" dirty="0"/>
+              <a:t>辞書ファイルの追加</a:t>
+            </a:r>
+            <a:endParaRPr lang="en-US" altLang="ja-JP" dirty="0"/>
+          </a:p>
+          <a:p>
+            <a:pPr lvl="1"/>
+            <a:r>
+              <a:rPr kumimoji="1" lang="ja-JP" altLang="en-US" dirty="0"/>
+              <a:t>他の音声認識システムの利用　等</a:t>
+            </a:r>
+            <a:endParaRPr kumimoji="1" lang="en-US" altLang="ja-JP" dirty="0"/>
+          </a:p>
+          <a:p>
+            <a:r>
+              <a:rPr lang="ja-JP" altLang="en-US" dirty="0"/>
+              <a:t>機能の追加</a:t>
+            </a:r>
+            <a:endParaRPr lang="en-US" altLang="ja-JP" dirty="0"/>
+          </a:p>
+          <a:p>
+            <a:pPr lvl="1"/>
+            <a:r>
+              <a:rPr lang="ja-JP" altLang="en-US" dirty="0"/>
+              <a:t>写真撮影</a:t>
+            </a:r>
+            <a:endParaRPr lang="en-US" altLang="ja-JP" dirty="0"/>
+          </a:p>
+          <a:p>
+            <a:pPr lvl="1"/>
+            <a:r>
+              <a:rPr lang="en-US" altLang="ja-JP" dirty="0"/>
+              <a:t>YSE</a:t>
+            </a:r>
+            <a:r>
+              <a:rPr lang="ja-JP" altLang="en-US" dirty="0"/>
+              <a:t>内線搭載</a:t>
+            </a:r>
+            <a:r>
+              <a:rPr lang="en-US" altLang="ja-JP" dirty="0"/>
+              <a:t>	</a:t>
+            </a:r>
+            <a:r>
+              <a:rPr lang="ja-JP" altLang="en-US" dirty="0"/>
+              <a:t>等</a:t>
+            </a:r>
+            <a:endParaRPr lang="en-US" altLang="ja-JP" dirty="0"/>
+          </a:p>
+          <a:p>
+            <a:r>
+              <a:rPr lang="ja-JP" altLang="en-US" dirty="0"/>
+              <a:t>既存機能の改良</a:t>
+            </a:r>
+            <a:endParaRPr lang="en-US" altLang="ja-JP" dirty="0"/>
+          </a:p>
+          <a:p>
+            <a:pPr lvl="1"/>
+            <a:r>
+              <a:rPr lang="ja-JP" altLang="en-US" dirty="0"/>
+              <a:t>星座別占い読み上げ</a:t>
+            </a:r>
+            <a:endParaRPr lang="en-US" altLang="ja-JP" dirty="0"/>
+          </a:p>
+          <a:p>
+            <a:pPr lvl="1"/>
+            <a:r>
+              <a:rPr lang="ja-JP" altLang="en-US" dirty="0"/>
+              <a:t>ニュース記事の増量　等</a:t>
+            </a:r>
+            <a:endParaRPr lang="en-US" altLang="ja-JP" dirty="0"/>
+          </a:p>
+          <a:p>
+            <a:pPr lvl="1"/>
+            <a:endParaRPr kumimoji="1" lang="en-US" altLang="ja-JP" dirty="0"/>
+          </a:p>
+          <a:p>
+            <a:pPr lvl="1"/>
             <a:endParaRPr kumimoji="1" lang="ja-JP" altLang="en-US" dirty="0"/>
           </a:p>
         </p:txBody>
@@ -16788,7 +17900,7 @@
 </p:sld>
 </file>
 
-<file path=ppt/slides/slide27.xml><?xml version="1.0" encoding="utf-8"?>
+<file path=ppt/slides/slide28.xml><?xml version="1.0" encoding="utf-8"?>
 <p:sld xmlns:a="http://schemas.openxmlformats.org/drawingml/2006/main" xmlns:r="http://schemas.openxmlformats.org/officeDocument/2006/relationships" xmlns:p="http://schemas.openxmlformats.org/presentationml/2006/main">
   <p:cSld>
     <p:spTree>
@@ -16855,7 +17967,7 @@
           <a:bodyPr/>
           <a:lstStyle/>
           <a:p>
-            <a:endParaRPr kumimoji="1" lang="ja-JP" altLang="en-US"/>
+            <a:endParaRPr kumimoji="1" lang="ja-JP" altLang="en-US" dirty="0"/>
           </a:p>
         </p:txBody>
       </p:sp>
@@ -16872,7 +17984,7 @@
 </p:sld>
 </file>
 
-<file path=ppt/slides/slide28.xml><?xml version="1.0" encoding="utf-8"?>
+<file path=ppt/slides/slide29.xml><?xml version="1.0" encoding="utf-8"?>
 <p:sld xmlns:a="http://schemas.openxmlformats.org/drawingml/2006/main" xmlns:r="http://schemas.openxmlformats.org/officeDocument/2006/relationships" xmlns:p="http://schemas.openxmlformats.org/presentationml/2006/main">
   <p:cSld>
     <p:spTree>
@@ -16894,7 +18006,7 @@
           <p:cNvPr id="2" name="タイトル 1">
             <a:extLst>
               <a:ext uri="{FF2B5EF4-FFF2-40B4-BE49-F238E27FC236}">
-                <a16:creationId xmlns:a16="http://schemas.microsoft.com/office/drawing/2014/main" id="{384D39EC-5E82-4640-93A2-83BC7D77C59D}"/>
+                <a16:creationId xmlns:a16="http://schemas.microsoft.com/office/drawing/2014/main" id="{81E2F86B-64F9-4EFF-BA57-7C707F7AF077}"/>
               </a:ext>
             </a:extLst>
           </p:cNvPr>
@@ -16905,27 +18017,51 @@
             <p:ph type="title"/>
           </p:nvPr>
         </p:nvSpPr>
-        <p:spPr>
-          <a:xfrm>
-            <a:off x="838200" y="365125"/>
-            <a:ext cx="10515600" cy="1325563"/>
-          </a:xfrm>
-        </p:spPr>
+        <p:spPr/>
         <p:txBody>
           <a:bodyPr/>
           <a:lstStyle/>
           <a:p>
             <a:r>
               <a:rPr kumimoji="1" lang="ja-JP" altLang="en-US" dirty="0"/>
-              <a:t>ご清聴ありがとうございました</a:t>
-            </a:r>
+              <a:t>チームメンバー</a:t>
+            </a:r>
+          </a:p>
+        </p:txBody>
+      </p:sp>
+      <p:sp>
+        <p:nvSpPr>
+          <p:cNvPr id="3" name="コンテンツ プレースホルダー 2">
+            <a:extLst>
+              <a:ext uri="{FF2B5EF4-FFF2-40B4-BE49-F238E27FC236}">
+                <a16:creationId xmlns:a16="http://schemas.microsoft.com/office/drawing/2014/main" id="{3F0CDD7C-542F-41C4-8D3A-BB7DDD344587}"/>
+              </a:ext>
+            </a:extLst>
+          </p:cNvPr>
+          <p:cNvSpPr>
+            <a:spLocks noGrp="1"/>
+          </p:cNvSpPr>
+          <p:nvPr>
+            <p:ph idx="1"/>
+          </p:nvPr>
+        </p:nvSpPr>
+        <p:spPr/>
+        <p:txBody>
+          <a:bodyPr/>
+          <a:lstStyle/>
+          <a:p>
+            <a:r>
+              <a:rPr kumimoji="1" lang="ja-JP" altLang="en-US" dirty="0"/>
+              <a:t>山田晃生</a:t>
+            </a:r>
+            <a:endParaRPr kumimoji="1" lang="en-US" altLang="ja-JP" dirty="0"/>
           </a:p>
         </p:txBody>
       </p:sp>
     </p:spTree>
     <p:extLst>
       <p:ext uri="{BB962C8B-B14F-4D97-AF65-F5344CB8AC3E}">
-        <p14:creationId xmlns:p14="http://schemas.microsoft.com/office/powerpoint/2010/main" val="1206162255"/>
+        <p14:creationId xmlns:p14="http://schemas.microsoft.com/office/powerpoint/2010/main" val="1671712225"/>
       </p:ext>
     </p:extLst>
   </p:cSld>
@@ -16974,7 +18110,23 @@
           <a:lstStyle/>
           <a:p>
             <a:r>
-              <a:rPr kumimoji="1" lang="ja-JP" altLang="en-US" dirty="0"/>
+              <a:rPr kumimoji="1" lang="ja-JP" altLang="en-US" b="1" dirty="0">
+                <a:ln w="19050">
+                  <a:solidFill>
+                    <a:schemeClr val="accent6">
+                      <a:lumMod val="50000"/>
+                    </a:schemeClr>
+                  </a:solidFill>
+                </a:ln>
+                <a:solidFill>
+                  <a:schemeClr val="accent6">
+                    <a:lumMod val="60000"/>
+                    <a:lumOff val="40000"/>
+                  </a:schemeClr>
+                </a:solidFill>
+                <a:latin typeface="HGS明朝E" panose="02020900000000000000" pitchFamily="18" charset="-128"/>
+                <a:ea typeface="HGS明朝E" panose="02020900000000000000" pitchFamily="18" charset="-128"/>
+              </a:rPr>
               <a:t>プロジェクトの全体像</a:t>
             </a:r>
           </a:p>
@@ -17649,7 +18801,14 @@
           <a:lstStyle/>
           <a:p>
             <a:pPr algn="ctr"/>
-            <a:endParaRPr kumimoji="1" lang="ja-JP" altLang="en-US"/>
+            <a:endParaRPr kumimoji="1" lang="ja-JP" altLang="en-US">
+              <a:solidFill>
+                <a:schemeClr val="accent6">
+                  <a:lumMod val="40000"/>
+                  <a:lumOff val="60000"/>
+                </a:schemeClr>
+              </a:solidFill>
+            </a:endParaRPr>
           </a:p>
         </p:txBody>
       </p:sp>
@@ -18106,6 +19265,646 @@
 </p:sld>
 </file>
 
+<file path=ppt/slides/slide30.xml><?xml version="1.0" encoding="utf-8"?>
+<p:sld xmlns:a="http://schemas.openxmlformats.org/drawingml/2006/main" xmlns:r="http://schemas.openxmlformats.org/officeDocument/2006/relationships" xmlns:p="http://schemas.openxmlformats.org/presentationml/2006/main">
+  <p:cSld>
+    <p:spTree>
+      <p:nvGrpSpPr>
+        <p:cNvPr id="1" name=""/>
+        <p:cNvGrpSpPr/>
+        <p:nvPr/>
+      </p:nvGrpSpPr>
+      <p:grpSpPr>
+        <a:xfrm>
+          <a:off x="0" y="0"/>
+          <a:ext cx="0" cy="0"/>
+          <a:chOff x="0" y="0"/>
+          <a:chExt cx="0" cy="0"/>
+        </a:xfrm>
+      </p:grpSpPr>
+      <p:sp>
+        <p:nvSpPr>
+          <p:cNvPr id="2" name="タイトル 1">
+            <a:extLst>
+              <a:ext uri="{FF2B5EF4-FFF2-40B4-BE49-F238E27FC236}">
+                <a16:creationId xmlns:a16="http://schemas.microsoft.com/office/drawing/2014/main" id="{81E2F86B-64F9-4EFF-BA57-7C707F7AF077}"/>
+              </a:ext>
+            </a:extLst>
+          </p:cNvPr>
+          <p:cNvSpPr>
+            <a:spLocks noGrp="1"/>
+          </p:cNvSpPr>
+          <p:nvPr>
+            <p:ph type="title"/>
+          </p:nvPr>
+        </p:nvSpPr>
+        <p:spPr/>
+        <p:txBody>
+          <a:bodyPr/>
+          <a:lstStyle/>
+          <a:p>
+            <a:r>
+              <a:rPr kumimoji="1" lang="ja-JP" altLang="en-US" dirty="0"/>
+              <a:t>チームメンバー</a:t>
+            </a:r>
+          </a:p>
+        </p:txBody>
+      </p:sp>
+      <p:sp>
+        <p:nvSpPr>
+          <p:cNvPr id="3" name="コンテンツ プレースホルダー 2">
+            <a:extLst>
+              <a:ext uri="{FF2B5EF4-FFF2-40B4-BE49-F238E27FC236}">
+                <a16:creationId xmlns:a16="http://schemas.microsoft.com/office/drawing/2014/main" id="{3F0CDD7C-542F-41C4-8D3A-BB7DDD344587}"/>
+              </a:ext>
+            </a:extLst>
+          </p:cNvPr>
+          <p:cNvSpPr>
+            <a:spLocks noGrp="1"/>
+          </p:cNvSpPr>
+          <p:nvPr>
+            <p:ph idx="1"/>
+          </p:nvPr>
+        </p:nvSpPr>
+        <p:spPr/>
+        <p:txBody>
+          <a:bodyPr/>
+          <a:lstStyle/>
+          <a:p>
+            <a:r>
+              <a:rPr kumimoji="1" lang="ja-JP" altLang="en-US" dirty="0"/>
+              <a:t>力石鈴之佑</a:t>
+            </a:r>
+            <a:endParaRPr kumimoji="1" lang="en-US" altLang="ja-JP" dirty="0"/>
+          </a:p>
+        </p:txBody>
+      </p:sp>
+    </p:spTree>
+    <p:extLst>
+      <p:ext uri="{BB962C8B-B14F-4D97-AF65-F5344CB8AC3E}">
+        <p14:creationId xmlns:p14="http://schemas.microsoft.com/office/powerpoint/2010/main" val="2600055222"/>
+      </p:ext>
+    </p:extLst>
+  </p:cSld>
+  <p:clrMapOvr>
+    <a:masterClrMapping/>
+  </p:clrMapOvr>
+</p:sld>
+</file>
+
+<file path=ppt/slides/slide31.xml><?xml version="1.0" encoding="utf-8"?>
+<p:sld xmlns:a="http://schemas.openxmlformats.org/drawingml/2006/main" xmlns:r="http://schemas.openxmlformats.org/officeDocument/2006/relationships" xmlns:p="http://schemas.openxmlformats.org/presentationml/2006/main">
+  <p:cSld>
+    <p:spTree>
+      <p:nvGrpSpPr>
+        <p:cNvPr id="1" name=""/>
+        <p:cNvGrpSpPr/>
+        <p:nvPr/>
+      </p:nvGrpSpPr>
+      <p:grpSpPr>
+        <a:xfrm>
+          <a:off x="0" y="0"/>
+          <a:ext cx="0" cy="0"/>
+          <a:chOff x="0" y="0"/>
+          <a:chExt cx="0" cy="0"/>
+        </a:xfrm>
+      </p:grpSpPr>
+      <p:sp>
+        <p:nvSpPr>
+          <p:cNvPr id="2" name="タイトル 1">
+            <a:extLst>
+              <a:ext uri="{FF2B5EF4-FFF2-40B4-BE49-F238E27FC236}">
+                <a16:creationId xmlns:a16="http://schemas.microsoft.com/office/drawing/2014/main" id="{384D39EC-5E82-4640-93A2-83BC7D77C59D}"/>
+              </a:ext>
+            </a:extLst>
+          </p:cNvPr>
+          <p:cNvSpPr>
+            <a:spLocks noGrp="1"/>
+          </p:cNvSpPr>
+          <p:nvPr>
+            <p:ph type="title"/>
+          </p:nvPr>
+        </p:nvSpPr>
+        <p:spPr>
+          <a:xfrm>
+            <a:off x="111544" y="2149451"/>
+            <a:ext cx="12579035" cy="2559098"/>
+          </a:xfrm>
+        </p:spPr>
+        <p:txBody>
+          <a:bodyPr>
+            <a:normAutofit/>
+          </a:bodyPr>
+          <a:lstStyle/>
+          <a:p>
+            <a:r>
+              <a:rPr kumimoji="1" lang="ja-JP" altLang="en-US" sz="6600" b="1" dirty="0">
+                <a:ln w="28575">
+                  <a:solidFill>
+                    <a:schemeClr val="accent6">
+                      <a:lumMod val="50000"/>
+                    </a:schemeClr>
+                  </a:solidFill>
+                </a:ln>
+                <a:solidFill>
+                  <a:schemeClr val="accent6">
+                    <a:lumMod val="60000"/>
+                    <a:lumOff val="40000"/>
+                  </a:schemeClr>
+                </a:solidFill>
+                <a:latin typeface="HGS明朝E" panose="02020900000000000000" pitchFamily="18" charset="-128"/>
+                <a:ea typeface="HGS明朝E" panose="02020900000000000000" pitchFamily="18" charset="-128"/>
+              </a:rPr>
+              <a:t>ご清聴ありがとうございました</a:t>
+            </a:r>
+          </a:p>
+        </p:txBody>
+      </p:sp>
+    </p:spTree>
+    <p:extLst>
+      <p:ext uri="{BB962C8B-B14F-4D97-AF65-F5344CB8AC3E}">
+        <p14:creationId xmlns:p14="http://schemas.microsoft.com/office/powerpoint/2010/main" val="1206162255"/>
+      </p:ext>
+    </p:extLst>
+  </p:cSld>
+  <p:clrMapOvr>
+    <a:masterClrMapping/>
+  </p:clrMapOvr>
+</p:sld>
+</file>
+
+<file path=ppt/slides/slide32.xml><?xml version="1.0" encoding="utf-8"?>
+<p:sld xmlns:a="http://schemas.openxmlformats.org/drawingml/2006/main" xmlns:r="http://schemas.openxmlformats.org/officeDocument/2006/relationships" xmlns:p="http://schemas.openxmlformats.org/presentationml/2006/main">
+  <p:cSld>
+    <p:spTree>
+      <p:nvGrpSpPr>
+        <p:cNvPr id="1" name=""/>
+        <p:cNvGrpSpPr/>
+        <p:nvPr/>
+      </p:nvGrpSpPr>
+      <p:grpSpPr>
+        <a:xfrm>
+          <a:off x="0" y="0"/>
+          <a:ext cx="0" cy="0"/>
+          <a:chOff x="0" y="0"/>
+          <a:chExt cx="0" cy="0"/>
+        </a:xfrm>
+      </p:grpSpPr>
+      <p:sp>
+        <p:nvSpPr>
+          <p:cNvPr id="2" name="タイトル 1">
+            <a:extLst>
+              <a:ext uri="{FF2B5EF4-FFF2-40B4-BE49-F238E27FC236}">
+                <a16:creationId xmlns:a16="http://schemas.microsoft.com/office/drawing/2014/main" id="{0947F99B-2F99-425D-85F8-66E655B66740}"/>
+              </a:ext>
+            </a:extLst>
+          </p:cNvPr>
+          <p:cNvSpPr>
+            <a:spLocks noGrp="1"/>
+          </p:cNvSpPr>
+          <p:nvPr>
+            <p:ph type="title"/>
+          </p:nvPr>
+        </p:nvSpPr>
+        <p:spPr/>
+        <p:txBody>
+          <a:bodyPr/>
+          <a:lstStyle/>
+          <a:p>
+            <a:r>
+              <a:rPr kumimoji="1" lang="ja-JP" altLang="en-US" dirty="0"/>
+              <a:t>質疑応答</a:t>
+            </a:r>
+          </a:p>
+        </p:txBody>
+      </p:sp>
+      <p:sp>
+        <p:nvSpPr>
+          <p:cNvPr id="3" name="コンテンツ プレースホルダー 2">
+            <a:extLst>
+              <a:ext uri="{FF2B5EF4-FFF2-40B4-BE49-F238E27FC236}">
+                <a16:creationId xmlns:a16="http://schemas.microsoft.com/office/drawing/2014/main" id="{A94CFC5C-9E98-40B1-B6C6-5BBCE3910AD0}"/>
+              </a:ext>
+            </a:extLst>
+          </p:cNvPr>
+          <p:cNvSpPr>
+            <a:spLocks noGrp="1"/>
+          </p:cNvSpPr>
+          <p:nvPr>
+            <p:ph idx="1"/>
+          </p:nvPr>
+        </p:nvSpPr>
+        <p:spPr/>
+        <p:txBody>
+          <a:bodyPr>
+            <a:normAutofit/>
+          </a:bodyPr>
+          <a:lstStyle/>
+          <a:p>
+            <a:pPr marL="0" indent="0">
+              <a:buNone/>
+            </a:pPr>
+            <a:r>
+              <a:rPr kumimoji="1" lang="ja-JP" altLang="en-US" sz="3200" dirty="0"/>
+              <a:t>名前の由来</a:t>
+            </a:r>
+            <a:endParaRPr kumimoji="1" lang="en-US" altLang="ja-JP" sz="3200" dirty="0"/>
+          </a:p>
+          <a:p>
+            <a:pPr marL="514350" indent="-514350">
+              <a:buFont typeface="+mj-lt"/>
+              <a:buAutoNum type="arabicPeriod"/>
+            </a:pPr>
+            <a:r>
+              <a:rPr lang="ja-JP" altLang="en-US" sz="3200" dirty="0"/>
+              <a:t>横浜システム工学院専門学校</a:t>
+            </a:r>
+            <a:endParaRPr lang="en-US" altLang="ja-JP" sz="3200" dirty="0"/>
+          </a:p>
+          <a:p>
+            <a:pPr marL="514350" indent="-514350">
+              <a:buFont typeface="+mj-lt"/>
+              <a:buAutoNum type="arabicPeriod"/>
+            </a:pPr>
+            <a:r>
+              <a:rPr kumimoji="1" lang="en-US" altLang="ja-JP" sz="3200" dirty="0"/>
+              <a:t>YOKOHAMA SYSTEM ENGINEERING SCHOOL</a:t>
+            </a:r>
+          </a:p>
+          <a:p>
+            <a:pPr marL="514350" indent="-514350">
+              <a:buFont typeface="+mj-lt"/>
+              <a:buAutoNum type="arabicPeriod"/>
+            </a:pPr>
+            <a:r>
+              <a:rPr lang="en-US" altLang="ja-JP" sz="3200" dirty="0"/>
+              <a:t>YSE</a:t>
+            </a:r>
+          </a:p>
+          <a:p>
+            <a:pPr marL="514350" indent="-514350">
+              <a:buFont typeface="+mj-lt"/>
+              <a:buAutoNum type="arabicPeriod"/>
+            </a:pPr>
+            <a:r>
+              <a:rPr kumimoji="1" lang="en-US" altLang="ja-JP" sz="3200" dirty="0"/>
+              <a:t>YoSiE</a:t>
+            </a:r>
+            <a:endParaRPr kumimoji="1" lang="ja-JP" altLang="en-US" sz="3200" dirty="0"/>
+          </a:p>
+        </p:txBody>
+      </p:sp>
+    </p:spTree>
+    <p:extLst>
+      <p:ext uri="{BB962C8B-B14F-4D97-AF65-F5344CB8AC3E}">
+        <p14:creationId xmlns:p14="http://schemas.microsoft.com/office/powerpoint/2010/main" val="954913082"/>
+      </p:ext>
+    </p:extLst>
+  </p:cSld>
+  <p:clrMapOvr>
+    <a:masterClrMapping/>
+  </p:clrMapOvr>
+  <p:timing>
+    <p:tnLst>
+      <p:par>
+        <p:cTn id="1" dur="indefinite" restart="never" nodeType="tmRoot">
+          <p:childTnLst>
+            <p:seq concurrent="1" nextAc="seek">
+              <p:cTn id="2" dur="indefinite" nodeType="mainSeq">
+                <p:childTnLst>
+                  <p:par>
+                    <p:cTn id="3" fill="hold">
+                      <p:stCondLst>
+                        <p:cond delay="indefinite"/>
+                      </p:stCondLst>
+                      <p:childTnLst>
+                        <p:par>
+                          <p:cTn id="4" fill="hold">
+                            <p:stCondLst>
+                              <p:cond delay="0"/>
+                            </p:stCondLst>
+                            <p:childTnLst>
+                              <p:par>
+                                <p:cTn id="5" presetID="10" presetClass="entr" presetSubtype="0" fill="hold" grpId="0" nodeType="clickEffect">
+                                  <p:stCondLst>
+                                    <p:cond delay="0"/>
+                                  </p:stCondLst>
+                                  <p:childTnLst>
+                                    <p:set>
+                                      <p:cBhvr>
+                                        <p:cTn id="6" dur="1" fill="hold">
+                                          <p:stCondLst>
+                                            <p:cond delay="0"/>
+                                          </p:stCondLst>
+                                        </p:cTn>
+                                        <p:tgtEl>
+                                          <p:spTgt spid="3">
+                                            <p:txEl>
+                                              <p:pRg st="0" end="0"/>
+                                            </p:txEl>
+                                          </p:spTgt>
+                                        </p:tgtEl>
+                                        <p:attrNameLst>
+                                          <p:attrName>style.visibility</p:attrName>
+                                        </p:attrNameLst>
+                                      </p:cBhvr>
+                                      <p:to>
+                                        <p:strVal val="visible"/>
+                                      </p:to>
+                                    </p:set>
+                                    <p:animEffect transition="in" filter="fade">
+                                      <p:cBhvr>
+                                        <p:cTn id="7" dur="500"/>
+                                        <p:tgtEl>
+                                          <p:spTgt spid="3">
+                                            <p:txEl>
+                                              <p:pRg st="0" end="0"/>
+                                            </p:txEl>
+                                          </p:spTgt>
+                                        </p:tgtEl>
+                                      </p:cBhvr>
+                                    </p:animEffect>
+                                  </p:childTnLst>
+                                </p:cTn>
+                              </p:par>
+                            </p:childTnLst>
+                          </p:cTn>
+                        </p:par>
+                      </p:childTnLst>
+                    </p:cTn>
+                  </p:par>
+                  <p:par>
+                    <p:cTn id="8" fill="hold">
+                      <p:stCondLst>
+                        <p:cond delay="indefinite"/>
+                      </p:stCondLst>
+                      <p:childTnLst>
+                        <p:par>
+                          <p:cTn id="9" fill="hold">
+                            <p:stCondLst>
+                              <p:cond delay="0"/>
+                            </p:stCondLst>
+                            <p:childTnLst>
+                              <p:par>
+                                <p:cTn id="10" presetID="10" presetClass="entr" presetSubtype="0" fill="hold" grpId="0" nodeType="clickEffect">
+                                  <p:stCondLst>
+                                    <p:cond delay="0"/>
+                                  </p:stCondLst>
+                                  <p:childTnLst>
+                                    <p:set>
+                                      <p:cBhvr>
+                                        <p:cTn id="11" dur="1" fill="hold">
+                                          <p:stCondLst>
+                                            <p:cond delay="0"/>
+                                          </p:stCondLst>
+                                        </p:cTn>
+                                        <p:tgtEl>
+                                          <p:spTgt spid="3">
+                                            <p:txEl>
+                                              <p:pRg st="1" end="1"/>
+                                            </p:txEl>
+                                          </p:spTgt>
+                                        </p:tgtEl>
+                                        <p:attrNameLst>
+                                          <p:attrName>style.visibility</p:attrName>
+                                        </p:attrNameLst>
+                                      </p:cBhvr>
+                                      <p:to>
+                                        <p:strVal val="visible"/>
+                                      </p:to>
+                                    </p:set>
+                                    <p:animEffect transition="in" filter="fade">
+                                      <p:cBhvr>
+                                        <p:cTn id="12" dur="500"/>
+                                        <p:tgtEl>
+                                          <p:spTgt spid="3">
+                                            <p:txEl>
+                                              <p:pRg st="1" end="1"/>
+                                            </p:txEl>
+                                          </p:spTgt>
+                                        </p:tgtEl>
+                                      </p:cBhvr>
+                                    </p:animEffect>
+                                  </p:childTnLst>
+                                </p:cTn>
+                              </p:par>
+                            </p:childTnLst>
+                          </p:cTn>
+                        </p:par>
+                      </p:childTnLst>
+                    </p:cTn>
+                  </p:par>
+                  <p:par>
+                    <p:cTn id="13" fill="hold">
+                      <p:stCondLst>
+                        <p:cond delay="indefinite"/>
+                      </p:stCondLst>
+                      <p:childTnLst>
+                        <p:par>
+                          <p:cTn id="14" fill="hold">
+                            <p:stCondLst>
+                              <p:cond delay="0"/>
+                            </p:stCondLst>
+                            <p:childTnLst>
+                              <p:par>
+                                <p:cTn id="15" presetID="10" presetClass="entr" presetSubtype="0" fill="hold" grpId="0" nodeType="clickEffect">
+                                  <p:stCondLst>
+                                    <p:cond delay="0"/>
+                                  </p:stCondLst>
+                                  <p:childTnLst>
+                                    <p:set>
+                                      <p:cBhvr>
+                                        <p:cTn id="16" dur="1" fill="hold">
+                                          <p:stCondLst>
+                                            <p:cond delay="0"/>
+                                          </p:stCondLst>
+                                        </p:cTn>
+                                        <p:tgtEl>
+                                          <p:spTgt spid="3">
+                                            <p:txEl>
+                                              <p:pRg st="2" end="2"/>
+                                            </p:txEl>
+                                          </p:spTgt>
+                                        </p:tgtEl>
+                                        <p:attrNameLst>
+                                          <p:attrName>style.visibility</p:attrName>
+                                        </p:attrNameLst>
+                                      </p:cBhvr>
+                                      <p:to>
+                                        <p:strVal val="visible"/>
+                                      </p:to>
+                                    </p:set>
+                                    <p:animEffect transition="in" filter="fade">
+                                      <p:cBhvr>
+                                        <p:cTn id="17" dur="500"/>
+                                        <p:tgtEl>
+                                          <p:spTgt spid="3">
+                                            <p:txEl>
+                                              <p:pRg st="2" end="2"/>
+                                            </p:txEl>
+                                          </p:spTgt>
+                                        </p:tgtEl>
+                                      </p:cBhvr>
+                                    </p:animEffect>
+                                  </p:childTnLst>
+                                </p:cTn>
+                              </p:par>
+                            </p:childTnLst>
+                          </p:cTn>
+                        </p:par>
+                      </p:childTnLst>
+                    </p:cTn>
+                  </p:par>
+                  <p:par>
+                    <p:cTn id="18" fill="hold">
+                      <p:stCondLst>
+                        <p:cond delay="indefinite"/>
+                      </p:stCondLst>
+                      <p:childTnLst>
+                        <p:par>
+                          <p:cTn id="19" fill="hold">
+                            <p:stCondLst>
+                              <p:cond delay="0"/>
+                            </p:stCondLst>
+                            <p:childTnLst>
+                              <p:par>
+                                <p:cTn id="20" presetID="10" presetClass="entr" presetSubtype="0" fill="hold" grpId="0" nodeType="clickEffect">
+                                  <p:stCondLst>
+                                    <p:cond delay="0"/>
+                                  </p:stCondLst>
+                                  <p:childTnLst>
+                                    <p:set>
+                                      <p:cBhvr>
+                                        <p:cTn id="21" dur="1" fill="hold">
+                                          <p:stCondLst>
+                                            <p:cond delay="0"/>
+                                          </p:stCondLst>
+                                        </p:cTn>
+                                        <p:tgtEl>
+                                          <p:spTgt spid="3">
+                                            <p:txEl>
+                                              <p:pRg st="3" end="3"/>
+                                            </p:txEl>
+                                          </p:spTgt>
+                                        </p:tgtEl>
+                                        <p:attrNameLst>
+                                          <p:attrName>style.visibility</p:attrName>
+                                        </p:attrNameLst>
+                                      </p:cBhvr>
+                                      <p:to>
+                                        <p:strVal val="visible"/>
+                                      </p:to>
+                                    </p:set>
+                                    <p:animEffect transition="in" filter="fade">
+                                      <p:cBhvr>
+                                        <p:cTn id="22" dur="500"/>
+                                        <p:tgtEl>
+                                          <p:spTgt spid="3">
+                                            <p:txEl>
+                                              <p:pRg st="3" end="3"/>
+                                            </p:txEl>
+                                          </p:spTgt>
+                                        </p:tgtEl>
+                                      </p:cBhvr>
+                                    </p:animEffect>
+                                  </p:childTnLst>
+                                </p:cTn>
+                              </p:par>
+                            </p:childTnLst>
+                          </p:cTn>
+                        </p:par>
+                      </p:childTnLst>
+                    </p:cTn>
+                  </p:par>
+                  <p:par>
+                    <p:cTn id="23" fill="hold">
+                      <p:stCondLst>
+                        <p:cond delay="indefinite"/>
+                      </p:stCondLst>
+                      <p:childTnLst>
+                        <p:par>
+                          <p:cTn id="24" fill="hold">
+                            <p:stCondLst>
+                              <p:cond delay="0"/>
+                            </p:stCondLst>
+                            <p:childTnLst>
+                              <p:par>
+                                <p:cTn id="25" presetID="10" presetClass="entr" presetSubtype="0" fill="hold" grpId="0" nodeType="clickEffect">
+                                  <p:stCondLst>
+                                    <p:cond delay="0"/>
+                                  </p:stCondLst>
+                                  <p:childTnLst>
+                                    <p:set>
+                                      <p:cBhvr>
+                                        <p:cTn id="26" dur="1" fill="hold">
+                                          <p:stCondLst>
+                                            <p:cond delay="0"/>
+                                          </p:stCondLst>
+                                        </p:cTn>
+                                        <p:tgtEl>
+                                          <p:spTgt spid="3">
+                                            <p:txEl>
+                                              <p:pRg st="4" end="4"/>
+                                            </p:txEl>
+                                          </p:spTgt>
+                                        </p:tgtEl>
+                                        <p:attrNameLst>
+                                          <p:attrName>style.visibility</p:attrName>
+                                        </p:attrNameLst>
+                                      </p:cBhvr>
+                                      <p:to>
+                                        <p:strVal val="visible"/>
+                                      </p:to>
+                                    </p:set>
+                                    <p:animEffect transition="in" filter="fade">
+                                      <p:cBhvr>
+                                        <p:cTn id="27" dur="500"/>
+                                        <p:tgtEl>
+                                          <p:spTgt spid="3">
+                                            <p:txEl>
+                                              <p:pRg st="4" end="4"/>
+                                            </p:txEl>
+                                          </p:spTgt>
+                                        </p:tgtEl>
+                                      </p:cBhvr>
+                                    </p:animEffect>
+                                  </p:childTnLst>
+                                </p:cTn>
+                              </p:par>
+                            </p:childTnLst>
+                          </p:cTn>
+                        </p:par>
+                      </p:childTnLst>
+                    </p:cTn>
+                  </p:par>
+                </p:childTnLst>
+              </p:cTn>
+              <p:prevCondLst>
+                <p:cond evt="onPrev" delay="0">
+                  <p:tgtEl>
+                    <p:sldTgt/>
+                  </p:tgtEl>
+                </p:cond>
+              </p:prevCondLst>
+              <p:nextCondLst>
+                <p:cond evt="onNext" delay="0">
+                  <p:tgtEl>
+                    <p:sldTgt/>
+                  </p:tgtEl>
+                </p:cond>
+              </p:nextCondLst>
+            </p:seq>
+          </p:childTnLst>
+        </p:cTn>
+      </p:par>
+    </p:tnLst>
+    <p:bldLst>
+      <p:bldP spid="3" grpId="0" build="p"/>
+    </p:bldLst>
+  </p:timing>
+</p:sld>
+</file>
+
 <file path=ppt/slides/slide4.xml><?xml version="1.0" encoding="utf-8"?>
 <p:sld xmlns:a="http://schemas.openxmlformats.org/drawingml/2006/main" xmlns:r="http://schemas.openxmlformats.org/officeDocument/2006/relationships" xmlns:p="http://schemas.openxmlformats.org/presentationml/2006/main">
   <p:cSld>
@@ -18145,7 +19944,23 @@
           <a:lstStyle/>
           <a:p>
             <a:r>
-              <a:rPr kumimoji="1" lang="ja-JP" altLang="en-US" dirty="0"/>
+              <a:rPr kumimoji="1" lang="ja-JP" altLang="en-US" b="1" dirty="0">
+                <a:ln w="19050">
+                  <a:solidFill>
+                    <a:schemeClr val="accent6">
+                      <a:lumMod val="50000"/>
+                    </a:schemeClr>
+                  </a:solidFill>
+                </a:ln>
+                <a:solidFill>
+                  <a:schemeClr val="accent6">
+                    <a:lumMod val="60000"/>
+                    <a:lumOff val="40000"/>
+                  </a:schemeClr>
+                </a:solidFill>
+                <a:latin typeface="HGS明朝E" panose="02020900000000000000" pitchFamily="18" charset="-128"/>
+                <a:ea typeface="HGS明朝E" panose="02020900000000000000" pitchFamily="18" charset="-128"/>
+              </a:rPr>
               <a:t>処理の流れ</a:t>
             </a:r>
           </a:p>
@@ -18644,7 +20459,23 @@
           <a:lstStyle/>
           <a:p>
             <a:r>
-              <a:rPr kumimoji="1" lang="ja-JP" altLang="en-US" dirty="0"/>
+              <a:rPr kumimoji="1" lang="ja-JP" altLang="en-US" b="1" dirty="0">
+                <a:ln w="19050">
+                  <a:solidFill>
+                    <a:schemeClr val="accent6">
+                      <a:lumMod val="50000"/>
+                    </a:schemeClr>
+                  </a:solidFill>
+                </a:ln>
+                <a:solidFill>
+                  <a:schemeClr val="accent6">
+                    <a:lumMod val="60000"/>
+                    <a:lumOff val="40000"/>
+                  </a:schemeClr>
+                </a:solidFill>
+                <a:latin typeface="HGS明朝E" panose="02020900000000000000" pitchFamily="18" charset="-128"/>
+                <a:ea typeface="HGS明朝E" panose="02020900000000000000" pitchFamily="18" charset="-128"/>
+              </a:rPr>
               <a:t>要素技術</a:t>
             </a:r>
           </a:p>
@@ -19545,10 +21376,42 @@
           <a:lstStyle/>
           <a:p>
             <a:r>
-              <a:rPr kumimoji="1" lang="en-US" altLang="ja-JP" dirty="0"/>
+              <a:rPr kumimoji="1" lang="en-US" altLang="ja-JP" b="1" dirty="0">
+                <a:ln w="19050">
+                  <a:solidFill>
+                    <a:schemeClr val="accent6">
+                      <a:lumMod val="50000"/>
+                    </a:schemeClr>
+                  </a:solidFill>
+                </a:ln>
+                <a:solidFill>
+                  <a:schemeClr val="accent6">
+                    <a:lumMod val="60000"/>
+                    <a:lumOff val="40000"/>
+                  </a:schemeClr>
+                </a:solidFill>
+                <a:latin typeface="HGS明朝E" panose="02020900000000000000" pitchFamily="18" charset="-128"/>
+                <a:ea typeface="HGS明朝E" panose="02020900000000000000" pitchFamily="18" charset="-128"/>
+              </a:rPr>
               <a:t>Julius</a:t>
             </a:r>
-            <a:endParaRPr kumimoji="1" lang="ja-JP" altLang="en-US" dirty="0"/>
+            <a:endParaRPr kumimoji="1" lang="ja-JP" altLang="en-US" b="1" dirty="0">
+              <a:ln w="19050">
+                <a:solidFill>
+                  <a:schemeClr val="accent6">
+                    <a:lumMod val="50000"/>
+                  </a:schemeClr>
+                </a:solidFill>
+              </a:ln>
+              <a:solidFill>
+                <a:schemeClr val="accent6">
+                  <a:lumMod val="60000"/>
+                  <a:lumOff val="40000"/>
+                </a:schemeClr>
+              </a:solidFill>
+              <a:latin typeface="HGS明朝E" panose="02020900000000000000" pitchFamily="18" charset="-128"/>
+              <a:ea typeface="HGS明朝E" panose="02020900000000000000" pitchFamily="18" charset="-128"/>
+            </a:endParaRPr>
           </a:p>
         </p:txBody>
       </p:sp>
@@ -20610,15 +22473,18 @@
           <a:lstStyle/>
           <a:p>
             <a:r>
-              <a:rPr lang="en-US" altLang="ja-JP" sz="6000" b="1" dirty="0">
-                <a:ln>
+              <a:rPr lang="en-US" altLang="ja-JP" b="1" dirty="0">
+                <a:ln w="19050">
                   <a:solidFill>
-                    <a:schemeClr val="tx1"/>
+                    <a:schemeClr val="accent6">
+                      <a:lumMod val="50000"/>
+                    </a:schemeClr>
                   </a:solidFill>
                 </a:ln>
                 <a:solidFill>
                   <a:schemeClr val="accent6">
-                    <a:lumMod val="75000"/>
+                    <a:lumMod val="60000"/>
+                    <a:lumOff val="40000"/>
                   </a:schemeClr>
                 </a:solidFill>
                 <a:latin typeface="HGP明朝E" panose="02020900000000000000" pitchFamily="18" charset="-128"/>
@@ -20627,15 +22493,18 @@
               <a:t>Python</a:t>
             </a:r>
             <a:r>
-              <a:rPr lang="ja-JP" altLang="en-US" sz="6000" b="1" dirty="0">
-                <a:ln>
+              <a:rPr lang="ja-JP" altLang="en-US" b="1" dirty="0">
+                <a:ln w="19050">
                   <a:solidFill>
-                    <a:schemeClr val="tx1"/>
+                    <a:schemeClr val="accent6">
+                      <a:lumMod val="50000"/>
+                    </a:schemeClr>
                   </a:solidFill>
                 </a:ln>
                 <a:solidFill>
                   <a:schemeClr val="accent6">
-                    <a:lumMod val="75000"/>
+                    <a:lumMod val="60000"/>
+                    <a:lumOff val="40000"/>
                   </a:schemeClr>
                 </a:solidFill>
                 <a:latin typeface="HGP明朝E" panose="02020900000000000000" pitchFamily="18" charset="-128"/>
@@ -20879,7 +22748,23 @@
           <a:lstStyle/>
           <a:p>
             <a:r>
-              <a:rPr kumimoji="1" lang="ja-JP" altLang="en-US" dirty="0"/>
+              <a:rPr kumimoji="1" lang="ja-JP" altLang="en-US" b="1" dirty="0">
+                <a:ln w="19050">
+                  <a:solidFill>
+                    <a:schemeClr val="accent6">
+                      <a:lumMod val="50000"/>
+                    </a:schemeClr>
+                  </a:solidFill>
+                </a:ln>
+                <a:solidFill>
+                  <a:schemeClr val="accent6">
+                    <a:lumMod val="60000"/>
+                    <a:lumOff val="40000"/>
+                  </a:schemeClr>
+                </a:solidFill>
+                <a:latin typeface="HGS明朝E" panose="02020900000000000000" pitchFamily="18" charset="-128"/>
+                <a:ea typeface="HGS明朝E" panose="02020900000000000000" pitchFamily="18" charset="-128"/>
+              </a:rPr>
               <a:t>音声認識</a:t>
             </a:r>
           </a:p>
@@ -21111,7 +22996,23 @@
           <a:lstStyle/>
           <a:p>
             <a:r>
-              <a:rPr kumimoji="1" lang="ja-JP" altLang="en-US" dirty="0"/>
+              <a:rPr kumimoji="1" lang="ja-JP" altLang="en-US" b="1" dirty="0">
+                <a:ln w="19050">
+                  <a:solidFill>
+                    <a:schemeClr val="accent6">
+                      <a:lumMod val="50000"/>
+                    </a:schemeClr>
+                  </a:solidFill>
+                </a:ln>
+                <a:solidFill>
+                  <a:schemeClr val="accent6">
+                    <a:lumMod val="60000"/>
+                    <a:lumOff val="40000"/>
+                  </a:schemeClr>
+                </a:solidFill>
+                <a:latin typeface="HGS明朝E" panose="02020900000000000000" pitchFamily="18" charset="-128"/>
+                <a:ea typeface="HGS明朝E" panose="02020900000000000000" pitchFamily="18" charset="-128"/>
+              </a:rPr>
               <a:t>音声認識</a:t>
             </a:r>
           </a:p>

--- a/presentation/AIスピーカー開発_3_main.pptx
+++ b/presentation/AIスピーカー開発_3_main.pptx
@@ -935,9 +935,12 @@
     <dgm:pt modelId="{57558FC9-4B85-4A16-BCD7-92FCA8D37C6C}" type="sibTrans" cxnId="{61CF02E9-B101-4193-9516-BD830ADAC866}">
       <dgm:prSet/>
       <dgm:spPr>
+        <a:solidFill>
+          <a:srgbClr val="FF0000"/>
+        </a:solidFill>
         <a:ln>
           <a:solidFill>
-            <a:schemeClr val="accent1"/>
+            <a:schemeClr val="tx1"/>
           </a:solidFill>
         </a:ln>
       </dgm:spPr>
@@ -984,9 +987,12 @@
     <dgm:pt modelId="{9F4C9F53-B247-481F-92B8-4137AA554FA2}" type="sibTrans" cxnId="{23AAD36C-374A-4489-9539-829662066AB6}">
       <dgm:prSet/>
       <dgm:spPr>
+        <a:solidFill>
+          <a:srgbClr val="FF0000"/>
+        </a:solidFill>
         <a:ln>
           <a:solidFill>
-            <a:schemeClr val="accent1"/>
+            <a:schemeClr val="tx1"/>
           </a:solidFill>
         </a:ln>
       </dgm:spPr>
@@ -1135,8 +1141,8 @@
       </dsp:nvSpPr>
       <dsp:spPr>
         <a:xfrm>
-          <a:off x="1193374" y="9800"/>
-          <a:ext cx="2945884" cy="1233793"/>
+          <a:off x="526024" y="10029"/>
+          <a:ext cx="3014637" cy="1262588"/>
         </a:xfrm>
         <a:prstGeom prst="roundRect">
           <a:avLst>
@@ -1177,12 +1183,12 @@
         </a:fontRef>
       </dsp:style>
       <dsp:txBody>
-        <a:bodyPr spcFirstLastPara="0" vert="horz" wrap="square" lIns="160020" tIns="160020" rIns="160020" bIns="160020" numCol="1" spcCol="1270" anchor="ctr" anchorCtr="0">
+        <a:bodyPr spcFirstLastPara="0" vert="horz" wrap="square" lIns="163830" tIns="163830" rIns="163830" bIns="163830" numCol="1" spcCol="1270" anchor="ctr" anchorCtr="0">
           <a:noAutofit/>
         </a:bodyPr>
         <a:lstStyle/>
         <a:p>
-          <a:pPr marL="0" lvl="0" indent="0" algn="l" defTabSz="1866900">
+          <a:pPr marL="0" lvl="0" indent="0" algn="l" defTabSz="1911350">
             <a:lnSpc>
               <a:spcPct val="90000"/>
             </a:lnSpc>
@@ -1195,14 +1201,14 @@
             <a:buNone/>
           </a:pPr>
           <a:r>
-            <a:rPr kumimoji="1" lang="ja-JP" altLang="en-US" sz="4200" b="1" kern="1200" dirty="0"/>
+            <a:rPr kumimoji="1" lang="ja-JP" altLang="en-US" sz="4300" b="1" kern="1200" dirty="0"/>
             <a:t>音声</a:t>
           </a:r>
         </a:p>
       </dsp:txBody>
       <dsp:txXfrm>
-        <a:off x="1229511" y="45937"/>
-        <a:ext cx="2873610" cy="1161519"/>
+        <a:off x="563004" y="47009"/>
+        <a:ext cx="2940677" cy="1188628"/>
       </dsp:txXfrm>
     </dsp:sp>
     <dsp:sp modelId="{88C84C50-640B-4B08-A09D-969E39B7EDA8}">
@@ -1212,8 +1218,8 @@
       </dsp:nvSpPr>
       <dsp:spPr>
         <a:xfrm rot="5400000">
-          <a:off x="2414218" y="1143725"/>
-          <a:ext cx="504197" cy="806943"/>
+          <a:off x="1775361" y="1170418"/>
+          <a:ext cx="515964" cy="825776"/>
         </a:xfrm>
         <a:prstGeom prst="rightArrow">
           <a:avLst>
@@ -1222,17 +1228,154 @@
           </a:avLst>
         </a:prstGeom>
         <a:solidFill>
-          <a:schemeClr val="accent1">
-            <a:tint val="60000"/>
-            <a:hueOff val="0"/>
-            <a:satOff val="0"/>
-            <a:lumOff val="0"/>
-            <a:alphaOff val="0"/>
-          </a:schemeClr>
+          <a:srgbClr val="FF0000"/>
         </a:solidFill>
         <a:ln>
           <a:solidFill>
-            <a:schemeClr val="accent1"/>
+            <a:schemeClr val="tx1"/>
+          </a:solidFill>
+        </a:ln>
+        <a:effectLst/>
+      </dsp:spPr>
+      <dsp:style>
+        <a:lnRef idx="0">
+          <a:scrgbClr r="0" g="0" b="0"/>
+        </a:lnRef>
+        <a:fillRef idx="1">
+          <a:scrgbClr r="0" g="0" b="0"/>
+        </a:fillRef>
+        <a:effectRef idx="0">
+          <a:scrgbClr r="0" g="0" b="0"/>
+        </a:effectRef>
+        <a:fontRef idx="minor">
+          <a:schemeClr val="lt1"/>
+        </a:fontRef>
+      </dsp:style>
+      <dsp:txBody>
+        <a:bodyPr spcFirstLastPara="0" vert="horz" wrap="square" lIns="0" tIns="0" rIns="0" bIns="0" numCol="1" spcCol="1270" anchor="ctr" anchorCtr="0">
+          <a:noAutofit/>
+        </a:bodyPr>
+        <a:lstStyle/>
+        <a:p>
+          <a:pPr marL="0" lvl="0" indent="0" algn="ctr" defTabSz="800100">
+            <a:lnSpc>
+              <a:spcPct val="90000"/>
+            </a:lnSpc>
+            <a:spcBef>
+              <a:spcPct val="0"/>
+            </a:spcBef>
+            <a:spcAft>
+              <a:spcPct val="35000"/>
+            </a:spcAft>
+            <a:buNone/>
+          </a:pPr>
+          <a:endParaRPr kumimoji="1" lang="ja-JP" altLang="en-US" sz="1800" kern="1200"/>
+        </a:p>
+      </dsp:txBody>
+      <dsp:txXfrm rot="-5400000">
+        <a:off x="1785611" y="1325324"/>
+        <a:ext cx="495466" cy="361175"/>
+      </dsp:txXfrm>
+    </dsp:sp>
+    <dsp:sp modelId="{EF5F81BA-8338-4F88-9D82-20B267FC5FD0}">
+      <dsp:nvSpPr>
+        <dsp:cNvPr id="0" name=""/>
+        <dsp:cNvSpPr/>
+      </dsp:nvSpPr>
+      <dsp:spPr>
+        <a:xfrm>
+          <a:off x="526024" y="1893995"/>
+          <a:ext cx="3014637" cy="1262588"/>
+        </a:xfrm>
+        <a:prstGeom prst="roundRect">
+          <a:avLst>
+            <a:gd name="adj" fmla="val 10000"/>
+          </a:avLst>
+        </a:prstGeom>
+        <a:solidFill>
+          <a:schemeClr val="accent6">
+            <a:lumMod val="75000"/>
+          </a:schemeClr>
+        </a:solidFill>
+        <a:ln w="12700" cap="flat" cmpd="sng" algn="ctr">
+          <a:solidFill>
+            <a:schemeClr val="lt1">
+              <a:hueOff val="0"/>
+              <a:satOff val="0"/>
+              <a:lumOff val="0"/>
+              <a:alphaOff val="0"/>
+            </a:schemeClr>
+          </a:solidFill>
+          <a:prstDash val="solid"/>
+          <a:miter lim="800000"/>
+        </a:ln>
+        <a:effectLst/>
+      </dsp:spPr>
+      <dsp:style>
+        <a:lnRef idx="2">
+          <a:scrgbClr r="0" g="0" b="0"/>
+        </a:lnRef>
+        <a:fillRef idx="1">
+          <a:scrgbClr r="0" g="0" b="0"/>
+        </a:fillRef>
+        <a:effectRef idx="0">
+          <a:scrgbClr r="0" g="0" b="0"/>
+        </a:effectRef>
+        <a:fontRef idx="minor">
+          <a:schemeClr val="lt1"/>
+        </a:fontRef>
+      </dsp:style>
+      <dsp:txBody>
+        <a:bodyPr spcFirstLastPara="0" vert="horz" wrap="square" lIns="163830" tIns="163830" rIns="163830" bIns="163830" numCol="1" spcCol="1270" anchor="ctr" anchorCtr="0">
+          <a:noAutofit/>
+        </a:bodyPr>
+        <a:lstStyle/>
+        <a:p>
+          <a:pPr marL="0" lvl="0" indent="0" algn="l" defTabSz="1911350">
+            <a:lnSpc>
+              <a:spcPct val="90000"/>
+            </a:lnSpc>
+            <a:spcBef>
+              <a:spcPct val="0"/>
+            </a:spcBef>
+            <a:spcAft>
+              <a:spcPct val="35000"/>
+            </a:spcAft>
+            <a:buNone/>
+          </a:pPr>
+          <a:r>
+            <a:rPr kumimoji="1" lang="ja-JP" altLang="en-US" sz="4300" b="1" kern="1200" dirty="0"/>
+            <a:t>音素</a:t>
+          </a:r>
+        </a:p>
+      </dsp:txBody>
+      <dsp:txXfrm>
+        <a:off x="563004" y="1930975"/>
+        <a:ext cx="2940677" cy="1188628"/>
+      </dsp:txXfrm>
+    </dsp:sp>
+    <dsp:sp modelId="{CFB8B250-5A99-47E1-B374-92C00B0DF11D}">
+      <dsp:nvSpPr>
+        <dsp:cNvPr id="0" name=""/>
+        <dsp:cNvSpPr/>
+      </dsp:nvSpPr>
+      <dsp:spPr>
+        <a:xfrm rot="5400000">
+          <a:off x="1794009" y="3031926"/>
+          <a:ext cx="478667" cy="825776"/>
+        </a:xfrm>
+        <a:prstGeom prst="rightArrow">
+          <a:avLst>
+            <a:gd name="adj1" fmla="val 60000"/>
+            <a:gd name="adj2" fmla="val 50000"/>
+          </a:avLst>
+        </a:prstGeom>
+        <a:solidFill>
+          <a:srgbClr val="FF0000"/>
+        </a:solidFill>
+        <a:ln>
+          <a:solidFill>
+            <a:schemeClr val="tx1"/>
           </a:solidFill>
         </a:ln>
         <a:effectLst/>
@@ -1273,19 +1416,19 @@
         </a:p>
       </dsp:txBody>
       <dsp:txXfrm rot="-5400000">
-        <a:off x="2424235" y="1295098"/>
-        <a:ext cx="484165" cy="352938"/>
+        <a:off x="1785610" y="3205480"/>
+        <a:ext cx="495466" cy="335067"/>
       </dsp:txXfrm>
     </dsp:sp>
-    <dsp:sp modelId="{EF5F81BA-8338-4F88-9D82-20B267FC5FD0}">
+    <dsp:sp modelId="{CA259601-2D12-4654-A3FC-426CC8F924F7}">
       <dsp:nvSpPr>
         <dsp:cNvPr id="0" name=""/>
         <dsp:cNvSpPr/>
       </dsp:nvSpPr>
       <dsp:spPr>
         <a:xfrm>
-          <a:off x="1193374" y="1850800"/>
-          <a:ext cx="2945884" cy="1233793"/>
+          <a:off x="526024" y="3733045"/>
+          <a:ext cx="3014637" cy="1262588"/>
         </a:xfrm>
         <a:prstGeom prst="roundRect">
           <a:avLst>
@@ -1326,12 +1469,12 @@
         </a:fontRef>
       </dsp:style>
       <dsp:txBody>
-        <a:bodyPr spcFirstLastPara="0" vert="horz" wrap="square" lIns="160020" tIns="160020" rIns="160020" bIns="160020" numCol="1" spcCol="1270" anchor="ctr" anchorCtr="0">
+        <a:bodyPr spcFirstLastPara="0" vert="horz" wrap="square" lIns="163830" tIns="163830" rIns="163830" bIns="163830" numCol="1" spcCol="1270" anchor="ctr" anchorCtr="0">
           <a:noAutofit/>
         </a:bodyPr>
         <a:lstStyle/>
         <a:p>
-          <a:pPr marL="0" lvl="0" indent="0" algn="l" defTabSz="1866900">
+          <a:pPr marL="0" lvl="0" indent="0" algn="l" defTabSz="1911350">
             <a:lnSpc>
               <a:spcPct val="90000"/>
             </a:lnSpc>
@@ -1344,163 +1487,14 @@
             <a:buNone/>
           </a:pPr>
           <a:r>
-            <a:rPr kumimoji="1" lang="ja-JP" altLang="en-US" sz="4200" b="1" kern="1200" dirty="0"/>
-            <a:t>音素</a:t>
-          </a:r>
-        </a:p>
-      </dsp:txBody>
-      <dsp:txXfrm>
-        <a:off x="1229511" y="1886937"/>
-        <a:ext cx="2873610" cy="1161519"/>
-      </dsp:txXfrm>
-    </dsp:sp>
-    <dsp:sp modelId="{CFB8B250-5A99-47E1-B374-92C00B0DF11D}">
-      <dsp:nvSpPr>
-        <dsp:cNvPr id="0" name=""/>
-        <dsp:cNvSpPr/>
-      </dsp:nvSpPr>
-      <dsp:spPr>
-        <a:xfrm rot="5400000">
-          <a:off x="2432441" y="2962780"/>
-          <a:ext cx="467751" cy="806943"/>
-        </a:xfrm>
-        <a:prstGeom prst="rightArrow">
-          <a:avLst>
-            <a:gd name="adj1" fmla="val 60000"/>
-            <a:gd name="adj2" fmla="val 50000"/>
-          </a:avLst>
-        </a:prstGeom>
-        <a:solidFill>
-          <a:schemeClr val="accent1">
-            <a:tint val="60000"/>
-            <a:hueOff val="0"/>
-            <a:satOff val="0"/>
-            <a:lumOff val="0"/>
-            <a:alphaOff val="0"/>
-          </a:schemeClr>
-        </a:solidFill>
-        <a:ln>
-          <a:solidFill>
-            <a:schemeClr val="accent1"/>
-          </a:solidFill>
-        </a:ln>
-        <a:effectLst/>
-      </dsp:spPr>
-      <dsp:style>
-        <a:lnRef idx="0">
-          <a:scrgbClr r="0" g="0" b="0"/>
-        </a:lnRef>
-        <a:fillRef idx="1">
-          <a:scrgbClr r="0" g="0" b="0"/>
-        </a:fillRef>
-        <a:effectRef idx="0">
-          <a:scrgbClr r="0" g="0" b="0"/>
-        </a:effectRef>
-        <a:fontRef idx="minor">
-          <a:schemeClr val="lt1"/>
-        </a:fontRef>
-      </dsp:style>
-      <dsp:txBody>
-        <a:bodyPr spcFirstLastPara="0" vert="horz" wrap="square" lIns="0" tIns="0" rIns="0" bIns="0" numCol="1" spcCol="1270" anchor="ctr" anchorCtr="0">
-          <a:noAutofit/>
-        </a:bodyPr>
-        <a:lstStyle/>
-        <a:p>
-          <a:pPr marL="0" lvl="0" indent="0" algn="ctr" defTabSz="711200">
-            <a:lnSpc>
-              <a:spcPct val="90000"/>
-            </a:lnSpc>
-            <a:spcBef>
-              <a:spcPct val="0"/>
-            </a:spcBef>
-            <a:spcAft>
-              <a:spcPct val="35000"/>
-            </a:spcAft>
-            <a:buNone/>
-          </a:pPr>
-          <a:endParaRPr kumimoji="1" lang="ja-JP" altLang="en-US" sz="1600" kern="1200"/>
-        </a:p>
-      </dsp:txBody>
-      <dsp:txXfrm rot="-5400000">
-        <a:off x="2424235" y="3132376"/>
-        <a:ext cx="484165" cy="327426"/>
-      </dsp:txXfrm>
-    </dsp:sp>
-    <dsp:sp modelId="{CA259601-2D12-4654-A3FC-426CC8F924F7}">
-      <dsp:nvSpPr>
-        <dsp:cNvPr id="0" name=""/>
-        <dsp:cNvSpPr/>
-      </dsp:nvSpPr>
-      <dsp:spPr>
-        <a:xfrm>
-          <a:off x="1193374" y="3647909"/>
-          <a:ext cx="2945884" cy="1233793"/>
-        </a:xfrm>
-        <a:prstGeom prst="roundRect">
-          <a:avLst>
-            <a:gd name="adj" fmla="val 10000"/>
-          </a:avLst>
-        </a:prstGeom>
-        <a:solidFill>
-          <a:schemeClr val="accent6">
-            <a:lumMod val="75000"/>
-          </a:schemeClr>
-        </a:solidFill>
-        <a:ln w="12700" cap="flat" cmpd="sng" algn="ctr">
-          <a:solidFill>
-            <a:schemeClr val="lt1">
-              <a:hueOff val="0"/>
-              <a:satOff val="0"/>
-              <a:lumOff val="0"/>
-              <a:alphaOff val="0"/>
-            </a:schemeClr>
-          </a:solidFill>
-          <a:prstDash val="solid"/>
-          <a:miter lim="800000"/>
-        </a:ln>
-        <a:effectLst/>
-      </dsp:spPr>
-      <dsp:style>
-        <a:lnRef idx="2">
-          <a:scrgbClr r="0" g="0" b="0"/>
-        </a:lnRef>
-        <a:fillRef idx="1">
-          <a:scrgbClr r="0" g="0" b="0"/>
-        </a:fillRef>
-        <a:effectRef idx="0">
-          <a:scrgbClr r="0" g="0" b="0"/>
-        </a:effectRef>
-        <a:fontRef idx="minor">
-          <a:schemeClr val="lt1"/>
-        </a:fontRef>
-      </dsp:style>
-      <dsp:txBody>
-        <a:bodyPr spcFirstLastPara="0" vert="horz" wrap="square" lIns="160020" tIns="160020" rIns="160020" bIns="160020" numCol="1" spcCol="1270" anchor="ctr" anchorCtr="0">
-          <a:noAutofit/>
-        </a:bodyPr>
-        <a:lstStyle/>
-        <a:p>
-          <a:pPr marL="0" lvl="0" indent="0" algn="l" defTabSz="1866900">
-            <a:lnSpc>
-              <a:spcPct val="90000"/>
-            </a:lnSpc>
-            <a:spcBef>
-              <a:spcPct val="0"/>
-            </a:spcBef>
-            <a:spcAft>
-              <a:spcPct val="35000"/>
-            </a:spcAft>
-            <a:buNone/>
-          </a:pPr>
-          <a:r>
-            <a:rPr kumimoji="1" lang="ja-JP" altLang="en-US" sz="4200" b="1" kern="1200" dirty="0"/>
+            <a:rPr kumimoji="1" lang="ja-JP" altLang="en-US" sz="4300" b="1" kern="1200" dirty="0"/>
             <a:t>文字</a:t>
           </a:r>
         </a:p>
       </dsp:txBody>
       <dsp:txXfrm>
-        <a:off x="1229511" y="3684046"/>
-        <a:ext cx="2873610" cy="1161519"/>
+        <a:off x="563004" y="3770025"/>
+        <a:ext cx="2940677" cy="1188628"/>
       </dsp:txXfrm>
     </dsp:sp>
   </dsp:spTree>
@@ -3167,6 +3161,462 @@
 </p:notes>
 </file>
 
+<file path=ppt/notesSlides/notesSlide10.xml><?xml version="1.0" encoding="utf-8"?>
+<p:notes xmlns:a="http://schemas.openxmlformats.org/drawingml/2006/main" xmlns:r="http://schemas.openxmlformats.org/officeDocument/2006/relationships" xmlns:p="http://schemas.openxmlformats.org/presentationml/2006/main">
+  <p:cSld>
+    <p:spTree>
+      <p:nvGrpSpPr>
+        <p:cNvPr id="1" name=""/>
+        <p:cNvGrpSpPr/>
+        <p:nvPr/>
+      </p:nvGrpSpPr>
+      <p:grpSpPr>
+        <a:xfrm>
+          <a:off x="0" y="0"/>
+          <a:ext cx="0" cy="0"/>
+          <a:chOff x="0" y="0"/>
+          <a:chExt cx="0" cy="0"/>
+        </a:xfrm>
+      </p:grpSpPr>
+      <p:sp>
+        <p:nvSpPr>
+          <p:cNvPr id="2" name="スライド イメージ プレースホルダー 1"/>
+          <p:cNvSpPr>
+            <a:spLocks noGrp="1" noRot="1" noChangeAspect="1"/>
+          </p:cNvSpPr>
+          <p:nvPr>
+            <p:ph type="sldImg"/>
+          </p:nvPr>
+        </p:nvSpPr>
+        <p:spPr/>
+      </p:sp>
+      <p:sp>
+        <p:nvSpPr>
+          <p:cNvPr id="3" name="ノート プレースホルダー 2"/>
+          <p:cNvSpPr>
+            <a:spLocks noGrp="1"/>
+          </p:cNvSpPr>
+          <p:nvPr>
+            <p:ph type="body" idx="1"/>
+          </p:nvPr>
+        </p:nvSpPr>
+        <p:spPr/>
+        <p:txBody>
+          <a:bodyPr/>
+          <a:lstStyle/>
+          <a:p>
+            <a:r>
+              <a:rPr kumimoji="1" lang="ja-JP" altLang="en-US" dirty="0"/>
+              <a:t>音声ファイルの作成には時間がかかるが、再生には時間がかからないため、処理を分割。</a:t>
+            </a:r>
+            <a:endParaRPr kumimoji="1" lang="en-US" altLang="ja-JP" dirty="0"/>
+          </a:p>
+          <a:p>
+            <a:r>
+              <a:rPr kumimoji="1" lang="ja-JP" altLang="en-US" dirty="0"/>
+              <a:t>音声ファイル作成は元となるテキストデータのサイズが大きいほど作成に時間がかかるため、スクレイピング直後に実行。</a:t>
+            </a:r>
+            <a:endParaRPr kumimoji="1" lang="en-US" altLang="ja-JP" dirty="0"/>
+          </a:p>
+          <a:p>
+            <a:r>
+              <a:rPr kumimoji="1" lang="ja-JP" altLang="en-US" dirty="0"/>
+              <a:t>スクレイピングと併せて音声ファイルを作成することで、機能を利用する際に発生する処理時間を削減。</a:t>
+            </a:r>
+            <a:endParaRPr kumimoji="1" lang="en-US" altLang="ja-JP" dirty="0"/>
+          </a:p>
+        </p:txBody>
+      </p:sp>
+      <p:sp>
+        <p:nvSpPr>
+          <p:cNvPr id="4" name="スライド番号プレースホルダー 3"/>
+          <p:cNvSpPr>
+            <a:spLocks noGrp="1"/>
+          </p:cNvSpPr>
+          <p:nvPr>
+            <p:ph type="sldNum" sz="quarter" idx="5"/>
+          </p:nvPr>
+        </p:nvSpPr>
+        <p:spPr/>
+        <p:txBody>
+          <a:bodyPr/>
+          <a:lstStyle/>
+          <a:p>
+            <a:fld id="{1A2E7C28-4903-4521-8E60-0F80C627678B}" type="slidenum">
+              <a:rPr kumimoji="1" lang="ja-JP" altLang="en-US" smtClean="0"/>
+              <a:t>20</a:t>
+            </a:fld>
+            <a:endParaRPr kumimoji="1" lang="ja-JP" altLang="en-US"/>
+          </a:p>
+        </p:txBody>
+      </p:sp>
+    </p:spTree>
+    <p:extLst>
+      <p:ext uri="{BB962C8B-B14F-4D97-AF65-F5344CB8AC3E}">
+        <p14:creationId xmlns:p14="http://schemas.microsoft.com/office/powerpoint/2010/main" val="950038501"/>
+      </p:ext>
+    </p:extLst>
+  </p:cSld>
+  <p:clrMapOvr>
+    <a:masterClrMapping/>
+  </p:clrMapOvr>
+</p:notes>
+</file>
+
+<file path=ppt/notesSlides/notesSlide11.xml><?xml version="1.0" encoding="utf-8"?>
+<p:notes xmlns:a="http://schemas.openxmlformats.org/drawingml/2006/main" xmlns:r="http://schemas.openxmlformats.org/officeDocument/2006/relationships" xmlns:p="http://schemas.openxmlformats.org/presentationml/2006/main">
+  <p:cSld>
+    <p:spTree>
+      <p:nvGrpSpPr>
+        <p:cNvPr id="1" name=""/>
+        <p:cNvGrpSpPr/>
+        <p:nvPr/>
+      </p:nvGrpSpPr>
+      <p:grpSpPr>
+        <a:xfrm>
+          <a:off x="0" y="0"/>
+          <a:ext cx="0" cy="0"/>
+          <a:chOff x="0" y="0"/>
+          <a:chExt cx="0" cy="0"/>
+        </a:xfrm>
+      </p:grpSpPr>
+      <p:sp>
+        <p:nvSpPr>
+          <p:cNvPr id="2" name="スライド イメージ プレースホルダー 1"/>
+          <p:cNvSpPr>
+            <a:spLocks noGrp="1" noRot="1" noChangeAspect="1"/>
+          </p:cNvSpPr>
+          <p:nvPr>
+            <p:ph type="sldImg"/>
+          </p:nvPr>
+        </p:nvSpPr>
+        <p:spPr/>
+      </p:sp>
+      <p:sp>
+        <p:nvSpPr>
+          <p:cNvPr id="3" name="ノート プレースホルダー 2"/>
+          <p:cNvSpPr>
+            <a:spLocks noGrp="1"/>
+          </p:cNvSpPr>
+          <p:nvPr>
+            <p:ph type="body" idx="1"/>
+          </p:nvPr>
+        </p:nvSpPr>
+        <p:spPr/>
+        <p:txBody>
+          <a:bodyPr/>
+          <a:lstStyle/>
+          <a:p>
+            <a:r>
+              <a:rPr kumimoji="1" lang="ja-JP" altLang="en-US" dirty="0"/>
+              <a:t>音声ファイルの再生は、音声ファイルのサイズにかかわらずほぼノータイムで再生が始まるので、機能利用時の無駄な待ち時間が解消。</a:t>
+            </a:r>
+            <a:endParaRPr kumimoji="1" lang="en-US" altLang="ja-JP" dirty="0"/>
+          </a:p>
+        </p:txBody>
+      </p:sp>
+      <p:sp>
+        <p:nvSpPr>
+          <p:cNvPr id="4" name="スライド番号プレースホルダー 3"/>
+          <p:cNvSpPr>
+            <a:spLocks noGrp="1"/>
+          </p:cNvSpPr>
+          <p:nvPr>
+            <p:ph type="sldNum" sz="quarter" idx="5"/>
+          </p:nvPr>
+        </p:nvSpPr>
+        <p:spPr/>
+        <p:txBody>
+          <a:bodyPr/>
+          <a:lstStyle/>
+          <a:p>
+            <a:fld id="{1A2E7C28-4903-4521-8E60-0F80C627678B}" type="slidenum">
+              <a:rPr kumimoji="1" lang="ja-JP" altLang="en-US" smtClean="0"/>
+              <a:t>21</a:t>
+            </a:fld>
+            <a:endParaRPr kumimoji="1" lang="ja-JP" altLang="en-US"/>
+          </a:p>
+        </p:txBody>
+      </p:sp>
+    </p:spTree>
+    <p:extLst>
+      <p:ext uri="{BB962C8B-B14F-4D97-AF65-F5344CB8AC3E}">
+        <p14:creationId xmlns:p14="http://schemas.microsoft.com/office/powerpoint/2010/main" val="1390197788"/>
+      </p:ext>
+    </p:extLst>
+  </p:cSld>
+  <p:clrMapOvr>
+    <a:masterClrMapping/>
+  </p:clrMapOvr>
+</p:notes>
+</file>
+
+<file path=ppt/notesSlides/notesSlide12.xml><?xml version="1.0" encoding="utf-8"?>
+<p:notes xmlns:a="http://schemas.openxmlformats.org/drawingml/2006/main" xmlns:r="http://schemas.openxmlformats.org/officeDocument/2006/relationships" xmlns:p="http://schemas.openxmlformats.org/presentationml/2006/main">
+  <p:cSld>
+    <p:spTree>
+      <p:nvGrpSpPr>
+        <p:cNvPr id="1" name=""/>
+        <p:cNvGrpSpPr/>
+        <p:nvPr/>
+      </p:nvGrpSpPr>
+      <p:grpSpPr>
+        <a:xfrm>
+          <a:off x="0" y="0"/>
+          <a:ext cx="0" cy="0"/>
+          <a:chOff x="0" y="0"/>
+          <a:chExt cx="0" cy="0"/>
+        </a:xfrm>
+      </p:grpSpPr>
+      <p:sp>
+        <p:nvSpPr>
+          <p:cNvPr id="2" name="スライド イメージ プレースホルダー 1"/>
+          <p:cNvSpPr>
+            <a:spLocks noGrp="1" noRot="1" noChangeAspect="1"/>
+          </p:cNvSpPr>
+          <p:nvPr>
+            <p:ph type="sldImg"/>
+          </p:nvPr>
+        </p:nvSpPr>
+        <p:spPr/>
+      </p:sp>
+      <p:sp>
+        <p:nvSpPr>
+          <p:cNvPr id="3" name="ノート プレースホルダー 2"/>
+          <p:cNvSpPr>
+            <a:spLocks noGrp="1"/>
+          </p:cNvSpPr>
+          <p:nvPr>
+            <p:ph type="body" idx="1"/>
+          </p:nvPr>
+        </p:nvSpPr>
+        <p:spPr/>
+        <p:txBody>
+          <a:bodyPr/>
+          <a:lstStyle/>
+          <a:p>
+            <a:r>
+              <a:rPr kumimoji="1" lang="ja-JP" altLang="en-US" dirty="0"/>
+              <a:t>ミュートをコントロールするコマンドをシェルスクリプトとして使用</a:t>
+            </a:r>
+          </a:p>
+        </p:txBody>
+      </p:sp>
+      <p:sp>
+        <p:nvSpPr>
+          <p:cNvPr id="4" name="スライド番号プレースホルダー 3"/>
+          <p:cNvSpPr>
+            <a:spLocks noGrp="1"/>
+          </p:cNvSpPr>
+          <p:nvPr>
+            <p:ph type="sldNum" sz="quarter" idx="5"/>
+          </p:nvPr>
+        </p:nvSpPr>
+        <p:spPr/>
+        <p:txBody>
+          <a:bodyPr/>
+          <a:lstStyle/>
+          <a:p>
+            <a:fld id="{1A2E7C28-4903-4521-8E60-0F80C627678B}" type="slidenum">
+              <a:rPr kumimoji="1" lang="ja-JP" altLang="en-US" smtClean="0"/>
+              <a:t>22</a:t>
+            </a:fld>
+            <a:endParaRPr kumimoji="1" lang="ja-JP" altLang="en-US"/>
+          </a:p>
+        </p:txBody>
+      </p:sp>
+    </p:spTree>
+    <p:extLst>
+      <p:ext uri="{BB962C8B-B14F-4D97-AF65-F5344CB8AC3E}">
+        <p14:creationId xmlns:p14="http://schemas.microsoft.com/office/powerpoint/2010/main" val="915393266"/>
+      </p:ext>
+    </p:extLst>
+  </p:cSld>
+  <p:clrMapOvr>
+    <a:masterClrMapping/>
+  </p:clrMapOvr>
+</p:notes>
+</file>
+
+<file path=ppt/notesSlides/notesSlide13.xml><?xml version="1.0" encoding="utf-8"?>
+<p:notes xmlns:a="http://schemas.openxmlformats.org/drawingml/2006/main" xmlns:r="http://schemas.openxmlformats.org/officeDocument/2006/relationships" xmlns:p="http://schemas.openxmlformats.org/presentationml/2006/main">
+  <p:cSld>
+    <p:spTree>
+      <p:nvGrpSpPr>
+        <p:cNvPr id="1" name=""/>
+        <p:cNvGrpSpPr/>
+        <p:nvPr/>
+      </p:nvGrpSpPr>
+      <p:grpSpPr>
+        <a:xfrm>
+          <a:off x="0" y="0"/>
+          <a:ext cx="0" cy="0"/>
+          <a:chOff x="0" y="0"/>
+          <a:chExt cx="0" cy="0"/>
+        </a:xfrm>
+      </p:grpSpPr>
+      <p:sp>
+        <p:nvSpPr>
+          <p:cNvPr id="2" name="スライド イメージ プレースホルダー 1"/>
+          <p:cNvSpPr>
+            <a:spLocks noGrp="1" noRot="1" noChangeAspect="1"/>
+          </p:cNvSpPr>
+          <p:nvPr>
+            <p:ph type="sldImg"/>
+          </p:nvPr>
+        </p:nvSpPr>
+        <p:spPr/>
+      </p:sp>
+      <p:sp>
+        <p:nvSpPr>
+          <p:cNvPr id="3" name="ノート プレースホルダー 2"/>
+          <p:cNvSpPr>
+            <a:spLocks noGrp="1"/>
+          </p:cNvSpPr>
+          <p:nvPr>
+            <p:ph type="body" idx="1"/>
+          </p:nvPr>
+        </p:nvSpPr>
+        <p:spPr/>
+        <p:txBody>
+          <a:bodyPr/>
+          <a:lstStyle/>
+          <a:p>
+            <a:r>
+              <a:rPr kumimoji="1" lang="ja-JP" altLang="en-US" dirty="0"/>
+              <a:t>よしえにいってもーら</a:t>
+            </a:r>
+            <a:r>
+              <a:rPr kumimoji="1" lang="ja-JP" altLang="en-US" dirty="0" err="1"/>
+              <a:t>お</a:t>
+            </a:r>
+            <a:r>
+              <a:rPr kumimoji="1" lang="ja-JP" altLang="en-US" dirty="0"/>
+              <a:t>！</a:t>
+            </a:r>
+          </a:p>
+        </p:txBody>
+      </p:sp>
+      <p:sp>
+        <p:nvSpPr>
+          <p:cNvPr id="4" name="スライド番号プレースホルダー 3"/>
+          <p:cNvSpPr>
+            <a:spLocks noGrp="1"/>
+          </p:cNvSpPr>
+          <p:nvPr>
+            <p:ph type="sldNum" sz="quarter" idx="5"/>
+          </p:nvPr>
+        </p:nvSpPr>
+        <p:spPr/>
+        <p:txBody>
+          <a:bodyPr/>
+          <a:lstStyle/>
+          <a:p>
+            <a:fld id="{1A2E7C28-4903-4521-8E60-0F80C627678B}" type="slidenum">
+              <a:rPr kumimoji="1" lang="ja-JP" altLang="en-US" smtClean="0"/>
+              <a:t>31</a:t>
+            </a:fld>
+            <a:endParaRPr kumimoji="1" lang="ja-JP" altLang="en-US"/>
+          </a:p>
+        </p:txBody>
+      </p:sp>
+    </p:spTree>
+    <p:extLst>
+      <p:ext uri="{BB962C8B-B14F-4D97-AF65-F5344CB8AC3E}">
+        <p14:creationId xmlns:p14="http://schemas.microsoft.com/office/powerpoint/2010/main" val="2772600148"/>
+      </p:ext>
+    </p:extLst>
+  </p:cSld>
+  <p:clrMapOvr>
+    <a:masterClrMapping/>
+  </p:clrMapOvr>
+</p:notes>
+</file>
+
+<file path=ppt/notesSlides/notesSlide14.xml><?xml version="1.0" encoding="utf-8"?>
+<p:notes xmlns:a="http://schemas.openxmlformats.org/drawingml/2006/main" xmlns:r="http://schemas.openxmlformats.org/officeDocument/2006/relationships" xmlns:p="http://schemas.openxmlformats.org/presentationml/2006/main">
+  <p:cSld>
+    <p:spTree>
+      <p:nvGrpSpPr>
+        <p:cNvPr id="1" name=""/>
+        <p:cNvGrpSpPr/>
+        <p:nvPr/>
+      </p:nvGrpSpPr>
+      <p:grpSpPr>
+        <a:xfrm>
+          <a:off x="0" y="0"/>
+          <a:ext cx="0" cy="0"/>
+          <a:chOff x="0" y="0"/>
+          <a:chExt cx="0" cy="0"/>
+        </a:xfrm>
+      </p:grpSpPr>
+      <p:sp>
+        <p:nvSpPr>
+          <p:cNvPr id="2" name="スライド イメージ プレースホルダー 1"/>
+          <p:cNvSpPr>
+            <a:spLocks noGrp="1" noRot="1" noChangeAspect="1"/>
+          </p:cNvSpPr>
+          <p:nvPr>
+            <p:ph type="sldImg"/>
+          </p:nvPr>
+        </p:nvSpPr>
+        <p:spPr/>
+      </p:sp>
+      <p:sp>
+        <p:nvSpPr>
+          <p:cNvPr id="3" name="ノート プレースホルダー 2"/>
+          <p:cNvSpPr>
+            <a:spLocks noGrp="1"/>
+          </p:cNvSpPr>
+          <p:nvPr>
+            <p:ph type="body" idx="1"/>
+          </p:nvPr>
+        </p:nvSpPr>
+        <p:spPr/>
+        <p:txBody>
+          <a:bodyPr/>
+          <a:lstStyle/>
+          <a:p>
+            <a:endParaRPr kumimoji="1" lang="ja-JP" altLang="en-US" dirty="0"/>
+          </a:p>
+        </p:txBody>
+      </p:sp>
+      <p:sp>
+        <p:nvSpPr>
+          <p:cNvPr id="4" name="スライド番号プレースホルダー 3"/>
+          <p:cNvSpPr>
+            <a:spLocks noGrp="1"/>
+          </p:cNvSpPr>
+          <p:nvPr>
+            <p:ph type="sldNum" sz="quarter" idx="5"/>
+          </p:nvPr>
+        </p:nvSpPr>
+        <p:spPr/>
+        <p:txBody>
+          <a:bodyPr/>
+          <a:lstStyle/>
+          <a:p>
+            <a:fld id="{1A2E7C28-4903-4521-8E60-0F80C627678B}" type="slidenum">
+              <a:rPr kumimoji="1" lang="ja-JP" altLang="en-US" smtClean="0"/>
+              <a:t>32</a:t>
+            </a:fld>
+            <a:endParaRPr kumimoji="1" lang="ja-JP" altLang="en-US"/>
+          </a:p>
+        </p:txBody>
+      </p:sp>
+    </p:spTree>
+    <p:extLst>
+      <p:ext uri="{BB962C8B-B14F-4D97-AF65-F5344CB8AC3E}">
+        <p14:creationId xmlns:p14="http://schemas.microsoft.com/office/powerpoint/2010/main" val="2536235001"/>
+      </p:ext>
+    </p:extLst>
+  </p:cSld>
+  <p:clrMapOvr>
+    <a:masterClrMapping/>
+  </p:clrMapOvr>
+</p:notes>
+</file>
+
 <file path=ppt/notesSlides/notesSlide2.xml><?xml version="1.0" encoding="utf-8"?>
 <p:notes xmlns:a="http://schemas.openxmlformats.org/drawingml/2006/main" xmlns:r="http://schemas.openxmlformats.org/officeDocument/2006/relationships" xmlns:p="http://schemas.openxmlformats.org/presentationml/2006/main">
   <p:cSld>
@@ -3213,16 +3663,71 @@
           <a:p>
             <a:r>
               <a:rPr kumimoji="1" lang="ja-JP" altLang="en-US" dirty="0"/>
-              <a:t>前回スライドの</a:t>
+              <a:t>まずはプロジェクトの全体像について説明します。</a:t>
+            </a:r>
+            <a:endParaRPr kumimoji="1" lang="en-US" altLang="ja-JP" dirty="0"/>
+          </a:p>
+          <a:p>
+            <a:r>
+              <a:rPr kumimoji="1" lang="ja-JP" altLang="en-US" dirty="0"/>
+              <a:t>私たちが作っているのは</a:t>
             </a:r>
             <a:r>
               <a:rPr kumimoji="1" lang="en-US" altLang="ja-JP" dirty="0"/>
-              <a:t>3</a:t>
+              <a:t>AI</a:t>
             </a:r>
             <a:r>
               <a:rPr kumimoji="1" lang="ja-JP" altLang="en-US" dirty="0"/>
-              <a:t>枚目を分解</a:t>
-            </a:r>
+              <a:t>スピーカーで、名前は、★“</a:t>
+            </a:r>
+            <a:r>
+              <a:rPr kumimoji="1" lang="en-US" altLang="ja-JP" dirty="0"/>
+              <a:t>YoSiE</a:t>
+            </a:r>
+            <a:r>
+              <a:rPr kumimoji="1" lang="ja-JP" altLang="en-US" dirty="0"/>
+              <a:t>”といいます。</a:t>
+            </a:r>
+            <a:endParaRPr kumimoji="1" lang="en-US" altLang="ja-JP" dirty="0"/>
+          </a:p>
+          <a:p>
+            <a:r>
+              <a:rPr kumimoji="1" lang="en-US" altLang="ja-JP" dirty="0"/>
+              <a:t>YoSiE</a:t>
+            </a:r>
+            <a:r>
+              <a:rPr kumimoji="1" lang="ja-JP" altLang="en-US" dirty="0"/>
+              <a:t>の機能の例として、★「今日の天気は？」と問いかけると、★天気予報を読み上げてくれます。</a:t>
+            </a:r>
+            <a:endParaRPr kumimoji="1" lang="en-US" altLang="ja-JP" dirty="0"/>
+          </a:p>
+          <a:p>
+            <a:r>
+              <a:rPr kumimoji="1" lang="ja-JP" altLang="en-US" dirty="0"/>
+              <a:t>現在実装している機能は、★天気予報・ニュース・日時・星座占いの４つの読み上げです。</a:t>
+            </a:r>
+            <a:endParaRPr kumimoji="1" lang="en-US" altLang="ja-JP" dirty="0"/>
+          </a:p>
+          <a:p>
+            <a:r>
+              <a:rPr kumimoji="1" lang="ja-JP" altLang="en-US" dirty="0"/>
+              <a:t>ハードウェアの本体には、★</a:t>
+            </a:r>
+            <a:r>
+              <a:rPr kumimoji="1" lang="en-US" altLang="ja-JP" dirty="0"/>
+              <a:t>Raspberry Pi</a:t>
+            </a:r>
+            <a:r>
+              <a:rPr kumimoji="1" lang="ja-JP" altLang="en-US" dirty="0" err="1"/>
+              <a:t>、</a:t>
+            </a:r>
+            <a:r>
+              <a:rPr kumimoji="1" lang="ja-JP" altLang="en-US" dirty="0"/>
+              <a:t>通称ラズパイを使用しています。</a:t>
+            </a:r>
+          </a:p>
+          <a:p>
+            <a:endParaRPr kumimoji="1" lang="ja-JP" altLang="en-US" dirty="0"/>
           </a:p>
         </p:txBody>
       </p:sp>
@@ -3243,7 +3748,7 @@
           <a:p>
             <a:fld id="{1A2E7C28-4903-4521-8E60-0F80C627678B}" type="slidenum">
               <a:rPr kumimoji="1" lang="ja-JP" altLang="en-US" smtClean="0"/>
-              <a:t>4</a:t>
+              <a:t>3</a:t>
             </a:fld>
             <a:endParaRPr kumimoji="1" lang="ja-JP" altLang="en-US"/>
           </a:p>
@@ -3252,7 +3757,7 @@
     </p:spTree>
     <p:extLst>
       <p:ext uri="{BB962C8B-B14F-4D97-AF65-F5344CB8AC3E}">
-        <p14:creationId xmlns:p14="http://schemas.microsoft.com/office/powerpoint/2010/main" val="2230633385"/>
+        <p14:creationId xmlns:p14="http://schemas.microsoft.com/office/powerpoint/2010/main" val="3799800391"/>
       </p:ext>
     </p:extLst>
   </p:cSld>
@@ -3308,44 +3813,54 @@
           <a:p>
             <a:r>
               <a:rPr kumimoji="1" lang="en-US" altLang="ja-JP" dirty="0"/>
-              <a:t>Julius</a:t>
+              <a:t>YoSiE</a:t>
             </a:r>
             <a:r>
               <a:rPr kumimoji="1" lang="ja-JP" altLang="en-US" dirty="0"/>
-              <a:t>と</a:t>
-            </a:r>
-            <a:r>
-              <a:rPr kumimoji="1" lang="en-US" altLang="ja-JP" dirty="0"/>
-              <a:t>Python</a:t>
-            </a:r>
+              <a:t>の処理の流れを説明します。</a:t>
+            </a:r>
+            <a:endParaRPr kumimoji="1" lang="en-US" altLang="ja-JP" dirty="0"/>
+          </a:p>
+          <a:p>
             <a:r>
               <a:rPr kumimoji="1" lang="ja-JP" altLang="en-US" dirty="0"/>
-              <a:t>の連携については、御覧の図の通りです。</a:t>
+              <a:t>ざっくりとした流れは、音声認識、テキスト分類、データ取得、音声合成となっています。</a:t>
             </a:r>
             <a:endParaRPr kumimoji="1" lang="en-US" altLang="ja-JP" dirty="0"/>
           </a:p>
           <a:p>
             <a:r>
               <a:rPr kumimoji="1" lang="ja-JP" altLang="en-US" dirty="0"/>
-              <a:t>まず</a:t>
-            </a:r>
-            <a:r>
-              <a:rPr kumimoji="1" lang="en-US" altLang="ja-JP" dirty="0"/>
-              <a:t>Julius</a:t>
-            </a:r>
+              <a:t>まずユーザが問いかけた内容を、音声認識で文字データに変換し、</a:t>
+            </a:r>
+            <a:endParaRPr kumimoji="1" lang="en-US" altLang="ja-JP" dirty="0"/>
+          </a:p>
+          <a:p>
             <a:r>
               <a:rPr kumimoji="1" lang="ja-JP" altLang="en-US" dirty="0"/>
-              <a:t>サーバを起動させておき、そのあとで</a:t>
-            </a:r>
-            <a:r>
-              <a:rPr kumimoji="1" lang="en-US" altLang="ja-JP" dirty="0"/>
-              <a:t>Python</a:t>
-            </a:r>
+              <a:t>テキスト分類を行い、その内容から要求している機能を予測します。</a:t>
+            </a:r>
+            <a:endParaRPr kumimoji="1" lang="en-US" altLang="ja-JP" dirty="0"/>
+          </a:p>
+          <a:p>
             <a:r>
               <a:rPr kumimoji="1" lang="ja-JP" altLang="en-US" dirty="0"/>
-              <a:t>プログラムを実行させます。</a:t>
+              <a:t>そして機能ごとに出力する内容をテキストデータとして取得し、</a:t>
             </a:r>
             <a:endParaRPr kumimoji="1" lang="en-US" altLang="ja-JP" dirty="0"/>
+          </a:p>
+          <a:p>
+            <a:r>
+              <a:rPr kumimoji="1" lang="ja-JP" altLang="en-US" dirty="0"/>
+              <a:t>音声合成で音声データとして出力します。</a:t>
+            </a:r>
+            <a:endParaRPr kumimoji="1" lang="en-US" altLang="ja-JP" dirty="0"/>
+          </a:p>
+          <a:p>
+            <a:r>
+              <a:rPr kumimoji="1" lang="ja-JP" altLang="en-US" dirty="0"/>
+              <a:t>続いて、各処理に使用する要素技術を紹介していきます。</a:t>
+            </a:r>
           </a:p>
         </p:txBody>
       </p:sp>
@@ -3366,7 +3881,7 @@
           <a:p>
             <a:fld id="{1A2E7C28-4903-4521-8E60-0F80C627678B}" type="slidenum">
               <a:rPr kumimoji="1" lang="ja-JP" altLang="en-US" smtClean="0"/>
-              <a:t>7</a:t>
+              <a:t>4</a:t>
             </a:fld>
             <a:endParaRPr kumimoji="1" lang="ja-JP" altLang="en-US"/>
           </a:p>
@@ -3375,7 +3890,7 @@
     </p:spTree>
     <p:extLst>
       <p:ext uri="{BB962C8B-B14F-4D97-AF65-F5344CB8AC3E}">
-        <p14:creationId xmlns:p14="http://schemas.microsoft.com/office/powerpoint/2010/main" val="3807156665"/>
+        <p14:creationId xmlns:p14="http://schemas.microsoft.com/office/powerpoint/2010/main" val="2230633385"/>
       </p:ext>
     </p:extLst>
   </p:cSld>
@@ -3431,26 +3946,72 @@
           <a:p>
             <a:r>
               <a:rPr kumimoji="1" lang="ja-JP" altLang="en-US" dirty="0"/>
-              <a:t>雨→脳内</a:t>
+              <a:t>音声認識には</a:t>
+            </a:r>
+            <a:r>
+              <a:rPr kumimoji="1" lang="en-US" altLang="ja-JP" dirty="0"/>
+              <a:t>Julius</a:t>
+            </a:r>
+            <a:r>
+              <a:rPr kumimoji="1" lang="ja-JP" altLang="en-US" dirty="0" err="1"/>
+              <a:t>、</a:t>
             </a:r>
             <a:endParaRPr kumimoji="1" lang="en-US" altLang="ja-JP" dirty="0"/>
           </a:p>
           <a:p>
             <a:r>
               <a:rPr kumimoji="1" lang="ja-JP" altLang="en-US" dirty="0"/>
-              <a:t>あめ→発音</a:t>
+              <a:t>テキスト分類には</a:t>
+            </a:r>
+            <a:r>
+              <a:rPr kumimoji="1" lang="en-US" altLang="ja-JP" dirty="0" err="1"/>
+              <a:t>fastText</a:t>
+            </a:r>
+            <a:r>
+              <a:rPr kumimoji="1" lang="ja-JP" altLang="en-US" dirty="0" err="1"/>
+              <a:t>、</a:t>
             </a:r>
             <a:endParaRPr kumimoji="1" lang="en-US" altLang="ja-JP" dirty="0"/>
           </a:p>
           <a:p>
             <a:r>
+              <a:rPr kumimoji="1" lang="ja-JP" altLang="en-US" dirty="0"/>
+              <a:t>データ取得にはスクレイピング・</a:t>
+            </a:r>
+            <a:r>
+              <a:rPr kumimoji="1" lang="en-US" altLang="ja-JP" dirty="0"/>
+              <a:t>Datetime</a:t>
+            </a:r>
+            <a:r>
+              <a:rPr kumimoji="1" lang="ja-JP" altLang="en-US" dirty="0"/>
+              <a:t>モジュール、</a:t>
+            </a:r>
+            <a:endParaRPr kumimoji="1" lang="en-US" altLang="ja-JP" dirty="0"/>
+          </a:p>
+          <a:p>
+            <a:r>
+              <a:rPr kumimoji="1" lang="ja-JP" altLang="en-US" dirty="0"/>
+              <a:t>音声合成には</a:t>
+            </a:r>
+            <a:r>
               <a:rPr kumimoji="1" lang="en-US" altLang="ja-JP" dirty="0" err="1"/>
-              <a:t>Ame</a:t>
+              <a:t>OpenJtalk</a:t>
             </a:r>
             <a:r>
               <a:rPr kumimoji="1" lang="ja-JP" altLang="en-US" dirty="0"/>
-              <a:t>→音素</a:t>
-            </a:r>
+              <a:t>を使用しています。</a:t>
+            </a:r>
+            <a:endParaRPr kumimoji="1" lang="en-US" altLang="ja-JP" dirty="0"/>
+          </a:p>
+          <a:p>
+            <a:r>
+              <a:rPr kumimoji="1" lang="ja-JP" altLang="en-US" dirty="0"/>
+              <a:t>次に、要素技術それぞれについての説明をします。</a:t>
+            </a:r>
+            <a:endParaRPr kumimoji="1" lang="en-US" altLang="ja-JP" dirty="0"/>
+          </a:p>
+          <a:p>
+            <a:endParaRPr kumimoji="1" lang="en-US" altLang="ja-JP" dirty="0"/>
           </a:p>
         </p:txBody>
       </p:sp>
@@ -3471,7 +4032,7 @@
           <a:p>
             <a:fld id="{1A2E7C28-4903-4521-8E60-0F80C627678B}" type="slidenum">
               <a:rPr kumimoji="1" lang="ja-JP" altLang="en-US" smtClean="0"/>
-              <a:t>9</a:t>
+              <a:t>5</a:t>
             </a:fld>
             <a:endParaRPr kumimoji="1" lang="ja-JP" altLang="en-US"/>
           </a:p>
@@ -3480,7 +4041,7 @@
     </p:spTree>
     <p:extLst>
       <p:ext uri="{BB962C8B-B14F-4D97-AF65-F5344CB8AC3E}">
-        <p14:creationId xmlns:p14="http://schemas.microsoft.com/office/powerpoint/2010/main" val="3346812870"/>
+        <p14:creationId xmlns:p14="http://schemas.microsoft.com/office/powerpoint/2010/main" val="85006054"/>
       </p:ext>
     </p:extLst>
   </p:cSld>
@@ -3536,30 +4097,57 @@
           <a:p>
             <a:r>
               <a:rPr kumimoji="1" lang="ja-JP" altLang="en-US" dirty="0"/>
-              <a:t>スクレイピングした結果をそれぞれテキストファイルに保存</a:t>
+              <a:t>まずは</a:t>
+            </a:r>
+            <a:r>
+              <a:rPr kumimoji="1" lang="en-US" altLang="ja-JP" dirty="0"/>
+              <a:t>Julius</a:t>
+            </a:r>
+            <a:r>
+              <a:rPr kumimoji="1" lang="ja-JP" altLang="en-US" dirty="0"/>
+              <a:t>についてです。</a:t>
             </a:r>
             <a:endParaRPr kumimoji="1" lang="en-US" altLang="ja-JP" dirty="0"/>
           </a:p>
           <a:p>
             <a:r>
+              <a:rPr kumimoji="1" lang="en-US" altLang="ja-JP" dirty="0"/>
+              <a:t>Julius</a:t>
+            </a:r>
+            <a:r>
               <a:rPr kumimoji="1" lang="ja-JP" altLang="en-US" dirty="0"/>
-              <a:t>機能を呼び出すたびにスクレイピングしている待ち時間が発生してしまうため、スクレイピングは起動時とページの更新時間に実行</a:t>
+              <a:t>は音声認識を行うオープンソースソフトウェアで、マイクから入力された音声を、テキストデータに変換してくれます。</a:t>
             </a:r>
             <a:endParaRPr kumimoji="1" lang="en-US" altLang="ja-JP" dirty="0"/>
           </a:p>
           <a:p>
             <a:r>
+              <a:rPr kumimoji="1" lang="en-US" altLang="ja-JP" dirty="0"/>
+              <a:t>YoSiE</a:t>
+            </a:r>
+            <a:r>
               <a:rPr kumimoji="1" lang="ja-JP" altLang="en-US" dirty="0"/>
-              <a:t>日時は常に更新されるため、機能を呼び出された際に</a:t>
+              <a:t>では、★</a:t>
             </a:r>
             <a:r>
               <a:rPr kumimoji="1" lang="en-US" altLang="ja-JP" dirty="0"/>
-              <a:t>Datetime</a:t>
+              <a:t>Julius</a:t>
             </a:r>
             <a:r>
               <a:rPr kumimoji="1" lang="ja-JP" altLang="en-US" dirty="0"/>
-              <a:t>モジュールで取得</a:t>
-            </a:r>
+              <a:t>を</a:t>
+            </a:r>
+            <a:r>
+              <a:rPr kumimoji="1" lang="en-US" altLang="ja-JP" dirty="0"/>
+              <a:t>Python</a:t>
+            </a:r>
+            <a:r>
+              <a:rPr kumimoji="1" lang="ja-JP" altLang="en-US" dirty="0"/>
+              <a:t>と連携させて利用しています。</a:t>
+            </a:r>
+          </a:p>
+          <a:p>
+            <a:endParaRPr kumimoji="1" lang="ja-JP" altLang="en-US" dirty="0"/>
           </a:p>
         </p:txBody>
       </p:sp>
@@ -3580,7 +4168,7 @@
           <a:p>
             <a:fld id="{1A2E7C28-4903-4521-8E60-0F80C627678B}" type="slidenum">
               <a:rPr kumimoji="1" lang="ja-JP" altLang="en-US" smtClean="0"/>
-              <a:t>18</a:t>
+              <a:t>6</a:t>
             </a:fld>
             <a:endParaRPr kumimoji="1" lang="ja-JP" altLang="en-US"/>
           </a:p>
@@ -3589,7 +4177,7 @@
     </p:spTree>
     <p:extLst>
       <p:ext uri="{BB962C8B-B14F-4D97-AF65-F5344CB8AC3E}">
-        <p14:creationId xmlns:p14="http://schemas.microsoft.com/office/powerpoint/2010/main" val="783871985"/>
+        <p14:creationId xmlns:p14="http://schemas.microsoft.com/office/powerpoint/2010/main" val="4007105325"/>
       </p:ext>
     </p:extLst>
   </p:cSld>
@@ -3644,22 +4232,43 @@
           <a:lstStyle/>
           <a:p>
             <a:r>
+              <a:rPr kumimoji="1" lang="en-US" altLang="ja-JP" dirty="0"/>
+              <a:t>Julius</a:t>
+            </a:r>
+            <a:r>
               <a:rPr kumimoji="1" lang="ja-JP" altLang="en-US" dirty="0"/>
-              <a:t>音声ファイルの作成には時間がかかるが、再生には時間がかからないため、処理を分割。</a:t>
+              <a:t>と</a:t>
+            </a:r>
+            <a:r>
+              <a:rPr kumimoji="1" lang="en-US" altLang="ja-JP" dirty="0"/>
+              <a:t>Python</a:t>
+            </a:r>
+            <a:r>
+              <a:rPr kumimoji="1" lang="ja-JP" altLang="en-US" dirty="0"/>
+              <a:t>の連携については、御覧の図の通りです。</a:t>
             </a:r>
             <a:endParaRPr kumimoji="1" lang="en-US" altLang="ja-JP" dirty="0"/>
           </a:p>
           <a:p>
             <a:r>
               <a:rPr kumimoji="1" lang="ja-JP" altLang="en-US" dirty="0"/>
-              <a:t>音声ファイル作成は元となるテキストデータのサイズが大きいほど作成に時間がかかるため、スクレイピング直後に実行。</a:t>
-            </a:r>
-            <a:endParaRPr kumimoji="1" lang="en-US" altLang="ja-JP" dirty="0"/>
-          </a:p>
-          <a:p>
+              <a:t>まず</a:t>
+            </a:r>
+            <a:r>
+              <a:rPr kumimoji="1" lang="en-US" altLang="ja-JP" dirty="0"/>
+              <a:t>Julius</a:t>
+            </a:r>
             <a:r>
               <a:rPr kumimoji="1" lang="ja-JP" altLang="en-US" dirty="0"/>
-              <a:t>スクレイピングと併せて音声ファイルを作成することで、機能を利用する際に発生する処理時間を削減。</a:t>
+              <a:t>サーバを起動させておき、そのあとで</a:t>
+            </a:r>
+            <a:r>
+              <a:rPr kumimoji="1" lang="en-US" altLang="ja-JP" dirty="0"/>
+              <a:t>Python</a:t>
+            </a:r>
+            <a:r>
+              <a:rPr kumimoji="1" lang="ja-JP" altLang="en-US" dirty="0"/>
+              <a:t>プログラムを実行させます。</a:t>
             </a:r>
             <a:endParaRPr kumimoji="1" lang="en-US" altLang="ja-JP" dirty="0"/>
           </a:p>
@@ -3682,7 +4291,7 @@
           <a:p>
             <a:fld id="{1A2E7C28-4903-4521-8E60-0F80C627678B}" type="slidenum">
               <a:rPr kumimoji="1" lang="ja-JP" altLang="en-US" smtClean="0"/>
-              <a:t>20</a:t>
+              <a:t>7</a:t>
             </a:fld>
             <a:endParaRPr kumimoji="1" lang="ja-JP" altLang="en-US"/>
           </a:p>
@@ -3691,7 +4300,7 @@
     </p:spTree>
     <p:extLst>
       <p:ext uri="{BB962C8B-B14F-4D97-AF65-F5344CB8AC3E}">
-        <p14:creationId xmlns:p14="http://schemas.microsoft.com/office/powerpoint/2010/main" val="950038501"/>
+        <p14:creationId xmlns:p14="http://schemas.microsoft.com/office/powerpoint/2010/main" val="3807156665"/>
       </p:ext>
     </p:extLst>
   </p:cSld>
@@ -3747,7 +4356,22 @@
           <a:p>
             <a:r>
               <a:rPr kumimoji="1" lang="ja-JP" altLang="en-US" dirty="0"/>
-              <a:t>音声ファイルの再生は、音声ファイルのサイズにかかわらずほぼノータイムで再生が始まるので、機能利用時の無駄な待ち時間が解消。</a:t>
+              <a:t>ここで、</a:t>
+            </a:r>
+            <a:r>
+              <a:rPr kumimoji="1" lang="en-US" altLang="ja-JP" dirty="0"/>
+              <a:t>Julius</a:t>
+            </a:r>
+            <a:r>
+              <a:rPr kumimoji="1" lang="ja-JP" altLang="en-US" dirty="0"/>
+              <a:t>の音声認識の仕組みについて説明します。</a:t>
+            </a:r>
+            <a:endParaRPr kumimoji="1" lang="en-US" altLang="ja-JP" dirty="0"/>
+          </a:p>
+          <a:p>
+            <a:r>
+              <a:rPr kumimoji="1" lang="ja-JP" altLang="en-US" dirty="0"/>
+              <a:t>例として、雨と発声して、音声認識を行った結果、正しく雨と文字で出力してほしいとします。</a:t>
             </a:r>
             <a:endParaRPr kumimoji="1" lang="en-US" altLang="ja-JP" dirty="0"/>
           </a:p>
@@ -3770,7 +4394,7 @@
           <a:p>
             <a:fld id="{1A2E7C28-4903-4521-8E60-0F80C627678B}" type="slidenum">
               <a:rPr kumimoji="1" lang="ja-JP" altLang="en-US" smtClean="0"/>
-              <a:t>21</a:t>
+              <a:t>8</a:t>
             </a:fld>
             <a:endParaRPr kumimoji="1" lang="ja-JP" altLang="en-US"/>
           </a:p>
@@ -3779,7 +4403,7 @@
     </p:spTree>
     <p:extLst>
       <p:ext uri="{BB962C8B-B14F-4D97-AF65-F5344CB8AC3E}">
-        <p14:creationId xmlns:p14="http://schemas.microsoft.com/office/powerpoint/2010/main" val="1390197788"/>
+        <p14:creationId xmlns:p14="http://schemas.microsoft.com/office/powerpoint/2010/main" val="1626709074"/>
       </p:ext>
     </p:extLst>
   </p:cSld>
@@ -3835,16 +4459,172 @@
           <a:p>
             <a:r>
               <a:rPr kumimoji="1" lang="ja-JP" altLang="en-US" dirty="0"/>
-              <a:t>よしえにいってもーら</a:t>
+              <a:t>音声認識は、音声を音素に、音素を文字に変換すること行われます。</a:t>
+            </a:r>
+            <a:endParaRPr kumimoji="1" lang="en-US" altLang="ja-JP" dirty="0"/>
+          </a:p>
+          <a:p>
+            <a:r>
+              <a:rPr kumimoji="1" lang="ja-JP" altLang="en-US" dirty="0"/>
+              <a:t>今回は雨という言葉を音声認識したいので、まずは「あめ」という音声を発します。</a:t>
+            </a:r>
+            <a:endParaRPr kumimoji="1" lang="en-US" altLang="ja-JP" dirty="0"/>
+          </a:p>
+          <a:p>
+            <a:r>
+              <a:rPr kumimoji="1" lang="ja-JP" altLang="en-US" dirty="0"/>
+              <a:t>ここで雨を平仮名表記にしているのは、意図しているのは天候の雨ですが、音からでは天候なのかお菓子なのか分からないためです。</a:t>
+            </a:r>
+            <a:endParaRPr kumimoji="1" lang="en-US" altLang="ja-JP" dirty="0"/>
+          </a:p>
+          <a:p>
+            <a:r>
+              <a:rPr kumimoji="1" lang="en-US" altLang="ja-JP" dirty="0"/>
+              <a:t>Julius</a:t>
+            </a:r>
+            <a:r>
+              <a:rPr kumimoji="1" lang="ja-JP" altLang="en-US" dirty="0"/>
+              <a:t>はマイクから音声を受け取り、それを音素として取り扱います。</a:t>
+            </a:r>
+            <a:endParaRPr kumimoji="1" lang="en-US" altLang="ja-JP" dirty="0"/>
+          </a:p>
+          <a:p>
+            <a:endParaRPr kumimoji="1" lang="en-US" altLang="ja-JP" dirty="0"/>
+          </a:p>
+          <a:p>
+            <a:r>
+              <a:rPr kumimoji="1" lang="ja-JP" altLang="en-US" dirty="0"/>
+              <a:t>そもそも音素というのは、単語の発音を細分化したもので、“雨”をローマ字に分解すると“</a:t>
+            </a:r>
+            <a:r>
+              <a:rPr kumimoji="1" lang="en-US" altLang="ja-JP" dirty="0" err="1"/>
+              <a:t>ame</a:t>
+            </a:r>
+            <a:r>
+              <a:rPr kumimoji="1" lang="ja-JP" altLang="en-US" dirty="0"/>
+              <a:t>”となります。この“</a:t>
+            </a:r>
+            <a:r>
+              <a:rPr kumimoji="1" lang="en-US" altLang="ja-JP" dirty="0" err="1"/>
+              <a:t>ame</a:t>
+            </a:r>
+            <a:r>
+              <a:rPr kumimoji="1" lang="en-US" altLang="ja-JP" dirty="0"/>
+              <a:t>”</a:t>
+            </a:r>
+            <a:r>
+              <a:rPr kumimoji="1" lang="ja-JP" altLang="en-US" dirty="0"/>
+              <a:t>が音素です。</a:t>
+            </a:r>
+            <a:endParaRPr kumimoji="1" lang="en-US" altLang="ja-JP" dirty="0"/>
+          </a:p>
+          <a:p>
+            <a:r>
+              <a:rPr kumimoji="1" lang="ja-JP" altLang="en-US" dirty="0"/>
+              <a:t>別の例として、”時間“という単語も、音素で表すとこのようになります。</a:t>
+            </a:r>
+            <a:endParaRPr kumimoji="1" lang="en-US" altLang="ja-JP" dirty="0"/>
+          </a:p>
+          <a:p>
+            <a:r>
+              <a:rPr kumimoji="1" lang="ja-JP" altLang="en-US" dirty="0"/>
+              <a:t>このようにして、音声認識の処理が行われています。</a:t>
+            </a:r>
+            <a:endParaRPr kumimoji="1" lang="en-US" altLang="ja-JP" dirty="0"/>
+          </a:p>
+          <a:p>
+            <a:endParaRPr kumimoji="1" lang="en-US" altLang="ja-JP" dirty="0"/>
+          </a:p>
+          <a:p>
+            <a:r>
+              <a:rPr kumimoji="1" lang="ja-JP" altLang="en-US" dirty="0"/>
+              <a:t>こうして音素が</a:t>
+            </a:r>
+            <a:r>
+              <a:rPr kumimoji="1" lang="en-US" altLang="ja-JP" dirty="0"/>
+              <a:t>”</a:t>
+            </a:r>
+            <a:r>
+              <a:rPr kumimoji="1" lang="en-US" altLang="ja-JP" dirty="0" err="1"/>
+              <a:t>ame</a:t>
+            </a:r>
+            <a:r>
+              <a:rPr kumimoji="1" lang="en-US" altLang="ja-JP" dirty="0"/>
+              <a:t>”</a:t>
+            </a:r>
+            <a:r>
+              <a:rPr kumimoji="1" lang="ja-JP" altLang="en-US" dirty="0"/>
+              <a:t>となり、続いて、この音素を用いて辞書ファイルから単語を検索します。</a:t>
+            </a:r>
+            <a:endParaRPr kumimoji="1" lang="en-US" altLang="ja-JP" dirty="0"/>
+          </a:p>
+          <a:p>
+            <a:r>
+              <a:rPr kumimoji="1" lang="ja-JP" altLang="en-US" dirty="0"/>
+              <a:t>辞書ファイルというのは、音声認識したい単語を登録した自作ファイルのことで、音素とそれに対応する単語が記述されています。</a:t>
+            </a:r>
+            <a:endParaRPr kumimoji="1" lang="en-US" altLang="ja-JP" dirty="0"/>
+          </a:p>
+          <a:p>
+            <a:r>
+              <a:rPr kumimoji="1" lang="ja-JP" altLang="en-US" dirty="0"/>
+              <a:t>今は説明のために簡略化して紹介していますが、後でまた辞書ファイルについて説明します。</a:t>
+            </a:r>
+            <a:endParaRPr kumimoji="1" lang="en-US" altLang="ja-JP" dirty="0"/>
+          </a:p>
+          <a:p>
+            <a:endParaRPr kumimoji="1" lang="en-US" altLang="ja-JP" dirty="0"/>
+          </a:p>
+          <a:p>
+            <a:r>
+              <a:rPr kumimoji="1" lang="ja-JP" altLang="en-US" dirty="0"/>
+              <a:t>今回取得した音素は</a:t>
+            </a:r>
+            <a:r>
+              <a:rPr kumimoji="1" lang="en-US" altLang="ja-JP" dirty="0"/>
+              <a:t>”</a:t>
+            </a:r>
+            <a:r>
+              <a:rPr kumimoji="1" lang="en-US" altLang="ja-JP" dirty="0" err="1"/>
+              <a:t>ame</a:t>
+            </a:r>
+            <a:r>
+              <a:rPr kumimoji="1" lang="en-US" altLang="ja-JP" dirty="0"/>
+              <a:t>”</a:t>
+            </a:r>
+            <a:r>
+              <a:rPr kumimoji="1" lang="ja-JP" altLang="en-US" dirty="0"/>
+              <a:t>なので、辞書ファイルに登録された</a:t>
+            </a:r>
+            <a:r>
+              <a:rPr kumimoji="1" lang="en-US" altLang="ja-JP" dirty="0"/>
+              <a:t>”</a:t>
+            </a:r>
+            <a:r>
+              <a:rPr kumimoji="1" lang="en-US" altLang="ja-JP" dirty="0" err="1"/>
+              <a:t>ame</a:t>
+            </a:r>
+            <a:r>
+              <a:rPr kumimoji="1" lang="en-US" altLang="ja-JP" dirty="0"/>
+              <a:t>”</a:t>
             </a:r>
             <a:r>
               <a:rPr kumimoji="1" lang="ja-JP" altLang="en-US" dirty="0" err="1"/>
-              <a:t>お</a:t>
+              <a:t>と合</a:t>
             </a:r>
             <a:r>
               <a:rPr kumimoji="1" lang="ja-JP" altLang="en-US" dirty="0"/>
-              <a:t>！</a:t>
-            </a:r>
+              <a:t>致し、それに対応している</a:t>
+            </a:r>
+            <a:r>
+              <a:rPr kumimoji="1" lang="en-US" altLang="ja-JP" dirty="0"/>
+              <a:t>”</a:t>
+            </a:r>
+            <a:r>
+              <a:rPr kumimoji="1" lang="ja-JP" altLang="en-US" dirty="0"/>
+              <a:t>雨“という単語が出力される、という流れです。</a:t>
+            </a:r>
+            <a:endParaRPr kumimoji="1" lang="en-US" altLang="ja-JP" dirty="0"/>
           </a:p>
         </p:txBody>
       </p:sp>
@@ -3865,7 +4645,7 @@
           <a:p>
             <a:fld id="{1A2E7C28-4903-4521-8E60-0F80C627678B}" type="slidenum">
               <a:rPr kumimoji="1" lang="ja-JP" altLang="en-US" smtClean="0"/>
-              <a:t>31</a:t>
+              <a:t>9</a:t>
             </a:fld>
             <a:endParaRPr kumimoji="1" lang="ja-JP" altLang="en-US"/>
           </a:p>
@@ -3874,7 +4654,7 @@
     </p:spTree>
     <p:extLst>
       <p:ext uri="{BB962C8B-B14F-4D97-AF65-F5344CB8AC3E}">
-        <p14:creationId xmlns:p14="http://schemas.microsoft.com/office/powerpoint/2010/main" val="2772600148"/>
+        <p14:creationId xmlns:p14="http://schemas.microsoft.com/office/powerpoint/2010/main" val="3346812870"/>
       </p:ext>
     </p:extLst>
   </p:cSld>
@@ -3928,7 +4708,32 @@
           <a:bodyPr/>
           <a:lstStyle/>
           <a:p>
-            <a:endParaRPr kumimoji="1" lang="ja-JP" altLang="en-US" dirty="0"/>
+            <a:r>
+              <a:rPr kumimoji="1" lang="ja-JP" altLang="en-US" dirty="0"/>
+              <a:t>スクレイピングした結果をそれぞれテキストファイルに保存</a:t>
+            </a:r>
+            <a:endParaRPr kumimoji="1" lang="en-US" altLang="ja-JP" dirty="0"/>
+          </a:p>
+          <a:p>
+            <a:r>
+              <a:rPr kumimoji="1" lang="ja-JP" altLang="en-US" dirty="0"/>
+              <a:t>機能を呼び出すたびにスクレイピングしている待ち時間が発生してしまうため、スクレイピングは起動時とページの更新時間に実行</a:t>
+            </a:r>
+            <a:endParaRPr kumimoji="1" lang="en-US" altLang="ja-JP" dirty="0"/>
+          </a:p>
+          <a:p>
+            <a:r>
+              <a:rPr kumimoji="1" lang="ja-JP" altLang="en-US" dirty="0"/>
+              <a:t>日時は常に更新されるため、機能を呼び出された際に</a:t>
+            </a:r>
+            <a:r>
+              <a:rPr kumimoji="1" lang="en-US" altLang="ja-JP" dirty="0"/>
+              <a:t>Datetime</a:t>
+            </a:r>
+            <a:r>
+              <a:rPr kumimoji="1" lang="ja-JP" altLang="en-US" dirty="0"/>
+              <a:t>モジュールで取得</a:t>
+            </a:r>
           </a:p>
         </p:txBody>
       </p:sp>
@@ -3949,7 +4754,7 @@
           <a:p>
             <a:fld id="{1A2E7C28-4903-4521-8E60-0F80C627678B}" type="slidenum">
               <a:rPr kumimoji="1" lang="ja-JP" altLang="en-US" smtClean="0"/>
-              <a:t>32</a:t>
+              <a:t>18</a:t>
             </a:fld>
             <a:endParaRPr kumimoji="1" lang="ja-JP" altLang="en-US"/>
           </a:p>
@@ -3958,7 +4763,7 @@
     </p:spTree>
     <p:extLst>
       <p:ext uri="{BB962C8B-B14F-4D97-AF65-F5344CB8AC3E}">
-        <p14:creationId xmlns:p14="http://schemas.microsoft.com/office/powerpoint/2010/main" val="2536235001"/>
+        <p14:creationId xmlns:p14="http://schemas.microsoft.com/office/powerpoint/2010/main" val="783871985"/>
       </p:ext>
     </p:extLst>
   </p:cSld>
@@ -9923,7 +10728,15 @@
           <p:nvPr/>
         </p:nvPicPr>
         <p:blipFill>
-          <a:blip r:embed="rId2"/>
+          <a:blip r:embed="rId2">
+            <a:duotone>
+              <a:schemeClr val="accent6">
+                <a:shade val="45000"/>
+                <a:satMod val="135000"/>
+              </a:schemeClr>
+              <a:prstClr val="white"/>
+            </a:duotone>
+          </a:blip>
           <a:stretch>
             <a:fillRect/>
           </a:stretch>
@@ -11502,6 +12315,63 @@
           </a:p>
         </p:txBody>
       </p:sp>
+      <p:sp>
+        <p:nvSpPr>
+          <p:cNvPr id="4" name="正方形/長方形 3">
+            <a:extLst>
+              <a:ext uri="{FF2B5EF4-FFF2-40B4-BE49-F238E27FC236}">
+                <a16:creationId xmlns:a16="http://schemas.microsoft.com/office/drawing/2014/main" id="{D2273D95-41BC-48FE-B5C6-D9E5369628A7}"/>
+              </a:ext>
+            </a:extLst>
+          </p:cNvPr>
+          <p:cNvSpPr/>
+          <p:nvPr/>
+        </p:nvSpPr>
+        <p:spPr>
+          <a:xfrm>
+            <a:off x="9508067" y="0"/>
+            <a:ext cx="2683933" cy="1593908"/>
+          </a:xfrm>
+          <a:prstGeom prst="rect">
+            <a:avLst/>
+          </a:prstGeom>
+          <a:solidFill>
+            <a:schemeClr val="accent6">
+              <a:lumMod val="60000"/>
+              <a:lumOff val="40000"/>
+            </a:schemeClr>
+          </a:solidFill>
+          <a:ln>
+            <a:solidFill>
+              <a:schemeClr val="tx1"/>
+            </a:solidFill>
+          </a:ln>
+        </p:spPr>
+        <p:style>
+          <a:lnRef idx="2">
+            <a:schemeClr val="accent1">
+              <a:shade val="50000"/>
+            </a:schemeClr>
+          </a:lnRef>
+          <a:fillRef idx="1">
+            <a:schemeClr val="accent1"/>
+          </a:fillRef>
+          <a:effectRef idx="0">
+            <a:schemeClr val="accent1"/>
+          </a:effectRef>
+          <a:fontRef idx="minor">
+            <a:schemeClr val="lt1"/>
+          </a:fontRef>
+        </p:style>
+        <p:txBody>
+          <a:bodyPr rtlCol="0" anchor="ctr"/>
+          <a:lstStyle/>
+          <a:p>
+            <a:pPr algn="ctr"/>
+            <a:endParaRPr kumimoji="1" lang="ja-JP" altLang="en-US"/>
+          </a:p>
+        </p:txBody>
+      </p:sp>
     </p:spTree>
     <p:extLst>
       <p:ext uri="{BB962C8B-B14F-4D97-AF65-F5344CB8AC3E}">
@@ -12434,7 +13304,15 @@
             </a:pPr>
             <a:r>
               <a:rPr kumimoji="1" lang="ja-JP" altLang="en-US" dirty="0"/>
-              <a:t>マイクが出力音声を拾ってしまい誤作動</a:t>
+              <a:t>誤作動：出力音声</a:t>
+            </a:r>
+            <a:r>
+              <a:rPr lang="ja-JP" altLang="en-US" dirty="0"/>
+              <a:t>に</a:t>
+            </a:r>
+            <a:r>
+              <a:rPr kumimoji="1" lang="ja-JP" altLang="en-US" dirty="0"/>
+              <a:t>マイクが反応</a:t>
             </a:r>
             <a:endParaRPr kumimoji="1" lang="en-US" altLang="ja-JP" dirty="0"/>
           </a:p>
@@ -12443,73 +13321,13 @@
               <a:buNone/>
             </a:pPr>
             <a:r>
-              <a:rPr lang="ja-JP" altLang="en-US" dirty="0">
-                <a:solidFill>
-                  <a:srgbClr val="FF0000"/>
-                </a:solidFill>
-              </a:rPr>
-              <a:t>→</a:t>
-            </a:r>
-            <a:r>
-              <a:rPr lang="ja-JP" altLang="en-US" dirty="0"/>
-              <a:t>出力直前にマイクミュート／出力終了後に解除</a:t>
-            </a:r>
-            <a:endParaRPr kumimoji="1" lang="en-US" altLang="ja-JP" dirty="0"/>
-          </a:p>
-          <a:p>
-            <a:pPr marL="0" indent="0">
-              <a:buNone/>
-            </a:pPr>
-            <a:r>
-              <a:rPr lang="ja-JP" altLang="en-US" dirty="0"/>
-              <a:t>　コマンドをシェルスクリプトとして実行</a:t>
-            </a:r>
-            <a:endParaRPr lang="en-US" altLang="ja-JP" dirty="0"/>
-          </a:p>
-          <a:p>
-            <a:pPr marL="0" indent="0">
-              <a:buNone/>
-            </a:pPr>
+              <a:rPr kumimoji="1" lang="ja-JP" altLang="en-US" dirty="0"/>
+              <a:t>対処法：音声出力時にミュート</a:t>
+            </a:r>
             <a:endParaRPr kumimoji="1" lang="en-US" altLang="ja-JP" dirty="0"/>
           </a:p>
         </p:txBody>
       </p:sp>
-      <p:pic>
-        <p:nvPicPr>
-          <p:cNvPr id="5" name="図 4">
-            <a:extLst>
-              <a:ext uri="{FF2B5EF4-FFF2-40B4-BE49-F238E27FC236}">
-                <a16:creationId xmlns:a16="http://schemas.microsoft.com/office/drawing/2014/main" id="{E5169DD9-22EF-4B54-956D-B061F8F9E7DF}"/>
-              </a:ext>
-            </a:extLst>
-          </p:cNvPr>
-          <p:cNvPicPr>
-            <a:picLocks noChangeAspect="1"/>
-          </p:cNvPicPr>
-          <p:nvPr/>
-        </p:nvPicPr>
-        <p:blipFill>
-          <a:blip r:embed="rId2">
-            <a:extLst>
-              <a:ext uri="{28A0092B-C50C-407E-A947-70E740481C1C}">
-                <a14:useLocalDpi xmlns:a14="http://schemas.microsoft.com/office/drawing/2010/main" val="0"/>
-              </a:ext>
-            </a:extLst>
-          </a:blip>
-          <a:stretch>
-            <a:fillRect/>
-          </a:stretch>
-        </p:blipFill>
-        <p:spPr>
-          <a:xfrm>
-            <a:off x="2781813" y="3301140"/>
-            <a:ext cx="6403129" cy="3390254"/>
-          </a:xfrm>
-          <a:prstGeom prst="rect">
-            <a:avLst/>
-          </a:prstGeom>
-        </p:spPr>
-      </p:pic>
       <p:sp>
         <p:nvSpPr>
           <p:cNvPr id="6" name="正方形/長方形 5">
@@ -12567,6 +13385,148 @@
           </a:p>
         </p:txBody>
       </p:sp>
+      <p:pic>
+        <p:nvPicPr>
+          <p:cNvPr id="7" name="図 6">
+            <a:extLst>
+              <a:ext uri="{FF2B5EF4-FFF2-40B4-BE49-F238E27FC236}">
+                <a16:creationId xmlns:a16="http://schemas.microsoft.com/office/drawing/2014/main" id="{6FE39256-14D3-4322-891C-D9C049F56E91}"/>
+              </a:ext>
+            </a:extLst>
+          </p:cNvPr>
+          <p:cNvPicPr>
+            <a:picLocks noChangeAspect="1"/>
+          </p:cNvPicPr>
+          <p:nvPr/>
+        </p:nvPicPr>
+        <p:blipFill>
+          <a:blip r:embed="rId3">
+            <a:extLst>
+              <a:ext uri="{28A0092B-C50C-407E-A947-70E740481C1C}">
+                <a14:useLocalDpi xmlns:a14="http://schemas.microsoft.com/office/drawing/2010/main" val="0"/>
+              </a:ext>
+            </a:extLst>
+          </a:blip>
+          <a:stretch>
+            <a:fillRect/>
+          </a:stretch>
+        </p:blipFill>
+        <p:spPr>
+          <a:xfrm>
+            <a:off x="6294246" y="3817267"/>
+            <a:ext cx="4200000" cy="780952"/>
+          </a:xfrm>
+          <a:prstGeom prst="rect">
+            <a:avLst/>
+          </a:prstGeom>
+        </p:spPr>
+      </p:pic>
+      <p:pic>
+        <p:nvPicPr>
+          <p:cNvPr id="9" name="図 8">
+            <a:extLst>
+              <a:ext uri="{FF2B5EF4-FFF2-40B4-BE49-F238E27FC236}">
+                <a16:creationId xmlns:a16="http://schemas.microsoft.com/office/drawing/2014/main" id="{E7F1D814-162C-4F5A-8D88-1BA6BF462045}"/>
+              </a:ext>
+            </a:extLst>
+          </p:cNvPr>
+          <p:cNvPicPr>
+            <a:picLocks noChangeAspect="1"/>
+          </p:cNvPicPr>
+          <p:nvPr/>
+        </p:nvPicPr>
+        <p:blipFill>
+          <a:blip r:embed="rId4">
+            <a:extLst>
+              <a:ext uri="{28A0092B-C50C-407E-A947-70E740481C1C}">
+                <a14:useLocalDpi xmlns:a14="http://schemas.microsoft.com/office/drawing/2010/main" val="0"/>
+              </a:ext>
+            </a:extLst>
+          </a:blip>
+          <a:stretch>
+            <a:fillRect/>
+          </a:stretch>
+        </p:blipFill>
+        <p:spPr>
+          <a:xfrm>
+            <a:off x="1234693" y="3798219"/>
+            <a:ext cx="4200000" cy="800000"/>
+          </a:xfrm>
+          <a:prstGeom prst="rect">
+            <a:avLst/>
+          </a:prstGeom>
+        </p:spPr>
+      </p:pic>
+      <p:sp>
+        <p:nvSpPr>
+          <p:cNvPr id="10" name="テキスト ボックス 9">
+            <a:extLst>
+              <a:ext uri="{FF2B5EF4-FFF2-40B4-BE49-F238E27FC236}">
+                <a16:creationId xmlns:a16="http://schemas.microsoft.com/office/drawing/2014/main" id="{2D76EC1C-0578-4D6A-BD4E-1F854B5230FB}"/>
+              </a:ext>
+            </a:extLst>
+          </p:cNvPr>
+          <p:cNvSpPr txBox="1"/>
+          <p:nvPr/>
+        </p:nvSpPr>
+        <p:spPr>
+          <a:xfrm>
+            <a:off x="1234692" y="3274999"/>
+            <a:ext cx="2978590" cy="523220"/>
+          </a:xfrm>
+          <a:prstGeom prst="rect">
+            <a:avLst/>
+          </a:prstGeom>
+          <a:noFill/>
+        </p:spPr>
+        <p:txBody>
+          <a:bodyPr wrap="square" rtlCol="0">
+            <a:spAutoFit/>
+          </a:bodyPr>
+          <a:lstStyle/>
+          <a:p>
+            <a:r>
+              <a:rPr kumimoji="1" lang="ja-JP" altLang="en-US" sz="2800" b="1" dirty="0"/>
+              <a:t>マイクミュート</a:t>
+            </a:r>
+          </a:p>
+        </p:txBody>
+      </p:sp>
+      <p:sp>
+        <p:nvSpPr>
+          <p:cNvPr id="12" name="テキスト ボックス 11">
+            <a:extLst>
+              <a:ext uri="{FF2B5EF4-FFF2-40B4-BE49-F238E27FC236}">
+                <a16:creationId xmlns:a16="http://schemas.microsoft.com/office/drawing/2014/main" id="{865A01C2-45E8-4EC3-AD86-E57E6583316B}"/>
+              </a:ext>
+            </a:extLst>
+          </p:cNvPr>
+          <p:cNvSpPr txBox="1"/>
+          <p:nvPr/>
+        </p:nvSpPr>
+        <p:spPr>
+          <a:xfrm>
+            <a:off x="6294246" y="3290843"/>
+            <a:ext cx="2978590" cy="523220"/>
+          </a:xfrm>
+          <a:prstGeom prst="rect">
+            <a:avLst/>
+          </a:prstGeom>
+          <a:noFill/>
+        </p:spPr>
+        <p:txBody>
+          <a:bodyPr wrap="square" rtlCol="0">
+            <a:spAutoFit/>
+          </a:bodyPr>
+          <a:lstStyle/>
+          <a:p>
+            <a:r>
+              <a:rPr kumimoji="1" lang="ja-JP" altLang="en-US" sz="2800" b="1" dirty="0"/>
+              <a:t>ミュート解除</a:t>
+            </a:r>
+          </a:p>
+        </p:txBody>
+      </p:sp>
     </p:spTree>
     <p:extLst>
       <p:ext uri="{BB962C8B-B14F-4D97-AF65-F5344CB8AC3E}">
@@ -12615,7 +13575,7 @@
         </p:nvSpPr>
         <p:spPr>
           <a:xfrm>
-            <a:off x="-3072" y="18255"/>
+            <a:off x="111017" y="120843"/>
             <a:ext cx="10515600" cy="1325563"/>
           </a:xfrm>
         </p:spPr>
@@ -13124,6 +14084,11 @@
               <a:rPr lang="en-US" altLang="ja-JP" sz="1970" b="1" dirty="0"/>
               <a:t>function.py</a:t>
             </a:r>
+            <a:r>
+              <a:rPr lang="ja-JP" altLang="en-US" sz="1970" b="1" dirty="0"/>
+              <a:t>起動</a:t>
+            </a:r>
+            <a:endParaRPr lang="en-US" altLang="ja-JP" sz="1970" b="1" dirty="0"/>
           </a:p>
         </p:txBody>
       </p:sp>
@@ -13141,7 +14106,7 @@
         </p:nvSpPr>
         <p:spPr>
           <a:xfrm>
-            <a:off x="2700559" y="3177195"/>
+            <a:off x="2782040" y="3245289"/>
             <a:ext cx="5534571" cy="2000548"/>
           </a:xfrm>
           <a:prstGeom prst="rect">
@@ -13209,7 +14174,7 @@
         </p:nvSpPr>
         <p:spPr>
           <a:xfrm>
-            <a:off x="-3072" y="18255"/>
+            <a:off x="111017" y="132819"/>
             <a:ext cx="10515600" cy="1325563"/>
           </a:xfrm>
         </p:spPr>
@@ -13450,7 +14415,7 @@
         </p:nvSpPr>
         <p:spPr>
           <a:xfrm>
-            <a:off x="0" y="0"/>
+            <a:off x="108642" y="82081"/>
             <a:ext cx="10515600" cy="1325563"/>
           </a:xfrm>
         </p:spPr>
@@ -13622,7 +14587,7 @@
         </p:blipFill>
         <p:spPr>
           <a:xfrm>
-            <a:off x="3488916" y="74023"/>
+            <a:off x="3670132" y="65965"/>
             <a:ext cx="3392620" cy="6709954"/>
           </a:xfrm>
           <a:prstGeom prst="rect">
@@ -13644,7 +14609,7 @@
         </p:nvGrpSpPr>
         <p:grpSpPr>
           <a:xfrm>
-            <a:off x="3692434" y="217714"/>
+            <a:off x="3873650" y="209656"/>
             <a:ext cx="2444881" cy="531223"/>
             <a:chOff x="3692434" y="217714"/>
             <a:chExt cx="2444881" cy="531223"/>
@@ -13803,7 +14768,7 @@
         </p:nvGrpSpPr>
         <p:grpSpPr>
           <a:xfrm>
-            <a:off x="3698915" y="593704"/>
+            <a:off x="3880131" y="585646"/>
             <a:ext cx="3500174" cy="646331"/>
             <a:chOff x="3698915" y="593704"/>
             <a:chExt cx="3500174" cy="646331"/>
@@ -13974,7 +14939,7 @@
         </p:nvGrpSpPr>
         <p:grpSpPr>
           <a:xfrm>
-            <a:off x="3793469" y="1901961"/>
+            <a:off x="3974685" y="1893903"/>
             <a:ext cx="4687692" cy="369332"/>
             <a:chOff x="3782895" y="1907516"/>
             <a:chExt cx="4687692" cy="369332"/>
@@ -14142,7 +15107,7 @@
         </p:nvGrpSpPr>
         <p:grpSpPr>
           <a:xfrm>
-            <a:off x="3782895" y="1868966"/>
+            <a:off x="3964111" y="1860908"/>
             <a:ext cx="5177444" cy="4651169"/>
             <a:chOff x="3782895" y="1868966"/>
             <a:chExt cx="5177444" cy="4651169"/>
@@ -14305,7 +15270,7 @@
         </p:nvGrpSpPr>
         <p:grpSpPr>
           <a:xfrm>
-            <a:off x="3879978" y="2696172"/>
+            <a:off x="4061194" y="2688114"/>
             <a:ext cx="5886614" cy="805784"/>
             <a:chOff x="3879978" y="2696172"/>
             <a:chExt cx="5886614" cy="805784"/>
@@ -14475,7 +15440,7 @@
         </p:nvGrpSpPr>
         <p:grpSpPr>
           <a:xfrm>
-            <a:off x="3879978" y="3540244"/>
+            <a:off x="4061194" y="3532186"/>
             <a:ext cx="5628089" cy="654306"/>
             <a:chOff x="3879978" y="3540244"/>
             <a:chExt cx="5628089" cy="654306"/>
@@ -14634,7 +15599,7 @@
         </p:nvGrpSpPr>
         <p:grpSpPr>
           <a:xfrm>
-            <a:off x="3884059" y="4036586"/>
+            <a:off x="4065275" y="4028528"/>
             <a:ext cx="3842324" cy="923330"/>
             <a:chOff x="3879979" y="4025269"/>
             <a:chExt cx="3842324" cy="923330"/>
@@ -14811,7 +15776,7 @@
         </p:nvGrpSpPr>
         <p:grpSpPr>
           <a:xfrm>
-            <a:off x="3956035" y="4453499"/>
+            <a:off x="4137251" y="4445441"/>
             <a:ext cx="3418824" cy="646331"/>
             <a:chOff x="3956035" y="4453499"/>
             <a:chExt cx="3418824" cy="646331"/>
@@ -14976,7 +15941,7 @@
         </p:nvGrpSpPr>
         <p:grpSpPr>
           <a:xfrm>
-            <a:off x="3956035" y="4731097"/>
+            <a:off x="4137251" y="4723039"/>
             <a:ext cx="3418824" cy="646331"/>
             <a:chOff x="3956035" y="4453499"/>
             <a:chExt cx="3418824" cy="559818"/>
@@ -15141,7 +16106,7 @@
         </p:nvGrpSpPr>
         <p:grpSpPr>
           <a:xfrm>
-            <a:off x="3956035" y="5111304"/>
+            <a:off x="4137251" y="5103246"/>
             <a:ext cx="3418824" cy="646331"/>
             <a:chOff x="3956035" y="4453499"/>
             <a:chExt cx="3418824" cy="579706"/>
@@ -15306,7 +16271,7 @@
         </p:nvGrpSpPr>
         <p:grpSpPr>
           <a:xfrm>
-            <a:off x="3956656" y="5502435"/>
+            <a:off x="4137872" y="5494377"/>
             <a:ext cx="3418824" cy="646331"/>
             <a:chOff x="3956035" y="4453499"/>
             <a:chExt cx="3418824" cy="646331"/>
@@ -15464,7 +16429,7 @@
         </p:nvGrpSpPr>
         <p:grpSpPr>
           <a:xfrm>
-            <a:off x="3889234" y="6044997"/>
+            <a:off x="4070450" y="6036939"/>
             <a:ext cx="3841247" cy="436929"/>
             <a:chOff x="3956035" y="4453499"/>
             <a:chExt cx="3841247" cy="436929"/>
@@ -15631,7 +16596,7 @@
         </p:nvGrpSpPr>
         <p:grpSpPr>
           <a:xfrm>
-            <a:off x="3743428" y="6411163"/>
+            <a:off x="3924644" y="6403105"/>
             <a:ext cx="4599214" cy="369332"/>
             <a:chOff x="3743428" y="6411163"/>
             <a:chExt cx="4599214" cy="369332"/>
@@ -15797,7 +16762,7 @@
         </p:nvSpPr>
         <p:spPr>
           <a:xfrm>
-            <a:off x="-1" y="1325563"/>
+            <a:off x="172766" y="1341830"/>
             <a:ext cx="3171364" cy="1569660"/>
           </a:xfrm>
           <a:prstGeom prst="rect">
@@ -17638,42 +18603,99 @@
           </a:bodyPr>
           <a:lstStyle/>
           <a:p>
+            <a:pPr marL="0" indent="0">
+              <a:buNone/>
+            </a:pPr>
             <a:r>
               <a:rPr kumimoji="1" lang="ja-JP" altLang="en-US" sz="4000" dirty="0"/>
-              <a:t>自動起動プログラム</a:t>
+              <a:t>自動起動</a:t>
             </a:r>
             <a:endParaRPr kumimoji="1" lang="en-US" altLang="ja-JP" sz="4000" dirty="0"/>
           </a:p>
           <a:p>
-            <a:pPr lvl="1"/>
-            <a:r>
-              <a:rPr lang="en-US" altLang="ja-JP" sz="3600" dirty="0"/>
+            <a:r>
+              <a:rPr lang="en-US" altLang="ja-JP" sz="4000" dirty="0"/>
               <a:t>yosie.sh</a:t>
             </a:r>
           </a:p>
           <a:p>
-            <a:pPr lvl="1"/>
-            <a:r>
-              <a:rPr kumimoji="1" lang="en-US" altLang="ja-JP" sz="3600" dirty="0"/>
+            <a:r>
+              <a:rPr kumimoji="1" lang="en-US" altLang="ja-JP" sz="4000" dirty="0"/>
               <a:t>Julius</a:t>
             </a:r>
             <a:r>
-              <a:rPr kumimoji="1" lang="ja-JP" altLang="en-US" sz="3600" dirty="0"/>
+              <a:rPr kumimoji="1" lang="ja-JP" altLang="en-US" sz="4000" dirty="0"/>
               <a:t>サーバ</a:t>
             </a:r>
-            <a:endParaRPr kumimoji="1" lang="en-US" altLang="ja-JP" sz="3600" dirty="0"/>
-          </a:p>
-          <a:p>
-            <a:pPr lvl="1"/>
-            <a:r>
-              <a:rPr kumimoji="1" lang="en-US" altLang="ja-JP" sz="3600" dirty="0"/>
+            <a:endParaRPr kumimoji="1" lang="en-US" altLang="ja-JP" sz="4000" dirty="0"/>
+          </a:p>
+          <a:p>
+            <a:r>
+              <a:rPr kumimoji="1" lang="en-US" altLang="ja-JP" sz="4000" dirty="0"/>
               <a:t>cron</a:t>
             </a:r>
             <a:r>
-              <a:rPr lang="en-US" altLang="ja-JP" sz="3600" dirty="0"/>
+              <a:rPr lang="en-US" altLang="ja-JP" sz="4000" dirty="0"/>
               <a:t>.py</a:t>
             </a:r>
-            <a:endParaRPr kumimoji="1" lang="en-US" altLang="ja-JP" sz="3600" dirty="0"/>
+            <a:endParaRPr kumimoji="1" lang="en-US" altLang="ja-JP" sz="4000" dirty="0"/>
+          </a:p>
+        </p:txBody>
+      </p:sp>
+      <p:sp>
+        <p:nvSpPr>
+          <p:cNvPr id="4" name="正方形/長方形 3">
+            <a:extLst>
+              <a:ext uri="{FF2B5EF4-FFF2-40B4-BE49-F238E27FC236}">
+                <a16:creationId xmlns:a16="http://schemas.microsoft.com/office/drawing/2014/main" id="{1B7D28CA-D17D-4A9A-BCF2-107DF8FD7600}"/>
+              </a:ext>
+            </a:extLst>
+          </p:cNvPr>
+          <p:cNvSpPr/>
+          <p:nvPr/>
+        </p:nvSpPr>
+        <p:spPr>
+          <a:xfrm>
+            <a:off x="9508067" y="0"/>
+            <a:ext cx="2683933" cy="1593908"/>
+          </a:xfrm>
+          <a:prstGeom prst="rect">
+            <a:avLst/>
+          </a:prstGeom>
+          <a:solidFill>
+            <a:schemeClr val="accent6">
+              <a:lumMod val="60000"/>
+              <a:lumOff val="40000"/>
+            </a:schemeClr>
+          </a:solidFill>
+          <a:ln>
+            <a:solidFill>
+              <a:schemeClr val="tx1"/>
+            </a:solidFill>
+          </a:ln>
+        </p:spPr>
+        <p:style>
+          <a:lnRef idx="2">
+            <a:schemeClr val="accent1">
+              <a:shade val="50000"/>
+            </a:schemeClr>
+          </a:lnRef>
+          <a:fillRef idx="1">
+            <a:schemeClr val="accent1"/>
+          </a:fillRef>
+          <a:effectRef idx="0">
+            <a:schemeClr val="accent1"/>
+          </a:effectRef>
+          <a:fontRef idx="minor">
+            <a:schemeClr val="lt1"/>
+          </a:fontRef>
+        </p:style>
+        <p:txBody>
+          <a:bodyPr rtlCol="0" anchor="ctr"/>
+          <a:lstStyle/>
+          <a:p>
+            <a:pPr algn="ctr"/>
+            <a:endParaRPr kumimoji="1" lang="ja-JP" altLang="en-US"/>
           </a:p>
         </p:txBody>
       </p:sp>
@@ -17887,6 +18909,63 @@
           </a:p>
         </p:txBody>
       </p:sp>
+      <p:sp>
+        <p:nvSpPr>
+          <p:cNvPr id="4" name="正方形/長方形 3">
+            <a:extLst>
+              <a:ext uri="{FF2B5EF4-FFF2-40B4-BE49-F238E27FC236}">
+                <a16:creationId xmlns:a16="http://schemas.microsoft.com/office/drawing/2014/main" id="{17FF1CE0-3AF1-43EA-9228-6FC16111F444}"/>
+              </a:ext>
+            </a:extLst>
+          </p:cNvPr>
+          <p:cNvSpPr/>
+          <p:nvPr/>
+        </p:nvSpPr>
+        <p:spPr>
+          <a:xfrm>
+            <a:off x="9508067" y="0"/>
+            <a:ext cx="2683933" cy="1593908"/>
+          </a:xfrm>
+          <a:prstGeom prst="rect">
+            <a:avLst/>
+          </a:prstGeom>
+          <a:solidFill>
+            <a:schemeClr val="accent6">
+              <a:lumMod val="60000"/>
+              <a:lumOff val="40000"/>
+            </a:schemeClr>
+          </a:solidFill>
+          <a:ln>
+            <a:solidFill>
+              <a:schemeClr val="tx1"/>
+            </a:solidFill>
+          </a:ln>
+        </p:spPr>
+        <p:style>
+          <a:lnRef idx="2">
+            <a:schemeClr val="accent1">
+              <a:shade val="50000"/>
+            </a:schemeClr>
+          </a:lnRef>
+          <a:fillRef idx="1">
+            <a:schemeClr val="accent1"/>
+          </a:fillRef>
+          <a:effectRef idx="0">
+            <a:schemeClr val="accent1"/>
+          </a:effectRef>
+          <a:fontRef idx="minor">
+            <a:schemeClr val="lt1"/>
+          </a:fontRef>
+        </p:style>
+        <p:txBody>
+          <a:bodyPr rtlCol="0" anchor="ctr"/>
+          <a:lstStyle/>
+          <a:p>
+            <a:pPr algn="ctr"/>
+            <a:endParaRPr kumimoji="1" lang="ja-JP" altLang="en-US"/>
+          </a:p>
+        </p:txBody>
+      </p:sp>
     </p:spTree>
     <p:extLst>
       <p:ext uri="{BB962C8B-B14F-4D97-AF65-F5344CB8AC3E}">
@@ -17939,10 +19018,42 @@
           <a:lstStyle/>
           <a:p>
             <a:r>
-              <a:rPr lang="ja-JP" altLang="en-US" dirty="0"/>
+              <a:rPr lang="ja-JP" altLang="en-US" b="1" dirty="0">
+                <a:ln w="19050">
+                  <a:solidFill>
+                    <a:schemeClr val="accent6">
+                      <a:lumMod val="50000"/>
+                    </a:schemeClr>
+                  </a:solidFill>
+                </a:ln>
+                <a:solidFill>
+                  <a:schemeClr val="accent6">
+                    <a:lumMod val="60000"/>
+                    <a:lumOff val="40000"/>
+                  </a:schemeClr>
+                </a:solidFill>
+                <a:latin typeface="HGS明朝E" panose="02020900000000000000" pitchFamily="18" charset="-128"/>
+                <a:ea typeface="HGS明朝E" panose="02020900000000000000" pitchFamily="18" charset="-128"/>
+              </a:rPr>
               <a:t>まとめ</a:t>
             </a:r>
-            <a:endParaRPr kumimoji="1" lang="ja-JP" altLang="en-US" dirty="0"/>
+            <a:endParaRPr kumimoji="1" lang="ja-JP" altLang="en-US" b="1" dirty="0">
+              <a:ln w="19050">
+                <a:solidFill>
+                  <a:schemeClr val="accent6">
+                    <a:lumMod val="50000"/>
+                  </a:schemeClr>
+                </a:solidFill>
+              </a:ln>
+              <a:solidFill>
+                <a:schemeClr val="accent6">
+                  <a:lumMod val="60000"/>
+                  <a:lumOff val="40000"/>
+                </a:schemeClr>
+              </a:solidFill>
+              <a:latin typeface="HGS明朝E" panose="02020900000000000000" pitchFamily="18" charset="-128"/>
+              <a:ea typeface="HGS明朝E" panose="02020900000000000000" pitchFamily="18" charset="-128"/>
+            </a:endParaRPr>
           </a:p>
         </p:txBody>
       </p:sp>
@@ -17967,7 +19078,105 @@
           <a:bodyPr/>
           <a:lstStyle/>
           <a:p>
-            <a:endParaRPr kumimoji="1" lang="ja-JP" altLang="en-US" dirty="0"/>
+            <a:r>
+              <a:rPr kumimoji="1" lang="en-US" altLang="ja-JP" dirty="0"/>
+              <a:t>AI</a:t>
+            </a:r>
+            <a:r>
+              <a:rPr kumimoji="1" lang="ja-JP" altLang="en-US" dirty="0"/>
+              <a:t>スピーカー</a:t>
+            </a:r>
+            <a:endParaRPr kumimoji="1" lang="en-US" altLang="ja-JP" dirty="0"/>
+          </a:p>
+          <a:p>
+            <a:r>
+              <a:rPr kumimoji="1" lang="ja-JP" altLang="en-US" dirty="0"/>
+              <a:t>音声で問いかけ→音声で返答</a:t>
+            </a:r>
+            <a:endParaRPr kumimoji="1" lang="en-US" altLang="ja-JP" dirty="0"/>
+          </a:p>
+          <a:p>
+            <a:r>
+              <a:rPr lang="en-US" altLang="ja-JP" dirty="0"/>
+              <a:t>AI</a:t>
+            </a:r>
+            <a:r>
+              <a:rPr lang="ja-JP" altLang="en-US" dirty="0"/>
+              <a:t>部分</a:t>
+            </a:r>
+            <a:endParaRPr lang="en-US" altLang="ja-JP" dirty="0"/>
+          </a:p>
+          <a:p>
+            <a:pPr lvl="1"/>
+            <a:r>
+              <a:rPr kumimoji="1" lang="en-US" altLang="ja-JP" dirty="0" err="1"/>
+              <a:t>fastText</a:t>
+            </a:r>
+            <a:endParaRPr kumimoji="1" lang="en-US" altLang="ja-JP" dirty="0"/>
+          </a:p>
+          <a:p>
+            <a:pPr lvl="1"/>
+            <a:r>
+              <a:rPr kumimoji="1" lang="ja-JP" altLang="en-US" dirty="0"/>
+              <a:t>問いかけの中の名詞から機能を予測</a:t>
+            </a:r>
+          </a:p>
+        </p:txBody>
+      </p:sp>
+      <p:sp>
+        <p:nvSpPr>
+          <p:cNvPr id="4" name="正方形/長方形 3">
+            <a:extLst>
+              <a:ext uri="{FF2B5EF4-FFF2-40B4-BE49-F238E27FC236}">
+                <a16:creationId xmlns:a16="http://schemas.microsoft.com/office/drawing/2014/main" id="{F3010222-8670-431C-9223-D210EBDB663D}"/>
+              </a:ext>
+            </a:extLst>
+          </p:cNvPr>
+          <p:cNvSpPr/>
+          <p:nvPr/>
+        </p:nvSpPr>
+        <p:spPr>
+          <a:xfrm>
+            <a:off x="9508067" y="0"/>
+            <a:ext cx="2683933" cy="1593908"/>
+          </a:xfrm>
+          <a:prstGeom prst="rect">
+            <a:avLst/>
+          </a:prstGeom>
+          <a:solidFill>
+            <a:schemeClr val="accent6">
+              <a:lumMod val="60000"/>
+              <a:lumOff val="40000"/>
+            </a:schemeClr>
+          </a:solidFill>
+          <a:ln>
+            <a:solidFill>
+              <a:schemeClr val="tx1"/>
+            </a:solidFill>
+          </a:ln>
+        </p:spPr>
+        <p:style>
+          <a:lnRef idx="2">
+            <a:schemeClr val="accent1">
+              <a:shade val="50000"/>
+            </a:schemeClr>
+          </a:lnRef>
+          <a:fillRef idx="1">
+            <a:schemeClr val="accent1"/>
+          </a:fillRef>
+          <a:effectRef idx="0">
+            <a:schemeClr val="accent1"/>
+          </a:effectRef>
+          <a:fontRef idx="minor">
+            <a:schemeClr val="lt1"/>
+          </a:fontRef>
+        </p:style>
+        <p:txBody>
+          <a:bodyPr rtlCol="0" anchor="ctr"/>
+          <a:lstStyle/>
+          <a:p>
+            <a:pPr algn="ctr"/>
+            <a:endParaRPr kumimoji="1" lang="ja-JP" altLang="en-US"/>
           </a:p>
         </p:txBody>
       </p:sp>
@@ -18045,7 +19254,12 @@
             <p:ph idx="1"/>
           </p:nvPr>
         </p:nvSpPr>
-        <p:spPr/>
+        <p:spPr>
+          <a:xfrm>
+            <a:off x="838200" y="1825625"/>
+            <a:ext cx="4865483" cy="4351338"/>
+          </a:xfrm>
+        </p:spPr>
         <p:txBody>
           <a:bodyPr/>
           <a:lstStyle/>
@@ -18054,10 +19268,160 @@
               <a:rPr kumimoji="1" lang="ja-JP" altLang="en-US" dirty="0"/>
               <a:t>山田晃生</a:t>
             </a:r>
-            <a:endParaRPr kumimoji="1" lang="en-US" altLang="ja-JP" dirty="0"/>
+            <a:r>
+              <a:rPr kumimoji="1" lang="en-US" altLang="ja-JP" dirty="0"/>
+              <a:t>(2001</a:t>
+            </a:r>
+            <a:r>
+              <a:rPr kumimoji="1" lang="ja-JP" altLang="en-US" dirty="0"/>
+              <a:t>～</a:t>
+            </a:r>
+            <a:r>
+              <a:rPr kumimoji="1" lang="en-US" altLang="ja-JP" dirty="0"/>
+              <a:t>)</a:t>
+            </a:r>
+          </a:p>
+          <a:p>
+            <a:r>
+              <a:rPr lang="ja-JP" altLang="en-US" dirty="0"/>
+              <a:t>主に</a:t>
+            </a:r>
+            <a:r>
+              <a:rPr lang="en-US" altLang="ja-JP" dirty="0" err="1"/>
+              <a:t>fastText</a:t>
+            </a:r>
+            <a:r>
+              <a:rPr lang="en-US" altLang="ja-JP" dirty="0"/>
+              <a:t>, </a:t>
+            </a:r>
+            <a:r>
+              <a:rPr lang="ja-JP" altLang="en-US" dirty="0"/>
+              <a:t>トレーニングデータ作成に携わった。</a:t>
+            </a:r>
+            <a:endParaRPr lang="en-US" altLang="ja-JP" dirty="0"/>
+          </a:p>
+          <a:p>
+            <a:r>
+              <a:rPr lang="ja-JP" altLang="en-US" dirty="0"/>
+              <a:t>　</a:t>
+            </a:r>
+            <a:endParaRPr lang="en-US" altLang="ja-JP" dirty="0"/>
+          </a:p>
+          <a:p>
+            <a:r>
+              <a:rPr lang="ja-JP" altLang="en-US" dirty="0"/>
+              <a:t>　</a:t>
+            </a:r>
+            <a:endParaRPr lang="en-US" altLang="ja-JP" dirty="0"/>
+          </a:p>
+          <a:p>
+            <a:r>
+              <a:rPr lang="ja-JP" altLang="en-US" dirty="0"/>
+              <a:t>　</a:t>
+            </a:r>
+            <a:endParaRPr lang="en-US" altLang="ja-JP" dirty="0"/>
+          </a:p>
+          <a:p>
+            <a:pPr marL="0" indent="0">
+              <a:buNone/>
+            </a:pPr>
+            <a:endParaRPr lang="en-US" altLang="ja-JP" dirty="0"/>
           </a:p>
         </p:txBody>
       </p:sp>
+      <p:sp>
+        <p:nvSpPr>
+          <p:cNvPr id="4" name="正方形/長方形 3">
+            <a:extLst>
+              <a:ext uri="{FF2B5EF4-FFF2-40B4-BE49-F238E27FC236}">
+                <a16:creationId xmlns:a16="http://schemas.microsoft.com/office/drawing/2014/main" id="{C91C756F-15E3-4B18-84A0-A6F1D7EB569D}"/>
+              </a:ext>
+            </a:extLst>
+          </p:cNvPr>
+          <p:cNvSpPr/>
+          <p:nvPr/>
+        </p:nvSpPr>
+        <p:spPr>
+          <a:xfrm>
+            <a:off x="9508067" y="0"/>
+            <a:ext cx="2683933" cy="1593908"/>
+          </a:xfrm>
+          <a:prstGeom prst="rect">
+            <a:avLst/>
+          </a:prstGeom>
+          <a:solidFill>
+            <a:schemeClr val="accent6">
+              <a:lumMod val="60000"/>
+              <a:lumOff val="40000"/>
+            </a:schemeClr>
+          </a:solidFill>
+          <a:ln>
+            <a:solidFill>
+              <a:schemeClr val="tx1"/>
+            </a:solidFill>
+          </a:ln>
+        </p:spPr>
+        <p:style>
+          <a:lnRef idx="2">
+            <a:schemeClr val="accent1">
+              <a:shade val="50000"/>
+            </a:schemeClr>
+          </a:lnRef>
+          <a:fillRef idx="1">
+            <a:schemeClr val="accent1"/>
+          </a:fillRef>
+          <a:effectRef idx="0">
+            <a:schemeClr val="accent1"/>
+          </a:effectRef>
+          <a:fontRef idx="minor">
+            <a:schemeClr val="lt1"/>
+          </a:fontRef>
+        </p:style>
+        <p:txBody>
+          <a:bodyPr rtlCol="0" anchor="ctr"/>
+          <a:lstStyle/>
+          <a:p>
+            <a:pPr algn="ctr"/>
+            <a:endParaRPr kumimoji="1" lang="ja-JP" altLang="en-US"/>
+          </a:p>
+        </p:txBody>
+      </p:sp>
+      <p:pic>
+        <p:nvPicPr>
+          <p:cNvPr id="8" name="図 7">
+            <a:extLst>
+              <a:ext uri="{FF2B5EF4-FFF2-40B4-BE49-F238E27FC236}">
+                <a16:creationId xmlns:a16="http://schemas.microsoft.com/office/drawing/2014/main" id="{CE7E6AB9-4320-4A02-9101-57EE52A88A25}"/>
+              </a:ext>
+            </a:extLst>
+          </p:cNvPr>
+          <p:cNvPicPr>
+            <a:picLocks noChangeAspect="1"/>
+          </p:cNvPicPr>
+          <p:nvPr/>
+        </p:nvPicPr>
+        <p:blipFill>
+          <a:blip r:embed="rId2">
+            <a:extLst>
+              <a:ext uri="{28A0092B-C50C-407E-A947-70E740481C1C}">
+                <a14:useLocalDpi xmlns:a14="http://schemas.microsoft.com/office/drawing/2010/main" val="0"/>
+              </a:ext>
+            </a:extLst>
+          </a:blip>
+          <a:stretch>
+            <a:fillRect/>
+          </a:stretch>
+        </p:blipFill>
+        <p:spPr>
+          <a:xfrm>
+            <a:off x="6344063" y="1340556"/>
+            <a:ext cx="2678889" cy="4131223"/>
+          </a:xfrm>
+          <a:prstGeom prst="rect">
+            <a:avLst/>
+          </a:prstGeom>
+        </p:spPr>
+      </p:pic>
     </p:spTree>
     <p:extLst>
       <p:ext uri="{BB962C8B-B14F-4D97-AF65-F5344CB8AC3E}">
@@ -18088,6 +19452,45 @@
           <a:chExt cx="0" cy="0"/>
         </a:xfrm>
       </p:grpSpPr>
+      <p:pic>
+        <p:nvPicPr>
+          <p:cNvPr id="8" name="グラフィックス 7" descr="男の人">
+            <a:extLst>
+              <a:ext uri="{FF2B5EF4-FFF2-40B4-BE49-F238E27FC236}">
+                <a16:creationId xmlns:a16="http://schemas.microsoft.com/office/drawing/2014/main" id="{7F80E498-C49B-4EA1-84BF-216E367B1003}"/>
+              </a:ext>
+            </a:extLst>
+          </p:cNvPr>
+          <p:cNvPicPr>
+            <a:picLocks noChangeAspect="1"/>
+          </p:cNvPicPr>
+          <p:nvPr/>
+        </p:nvPicPr>
+        <p:blipFill>
+          <a:blip r:embed="rId3">
+            <a:extLst>
+              <a:ext uri="{28A0092B-C50C-407E-A947-70E740481C1C}">
+                <a14:useLocalDpi xmlns:a14="http://schemas.microsoft.com/office/drawing/2010/main" val="0"/>
+              </a:ext>
+              <a:ext uri="{96DAC541-7B7A-43D3-8B79-37D633B846F1}">
+                <asvg:svgBlip xmlns:asvg="http://schemas.microsoft.com/office/drawing/2016/SVG/main" r:embed="rId4"/>
+              </a:ext>
+            </a:extLst>
+          </a:blip>
+          <a:stretch>
+            <a:fillRect/>
+          </a:stretch>
+        </p:blipFill>
+        <p:spPr>
+          <a:xfrm>
+            <a:off x="2351707" y="2700311"/>
+            <a:ext cx="2908789" cy="2908789"/>
+          </a:xfrm>
+          <a:prstGeom prst="rect">
+            <a:avLst/>
+          </a:prstGeom>
+        </p:spPr>
+      </p:pic>
       <p:sp>
         <p:nvSpPr>
           <p:cNvPr id="2" name="タイトル 1">
@@ -18147,7 +19550,7 @@
           <p:nvPr/>
         </p:nvPicPr>
         <p:blipFill>
-          <a:blip r:embed="rId2">
+          <a:blip r:embed="rId5">
             <a:extLst>
               <a:ext uri="{28A0092B-C50C-407E-A947-70E740481C1C}">
                 <a14:useLocalDpi xmlns:a14="http://schemas.microsoft.com/office/drawing/2010/main" val="0"/>
@@ -18377,45 +19780,6 @@
       </p:sp>
       <p:pic>
         <p:nvPicPr>
-          <p:cNvPr id="8" name="グラフィックス 7" descr="男の人">
-            <a:extLst>
-              <a:ext uri="{FF2B5EF4-FFF2-40B4-BE49-F238E27FC236}">
-                <a16:creationId xmlns:a16="http://schemas.microsoft.com/office/drawing/2014/main" id="{7F80E498-C49B-4EA1-84BF-216E367B1003}"/>
-              </a:ext>
-            </a:extLst>
-          </p:cNvPr>
-          <p:cNvPicPr>
-            <a:picLocks noChangeAspect="1"/>
-          </p:cNvPicPr>
-          <p:nvPr/>
-        </p:nvPicPr>
-        <p:blipFill>
-          <a:blip r:embed="rId3">
-            <a:extLst>
-              <a:ext uri="{28A0092B-C50C-407E-A947-70E740481C1C}">
-                <a14:useLocalDpi xmlns:a14="http://schemas.microsoft.com/office/drawing/2010/main" val="0"/>
-              </a:ext>
-              <a:ext uri="{96DAC541-7B7A-43D3-8B79-37D633B846F1}">
-                <asvg:svgBlip xmlns:asvg="http://schemas.microsoft.com/office/drawing/2016/SVG/main" r:embed="rId4"/>
-              </a:ext>
-            </a:extLst>
-          </a:blip>
-          <a:stretch>
-            <a:fillRect/>
-          </a:stretch>
-        </p:blipFill>
-        <p:spPr>
-          <a:xfrm>
-            <a:off x="2351707" y="2700311"/>
-            <a:ext cx="2908789" cy="2908789"/>
-          </a:xfrm>
-          <a:prstGeom prst="rect">
-            <a:avLst/>
-          </a:prstGeom>
-        </p:spPr>
-      </p:pic>
-      <p:pic>
-        <p:nvPicPr>
           <p:cNvPr id="9" name="図 8">
             <a:extLst>
               <a:ext uri="{FF2B5EF4-FFF2-40B4-BE49-F238E27FC236}">
@@ -18429,7 +19793,7 @@
           <p:nvPr/>
         </p:nvPicPr>
         <p:blipFill>
-          <a:blip r:embed="rId5">
+          <a:blip r:embed="rId6">
             <a:extLst>
               <a:ext uri="{28A0092B-C50C-407E-A947-70E740481C1C}">
                 <a14:useLocalDpi xmlns:a14="http://schemas.microsoft.com/office/drawing/2010/main" val="0"/>
@@ -18508,7 +19872,7 @@
           <p:nvPr/>
         </p:nvPicPr>
         <p:blipFill>
-          <a:blip r:embed="rId6"/>
+          <a:blip r:embed="rId7"/>
           <a:stretch>
             <a:fillRect/>
           </a:stretch>
@@ -18538,7 +19902,7 @@
           <p:nvPr/>
         </p:nvPicPr>
         <p:blipFill>
-          <a:blip r:embed="rId6"/>
+          <a:blip r:embed="rId7"/>
           <a:stretch>
             <a:fillRect/>
           </a:stretch>
@@ -18568,7 +19932,7 @@
           <p:nvPr/>
         </p:nvPicPr>
         <p:blipFill>
-          <a:blip r:embed="rId7">
+          <a:blip r:embed="rId8">
             <a:extLst>
               <a:ext uri="{28A0092B-C50C-407E-A947-70E740481C1C}">
                 <a14:useLocalDpi xmlns:a14="http://schemas.microsoft.com/office/drawing/2010/main" val="0"/>
@@ -19339,6 +20703,63 @@
           </a:p>
         </p:txBody>
       </p:sp>
+      <p:sp>
+        <p:nvSpPr>
+          <p:cNvPr id="4" name="正方形/長方形 3">
+            <a:extLst>
+              <a:ext uri="{FF2B5EF4-FFF2-40B4-BE49-F238E27FC236}">
+                <a16:creationId xmlns:a16="http://schemas.microsoft.com/office/drawing/2014/main" id="{20CF5F62-5F75-4B74-8A03-BA4C99F2037B}"/>
+              </a:ext>
+            </a:extLst>
+          </p:cNvPr>
+          <p:cNvSpPr/>
+          <p:nvPr/>
+        </p:nvSpPr>
+        <p:spPr>
+          <a:xfrm>
+            <a:off x="9508067" y="0"/>
+            <a:ext cx="2683933" cy="1593908"/>
+          </a:xfrm>
+          <a:prstGeom prst="rect">
+            <a:avLst/>
+          </a:prstGeom>
+          <a:solidFill>
+            <a:schemeClr val="accent6">
+              <a:lumMod val="60000"/>
+              <a:lumOff val="40000"/>
+            </a:schemeClr>
+          </a:solidFill>
+          <a:ln>
+            <a:solidFill>
+              <a:schemeClr val="tx1"/>
+            </a:solidFill>
+          </a:ln>
+        </p:spPr>
+        <p:style>
+          <a:lnRef idx="2">
+            <a:schemeClr val="accent1">
+              <a:shade val="50000"/>
+            </a:schemeClr>
+          </a:lnRef>
+          <a:fillRef idx="1">
+            <a:schemeClr val="accent1"/>
+          </a:fillRef>
+          <a:effectRef idx="0">
+            <a:schemeClr val="accent1"/>
+          </a:effectRef>
+          <a:fontRef idx="minor">
+            <a:schemeClr val="lt1"/>
+          </a:fontRef>
+        </p:style>
+        <p:txBody>
+          <a:bodyPr rtlCol="0" anchor="ctr"/>
+          <a:lstStyle/>
+          <a:p>
+            <a:pPr algn="ctr"/>
+            <a:endParaRPr kumimoji="1" lang="ja-JP" altLang="en-US"/>
+          </a:p>
+        </p:txBody>
+      </p:sp>
     </p:spTree>
     <p:extLst>
       <p:ext uri="{BB962C8B-B14F-4D97-AF65-F5344CB8AC3E}">
@@ -19420,6 +20841,63 @@
           </a:p>
         </p:txBody>
       </p:sp>
+      <p:sp>
+        <p:nvSpPr>
+          <p:cNvPr id="3" name="正方形/長方形 2">
+            <a:extLst>
+              <a:ext uri="{FF2B5EF4-FFF2-40B4-BE49-F238E27FC236}">
+                <a16:creationId xmlns:a16="http://schemas.microsoft.com/office/drawing/2014/main" id="{ED931E24-1A9E-4A8A-B365-A65C5DBC5F30}"/>
+              </a:ext>
+            </a:extLst>
+          </p:cNvPr>
+          <p:cNvSpPr/>
+          <p:nvPr/>
+        </p:nvSpPr>
+        <p:spPr>
+          <a:xfrm>
+            <a:off x="9508067" y="0"/>
+            <a:ext cx="2683933" cy="1593908"/>
+          </a:xfrm>
+          <a:prstGeom prst="rect">
+            <a:avLst/>
+          </a:prstGeom>
+          <a:solidFill>
+            <a:schemeClr val="accent6">
+              <a:lumMod val="60000"/>
+              <a:lumOff val="40000"/>
+            </a:schemeClr>
+          </a:solidFill>
+          <a:ln>
+            <a:solidFill>
+              <a:schemeClr val="tx1"/>
+            </a:solidFill>
+          </a:ln>
+        </p:spPr>
+        <p:style>
+          <a:lnRef idx="2">
+            <a:schemeClr val="accent1">
+              <a:shade val="50000"/>
+            </a:schemeClr>
+          </a:lnRef>
+          <a:fillRef idx="1">
+            <a:schemeClr val="accent1"/>
+          </a:fillRef>
+          <a:effectRef idx="0">
+            <a:schemeClr val="accent1"/>
+          </a:effectRef>
+          <a:fontRef idx="minor">
+            <a:schemeClr val="lt1"/>
+          </a:fontRef>
+        </p:style>
+        <p:txBody>
+          <a:bodyPr rtlCol="0" anchor="ctr"/>
+          <a:lstStyle/>
+          <a:p>
+            <a:pPr algn="ctr"/>
+            <a:endParaRPr kumimoji="1" lang="ja-JP" altLang="en-US"/>
+          </a:p>
+        </p:txBody>
+      </p:sp>
     </p:spTree>
     <p:extLst>
       <p:ext uri="{BB962C8B-B14F-4D97-AF65-F5344CB8AC3E}">
@@ -19472,7 +20950,23 @@
           <a:lstStyle/>
           <a:p>
             <a:r>
-              <a:rPr kumimoji="1" lang="ja-JP" altLang="en-US" dirty="0"/>
+              <a:rPr kumimoji="1" lang="ja-JP" altLang="en-US" b="1" dirty="0">
+                <a:ln w="19050">
+                  <a:solidFill>
+                    <a:schemeClr val="accent6">
+                      <a:lumMod val="50000"/>
+                    </a:schemeClr>
+                  </a:solidFill>
+                </a:ln>
+                <a:solidFill>
+                  <a:schemeClr val="accent6">
+                    <a:lumMod val="60000"/>
+                    <a:lumOff val="40000"/>
+                  </a:schemeClr>
+                </a:solidFill>
+                <a:latin typeface="HGS明朝E" panose="02020900000000000000" pitchFamily="18" charset="-128"/>
+                <a:ea typeface="HGS明朝E" panose="02020900000000000000" pitchFamily="18" charset="-128"/>
+              </a:rPr>
               <a:t>質疑応答</a:t>
             </a:r>
           </a:p>
@@ -19551,6 +21045,63 @@
               <a:t>YoSiE</a:t>
             </a:r>
             <a:endParaRPr kumimoji="1" lang="ja-JP" altLang="en-US" sz="3200" dirty="0"/>
+          </a:p>
+        </p:txBody>
+      </p:sp>
+      <p:sp>
+        <p:nvSpPr>
+          <p:cNvPr id="4" name="正方形/長方形 3">
+            <a:extLst>
+              <a:ext uri="{FF2B5EF4-FFF2-40B4-BE49-F238E27FC236}">
+                <a16:creationId xmlns:a16="http://schemas.microsoft.com/office/drawing/2014/main" id="{2B15071E-CFA0-4981-A43E-F559A360FAD0}"/>
+              </a:ext>
+            </a:extLst>
+          </p:cNvPr>
+          <p:cNvSpPr/>
+          <p:nvPr/>
+        </p:nvSpPr>
+        <p:spPr>
+          <a:xfrm>
+            <a:off x="9508067" y="0"/>
+            <a:ext cx="2683933" cy="1593908"/>
+          </a:xfrm>
+          <a:prstGeom prst="rect">
+            <a:avLst/>
+          </a:prstGeom>
+          <a:solidFill>
+            <a:schemeClr val="accent6">
+              <a:lumMod val="60000"/>
+              <a:lumOff val="40000"/>
+            </a:schemeClr>
+          </a:solidFill>
+          <a:ln>
+            <a:solidFill>
+              <a:schemeClr val="tx1"/>
+            </a:solidFill>
+          </a:ln>
+        </p:spPr>
+        <p:style>
+          <a:lnRef idx="2">
+            <a:schemeClr val="accent1">
+              <a:shade val="50000"/>
+            </a:schemeClr>
+          </a:lnRef>
+          <a:fillRef idx="1">
+            <a:schemeClr val="accent1"/>
+          </a:fillRef>
+          <a:effectRef idx="0">
+            <a:schemeClr val="accent1"/>
+          </a:effectRef>
+          <a:fontRef idx="minor">
+            <a:schemeClr val="lt1"/>
+          </a:fontRef>
+        </p:style>
+        <p:txBody>
+          <a:bodyPr rtlCol="0" anchor="ctr"/>
+          <a:lstStyle/>
+          <a:p>
+            <a:pPr algn="ctr"/>
+            <a:endParaRPr kumimoji="1" lang="ja-JP" altLang="en-US"/>
           </a:p>
         </p:txBody>
       </p:sp>
@@ -19966,250 +21517,271 @@
           </a:p>
         </p:txBody>
       </p:sp>
-      <p:sp>
-        <p:nvSpPr>
-          <p:cNvPr id="6" name="四角形: 角を丸くする 5">
+      <p:grpSp>
+        <p:nvGrpSpPr>
+          <p:cNvPr id="3" name="グループ化 2">
             <a:extLst>
               <a:ext uri="{FF2B5EF4-FFF2-40B4-BE49-F238E27FC236}">
-                <a16:creationId xmlns:a16="http://schemas.microsoft.com/office/drawing/2014/main" id="{498BA43A-0851-4B4D-8C59-F6EE8AA9BA95}"/>
+                <a16:creationId xmlns:a16="http://schemas.microsoft.com/office/drawing/2014/main" id="{C1FE9123-BE36-434D-B006-B0F4AEB2151D}"/>
               </a:ext>
             </a:extLst>
           </p:cNvPr>
-          <p:cNvSpPr/>
+          <p:cNvGrpSpPr/>
           <p:nvPr/>
-        </p:nvSpPr>
-        <p:spPr>
+        </p:nvGrpSpPr>
+        <p:grpSpPr>
           <a:xfrm>
-            <a:off x="396240" y="2392997"/>
-            <a:ext cx="2621280" cy="1737360"/>
+            <a:off x="365418" y="2392997"/>
+            <a:ext cx="11338905" cy="1737360"/>
+            <a:chOff x="365418" y="2392997"/>
+            <a:chExt cx="11338905" cy="1737360"/>
           </a:xfrm>
-          <a:prstGeom prst="roundRect">
-            <a:avLst/>
-          </a:prstGeom>
-          <a:solidFill>
-            <a:schemeClr val="accent6">
-              <a:lumMod val="75000"/>
-            </a:schemeClr>
-          </a:solidFill>
-          <a:ln>
+        </p:grpSpPr>
+        <p:sp>
+          <p:nvSpPr>
+            <p:cNvPr id="6" name="四角形: 角を丸くする 5">
+              <a:extLst>
+                <a:ext uri="{FF2B5EF4-FFF2-40B4-BE49-F238E27FC236}">
+                  <a16:creationId xmlns:a16="http://schemas.microsoft.com/office/drawing/2014/main" id="{498BA43A-0851-4B4D-8C59-F6EE8AA9BA95}"/>
+                </a:ext>
+              </a:extLst>
+            </p:cNvPr>
+            <p:cNvSpPr/>
+            <p:nvPr/>
+          </p:nvSpPr>
+          <p:spPr>
+            <a:xfrm>
+              <a:off x="365418" y="2392997"/>
+              <a:ext cx="2621280" cy="1737360"/>
+            </a:xfrm>
+            <a:prstGeom prst="roundRect">
+              <a:avLst/>
+            </a:prstGeom>
             <a:solidFill>
-              <a:schemeClr val="bg1"/>
+              <a:schemeClr val="accent6">
+                <a:lumMod val="75000"/>
+              </a:schemeClr>
             </a:solidFill>
-          </a:ln>
-        </p:spPr>
-        <p:style>
-          <a:lnRef idx="2">
-            <a:schemeClr val="accent1">
-              <a:shade val="50000"/>
-            </a:schemeClr>
-          </a:lnRef>
-          <a:fillRef idx="1">
-            <a:schemeClr val="accent1"/>
-          </a:fillRef>
-          <a:effectRef idx="0">
-            <a:schemeClr val="accent1"/>
-          </a:effectRef>
-          <a:fontRef idx="minor">
-            <a:schemeClr val="lt1"/>
-          </a:fontRef>
-        </p:style>
-        <p:txBody>
-          <a:bodyPr rtlCol="0" anchor="ctr"/>
-          <a:lstStyle/>
-          <a:p>
-            <a:pPr algn="ctr"/>
-            <a:r>
-              <a:rPr kumimoji="1" lang="ja-JP" altLang="en-US" sz="4400" b="1" dirty="0"/>
-              <a:t>音声認識</a:t>
-            </a:r>
-          </a:p>
-        </p:txBody>
-      </p:sp>
-      <p:sp>
-        <p:nvSpPr>
-          <p:cNvPr id="7" name="四角形: 角を丸くする 6">
-            <a:extLst>
-              <a:ext uri="{FF2B5EF4-FFF2-40B4-BE49-F238E27FC236}">
-                <a16:creationId xmlns:a16="http://schemas.microsoft.com/office/drawing/2014/main" id="{DFE46414-B145-414E-9180-1CFF408BE607}"/>
-              </a:ext>
-            </a:extLst>
-          </p:cNvPr>
-          <p:cNvSpPr/>
-          <p:nvPr/>
-        </p:nvSpPr>
-        <p:spPr>
-          <a:xfrm>
-            <a:off x="3291841" y="2392997"/>
-            <a:ext cx="2621280" cy="1737360"/>
-          </a:xfrm>
-          <a:prstGeom prst="roundRect">
-            <a:avLst/>
-          </a:prstGeom>
-          <a:solidFill>
-            <a:schemeClr val="accent6">
-              <a:lumMod val="75000"/>
-            </a:schemeClr>
-          </a:solidFill>
-          <a:ln>
+            <a:ln>
+              <a:solidFill>
+                <a:schemeClr val="bg1"/>
+              </a:solidFill>
+            </a:ln>
+          </p:spPr>
+          <p:style>
+            <a:lnRef idx="2">
+              <a:schemeClr val="accent1">
+                <a:shade val="50000"/>
+              </a:schemeClr>
+            </a:lnRef>
+            <a:fillRef idx="1">
+              <a:schemeClr val="accent1"/>
+            </a:fillRef>
+            <a:effectRef idx="0">
+              <a:schemeClr val="accent1"/>
+            </a:effectRef>
+            <a:fontRef idx="minor">
+              <a:schemeClr val="lt1"/>
+            </a:fontRef>
+          </p:style>
+          <p:txBody>
+            <a:bodyPr rtlCol="0" anchor="ctr"/>
+            <a:lstStyle/>
+            <a:p>
+              <a:pPr algn="ctr"/>
+              <a:r>
+                <a:rPr kumimoji="1" lang="ja-JP" altLang="en-US" sz="4400" b="1" dirty="0"/>
+                <a:t>音声認識</a:t>
+              </a:r>
+            </a:p>
+          </p:txBody>
+        </p:sp>
+        <p:sp>
+          <p:nvSpPr>
+            <p:cNvPr id="7" name="四角形: 角を丸くする 6">
+              <a:extLst>
+                <a:ext uri="{FF2B5EF4-FFF2-40B4-BE49-F238E27FC236}">
+                  <a16:creationId xmlns:a16="http://schemas.microsoft.com/office/drawing/2014/main" id="{DFE46414-B145-414E-9180-1CFF408BE607}"/>
+                </a:ext>
+              </a:extLst>
+            </p:cNvPr>
+            <p:cNvSpPr/>
+            <p:nvPr/>
+          </p:nvSpPr>
+          <p:spPr>
+            <a:xfrm>
+              <a:off x="3291841" y="2392997"/>
+              <a:ext cx="2621280" cy="1737360"/>
+            </a:xfrm>
+            <a:prstGeom prst="roundRect">
+              <a:avLst/>
+            </a:prstGeom>
             <a:solidFill>
-              <a:schemeClr val="bg1"/>
+              <a:schemeClr val="accent6">
+                <a:lumMod val="75000"/>
+              </a:schemeClr>
             </a:solidFill>
-          </a:ln>
-        </p:spPr>
-        <p:style>
-          <a:lnRef idx="2">
-            <a:schemeClr val="accent1">
-              <a:shade val="50000"/>
-            </a:schemeClr>
-          </a:lnRef>
-          <a:fillRef idx="1">
-            <a:schemeClr val="accent1"/>
-          </a:fillRef>
-          <a:effectRef idx="0">
-            <a:schemeClr val="accent1"/>
-          </a:effectRef>
-          <a:fontRef idx="minor">
-            <a:schemeClr val="lt1"/>
-          </a:fontRef>
-        </p:style>
-        <p:txBody>
-          <a:bodyPr rtlCol="0" anchor="ctr"/>
-          <a:lstStyle/>
-          <a:p>
-            <a:pPr algn="ctr"/>
-            <a:r>
-              <a:rPr kumimoji="1" lang="ja-JP" altLang="en-US" sz="4400" b="1" dirty="0"/>
-              <a:t>テキスト分類</a:t>
-            </a:r>
-          </a:p>
-        </p:txBody>
-      </p:sp>
-      <p:sp>
-        <p:nvSpPr>
-          <p:cNvPr id="8" name="四角形: 角を丸くする 7">
-            <a:extLst>
-              <a:ext uri="{FF2B5EF4-FFF2-40B4-BE49-F238E27FC236}">
-                <a16:creationId xmlns:a16="http://schemas.microsoft.com/office/drawing/2014/main" id="{F6ECECBF-8D35-46E1-BBF0-ECC550F7A622}"/>
-              </a:ext>
-            </a:extLst>
-          </p:cNvPr>
-          <p:cNvSpPr/>
-          <p:nvPr/>
-        </p:nvSpPr>
-        <p:spPr>
-          <a:xfrm>
-            <a:off x="6187442" y="2392997"/>
-            <a:ext cx="2621280" cy="1737360"/>
-          </a:xfrm>
-          <a:prstGeom prst="roundRect">
-            <a:avLst/>
-          </a:prstGeom>
-          <a:solidFill>
-            <a:schemeClr val="accent6">
-              <a:lumMod val="75000"/>
-            </a:schemeClr>
-          </a:solidFill>
-          <a:ln>
+            <a:ln>
+              <a:solidFill>
+                <a:schemeClr val="bg1"/>
+              </a:solidFill>
+            </a:ln>
+          </p:spPr>
+          <p:style>
+            <a:lnRef idx="2">
+              <a:schemeClr val="accent1">
+                <a:shade val="50000"/>
+              </a:schemeClr>
+            </a:lnRef>
+            <a:fillRef idx="1">
+              <a:schemeClr val="accent1"/>
+            </a:fillRef>
+            <a:effectRef idx="0">
+              <a:schemeClr val="accent1"/>
+            </a:effectRef>
+            <a:fontRef idx="minor">
+              <a:schemeClr val="lt1"/>
+            </a:fontRef>
+          </p:style>
+          <p:txBody>
+            <a:bodyPr rtlCol="0" anchor="ctr"/>
+            <a:lstStyle/>
+            <a:p>
+              <a:pPr algn="ctr"/>
+              <a:r>
+                <a:rPr kumimoji="1" lang="ja-JP" altLang="en-US" sz="4400" b="1" dirty="0"/>
+                <a:t>テキスト分類</a:t>
+              </a:r>
+            </a:p>
+          </p:txBody>
+        </p:sp>
+        <p:sp>
+          <p:nvSpPr>
+            <p:cNvPr id="8" name="四角形: 角を丸くする 7">
+              <a:extLst>
+                <a:ext uri="{FF2B5EF4-FFF2-40B4-BE49-F238E27FC236}">
+                  <a16:creationId xmlns:a16="http://schemas.microsoft.com/office/drawing/2014/main" id="{F6ECECBF-8D35-46E1-BBF0-ECC550F7A622}"/>
+                </a:ext>
+              </a:extLst>
+            </p:cNvPr>
+            <p:cNvSpPr/>
+            <p:nvPr/>
+          </p:nvSpPr>
+          <p:spPr>
+            <a:xfrm>
+              <a:off x="6187442" y="2392997"/>
+              <a:ext cx="2621280" cy="1737360"/>
+            </a:xfrm>
+            <a:prstGeom prst="roundRect">
+              <a:avLst/>
+            </a:prstGeom>
             <a:solidFill>
-              <a:schemeClr val="bg1"/>
+              <a:schemeClr val="accent6">
+                <a:lumMod val="75000"/>
+              </a:schemeClr>
             </a:solidFill>
-          </a:ln>
-        </p:spPr>
-        <p:style>
-          <a:lnRef idx="2">
-            <a:schemeClr val="accent1">
-              <a:shade val="50000"/>
-            </a:schemeClr>
-          </a:lnRef>
-          <a:fillRef idx="1">
-            <a:schemeClr val="accent1"/>
-          </a:fillRef>
-          <a:effectRef idx="0">
-            <a:schemeClr val="accent1"/>
-          </a:effectRef>
-          <a:fontRef idx="minor">
-            <a:schemeClr val="lt1"/>
-          </a:fontRef>
-        </p:style>
-        <p:txBody>
-          <a:bodyPr rtlCol="0" anchor="ctr"/>
-          <a:lstStyle/>
-          <a:p>
-            <a:pPr algn="ctr"/>
-            <a:r>
-              <a:rPr kumimoji="1" lang="ja-JP" altLang="en-US" sz="4400" b="1" dirty="0"/>
-              <a:t>データ</a:t>
-            </a:r>
-            <a:endParaRPr kumimoji="1" lang="en-US" altLang="ja-JP" sz="4400" b="1" dirty="0"/>
-          </a:p>
-          <a:p>
-            <a:pPr algn="ctr"/>
-            <a:r>
-              <a:rPr kumimoji="1" lang="ja-JP" altLang="en-US" sz="4400" b="1" dirty="0"/>
-              <a:t>取得</a:t>
-            </a:r>
-          </a:p>
-        </p:txBody>
-      </p:sp>
-      <p:sp>
-        <p:nvSpPr>
-          <p:cNvPr id="9" name="四角形: 角を丸くする 8">
-            <a:extLst>
-              <a:ext uri="{FF2B5EF4-FFF2-40B4-BE49-F238E27FC236}">
-                <a16:creationId xmlns:a16="http://schemas.microsoft.com/office/drawing/2014/main" id="{5A9694B0-F6A7-47D2-ABC6-D069EAB97396}"/>
-              </a:ext>
-            </a:extLst>
-          </p:cNvPr>
-          <p:cNvSpPr/>
-          <p:nvPr/>
-        </p:nvSpPr>
-        <p:spPr>
-          <a:xfrm>
-            <a:off x="9083043" y="2392997"/>
-            <a:ext cx="2621280" cy="1737360"/>
-          </a:xfrm>
-          <a:prstGeom prst="roundRect">
-            <a:avLst/>
-          </a:prstGeom>
-          <a:solidFill>
-            <a:schemeClr val="accent6">
-              <a:lumMod val="75000"/>
-            </a:schemeClr>
-          </a:solidFill>
-          <a:ln>
+            <a:ln>
+              <a:solidFill>
+                <a:schemeClr val="bg1"/>
+              </a:solidFill>
+            </a:ln>
+          </p:spPr>
+          <p:style>
+            <a:lnRef idx="2">
+              <a:schemeClr val="accent1">
+                <a:shade val="50000"/>
+              </a:schemeClr>
+            </a:lnRef>
+            <a:fillRef idx="1">
+              <a:schemeClr val="accent1"/>
+            </a:fillRef>
+            <a:effectRef idx="0">
+              <a:schemeClr val="accent1"/>
+            </a:effectRef>
+            <a:fontRef idx="minor">
+              <a:schemeClr val="lt1"/>
+            </a:fontRef>
+          </p:style>
+          <p:txBody>
+            <a:bodyPr rtlCol="0" anchor="ctr"/>
+            <a:lstStyle/>
+            <a:p>
+              <a:pPr algn="ctr"/>
+              <a:r>
+                <a:rPr kumimoji="1" lang="ja-JP" altLang="en-US" sz="4400" b="1" dirty="0"/>
+                <a:t>データ</a:t>
+              </a:r>
+              <a:endParaRPr kumimoji="1" lang="en-US" altLang="ja-JP" sz="4400" b="1" dirty="0"/>
+            </a:p>
+            <a:p>
+              <a:pPr algn="ctr"/>
+              <a:r>
+                <a:rPr kumimoji="1" lang="ja-JP" altLang="en-US" sz="4400" b="1" dirty="0"/>
+                <a:t>取得</a:t>
+              </a:r>
+            </a:p>
+          </p:txBody>
+        </p:sp>
+        <p:sp>
+          <p:nvSpPr>
+            <p:cNvPr id="9" name="四角形: 角を丸くする 8">
+              <a:extLst>
+                <a:ext uri="{FF2B5EF4-FFF2-40B4-BE49-F238E27FC236}">
+                  <a16:creationId xmlns:a16="http://schemas.microsoft.com/office/drawing/2014/main" id="{5A9694B0-F6A7-47D2-ABC6-D069EAB97396}"/>
+                </a:ext>
+              </a:extLst>
+            </p:cNvPr>
+            <p:cNvSpPr/>
+            <p:nvPr/>
+          </p:nvSpPr>
+          <p:spPr>
+            <a:xfrm>
+              <a:off x="9083043" y="2392997"/>
+              <a:ext cx="2621280" cy="1737360"/>
+            </a:xfrm>
+            <a:prstGeom prst="roundRect">
+              <a:avLst/>
+            </a:prstGeom>
             <a:solidFill>
-              <a:schemeClr val="bg1"/>
+              <a:schemeClr val="accent6">
+                <a:lumMod val="75000"/>
+              </a:schemeClr>
             </a:solidFill>
-          </a:ln>
-        </p:spPr>
-        <p:style>
-          <a:lnRef idx="2">
-            <a:schemeClr val="accent1">
-              <a:shade val="50000"/>
-            </a:schemeClr>
-          </a:lnRef>
-          <a:fillRef idx="1">
-            <a:schemeClr val="accent1"/>
-          </a:fillRef>
-          <a:effectRef idx="0">
-            <a:schemeClr val="accent1"/>
-          </a:effectRef>
-          <a:fontRef idx="minor">
-            <a:schemeClr val="lt1"/>
-          </a:fontRef>
-        </p:style>
-        <p:txBody>
-          <a:bodyPr rtlCol="0" anchor="ctr"/>
-          <a:lstStyle/>
-          <a:p>
-            <a:pPr algn="ctr"/>
-            <a:r>
-              <a:rPr kumimoji="1" lang="ja-JP" altLang="en-US" sz="4400" b="1" dirty="0"/>
-              <a:t>音声合成</a:t>
-            </a:r>
-          </a:p>
-        </p:txBody>
-      </p:sp>
+            <a:ln>
+              <a:solidFill>
+                <a:schemeClr val="bg1"/>
+              </a:solidFill>
+            </a:ln>
+          </p:spPr>
+          <p:style>
+            <a:lnRef idx="2">
+              <a:schemeClr val="accent1">
+                <a:shade val="50000"/>
+              </a:schemeClr>
+            </a:lnRef>
+            <a:fillRef idx="1">
+              <a:schemeClr val="accent1"/>
+            </a:fillRef>
+            <a:effectRef idx="0">
+              <a:schemeClr val="accent1"/>
+            </a:effectRef>
+            <a:fontRef idx="minor">
+              <a:schemeClr val="lt1"/>
+            </a:fontRef>
+          </p:style>
+          <p:txBody>
+            <a:bodyPr rtlCol="0" anchor="ctr"/>
+            <a:lstStyle/>
+            <a:p>
+              <a:pPr algn="ctr"/>
+              <a:r>
+                <a:rPr kumimoji="1" lang="ja-JP" altLang="en-US" sz="4400" b="1" dirty="0"/>
+                <a:t>音声合成</a:t>
+              </a:r>
+            </a:p>
+          </p:txBody>
+        </p:sp>
+      </p:grpSp>
       <p:sp>
         <p:nvSpPr>
           <p:cNvPr id="10" name="矢印: 右 9">
@@ -20377,9 +21949,44 @@
                                     </p:set>
                                     <p:animEffect transition="in" filter="wipe(left)">
                                       <p:cBhvr>
-                                        <p:cTn id="7" dur="500"/>
+                                        <p:cTn id="7" dur="750"/>
                                         <p:tgtEl>
                                           <p:spTgt spid="10"/>
+                                        </p:tgtEl>
+                                      </p:cBhvr>
+                                    </p:animEffect>
+                                  </p:childTnLst>
+                                </p:cTn>
+                              </p:par>
+                              <p:par>
+                                <p:cTn id="8" presetID="22" presetClass="entr" presetSubtype="8" fill="hold" nodeType="withEffect">
+                                  <p:stCondLst>
+                                    <p:cond delay="0"/>
+                                  </p:stCondLst>
+                                  <p:childTnLst>
+                                    <p:set>
+                                      <p:cBhvr>
+                                        <p:cTn id="9" dur="1" fill="hold">
+                                          <p:stCondLst>
+                                            <p:cond delay="0"/>
+                                          </p:stCondLst>
+                                        </p:cTn>
+                                        <p:tgtEl>
+                                          <p:spTgt spid="3"/>
+                                        </p:tgtEl>
+                                        <p:attrNameLst>
+                                          <p:attrName>style.visibility</p:attrName>
+                                        </p:attrNameLst>
+                                      </p:cBhvr>
+                                      <p:to>
+                                        <p:strVal val="visible"/>
+                                      </p:to>
+                                    </p:set>
+                                    <p:animEffect transition="in" filter="wipe(left)">
+                                      <p:cBhvr>
+                                        <p:cTn id="10" dur="750"/>
+                                        <p:tgtEl>
+                                          <p:spTgt spid="3"/>
                                         </p:tgtEl>
                                       </p:cBhvr>
                                     </p:animEffect>
@@ -21551,6 +23158,9 @@
             <a:avLst/>
           </a:prstGeom>
           <a:noFill/>
+          <a:ln>
+            <a:noFill/>
+          </a:ln>
           <a:effectLst>
             <a:outerShdw blurRad="50800" dist="38100" dir="2700000" algn="tl" rotWithShape="0">
               <a:prstClr val="black">
@@ -21579,10 +23189,17 @@
           <a:p>
             <a:r>
               <a:rPr kumimoji="1" lang="en-US" altLang="ja-JP" sz="11500" b="1" dirty="0">
-                <a:ln/>
+                <a:ln w="28575">
+                  <a:solidFill>
+                    <a:schemeClr val="accent6">
+                      <a:lumMod val="50000"/>
+                    </a:schemeClr>
+                  </a:solidFill>
+                </a:ln>
                 <a:solidFill>
                   <a:schemeClr val="accent6">
-                    <a:lumMod val="75000"/>
+                    <a:lumMod val="60000"/>
+                    <a:lumOff val="40000"/>
                   </a:schemeClr>
                 </a:solidFill>
               </a:rPr>
@@ -21612,6 +23229,9 @@
             <a:avLst/>
           </a:prstGeom>
           <a:noFill/>
+          <a:ln>
+            <a:noFill/>
+          </a:ln>
           <a:effectLst>
             <a:outerShdw blurRad="50800" dist="38100" dir="2700000" algn="tl" rotWithShape="0">
               <a:prstClr val="black">
@@ -21640,20 +23260,34 @@
           <a:p>
             <a:r>
               <a:rPr kumimoji="1" lang="en-US" altLang="ja-JP" sz="11500" b="1" dirty="0">
-                <a:ln/>
+                <a:ln w="28575">
+                  <a:solidFill>
+                    <a:schemeClr val="accent6">
+                      <a:lumMod val="50000"/>
+                    </a:schemeClr>
+                  </a:solidFill>
+                </a:ln>
                 <a:solidFill>
                   <a:schemeClr val="accent6">
-                    <a:lumMod val="75000"/>
+                    <a:lumMod val="60000"/>
+                    <a:lumOff val="40000"/>
                   </a:schemeClr>
                 </a:solidFill>
               </a:rPr>
               <a:t>Python</a:t>
             </a:r>
             <a:endParaRPr kumimoji="1" lang="ja-JP" altLang="en-US" sz="11500" b="1" dirty="0">
-              <a:ln/>
+              <a:ln w="28575">
+                <a:solidFill>
+                  <a:schemeClr val="accent6">
+                    <a:lumMod val="50000"/>
+                  </a:schemeClr>
+                </a:solidFill>
+              </a:ln>
               <a:solidFill>
                 <a:schemeClr val="accent6">
-                  <a:lumMod val="75000"/>
+                  <a:lumMod val="60000"/>
+                  <a:lumOff val="40000"/>
                 </a:schemeClr>
               </a:solidFill>
             </a:endParaRPr>
@@ -21675,13 +23309,13 @@
           <p:nvPr/>
         </p:nvPicPr>
         <p:blipFill>
-          <a:blip r:embed="rId2">
+          <a:blip r:embed="rId3">
             <a:extLst>
               <a:ext uri="{28A0092B-C50C-407E-A947-70E740481C1C}">
                 <a14:useLocalDpi xmlns:a14="http://schemas.microsoft.com/office/drawing/2010/main" val="0"/>
               </a:ext>
               <a:ext uri="{96DAC541-7B7A-43D3-8B79-37D633B846F1}">
-                <asvg:svgBlip xmlns:asvg="http://schemas.microsoft.com/office/drawing/2016/SVG/main" r:embed="rId3"/>
+                <asvg:svgBlip xmlns:asvg="http://schemas.microsoft.com/office/drawing/2016/SVG/main" r:embed="rId4"/>
               </a:ext>
             </a:extLst>
           </a:blip>
@@ -21981,8 +23615,8 @@
       </p:par>
     </p:tnLst>
     <p:bldLst>
-      <p:bldP spid="6" grpId="0"/>
-      <p:bldP spid="7" grpId="0"/>
+      <p:bldP spid="6" grpId="0" animBg="1"/>
+      <p:bldP spid="7" grpId="0" animBg="1"/>
     </p:bldLst>
   </p:timing>
 </p:sld>
@@ -22612,7 +24246,7 @@
           <a:ln w="76200">
             <a:solidFill>
               <a:schemeClr val="accent6">
-                <a:lumMod val="50000"/>
+                <a:lumMod val="75000"/>
               </a:schemeClr>
             </a:solidFill>
           </a:ln>
@@ -22668,7 +24302,7 @@
           <a:ln w="57150">
             <a:solidFill>
               <a:schemeClr val="accent6">
-                <a:lumMod val="50000"/>
+                <a:lumMod val="75000"/>
               </a:schemeClr>
             </a:solidFill>
           </a:ln>
@@ -23088,14 +24722,14 @@
           <p:nvPr>
             <p:extLst>
               <p:ext uri="{D42A27DB-BD31-4B8C-83A1-F6EECF244321}">
-                <p14:modId xmlns:p14="http://schemas.microsoft.com/office/powerpoint/2010/main" val="3516079406"/>
+                <p14:modId xmlns:p14="http://schemas.microsoft.com/office/powerpoint/2010/main" val="2766972650"/>
               </p:ext>
             </p:extLst>
           </p:nvPr>
         </p:nvGraphicFramePr>
         <p:xfrm>
-          <a:off x="-942604" y="1637219"/>
-          <a:ext cx="5090963" cy="4935175"/>
+          <a:off x="-312638" y="1663389"/>
+          <a:ext cx="3819376" cy="5050354"/>
         </p:xfrm>
         <a:graphic>
           <a:graphicData uri="http://schemas.openxmlformats.org/drawingml/2006/diagram">
@@ -24265,9 +25899,11 @@
           <a:p>
             <a:pPr algn="ctr"/>
             <a:r>
-              <a:rPr kumimoji="1" lang="ja-JP" altLang="en-US" sz="3200" dirty="0">
+              <a:rPr kumimoji="1" lang="ja-JP" altLang="en-US" sz="3200" b="1" dirty="0">
                 <a:solidFill>
-                  <a:sysClr val="windowText" lastClr="000000"/>
+                  <a:schemeClr val="accent6">
+                    <a:lumMod val="50000"/>
+                  </a:schemeClr>
                 </a:solidFill>
               </a:rPr>
               <a:t>あめ</a:t>
@@ -24289,7 +25925,7 @@
         </p:nvSpPr>
         <p:spPr>
           <a:xfrm>
-            <a:off x="1597050" y="3664406"/>
+            <a:off x="1597050" y="3761816"/>
             <a:ext cx="1563510" cy="880799"/>
           </a:xfrm>
           <a:prstGeom prst="roundRect">
@@ -24326,16 +25962,20 @@
           <a:p>
             <a:pPr algn="ctr"/>
             <a:r>
-              <a:rPr kumimoji="1" lang="en-US" altLang="ja-JP" sz="3200" dirty="0" err="1">
+              <a:rPr kumimoji="1" lang="en-US" altLang="ja-JP" sz="3200" b="1" dirty="0" err="1">
                 <a:solidFill>
-                  <a:sysClr val="windowText" lastClr="000000"/>
+                  <a:schemeClr val="accent6">
+                    <a:lumMod val="50000"/>
+                  </a:schemeClr>
                 </a:solidFill>
               </a:rPr>
               <a:t>ame</a:t>
             </a:r>
-            <a:endParaRPr kumimoji="1" lang="ja-JP" altLang="en-US" sz="3200" dirty="0">
+            <a:endParaRPr kumimoji="1" lang="ja-JP" altLang="en-US" sz="3200" b="1" dirty="0">
               <a:solidFill>
-                <a:sysClr val="windowText" lastClr="000000"/>
+                <a:schemeClr val="accent6">
+                  <a:lumMod val="50000"/>
+                </a:schemeClr>
               </a:solidFill>
             </a:endParaRPr>
           </a:p>
@@ -24355,7 +25995,7 @@
         </p:nvSpPr>
         <p:spPr>
           <a:xfrm>
-            <a:off x="1583574" y="5557309"/>
+            <a:off x="1597050" y="5585184"/>
             <a:ext cx="1563510" cy="880799"/>
           </a:xfrm>
           <a:prstGeom prst="roundRect">
@@ -24392,16 +26032,20 @@
           <a:p>
             <a:pPr algn="ctr"/>
             <a:r>
-              <a:rPr lang="ja-JP" altLang="en-US" sz="3200" dirty="0">
+              <a:rPr lang="ja-JP" altLang="en-US" sz="3200" b="1" dirty="0">
                 <a:solidFill>
-                  <a:sysClr val="windowText" lastClr="000000"/>
+                  <a:schemeClr val="accent6">
+                    <a:lumMod val="50000"/>
+                  </a:schemeClr>
                 </a:solidFill>
               </a:rPr>
               <a:t>雨</a:t>
             </a:r>
-            <a:endParaRPr kumimoji="1" lang="ja-JP" altLang="en-US" sz="3200" dirty="0">
+            <a:endParaRPr kumimoji="1" lang="ja-JP" altLang="en-US" sz="3200" b="1" dirty="0">
               <a:solidFill>
-                <a:sysClr val="windowText" lastClr="000000"/>
+                <a:schemeClr val="accent6">
+                  <a:lumMod val="50000"/>
+                </a:schemeClr>
               </a:solidFill>
             </a:endParaRPr>
           </a:p>

--- a/presentation/AIスピーカー開発_3_main.pptx
+++ b/presentation/AIスピーカー開発_3_main.pptx
@@ -5,7 +5,7 @@
     <p:sldMasterId id="2147483648" r:id="rId1"/>
   </p:sldMasterIdLst>
   <p:notesMasterIdLst>
-    <p:notesMasterId r:id="rId40"/>
+    <p:notesMasterId r:id="rId39"/>
   </p:notesMasterIdLst>
   <p:sldIdLst>
     <p:sldId id="256" r:id="rId2"/>
@@ -30,22 +30,21 @@
     <p:sldId id="274" r:id="rId21"/>
     <p:sldId id="265" r:id="rId22"/>
     <p:sldId id="275" r:id="rId23"/>
-    <p:sldId id="269" r:id="rId24"/>
-    <p:sldId id="266" r:id="rId25"/>
-    <p:sldId id="293" r:id="rId26"/>
-    <p:sldId id="301" r:id="rId27"/>
-    <p:sldId id="292" r:id="rId28"/>
-    <p:sldId id="267" r:id="rId29"/>
-    <p:sldId id="279" r:id="rId30"/>
-    <p:sldId id="290" r:id="rId31"/>
-    <p:sldId id="291" r:id="rId32"/>
-    <p:sldId id="268" r:id="rId33"/>
-    <p:sldId id="294" r:id="rId34"/>
-    <p:sldId id="295" r:id="rId35"/>
-    <p:sldId id="296" r:id="rId36"/>
-    <p:sldId id="297" r:id="rId37"/>
-    <p:sldId id="298" r:id="rId38"/>
-    <p:sldId id="299" r:id="rId39"/>
+    <p:sldId id="266" r:id="rId24"/>
+    <p:sldId id="293" r:id="rId25"/>
+    <p:sldId id="301" r:id="rId26"/>
+    <p:sldId id="292" r:id="rId27"/>
+    <p:sldId id="267" r:id="rId28"/>
+    <p:sldId id="279" r:id="rId29"/>
+    <p:sldId id="290" r:id="rId30"/>
+    <p:sldId id="291" r:id="rId31"/>
+    <p:sldId id="268" r:id="rId32"/>
+    <p:sldId id="294" r:id="rId33"/>
+    <p:sldId id="295" r:id="rId34"/>
+    <p:sldId id="296" r:id="rId35"/>
+    <p:sldId id="297" r:id="rId36"/>
+    <p:sldId id="298" r:id="rId37"/>
+    <p:sldId id="299" r:id="rId38"/>
   </p:sldIdLst>
   <p:sldSz cx="12192000" cy="6858000"/>
   <p:notesSz cx="6858000" cy="9144000"/>
@@ -2772,7 +2771,7 @@
           <a:p>
             <a:fld id="{D3FBB20C-20C4-49AD-85A3-C66C862503B5}" type="datetimeFigureOut">
               <a:rPr kumimoji="1" lang="ja-JP" altLang="en-US" smtClean="0"/>
-              <a:t>2022/1/21</a:t>
+              <a:t>2022/1/24</a:t>
             </a:fld>
             <a:endParaRPr kumimoji="1" lang="ja-JP" altLang="en-US"/>
           </a:p>
@@ -3213,7 +3212,7 @@
           <a:p>
             <a:r>
               <a:rPr kumimoji="1" lang="ja-JP" altLang="en-US" dirty="0"/>
-              <a:t>次に、さきほど登場した辞書ファイルについて説明します。</a:t>
+              <a:t>次に、先程登場した、辞書ファイルについて説明します。</a:t>
             </a:r>
             <a:endParaRPr kumimoji="1" lang="en-US" altLang="ja-JP" dirty="0"/>
           </a:p>
@@ -3228,7 +3227,14 @@
             </a:r>
             <a:r>
               <a:rPr kumimoji="1" lang="ja-JP" altLang="en-US" dirty="0"/>
-              <a:t>に認識させたい任意の単語を記述することで、その認識精度を上げるためのものです。</a:t>
+              <a:t>に認識させたい任意の単語を記述することで、その認識精度を上げるためのもので、</a:t>
+            </a:r>
+            <a:endParaRPr kumimoji="1" lang="en-US" altLang="ja-JP" dirty="0"/>
+          </a:p>
+          <a:p>
+            <a:r>
+              <a:rPr kumimoji="1" lang="ja-JP" altLang="en-US" dirty="0"/>
+              <a:t>これの作り込みによって音声認識の精度が大きく変わってきます。</a:t>
             </a:r>
             <a:endParaRPr kumimoji="1" lang="en-US" altLang="ja-JP" dirty="0"/>
           </a:p>
@@ -3254,7 +3260,7 @@
           <a:p>
             <a:r>
               <a:rPr kumimoji="1" lang="ja-JP" altLang="en-US" dirty="0"/>
-              <a:t>これは作成順に並べたもので、読みファイルから順に説明していきます。</a:t>
+              <a:t>これはファイルの作成順に並べたもので、読みファイルから順に説明していきます。</a:t>
             </a:r>
             <a:endParaRPr kumimoji="1" lang="en-US" altLang="ja-JP" dirty="0"/>
           </a:p>
@@ -3352,7 +3358,7 @@
           <a:p>
             <a:r>
               <a:rPr kumimoji="1" lang="ja-JP" altLang="en-US" dirty="0"/>
-              <a:t>晴れ・雨・曇りを認識させたい場合は、このような記述になります。</a:t>
+              <a:t>例として、晴れ・雨・曇りを認識させたい場合は、このような記述になります。</a:t>
             </a:r>
           </a:p>
         </p:txBody>
@@ -3552,7 +3558,7 @@
           <a:p>
             <a:r>
               <a:rPr kumimoji="1" lang="ja-JP" altLang="en-US" dirty="0"/>
-              <a:t>構文ファイルの説明の前に、もう少し単語を増やしておきましょう。</a:t>
+              <a:t>構文ファイルの説明の前に、もう少し単語を増やしておきましょう。★</a:t>
             </a:r>
             <a:endParaRPr kumimoji="1" lang="en-US" altLang="ja-JP" dirty="0"/>
           </a:p>
@@ -3660,7 +3666,7 @@
           <a:p>
             <a:r>
               <a:rPr kumimoji="1" lang="ja-JP" altLang="en-US" dirty="0"/>
-              <a:t>先程語彙ファイルで記述したラベルを組み合わせて記述するので、このような記述になります。</a:t>
+              <a:t>語彙ファイルで記述したラベル名を組み合わせて構文を作成するので、このようになります。</a:t>
             </a:r>
             <a:endParaRPr kumimoji="1" lang="en-US" altLang="ja-JP" dirty="0"/>
           </a:p>
@@ -3674,7 +3680,7 @@
           <a:p>
             <a:r>
               <a:rPr kumimoji="1" lang="ja-JP" altLang="en-US" dirty="0"/>
-              <a:t>認識される文章は★この</a:t>
+              <a:t>この場合、認識される文章は★この</a:t>
             </a:r>
             <a:r>
               <a:rPr kumimoji="1" lang="en-US" altLang="ja-JP" dirty="0"/>
@@ -3689,7 +3695,7 @@
           <a:p>
             <a:r>
               <a:rPr kumimoji="1" lang="ja-JP" altLang="en-US" dirty="0"/>
-              <a:t>こうして辞書ファイルを作成し、様々なパターンの音声を認識できるようにしています。</a:t>
+              <a:t>このように辞書ファイルを作成し、様々なパターンの音声を認識できるようにしています。</a:t>
             </a:r>
             <a:endParaRPr kumimoji="1" lang="en-US" altLang="ja-JP" dirty="0"/>
           </a:p>
@@ -3853,13 +3859,6 @@
             </a:r>
             <a:endParaRPr kumimoji="1" lang="en-US" altLang="ja-JP" dirty="0"/>
           </a:p>
-          <a:p>
-            <a:r>
-              <a:rPr kumimoji="1" lang="ja-JP" altLang="en-US" dirty="0"/>
-              <a:t>ウェイクワードの仕組みは、まず</a:t>
-            </a:r>
-            <a:endParaRPr kumimoji="1" lang="en-US" altLang="ja-JP" dirty="0"/>
-          </a:p>
         </p:txBody>
       </p:sp>
       <p:sp>
@@ -4075,6 +4074,23 @@
             <a:endParaRPr kumimoji="1" lang="en-US" altLang="ja-JP" dirty="0"/>
           </a:p>
           <a:p>
+            <a:pPr marL="0" marR="0" lvl="0" indent="0" algn="l" defTabSz="914400" rtl="0" eaLnBrk="1" fontAlgn="auto" latinLnBrk="0" hangingPunct="1">
+              <a:lnSpc>
+                <a:spcPct val="100000"/>
+              </a:lnSpc>
+              <a:spcBef>
+                <a:spcPts val="0"/>
+              </a:spcBef>
+              <a:spcAft>
+                <a:spcPts val="0"/>
+              </a:spcAft>
+              <a:buClrTx/>
+              <a:buSzTx/>
+              <a:buFontTx/>
+              <a:buNone/>
+              <a:tabLst/>
+              <a:defRPr/>
+            </a:pPr>
             <a:r>
               <a:rPr kumimoji="1" lang="ja-JP" altLang="en-US" dirty="0"/>
               <a:t>ここでは</a:t>
@@ -4085,14 +4101,59 @@
             </a:r>
             <a:r>
               <a:rPr kumimoji="1" lang="ja-JP" altLang="en-US" dirty="0"/>
-              <a:t>が返答する内容を、取得しています。</a:t>
+              <a:t>が返答する内容を取得し、機能別にテキストファイルに保存しています。</a:t>
             </a:r>
             <a:endParaRPr kumimoji="1" lang="en-US" altLang="ja-JP" dirty="0"/>
           </a:p>
           <a:p>
+            <a:pPr marL="0" marR="0" lvl="0" indent="0" algn="l" defTabSz="914400" rtl="0" eaLnBrk="1" fontAlgn="auto" latinLnBrk="0" hangingPunct="1">
+              <a:lnSpc>
+                <a:spcPct val="100000"/>
+              </a:lnSpc>
+              <a:spcBef>
+                <a:spcPts val="0"/>
+              </a:spcBef>
+              <a:spcAft>
+                <a:spcPts val="0"/>
+              </a:spcAft>
+              <a:buClrTx/>
+              <a:buSzTx/>
+              <a:buFontTx/>
+              <a:buNone/>
+              <a:tabLst/>
+              <a:defRPr/>
+            </a:pPr>
+            <a:endParaRPr kumimoji="1" lang="en-US" altLang="ja-JP" dirty="0"/>
+          </a:p>
+          <a:p>
+            <a:pPr marL="0" marR="0" lvl="0" indent="0" algn="l" defTabSz="914400" rtl="0" eaLnBrk="1" fontAlgn="auto" latinLnBrk="0" hangingPunct="1">
+              <a:lnSpc>
+                <a:spcPct val="100000"/>
+              </a:lnSpc>
+              <a:spcBef>
+                <a:spcPts val="0"/>
+              </a:spcBef>
+              <a:spcAft>
+                <a:spcPts val="0"/>
+              </a:spcAft>
+              <a:buClrTx/>
+              <a:buSzTx/>
+              <a:buFontTx/>
+              <a:buNone/>
+              <a:tabLst/>
+              <a:defRPr/>
+            </a:pPr>
             <a:r>
               <a:rPr kumimoji="1" lang="ja-JP" altLang="en-US" dirty="0"/>
-              <a:t>天気予報・ニュース・星座占いはスクレイピングという、</a:t>
+              <a:t>天気・ニュース・占いの</a:t>
+            </a:r>
+            <a:r>
+              <a:rPr kumimoji="1" lang="en-US" altLang="ja-JP" dirty="0"/>
+              <a:t>3</a:t>
+            </a:r>
+            <a:r>
+              <a:rPr kumimoji="1" lang="ja-JP" altLang="en-US" dirty="0"/>
+              <a:t>つは、スクレイピングという、</a:t>
             </a:r>
             <a:r>
               <a:rPr kumimoji="1" lang="en-US" altLang="ja-JP" dirty="0"/>
@@ -4107,7 +4168,7 @@
           <a:p>
             <a:r>
               <a:rPr kumimoji="1" lang="ja-JP" altLang="en-US" dirty="0"/>
-              <a:t>このスクレイピングは、</a:t>
+              <a:t>このスクレイピングには、</a:t>
             </a:r>
             <a:r>
               <a:rPr kumimoji="1" lang="en-US" altLang="ja-JP" dirty="0"/>
@@ -4130,7 +4191,7 @@
           <a:p>
             <a:r>
               <a:rPr kumimoji="1" lang="ja-JP" altLang="en-US" dirty="0"/>
-              <a:t>そして日時は、</a:t>
+              <a:t>日時は、</a:t>
             </a:r>
             <a:r>
               <a:rPr kumimoji="1" lang="en-US" altLang="ja-JP" dirty="0"/>
@@ -4153,21 +4214,14 @@
           <a:p>
             <a:r>
               <a:rPr kumimoji="1" lang="ja-JP" altLang="en-US" dirty="0"/>
-              <a:t>取得したテキストデータは、機能別にテキストファイルに保存します。</a:t>
+              <a:t>取得したテキストデータは、以前は機能呼び出し時に毎回スクレイピングをしていましたが、スクレイピングには時間がかかるため、</a:t>
             </a:r>
             <a:endParaRPr kumimoji="1" lang="en-US" altLang="ja-JP" dirty="0"/>
           </a:p>
           <a:p>
             <a:r>
               <a:rPr kumimoji="1" lang="ja-JP" altLang="en-US" dirty="0"/>
-              <a:t>開発序盤の方では、その機能を要求されるたびにデータ取得を実行して一つのファイルを繰り返し書き換えていましたが、</a:t>
-            </a:r>
-            <a:endParaRPr kumimoji="1" lang="en-US" altLang="ja-JP" dirty="0"/>
-          </a:p>
-          <a:p>
-            <a:r>
-              <a:rPr kumimoji="1" lang="ja-JP" altLang="en-US" dirty="0"/>
-              <a:t>スクレイピングには時間がかかるため、現在ではまとめて</a:t>
+              <a:t>利便性を考慮して、★</a:t>
             </a:r>
             <a:r>
               <a:rPr kumimoji="1" lang="en-US" altLang="ja-JP" dirty="0"/>
@@ -4175,7 +4229,7 @@
             </a:r>
             <a:r>
               <a:rPr kumimoji="1" lang="ja-JP" altLang="en-US" dirty="0"/>
-              <a:t>を起動した際にスクレイピングを行っています。</a:t>
+              <a:t>を起動した際にまとめてスクレイピングすることで、機能利用時の待ち時間を削減しました。</a:t>
             </a:r>
             <a:endParaRPr kumimoji="1" lang="en-US" altLang="ja-JP" dirty="0"/>
           </a:p>
@@ -4263,7 +4317,7 @@
           <a:p>
             <a:r>
               <a:rPr kumimoji="1" lang="ja-JP" altLang="en-US" dirty="0"/>
-              <a:t>起動時にスクレイピングしたあと、ニュースと天気予報は一定時間で</a:t>
+              <a:t>ニュースと天気予報は一定時間で</a:t>
             </a:r>
             <a:r>
               <a:rPr kumimoji="1" lang="en-US" altLang="ja-JP" dirty="0"/>
@@ -4271,29 +4325,7 @@
             </a:r>
             <a:r>
               <a:rPr kumimoji="1" lang="ja-JP" altLang="en-US" dirty="0"/>
-              <a:t>ページの内容が更新されるので、定時にスクレイピングを実行するようにしました。</a:t>
-            </a:r>
-            <a:endParaRPr kumimoji="1" lang="en-US" altLang="ja-JP" dirty="0"/>
-          </a:p>
-          <a:p>
-            <a:r>
-              <a:rPr kumimoji="1" lang="ja-JP" altLang="en-US" dirty="0"/>
-              <a:t>本来であればラズパイに備わっているクーロンという機能を使えば定時にプログラムを動かせるのですが、</a:t>
-            </a:r>
-            <a:endParaRPr kumimoji="1" lang="en-US" altLang="ja-JP" dirty="0"/>
-          </a:p>
-          <a:p>
-            <a:r>
-              <a:rPr kumimoji="1" lang="ja-JP" altLang="en-US" dirty="0"/>
-              <a:t>今回はそのクーロンが正常に動作しなかったため、</a:t>
-            </a:r>
-            <a:r>
-              <a:rPr kumimoji="1" lang="en-US" altLang="ja-JP" dirty="0"/>
-              <a:t>Python</a:t>
-            </a:r>
-            <a:r>
-              <a:rPr kumimoji="1" lang="ja-JP" altLang="en-US" dirty="0"/>
-              <a:t>で代替プログラムを作成しました。</a:t>
+              <a:t>ページの内容が更新されるので、起動時のほか、定時にスクレイピングを実行するようにしました。</a:t>
             </a:r>
             <a:endParaRPr kumimoji="1" lang="en-US" altLang="ja-JP" dirty="0"/>
           </a:p>
@@ -4428,7 +4460,7 @@
           <a:p>
             <a:r>
               <a:rPr kumimoji="1" lang="ja-JP" altLang="en-US" dirty="0"/>
-              <a:t>ボイスサンプル・声質や速度などのパラメータを設定することで、理想の音声を出力することができます。</a:t>
+              <a:t>ボイスデータの声質や速度などのパラメータを設定することで、理想の音声を出力することができます。</a:t>
             </a:r>
             <a:endParaRPr kumimoji="1" lang="en-US" altLang="ja-JP" dirty="0"/>
           </a:p>
@@ -4445,14 +4477,14 @@
           <a:p>
             <a:r>
               <a:rPr kumimoji="1" lang="ja-JP" altLang="en-US" dirty="0"/>
-              <a:t>以前までは機能を呼び出した際に、音声ファイルの作成から再生までを行っていたのですが、音声ファイルの作成には時間がかかるため、</a:t>
+              <a:t>以前までは機能を呼び出した際に、音声ファイルの作成から再生までを一括して行っていたのですが、音声ファイルの作成には時間がかかるため、</a:t>
             </a:r>
             <a:endParaRPr kumimoji="1" lang="en-US" altLang="ja-JP" dirty="0"/>
           </a:p>
           <a:p>
             <a:r>
               <a:rPr kumimoji="1" lang="ja-JP" altLang="en-US" dirty="0"/>
-              <a:t>現在は起動時、また定刻にスクレイピングを実行した直後に、★各音声ファイルを作成して保存しています。</a:t>
+              <a:t>現在では起動時、また定刻にスクレイピングを実行した直後に、★各音声ファイルを作成して保存しています。</a:t>
             </a:r>
             <a:endParaRPr kumimoji="1" lang="en-US" altLang="ja-JP" dirty="0"/>
           </a:p>
@@ -4540,7 +4572,7 @@
           <a:p>
             <a:r>
               <a:rPr kumimoji="1" lang="ja-JP" altLang="en-US" dirty="0"/>
-              <a:t>発表の流れはこの通りです。</a:t>
+              <a:t>今回の発表の流れはこの通りです。</a:t>
             </a:r>
           </a:p>
         </p:txBody>
@@ -4753,14 +4785,7 @@
           <a:p>
             <a:r>
               <a:rPr kumimoji="1" lang="ja-JP" altLang="en-US" dirty="0"/>
-              <a:t>ここで開発途中で起こったトラブルを一つご紹介します。</a:t>
-            </a:r>
-            <a:endParaRPr kumimoji="1" lang="en-US" altLang="ja-JP" dirty="0"/>
-          </a:p>
-          <a:p>
-            <a:r>
-              <a:rPr kumimoji="1" lang="ja-JP" altLang="en-US" dirty="0"/>
-              <a:t>トラブル内容は、</a:t>
+              <a:t>ここから</a:t>
             </a:r>
             <a:r>
               <a:rPr kumimoji="1" lang="en-US" altLang="ja-JP" dirty="0"/>
@@ -4768,29 +4793,68 @@
             </a:r>
             <a:r>
               <a:rPr kumimoji="1" lang="ja-JP" altLang="en-US" dirty="0"/>
-              <a:t>がスピーカーから音声出力した内容に、マイクが反応してしまい、誤認識をしてしまうというものです。</a:t>
+              <a:t>の実行ファイルについて説明します。</a:t>
             </a:r>
             <a:endParaRPr kumimoji="1" lang="en-US" altLang="ja-JP" dirty="0"/>
           </a:p>
           <a:p>
             <a:r>
+              <a:rPr kumimoji="1" lang="en-US" altLang="ja-JP" dirty="0"/>
+              <a:t>YoSiE</a:t>
+            </a:r>
+            <a:r>
               <a:rPr kumimoji="1" lang="ja-JP" altLang="en-US" dirty="0"/>
-              <a:t>使用しているマイク自体にはミュートの機能がなかったのですが、コマンドでマイクからの入力を無効にする、つまり内部からミュートにするという方法で解決しました。</a:t>
+              <a:t>の実行ファイルは主に</a:t>
+            </a:r>
+            <a:r>
+              <a:rPr kumimoji="1" lang="en-US" altLang="ja-JP" dirty="0"/>
+              <a:t>2</a:t>
+            </a:r>
+            <a:r>
+              <a:rPr kumimoji="1" lang="ja-JP" altLang="en-US" dirty="0"/>
+              <a:t>つあり、</a:t>
+            </a:r>
+            <a:r>
+              <a:rPr kumimoji="1" lang="en-US" altLang="ja-JP" dirty="0"/>
+              <a:t>yosie.sh</a:t>
+            </a:r>
+            <a:r>
+              <a:rPr kumimoji="1" lang="ja-JP" altLang="en-US" dirty="0"/>
+              <a:t>と</a:t>
+            </a:r>
+            <a:r>
+              <a:rPr kumimoji="1" lang="en-US" altLang="ja-JP" dirty="0"/>
+              <a:t>function.py</a:t>
+            </a:r>
+            <a:r>
+              <a:rPr kumimoji="1" lang="ja-JP" altLang="en-US" dirty="0"/>
+              <a:t>です。</a:t>
             </a:r>
             <a:endParaRPr kumimoji="1" lang="en-US" altLang="ja-JP" dirty="0"/>
           </a:p>
           <a:p>
             <a:r>
               <a:rPr kumimoji="1" lang="ja-JP" altLang="en-US" dirty="0"/>
-              <a:t>★ミュート</a:t>
+              <a:t>まずはこの</a:t>
             </a:r>
             <a:r>
               <a:rPr kumimoji="1" lang="en-US" altLang="ja-JP" dirty="0"/>
-              <a:t> </a:t>
+              <a:t>yosie.sh</a:t>
             </a:r>
             <a:r>
               <a:rPr kumimoji="1" lang="ja-JP" altLang="en-US" dirty="0"/>
-              <a:t>オンオフのコマンドをシェルスクリプトとして扱い、音声出力のタイミングでミュート、出力が完了したら解除といったように対処しました。</a:t>
+              <a:t>というシェルスクリプトを説明します。</a:t>
+            </a:r>
+            <a:endParaRPr kumimoji="1" lang="en-US" altLang="ja-JP" dirty="0"/>
+          </a:p>
+          <a:p>
+            <a:r>
+              <a:rPr kumimoji="1" lang="en-US" altLang="ja-JP" dirty="0"/>
+              <a:t>yosie.sh</a:t>
+            </a:r>
+            <a:r>
+              <a:rPr kumimoji="1" lang="ja-JP" altLang="en-US" dirty="0"/>
+              <a:t>はご覧の通りですが、わかりづらいので簡単に表記します。</a:t>
             </a:r>
           </a:p>
         </p:txBody>
@@ -4821,7 +4885,7 @@
     </p:spTree>
     <p:extLst>
       <p:ext uri="{BB962C8B-B14F-4D97-AF65-F5344CB8AC3E}">
-        <p14:creationId xmlns:p14="http://schemas.microsoft.com/office/powerpoint/2010/main" val="915393266"/>
+        <p14:creationId xmlns:p14="http://schemas.microsoft.com/office/powerpoint/2010/main" val="449604337"/>
       </p:ext>
     </p:extLst>
   </p:cSld>
@@ -4877,42 +4941,7 @@
           <a:p>
             <a:r>
               <a:rPr kumimoji="1" lang="ja-JP" altLang="en-US" dirty="0"/>
-              <a:t>ここから</a:t>
-            </a:r>
-            <a:r>
-              <a:rPr kumimoji="1" lang="en-US" altLang="ja-JP" dirty="0"/>
-              <a:t>YoSiE</a:t>
-            </a:r>
-            <a:r>
-              <a:rPr kumimoji="1" lang="ja-JP" altLang="en-US" dirty="0"/>
-              <a:t>の実行ファイルについて説明します。</a:t>
-            </a:r>
-            <a:endParaRPr kumimoji="1" lang="en-US" altLang="ja-JP" dirty="0"/>
-          </a:p>
-          <a:p>
-            <a:r>
-              <a:rPr kumimoji="1" lang="en-US" altLang="ja-JP" dirty="0"/>
-              <a:t>YoSiE</a:t>
-            </a:r>
-            <a:r>
-              <a:rPr kumimoji="1" lang="ja-JP" altLang="en-US" dirty="0"/>
-              <a:t>の実行ファイルは主に</a:t>
-            </a:r>
-            <a:r>
-              <a:rPr kumimoji="1" lang="en-US" altLang="ja-JP" dirty="0"/>
-              <a:t>2</a:t>
-            </a:r>
-            <a:r>
-              <a:rPr kumimoji="1" lang="ja-JP" altLang="en-US" dirty="0"/>
-              <a:t>つあり、</a:t>
-            </a:r>
-            <a:r>
-              <a:rPr kumimoji="1" lang="en-US" altLang="ja-JP" dirty="0"/>
-              <a:t>yosie.sh</a:t>
-            </a:r>
-            <a:r>
-              <a:rPr kumimoji="1" lang="ja-JP" altLang="en-US" dirty="0"/>
-              <a:t>と</a:t>
+              <a:t>このように、スクレイピングと音声ファイル作成、そして</a:t>
             </a:r>
             <a:r>
               <a:rPr kumimoji="1" lang="en-US" altLang="ja-JP" dirty="0"/>
@@ -4920,34 +4949,9 @@
             </a:r>
             <a:r>
               <a:rPr kumimoji="1" lang="ja-JP" altLang="en-US" dirty="0"/>
-              <a:t>です。</a:t>
+              <a:t>の呼び出しが、主な内容です。</a:t>
             </a:r>
             <a:endParaRPr kumimoji="1" lang="en-US" altLang="ja-JP" dirty="0"/>
-          </a:p>
-          <a:p>
-            <a:r>
-              <a:rPr kumimoji="1" lang="ja-JP" altLang="en-US" dirty="0"/>
-              <a:t>まずはこの</a:t>
-            </a:r>
-            <a:r>
-              <a:rPr kumimoji="1" lang="en-US" altLang="ja-JP" dirty="0"/>
-              <a:t>yosie.sh</a:t>
-            </a:r>
-            <a:r>
-              <a:rPr kumimoji="1" lang="ja-JP" altLang="en-US" dirty="0"/>
-              <a:t>というシェルスクリプトを説明します。</a:t>
-            </a:r>
-            <a:endParaRPr kumimoji="1" lang="en-US" altLang="ja-JP" dirty="0"/>
-          </a:p>
-          <a:p>
-            <a:r>
-              <a:rPr kumimoji="1" lang="en-US" altLang="ja-JP" dirty="0"/>
-              <a:t>yosie.sh</a:t>
-            </a:r>
-            <a:r>
-              <a:rPr kumimoji="1" lang="ja-JP" altLang="en-US" dirty="0"/>
-              <a:t>はご覧の通りですが、わかりづらいので簡単に表記します。</a:t>
-            </a:r>
           </a:p>
         </p:txBody>
       </p:sp>
@@ -4977,7 +4981,7 @@
     </p:spTree>
     <p:extLst>
       <p:ext uri="{BB962C8B-B14F-4D97-AF65-F5344CB8AC3E}">
-        <p14:creationId xmlns:p14="http://schemas.microsoft.com/office/powerpoint/2010/main" val="449604337"/>
+        <p14:creationId xmlns:p14="http://schemas.microsoft.com/office/powerpoint/2010/main" val="4001433583"/>
       </p:ext>
     </p:extLst>
   </p:cSld>
@@ -5033,21 +5037,7 @@
           <a:p>
             <a:r>
               <a:rPr kumimoji="1" lang="ja-JP" altLang="en-US" dirty="0"/>
-              <a:t>こちらが簡単に文章にまとめたものです。</a:t>
-            </a:r>
-            <a:endParaRPr kumimoji="1" lang="en-US" altLang="ja-JP" dirty="0"/>
-          </a:p>
-          <a:p>
-            <a:r>
-              <a:rPr kumimoji="1" lang="ja-JP" altLang="en-US" dirty="0"/>
-              <a:t>中央あたりがまたごちゃごちゃしているので、さらにまとめるとこうなります。★</a:t>
-            </a:r>
-            <a:endParaRPr kumimoji="1" lang="en-US" altLang="ja-JP" dirty="0"/>
-          </a:p>
-          <a:p>
-            <a:r>
-              <a:rPr kumimoji="1" lang="ja-JP" altLang="en-US" dirty="0"/>
-              <a:t>起動時の音声出力、スクレイピングと音声ファイル作成、そして</a:t>
+              <a:t>次にこちらが</a:t>
             </a:r>
             <a:r>
               <a:rPr kumimoji="1" lang="en-US" altLang="ja-JP" dirty="0"/>
@@ -5055,7 +5045,73 @@
             </a:r>
             <a:r>
               <a:rPr kumimoji="1" lang="ja-JP" altLang="en-US" dirty="0"/>
-              <a:t>の呼び出しが、主な内容です。</a:t>
+              <a:t>になります。</a:t>
+            </a:r>
+            <a:endParaRPr kumimoji="1" lang="en-US" altLang="ja-JP" dirty="0"/>
+          </a:p>
+          <a:p>
+            <a:r>
+              <a:rPr kumimoji="1" lang="ja-JP" altLang="en-US" dirty="0"/>
+              <a:t>これは主に★音声認識・テキスト分類・音声出力までを行うプログラムで、行数も多く内容も複雑なため、</a:t>
+            </a:r>
+            <a:endParaRPr kumimoji="1" lang="en-US" altLang="ja-JP" dirty="0"/>
+          </a:p>
+          <a:p>
+            <a:r>
+              <a:rPr kumimoji="1" lang="ja-JP" altLang="en-US" dirty="0"/>
+              <a:t>メイン関数の</a:t>
+            </a:r>
+            <a:r>
+              <a:rPr kumimoji="1" lang="en-US" altLang="ja-JP" dirty="0"/>
+              <a:t>run</a:t>
+            </a:r>
+            <a:r>
+              <a:rPr kumimoji="1" lang="ja-JP" altLang="en-US" dirty="0"/>
+              <a:t>関数について簡単に説明します。</a:t>
+            </a:r>
+            <a:endParaRPr kumimoji="1" lang="en-US" altLang="ja-JP" dirty="0"/>
+          </a:p>
+          <a:p>
+            <a:r>
+              <a:rPr kumimoji="1" lang="ja-JP" altLang="en-US" dirty="0"/>
+              <a:t>★</a:t>
+            </a:r>
+            <a:r>
+              <a:rPr kumimoji="1" lang="en-US" altLang="ja-JP" dirty="0"/>
+              <a:t>run</a:t>
+            </a:r>
+            <a:r>
+              <a:rPr kumimoji="1" lang="ja-JP" altLang="en-US" dirty="0"/>
+              <a:t>関数は無限ループになっていて、その中でこのように音声認識～音声出力までを繰り返しています。</a:t>
+            </a:r>
+            <a:endParaRPr kumimoji="1" lang="en-US" altLang="ja-JP" dirty="0"/>
+          </a:p>
+          <a:p>
+            <a:r>
+              <a:rPr kumimoji="1" lang="ja-JP" altLang="en-US" dirty="0"/>
+              <a:t>音声認識後にウェイクワードの識別をし、含まれていればテキスト分類で機能を予測、</a:t>
+            </a:r>
+            <a:endParaRPr kumimoji="1" lang="en-US" altLang="ja-JP" dirty="0"/>
+          </a:p>
+          <a:p>
+            <a:r>
+              <a:rPr kumimoji="1" lang="ja-JP" altLang="en-US" dirty="0"/>
+              <a:t>そして予測した機能を実行するといった流れです。</a:t>
+            </a:r>
+            <a:endParaRPr kumimoji="1" lang="en-US" altLang="ja-JP" dirty="0"/>
+          </a:p>
+          <a:p>
+            <a:r>
+              <a:rPr kumimoji="1" lang="ja-JP" altLang="en-US" dirty="0"/>
+              <a:t>この実行ファイル</a:t>
+            </a:r>
+            <a:r>
+              <a:rPr kumimoji="1" lang="en-US" altLang="ja-JP" dirty="0"/>
+              <a:t>2</a:t>
+            </a:r>
+            <a:r>
+              <a:rPr kumimoji="1" lang="ja-JP" altLang="en-US" dirty="0"/>
+              <a:t>つともクラスルームに挙げておくので、詳しく見たい方はそちらをご覧ください。</a:t>
             </a:r>
             <a:endParaRPr kumimoji="1" lang="en-US" altLang="ja-JP" dirty="0"/>
           </a:p>
@@ -5087,7 +5143,7 @@
     </p:spTree>
     <p:extLst>
       <p:ext uri="{BB962C8B-B14F-4D97-AF65-F5344CB8AC3E}">
-        <p14:creationId xmlns:p14="http://schemas.microsoft.com/office/powerpoint/2010/main" val="4001433583"/>
+        <p14:creationId xmlns:p14="http://schemas.microsoft.com/office/powerpoint/2010/main" val="939948281"/>
       </p:ext>
     </p:extLst>
   </p:cSld>
@@ -5143,77 +5199,80 @@
           <a:p>
             <a:r>
               <a:rPr kumimoji="1" lang="ja-JP" altLang="en-US" dirty="0"/>
-              <a:t>そしてこちらが</a:t>
+              <a:t>それではこれからデモンストレーションを始めたいと思います。</a:t>
+            </a:r>
+            <a:endParaRPr kumimoji="1" lang="en-US" altLang="ja-JP" dirty="0"/>
+          </a:p>
+          <a:p>
+            <a:r>
+              <a:rPr kumimoji="1" lang="ja-JP" altLang="en-US" dirty="0"/>
+              <a:t>ラズパイを立ち上げると、この</a:t>
             </a:r>
             <a:r>
               <a:rPr kumimoji="1" lang="en-US" altLang="ja-JP" dirty="0"/>
-              <a:t>function.py</a:t>
+              <a:t>3</a:t>
+            </a:r>
+            <a:r>
+              <a:rPr kumimoji="1" lang="ja-JP" altLang="en-US" dirty="0" err="1"/>
+              <a:t>つの</a:t>
             </a:r>
             <a:r>
               <a:rPr kumimoji="1" lang="ja-JP" altLang="en-US" dirty="0"/>
-              <a:t>になります。</a:t>
+              <a:t>プログラムが自動で起動します。</a:t>
             </a:r>
             <a:endParaRPr kumimoji="1" lang="en-US" altLang="ja-JP" dirty="0"/>
           </a:p>
           <a:p>
             <a:r>
               <a:rPr kumimoji="1" lang="ja-JP" altLang="en-US" dirty="0"/>
-              <a:t>これは主に★音声認識・テキスト分類・音声出力までを行うプログラムで、行数も多く内容も複雑なため、</a:t>
+              <a:t>さて、それでは</a:t>
+            </a:r>
+            <a:r>
+              <a:rPr kumimoji="1" lang="en-US" altLang="ja-JP" dirty="0"/>
+              <a:t>YoSiE</a:t>
+            </a:r>
+            <a:r>
+              <a:rPr kumimoji="1" lang="ja-JP" altLang="en-US" dirty="0"/>
+              <a:t>に</a:t>
+            </a:r>
+            <a:r>
+              <a:rPr kumimoji="1" lang="en-US" altLang="ja-JP" dirty="0"/>
+              <a:t>4</a:t>
+            </a:r>
+            <a:r>
+              <a:rPr kumimoji="1" lang="ja-JP" altLang="en-US" dirty="0" err="1"/>
+              <a:t>つの</a:t>
+            </a:r>
+            <a:r>
+              <a:rPr kumimoji="1" lang="ja-JP" altLang="en-US" dirty="0"/>
+              <a:t>機能を実行してもらいましょう。</a:t>
             </a:r>
             <a:endParaRPr kumimoji="1" lang="en-US" altLang="ja-JP" dirty="0"/>
           </a:p>
           <a:p>
             <a:r>
+              <a:rPr kumimoji="1" lang="en-US" altLang="ja-JP" dirty="0"/>
+              <a:t>(</a:t>
+            </a:r>
+            <a:r>
               <a:rPr kumimoji="1" lang="ja-JP" altLang="en-US" dirty="0"/>
-              <a:t>メイン関数の</a:t>
+              <a:t>起動待ち時間は</a:t>
+            </a:r>
+            <a:r>
+              <a:rPr kumimoji="1" lang="ja-JP" altLang="en-US" dirty="0" err="1"/>
+              <a:t>無し</a:t>
+            </a:r>
+            <a:r>
+              <a:rPr kumimoji="1" lang="ja-JP" altLang="en-US" dirty="0"/>
+              <a:t>。スクレイピング・音声ファイル作成は先に済ませておく。</a:t>
             </a:r>
             <a:r>
               <a:rPr kumimoji="1" lang="en-US" altLang="ja-JP" dirty="0"/>
-              <a:t>run</a:t>
+              <a:t>)2</a:t>
             </a:r>
             <a:r>
               <a:rPr kumimoji="1" lang="ja-JP" altLang="en-US" dirty="0"/>
-              <a:t>関数について簡単に説明します。</a:t>
-            </a:r>
-            <a:endParaRPr kumimoji="1" lang="en-US" altLang="ja-JP" dirty="0"/>
-          </a:p>
-          <a:p>
-            <a:r>
-              <a:rPr kumimoji="1" lang="en-US" altLang="ja-JP" dirty="0"/>
-              <a:t>run</a:t>
-            </a:r>
-            <a:r>
-              <a:rPr kumimoji="1" lang="ja-JP" altLang="en-US" dirty="0"/>
-              <a:t>関数は無限ループになっていて、その中でこのように音声認識～音声出力までを繰り返しています。</a:t>
-            </a:r>
-            <a:endParaRPr kumimoji="1" lang="en-US" altLang="ja-JP" dirty="0"/>
-          </a:p>
-          <a:p>
-            <a:r>
-              <a:rPr kumimoji="1" lang="ja-JP" altLang="en-US" dirty="0"/>
-              <a:t>音声を認識したらウェイクワードの識別をし、含まれていればテキスト分類で機能を予測、</a:t>
-            </a:r>
-            <a:endParaRPr kumimoji="1" lang="en-US" altLang="ja-JP" dirty="0"/>
-          </a:p>
-          <a:p>
-            <a:r>
-              <a:rPr kumimoji="1" lang="ja-JP" altLang="en-US" dirty="0"/>
-              <a:t>そして予測した機能を実行するといった流れです。</a:t>
-            </a:r>
-            <a:endParaRPr kumimoji="1" lang="en-US" altLang="ja-JP" dirty="0"/>
-          </a:p>
-          <a:p>
-            <a:r>
-              <a:rPr kumimoji="1" lang="ja-JP" altLang="en-US" dirty="0"/>
-              <a:t>この実行ファイル</a:t>
-            </a:r>
-            <a:r>
-              <a:rPr kumimoji="1" lang="en-US" altLang="ja-JP" dirty="0"/>
-              <a:t>2</a:t>
-            </a:r>
-            <a:r>
-              <a:rPr kumimoji="1" lang="ja-JP" altLang="en-US" dirty="0"/>
-              <a:t>つともクラスルームに挙げておくので、詳しく見たい方はそちらをご覧ください。</a:t>
+              <a:t>分くらい</a:t>
             </a:r>
             <a:endParaRPr kumimoji="1" lang="en-US" altLang="ja-JP" dirty="0"/>
           </a:p>
@@ -5245,7 +5304,7 @@
     </p:spTree>
     <p:extLst>
       <p:ext uri="{BB962C8B-B14F-4D97-AF65-F5344CB8AC3E}">
-        <p14:creationId xmlns:p14="http://schemas.microsoft.com/office/powerpoint/2010/main" val="939948281"/>
+        <p14:creationId xmlns:p14="http://schemas.microsoft.com/office/powerpoint/2010/main" val="2098570260"/>
       </p:ext>
     </p:extLst>
   </p:cSld>
@@ -5301,33 +5360,7 @@
           <a:p>
             <a:r>
               <a:rPr kumimoji="1" lang="ja-JP" altLang="en-US" dirty="0"/>
-              <a:t>それではこれからデモンストレーションを始めたいと思います。</a:t>
-            </a:r>
-            <a:endParaRPr kumimoji="1" lang="en-US" altLang="ja-JP" dirty="0"/>
-          </a:p>
-          <a:p>
-            <a:r>
-              <a:rPr kumimoji="1" lang="ja-JP" altLang="en-US" dirty="0"/>
-              <a:t>ラズパイを立ち上げると、この</a:t>
-            </a:r>
-            <a:r>
-              <a:rPr kumimoji="1" lang="en-US" altLang="ja-JP" dirty="0"/>
-              <a:t>3</a:t>
-            </a:r>
-            <a:r>
-              <a:rPr kumimoji="1" lang="ja-JP" altLang="en-US" dirty="0" err="1"/>
-              <a:t>つの</a:t>
-            </a:r>
-            <a:r>
-              <a:rPr kumimoji="1" lang="ja-JP" altLang="en-US" dirty="0"/>
-              <a:t>プログラムが自動で起動します。</a:t>
-            </a:r>
-            <a:endParaRPr kumimoji="1" lang="en-US" altLang="ja-JP" dirty="0"/>
-          </a:p>
-          <a:p>
-            <a:r>
-              <a:rPr kumimoji="1" lang="ja-JP" altLang="en-US" dirty="0"/>
-              <a:t>さて、</a:t>
+              <a:t>次は</a:t>
             </a:r>
             <a:r>
               <a:rPr kumimoji="1" lang="en-US" altLang="ja-JP" dirty="0"/>
@@ -5335,20 +5368,35 @@
             </a:r>
             <a:r>
               <a:rPr kumimoji="1" lang="ja-JP" altLang="en-US" dirty="0"/>
-              <a:t>に</a:t>
-            </a:r>
+              <a:t>の可能性についてです。</a:t>
+            </a:r>
+            <a:endParaRPr kumimoji="1" lang="en-US" altLang="ja-JP" dirty="0"/>
+          </a:p>
+          <a:p>
             <a:r>
               <a:rPr kumimoji="1" lang="en-US" altLang="ja-JP" dirty="0"/>
-              <a:t>4</a:t>
-            </a:r>
-            <a:r>
-              <a:rPr kumimoji="1" lang="ja-JP" altLang="en-US" dirty="0" err="1"/>
-              <a:t>つの</a:t>
+              <a:t>YoSiE</a:t>
             </a:r>
             <a:r>
               <a:rPr kumimoji="1" lang="ja-JP" altLang="en-US" dirty="0"/>
-              <a:t>機能を実行してもらいましょう。</a:t>
-            </a:r>
+              <a:t>をさらに改良していくとすると、考えられる改善点はこのようになりました。</a:t>
+            </a:r>
+            <a:endParaRPr kumimoji="1" lang="en-US" altLang="ja-JP" dirty="0"/>
+          </a:p>
+          <a:p>
+            <a:r>
+              <a:rPr kumimoji="1" lang="ja-JP" altLang="en-US" dirty="0"/>
+              <a:t>もし</a:t>
+            </a:r>
+            <a:r>
+              <a:rPr kumimoji="1" lang="en-US" altLang="ja-JP" dirty="0"/>
+              <a:t>YoSiE</a:t>
+            </a:r>
+            <a:r>
+              <a:rPr kumimoji="1" lang="ja-JP" altLang="en-US" dirty="0"/>
+              <a:t>を改良したい方は、是非いろいろとアップデートしてみてください。</a:t>
+            </a:r>
+            <a:endParaRPr kumimoji="1" lang="en-US" altLang="ja-JP" dirty="0"/>
           </a:p>
         </p:txBody>
       </p:sp>
@@ -5378,7 +5426,7 @@
     </p:spTree>
     <p:extLst>
       <p:ext uri="{BB962C8B-B14F-4D97-AF65-F5344CB8AC3E}">
-        <p14:creationId xmlns:p14="http://schemas.microsoft.com/office/powerpoint/2010/main" val="2098570260"/>
+        <p14:creationId xmlns:p14="http://schemas.microsoft.com/office/powerpoint/2010/main" val="3288514967"/>
       </p:ext>
     </p:extLst>
   </p:cSld>
@@ -5434,7 +5482,14 @@
           <a:p>
             <a:r>
               <a:rPr kumimoji="1" lang="ja-JP" altLang="en-US" dirty="0"/>
-              <a:t>次は</a:t>
+              <a:t>次にこのプロジェクトのまとめです。</a:t>
+            </a:r>
+            <a:endParaRPr kumimoji="1" lang="en-US" altLang="ja-JP" dirty="0"/>
+          </a:p>
+          <a:p>
+            <a:r>
+              <a:rPr kumimoji="1" lang="ja-JP" altLang="en-US" dirty="0"/>
+              <a:t>作成物は</a:t>
             </a:r>
             <a:r>
               <a:rPr kumimoji="1" lang="en-US" altLang="ja-JP" dirty="0"/>
@@ -5442,107 +5497,95 @@
             </a:r>
             <a:r>
               <a:rPr kumimoji="1" lang="ja-JP" altLang="en-US" dirty="0"/>
-              <a:t>に秘められた可能性についてです。</a:t>
+              <a:t>という名前の</a:t>
+            </a:r>
+            <a:r>
+              <a:rPr kumimoji="1" lang="en-US" altLang="ja-JP" dirty="0"/>
+              <a:t>AI</a:t>
+            </a:r>
+            <a:r>
+              <a:rPr kumimoji="1" lang="ja-JP" altLang="en-US" dirty="0"/>
+              <a:t>スピーカーで、音声で問いかけると、音声で返答してくれます。</a:t>
             </a:r>
             <a:endParaRPr kumimoji="1" lang="en-US" altLang="ja-JP" dirty="0"/>
           </a:p>
           <a:p>
             <a:r>
               <a:rPr kumimoji="1" lang="ja-JP" altLang="en-US" dirty="0"/>
-              <a:t>大層な言い方をしていますが、要は改善点です。</a:t>
+              <a:t>実装されている機能は、天気予報・ニュース・日時・星座占いの</a:t>
+            </a:r>
+            <a:r>
+              <a:rPr kumimoji="1" lang="en-US" altLang="ja-JP" dirty="0"/>
+              <a:t>4</a:t>
+            </a:r>
+            <a:r>
+              <a:rPr kumimoji="1" lang="ja-JP" altLang="en-US" dirty="0"/>
+              <a:t>種類の読み上げです。</a:t>
             </a:r>
             <a:endParaRPr kumimoji="1" lang="en-US" altLang="ja-JP" dirty="0"/>
           </a:p>
           <a:p>
             <a:r>
               <a:rPr kumimoji="1" lang="ja-JP" altLang="en-US" dirty="0"/>
-              <a:t>まず音声認識の向上。辞書ファイルに登録されている文章しか認識されないため、汎用性を高めるにはもっと辞書ファイルを充実させる必要があります。</a:t>
+              <a:t>このプロジェクトの要</a:t>
+            </a:r>
+            <a:r>
+              <a:rPr kumimoji="1" lang="en-US" altLang="ja-JP" dirty="0"/>
+              <a:t>(</a:t>
+            </a:r>
+            <a:r>
+              <a:rPr kumimoji="1" lang="ja-JP" altLang="en-US" dirty="0"/>
+              <a:t>かなめ</a:t>
+            </a:r>
+            <a:r>
+              <a:rPr kumimoji="1" lang="en-US" altLang="ja-JP" dirty="0"/>
+              <a:t>)</a:t>
+            </a:r>
+            <a:r>
+              <a:rPr kumimoji="1" lang="ja-JP" altLang="en-US" dirty="0"/>
+              <a:t>は、やはり</a:t>
+            </a:r>
+            <a:r>
+              <a:rPr kumimoji="1" lang="en-US" altLang="ja-JP" dirty="0"/>
+              <a:t>AI</a:t>
+            </a:r>
+            <a:r>
+              <a:rPr kumimoji="1" lang="ja-JP" altLang="en-US" dirty="0"/>
+              <a:t>部分である</a:t>
+            </a:r>
+            <a:r>
+              <a:rPr kumimoji="1" lang="en-US" altLang="ja-JP" dirty="0" err="1"/>
+              <a:t>fastText</a:t>
+            </a:r>
+            <a:r>
+              <a:rPr kumimoji="1" lang="ja-JP" altLang="en-US" dirty="0"/>
+              <a:t>によるテキスト分類です。</a:t>
             </a:r>
             <a:endParaRPr kumimoji="1" lang="en-US" altLang="ja-JP" dirty="0"/>
           </a:p>
           <a:p>
-            <a:r>
-              <a:rPr kumimoji="1" lang="ja-JP" altLang="en-US" dirty="0"/>
-              <a:t>また、</a:t>
-            </a:r>
             <a:r>
               <a:rPr kumimoji="1" lang="en-US" altLang="ja-JP" dirty="0"/>
               <a:t>Julius</a:t>
             </a:r>
             <a:r>
               <a:rPr kumimoji="1" lang="ja-JP" altLang="en-US" dirty="0"/>
-              <a:t>以外のシステムを試してみるというのもあります。</a:t>
+              <a:t>が認識する名詞を用いてトレーニングデータを作成、学習させ、</a:t>
             </a:r>
             <a:endParaRPr kumimoji="1" lang="en-US" altLang="ja-JP" dirty="0"/>
           </a:p>
           <a:p>
             <a:r>
               <a:rPr kumimoji="1" lang="ja-JP" altLang="en-US" dirty="0"/>
-              <a:t>次に機能の追加。</a:t>
+              <a:t>問いかけ文の中の名詞から機能を予測する、という仕様になりました。</a:t>
             </a:r>
             <a:endParaRPr kumimoji="1" lang="en-US" altLang="ja-JP" dirty="0"/>
           </a:p>
           <a:p>
             <a:r>
               <a:rPr kumimoji="1" lang="ja-JP" altLang="en-US" dirty="0"/>
-              <a:t>卒業制作開始当初はカメラでの写真撮影も機能の案にありましたが、一つだけ機能の系統が違うので見送りましたが、実装されれば便利な機能だと思います。</a:t>
-            </a:r>
-            <a:endParaRPr kumimoji="1" lang="en-US" altLang="ja-JP" dirty="0"/>
-          </a:p>
-          <a:p>
-            <a:r>
-              <a:rPr kumimoji="1" lang="ja-JP" altLang="en-US" dirty="0"/>
-              <a:t>出来るかどうかはわかりませんが、</a:t>
-            </a:r>
-            <a:r>
-              <a:rPr kumimoji="1" lang="en-US" altLang="ja-JP" dirty="0"/>
-              <a:t>YSE</a:t>
-            </a:r>
-            <a:r>
-              <a:rPr kumimoji="1" lang="ja-JP" altLang="en-US" dirty="0"/>
-              <a:t>の内線に繋げられたら面白いんじゃないか、と思います。</a:t>
-            </a:r>
-            <a:endParaRPr kumimoji="1" lang="en-US" altLang="ja-JP" dirty="0"/>
-          </a:p>
-          <a:p>
-            <a:r>
-              <a:rPr kumimoji="1" lang="ja-JP" altLang="en-US" dirty="0"/>
-              <a:t>最後に既存機能の改良。</a:t>
-            </a:r>
-            <a:endParaRPr kumimoji="1" lang="en-US" altLang="ja-JP" dirty="0"/>
-          </a:p>
-          <a:p>
-            <a:r>
-              <a:rPr kumimoji="1" lang="ja-JP" altLang="en-US" dirty="0"/>
-              <a:t>特定の星座の運勢のみ読み上げや、ニュースの量をもっと増やすなど、既存の機能もまだまだ改良の余地があります。</a:t>
-            </a:r>
-            <a:endParaRPr kumimoji="1" lang="en-US" altLang="ja-JP" dirty="0"/>
-          </a:p>
-          <a:p>
-            <a:r>
-              <a:rPr kumimoji="1" lang="ja-JP" altLang="en-US" dirty="0"/>
-              <a:t>もし</a:t>
-            </a:r>
-            <a:r>
-              <a:rPr kumimoji="1" lang="en-US" altLang="ja-JP" dirty="0"/>
-              <a:t>YoSiE</a:t>
-            </a:r>
-            <a:r>
-              <a:rPr kumimoji="1" lang="ja-JP" altLang="en-US" dirty="0"/>
-              <a:t>を改良してみたい方は、</a:t>
-            </a:r>
-            <a:r>
-              <a:rPr kumimoji="1" lang="en-US" altLang="ja-JP" dirty="0"/>
-              <a:t>YoSiE</a:t>
-            </a:r>
-            <a:r>
-              <a:rPr kumimoji="1" lang="ja-JP" altLang="en-US" dirty="0"/>
-              <a:t>は本校に置いておくので気軽に弄ってみてください。</a:t>
-            </a:r>
-            <a:endParaRPr kumimoji="1" lang="en-US" altLang="ja-JP" dirty="0"/>
-          </a:p>
-          <a:p>
-            <a:endParaRPr kumimoji="1" lang="ja-JP" altLang="en-US" dirty="0"/>
+              <a:t>もし単語でテキスト分類を行いたい場合は、この方法が有効だと思われますので、興味のある方はさらに追及してみてください。</a:t>
+            </a:r>
           </a:p>
         </p:txBody>
       </p:sp>
@@ -5572,7 +5615,7 @@
     </p:spTree>
     <p:extLst>
       <p:ext uri="{BB962C8B-B14F-4D97-AF65-F5344CB8AC3E}">
-        <p14:creationId xmlns:p14="http://schemas.microsoft.com/office/powerpoint/2010/main" val="3288514967"/>
+        <p14:creationId xmlns:p14="http://schemas.microsoft.com/office/powerpoint/2010/main" val="1295503643"/>
       </p:ext>
     </p:extLst>
   </p:cSld>
@@ -5628,101 +5671,7 @@
           <a:p>
             <a:r>
               <a:rPr kumimoji="1" lang="ja-JP" altLang="en-US" dirty="0"/>
-              <a:t>次にこのプロジェクトのまとめです。</a:t>
-            </a:r>
-            <a:endParaRPr kumimoji="1" lang="en-US" altLang="ja-JP" dirty="0"/>
-          </a:p>
-          <a:p>
-            <a:r>
-              <a:rPr kumimoji="1" lang="ja-JP" altLang="en-US" dirty="0"/>
-              <a:t>作成物は</a:t>
-            </a:r>
-            <a:r>
-              <a:rPr kumimoji="1" lang="en-US" altLang="ja-JP" dirty="0"/>
-              <a:t>YoSiE</a:t>
-            </a:r>
-            <a:r>
-              <a:rPr kumimoji="1" lang="ja-JP" altLang="en-US" dirty="0"/>
-              <a:t>という名前の</a:t>
-            </a:r>
-            <a:r>
-              <a:rPr kumimoji="1" lang="en-US" altLang="ja-JP" dirty="0"/>
-              <a:t>AI</a:t>
-            </a:r>
-            <a:r>
-              <a:rPr kumimoji="1" lang="ja-JP" altLang="en-US" dirty="0"/>
-              <a:t>スピーカーで、音声で問いかけると、音声で返答してくれます。</a:t>
-            </a:r>
-            <a:endParaRPr kumimoji="1" lang="en-US" altLang="ja-JP" dirty="0"/>
-          </a:p>
-          <a:p>
-            <a:r>
-              <a:rPr kumimoji="1" lang="ja-JP" altLang="en-US" dirty="0"/>
-              <a:t>現在実装されているのは天気予報・ニュース・日時・星座占いの読み上げです。</a:t>
-            </a:r>
-            <a:endParaRPr kumimoji="1" lang="en-US" altLang="ja-JP" dirty="0"/>
-          </a:p>
-          <a:p>
-            <a:r>
-              <a:rPr kumimoji="1" lang="ja-JP" altLang="en-US" dirty="0"/>
-              <a:t>このプロジェクトの要</a:t>
-            </a:r>
-            <a:r>
-              <a:rPr kumimoji="1" lang="en-US" altLang="ja-JP" dirty="0"/>
-              <a:t>(</a:t>
-            </a:r>
-            <a:r>
-              <a:rPr kumimoji="1" lang="ja-JP" altLang="en-US" dirty="0"/>
-              <a:t>かなめ</a:t>
-            </a:r>
-            <a:r>
-              <a:rPr kumimoji="1" lang="en-US" altLang="ja-JP" dirty="0"/>
-              <a:t>)</a:t>
-            </a:r>
-            <a:r>
-              <a:rPr kumimoji="1" lang="ja-JP" altLang="en-US" dirty="0"/>
-              <a:t>は、やはり</a:t>
-            </a:r>
-            <a:r>
-              <a:rPr kumimoji="1" lang="en-US" altLang="ja-JP" dirty="0"/>
-              <a:t>AI</a:t>
-            </a:r>
-            <a:r>
-              <a:rPr kumimoji="1" lang="ja-JP" altLang="en-US" dirty="0"/>
-              <a:t>部分である</a:t>
-            </a:r>
-            <a:r>
-              <a:rPr kumimoji="1" lang="en-US" altLang="ja-JP" dirty="0" err="1"/>
-              <a:t>fastText</a:t>
-            </a:r>
-            <a:r>
-              <a:rPr kumimoji="1" lang="ja-JP" altLang="en-US" dirty="0"/>
-              <a:t>によるテキスト分類です。</a:t>
-            </a:r>
-            <a:endParaRPr kumimoji="1" lang="en-US" altLang="ja-JP" dirty="0"/>
-          </a:p>
-          <a:p>
-            <a:r>
-              <a:rPr kumimoji="1" lang="en-US" altLang="ja-JP" dirty="0"/>
-              <a:t>Julius</a:t>
-            </a:r>
-            <a:r>
-              <a:rPr kumimoji="1" lang="ja-JP" altLang="en-US" dirty="0"/>
-              <a:t>の認識する名詞を用いてトレーニングデータを作成、学習させ、</a:t>
-            </a:r>
-            <a:endParaRPr kumimoji="1" lang="en-US" altLang="ja-JP" dirty="0"/>
-          </a:p>
-          <a:p>
-            <a:r>
-              <a:rPr kumimoji="1" lang="ja-JP" altLang="en-US" dirty="0"/>
-              <a:t>問いかけ文の中の名詞から機能を予測する、という仕様になりました。</a:t>
-            </a:r>
-            <a:endParaRPr kumimoji="1" lang="en-US" altLang="ja-JP" dirty="0"/>
-          </a:p>
-          <a:p>
-            <a:r>
-              <a:rPr kumimoji="1" lang="ja-JP" altLang="en-US" dirty="0"/>
-              <a:t>もし単語でテキスト分類を行いたい場合はこの方法が有効だと思われますので、興味のある方はさらに追及してみてください。</a:t>
+              <a:t>それでは最後にチームメンバーを紹介します。</a:t>
             </a:r>
           </a:p>
         </p:txBody>
@@ -5753,7 +5702,7 @@
     </p:spTree>
     <p:extLst>
       <p:ext uri="{BB962C8B-B14F-4D97-AF65-F5344CB8AC3E}">
-        <p14:creationId xmlns:p14="http://schemas.microsoft.com/office/powerpoint/2010/main" val="1295503643"/>
+        <p14:creationId xmlns:p14="http://schemas.microsoft.com/office/powerpoint/2010/main" val="3153989695"/>
       </p:ext>
     </p:extLst>
   </p:cSld>
@@ -5809,7 +5758,15 @@
           <a:p>
             <a:r>
               <a:rPr kumimoji="1" lang="ja-JP" altLang="en-US" dirty="0"/>
-              <a:t>それでは最後にチームメンバーを紹介します。</a:t>
+              <a:t>よしえにいってもーら</a:t>
+            </a:r>
+            <a:r>
+              <a:rPr kumimoji="1" lang="ja-JP" altLang="en-US" dirty="0" err="1"/>
+              <a:t>お</a:t>
+            </a:r>
+            <a:r>
+              <a:rPr kumimoji="1" lang="ja-JP" altLang="en-US" dirty="0"/>
+              <a:t>！</a:t>
             </a:r>
           </a:p>
         </p:txBody>
@@ -5831,7 +5788,7 @@
           <a:p>
             <a:fld id="{1A2E7C28-4903-4521-8E60-0F80C627678B}" type="slidenum">
               <a:rPr kumimoji="1" lang="ja-JP" altLang="en-US" smtClean="0"/>
-              <a:t>30</a:t>
+              <a:t>31</a:t>
             </a:fld>
             <a:endParaRPr kumimoji="1" lang="ja-JP" altLang="en-US"/>
           </a:p>
@@ -5840,7 +5797,7 @@
     </p:spTree>
     <p:extLst>
       <p:ext uri="{BB962C8B-B14F-4D97-AF65-F5344CB8AC3E}">
-        <p14:creationId xmlns:p14="http://schemas.microsoft.com/office/powerpoint/2010/main" val="3153989695"/>
+        <p14:creationId xmlns:p14="http://schemas.microsoft.com/office/powerpoint/2010/main" val="2772600148"/>
       </p:ext>
     </p:extLst>
   </p:cSld>
@@ -5894,18 +5851,7 @@
           <a:bodyPr/>
           <a:lstStyle/>
           <a:p>
-            <a:r>
-              <a:rPr kumimoji="1" lang="ja-JP" altLang="en-US" dirty="0"/>
-              <a:t>よしえにいってもーら</a:t>
-            </a:r>
-            <a:r>
-              <a:rPr kumimoji="1" lang="ja-JP" altLang="en-US" dirty="0" err="1"/>
-              <a:t>お</a:t>
-            </a:r>
-            <a:r>
-              <a:rPr kumimoji="1" lang="ja-JP" altLang="en-US" dirty="0"/>
-              <a:t>！</a:t>
-            </a:r>
+            <a:endParaRPr kumimoji="1" lang="ja-JP" altLang="en-US" dirty="0"/>
           </a:p>
         </p:txBody>
       </p:sp>
@@ -5935,7 +5881,7 @@
     </p:spTree>
     <p:extLst>
       <p:ext uri="{BB962C8B-B14F-4D97-AF65-F5344CB8AC3E}">
-        <p14:creationId xmlns:p14="http://schemas.microsoft.com/office/powerpoint/2010/main" val="2772600148"/>
+        <p14:creationId xmlns:p14="http://schemas.microsoft.com/office/powerpoint/2010/main" val="2536235001"/>
       </p:ext>
     </p:extLst>
   </p:cSld>
@@ -6032,7 +5978,7 @@
           <a:p>
             <a:r>
               <a:rPr kumimoji="1" lang="ja-JP" altLang="en-US" dirty="0"/>
-              <a:t>現在実装している機能は、★天気予報・ニュース・日時・星座占いの４つの読み上げです。</a:t>
+              <a:t>実装されている機能は、★天気予報・ニュース・日時・星座占いの４つの読み上げです。</a:t>
             </a:r>
             <a:endParaRPr kumimoji="1" lang="en-US" altLang="ja-JP" dirty="0"/>
           </a:p>
@@ -6086,90 +6032,6 @@
     <p:extLst>
       <p:ext uri="{BB962C8B-B14F-4D97-AF65-F5344CB8AC3E}">
         <p14:creationId xmlns:p14="http://schemas.microsoft.com/office/powerpoint/2010/main" val="3799800391"/>
-      </p:ext>
-    </p:extLst>
-  </p:cSld>
-  <p:clrMapOvr>
-    <a:masterClrMapping/>
-  </p:clrMapOvr>
-</p:notes>
-</file>
-
-<file path=ppt/notesSlides/notesSlide30.xml><?xml version="1.0" encoding="utf-8"?>
-<p:notes xmlns:a="http://schemas.openxmlformats.org/drawingml/2006/main" xmlns:r="http://schemas.openxmlformats.org/officeDocument/2006/relationships" xmlns:p="http://schemas.openxmlformats.org/presentationml/2006/main">
-  <p:cSld>
-    <p:spTree>
-      <p:nvGrpSpPr>
-        <p:cNvPr id="1" name=""/>
-        <p:cNvGrpSpPr/>
-        <p:nvPr/>
-      </p:nvGrpSpPr>
-      <p:grpSpPr>
-        <a:xfrm>
-          <a:off x="0" y="0"/>
-          <a:ext cx="0" cy="0"/>
-          <a:chOff x="0" y="0"/>
-          <a:chExt cx="0" cy="0"/>
-        </a:xfrm>
-      </p:grpSpPr>
-      <p:sp>
-        <p:nvSpPr>
-          <p:cNvPr id="2" name="スライド イメージ プレースホルダー 1"/>
-          <p:cNvSpPr>
-            <a:spLocks noGrp="1" noRot="1" noChangeAspect="1"/>
-          </p:cNvSpPr>
-          <p:nvPr>
-            <p:ph type="sldImg"/>
-          </p:nvPr>
-        </p:nvSpPr>
-        <p:spPr/>
-      </p:sp>
-      <p:sp>
-        <p:nvSpPr>
-          <p:cNvPr id="3" name="ノート プレースホルダー 2"/>
-          <p:cNvSpPr>
-            <a:spLocks noGrp="1"/>
-          </p:cNvSpPr>
-          <p:nvPr>
-            <p:ph type="body" idx="1"/>
-          </p:nvPr>
-        </p:nvSpPr>
-        <p:spPr/>
-        <p:txBody>
-          <a:bodyPr/>
-          <a:lstStyle/>
-          <a:p>
-            <a:endParaRPr kumimoji="1" lang="ja-JP" altLang="en-US" dirty="0"/>
-          </a:p>
-        </p:txBody>
-      </p:sp>
-      <p:sp>
-        <p:nvSpPr>
-          <p:cNvPr id="4" name="スライド番号プレースホルダー 3"/>
-          <p:cNvSpPr>
-            <a:spLocks noGrp="1"/>
-          </p:cNvSpPr>
-          <p:nvPr>
-            <p:ph type="sldNum" sz="quarter" idx="5"/>
-          </p:nvPr>
-        </p:nvSpPr>
-        <p:spPr/>
-        <p:txBody>
-          <a:bodyPr/>
-          <a:lstStyle/>
-          <a:p>
-            <a:fld id="{1A2E7C28-4903-4521-8E60-0F80C627678B}" type="slidenum">
-              <a:rPr kumimoji="1" lang="ja-JP" altLang="en-US" smtClean="0"/>
-              <a:t>33</a:t>
-            </a:fld>
-            <a:endParaRPr kumimoji="1" lang="ja-JP" altLang="en-US"/>
-          </a:p>
-        </p:txBody>
-      </p:sp>
-    </p:spTree>
-    <p:extLst>
-      <p:ext uri="{BB962C8B-B14F-4D97-AF65-F5344CB8AC3E}">
-        <p14:creationId xmlns:p14="http://schemas.microsoft.com/office/powerpoint/2010/main" val="2536235001"/>
       </p:ext>
     </p:extLst>
   </p:cSld>
@@ -6236,7 +6098,7 @@
           <a:p>
             <a:r>
               <a:rPr kumimoji="1" lang="ja-JP" altLang="en-US" dirty="0"/>
-              <a:t>ざっくりとした流れは、音声認識、テキスト分類、データ取得、音声合成となっています。</a:t>
+              <a:t>ざっくりとした流れは、このようになっています。★</a:t>
             </a:r>
             <a:endParaRPr kumimoji="1" lang="en-US" altLang="ja-JP" dirty="0"/>
           </a:p>
@@ -6250,7 +6112,7 @@
           <a:p>
             <a:r>
               <a:rPr kumimoji="1" lang="ja-JP" altLang="en-US" dirty="0"/>
-              <a:t>テキスト分類を行い、その内容から要求している機能を予測します。</a:t>
+              <a:t>テキスト分類で、その内容から要求している機能を予測します。</a:t>
             </a:r>
             <a:endParaRPr kumimoji="1" lang="en-US" altLang="ja-JP" dirty="0"/>
           </a:p>
@@ -6264,7 +6126,7 @@
           <a:p>
             <a:r>
               <a:rPr kumimoji="1" lang="ja-JP" altLang="en-US" dirty="0"/>
-              <a:t>音声データとして出力します。</a:t>
+              <a:t>それを音声データに変換して出力します。</a:t>
             </a:r>
             <a:endParaRPr kumimoji="1" lang="en-US" altLang="ja-JP" dirty="0"/>
           </a:p>
@@ -6871,21 +6733,14 @@
           <a:p>
             <a:r>
               <a:rPr kumimoji="1" lang="ja-JP" altLang="en-US" dirty="0"/>
-              <a:t>音声認識は、音声を音素に、音素を文字に変換すること行われます。</a:t>
+              <a:t>音声認識は、音声、音素に、文字と順に変換することで行われます。</a:t>
             </a:r>
             <a:endParaRPr kumimoji="1" lang="en-US" altLang="ja-JP" dirty="0"/>
           </a:p>
           <a:p>
             <a:r>
               <a:rPr kumimoji="1" lang="ja-JP" altLang="en-US" dirty="0"/>
-              <a:t>今回は雨という言葉を音声認識したいので、まずは「あめ」という音声を発します。</a:t>
-            </a:r>
-            <a:endParaRPr kumimoji="1" lang="en-US" altLang="ja-JP" dirty="0"/>
-          </a:p>
-          <a:p>
-            <a:r>
-              <a:rPr kumimoji="1" lang="ja-JP" altLang="en-US" dirty="0"/>
-              <a:t>ここで雨を平仮名表記にしているのは、意図しているのは天候の雨ですが、音からでは天候なのかお菓子なのか分からないためです。</a:t>
+              <a:t>今回は雨という言葉を音声認識したいので、まずは「あめ」と発声します。</a:t>
             </a:r>
             <a:endParaRPr kumimoji="1" lang="en-US" altLang="ja-JP" dirty="0"/>
           </a:p>
@@ -6896,34 +6751,22 @@
             </a:r>
             <a:r>
               <a:rPr kumimoji="1" lang="ja-JP" altLang="en-US" dirty="0"/>
-              <a:t>はマイクから音声を受け取り、それを音素として取り扱います。</a:t>
+              <a:t>はマイクから音声を受け取ると、それを音素に変換して取り扱います。</a:t>
             </a:r>
             <a:endParaRPr kumimoji="1" lang="en-US" altLang="ja-JP" dirty="0"/>
           </a:p>
           <a:p>
             <a:r>
               <a:rPr kumimoji="1" lang="ja-JP" altLang="en-US" dirty="0"/>
-              <a:t>そもそも音素というのは、単語の発音を細分化したもので、“雨”をローマ字に分解すると“</a:t>
-            </a:r>
-            <a:r>
-              <a:rPr kumimoji="1" lang="en-US" altLang="ja-JP" dirty="0" err="1"/>
+              <a:t>音素というのは、単語の発音を細分化したもので、“雨”をローマ字に分解すると“</a:t>
+            </a:r>
+            <a:r>
+              <a:rPr kumimoji="1" lang="en-US" altLang="ja-JP" dirty="0"/>
               <a:t>ame</a:t>
             </a:r>
             <a:r>
               <a:rPr kumimoji="1" lang="ja-JP" altLang="en-US" dirty="0"/>
-              <a:t>”となります。この“</a:t>
-            </a:r>
-            <a:r>
-              <a:rPr kumimoji="1" lang="en-US" altLang="ja-JP" dirty="0" err="1"/>
-              <a:t>ame</a:t>
-            </a:r>
-            <a:r>
-              <a:rPr kumimoji="1" lang="en-US" altLang="ja-JP" dirty="0"/>
-              <a:t>”</a:t>
-            </a:r>
-            <a:r>
-              <a:rPr kumimoji="1" lang="ja-JP" altLang="en-US" dirty="0"/>
-              <a:t>が音素です。</a:t>
+              <a:t>”となり、これが音素になります。</a:t>
             </a:r>
             <a:endParaRPr kumimoji="1" lang="en-US" altLang="ja-JP" dirty="0"/>
           </a:p>
@@ -6935,13 +6778,6 @@
             <a:endParaRPr kumimoji="1" lang="en-US" altLang="ja-JP" dirty="0"/>
           </a:p>
           <a:p>
-            <a:r>
-              <a:rPr kumimoji="1" lang="ja-JP" altLang="en-US" dirty="0"/>
-              <a:t>このようにして、音声認識の処理が行われています。</a:t>
-            </a:r>
-            <a:endParaRPr kumimoji="1" lang="en-US" altLang="ja-JP" dirty="0"/>
-          </a:p>
-          <a:p>
             <a:endParaRPr kumimoji="1" lang="en-US" altLang="ja-JP" dirty="0"/>
           </a:p>
           <a:p>
@@ -6951,55 +6787,32 @@
             </a:r>
             <a:r>
               <a:rPr kumimoji="1" lang="en-US" altLang="ja-JP" dirty="0"/>
-              <a:t>”</a:t>
-            </a:r>
-            <a:r>
-              <a:rPr kumimoji="1" lang="en-US" altLang="ja-JP" dirty="0" err="1"/>
-              <a:t>ame</a:t>
+              <a:t>”ame”</a:t>
+            </a:r>
+            <a:r>
+              <a:rPr kumimoji="1" lang="ja-JP" altLang="en-US" dirty="0"/>
+              <a:t>となり、続いて、この音素を用いて音素ファイルから単語を検索します。</a:t>
+            </a:r>
+            <a:endParaRPr kumimoji="1" lang="en-US" altLang="ja-JP" dirty="0"/>
+          </a:p>
+          <a:p>
+            <a:r>
+              <a:rPr kumimoji="1" lang="ja-JP" altLang="en-US" dirty="0"/>
+              <a:t>音素ファイルには音声認識させたい単語とその音素が記述されているファイルです。</a:t>
+            </a:r>
+            <a:endParaRPr kumimoji="1" lang="en-US" altLang="ja-JP" dirty="0"/>
+          </a:p>
+          <a:p>
+            <a:endParaRPr kumimoji="1" lang="en-US" altLang="ja-JP" dirty="0"/>
+          </a:p>
+          <a:p>
+            <a:r>
+              <a:rPr kumimoji="1" lang="ja-JP" altLang="en-US" dirty="0"/>
+              <a:t>取得した音素は</a:t>
             </a:r>
             <a:r>
               <a:rPr kumimoji="1" lang="en-US" altLang="ja-JP" dirty="0"/>
-              <a:t>”</a:t>
-            </a:r>
-            <a:r>
-              <a:rPr kumimoji="1" lang="ja-JP" altLang="en-US" dirty="0"/>
-              <a:t>となり、続いて、この音素を用いて辞書ファイルから単語を検索します。</a:t>
-            </a:r>
-            <a:endParaRPr kumimoji="1" lang="en-US" altLang="ja-JP" dirty="0"/>
-          </a:p>
-          <a:p>
-            <a:r>
-              <a:rPr kumimoji="1" lang="ja-JP" altLang="en-US" dirty="0"/>
-              <a:t>辞書ファイルというのは、音声認識したい単語を登録した自作ファイルのことで、音素とそれに対応する単語が記述されています。</a:t>
-            </a:r>
-            <a:endParaRPr kumimoji="1" lang="en-US" altLang="ja-JP" dirty="0"/>
-          </a:p>
-          <a:p>
-            <a:r>
-              <a:rPr kumimoji="1" lang="ja-JP" altLang="en-US" dirty="0"/>
-              <a:t>今は説明のために簡略化して紹介していますが、後でまた辞書ファイルについて説明します。</a:t>
-            </a:r>
-            <a:endParaRPr kumimoji="1" lang="en-US" altLang="ja-JP" dirty="0"/>
-          </a:p>
-          <a:p>
-            <a:endParaRPr kumimoji="1" lang="en-US" altLang="ja-JP" dirty="0"/>
-          </a:p>
-          <a:p>
-            <a:r>
-              <a:rPr kumimoji="1" lang="ja-JP" altLang="en-US" dirty="0"/>
-              <a:t>今回取得した音素は</a:t>
-            </a:r>
-            <a:r>
-              <a:rPr kumimoji="1" lang="en-US" altLang="ja-JP" dirty="0"/>
-              <a:t>”</a:t>
-            </a:r>
-            <a:r>
-              <a:rPr kumimoji="1" lang="en-US" altLang="ja-JP" dirty="0" err="1"/>
-              <a:t>ame</a:t>
-            </a:r>
-            <a:r>
-              <a:rPr kumimoji="1" lang="en-US" altLang="ja-JP" dirty="0"/>
-              <a:t>”</a:t>
+              <a:t>”ame”</a:t>
             </a:r>
             <a:r>
               <a:rPr kumimoji="1" lang="ja-JP" altLang="en-US" dirty="0"/>
@@ -7007,23 +6820,11 @@
             </a:r>
             <a:r>
               <a:rPr kumimoji="1" lang="en-US" altLang="ja-JP" dirty="0"/>
-              <a:t>”</a:t>
-            </a:r>
-            <a:r>
-              <a:rPr kumimoji="1" lang="en-US" altLang="ja-JP" dirty="0" err="1"/>
-              <a:t>ame</a:t>
-            </a:r>
-            <a:r>
-              <a:rPr kumimoji="1" lang="en-US" altLang="ja-JP" dirty="0"/>
-              <a:t>”</a:t>
-            </a:r>
-            <a:r>
-              <a:rPr kumimoji="1" lang="ja-JP" altLang="en-US" dirty="0" err="1"/>
-              <a:t>と合</a:t>
+              <a:t>”ame”</a:t>
             </a:r>
             <a:r>
               <a:rPr kumimoji="1" lang="ja-JP" altLang="en-US" dirty="0"/>
-              <a:t>致し、それに対応している</a:t>
+              <a:t>と合致し、それに対応している</a:t>
             </a:r>
             <a:r>
               <a:rPr kumimoji="1" lang="en-US" altLang="ja-JP" dirty="0"/>
@@ -7220,7 +7021,7 @@
           <a:p>
             <a:fld id="{C63D219B-6862-4E6A-9F9E-C4C4759712F9}" type="datetimeFigureOut">
               <a:rPr kumimoji="1" lang="ja-JP" altLang="en-US" smtClean="0"/>
-              <a:t>2022/1/21</a:t>
+              <a:t>2022/1/24</a:t>
             </a:fld>
             <a:endParaRPr kumimoji="1" lang="ja-JP" altLang="en-US"/>
           </a:p>
@@ -7450,7 +7251,7 @@
           <a:p>
             <a:fld id="{C63D219B-6862-4E6A-9F9E-C4C4759712F9}" type="datetimeFigureOut">
               <a:rPr kumimoji="1" lang="ja-JP" altLang="en-US" smtClean="0"/>
-              <a:t>2022/1/21</a:t>
+              <a:t>2022/1/24</a:t>
             </a:fld>
             <a:endParaRPr kumimoji="1" lang="ja-JP" altLang="en-US"/>
           </a:p>
@@ -7690,7 +7491,7 @@
           <a:p>
             <a:fld id="{C63D219B-6862-4E6A-9F9E-C4C4759712F9}" type="datetimeFigureOut">
               <a:rPr kumimoji="1" lang="ja-JP" altLang="en-US" smtClean="0"/>
-              <a:t>2022/1/21</a:t>
+              <a:t>2022/1/24</a:t>
             </a:fld>
             <a:endParaRPr kumimoji="1" lang="ja-JP" altLang="en-US"/>
           </a:p>
@@ -7920,7 +7721,7 @@
           <a:p>
             <a:fld id="{C63D219B-6862-4E6A-9F9E-C4C4759712F9}" type="datetimeFigureOut">
               <a:rPr kumimoji="1" lang="ja-JP" altLang="en-US" smtClean="0"/>
-              <a:t>2022/1/21</a:t>
+              <a:t>2022/1/24</a:t>
             </a:fld>
             <a:endParaRPr kumimoji="1" lang="ja-JP" altLang="en-US"/>
           </a:p>
@@ -8195,7 +7996,7 @@
           <a:p>
             <a:fld id="{C63D219B-6862-4E6A-9F9E-C4C4759712F9}" type="datetimeFigureOut">
               <a:rPr kumimoji="1" lang="ja-JP" altLang="en-US" smtClean="0"/>
-              <a:t>2022/1/21</a:t>
+              <a:t>2022/1/24</a:t>
             </a:fld>
             <a:endParaRPr kumimoji="1" lang="ja-JP" altLang="en-US"/>
           </a:p>
@@ -8524,7 +8325,7 @@
           <a:p>
             <a:fld id="{C63D219B-6862-4E6A-9F9E-C4C4759712F9}" type="datetimeFigureOut">
               <a:rPr kumimoji="1" lang="ja-JP" altLang="en-US" smtClean="0"/>
-              <a:t>2022/1/21</a:t>
+              <a:t>2022/1/24</a:t>
             </a:fld>
             <a:endParaRPr kumimoji="1" lang="ja-JP" altLang="en-US"/>
           </a:p>
@@ -9000,7 +8801,7 @@
           <a:p>
             <a:fld id="{C63D219B-6862-4E6A-9F9E-C4C4759712F9}" type="datetimeFigureOut">
               <a:rPr kumimoji="1" lang="ja-JP" altLang="en-US" smtClean="0"/>
-              <a:t>2022/1/21</a:t>
+              <a:t>2022/1/24</a:t>
             </a:fld>
             <a:endParaRPr kumimoji="1" lang="ja-JP" altLang="en-US"/>
           </a:p>
@@ -9141,7 +8942,7 @@
           <a:p>
             <a:fld id="{C63D219B-6862-4E6A-9F9E-C4C4759712F9}" type="datetimeFigureOut">
               <a:rPr kumimoji="1" lang="ja-JP" altLang="en-US" smtClean="0"/>
-              <a:t>2022/1/21</a:t>
+              <a:t>2022/1/24</a:t>
             </a:fld>
             <a:endParaRPr kumimoji="1" lang="ja-JP" altLang="en-US"/>
           </a:p>
@@ -9254,7 +9055,7 @@
           <a:p>
             <a:fld id="{C63D219B-6862-4E6A-9F9E-C4C4759712F9}" type="datetimeFigureOut">
               <a:rPr kumimoji="1" lang="ja-JP" altLang="en-US" smtClean="0"/>
-              <a:t>2022/1/21</a:t>
+              <a:t>2022/1/24</a:t>
             </a:fld>
             <a:endParaRPr kumimoji="1" lang="ja-JP" altLang="en-US"/>
           </a:p>
@@ -9597,7 +9398,7 @@
           <a:p>
             <a:fld id="{C63D219B-6862-4E6A-9F9E-C4C4759712F9}" type="datetimeFigureOut">
               <a:rPr kumimoji="1" lang="ja-JP" altLang="en-US" smtClean="0"/>
-              <a:t>2022/1/21</a:t>
+              <a:t>2022/1/24</a:t>
             </a:fld>
             <a:endParaRPr kumimoji="1" lang="ja-JP" altLang="en-US"/>
           </a:p>
@@ -9885,7 +9686,7 @@
           <a:p>
             <a:fld id="{C63D219B-6862-4E6A-9F9E-C4C4759712F9}" type="datetimeFigureOut">
               <a:rPr kumimoji="1" lang="ja-JP" altLang="en-US" smtClean="0"/>
-              <a:t>2022/1/21</a:t>
+              <a:t>2022/1/24</a:t>
             </a:fld>
             <a:endParaRPr kumimoji="1" lang="ja-JP" altLang="en-US"/>
           </a:p>
@@ -10185,7 +9986,7 @@
           <a:p>
             <a:fld id="{C63D219B-6862-4E6A-9F9E-C4C4759712F9}" type="datetimeFigureOut">
               <a:rPr kumimoji="1" lang="ja-JP" altLang="en-US" smtClean="0"/>
-              <a:t>2022/1/21</a:t>
+              <a:t>2022/1/24</a:t>
             </a:fld>
             <a:endParaRPr kumimoji="1" lang="ja-JP" altLang="en-US"/>
           </a:p>
@@ -15244,6 +15045,52 @@
           </a:p>
         </p:txBody>
       </p:sp>
+      <p:sp>
+        <p:nvSpPr>
+          <p:cNvPr id="12" name="テキスト ボックス 11">
+            <a:extLst>
+              <a:ext uri="{FF2B5EF4-FFF2-40B4-BE49-F238E27FC236}">
+                <a16:creationId xmlns:a16="http://schemas.microsoft.com/office/drawing/2014/main" id="{0A9BDBF8-7549-43C3-BCF4-7E7D8751E4BD}"/>
+              </a:ext>
+            </a:extLst>
+          </p:cNvPr>
+          <p:cNvSpPr txBox="1"/>
+          <p:nvPr/>
+        </p:nvSpPr>
+        <p:spPr>
+          <a:xfrm>
+            <a:off x="2644435" y="6063771"/>
+            <a:ext cx="6059837" cy="646331"/>
+          </a:xfrm>
+          <a:prstGeom prst="rect">
+            <a:avLst/>
+          </a:prstGeom>
+          <a:solidFill>
+            <a:schemeClr val="accent6">
+              <a:lumMod val="60000"/>
+              <a:lumOff val="40000"/>
+            </a:schemeClr>
+          </a:solidFill>
+          <a:ln>
+            <a:solidFill>
+              <a:schemeClr val="tx1"/>
+            </a:solidFill>
+          </a:ln>
+        </p:spPr>
+        <p:txBody>
+          <a:bodyPr wrap="square" rtlCol="0">
+            <a:spAutoFit/>
+          </a:bodyPr>
+          <a:lstStyle/>
+          <a:p>
+            <a:pPr algn="ctr"/>
+            <a:r>
+              <a:rPr kumimoji="1" lang="ja-JP" altLang="en-US" sz="3600" b="1" dirty="0"/>
+              <a:t>起動時に実行</a:t>
+            </a:r>
+          </a:p>
+        </p:txBody>
+      </p:sp>
     </p:spTree>
     <p:extLst>
       <p:ext uri="{BB962C8B-B14F-4D97-AF65-F5344CB8AC3E}">
@@ -15254,6 +15101,92 @@
   <p:clrMapOvr>
     <a:masterClrMapping/>
   </p:clrMapOvr>
+  <p:timing>
+    <p:tnLst>
+      <p:par>
+        <p:cTn id="1" dur="indefinite" restart="never" nodeType="tmRoot">
+          <p:childTnLst>
+            <p:seq concurrent="1" nextAc="seek">
+              <p:cTn id="2" dur="indefinite" nodeType="mainSeq">
+                <p:childTnLst>
+                  <p:par>
+                    <p:cTn id="3" fill="hold">
+                      <p:stCondLst>
+                        <p:cond delay="indefinite"/>
+                      </p:stCondLst>
+                      <p:childTnLst>
+                        <p:par>
+                          <p:cTn id="4" fill="hold">
+                            <p:stCondLst>
+                              <p:cond delay="0"/>
+                            </p:stCondLst>
+                            <p:childTnLst>
+                              <p:par>
+                                <p:cTn id="5" presetID="10" presetClass="entr" presetSubtype="0" fill="hold" grpId="0" nodeType="clickEffect">
+                                  <p:stCondLst>
+                                    <p:cond delay="0"/>
+                                  </p:stCondLst>
+                                  <p:childTnLst>
+                                    <p:set>
+                                      <p:cBhvr>
+                                        <p:cTn id="6" dur="1" fill="hold">
+                                          <p:stCondLst>
+                                            <p:cond delay="0"/>
+                                          </p:stCondLst>
+                                        </p:cTn>
+                                        <p:tgtEl>
+                                          <p:spTgt spid="12"/>
+                                        </p:tgtEl>
+                                        <p:attrNameLst>
+                                          <p:attrName>style.visibility</p:attrName>
+                                        </p:attrNameLst>
+                                      </p:cBhvr>
+                                      <p:to>
+                                        <p:strVal val="visible"/>
+                                      </p:to>
+                                    </p:set>
+                                    <p:animEffect transition="in" filter="fade">
+                                      <p:cBhvr>
+                                        <p:cTn id="7" dur="500"/>
+                                        <p:tgtEl>
+                                          <p:spTgt spid="12"/>
+                                        </p:tgtEl>
+                                      </p:cBhvr>
+                                    </p:animEffect>
+                                  </p:childTnLst>
+                                </p:cTn>
+                              </p:par>
+                            </p:childTnLst>
+                          </p:cTn>
+                        </p:par>
+                      </p:childTnLst>
+                    </p:cTn>
+                  </p:par>
+                </p:childTnLst>
+              </p:cTn>
+              <p:prevCondLst>
+                <p:cond evt="onPrev" delay="0">
+                  <p:tgtEl>
+                    <p:sldTgt/>
+                  </p:tgtEl>
+                </p:cond>
+              </p:prevCondLst>
+              <p:nextCondLst>
+                <p:cond evt="onNext" delay="0">
+                  <p:tgtEl>
+                    <p:sldTgt/>
+                  </p:tgtEl>
+                </p:cond>
+              </p:nextCondLst>
+            </p:seq>
+          </p:childTnLst>
+        </p:cTn>
+      </p:par>
+    </p:tnLst>
+    <p:bldLst>
+      <p:bldP spid="12" grpId="0" animBg="1"/>
+    </p:bldLst>
+  </p:timing>
 </p:sld>
 </file>
 
@@ -16917,521 +16850,6 @@
           <p:cNvPr id="2" name="タイトル 1">
             <a:extLst>
               <a:ext uri="{FF2B5EF4-FFF2-40B4-BE49-F238E27FC236}">
-                <a16:creationId xmlns:a16="http://schemas.microsoft.com/office/drawing/2014/main" id="{208E96DD-60EE-481E-BC80-125F1F007D39}"/>
-              </a:ext>
-            </a:extLst>
-          </p:cNvPr>
-          <p:cNvSpPr>
-            <a:spLocks noGrp="1"/>
-          </p:cNvSpPr>
-          <p:nvPr>
-            <p:ph type="title"/>
-          </p:nvPr>
-        </p:nvSpPr>
-        <p:spPr/>
-        <p:txBody>
-          <a:bodyPr/>
-          <a:lstStyle/>
-          <a:p>
-            <a:r>
-              <a:rPr kumimoji="1" lang="ja-JP" altLang="en-US" b="1" dirty="0">
-                <a:ln w="19050">
-                  <a:solidFill>
-                    <a:schemeClr val="accent6">
-                      <a:lumMod val="50000"/>
-                    </a:schemeClr>
-                  </a:solidFill>
-                </a:ln>
-                <a:solidFill>
-                  <a:schemeClr val="accent6">
-                    <a:lumMod val="60000"/>
-                    <a:lumOff val="40000"/>
-                  </a:schemeClr>
-                </a:solidFill>
-                <a:latin typeface="HGS明朝E" panose="02020900000000000000" pitchFamily="18" charset="-128"/>
-                <a:ea typeface="HGS明朝E" panose="02020900000000000000" pitchFamily="18" charset="-128"/>
-              </a:rPr>
-              <a:t>トラブルの対処</a:t>
-            </a:r>
-          </a:p>
-        </p:txBody>
-      </p:sp>
-      <p:sp>
-        <p:nvSpPr>
-          <p:cNvPr id="3" name="コンテンツ プレースホルダー 2">
-            <a:extLst>
-              <a:ext uri="{FF2B5EF4-FFF2-40B4-BE49-F238E27FC236}">
-                <a16:creationId xmlns:a16="http://schemas.microsoft.com/office/drawing/2014/main" id="{D4342974-17CB-4DEE-BC69-327BEC83B62D}"/>
-              </a:ext>
-            </a:extLst>
-          </p:cNvPr>
-          <p:cNvSpPr>
-            <a:spLocks noGrp="1"/>
-          </p:cNvSpPr>
-          <p:nvPr>
-            <p:ph idx="1"/>
-          </p:nvPr>
-        </p:nvSpPr>
-        <p:spPr/>
-        <p:txBody>
-          <a:bodyPr/>
-          <a:lstStyle/>
-          <a:p>
-            <a:pPr marL="0" indent="0">
-              <a:buNone/>
-            </a:pPr>
-            <a:r>
-              <a:rPr kumimoji="1" lang="ja-JP" altLang="en-US" dirty="0"/>
-              <a:t>誤作動：出力音声</a:t>
-            </a:r>
-            <a:r>
-              <a:rPr lang="ja-JP" altLang="en-US" dirty="0"/>
-              <a:t>に</a:t>
-            </a:r>
-            <a:r>
-              <a:rPr kumimoji="1" lang="ja-JP" altLang="en-US" dirty="0"/>
-              <a:t>マイクが反応</a:t>
-            </a:r>
-            <a:endParaRPr kumimoji="1" lang="en-US" altLang="ja-JP" dirty="0"/>
-          </a:p>
-          <a:p>
-            <a:pPr marL="0" indent="0">
-              <a:buNone/>
-            </a:pPr>
-            <a:r>
-              <a:rPr kumimoji="1" lang="ja-JP" altLang="en-US" dirty="0"/>
-              <a:t>対処法：音声出力時にミュート</a:t>
-            </a:r>
-            <a:endParaRPr kumimoji="1" lang="en-US" altLang="ja-JP" dirty="0"/>
-          </a:p>
-        </p:txBody>
-      </p:sp>
-      <p:sp>
-        <p:nvSpPr>
-          <p:cNvPr id="6" name="正方形/長方形 5">
-            <a:extLst>
-              <a:ext uri="{FF2B5EF4-FFF2-40B4-BE49-F238E27FC236}">
-                <a16:creationId xmlns:a16="http://schemas.microsoft.com/office/drawing/2014/main" id="{09352AF5-F1BE-43DA-B571-3F8F31C00DAE}"/>
-              </a:ext>
-            </a:extLst>
-          </p:cNvPr>
-          <p:cNvSpPr/>
-          <p:nvPr/>
-        </p:nvSpPr>
-        <p:spPr>
-          <a:xfrm>
-            <a:off x="9508067" y="0"/>
-            <a:ext cx="2683933" cy="1593908"/>
-          </a:xfrm>
-          <a:prstGeom prst="rect">
-            <a:avLst/>
-          </a:prstGeom>
-          <a:solidFill>
-            <a:schemeClr val="accent6">
-              <a:lumMod val="60000"/>
-              <a:lumOff val="40000"/>
-            </a:schemeClr>
-          </a:solidFill>
-          <a:ln>
-            <a:solidFill>
-              <a:schemeClr val="tx1"/>
-            </a:solidFill>
-          </a:ln>
-        </p:spPr>
-        <p:style>
-          <a:lnRef idx="2">
-            <a:schemeClr val="accent1">
-              <a:shade val="50000"/>
-            </a:schemeClr>
-          </a:lnRef>
-          <a:fillRef idx="1">
-            <a:schemeClr val="accent1"/>
-          </a:fillRef>
-          <a:effectRef idx="0">
-            <a:schemeClr val="accent1"/>
-          </a:effectRef>
-          <a:fontRef idx="minor">
-            <a:schemeClr val="lt1"/>
-          </a:fontRef>
-        </p:style>
-        <p:txBody>
-          <a:bodyPr rtlCol="0" anchor="ctr"/>
-          <a:lstStyle/>
-          <a:p>
-            <a:pPr algn="ctr"/>
-            <a:endParaRPr kumimoji="1" lang="ja-JP" altLang="en-US"/>
-          </a:p>
-        </p:txBody>
-      </p:sp>
-      <p:pic>
-        <p:nvPicPr>
-          <p:cNvPr id="7" name="図 6">
-            <a:extLst>
-              <a:ext uri="{FF2B5EF4-FFF2-40B4-BE49-F238E27FC236}">
-                <a16:creationId xmlns:a16="http://schemas.microsoft.com/office/drawing/2014/main" id="{6FE39256-14D3-4322-891C-D9C049F56E91}"/>
-              </a:ext>
-            </a:extLst>
-          </p:cNvPr>
-          <p:cNvPicPr>
-            <a:picLocks noChangeAspect="1"/>
-          </p:cNvPicPr>
-          <p:nvPr/>
-        </p:nvPicPr>
-        <p:blipFill>
-          <a:blip r:embed="rId3">
-            <a:extLst>
-              <a:ext uri="{28A0092B-C50C-407E-A947-70E740481C1C}">
-                <a14:useLocalDpi xmlns:a14="http://schemas.microsoft.com/office/drawing/2010/main" val="0"/>
-              </a:ext>
-            </a:extLst>
-          </a:blip>
-          <a:stretch>
-            <a:fillRect/>
-          </a:stretch>
-        </p:blipFill>
-        <p:spPr>
-          <a:xfrm>
-            <a:off x="6294246" y="3817267"/>
-            <a:ext cx="4200000" cy="780952"/>
-          </a:xfrm>
-          <a:prstGeom prst="rect">
-            <a:avLst/>
-          </a:prstGeom>
-        </p:spPr>
-      </p:pic>
-      <p:pic>
-        <p:nvPicPr>
-          <p:cNvPr id="9" name="図 8">
-            <a:extLst>
-              <a:ext uri="{FF2B5EF4-FFF2-40B4-BE49-F238E27FC236}">
-                <a16:creationId xmlns:a16="http://schemas.microsoft.com/office/drawing/2014/main" id="{E7F1D814-162C-4F5A-8D88-1BA6BF462045}"/>
-              </a:ext>
-            </a:extLst>
-          </p:cNvPr>
-          <p:cNvPicPr>
-            <a:picLocks noChangeAspect="1"/>
-          </p:cNvPicPr>
-          <p:nvPr/>
-        </p:nvPicPr>
-        <p:blipFill>
-          <a:blip r:embed="rId4">
-            <a:extLst>
-              <a:ext uri="{28A0092B-C50C-407E-A947-70E740481C1C}">
-                <a14:useLocalDpi xmlns:a14="http://schemas.microsoft.com/office/drawing/2010/main" val="0"/>
-              </a:ext>
-            </a:extLst>
-          </a:blip>
-          <a:stretch>
-            <a:fillRect/>
-          </a:stretch>
-        </p:blipFill>
-        <p:spPr>
-          <a:xfrm>
-            <a:off x="1234693" y="3798219"/>
-            <a:ext cx="4200000" cy="800000"/>
-          </a:xfrm>
-          <a:prstGeom prst="rect">
-            <a:avLst/>
-          </a:prstGeom>
-        </p:spPr>
-      </p:pic>
-      <p:sp>
-        <p:nvSpPr>
-          <p:cNvPr id="10" name="テキスト ボックス 9">
-            <a:extLst>
-              <a:ext uri="{FF2B5EF4-FFF2-40B4-BE49-F238E27FC236}">
-                <a16:creationId xmlns:a16="http://schemas.microsoft.com/office/drawing/2014/main" id="{2D76EC1C-0578-4D6A-BD4E-1F854B5230FB}"/>
-              </a:ext>
-            </a:extLst>
-          </p:cNvPr>
-          <p:cNvSpPr txBox="1"/>
-          <p:nvPr/>
-        </p:nvSpPr>
-        <p:spPr>
-          <a:xfrm>
-            <a:off x="1234692" y="3274999"/>
-            <a:ext cx="2978590" cy="523220"/>
-          </a:xfrm>
-          <a:prstGeom prst="rect">
-            <a:avLst/>
-          </a:prstGeom>
-          <a:noFill/>
-        </p:spPr>
-        <p:txBody>
-          <a:bodyPr wrap="square" rtlCol="0">
-            <a:spAutoFit/>
-          </a:bodyPr>
-          <a:lstStyle/>
-          <a:p>
-            <a:r>
-              <a:rPr kumimoji="1" lang="ja-JP" altLang="en-US" sz="2800" b="1" dirty="0"/>
-              <a:t>マイクミュート</a:t>
-            </a:r>
-          </a:p>
-        </p:txBody>
-      </p:sp>
-      <p:sp>
-        <p:nvSpPr>
-          <p:cNvPr id="12" name="テキスト ボックス 11">
-            <a:extLst>
-              <a:ext uri="{FF2B5EF4-FFF2-40B4-BE49-F238E27FC236}">
-                <a16:creationId xmlns:a16="http://schemas.microsoft.com/office/drawing/2014/main" id="{865A01C2-45E8-4EC3-AD86-E57E6583316B}"/>
-              </a:ext>
-            </a:extLst>
-          </p:cNvPr>
-          <p:cNvSpPr txBox="1"/>
-          <p:nvPr/>
-        </p:nvSpPr>
-        <p:spPr>
-          <a:xfrm>
-            <a:off x="6294246" y="3290843"/>
-            <a:ext cx="2978590" cy="523220"/>
-          </a:xfrm>
-          <a:prstGeom prst="rect">
-            <a:avLst/>
-          </a:prstGeom>
-          <a:noFill/>
-        </p:spPr>
-        <p:txBody>
-          <a:bodyPr wrap="square" rtlCol="0">
-            <a:spAutoFit/>
-          </a:bodyPr>
-          <a:lstStyle/>
-          <a:p>
-            <a:r>
-              <a:rPr kumimoji="1" lang="ja-JP" altLang="en-US" sz="2800" b="1" dirty="0"/>
-              <a:t>ミュート解除</a:t>
-            </a:r>
-          </a:p>
-        </p:txBody>
-      </p:sp>
-    </p:spTree>
-    <p:extLst>
-      <p:ext uri="{BB962C8B-B14F-4D97-AF65-F5344CB8AC3E}">
-        <p14:creationId xmlns:p14="http://schemas.microsoft.com/office/powerpoint/2010/main" val="2817091244"/>
-      </p:ext>
-    </p:extLst>
-  </p:cSld>
-  <p:clrMapOvr>
-    <a:masterClrMapping/>
-  </p:clrMapOvr>
-  <p:timing>
-    <p:tnLst>
-      <p:par>
-        <p:cTn id="1" dur="indefinite" restart="never" nodeType="tmRoot">
-          <p:childTnLst>
-            <p:seq concurrent="1" nextAc="seek">
-              <p:cTn id="2" dur="indefinite" nodeType="mainSeq">
-                <p:childTnLst>
-                  <p:par>
-                    <p:cTn id="3" fill="hold">
-                      <p:stCondLst>
-                        <p:cond delay="indefinite"/>
-                      </p:stCondLst>
-                      <p:childTnLst>
-                        <p:par>
-                          <p:cTn id="4" fill="hold">
-                            <p:stCondLst>
-                              <p:cond delay="0"/>
-                            </p:stCondLst>
-                            <p:childTnLst>
-                              <p:par>
-                                <p:cTn id="5" presetID="10" presetClass="entr" presetSubtype="0" fill="hold" nodeType="clickEffect">
-                                  <p:stCondLst>
-                                    <p:cond delay="0"/>
-                                  </p:stCondLst>
-                                  <p:childTnLst>
-                                    <p:set>
-                                      <p:cBhvr>
-                                        <p:cTn id="6" dur="1" fill="hold">
-                                          <p:stCondLst>
-                                            <p:cond delay="0"/>
-                                          </p:stCondLst>
-                                        </p:cTn>
-                                        <p:tgtEl>
-                                          <p:spTgt spid="7"/>
-                                        </p:tgtEl>
-                                        <p:attrNameLst>
-                                          <p:attrName>style.visibility</p:attrName>
-                                        </p:attrNameLst>
-                                      </p:cBhvr>
-                                      <p:to>
-                                        <p:strVal val="visible"/>
-                                      </p:to>
-                                    </p:set>
-                                    <p:animEffect transition="in" filter="fade">
-                                      <p:cBhvr>
-                                        <p:cTn id="7" dur="500"/>
-                                        <p:tgtEl>
-                                          <p:spTgt spid="7"/>
-                                        </p:tgtEl>
-                                      </p:cBhvr>
-                                    </p:animEffect>
-                                  </p:childTnLst>
-                                </p:cTn>
-                              </p:par>
-                              <p:par>
-                                <p:cTn id="8" presetID="10" presetClass="entr" presetSubtype="0" fill="hold" nodeType="withEffect">
-                                  <p:stCondLst>
-                                    <p:cond delay="0"/>
-                                  </p:stCondLst>
-                                  <p:childTnLst>
-                                    <p:set>
-                                      <p:cBhvr>
-                                        <p:cTn id="9" dur="1" fill="hold">
-                                          <p:stCondLst>
-                                            <p:cond delay="0"/>
-                                          </p:stCondLst>
-                                        </p:cTn>
-                                        <p:tgtEl>
-                                          <p:spTgt spid="9"/>
-                                        </p:tgtEl>
-                                        <p:attrNameLst>
-                                          <p:attrName>style.visibility</p:attrName>
-                                        </p:attrNameLst>
-                                      </p:cBhvr>
-                                      <p:to>
-                                        <p:strVal val="visible"/>
-                                      </p:to>
-                                    </p:set>
-                                    <p:animEffect transition="in" filter="fade">
-                                      <p:cBhvr>
-                                        <p:cTn id="10" dur="500"/>
-                                        <p:tgtEl>
-                                          <p:spTgt spid="9"/>
-                                        </p:tgtEl>
-                                      </p:cBhvr>
-                                    </p:animEffect>
-                                  </p:childTnLst>
-                                </p:cTn>
-                              </p:par>
-                              <p:par>
-                                <p:cTn id="11" presetID="10" presetClass="entr" presetSubtype="0" fill="hold" grpId="0" nodeType="withEffect">
-                                  <p:stCondLst>
-                                    <p:cond delay="0"/>
-                                  </p:stCondLst>
-                                  <p:childTnLst>
-                                    <p:set>
-                                      <p:cBhvr>
-                                        <p:cTn id="12" dur="1" fill="hold">
-                                          <p:stCondLst>
-                                            <p:cond delay="0"/>
-                                          </p:stCondLst>
-                                        </p:cTn>
-                                        <p:tgtEl>
-                                          <p:spTgt spid="10"/>
-                                        </p:tgtEl>
-                                        <p:attrNameLst>
-                                          <p:attrName>style.visibility</p:attrName>
-                                        </p:attrNameLst>
-                                      </p:cBhvr>
-                                      <p:to>
-                                        <p:strVal val="visible"/>
-                                      </p:to>
-                                    </p:set>
-                                    <p:animEffect transition="in" filter="fade">
-                                      <p:cBhvr>
-                                        <p:cTn id="13" dur="500"/>
-                                        <p:tgtEl>
-                                          <p:spTgt spid="10"/>
-                                        </p:tgtEl>
-                                      </p:cBhvr>
-                                    </p:animEffect>
-                                  </p:childTnLst>
-                                </p:cTn>
-                              </p:par>
-                              <p:par>
-                                <p:cTn id="14" presetID="10" presetClass="entr" presetSubtype="0" fill="hold" grpId="0" nodeType="withEffect">
-                                  <p:stCondLst>
-                                    <p:cond delay="0"/>
-                                  </p:stCondLst>
-                                  <p:childTnLst>
-                                    <p:set>
-                                      <p:cBhvr>
-                                        <p:cTn id="15" dur="1" fill="hold">
-                                          <p:stCondLst>
-                                            <p:cond delay="0"/>
-                                          </p:stCondLst>
-                                        </p:cTn>
-                                        <p:tgtEl>
-                                          <p:spTgt spid="12"/>
-                                        </p:tgtEl>
-                                        <p:attrNameLst>
-                                          <p:attrName>style.visibility</p:attrName>
-                                        </p:attrNameLst>
-                                      </p:cBhvr>
-                                      <p:to>
-                                        <p:strVal val="visible"/>
-                                      </p:to>
-                                    </p:set>
-                                    <p:animEffect transition="in" filter="fade">
-                                      <p:cBhvr>
-                                        <p:cTn id="16" dur="500"/>
-                                        <p:tgtEl>
-                                          <p:spTgt spid="12"/>
-                                        </p:tgtEl>
-                                      </p:cBhvr>
-                                    </p:animEffect>
-                                  </p:childTnLst>
-                                </p:cTn>
-                              </p:par>
-                            </p:childTnLst>
-                          </p:cTn>
-                        </p:par>
-                      </p:childTnLst>
-                    </p:cTn>
-                  </p:par>
-                </p:childTnLst>
-              </p:cTn>
-              <p:prevCondLst>
-                <p:cond evt="onPrev" delay="0">
-                  <p:tgtEl>
-                    <p:sldTgt/>
-                  </p:tgtEl>
-                </p:cond>
-              </p:prevCondLst>
-              <p:nextCondLst>
-                <p:cond evt="onNext" delay="0">
-                  <p:tgtEl>
-                    <p:sldTgt/>
-                  </p:tgtEl>
-                </p:cond>
-              </p:nextCondLst>
-            </p:seq>
-          </p:childTnLst>
-        </p:cTn>
-      </p:par>
-    </p:tnLst>
-    <p:bldLst>
-      <p:bldP spid="10" grpId="0"/>
-      <p:bldP spid="12" grpId="0"/>
-    </p:bldLst>
-  </p:timing>
-</p:sld>
-</file>
-
-<file path=ppt/slides/slide24.xml><?xml version="1.0" encoding="utf-8"?>
-<p:sld xmlns:a="http://schemas.openxmlformats.org/drawingml/2006/main" xmlns:r="http://schemas.openxmlformats.org/officeDocument/2006/relationships" xmlns:p="http://schemas.openxmlformats.org/presentationml/2006/main">
-  <p:cSld>
-    <p:spTree>
-      <p:nvGrpSpPr>
-        <p:cNvPr id="1" name=""/>
-        <p:cNvGrpSpPr/>
-        <p:nvPr/>
-      </p:nvGrpSpPr>
-      <p:grpSpPr>
-        <a:xfrm>
-          <a:off x="0" y="0"/>
-          <a:ext cx="0" cy="0"/>
-          <a:chOff x="0" y="0"/>
-          <a:chExt cx="0" cy="0"/>
-        </a:xfrm>
-      </p:grpSpPr>
-      <p:sp>
-        <p:nvSpPr>
-          <p:cNvPr id="2" name="タイトル 1">
-            <a:extLst>
-              <a:ext uri="{FF2B5EF4-FFF2-40B4-BE49-F238E27FC236}">
                 <a16:creationId xmlns:a16="http://schemas.microsoft.com/office/drawing/2014/main" id="{F24EB109-BC34-41EC-A9D0-C442E52A8779}"/>
               </a:ext>
             </a:extLst>
@@ -17658,7 +17076,7 @@
 </p:sld>
 </file>
 
-<file path=ppt/slides/slide25.xml><?xml version="1.0" encoding="utf-8"?>
+<file path=ppt/slides/slide24.xml><?xml version="1.0" encoding="utf-8"?>
 <p:sld xmlns:a="http://schemas.openxmlformats.org/drawingml/2006/main" xmlns:r="http://schemas.openxmlformats.org/officeDocument/2006/relationships" xmlns:p="http://schemas.openxmlformats.org/presentationml/2006/main">
   <p:cSld>
     <p:spTree>
@@ -17747,7 +17165,7 @@
         <p:spPr>
           <a:xfrm>
             <a:off x="2700559" y="1612163"/>
-            <a:ext cx="7926058" cy="4998804"/>
+            <a:ext cx="7926058" cy="5077287"/>
           </a:xfrm>
           <a:prstGeom prst="rect">
             <a:avLst/>
@@ -17836,10 +17254,18 @@
               </a:spcAft>
             </a:pPr>
             <a:r>
-              <a:rPr lang="ja-JP" altLang="en-US" sz="1970" b="1" dirty="0"/>
-              <a:t>星座占い スクレイピング</a:t>
-            </a:r>
-            <a:endParaRPr lang="en-US" altLang="ja-JP" sz="1970" b="1" dirty="0"/>
+              <a:rPr lang="ja-JP" altLang="en-US" sz="4000" b="1" dirty="0">
+                <a:solidFill>
+                  <a:srgbClr val="FF0000"/>
+                </a:solidFill>
+              </a:rPr>
+              <a:t>各 スクレイピング</a:t>
+            </a:r>
+            <a:endParaRPr lang="en-US" altLang="ja-JP" sz="4000" b="1" dirty="0">
+              <a:solidFill>
+                <a:srgbClr val="FF0000"/>
+              </a:solidFill>
+            </a:endParaRPr>
           </a:p>
           <a:p>
             <a:pPr>
@@ -17848,10 +17274,14 @@
               </a:spcAft>
             </a:pPr>
             <a:r>
-              <a:rPr lang="ja-JP" altLang="en-US" sz="1970" b="1" dirty="0"/>
-              <a:t>星座占い 音声ファイル作成</a:t>
-            </a:r>
-            <a:endParaRPr lang="en-US" altLang="ja-JP" sz="1970" b="1" dirty="0"/>
+              <a:rPr lang="en-US" altLang="ja-JP" sz="3600" b="1" dirty="0"/>
+              <a:t>		  </a:t>
+            </a:r>
+            <a:r>
+              <a:rPr lang="ja-JP" altLang="en-US" sz="3600" b="1" dirty="0"/>
+              <a:t>＆</a:t>
+            </a:r>
+            <a:endParaRPr lang="en-US" altLang="ja-JP" sz="3600" b="1" dirty="0"/>
           </a:p>
           <a:p>
             <a:pPr>
@@ -17860,61 +17290,18 @@
               </a:spcAft>
             </a:pPr>
             <a:r>
-              <a:rPr lang="ja-JP" altLang="en-US" sz="1970" b="1" dirty="0"/>
-              <a:t>天気予報 スクレイピング</a:t>
-            </a:r>
-            <a:endParaRPr lang="en-US" altLang="ja-JP" sz="1970" b="1" dirty="0"/>
-          </a:p>
-          <a:p>
-            <a:pPr>
-              <a:spcAft>
-                <a:spcPts val="220"/>
-              </a:spcAft>
-            </a:pPr>
-            <a:r>
-              <a:rPr lang="ja-JP" altLang="en-US" sz="1970" b="1" dirty="0"/>
-              <a:t>天気予報 音声ファイル作成</a:t>
-            </a:r>
-            <a:endParaRPr lang="en-US" altLang="ja-JP" sz="1970" b="1" dirty="0"/>
-          </a:p>
-          <a:p>
-            <a:pPr>
-              <a:spcAft>
-                <a:spcPts val="220"/>
-              </a:spcAft>
-            </a:pPr>
-            <a:r>
-              <a:rPr lang="ja-JP" altLang="en-US" sz="1970" b="1" dirty="0"/>
-              <a:t>ニュース スクレイピング</a:t>
-            </a:r>
-            <a:r>
-              <a:rPr lang="en-US" altLang="ja-JP" sz="1970" b="1" dirty="0"/>
-              <a:t>]</a:t>
-            </a:r>
-          </a:p>
-          <a:p>
-            <a:pPr>
-              <a:spcAft>
-                <a:spcPts val="220"/>
-              </a:spcAft>
-            </a:pPr>
-            <a:r>
-              <a:rPr lang="ja-JP" altLang="en-US" sz="1970" b="1" dirty="0"/>
-              <a:t>ニュース 音声ファイル作成</a:t>
-            </a:r>
-            <a:endParaRPr lang="en-US" altLang="ja-JP" sz="1970" b="1" dirty="0"/>
-          </a:p>
-          <a:p>
-            <a:pPr>
-              <a:spcAft>
-                <a:spcPts val="220"/>
-              </a:spcAft>
-            </a:pPr>
-            <a:r>
-              <a:rPr lang="ja-JP" altLang="en-US" sz="1970" b="1" dirty="0"/>
-              <a:t>マイクのミュートを解除</a:t>
-            </a:r>
-            <a:endParaRPr lang="en-US" altLang="ja-JP" sz="1970" b="1" dirty="0"/>
+              <a:rPr lang="ja-JP" altLang="en-US" sz="4000" b="1" dirty="0">
+                <a:solidFill>
+                  <a:srgbClr val="FF0000"/>
+                </a:solidFill>
+              </a:rPr>
+              <a:t>各 音声ファイル作成</a:t>
+            </a:r>
+            <a:endParaRPr lang="en-US" altLang="ja-JP" sz="4000" b="1" dirty="0">
+              <a:solidFill>
+                <a:srgbClr val="FF0000"/>
+              </a:solidFill>
+            </a:endParaRPr>
           </a:p>
           <a:p>
             <a:pPr>
@@ -17932,15 +17319,7 @@
             </a:pPr>
             <a:r>
               <a:rPr lang="ja-JP" altLang="en-US" sz="1970" b="1" dirty="0"/>
-              <a:t>音声メッセージ：「起動しました</a:t>
-            </a:r>
-            <a:r>
-              <a:rPr lang="en-US" altLang="ja-JP" sz="1970" b="1" dirty="0"/>
-              <a:t>……</a:t>
-            </a:r>
-            <a:r>
-              <a:rPr lang="ja-JP" altLang="en-US" sz="1970" b="1" dirty="0"/>
-              <a:t>」</a:t>
+              <a:t>マイクのミュートを解除</a:t>
             </a:r>
             <a:endParaRPr lang="en-US" altLang="ja-JP" sz="1970" b="1" dirty="0"/>
           </a:p>
@@ -17951,78 +17330,46 @@
               </a:spcAft>
             </a:pPr>
             <a:r>
+              <a:rPr lang="ja-JP" altLang="en-US" sz="1970" b="1" dirty="0"/>
+              <a:t>音声メッセージ：「起動しました</a:t>
+            </a:r>
+            <a:r>
               <a:rPr lang="en-US" altLang="ja-JP" sz="1970" b="1" dirty="0"/>
+              <a:t>……</a:t>
+            </a:r>
+            <a:r>
+              <a:rPr lang="ja-JP" altLang="en-US" sz="1970" b="1" dirty="0"/>
+              <a:t>」</a:t>
+            </a:r>
+            <a:endParaRPr lang="en-US" altLang="ja-JP" sz="1970" b="1" dirty="0"/>
+          </a:p>
+          <a:p>
+            <a:pPr>
+              <a:spcAft>
+                <a:spcPts val="220"/>
+              </a:spcAft>
+            </a:pPr>
+            <a:r>
+              <a:rPr lang="en-US" altLang="ja-JP" sz="3200" b="1" dirty="0">
+                <a:solidFill>
+                  <a:srgbClr val="FF0000"/>
+                </a:solidFill>
+              </a:rPr>
               <a:t>function.py</a:t>
             </a:r>
             <a:r>
-              <a:rPr lang="ja-JP" altLang="en-US" sz="1970" b="1" dirty="0"/>
+              <a:rPr lang="ja-JP" altLang="en-US" sz="3200" b="1" dirty="0">
+                <a:solidFill>
+                  <a:srgbClr val="FF0000"/>
+                </a:solidFill>
+              </a:rPr>
               <a:t>起動</a:t>
             </a:r>
-            <a:endParaRPr lang="en-US" altLang="ja-JP" sz="1970" b="1" dirty="0"/>
-          </a:p>
-        </p:txBody>
-      </p:sp>
-      <p:sp>
-        <p:nvSpPr>
-          <p:cNvPr id="7" name="テキスト ボックス 6">
-            <a:extLst>
-              <a:ext uri="{FF2B5EF4-FFF2-40B4-BE49-F238E27FC236}">
-                <a16:creationId xmlns:a16="http://schemas.microsoft.com/office/drawing/2014/main" id="{2643D844-06E1-4603-A68C-5BC3B0D02216}"/>
-              </a:ext>
-            </a:extLst>
-          </p:cNvPr>
-          <p:cNvSpPr txBox="1"/>
-          <p:nvPr/>
-        </p:nvSpPr>
-        <p:spPr>
-          <a:xfrm>
-            <a:off x="2792314" y="3245289"/>
-            <a:ext cx="5534571" cy="2000548"/>
-          </a:xfrm>
-          <a:prstGeom prst="rect">
-            <a:avLst/>
-          </a:prstGeom>
-          <a:solidFill>
-            <a:schemeClr val="accent6">
-              <a:lumMod val="40000"/>
-              <a:lumOff val="60000"/>
-            </a:schemeClr>
-          </a:solidFill>
-          <a:ln>
-            <a:solidFill>
-              <a:schemeClr val="tx1"/>
-            </a:solidFill>
-          </a:ln>
-        </p:spPr>
-        <p:txBody>
-          <a:bodyPr wrap="square" rtlCol="0">
-            <a:spAutoFit/>
-          </a:bodyPr>
-          <a:lstStyle/>
-          <a:p>
-            <a:r>
-              <a:rPr kumimoji="1" lang="ja-JP" altLang="en-US" sz="4400" b="1" dirty="0"/>
-              <a:t>各 スクレイピング</a:t>
-            </a:r>
-            <a:endParaRPr kumimoji="1" lang="en-US" altLang="ja-JP" sz="4400" b="1" dirty="0"/>
-          </a:p>
-          <a:p>
-            <a:r>
-              <a:rPr kumimoji="1" lang="en-US" altLang="ja-JP" sz="3600" b="1" dirty="0"/>
-              <a:t>		</a:t>
-            </a:r>
-            <a:r>
-              <a:rPr kumimoji="1" lang="ja-JP" altLang="en-US" sz="3600" b="1" dirty="0"/>
-              <a:t>　＆</a:t>
-            </a:r>
-            <a:endParaRPr kumimoji="1" lang="en-US" altLang="ja-JP" sz="3600" b="1" dirty="0"/>
-          </a:p>
-          <a:p>
-            <a:r>
-              <a:rPr lang="ja-JP" altLang="en-US" sz="4400" b="1" dirty="0"/>
-              <a:t>各 音声ファイル作成</a:t>
-            </a:r>
-            <a:endParaRPr kumimoji="1" lang="ja-JP" altLang="en-US" sz="4400" b="1" dirty="0"/>
+            <a:endParaRPr lang="en-US" altLang="ja-JP" sz="3200" b="1" dirty="0">
+              <a:solidFill>
+                <a:srgbClr val="FF0000"/>
+              </a:solidFill>
+            </a:endParaRPr>
           </a:p>
         </p:txBody>
       </p:sp>
@@ -18161,96 +17508,10 @@
   <p:clrMapOvr>
     <a:masterClrMapping/>
   </p:clrMapOvr>
-  <p:timing>
-    <p:tnLst>
-      <p:par>
-        <p:cTn id="1" dur="indefinite" restart="never" nodeType="tmRoot">
-          <p:childTnLst>
-            <p:seq concurrent="1" nextAc="seek">
-              <p:cTn id="2" dur="indefinite" nodeType="mainSeq">
-                <p:childTnLst>
-                  <p:par>
-                    <p:cTn id="3" fill="hold">
-                      <p:stCondLst>
-                        <p:cond delay="indefinite"/>
-                      </p:stCondLst>
-                      <p:childTnLst>
-                        <p:par>
-                          <p:cTn id="4" fill="hold">
-                            <p:stCondLst>
-                              <p:cond delay="0"/>
-                            </p:stCondLst>
-                            <p:childTnLst>
-                              <p:par>
-                                <p:cTn id="5" presetID="14" presetClass="entr" presetSubtype="10" fill="hold" grpId="0" nodeType="clickEffect">
-                                  <p:stCondLst>
-                                    <p:cond delay="0"/>
-                                  </p:stCondLst>
-                                  <p:childTnLst>
-                                    <p:set>
-                                      <p:cBhvr>
-                                        <p:cTn id="6" dur="1" fill="hold">
-                                          <p:stCondLst>
-                                            <p:cond delay="0"/>
-                                          </p:stCondLst>
-                                        </p:cTn>
-                                        <p:tgtEl>
-                                          <p:spTgt spid="7"/>
-                                        </p:tgtEl>
-                                        <p:attrNameLst>
-                                          <p:attrName>style.visibility</p:attrName>
-                                        </p:attrNameLst>
-                                      </p:cBhvr>
-                                      <p:to>
-                                        <p:strVal val="visible"/>
-                                      </p:to>
-                                    </p:set>
-                                    <p:animEffect transition="in" filter="randombar(horizontal)">
-                                      <p:cBhvr>
-                                        <p:cTn id="7" dur="250"/>
-                                        <p:tgtEl>
-                                          <p:spTgt spid="7"/>
-                                        </p:tgtEl>
-                                      </p:cBhvr>
-                                    </p:animEffect>
-                                  </p:childTnLst>
-                                </p:cTn>
-                              </p:par>
-                            </p:childTnLst>
-                          </p:cTn>
-                        </p:par>
-                      </p:childTnLst>
-                    </p:cTn>
-                  </p:par>
-                </p:childTnLst>
-              </p:cTn>
-              <p:prevCondLst>
-                <p:cond evt="onPrev" delay="0">
-                  <p:tgtEl>
-                    <p:sldTgt/>
-                  </p:tgtEl>
-                </p:cond>
-              </p:prevCondLst>
-              <p:nextCondLst>
-                <p:cond evt="onNext" delay="0">
-                  <p:tgtEl>
-                    <p:sldTgt/>
-                  </p:tgtEl>
-                </p:cond>
-              </p:nextCondLst>
-            </p:seq>
-          </p:childTnLst>
-        </p:cTn>
-      </p:par>
-    </p:tnLst>
-    <p:bldLst>
-      <p:bldP spid="7" grpId="0" animBg="1"/>
-    </p:bldLst>
-  </p:timing>
 </p:sld>
 </file>
 
-<file path=ppt/slides/slide26.xml><?xml version="1.0" encoding="utf-8"?>
+<file path=ppt/slides/slide25.xml><?xml version="1.0" encoding="utf-8"?>
 <p:sld xmlns:a="http://schemas.openxmlformats.org/drawingml/2006/main" xmlns:r="http://schemas.openxmlformats.org/officeDocument/2006/relationships" xmlns:p="http://schemas.openxmlformats.org/presentationml/2006/main">
   <p:cSld>
     <p:spTree>
@@ -19204,7 +18465,7 @@
 </p:sld>
 </file>
 
-<file path=ppt/slides/slide27.xml><?xml version="1.0" encoding="utf-8"?>
+<file path=ppt/slides/slide26.xml><?xml version="1.0" encoding="utf-8"?>
 <p:sld xmlns:a="http://schemas.openxmlformats.org/drawingml/2006/main" xmlns:r="http://schemas.openxmlformats.org/officeDocument/2006/relationships" xmlns:p="http://schemas.openxmlformats.org/presentationml/2006/main">
   <p:cSld>
     <p:spTree>
@@ -19405,7 +18666,7 @@
 </p:sld>
 </file>
 
-<file path=ppt/slides/slide28.xml><?xml version="1.0" encoding="utf-8"?>
+<file path=ppt/slides/slide27.xml><?xml version="1.0" encoding="utf-8"?>
 <p:sld xmlns:a="http://schemas.openxmlformats.org/drawingml/2006/main" xmlns:r="http://schemas.openxmlformats.org/officeDocument/2006/relationships" xmlns:p="http://schemas.openxmlformats.org/presentationml/2006/main">
   <p:cSld>
     <p:spTree>
@@ -19507,90 +18768,96 @@
             <a:off x="838200" y="1790790"/>
             <a:ext cx="10515600" cy="4351338"/>
           </a:xfrm>
+          <a:solidFill>
+            <a:srgbClr val="F0B97C"/>
+          </a:solidFill>
+          <a:ln>
+            <a:noFill/>
+          </a:ln>
         </p:spPr>
         <p:txBody>
           <a:bodyPr/>
           <a:lstStyle/>
           <a:p>
             <a:r>
-              <a:rPr kumimoji="1" lang="ja-JP" altLang="en-US" dirty="0"/>
+              <a:rPr kumimoji="1" lang="ja-JP" altLang="en-US" sz="3200" b="1" dirty="0"/>
               <a:t>音声認識の向上</a:t>
             </a:r>
-            <a:endParaRPr kumimoji="1" lang="en-US" altLang="ja-JP" dirty="0"/>
+            <a:endParaRPr kumimoji="1" lang="en-US" altLang="ja-JP" sz="3200" b="1" dirty="0"/>
           </a:p>
           <a:p>
             <a:pPr lvl="1"/>
             <a:r>
-              <a:rPr lang="ja-JP" altLang="en-US" dirty="0"/>
+              <a:rPr lang="ja-JP" altLang="en-US" sz="2800" dirty="0"/>
               <a:t>辞書ファイルの追加</a:t>
             </a:r>
-            <a:endParaRPr lang="en-US" altLang="ja-JP" dirty="0"/>
+            <a:endParaRPr lang="en-US" altLang="ja-JP" sz="2800" dirty="0"/>
           </a:p>
           <a:p>
             <a:pPr lvl="1"/>
             <a:r>
-              <a:rPr kumimoji="1" lang="ja-JP" altLang="en-US" dirty="0"/>
+              <a:rPr kumimoji="1" lang="ja-JP" altLang="en-US" sz="2800" dirty="0"/>
               <a:t>他の音声認識システムの利用　等</a:t>
             </a:r>
-            <a:endParaRPr kumimoji="1" lang="en-US" altLang="ja-JP" dirty="0"/>
-          </a:p>
-          <a:p>
-            <a:r>
-              <a:rPr lang="ja-JP" altLang="en-US" dirty="0"/>
+            <a:endParaRPr kumimoji="1" lang="en-US" altLang="ja-JP" sz="2800" dirty="0"/>
+          </a:p>
+          <a:p>
+            <a:r>
+              <a:rPr lang="ja-JP" altLang="en-US" sz="3200" b="1" dirty="0"/>
               <a:t>機能の追加</a:t>
             </a:r>
-            <a:endParaRPr lang="en-US" altLang="ja-JP" dirty="0"/>
+            <a:endParaRPr lang="en-US" altLang="ja-JP" sz="3200" b="1" dirty="0"/>
           </a:p>
           <a:p>
             <a:pPr lvl="1"/>
             <a:r>
-              <a:rPr lang="ja-JP" altLang="en-US" dirty="0"/>
+              <a:rPr lang="ja-JP" altLang="en-US" sz="2800" dirty="0"/>
               <a:t>写真撮影</a:t>
             </a:r>
-            <a:endParaRPr lang="en-US" altLang="ja-JP" dirty="0"/>
+            <a:endParaRPr lang="en-US" altLang="ja-JP" sz="2800" dirty="0"/>
           </a:p>
           <a:p>
             <a:pPr lvl="1"/>
             <a:r>
-              <a:rPr lang="en-US" altLang="ja-JP" dirty="0"/>
+              <a:rPr lang="en-US" altLang="ja-JP" sz="2800" dirty="0"/>
               <a:t>YSE</a:t>
             </a:r>
             <a:r>
-              <a:rPr lang="ja-JP" altLang="en-US" dirty="0"/>
+              <a:rPr lang="ja-JP" altLang="en-US" sz="2800" dirty="0"/>
               <a:t>内線搭載</a:t>
             </a:r>
             <a:r>
-              <a:rPr lang="en-US" altLang="ja-JP" dirty="0"/>
+              <a:rPr lang="en-US" altLang="ja-JP" sz="2800" dirty="0"/>
               <a:t>	</a:t>
             </a:r>
             <a:r>
-              <a:rPr lang="ja-JP" altLang="en-US" dirty="0"/>
+              <a:rPr lang="ja-JP" altLang="en-US" sz="2800" dirty="0"/>
               <a:t>等</a:t>
             </a:r>
-            <a:endParaRPr lang="en-US" altLang="ja-JP" dirty="0"/>
-          </a:p>
-          <a:p>
-            <a:r>
-              <a:rPr lang="ja-JP" altLang="en-US" dirty="0"/>
+            <a:endParaRPr lang="en-US" altLang="ja-JP" sz="2800" dirty="0"/>
+          </a:p>
+          <a:p>
+            <a:r>
+              <a:rPr lang="ja-JP" altLang="en-US" sz="3200" b="1" dirty="0"/>
               <a:t>既存機能の改良</a:t>
             </a:r>
-            <a:endParaRPr lang="en-US" altLang="ja-JP" dirty="0"/>
+            <a:endParaRPr lang="en-US" altLang="ja-JP" sz="3200" b="1" dirty="0"/>
           </a:p>
           <a:p>
             <a:pPr lvl="1"/>
             <a:r>
-              <a:rPr lang="ja-JP" altLang="en-US" dirty="0"/>
+              <a:rPr lang="ja-JP" altLang="en-US" sz="2800" dirty="0"/>
               <a:t>星座別占い読み上げ</a:t>
             </a:r>
-            <a:endParaRPr lang="en-US" altLang="ja-JP" dirty="0"/>
+            <a:endParaRPr lang="en-US" altLang="ja-JP" sz="2800" dirty="0"/>
           </a:p>
           <a:p>
             <a:pPr lvl="1"/>
             <a:r>
-              <a:rPr lang="ja-JP" altLang="en-US" dirty="0"/>
+              <a:rPr lang="ja-JP" altLang="en-US" sz="2800" dirty="0"/>
               <a:t>ニュース記事の増量　等</a:t>
             </a:r>
-            <a:endParaRPr lang="en-US" altLang="ja-JP" dirty="0"/>
+            <a:endParaRPr lang="en-US" altLang="ja-JP" sz="2800" dirty="0"/>
           </a:p>
           <a:p>
             <a:pPr lvl="1"/>
@@ -19672,7 +18939,7 @@
 </p:sld>
 </file>
 
-<file path=ppt/slides/slide29.xml><?xml version="1.0" encoding="utf-8"?>
+<file path=ppt/slides/slide28.xml><?xml version="1.0" encoding="utf-8"?>
 <p:sld xmlns:a="http://schemas.openxmlformats.org/drawingml/2006/main" xmlns:r="http://schemas.openxmlformats.org/officeDocument/2006/relationships" xmlns:p="http://schemas.openxmlformats.org/presentationml/2006/main">
   <p:cSld>
     <p:spTree>
@@ -19884,6 +19151,297 @@
     <p:extLst>
       <p:ext uri="{BB962C8B-B14F-4D97-AF65-F5344CB8AC3E}">
         <p14:creationId xmlns:p14="http://schemas.microsoft.com/office/powerpoint/2010/main" val="1602149089"/>
+      </p:ext>
+    </p:extLst>
+  </p:cSld>
+  <p:clrMapOvr>
+    <a:masterClrMapping/>
+  </p:clrMapOvr>
+</p:sld>
+</file>
+
+<file path=ppt/slides/slide29.xml><?xml version="1.0" encoding="utf-8"?>
+<p:sld xmlns:a="http://schemas.openxmlformats.org/drawingml/2006/main" xmlns:r="http://schemas.openxmlformats.org/officeDocument/2006/relationships" xmlns:p="http://schemas.openxmlformats.org/presentationml/2006/main">
+  <p:cSld>
+    <p:spTree>
+      <p:nvGrpSpPr>
+        <p:cNvPr id="1" name=""/>
+        <p:cNvGrpSpPr/>
+        <p:nvPr/>
+      </p:nvGrpSpPr>
+      <p:grpSpPr>
+        <a:xfrm>
+          <a:off x="0" y="0"/>
+          <a:ext cx="0" cy="0"/>
+          <a:chOff x="0" y="0"/>
+          <a:chExt cx="0" cy="0"/>
+        </a:xfrm>
+      </p:grpSpPr>
+      <p:sp>
+        <p:nvSpPr>
+          <p:cNvPr id="2" name="タイトル 1">
+            <a:extLst>
+              <a:ext uri="{FF2B5EF4-FFF2-40B4-BE49-F238E27FC236}">
+                <a16:creationId xmlns:a16="http://schemas.microsoft.com/office/drawing/2014/main" id="{81E2F86B-64F9-4EFF-BA57-7C707F7AF077}"/>
+              </a:ext>
+            </a:extLst>
+          </p:cNvPr>
+          <p:cNvSpPr>
+            <a:spLocks noGrp="1"/>
+          </p:cNvSpPr>
+          <p:nvPr>
+            <p:ph type="title"/>
+          </p:nvPr>
+        </p:nvSpPr>
+        <p:spPr/>
+        <p:txBody>
+          <a:bodyPr/>
+          <a:lstStyle/>
+          <a:p>
+            <a:r>
+              <a:rPr kumimoji="1" lang="ja-JP" altLang="en-US" dirty="0">
+                <a:latin typeface="HGP行書体" panose="03000600000000000000" pitchFamily="66" charset="-128"/>
+                <a:ea typeface="HGP行書体" panose="03000600000000000000" pitchFamily="66" charset="-128"/>
+              </a:rPr>
+              <a:t>チームメンバー</a:t>
+            </a:r>
+          </a:p>
+        </p:txBody>
+      </p:sp>
+      <p:sp>
+        <p:nvSpPr>
+          <p:cNvPr id="3" name="コンテンツ プレースホルダー 2">
+            <a:extLst>
+              <a:ext uri="{FF2B5EF4-FFF2-40B4-BE49-F238E27FC236}">
+                <a16:creationId xmlns:a16="http://schemas.microsoft.com/office/drawing/2014/main" id="{3F0CDD7C-542F-41C4-8D3A-BB7DDD344587}"/>
+              </a:ext>
+            </a:extLst>
+          </p:cNvPr>
+          <p:cNvSpPr>
+            <a:spLocks noGrp="1"/>
+          </p:cNvSpPr>
+          <p:nvPr>
+            <p:ph idx="1"/>
+          </p:nvPr>
+        </p:nvSpPr>
+        <p:spPr>
+          <a:xfrm>
+            <a:off x="838200" y="1825625"/>
+            <a:ext cx="4865483" cy="4351338"/>
+          </a:xfrm>
+        </p:spPr>
+        <p:txBody>
+          <a:bodyPr/>
+          <a:lstStyle/>
+          <a:p>
+            <a:r>
+              <a:rPr kumimoji="1" lang="ja-JP" altLang="en-US" dirty="0">
+                <a:latin typeface="HG教科書体" panose="02020609000000000000" pitchFamily="17" charset="-128"/>
+                <a:ea typeface="HG教科書体" panose="02020609000000000000" pitchFamily="17" charset="-128"/>
+              </a:rPr>
+              <a:t>山田晃生</a:t>
+            </a:r>
+            <a:r>
+              <a:rPr kumimoji="1" lang="en-US" altLang="ja-JP" dirty="0">
+                <a:latin typeface="HG教科書体" panose="02020609000000000000" pitchFamily="17" charset="-128"/>
+                <a:ea typeface="HG教科書体" panose="02020609000000000000" pitchFamily="17" charset="-128"/>
+              </a:rPr>
+              <a:t>(2001</a:t>
+            </a:r>
+            <a:r>
+              <a:rPr kumimoji="1" lang="ja-JP" altLang="en-US" dirty="0">
+                <a:latin typeface="HG教科書体" panose="02020609000000000000" pitchFamily="17" charset="-128"/>
+                <a:ea typeface="HG教科書体" panose="02020609000000000000" pitchFamily="17" charset="-128"/>
+              </a:rPr>
+              <a:t>～</a:t>
+            </a:r>
+            <a:r>
+              <a:rPr kumimoji="1" lang="en-US" altLang="ja-JP" dirty="0">
+                <a:latin typeface="HG教科書体" panose="02020609000000000000" pitchFamily="17" charset="-128"/>
+                <a:ea typeface="HG教科書体" panose="02020609000000000000" pitchFamily="17" charset="-128"/>
+              </a:rPr>
+              <a:t>)</a:t>
+            </a:r>
+          </a:p>
+          <a:p>
+            <a:r>
+              <a:rPr lang="ja-JP" altLang="en-US" dirty="0">
+                <a:latin typeface="HG教科書体" panose="02020609000000000000" pitchFamily="17" charset="-128"/>
+                <a:ea typeface="HG教科書体" panose="02020609000000000000" pitchFamily="17" charset="-128"/>
+              </a:rPr>
+              <a:t>主に</a:t>
+            </a:r>
+            <a:r>
+              <a:rPr lang="en-US" altLang="ja-JP" dirty="0" err="1">
+                <a:latin typeface="HG教科書体" panose="02020609000000000000" pitchFamily="17" charset="-128"/>
+                <a:ea typeface="HG教科書体" panose="02020609000000000000" pitchFamily="17" charset="-128"/>
+              </a:rPr>
+              <a:t>fastText</a:t>
+            </a:r>
+            <a:r>
+              <a:rPr lang="en-US" altLang="ja-JP" dirty="0">
+                <a:latin typeface="HG教科書体" panose="02020609000000000000" pitchFamily="17" charset="-128"/>
+                <a:ea typeface="HG教科書体" panose="02020609000000000000" pitchFamily="17" charset="-128"/>
+              </a:rPr>
+              <a:t>, </a:t>
+            </a:r>
+            <a:r>
+              <a:rPr lang="ja-JP" altLang="en-US" dirty="0">
+                <a:latin typeface="HG教科書体" panose="02020609000000000000" pitchFamily="17" charset="-128"/>
+                <a:ea typeface="HG教科書体" panose="02020609000000000000" pitchFamily="17" charset="-128"/>
+              </a:rPr>
+              <a:t>トレーニングデータ作成に携わった。</a:t>
+            </a:r>
+            <a:endParaRPr lang="en-US" altLang="ja-JP" dirty="0">
+              <a:latin typeface="HG教科書体" panose="02020609000000000000" pitchFamily="17" charset="-128"/>
+              <a:ea typeface="HG教科書体" panose="02020609000000000000" pitchFamily="17" charset="-128"/>
+            </a:endParaRPr>
+          </a:p>
+          <a:p>
+            <a:r>
+              <a:rPr lang="ja-JP" altLang="en-US" dirty="0">
+                <a:latin typeface="HG教科書体" panose="02020609000000000000" pitchFamily="17" charset="-128"/>
+                <a:ea typeface="HG教科書体" panose="02020609000000000000" pitchFamily="17" charset="-128"/>
+              </a:rPr>
+              <a:t>　</a:t>
+            </a:r>
+            <a:endParaRPr lang="en-US" altLang="ja-JP" dirty="0">
+              <a:latin typeface="HG教科書体" panose="02020609000000000000" pitchFamily="17" charset="-128"/>
+              <a:ea typeface="HG教科書体" panose="02020609000000000000" pitchFamily="17" charset="-128"/>
+            </a:endParaRPr>
+          </a:p>
+          <a:p>
+            <a:r>
+              <a:rPr lang="ja-JP" altLang="en-US" dirty="0"/>
+              <a:t>　</a:t>
+            </a:r>
+            <a:endParaRPr lang="en-US" altLang="ja-JP" dirty="0"/>
+          </a:p>
+          <a:p>
+            <a:r>
+              <a:rPr lang="ja-JP" altLang="en-US" dirty="0"/>
+              <a:t>　</a:t>
+            </a:r>
+            <a:endParaRPr lang="en-US" altLang="ja-JP" dirty="0"/>
+          </a:p>
+          <a:p>
+            <a:pPr marL="0" indent="0">
+              <a:buNone/>
+            </a:pPr>
+            <a:endParaRPr lang="en-US" altLang="ja-JP" dirty="0"/>
+          </a:p>
+        </p:txBody>
+      </p:sp>
+      <p:sp>
+        <p:nvSpPr>
+          <p:cNvPr id="4" name="正方形/長方形 3">
+            <a:extLst>
+              <a:ext uri="{FF2B5EF4-FFF2-40B4-BE49-F238E27FC236}">
+                <a16:creationId xmlns:a16="http://schemas.microsoft.com/office/drawing/2014/main" id="{C91C756F-15E3-4B18-84A0-A6F1D7EB569D}"/>
+              </a:ext>
+            </a:extLst>
+          </p:cNvPr>
+          <p:cNvSpPr/>
+          <p:nvPr/>
+        </p:nvSpPr>
+        <p:spPr>
+          <a:xfrm>
+            <a:off x="9508067" y="0"/>
+            <a:ext cx="2683933" cy="1593908"/>
+          </a:xfrm>
+          <a:prstGeom prst="rect">
+            <a:avLst/>
+          </a:prstGeom>
+          <a:solidFill>
+            <a:schemeClr val="accent6">
+              <a:lumMod val="60000"/>
+              <a:lumOff val="40000"/>
+            </a:schemeClr>
+          </a:solidFill>
+          <a:ln>
+            <a:solidFill>
+              <a:schemeClr val="tx1"/>
+            </a:solidFill>
+          </a:ln>
+        </p:spPr>
+        <p:style>
+          <a:lnRef idx="2">
+            <a:schemeClr val="accent1">
+              <a:shade val="50000"/>
+            </a:schemeClr>
+          </a:lnRef>
+          <a:fillRef idx="1">
+            <a:schemeClr val="accent1"/>
+          </a:fillRef>
+          <a:effectRef idx="0">
+            <a:schemeClr val="accent1"/>
+          </a:effectRef>
+          <a:fontRef idx="minor">
+            <a:schemeClr val="lt1"/>
+          </a:fontRef>
+        </p:style>
+        <p:txBody>
+          <a:bodyPr rtlCol="0" anchor="ctr"/>
+          <a:lstStyle/>
+          <a:p>
+            <a:pPr algn="ctr"/>
+            <a:endParaRPr kumimoji="1" lang="ja-JP" altLang="en-US"/>
+          </a:p>
+        </p:txBody>
+      </p:sp>
+      <p:pic>
+        <p:nvPicPr>
+          <p:cNvPr id="6" name="図 5">
+            <a:extLst>
+              <a:ext uri="{FF2B5EF4-FFF2-40B4-BE49-F238E27FC236}">
+                <a16:creationId xmlns:a16="http://schemas.microsoft.com/office/drawing/2014/main" id="{409CF840-BBE0-4AEC-85C0-E710B50AE22D}"/>
+              </a:ext>
+            </a:extLst>
+          </p:cNvPr>
+          <p:cNvPicPr>
+            <a:picLocks noChangeAspect="1"/>
+          </p:cNvPicPr>
+          <p:nvPr/>
+        </p:nvPicPr>
+        <p:blipFill>
+          <a:blip r:embed="rId3">
+            <a:extLst>
+              <a:ext uri="{28A0092B-C50C-407E-A947-70E740481C1C}">
+                <a14:useLocalDpi xmlns:a14="http://schemas.microsoft.com/office/drawing/2010/main" val="0"/>
+              </a:ext>
+            </a:extLst>
+          </a:blip>
+          <a:stretch>
+            <a:fillRect/>
+          </a:stretch>
+        </p:blipFill>
+        <p:spPr>
+          <a:xfrm>
+            <a:off x="6169845" y="1027906"/>
+            <a:ext cx="3045637" cy="3923658"/>
+          </a:xfrm>
+          <a:prstGeom prst="rect">
+            <a:avLst/>
+          </a:prstGeom>
+          <a:ln w="127000" cap="sq">
+            <a:solidFill>
+              <a:srgbClr val="000000"/>
+            </a:solidFill>
+            <a:miter lim="800000"/>
+          </a:ln>
+          <a:effectLst>
+            <a:outerShdw blurRad="57150" dist="50800" dir="2700000" algn="tl" rotWithShape="0">
+              <a:srgbClr val="000000">
+                <a:alpha val="40000"/>
+              </a:srgbClr>
+            </a:outerShdw>
+          </a:effectLst>
+        </p:spPr>
+      </p:pic>
+    </p:spTree>
+    <p:extLst>
+      <p:ext uri="{BB962C8B-B14F-4D97-AF65-F5344CB8AC3E}">
+        <p14:creationId xmlns:p14="http://schemas.microsoft.com/office/powerpoint/2010/main" val="1671712225"/>
       </p:ext>
     </p:extLst>
   </p:cSld>
@@ -21126,297 +20684,6 @@
           <a:lstStyle/>
           <a:p>
             <a:r>
-              <a:rPr kumimoji="1" lang="ja-JP" altLang="en-US" dirty="0">
-                <a:latin typeface="HGP行書体" panose="03000600000000000000" pitchFamily="66" charset="-128"/>
-                <a:ea typeface="HGP行書体" panose="03000600000000000000" pitchFamily="66" charset="-128"/>
-              </a:rPr>
-              <a:t>チームメンバー</a:t>
-            </a:r>
-          </a:p>
-        </p:txBody>
-      </p:sp>
-      <p:sp>
-        <p:nvSpPr>
-          <p:cNvPr id="3" name="コンテンツ プレースホルダー 2">
-            <a:extLst>
-              <a:ext uri="{FF2B5EF4-FFF2-40B4-BE49-F238E27FC236}">
-                <a16:creationId xmlns:a16="http://schemas.microsoft.com/office/drawing/2014/main" id="{3F0CDD7C-542F-41C4-8D3A-BB7DDD344587}"/>
-              </a:ext>
-            </a:extLst>
-          </p:cNvPr>
-          <p:cNvSpPr>
-            <a:spLocks noGrp="1"/>
-          </p:cNvSpPr>
-          <p:nvPr>
-            <p:ph idx="1"/>
-          </p:nvPr>
-        </p:nvSpPr>
-        <p:spPr>
-          <a:xfrm>
-            <a:off x="838200" y="1825625"/>
-            <a:ext cx="4865483" cy="4351338"/>
-          </a:xfrm>
-        </p:spPr>
-        <p:txBody>
-          <a:bodyPr/>
-          <a:lstStyle/>
-          <a:p>
-            <a:r>
-              <a:rPr kumimoji="1" lang="ja-JP" altLang="en-US" dirty="0">
-                <a:latin typeface="HG教科書体" panose="02020609000000000000" pitchFamily="17" charset="-128"/>
-                <a:ea typeface="HG教科書体" panose="02020609000000000000" pitchFamily="17" charset="-128"/>
-              </a:rPr>
-              <a:t>山田晃生</a:t>
-            </a:r>
-            <a:r>
-              <a:rPr kumimoji="1" lang="en-US" altLang="ja-JP" dirty="0">
-                <a:latin typeface="HG教科書体" panose="02020609000000000000" pitchFamily="17" charset="-128"/>
-                <a:ea typeface="HG教科書体" panose="02020609000000000000" pitchFamily="17" charset="-128"/>
-              </a:rPr>
-              <a:t>(2001</a:t>
-            </a:r>
-            <a:r>
-              <a:rPr kumimoji="1" lang="ja-JP" altLang="en-US" dirty="0">
-                <a:latin typeface="HG教科書体" panose="02020609000000000000" pitchFamily="17" charset="-128"/>
-                <a:ea typeface="HG教科書体" panose="02020609000000000000" pitchFamily="17" charset="-128"/>
-              </a:rPr>
-              <a:t>～</a:t>
-            </a:r>
-            <a:r>
-              <a:rPr kumimoji="1" lang="en-US" altLang="ja-JP" dirty="0">
-                <a:latin typeface="HG教科書体" panose="02020609000000000000" pitchFamily="17" charset="-128"/>
-                <a:ea typeface="HG教科書体" panose="02020609000000000000" pitchFamily="17" charset="-128"/>
-              </a:rPr>
-              <a:t>)</a:t>
-            </a:r>
-          </a:p>
-          <a:p>
-            <a:r>
-              <a:rPr lang="ja-JP" altLang="en-US" dirty="0">
-                <a:latin typeface="HG教科書体" panose="02020609000000000000" pitchFamily="17" charset="-128"/>
-                <a:ea typeface="HG教科書体" panose="02020609000000000000" pitchFamily="17" charset="-128"/>
-              </a:rPr>
-              <a:t>主に</a:t>
-            </a:r>
-            <a:r>
-              <a:rPr lang="en-US" altLang="ja-JP" dirty="0" err="1">
-                <a:latin typeface="HG教科書体" panose="02020609000000000000" pitchFamily="17" charset="-128"/>
-                <a:ea typeface="HG教科書体" panose="02020609000000000000" pitchFamily="17" charset="-128"/>
-              </a:rPr>
-              <a:t>fastText</a:t>
-            </a:r>
-            <a:r>
-              <a:rPr lang="en-US" altLang="ja-JP" dirty="0">
-                <a:latin typeface="HG教科書体" panose="02020609000000000000" pitchFamily="17" charset="-128"/>
-                <a:ea typeface="HG教科書体" panose="02020609000000000000" pitchFamily="17" charset="-128"/>
-              </a:rPr>
-              <a:t>, </a:t>
-            </a:r>
-            <a:r>
-              <a:rPr lang="ja-JP" altLang="en-US" dirty="0">
-                <a:latin typeface="HG教科書体" panose="02020609000000000000" pitchFamily="17" charset="-128"/>
-                <a:ea typeface="HG教科書体" panose="02020609000000000000" pitchFamily="17" charset="-128"/>
-              </a:rPr>
-              <a:t>トレーニングデータ作成に携わった。</a:t>
-            </a:r>
-            <a:endParaRPr lang="en-US" altLang="ja-JP" dirty="0">
-              <a:latin typeface="HG教科書体" panose="02020609000000000000" pitchFamily="17" charset="-128"/>
-              <a:ea typeface="HG教科書体" panose="02020609000000000000" pitchFamily="17" charset="-128"/>
-            </a:endParaRPr>
-          </a:p>
-          <a:p>
-            <a:r>
-              <a:rPr lang="ja-JP" altLang="en-US" dirty="0">
-                <a:latin typeface="HG教科書体" panose="02020609000000000000" pitchFamily="17" charset="-128"/>
-                <a:ea typeface="HG教科書体" panose="02020609000000000000" pitchFamily="17" charset="-128"/>
-              </a:rPr>
-              <a:t>　</a:t>
-            </a:r>
-            <a:endParaRPr lang="en-US" altLang="ja-JP" dirty="0">
-              <a:latin typeface="HG教科書体" panose="02020609000000000000" pitchFamily="17" charset="-128"/>
-              <a:ea typeface="HG教科書体" panose="02020609000000000000" pitchFamily="17" charset="-128"/>
-            </a:endParaRPr>
-          </a:p>
-          <a:p>
-            <a:r>
-              <a:rPr lang="ja-JP" altLang="en-US" dirty="0"/>
-              <a:t>　</a:t>
-            </a:r>
-            <a:endParaRPr lang="en-US" altLang="ja-JP" dirty="0"/>
-          </a:p>
-          <a:p>
-            <a:r>
-              <a:rPr lang="ja-JP" altLang="en-US" dirty="0"/>
-              <a:t>　</a:t>
-            </a:r>
-            <a:endParaRPr lang="en-US" altLang="ja-JP" dirty="0"/>
-          </a:p>
-          <a:p>
-            <a:pPr marL="0" indent="0">
-              <a:buNone/>
-            </a:pPr>
-            <a:endParaRPr lang="en-US" altLang="ja-JP" dirty="0"/>
-          </a:p>
-        </p:txBody>
-      </p:sp>
-      <p:sp>
-        <p:nvSpPr>
-          <p:cNvPr id="4" name="正方形/長方形 3">
-            <a:extLst>
-              <a:ext uri="{FF2B5EF4-FFF2-40B4-BE49-F238E27FC236}">
-                <a16:creationId xmlns:a16="http://schemas.microsoft.com/office/drawing/2014/main" id="{C91C756F-15E3-4B18-84A0-A6F1D7EB569D}"/>
-              </a:ext>
-            </a:extLst>
-          </p:cNvPr>
-          <p:cNvSpPr/>
-          <p:nvPr/>
-        </p:nvSpPr>
-        <p:spPr>
-          <a:xfrm>
-            <a:off x="9508067" y="0"/>
-            <a:ext cx="2683933" cy="1593908"/>
-          </a:xfrm>
-          <a:prstGeom prst="rect">
-            <a:avLst/>
-          </a:prstGeom>
-          <a:solidFill>
-            <a:schemeClr val="accent6">
-              <a:lumMod val="60000"/>
-              <a:lumOff val="40000"/>
-            </a:schemeClr>
-          </a:solidFill>
-          <a:ln>
-            <a:solidFill>
-              <a:schemeClr val="tx1"/>
-            </a:solidFill>
-          </a:ln>
-        </p:spPr>
-        <p:style>
-          <a:lnRef idx="2">
-            <a:schemeClr val="accent1">
-              <a:shade val="50000"/>
-            </a:schemeClr>
-          </a:lnRef>
-          <a:fillRef idx="1">
-            <a:schemeClr val="accent1"/>
-          </a:fillRef>
-          <a:effectRef idx="0">
-            <a:schemeClr val="accent1"/>
-          </a:effectRef>
-          <a:fontRef idx="minor">
-            <a:schemeClr val="lt1"/>
-          </a:fontRef>
-        </p:style>
-        <p:txBody>
-          <a:bodyPr rtlCol="0" anchor="ctr"/>
-          <a:lstStyle/>
-          <a:p>
-            <a:pPr algn="ctr"/>
-            <a:endParaRPr kumimoji="1" lang="ja-JP" altLang="en-US"/>
-          </a:p>
-        </p:txBody>
-      </p:sp>
-      <p:pic>
-        <p:nvPicPr>
-          <p:cNvPr id="6" name="図 5">
-            <a:extLst>
-              <a:ext uri="{FF2B5EF4-FFF2-40B4-BE49-F238E27FC236}">
-                <a16:creationId xmlns:a16="http://schemas.microsoft.com/office/drawing/2014/main" id="{409CF840-BBE0-4AEC-85C0-E710B50AE22D}"/>
-              </a:ext>
-            </a:extLst>
-          </p:cNvPr>
-          <p:cNvPicPr>
-            <a:picLocks noChangeAspect="1"/>
-          </p:cNvPicPr>
-          <p:nvPr/>
-        </p:nvPicPr>
-        <p:blipFill>
-          <a:blip r:embed="rId3">
-            <a:extLst>
-              <a:ext uri="{28A0092B-C50C-407E-A947-70E740481C1C}">
-                <a14:useLocalDpi xmlns:a14="http://schemas.microsoft.com/office/drawing/2010/main" val="0"/>
-              </a:ext>
-            </a:extLst>
-          </a:blip>
-          <a:stretch>
-            <a:fillRect/>
-          </a:stretch>
-        </p:blipFill>
-        <p:spPr>
-          <a:xfrm>
-            <a:off x="6169845" y="1027906"/>
-            <a:ext cx="3045637" cy="3923658"/>
-          </a:xfrm>
-          <a:prstGeom prst="rect">
-            <a:avLst/>
-          </a:prstGeom>
-          <a:ln w="127000" cap="sq">
-            <a:solidFill>
-              <a:srgbClr val="000000"/>
-            </a:solidFill>
-            <a:miter lim="800000"/>
-          </a:ln>
-          <a:effectLst>
-            <a:outerShdw blurRad="57150" dist="50800" dir="2700000" algn="tl" rotWithShape="0">
-              <a:srgbClr val="000000">
-                <a:alpha val="40000"/>
-              </a:srgbClr>
-            </a:outerShdw>
-          </a:effectLst>
-        </p:spPr>
-      </p:pic>
-    </p:spTree>
-    <p:extLst>
-      <p:ext uri="{BB962C8B-B14F-4D97-AF65-F5344CB8AC3E}">
-        <p14:creationId xmlns:p14="http://schemas.microsoft.com/office/powerpoint/2010/main" val="1671712225"/>
-      </p:ext>
-    </p:extLst>
-  </p:cSld>
-  <p:clrMapOvr>
-    <a:masterClrMapping/>
-  </p:clrMapOvr>
-</p:sld>
-</file>
-
-<file path=ppt/slides/slide31.xml><?xml version="1.0" encoding="utf-8"?>
-<p:sld xmlns:a="http://schemas.openxmlformats.org/drawingml/2006/main" xmlns:r="http://schemas.openxmlformats.org/officeDocument/2006/relationships" xmlns:p="http://schemas.openxmlformats.org/presentationml/2006/main">
-  <p:cSld>
-    <p:spTree>
-      <p:nvGrpSpPr>
-        <p:cNvPr id="1" name=""/>
-        <p:cNvGrpSpPr/>
-        <p:nvPr/>
-      </p:nvGrpSpPr>
-      <p:grpSpPr>
-        <a:xfrm>
-          <a:off x="0" y="0"/>
-          <a:ext cx="0" cy="0"/>
-          <a:chOff x="0" y="0"/>
-          <a:chExt cx="0" cy="0"/>
-        </a:xfrm>
-      </p:grpSpPr>
-      <p:sp>
-        <p:nvSpPr>
-          <p:cNvPr id="2" name="タイトル 1">
-            <a:extLst>
-              <a:ext uri="{FF2B5EF4-FFF2-40B4-BE49-F238E27FC236}">
-                <a16:creationId xmlns:a16="http://schemas.microsoft.com/office/drawing/2014/main" id="{81E2F86B-64F9-4EFF-BA57-7C707F7AF077}"/>
-              </a:ext>
-            </a:extLst>
-          </p:cNvPr>
-          <p:cNvSpPr>
-            <a:spLocks noGrp="1"/>
-          </p:cNvSpPr>
-          <p:nvPr>
-            <p:ph type="title"/>
-          </p:nvPr>
-        </p:nvSpPr>
-        <p:spPr/>
-        <p:txBody>
-          <a:bodyPr/>
-          <a:lstStyle/>
-          <a:p>
-            <a:r>
               <a:rPr kumimoji="1" lang="ja-JP" altLang="en-US" dirty="0"/>
               <a:t>チームメンバー</a:t>
             </a:r>
@@ -21571,7 +20838,7 @@
 </p:sld>
 </file>
 
-<file path=ppt/slides/slide32.xml><?xml version="1.0" encoding="utf-8"?>
+<file path=ppt/slides/slide31.xml><?xml version="1.0" encoding="utf-8"?>
 <p:sld xmlns:a="http://schemas.openxmlformats.org/drawingml/2006/main" xmlns:r="http://schemas.openxmlformats.org/officeDocument/2006/relationships" xmlns:p="http://schemas.openxmlformats.org/presentationml/2006/main">
   <p:cSld>
     <p:spTree>
@@ -21709,7 +20976,7 @@
 </p:sld>
 </file>
 
-<file path=ppt/slides/slide33.xml><?xml version="1.0" encoding="utf-8"?>
+<file path=ppt/slides/slide32.xml><?xml version="1.0" encoding="utf-8"?>
 <p:sld xmlns:a="http://schemas.openxmlformats.org/drawingml/2006/main" xmlns:r="http://schemas.openxmlformats.org/officeDocument/2006/relationships" xmlns:p="http://schemas.openxmlformats.org/presentationml/2006/main">
   <p:cSld>
     <p:spTree>
@@ -21916,7 +21183,7 @@
 </p:sld>
 </file>
 
-<file path=ppt/slides/slide34.xml><?xml version="1.0" encoding="utf-8"?>
+<file path=ppt/slides/slide33.xml><?xml version="1.0" encoding="utf-8"?>
 <p:sld xmlns:a="http://schemas.openxmlformats.org/drawingml/2006/main" xmlns:r="http://schemas.openxmlformats.org/officeDocument/2006/relationships" xmlns:p="http://schemas.openxmlformats.org/presentationml/2006/main">
   <p:cSld>
     <p:spTree>
@@ -22413,7 +21680,7 @@
 </p:sld>
 </file>
 
-<file path=ppt/slides/slide35.xml><?xml version="1.0" encoding="utf-8"?>
+<file path=ppt/slides/slide34.xml><?xml version="1.0" encoding="utf-8"?>
 <p:sld xmlns:a="http://schemas.openxmlformats.org/drawingml/2006/main" xmlns:r="http://schemas.openxmlformats.org/officeDocument/2006/relationships" xmlns:p="http://schemas.openxmlformats.org/presentationml/2006/main">
   <p:cSld>
     <p:spTree>
@@ -22702,6 +21969,415 @@
     <p:extLst>
       <p:ext uri="{BB962C8B-B14F-4D97-AF65-F5344CB8AC3E}">
         <p14:creationId xmlns:p14="http://schemas.microsoft.com/office/powerpoint/2010/main" val="3494419554"/>
+      </p:ext>
+    </p:extLst>
+  </p:cSld>
+  <p:clrMapOvr>
+    <a:masterClrMapping/>
+  </p:clrMapOvr>
+  <mc:AlternateContent xmlns:mc="http://schemas.openxmlformats.org/markup-compatibility/2006" xmlns:p14="http://schemas.microsoft.com/office/powerpoint/2010/main">
+    <mc:Choice Requires="p14">
+      <p:transition spd="med" p14:dur="700">
+        <p:fade/>
+      </p:transition>
+    </mc:Choice>
+    <mc:Fallback xmlns="">
+      <p:transition spd="med">
+        <p:fade/>
+      </p:transition>
+    </mc:Fallback>
+  </mc:AlternateContent>
+</p:sld>
+</file>
+
+<file path=ppt/slides/slide35.xml><?xml version="1.0" encoding="utf-8"?>
+<p:sld xmlns:a="http://schemas.openxmlformats.org/drawingml/2006/main" xmlns:r="http://schemas.openxmlformats.org/officeDocument/2006/relationships" xmlns:p="http://schemas.openxmlformats.org/presentationml/2006/main">
+  <p:cSld>
+    <p:spTree>
+      <p:nvGrpSpPr>
+        <p:cNvPr id="1" name=""/>
+        <p:cNvGrpSpPr/>
+        <p:nvPr/>
+      </p:nvGrpSpPr>
+      <p:grpSpPr>
+        <a:xfrm>
+          <a:off x="0" y="0"/>
+          <a:ext cx="0" cy="0"/>
+          <a:chOff x="0" y="0"/>
+          <a:chExt cx="0" cy="0"/>
+        </a:xfrm>
+      </p:grpSpPr>
+      <p:sp>
+        <p:nvSpPr>
+          <p:cNvPr id="3" name="コンテンツ プレースホルダー 2">
+            <a:extLst>
+              <a:ext uri="{FF2B5EF4-FFF2-40B4-BE49-F238E27FC236}">
+                <a16:creationId xmlns:a16="http://schemas.microsoft.com/office/drawing/2014/main" id="{359BA7E9-5FB0-436F-941D-2F003078FAD5}"/>
+              </a:ext>
+            </a:extLst>
+          </p:cNvPr>
+          <p:cNvSpPr>
+            <a:spLocks noGrp="1"/>
+          </p:cNvSpPr>
+          <p:nvPr>
+            <p:ph idx="1"/>
+          </p:nvPr>
+        </p:nvSpPr>
+        <p:spPr/>
+        <p:txBody>
+          <a:bodyPr>
+            <a:normAutofit/>
+          </a:bodyPr>
+          <a:lstStyle/>
+          <a:p>
+            <a:endParaRPr lang="en-US" altLang="ja-JP" sz="4800" dirty="0"/>
+          </a:p>
+          <a:p>
+            <a:r>
+              <a:rPr lang="ja-JP" altLang="en-US" sz="4800" dirty="0"/>
+              <a:t>音素ファイル</a:t>
+            </a:r>
+            <a:endParaRPr lang="en-US" altLang="ja-JP" sz="4800" dirty="0"/>
+          </a:p>
+          <a:p>
+            <a:endParaRPr kumimoji="1" lang="ja-JP" altLang="en-US" sz="4800" dirty="0"/>
+          </a:p>
+        </p:txBody>
+      </p:sp>
+      <p:sp>
+        <p:nvSpPr>
+          <p:cNvPr id="5" name="正方形/長方形 4">
+            <a:extLst>
+              <a:ext uri="{FF2B5EF4-FFF2-40B4-BE49-F238E27FC236}">
+                <a16:creationId xmlns:a16="http://schemas.microsoft.com/office/drawing/2014/main" id="{0853C9A5-A8A3-4AEE-B695-9634976812D0}"/>
+              </a:ext>
+            </a:extLst>
+          </p:cNvPr>
+          <p:cNvSpPr/>
+          <p:nvPr/>
+        </p:nvSpPr>
+        <p:spPr>
+          <a:xfrm>
+            <a:off x="9508067" y="0"/>
+            <a:ext cx="2683933" cy="1593908"/>
+          </a:xfrm>
+          <a:prstGeom prst="rect">
+            <a:avLst/>
+          </a:prstGeom>
+          <a:solidFill>
+            <a:schemeClr val="accent6">
+              <a:lumMod val="60000"/>
+              <a:lumOff val="40000"/>
+            </a:schemeClr>
+          </a:solidFill>
+          <a:ln>
+            <a:solidFill>
+              <a:schemeClr val="tx1"/>
+            </a:solidFill>
+          </a:ln>
+        </p:spPr>
+        <p:style>
+          <a:lnRef idx="2">
+            <a:schemeClr val="accent1">
+              <a:shade val="50000"/>
+            </a:schemeClr>
+          </a:lnRef>
+          <a:fillRef idx="1">
+            <a:schemeClr val="accent1"/>
+          </a:fillRef>
+          <a:effectRef idx="0">
+            <a:schemeClr val="accent1"/>
+          </a:effectRef>
+          <a:fontRef idx="minor">
+            <a:schemeClr val="lt1"/>
+          </a:fontRef>
+        </p:style>
+        <p:txBody>
+          <a:bodyPr rtlCol="0" anchor="ctr"/>
+          <a:lstStyle/>
+          <a:p>
+            <a:pPr algn="ctr"/>
+            <a:endParaRPr kumimoji="1" lang="ja-JP" altLang="en-US"/>
+          </a:p>
+        </p:txBody>
+      </p:sp>
+      <p:sp>
+        <p:nvSpPr>
+          <p:cNvPr id="4" name="テキスト ボックス 3">
+            <a:extLst>
+              <a:ext uri="{FF2B5EF4-FFF2-40B4-BE49-F238E27FC236}">
+                <a16:creationId xmlns:a16="http://schemas.microsoft.com/office/drawing/2014/main" id="{9EC58DA9-FEC0-461C-9B95-50DFB746EF3F}"/>
+              </a:ext>
+            </a:extLst>
+          </p:cNvPr>
+          <p:cNvSpPr txBox="1"/>
+          <p:nvPr/>
+        </p:nvSpPr>
+        <p:spPr>
+          <a:xfrm>
+            <a:off x="5539408" y="1751617"/>
+            <a:ext cx="4439479" cy="3354765"/>
+          </a:xfrm>
+          <a:prstGeom prst="rect">
+            <a:avLst/>
+          </a:prstGeom>
+          <a:solidFill>
+            <a:schemeClr val="bg1"/>
+          </a:solidFill>
+          <a:ln>
+            <a:solidFill>
+              <a:schemeClr val="tx1"/>
+            </a:solidFill>
+          </a:ln>
+        </p:spPr>
+        <p:txBody>
+          <a:bodyPr wrap="square" rtlCol="0">
+            <a:spAutoFit/>
+          </a:bodyPr>
+          <a:lstStyle/>
+          <a:p>
+            <a:r>
+              <a:rPr kumimoji="1" lang="ja-JP" altLang="en-US" sz="3600" b="1" dirty="0"/>
+              <a:t>読みファイル</a:t>
+            </a:r>
+            <a:endParaRPr kumimoji="1" lang="en-US" altLang="ja-JP" sz="3600" b="1" dirty="0"/>
+          </a:p>
+          <a:p>
+            <a:endParaRPr lang="en-US" altLang="ja-JP" sz="3600" dirty="0"/>
+          </a:p>
+          <a:p>
+            <a:r>
+              <a:rPr kumimoji="1" lang="ja-JP" altLang="en-US" sz="3600" dirty="0"/>
+              <a:t>晴れ</a:t>
+            </a:r>
+            <a:r>
+              <a:rPr lang="en-US" altLang="ja-JP" sz="3600" dirty="0"/>
+              <a:t>	</a:t>
+            </a:r>
+            <a:r>
+              <a:rPr lang="ja-JP" altLang="en-US" sz="3600" dirty="0"/>
+              <a:t>はれ</a:t>
+            </a:r>
+            <a:endParaRPr lang="en-US" altLang="ja-JP" sz="3600" dirty="0"/>
+          </a:p>
+          <a:p>
+            <a:r>
+              <a:rPr kumimoji="1" lang="ja-JP" altLang="en-US" sz="3600" dirty="0"/>
+              <a:t>雨</a:t>
+            </a:r>
+            <a:r>
+              <a:rPr kumimoji="1" lang="en-US" altLang="ja-JP" sz="3600" dirty="0"/>
+              <a:t>		</a:t>
+            </a:r>
+            <a:r>
+              <a:rPr kumimoji="1" lang="ja-JP" altLang="en-US" sz="3600" dirty="0"/>
+              <a:t>あめ</a:t>
+            </a:r>
+            <a:endParaRPr kumimoji="1" lang="en-US" altLang="ja-JP" sz="3600" dirty="0"/>
+          </a:p>
+          <a:p>
+            <a:r>
+              <a:rPr lang="ja-JP" altLang="en-US" sz="3600" dirty="0"/>
+              <a:t>曇り</a:t>
+            </a:r>
+            <a:r>
+              <a:rPr lang="en-US" altLang="ja-JP" sz="3600" dirty="0"/>
+              <a:t>	</a:t>
+            </a:r>
+            <a:r>
+              <a:rPr lang="ja-JP" altLang="en-US" sz="3600" dirty="0"/>
+              <a:t>くもり</a:t>
+            </a:r>
+            <a:endParaRPr lang="en-US" altLang="ja-JP" sz="3600" dirty="0"/>
+          </a:p>
+          <a:p>
+            <a:endParaRPr kumimoji="1" lang="en-US" altLang="ja-JP" sz="3200" dirty="0"/>
+          </a:p>
+        </p:txBody>
+      </p:sp>
+      <p:sp>
+        <p:nvSpPr>
+          <p:cNvPr id="6" name="テキスト ボックス 5">
+            <a:extLst>
+              <a:ext uri="{FF2B5EF4-FFF2-40B4-BE49-F238E27FC236}">
+                <a16:creationId xmlns:a16="http://schemas.microsoft.com/office/drawing/2014/main" id="{32E34680-8AAC-40CE-9FBD-4954061649B4}"/>
+              </a:ext>
+            </a:extLst>
+          </p:cNvPr>
+          <p:cNvSpPr txBox="1"/>
+          <p:nvPr/>
+        </p:nvSpPr>
+        <p:spPr>
+          <a:xfrm>
+            <a:off x="5539407" y="1751617"/>
+            <a:ext cx="4439479" cy="3354765"/>
+          </a:xfrm>
+          <a:prstGeom prst="rect">
+            <a:avLst/>
+          </a:prstGeom>
+          <a:solidFill>
+            <a:schemeClr val="bg1"/>
+          </a:solidFill>
+          <a:ln>
+            <a:solidFill>
+              <a:schemeClr val="tx1"/>
+            </a:solidFill>
+          </a:ln>
+        </p:spPr>
+        <p:txBody>
+          <a:bodyPr wrap="square" rtlCol="0">
+            <a:spAutoFit/>
+          </a:bodyPr>
+          <a:lstStyle/>
+          <a:p>
+            <a:r>
+              <a:rPr lang="ja-JP" altLang="en-US" sz="3600" b="1" dirty="0"/>
+              <a:t>音素</a:t>
+            </a:r>
+            <a:r>
+              <a:rPr kumimoji="1" lang="ja-JP" altLang="en-US" sz="3600" b="1" dirty="0"/>
+              <a:t>ファイル</a:t>
+            </a:r>
+            <a:endParaRPr kumimoji="1" lang="en-US" altLang="ja-JP" sz="3600" b="1" dirty="0"/>
+          </a:p>
+          <a:p>
+            <a:endParaRPr lang="en-US" altLang="ja-JP" sz="3600" dirty="0"/>
+          </a:p>
+          <a:p>
+            <a:r>
+              <a:rPr kumimoji="1" lang="ja-JP" altLang="en-US" sz="3600" dirty="0"/>
+              <a:t>晴れ</a:t>
+            </a:r>
+            <a:r>
+              <a:rPr lang="en-US" altLang="ja-JP" sz="3600" dirty="0"/>
+              <a:t>	h a r e</a:t>
+            </a:r>
+          </a:p>
+          <a:p>
+            <a:r>
+              <a:rPr kumimoji="1" lang="ja-JP" altLang="en-US" sz="3600" dirty="0"/>
+              <a:t>雨</a:t>
+            </a:r>
+            <a:r>
+              <a:rPr kumimoji="1" lang="en-US" altLang="ja-JP" sz="3600" dirty="0"/>
+              <a:t>		</a:t>
+            </a:r>
+            <a:r>
+              <a:rPr lang="en-US" altLang="ja-JP" sz="3600" dirty="0"/>
+              <a:t>a m e</a:t>
+            </a:r>
+            <a:endParaRPr kumimoji="1" lang="en-US" altLang="ja-JP" sz="3600" dirty="0"/>
+          </a:p>
+          <a:p>
+            <a:r>
+              <a:rPr lang="ja-JP" altLang="en-US" sz="3600" dirty="0"/>
+              <a:t>曇り</a:t>
+            </a:r>
+            <a:r>
+              <a:rPr lang="en-US" altLang="ja-JP" sz="3600" dirty="0"/>
+              <a:t>	k u m o r </a:t>
+            </a:r>
+            <a:r>
+              <a:rPr lang="en-US" altLang="ja-JP" sz="3600" dirty="0" err="1"/>
+              <a:t>i</a:t>
+            </a:r>
+            <a:endParaRPr lang="en-US" altLang="ja-JP" sz="3600" dirty="0"/>
+          </a:p>
+          <a:p>
+            <a:endParaRPr kumimoji="1" lang="en-US" altLang="ja-JP" sz="3200" dirty="0"/>
+          </a:p>
+        </p:txBody>
+      </p:sp>
+      <p:sp>
+        <p:nvSpPr>
+          <p:cNvPr id="9" name="タイトル 1">
+            <a:extLst>
+              <a:ext uri="{FF2B5EF4-FFF2-40B4-BE49-F238E27FC236}">
+                <a16:creationId xmlns:a16="http://schemas.microsoft.com/office/drawing/2014/main" id="{F473B5A9-B9F3-4E84-AACD-33D569EB844A}"/>
+              </a:ext>
+            </a:extLst>
+          </p:cNvPr>
+          <p:cNvSpPr>
+            <a:spLocks noGrp="1"/>
+          </p:cNvSpPr>
+          <p:nvPr>
+            <p:ph type="title"/>
+          </p:nvPr>
+        </p:nvSpPr>
+        <p:spPr>
+          <a:xfrm>
+            <a:off x="838200" y="365125"/>
+            <a:ext cx="10515600" cy="1325563"/>
+          </a:xfrm>
+        </p:spPr>
+        <p:txBody>
+          <a:bodyPr/>
+          <a:lstStyle/>
+          <a:p>
+            <a:r>
+              <a:rPr kumimoji="1" lang="ja-JP" altLang="en-US" b="1" dirty="0">
+                <a:ln w="19050">
+                  <a:solidFill>
+                    <a:schemeClr val="accent6">
+                      <a:lumMod val="50000"/>
+                    </a:schemeClr>
+                  </a:solidFill>
+                </a:ln>
+                <a:solidFill>
+                  <a:schemeClr val="accent6">
+                    <a:lumMod val="60000"/>
+                    <a:lumOff val="40000"/>
+                  </a:schemeClr>
+                </a:solidFill>
+                <a:latin typeface="HGS明朝E" panose="02020900000000000000" pitchFamily="18" charset="-128"/>
+                <a:ea typeface="HGS明朝E" panose="02020900000000000000" pitchFamily="18" charset="-128"/>
+              </a:rPr>
+              <a:t>辞書</a:t>
+            </a:r>
+            <a:r>
+              <a:rPr lang="ja-JP" altLang="en-US" b="1" dirty="0">
+                <a:ln w="19050">
+                  <a:solidFill>
+                    <a:schemeClr val="accent6">
+                      <a:lumMod val="50000"/>
+                    </a:schemeClr>
+                  </a:solidFill>
+                </a:ln>
+                <a:solidFill>
+                  <a:schemeClr val="accent6">
+                    <a:lumMod val="60000"/>
+                    <a:lumOff val="40000"/>
+                  </a:schemeClr>
+                </a:solidFill>
+                <a:latin typeface="HGS明朝E" panose="02020900000000000000" pitchFamily="18" charset="-128"/>
+                <a:ea typeface="HGS明朝E" panose="02020900000000000000" pitchFamily="18" charset="-128"/>
+              </a:rPr>
+              <a:t>ファイル</a:t>
+            </a:r>
+            <a:endParaRPr kumimoji="1" lang="ja-JP" altLang="en-US" b="1" dirty="0">
+              <a:ln w="19050">
+                <a:solidFill>
+                  <a:schemeClr val="accent6">
+                    <a:lumMod val="50000"/>
+                  </a:schemeClr>
+                </a:solidFill>
+              </a:ln>
+              <a:solidFill>
+                <a:schemeClr val="accent6">
+                  <a:lumMod val="60000"/>
+                  <a:lumOff val="40000"/>
+                </a:schemeClr>
+              </a:solidFill>
+              <a:latin typeface="HGS明朝E" panose="02020900000000000000" pitchFamily="18" charset="-128"/>
+              <a:ea typeface="HGS明朝E" panose="02020900000000000000" pitchFamily="18" charset="-128"/>
+            </a:endParaRPr>
+          </a:p>
+        </p:txBody>
+      </p:sp>
+    </p:spTree>
+    <p:extLst>
+      <p:ext uri="{BB962C8B-B14F-4D97-AF65-F5344CB8AC3E}">
+        <p14:creationId xmlns:p14="http://schemas.microsoft.com/office/powerpoint/2010/main" val="912972448"/>
       </p:ext>
     </p:extLst>
   </p:cSld>
@@ -22763,17 +22439,17 @@
           </a:bodyPr>
           <a:lstStyle/>
           <a:p>
+            <a:endParaRPr kumimoji="1" lang="en-US" altLang="ja-JP" sz="4800" dirty="0"/>
+          </a:p>
+          <a:p>
             <a:endParaRPr lang="en-US" altLang="ja-JP" sz="4800" dirty="0"/>
           </a:p>
           <a:p>
             <a:r>
-              <a:rPr lang="ja-JP" altLang="en-US" sz="4800" dirty="0"/>
-              <a:t>音素ファイル</a:t>
-            </a:r>
-            <a:endParaRPr lang="en-US" altLang="ja-JP" sz="4800" dirty="0"/>
-          </a:p>
-          <a:p>
-            <a:endParaRPr kumimoji="1" lang="ja-JP" altLang="en-US" sz="4800" dirty="0"/>
+              <a:rPr kumimoji="1" lang="ja-JP" altLang="en-US" sz="4800" dirty="0"/>
+              <a:t>語彙ファイル　</a:t>
+            </a:r>
+            <a:endParaRPr kumimoji="1" lang="en-US" altLang="ja-JP" sz="4800" dirty="0"/>
           </a:p>
         </p:txBody>
       </p:sp>
@@ -22930,415 +22606,6 @@
       </p:sp>
       <p:sp>
         <p:nvSpPr>
-          <p:cNvPr id="6" name="テキスト ボックス 5">
-            <a:extLst>
-              <a:ext uri="{FF2B5EF4-FFF2-40B4-BE49-F238E27FC236}">
-                <a16:creationId xmlns:a16="http://schemas.microsoft.com/office/drawing/2014/main" id="{32E34680-8AAC-40CE-9FBD-4954061649B4}"/>
-              </a:ext>
-            </a:extLst>
-          </p:cNvPr>
-          <p:cNvSpPr txBox="1"/>
-          <p:nvPr/>
-        </p:nvSpPr>
-        <p:spPr>
-          <a:xfrm>
-            <a:off x="5539407" y="1751617"/>
-            <a:ext cx="4439479" cy="3354765"/>
-          </a:xfrm>
-          <a:prstGeom prst="rect">
-            <a:avLst/>
-          </a:prstGeom>
-          <a:solidFill>
-            <a:schemeClr val="bg1"/>
-          </a:solidFill>
-          <a:ln>
-            <a:solidFill>
-              <a:schemeClr val="tx1"/>
-            </a:solidFill>
-          </a:ln>
-        </p:spPr>
-        <p:txBody>
-          <a:bodyPr wrap="square" rtlCol="0">
-            <a:spAutoFit/>
-          </a:bodyPr>
-          <a:lstStyle/>
-          <a:p>
-            <a:r>
-              <a:rPr lang="ja-JP" altLang="en-US" sz="3600" b="1" dirty="0"/>
-              <a:t>音素</a:t>
-            </a:r>
-            <a:r>
-              <a:rPr kumimoji="1" lang="ja-JP" altLang="en-US" sz="3600" b="1" dirty="0"/>
-              <a:t>ファイル</a:t>
-            </a:r>
-            <a:endParaRPr kumimoji="1" lang="en-US" altLang="ja-JP" sz="3600" b="1" dirty="0"/>
-          </a:p>
-          <a:p>
-            <a:endParaRPr lang="en-US" altLang="ja-JP" sz="3600" dirty="0"/>
-          </a:p>
-          <a:p>
-            <a:r>
-              <a:rPr kumimoji="1" lang="ja-JP" altLang="en-US" sz="3600" dirty="0"/>
-              <a:t>晴れ</a:t>
-            </a:r>
-            <a:r>
-              <a:rPr lang="en-US" altLang="ja-JP" sz="3600" dirty="0"/>
-              <a:t>	h a r e</a:t>
-            </a:r>
-          </a:p>
-          <a:p>
-            <a:r>
-              <a:rPr kumimoji="1" lang="ja-JP" altLang="en-US" sz="3600" dirty="0"/>
-              <a:t>雨</a:t>
-            </a:r>
-            <a:r>
-              <a:rPr kumimoji="1" lang="en-US" altLang="ja-JP" sz="3600" dirty="0"/>
-              <a:t>		</a:t>
-            </a:r>
-            <a:r>
-              <a:rPr lang="en-US" altLang="ja-JP" sz="3600" dirty="0"/>
-              <a:t>a m e</a:t>
-            </a:r>
-            <a:endParaRPr kumimoji="1" lang="en-US" altLang="ja-JP" sz="3600" dirty="0"/>
-          </a:p>
-          <a:p>
-            <a:r>
-              <a:rPr lang="ja-JP" altLang="en-US" sz="3600" dirty="0"/>
-              <a:t>曇り</a:t>
-            </a:r>
-            <a:r>
-              <a:rPr lang="en-US" altLang="ja-JP" sz="3600" dirty="0"/>
-              <a:t>	k u m o r </a:t>
-            </a:r>
-            <a:r>
-              <a:rPr lang="en-US" altLang="ja-JP" sz="3600" dirty="0" err="1"/>
-              <a:t>i</a:t>
-            </a:r>
-            <a:endParaRPr lang="en-US" altLang="ja-JP" sz="3600" dirty="0"/>
-          </a:p>
-          <a:p>
-            <a:endParaRPr kumimoji="1" lang="en-US" altLang="ja-JP" sz="3200" dirty="0"/>
-          </a:p>
-        </p:txBody>
-      </p:sp>
-      <p:sp>
-        <p:nvSpPr>
-          <p:cNvPr id="9" name="タイトル 1">
-            <a:extLst>
-              <a:ext uri="{FF2B5EF4-FFF2-40B4-BE49-F238E27FC236}">
-                <a16:creationId xmlns:a16="http://schemas.microsoft.com/office/drawing/2014/main" id="{F473B5A9-B9F3-4E84-AACD-33D569EB844A}"/>
-              </a:ext>
-            </a:extLst>
-          </p:cNvPr>
-          <p:cNvSpPr>
-            <a:spLocks noGrp="1"/>
-          </p:cNvSpPr>
-          <p:nvPr>
-            <p:ph type="title"/>
-          </p:nvPr>
-        </p:nvSpPr>
-        <p:spPr>
-          <a:xfrm>
-            <a:off x="838200" y="365125"/>
-            <a:ext cx="10515600" cy="1325563"/>
-          </a:xfrm>
-        </p:spPr>
-        <p:txBody>
-          <a:bodyPr/>
-          <a:lstStyle/>
-          <a:p>
-            <a:r>
-              <a:rPr kumimoji="1" lang="ja-JP" altLang="en-US" b="1" dirty="0">
-                <a:ln w="19050">
-                  <a:solidFill>
-                    <a:schemeClr val="accent6">
-                      <a:lumMod val="50000"/>
-                    </a:schemeClr>
-                  </a:solidFill>
-                </a:ln>
-                <a:solidFill>
-                  <a:schemeClr val="accent6">
-                    <a:lumMod val="60000"/>
-                    <a:lumOff val="40000"/>
-                  </a:schemeClr>
-                </a:solidFill>
-                <a:latin typeface="HGS明朝E" panose="02020900000000000000" pitchFamily="18" charset="-128"/>
-                <a:ea typeface="HGS明朝E" panose="02020900000000000000" pitchFamily="18" charset="-128"/>
-              </a:rPr>
-              <a:t>辞書</a:t>
-            </a:r>
-            <a:r>
-              <a:rPr lang="ja-JP" altLang="en-US" b="1" dirty="0">
-                <a:ln w="19050">
-                  <a:solidFill>
-                    <a:schemeClr val="accent6">
-                      <a:lumMod val="50000"/>
-                    </a:schemeClr>
-                  </a:solidFill>
-                </a:ln>
-                <a:solidFill>
-                  <a:schemeClr val="accent6">
-                    <a:lumMod val="60000"/>
-                    <a:lumOff val="40000"/>
-                  </a:schemeClr>
-                </a:solidFill>
-                <a:latin typeface="HGS明朝E" panose="02020900000000000000" pitchFamily="18" charset="-128"/>
-                <a:ea typeface="HGS明朝E" panose="02020900000000000000" pitchFamily="18" charset="-128"/>
-              </a:rPr>
-              <a:t>ファイル</a:t>
-            </a:r>
-            <a:endParaRPr kumimoji="1" lang="ja-JP" altLang="en-US" b="1" dirty="0">
-              <a:ln w="19050">
-                <a:solidFill>
-                  <a:schemeClr val="accent6">
-                    <a:lumMod val="50000"/>
-                  </a:schemeClr>
-                </a:solidFill>
-              </a:ln>
-              <a:solidFill>
-                <a:schemeClr val="accent6">
-                  <a:lumMod val="60000"/>
-                  <a:lumOff val="40000"/>
-                </a:schemeClr>
-              </a:solidFill>
-              <a:latin typeface="HGS明朝E" panose="02020900000000000000" pitchFamily="18" charset="-128"/>
-              <a:ea typeface="HGS明朝E" panose="02020900000000000000" pitchFamily="18" charset="-128"/>
-            </a:endParaRPr>
-          </a:p>
-        </p:txBody>
-      </p:sp>
-    </p:spTree>
-    <p:extLst>
-      <p:ext uri="{BB962C8B-B14F-4D97-AF65-F5344CB8AC3E}">
-        <p14:creationId xmlns:p14="http://schemas.microsoft.com/office/powerpoint/2010/main" val="912972448"/>
-      </p:ext>
-    </p:extLst>
-  </p:cSld>
-  <p:clrMapOvr>
-    <a:masterClrMapping/>
-  </p:clrMapOvr>
-  <mc:AlternateContent xmlns:mc="http://schemas.openxmlformats.org/markup-compatibility/2006" xmlns:p14="http://schemas.microsoft.com/office/powerpoint/2010/main">
-    <mc:Choice Requires="p14">
-      <p:transition spd="med" p14:dur="700">
-        <p:fade/>
-      </p:transition>
-    </mc:Choice>
-    <mc:Fallback xmlns="">
-      <p:transition spd="med">
-        <p:fade/>
-      </p:transition>
-    </mc:Fallback>
-  </mc:AlternateContent>
-</p:sld>
-</file>
-
-<file path=ppt/slides/slide37.xml><?xml version="1.0" encoding="utf-8"?>
-<p:sld xmlns:a="http://schemas.openxmlformats.org/drawingml/2006/main" xmlns:r="http://schemas.openxmlformats.org/officeDocument/2006/relationships" xmlns:p="http://schemas.openxmlformats.org/presentationml/2006/main">
-  <p:cSld>
-    <p:spTree>
-      <p:nvGrpSpPr>
-        <p:cNvPr id="1" name=""/>
-        <p:cNvGrpSpPr/>
-        <p:nvPr/>
-      </p:nvGrpSpPr>
-      <p:grpSpPr>
-        <a:xfrm>
-          <a:off x="0" y="0"/>
-          <a:ext cx="0" cy="0"/>
-          <a:chOff x="0" y="0"/>
-          <a:chExt cx="0" cy="0"/>
-        </a:xfrm>
-      </p:grpSpPr>
-      <p:sp>
-        <p:nvSpPr>
-          <p:cNvPr id="3" name="コンテンツ プレースホルダー 2">
-            <a:extLst>
-              <a:ext uri="{FF2B5EF4-FFF2-40B4-BE49-F238E27FC236}">
-                <a16:creationId xmlns:a16="http://schemas.microsoft.com/office/drawing/2014/main" id="{359BA7E9-5FB0-436F-941D-2F003078FAD5}"/>
-              </a:ext>
-            </a:extLst>
-          </p:cNvPr>
-          <p:cNvSpPr>
-            <a:spLocks noGrp="1"/>
-          </p:cNvSpPr>
-          <p:nvPr>
-            <p:ph idx="1"/>
-          </p:nvPr>
-        </p:nvSpPr>
-        <p:spPr/>
-        <p:txBody>
-          <a:bodyPr>
-            <a:normAutofit/>
-          </a:bodyPr>
-          <a:lstStyle/>
-          <a:p>
-            <a:endParaRPr kumimoji="1" lang="en-US" altLang="ja-JP" sz="4800" dirty="0"/>
-          </a:p>
-          <a:p>
-            <a:endParaRPr lang="en-US" altLang="ja-JP" sz="4800" dirty="0"/>
-          </a:p>
-          <a:p>
-            <a:r>
-              <a:rPr kumimoji="1" lang="ja-JP" altLang="en-US" sz="4800" dirty="0"/>
-              <a:t>語彙ファイル　</a:t>
-            </a:r>
-            <a:endParaRPr kumimoji="1" lang="en-US" altLang="ja-JP" sz="4800" dirty="0"/>
-          </a:p>
-        </p:txBody>
-      </p:sp>
-      <p:sp>
-        <p:nvSpPr>
-          <p:cNvPr id="5" name="正方形/長方形 4">
-            <a:extLst>
-              <a:ext uri="{FF2B5EF4-FFF2-40B4-BE49-F238E27FC236}">
-                <a16:creationId xmlns:a16="http://schemas.microsoft.com/office/drawing/2014/main" id="{0853C9A5-A8A3-4AEE-B695-9634976812D0}"/>
-              </a:ext>
-            </a:extLst>
-          </p:cNvPr>
-          <p:cNvSpPr/>
-          <p:nvPr/>
-        </p:nvSpPr>
-        <p:spPr>
-          <a:xfrm>
-            <a:off x="9508067" y="0"/>
-            <a:ext cx="2683933" cy="1593908"/>
-          </a:xfrm>
-          <a:prstGeom prst="rect">
-            <a:avLst/>
-          </a:prstGeom>
-          <a:solidFill>
-            <a:schemeClr val="accent6">
-              <a:lumMod val="60000"/>
-              <a:lumOff val="40000"/>
-            </a:schemeClr>
-          </a:solidFill>
-          <a:ln>
-            <a:solidFill>
-              <a:schemeClr val="tx1"/>
-            </a:solidFill>
-          </a:ln>
-        </p:spPr>
-        <p:style>
-          <a:lnRef idx="2">
-            <a:schemeClr val="accent1">
-              <a:shade val="50000"/>
-            </a:schemeClr>
-          </a:lnRef>
-          <a:fillRef idx="1">
-            <a:schemeClr val="accent1"/>
-          </a:fillRef>
-          <a:effectRef idx="0">
-            <a:schemeClr val="accent1"/>
-          </a:effectRef>
-          <a:fontRef idx="minor">
-            <a:schemeClr val="lt1"/>
-          </a:fontRef>
-        </p:style>
-        <p:txBody>
-          <a:bodyPr rtlCol="0" anchor="ctr"/>
-          <a:lstStyle/>
-          <a:p>
-            <a:pPr algn="ctr"/>
-            <a:endParaRPr kumimoji="1" lang="ja-JP" altLang="en-US"/>
-          </a:p>
-        </p:txBody>
-      </p:sp>
-      <p:sp>
-        <p:nvSpPr>
-          <p:cNvPr id="4" name="テキスト ボックス 3">
-            <a:extLst>
-              <a:ext uri="{FF2B5EF4-FFF2-40B4-BE49-F238E27FC236}">
-                <a16:creationId xmlns:a16="http://schemas.microsoft.com/office/drawing/2014/main" id="{9EC58DA9-FEC0-461C-9B95-50DFB746EF3F}"/>
-              </a:ext>
-            </a:extLst>
-          </p:cNvPr>
-          <p:cNvSpPr txBox="1"/>
-          <p:nvPr/>
-        </p:nvSpPr>
-        <p:spPr>
-          <a:xfrm>
-            <a:off x="5539408" y="1751617"/>
-            <a:ext cx="4439479" cy="3354765"/>
-          </a:xfrm>
-          <a:prstGeom prst="rect">
-            <a:avLst/>
-          </a:prstGeom>
-          <a:solidFill>
-            <a:schemeClr val="bg1"/>
-          </a:solidFill>
-          <a:ln>
-            <a:solidFill>
-              <a:schemeClr val="tx1"/>
-            </a:solidFill>
-          </a:ln>
-        </p:spPr>
-        <p:txBody>
-          <a:bodyPr wrap="square" rtlCol="0">
-            <a:spAutoFit/>
-          </a:bodyPr>
-          <a:lstStyle/>
-          <a:p>
-            <a:r>
-              <a:rPr kumimoji="1" lang="ja-JP" altLang="en-US" sz="3600" b="1" dirty="0"/>
-              <a:t>読みファイル</a:t>
-            </a:r>
-            <a:endParaRPr kumimoji="1" lang="en-US" altLang="ja-JP" sz="3600" b="1" dirty="0"/>
-          </a:p>
-          <a:p>
-            <a:endParaRPr lang="en-US" altLang="ja-JP" sz="3600" dirty="0"/>
-          </a:p>
-          <a:p>
-            <a:r>
-              <a:rPr kumimoji="1" lang="ja-JP" altLang="en-US" sz="3600" dirty="0"/>
-              <a:t>晴れ</a:t>
-            </a:r>
-            <a:r>
-              <a:rPr lang="en-US" altLang="ja-JP" sz="3600" dirty="0"/>
-              <a:t>	</a:t>
-            </a:r>
-            <a:r>
-              <a:rPr lang="ja-JP" altLang="en-US" sz="3600" dirty="0"/>
-              <a:t>はれ</a:t>
-            </a:r>
-            <a:endParaRPr lang="en-US" altLang="ja-JP" sz="3600" dirty="0"/>
-          </a:p>
-          <a:p>
-            <a:r>
-              <a:rPr kumimoji="1" lang="ja-JP" altLang="en-US" sz="3600" dirty="0"/>
-              <a:t>雨</a:t>
-            </a:r>
-            <a:r>
-              <a:rPr kumimoji="1" lang="en-US" altLang="ja-JP" sz="3600" dirty="0"/>
-              <a:t>		</a:t>
-            </a:r>
-            <a:r>
-              <a:rPr kumimoji="1" lang="ja-JP" altLang="en-US" sz="3600" dirty="0"/>
-              <a:t>あめ</a:t>
-            </a:r>
-            <a:endParaRPr kumimoji="1" lang="en-US" altLang="ja-JP" sz="3600" dirty="0"/>
-          </a:p>
-          <a:p>
-            <a:r>
-              <a:rPr lang="ja-JP" altLang="en-US" sz="3600" dirty="0"/>
-              <a:t>曇り</a:t>
-            </a:r>
-            <a:r>
-              <a:rPr lang="en-US" altLang="ja-JP" sz="3600" dirty="0"/>
-              <a:t>	</a:t>
-            </a:r>
-            <a:r>
-              <a:rPr lang="ja-JP" altLang="en-US" sz="3600" dirty="0"/>
-              <a:t>くもり</a:t>
-            </a:r>
-            <a:endParaRPr lang="en-US" altLang="ja-JP" sz="3600" dirty="0"/>
-          </a:p>
-          <a:p>
-            <a:endParaRPr kumimoji="1" lang="en-US" altLang="ja-JP" sz="3200" dirty="0"/>
-          </a:p>
-        </p:txBody>
-      </p:sp>
-      <p:sp>
-        <p:nvSpPr>
           <p:cNvPr id="7" name="テキスト ボックス 6">
             <a:extLst>
               <a:ext uri="{FF2B5EF4-FFF2-40B4-BE49-F238E27FC236}">
@@ -23540,7 +22807,7 @@
 </p:sld>
 </file>
 
-<file path=ppt/slides/slide38.xml><?xml version="1.0" encoding="utf-8"?>
+<file path=ppt/slides/slide37.xml><?xml version="1.0" encoding="utf-8"?>
 <p:sld xmlns:a="http://schemas.openxmlformats.org/drawingml/2006/main" xmlns:r="http://schemas.openxmlformats.org/officeDocument/2006/relationships" xmlns:p="http://schemas.openxmlformats.org/presentationml/2006/main">
   <p:cSld>
     <p:spTree>
@@ -26966,6 +26233,11 @@
             </a:r>
             <a:r>
               <a:rPr lang="ja-JP" altLang="en-US" sz="4800" b="1" dirty="0">
+                <a:ln>
+                  <a:solidFill>
+                    <a:sysClr val="windowText" lastClr="000000"/>
+                  </a:solidFill>
+                </a:ln>
                 <a:solidFill>
                   <a:srgbClr val="FF0000"/>
                 </a:solidFill>
@@ -26974,6 +26246,11 @@
             </a:r>
             <a:r>
               <a:rPr lang="en-US" altLang="ja-JP" sz="4800" b="1" dirty="0">
+                <a:ln>
+                  <a:solidFill>
+                    <a:sysClr val="windowText" lastClr="000000"/>
+                  </a:solidFill>
+                </a:ln>
                 <a:solidFill>
                   <a:srgbClr val="FF0000"/>
                 </a:solidFill>
@@ -26982,6 +26259,11 @@
             </a:r>
             <a:r>
               <a:rPr lang="ja-JP" altLang="en-US" sz="4800" b="1" dirty="0">
+                <a:ln>
+                  <a:solidFill>
+                    <a:sysClr val="windowText" lastClr="000000"/>
+                  </a:solidFill>
+                </a:ln>
                 <a:solidFill>
                   <a:srgbClr val="FF0000"/>
                 </a:solidFill>
@@ -26990,6 +26272,11 @@
             </a:r>
             <a:r>
               <a:rPr lang="en-US" altLang="ja-JP" sz="4800" b="1" dirty="0">
+                <a:ln>
+                  <a:solidFill>
+                    <a:sysClr val="windowText" lastClr="000000"/>
+                  </a:solidFill>
+                </a:ln>
                 <a:solidFill>
                   <a:srgbClr val="FF0000"/>
                 </a:solidFill>
@@ -27016,6 +26303,11 @@
             </a:r>
             <a:r>
               <a:rPr lang="ja-JP" altLang="en-US" sz="4800" b="1" dirty="0">
+                <a:ln>
+                  <a:solidFill>
+                    <a:sysClr val="windowText" lastClr="000000"/>
+                  </a:solidFill>
+                </a:ln>
                 <a:solidFill>
                   <a:srgbClr val="FF0000"/>
                 </a:solidFill>
@@ -27716,7 +27008,7 @@
             <a:p>
               <a:pPr algn="ctr"/>
               <a:r>
-                <a:rPr lang="en-US" altLang="ja-JP" sz="4400" b="1" dirty="0" err="1">
+                <a:rPr lang="en-US" altLang="ja-JP" sz="4400" b="1" dirty="0">
                   <a:solidFill>
                     <a:schemeClr val="tx1"/>
                   </a:solidFill>
@@ -28471,7 +27763,7 @@
           <a:p>
             <a:pPr algn="ctr"/>
             <a:r>
-              <a:rPr kumimoji="1" lang="en-US" altLang="ja-JP" sz="3200" b="1" dirty="0" err="1">
+              <a:rPr kumimoji="1" lang="en-US" altLang="ja-JP" sz="3200" b="1" dirty="0">
                 <a:solidFill>
                   <a:schemeClr val="accent6">
                     <a:lumMod val="50000"/>

--- a/presentation/AIスピーカー開発_3_main.pptx
+++ b/presentation/AIスピーカー開発_3_main.pptx
@@ -3217,7 +3217,7 @@
           <a:p>
             <a:r>
               <a:rPr kumimoji="1" lang="ja-JP" altLang="en-US" dirty="0"/>
-              <a:t>次に、先程登場した、辞書ファイルについて説明します。</a:t>
+              <a:t>次に先程登場した、音素ファイルを含む、辞書ファイルについて説明します。</a:t>
             </a:r>
             <a:endParaRPr kumimoji="1" lang="en-US" altLang="ja-JP" dirty="0"/>
           </a:p>
@@ -3232,14 +3232,7 @@
             </a:r>
             <a:r>
               <a:rPr kumimoji="1" lang="ja-JP" altLang="en-US" dirty="0"/>
-              <a:t>に認識させたい任意の単語を記述することで、その認識精度を上げるためのもので、</a:t>
-            </a:r>
-            <a:endParaRPr kumimoji="1" lang="en-US" altLang="ja-JP" dirty="0"/>
-          </a:p>
-          <a:p>
-            <a:r>
-              <a:rPr kumimoji="1" lang="ja-JP" altLang="en-US" dirty="0"/>
-              <a:t>これの作り込みによって音声認識の精度が大きく変わってきます。</a:t>
+              <a:t>に認識させたい任意の単語を記述することで、その認識精度を上げるためのものです。</a:t>
             </a:r>
             <a:endParaRPr kumimoji="1" lang="en-US" altLang="ja-JP" dirty="0"/>
           </a:p>
@@ -3253,12 +3246,8 @@
               <a:t>4</a:t>
             </a:r>
             <a:r>
-              <a:rPr kumimoji="1" lang="ja-JP" altLang="en-US" dirty="0" err="1"/>
-              <a:t>つの</a:t>
-            </a:r>
-            <a:r>
               <a:rPr kumimoji="1" lang="ja-JP" altLang="en-US" dirty="0"/>
-              <a:t>ファイルがあります。</a:t>
+              <a:t>種類があります。</a:t>
             </a:r>
             <a:endParaRPr kumimoji="1" lang="en-US" altLang="ja-JP" dirty="0"/>
           </a:p>
@@ -3268,9 +3257,6 @@
               <a:t>これはファイルの作成順に並べたもので、読みファイルから順に説明していきます。</a:t>
             </a:r>
             <a:endParaRPr kumimoji="1" lang="en-US" altLang="ja-JP" dirty="0"/>
-          </a:p>
-          <a:p>
-            <a:endParaRPr kumimoji="1" lang="ja-JP" altLang="en-US" dirty="0"/>
           </a:p>
         </p:txBody>
       </p:sp>
@@ -3563,14 +3549,7 @@
           <a:p>
             <a:r>
               <a:rPr kumimoji="1" lang="ja-JP" altLang="en-US" dirty="0"/>
-              <a:t>構文ファイルの説明の前に、もう少し単語を増やしておきましょう。★</a:t>
-            </a:r>
-            <a:endParaRPr kumimoji="1" lang="en-US" altLang="ja-JP" dirty="0"/>
-          </a:p>
-          <a:p>
-            <a:r>
-              <a:rPr kumimoji="1" lang="ja-JP" altLang="en-US" dirty="0"/>
-              <a:t>“今日”と“は”を追加し、それぞれにラベル付けをしました。</a:t>
+              <a:t>構文ファイルの説明の前に、★“今日”と“は”を追加し、それぞれにラベル付けをします。</a:t>
             </a:r>
             <a:endParaRPr kumimoji="1" lang="en-US" altLang="ja-JP" dirty="0"/>
           </a:p>
@@ -3664,21 +3643,14 @@
           <a:p>
             <a:r>
               <a:rPr kumimoji="1" lang="ja-JP" altLang="en-US" dirty="0"/>
-              <a:t>構文ファイルでは、認識させたい文章パターンを記述します。</a:t>
+              <a:t>構文ファイルでは、語彙ファイルで記述したラベル名を組み合わせて構文を作成します。</a:t>
             </a:r>
             <a:endParaRPr kumimoji="1" lang="en-US" altLang="ja-JP" dirty="0"/>
           </a:p>
           <a:p>
             <a:r>
               <a:rPr kumimoji="1" lang="ja-JP" altLang="en-US" dirty="0"/>
-              <a:t>語彙ファイルで記述したラベル名を組み合わせて構文を作成するので、このようになります。</a:t>
-            </a:r>
-            <a:endParaRPr kumimoji="1" lang="en-US" altLang="ja-JP" dirty="0"/>
-          </a:p>
-          <a:p>
-            <a:r>
-              <a:rPr kumimoji="1" lang="ja-JP" altLang="en-US" dirty="0"/>
-              <a:t>これでそれぞれのラベルに含まれた単語が連なった文章として扱われるため、</a:t>
+              <a:t>それぞれのラベルに含まれた単語を組み合わせた文章として扱われるため、</a:t>
             </a:r>
             <a:endParaRPr kumimoji="1" lang="en-US" altLang="ja-JP" dirty="0"/>
           </a:p>
@@ -3710,12 +3682,12 @@
               <a:t>実際に</a:t>
             </a:r>
             <a:r>
-              <a:rPr kumimoji="1" lang="en-US" altLang="ja-JP" dirty="0"/>
+              <a:rPr kumimoji="1" lang="en-US" altLang="ja-JP" dirty="0" err="1"/>
               <a:t>YoSiE</a:t>
             </a:r>
             <a:r>
               <a:rPr kumimoji="1" lang="ja-JP" altLang="en-US" dirty="0"/>
-              <a:t>に使っている辞書ファイルを、クラスルームに挙げておくので、興味のある方はご確認ください。</a:t>
+              <a:t>で使っている辞書ファイルを、クラスルームに挙げておくので、興味のある方はご確認ください。</a:t>
             </a:r>
           </a:p>
         </p:txBody>
@@ -4115,34 +4087,7 @@
             </a:pPr>
             <a:r>
               <a:rPr lang="ja-JP" altLang="en-US" dirty="0"/>
-              <a:t>テキスト分類とは、機械学習を用いてテキストがどのクラスに属するか分類することです。</a:t>
-            </a:r>
-            <a:r>
-              <a:rPr lang="en-US" altLang="ja-JP" dirty="0"/>
-              <a:t>※</a:t>
-            </a:r>
-          </a:p>
-          <a:p>
-            <a:pPr marL="0" marR="0" lvl="0" indent="0" algn="l" defTabSz="914400" rtl="0" eaLnBrk="1" fontAlgn="auto" latinLnBrk="0" hangingPunct="1">
-              <a:lnSpc>
-                <a:spcPct val="100000"/>
-              </a:lnSpc>
-              <a:spcBef>
-                <a:spcPts val="0"/>
-              </a:spcBef>
-              <a:spcAft>
-                <a:spcPts val="0"/>
-              </a:spcAft>
-              <a:buClrTx/>
-              <a:buSzTx/>
-              <a:buFontTx/>
-              <a:buNone/>
-              <a:tabLst/>
-              <a:defRPr/>
-            </a:pPr>
-            <a:r>
-              <a:rPr lang="ja-JP" altLang="en-US" dirty="0"/>
-              <a:t>流れとしては、まずテキストを入力して、そのテキストがどのクラスに分類されるかの確率を計算し、最も確率の高いクラスを結果として返してくれます。</a:t>
+              <a:t>テキスト分類とは、機械学習を用いて入力されたテキストがどのクラスに分類されるか、確率を計算し、予測することです。</a:t>
             </a:r>
             <a:endParaRPr lang="en-US" altLang="ja-JP" dirty="0"/>
           </a:p>
@@ -4222,7 +4167,7 @@
             </a:pPr>
             <a:r>
               <a:rPr kumimoji="1" lang="ja-JP" altLang="en-US" dirty="0"/>
-              <a:t>確率を計算した結果、★このような結果になり、最も確率の高い天気クラスが予測結果として出力されます。</a:t>
+              <a:t>確率を計算して★このようになった場合、★最も確率の高い天気クラスが予測結果として出力される、といった仕組みです。</a:t>
             </a:r>
             <a:endParaRPr kumimoji="1" lang="en-US" altLang="ja-JP" dirty="0"/>
           </a:p>
@@ -4244,26 +4189,6 @@
               <a:tabLst/>
               <a:defRPr/>
             </a:pPr>
-            <a:endParaRPr kumimoji="1" lang="en-US" altLang="ja-JP" dirty="0"/>
-          </a:p>
-          <a:p>
-            <a:pPr marL="0" marR="0" lvl="0" indent="0" algn="l" defTabSz="914400" rtl="0" eaLnBrk="1" fontAlgn="auto" latinLnBrk="0" hangingPunct="1">
-              <a:lnSpc>
-                <a:spcPct val="100000"/>
-              </a:lnSpc>
-              <a:spcBef>
-                <a:spcPts val="0"/>
-              </a:spcBef>
-              <a:spcAft>
-                <a:spcPts val="0"/>
-              </a:spcAft>
-              <a:buClrTx/>
-              <a:buSzTx/>
-              <a:buFontTx/>
-              <a:buNone/>
-              <a:tabLst/>
-              <a:defRPr/>
-            </a:pPr>
             <a:r>
               <a:rPr lang="ja-JP" altLang="en-US" dirty="0"/>
               <a:t>これを、</a:t>
@@ -4277,29 +4202,6 @@
               <a:t>を利用して行います。</a:t>
             </a:r>
             <a:endParaRPr lang="en-US" altLang="ja-JP" dirty="0"/>
-          </a:p>
-          <a:p>
-            <a:pPr marL="0" marR="0" lvl="0" indent="0" algn="l" defTabSz="914400" rtl="0" eaLnBrk="1" fontAlgn="auto" latinLnBrk="0" hangingPunct="1">
-              <a:lnSpc>
-                <a:spcPct val="100000"/>
-              </a:lnSpc>
-              <a:spcBef>
-                <a:spcPts val="0"/>
-              </a:spcBef>
-              <a:spcAft>
-                <a:spcPts val="0"/>
-              </a:spcAft>
-              <a:buClrTx/>
-              <a:buSzTx/>
-              <a:buFontTx/>
-              <a:buNone/>
-              <a:tabLst/>
-              <a:defRPr/>
-            </a:pPr>
-            <a:endParaRPr kumimoji="1" lang="ja-JP" altLang="en-US" dirty="0"/>
-          </a:p>
-          <a:p>
-            <a:endParaRPr kumimoji="1" lang="ja-JP" altLang="en-US" dirty="0"/>
           </a:p>
         </p:txBody>
       </p:sp>
@@ -4394,30 +4296,57 @@
             <a:endParaRPr kumimoji="1" lang="en-US" altLang="ja-JP" dirty="0"/>
           </a:p>
           <a:p>
+            <a:pPr marL="0" marR="0" lvl="0" indent="0" algn="l" defTabSz="914400" rtl="0" eaLnBrk="1" fontAlgn="auto" latinLnBrk="0" hangingPunct="1">
+              <a:lnSpc>
+                <a:spcPct val="100000"/>
+              </a:lnSpc>
+              <a:spcBef>
+                <a:spcPts val="0"/>
+              </a:spcBef>
+              <a:spcAft>
+                <a:spcPts val="0"/>
+              </a:spcAft>
+              <a:buClrTx/>
+              <a:buSzTx/>
+              <a:buFontTx/>
+              <a:buNone/>
+              <a:tabLst/>
+              <a:defRPr/>
+            </a:pPr>
             <a:r>
               <a:rPr kumimoji="1" lang="ja-JP" altLang="en-US" dirty="0"/>
-              <a:t>いろいろなトレーニングデータの作成方法を模索していく中で、最も予測の精度が良かったのが、この作成方法です。</a:t>
+              <a:t>これは試しに都道府県を地方ごとに分けてテキスト分類を試したものです。</a:t>
             </a:r>
             <a:endParaRPr kumimoji="1" lang="en-US" altLang="ja-JP" dirty="0"/>
           </a:p>
           <a:p>
+            <a:pPr marL="0" marR="0" lvl="0" indent="0" algn="l" defTabSz="914400" rtl="0" eaLnBrk="1" fontAlgn="auto" latinLnBrk="0" hangingPunct="1">
+              <a:lnSpc>
+                <a:spcPct val="100000"/>
+              </a:lnSpc>
+              <a:spcBef>
+                <a:spcPts val="0"/>
+              </a:spcBef>
+              <a:spcAft>
+                <a:spcPts val="0"/>
+              </a:spcAft>
+              <a:buClrTx/>
+              <a:buSzTx/>
+              <a:buFontTx/>
+              <a:buNone/>
+              <a:tabLst/>
+              <a:defRPr/>
+            </a:pPr>
             <a:r>
               <a:rPr kumimoji="1" lang="ja-JP" altLang="en-US" dirty="0"/>
-              <a:t>これは、都道府県を地方ごとにクラス分けしたトレーニングデータで、</a:t>
+              <a:t>いろいろなトレーニングデータの作成方法を模索していく中で、最も予測の精度が良かったのが、この作成方法でした。</a:t>
             </a:r>
             <a:endParaRPr kumimoji="1" lang="en-US" altLang="ja-JP" dirty="0"/>
           </a:p>
           <a:p>
             <a:r>
               <a:rPr kumimoji="1" lang="ja-JP" altLang="en-US" dirty="0"/>
-              <a:t>これを学習させて、都道府県を入力して予測した結果、正しいクラスに分けてくれました。</a:t>
-            </a:r>
-            <a:endParaRPr kumimoji="1" lang="en-US" altLang="ja-JP" dirty="0"/>
-          </a:p>
-          <a:p>
-            <a:r>
-              <a:rPr kumimoji="1" lang="ja-JP" altLang="en-US" dirty="0"/>
-              <a:t>各クラスごとに、関連する単語をまとめて</a:t>
+              <a:t>このように、各クラスごとに、関連する単語をまとめて</a:t>
             </a:r>
             <a:r>
               <a:rPr kumimoji="1" lang="en-US" altLang="ja-JP" dirty="0"/>
@@ -4425,7 +4354,7 @@
             </a:r>
             <a:r>
               <a:rPr kumimoji="1" lang="ja-JP" altLang="en-US" dirty="0"/>
-              <a:t>行で記述するこの作成方法を、私たちは都道府県スタイルと呼んでいます。</a:t>
+              <a:t>行で記述する作成方法を、私たちは都道府県スタイルと呼んでいます。</a:t>
             </a:r>
             <a:endParaRPr kumimoji="1" lang="en-US" altLang="ja-JP" dirty="0"/>
           </a:p>
@@ -4516,7 +4445,7 @@
           <a:p>
             <a:r>
               <a:rPr kumimoji="1" lang="ja-JP" altLang="en-US" dirty="0"/>
-              <a:t>そしてその都道府県スタイルをもとに作り上げたのがこのトレーニングデータです。</a:t>
+              <a:t>そしてその都道府県スタイルをもとに作り上げたのが、このトレーニングデータです。</a:t>
             </a:r>
             <a:endParaRPr kumimoji="1" lang="en-US" altLang="ja-JP" dirty="0"/>
           </a:p>
@@ -4535,30 +4464,14 @@
             </a:r>
             <a:r>
               <a:rPr kumimoji="1" lang="ja-JP" altLang="en-US" dirty="0"/>
-              <a:t>クラスをラベル</a:t>
-            </a:r>
-            <a:r>
-              <a:rPr kumimoji="1" lang="en-US" altLang="ja-JP" dirty="0"/>
-              <a:t>0</a:t>
-            </a:r>
+              <a:t>クラスに、</a:t>
+            </a:r>
+            <a:endParaRPr kumimoji="1" lang="en-US" altLang="ja-JP" dirty="0"/>
+          </a:p>
+          <a:p>
             <a:r>
               <a:rPr kumimoji="1" lang="ja-JP" altLang="en-US" dirty="0"/>
-              <a:t>～</a:t>
-            </a:r>
-            <a:r>
-              <a:rPr kumimoji="1" lang="en-US" altLang="ja-JP" dirty="0"/>
-              <a:t>3</a:t>
-            </a:r>
-            <a:r>
-              <a:rPr kumimoji="1" lang="ja-JP" altLang="en-US" dirty="0"/>
-              <a:t>とし、</a:t>
-            </a:r>
-            <a:endParaRPr kumimoji="1" lang="en-US" altLang="ja-JP" dirty="0"/>
-          </a:p>
-          <a:p>
-            <a:r>
-              <a:rPr kumimoji="1" lang="ja-JP" altLang="en-US" dirty="0"/>
-              <a:t>それぞれに関連する単語をまとめて</a:t>
+              <a:t>それぞれ辞書ファイルに登録されたクラスに関連する単語を、まとめて</a:t>
             </a:r>
             <a:r>
               <a:rPr kumimoji="1" lang="en-US" altLang="ja-JP" dirty="0"/>
@@ -4573,18 +4486,22 @@
           <a:p>
             <a:r>
               <a:rPr kumimoji="1" lang="ja-JP" altLang="en-US" dirty="0"/>
-              <a:t>しかし、このままでは予測の精度が低く、試行錯誤した結果、★データの多い順にラベルを並べ替えると、精度が上がることが分かりました。</a:t>
+              <a:t>しかし、このままでは星座占いに関する予測の精度が以上に低く、原因を探りました。</a:t>
             </a:r>
             <a:endParaRPr kumimoji="1" lang="en-US" altLang="ja-JP" dirty="0"/>
           </a:p>
           <a:p>
             <a:r>
               <a:rPr kumimoji="1" lang="ja-JP" altLang="en-US" dirty="0"/>
-              <a:t>また、このトレーニングデータを利用してテキスト分類するには、文章より、単語を渡した方が効果的ということも分かりました。</a:t>
+              <a:t>その結果、★データの多い順にラベルを並べ替えると、精度が高くなることが分かりました。</a:t>
             </a:r>
             <a:endParaRPr kumimoji="1" lang="en-US" altLang="ja-JP" dirty="0"/>
           </a:p>
           <a:p>
+            <a:r>
+              <a:rPr kumimoji="1" lang="ja-JP" altLang="en-US" dirty="0"/>
+              <a:t>また、このトレーニングデータを利用してテキスト分類するには、文章より、単語を渡した方が適しています。</a:t>
+            </a:r>
             <a:endParaRPr kumimoji="1" lang="en-US" altLang="ja-JP" dirty="0"/>
           </a:p>
         </p:txBody>
@@ -4761,7 +4678,7 @@
               <a:t>そこで、まず</a:t>
             </a:r>
             <a:r>
-              <a:rPr kumimoji="1" lang="en-US" altLang="ja-JP" dirty="0" err="1"/>
+              <a:rPr kumimoji="1" lang="en-US" altLang="ja-JP" dirty="0"/>
               <a:t>MeCab</a:t>
             </a:r>
             <a:r>
@@ -5073,6 +4990,10 @@
           </a:p>
           <a:p>
             <a:r>
+              <a:rPr kumimoji="1" lang="ja-JP" altLang="en-US" dirty="0"/>
+              <a:t>まず</a:t>
+            </a:r>
+            <a:r>
               <a:rPr kumimoji="1" lang="en-US" altLang="ja-JP" dirty="0"/>
               <a:t>fastText</a:t>
             </a:r>
@@ -5081,7 +5002,7 @@
               <a:t>と</a:t>
             </a:r>
             <a:r>
-              <a:rPr kumimoji="1" lang="en-US" altLang="ja-JP" dirty="0" err="1"/>
+              <a:rPr kumimoji="1" lang="en-US" altLang="ja-JP" dirty="0"/>
               <a:t>MeCab</a:t>
             </a:r>
             <a:r>
@@ -5104,7 +5025,7 @@
               <a:t>次に受け取った文章を</a:t>
             </a:r>
             <a:r>
-              <a:rPr kumimoji="1" lang="en-US" altLang="ja-JP" dirty="0" err="1"/>
+              <a:rPr kumimoji="1" lang="en-US" altLang="ja-JP" dirty="0"/>
               <a:t>MeCab</a:t>
             </a:r>
             <a:r>
@@ -5123,7 +5044,7 @@
           <a:p>
             <a:r>
               <a:rPr kumimoji="1" lang="ja-JP" altLang="en-US" dirty="0"/>
-              <a:t>その予測結果に応じて、音声出力を行うといった流れです。</a:t>
+              <a:t>そしてその予測結果に応じて、音声出力を行うといった流れです。</a:t>
             </a:r>
             <a:endParaRPr kumimoji="1" lang="en-US" altLang="ja-JP" dirty="0"/>
           </a:p>
@@ -5356,14 +5277,14 @@
           <a:p>
             <a:r>
               <a:rPr kumimoji="1" lang="ja-JP" altLang="en-US" dirty="0"/>
-              <a:t>以前は機能呼び出し時に毎回スクレイピングをしていましたが、スクレイピングには時間がかかるため、</a:t>
+              <a:t>以前は機能呼び出し時に毎回スクレイピングしていましたが、処理に時間がかかってしまうため、</a:t>
             </a:r>
             <a:endParaRPr kumimoji="1" lang="en-US" altLang="ja-JP" dirty="0"/>
           </a:p>
           <a:p>
             <a:r>
               <a:rPr kumimoji="1" lang="ja-JP" altLang="en-US" dirty="0"/>
-              <a:t>利便性を考慮して、★</a:t>
+              <a:t>★</a:t>
             </a:r>
             <a:r>
               <a:rPr kumimoji="1" lang="en-US" altLang="ja-JP" dirty="0"/>
@@ -5371,7 +5292,7 @@
             </a:r>
             <a:r>
               <a:rPr kumimoji="1" lang="ja-JP" altLang="en-US" dirty="0"/>
-              <a:t>を起動した際にまとめてスクレイピングすることで、機能利用時の待ち時間を削減しました。</a:t>
+              <a:t>を起動した際にまとめてスクレイピングすることで、機能呼び出し時の待ち時間を削減しました。</a:t>
             </a:r>
             <a:endParaRPr kumimoji="1" lang="en-US" altLang="ja-JP" dirty="0"/>
           </a:p>
@@ -5579,7 +5500,7 @@
               <a:t>最後の要素技術は</a:t>
             </a:r>
             <a:r>
-              <a:rPr kumimoji="1" lang="en-US" altLang="ja-JP" dirty="0" err="1"/>
+              <a:rPr kumimoji="1" lang="en-US" altLang="ja-JP" dirty="0"/>
               <a:t>OpenJtalk</a:t>
             </a:r>
             <a:r>
@@ -5607,26 +5528,50 @@
             <a:endParaRPr kumimoji="1" lang="en-US" altLang="ja-JP" dirty="0"/>
           </a:p>
           <a:p>
+            <a:pPr marL="0" marR="0" lvl="0" indent="0" algn="l" defTabSz="914400" rtl="0" eaLnBrk="1" fontAlgn="auto" latinLnBrk="0" hangingPunct="1">
+              <a:lnSpc>
+                <a:spcPct val="100000"/>
+              </a:lnSpc>
+              <a:spcBef>
+                <a:spcPts val="0"/>
+              </a:spcBef>
+              <a:spcAft>
+                <a:spcPts val="0"/>
+              </a:spcAft>
+              <a:buClrTx/>
+              <a:buSzTx/>
+              <a:buFontTx/>
+              <a:buNone/>
+              <a:tabLst/>
+              <a:defRPr/>
+            </a:pPr>
             <a:r>
               <a:rPr kumimoji="1" lang="ja-JP" altLang="en-US" dirty="0"/>
-              <a:t>これはテキストデータの内容から音声ファイルを作成するシェルスクリプトで、記述されている内容はこちらです。★</a:t>
+              <a:t>これはテキストデータの内容から音声ファイルを作成するシェルスクリプトで、記述されている内容は★こちらです。</a:t>
             </a:r>
             <a:endParaRPr kumimoji="1" lang="en-US" altLang="ja-JP" dirty="0"/>
           </a:p>
           <a:p>
-            <a:endParaRPr kumimoji="1" lang="en-US" altLang="ja-JP" dirty="0"/>
-          </a:p>
-          <a:p>
+            <a:pPr marL="0" marR="0" lvl="0" indent="0" algn="l" defTabSz="914400" rtl="0" eaLnBrk="1" fontAlgn="auto" latinLnBrk="0" hangingPunct="1">
+              <a:lnSpc>
+                <a:spcPct val="100000"/>
+              </a:lnSpc>
+              <a:spcBef>
+                <a:spcPts val="0"/>
+              </a:spcBef>
+              <a:spcAft>
+                <a:spcPts val="0"/>
+              </a:spcAft>
+              <a:buClrTx/>
+              <a:buSzTx/>
+              <a:buFontTx/>
+              <a:buNone/>
+              <a:tabLst/>
+              <a:defRPr/>
+            </a:pPr>
             <a:r>
               <a:rPr kumimoji="1" lang="ja-JP" altLang="en-US" dirty="0"/>
-              <a:t>以前までは機能を呼び出した際に、音声ファイルの作成から再生までを一括して行っていたのですが、音声ファイルの作成には時間がかかるため、</a:t>
-            </a:r>
-            <a:endParaRPr kumimoji="1" lang="en-US" altLang="ja-JP" dirty="0"/>
-          </a:p>
-          <a:p>
-            <a:r>
-              <a:rPr kumimoji="1" lang="ja-JP" altLang="en-US" dirty="0"/>
-              <a:t>現在では起動時、また定時にスクレイピングを実行した直後に、★各音声ファイルを作成して保存しています。</a:t>
+              <a:t>これを★起動時または定時のスクレイピング直後に実行して、あらかじめ各音声ファイルを作成して保存しています。</a:t>
             </a:r>
             <a:endParaRPr kumimoji="1" lang="en-US" altLang="ja-JP" dirty="0"/>
           </a:p>
@@ -5726,26 +5671,9 @@
             <a:endParaRPr kumimoji="1" lang="en-US" altLang="ja-JP" dirty="0"/>
           </a:p>
           <a:p>
-            <a:pPr marL="0" marR="0" lvl="0" indent="0" algn="l" defTabSz="914400" rtl="0" eaLnBrk="1" fontAlgn="auto" latinLnBrk="0" hangingPunct="1">
-              <a:lnSpc>
-                <a:spcPct val="100000"/>
-              </a:lnSpc>
-              <a:spcBef>
-                <a:spcPts val="0"/>
-              </a:spcBef>
-              <a:spcAft>
-                <a:spcPts val="0"/>
-              </a:spcAft>
-              <a:buClrTx/>
-              <a:buSzTx/>
-              <a:buFontTx/>
-              <a:buNone/>
-              <a:tabLst/>
-              <a:defRPr/>
-            </a:pPr>
             <a:r>
               <a:rPr kumimoji="1" lang="ja-JP" altLang="en-US" dirty="0"/>
-              <a:t>先程言った通り、音声ファイルの作成はスクレイピングと併せて実行するようにしたため、現在は機能が呼び出された際に音声ファイルを再生するだけで済むので、</a:t>
+              <a:t>以前は作成と再生を一括で行っていましたが、現在は機能が呼び出された際に音声ファイルを再生するだけで済むので、</a:t>
             </a:r>
             <a:endParaRPr kumimoji="1" lang="en-US" altLang="ja-JP" dirty="0"/>
           </a:p>
@@ -6433,24 +6361,12 @@
               <a:t>さて、それでは</a:t>
             </a:r>
             <a:r>
-              <a:rPr kumimoji="1" lang="en-US" altLang="ja-JP" dirty="0"/>
+              <a:rPr kumimoji="1" lang="en-US" altLang="ja-JP" dirty="0" err="1"/>
               <a:t>YoSiE</a:t>
             </a:r>
             <a:r>
               <a:rPr kumimoji="1" lang="ja-JP" altLang="en-US" dirty="0"/>
-              <a:t>に</a:t>
-            </a:r>
-            <a:r>
-              <a:rPr kumimoji="1" lang="en-US" altLang="ja-JP" dirty="0"/>
-              <a:t>4</a:t>
-            </a:r>
-            <a:r>
-              <a:rPr kumimoji="1" lang="ja-JP" altLang="en-US" dirty="0" err="1"/>
-              <a:t>つの</a:t>
-            </a:r>
-            <a:r>
-              <a:rPr kumimoji="1" lang="ja-JP" altLang="en-US" dirty="0"/>
-              <a:t>機能を実行してもらいましょう。</a:t>
+              <a:t>に機能を実行してもらいましょう。</a:t>
             </a:r>
             <a:endParaRPr kumimoji="1" lang="en-US" altLang="ja-JP" dirty="0"/>
           </a:p>
@@ -6473,29 +6389,7 @@
             </a:r>
             <a:r>
               <a:rPr kumimoji="1" lang="en-US" altLang="ja-JP" dirty="0"/>
-              <a:t>)(</a:t>
-            </a:r>
-            <a:r>
-              <a:rPr kumimoji="1" lang="ja-JP" altLang="en-US" dirty="0"/>
-              <a:t>ここまで</a:t>
-            </a:r>
-            <a:r>
-              <a:rPr kumimoji="1" lang="en-US" altLang="ja-JP" dirty="0"/>
-              <a:t>11</a:t>
-            </a:r>
-            <a:r>
-              <a:rPr kumimoji="1" lang="ja-JP" altLang="en-US" dirty="0"/>
-              <a:t>分</a:t>
-            </a:r>
-            <a:r>
-              <a:rPr kumimoji="1" lang="en-US" altLang="ja-JP" dirty="0"/>
-              <a:t>)</a:t>
-            </a:r>
-          </a:p>
-          <a:p>
-            <a:r>
-              <a:rPr kumimoji="1" lang="en-US" altLang="ja-JP" dirty="0"/>
-              <a:t>※2</a:t>
+              <a:t>)※2</a:t>
             </a:r>
             <a:r>
               <a:rPr kumimoji="1" lang="ja-JP" altLang="en-US" dirty="0"/>
@@ -6739,7 +6633,7 @@
           <a:p>
             <a:r>
               <a:rPr kumimoji="1" lang="ja-JP" altLang="en-US" dirty="0"/>
-              <a:t>実装されている機能は、天気予報・ニュース・日時・星座占いの</a:t>
+              <a:t>機能は、天気予報・ニュース・日時・星座占いの</a:t>
             </a:r>
             <a:r>
               <a:rPr kumimoji="1" lang="en-US" altLang="ja-JP" dirty="0"/>
@@ -6787,24 +6681,6 @@
             <a:r>
               <a:rPr kumimoji="1" lang="ja-JP" altLang="en-US" dirty="0"/>
               <a:t>によるテキスト分類です。</a:t>
-            </a:r>
-            <a:endParaRPr kumimoji="1" lang="en-US" altLang="ja-JP" dirty="0"/>
-          </a:p>
-          <a:p>
-            <a:r>
-              <a:rPr kumimoji="1" lang="en-US" altLang="ja-JP" dirty="0"/>
-              <a:t>Julius</a:t>
-            </a:r>
-            <a:r>
-              <a:rPr kumimoji="1" lang="ja-JP" altLang="en-US" dirty="0"/>
-              <a:t>が認識する名詞を用いてトレーニングデータを作成、学習させ、</a:t>
-            </a:r>
-            <a:endParaRPr kumimoji="1" lang="en-US" altLang="ja-JP" dirty="0"/>
-          </a:p>
-          <a:p>
-            <a:r>
-              <a:rPr kumimoji="1" lang="ja-JP" altLang="en-US" dirty="0"/>
-              <a:t>問いかけ文の中の名詞から機能を予測する、という仕様になりました。</a:t>
             </a:r>
             <a:endParaRPr kumimoji="1" lang="en-US" altLang="ja-JP" dirty="0"/>
           </a:p>
@@ -7317,11 +7193,6 @@
               <a:rPr kumimoji="1" lang="en-US" altLang="ja-JP" dirty="0"/>
               <a:t>Julius</a:t>
             </a:r>
-            <a:r>
-              <a:rPr kumimoji="1" lang="ja-JP" altLang="en-US" dirty="0" err="1"/>
-              <a:t>、</a:t>
-            </a:r>
-            <a:endParaRPr kumimoji="1" lang="en-US" altLang="ja-JP" dirty="0"/>
           </a:p>
           <a:p>
             <a:r>
@@ -7332,11 +7203,6 @@
               <a:rPr kumimoji="1" lang="en-US" altLang="ja-JP" dirty="0"/>
               <a:t>fastText</a:t>
             </a:r>
-            <a:r>
-              <a:rPr kumimoji="1" lang="ja-JP" altLang="en-US" dirty="0" err="1"/>
-              <a:t>、</a:t>
-            </a:r>
-            <a:endParaRPr kumimoji="1" lang="en-US" altLang="ja-JP" dirty="0"/>
           </a:p>
           <a:p>
             <a:r>
@@ -7359,7 +7225,7 @@
               <a:t>音声合成には</a:t>
             </a:r>
             <a:r>
-              <a:rPr kumimoji="1" lang="en-US" altLang="ja-JP" dirty="0" err="1"/>
+              <a:rPr kumimoji="1" lang="en-US" altLang="ja-JP" dirty="0"/>
               <a:t>OpenJtalk</a:t>
             </a:r>
             <a:r>
@@ -7824,14 +7690,14 @@
           <a:p>
             <a:r>
               <a:rPr kumimoji="1" lang="ja-JP" altLang="en-US" dirty="0"/>
-              <a:t>音声認識は、音声、音素に、文字と順に変換することで行われます。</a:t>
+              <a:t>音声認識は、音声、音素、文字と順に変換することで行われます。</a:t>
             </a:r>
             <a:endParaRPr kumimoji="1" lang="en-US" altLang="ja-JP" dirty="0"/>
           </a:p>
           <a:p>
             <a:r>
               <a:rPr kumimoji="1" lang="ja-JP" altLang="en-US" dirty="0"/>
-              <a:t>今回は雨という言葉を音声認識したいので、まずは「あめ」と発声します。</a:t>
+              <a:t>まず「あめ」とマイクに向かって発声します。</a:t>
             </a:r>
             <a:endParaRPr kumimoji="1" lang="en-US" altLang="ja-JP" dirty="0"/>
           </a:p>
@@ -7842,7 +7708,7 @@
             </a:r>
             <a:r>
               <a:rPr kumimoji="1" lang="ja-JP" altLang="en-US" dirty="0"/>
-              <a:t>はマイクから音声を受け取ると、それを音素に変換して取り扱います。</a:t>
+              <a:t>はマイクから音声を受け取ると、それを音素に変換します。</a:t>
             </a:r>
             <a:endParaRPr kumimoji="1" lang="en-US" altLang="ja-JP" dirty="0"/>
           </a:p>
@@ -7866,7 +7732,10 @@
               <a:rPr kumimoji="1" lang="ja-JP" altLang="en-US" dirty="0"/>
               <a:t>別の例として、”時間“という単語も、音素で表すとこのようになります。</a:t>
             </a:r>
-            <a:endParaRPr kumimoji="1" lang="en-US" altLang="ja-JP" dirty="0"/>
+            <a:r>
+              <a:rPr kumimoji="1" lang="en-US" altLang="ja-JP" dirty="0"/>
+              <a:t>※</a:t>
+            </a:r>
           </a:p>
           <a:p>
             <a:endParaRPr kumimoji="1" lang="en-US" altLang="ja-JP" dirty="0"/>
@@ -7882,27 +7751,21 @@
             </a:r>
             <a:r>
               <a:rPr kumimoji="1" lang="ja-JP" altLang="en-US" dirty="0"/>
-              <a:t>となり、続いて、この音素を用いて音素ファイルから単語を検索します。</a:t>
+              <a:t>となり、続いて、この音素を用いて音素ファイルというファイルから単語を検索します。</a:t>
             </a:r>
             <a:endParaRPr kumimoji="1" lang="en-US" altLang="ja-JP" dirty="0"/>
           </a:p>
           <a:p>
             <a:r>
               <a:rPr kumimoji="1" lang="ja-JP" altLang="en-US" dirty="0"/>
-              <a:t>音素ファイルとは音声認識させたい単語とその音素が記述されているファイルです。</a:t>
+              <a:t>音素ファイルには、認識したい単語の単語とその音素が記述されています。</a:t>
             </a:r>
             <a:endParaRPr kumimoji="1" lang="en-US" altLang="ja-JP" dirty="0"/>
           </a:p>
           <a:p>
             <a:r>
-              <a:rPr kumimoji="1" lang="en-US" altLang="ja-JP" dirty="0"/>
-              <a:t>※</a:t>
-            </a:r>
-          </a:p>
-          <a:p>
-            <a:r>
               <a:rPr kumimoji="1" lang="ja-JP" altLang="en-US" dirty="0"/>
-              <a:t>取得した音素は</a:t>
+              <a:t>今回取得した音素は</a:t>
             </a:r>
             <a:r>
               <a:rPr kumimoji="1" lang="en-US" altLang="ja-JP" dirty="0"/>
@@ -7910,7 +7773,7 @@
             </a:r>
             <a:r>
               <a:rPr kumimoji="1" lang="ja-JP" altLang="en-US" dirty="0"/>
-              <a:t>なので、辞書ファイルに登録された</a:t>
+              <a:t>なので、音素ファイルの</a:t>
             </a:r>
             <a:r>
               <a:rPr kumimoji="1" lang="en-US" altLang="ja-JP" dirty="0"/>
@@ -13136,7 +12999,11 @@
           </a:p>
           <a:p>
             <a:r>
-              <a:rPr lang="en-US" altLang="ja-JP" sz="3600" dirty="0"/>
+              <a:rPr lang="en-US" altLang="ja-JP" sz="3600" b="1" dirty="0">
+                <a:solidFill>
+                  <a:srgbClr val="FF0000"/>
+                </a:solidFill>
+              </a:rPr>
               <a:t>% TENKI</a:t>
             </a:r>
           </a:p>
@@ -13285,7 +13152,7 @@
         </p:nvSpPr>
         <p:spPr>
           <a:xfrm>
-            <a:off x="5539408" y="1751617"/>
+            <a:off x="5539407" y="1666876"/>
             <a:ext cx="4439479" cy="5078313"/>
           </a:xfrm>
           <a:prstGeom prst="rect">
@@ -13314,7 +13181,11 @@
           </a:p>
           <a:p>
             <a:r>
-              <a:rPr lang="en-US" altLang="ja-JP" sz="3600" dirty="0"/>
+              <a:rPr lang="en-US" altLang="ja-JP" sz="3600" b="1" dirty="0">
+                <a:solidFill>
+                  <a:srgbClr val="FF0000"/>
+                </a:solidFill>
+              </a:rPr>
               <a:t>% KYOU</a:t>
             </a:r>
           </a:p>
@@ -13338,7 +13209,11 @@
           </a:p>
           <a:p>
             <a:r>
-              <a:rPr lang="en-US" altLang="ja-JP" sz="3600" dirty="0"/>
+              <a:rPr lang="en-US" altLang="ja-JP" sz="3600" b="1" dirty="0">
+                <a:solidFill>
+                  <a:srgbClr val="FF0000"/>
+                </a:solidFill>
+              </a:rPr>
               <a:t>% HA</a:t>
             </a:r>
           </a:p>
@@ -13354,7 +13229,11 @@
           </a:p>
           <a:p>
             <a:r>
-              <a:rPr lang="en-US" altLang="ja-JP" sz="3600" dirty="0"/>
+              <a:rPr lang="en-US" altLang="ja-JP" sz="3600" b="1" dirty="0">
+                <a:solidFill>
+                  <a:srgbClr val="FF0000"/>
+                </a:solidFill>
+              </a:rPr>
               <a:t>% TENKI</a:t>
             </a:r>
           </a:p>
@@ -15314,7 +15193,23 @@
           <a:lstStyle/>
           <a:p>
             <a:r>
-              <a:rPr kumimoji="1" lang="ja-JP" altLang="en-US" dirty="0"/>
+              <a:rPr kumimoji="1" lang="ja-JP" altLang="en-US" b="1" dirty="0">
+                <a:ln w="19050">
+                  <a:solidFill>
+                    <a:schemeClr val="accent6">
+                      <a:lumMod val="50000"/>
+                    </a:schemeClr>
+                  </a:solidFill>
+                </a:ln>
+                <a:solidFill>
+                  <a:schemeClr val="accent6">
+                    <a:lumMod val="60000"/>
+                    <a:lumOff val="40000"/>
+                  </a:schemeClr>
+                </a:solidFill>
+                <a:latin typeface="HGP明朝E" panose="02020900000000000000" pitchFamily="18" charset="-128"/>
+                <a:ea typeface="HGP明朝E" panose="02020900000000000000" pitchFamily="18" charset="-128"/>
+              </a:rPr>
               <a:t>テキスト分類の仕組み</a:t>
             </a:r>
           </a:p>
@@ -16193,92 +16088,20 @@
                             </p:stCondLst>
                             <p:childTnLst>
                               <p:par>
-                                <p:cTn id="5" presetID="6" presetClass="emph" presetSubtype="0" autoRev="1" fill="hold" grpId="0" nodeType="clickEffect">
-                                  <p:stCondLst>
-                                    <p:cond delay="0"/>
-                                  </p:stCondLst>
-                                  <p:childTnLst>
-                                    <p:animScale>
-                                      <p:cBhvr>
-                                        <p:cTn id="6" dur="250" fill="hold"/>
-                                        <p:tgtEl>
-                                          <p:spTgt spid="6"/>
-                                        </p:tgtEl>
-                                      </p:cBhvr>
-                                      <p:by x="150000" y="150000"/>
-                                    </p:animScale>
-                                  </p:childTnLst>
-                                </p:cTn>
-                              </p:par>
-                              <p:par>
-                                <p:cTn id="7" presetID="6" presetClass="emph" presetSubtype="0" autoRev="1" fill="hold" grpId="0" nodeType="withEffect">
-                                  <p:stCondLst>
-                                    <p:cond delay="0"/>
-                                  </p:stCondLst>
-                                  <p:childTnLst>
-                                    <p:animScale>
-                                      <p:cBhvr>
-                                        <p:cTn id="8" dur="250" fill="hold"/>
-                                        <p:tgtEl>
-                                          <p:spTgt spid="8"/>
-                                        </p:tgtEl>
-                                      </p:cBhvr>
-                                      <p:by x="150000" y="150000"/>
-                                    </p:animScale>
-                                  </p:childTnLst>
-                                </p:cTn>
-                              </p:par>
-                              <p:par>
-                                <p:cTn id="9" presetID="6" presetClass="emph" presetSubtype="0" autoRev="1" fill="hold" grpId="0" nodeType="withEffect">
-                                  <p:stCondLst>
-                                    <p:cond delay="0"/>
-                                  </p:stCondLst>
-                                  <p:childTnLst>
-                                    <p:animScale>
-                                      <p:cBhvr>
-                                        <p:cTn id="10" dur="250" fill="hold"/>
-                                        <p:tgtEl>
-                                          <p:spTgt spid="7"/>
-                                        </p:tgtEl>
-                                      </p:cBhvr>
-                                      <p:by x="150000" y="150000"/>
-                                    </p:animScale>
-                                  </p:childTnLst>
-                                </p:cTn>
-                              </p:par>
-                            </p:childTnLst>
-                          </p:cTn>
-                        </p:par>
-                      </p:childTnLst>
-                    </p:cTn>
-                  </p:par>
-                  <p:par>
-                    <p:cTn id="11" fill="hold">
-                      <p:stCondLst>
-                        <p:cond delay="indefinite"/>
-                      </p:stCondLst>
-                      <p:childTnLst>
-                        <p:par>
-                          <p:cTn id="12" fill="hold">
-                            <p:stCondLst>
-                              <p:cond delay="0"/>
-                            </p:stCondLst>
-                            <p:childTnLst>
-                              <p:par>
-                                <p:cTn id="13" presetID="42" presetClass="entr" presetSubtype="0" fill="hold" grpId="0" nodeType="clickEffect">
+                                <p:cTn id="5" presetID="42" presetClass="entr" presetSubtype="0" fill="hold" grpId="0" nodeType="clickEffect">
                                   <p:stCondLst>
                                     <p:cond delay="0"/>
                                   </p:stCondLst>
                                   <p:childTnLst>
                                     <p:set>
                                       <p:cBhvr>
-                                        <p:cTn id="14" dur="1" fill="hold">
+                                        <p:cTn id="6" dur="1" fill="hold">
                                           <p:stCondLst>
                                             <p:cond delay="0"/>
                                           </p:stCondLst>
                                         </p:cTn>
                                         <p:tgtEl>
-                                          <p:spTgt spid="9"/>
+                                          <p:spTgt spid="6"/>
                                         </p:tgtEl>
                                         <p:attrNameLst>
                                           <p:attrName>style.visibility</p:attrName>
@@ -16290,17 +16113,17 @@
                                     </p:set>
                                     <p:animEffect transition="in" filter="fade">
                                       <p:cBhvr>
-                                        <p:cTn id="15" dur="500"/>
+                                        <p:cTn id="7" dur="500"/>
                                         <p:tgtEl>
-                                          <p:spTgt spid="9"/>
+                                          <p:spTgt spid="6"/>
                                         </p:tgtEl>
                                       </p:cBhvr>
                                     </p:animEffect>
                                     <p:anim calcmode="lin" valueType="num">
                                       <p:cBhvr>
-                                        <p:cTn id="16" dur="500" fill="hold"/>
+                                        <p:cTn id="8" dur="500" fill="hold"/>
                                         <p:tgtEl>
-                                          <p:spTgt spid="9"/>
+                                          <p:spTgt spid="6"/>
                                         </p:tgtEl>
                                         <p:attrNameLst>
                                           <p:attrName>ppt_x</p:attrName>
@@ -16321,9 +16144,9 @@
                                     </p:anim>
                                     <p:anim calcmode="lin" valueType="num">
                                       <p:cBhvr>
-                                        <p:cTn id="17" dur="500" fill="hold"/>
+                                        <p:cTn id="9" dur="500" fill="hold"/>
                                         <p:tgtEl>
-                                          <p:spTgt spid="9"/>
+                                          <p:spTgt spid="6"/>
                                         </p:tgtEl>
                                         <p:attrNameLst>
                                           <p:attrName>ppt_y</p:attrName>
@@ -16346,20 +16169,20 @@
                                 </p:cTn>
                               </p:par>
                               <p:par>
-                                <p:cTn id="18" presetID="42" presetClass="entr" presetSubtype="0" fill="hold" grpId="0" nodeType="withEffect">
+                                <p:cTn id="10" presetID="42" presetClass="entr" presetSubtype="0" fill="hold" grpId="0" nodeType="withEffect">
                                   <p:stCondLst>
                                     <p:cond delay="0"/>
                                   </p:stCondLst>
                                   <p:childTnLst>
                                     <p:set>
                                       <p:cBhvr>
-                                        <p:cTn id="19" dur="1" fill="hold">
+                                        <p:cTn id="11" dur="1" fill="hold">
                                           <p:stCondLst>
                                             <p:cond delay="0"/>
                                           </p:stCondLst>
                                         </p:cTn>
                                         <p:tgtEl>
-                                          <p:spTgt spid="10"/>
+                                          <p:spTgt spid="7"/>
                                         </p:tgtEl>
                                         <p:attrNameLst>
                                           <p:attrName>style.visibility</p:attrName>
@@ -16371,17 +16194,17 @@
                                     </p:set>
                                     <p:animEffect transition="in" filter="fade">
                                       <p:cBhvr>
-                                        <p:cTn id="20" dur="500"/>
+                                        <p:cTn id="12" dur="500"/>
                                         <p:tgtEl>
-                                          <p:spTgt spid="10"/>
+                                          <p:spTgt spid="7"/>
                                         </p:tgtEl>
                                       </p:cBhvr>
                                     </p:animEffect>
                                     <p:anim calcmode="lin" valueType="num">
                                       <p:cBhvr>
-                                        <p:cTn id="21" dur="500" fill="hold"/>
+                                        <p:cTn id="13" dur="500" fill="hold"/>
                                         <p:tgtEl>
-                                          <p:spTgt spid="10"/>
+                                          <p:spTgt spid="7"/>
                                         </p:tgtEl>
                                         <p:attrNameLst>
                                           <p:attrName>ppt_x</p:attrName>
@@ -16402,9 +16225,9 @@
                                     </p:anim>
                                     <p:anim calcmode="lin" valueType="num">
                                       <p:cBhvr>
-                                        <p:cTn id="22" dur="500" fill="hold"/>
+                                        <p:cTn id="14" dur="500" fill="hold"/>
                                         <p:tgtEl>
-                                          <p:spTgt spid="10"/>
+                                          <p:spTgt spid="7"/>
                                         </p:tgtEl>
                                         <p:attrNameLst>
                                           <p:attrName>ppt_y</p:attrName>
@@ -16427,20 +16250,20 @@
                                 </p:cTn>
                               </p:par>
                               <p:par>
-                                <p:cTn id="23" presetID="42" presetClass="entr" presetSubtype="0" fill="hold" grpId="0" nodeType="withEffect">
+                                <p:cTn id="15" presetID="42" presetClass="entr" presetSubtype="0" fill="hold" grpId="0" nodeType="withEffect">
                                   <p:stCondLst>
                                     <p:cond delay="0"/>
                                   </p:stCondLst>
                                   <p:childTnLst>
                                     <p:set>
                                       <p:cBhvr>
-                                        <p:cTn id="24" dur="1" fill="hold">
+                                        <p:cTn id="16" dur="1" fill="hold">
                                           <p:stCondLst>
                                             <p:cond delay="0"/>
                                           </p:stCondLst>
                                         </p:cTn>
                                         <p:tgtEl>
-                                          <p:spTgt spid="11"/>
+                                          <p:spTgt spid="8"/>
                                         </p:tgtEl>
                                         <p:attrNameLst>
                                           <p:attrName>style.visibility</p:attrName>
@@ -16452,17 +16275,17 @@
                                     </p:set>
                                     <p:animEffect transition="in" filter="fade">
                                       <p:cBhvr>
-                                        <p:cTn id="25" dur="500"/>
+                                        <p:cTn id="17" dur="500"/>
                                         <p:tgtEl>
-                                          <p:spTgt spid="11"/>
+                                          <p:spTgt spid="8"/>
                                         </p:tgtEl>
                                       </p:cBhvr>
                                     </p:animEffect>
                                     <p:anim calcmode="lin" valueType="num">
                                       <p:cBhvr>
-                                        <p:cTn id="26" dur="500" fill="hold"/>
+                                        <p:cTn id="18" dur="500" fill="hold"/>
                                         <p:tgtEl>
-                                          <p:spTgt spid="11"/>
+                                          <p:spTgt spid="8"/>
                                         </p:tgtEl>
                                         <p:attrNameLst>
                                           <p:attrName>ppt_x</p:attrName>
@@ -16483,9 +16306,90 @@
                                     </p:anim>
                                     <p:anim calcmode="lin" valueType="num">
                                       <p:cBhvr>
-                                        <p:cTn id="27" dur="500" fill="hold"/>
+                                        <p:cTn id="19" dur="500" fill="hold"/>
                                         <p:tgtEl>
-                                          <p:spTgt spid="11"/>
+                                          <p:spTgt spid="8"/>
+                                        </p:tgtEl>
+                                        <p:attrNameLst>
+                                          <p:attrName>ppt_y</p:attrName>
+                                        </p:attrNameLst>
+                                      </p:cBhvr>
+                                      <p:tavLst>
+                                        <p:tav tm="0">
+                                          <p:val>
+                                            <p:strVal val="#ppt_y+.1"/>
+                                          </p:val>
+                                        </p:tav>
+                                        <p:tav tm="100000">
+                                          <p:val>
+                                            <p:strVal val="#ppt_y"/>
+                                          </p:val>
+                                        </p:tav>
+                                      </p:tavLst>
+                                    </p:anim>
+                                  </p:childTnLst>
+                                </p:cTn>
+                              </p:par>
+                              <p:par>
+                                <p:cTn id="20" presetID="42" presetClass="entr" presetSubtype="0" fill="hold" grpId="0" nodeType="withEffect">
+                                  <p:stCondLst>
+                                    <p:cond delay="0"/>
+                                  </p:stCondLst>
+                                  <p:childTnLst>
+                                    <p:set>
+                                      <p:cBhvr>
+                                        <p:cTn id="21" dur="1" fill="hold">
+                                          <p:stCondLst>
+                                            <p:cond delay="0"/>
+                                          </p:stCondLst>
+                                        </p:cTn>
+                                        <p:tgtEl>
+                                          <p:spTgt spid="18"/>
+                                        </p:tgtEl>
+                                        <p:attrNameLst>
+                                          <p:attrName>style.visibility</p:attrName>
+                                        </p:attrNameLst>
+                                      </p:cBhvr>
+                                      <p:to>
+                                        <p:strVal val="visible"/>
+                                      </p:to>
+                                    </p:set>
+                                    <p:animEffect transition="in" filter="fade">
+                                      <p:cBhvr>
+                                        <p:cTn id="22" dur="500"/>
+                                        <p:tgtEl>
+                                          <p:spTgt spid="18"/>
+                                        </p:tgtEl>
+                                      </p:cBhvr>
+                                    </p:animEffect>
+                                    <p:anim calcmode="lin" valueType="num">
+                                      <p:cBhvr>
+                                        <p:cTn id="23" dur="500" fill="hold"/>
+                                        <p:tgtEl>
+                                          <p:spTgt spid="18"/>
+                                        </p:tgtEl>
+                                        <p:attrNameLst>
+                                          <p:attrName>ppt_x</p:attrName>
+                                        </p:attrNameLst>
+                                      </p:cBhvr>
+                                      <p:tavLst>
+                                        <p:tav tm="0">
+                                          <p:val>
+                                            <p:strVal val="#ppt_x"/>
+                                          </p:val>
+                                        </p:tav>
+                                        <p:tav tm="100000">
+                                          <p:val>
+                                            <p:strVal val="#ppt_x"/>
+                                          </p:val>
+                                        </p:tav>
+                                      </p:tavLst>
+                                    </p:anim>
+                                    <p:anim calcmode="lin" valueType="num">
+                                      <p:cBhvr>
+                                        <p:cTn id="24" dur="500" fill="hold"/>
+                                        <p:tgtEl>
+                                          <p:spTgt spid="18"/>
                                         </p:tgtEl>
                                         <p:attrNameLst>
                                           <p:attrName>ppt_y</p:attrName>
@@ -16514,26 +16418,368 @@
                     </p:cTn>
                   </p:par>
                   <p:par>
-                    <p:cTn id="28" fill="hold">
+                    <p:cTn id="25" fill="hold">
                       <p:stCondLst>
                         <p:cond delay="indefinite"/>
                       </p:stCondLst>
                       <p:childTnLst>
                         <p:par>
-                          <p:cTn id="29" fill="hold">
+                          <p:cTn id="26" fill="hold">
                             <p:stCondLst>
                               <p:cond delay="0"/>
                             </p:stCondLst>
                             <p:childTnLst>
                               <p:par>
-                                <p:cTn id="30" presetID="21" presetClass="entr" presetSubtype="1" fill="hold" grpId="0" nodeType="clickEffect">
+                                <p:cTn id="27" presetID="53" presetClass="entr" presetSubtype="16" fill="hold" grpId="0" nodeType="clickEffect">
                                   <p:stCondLst>
                                     <p:cond delay="0"/>
                                   </p:stCondLst>
                                   <p:childTnLst>
                                     <p:set>
                                       <p:cBhvr>
-                                        <p:cTn id="31" dur="1" fill="hold">
+                                        <p:cTn id="28" dur="1" fill="hold">
+                                          <p:stCondLst>
+                                            <p:cond delay="0"/>
+                                          </p:stCondLst>
+                                        </p:cTn>
+                                        <p:tgtEl>
+                                          <p:spTgt spid="9"/>
+                                        </p:tgtEl>
+                                        <p:attrNameLst>
+                                          <p:attrName>style.visibility</p:attrName>
+                                        </p:attrNameLst>
+                                      </p:cBhvr>
+                                      <p:to>
+                                        <p:strVal val="visible"/>
+                                      </p:to>
+                                    </p:set>
+                                    <p:anim calcmode="lin" valueType="num">
+                                      <p:cBhvr>
+                                        <p:cTn id="29" dur="500" fill="hold"/>
+                                        <p:tgtEl>
+                                          <p:spTgt spid="9"/>
+                                        </p:tgtEl>
+                                        <p:attrNameLst>
+                                          <p:attrName>ppt_w</p:attrName>
+                                        </p:attrNameLst>
+                                      </p:cBhvr>
+                                      <p:tavLst>
+                                        <p:tav tm="0">
+                                          <p:val>
+                                            <p:fltVal val="0"/>
+                                          </p:val>
+                                        </p:tav>
+                                        <p:tav tm="100000">
+                                          <p:val>
+                                            <p:strVal val="#ppt_w"/>
+                                          </p:val>
+                                        </p:tav>
+                                      </p:tavLst>
+                                    </p:anim>
+                                    <p:anim calcmode="lin" valueType="num">
+                                      <p:cBhvr>
+                                        <p:cTn id="30" dur="500" fill="hold"/>
+                                        <p:tgtEl>
+                                          <p:spTgt spid="9"/>
+                                        </p:tgtEl>
+                                        <p:attrNameLst>
+                                          <p:attrName>ppt_h</p:attrName>
+                                        </p:attrNameLst>
+                                      </p:cBhvr>
+                                      <p:tavLst>
+                                        <p:tav tm="0">
+                                          <p:val>
+                                            <p:fltVal val="0"/>
+                                          </p:val>
+                                        </p:tav>
+                                        <p:tav tm="100000">
+                                          <p:val>
+                                            <p:strVal val="#ppt_h"/>
+                                          </p:val>
+                                        </p:tav>
+                                      </p:tavLst>
+                                    </p:anim>
+                                    <p:animEffect transition="in" filter="fade">
+                                      <p:cBhvr>
+                                        <p:cTn id="31" dur="500"/>
+                                        <p:tgtEl>
+                                          <p:spTgt spid="9"/>
+                                        </p:tgtEl>
+                                      </p:cBhvr>
+                                    </p:animEffect>
+                                  </p:childTnLst>
+                                </p:cTn>
+                              </p:par>
+                              <p:par>
+                                <p:cTn id="32" presetID="53" presetClass="entr" presetSubtype="16" fill="hold" grpId="0" nodeType="withEffect">
+                                  <p:stCondLst>
+                                    <p:cond delay="0"/>
+                                  </p:stCondLst>
+                                  <p:childTnLst>
+                                    <p:set>
+                                      <p:cBhvr>
+                                        <p:cTn id="33" dur="1" fill="hold">
+                                          <p:stCondLst>
+                                            <p:cond delay="0"/>
+                                          </p:stCondLst>
+                                        </p:cTn>
+                                        <p:tgtEl>
+                                          <p:spTgt spid="10"/>
+                                        </p:tgtEl>
+                                        <p:attrNameLst>
+                                          <p:attrName>style.visibility</p:attrName>
+                                        </p:attrNameLst>
+                                      </p:cBhvr>
+                                      <p:to>
+                                        <p:strVal val="visible"/>
+                                      </p:to>
+                                    </p:set>
+                                    <p:anim calcmode="lin" valueType="num">
+                                      <p:cBhvr>
+                                        <p:cTn id="34" dur="500" fill="hold"/>
+                                        <p:tgtEl>
+                                          <p:spTgt spid="10"/>
+                                        </p:tgtEl>
+                                        <p:attrNameLst>
+                                          <p:attrName>ppt_w</p:attrName>
+                                        </p:attrNameLst>
+                                      </p:cBhvr>
+                                      <p:tavLst>
+                                        <p:tav tm="0">
+                                          <p:val>
+                                            <p:fltVal val="0"/>
+                                          </p:val>
+                                        </p:tav>
+                                        <p:tav tm="100000">
+                                          <p:val>
+                                            <p:strVal val="#ppt_w"/>
+                                          </p:val>
+                                        </p:tav>
+                                      </p:tavLst>
+                                    </p:anim>
+                                    <p:anim calcmode="lin" valueType="num">
+                                      <p:cBhvr>
+                                        <p:cTn id="35" dur="500" fill="hold"/>
+                                        <p:tgtEl>
+                                          <p:spTgt spid="10"/>
+                                        </p:tgtEl>
+                                        <p:attrNameLst>
+                                          <p:attrName>ppt_h</p:attrName>
+                                        </p:attrNameLst>
+                                      </p:cBhvr>
+                                      <p:tavLst>
+                                        <p:tav tm="0">
+                                          <p:val>
+                                            <p:fltVal val="0"/>
+                                          </p:val>
+                                        </p:tav>
+                                        <p:tav tm="100000">
+                                          <p:val>
+                                            <p:strVal val="#ppt_h"/>
+                                          </p:val>
+                                        </p:tav>
+                                      </p:tavLst>
+                                    </p:anim>
+                                    <p:animEffect transition="in" filter="fade">
+                                      <p:cBhvr>
+                                        <p:cTn id="36" dur="500"/>
+                                        <p:tgtEl>
+                                          <p:spTgt spid="10"/>
+                                        </p:tgtEl>
+                                      </p:cBhvr>
+                                    </p:animEffect>
+                                  </p:childTnLst>
+                                </p:cTn>
+                              </p:par>
+                              <p:par>
+                                <p:cTn id="37" presetID="53" presetClass="entr" presetSubtype="16" fill="hold" grpId="0" nodeType="withEffect">
+                                  <p:stCondLst>
+                                    <p:cond delay="0"/>
+                                  </p:stCondLst>
+                                  <p:childTnLst>
+                                    <p:set>
+                                      <p:cBhvr>
+                                        <p:cTn id="38" dur="1" fill="hold">
+                                          <p:stCondLst>
+                                            <p:cond delay="0"/>
+                                          </p:stCondLst>
+                                        </p:cTn>
+                                        <p:tgtEl>
+                                          <p:spTgt spid="11"/>
+                                        </p:tgtEl>
+                                        <p:attrNameLst>
+                                          <p:attrName>style.visibility</p:attrName>
+                                        </p:attrNameLst>
+                                      </p:cBhvr>
+                                      <p:to>
+                                        <p:strVal val="visible"/>
+                                      </p:to>
+                                    </p:set>
+                                    <p:anim calcmode="lin" valueType="num">
+                                      <p:cBhvr>
+                                        <p:cTn id="39" dur="500" fill="hold"/>
+                                        <p:tgtEl>
+                                          <p:spTgt spid="11"/>
+                                        </p:tgtEl>
+                                        <p:attrNameLst>
+                                          <p:attrName>ppt_w</p:attrName>
+                                        </p:attrNameLst>
+                                      </p:cBhvr>
+                                      <p:tavLst>
+                                        <p:tav tm="0">
+                                          <p:val>
+                                            <p:fltVal val="0"/>
+                                          </p:val>
+                                        </p:tav>
+                                        <p:tav tm="100000">
+                                          <p:val>
+                                            <p:strVal val="#ppt_w"/>
+                                          </p:val>
+                                        </p:tav>
+                                      </p:tavLst>
+                                    </p:anim>
+                                    <p:anim calcmode="lin" valueType="num">
+                                      <p:cBhvr>
+                                        <p:cTn id="40" dur="500" fill="hold"/>
+                                        <p:tgtEl>
+                                          <p:spTgt spid="11"/>
+                                        </p:tgtEl>
+                                        <p:attrNameLst>
+                                          <p:attrName>ppt_h</p:attrName>
+                                        </p:attrNameLst>
+                                      </p:cBhvr>
+                                      <p:tavLst>
+                                        <p:tav tm="0">
+                                          <p:val>
+                                            <p:fltVal val="0"/>
+                                          </p:val>
+                                        </p:tav>
+                                        <p:tav tm="100000">
+                                          <p:val>
+                                            <p:strVal val="#ppt_h"/>
+                                          </p:val>
+                                        </p:tav>
+                                      </p:tavLst>
+                                    </p:anim>
+                                    <p:animEffect transition="in" filter="fade">
+                                      <p:cBhvr>
+                                        <p:cTn id="41" dur="500"/>
+                                        <p:tgtEl>
+                                          <p:spTgt spid="11"/>
+                                        </p:tgtEl>
+                                      </p:cBhvr>
+                                    </p:animEffect>
+                                  </p:childTnLst>
+                                </p:cTn>
+                              </p:par>
+                              <p:par>
+                                <p:cTn id="42" presetID="53" presetClass="entr" presetSubtype="16" fill="hold" grpId="0" nodeType="withEffect">
+                                  <p:stCondLst>
+                                    <p:cond delay="0"/>
+                                  </p:stCondLst>
+                                  <p:childTnLst>
+                                    <p:set>
+                                      <p:cBhvr>
+                                        <p:cTn id="43" dur="1" fill="hold">
+                                          <p:stCondLst>
+                                            <p:cond delay="0"/>
+                                          </p:stCondLst>
+                                        </p:cTn>
+                                        <p:tgtEl>
+                                          <p:spTgt spid="19"/>
+                                        </p:tgtEl>
+                                        <p:attrNameLst>
+                                          <p:attrName>style.visibility</p:attrName>
+                                        </p:attrNameLst>
+                                      </p:cBhvr>
+                                      <p:to>
+                                        <p:strVal val="visible"/>
+                                      </p:to>
+                                    </p:set>
+                                    <p:anim calcmode="lin" valueType="num">
+                                      <p:cBhvr>
+                                        <p:cTn id="44" dur="500" fill="hold"/>
+                                        <p:tgtEl>
+                                          <p:spTgt spid="19"/>
+                                        </p:tgtEl>
+                                        <p:attrNameLst>
+                                          <p:attrName>ppt_w</p:attrName>
+                                        </p:attrNameLst>
+                                      </p:cBhvr>
+                                      <p:tavLst>
+                                        <p:tav tm="0">
+                                          <p:val>
+                                            <p:fltVal val="0"/>
+                                          </p:val>
+                                        </p:tav>
+                                        <p:tav tm="100000">
+                                          <p:val>
+                                            <p:strVal val="#ppt_w"/>
+                                          </p:val>
+                                        </p:tav>
+                                      </p:tavLst>
+                                    </p:anim>
+                                    <p:anim calcmode="lin" valueType="num">
+                                      <p:cBhvr>
+                                        <p:cTn id="45" dur="500" fill="hold"/>
+                                        <p:tgtEl>
+                                          <p:spTgt spid="19"/>
+                                        </p:tgtEl>
+                                        <p:attrNameLst>
+                                          <p:attrName>ppt_h</p:attrName>
+                                        </p:attrNameLst>
+                                      </p:cBhvr>
+                                      <p:tavLst>
+                                        <p:tav tm="0">
+                                          <p:val>
+                                            <p:fltVal val="0"/>
+                                          </p:val>
+                                        </p:tav>
+                                        <p:tav tm="100000">
+                                          <p:val>
+                                            <p:strVal val="#ppt_h"/>
+                                          </p:val>
+                                        </p:tav>
+                                      </p:tavLst>
+                                    </p:anim>
+                                    <p:animEffect transition="in" filter="fade">
+                                      <p:cBhvr>
+                                        <p:cTn id="46" dur="500"/>
+                                        <p:tgtEl>
+                                          <p:spTgt spid="19"/>
+                                        </p:tgtEl>
+                                      </p:cBhvr>
+                                    </p:animEffect>
+                                  </p:childTnLst>
+                                </p:cTn>
+                              </p:par>
+                            </p:childTnLst>
+                          </p:cTn>
+                        </p:par>
+                      </p:childTnLst>
+                    </p:cTn>
+                  </p:par>
+                  <p:par>
+                    <p:cTn id="47" fill="hold">
+                      <p:stCondLst>
+                        <p:cond delay="indefinite"/>
+                      </p:stCondLst>
+                      <p:childTnLst>
+                        <p:par>
+                          <p:cTn id="48" fill="hold">
+                            <p:stCondLst>
+                              <p:cond delay="0"/>
+                            </p:stCondLst>
+                            <p:childTnLst>
+                              <p:par>
+                                <p:cTn id="49" presetID="21" presetClass="entr" presetSubtype="1" fill="hold" grpId="0" nodeType="clickEffect">
+                                  <p:stCondLst>
+                                    <p:cond delay="0"/>
+                                  </p:stCondLst>
+                                  <p:childTnLst>
+                                    <p:set>
+                                      <p:cBhvr>
+                                        <p:cTn id="50" dur="1" fill="hold">
                                           <p:stCondLst>
                                             <p:cond delay="0"/>
                                           </p:stCondLst>
@@ -16551,111 +16797,12 @@
                                     </p:set>
                                     <p:animEffect transition="in" filter="wheel(1)">
                                       <p:cBhvr>
-                                        <p:cTn id="32" dur="750"/>
+                                        <p:cTn id="51" dur="500"/>
                                         <p:tgtEl>
                                           <p:spTgt spid="12"/>
                                         </p:tgtEl>
                                       </p:cBhvr>
                                     </p:animEffect>
-                                  </p:childTnLst>
-                                </p:cTn>
-                              </p:par>
-                              <p:par>
-                                <p:cTn id="33" presetID="6" presetClass="emph" presetSubtype="0" autoRev="1" fill="hold" grpId="0" nodeType="withEffect">
-                                  <p:stCondLst>
-                                    <p:cond delay="0"/>
-                                  </p:stCondLst>
-                                  <p:childTnLst>
-                                    <p:animScale>
-                                      <p:cBhvr>
-                                        <p:cTn id="34" dur="250" fill="hold"/>
-                                        <p:tgtEl>
-                                          <p:spTgt spid="18"/>
-                                        </p:tgtEl>
-                                      </p:cBhvr>
-                                      <p:by x="150000" y="150000"/>
-                                    </p:animScale>
-                                  </p:childTnLst>
-                                </p:cTn>
-                              </p:par>
-                              <p:par>
-                                <p:cTn id="35" presetID="42" presetClass="entr" presetSubtype="0" fill="hold" grpId="0" nodeType="withEffect">
-                                  <p:stCondLst>
-                                    <p:cond delay="0"/>
-                                  </p:stCondLst>
-                                  <p:childTnLst>
-                                    <p:set>
-                                      <p:cBhvr>
-                                        <p:cTn id="36" dur="1" fill="hold">
-                                          <p:stCondLst>
-                                            <p:cond delay="0"/>
-                                          </p:stCondLst>
-                                        </p:cTn>
-                                        <p:tgtEl>
-                                          <p:spTgt spid="19"/>
-                                        </p:tgtEl>
-                                        <p:attrNameLst>
-                                          <p:attrName>style.visibility</p:attrName>
-                                        </p:attrNameLst>
-                                      </p:cBhvr>
-                                      <p:to>
-                                        <p:strVal val="visible"/>
-                                      </p:to>
-                                    </p:set>
-                                    <p:animEffect transition="in" filter="fade">
-                                      <p:cBhvr>
-                                        <p:cTn id="37" dur="500"/>
-                                        <p:tgtEl>
-                                          <p:spTgt spid="19"/>
-                                        </p:tgtEl>
-                                      </p:cBhvr>
-                                    </p:animEffect>
-                                    <p:anim calcmode="lin" valueType="num">
-                                      <p:cBhvr>
-                                        <p:cTn id="38" dur="500" fill="hold"/>
-                                        <p:tgtEl>
-                                          <p:spTgt spid="19"/>
-                                        </p:tgtEl>
-                                        <p:attrNameLst>
-                                          <p:attrName>ppt_x</p:attrName>
-                                        </p:attrNameLst>
-                                      </p:cBhvr>
-                                      <p:tavLst>
-                                        <p:tav tm="0">
-                                          <p:val>
-                                            <p:strVal val="#ppt_x"/>
-                                          </p:val>
-                                        </p:tav>
-                                        <p:tav tm="100000">
-                                          <p:val>
-                                            <p:strVal val="#ppt_x"/>
-                                          </p:val>
-                                        </p:tav>
-                                      </p:tavLst>
-                                    </p:anim>
-                                    <p:anim calcmode="lin" valueType="num">
-                                      <p:cBhvr>
-                                        <p:cTn id="39" dur="500" fill="hold"/>
-                                        <p:tgtEl>
-                                          <p:spTgt spid="19"/>
-                                        </p:tgtEl>
-                                        <p:attrNameLst>
-                                          <p:attrName>ppt_y</p:attrName>
-                                        </p:attrNameLst>
-                                      </p:cBhvr>
-                                      <p:tavLst>
-                                        <p:tav tm="0">
-                                          <p:val>
-                                            <p:strVal val="#ppt_y+.1"/>
-                                          </p:val>
-                                        </p:tav>
-                                        <p:tav tm="100000">
-                                          <p:val>
-                                            <p:strVal val="#ppt_y"/>
-                                          </p:val>
-                                        </p:tav>
-                                      </p:tavLst>
-                                    </p:anim>
                                   </p:childTnLst>
                                 </p:cTn>
                               </p:par>
@@ -16740,10 +16887,25 @@
           <a:lstStyle/>
           <a:p>
             <a:r>
-              <a:rPr lang="ja-JP" altLang="en-US" dirty="0"/>
+              <a:rPr lang="ja-JP" altLang="en-US" b="1" dirty="0">
+                <a:ln w="19050">
+                  <a:solidFill>
+                    <a:schemeClr val="accent6">
+                      <a:lumMod val="50000"/>
+                    </a:schemeClr>
+                  </a:solidFill>
+                </a:ln>
+                <a:solidFill>
+                  <a:schemeClr val="accent6">
+                    <a:lumMod val="60000"/>
+                    <a:lumOff val="40000"/>
+                  </a:schemeClr>
+                </a:solidFill>
+                <a:latin typeface="HGP明朝E" panose="02020900000000000000" pitchFamily="18" charset="-128"/>
+                <a:ea typeface="HGP明朝E" panose="02020900000000000000" pitchFamily="18" charset="-128"/>
+              </a:rPr>
               <a:t>トレーニングデータ</a:t>
             </a:r>
-            <a:endParaRPr kumimoji="1" lang="ja-JP" altLang="en-US" dirty="0"/>
           </a:p>
         </p:txBody>
       </p:sp>
@@ -16891,7 +17053,23 @@
           <a:lstStyle/>
           <a:p>
             <a:r>
-              <a:rPr kumimoji="1" lang="ja-JP" altLang="en-US" dirty="0"/>
+              <a:rPr lang="ja-JP" altLang="en-US" b="1" dirty="0">
+                <a:ln w="19050">
+                  <a:solidFill>
+                    <a:schemeClr val="accent6">
+                      <a:lumMod val="50000"/>
+                    </a:schemeClr>
+                  </a:solidFill>
+                </a:ln>
+                <a:solidFill>
+                  <a:schemeClr val="accent6">
+                    <a:lumMod val="60000"/>
+                    <a:lumOff val="40000"/>
+                  </a:schemeClr>
+                </a:solidFill>
+                <a:latin typeface="HGP明朝E" panose="02020900000000000000" pitchFamily="18" charset="-128"/>
+                <a:ea typeface="HGP明朝E" panose="02020900000000000000" pitchFamily="18" charset="-128"/>
+              </a:rPr>
               <a:t>トレーニングデータ</a:t>
             </a:r>
           </a:p>
@@ -16982,7 +17160,7 @@
         </p:nvSpPr>
         <p:spPr>
           <a:xfrm>
-            <a:off x="322729" y="4787840"/>
+            <a:off x="739923" y="4940240"/>
             <a:ext cx="5081533" cy="584775"/>
           </a:xfrm>
           <a:prstGeom prst="rect">
@@ -17019,7 +17197,7 @@
         </p:nvSpPr>
         <p:spPr>
           <a:xfrm rot="16200000">
-            <a:off x="5575499" y="4577532"/>
+            <a:off x="5992693" y="4729932"/>
             <a:ext cx="731520" cy="858646"/>
           </a:xfrm>
           <a:prstGeom prst="downArrow">
@@ -17073,7 +17251,7 @@
         </p:nvSpPr>
         <p:spPr>
           <a:xfrm>
-            <a:off x="6669406" y="4031018"/>
+            <a:off x="7086600" y="4183418"/>
             <a:ext cx="4267200" cy="1951671"/>
           </a:xfrm>
           <a:prstGeom prst="star16">
@@ -17190,7 +17368,7 @@
         </p:nvSpPr>
         <p:spPr>
           <a:xfrm>
-            <a:off x="7325958" y="4714465"/>
+            <a:off x="7743152" y="4866865"/>
             <a:ext cx="3108960" cy="584775"/>
           </a:xfrm>
           <a:prstGeom prst="rect">
@@ -17271,7 +17449,7 @@
                                     </p:set>
                                     <p:animEffect transition="in" filter="fade">
                                       <p:cBhvr>
-                                        <p:cTn id="7" dur="500"/>
+                                        <p:cTn id="7" dur="750"/>
                                         <p:tgtEl>
                                           <p:spTgt spid="5"/>
                                         </p:tgtEl>
@@ -17283,30 +17461,21 @@
                             </p:childTnLst>
                           </p:cTn>
                         </p:par>
-                      </p:childTnLst>
-                    </p:cTn>
-                  </p:par>
-                  <p:par>
-                    <p:cTn id="8" fill="hold">
-                      <p:stCondLst>
-                        <p:cond delay="indefinite"/>
-                      </p:stCondLst>
-                      <p:childTnLst>
                         <p:par>
-                          <p:cTn id="9" fill="hold">
+                          <p:cTn id="8" fill="hold">
                             <p:stCondLst>
-                              <p:cond delay="0"/>
+                              <p:cond delay="750"/>
                             </p:stCondLst>
                             <p:childTnLst>
                               <p:par>
-                                <p:cTn id="10" presetID="10" presetClass="entr" presetSubtype="0" fill="hold" grpId="0" nodeType="clickEffect">
+                                <p:cTn id="9" presetID="10" presetClass="entr" presetSubtype="0" fill="hold" grpId="0" nodeType="afterEffect">
                                   <p:stCondLst>
                                     <p:cond delay="0"/>
                                   </p:stCondLst>
                                   <p:childTnLst>
                                     <p:set>
                                       <p:cBhvr>
-                                        <p:cTn id="11" dur="1" fill="hold">
+                                        <p:cTn id="10" dur="1" fill="hold">
                                           <p:stCondLst>
                                             <p:cond delay="0"/>
                                           </p:stCondLst>
@@ -17324,7 +17493,7 @@
                                     </p:set>
                                     <p:animEffect transition="in" filter="fade">
                                       <p:cBhvr>
-                                        <p:cTn id="12" dur="500"/>
+                                        <p:cTn id="11" dur="500"/>
                                         <p:tgtEl>
                                           <p:spTgt spid="6"/>
                                         </p:tgtEl>
@@ -17336,30 +17505,21 @@
                             </p:childTnLst>
                           </p:cTn>
                         </p:par>
-                      </p:childTnLst>
-                    </p:cTn>
-                  </p:par>
-                  <p:par>
-                    <p:cTn id="13" fill="hold">
-                      <p:stCondLst>
-                        <p:cond delay="indefinite"/>
-                      </p:stCondLst>
-                      <p:childTnLst>
                         <p:par>
-                          <p:cTn id="14" fill="hold">
+                          <p:cTn id="12" fill="hold">
                             <p:stCondLst>
-                              <p:cond delay="0"/>
+                              <p:cond delay="1250"/>
                             </p:stCondLst>
                             <p:childTnLst>
                               <p:par>
-                                <p:cTn id="15" presetID="22" presetClass="entr" presetSubtype="8" fill="hold" grpId="0" nodeType="clickEffect">
+                                <p:cTn id="13" presetID="22" presetClass="entr" presetSubtype="8" fill="hold" grpId="0" nodeType="afterEffect">
                                   <p:stCondLst>
                                     <p:cond delay="0"/>
                                   </p:stCondLst>
                                   <p:childTnLst>
                                     <p:set>
                                       <p:cBhvr>
-                                        <p:cTn id="16" dur="1" fill="hold">
+                                        <p:cTn id="14" dur="1" fill="hold">
                                           <p:stCondLst>
                                             <p:cond delay="0"/>
                                           </p:stCondLst>
@@ -17377,7 +17537,7 @@
                                     </p:set>
                                     <p:animEffect transition="in" filter="wipe(left)">
                                       <p:cBhvr>
-                                        <p:cTn id="17" dur="250"/>
+                                        <p:cTn id="15" dur="250"/>
                                         <p:tgtEl>
                                           <p:spTgt spid="8"/>
                                         </p:tgtEl>
@@ -17389,30 +17549,21 @@
                             </p:childTnLst>
                           </p:cTn>
                         </p:par>
-                      </p:childTnLst>
-                    </p:cTn>
-                  </p:par>
-                  <p:par>
-                    <p:cTn id="18" fill="hold">
-                      <p:stCondLst>
-                        <p:cond delay="indefinite"/>
-                      </p:stCondLst>
-                      <p:childTnLst>
                         <p:par>
-                          <p:cTn id="19" fill="hold">
+                          <p:cTn id="16" fill="hold">
                             <p:stCondLst>
-                              <p:cond delay="0"/>
+                              <p:cond delay="1500"/>
                             </p:stCondLst>
                             <p:childTnLst>
                               <p:par>
-                                <p:cTn id="20" presetID="53" presetClass="entr" presetSubtype="16" fill="hold" grpId="0" nodeType="clickEffect">
+                                <p:cTn id="17" presetID="53" presetClass="entr" presetSubtype="16" fill="hold" grpId="0" nodeType="afterEffect">
                                   <p:stCondLst>
                                     <p:cond delay="0"/>
                                   </p:stCondLst>
                                   <p:childTnLst>
                                     <p:set>
                                       <p:cBhvr>
-                                        <p:cTn id="21" dur="1" fill="hold">
+                                        <p:cTn id="18" dur="1" fill="hold">
                                           <p:stCondLst>
                                             <p:cond delay="0"/>
                                           </p:stCondLst>
@@ -17430,7 +17581,7 @@
                                     </p:set>
                                     <p:anim calcmode="lin" valueType="num">
                                       <p:cBhvr>
-                                        <p:cTn id="22" dur="500" fill="hold"/>
+                                        <p:cTn id="19" dur="500" fill="hold"/>
                                         <p:tgtEl>
                                           <p:spTgt spid="10"/>
                                         </p:tgtEl>
@@ -17453,7 +17604,7 @@
                                     </p:anim>
                                     <p:anim calcmode="lin" valueType="num">
                                       <p:cBhvr>
-                                        <p:cTn id="23" dur="500" fill="hold"/>
+                                        <p:cTn id="20" dur="500" fill="hold"/>
                                         <p:tgtEl>
                                           <p:spTgt spid="10"/>
                                         </p:tgtEl>
@@ -17476,9 +17627,90 @@
                                     </p:anim>
                                     <p:animEffect transition="in" filter="fade">
                                       <p:cBhvr>
-                                        <p:cTn id="24" dur="500"/>
+                                        <p:cTn id="21" dur="500"/>
                                         <p:tgtEl>
                                           <p:spTgt spid="10"/>
+                                        </p:tgtEl>
+                                      </p:cBhvr>
+                                    </p:animEffect>
+                                  </p:childTnLst>
+                                </p:cTn>
+                              </p:par>
+                              <p:par>
+                                <p:cTn id="22" presetID="53" presetClass="entr" presetSubtype="16" fill="hold" grpId="0" nodeType="withEffect">
+                                  <p:stCondLst>
+                                    <p:cond delay="0"/>
+                                  </p:stCondLst>
+                                  <p:childTnLst>
+                                    <p:set>
+                                      <p:cBhvr>
+                                        <p:cTn id="23" dur="1" fill="hold">
+                                          <p:stCondLst>
+                                            <p:cond delay="0"/>
+                                          </p:stCondLst>
+                                        </p:cTn>
+                                        <p:tgtEl>
+                                          <p:spTgt spid="3"/>
+                                        </p:tgtEl>
+                                        <p:attrNameLst>
+                                          <p:attrName>style.visibility</p:attrName>
+                                        </p:attrNameLst>
+                                      </p:cBhvr>
+                                      <p:to>
+                                        <p:strVal val="visible"/>
+                                      </p:to>
+                                    </p:set>
+                                    <p:anim calcmode="lin" valueType="num">
+                                      <p:cBhvr>
+                                        <p:cTn id="24" dur="500" fill="hold"/>
+                                        <p:tgtEl>
+                                          <p:spTgt spid="3"/>
+                                        </p:tgtEl>
+                                        <p:attrNameLst>
+                                          <p:attrName>ppt_w</p:attrName>
+                                        </p:attrNameLst>
+                                      </p:cBhvr>
+                                      <p:tavLst>
+                                        <p:tav tm="0">
+                                          <p:val>
+                                            <p:fltVal val="0"/>
+                                          </p:val>
+                                        </p:tav>
+                                        <p:tav tm="100000">
+                                          <p:val>
+                                            <p:strVal val="#ppt_w"/>
+                                          </p:val>
+                                        </p:tav>
+                                      </p:tavLst>
+                                    </p:anim>
+                                    <p:anim calcmode="lin" valueType="num">
+                                      <p:cBhvr>
+                                        <p:cTn id="25" dur="500" fill="hold"/>
+                                        <p:tgtEl>
+                                          <p:spTgt spid="3"/>
+                                        </p:tgtEl>
+                                        <p:attrNameLst>
+                                          <p:attrName>ppt_h</p:attrName>
+                                        </p:attrNameLst>
+                                      </p:cBhvr>
+                                      <p:tavLst>
+                                        <p:tav tm="0">
+                                          <p:val>
+                                            <p:fltVal val="0"/>
+                                          </p:val>
+                                        </p:tav>
+                                        <p:tav tm="100000">
+                                          <p:val>
+                                            <p:strVal val="#ppt_h"/>
+                                          </p:val>
+                                        </p:tav>
+                                      </p:tavLst>
+                                    </p:anim>
+                                    <p:animEffect transition="in" filter="fade">
+                                      <p:cBhvr>
+                                        <p:cTn id="26" dur="500"/>
+                                        <p:tgtEl>
+                                          <p:spTgt spid="3"/>
                                         </p:tgtEl>
                                       </p:cBhvr>
                                     </p:animEffect>
@@ -17516,6 +17748,7 @@
       <p:bldP spid="6" grpId="0"/>
       <p:bldP spid="8" grpId="0" animBg="1"/>
       <p:bldP spid="10" grpId="0" animBg="1"/>
+      <p:bldP spid="3" grpId="0"/>
     </p:bldLst>
   </p:timing>
 </p:sld>
@@ -17798,7 +18031,23 @@
           <a:lstStyle/>
           <a:p>
             <a:r>
-              <a:rPr kumimoji="1" lang="ja-JP" altLang="en-US" dirty="0"/>
+              <a:rPr lang="ja-JP" altLang="en-US" b="1" dirty="0">
+                <a:ln w="19050">
+                  <a:solidFill>
+                    <a:schemeClr val="accent6">
+                      <a:lumMod val="50000"/>
+                    </a:schemeClr>
+                  </a:solidFill>
+                </a:ln>
+                <a:solidFill>
+                  <a:schemeClr val="accent6">
+                    <a:lumMod val="60000"/>
+                    <a:lumOff val="40000"/>
+                  </a:schemeClr>
+                </a:solidFill>
+                <a:latin typeface="HGP明朝E" panose="02020900000000000000" pitchFamily="18" charset="-128"/>
+                <a:ea typeface="HGP明朝E" panose="02020900000000000000" pitchFamily="18" charset="-128"/>
+              </a:rPr>
               <a:t>形態素解析</a:t>
             </a:r>
           </a:p>
@@ -17818,7 +18067,7 @@
         </p:nvSpPr>
         <p:spPr>
           <a:xfrm>
-            <a:off x="6400693" y="2109598"/>
+            <a:off x="6673509" y="2200067"/>
             <a:ext cx="4346844" cy="646331"/>
           </a:xfrm>
           <a:prstGeom prst="rect">
@@ -17921,7 +18170,7 @@
         </p:nvSpPr>
         <p:spPr>
           <a:xfrm>
-            <a:off x="2361667" y="3112749"/>
+            <a:off x="2612556" y="3219534"/>
             <a:ext cx="1017252" cy="437275"/>
           </a:xfrm>
           <a:prstGeom prst="downArrow">
@@ -17975,7 +18224,7 @@
         </p:nvSpPr>
         <p:spPr>
           <a:xfrm>
-            <a:off x="8244599" y="2805210"/>
+            <a:off x="8517415" y="2895679"/>
             <a:ext cx="722787" cy="589428"/>
           </a:xfrm>
           <a:prstGeom prst="downArrow">
@@ -18029,7 +18278,7 @@
         </p:nvGrpSpPr>
         <p:grpSpPr>
           <a:xfrm>
-            <a:off x="5653800" y="3443919"/>
+            <a:off x="5926616" y="3534388"/>
             <a:ext cx="5840629" cy="654785"/>
             <a:chOff x="4896051" y="3174540"/>
             <a:chExt cx="5840629" cy="654785"/>
@@ -18261,7 +18510,7 @@
         </p:nvGrpSpPr>
         <p:grpSpPr>
           <a:xfrm>
-            <a:off x="7329273" y="4785896"/>
+            <a:off x="7602089" y="4876365"/>
             <a:ext cx="2489683" cy="646331"/>
             <a:chOff x="6656883" y="4534388"/>
             <a:chExt cx="2489683" cy="646331"/>
@@ -18370,7 +18619,7 @@
         </p:nvSpPr>
         <p:spPr>
           <a:xfrm>
-            <a:off x="705953" y="1786436"/>
+            <a:off x="1020232" y="1906565"/>
             <a:ext cx="4906384" cy="1200329"/>
           </a:xfrm>
           <a:prstGeom prst="rect">
@@ -18385,29 +18634,21 @@
           <a:lstStyle/>
           <a:p>
             <a:r>
-              <a:rPr lang="ja-JP" altLang="en-US" sz="3600" dirty="0"/>
+              <a:rPr lang="ja-JP" altLang="en-US" sz="3600" b="1" dirty="0"/>
               <a:t>形態素解析</a:t>
             </a:r>
             <a:r>
-              <a:rPr lang="en-US" altLang="ja-JP" sz="3600" dirty="0"/>
-              <a:t>(</a:t>
-            </a:r>
-            <a:r>
-              <a:rPr lang="en-US" altLang="ja-JP" sz="3600" dirty="0" err="1"/>
-              <a:t>MeCab</a:t>
-            </a:r>
-            <a:r>
-              <a:rPr lang="en-US" altLang="ja-JP" sz="3600" dirty="0"/>
-              <a:t>)</a:t>
+              <a:rPr lang="en-US" altLang="ja-JP" sz="3600" b="1" dirty="0"/>
+              <a:t>(MeCab)</a:t>
             </a:r>
           </a:p>
           <a:p>
             <a:pPr lvl="1"/>
             <a:r>
-              <a:rPr lang="ja-JP" altLang="en-US" sz="3600" dirty="0"/>
+              <a:rPr lang="ja-JP" altLang="en-US" sz="3600" b="1" dirty="0"/>
               <a:t>品詞ごとに分解</a:t>
             </a:r>
-            <a:endParaRPr lang="en-US" altLang="ja-JP" sz="3600" dirty="0"/>
+            <a:endParaRPr lang="en-US" altLang="ja-JP" sz="3600" b="1" dirty="0"/>
           </a:p>
         </p:txBody>
       </p:sp>
@@ -18425,7 +18666,7 @@
         </p:nvSpPr>
         <p:spPr>
           <a:xfrm>
-            <a:off x="565384" y="3587100"/>
+            <a:off x="1007584" y="3728961"/>
             <a:ext cx="5088416" cy="646331"/>
           </a:xfrm>
           <a:prstGeom prst="rect">
@@ -18440,14 +18681,14 @@
           <a:lstStyle/>
           <a:p>
             <a:r>
-              <a:rPr lang="en-US" altLang="ja-JP" sz="3600" dirty="0" err="1"/>
+              <a:rPr lang="en-US" altLang="ja-JP" sz="3600" b="1" dirty="0"/>
               <a:t>MeCab</a:t>
             </a:r>
             <a:r>
-              <a:rPr lang="ja-JP" altLang="en-US" sz="3600" dirty="0"/>
+              <a:rPr lang="ja-JP" altLang="en-US" sz="3600" b="1" dirty="0"/>
               <a:t>で名詞を抽出</a:t>
             </a:r>
-            <a:endParaRPr lang="en-US" altLang="ja-JP" sz="3600" dirty="0"/>
+            <a:endParaRPr lang="en-US" altLang="ja-JP" sz="3600" b="1" dirty="0"/>
           </a:p>
         </p:txBody>
       </p:sp>
@@ -18465,7 +18706,7 @@
         </p:nvSpPr>
         <p:spPr>
           <a:xfrm>
-            <a:off x="1345429" y="4883177"/>
+            <a:off x="1613446" y="4997359"/>
             <a:ext cx="3528325" cy="646331"/>
           </a:xfrm>
           <a:prstGeom prst="rect">
@@ -18480,7 +18721,7 @@
           <a:lstStyle/>
           <a:p>
             <a:r>
-              <a:rPr lang="ja-JP" altLang="en-US" sz="3600" dirty="0"/>
+              <a:rPr lang="ja-JP" altLang="en-US" sz="3600" b="1" dirty="0"/>
               <a:t>名詞から予測</a:t>
             </a:r>
           </a:p>
@@ -18500,7 +18741,7 @@
         </p:nvSpPr>
         <p:spPr>
           <a:xfrm>
-            <a:off x="8244599" y="4158521"/>
+            <a:off x="8517415" y="4248990"/>
             <a:ext cx="722787" cy="589428"/>
           </a:xfrm>
           <a:prstGeom prst="downArrow">
@@ -18554,8 +18795,8 @@
         </p:nvSpPr>
         <p:spPr>
           <a:xfrm>
-            <a:off x="2361667" y="4368158"/>
-            <a:ext cx="1017252" cy="329090"/>
+            <a:off x="2612556" y="4375292"/>
+            <a:ext cx="1017252" cy="448833"/>
           </a:xfrm>
           <a:prstGeom prst="downArrow">
             <a:avLst/>
@@ -18604,6 +18845,288 @@
   <p:clrMapOvr>
     <a:masterClrMapping/>
   </p:clrMapOvr>
+  <p:timing>
+    <p:tnLst>
+      <p:par>
+        <p:cTn id="1" dur="indefinite" restart="never" nodeType="tmRoot">
+          <p:childTnLst>
+            <p:seq concurrent="1" nextAc="seek">
+              <p:cTn id="2" dur="indefinite" nodeType="mainSeq">
+                <p:childTnLst>
+                  <p:par>
+                    <p:cTn id="3" fill="hold">
+                      <p:stCondLst>
+                        <p:cond delay="indefinite"/>
+                      </p:stCondLst>
+                      <p:childTnLst>
+                        <p:par>
+                          <p:cTn id="4" fill="hold">
+                            <p:stCondLst>
+                              <p:cond delay="0"/>
+                            </p:stCondLst>
+                            <p:childTnLst>
+                              <p:par>
+                                <p:cTn id="5" presetID="10" presetClass="entr" presetSubtype="0" fill="hold" grpId="0" nodeType="clickEffect">
+                                  <p:stCondLst>
+                                    <p:cond delay="0"/>
+                                  </p:stCondLst>
+                                  <p:childTnLst>
+                                    <p:set>
+                                      <p:cBhvr>
+                                        <p:cTn id="6" dur="1" fill="hold">
+                                          <p:stCondLst>
+                                            <p:cond delay="0"/>
+                                          </p:stCondLst>
+                                        </p:cTn>
+                                        <p:tgtEl>
+                                          <p:spTgt spid="7"/>
+                                        </p:tgtEl>
+                                        <p:attrNameLst>
+                                          <p:attrName>style.visibility</p:attrName>
+                                        </p:attrNameLst>
+                                      </p:cBhvr>
+                                      <p:to>
+                                        <p:strVal val="visible"/>
+                                      </p:to>
+                                    </p:set>
+                                    <p:animEffect transition="in" filter="fade">
+                                      <p:cBhvr>
+                                        <p:cTn id="7" dur="500"/>
+                                        <p:tgtEl>
+                                          <p:spTgt spid="7"/>
+                                        </p:tgtEl>
+                                      </p:cBhvr>
+                                    </p:animEffect>
+                                  </p:childTnLst>
+                                </p:cTn>
+                              </p:par>
+                            </p:childTnLst>
+                          </p:cTn>
+                        </p:par>
+                      </p:childTnLst>
+                    </p:cTn>
+                  </p:par>
+                  <p:par>
+                    <p:cTn id="8" fill="hold">
+                      <p:stCondLst>
+                        <p:cond delay="indefinite"/>
+                      </p:stCondLst>
+                      <p:childTnLst>
+                        <p:par>
+                          <p:cTn id="9" fill="hold">
+                            <p:stCondLst>
+                              <p:cond delay="0"/>
+                            </p:stCondLst>
+                            <p:childTnLst>
+                              <p:par>
+                                <p:cTn id="10" presetID="22" presetClass="entr" presetSubtype="1" fill="hold" grpId="0" nodeType="clickEffect">
+                                  <p:stCondLst>
+                                    <p:cond delay="0"/>
+                                  </p:stCondLst>
+                                  <p:childTnLst>
+                                    <p:set>
+                                      <p:cBhvr>
+                                        <p:cTn id="11" dur="1" fill="hold">
+                                          <p:stCondLst>
+                                            <p:cond delay="0"/>
+                                          </p:stCondLst>
+                                        </p:cTn>
+                                        <p:tgtEl>
+                                          <p:spTgt spid="17"/>
+                                        </p:tgtEl>
+                                        <p:attrNameLst>
+                                          <p:attrName>style.visibility</p:attrName>
+                                        </p:attrNameLst>
+                                      </p:cBhvr>
+                                      <p:to>
+                                        <p:strVal val="visible"/>
+                                      </p:to>
+                                    </p:set>
+                                    <p:animEffect transition="in" filter="wipe(up)">
+                                      <p:cBhvr>
+                                        <p:cTn id="12" dur="500"/>
+                                        <p:tgtEl>
+                                          <p:spTgt spid="17"/>
+                                        </p:tgtEl>
+                                      </p:cBhvr>
+                                    </p:animEffect>
+                                  </p:childTnLst>
+                                </p:cTn>
+                              </p:par>
+                            </p:childTnLst>
+                          </p:cTn>
+                        </p:par>
+                        <p:par>
+                          <p:cTn id="13" fill="hold">
+                            <p:stCondLst>
+                              <p:cond delay="500"/>
+                            </p:stCondLst>
+                            <p:childTnLst>
+                              <p:par>
+                                <p:cTn id="14" presetID="10" presetClass="entr" presetSubtype="0" fill="hold" nodeType="afterEffect">
+                                  <p:stCondLst>
+                                    <p:cond delay="0"/>
+                                  </p:stCondLst>
+                                  <p:childTnLst>
+                                    <p:set>
+                                      <p:cBhvr>
+                                        <p:cTn id="15" dur="1" fill="hold">
+                                          <p:stCondLst>
+                                            <p:cond delay="0"/>
+                                          </p:stCondLst>
+                                        </p:cTn>
+                                        <p:tgtEl>
+                                          <p:spTgt spid="5"/>
+                                        </p:tgtEl>
+                                        <p:attrNameLst>
+                                          <p:attrName>style.visibility</p:attrName>
+                                        </p:attrNameLst>
+                                      </p:cBhvr>
+                                      <p:to>
+                                        <p:strVal val="visible"/>
+                                      </p:to>
+                                    </p:set>
+                                    <p:animEffect transition="in" filter="fade">
+                                      <p:cBhvr>
+                                        <p:cTn id="16" dur="500"/>
+                                        <p:tgtEl>
+                                          <p:spTgt spid="5"/>
+                                        </p:tgtEl>
+                                      </p:cBhvr>
+                                    </p:animEffect>
+                                  </p:childTnLst>
+                                </p:cTn>
+                              </p:par>
+                            </p:childTnLst>
+                          </p:cTn>
+                        </p:par>
+                      </p:childTnLst>
+                    </p:cTn>
+                  </p:par>
+                  <p:par>
+                    <p:cTn id="17" fill="hold">
+                      <p:stCondLst>
+                        <p:cond delay="indefinite"/>
+                      </p:stCondLst>
+                      <p:childTnLst>
+                        <p:par>
+                          <p:cTn id="18" fill="hold">
+                            <p:stCondLst>
+                              <p:cond delay="0"/>
+                            </p:stCondLst>
+                            <p:childTnLst>
+                              <p:par>
+                                <p:cTn id="19" presetID="22" presetClass="entr" presetSubtype="1" fill="hold" grpId="0" nodeType="clickEffect">
+                                  <p:stCondLst>
+                                    <p:cond delay="0"/>
+                                  </p:stCondLst>
+                                  <p:childTnLst>
+                                    <p:set>
+                                      <p:cBhvr>
+                                        <p:cTn id="20" dur="1" fill="hold">
+                                          <p:stCondLst>
+                                            <p:cond delay="0"/>
+                                          </p:stCondLst>
+                                        </p:cTn>
+                                        <p:tgtEl>
+                                          <p:spTgt spid="24"/>
+                                        </p:tgtEl>
+                                        <p:attrNameLst>
+                                          <p:attrName>style.visibility</p:attrName>
+                                        </p:attrNameLst>
+                                      </p:cBhvr>
+                                      <p:to>
+                                        <p:strVal val="visible"/>
+                                      </p:to>
+                                    </p:set>
+                                    <p:animEffect transition="in" filter="wipe(up)">
+                                      <p:cBhvr>
+                                        <p:cTn id="21" dur="500"/>
+                                        <p:tgtEl>
+                                          <p:spTgt spid="24"/>
+                                        </p:tgtEl>
+                                      </p:cBhvr>
+                                    </p:animEffect>
+                                  </p:childTnLst>
+                                </p:cTn>
+                              </p:par>
+                            </p:childTnLst>
+                          </p:cTn>
+                        </p:par>
+                        <p:par>
+                          <p:cTn id="22" fill="hold">
+                            <p:stCondLst>
+                              <p:cond delay="500"/>
+                            </p:stCondLst>
+                            <p:childTnLst>
+                              <p:par>
+                                <p:cTn id="23" presetID="10" presetClass="entr" presetSubtype="0" fill="hold" nodeType="afterEffect">
+                                  <p:stCondLst>
+                                    <p:cond delay="0"/>
+                                  </p:stCondLst>
+                                  <p:childTnLst>
+                                    <p:set>
+                                      <p:cBhvr>
+                                        <p:cTn id="24" dur="1" fill="hold">
+                                          <p:stCondLst>
+                                            <p:cond delay="0"/>
+                                          </p:stCondLst>
+                                        </p:cTn>
+                                        <p:tgtEl>
+                                          <p:spTgt spid="6"/>
+                                        </p:tgtEl>
+                                        <p:attrNameLst>
+                                          <p:attrName>style.visibility</p:attrName>
+                                        </p:attrNameLst>
+                                      </p:cBhvr>
+                                      <p:to>
+                                        <p:strVal val="visible"/>
+                                      </p:to>
+                                    </p:set>
+                                    <p:animEffect transition="in" filter="fade">
+                                      <p:cBhvr>
+                                        <p:cTn id="25" dur="500"/>
+                                        <p:tgtEl>
+                                          <p:spTgt spid="6"/>
+                                        </p:tgtEl>
+                                      </p:cBhvr>
+                                    </p:animEffect>
+                                  </p:childTnLst>
+                                </p:cTn>
+                              </p:par>
+                            </p:childTnLst>
+                          </p:cTn>
+                        </p:par>
+                      </p:childTnLst>
+                    </p:cTn>
+                  </p:par>
+                </p:childTnLst>
+              </p:cTn>
+              <p:prevCondLst>
+                <p:cond evt="onPrev" delay="0">
+                  <p:tgtEl>
+                    <p:sldTgt/>
+                  </p:tgtEl>
+                </p:cond>
+              </p:prevCondLst>
+              <p:nextCondLst>
+                <p:cond evt="onNext" delay="0">
+                  <p:tgtEl>
+                    <p:sldTgt/>
+                  </p:tgtEl>
+                </p:cond>
+              </p:nextCondLst>
+            </p:seq>
+          </p:childTnLst>
+        </p:cTn>
+      </p:par>
+    </p:tnLst>
+    <p:bldLst>
+      <p:bldP spid="7" grpId="0" animBg="1"/>
+      <p:bldP spid="17" grpId="0" animBg="1"/>
+      <p:bldP spid="24" grpId="0" animBg="1"/>
+    </p:bldLst>
+  </p:timing>
 </p:sld>
 </file>
 
@@ -18651,14 +19174,42 @@
           <a:lstStyle/>
           <a:p>
             <a:r>
-              <a:rPr lang="en-US" altLang="ja-JP" dirty="0"/>
-              <a:t>f</a:t>
-            </a:r>
-            <a:r>
-              <a:rPr kumimoji="1" lang="en-US" altLang="ja-JP" dirty="0"/>
-              <a:t>astText</a:t>
-            </a:r>
-            <a:endParaRPr kumimoji="1" lang="ja-JP" altLang="en-US" dirty="0"/>
+              <a:rPr lang="en-US" altLang="ja-JP" b="1" dirty="0">
+                <a:ln w="19050">
+                  <a:solidFill>
+                    <a:schemeClr val="accent6">
+                      <a:lumMod val="50000"/>
+                    </a:schemeClr>
+                  </a:solidFill>
+                </a:ln>
+                <a:solidFill>
+                  <a:schemeClr val="accent6">
+                    <a:lumMod val="60000"/>
+                    <a:lumOff val="40000"/>
+                  </a:schemeClr>
+                </a:solidFill>
+                <a:latin typeface="HGP明朝E" panose="02020900000000000000" pitchFamily="18" charset="-128"/>
+                <a:ea typeface="HGP明朝E" panose="02020900000000000000" pitchFamily="18" charset="-128"/>
+              </a:rPr>
+              <a:t>fastText</a:t>
+            </a:r>
+            <a:endParaRPr lang="ja-JP" altLang="en-US" b="1" dirty="0">
+              <a:ln w="19050">
+                <a:solidFill>
+                  <a:schemeClr val="accent6">
+                    <a:lumMod val="50000"/>
+                  </a:schemeClr>
+                </a:solidFill>
+              </a:ln>
+              <a:solidFill>
+                <a:schemeClr val="accent6">
+                  <a:lumMod val="60000"/>
+                  <a:lumOff val="40000"/>
+                </a:schemeClr>
+              </a:solidFill>
+              <a:latin typeface="HGP明朝E" panose="02020900000000000000" pitchFamily="18" charset="-128"/>
+              <a:ea typeface="HGP明朝E" panose="02020900000000000000" pitchFamily="18" charset="-128"/>
+            </a:endParaRPr>
           </a:p>
         </p:txBody>
       </p:sp>
@@ -19363,7 +19914,7 @@
         </p:blipFill>
         <p:spPr>
           <a:xfrm>
-            <a:off x="871483" y="1327834"/>
+            <a:off x="838200" y="1593908"/>
             <a:ext cx="8480218" cy="5208174"/>
           </a:xfrm>
         </p:spPr>
@@ -19390,10 +19941,42 @@
           <a:lstStyle/>
           <a:p>
             <a:r>
-              <a:rPr kumimoji="1" lang="en-US" altLang="ja-JP" dirty="0"/>
-              <a:t>Predict.py</a:t>
-            </a:r>
-            <a:endParaRPr kumimoji="1" lang="ja-JP" altLang="en-US" dirty="0"/>
+              <a:rPr lang="en-US" altLang="ja-JP" b="1" dirty="0">
+                <a:ln w="19050">
+                  <a:solidFill>
+                    <a:schemeClr val="accent6">
+                      <a:lumMod val="50000"/>
+                    </a:schemeClr>
+                  </a:solidFill>
+                </a:ln>
+                <a:solidFill>
+                  <a:schemeClr val="accent6">
+                    <a:lumMod val="60000"/>
+                    <a:lumOff val="40000"/>
+                  </a:schemeClr>
+                </a:solidFill>
+                <a:latin typeface="HGP明朝E" panose="02020900000000000000" pitchFamily="18" charset="-128"/>
+                <a:ea typeface="HGP明朝E" panose="02020900000000000000" pitchFamily="18" charset="-128"/>
+              </a:rPr>
+              <a:t>predict.py</a:t>
+            </a:r>
+            <a:endParaRPr lang="ja-JP" altLang="en-US" b="1" dirty="0">
+              <a:ln w="19050">
+                <a:solidFill>
+                  <a:schemeClr val="accent6">
+                    <a:lumMod val="50000"/>
+                  </a:schemeClr>
+                </a:solidFill>
+              </a:ln>
+              <a:solidFill>
+                <a:schemeClr val="accent6">
+                  <a:lumMod val="60000"/>
+                  <a:lumOff val="40000"/>
+                </a:schemeClr>
+              </a:solidFill>
+              <a:latin typeface="HGP明朝E" panose="02020900000000000000" pitchFamily="18" charset="-128"/>
+              <a:ea typeface="HGP明朝E" panose="02020900000000000000" pitchFamily="18" charset="-128"/>
+            </a:endParaRPr>
           </a:p>
         </p:txBody>
       </p:sp>
@@ -19454,590 +20037,672 @@
           </a:p>
         </p:txBody>
       </p:sp>
-      <p:sp>
-        <p:nvSpPr>
-          <p:cNvPr id="8" name="正方形/長方形 7">
+      <p:grpSp>
+        <p:nvGrpSpPr>
+          <p:cNvPr id="18" name="グループ化 17">
             <a:extLst>
               <a:ext uri="{FF2B5EF4-FFF2-40B4-BE49-F238E27FC236}">
-                <a16:creationId xmlns:a16="http://schemas.microsoft.com/office/drawing/2014/main" id="{A65C41CD-914D-46B4-A2C1-B973A31344D1}"/>
+                <a16:creationId xmlns:a16="http://schemas.microsoft.com/office/drawing/2014/main" id="{C20835E3-63A2-48A2-9D48-C6D75E3FC5AE}"/>
               </a:ext>
             </a:extLst>
           </p:cNvPr>
-          <p:cNvSpPr/>
+          <p:cNvGrpSpPr/>
           <p:nvPr/>
-        </p:nvSpPr>
-        <p:spPr>
+        </p:nvGrpSpPr>
+        <p:grpSpPr>
           <a:xfrm>
-            <a:off x="1315784" y="1543112"/>
-            <a:ext cx="1799924" cy="388896"/>
+            <a:off x="1282501" y="1772801"/>
+            <a:ext cx="6480354" cy="461665"/>
+            <a:chOff x="1282501" y="1772801"/>
+            <a:chExt cx="6480354" cy="461665"/>
           </a:xfrm>
-          <a:prstGeom prst="rect">
-            <a:avLst/>
-          </a:prstGeom>
-          <a:noFill/>
-          <a:ln w="38100">
+        </p:grpSpPr>
+        <p:sp>
+          <p:nvSpPr>
+            <p:cNvPr id="8" name="正方形/長方形 7">
+              <a:extLst>
+                <a:ext uri="{FF2B5EF4-FFF2-40B4-BE49-F238E27FC236}">
+                  <a16:creationId xmlns:a16="http://schemas.microsoft.com/office/drawing/2014/main" id="{A65C41CD-914D-46B4-A2C1-B973A31344D1}"/>
+                </a:ext>
+              </a:extLst>
+            </p:cNvPr>
+            <p:cNvSpPr/>
+            <p:nvPr/>
+          </p:nvSpPr>
+          <p:spPr>
+            <a:xfrm>
+              <a:off x="1282501" y="1809186"/>
+              <a:ext cx="1799924" cy="388896"/>
+            </a:xfrm>
+            <a:prstGeom prst="rect">
+              <a:avLst/>
+            </a:prstGeom>
+            <a:noFill/>
+            <a:ln w="38100">
+              <a:solidFill>
+                <a:srgbClr val="FF0000"/>
+              </a:solidFill>
+            </a:ln>
+          </p:spPr>
+          <p:style>
+            <a:lnRef idx="2">
+              <a:schemeClr val="accent1">
+                <a:shade val="50000"/>
+              </a:schemeClr>
+            </a:lnRef>
+            <a:fillRef idx="1">
+              <a:schemeClr val="accent1"/>
+            </a:fillRef>
+            <a:effectRef idx="0">
+              <a:schemeClr val="accent1"/>
+            </a:effectRef>
+            <a:fontRef idx="minor">
+              <a:schemeClr val="lt1"/>
+            </a:fontRef>
+          </p:style>
+          <p:txBody>
+            <a:bodyPr rtlCol="0" anchor="ctr"/>
+            <a:lstStyle/>
+            <a:p>
+              <a:pPr algn="ctr"/>
+              <a:endParaRPr kumimoji="1" lang="ja-JP" altLang="en-US"/>
+            </a:p>
+          </p:txBody>
+        </p:sp>
+        <p:sp>
+          <p:nvSpPr>
+            <p:cNvPr id="13" name="テキスト ボックス 12">
+              <a:extLst>
+                <a:ext uri="{FF2B5EF4-FFF2-40B4-BE49-F238E27FC236}">
+                  <a16:creationId xmlns:a16="http://schemas.microsoft.com/office/drawing/2014/main" id="{BBF8D273-AC8A-40E2-B393-E0314F7581A0}"/>
+                </a:ext>
+              </a:extLst>
+            </p:cNvPr>
+            <p:cNvSpPr txBox="1"/>
+            <p:nvPr/>
+          </p:nvSpPr>
+          <p:spPr>
+            <a:xfrm>
+              <a:off x="3714165" y="1772801"/>
+              <a:ext cx="4048690" cy="461665"/>
+            </a:xfrm>
+            <a:prstGeom prst="rect">
+              <a:avLst/>
+            </a:prstGeom>
             <a:solidFill>
-              <a:srgbClr val="FF0000"/>
+              <a:schemeClr val="bg1"/>
             </a:solidFill>
-          </a:ln>
-        </p:spPr>
-        <p:style>
-          <a:lnRef idx="2">
-            <a:schemeClr val="accent1">
-              <a:shade val="50000"/>
-            </a:schemeClr>
-          </a:lnRef>
-          <a:fillRef idx="1">
-            <a:schemeClr val="accent1"/>
-          </a:fillRef>
-          <a:effectRef idx="0">
-            <a:schemeClr val="accent1"/>
-          </a:effectRef>
-          <a:fontRef idx="minor">
-            <a:schemeClr val="lt1"/>
-          </a:fontRef>
-        </p:style>
-        <p:txBody>
-          <a:bodyPr rtlCol="0" anchor="ctr"/>
-          <a:lstStyle/>
-          <a:p>
-            <a:pPr algn="ctr"/>
-            <a:endParaRPr kumimoji="1" lang="ja-JP" altLang="en-US"/>
-          </a:p>
-        </p:txBody>
-      </p:sp>
-      <p:sp>
-        <p:nvSpPr>
-          <p:cNvPr id="9" name="正方形/長方形 8">
+            <a:ln w="38100">
+              <a:solidFill>
+                <a:srgbClr val="FF0000"/>
+              </a:solidFill>
+            </a:ln>
+          </p:spPr>
+          <p:txBody>
+            <a:bodyPr wrap="square" rtlCol="0">
+              <a:spAutoFit/>
+            </a:bodyPr>
+            <a:lstStyle/>
+            <a:p>
+              <a:r>
+                <a:rPr kumimoji="1" lang="en-US" altLang="ja-JP" sz="2400" b="1" dirty="0"/>
+                <a:t>fastText</a:t>
+              </a:r>
+              <a:r>
+                <a:rPr kumimoji="1" lang="ja-JP" altLang="en-US" sz="2400" b="1" dirty="0"/>
+                <a:t>と</a:t>
+              </a:r>
+              <a:r>
+                <a:rPr kumimoji="1" lang="en-US" altLang="ja-JP" sz="2400" b="1" dirty="0"/>
+                <a:t>MeCab</a:t>
+              </a:r>
+              <a:r>
+                <a:rPr kumimoji="1" lang="ja-JP" altLang="en-US" sz="2400" b="1" dirty="0"/>
+                <a:t>を</a:t>
+              </a:r>
+              <a:r>
+                <a:rPr kumimoji="1" lang="en-US" altLang="ja-JP" sz="2400" b="1" dirty="0"/>
+                <a:t>import</a:t>
+              </a:r>
+              <a:endParaRPr kumimoji="1" lang="ja-JP" altLang="en-US" sz="2400" b="1" dirty="0"/>
+            </a:p>
+          </p:txBody>
+        </p:sp>
+        <p:cxnSp>
+          <p:nvCxnSpPr>
+            <p:cNvPr id="23" name="直線コネクタ 22">
+              <a:extLst>
+                <a:ext uri="{FF2B5EF4-FFF2-40B4-BE49-F238E27FC236}">
+                  <a16:creationId xmlns:a16="http://schemas.microsoft.com/office/drawing/2014/main" id="{04551CEB-F58B-43F0-AAE0-A56B1ADB1AAA}"/>
+                </a:ext>
+              </a:extLst>
+            </p:cNvPr>
+            <p:cNvCxnSpPr>
+              <a:cxnSpLocks/>
+              <a:stCxn id="13" idx="1"/>
+              <a:endCxn id="8" idx="3"/>
+            </p:cNvCxnSpPr>
+            <p:nvPr/>
+          </p:nvCxnSpPr>
+          <p:spPr>
+            <a:xfrm flipH="1">
+              <a:off x="3082425" y="2003634"/>
+              <a:ext cx="631740" cy="0"/>
+            </a:xfrm>
+            <a:prstGeom prst="line">
+              <a:avLst/>
+            </a:prstGeom>
+            <a:ln w="38100">
+              <a:solidFill>
+                <a:srgbClr val="FF0000"/>
+              </a:solidFill>
+            </a:ln>
+          </p:spPr>
+          <p:style>
+            <a:lnRef idx="1">
+              <a:schemeClr val="accent1"/>
+            </a:lnRef>
+            <a:fillRef idx="0">
+              <a:schemeClr val="accent1"/>
+            </a:fillRef>
+            <a:effectRef idx="0">
+              <a:schemeClr val="accent1"/>
+            </a:effectRef>
+            <a:fontRef idx="minor">
+              <a:schemeClr val="tx1"/>
+            </a:fontRef>
+          </p:style>
+        </p:cxnSp>
+      </p:grpSp>
+      <p:grpSp>
+        <p:nvGrpSpPr>
+          <p:cNvPr id="19" name="グループ化 18">
             <a:extLst>
               <a:ext uri="{FF2B5EF4-FFF2-40B4-BE49-F238E27FC236}">
-                <a16:creationId xmlns:a16="http://schemas.microsoft.com/office/drawing/2014/main" id="{0CE431B2-BCC6-481E-A402-C400128183D4}"/>
+                <a16:creationId xmlns:a16="http://schemas.microsoft.com/office/drawing/2014/main" id="{EF43B244-F021-43AD-9C3C-1871CBE35306}"/>
               </a:ext>
             </a:extLst>
           </p:cNvPr>
-          <p:cNvSpPr/>
+          <p:cNvGrpSpPr/>
           <p:nvPr/>
-        </p:nvSpPr>
-        <p:spPr>
+        </p:nvGrpSpPr>
+        <p:grpSpPr>
           <a:xfrm>
-            <a:off x="1398065" y="2143329"/>
-            <a:ext cx="3080086" cy="676871"/>
+            <a:off x="1364782" y="2409403"/>
+            <a:ext cx="6754684" cy="676871"/>
+            <a:chOff x="1364782" y="2409403"/>
+            <a:chExt cx="6754684" cy="676871"/>
           </a:xfrm>
-          <a:prstGeom prst="rect">
-            <a:avLst/>
-          </a:prstGeom>
-          <a:noFill/>
-          <a:ln w="38100">
+        </p:grpSpPr>
+        <p:sp>
+          <p:nvSpPr>
+            <p:cNvPr id="9" name="正方形/長方形 8">
+              <a:extLst>
+                <a:ext uri="{FF2B5EF4-FFF2-40B4-BE49-F238E27FC236}">
+                  <a16:creationId xmlns:a16="http://schemas.microsoft.com/office/drawing/2014/main" id="{0CE431B2-BCC6-481E-A402-C400128183D4}"/>
+                </a:ext>
+              </a:extLst>
+            </p:cNvPr>
+            <p:cNvSpPr/>
+            <p:nvPr/>
+          </p:nvSpPr>
+          <p:spPr>
+            <a:xfrm>
+              <a:off x="1364782" y="2409403"/>
+              <a:ext cx="3080086" cy="676871"/>
+            </a:xfrm>
+            <a:prstGeom prst="rect">
+              <a:avLst/>
+            </a:prstGeom>
+            <a:noFill/>
+            <a:ln w="38100">
+              <a:solidFill>
+                <a:srgbClr val="FF0000"/>
+              </a:solidFill>
+            </a:ln>
+          </p:spPr>
+          <p:style>
+            <a:lnRef idx="2">
+              <a:schemeClr val="accent1">
+                <a:shade val="50000"/>
+              </a:schemeClr>
+            </a:lnRef>
+            <a:fillRef idx="1">
+              <a:schemeClr val="accent1"/>
+            </a:fillRef>
+            <a:effectRef idx="0">
+              <a:schemeClr val="accent1"/>
+            </a:effectRef>
+            <a:fontRef idx="minor">
+              <a:schemeClr val="lt1"/>
+            </a:fontRef>
+          </p:style>
+          <p:txBody>
+            <a:bodyPr rtlCol="0" anchor="ctr"/>
+            <a:lstStyle/>
+            <a:p>
+              <a:pPr algn="ctr"/>
+              <a:endParaRPr kumimoji="1" lang="ja-JP" altLang="en-US"/>
+            </a:p>
+          </p:txBody>
+        </p:sp>
+        <p:sp>
+          <p:nvSpPr>
+            <p:cNvPr id="14" name="テキスト ボックス 13">
+              <a:extLst>
+                <a:ext uri="{FF2B5EF4-FFF2-40B4-BE49-F238E27FC236}">
+                  <a16:creationId xmlns:a16="http://schemas.microsoft.com/office/drawing/2014/main" id="{78DD10E0-C154-4EB8-B67D-3C8BE76387F5}"/>
+                </a:ext>
+              </a:extLst>
+            </p:cNvPr>
+            <p:cNvSpPr txBox="1"/>
+            <p:nvPr/>
+          </p:nvSpPr>
+          <p:spPr>
+            <a:xfrm>
+              <a:off x="4979887" y="2583635"/>
+              <a:ext cx="3139579" cy="461665"/>
+            </a:xfrm>
+            <a:prstGeom prst="rect">
+              <a:avLst/>
+            </a:prstGeom>
             <a:solidFill>
-              <a:srgbClr val="FF0000"/>
+              <a:schemeClr val="bg1"/>
             </a:solidFill>
-          </a:ln>
-        </p:spPr>
-        <p:style>
-          <a:lnRef idx="2">
-            <a:schemeClr val="accent1">
-              <a:shade val="50000"/>
-            </a:schemeClr>
-          </a:lnRef>
-          <a:fillRef idx="1">
-            <a:schemeClr val="accent1"/>
-          </a:fillRef>
-          <a:effectRef idx="0">
-            <a:schemeClr val="accent1"/>
-          </a:effectRef>
-          <a:fontRef idx="minor">
-            <a:schemeClr val="lt1"/>
-          </a:fontRef>
-        </p:style>
-        <p:txBody>
-          <a:bodyPr rtlCol="0" anchor="ctr"/>
-          <a:lstStyle/>
-          <a:p>
-            <a:pPr algn="ctr"/>
-            <a:endParaRPr kumimoji="1" lang="ja-JP" altLang="en-US"/>
-          </a:p>
-        </p:txBody>
-      </p:sp>
-      <p:sp>
-        <p:nvSpPr>
-          <p:cNvPr id="10" name="正方形/長方形 9">
+            <a:ln w="38100">
+              <a:solidFill>
+                <a:srgbClr val="FF0000"/>
+              </a:solidFill>
+            </a:ln>
+          </p:spPr>
+          <p:txBody>
+            <a:bodyPr wrap="square" rtlCol="0">
+              <a:spAutoFit/>
+            </a:bodyPr>
+            <a:lstStyle/>
+            <a:p>
+              <a:r>
+                <a:rPr kumimoji="1" lang="en-US" altLang="ja-JP" sz="2400" b="1" dirty="0"/>
+                <a:t>MeCab</a:t>
+              </a:r>
+              <a:r>
+                <a:rPr kumimoji="1" lang="ja-JP" altLang="en-US" sz="2400" b="1" dirty="0"/>
+                <a:t>で形態素解析</a:t>
+              </a:r>
+            </a:p>
+          </p:txBody>
+        </p:sp>
+        <p:cxnSp>
+          <p:nvCxnSpPr>
+            <p:cNvPr id="24" name="直線コネクタ 23">
+              <a:extLst>
+                <a:ext uri="{FF2B5EF4-FFF2-40B4-BE49-F238E27FC236}">
+                  <a16:creationId xmlns:a16="http://schemas.microsoft.com/office/drawing/2014/main" id="{FC08593E-5B76-4E0F-8C63-5C3B67BDB7BE}"/>
+                </a:ext>
+              </a:extLst>
+            </p:cNvPr>
+            <p:cNvCxnSpPr>
+              <a:cxnSpLocks/>
+            </p:cNvCxnSpPr>
+            <p:nvPr/>
+          </p:nvCxnSpPr>
+          <p:spPr>
+            <a:xfrm flipH="1">
+              <a:off x="4433513" y="2768301"/>
+              <a:ext cx="546375" cy="1"/>
+            </a:xfrm>
+            <a:prstGeom prst="line">
+              <a:avLst/>
+            </a:prstGeom>
+            <a:ln w="38100">
+              <a:solidFill>
+                <a:srgbClr val="FF0000"/>
+              </a:solidFill>
+            </a:ln>
+          </p:spPr>
+          <p:style>
+            <a:lnRef idx="1">
+              <a:schemeClr val="accent1"/>
+            </a:lnRef>
+            <a:fillRef idx="0">
+              <a:schemeClr val="accent1"/>
+            </a:fillRef>
+            <a:effectRef idx="0">
+              <a:schemeClr val="accent1"/>
+            </a:effectRef>
+            <a:fontRef idx="minor">
+              <a:schemeClr val="tx1"/>
+            </a:fontRef>
+          </p:style>
+        </p:cxnSp>
+      </p:grpSp>
+      <p:grpSp>
+        <p:nvGrpSpPr>
+          <p:cNvPr id="20" name="グループ化 19">
             <a:extLst>
               <a:ext uri="{FF2B5EF4-FFF2-40B4-BE49-F238E27FC236}">
-                <a16:creationId xmlns:a16="http://schemas.microsoft.com/office/drawing/2014/main" id="{05EC3179-A05E-4A09-8C05-9AFC1E06AAC0}"/>
+                <a16:creationId xmlns:a16="http://schemas.microsoft.com/office/drawing/2014/main" id="{048C8B25-EDE5-4F64-971B-AE9C0E549996}"/>
               </a:ext>
             </a:extLst>
           </p:cNvPr>
-          <p:cNvSpPr/>
+          <p:cNvGrpSpPr/>
           <p:nvPr/>
-        </p:nvSpPr>
-        <p:spPr>
+        </p:nvGrpSpPr>
+        <p:grpSpPr>
           <a:xfrm>
-            <a:off x="1525791" y="5391476"/>
-            <a:ext cx="3420002" cy="1037057"/>
+            <a:off x="1287176" y="3310350"/>
+            <a:ext cx="11025590" cy="2111383"/>
+            <a:chOff x="1287176" y="3310350"/>
+            <a:chExt cx="11025590" cy="2111383"/>
           </a:xfrm>
-          <a:prstGeom prst="rect">
-            <a:avLst/>
-          </a:prstGeom>
-          <a:noFill/>
-          <a:ln w="38100">
+        </p:grpSpPr>
+        <p:sp>
+          <p:nvSpPr>
+            <p:cNvPr id="11" name="正方形/長方形 10">
+              <a:extLst>
+                <a:ext uri="{FF2B5EF4-FFF2-40B4-BE49-F238E27FC236}">
+                  <a16:creationId xmlns:a16="http://schemas.microsoft.com/office/drawing/2014/main" id="{8EFC927D-9345-40F0-A269-18862696A4D4}"/>
+                </a:ext>
+              </a:extLst>
+            </p:cNvPr>
+            <p:cNvSpPr/>
+            <p:nvPr/>
+          </p:nvSpPr>
+          <p:spPr>
+            <a:xfrm>
+              <a:off x="1287176" y="3310350"/>
+              <a:ext cx="7926407" cy="2111383"/>
+            </a:xfrm>
+            <a:prstGeom prst="rect">
+              <a:avLst/>
+            </a:prstGeom>
+            <a:noFill/>
+            <a:ln w="38100">
+              <a:solidFill>
+                <a:srgbClr val="FF0000"/>
+              </a:solidFill>
+            </a:ln>
+          </p:spPr>
+          <p:style>
+            <a:lnRef idx="2">
+              <a:schemeClr val="accent1">
+                <a:shade val="50000"/>
+              </a:schemeClr>
+            </a:lnRef>
+            <a:fillRef idx="1">
+              <a:schemeClr val="accent1"/>
+            </a:fillRef>
+            <a:effectRef idx="0">
+              <a:schemeClr val="accent1"/>
+            </a:effectRef>
+            <a:fontRef idx="minor">
+              <a:schemeClr val="lt1"/>
+            </a:fontRef>
+          </p:style>
+          <p:txBody>
+            <a:bodyPr rtlCol="0" anchor="ctr"/>
+            <a:lstStyle/>
+            <a:p>
+              <a:pPr algn="ctr"/>
+              <a:endParaRPr kumimoji="1" lang="ja-JP" altLang="en-US"/>
+            </a:p>
+          </p:txBody>
+        </p:sp>
+        <p:sp>
+          <p:nvSpPr>
+            <p:cNvPr id="16" name="テキスト ボックス 15">
+              <a:extLst>
+                <a:ext uri="{FF2B5EF4-FFF2-40B4-BE49-F238E27FC236}">
+                  <a16:creationId xmlns:a16="http://schemas.microsoft.com/office/drawing/2014/main" id="{EAB3391C-9D02-4582-B567-551C8654E868}"/>
+                </a:ext>
+              </a:extLst>
+            </p:cNvPr>
+            <p:cNvSpPr txBox="1"/>
+            <p:nvPr/>
+          </p:nvSpPr>
+          <p:spPr>
+            <a:xfrm>
+              <a:off x="9759958" y="3911454"/>
+              <a:ext cx="2552808" cy="1200329"/>
+            </a:xfrm>
+            <a:prstGeom prst="rect">
+              <a:avLst/>
+            </a:prstGeom>
             <a:solidFill>
-              <a:srgbClr val="FF0000"/>
+              <a:schemeClr val="bg1"/>
             </a:solidFill>
-          </a:ln>
-        </p:spPr>
-        <p:style>
-          <a:lnRef idx="2">
-            <a:schemeClr val="accent1">
-              <a:shade val="50000"/>
-            </a:schemeClr>
-          </a:lnRef>
-          <a:fillRef idx="1">
-            <a:schemeClr val="accent1"/>
-          </a:fillRef>
-          <a:effectRef idx="0">
-            <a:schemeClr val="accent1"/>
-          </a:effectRef>
-          <a:fontRef idx="minor">
-            <a:schemeClr val="lt1"/>
-          </a:fontRef>
-        </p:style>
-        <p:txBody>
-          <a:bodyPr rtlCol="0" anchor="ctr"/>
-          <a:lstStyle/>
-          <a:p>
-            <a:pPr algn="ctr"/>
-            <a:endParaRPr kumimoji="1" lang="ja-JP" altLang="en-US"/>
-          </a:p>
-        </p:txBody>
-      </p:sp>
-      <p:sp>
-        <p:nvSpPr>
-          <p:cNvPr id="11" name="正方形/長方形 10">
+            <a:ln w="38100">
+              <a:solidFill>
+                <a:srgbClr val="FF0000"/>
+              </a:solidFill>
+            </a:ln>
+          </p:spPr>
+          <p:txBody>
+            <a:bodyPr wrap="square" rtlCol="0">
+              <a:spAutoFit/>
+            </a:bodyPr>
+            <a:lstStyle/>
+            <a:p>
+              <a:r>
+                <a:rPr kumimoji="1" lang="ja-JP" altLang="en-US" sz="2400" b="1" dirty="0"/>
+                <a:t>文章の中から</a:t>
+              </a:r>
+              <a:endParaRPr kumimoji="1" lang="en-US" altLang="ja-JP" sz="2400" b="1" dirty="0"/>
+            </a:p>
+            <a:p>
+              <a:r>
+                <a:rPr kumimoji="1" lang="ja-JP" altLang="en-US" sz="2400" b="1" dirty="0"/>
+                <a:t>必要な名詞を抽出</a:t>
+              </a:r>
+              <a:endParaRPr kumimoji="1" lang="en-US" altLang="ja-JP" sz="2400" b="1" dirty="0"/>
+            </a:p>
+          </p:txBody>
+        </p:sp>
+        <p:cxnSp>
+          <p:nvCxnSpPr>
+            <p:cNvPr id="25" name="直線コネクタ 24">
+              <a:extLst>
+                <a:ext uri="{FF2B5EF4-FFF2-40B4-BE49-F238E27FC236}">
+                  <a16:creationId xmlns:a16="http://schemas.microsoft.com/office/drawing/2014/main" id="{109ACC8D-7B28-4AD7-BD55-372243E80751}"/>
+                </a:ext>
+              </a:extLst>
+            </p:cNvPr>
+            <p:cNvCxnSpPr>
+              <a:cxnSpLocks/>
+            </p:cNvCxnSpPr>
+            <p:nvPr/>
+          </p:nvCxnSpPr>
+          <p:spPr>
+            <a:xfrm flipH="1">
+              <a:off x="9201598" y="4250030"/>
+              <a:ext cx="546375" cy="1"/>
+            </a:xfrm>
+            <a:prstGeom prst="line">
+              <a:avLst/>
+            </a:prstGeom>
+            <a:ln w="38100">
+              <a:solidFill>
+                <a:srgbClr val="FF0000"/>
+              </a:solidFill>
+            </a:ln>
+          </p:spPr>
+          <p:style>
+            <a:lnRef idx="1">
+              <a:schemeClr val="accent1"/>
+            </a:lnRef>
+            <a:fillRef idx="0">
+              <a:schemeClr val="accent1"/>
+            </a:fillRef>
+            <a:effectRef idx="0">
+              <a:schemeClr val="accent1"/>
+            </a:effectRef>
+            <a:fontRef idx="minor">
+              <a:schemeClr val="tx1"/>
+            </a:fontRef>
+          </p:style>
+        </p:cxnSp>
+      </p:grpSp>
+      <p:grpSp>
+        <p:nvGrpSpPr>
+          <p:cNvPr id="21" name="グループ化 20">
             <a:extLst>
               <a:ext uri="{FF2B5EF4-FFF2-40B4-BE49-F238E27FC236}">
-                <a16:creationId xmlns:a16="http://schemas.microsoft.com/office/drawing/2014/main" id="{8EFC927D-9345-40F0-A269-18862696A4D4}"/>
+                <a16:creationId xmlns:a16="http://schemas.microsoft.com/office/drawing/2014/main" id="{04406236-7F71-42AC-8BDD-0B5D7DC4BFED}"/>
               </a:ext>
             </a:extLst>
           </p:cNvPr>
-          <p:cNvSpPr/>
+          <p:cNvGrpSpPr/>
           <p:nvPr/>
-        </p:nvSpPr>
-        <p:spPr>
+        </p:nvGrpSpPr>
+        <p:grpSpPr>
           <a:xfrm>
-            <a:off x="1320459" y="3044276"/>
-            <a:ext cx="7926407" cy="2111383"/>
+            <a:off x="1492508" y="5657550"/>
+            <a:ext cx="8554087" cy="1037057"/>
+            <a:chOff x="1492508" y="5657550"/>
+            <a:chExt cx="8554087" cy="1037057"/>
           </a:xfrm>
-          <a:prstGeom prst="rect">
-            <a:avLst/>
-          </a:prstGeom>
-          <a:noFill/>
-          <a:ln w="38100">
+        </p:grpSpPr>
+        <p:sp>
+          <p:nvSpPr>
+            <p:cNvPr id="10" name="正方形/長方形 9">
+              <a:extLst>
+                <a:ext uri="{FF2B5EF4-FFF2-40B4-BE49-F238E27FC236}">
+                  <a16:creationId xmlns:a16="http://schemas.microsoft.com/office/drawing/2014/main" id="{05EC3179-A05E-4A09-8C05-9AFC1E06AAC0}"/>
+                </a:ext>
+              </a:extLst>
+            </p:cNvPr>
+            <p:cNvSpPr/>
+            <p:nvPr/>
+          </p:nvSpPr>
+          <p:spPr>
+            <a:xfrm>
+              <a:off x="1492508" y="5657550"/>
+              <a:ext cx="3420002" cy="1037057"/>
+            </a:xfrm>
+            <a:prstGeom prst="rect">
+              <a:avLst/>
+            </a:prstGeom>
+            <a:noFill/>
+            <a:ln w="38100">
+              <a:solidFill>
+                <a:srgbClr val="FF0000"/>
+              </a:solidFill>
+            </a:ln>
+          </p:spPr>
+          <p:style>
+            <a:lnRef idx="2">
+              <a:schemeClr val="accent1">
+                <a:shade val="50000"/>
+              </a:schemeClr>
+            </a:lnRef>
+            <a:fillRef idx="1">
+              <a:schemeClr val="accent1"/>
+            </a:fillRef>
+            <a:effectRef idx="0">
+              <a:schemeClr val="accent1"/>
+            </a:effectRef>
+            <a:fontRef idx="minor">
+              <a:schemeClr val="lt1"/>
+            </a:fontRef>
+          </p:style>
+          <p:txBody>
+            <a:bodyPr rtlCol="0" anchor="ctr"/>
+            <a:lstStyle/>
+            <a:p>
+              <a:pPr algn="ctr"/>
+              <a:endParaRPr kumimoji="1" lang="ja-JP" altLang="en-US"/>
+            </a:p>
+          </p:txBody>
+        </p:sp>
+        <p:sp>
+          <p:nvSpPr>
+            <p:cNvPr id="15" name="テキスト ボックス 14">
+              <a:extLst>
+                <a:ext uri="{FF2B5EF4-FFF2-40B4-BE49-F238E27FC236}">
+                  <a16:creationId xmlns:a16="http://schemas.microsoft.com/office/drawing/2014/main" id="{1B60ED53-5A12-4F2C-B686-4A2ED4F991AC}"/>
+                </a:ext>
+              </a:extLst>
+            </p:cNvPr>
+            <p:cNvSpPr txBox="1"/>
+            <p:nvPr/>
+          </p:nvSpPr>
+          <p:spPr>
+            <a:xfrm>
+              <a:off x="5448064" y="5964533"/>
+              <a:ext cx="4598531" cy="461665"/>
+            </a:xfrm>
+            <a:prstGeom prst="rect">
+              <a:avLst/>
+            </a:prstGeom>
             <a:solidFill>
-              <a:srgbClr val="FF0000"/>
+              <a:schemeClr val="bg1"/>
             </a:solidFill>
-          </a:ln>
-        </p:spPr>
-        <p:style>
-          <a:lnRef idx="2">
-            <a:schemeClr val="accent1">
-              <a:shade val="50000"/>
-            </a:schemeClr>
-          </a:lnRef>
-          <a:fillRef idx="1">
-            <a:schemeClr val="accent1"/>
-          </a:fillRef>
-          <a:effectRef idx="0">
-            <a:schemeClr val="accent1"/>
-          </a:effectRef>
-          <a:fontRef idx="minor">
-            <a:schemeClr val="lt1"/>
-          </a:fontRef>
-        </p:style>
-        <p:txBody>
-          <a:bodyPr rtlCol="0" anchor="ctr"/>
-          <a:lstStyle/>
-          <a:p>
-            <a:pPr algn="ctr"/>
-            <a:endParaRPr kumimoji="1" lang="ja-JP" altLang="en-US"/>
-          </a:p>
-        </p:txBody>
-      </p:sp>
-      <p:sp>
-        <p:nvSpPr>
-          <p:cNvPr id="13" name="テキスト ボックス 12">
-            <a:extLst>
-              <a:ext uri="{FF2B5EF4-FFF2-40B4-BE49-F238E27FC236}">
-                <a16:creationId xmlns:a16="http://schemas.microsoft.com/office/drawing/2014/main" id="{BBF8D273-AC8A-40E2-B393-E0314F7581A0}"/>
-              </a:ext>
-            </a:extLst>
-          </p:cNvPr>
-          <p:cNvSpPr txBox="1"/>
-          <p:nvPr/>
-        </p:nvSpPr>
-        <p:spPr>
-          <a:xfrm>
-            <a:off x="3731727" y="1561971"/>
-            <a:ext cx="2993457" cy="369332"/>
-          </a:xfrm>
-          <a:prstGeom prst="rect">
-            <a:avLst/>
-          </a:prstGeom>
-          <a:solidFill>
-            <a:schemeClr val="bg1"/>
-          </a:solidFill>
-          <a:ln w="38100">
-            <a:solidFill>
-              <a:srgbClr val="FF0000"/>
-            </a:solidFill>
-          </a:ln>
-        </p:spPr>
-        <p:txBody>
-          <a:bodyPr wrap="square" rtlCol="0">
-            <a:spAutoFit/>
-          </a:bodyPr>
-          <a:lstStyle/>
-          <a:p>
-            <a:r>
-              <a:rPr kumimoji="1" lang="en-US" altLang="ja-JP" dirty="0"/>
-              <a:t>fastText</a:t>
-            </a:r>
-            <a:r>
-              <a:rPr kumimoji="1" lang="ja-JP" altLang="en-US" dirty="0"/>
-              <a:t>と</a:t>
-            </a:r>
-            <a:r>
-              <a:rPr kumimoji="1" lang="en-US" altLang="ja-JP" dirty="0" err="1"/>
-              <a:t>MeCab</a:t>
-            </a:r>
-            <a:r>
-              <a:rPr kumimoji="1" lang="ja-JP" altLang="en-US" dirty="0"/>
-              <a:t>を</a:t>
-            </a:r>
-            <a:r>
-              <a:rPr kumimoji="1" lang="en-US" altLang="ja-JP" dirty="0"/>
-              <a:t>import</a:t>
-            </a:r>
-            <a:endParaRPr kumimoji="1" lang="ja-JP" altLang="en-US" dirty="0"/>
-          </a:p>
-        </p:txBody>
-      </p:sp>
-      <p:sp>
-        <p:nvSpPr>
-          <p:cNvPr id="14" name="テキスト ボックス 13">
-            <a:extLst>
-              <a:ext uri="{FF2B5EF4-FFF2-40B4-BE49-F238E27FC236}">
-                <a16:creationId xmlns:a16="http://schemas.microsoft.com/office/drawing/2014/main" id="{78DD10E0-C154-4EB8-B67D-3C8BE76387F5}"/>
-              </a:ext>
-            </a:extLst>
-          </p:cNvPr>
-          <p:cNvSpPr txBox="1"/>
-          <p:nvPr/>
-        </p:nvSpPr>
-        <p:spPr>
-          <a:xfrm>
-            <a:off x="5013170" y="2317561"/>
-            <a:ext cx="2321293" cy="369332"/>
-          </a:xfrm>
-          <a:prstGeom prst="rect">
-            <a:avLst/>
-          </a:prstGeom>
-          <a:solidFill>
-            <a:schemeClr val="bg1"/>
-          </a:solidFill>
-          <a:ln w="38100">
-            <a:solidFill>
-              <a:srgbClr val="FF0000"/>
-            </a:solidFill>
-          </a:ln>
-        </p:spPr>
-        <p:txBody>
-          <a:bodyPr wrap="square" rtlCol="0">
-            <a:spAutoFit/>
-          </a:bodyPr>
-          <a:lstStyle/>
-          <a:p>
-            <a:r>
-              <a:rPr kumimoji="1" lang="en-US" altLang="ja-JP" dirty="0" err="1"/>
-              <a:t>MeCab</a:t>
-            </a:r>
-            <a:r>
-              <a:rPr kumimoji="1" lang="ja-JP" altLang="en-US" dirty="0"/>
-              <a:t>で形態素解析</a:t>
-            </a:r>
-          </a:p>
-        </p:txBody>
-      </p:sp>
-      <p:sp>
-        <p:nvSpPr>
-          <p:cNvPr id="15" name="テキスト ボックス 14">
-            <a:extLst>
-              <a:ext uri="{FF2B5EF4-FFF2-40B4-BE49-F238E27FC236}">
-                <a16:creationId xmlns:a16="http://schemas.microsoft.com/office/drawing/2014/main" id="{1B60ED53-5A12-4F2C-B686-4A2ED4F991AC}"/>
-              </a:ext>
-            </a:extLst>
-          </p:cNvPr>
-          <p:cNvSpPr txBox="1"/>
-          <p:nvPr/>
-        </p:nvSpPr>
-        <p:spPr>
-          <a:xfrm>
-            <a:off x="5481348" y="5586837"/>
-            <a:ext cx="2944618" cy="646331"/>
-          </a:xfrm>
-          <a:prstGeom prst="rect">
-            <a:avLst/>
-          </a:prstGeom>
-          <a:solidFill>
-            <a:schemeClr val="bg1"/>
-          </a:solidFill>
-          <a:ln w="38100">
-            <a:solidFill>
-              <a:srgbClr val="FF0000"/>
-            </a:solidFill>
-          </a:ln>
-        </p:spPr>
-        <p:txBody>
-          <a:bodyPr wrap="square" rtlCol="0">
-            <a:spAutoFit/>
-          </a:bodyPr>
-          <a:lstStyle/>
-          <a:p>
-            <a:r>
-              <a:rPr kumimoji="1" lang="ja-JP" altLang="en-US" dirty="0"/>
-              <a:t>抽出した単語を学習モデル</a:t>
-            </a:r>
-            <a:endParaRPr kumimoji="1" lang="en-US" altLang="ja-JP" dirty="0"/>
-          </a:p>
-          <a:p>
-            <a:r>
-              <a:rPr lang="ja-JP" altLang="en-US" dirty="0"/>
-              <a:t>で予測</a:t>
-            </a:r>
-            <a:endParaRPr kumimoji="1" lang="ja-JP" altLang="en-US" dirty="0"/>
-          </a:p>
-        </p:txBody>
-      </p:sp>
-      <p:cxnSp>
-        <p:nvCxnSpPr>
-          <p:cNvPr id="23" name="直線コネクタ 22">
-            <a:extLst>
-              <a:ext uri="{FF2B5EF4-FFF2-40B4-BE49-F238E27FC236}">
-                <a16:creationId xmlns:a16="http://schemas.microsoft.com/office/drawing/2014/main" id="{04551CEB-F58B-43F0-AAE0-A56B1ADB1AAA}"/>
-              </a:ext>
-            </a:extLst>
-          </p:cNvPr>
-          <p:cNvCxnSpPr>
-            <a:cxnSpLocks/>
-            <a:stCxn id="13" idx="1"/>
-          </p:cNvCxnSpPr>
-          <p:nvPr/>
-        </p:nvCxnSpPr>
-        <p:spPr>
-          <a:xfrm flipH="1">
-            <a:off x="3116245" y="1746637"/>
-            <a:ext cx="615482" cy="1"/>
-          </a:xfrm>
-          <a:prstGeom prst="line">
-            <a:avLst/>
-          </a:prstGeom>
-          <a:ln w="38100">
-            <a:solidFill>
-              <a:srgbClr val="FF0000"/>
-            </a:solidFill>
-          </a:ln>
-        </p:spPr>
-        <p:style>
-          <a:lnRef idx="1">
-            <a:schemeClr val="accent1"/>
-          </a:lnRef>
-          <a:fillRef idx="0">
-            <a:schemeClr val="accent1"/>
-          </a:fillRef>
-          <a:effectRef idx="0">
-            <a:schemeClr val="accent1"/>
-          </a:effectRef>
-          <a:fontRef idx="minor">
-            <a:schemeClr val="tx1"/>
-          </a:fontRef>
-        </p:style>
-      </p:cxnSp>
-      <p:cxnSp>
-        <p:nvCxnSpPr>
-          <p:cNvPr id="24" name="直線コネクタ 23">
-            <a:extLst>
-              <a:ext uri="{FF2B5EF4-FFF2-40B4-BE49-F238E27FC236}">
-                <a16:creationId xmlns:a16="http://schemas.microsoft.com/office/drawing/2014/main" id="{FC08593E-5B76-4E0F-8C63-5C3B67BDB7BE}"/>
-              </a:ext>
-            </a:extLst>
-          </p:cNvPr>
-          <p:cNvCxnSpPr>
-            <a:cxnSpLocks/>
-          </p:cNvCxnSpPr>
-          <p:nvPr/>
-        </p:nvCxnSpPr>
-        <p:spPr>
-          <a:xfrm flipH="1">
-            <a:off x="4466796" y="2502227"/>
-            <a:ext cx="546375" cy="1"/>
-          </a:xfrm>
-          <a:prstGeom prst="line">
-            <a:avLst/>
-          </a:prstGeom>
-          <a:ln w="38100">
-            <a:solidFill>
-              <a:srgbClr val="FF0000"/>
-            </a:solidFill>
-          </a:ln>
-        </p:spPr>
-        <p:style>
-          <a:lnRef idx="1">
-            <a:schemeClr val="accent1"/>
-          </a:lnRef>
-          <a:fillRef idx="0">
-            <a:schemeClr val="accent1"/>
-          </a:fillRef>
-          <a:effectRef idx="0">
-            <a:schemeClr val="accent1"/>
-          </a:effectRef>
-          <a:fontRef idx="minor">
-            <a:schemeClr val="tx1"/>
-          </a:fontRef>
-        </p:style>
-      </p:cxnSp>
-      <p:sp>
-        <p:nvSpPr>
-          <p:cNvPr id="16" name="テキスト ボックス 15">
-            <a:extLst>
-              <a:ext uri="{FF2B5EF4-FFF2-40B4-BE49-F238E27FC236}">
-                <a16:creationId xmlns:a16="http://schemas.microsoft.com/office/drawing/2014/main" id="{EAB3391C-9D02-4582-B567-551C8654E868}"/>
-              </a:ext>
-            </a:extLst>
-          </p:cNvPr>
-          <p:cNvSpPr txBox="1"/>
-          <p:nvPr/>
-        </p:nvSpPr>
-        <p:spPr>
-          <a:xfrm>
-            <a:off x="9793241" y="3645380"/>
-            <a:ext cx="2143222" cy="646331"/>
-          </a:xfrm>
-          <a:prstGeom prst="rect">
-            <a:avLst/>
-          </a:prstGeom>
-          <a:solidFill>
-            <a:schemeClr val="bg1"/>
-          </a:solidFill>
-          <a:ln w="38100">
-            <a:solidFill>
-              <a:srgbClr val="FF0000"/>
-            </a:solidFill>
-          </a:ln>
-        </p:spPr>
-        <p:txBody>
-          <a:bodyPr wrap="square" rtlCol="0">
-            <a:spAutoFit/>
-          </a:bodyPr>
-          <a:lstStyle/>
-          <a:p>
-            <a:r>
-              <a:rPr kumimoji="1" lang="ja-JP" altLang="en-US" dirty="0"/>
-              <a:t>文章の中から</a:t>
-            </a:r>
-            <a:endParaRPr kumimoji="1" lang="en-US" altLang="ja-JP" dirty="0"/>
-          </a:p>
-          <a:p>
-            <a:r>
-              <a:rPr kumimoji="1" lang="ja-JP" altLang="en-US" dirty="0"/>
-              <a:t>必要な名詞を抽出</a:t>
-            </a:r>
-            <a:endParaRPr kumimoji="1" lang="en-US" altLang="ja-JP" dirty="0"/>
-          </a:p>
-        </p:txBody>
-      </p:sp>
-      <p:cxnSp>
-        <p:nvCxnSpPr>
-          <p:cNvPr id="25" name="直線コネクタ 24">
-            <a:extLst>
-              <a:ext uri="{FF2B5EF4-FFF2-40B4-BE49-F238E27FC236}">
-                <a16:creationId xmlns:a16="http://schemas.microsoft.com/office/drawing/2014/main" id="{109ACC8D-7B28-4AD7-BD55-372243E80751}"/>
-              </a:ext>
-            </a:extLst>
-          </p:cNvPr>
-          <p:cNvCxnSpPr>
-            <a:cxnSpLocks/>
-          </p:cNvCxnSpPr>
-          <p:nvPr/>
-        </p:nvCxnSpPr>
-        <p:spPr>
-          <a:xfrm flipH="1">
-            <a:off x="9234881" y="3983956"/>
-            <a:ext cx="546375" cy="1"/>
-          </a:xfrm>
-          <a:prstGeom prst="line">
-            <a:avLst/>
-          </a:prstGeom>
-          <a:ln w="38100">
-            <a:solidFill>
-              <a:srgbClr val="FF0000"/>
-            </a:solidFill>
-          </a:ln>
-        </p:spPr>
-        <p:style>
-          <a:lnRef idx="1">
-            <a:schemeClr val="accent1"/>
-          </a:lnRef>
-          <a:fillRef idx="0">
-            <a:schemeClr val="accent1"/>
-          </a:fillRef>
-          <a:effectRef idx="0">
-            <a:schemeClr val="accent1"/>
-          </a:effectRef>
-          <a:fontRef idx="minor">
-            <a:schemeClr val="tx1"/>
-          </a:fontRef>
-        </p:style>
-      </p:cxnSp>
-      <p:cxnSp>
-        <p:nvCxnSpPr>
-          <p:cNvPr id="26" name="直線コネクタ 25">
-            <a:extLst>
-              <a:ext uri="{FF2B5EF4-FFF2-40B4-BE49-F238E27FC236}">
-                <a16:creationId xmlns:a16="http://schemas.microsoft.com/office/drawing/2014/main" id="{B9B6ACFE-9829-4F19-BEAF-919493E887D9}"/>
-              </a:ext>
-            </a:extLst>
-          </p:cNvPr>
-          <p:cNvCxnSpPr/>
-          <p:nvPr/>
-        </p:nvCxnSpPr>
-        <p:spPr>
-          <a:xfrm flipH="1">
-            <a:off x="4934973" y="5910003"/>
-            <a:ext cx="546375" cy="1"/>
-          </a:xfrm>
-          <a:prstGeom prst="line">
-            <a:avLst/>
-          </a:prstGeom>
-          <a:ln w="38100">
-            <a:solidFill>
-              <a:srgbClr val="FF0000"/>
-            </a:solidFill>
-          </a:ln>
-        </p:spPr>
-        <p:style>
-          <a:lnRef idx="1">
-            <a:schemeClr val="accent1"/>
-          </a:lnRef>
-          <a:fillRef idx="0">
-            <a:schemeClr val="accent1"/>
-          </a:fillRef>
-          <a:effectRef idx="0">
-            <a:schemeClr val="accent1"/>
-          </a:effectRef>
-          <a:fontRef idx="minor">
-            <a:schemeClr val="tx1"/>
-          </a:fontRef>
-        </p:style>
-      </p:cxnSp>
+            <a:ln w="38100">
+              <a:solidFill>
+                <a:srgbClr val="FF0000"/>
+              </a:solidFill>
+            </a:ln>
+          </p:spPr>
+          <p:txBody>
+            <a:bodyPr wrap="square" rtlCol="0">
+              <a:spAutoFit/>
+            </a:bodyPr>
+            <a:lstStyle/>
+            <a:p>
+              <a:r>
+                <a:rPr kumimoji="1" lang="ja-JP" altLang="en-US" sz="2400" b="1" dirty="0"/>
+                <a:t>抽出した</a:t>
+              </a:r>
+              <a:r>
+                <a:rPr lang="ja-JP" altLang="en-US" sz="2400" b="1" dirty="0"/>
+                <a:t>名詞からクラスを予測</a:t>
+              </a:r>
+              <a:endParaRPr kumimoji="1" lang="ja-JP" altLang="en-US" sz="2400" b="1" dirty="0"/>
+            </a:p>
+          </p:txBody>
+        </p:sp>
+        <p:cxnSp>
+          <p:nvCxnSpPr>
+            <p:cNvPr id="26" name="直線コネクタ 25">
+              <a:extLst>
+                <a:ext uri="{FF2B5EF4-FFF2-40B4-BE49-F238E27FC236}">
+                  <a16:creationId xmlns:a16="http://schemas.microsoft.com/office/drawing/2014/main" id="{B9B6ACFE-9829-4F19-BEAF-919493E887D9}"/>
+                </a:ext>
+              </a:extLst>
+            </p:cNvPr>
+            <p:cNvCxnSpPr/>
+            <p:nvPr/>
+          </p:nvCxnSpPr>
+          <p:spPr>
+            <a:xfrm flipH="1">
+              <a:off x="4901690" y="6176077"/>
+              <a:ext cx="546375" cy="1"/>
+            </a:xfrm>
+            <a:prstGeom prst="line">
+              <a:avLst/>
+            </a:prstGeom>
+            <a:ln w="38100">
+              <a:solidFill>
+                <a:srgbClr val="FF0000"/>
+              </a:solidFill>
+            </a:ln>
+          </p:spPr>
+          <p:style>
+            <a:lnRef idx="1">
+              <a:schemeClr val="accent1"/>
+            </a:lnRef>
+            <a:fillRef idx="0">
+              <a:schemeClr val="accent1"/>
+            </a:fillRef>
+            <a:effectRef idx="0">
+              <a:schemeClr val="accent1"/>
+            </a:effectRef>
+            <a:fontRef idx="minor">
+              <a:schemeClr val="tx1"/>
+            </a:fontRef>
+          </p:style>
+        </p:cxnSp>
+      </p:grpSp>
     </p:spTree>
     <p:extLst>
       <p:ext uri="{BB962C8B-B14F-4D97-AF65-F5344CB8AC3E}">
@@ -20048,6 +20713,432 @@
   <p:clrMapOvr>
     <a:masterClrMapping/>
   </p:clrMapOvr>
+  <p:timing>
+    <p:tnLst>
+      <p:par>
+        <p:cTn id="1" dur="indefinite" restart="never" nodeType="tmRoot">
+          <p:childTnLst>
+            <p:seq concurrent="1" nextAc="seek">
+              <p:cTn id="2" dur="indefinite" nodeType="mainSeq">
+                <p:childTnLst>
+                  <p:par>
+                    <p:cTn id="3" fill="hold">
+                      <p:stCondLst>
+                        <p:cond delay="indefinite"/>
+                      </p:stCondLst>
+                      <p:childTnLst>
+                        <p:par>
+                          <p:cTn id="4" fill="hold">
+                            <p:stCondLst>
+                              <p:cond delay="0"/>
+                            </p:stCondLst>
+                            <p:childTnLst>
+                              <p:par>
+                                <p:cTn id="5" presetID="42" presetClass="entr" presetSubtype="0" fill="hold" nodeType="clickEffect">
+                                  <p:stCondLst>
+                                    <p:cond delay="0"/>
+                                  </p:stCondLst>
+                                  <p:childTnLst>
+                                    <p:set>
+                                      <p:cBhvr>
+                                        <p:cTn id="6" dur="1" fill="hold">
+                                          <p:stCondLst>
+                                            <p:cond delay="0"/>
+                                          </p:stCondLst>
+                                        </p:cTn>
+                                        <p:tgtEl>
+                                          <p:spTgt spid="18"/>
+                                        </p:tgtEl>
+                                        <p:attrNameLst>
+                                          <p:attrName>style.visibility</p:attrName>
+                                        </p:attrNameLst>
+                                      </p:cBhvr>
+                                      <p:to>
+                                        <p:strVal val="visible"/>
+                                      </p:to>
+                                    </p:set>
+                                    <p:animEffect transition="in" filter="fade">
+                                      <p:cBhvr>
+                                        <p:cTn id="7" dur="500"/>
+                                        <p:tgtEl>
+                                          <p:spTgt spid="18"/>
+                                        </p:tgtEl>
+                                      </p:cBhvr>
+                                    </p:animEffect>
+                                    <p:anim calcmode="lin" valueType="num">
+                                      <p:cBhvr>
+                                        <p:cTn id="8" dur="500" fill="hold"/>
+                                        <p:tgtEl>
+                                          <p:spTgt spid="18"/>
+                                        </p:tgtEl>
+                                        <p:attrNameLst>
+                                          <p:attrName>ppt_x</p:attrName>
+                                        </p:attrNameLst>
+                                      </p:cBhvr>
+                                      <p:tavLst>
+                                        <p:tav tm="0">
+                                          <p:val>
+                                            <p:strVal val="#ppt_x"/>
+                                          </p:val>
+                                        </p:tav>
+                                        <p:tav tm="100000">
+                                          <p:val>
+                                            <p:strVal val="#ppt_x"/>
+                                          </p:val>
+                                        </p:tav>
+                                      </p:tavLst>
+                                    </p:anim>
+                                    <p:anim calcmode="lin" valueType="num">
+                                      <p:cBhvr>
+                                        <p:cTn id="9" dur="500" fill="hold"/>
+                                        <p:tgtEl>
+                                          <p:spTgt spid="18"/>
+                                        </p:tgtEl>
+                                        <p:attrNameLst>
+                                          <p:attrName>ppt_y</p:attrName>
+                                        </p:attrNameLst>
+                                      </p:cBhvr>
+                                      <p:tavLst>
+                                        <p:tav tm="0">
+                                          <p:val>
+                                            <p:strVal val="#ppt_y+.1"/>
+                                          </p:val>
+                                        </p:tav>
+                                        <p:tav tm="100000">
+                                          <p:val>
+                                            <p:strVal val="#ppt_y"/>
+                                          </p:val>
+                                        </p:tav>
+                                      </p:tavLst>
+                                    </p:anim>
+                                  </p:childTnLst>
+                                </p:cTn>
+                              </p:par>
+                            </p:childTnLst>
+                          </p:cTn>
+                        </p:par>
+                      </p:childTnLst>
+                    </p:cTn>
+                  </p:par>
+                  <p:par>
+                    <p:cTn id="10" fill="hold">
+                      <p:stCondLst>
+                        <p:cond delay="indefinite"/>
+                      </p:stCondLst>
+                      <p:childTnLst>
+                        <p:par>
+                          <p:cTn id="11" fill="hold">
+                            <p:stCondLst>
+                              <p:cond delay="0"/>
+                            </p:stCondLst>
+                            <p:childTnLst>
+                              <p:par>
+                                <p:cTn id="12" presetID="42" presetClass="entr" presetSubtype="0" fill="hold" nodeType="clickEffect">
+                                  <p:stCondLst>
+                                    <p:cond delay="0"/>
+                                  </p:stCondLst>
+                                  <p:childTnLst>
+                                    <p:set>
+                                      <p:cBhvr>
+                                        <p:cTn id="13" dur="1" fill="hold">
+                                          <p:stCondLst>
+                                            <p:cond delay="0"/>
+                                          </p:stCondLst>
+                                        </p:cTn>
+                                        <p:tgtEl>
+                                          <p:spTgt spid="19"/>
+                                        </p:tgtEl>
+                                        <p:attrNameLst>
+                                          <p:attrName>style.visibility</p:attrName>
+                                        </p:attrNameLst>
+                                      </p:cBhvr>
+                                      <p:to>
+                                        <p:strVal val="visible"/>
+                                      </p:to>
+                                    </p:set>
+                                    <p:animEffect transition="in" filter="fade">
+                                      <p:cBhvr>
+                                        <p:cTn id="14" dur="500"/>
+                                        <p:tgtEl>
+                                          <p:spTgt spid="19"/>
+                                        </p:tgtEl>
+                                      </p:cBhvr>
+                                    </p:animEffect>
+                                    <p:anim calcmode="lin" valueType="num">
+                                      <p:cBhvr>
+                                        <p:cTn id="15" dur="500" fill="hold"/>
+                                        <p:tgtEl>
+                                          <p:spTgt spid="19"/>
+                                        </p:tgtEl>
+                                        <p:attrNameLst>
+                                          <p:attrName>ppt_x</p:attrName>
+                                        </p:attrNameLst>
+                                      </p:cBhvr>
+                                      <p:tavLst>
+                                        <p:tav tm="0">
+                                          <p:val>
+                                            <p:strVal val="#ppt_x"/>
+                                          </p:val>
+                                        </p:tav>
+                                        <p:tav tm="100000">
+                                          <p:val>
+                                            <p:strVal val="#ppt_x"/>
+                                          </p:val>
+                                        </p:tav>
+                                      </p:tavLst>
+                                    </p:anim>
+                                    <p:anim calcmode="lin" valueType="num">
+                                      <p:cBhvr>
+                                        <p:cTn id="16" dur="500" fill="hold"/>
+                                        <p:tgtEl>
+                                          <p:spTgt spid="19"/>
+                                        </p:tgtEl>
+                                        <p:attrNameLst>
+                                          <p:attrName>ppt_y</p:attrName>
+                                        </p:attrNameLst>
+                                      </p:cBhvr>
+                                      <p:tavLst>
+                                        <p:tav tm="0">
+                                          <p:val>
+                                            <p:strVal val="#ppt_y+.1"/>
+                                          </p:val>
+                                        </p:tav>
+                                        <p:tav tm="100000">
+                                          <p:val>
+                                            <p:strVal val="#ppt_y"/>
+                                          </p:val>
+                                        </p:tav>
+                                      </p:tavLst>
+                                    </p:anim>
+                                  </p:childTnLst>
+                                </p:cTn>
+                              </p:par>
+                            </p:childTnLst>
+                          </p:cTn>
+                        </p:par>
+                      </p:childTnLst>
+                    </p:cTn>
+                  </p:par>
+                  <p:par>
+                    <p:cTn id="17" fill="hold">
+                      <p:stCondLst>
+                        <p:cond delay="indefinite"/>
+                      </p:stCondLst>
+                      <p:childTnLst>
+                        <p:par>
+                          <p:cTn id="18" fill="hold">
+                            <p:stCondLst>
+                              <p:cond delay="0"/>
+                            </p:stCondLst>
+                            <p:childTnLst>
+                              <p:par>
+                                <p:cTn id="19" presetID="42" presetClass="entr" presetSubtype="0" fill="hold" nodeType="clickEffect">
+                                  <p:stCondLst>
+                                    <p:cond delay="0"/>
+                                  </p:stCondLst>
+                                  <p:childTnLst>
+                                    <p:set>
+                                      <p:cBhvr>
+                                        <p:cTn id="20" dur="1" fill="hold">
+                                          <p:stCondLst>
+                                            <p:cond delay="0"/>
+                                          </p:stCondLst>
+                                        </p:cTn>
+                                        <p:tgtEl>
+                                          <p:spTgt spid="20"/>
+                                        </p:tgtEl>
+                                        <p:attrNameLst>
+                                          <p:attrName>style.visibility</p:attrName>
+                                        </p:attrNameLst>
+                                      </p:cBhvr>
+                                      <p:to>
+                                        <p:strVal val="visible"/>
+                                      </p:to>
+                                    </p:set>
+                                    <p:animEffect transition="in" filter="fade">
+                                      <p:cBhvr>
+                                        <p:cTn id="21" dur="500"/>
+                                        <p:tgtEl>
+                                          <p:spTgt spid="20"/>
+                                        </p:tgtEl>
+                                      </p:cBhvr>
+                                    </p:animEffect>
+                                    <p:anim calcmode="lin" valueType="num">
+                                      <p:cBhvr>
+                                        <p:cTn id="22" dur="500" fill="hold"/>
+                                        <p:tgtEl>
+                                          <p:spTgt spid="20"/>
+                                        </p:tgtEl>
+                                        <p:attrNameLst>
+                                          <p:attrName>ppt_x</p:attrName>
+                                        </p:attrNameLst>
+                                      </p:cBhvr>
+                                      <p:tavLst>
+                                        <p:tav tm="0">
+                                          <p:val>
+                                            <p:strVal val="#ppt_x"/>
+                                          </p:val>
+                                        </p:tav>
+                                        <p:tav tm="100000">
+                                          <p:val>
+                                            <p:strVal val="#ppt_x"/>
+                                          </p:val>
+                                        </p:tav>
+                                      </p:tavLst>
+                                    </p:anim>
+                                    <p:anim calcmode="lin" valueType="num">
+                                      <p:cBhvr>
+                                        <p:cTn id="23" dur="500" fill="hold"/>
+                                        <p:tgtEl>
+                                          <p:spTgt spid="20"/>
+                                        </p:tgtEl>
+                                        <p:attrNameLst>
+                                          <p:attrName>ppt_y</p:attrName>
+                                        </p:attrNameLst>
+                                      </p:cBhvr>
+                                      <p:tavLst>
+                                        <p:tav tm="0">
+                                          <p:val>
+                                            <p:strVal val="#ppt_y+.1"/>
+                                          </p:val>
+                                        </p:tav>
+                                        <p:tav tm="100000">
+                                          <p:val>
+                                            <p:strVal val="#ppt_y"/>
+                                          </p:val>
+                                        </p:tav>
+                                      </p:tavLst>
+                                    </p:anim>
+                                  </p:childTnLst>
+                                </p:cTn>
+                              </p:par>
+                            </p:childTnLst>
+                          </p:cTn>
+                        </p:par>
+                      </p:childTnLst>
+                    </p:cTn>
+                  </p:par>
+                  <p:par>
+                    <p:cTn id="24" fill="hold">
+                      <p:stCondLst>
+                        <p:cond delay="indefinite"/>
+                      </p:stCondLst>
+                      <p:childTnLst>
+                        <p:par>
+                          <p:cTn id="25" fill="hold">
+                            <p:stCondLst>
+                              <p:cond delay="0"/>
+                            </p:stCondLst>
+                            <p:childTnLst>
+                              <p:par>
+                                <p:cTn id="26" presetID="42" presetClass="entr" presetSubtype="0" fill="hold" nodeType="clickEffect">
+                                  <p:stCondLst>
+                                    <p:cond delay="0"/>
+                                  </p:stCondLst>
+                                  <p:childTnLst>
+                                    <p:set>
+                                      <p:cBhvr>
+                                        <p:cTn id="27" dur="1" fill="hold">
+                                          <p:stCondLst>
+                                            <p:cond delay="0"/>
+                                          </p:stCondLst>
+                                        </p:cTn>
+                                        <p:tgtEl>
+                                          <p:spTgt spid="21"/>
+                                        </p:tgtEl>
+                                        <p:attrNameLst>
+                                          <p:attrName>style.visibility</p:attrName>
+                                        </p:attrNameLst>
+                                      </p:cBhvr>
+                                      <p:to>
+                                        <p:strVal val="visible"/>
+                                      </p:to>
+                                    </p:set>
+                                    <p:animEffect transition="in" filter="fade">
+                                      <p:cBhvr>
+                                        <p:cTn id="28" dur="500"/>
+                                        <p:tgtEl>
+                                          <p:spTgt spid="21"/>
+                                        </p:tgtEl>
+                                      </p:cBhvr>
+                                    </p:animEffect>
+                                    <p:anim calcmode="lin" valueType="num">
+                                      <p:cBhvr>
+                                        <p:cTn id="29" dur="500" fill="hold"/>
+                                        <p:tgtEl>
+                                          <p:spTgt spid="21"/>
+                                        </p:tgtEl>
+                                        <p:attrNameLst>
+                                          <p:attrName>ppt_x</p:attrName>
+                                        </p:attrNameLst>
+                                      </p:cBhvr>
+                                      <p:tavLst>
+                                        <p:tav tm="0">
+                                          <p:val>
+                                            <p:strVal val="#ppt_x"/>
+                                          </p:val>
+                                        </p:tav>
+                                        <p:tav tm="100000">
+                                          <p:val>
+                                            <p:strVal val="#ppt_x"/>
+                                          </p:val>
+                                        </p:tav>
+                                      </p:tavLst>
+                                    </p:anim>
+                                    <p:anim calcmode="lin" valueType="num">
+                                      <p:cBhvr>
+                                        <p:cTn id="30" dur="500" fill="hold"/>
+                                        <p:tgtEl>
+                                          <p:spTgt spid="21"/>
+                                        </p:tgtEl>
+                                        <p:attrNameLst>
+                                          <p:attrName>ppt_y</p:attrName>
+                                        </p:attrNameLst>
+                                      </p:cBhvr>
+                                      <p:tavLst>
+                                        <p:tav tm="0">
+                                          <p:val>
+                                            <p:strVal val="#ppt_y+.1"/>
+                                          </p:val>
+                                        </p:tav>
+                                        <p:tav tm="100000">
+                                          <p:val>
+                                            <p:strVal val="#ppt_y"/>
+                                          </p:val>
+                                        </p:tav>
+                                      </p:tavLst>
+                                    </p:anim>
+                                  </p:childTnLst>
+                                </p:cTn>
+                              </p:par>
+                            </p:childTnLst>
+                          </p:cTn>
+                        </p:par>
+                      </p:childTnLst>
+                    </p:cTn>
+                  </p:par>
+                </p:childTnLst>
+              </p:cTn>
+              <p:prevCondLst>
+                <p:cond evt="onPrev" delay="0">
+                  <p:tgtEl>
+                    <p:sldTgt/>
+                  </p:tgtEl>
+                </p:cond>
+              </p:prevCondLst>
+              <p:nextCondLst>
+                <p:cond evt="onNext" delay="0">
+                  <p:tgtEl>
+                    <p:sldTgt/>
+                  </p:tgtEl>
+                </p:cond>
+              </p:nextCondLst>
+            </p:seq>
+          </p:childTnLst>
+        </p:cTn>
+      </p:par>
+    </p:tnLst>
+  </p:timing>
 </p:sld>
 </file>
 
@@ -21186,10 +22277,10 @@
               <a:buNone/>
             </a:pPr>
             <a:r>
-              <a:rPr lang="ja-JP" altLang="en-US" dirty="0"/>
+              <a:rPr lang="ja-JP" altLang="en-US" b="1" dirty="0"/>
               <a:t>音声ファイル　作成</a:t>
             </a:r>
-            <a:endParaRPr kumimoji="1" lang="en-US" altLang="ja-JP" dirty="0"/>
+            <a:endParaRPr kumimoji="1" lang="en-US" altLang="ja-JP" b="1" dirty="0"/>
           </a:p>
         </p:txBody>
       </p:sp>
@@ -21207,8 +22298,8 @@
         </p:nvSpPr>
         <p:spPr>
           <a:xfrm>
-            <a:off x="2644435" y="6063771"/>
-            <a:ext cx="6059837" cy="646331"/>
+            <a:off x="2854551" y="5975280"/>
+            <a:ext cx="5947474" cy="646331"/>
           </a:xfrm>
           <a:prstGeom prst="rect">
             <a:avLst/>
@@ -21324,7 +22415,7 @@
         </p:blipFill>
         <p:spPr>
           <a:xfrm>
-            <a:off x="923278" y="2245292"/>
+            <a:off x="1406357" y="2320330"/>
             <a:ext cx="8843863" cy="3511724"/>
           </a:xfrm>
           <a:prstGeom prst="rect">
@@ -21346,7 +22437,7 @@
         </p:nvSpPr>
         <p:spPr>
           <a:xfrm>
-            <a:off x="7084381" y="2965141"/>
+            <a:off x="7567460" y="3040179"/>
             <a:ext cx="1757778" cy="369332"/>
           </a:xfrm>
           <a:prstGeom prst="rect">
@@ -21389,7 +22480,7 @@
         </p:nvSpPr>
         <p:spPr>
           <a:xfrm>
-            <a:off x="6511487" y="3338862"/>
+            <a:off x="6994566" y="3413900"/>
             <a:ext cx="1757778" cy="369332"/>
           </a:xfrm>
           <a:prstGeom prst="rect">
@@ -21432,7 +22523,7 @@
         </p:nvSpPr>
         <p:spPr>
           <a:xfrm>
-            <a:off x="1934149" y="3679746"/>
+            <a:off x="2417228" y="3754784"/>
             <a:ext cx="1757778" cy="369332"/>
           </a:xfrm>
           <a:prstGeom prst="rect">
@@ -21475,7 +22566,7 @@
         </p:nvSpPr>
         <p:spPr>
           <a:xfrm>
-            <a:off x="2106967" y="4049684"/>
+            <a:off x="2590046" y="4124722"/>
             <a:ext cx="1757778" cy="369332"/>
           </a:xfrm>
           <a:prstGeom prst="rect">
@@ -21518,7 +22609,7 @@
         </p:nvSpPr>
         <p:spPr>
           <a:xfrm>
-            <a:off x="4684964" y="4432432"/>
+            <a:off x="5168043" y="4507470"/>
             <a:ext cx="5167255" cy="369332"/>
           </a:xfrm>
           <a:prstGeom prst="rect">
@@ -21561,7 +22652,7 @@
         </p:nvSpPr>
         <p:spPr>
           <a:xfrm>
-            <a:off x="4684965" y="5100927"/>
+            <a:off x="5168044" y="5175965"/>
             <a:ext cx="2159718" cy="369332"/>
           </a:xfrm>
           <a:prstGeom prst="rect">
@@ -21966,10 +23057,10 @@
               <a:buNone/>
             </a:pPr>
             <a:r>
-              <a:rPr lang="ja-JP" altLang="en-US" dirty="0"/>
+              <a:rPr lang="ja-JP" altLang="en-US" b="1" dirty="0"/>
               <a:t>音声ファイル　再生</a:t>
             </a:r>
-            <a:endParaRPr kumimoji="1" lang="en-US" altLang="ja-JP" dirty="0"/>
+            <a:endParaRPr kumimoji="1" lang="en-US" altLang="ja-JP" b="1" dirty="0"/>
           </a:p>
         </p:txBody>
       </p:sp>
@@ -22044,7 +23135,7 @@
         </p:nvSpPr>
         <p:spPr>
           <a:xfrm>
-            <a:off x="2644435" y="6063771"/>
+            <a:off x="2801359" y="4833768"/>
             <a:ext cx="6351519" cy="646331"/>
           </a:xfrm>
           <a:prstGeom prst="rect">
@@ -25154,10 +26245,10 @@
               <a:buNone/>
             </a:pPr>
             <a:r>
-              <a:rPr kumimoji="1" lang="ja-JP" altLang="en-US" sz="4000" dirty="0"/>
+              <a:rPr kumimoji="1" lang="ja-JP" altLang="en-US" sz="4000" b="1" dirty="0"/>
               <a:t>自動起動</a:t>
             </a:r>
-            <a:endParaRPr kumimoji="1" lang="en-US" altLang="ja-JP" sz="4000" dirty="0"/>
+            <a:endParaRPr kumimoji="1" lang="en-US" altLang="ja-JP" sz="4000" b="1" dirty="0"/>
           </a:p>
           <a:p>
             <a:r>
@@ -32847,7 +33938,7 @@
         </p:nvSpPr>
         <p:spPr>
           <a:xfrm>
-            <a:off x="4888493" y="3717235"/>
+            <a:off x="4888493" y="3772172"/>
             <a:ext cx="3876026" cy="2499209"/>
           </a:xfrm>
           <a:prstGeom prst="rect">
@@ -32881,21 +33972,21 @@
           <a:lstStyle/>
           <a:p>
             <a:r>
-              <a:rPr lang="ja-JP" altLang="en-US" sz="2800" b="1" dirty="0">
+              <a:rPr lang="ja-JP" altLang="en-US" sz="3200" b="1" dirty="0">
                 <a:solidFill>
                   <a:sysClr val="windowText" lastClr="000000"/>
                 </a:solidFill>
               </a:rPr>
-              <a:t>辞書ファイル</a:t>
-            </a:r>
-            <a:endParaRPr lang="en-US" altLang="ja-JP" sz="2800" b="1" dirty="0">
+              <a:t>音素ファイル</a:t>
+            </a:r>
+            <a:endParaRPr lang="en-US" altLang="ja-JP" sz="3200" b="1" dirty="0">
               <a:solidFill>
                 <a:sysClr val="windowText" lastClr="000000"/>
               </a:solidFill>
             </a:endParaRPr>
           </a:p>
           <a:p>
-            <a:endParaRPr lang="en-US" altLang="ja-JP" sz="2800" dirty="0">
+            <a:endParaRPr lang="en-US" altLang="ja-JP" sz="2400" dirty="0">
               <a:solidFill>
                 <a:sysClr val="windowText" lastClr="000000"/>
               </a:solidFill>
@@ -33033,7 +34124,7 @@
         </p:nvSpPr>
         <p:spPr>
           <a:xfrm>
-            <a:off x="6408275" y="5754200"/>
+            <a:off x="6385417" y="5853896"/>
             <a:ext cx="836462" cy="487018"/>
           </a:xfrm>
           <a:prstGeom prst="rightArrow">
@@ -33087,7 +34178,7 @@
         </p:nvCxnSpPr>
         <p:spPr>
           <a:xfrm>
-            <a:off x="4909490" y="6173941"/>
+            <a:off x="4886632" y="6273637"/>
             <a:ext cx="1019018" cy="0"/>
           </a:xfrm>
           <a:prstGeom prst="line">
@@ -33130,7 +34221,7 @@
         </p:nvCxnSpPr>
         <p:spPr>
           <a:xfrm flipV="1">
-            <a:off x="7748016" y="6171685"/>
+            <a:off x="7725158" y="6271381"/>
             <a:ext cx="677872" cy="4514"/>
           </a:xfrm>
           <a:prstGeom prst="line">
@@ -33411,14 +34502,14 @@
           <a:p>
             <a:pPr algn="ctr"/>
             <a:r>
-              <a:rPr lang="ja-JP" altLang="en-US" sz="2400" b="1" dirty="0">
+              <a:rPr lang="ja-JP" altLang="en-US" sz="3200" b="1" dirty="0">
                 <a:solidFill>
                   <a:schemeClr val="bg1"/>
                 </a:solidFill>
               </a:rPr>
               <a:t>音素</a:t>
             </a:r>
-            <a:endParaRPr kumimoji="1" lang="ja-JP" altLang="en-US" sz="2400" b="1" dirty="0">
+            <a:endParaRPr kumimoji="1" lang="ja-JP" altLang="en-US" sz="3200" b="1" dirty="0">
               <a:solidFill>
                 <a:schemeClr val="bg1"/>
               </a:solidFill>

--- a/presentation/AIスピーカー開発_3_main.pptx
+++ b/presentation/AIスピーカー開発_3_main.pptx
@@ -28,28 +28,28 @@
     <p:sldId id="303" r:id="rId19"/>
     <p:sldId id="304" r:id="rId20"/>
     <p:sldId id="273" r:id="rId21"/>
-    <p:sldId id="277" r:id="rId22"/>
-    <p:sldId id="305" r:id="rId23"/>
-    <p:sldId id="264" r:id="rId24"/>
-    <p:sldId id="274" r:id="rId25"/>
-    <p:sldId id="265" r:id="rId26"/>
-    <p:sldId id="275" r:id="rId27"/>
-    <p:sldId id="266" r:id="rId28"/>
-    <p:sldId id="293" r:id="rId29"/>
-    <p:sldId id="301" r:id="rId30"/>
-    <p:sldId id="292" r:id="rId31"/>
-    <p:sldId id="267" r:id="rId32"/>
-    <p:sldId id="279" r:id="rId33"/>
-    <p:sldId id="290" r:id="rId34"/>
-    <p:sldId id="291" r:id="rId35"/>
-    <p:sldId id="268" r:id="rId36"/>
-    <p:sldId id="294" r:id="rId37"/>
-    <p:sldId id="295" r:id="rId38"/>
-    <p:sldId id="296" r:id="rId39"/>
-    <p:sldId id="297" r:id="rId40"/>
-    <p:sldId id="298" r:id="rId41"/>
-    <p:sldId id="299" r:id="rId42"/>
-    <p:sldId id="307" r:id="rId43"/>
+    <p:sldId id="305" r:id="rId22"/>
+    <p:sldId id="264" r:id="rId23"/>
+    <p:sldId id="274" r:id="rId24"/>
+    <p:sldId id="265" r:id="rId25"/>
+    <p:sldId id="275" r:id="rId26"/>
+    <p:sldId id="266" r:id="rId27"/>
+    <p:sldId id="293" r:id="rId28"/>
+    <p:sldId id="301" r:id="rId29"/>
+    <p:sldId id="292" r:id="rId30"/>
+    <p:sldId id="267" r:id="rId31"/>
+    <p:sldId id="279" r:id="rId32"/>
+    <p:sldId id="290" r:id="rId33"/>
+    <p:sldId id="291" r:id="rId34"/>
+    <p:sldId id="268" r:id="rId35"/>
+    <p:sldId id="294" r:id="rId36"/>
+    <p:sldId id="295" r:id="rId37"/>
+    <p:sldId id="296" r:id="rId38"/>
+    <p:sldId id="297" r:id="rId39"/>
+    <p:sldId id="298" r:id="rId40"/>
+    <p:sldId id="299" r:id="rId41"/>
+    <p:sldId id="307" r:id="rId42"/>
+    <p:sldId id="277" r:id="rId43"/>
   </p:sldIdLst>
   <p:sldSz cx="12192000" cy="6858000"/>
   <p:notesSz cx="6858000" cy="9144000"/>
@@ -2776,7 +2776,7 @@
           <a:p>
             <a:fld id="{D3FBB20C-20C4-49AD-85A3-C66C862503B5}" type="datetimeFigureOut">
               <a:rPr kumimoji="1" lang="ja-JP" altLang="en-US" smtClean="0"/>
-              <a:t>2022/1/24</a:t>
+              <a:t>2022/1/25</a:t>
             </a:fld>
             <a:endParaRPr kumimoji="1" lang="ja-JP" altLang="en-US"/>
           </a:p>
@@ -4788,117 +4788,70 @@
           <a:lstStyle/>
           <a:p>
             <a:r>
-              <a:rPr lang="en-US" altLang="ja-JP" dirty="0"/>
+              <a:rPr kumimoji="1" lang="ja-JP" altLang="en-US" dirty="0"/>
+              <a:t>これが、実際に形態素解析とテキスト分類を行っているファイルです。</a:t>
+            </a:r>
+            <a:endParaRPr kumimoji="1" lang="en-US" altLang="ja-JP" dirty="0"/>
+          </a:p>
+          <a:p>
+            <a:r>
+              <a:rPr kumimoji="1" lang="ja-JP" altLang="en-US" dirty="0"/>
+              <a:t>まず</a:t>
+            </a:r>
+            <a:r>
+              <a:rPr kumimoji="1" lang="en-US" altLang="ja-JP" dirty="0"/>
               <a:t>fastText</a:t>
             </a:r>
             <a:r>
-              <a:rPr lang="ja-JP" altLang="en-US" dirty="0"/>
-              <a:t>がどのように確率を計算するかを簡単に説明します。</a:t>
-            </a:r>
-            <a:endParaRPr lang="en-US" altLang="ja-JP" dirty="0"/>
-          </a:p>
-          <a:p>
-            <a:r>
-              <a:rPr lang="en-US" altLang="ja-JP" dirty="0"/>
-              <a:t>fastText</a:t>
-            </a:r>
-            <a:r>
-              <a:rPr lang="ja-JP" altLang="en-US" dirty="0"/>
-              <a:t>は、単語とクラスの関連性を</a:t>
-            </a:r>
-            <a:r>
-              <a:rPr kumimoji="1" lang="en-US" altLang="ja-JP" sz="1200" b="0" i="0" kern="1200" dirty="0">
-                <a:solidFill>
-                  <a:schemeClr val="tx1"/>
-                </a:solidFill>
-                <a:effectLst/>
-                <a:latin typeface="+mn-lt"/>
-                <a:ea typeface="+mn-ea"/>
-                <a:cs typeface="+mn-cs"/>
-              </a:rPr>
-              <a:t>0〜</a:t>
-            </a:r>
-            <a:r>
-              <a:rPr kumimoji="1" lang="ja-JP" altLang="en-US" sz="1200" b="0" i="0" kern="1200" dirty="0">
-                <a:solidFill>
-                  <a:schemeClr val="tx1"/>
-                </a:solidFill>
-                <a:effectLst/>
-                <a:latin typeface="+mn-lt"/>
-                <a:ea typeface="+mn-ea"/>
-                <a:cs typeface="+mn-cs"/>
-              </a:rPr>
-              <a:t>１の間の実数で</a:t>
-            </a:r>
-            <a:r>
               <a:rPr kumimoji="1" lang="ja-JP" altLang="en-US" dirty="0"/>
-              <a:t>表現します。</a:t>
+              <a:t>と</a:t>
+            </a:r>
+            <a:r>
+              <a:rPr kumimoji="1" lang="en-US" altLang="ja-JP" dirty="0"/>
+              <a:t>MeCab</a:t>
+            </a:r>
+            <a:r>
+              <a:rPr kumimoji="1" lang="ja-JP" altLang="en-US" dirty="0"/>
+              <a:t>を</a:t>
+            </a:r>
+            <a:r>
+              <a:rPr kumimoji="1" lang="en-US" altLang="ja-JP" dirty="0"/>
+              <a:t>import</a:t>
+            </a:r>
+            <a:r>
+              <a:rPr kumimoji="1" lang="ja-JP" altLang="en-US" dirty="0"/>
+              <a:t>し、</a:t>
             </a:r>
             <a:endParaRPr kumimoji="1" lang="en-US" altLang="ja-JP" dirty="0"/>
           </a:p>
           <a:p>
             <a:r>
               <a:rPr kumimoji="1" lang="ja-JP" altLang="en-US" dirty="0"/>
-              <a:t>例えば、先程のトレーニングデータの学習モデルを使用して、</a:t>
+              <a:t>次に受け取った文章を</a:t>
+            </a:r>
+            <a:r>
+              <a:rPr kumimoji="1" lang="en-US" altLang="ja-JP" dirty="0"/>
+              <a:t>MeCab</a:t>
+            </a:r>
+            <a:r>
+              <a:rPr kumimoji="1" lang="ja-JP" altLang="en-US" dirty="0"/>
+              <a:t>で形態素解析し、品詞ごとに分解します。</a:t>
             </a:r>
             <a:endParaRPr kumimoji="1" lang="en-US" altLang="ja-JP" dirty="0"/>
           </a:p>
           <a:p>
             <a:r>
               <a:rPr kumimoji="1" lang="ja-JP" altLang="en-US" dirty="0"/>
-              <a:t>「天気」、「晴れ」という名詞の、各</a:t>
-            </a:r>
-            <a:r>
-              <a:rPr kumimoji="1" lang="ja-JP" altLang="en-US" sz="1200" b="0" i="0" kern="1200" dirty="0">
-                <a:solidFill>
-                  <a:schemeClr val="tx1"/>
-                </a:solidFill>
-                <a:effectLst/>
-                <a:latin typeface="+mn-lt"/>
-                <a:ea typeface="+mn-ea"/>
-                <a:cs typeface="+mn-cs"/>
-              </a:rPr>
-              <a:t>クラスに対する関連の度合いを表すと、このようになります。</a:t>
-            </a:r>
-            <a:endParaRPr kumimoji="1" lang="en-US" altLang="ja-JP" sz="1200" b="0" i="0" kern="1200" dirty="0">
-              <a:solidFill>
-                <a:schemeClr val="tx1"/>
-              </a:solidFill>
-              <a:effectLst/>
-              <a:latin typeface="+mn-lt"/>
-              <a:ea typeface="+mn-ea"/>
-              <a:cs typeface="+mn-cs"/>
-            </a:endParaRPr>
-          </a:p>
-          <a:p>
-            <a:r>
-              <a:rPr kumimoji="1" lang="ja-JP" altLang="en-US" sz="1200" b="0" i="0" kern="1200" dirty="0">
-                <a:solidFill>
-                  <a:schemeClr val="tx1"/>
-                </a:solidFill>
-                <a:effectLst/>
-                <a:latin typeface="+mn-lt"/>
-                <a:ea typeface="+mn-ea"/>
-                <a:cs typeface="+mn-cs"/>
-              </a:rPr>
-              <a:t>関連の度合いが高いのは、天気予報クラスなので、従って天気予報クラスの確率が高くなる、というわけです。</a:t>
-            </a:r>
-            <a:r>
-              <a:rPr kumimoji="1" lang="en-US" altLang="ja-JP" sz="1200" b="0" i="0" kern="1200" dirty="0">
-                <a:solidFill>
-                  <a:schemeClr val="tx1"/>
-                </a:solidFill>
-                <a:effectLst/>
-                <a:latin typeface="+mn-lt"/>
-                <a:ea typeface="+mn-ea"/>
-                <a:cs typeface="+mn-cs"/>
-              </a:rPr>
-              <a:t>※</a:t>
+              <a:t>その中から、特定の名詞を抽出し、その名詞からクラスを予測します。</a:t>
             </a:r>
             <a:endParaRPr kumimoji="1" lang="en-US" altLang="ja-JP" dirty="0"/>
           </a:p>
           <a:p>
-            <a:endParaRPr kumimoji="1" lang="ja-JP" altLang="en-US" dirty="0"/>
+            <a:r>
+              <a:rPr kumimoji="1" lang="ja-JP" altLang="en-US" dirty="0"/>
+              <a:t>そしてその予測結果に応じて、音声出力を行うといった流れです。</a:t>
+            </a:r>
+            <a:endParaRPr kumimoji="1" lang="en-US" altLang="ja-JP" dirty="0"/>
           </a:p>
         </p:txBody>
       </p:sp>
@@ -4928,7 +4881,7 @@
     </p:spTree>
     <p:extLst>
       <p:ext uri="{BB962C8B-B14F-4D97-AF65-F5344CB8AC3E}">
-        <p14:creationId xmlns:p14="http://schemas.microsoft.com/office/powerpoint/2010/main" val="1135283845"/>
+        <p14:creationId xmlns:p14="http://schemas.microsoft.com/office/powerpoint/2010/main" val="601742885"/>
       </p:ext>
     </p:extLst>
   </p:cSld>
@@ -4984,67 +4937,167 @@
           <a:p>
             <a:r>
               <a:rPr kumimoji="1" lang="ja-JP" altLang="en-US" dirty="0"/>
-              <a:t>これが、実際に形態素解析とテキスト分類を行っているファイルです。</a:t>
+              <a:t>次にデータ取得について説明していきます。</a:t>
             </a:r>
             <a:endParaRPr kumimoji="1" lang="en-US" altLang="ja-JP" dirty="0"/>
           </a:p>
           <a:p>
+            <a:pPr marL="0" marR="0" lvl="0" indent="0" algn="l" defTabSz="914400" rtl="0" eaLnBrk="1" fontAlgn="auto" latinLnBrk="0" hangingPunct="1">
+              <a:lnSpc>
+                <a:spcPct val="100000"/>
+              </a:lnSpc>
+              <a:spcBef>
+                <a:spcPts val="0"/>
+              </a:spcBef>
+              <a:spcAft>
+                <a:spcPts val="0"/>
+              </a:spcAft>
+              <a:buClrTx/>
+              <a:buSzTx/>
+              <a:buFontTx/>
+              <a:buNone/>
+              <a:tabLst/>
+              <a:defRPr/>
+            </a:pPr>
             <a:r>
               <a:rPr kumimoji="1" lang="ja-JP" altLang="en-US" dirty="0"/>
-              <a:t>まず</a:t>
+              <a:t>ここでは</a:t>
             </a:r>
             <a:r>
               <a:rPr kumimoji="1" lang="en-US" altLang="ja-JP" dirty="0"/>
-              <a:t>fastText</a:t>
+              <a:t>YoSiE</a:t>
             </a:r>
             <a:r>
               <a:rPr kumimoji="1" lang="ja-JP" altLang="en-US" dirty="0"/>
-              <a:t>と</a:t>
+              <a:t>が返答する内容を取得し、機能別にテキストファイルに保存しています。</a:t>
+            </a:r>
+            <a:endParaRPr kumimoji="1" lang="en-US" altLang="ja-JP" dirty="0"/>
+          </a:p>
+          <a:p>
+            <a:pPr marL="0" marR="0" lvl="0" indent="0" algn="l" defTabSz="914400" rtl="0" eaLnBrk="1" fontAlgn="auto" latinLnBrk="0" hangingPunct="1">
+              <a:lnSpc>
+                <a:spcPct val="100000"/>
+              </a:lnSpc>
+              <a:spcBef>
+                <a:spcPts val="0"/>
+              </a:spcBef>
+              <a:spcAft>
+                <a:spcPts val="0"/>
+              </a:spcAft>
+              <a:buClrTx/>
+              <a:buSzTx/>
+              <a:buFontTx/>
+              <a:buNone/>
+              <a:tabLst/>
+              <a:defRPr/>
+            </a:pPr>
+            <a:endParaRPr kumimoji="1" lang="en-US" altLang="ja-JP" dirty="0"/>
+          </a:p>
+          <a:p>
+            <a:pPr marL="0" marR="0" lvl="0" indent="0" algn="l" defTabSz="914400" rtl="0" eaLnBrk="1" fontAlgn="auto" latinLnBrk="0" hangingPunct="1">
+              <a:lnSpc>
+                <a:spcPct val="100000"/>
+              </a:lnSpc>
+              <a:spcBef>
+                <a:spcPts val="0"/>
+              </a:spcBef>
+              <a:spcAft>
+                <a:spcPts val="0"/>
+              </a:spcAft>
+              <a:buClrTx/>
+              <a:buSzTx/>
+              <a:buFontTx/>
+              <a:buNone/>
+              <a:tabLst/>
+              <a:defRPr/>
+            </a:pPr>
+            <a:r>
+              <a:rPr kumimoji="1" lang="ja-JP" altLang="en-US" dirty="0"/>
+              <a:t>天気・ニュース・占いの</a:t>
             </a:r>
             <a:r>
               <a:rPr kumimoji="1" lang="en-US" altLang="ja-JP" dirty="0"/>
-              <a:t>MeCab</a:t>
+              <a:t>3</a:t>
             </a:r>
             <a:r>
               <a:rPr kumimoji="1" lang="ja-JP" altLang="en-US" dirty="0"/>
-              <a:t>を</a:t>
+              <a:t>つは、スクレイピングという、</a:t>
             </a:r>
             <a:r>
               <a:rPr kumimoji="1" lang="en-US" altLang="ja-JP" dirty="0"/>
-              <a:t>import</a:t>
+              <a:t>Web</a:t>
             </a:r>
             <a:r>
               <a:rPr kumimoji="1" lang="ja-JP" altLang="en-US" dirty="0"/>
-              <a:t>し、</a:t>
+              <a:t>ページからテキストデータを抽出する技術を利用して取得しています。</a:t>
             </a:r>
             <a:endParaRPr kumimoji="1" lang="en-US" altLang="ja-JP" dirty="0"/>
           </a:p>
           <a:p>
             <a:r>
               <a:rPr kumimoji="1" lang="ja-JP" altLang="en-US" dirty="0"/>
-              <a:t>次に受け取った文章を</a:t>
+              <a:t>このスクレイピングには、</a:t>
             </a:r>
             <a:r>
               <a:rPr kumimoji="1" lang="en-US" altLang="ja-JP" dirty="0"/>
-              <a:t>MeCab</a:t>
+              <a:t>Python</a:t>
             </a:r>
             <a:r>
               <a:rPr kumimoji="1" lang="ja-JP" altLang="en-US" dirty="0"/>
-              <a:t>で形態素解析し、品詞ごとに分解します。</a:t>
+              <a:t>の</a:t>
+            </a:r>
+            <a:r>
+              <a:rPr kumimoji="1" lang="en-US" altLang="ja-JP" dirty="0"/>
+              <a:t>BeautifulSoup4</a:t>
+            </a:r>
+            <a:r>
+              <a:rPr kumimoji="1" lang="ja-JP" altLang="en-US" dirty="0"/>
+              <a:t>というライブラリを利用しています。</a:t>
             </a:r>
             <a:endParaRPr kumimoji="1" lang="en-US" altLang="ja-JP" dirty="0"/>
           </a:p>
           <a:p>
             <a:r>
               <a:rPr kumimoji="1" lang="ja-JP" altLang="en-US" dirty="0"/>
-              <a:t>その中から、特定の名詞を抽出し、その名詞からクラスを予測します。</a:t>
+              <a:t>日時は、</a:t>
+            </a:r>
+            <a:r>
+              <a:rPr kumimoji="1" lang="en-US" altLang="ja-JP" dirty="0"/>
+              <a:t>Python</a:t>
+            </a:r>
+            <a:r>
+              <a:rPr kumimoji="1" lang="ja-JP" altLang="en-US" dirty="0"/>
+              <a:t>の</a:t>
+            </a:r>
+            <a:r>
+              <a:rPr kumimoji="1" lang="en-US" altLang="ja-JP" dirty="0"/>
+              <a:t>Datetime</a:t>
+            </a:r>
+            <a:r>
+              <a:rPr kumimoji="1" lang="ja-JP" altLang="en-US" dirty="0"/>
+              <a:t>モジュールを利用して取得しています。</a:t>
             </a:r>
             <a:endParaRPr kumimoji="1" lang="en-US" altLang="ja-JP" dirty="0"/>
           </a:p>
           <a:p>
             <a:r>
               <a:rPr kumimoji="1" lang="ja-JP" altLang="en-US" dirty="0"/>
-              <a:t>そしてその予測結果に応じて、音声出力を行うといった流れです。</a:t>
+              <a:t>以前は機能呼び出し時に毎回スクレイピングしていましたが、処理に時間がかかってしまうため、</a:t>
+            </a:r>
+            <a:endParaRPr kumimoji="1" lang="en-US" altLang="ja-JP" dirty="0"/>
+          </a:p>
+          <a:p>
+            <a:r>
+              <a:rPr kumimoji="1" lang="ja-JP" altLang="en-US" dirty="0"/>
+              <a:t>★</a:t>
+            </a:r>
+            <a:r>
+              <a:rPr kumimoji="1" lang="en-US" altLang="ja-JP" dirty="0"/>
+              <a:t>YoSiE</a:t>
+            </a:r>
+            <a:r>
+              <a:rPr kumimoji="1" lang="ja-JP" altLang="en-US" dirty="0"/>
+              <a:t>を起動した際にまとめてスクレイピングすることで、機能呼び出し時の待ち時間を削減しました。</a:t>
             </a:r>
             <a:endParaRPr kumimoji="1" lang="en-US" altLang="ja-JP" dirty="0"/>
           </a:p>
@@ -5076,7 +5129,7 @@
     </p:spTree>
     <p:extLst>
       <p:ext uri="{BB962C8B-B14F-4D97-AF65-F5344CB8AC3E}">
-        <p14:creationId xmlns:p14="http://schemas.microsoft.com/office/powerpoint/2010/main" val="601742885"/>
+        <p14:creationId xmlns:p14="http://schemas.microsoft.com/office/powerpoint/2010/main" val="783871985"/>
       </p:ext>
     </p:extLst>
   </p:cSld>
@@ -5132,91 +5185,7 @@
           <a:p>
             <a:r>
               <a:rPr kumimoji="1" lang="ja-JP" altLang="en-US" dirty="0"/>
-              <a:t>次にデータ取得について説明していきます。</a:t>
-            </a:r>
-            <a:endParaRPr kumimoji="1" lang="en-US" altLang="ja-JP" dirty="0"/>
-          </a:p>
-          <a:p>
-            <a:pPr marL="0" marR="0" lvl="0" indent="0" algn="l" defTabSz="914400" rtl="0" eaLnBrk="1" fontAlgn="auto" latinLnBrk="0" hangingPunct="1">
-              <a:lnSpc>
-                <a:spcPct val="100000"/>
-              </a:lnSpc>
-              <a:spcBef>
-                <a:spcPts val="0"/>
-              </a:spcBef>
-              <a:spcAft>
-                <a:spcPts val="0"/>
-              </a:spcAft>
-              <a:buClrTx/>
-              <a:buSzTx/>
-              <a:buFontTx/>
-              <a:buNone/>
-              <a:tabLst/>
-              <a:defRPr/>
-            </a:pPr>
-            <a:r>
-              <a:rPr kumimoji="1" lang="ja-JP" altLang="en-US" dirty="0"/>
-              <a:t>ここでは</a:t>
-            </a:r>
-            <a:r>
-              <a:rPr kumimoji="1" lang="en-US" altLang="ja-JP" dirty="0"/>
-              <a:t>YoSiE</a:t>
-            </a:r>
-            <a:r>
-              <a:rPr kumimoji="1" lang="ja-JP" altLang="en-US" dirty="0"/>
-              <a:t>が返答する内容を取得し、機能別にテキストファイルに保存しています。</a:t>
-            </a:r>
-            <a:endParaRPr kumimoji="1" lang="en-US" altLang="ja-JP" dirty="0"/>
-          </a:p>
-          <a:p>
-            <a:pPr marL="0" marR="0" lvl="0" indent="0" algn="l" defTabSz="914400" rtl="0" eaLnBrk="1" fontAlgn="auto" latinLnBrk="0" hangingPunct="1">
-              <a:lnSpc>
-                <a:spcPct val="100000"/>
-              </a:lnSpc>
-              <a:spcBef>
-                <a:spcPts val="0"/>
-              </a:spcBef>
-              <a:spcAft>
-                <a:spcPts val="0"/>
-              </a:spcAft>
-              <a:buClrTx/>
-              <a:buSzTx/>
-              <a:buFontTx/>
-              <a:buNone/>
-              <a:tabLst/>
-              <a:defRPr/>
-            </a:pPr>
-            <a:endParaRPr kumimoji="1" lang="en-US" altLang="ja-JP" dirty="0"/>
-          </a:p>
-          <a:p>
-            <a:pPr marL="0" marR="0" lvl="0" indent="0" algn="l" defTabSz="914400" rtl="0" eaLnBrk="1" fontAlgn="auto" latinLnBrk="0" hangingPunct="1">
-              <a:lnSpc>
-                <a:spcPct val="100000"/>
-              </a:lnSpc>
-              <a:spcBef>
-                <a:spcPts val="0"/>
-              </a:spcBef>
-              <a:spcAft>
-                <a:spcPts val="0"/>
-              </a:spcAft>
-              <a:buClrTx/>
-              <a:buSzTx/>
-              <a:buFontTx/>
-              <a:buNone/>
-              <a:tabLst/>
-              <a:defRPr/>
-            </a:pPr>
-            <a:r>
-              <a:rPr kumimoji="1" lang="ja-JP" altLang="en-US" dirty="0"/>
-              <a:t>天気・ニュース・占いの</a:t>
-            </a:r>
-            <a:r>
-              <a:rPr kumimoji="1" lang="en-US" altLang="ja-JP" dirty="0"/>
-              <a:t>3</a:t>
-            </a:r>
-            <a:r>
-              <a:rPr kumimoji="1" lang="ja-JP" altLang="en-US" dirty="0"/>
-              <a:t>つは、スクレイピングという、</a:t>
+              <a:t>ニュースと天気予報は一定時間で</a:t>
             </a:r>
             <a:r>
               <a:rPr kumimoji="1" lang="en-US" altLang="ja-JP" dirty="0"/>
@@ -5224,77 +5193,30 @@
             </a:r>
             <a:r>
               <a:rPr kumimoji="1" lang="ja-JP" altLang="en-US" dirty="0"/>
-              <a:t>ページからテキストデータを抽出する技術を利用して取得しています。</a:t>
+              <a:t>ページの内容が更新されるので、起動時のほか、定時にスクレイピングを実行するようにしました。</a:t>
             </a:r>
             <a:endParaRPr kumimoji="1" lang="en-US" altLang="ja-JP" dirty="0"/>
           </a:p>
           <a:p>
             <a:r>
               <a:rPr kumimoji="1" lang="ja-JP" altLang="en-US" dirty="0"/>
-              <a:t>このスクレイピングには、</a:t>
+              <a:t>これは</a:t>
             </a:r>
             <a:r>
               <a:rPr kumimoji="1" lang="en-US" altLang="ja-JP" dirty="0"/>
-              <a:t>Python</a:t>
+              <a:t>5</a:t>
             </a:r>
             <a:r>
               <a:rPr kumimoji="1" lang="ja-JP" altLang="en-US" dirty="0"/>
-              <a:t>の</a:t>
-            </a:r>
-            <a:r>
-              <a:rPr kumimoji="1" lang="en-US" altLang="ja-JP" dirty="0"/>
-              <a:t>BeautifulSoup4</a:t>
-            </a:r>
+              <a:t>分おきに時刻を取得して、定時になるとスクレイピングを実行するというものです。</a:t>
+            </a:r>
+            <a:endParaRPr kumimoji="1" lang="en-US" altLang="ja-JP" dirty="0"/>
+          </a:p>
+          <a:p>
             <a:r>
               <a:rPr kumimoji="1" lang="ja-JP" altLang="en-US" dirty="0"/>
-              <a:t>というライブラリを利用しています。</a:t>
-            </a:r>
-            <a:endParaRPr kumimoji="1" lang="en-US" altLang="ja-JP" dirty="0"/>
-          </a:p>
-          <a:p>
-            <a:r>
-              <a:rPr kumimoji="1" lang="ja-JP" altLang="en-US" dirty="0"/>
-              <a:t>日時は、</a:t>
-            </a:r>
-            <a:r>
-              <a:rPr kumimoji="1" lang="en-US" altLang="ja-JP" dirty="0"/>
-              <a:t>Python</a:t>
-            </a:r>
-            <a:r>
-              <a:rPr kumimoji="1" lang="ja-JP" altLang="en-US" dirty="0"/>
-              <a:t>の</a:t>
-            </a:r>
-            <a:r>
-              <a:rPr kumimoji="1" lang="en-US" altLang="ja-JP" dirty="0"/>
-              <a:t>Datetime</a:t>
-            </a:r>
-            <a:r>
-              <a:rPr kumimoji="1" lang="ja-JP" altLang="en-US" dirty="0"/>
-              <a:t>モジュールを利用して取得しています。</a:t>
-            </a:r>
-            <a:endParaRPr kumimoji="1" lang="en-US" altLang="ja-JP" dirty="0"/>
-          </a:p>
-          <a:p>
-            <a:r>
-              <a:rPr kumimoji="1" lang="ja-JP" altLang="en-US" dirty="0"/>
-              <a:t>以前は機能呼び出し時に毎回スクレイピングしていましたが、処理に時間がかかってしまうため、</a:t>
-            </a:r>
-            <a:endParaRPr kumimoji="1" lang="en-US" altLang="ja-JP" dirty="0"/>
-          </a:p>
-          <a:p>
-            <a:r>
-              <a:rPr kumimoji="1" lang="ja-JP" altLang="en-US" dirty="0"/>
-              <a:t>★</a:t>
-            </a:r>
-            <a:r>
-              <a:rPr kumimoji="1" lang="en-US" altLang="ja-JP" dirty="0"/>
-              <a:t>YoSiE</a:t>
-            </a:r>
-            <a:r>
-              <a:rPr kumimoji="1" lang="ja-JP" altLang="en-US" dirty="0"/>
-              <a:t>を起動した際にまとめてスクレイピングすることで、機能呼び出し時の待ち時間を削減しました。</a:t>
-            </a:r>
-            <a:endParaRPr kumimoji="1" lang="en-US" altLang="ja-JP" dirty="0"/>
+              <a:t>こちらもクラスルームに挙げておきます。構造はとてもシンプルですので、様々な応用が利くと思います。</a:t>
+            </a:r>
           </a:p>
         </p:txBody>
       </p:sp>
@@ -5324,7 +5246,7 @@
     </p:spTree>
     <p:extLst>
       <p:ext uri="{BB962C8B-B14F-4D97-AF65-F5344CB8AC3E}">
-        <p14:creationId xmlns:p14="http://schemas.microsoft.com/office/powerpoint/2010/main" val="783871985"/>
+        <p14:creationId xmlns:p14="http://schemas.microsoft.com/office/powerpoint/2010/main" val="300551445"/>
       </p:ext>
     </p:extLst>
   </p:cSld>
@@ -5380,38 +5302,83 @@
           <a:p>
             <a:r>
               <a:rPr kumimoji="1" lang="ja-JP" altLang="en-US" dirty="0"/>
-              <a:t>ニュースと天気予報は一定時間で</a:t>
+              <a:t>最後の要素技術は</a:t>
             </a:r>
             <a:r>
               <a:rPr kumimoji="1" lang="en-US" altLang="ja-JP" dirty="0"/>
-              <a:t>Web</a:t>
+              <a:t>OpenJtalk</a:t>
             </a:r>
             <a:r>
               <a:rPr kumimoji="1" lang="ja-JP" altLang="en-US" dirty="0"/>
-              <a:t>ページの内容が更新されるので、起動時のほか、定時にスクレイピングを実行するようにしました。</a:t>
+              <a:t>です。</a:t>
             </a:r>
             <a:endParaRPr kumimoji="1" lang="en-US" altLang="ja-JP" dirty="0"/>
           </a:p>
           <a:p>
             <a:r>
+              <a:rPr kumimoji="1" lang="en-US" altLang="ja-JP" dirty="0" err="1"/>
+              <a:t>OpenJTalk</a:t>
+            </a:r>
+            <a:r>
               <a:rPr kumimoji="1" lang="ja-JP" altLang="en-US" dirty="0"/>
-              <a:t>これは</a:t>
-            </a:r>
-            <a:r>
-              <a:rPr kumimoji="1" lang="en-US" altLang="ja-JP" dirty="0"/>
-              <a:t>5</a:t>
-            </a:r>
+              <a:t>は日本語用の音声合成システムのオープンソースソフトウェアで、</a:t>
+            </a:r>
+            <a:endParaRPr kumimoji="1" lang="en-US" altLang="ja-JP" dirty="0"/>
+          </a:p>
+          <a:p>
             <a:r>
               <a:rPr kumimoji="1" lang="ja-JP" altLang="en-US" dirty="0"/>
-              <a:t>分おきに時刻を取得して、定時になるとスクレイピングを実行するというものです。</a:t>
+              <a:t>ボイスデータの声質や速度などのパラメータを設定することで、理想の音声を出力することができます。</a:t>
             </a:r>
             <a:endParaRPr kumimoji="1" lang="en-US" altLang="ja-JP" dirty="0"/>
           </a:p>
           <a:p>
+            <a:pPr marL="0" marR="0" lvl="0" indent="0" algn="l" defTabSz="914400" rtl="0" eaLnBrk="1" fontAlgn="auto" latinLnBrk="0" hangingPunct="1">
+              <a:lnSpc>
+                <a:spcPct val="100000"/>
+              </a:lnSpc>
+              <a:spcBef>
+                <a:spcPts val="0"/>
+              </a:spcBef>
+              <a:spcAft>
+                <a:spcPts val="0"/>
+              </a:spcAft>
+              <a:buClrTx/>
+              <a:buSzTx/>
+              <a:buFontTx/>
+              <a:buNone/>
+              <a:tabLst/>
+              <a:defRPr/>
+            </a:pPr>
             <a:r>
               <a:rPr kumimoji="1" lang="ja-JP" altLang="en-US" dirty="0"/>
-              <a:t>こちらもクラスルームに挙げておきます。構造はとてもシンプルですので、様々な応用が利くと思います。</a:t>
-            </a:r>
+              <a:t>これはテキストデータの内容から音声ファイルを作成するシェルスクリプトで、記述されている内容は★こちらです。</a:t>
+            </a:r>
+            <a:endParaRPr kumimoji="1" lang="en-US" altLang="ja-JP" dirty="0"/>
+          </a:p>
+          <a:p>
+            <a:pPr marL="0" marR="0" lvl="0" indent="0" algn="l" defTabSz="914400" rtl="0" eaLnBrk="1" fontAlgn="auto" latinLnBrk="0" hangingPunct="1">
+              <a:lnSpc>
+                <a:spcPct val="100000"/>
+              </a:lnSpc>
+              <a:spcBef>
+                <a:spcPts val="0"/>
+              </a:spcBef>
+              <a:spcAft>
+                <a:spcPts val="0"/>
+              </a:spcAft>
+              <a:buClrTx/>
+              <a:buSzTx/>
+              <a:buFontTx/>
+              <a:buNone/>
+              <a:tabLst/>
+              <a:defRPr/>
+            </a:pPr>
+            <a:r>
+              <a:rPr kumimoji="1" lang="ja-JP" altLang="en-US" dirty="0"/>
+              <a:t>これを★起動時または定時のスクレイピング直後に実行して、あらかじめ各音声ファイルを作成して保存しています。</a:t>
+            </a:r>
+            <a:endParaRPr kumimoji="1" lang="en-US" altLang="ja-JP" dirty="0"/>
           </a:p>
         </p:txBody>
       </p:sp>
@@ -5441,7 +5408,7 @@
     </p:spTree>
     <p:extLst>
       <p:ext uri="{BB962C8B-B14F-4D97-AF65-F5344CB8AC3E}">
-        <p14:creationId xmlns:p14="http://schemas.microsoft.com/office/powerpoint/2010/main" val="300551445"/>
+        <p14:creationId xmlns:p14="http://schemas.microsoft.com/office/powerpoint/2010/main" val="950038501"/>
       </p:ext>
     </p:extLst>
   </p:cSld>
@@ -5497,81 +5464,28 @@
           <a:p>
             <a:r>
               <a:rPr kumimoji="1" lang="ja-JP" altLang="en-US" dirty="0"/>
-              <a:t>最後の要素技術は</a:t>
-            </a:r>
-            <a:r>
-              <a:rPr kumimoji="1" lang="en-US" altLang="ja-JP" dirty="0"/>
-              <a:t>OpenJtalk</a:t>
-            </a:r>
+              <a:t>そしてこちらが音声ファイルを再生するシェルスクリプトです。</a:t>
+            </a:r>
+            <a:endParaRPr kumimoji="1" lang="en-US" altLang="ja-JP" dirty="0"/>
+          </a:p>
+          <a:p>
             <a:r>
               <a:rPr kumimoji="1" lang="ja-JP" altLang="en-US" dirty="0"/>
-              <a:t>です。</a:t>
+              <a:t>音声ファイルの再生は、音声ファイルのサイズにかかわらずほぼノータイムで再生が始まります。</a:t>
             </a:r>
             <a:endParaRPr kumimoji="1" lang="en-US" altLang="ja-JP" dirty="0"/>
           </a:p>
           <a:p>
             <a:r>
-              <a:rPr kumimoji="1" lang="en-US" altLang="ja-JP" dirty="0" err="1"/>
-              <a:t>OpenJTalk</a:t>
-            </a:r>
-            <a:r>
               <a:rPr kumimoji="1" lang="ja-JP" altLang="en-US" dirty="0"/>
-              <a:t>は日本語用の音声合成システムのオープンソースソフトウェアで、</a:t>
+              <a:t>以前は作成と再生を一括で行っていましたが、現在は機能が呼び出された際に音声ファイルを再生するだけで済むので、</a:t>
             </a:r>
             <a:endParaRPr kumimoji="1" lang="en-US" altLang="ja-JP" dirty="0"/>
           </a:p>
           <a:p>
             <a:r>
               <a:rPr kumimoji="1" lang="ja-JP" altLang="en-US" dirty="0"/>
-              <a:t>ボイスデータの声質や速度などのパラメータを設定することで、理想の音声を出力することができます。</a:t>
-            </a:r>
-            <a:endParaRPr kumimoji="1" lang="en-US" altLang="ja-JP" dirty="0"/>
-          </a:p>
-          <a:p>
-            <a:pPr marL="0" marR="0" lvl="0" indent="0" algn="l" defTabSz="914400" rtl="0" eaLnBrk="1" fontAlgn="auto" latinLnBrk="0" hangingPunct="1">
-              <a:lnSpc>
-                <a:spcPct val="100000"/>
-              </a:lnSpc>
-              <a:spcBef>
-                <a:spcPts val="0"/>
-              </a:spcBef>
-              <a:spcAft>
-                <a:spcPts val="0"/>
-              </a:spcAft>
-              <a:buClrTx/>
-              <a:buSzTx/>
-              <a:buFontTx/>
-              <a:buNone/>
-              <a:tabLst/>
-              <a:defRPr/>
-            </a:pPr>
-            <a:r>
-              <a:rPr kumimoji="1" lang="ja-JP" altLang="en-US" dirty="0"/>
-              <a:t>これはテキストデータの内容から音声ファイルを作成するシェルスクリプトで、記述されている内容は★こちらです。</a:t>
-            </a:r>
-            <a:endParaRPr kumimoji="1" lang="en-US" altLang="ja-JP" dirty="0"/>
-          </a:p>
-          <a:p>
-            <a:pPr marL="0" marR="0" lvl="0" indent="0" algn="l" defTabSz="914400" rtl="0" eaLnBrk="1" fontAlgn="auto" latinLnBrk="0" hangingPunct="1">
-              <a:lnSpc>
-                <a:spcPct val="100000"/>
-              </a:lnSpc>
-              <a:spcBef>
-                <a:spcPts val="0"/>
-              </a:spcBef>
-              <a:spcAft>
-                <a:spcPts val="0"/>
-              </a:spcAft>
-              <a:buClrTx/>
-              <a:buSzTx/>
-              <a:buFontTx/>
-              <a:buNone/>
-              <a:tabLst/>
-              <a:defRPr/>
-            </a:pPr>
-            <a:r>
-              <a:rPr kumimoji="1" lang="ja-JP" altLang="en-US" dirty="0"/>
-              <a:t>これを★起動時または定時のスクレイピング直後に実行して、あらかじめ各音声ファイルを作成して保存しています。</a:t>
+              <a:t>処理の待ち時間を大幅に削減できました。</a:t>
             </a:r>
             <a:endParaRPr kumimoji="1" lang="en-US" altLang="ja-JP" dirty="0"/>
           </a:p>
@@ -5603,7 +5517,7 @@
     </p:spTree>
     <p:extLst>
       <p:ext uri="{BB962C8B-B14F-4D97-AF65-F5344CB8AC3E}">
-        <p14:creationId xmlns:p14="http://schemas.microsoft.com/office/powerpoint/2010/main" val="950038501"/>
+        <p14:creationId xmlns:p14="http://schemas.microsoft.com/office/powerpoint/2010/main" val="1390197788"/>
       </p:ext>
     </p:extLst>
   </p:cSld>
@@ -5659,30 +5573,77 @@
           <a:p>
             <a:r>
               <a:rPr kumimoji="1" lang="ja-JP" altLang="en-US" dirty="0"/>
-              <a:t>そしてこちらが音声ファイルを再生するシェルスクリプトです。</a:t>
+              <a:t>ここから</a:t>
+            </a:r>
+            <a:r>
+              <a:rPr kumimoji="1" lang="en-US" altLang="ja-JP" dirty="0"/>
+              <a:t>YoSiE</a:t>
+            </a:r>
+            <a:r>
+              <a:rPr kumimoji="1" lang="ja-JP" altLang="en-US" dirty="0"/>
+              <a:t>の実行ファイルについて説明します。</a:t>
             </a:r>
             <a:endParaRPr kumimoji="1" lang="en-US" altLang="ja-JP" dirty="0"/>
           </a:p>
           <a:p>
             <a:r>
+              <a:rPr kumimoji="1" lang="en-US" altLang="ja-JP" dirty="0"/>
+              <a:t>YoSiE</a:t>
+            </a:r>
+            <a:r>
               <a:rPr kumimoji="1" lang="ja-JP" altLang="en-US" dirty="0"/>
-              <a:t>音声ファイルの再生は、音声ファイルのサイズにかかわらずほぼノータイムで再生が始まります。</a:t>
+              <a:t>の実行ファイルは主に</a:t>
+            </a:r>
+            <a:r>
+              <a:rPr kumimoji="1" lang="en-US" altLang="ja-JP" dirty="0"/>
+              <a:t>2</a:t>
+            </a:r>
+            <a:r>
+              <a:rPr kumimoji="1" lang="ja-JP" altLang="en-US" dirty="0"/>
+              <a:t>つあり、</a:t>
+            </a:r>
+            <a:r>
+              <a:rPr kumimoji="1" lang="en-US" altLang="ja-JP" dirty="0"/>
+              <a:t>yosie.sh</a:t>
+            </a:r>
+            <a:r>
+              <a:rPr kumimoji="1" lang="ja-JP" altLang="en-US" dirty="0"/>
+              <a:t>と</a:t>
+            </a:r>
+            <a:r>
+              <a:rPr kumimoji="1" lang="en-US" altLang="ja-JP" dirty="0"/>
+              <a:t>function.py</a:t>
+            </a:r>
+            <a:r>
+              <a:rPr kumimoji="1" lang="ja-JP" altLang="en-US" dirty="0"/>
+              <a:t>です。</a:t>
             </a:r>
             <a:endParaRPr kumimoji="1" lang="en-US" altLang="ja-JP" dirty="0"/>
           </a:p>
           <a:p>
             <a:r>
               <a:rPr kumimoji="1" lang="ja-JP" altLang="en-US" dirty="0"/>
-              <a:t>以前は作成と再生を一括で行っていましたが、現在は機能が呼び出された際に音声ファイルを再生するだけで済むので、</a:t>
+              <a:t>まずはこの</a:t>
+            </a:r>
+            <a:r>
+              <a:rPr kumimoji="1" lang="en-US" altLang="ja-JP" dirty="0"/>
+              <a:t>yosie.sh</a:t>
+            </a:r>
+            <a:r>
+              <a:rPr kumimoji="1" lang="ja-JP" altLang="en-US" dirty="0"/>
+              <a:t>というシェルスクリプトを説明します。</a:t>
             </a:r>
             <a:endParaRPr kumimoji="1" lang="en-US" altLang="ja-JP" dirty="0"/>
           </a:p>
           <a:p>
             <a:r>
+              <a:rPr kumimoji="1" lang="en-US" altLang="ja-JP" dirty="0"/>
+              <a:t>yosie.sh</a:t>
+            </a:r>
+            <a:r>
               <a:rPr kumimoji="1" lang="ja-JP" altLang="en-US" dirty="0"/>
-              <a:t>処理の待ち時間を大幅に削減できました。</a:t>
-            </a:r>
-            <a:endParaRPr kumimoji="1" lang="en-US" altLang="ja-JP" dirty="0"/>
+              <a:t>はご覧の通りですが、わかりづらいので簡単に表記します。</a:t>
+            </a:r>
           </a:p>
         </p:txBody>
       </p:sp>
@@ -5712,7 +5673,7 @@
     </p:spTree>
     <p:extLst>
       <p:ext uri="{BB962C8B-B14F-4D97-AF65-F5344CB8AC3E}">
-        <p14:creationId xmlns:p14="http://schemas.microsoft.com/office/powerpoint/2010/main" val="1390197788"/>
+        <p14:creationId xmlns:p14="http://schemas.microsoft.com/office/powerpoint/2010/main" val="449604337"/>
       </p:ext>
     </p:extLst>
   </p:cSld>
@@ -5768,42 +5729,7 @@
           <a:p>
             <a:r>
               <a:rPr kumimoji="1" lang="ja-JP" altLang="en-US" dirty="0"/>
-              <a:t>ここから</a:t>
-            </a:r>
-            <a:r>
-              <a:rPr kumimoji="1" lang="en-US" altLang="ja-JP" dirty="0"/>
-              <a:t>YoSiE</a:t>
-            </a:r>
-            <a:r>
-              <a:rPr kumimoji="1" lang="ja-JP" altLang="en-US" dirty="0"/>
-              <a:t>の実行ファイルについて説明します。</a:t>
-            </a:r>
-            <a:endParaRPr kumimoji="1" lang="en-US" altLang="ja-JP" dirty="0"/>
-          </a:p>
-          <a:p>
-            <a:r>
-              <a:rPr kumimoji="1" lang="en-US" altLang="ja-JP" dirty="0"/>
-              <a:t>YoSiE</a:t>
-            </a:r>
-            <a:r>
-              <a:rPr kumimoji="1" lang="ja-JP" altLang="en-US" dirty="0"/>
-              <a:t>の実行ファイルは主に</a:t>
-            </a:r>
-            <a:r>
-              <a:rPr kumimoji="1" lang="en-US" altLang="ja-JP" dirty="0"/>
-              <a:t>2</a:t>
-            </a:r>
-            <a:r>
-              <a:rPr kumimoji="1" lang="ja-JP" altLang="en-US" dirty="0"/>
-              <a:t>つあり、</a:t>
-            </a:r>
-            <a:r>
-              <a:rPr kumimoji="1" lang="en-US" altLang="ja-JP" dirty="0"/>
-              <a:t>yosie.sh</a:t>
-            </a:r>
-            <a:r>
-              <a:rPr kumimoji="1" lang="ja-JP" altLang="en-US" dirty="0"/>
-              <a:t>と</a:t>
+              <a:t>このように、スクレイピングと音声ファイル作成、そして</a:t>
             </a:r>
             <a:r>
               <a:rPr kumimoji="1" lang="en-US" altLang="ja-JP" dirty="0"/>
@@ -5811,34 +5737,9 @@
             </a:r>
             <a:r>
               <a:rPr kumimoji="1" lang="ja-JP" altLang="en-US" dirty="0"/>
-              <a:t>です。</a:t>
+              <a:t>の呼び出しが、主な内容です。</a:t>
             </a:r>
             <a:endParaRPr kumimoji="1" lang="en-US" altLang="ja-JP" dirty="0"/>
-          </a:p>
-          <a:p>
-            <a:r>
-              <a:rPr kumimoji="1" lang="ja-JP" altLang="en-US" dirty="0"/>
-              <a:t>まずはこの</a:t>
-            </a:r>
-            <a:r>
-              <a:rPr kumimoji="1" lang="en-US" altLang="ja-JP" dirty="0"/>
-              <a:t>yosie.sh</a:t>
-            </a:r>
-            <a:r>
-              <a:rPr kumimoji="1" lang="ja-JP" altLang="en-US" dirty="0"/>
-              <a:t>というシェルスクリプトを説明します。</a:t>
-            </a:r>
-            <a:endParaRPr kumimoji="1" lang="en-US" altLang="ja-JP" dirty="0"/>
-          </a:p>
-          <a:p>
-            <a:r>
-              <a:rPr kumimoji="1" lang="en-US" altLang="ja-JP" dirty="0"/>
-              <a:t>yosie.sh</a:t>
-            </a:r>
-            <a:r>
-              <a:rPr kumimoji="1" lang="ja-JP" altLang="en-US" dirty="0"/>
-              <a:t>はご覧の通りですが、わかりづらいので簡単に表記します。</a:t>
-            </a:r>
           </a:p>
         </p:txBody>
       </p:sp>
@@ -5868,7 +5769,7 @@
     </p:spTree>
     <p:extLst>
       <p:ext uri="{BB962C8B-B14F-4D97-AF65-F5344CB8AC3E}">
-        <p14:creationId xmlns:p14="http://schemas.microsoft.com/office/powerpoint/2010/main" val="449604337"/>
+        <p14:creationId xmlns:p14="http://schemas.microsoft.com/office/powerpoint/2010/main" val="4001433583"/>
       </p:ext>
     </p:extLst>
   </p:cSld>
@@ -5924,7 +5825,7 @@
           <a:p>
             <a:r>
               <a:rPr kumimoji="1" lang="ja-JP" altLang="en-US" dirty="0"/>
-              <a:t>このように、スクレイピングと音声ファイル作成、そして</a:t>
+              <a:t>次にこちらが</a:t>
             </a:r>
             <a:r>
               <a:rPr kumimoji="1" lang="en-US" altLang="ja-JP" dirty="0"/>
@@ -5932,7 +5833,73 @@
             </a:r>
             <a:r>
               <a:rPr kumimoji="1" lang="ja-JP" altLang="en-US" dirty="0"/>
-              <a:t>の呼び出しが、主な内容です。</a:t>
+              <a:t>になります。</a:t>
+            </a:r>
+            <a:endParaRPr kumimoji="1" lang="en-US" altLang="ja-JP" dirty="0"/>
+          </a:p>
+          <a:p>
+            <a:r>
+              <a:rPr kumimoji="1" lang="ja-JP" altLang="en-US" dirty="0"/>
+              <a:t>これは主に★音声認識・テキスト分類・音声出力までを行うプログラムで、行数も多く内容も複雑なため、</a:t>
+            </a:r>
+            <a:endParaRPr kumimoji="1" lang="en-US" altLang="ja-JP" dirty="0"/>
+          </a:p>
+          <a:p>
+            <a:r>
+              <a:rPr kumimoji="1" lang="ja-JP" altLang="en-US" dirty="0"/>
+              <a:t>メイン関数の</a:t>
+            </a:r>
+            <a:r>
+              <a:rPr kumimoji="1" lang="en-US" altLang="ja-JP" dirty="0"/>
+              <a:t>run</a:t>
+            </a:r>
+            <a:r>
+              <a:rPr kumimoji="1" lang="ja-JP" altLang="en-US" dirty="0"/>
+              <a:t>関数について簡単に説明します。</a:t>
+            </a:r>
+            <a:endParaRPr kumimoji="1" lang="en-US" altLang="ja-JP" dirty="0"/>
+          </a:p>
+          <a:p>
+            <a:r>
+              <a:rPr kumimoji="1" lang="ja-JP" altLang="en-US" dirty="0"/>
+              <a:t>★</a:t>
+            </a:r>
+            <a:r>
+              <a:rPr kumimoji="1" lang="en-US" altLang="ja-JP" dirty="0"/>
+              <a:t>run</a:t>
+            </a:r>
+            <a:r>
+              <a:rPr kumimoji="1" lang="ja-JP" altLang="en-US" dirty="0"/>
+              <a:t>関数は無限ループになっていて、</a:t>
+            </a:r>
+            <a:endParaRPr kumimoji="1" lang="en-US" altLang="ja-JP" dirty="0"/>
+          </a:p>
+          <a:p>
+            <a:r>
+              <a:rPr kumimoji="1" lang="ja-JP" altLang="en-US" dirty="0"/>
+              <a:t>音声認識後にウェイクワードの識別をし、含まれていればテキスト分類で機能を予測、</a:t>
+            </a:r>
+            <a:endParaRPr kumimoji="1" lang="en-US" altLang="ja-JP" dirty="0"/>
+          </a:p>
+          <a:p>
+            <a:r>
+              <a:rPr kumimoji="1" lang="ja-JP" altLang="en-US" dirty="0"/>
+              <a:t>そして予測した機能を実行するといった流れを繰り返しています。</a:t>
+            </a:r>
+            <a:endParaRPr kumimoji="1" lang="en-US" altLang="ja-JP" dirty="0"/>
+          </a:p>
+          <a:p>
+            <a:r>
+              <a:rPr kumimoji="1" lang="ja-JP" altLang="en-US" dirty="0"/>
+              <a:t>この実行ファイル</a:t>
+            </a:r>
+            <a:r>
+              <a:rPr kumimoji="1" lang="en-US" altLang="ja-JP" dirty="0"/>
+              <a:t>2</a:t>
+            </a:r>
+            <a:r>
+              <a:rPr kumimoji="1" lang="ja-JP" altLang="en-US" dirty="0"/>
+              <a:t>つともクラスルームに挙げておくので、詳しく見たい方はそちらをご覧ください。</a:t>
             </a:r>
             <a:endParaRPr kumimoji="1" lang="en-US" altLang="ja-JP" dirty="0"/>
           </a:p>
@@ -5964,7 +5931,7 @@
     </p:spTree>
     <p:extLst>
       <p:ext uri="{BB962C8B-B14F-4D97-AF65-F5344CB8AC3E}">
-        <p14:creationId xmlns:p14="http://schemas.microsoft.com/office/powerpoint/2010/main" val="4001433583"/>
+        <p14:creationId xmlns:p14="http://schemas.microsoft.com/office/powerpoint/2010/main" val="939948281"/>
       </p:ext>
     </p:extLst>
   </p:cSld>
@@ -6020,81 +5987,68 @@
           <a:p>
             <a:r>
               <a:rPr kumimoji="1" lang="ja-JP" altLang="en-US" dirty="0"/>
-              <a:t>次にこちらが</a:t>
+              <a:t>それではこれからデモンストレーションを始めたいと思います。</a:t>
+            </a:r>
+            <a:endParaRPr kumimoji="1" lang="en-US" altLang="ja-JP" dirty="0"/>
+          </a:p>
+          <a:p>
+            <a:r>
+              <a:rPr kumimoji="1" lang="ja-JP" altLang="en-US" dirty="0"/>
+              <a:t>ラズパイを立ち上げると、この</a:t>
             </a:r>
             <a:r>
               <a:rPr kumimoji="1" lang="en-US" altLang="ja-JP" dirty="0"/>
-              <a:t>function.py</a:t>
+              <a:t>3</a:t>
+            </a:r>
+            <a:r>
+              <a:rPr kumimoji="1" lang="ja-JP" altLang="en-US" dirty="0" err="1"/>
+              <a:t>つの</a:t>
             </a:r>
             <a:r>
               <a:rPr kumimoji="1" lang="ja-JP" altLang="en-US" dirty="0"/>
-              <a:t>になります。</a:t>
+              <a:t>プログラムが自動で起動します。</a:t>
             </a:r>
             <a:endParaRPr kumimoji="1" lang="en-US" altLang="ja-JP" dirty="0"/>
           </a:p>
           <a:p>
             <a:r>
               <a:rPr kumimoji="1" lang="ja-JP" altLang="en-US" dirty="0"/>
-              <a:t>これは主に★音声認識・テキスト分類・音声出力までを行うプログラムで、行数も多く内容も複雑なため、</a:t>
+              <a:t>さて、それでは</a:t>
+            </a:r>
+            <a:r>
+              <a:rPr kumimoji="1" lang="en-US" altLang="ja-JP" dirty="0" err="1"/>
+              <a:t>YoSiE</a:t>
+            </a:r>
+            <a:r>
+              <a:rPr kumimoji="1" lang="ja-JP" altLang="en-US" dirty="0"/>
+              <a:t>に機能を実行してもらいましょう。</a:t>
             </a:r>
             <a:endParaRPr kumimoji="1" lang="en-US" altLang="ja-JP" dirty="0"/>
           </a:p>
           <a:p>
             <a:r>
+              <a:rPr kumimoji="1" lang="en-US" altLang="ja-JP" dirty="0"/>
+              <a:t>(</a:t>
+            </a:r>
+            <a:r>
               <a:rPr kumimoji="1" lang="ja-JP" altLang="en-US" dirty="0"/>
-              <a:t>メイン関数の</a:t>
+              <a:t>起動待ち時間は</a:t>
+            </a:r>
+            <a:r>
+              <a:rPr kumimoji="1" lang="ja-JP" altLang="en-US" dirty="0" err="1"/>
+              <a:t>無し</a:t>
+            </a:r>
+            <a:r>
+              <a:rPr kumimoji="1" lang="ja-JP" altLang="en-US" dirty="0"/>
+              <a:t>。スクレイピング・音声ファイル作成は先に済ませておく。</a:t>
             </a:r>
             <a:r>
               <a:rPr kumimoji="1" lang="en-US" altLang="ja-JP" dirty="0"/>
-              <a:t>run</a:t>
+              <a:t>)※2</a:t>
             </a:r>
             <a:r>
               <a:rPr kumimoji="1" lang="ja-JP" altLang="en-US" dirty="0"/>
-              <a:t>関数について簡単に説明します。</a:t>
-            </a:r>
-            <a:endParaRPr kumimoji="1" lang="en-US" altLang="ja-JP" dirty="0"/>
-          </a:p>
-          <a:p>
-            <a:r>
-              <a:rPr kumimoji="1" lang="ja-JP" altLang="en-US" dirty="0"/>
-              <a:t>★</a:t>
-            </a:r>
-            <a:r>
-              <a:rPr kumimoji="1" lang="en-US" altLang="ja-JP" dirty="0"/>
-              <a:t>run</a:t>
-            </a:r>
-            <a:r>
-              <a:rPr kumimoji="1" lang="ja-JP" altLang="en-US" dirty="0"/>
-              <a:t>関数は無限ループになっていて、</a:t>
-            </a:r>
-            <a:endParaRPr kumimoji="1" lang="en-US" altLang="ja-JP" dirty="0"/>
-          </a:p>
-          <a:p>
-            <a:r>
-              <a:rPr kumimoji="1" lang="ja-JP" altLang="en-US" dirty="0"/>
-              <a:t>音声認識後にウェイクワードの識別をし、含まれていればテキスト分類で機能を予測、</a:t>
-            </a:r>
-            <a:endParaRPr kumimoji="1" lang="en-US" altLang="ja-JP" dirty="0"/>
-          </a:p>
-          <a:p>
-            <a:r>
-              <a:rPr kumimoji="1" lang="ja-JP" altLang="en-US" dirty="0"/>
-              <a:t>そして予測した機能を実行するといった流れを繰り返しています。</a:t>
-            </a:r>
-            <a:endParaRPr kumimoji="1" lang="en-US" altLang="ja-JP" dirty="0"/>
-          </a:p>
-          <a:p>
-            <a:r>
-              <a:rPr kumimoji="1" lang="ja-JP" altLang="en-US" dirty="0"/>
-              <a:t>この実行ファイル</a:t>
-            </a:r>
-            <a:r>
-              <a:rPr kumimoji="1" lang="en-US" altLang="ja-JP" dirty="0"/>
-              <a:t>2</a:t>
-            </a:r>
-            <a:r>
-              <a:rPr kumimoji="1" lang="ja-JP" altLang="en-US" dirty="0"/>
-              <a:t>つともクラスルームに挙げておくので、詳しく見たい方はそちらをご覧ください。</a:t>
+              <a:t>分くらい</a:t>
             </a:r>
             <a:endParaRPr kumimoji="1" lang="en-US" altLang="ja-JP" dirty="0"/>
           </a:p>
@@ -6126,7 +6080,7 @@
     </p:spTree>
     <p:extLst>
       <p:ext uri="{BB962C8B-B14F-4D97-AF65-F5344CB8AC3E}">
-        <p14:creationId xmlns:p14="http://schemas.microsoft.com/office/powerpoint/2010/main" val="939948281"/>
+        <p14:creationId xmlns:p14="http://schemas.microsoft.com/office/powerpoint/2010/main" val="2098570260"/>
       </p:ext>
     </p:extLst>
   </p:cSld>
@@ -6332,68 +6286,41 @@
           <a:p>
             <a:r>
               <a:rPr kumimoji="1" lang="ja-JP" altLang="en-US" dirty="0"/>
-              <a:t>それではこれからデモンストレーションを始めたいと思います。</a:t>
+              <a:t>次は</a:t>
+            </a:r>
+            <a:r>
+              <a:rPr kumimoji="1" lang="en-US" altLang="ja-JP" dirty="0"/>
+              <a:t>YoSiE</a:t>
+            </a:r>
+            <a:r>
+              <a:rPr kumimoji="1" lang="ja-JP" altLang="en-US" dirty="0"/>
+              <a:t>の可能性についてです。</a:t>
             </a:r>
             <a:endParaRPr kumimoji="1" lang="en-US" altLang="ja-JP" dirty="0"/>
           </a:p>
           <a:p>
             <a:r>
+              <a:rPr kumimoji="1" lang="en-US" altLang="ja-JP" dirty="0"/>
+              <a:t>YoSiE</a:t>
+            </a:r>
+            <a:r>
               <a:rPr kumimoji="1" lang="ja-JP" altLang="en-US" dirty="0"/>
-              <a:t>ラズパイを立ち上げると、この</a:t>
+              <a:t>をさらに改良していくとすると、考えられる改善点はこのようになりました。</a:t>
+            </a:r>
+            <a:endParaRPr kumimoji="1" lang="en-US" altLang="ja-JP" dirty="0"/>
+          </a:p>
+          <a:p>
+            <a:r>
+              <a:rPr kumimoji="1" lang="ja-JP" altLang="en-US" dirty="0"/>
+              <a:t>もし</a:t>
             </a:r>
             <a:r>
               <a:rPr kumimoji="1" lang="en-US" altLang="ja-JP" dirty="0"/>
-              <a:t>3</a:t>
-            </a:r>
-            <a:r>
-              <a:rPr kumimoji="1" lang="ja-JP" altLang="en-US" dirty="0" err="1"/>
-              <a:t>つの</a:t>
+              <a:t>YoSiE</a:t>
             </a:r>
             <a:r>
               <a:rPr kumimoji="1" lang="ja-JP" altLang="en-US" dirty="0"/>
-              <a:t>プログラムが自動で起動します。</a:t>
-            </a:r>
-            <a:endParaRPr kumimoji="1" lang="en-US" altLang="ja-JP" dirty="0"/>
-          </a:p>
-          <a:p>
-            <a:r>
-              <a:rPr kumimoji="1" lang="ja-JP" altLang="en-US" dirty="0"/>
-              <a:t>さて、それでは</a:t>
-            </a:r>
-            <a:r>
-              <a:rPr kumimoji="1" lang="en-US" altLang="ja-JP" dirty="0" err="1"/>
-              <a:t>YoSiE</a:t>
-            </a:r>
-            <a:r>
-              <a:rPr kumimoji="1" lang="ja-JP" altLang="en-US" dirty="0"/>
-              <a:t>に機能を実行してもらいましょう。</a:t>
-            </a:r>
-            <a:endParaRPr kumimoji="1" lang="en-US" altLang="ja-JP" dirty="0"/>
-          </a:p>
-          <a:p>
-            <a:r>
-              <a:rPr kumimoji="1" lang="en-US" altLang="ja-JP" dirty="0"/>
-              <a:t>(</a:t>
-            </a:r>
-            <a:r>
-              <a:rPr kumimoji="1" lang="ja-JP" altLang="en-US" dirty="0"/>
-              <a:t>起動待ち時間は</a:t>
-            </a:r>
-            <a:r>
-              <a:rPr kumimoji="1" lang="ja-JP" altLang="en-US" dirty="0" err="1"/>
-              <a:t>無し</a:t>
-            </a:r>
-            <a:r>
-              <a:rPr kumimoji="1" lang="ja-JP" altLang="en-US" dirty="0"/>
-              <a:t>。スクレイピング・音声ファイル作成は先に済ませておく。</a:t>
-            </a:r>
-            <a:r>
-              <a:rPr kumimoji="1" lang="en-US" altLang="ja-JP" dirty="0"/>
-              <a:t>)※2</a:t>
-            </a:r>
-            <a:r>
-              <a:rPr kumimoji="1" lang="ja-JP" altLang="en-US" dirty="0"/>
-              <a:t>分くらい</a:t>
+              <a:t>を改良したい方は、是非いろいろとアップデートしてみてください。</a:t>
             </a:r>
             <a:endParaRPr kumimoji="1" lang="en-US" altLang="ja-JP" dirty="0"/>
           </a:p>
@@ -6425,7 +6352,7 @@
     </p:spTree>
     <p:extLst>
       <p:ext uri="{BB962C8B-B14F-4D97-AF65-F5344CB8AC3E}">
-        <p14:creationId xmlns:p14="http://schemas.microsoft.com/office/powerpoint/2010/main" val="2098570260"/>
+        <p14:creationId xmlns:p14="http://schemas.microsoft.com/office/powerpoint/2010/main" val="3288514967"/>
       </p:ext>
     </p:extLst>
   </p:cSld>
@@ -6481,7 +6408,14 @@
           <a:p>
             <a:r>
               <a:rPr kumimoji="1" lang="ja-JP" altLang="en-US" dirty="0"/>
-              <a:t>次は</a:t>
+              <a:t>次にこのプロジェクトのまとめです。</a:t>
+            </a:r>
+            <a:endParaRPr kumimoji="1" lang="en-US" altLang="ja-JP" dirty="0"/>
+          </a:p>
+          <a:p>
+            <a:r>
+              <a:rPr kumimoji="1" lang="ja-JP" altLang="en-US" dirty="0"/>
+              <a:t>作成物は</a:t>
             </a:r>
             <a:r>
               <a:rPr kumimoji="1" lang="en-US" altLang="ja-JP" dirty="0"/>
@@ -6489,35 +6423,77 @@
             </a:r>
             <a:r>
               <a:rPr kumimoji="1" lang="ja-JP" altLang="en-US" dirty="0"/>
-              <a:t>の可能性についてです。</a:t>
+              <a:t>という名前の</a:t>
+            </a:r>
+            <a:r>
+              <a:rPr kumimoji="1" lang="en-US" altLang="ja-JP" dirty="0"/>
+              <a:t>AI</a:t>
+            </a:r>
+            <a:r>
+              <a:rPr kumimoji="1" lang="ja-JP" altLang="en-US" dirty="0"/>
+              <a:t>スピーカーで、音声で問いかけると、音声で返答してくれます。</a:t>
             </a:r>
             <a:endParaRPr kumimoji="1" lang="en-US" altLang="ja-JP" dirty="0"/>
           </a:p>
           <a:p>
             <a:r>
+              <a:rPr kumimoji="1" lang="ja-JP" altLang="en-US" dirty="0"/>
+              <a:t>機能は、天気予報・ニュース・日時・星座占いの</a:t>
+            </a:r>
+            <a:r>
               <a:rPr kumimoji="1" lang="en-US" altLang="ja-JP" dirty="0"/>
-              <a:t>YoSiE</a:t>
+              <a:t>4</a:t>
             </a:r>
             <a:r>
               <a:rPr kumimoji="1" lang="ja-JP" altLang="en-US" dirty="0"/>
-              <a:t>をさらに改良していくとすると、考えられる改善点はこのようになりました。</a:t>
+              <a:t>種類の読み上げです。</a:t>
             </a:r>
             <a:endParaRPr kumimoji="1" lang="en-US" altLang="ja-JP" dirty="0"/>
           </a:p>
           <a:p>
             <a:r>
               <a:rPr kumimoji="1" lang="ja-JP" altLang="en-US" dirty="0"/>
-              <a:t>もし</a:t>
+              <a:t>このプロジェクトの要</a:t>
             </a:r>
             <a:r>
               <a:rPr kumimoji="1" lang="en-US" altLang="ja-JP" dirty="0"/>
-              <a:t>YoSiE</a:t>
+              <a:t>(</a:t>
             </a:r>
             <a:r>
               <a:rPr kumimoji="1" lang="ja-JP" altLang="en-US" dirty="0"/>
-              <a:t>を改良したい方は、是非いろいろとアップデートしてみてください。</a:t>
+              <a:t>かなめ</a:t>
+            </a:r>
+            <a:r>
+              <a:rPr kumimoji="1" lang="en-US" altLang="ja-JP" dirty="0"/>
+              <a:t>)</a:t>
+            </a:r>
+            <a:r>
+              <a:rPr kumimoji="1" lang="ja-JP" altLang="en-US" dirty="0"/>
+              <a:t>は、やはり</a:t>
+            </a:r>
+            <a:r>
+              <a:rPr kumimoji="1" lang="en-US" altLang="ja-JP" dirty="0"/>
+              <a:t>AI</a:t>
+            </a:r>
+            <a:r>
+              <a:rPr kumimoji="1" lang="ja-JP" altLang="en-US" dirty="0"/>
+              <a:t>部分である</a:t>
+            </a:r>
+            <a:r>
+              <a:rPr kumimoji="1" lang="en-US" altLang="ja-JP" dirty="0"/>
+              <a:t>fastText</a:t>
+            </a:r>
+            <a:r>
+              <a:rPr kumimoji="1" lang="ja-JP" altLang="en-US" dirty="0"/>
+              <a:t>によるテキスト分類です。</a:t>
             </a:r>
             <a:endParaRPr kumimoji="1" lang="en-US" altLang="ja-JP" dirty="0"/>
+          </a:p>
+          <a:p>
+            <a:r>
+              <a:rPr kumimoji="1" lang="ja-JP" altLang="en-US" dirty="0"/>
+              <a:t>もし単語でテキスト分類を行いたい場合は、この方法が有効だと思われますので、興味のある方はさらに追及してみてください。</a:t>
+            </a:r>
           </a:p>
         </p:txBody>
       </p:sp>
@@ -6547,7 +6523,7 @@
     </p:spTree>
     <p:extLst>
       <p:ext uri="{BB962C8B-B14F-4D97-AF65-F5344CB8AC3E}">
-        <p14:creationId xmlns:p14="http://schemas.microsoft.com/office/powerpoint/2010/main" val="3288514967"/>
+        <p14:creationId xmlns:p14="http://schemas.microsoft.com/office/powerpoint/2010/main" val="1295503643"/>
       </p:ext>
     </p:extLst>
   </p:cSld>
@@ -6603,91 +6579,7 @@
           <a:p>
             <a:r>
               <a:rPr kumimoji="1" lang="ja-JP" altLang="en-US" dirty="0"/>
-              <a:t>次にこのプロジェクトのまとめです。</a:t>
-            </a:r>
-            <a:endParaRPr kumimoji="1" lang="en-US" altLang="ja-JP" dirty="0"/>
-          </a:p>
-          <a:p>
-            <a:r>
-              <a:rPr kumimoji="1" lang="ja-JP" altLang="en-US" dirty="0"/>
-              <a:t>作成物は</a:t>
-            </a:r>
-            <a:r>
-              <a:rPr kumimoji="1" lang="en-US" altLang="ja-JP" dirty="0"/>
-              <a:t>YoSiE</a:t>
-            </a:r>
-            <a:r>
-              <a:rPr kumimoji="1" lang="ja-JP" altLang="en-US" dirty="0"/>
-              <a:t>という名前の</a:t>
-            </a:r>
-            <a:r>
-              <a:rPr kumimoji="1" lang="en-US" altLang="ja-JP" dirty="0"/>
-              <a:t>AI</a:t>
-            </a:r>
-            <a:r>
-              <a:rPr kumimoji="1" lang="ja-JP" altLang="en-US" dirty="0"/>
-              <a:t>スピーカーで、音声で問いかけると、音声で返答してくれます。</a:t>
-            </a:r>
-            <a:endParaRPr kumimoji="1" lang="en-US" altLang="ja-JP" dirty="0"/>
-          </a:p>
-          <a:p>
-            <a:r>
-              <a:rPr kumimoji="1" lang="ja-JP" altLang="en-US" dirty="0"/>
-              <a:t>機能は、天気予報・ニュース・日時・星座占いの</a:t>
-            </a:r>
-            <a:r>
-              <a:rPr kumimoji="1" lang="en-US" altLang="ja-JP" dirty="0"/>
-              <a:t>4</a:t>
-            </a:r>
-            <a:r>
-              <a:rPr kumimoji="1" lang="ja-JP" altLang="en-US" dirty="0"/>
-              <a:t>種類の読み上げです。</a:t>
-            </a:r>
-            <a:endParaRPr kumimoji="1" lang="en-US" altLang="ja-JP" dirty="0"/>
-          </a:p>
-          <a:p>
-            <a:r>
-              <a:rPr kumimoji="1" lang="ja-JP" altLang="en-US" dirty="0"/>
-              <a:t>このプロジェクトの要</a:t>
-            </a:r>
-            <a:r>
-              <a:rPr kumimoji="1" lang="en-US" altLang="ja-JP" dirty="0"/>
-              <a:t>(</a:t>
-            </a:r>
-            <a:r>
-              <a:rPr kumimoji="1" lang="ja-JP" altLang="en-US" dirty="0"/>
-              <a:t>かなめ</a:t>
-            </a:r>
-            <a:r>
-              <a:rPr kumimoji="1" lang="en-US" altLang="ja-JP" dirty="0"/>
-              <a:t>)</a:t>
-            </a:r>
-            <a:r>
-              <a:rPr kumimoji="1" lang="ja-JP" altLang="en-US" dirty="0"/>
-              <a:t>は、やはり</a:t>
-            </a:r>
-            <a:r>
-              <a:rPr kumimoji="1" lang="en-US" altLang="ja-JP" dirty="0"/>
-              <a:t>AI</a:t>
-            </a:r>
-            <a:r>
-              <a:rPr kumimoji="1" lang="ja-JP" altLang="en-US" dirty="0"/>
-              <a:t>部分である</a:t>
-            </a:r>
-            <a:r>
-              <a:rPr kumimoji="1" lang="en-US" altLang="ja-JP" dirty="0"/>
-              <a:t>fastText</a:t>
-            </a:r>
-            <a:r>
-              <a:rPr kumimoji="1" lang="ja-JP" altLang="en-US" dirty="0"/>
-              <a:t>によるテキスト分類です。</a:t>
-            </a:r>
-            <a:endParaRPr kumimoji="1" lang="en-US" altLang="ja-JP" dirty="0"/>
-          </a:p>
-          <a:p>
-            <a:r>
-              <a:rPr kumimoji="1" lang="ja-JP" altLang="en-US" dirty="0"/>
-              <a:t>もし単語でテキスト分類を行いたい場合は、この方法が有効だと思われますので、興味のある方はさらに追及してみてください。</a:t>
+              <a:t>それでは最後にチームメンバーを紹介します。</a:t>
             </a:r>
           </a:p>
         </p:txBody>
@@ -6718,7 +6610,7 @@
     </p:spTree>
     <p:extLst>
       <p:ext uri="{BB962C8B-B14F-4D97-AF65-F5344CB8AC3E}">
-        <p14:creationId xmlns:p14="http://schemas.microsoft.com/office/powerpoint/2010/main" val="1295503643"/>
+        <p14:creationId xmlns:p14="http://schemas.microsoft.com/office/powerpoint/2010/main" val="3153989695"/>
       </p:ext>
     </p:extLst>
   </p:cSld>
@@ -6774,7 +6666,29 @@
           <a:p>
             <a:r>
               <a:rPr kumimoji="1" lang="ja-JP" altLang="en-US" dirty="0"/>
-              <a:t>それでは最後にチームメンバーを紹介します。</a:t>
+              <a:t>これで</a:t>
+            </a:r>
+            <a:r>
+              <a:rPr kumimoji="1" lang="en-US" altLang="ja-JP" dirty="0"/>
+              <a:t>AI</a:t>
+            </a:r>
+            <a:r>
+              <a:rPr kumimoji="1" lang="ja-JP" altLang="en-US" dirty="0"/>
+              <a:t>スピーカー開発の発表を終わります。</a:t>
+            </a:r>
+            <a:endParaRPr kumimoji="1" lang="en-US" altLang="ja-JP" dirty="0"/>
+          </a:p>
+          <a:p>
+            <a:r>
+              <a:rPr kumimoji="1" lang="ja-JP" altLang="en-US" dirty="0"/>
+              <a:t>ご清聴ありがとうございました。</a:t>
+            </a:r>
+            <a:endParaRPr kumimoji="1" lang="en-US" altLang="ja-JP" dirty="0"/>
+          </a:p>
+          <a:p>
+            <a:r>
+              <a:rPr kumimoji="1" lang="ja-JP" altLang="en-US" dirty="0"/>
+              <a:t>これから、質問対応に移ります。</a:t>
             </a:r>
           </a:p>
         </p:txBody>
@@ -6796,7 +6710,7 @@
           <a:p>
             <a:fld id="{1A2E7C28-4903-4521-8E60-0F80C627678B}" type="slidenum">
               <a:rPr kumimoji="1" lang="ja-JP" altLang="en-US" smtClean="0"/>
-              <a:t>33</a:t>
+              <a:t>34</a:t>
             </a:fld>
             <a:endParaRPr kumimoji="1" lang="ja-JP" altLang="en-US"/>
           </a:p>
@@ -6805,7 +6719,7 @@
     </p:spTree>
     <p:extLst>
       <p:ext uri="{BB962C8B-B14F-4D97-AF65-F5344CB8AC3E}">
-        <p14:creationId xmlns:p14="http://schemas.microsoft.com/office/powerpoint/2010/main" val="3153989695"/>
+        <p14:creationId xmlns:p14="http://schemas.microsoft.com/office/powerpoint/2010/main" val="2772600148"/>
       </p:ext>
     </p:extLst>
   </p:cSld>
@@ -6859,32 +6773,7 @@
           <a:bodyPr/>
           <a:lstStyle/>
           <a:p>
-            <a:r>
-              <a:rPr kumimoji="1" lang="ja-JP" altLang="en-US" dirty="0"/>
-              <a:t>これで</a:t>
-            </a:r>
-            <a:r>
-              <a:rPr kumimoji="1" lang="en-US" altLang="ja-JP" dirty="0"/>
-              <a:t>AI</a:t>
-            </a:r>
-            <a:r>
-              <a:rPr kumimoji="1" lang="ja-JP" altLang="en-US" dirty="0"/>
-              <a:t>スピーカー開発の発表を終わります。</a:t>
-            </a:r>
-            <a:endParaRPr kumimoji="1" lang="en-US" altLang="ja-JP" dirty="0"/>
-          </a:p>
-          <a:p>
-            <a:r>
-              <a:rPr kumimoji="1" lang="ja-JP" altLang="en-US" dirty="0"/>
-              <a:t>ご清聴ありがとうございました。</a:t>
-            </a:r>
-            <a:endParaRPr kumimoji="1" lang="en-US" altLang="ja-JP" dirty="0"/>
-          </a:p>
-          <a:p>
-            <a:r>
-              <a:rPr kumimoji="1" lang="ja-JP" altLang="en-US" dirty="0"/>
-              <a:t>これから、質問対応に移ります。</a:t>
-            </a:r>
+            <a:endParaRPr kumimoji="1" lang="ja-JP" altLang="en-US" dirty="0"/>
           </a:p>
         </p:txBody>
       </p:sp>
@@ -6914,7 +6803,7 @@
     </p:spTree>
     <p:extLst>
       <p:ext uri="{BB962C8B-B14F-4D97-AF65-F5344CB8AC3E}">
-        <p14:creationId xmlns:p14="http://schemas.microsoft.com/office/powerpoint/2010/main" val="2772600148"/>
+        <p14:creationId xmlns:p14="http://schemas.microsoft.com/office/powerpoint/2010/main" val="2536235001"/>
       </p:ext>
     </p:extLst>
   </p:cSld>
@@ -6968,6 +6857,117 @@
           <a:bodyPr/>
           <a:lstStyle/>
           <a:p>
+            <a:r>
+              <a:rPr lang="en-US" altLang="ja-JP" dirty="0"/>
+              <a:t>fastText</a:t>
+            </a:r>
+            <a:r>
+              <a:rPr lang="ja-JP" altLang="en-US" dirty="0"/>
+              <a:t>がどのように確率を計算するかを簡単に説明します。</a:t>
+            </a:r>
+            <a:endParaRPr lang="en-US" altLang="ja-JP" dirty="0"/>
+          </a:p>
+          <a:p>
+            <a:r>
+              <a:rPr lang="en-US" altLang="ja-JP" dirty="0"/>
+              <a:t>fastText</a:t>
+            </a:r>
+            <a:r>
+              <a:rPr lang="ja-JP" altLang="en-US" dirty="0"/>
+              <a:t>は、単語とクラスの関連性を</a:t>
+            </a:r>
+            <a:r>
+              <a:rPr kumimoji="1" lang="en-US" altLang="ja-JP" sz="1200" b="0" i="0" kern="1200" dirty="0">
+                <a:solidFill>
+                  <a:schemeClr val="tx1"/>
+                </a:solidFill>
+                <a:effectLst/>
+                <a:latin typeface="+mn-lt"/>
+                <a:ea typeface="+mn-ea"/>
+                <a:cs typeface="+mn-cs"/>
+              </a:rPr>
+              <a:t>0〜</a:t>
+            </a:r>
+            <a:r>
+              <a:rPr kumimoji="1" lang="ja-JP" altLang="en-US" sz="1200" b="0" i="0" kern="1200" dirty="0">
+                <a:solidFill>
+                  <a:schemeClr val="tx1"/>
+                </a:solidFill>
+                <a:effectLst/>
+                <a:latin typeface="+mn-lt"/>
+                <a:ea typeface="+mn-ea"/>
+                <a:cs typeface="+mn-cs"/>
+              </a:rPr>
+              <a:t>１の間の実数で</a:t>
+            </a:r>
+            <a:r>
+              <a:rPr kumimoji="1" lang="ja-JP" altLang="en-US" dirty="0"/>
+              <a:t>表現します。</a:t>
+            </a:r>
+            <a:endParaRPr kumimoji="1" lang="en-US" altLang="ja-JP" dirty="0"/>
+          </a:p>
+          <a:p>
+            <a:r>
+              <a:rPr kumimoji="1" lang="ja-JP" altLang="en-US" dirty="0"/>
+              <a:t>例えば、先程のトレーニングデータの学習モデルを使用して、</a:t>
+            </a:r>
+            <a:endParaRPr kumimoji="1" lang="en-US" altLang="ja-JP" dirty="0"/>
+          </a:p>
+          <a:p>
+            <a:r>
+              <a:rPr kumimoji="1" lang="ja-JP" altLang="en-US" dirty="0"/>
+              <a:t>「天気」、「晴れ」という名詞の、各</a:t>
+            </a:r>
+            <a:r>
+              <a:rPr kumimoji="1" lang="ja-JP" altLang="en-US" sz="1200" b="0" i="0" kern="1200" dirty="0">
+                <a:solidFill>
+                  <a:schemeClr val="tx1"/>
+                </a:solidFill>
+                <a:effectLst/>
+                <a:latin typeface="+mn-lt"/>
+                <a:ea typeface="+mn-ea"/>
+                <a:cs typeface="+mn-cs"/>
+              </a:rPr>
+              <a:t>クラスに対する関連の度合いを表すと、このようになります。</a:t>
+            </a:r>
+            <a:endParaRPr kumimoji="1" lang="en-US" altLang="ja-JP" sz="1200" b="0" i="0" kern="1200" dirty="0">
+              <a:solidFill>
+                <a:schemeClr val="tx1"/>
+              </a:solidFill>
+              <a:effectLst/>
+              <a:latin typeface="+mn-lt"/>
+              <a:ea typeface="+mn-ea"/>
+              <a:cs typeface="+mn-cs"/>
+            </a:endParaRPr>
+          </a:p>
+          <a:p>
+            <a:r>
+              <a:rPr kumimoji="1" lang="ja-JP" altLang="en-US" sz="1200" b="0" i="0" kern="1200" dirty="0">
+                <a:solidFill>
+                  <a:schemeClr val="tx1"/>
+                </a:solidFill>
+                <a:effectLst/>
+                <a:latin typeface="+mn-lt"/>
+                <a:ea typeface="+mn-ea"/>
+                <a:cs typeface="+mn-cs"/>
+              </a:rPr>
+              <a:t>関連の度合いが高いのは、天気予報クラスなので、従って天気予報クラスの確率が高くなる、というわけです。</a:t>
+            </a:r>
+            <a:r>
+              <a:rPr kumimoji="1" lang="en-US" altLang="ja-JP" sz="1200" b="0" i="0" kern="1200" dirty="0">
+                <a:solidFill>
+                  <a:schemeClr val="tx1"/>
+                </a:solidFill>
+                <a:effectLst/>
+                <a:latin typeface="+mn-lt"/>
+                <a:ea typeface="+mn-ea"/>
+                <a:cs typeface="+mn-cs"/>
+              </a:rPr>
+              <a:t>※</a:t>
+            </a:r>
+            <a:endParaRPr kumimoji="1" lang="en-US" altLang="ja-JP" dirty="0"/>
+          </a:p>
+          <a:p>
             <a:endParaRPr kumimoji="1" lang="ja-JP" altLang="en-US" dirty="0"/>
           </a:p>
         </p:txBody>
@@ -6989,7 +6989,7 @@
           <a:p>
             <a:fld id="{1A2E7C28-4903-4521-8E60-0F80C627678B}" type="slidenum">
               <a:rPr kumimoji="1" lang="ja-JP" altLang="en-US" smtClean="0"/>
-              <a:t>36</a:t>
+              <a:t>42</a:t>
             </a:fld>
             <a:endParaRPr kumimoji="1" lang="ja-JP" altLang="en-US"/>
           </a:p>
@@ -6998,7 +6998,7 @@
     </p:spTree>
     <p:extLst>
       <p:ext uri="{BB962C8B-B14F-4D97-AF65-F5344CB8AC3E}">
-        <p14:creationId xmlns:p14="http://schemas.microsoft.com/office/powerpoint/2010/main" val="2536235001"/>
+        <p14:creationId xmlns:p14="http://schemas.microsoft.com/office/powerpoint/2010/main" val="1135283845"/>
       </p:ext>
     </p:extLst>
   </p:cSld>
@@ -7978,7 +7978,7 @@
           <a:p>
             <a:fld id="{C63D219B-6862-4E6A-9F9E-C4C4759712F9}" type="datetimeFigureOut">
               <a:rPr kumimoji="